--- a/volunteer/Drawings.pptx
+++ b/volunteer/Drawings.pptx
@@ -7,6 +7,10 @@
   <p:sldIdLst>
     <p:sldId id="256" r:id="rId2"/>
     <p:sldId id="257" r:id="rId3"/>
+    <p:sldId id="258" r:id="rId4"/>
+    <p:sldId id="259" r:id="rId5"/>
+    <p:sldId id="260" r:id="rId6"/>
+    <p:sldId id="261" r:id="rId7"/>
   </p:sldIdLst>
   <p:sldSz cx="12192000" cy="6858000"/>
   <p:notesSz cx="6858000" cy="9144000"/>
@@ -105,6 +109,11 @@
       </a:defRPr>
     </a:lvl9pPr>
   </p:defaultTextStyle>
+  <p:extLst>
+    <p:ext uri="{EFAFB233-063F-42B5-8137-9DF3F51BA10A}">
+      <p15:sldGuideLst xmlns:p15="http://schemas.microsoft.com/office/powerpoint/2012/main"/>
+    </p:ext>
+  </p:extLst>
 </p:presentation>
 </file>
 
@@ -255,7 +264,7 @@
           <a:p>
             <a:fld id="{F0249701-11FC-451D-B9AC-2A68C1C5D58E}" type="datetimeFigureOut">
               <a:rPr lang="en-US" smtClean="0"/>
-              <a:t>5/1/2024</a:t>
+              <a:t>6/14/2024</a:t>
             </a:fld>
             <a:endParaRPr lang="en-US"/>
           </a:p>
@@ -453,7 +462,7 @@
           <a:p>
             <a:fld id="{F0249701-11FC-451D-B9AC-2A68C1C5D58E}" type="datetimeFigureOut">
               <a:rPr lang="en-US" smtClean="0"/>
-              <a:t>5/1/2024</a:t>
+              <a:t>6/14/2024</a:t>
             </a:fld>
             <a:endParaRPr lang="en-US"/>
           </a:p>
@@ -661,7 +670,7 @@
           <a:p>
             <a:fld id="{F0249701-11FC-451D-B9AC-2A68C1C5D58E}" type="datetimeFigureOut">
               <a:rPr lang="en-US" smtClean="0"/>
-              <a:t>5/1/2024</a:t>
+              <a:t>6/14/2024</a:t>
             </a:fld>
             <a:endParaRPr lang="en-US"/>
           </a:p>
@@ -859,7 +868,7 @@
           <a:p>
             <a:fld id="{F0249701-11FC-451D-B9AC-2A68C1C5D58E}" type="datetimeFigureOut">
               <a:rPr lang="en-US" smtClean="0"/>
-              <a:t>5/1/2024</a:t>
+              <a:t>6/14/2024</a:t>
             </a:fld>
             <a:endParaRPr lang="en-US"/>
           </a:p>
@@ -1134,7 +1143,7 @@
           <a:p>
             <a:fld id="{F0249701-11FC-451D-B9AC-2A68C1C5D58E}" type="datetimeFigureOut">
               <a:rPr lang="en-US" smtClean="0"/>
-              <a:t>5/1/2024</a:t>
+              <a:t>6/14/2024</a:t>
             </a:fld>
             <a:endParaRPr lang="en-US"/>
           </a:p>
@@ -1399,7 +1408,7 @@
           <a:p>
             <a:fld id="{F0249701-11FC-451D-B9AC-2A68C1C5D58E}" type="datetimeFigureOut">
               <a:rPr lang="en-US" smtClean="0"/>
-              <a:t>5/1/2024</a:t>
+              <a:t>6/14/2024</a:t>
             </a:fld>
             <a:endParaRPr lang="en-US"/>
           </a:p>
@@ -1811,7 +1820,7 @@
           <a:p>
             <a:fld id="{F0249701-11FC-451D-B9AC-2A68C1C5D58E}" type="datetimeFigureOut">
               <a:rPr lang="en-US" smtClean="0"/>
-              <a:t>5/1/2024</a:t>
+              <a:t>6/14/2024</a:t>
             </a:fld>
             <a:endParaRPr lang="en-US"/>
           </a:p>
@@ -1952,7 +1961,7 @@
           <a:p>
             <a:fld id="{F0249701-11FC-451D-B9AC-2A68C1C5D58E}" type="datetimeFigureOut">
               <a:rPr lang="en-US" smtClean="0"/>
-              <a:t>5/1/2024</a:t>
+              <a:t>6/14/2024</a:t>
             </a:fld>
             <a:endParaRPr lang="en-US"/>
           </a:p>
@@ -2065,7 +2074,7 @@
           <a:p>
             <a:fld id="{F0249701-11FC-451D-B9AC-2A68C1C5D58E}" type="datetimeFigureOut">
               <a:rPr lang="en-US" smtClean="0"/>
-              <a:t>5/1/2024</a:t>
+              <a:t>6/14/2024</a:t>
             </a:fld>
             <a:endParaRPr lang="en-US"/>
           </a:p>
@@ -2376,7 +2385,7 @@
           <a:p>
             <a:fld id="{F0249701-11FC-451D-B9AC-2A68C1C5D58E}" type="datetimeFigureOut">
               <a:rPr lang="en-US" smtClean="0"/>
-              <a:t>5/1/2024</a:t>
+              <a:t>6/14/2024</a:t>
             </a:fld>
             <a:endParaRPr lang="en-US"/>
           </a:p>
@@ -2664,7 +2673,7 @@
           <a:p>
             <a:fld id="{F0249701-11FC-451D-B9AC-2A68C1C5D58E}" type="datetimeFigureOut">
               <a:rPr lang="en-US" smtClean="0"/>
-              <a:t>5/1/2024</a:t>
+              <a:t>6/14/2024</a:t>
             </a:fld>
             <a:endParaRPr lang="en-US"/>
           </a:p>
@@ -2905,7 +2914,7 @@
           <a:p>
             <a:fld id="{F0249701-11FC-451D-B9AC-2A68C1C5D58E}" type="datetimeFigureOut">
               <a:rPr lang="en-US" smtClean="0"/>
-              <a:t>5/1/2024</a:t>
+              <a:t>6/14/2024</a:t>
             </a:fld>
             <a:endParaRPr lang="en-US"/>
           </a:p>
@@ -3789,8 +3798,8 @@
           </a:fontRef>
         </p:style>
       </p:cxnSp>
-      <mc:AlternateContent xmlns:mc="http://schemas.openxmlformats.org/markup-compatibility/2006">
-        <mc:Choice xmlns:a14="http://schemas.microsoft.com/office/drawing/2010/main" Requires="a14">
+      <mc:AlternateContent xmlns:mc="http://schemas.openxmlformats.org/markup-compatibility/2006" xmlns:a14="http://schemas.microsoft.com/office/drawing/2010/main">
+        <mc:Choice Requires="a14">
           <p:sp>
             <p:nvSpPr>
               <p:cNvPr id="26" name="TextBox 25">
@@ -3819,6 +3828,7 @@
               </a:bodyPr>
               <a:lstStyle/>
               <a:p>
+                <a:pPr/>
                 <a14:m>
                   <m:oMathPara xmlns:m="http://schemas.openxmlformats.org/officeDocument/2006/math">
                     <m:oMathParaPr>
@@ -3870,7 +3880,7 @@
             </p:txBody>
           </p:sp>
         </mc:Choice>
-        <mc:Fallback>
+        <mc:Fallback xmlns="">
           <p:sp>
             <p:nvSpPr>
               <p:cNvPr id="26" name="TextBox 25">
@@ -3915,8 +3925,8 @@
           </p:sp>
         </mc:Fallback>
       </mc:AlternateContent>
-      <mc:AlternateContent xmlns:mc="http://schemas.openxmlformats.org/markup-compatibility/2006">
-        <mc:Choice xmlns:a14="http://schemas.microsoft.com/office/drawing/2010/main" Requires="a14">
+      <mc:AlternateContent xmlns:mc="http://schemas.openxmlformats.org/markup-compatibility/2006" xmlns:a14="http://schemas.microsoft.com/office/drawing/2010/main">
+        <mc:Choice Requires="a14">
           <p:sp>
             <p:nvSpPr>
               <p:cNvPr id="27" name="TextBox 26">
@@ -3945,6 +3955,7 @@
               </a:bodyPr>
               <a:lstStyle/>
               <a:p>
+                <a:pPr/>
                 <a14:m>
                   <m:oMathPara xmlns:m="http://schemas.openxmlformats.org/officeDocument/2006/math">
                     <m:oMathParaPr>
@@ -3996,7 +4007,7 @@
             </p:txBody>
           </p:sp>
         </mc:Choice>
-        <mc:Fallback>
+        <mc:Fallback xmlns="">
           <p:sp>
             <p:nvSpPr>
               <p:cNvPr id="27" name="TextBox 26">
@@ -4041,8 +4052,8 @@
           </p:sp>
         </mc:Fallback>
       </mc:AlternateContent>
-      <mc:AlternateContent xmlns:mc="http://schemas.openxmlformats.org/markup-compatibility/2006">
-        <mc:Choice xmlns:a14="http://schemas.microsoft.com/office/drawing/2010/main" Requires="a14">
+      <mc:AlternateContent xmlns:mc="http://schemas.openxmlformats.org/markup-compatibility/2006" xmlns:a14="http://schemas.microsoft.com/office/drawing/2010/main">
+        <mc:Choice Requires="a14">
           <p:sp>
             <p:nvSpPr>
               <p:cNvPr id="28" name="TextBox 27">
@@ -4071,6 +4082,7 @@
               </a:bodyPr>
               <a:lstStyle/>
               <a:p>
+                <a:pPr/>
                 <a14:m>
                   <m:oMathPara xmlns:m="http://schemas.openxmlformats.org/officeDocument/2006/math">
                     <m:oMathParaPr>
@@ -4128,7 +4140,7 @@
             </p:txBody>
           </p:sp>
         </mc:Choice>
-        <mc:Fallback>
+        <mc:Fallback xmlns="">
           <p:sp>
             <p:nvSpPr>
               <p:cNvPr id="28" name="TextBox 27">
@@ -4173,8 +4185,8 @@
           </p:sp>
         </mc:Fallback>
       </mc:AlternateContent>
-      <mc:AlternateContent xmlns:mc="http://schemas.openxmlformats.org/markup-compatibility/2006">
-        <mc:Choice xmlns:a14="http://schemas.microsoft.com/office/drawing/2010/main" Requires="a14">
+      <mc:AlternateContent xmlns:mc="http://schemas.openxmlformats.org/markup-compatibility/2006" xmlns:a14="http://schemas.microsoft.com/office/drawing/2010/main">
+        <mc:Choice Requires="a14">
           <p:sp>
             <p:nvSpPr>
               <p:cNvPr id="29" name="TextBox 28">
@@ -4203,6 +4215,7 @@
               </a:bodyPr>
               <a:lstStyle/>
               <a:p>
+                <a:pPr/>
                 <a14:m>
                   <m:oMathPara xmlns:m="http://schemas.openxmlformats.org/officeDocument/2006/math">
                     <m:oMathParaPr>
@@ -4260,7 +4273,7 @@
             </p:txBody>
           </p:sp>
         </mc:Choice>
-        <mc:Fallback>
+        <mc:Fallback xmlns="">
           <p:sp>
             <p:nvSpPr>
               <p:cNvPr id="29" name="TextBox 28">
@@ -4305,8 +4318,8 @@
           </p:sp>
         </mc:Fallback>
       </mc:AlternateContent>
-      <mc:AlternateContent xmlns:mc="http://schemas.openxmlformats.org/markup-compatibility/2006">
-        <mc:Choice xmlns:a14="http://schemas.microsoft.com/office/drawing/2010/main" Requires="a14">
+      <mc:AlternateContent xmlns:mc="http://schemas.openxmlformats.org/markup-compatibility/2006" xmlns:a14="http://schemas.microsoft.com/office/drawing/2010/main">
+        <mc:Choice Requires="a14">
           <p:sp>
             <p:nvSpPr>
               <p:cNvPr id="30" name="TextBox 29">
@@ -4335,6 +4348,7 @@
               </a:bodyPr>
               <a:lstStyle/>
               <a:p>
+                <a:pPr/>
                 <a14:m>
                   <m:oMathPara xmlns:m="http://schemas.openxmlformats.org/officeDocument/2006/math">
                     <m:oMathParaPr>
@@ -4412,7 +4426,7 @@
             </p:txBody>
           </p:sp>
         </mc:Choice>
-        <mc:Fallback>
+        <mc:Fallback xmlns="">
           <p:sp>
             <p:nvSpPr>
               <p:cNvPr id="30" name="TextBox 29">
@@ -4457,8 +4471,8 @@
           </p:sp>
         </mc:Fallback>
       </mc:AlternateContent>
-      <mc:AlternateContent xmlns:mc="http://schemas.openxmlformats.org/markup-compatibility/2006">
-        <mc:Choice xmlns:a14="http://schemas.microsoft.com/office/drawing/2010/main" Requires="a14">
+      <mc:AlternateContent xmlns:mc="http://schemas.openxmlformats.org/markup-compatibility/2006" xmlns:a14="http://schemas.microsoft.com/office/drawing/2010/main">
+        <mc:Choice Requires="a14">
           <p:sp>
             <p:nvSpPr>
               <p:cNvPr id="31" name="TextBox 30">
@@ -4487,6 +4501,7 @@
               </a:bodyPr>
               <a:lstStyle/>
               <a:p>
+                <a:pPr/>
                 <a14:m>
                   <m:oMathPara xmlns:m="http://schemas.openxmlformats.org/officeDocument/2006/math">
                     <m:oMathParaPr>
@@ -4564,7 +4579,7 @@
             </p:txBody>
           </p:sp>
         </mc:Choice>
-        <mc:Fallback>
+        <mc:Fallback xmlns="">
           <p:sp>
             <p:nvSpPr>
               <p:cNvPr id="31" name="TextBox 30">
@@ -4609,8 +4624,8 @@
           </p:sp>
         </mc:Fallback>
       </mc:AlternateContent>
-      <mc:AlternateContent xmlns:mc="http://schemas.openxmlformats.org/markup-compatibility/2006">
-        <mc:Choice xmlns:a14="http://schemas.microsoft.com/office/drawing/2010/main" Requires="a14">
+      <mc:AlternateContent xmlns:mc="http://schemas.openxmlformats.org/markup-compatibility/2006" xmlns:a14="http://schemas.microsoft.com/office/drawing/2010/main">
+        <mc:Choice Requires="a14">
           <p:sp>
             <p:nvSpPr>
               <p:cNvPr id="34" name="TextBox 33">
@@ -4639,6 +4654,7 @@
               </a:bodyPr>
               <a:lstStyle/>
               <a:p>
+                <a:pPr/>
                 <a14:m>
                   <m:oMathPara xmlns:m="http://schemas.openxmlformats.org/officeDocument/2006/math">
                     <m:oMathParaPr>
@@ -4716,7 +4732,7 @@
             </p:txBody>
           </p:sp>
         </mc:Choice>
-        <mc:Fallback>
+        <mc:Fallback xmlns="">
           <p:sp>
             <p:nvSpPr>
               <p:cNvPr id="34" name="TextBox 33">
@@ -4761,8 +4777,8 @@
           </p:sp>
         </mc:Fallback>
       </mc:AlternateContent>
-      <mc:AlternateContent xmlns:mc="http://schemas.openxmlformats.org/markup-compatibility/2006">
-        <mc:Choice xmlns:a14="http://schemas.microsoft.com/office/drawing/2010/main" Requires="a14">
+      <mc:AlternateContent xmlns:mc="http://schemas.openxmlformats.org/markup-compatibility/2006" xmlns:a14="http://schemas.microsoft.com/office/drawing/2010/main">
+        <mc:Choice Requires="a14">
           <p:sp>
             <p:nvSpPr>
               <p:cNvPr id="35" name="TextBox 34">
@@ -4791,6 +4807,7 @@
               </a:bodyPr>
               <a:lstStyle/>
               <a:p>
+                <a:pPr/>
                 <a14:m>
                   <m:oMathPara xmlns:m="http://schemas.openxmlformats.org/officeDocument/2006/math">
                     <m:oMathParaPr>
@@ -4858,7 +4875,7 @@
             </p:txBody>
           </p:sp>
         </mc:Choice>
-        <mc:Fallback>
+        <mc:Fallback xmlns="">
           <p:sp>
             <p:nvSpPr>
               <p:cNvPr id="35" name="TextBox 34">
@@ -4903,8 +4920,8 @@
           </p:sp>
         </mc:Fallback>
       </mc:AlternateContent>
-      <mc:AlternateContent xmlns:mc="http://schemas.openxmlformats.org/markup-compatibility/2006">
-        <mc:Choice xmlns:a14="http://schemas.microsoft.com/office/drawing/2010/main" Requires="a14">
+      <mc:AlternateContent xmlns:mc="http://schemas.openxmlformats.org/markup-compatibility/2006" xmlns:a14="http://schemas.microsoft.com/office/drawing/2010/main">
+        <mc:Choice Requires="a14">
           <p:sp>
             <p:nvSpPr>
               <p:cNvPr id="36" name="TextBox 35">
@@ -4933,6 +4950,7 @@
               </a:bodyPr>
               <a:lstStyle/>
               <a:p>
+                <a:pPr/>
                 <a14:m>
                   <m:oMathPara xmlns:m="http://schemas.openxmlformats.org/officeDocument/2006/math">
                     <m:oMathParaPr>
@@ -5000,7 +5018,7 @@
             </p:txBody>
           </p:sp>
         </mc:Choice>
-        <mc:Fallback>
+        <mc:Fallback xmlns="">
           <p:sp>
             <p:nvSpPr>
               <p:cNvPr id="36" name="TextBox 35">
@@ -5049,6 +5067,3044 @@
     <p:extLst>
       <p:ext uri="{BB962C8B-B14F-4D97-AF65-F5344CB8AC3E}">
         <p14:creationId xmlns:p14="http://schemas.microsoft.com/office/powerpoint/2010/main" val="2083876014"/>
+      </p:ext>
+    </p:extLst>
+  </p:cSld>
+  <p:clrMapOvr>
+    <a:masterClrMapping/>
+  </p:clrMapOvr>
+</p:sld>
+</file>
+
+<file path=ppt/slides/slide3.xml><?xml version="1.0" encoding="utf-8"?>
+<p:sld xmlns:a="http://schemas.openxmlformats.org/drawingml/2006/main" xmlns:r="http://schemas.openxmlformats.org/officeDocument/2006/relationships" xmlns:p="http://schemas.openxmlformats.org/presentationml/2006/main">
+  <p:cSld>
+    <p:spTree>
+      <p:nvGrpSpPr>
+        <p:cNvPr id="1" name=""/>
+        <p:cNvGrpSpPr/>
+        <p:nvPr/>
+      </p:nvGrpSpPr>
+      <p:grpSpPr>
+        <a:xfrm>
+          <a:off x="0" y="0"/>
+          <a:ext cx="0" cy="0"/>
+          <a:chOff x="0" y="0"/>
+          <a:chExt cx="0" cy="0"/>
+        </a:xfrm>
+      </p:grpSpPr>
+      <p:sp>
+        <p:nvSpPr>
+          <p:cNvPr id="31" name="Rectangle 30">
+            <a:extLst>
+              <a:ext uri="{FF2B5EF4-FFF2-40B4-BE49-F238E27FC236}">
+                <a16:creationId xmlns:a16="http://schemas.microsoft.com/office/drawing/2014/main" id="{D6F7607D-9487-4255-B434-E65BF205BC1C}"/>
+              </a:ext>
+            </a:extLst>
+          </p:cNvPr>
+          <p:cNvSpPr/>
+          <p:nvPr/>
+        </p:nvSpPr>
+        <p:spPr>
+          <a:xfrm rot="8636805">
+            <a:off x="4583941" y="3431584"/>
+            <a:ext cx="187245" cy="236344"/>
+          </a:xfrm>
+          <a:prstGeom prst="rect">
+            <a:avLst/>
+          </a:prstGeom>
+          <a:noFill/>
+          <a:ln>
+            <a:solidFill>
+              <a:schemeClr val="tx1"/>
+            </a:solidFill>
+          </a:ln>
+        </p:spPr>
+        <p:style>
+          <a:lnRef idx="2">
+            <a:schemeClr val="accent1">
+              <a:shade val="50000"/>
+            </a:schemeClr>
+          </a:lnRef>
+          <a:fillRef idx="1">
+            <a:schemeClr val="accent1"/>
+          </a:fillRef>
+          <a:effectRef idx="0">
+            <a:schemeClr val="accent1"/>
+          </a:effectRef>
+          <a:fontRef idx="minor">
+            <a:schemeClr val="lt1"/>
+          </a:fontRef>
+        </p:style>
+        <p:txBody>
+          <a:bodyPr rtlCol="0" anchor="ctr"/>
+          <a:lstStyle/>
+          <a:p>
+            <a:pPr algn="ctr"/>
+            <a:endParaRPr lang="en-US"/>
+          </a:p>
+        </p:txBody>
+      </p:sp>
+      <p:cxnSp>
+        <p:nvCxnSpPr>
+          <p:cNvPr id="3" name="Straight Connector 2">
+            <a:extLst>
+              <a:ext uri="{FF2B5EF4-FFF2-40B4-BE49-F238E27FC236}">
+                <a16:creationId xmlns:a16="http://schemas.microsoft.com/office/drawing/2014/main" id="{1244B21A-F831-4F99-A9AA-3C5CD0C60094}"/>
+              </a:ext>
+            </a:extLst>
+          </p:cNvPr>
+          <p:cNvCxnSpPr>
+            <a:cxnSpLocks/>
+          </p:cNvCxnSpPr>
+          <p:nvPr/>
+        </p:nvCxnSpPr>
+        <p:spPr>
+          <a:xfrm flipV="1">
+            <a:off x="4651103" y="2443236"/>
+            <a:ext cx="1809100" cy="985766"/>
+          </a:xfrm>
+          <a:prstGeom prst="line">
+            <a:avLst/>
+          </a:prstGeom>
+          <a:ln w="57150">
+            <a:solidFill>
+              <a:schemeClr val="tx1"/>
+            </a:solidFill>
+          </a:ln>
+        </p:spPr>
+        <p:style>
+          <a:lnRef idx="1">
+            <a:schemeClr val="accent1"/>
+          </a:lnRef>
+          <a:fillRef idx="0">
+            <a:schemeClr val="accent1"/>
+          </a:fillRef>
+          <a:effectRef idx="0">
+            <a:schemeClr val="accent1"/>
+          </a:effectRef>
+          <a:fontRef idx="minor">
+            <a:schemeClr val="tx1"/>
+          </a:fontRef>
+        </p:style>
+      </p:cxnSp>
+      <p:cxnSp>
+        <p:nvCxnSpPr>
+          <p:cNvPr id="6" name="Straight Connector 5">
+            <a:extLst>
+              <a:ext uri="{FF2B5EF4-FFF2-40B4-BE49-F238E27FC236}">
+                <a16:creationId xmlns:a16="http://schemas.microsoft.com/office/drawing/2014/main" id="{7901F016-437B-4D49-ACEA-FECCB53CA745}"/>
+              </a:ext>
+            </a:extLst>
+          </p:cNvPr>
+          <p:cNvCxnSpPr>
+            <a:cxnSpLocks/>
+          </p:cNvCxnSpPr>
+          <p:nvPr/>
+        </p:nvCxnSpPr>
+        <p:spPr>
+          <a:xfrm>
+            <a:off x="3893666" y="3955392"/>
+            <a:ext cx="3425371" cy="0"/>
+          </a:xfrm>
+          <a:prstGeom prst="line">
+            <a:avLst/>
+          </a:prstGeom>
+          <a:ln w="41275">
+            <a:solidFill>
+              <a:schemeClr val="accent6"/>
+            </a:solidFill>
+            <a:prstDash val="solid"/>
+            <a:headEnd w="lg" len="lg"/>
+            <a:tailEnd type="stealth"/>
+          </a:ln>
+        </p:spPr>
+        <p:style>
+          <a:lnRef idx="1">
+            <a:schemeClr val="accent1"/>
+          </a:lnRef>
+          <a:fillRef idx="0">
+            <a:schemeClr val="accent1"/>
+          </a:fillRef>
+          <a:effectRef idx="0">
+            <a:schemeClr val="accent1"/>
+          </a:effectRef>
+          <a:fontRef idx="minor">
+            <a:schemeClr val="tx1"/>
+          </a:fontRef>
+        </p:style>
+      </p:cxnSp>
+      <p:cxnSp>
+        <p:nvCxnSpPr>
+          <p:cNvPr id="10" name="Straight Connector 9">
+            <a:extLst>
+              <a:ext uri="{FF2B5EF4-FFF2-40B4-BE49-F238E27FC236}">
+                <a16:creationId xmlns:a16="http://schemas.microsoft.com/office/drawing/2014/main" id="{1C5BF1A2-D0C4-44BE-852A-7E65E5DA8751}"/>
+              </a:ext>
+            </a:extLst>
+          </p:cNvPr>
+          <p:cNvCxnSpPr>
+            <a:cxnSpLocks/>
+          </p:cNvCxnSpPr>
+          <p:nvPr/>
+        </p:nvCxnSpPr>
+        <p:spPr>
+          <a:xfrm flipV="1">
+            <a:off x="5223329" y="3037394"/>
+            <a:ext cx="1670957" cy="910492"/>
+          </a:xfrm>
+          <a:prstGeom prst="line">
+            <a:avLst/>
+          </a:prstGeom>
+          <a:ln w="44450">
+            <a:solidFill>
+              <a:schemeClr val="tx1"/>
+            </a:solidFill>
+            <a:prstDash val="sysDash"/>
+          </a:ln>
+        </p:spPr>
+        <p:style>
+          <a:lnRef idx="1">
+            <a:schemeClr val="accent1"/>
+          </a:lnRef>
+          <a:fillRef idx="0">
+            <a:schemeClr val="accent1"/>
+          </a:fillRef>
+          <a:effectRef idx="0">
+            <a:schemeClr val="accent1"/>
+          </a:effectRef>
+          <a:fontRef idx="minor">
+            <a:schemeClr val="tx1"/>
+          </a:fontRef>
+        </p:style>
+      </p:cxnSp>
+      <p:cxnSp>
+        <p:nvCxnSpPr>
+          <p:cNvPr id="11" name="Straight Connector 10">
+            <a:extLst>
+              <a:ext uri="{FF2B5EF4-FFF2-40B4-BE49-F238E27FC236}">
+                <a16:creationId xmlns:a16="http://schemas.microsoft.com/office/drawing/2014/main" id="{62E323DF-451F-4F76-87AB-434455E3C9CD}"/>
+              </a:ext>
+            </a:extLst>
+          </p:cNvPr>
+          <p:cNvCxnSpPr>
+            <a:cxnSpLocks/>
+          </p:cNvCxnSpPr>
+          <p:nvPr/>
+        </p:nvCxnSpPr>
+        <p:spPr>
+          <a:xfrm flipV="1">
+            <a:off x="3904343" y="3429000"/>
+            <a:ext cx="746760" cy="478245"/>
+          </a:xfrm>
+          <a:prstGeom prst="line">
+            <a:avLst/>
+          </a:prstGeom>
+          <a:ln w="57150">
+            <a:solidFill>
+              <a:srgbClr val="FF0000"/>
+            </a:solidFill>
+          </a:ln>
+        </p:spPr>
+        <p:style>
+          <a:lnRef idx="1">
+            <a:schemeClr val="accent1"/>
+          </a:lnRef>
+          <a:fillRef idx="0">
+            <a:schemeClr val="accent1"/>
+          </a:fillRef>
+          <a:effectRef idx="0">
+            <a:schemeClr val="accent1"/>
+          </a:effectRef>
+          <a:fontRef idx="minor">
+            <a:schemeClr val="tx1"/>
+          </a:fontRef>
+        </p:style>
+      </p:cxnSp>
+      <p:cxnSp>
+        <p:nvCxnSpPr>
+          <p:cNvPr id="16" name="Straight Connector 15">
+            <a:extLst>
+              <a:ext uri="{FF2B5EF4-FFF2-40B4-BE49-F238E27FC236}">
+                <a16:creationId xmlns:a16="http://schemas.microsoft.com/office/drawing/2014/main" id="{ECC1A51B-64D4-459A-8BE6-ADC51B3F9004}"/>
+              </a:ext>
+            </a:extLst>
+          </p:cNvPr>
+          <p:cNvCxnSpPr>
+            <a:cxnSpLocks/>
+          </p:cNvCxnSpPr>
+          <p:nvPr/>
+        </p:nvCxnSpPr>
+        <p:spPr>
+          <a:xfrm flipH="1" flipV="1">
+            <a:off x="4703535" y="3429000"/>
+            <a:ext cx="472987" cy="518887"/>
+          </a:xfrm>
+          <a:prstGeom prst="line">
+            <a:avLst/>
+          </a:prstGeom>
+          <a:ln w="57150">
+            <a:solidFill>
+              <a:schemeClr val="accent1"/>
+            </a:solidFill>
+            <a:tailEnd type="stealth"/>
+          </a:ln>
+        </p:spPr>
+        <p:style>
+          <a:lnRef idx="1">
+            <a:schemeClr val="accent1"/>
+          </a:lnRef>
+          <a:fillRef idx="0">
+            <a:schemeClr val="accent1"/>
+          </a:fillRef>
+          <a:effectRef idx="0">
+            <a:schemeClr val="accent1"/>
+          </a:effectRef>
+          <a:fontRef idx="minor">
+            <a:schemeClr val="tx1"/>
+          </a:fontRef>
+        </p:style>
+      </p:cxnSp>
+      <mc:AlternateContent xmlns:mc="http://schemas.openxmlformats.org/markup-compatibility/2006">
+        <mc:Choice xmlns:a14="http://schemas.microsoft.com/office/drawing/2010/main" Requires="a14">
+          <p:sp>
+            <p:nvSpPr>
+              <p:cNvPr id="23" name="TextBox 22">
+                <a:extLst>
+                  <a:ext uri="{FF2B5EF4-FFF2-40B4-BE49-F238E27FC236}">
+                    <a16:creationId xmlns:a16="http://schemas.microsoft.com/office/drawing/2014/main" id="{3BA13E5E-9270-469E-B3F1-B118F281DF35}"/>
+                  </a:ext>
+                </a:extLst>
+              </p:cNvPr>
+              <p:cNvSpPr txBox="1"/>
+              <p:nvPr/>
+            </p:nvSpPr>
+            <p:spPr>
+              <a:xfrm>
+                <a:off x="4983680" y="3469641"/>
+                <a:ext cx="414729" cy="276999"/>
+              </a:xfrm>
+              <a:prstGeom prst="rect">
+                <a:avLst/>
+              </a:prstGeom>
+              <a:noFill/>
+            </p:spPr>
+            <p:txBody>
+              <a:bodyPr wrap="none" lIns="0" tIns="0" rIns="0" bIns="0" rtlCol="0">
+                <a:spAutoFit/>
+              </a:bodyPr>
+              <a:lstStyle/>
+              <a:p>
+                <a14:m>
+                  <m:oMathPara xmlns:m="http://schemas.openxmlformats.org/officeDocument/2006/math">
+                    <m:oMathParaPr>
+                      <m:jc m:val="centerGroup"/>
+                    </m:oMathParaPr>
+                    <m:oMath xmlns:m="http://schemas.openxmlformats.org/officeDocument/2006/math">
+                      <m:acc>
+                        <m:accPr>
+                          <m:chr m:val="⃗"/>
+                          <m:ctrlPr>
+                            <a:rPr lang="en-US" b="0" i="1" smtClean="0">
+                              <a:solidFill>
+                                <a:srgbClr val="0070C0"/>
+                              </a:solidFill>
+                              <a:latin typeface="Cambria Math" panose="02040503050406030204" pitchFamily="18" charset="0"/>
+                            </a:rPr>
+                          </m:ctrlPr>
+                        </m:accPr>
+                        <m:e>
+                          <m:r>
+                            <a:rPr lang="en-US" b="0" i="1" smtClean="0">
+                              <a:solidFill>
+                                <a:srgbClr val="0070C0"/>
+                              </a:solidFill>
+                              <a:latin typeface="Cambria Math" panose="02040503050406030204" pitchFamily="18" charset="0"/>
+                            </a:rPr>
+                            <m:t>𝑣</m:t>
+                          </m:r>
+                        </m:e>
+                      </m:acc>
+                      <m:r>
+                        <a:rPr lang="en-US" b="0" i="1" smtClean="0">
+                          <a:solidFill>
+                            <a:srgbClr val="0070C0"/>
+                          </a:solidFill>
+                          <a:latin typeface="Cambria Math" panose="02040503050406030204" pitchFamily="18" charset="0"/>
+                        </a:rPr>
+                        <m:t>𝑑𝑡</m:t>
+                      </m:r>
+                    </m:oMath>
+                  </m:oMathPara>
+                </a14:m>
+                <a:endParaRPr lang="en-US" dirty="0">
+                  <a:solidFill>
+                    <a:srgbClr val="0070C0"/>
+                  </a:solidFill>
+                </a:endParaRPr>
+              </a:p>
+            </p:txBody>
+          </p:sp>
+        </mc:Choice>
+        <mc:Fallback>
+          <p:sp>
+            <p:nvSpPr>
+              <p:cNvPr id="23" name="TextBox 22">
+                <a:extLst>
+                  <a:ext uri="{FF2B5EF4-FFF2-40B4-BE49-F238E27FC236}">
+                    <a16:creationId xmlns:a16="http://schemas.microsoft.com/office/drawing/2014/main" id="{3BA13E5E-9270-469E-B3F1-B118F281DF35}"/>
+                  </a:ext>
+                </a:extLst>
+              </p:cNvPr>
+              <p:cNvSpPr txBox="1">
+                <a:spLocks noRot="1" noChangeAspect="1" noMove="1" noResize="1" noEditPoints="1" noAdjustHandles="1" noChangeArrowheads="1" noChangeShapeType="1" noTextEdit="1"/>
+              </p:cNvSpPr>
+              <p:nvPr/>
+            </p:nvSpPr>
+            <p:spPr>
+              <a:xfrm>
+                <a:off x="4983680" y="3469641"/>
+                <a:ext cx="414729" cy="276999"/>
+              </a:xfrm>
+              <a:prstGeom prst="rect">
+                <a:avLst/>
+              </a:prstGeom>
+              <a:blipFill>
+                <a:blip r:embed="rId2"/>
+                <a:stretch>
+                  <a:fillRect l="-13235" t="-45652" r="-29412" b="-8696"/>
+                </a:stretch>
+              </a:blipFill>
+            </p:spPr>
+            <p:txBody>
+              <a:bodyPr/>
+              <a:lstStyle/>
+              <a:p>
+                <a:r>
+                  <a:rPr lang="en-US">
+                    <a:noFill/>
+                  </a:rPr>
+                  <a:t> </a:t>
+                </a:r>
+              </a:p>
+            </p:txBody>
+          </p:sp>
+        </mc:Fallback>
+      </mc:AlternateContent>
+      <p:sp>
+        <p:nvSpPr>
+          <p:cNvPr id="25" name="Arc 24">
+            <a:extLst>
+              <a:ext uri="{FF2B5EF4-FFF2-40B4-BE49-F238E27FC236}">
+                <a16:creationId xmlns:a16="http://schemas.microsoft.com/office/drawing/2014/main" id="{13F32372-C527-47C2-8109-1DF97B32F02F}"/>
+              </a:ext>
+            </a:extLst>
+          </p:cNvPr>
+          <p:cNvSpPr/>
+          <p:nvPr/>
+        </p:nvSpPr>
+        <p:spPr>
+          <a:xfrm rot="2595853">
+            <a:off x="5400642" y="3698134"/>
+            <a:ext cx="297908" cy="243840"/>
+          </a:xfrm>
+          <a:prstGeom prst="arc">
+            <a:avLst/>
+          </a:prstGeom>
+          <a:ln w="28575">
+            <a:solidFill>
+              <a:schemeClr val="tx1"/>
+            </a:solidFill>
+          </a:ln>
+        </p:spPr>
+        <p:style>
+          <a:lnRef idx="1">
+            <a:schemeClr val="accent1"/>
+          </a:lnRef>
+          <a:fillRef idx="0">
+            <a:schemeClr val="accent1"/>
+          </a:fillRef>
+          <a:effectRef idx="0">
+            <a:schemeClr val="accent1"/>
+          </a:effectRef>
+          <a:fontRef idx="minor">
+            <a:schemeClr val="tx1"/>
+          </a:fontRef>
+        </p:style>
+        <p:txBody>
+          <a:bodyPr rtlCol="0" anchor="ctr"/>
+          <a:lstStyle/>
+          <a:p>
+            <a:pPr algn="ctr"/>
+            <a:endParaRPr lang="en-US" dirty="0"/>
+          </a:p>
+        </p:txBody>
+      </p:sp>
+      <mc:AlternateContent xmlns:mc="http://schemas.openxmlformats.org/markup-compatibility/2006">
+        <mc:Choice xmlns:a14="http://schemas.microsoft.com/office/drawing/2010/main" Requires="a14">
+          <p:sp>
+            <p:nvSpPr>
+              <p:cNvPr id="28" name="TextBox 27">
+                <a:extLst>
+                  <a:ext uri="{FF2B5EF4-FFF2-40B4-BE49-F238E27FC236}">
+                    <a16:creationId xmlns:a16="http://schemas.microsoft.com/office/drawing/2014/main" id="{CA505200-432D-475B-AB02-17B6690FA258}"/>
+                  </a:ext>
+                </a:extLst>
+              </p:cNvPr>
+              <p:cNvSpPr txBox="1"/>
+              <p:nvPr/>
+            </p:nvSpPr>
+            <p:spPr>
+              <a:xfrm>
+                <a:off x="5724924" y="3630247"/>
+                <a:ext cx="197746" cy="276999"/>
+              </a:xfrm>
+              <a:prstGeom prst="rect">
+                <a:avLst/>
+              </a:prstGeom>
+              <a:noFill/>
+            </p:spPr>
+            <p:txBody>
+              <a:bodyPr wrap="none" lIns="0" tIns="0" rIns="0" bIns="0" rtlCol="0">
+                <a:spAutoFit/>
+              </a:bodyPr>
+              <a:lstStyle/>
+              <a:p>
+                <a14:m>
+                  <m:oMathPara xmlns:m="http://schemas.openxmlformats.org/officeDocument/2006/math">
+                    <m:oMathParaPr>
+                      <m:jc m:val="centerGroup"/>
+                    </m:oMathParaPr>
+                    <m:oMath xmlns:m="http://schemas.openxmlformats.org/officeDocument/2006/math">
+                      <m:r>
+                        <a:rPr lang="en-US" i="1" smtClean="0">
+                          <a:latin typeface="Cambria Math" panose="02040503050406030204" pitchFamily="18" charset="0"/>
+                          <a:ea typeface="Cambria Math" panose="02040503050406030204" pitchFamily="18" charset="0"/>
+                        </a:rPr>
+                        <m:t>𝛼</m:t>
+                      </m:r>
+                    </m:oMath>
+                  </m:oMathPara>
+                </a14:m>
+                <a:endParaRPr lang="en-US" dirty="0"/>
+              </a:p>
+            </p:txBody>
+          </p:sp>
+        </mc:Choice>
+        <mc:Fallback>
+          <p:sp>
+            <p:nvSpPr>
+              <p:cNvPr id="28" name="TextBox 27">
+                <a:extLst>
+                  <a:ext uri="{FF2B5EF4-FFF2-40B4-BE49-F238E27FC236}">
+                    <a16:creationId xmlns:a16="http://schemas.microsoft.com/office/drawing/2014/main" id="{CA505200-432D-475B-AB02-17B6690FA258}"/>
+                  </a:ext>
+                </a:extLst>
+              </p:cNvPr>
+              <p:cNvSpPr txBox="1">
+                <a:spLocks noRot="1" noChangeAspect="1" noMove="1" noResize="1" noEditPoints="1" noAdjustHandles="1" noChangeArrowheads="1" noChangeShapeType="1" noTextEdit="1"/>
+              </p:cNvSpPr>
+              <p:nvPr/>
+            </p:nvSpPr>
+            <p:spPr>
+              <a:xfrm>
+                <a:off x="5724924" y="3630247"/>
+                <a:ext cx="197746" cy="276999"/>
+              </a:xfrm>
+              <a:prstGeom prst="rect">
+                <a:avLst/>
+              </a:prstGeom>
+              <a:blipFill>
+                <a:blip r:embed="rId3"/>
+                <a:stretch>
+                  <a:fillRect l="-18182" r="-12121"/>
+                </a:stretch>
+              </a:blipFill>
+            </p:spPr>
+            <p:txBody>
+              <a:bodyPr/>
+              <a:lstStyle/>
+              <a:p>
+                <a:r>
+                  <a:rPr lang="en-US">
+                    <a:noFill/>
+                  </a:rPr>
+                  <a:t> </a:t>
+                </a:r>
+              </a:p>
+            </p:txBody>
+          </p:sp>
+        </mc:Fallback>
+      </mc:AlternateContent>
+      <p:sp>
+        <p:nvSpPr>
+          <p:cNvPr id="29" name="Arc 28">
+            <a:extLst>
+              <a:ext uri="{FF2B5EF4-FFF2-40B4-BE49-F238E27FC236}">
+                <a16:creationId xmlns:a16="http://schemas.microsoft.com/office/drawing/2014/main" id="{939734B3-1B01-4232-9EBF-712D34A0C47C}"/>
+              </a:ext>
+            </a:extLst>
+          </p:cNvPr>
+          <p:cNvSpPr/>
+          <p:nvPr/>
+        </p:nvSpPr>
+        <p:spPr>
+          <a:xfrm rot="2595853">
+            <a:off x="3936740" y="3737072"/>
+            <a:ext cx="297908" cy="243840"/>
+          </a:xfrm>
+          <a:prstGeom prst="arc">
+            <a:avLst/>
+          </a:prstGeom>
+          <a:ln w="28575">
+            <a:solidFill>
+              <a:schemeClr val="tx1"/>
+            </a:solidFill>
+          </a:ln>
+        </p:spPr>
+        <p:style>
+          <a:lnRef idx="1">
+            <a:schemeClr val="accent1"/>
+          </a:lnRef>
+          <a:fillRef idx="0">
+            <a:schemeClr val="accent1"/>
+          </a:fillRef>
+          <a:effectRef idx="0">
+            <a:schemeClr val="accent1"/>
+          </a:effectRef>
+          <a:fontRef idx="minor">
+            <a:schemeClr val="tx1"/>
+          </a:fontRef>
+        </p:style>
+        <p:txBody>
+          <a:bodyPr rtlCol="0" anchor="ctr"/>
+          <a:lstStyle/>
+          <a:p>
+            <a:pPr algn="ctr"/>
+            <a:endParaRPr lang="en-US" dirty="0"/>
+          </a:p>
+        </p:txBody>
+      </p:sp>
+      <mc:AlternateContent xmlns:mc="http://schemas.openxmlformats.org/markup-compatibility/2006">
+        <mc:Choice xmlns:a14="http://schemas.microsoft.com/office/drawing/2010/main" Requires="a14">
+          <p:sp>
+            <p:nvSpPr>
+              <p:cNvPr id="30" name="TextBox 29">
+                <a:extLst>
+                  <a:ext uri="{FF2B5EF4-FFF2-40B4-BE49-F238E27FC236}">
+                    <a16:creationId xmlns:a16="http://schemas.microsoft.com/office/drawing/2014/main" id="{3CAE3484-B16E-4285-B04F-8E60CF3FAEA6}"/>
+                  </a:ext>
+                </a:extLst>
+              </p:cNvPr>
+              <p:cNvSpPr txBox="1"/>
+              <p:nvPr/>
+            </p:nvSpPr>
+            <p:spPr>
+              <a:xfrm>
+                <a:off x="4266666" y="3667507"/>
+                <a:ext cx="197746" cy="276999"/>
+              </a:xfrm>
+              <a:prstGeom prst="rect">
+                <a:avLst/>
+              </a:prstGeom>
+              <a:noFill/>
+            </p:spPr>
+            <p:txBody>
+              <a:bodyPr wrap="none" lIns="0" tIns="0" rIns="0" bIns="0" rtlCol="0">
+                <a:spAutoFit/>
+              </a:bodyPr>
+              <a:lstStyle/>
+              <a:p>
+                <a14:m>
+                  <m:oMathPara xmlns:m="http://schemas.openxmlformats.org/officeDocument/2006/math">
+                    <m:oMathParaPr>
+                      <m:jc m:val="centerGroup"/>
+                    </m:oMathParaPr>
+                    <m:oMath xmlns:m="http://schemas.openxmlformats.org/officeDocument/2006/math">
+                      <m:r>
+                        <a:rPr lang="en-US" i="1" smtClean="0">
+                          <a:latin typeface="Cambria Math" panose="02040503050406030204" pitchFamily="18" charset="0"/>
+                          <a:ea typeface="Cambria Math" panose="02040503050406030204" pitchFamily="18" charset="0"/>
+                        </a:rPr>
+                        <m:t>𝛼</m:t>
+                      </m:r>
+                    </m:oMath>
+                  </m:oMathPara>
+                </a14:m>
+                <a:endParaRPr lang="en-US" dirty="0"/>
+              </a:p>
+            </p:txBody>
+          </p:sp>
+        </mc:Choice>
+        <mc:Fallback>
+          <p:sp>
+            <p:nvSpPr>
+              <p:cNvPr id="30" name="TextBox 29">
+                <a:extLst>
+                  <a:ext uri="{FF2B5EF4-FFF2-40B4-BE49-F238E27FC236}">
+                    <a16:creationId xmlns:a16="http://schemas.microsoft.com/office/drawing/2014/main" id="{3CAE3484-B16E-4285-B04F-8E60CF3FAEA6}"/>
+                  </a:ext>
+                </a:extLst>
+              </p:cNvPr>
+              <p:cNvSpPr txBox="1">
+                <a:spLocks noRot="1" noChangeAspect="1" noMove="1" noResize="1" noEditPoints="1" noAdjustHandles="1" noChangeArrowheads="1" noChangeShapeType="1" noTextEdit="1"/>
+              </p:cNvSpPr>
+              <p:nvPr/>
+            </p:nvSpPr>
+            <p:spPr>
+              <a:xfrm>
+                <a:off x="4266666" y="3667507"/>
+                <a:ext cx="197746" cy="276999"/>
+              </a:xfrm>
+              <a:prstGeom prst="rect">
+                <a:avLst/>
+              </a:prstGeom>
+              <a:blipFill>
+                <a:blip r:embed="rId4"/>
+                <a:stretch>
+                  <a:fillRect l="-18750" r="-15625"/>
+                </a:stretch>
+              </a:blipFill>
+            </p:spPr>
+            <p:txBody>
+              <a:bodyPr/>
+              <a:lstStyle/>
+              <a:p>
+                <a:r>
+                  <a:rPr lang="en-US">
+                    <a:noFill/>
+                  </a:rPr>
+                  <a:t> </a:t>
+                </a:r>
+              </a:p>
+            </p:txBody>
+          </p:sp>
+        </mc:Fallback>
+      </mc:AlternateContent>
+      <mc:AlternateContent xmlns:mc="http://schemas.openxmlformats.org/markup-compatibility/2006">
+        <mc:Choice xmlns:a14="http://schemas.microsoft.com/office/drawing/2010/main" Requires="a14">
+          <p:sp>
+            <p:nvSpPr>
+              <p:cNvPr id="32" name="TextBox 31">
+                <a:extLst>
+                  <a:ext uri="{FF2B5EF4-FFF2-40B4-BE49-F238E27FC236}">
+                    <a16:creationId xmlns:a16="http://schemas.microsoft.com/office/drawing/2014/main" id="{BAFA5E42-86AF-4F41-8E64-5C930F9AE6EE}"/>
+                  </a:ext>
+                </a:extLst>
+              </p:cNvPr>
+              <p:cNvSpPr txBox="1"/>
+              <p:nvPr/>
+            </p:nvSpPr>
+            <p:spPr>
+              <a:xfrm>
+                <a:off x="4085694" y="4011985"/>
+                <a:ext cx="1042080" cy="276999"/>
+              </a:xfrm>
+              <a:prstGeom prst="rect">
+                <a:avLst/>
+              </a:prstGeom>
+              <a:noFill/>
+            </p:spPr>
+            <p:txBody>
+              <a:bodyPr wrap="none" lIns="0" tIns="0" rIns="0" bIns="0" rtlCol="0">
+                <a:spAutoFit/>
+              </a:bodyPr>
+              <a:lstStyle/>
+              <a:p>
+                <a14:m>
+                  <m:oMathPara xmlns:m="http://schemas.openxmlformats.org/officeDocument/2006/math">
+                    <m:oMathParaPr>
+                      <m:jc m:val="centerGroup"/>
+                    </m:oMathParaPr>
+                    <m:oMath xmlns:m="http://schemas.openxmlformats.org/officeDocument/2006/math">
+                      <m:acc>
+                        <m:accPr>
+                          <m:chr m:val="⃗"/>
+                          <m:ctrlPr>
+                            <a:rPr lang="en-US" b="0" i="1" smtClean="0">
+                              <a:solidFill>
+                                <a:srgbClr val="FFC000"/>
+                              </a:solidFill>
+                              <a:latin typeface="Cambria Math" panose="02040503050406030204" pitchFamily="18" charset="0"/>
+                            </a:rPr>
+                          </m:ctrlPr>
+                        </m:accPr>
+                        <m:e>
+                          <m:r>
+                            <a:rPr lang="en-US" b="0" i="1" smtClean="0">
+                              <a:solidFill>
+                                <a:srgbClr val="FFC000"/>
+                              </a:solidFill>
+                              <a:latin typeface="Cambria Math" panose="02040503050406030204" pitchFamily="18" charset="0"/>
+                            </a:rPr>
+                            <m:t>𝑣</m:t>
+                          </m:r>
+                        </m:e>
+                      </m:acc>
+                      <m:r>
+                        <a:rPr lang="en-US" b="0" i="1" smtClean="0">
+                          <a:solidFill>
+                            <a:srgbClr val="FFC000"/>
+                          </a:solidFill>
+                          <a:latin typeface="Cambria Math" panose="02040503050406030204" pitchFamily="18" charset="0"/>
+                        </a:rPr>
+                        <m:t>𝑑𝑡</m:t>
+                      </m:r>
+                      <m:r>
+                        <a:rPr lang="en-US" b="0" i="1" smtClean="0">
+                          <a:solidFill>
+                            <a:srgbClr val="FFC000"/>
+                          </a:solidFill>
+                          <a:latin typeface="Cambria Math" panose="02040503050406030204" pitchFamily="18" charset="0"/>
+                        </a:rPr>
+                        <m:t>/</m:t>
+                      </m:r>
+                      <m:func>
+                        <m:funcPr>
+                          <m:ctrlPr>
+                            <a:rPr lang="en-US" b="0" i="1" smtClean="0">
+                              <a:solidFill>
+                                <a:srgbClr val="FFC000"/>
+                              </a:solidFill>
+                              <a:latin typeface="Cambria Math" panose="02040503050406030204" pitchFamily="18" charset="0"/>
+                            </a:rPr>
+                          </m:ctrlPr>
+                        </m:funcPr>
+                        <m:fName>
+                          <m:r>
+                            <m:rPr>
+                              <m:sty m:val="p"/>
+                            </m:rPr>
+                            <a:rPr lang="en-US" b="0" i="0" smtClean="0">
+                              <a:solidFill>
+                                <a:srgbClr val="FFC000"/>
+                              </a:solidFill>
+                              <a:latin typeface="Cambria Math" panose="02040503050406030204" pitchFamily="18" charset="0"/>
+                            </a:rPr>
+                            <m:t>sin</m:t>
+                          </m:r>
+                        </m:fName>
+                        <m:e>
+                          <m:r>
+                            <a:rPr lang="en-US" b="0" i="1" smtClean="0">
+                              <a:solidFill>
+                                <a:srgbClr val="FFC000"/>
+                              </a:solidFill>
+                              <a:latin typeface="Cambria Math" panose="02040503050406030204" pitchFamily="18" charset="0"/>
+                              <a:ea typeface="Cambria Math" panose="02040503050406030204" pitchFamily="18" charset="0"/>
+                            </a:rPr>
+                            <m:t>𝛼</m:t>
+                          </m:r>
+                        </m:e>
+                      </m:func>
+                    </m:oMath>
+                  </m:oMathPara>
+                </a14:m>
+                <a:endParaRPr lang="en-US" dirty="0">
+                  <a:solidFill>
+                    <a:srgbClr val="FFC000"/>
+                  </a:solidFill>
+                </a:endParaRPr>
+              </a:p>
+            </p:txBody>
+          </p:sp>
+        </mc:Choice>
+        <mc:Fallback>
+          <p:sp>
+            <p:nvSpPr>
+              <p:cNvPr id="32" name="TextBox 31">
+                <a:extLst>
+                  <a:ext uri="{FF2B5EF4-FFF2-40B4-BE49-F238E27FC236}">
+                    <a16:creationId xmlns:a16="http://schemas.microsoft.com/office/drawing/2014/main" id="{BAFA5E42-86AF-4F41-8E64-5C930F9AE6EE}"/>
+                  </a:ext>
+                </a:extLst>
+              </p:cNvPr>
+              <p:cNvSpPr txBox="1">
+                <a:spLocks noRot="1" noChangeAspect="1" noMove="1" noResize="1" noEditPoints="1" noAdjustHandles="1" noChangeArrowheads="1" noChangeShapeType="1" noTextEdit="1"/>
+              </p:cNvSpPr>
+              <p:nvPr/>
+            </p:nvSpPr>
+            <p:spPr>
+              <a:xfrm>
+                <a:off x="4085694" y="4011985"/>
+                <a:ext cx="1042080" cy="276999"/>
+              </a:xfrm>
+              <a:prstGeom prst="rect">
+                <a:avLst/>
+              </a:prstGeom>
+              <a:blipFill>
+                <a:blip r:embed="rId5"/>
+                <a:stretch>
+                  <a:fillRect l="-4678" t="-45652" r="-2339" b="-32609"/>
+                </a:stretch>
+              </a:blipFill>
+            </p:spPr>
+            <p:txBody>
+              <a:bodyPr/>
+              <a:lstStyle/>
+              <a:p>
+                <a:r>
+                  <a:rPr lang="en-US">
+                    <a:noFill/>
+                  </a:rPr>
+                  <a:t> </a:t>
+                </a:r>
+              </a:p>
+            </p:txBody>
+          </p:sp>
+        </mc:Fallback>
+      </mc:AlternateContent>
+      <p:cxnSp>
+        <p:nvCxnSpPr>
+          <p:cNvPr id="33" name="Straight Connector 32">
+            <a:extLst>
+              <a:ext uri="{FF2B5EF4-FFF2-40B4-BE49-F238E27FC236}">
+                <a16:creationId xmlns:a16="http://schemas.microsoft.com/office/drawing/2014/main" id="{EB7BDA66-558C-4DFF-959F-3B8B8080C68C}"/>
+              </a:ext>
+            </a:extLst>
+          </p:cNvPr>
+          <p:cNvCxnSpPr>
+            <a:cxnSpLocks/>
+          </p:cNvCxnSpPr>
+          <p:nvPr/>
+        </p:nvCxnSpPr>
+        <p:spPr>
+          <a:xfrm>
+            <a:off x="3917179" y="3944506"/>
+            <a:ext cx="1270020" cy="1"/>
+          </a:xfrm>
+          <a:prstGeom prst="line">
+            <a:avLst/>
+          </a:prstGeom>
+          <a:ln w="57150">
+            <a:solidFill>
+              <a:srgbClr val="FFC000"/>
+            </a:solidFill>
+          </a:ln>
+        </p:spPr>
+        <p:style>
+          <a:lnRef idx="1">
+            <a:schemeClr val="accent1"/>
+          </a:lnRef>
+          <a:fillRef idx="0">
+            <a:schemeClr val="accent1"/>
+          </a:fillRef>
+          <a:effectRef idx="0">
+            <a:schemeClr val="accent1"/>
+          </a:effectRef>
+          <a:fontRef idx="minor">
+            <a:schemeClr val="tx1"/>
+          </a:fontRef>
+        </p:style>
+      </p:cxnSp>
+    </p:spTree>
+    <p:extLst>
+      <p:ext uri="{BB962C8B-B14F-4D97-AF65-F5344CB8AC3E}">
+        <p14:creationId xmlns:p14="http://schemas.microsoft.com/office/powerpoint/2010/main" val="2762693999"/>
+      </p:ext>
+    </p:extLst>
+  </p:cSld>
+  <p:clrMapOvr>
+    <a:masterClrMapping/>
+  </p:clrMapOvr>
+</p:sld>
+</file>
+
+<file path=ppt/slides/slide4.xml><?xml version="1.0" encoding="utf-8"?>
+<p:sld xmlns:a="http://schemas.openxmlformats.org/drawingml/2006/main" xmlns:r="http://schemas.openxmlformats.org/officeDocument/2006/relationships" xmlns:p="http://schemas.openxmlformats.org/presentationml/2006/main">
+  <p:cSld>
+    <p:spTree>
+      <p:nvGrpSpPr>
+        <p:cNvPr id="1" name=""/>
+        <p:cNvGrpSpPr/>
+        <p:nvPr/>
+      </p:nvGrpSpPr>
+      <p:grpSpPr>
+        <a:xfrm>
+          <a:off x="0" y="0"/>
+          <a:ext cx="0" cy="0"/>
+          <a:chOff x="0" y="0"/>
+          <a:chExt cx="0" cy="0"/>
+        </a:xfrm>
+      </p:grpSpPr>
+      <p:pic>
+        <p:nvPicPr>
+          <p:cNvPr id="3" name="Picture 2">
+            <a:extLst>
+              <a:ext uri="{FF2B5EF4-FFF2-40B4-BE49-F238E27FC236}">
+                <a16:creationId xmlns:a16="http://schemas.microsoft.com/office/drawing/2014/main" id="{A1E8C579-9EC0-44FD-86EC-A1D3BB18C74B}"/>
+              </a:ext>
+            </a:extLst>
+          </p:cNvPr>
+          <p:cNvPicPr>
+            <a:picLocks noChangeAspect="1"/>
+          </p:cNvPicPr>
+          <p:nvPr/>
+        </p:nvPicPr>
+        <p:blipFill>
+          <a:blip r:embed="rId2">
+            <a:extLst>
+              <a:ext uri="{28A0092B-C50C-407E-A947-70E740481C1C}">
+                <a14:useLocalDpi xmlns:a14="http://schemas.microsoft.com/office/drawing/2010/main" val="0"/>
+              </a:ext>
+            </a:extLst>
+          </a:blip>
+          <a:stretch>
+            <a:fillRect/>
+          </a:stretch>
+        </p:blipFill>
+        <p:spPr>
+          <a:xfrm>
+            <a:off x="3394476" y="2605968"/>
+            <a:ext cx="5403048" cy="1646063"/>
+          </a:xfrm>
+          <a:prstGeom prst="rect">
+            <a:avLst/>
+          </a:prstGeom>
+        </p:spPr>
+      </p:pic>
+      <p:sp>
+        <p:nvSpPr>
+          <p:cNvPr id="4" name="Rectangle 3">
+            <a:extLst>
+              <a:ext uri="{FF2B5EF4-FFF2-40B4-BE49-F238E27FC236}">
+                <a16:creationId xmlns:a16="http://schemas.microsoft.com/office/drawing/2014/main" id="{8E3C9BDF-4F5F-4BC5-AF6E-F6877E96BB79}"/>
+              </a:ext>
+            </a:extLst>
+          </p:cNvPr>
+          <p:cNvSpPr/>
+          <p:nvPr/>
+        </p:nvSpPr>
+        <p:spPr>
+          <a:xfrm>
+            <a:off x="5161280" y="2834640"/>
+            <a:ext cx="497840" cy="1402080"/>
+          </a:xfrm>
+          <a:prstGeom prst="rect">
+            <a:avLst/>
+          </a:prstGeom>
+          <a:solidFill>
+            <a:schemeClr val="accent2">
+              <a:lumMod val="60000"/>
+              <a:lumOff val="40000"/>
+              <a:alpha val="39000"/>
+            </a:schemeClr>
+          </a:solidFill>
+          <a:ln>
+            <a:noFill/>
+          </a:ln>
+        </p:spPr>
+        <p:style>
+          <a:lnRef idx="2">
+            <a:schemeClr val="accent1">
+              <a:shade val="50000"/>
+            </a:schemeClr>
+          </a:lnRef>
+          <a:fillRef idx="1">
+            <a:schemeClr val="accent1"/>
+          </a:fillRef>
+          <a:effectRef idx="0">
+            <a:schemeClr val="accent1"/>
+          </a:effectRef>
+          <a:fontRef idx="minor">
+            <a:schemeClr val="lt1"/>
+          </a:fontRef>
+        </p:style>
+        <p:txBody>
+          <a:bodyPr rtlCol="0" anchor="ctr"/>
+          <a:lstStyle/>
+          <a:p>
+            <a:pPr algn="ctr"/>
+            <a:endParaRPr lang="en-US"/>
+          </a:p>
+        </p:txBody>
+      </p:sp>
+      <p:sp>
+        <p:nvSpPr>
+          <p:cNvPr id="5" name="Rectangle 4">
+            <a:extLst>
+              <a:ext uri="{FF2B5EF4-FFF2-40B4-BE49-F238E27FC236}">
+                <a16:creationId xmlns:a16="http://schemas.microsoft.com/office/drawing/2014/main" id="{B04F8547-ADE4-4FF8-AA9F-3B9980A76877}"/>
+              </a:ext>
+            </a:extLst>
+          </p:cNvPr>
+          <p:cNvSpPr/>
+          <p:nvPr/>
+        </p:nvSpPr>
+        <p:spPr>
+          <a:xfrm>
+            <a:off x="5659120" y="2834640"/>
+            <a:ext cx="1076960" cy="1402080"/>
+          </a:xfrm>
+          <a:prstGeom prst="rect">
+            <a:avLst/>
+          </a:prstGeom>
+          <a:solidFill>
+            <a:srgbClr val="92D050">
+              <a:alpha val="39000"/>
+            </a:srgbClr>
+          </a:solidFill>
+          <a:ln>
+            <a:noFill/>
+          </a:ln>
+        </p:spPr>
+        <p:style>
+          <a:lnRef idx="2">
+            <a:schemeClr val="accent1">
+              <a:shade val="50000"/>
+            </a:schemeClr>
+          </a:lnRef>
+          <a:fillRef idx="1">
+            <a:schemeClr val="accent1"/>
+          </a:fillRef>
+          <a:effectRef idx="0">
+            <a:schemeClr val="accent1"/>
+          </a:effectRef>
+          <a:fontRef idx="minor">
+            <a:schemeClr val="lt1"/>
+          </a:fontRef>
+        </p:style>
+        <p:txBody>
+          <a:bodyPr rtlCol="0" anchor="ctr"/>
+          <a:lstStyle/>
+          <a:p>
+            <a:pPr algn="ctr"/>
+            <a:endParaRPr lang="en-US"/>
+          </a:p>
+        </p:txBody>
+      </p:sp>
+    </p:spTree>
+    <p:extLst>
+      <p:ext uri="{BB962C8B-B14F-4D97-AF65-F5344CB8AC3E}">
+        <p14:creationId xmlns:p14="http://schemas.microsoft.com/office/powerpoint/2010/main" val="2993760899"/>
+      </p:ext>
+    </p:extLst>
+  </p:cSld>
+  <p:clrMapOvr>
+    <a:masterClrMapping/>
+  </p:clrMapOvr>
+</p:sld>
+</file>
+
+<file path=ppt/slides/slide5.xml><?xml version="1.0" encoding="utf-8"?>
+<p:sld xmlns:a="http://schemas.openxmlformats.org/drawingml/2006/main" xmlns:r="http://schemas.openxmlformats.org/officeDocument/2006/relationships" xmlns:p="http://schemas.openxmlformats.org/presentationml/2006/main">
+  <p:cSld>
+    <p:spTree>
+      <p:nvGrpSpPr>
+        <p:cNvPr id="1" name=""/>
+        <p:cNvGrpSpPr/>
+        <p:nvPr/>
+      </p:nvGrpSpPr>
+      <p:grpSpPr>
+        <a:xfrm>
+          <a:off x="0" y="0"/>
+          <a:ext cx="0" cy="0"/>
+          <a:chOff x="0" y="0"/>
+          <a:chExt cx="0" cy="0"/>
+        </a:xfrm>
+      </p:grpSpPr>
+      <p:pic>
+        <p:nvPicPr>
+          <p:cNvPr id="6" name="Picture 5">
+            <a:extLst>
+              <a:ext uri="{FF2B5EF4-FFF2-40B4-BE49-F238E27FC236}">
+                <a16:creationId xmlns:a16="http://schemas.microsoft.com/office/drawing/2014/main" id="{3327810D-0B5D-457B-8217-0B90D66B7B62}"/>
+              </a:ext>
+            </a:extLst>
+          </p:cNvPr>
+          <p:cNvPicPr>
+            <a:picLocks noChangeAspect="1"/>
+          </p:cNvPicPr>
+          <p:nvPr/>
+        </p:nvPicPr>
+        <p:blipFill>
+          <a:blip r:embed="rId2">
+            <a:extLst>
+              <a:ext uri="{28A0092B-C50C-407E-A947-70E740481C1C}">
+                <a14:useLocalDpi xmlns:a14="http://schemas.microsoft.com/office/drawing/2010/main" val="0"/>
+              </a:ext>
+            </a:extLst>
+          </a:blip>
+          <a:stretch>
+            <a:fillRect/>
+          </a:stretch>
+        </p:blipFill>
+        <p:spPr>
+          <a:xfrm>
+            <a:off x="1367380" y="2224935"/>
+            <a:ext cx="9457240" cy="2408129"/>
+          </a:xfrm>
+          <a:prstGeom prst="rect">
+            <a:avLst/>
+          </a:prstGeom>
+        </p:spPr>
+      </p:pic>
+      <p:sp>
+        <p:nvSpPr>
+          <p:cNvPr id="4" name="Rectangle 3">
+            <a:extLst>
+              <a:ext uri="{FF2B5EF4-FFF2-40B4-BE49-F238E27FC236}">
+                <a16:creationId xmlns:a16="http://schemas.microsoft.com/office/drawing/2014/main" id="{8E3C9BDF-4F5F-4BC5-AF6E-F6877E96BB79}"/>
+              </a:ext>
+            </a:extLst>
+          </p:cNvPr>
+          <p:cNvSpPr/>
+          <p:nvPr/>
+        </p:nvSpPr>
+        <p:spPr>
+          <a:xfrm>
+            <a:off x="5486400" y="2997199"/>
+            <a:ext cx="609599" cy="629815"/>
+          </a:xfrm>
+          <a:prstGeom prst="rect">
+            <a:avLst/>
+          </a:prstGeom>
+          <a:solidFill>
+            <a:schemeClr val="accent2">
+              <a:lumMod val="60000"/>
+              <a:lumOff val="40000"/>
+              <a:alpha val="39000"/>
+            </a:schemeClr>
+          </a:solidFill>
+          <a:ln>
+            <a:noFill/>
+          </a:ln>
+        </p:spPr>
+        <p:style>
+          <a:lnRef idx="2">
+            <a:schemeClr val="accent1">
+              <a:shade val="50000"/>
+            </a:schemeClr>
+          </a:lnRef>
+          <a:fillRef idx="1">
+            <a:schemeClr val="accent1"/>
+          </a:fillRef>
+          <a:effectRef idx="0">
+            <a:schemeClr val="accent1"/>
+          </a:effectRef>
+          <a:fontRef idx="minor">
+            <a:schemeClr val="lt1"/>
+          </a:fontRef>
+        </p:style>
+        <p:txBody>
+          <a:bodyPr rtlCol="0" anchor="ctr"/>
+          <a:lstStyle/>
+          <a:p>
+            <a:pPr algn="ctr"/>
+            <a:endParaRPr lang="en-US"/>
+          </a:p>
+        </p:txBody>
+      </p:sp>
+      <p:sp>
+        <p:nvSpPr>
+          <p:cNvPr id="5" name="Rectangle 4">
+            <a:extLst>
+              <a:ext uri="{FF2B5EF4-FFF2-40B4-BE49-F238E27FC236}">
+                <a16:creationId xmlns:a16="http://schemas.microsoft.com/office/drawing/2014/main" id="{B04F8547-ADE4-4FF8-AA9F-3B9980A76877}"/>
+              </a:ext>
+            </a:extLst>
+          </p:cNvPr>
+          <p:cNvSpPr/>
+          <p:nvPr/>
+        </p:nvSpPr>
+        <p:spPr>
+          <a:xfrm>
+            <a:off x="6095999" y="3627014"/>
+            <a:ext cx="609599" cy="629815"/>
+          </a:xfrm>
+          <a:prstGeom prst="rect">
+            <a:avLst/>
+          </a:prstGeom>
+          <a:solidFill>
+            <a:srgbClr val="92D050">
+              <a:alpha val="39000"/>
+            </a:srgbClr>
+          </a:solidFill>
+          <a:ln>
+            <a:noFill/>
+          </a:ln>
+        </p:spPr>
+        <p:style>
+          <a:lnRef idx="2">
+            <a:schemeClr val="accent1">
+              <a:shade val="50000"/>
+            </a:schemeClr>
+          </a:lnRef>
+          <a:fillRef idx="1">
+            <a:schemeClr val="accent1"/>
+          </a:fillRef>
+          <a:effectRef idx="0">
+            <a:schemeClr val="accent1"/>
+          </a:effectRef>
+          <a:fontRef idx="minor">
+            <a:schemeClr val="lt1"/>
+          </a:fontRef>
+        </p:style>
+        <p:txBody>
+          <a:bodyPr rtlCol="0" anchor="ctr"/>
+          <a:lstStyle/>
+          <a:p>
+            <a:pPr algn="ctr"/>
+            <a:endParaRPr lang="en-US"/>
+          </a:p>
+        </p:txBody>
+      </p:sp>
+      <p:sp>
+        <p:nvSpPr>
+          <p:cNvPr id="7" name="Rectangle 6">
+            <a:extLst>
+              <a:ext uri="{FF2B5EF4-FFF2-40B4-BE49-F238E27FC236}">
+                <a16:creationId xmlns:a16="http://schemas.microsoft.com/office/drawing/2014/main" id="{F778EA5E-26BF-41E1-9433-1B022EB8F498}"/>
+              </a:ext>
+            </a:extLst>
+          </p:cNvPr>
+          <p:cNvSpPr/>
+          <p:nvPr/>
+        </p:nvSpPr>
+        <p:spPr>
+          <a:xfrm>
+            <a:off x="6786880" y="2997199"/>
+            <a:ext cx="609599" cy="629815"/>
+          </a:xfrm>
+          <a:prstGeom prst="rect">
+            <a:avLst/>
+          </a:prstGeom>
+          <a:solidFill>
+            <a:schemeClr val="accent2">
+              <a:lumMod val="60000"/>
+              <a:lumOff val="40000"/>
+              <a:alpha val="39000"/>
+            </a:schemeClr>
+          </a:solidFill>
+          <a:ln>
+            <a:noFill/>
+          </a:ln>
+        </p:spPr>
+        <p:style>
+          <a:lnRef idx="2">
+            <a:schemeClr val="accent1">
+              <a:shade val="50000"/>
+            </a:schemeClr>
+          </a:lnRef>
+          <a:fillRef idx="1">
+            <a:schemeClr val="accent1"/>
+          </a:fillRef>
+          <a:effectRef idx="0">
+            <a:schemeClr val="accent1"/>
+          </a:effectRef>
+          <a:fontRef idx="minor">
+            <a:schemeClr val="lt1"/>
+          </a:fontRef>
+        </p:style>
+        <p:txBody>
+          <a:bodyPr rtlCol="0" anchor="ctr"/>
+          <a:lstStyle/>
+          <a:p>
+            <a:pPr algn="ctr"/>
+            <a:endParaRPr lang="en-US"/>
+          </a:p>
+        </p:txBody>
+      </p:sp>
+      <p:sp>
+        <p:nvSpPr>
+          <p:cNvPr id="8" name="Rectangle 7">
+            <a:extLst>
+              <a:ext uri="{FF2B5EF4-FFF2-40B4-BE49-F238E27FC236}">
+                <a16:creationId xmlns:a16="http://schemas.microsoft.com/office/drawing/2014/main" id="{2B99CEF9-6777-4A10-8BE4-021E588EF4D5}"/>
+              </a:ext>
+            </a:extLst>
+          </p:cNvPr>
+          <p:cNvSpPr/>
+          <p:nvPr/>
+        </p:nvSpPr>
+        <p:spPr>
+          <a:xfrm>
+            <a:off x="7396479" y="3627014"/>
+            <a:ext cx="609599" cy="629815"/>
+          </a:xfrm>
+          <a:prstGeom prst="rect">
+            <a:avLst/>
+          </a:prstGeom>
+          <a:solidFill>
+            <a:srgbClr val="92D050">
+              <a:alpha val="39000"/>
+            </a:srgbClr>
+          </a:solidFill>
+          <a:ln>
+            <a:noFill/>
+          </a:ln>
+        </p:spPr>
+        <p:style>
+          <a:lnRef idx="2">
+            <a:schemeClr val="accent1">
+              <a:shade val="50000"/>
+            </a:schemeClr>
+          </a:lnRef>
+          <a:fillRef idx="1">
+            <a:schemeClr val="accent1"/>
+          </a:fillRef>
+          <a:effectRef idx="0">
+            <a:schemeClr val="accent1"/>
+          </a:effectRef>
+          <a:fontRef idx="minor">
+            <a:schemeClr val="lt1"/>
+          </a:fontRef>
+        </p:style>
+        <p:txBody>
+          <a:bodyPr rtlCol="0" anchor="ctr"/>
+          <a:lstStyle/>
+          <a:p>
+            <a:pPr algn="ctr"/>
+            <a:endParaRPr lang="en-US"/>
+          </a:p>
+        </p:txBody>
+      </p:sp>
+      <p:sp>
+        <p:nvSpPr>
+          <p:cNvPr id="9" name="Rectangle 8">
+            <a:extLst>
+              <a:ext uri="{FF2B5EF4-FFF2-40B4-BE49-F238E27FC236}">
+                <a16:creationId xmlns:a16="http://schemas.microsoft.com/office/drawing/2014/main" id="{BBBF1E90-5201-4896-9D95-6F874FC0AD4F}"/>
+              </a:ext>
+            </a:extLst>
+          </p:cNvPr>
+          <p:cNvSpPr/>
+          <p:nvPr/>
+        </p:nvSpPr>
+        <p:spPr>
+          <a:xfrm>
+            <a:off x="8056876" y="2997199"/>
+            <a:ext cx="609599" cy="629815"/>
+          </a:xfrm>
+          <a:prstGeom prst="rect">
+            <a:avLst/>
+          </a:prstGeom>
+          <a:solidFill>
+            <a:schemeClr val="accent2">
+              <a:lumMod val="60000"/>
+              <a:lumOff val="40000"/>
+              <a:alpha val="39000"/>
+            </a:schemeClr>
+          </a:solidFill>
+          <a:ln>
+            <a:noFill/>
+          </a:ln>
+        </p:spPr>
+        <p:style>
+          <a:lnRef idx="2">
+            <a:schemeClr val="accent1">
+              <a:shade val="50000"/>
+            </a:schemeClr>
+          </a:lnRef>
+          <a:fillRef idx="1">
+            <a:schemeClr val="accent1"/>
+          </a:fillRef>
+          <a:effectRef idx="0">
+            <a:schemeClr val="accent1"/>
+          </a:effectRef>
+          <a:fontRef idx="minor">
+            <a:schemeClr val="lt1"/>
+          </a:fontRef>
+        </p:style>
+        <p:txBody>
+          <a:bodyPr rtlCol="0" anchor="ctr"/>
+          <a:lstStyle/>
+          <a:p>
+            <a:pPr algn="ctr"/>
+            <a:endParaRPr lang="en-US"/>
+          </a:p>
+        </p:txBody>
+      </p:sp>
+      <p:sp>
+        <p:nvSpPr>
+          <p:cNvPr id="10" name="Rectangle 9">
+            <a:extLst>
+              <a:ext uri="{FF2B5EF4-FFF2-40B4-BE49-F238E27FC236}">
+                <a16:creationId xmlns:a16="http://schemas.microsoft.com/office/drawing/2014/main" id="{9CFB228D-5D1F-44B5-A514-883E45149587}"/>
+              </a:ext>
+            </a:extLst>
+          </p:cNvPr>
+          <p:cNvSpPr/>
+          <p:nvPr/>
+        </p:nvSpPr>
+        <p:spPr>
+          <a:xfrm>
+            <a:off x="8666475" y="3627014"/>
+            <a:ext cx="609599" cy="629815"/>
+          </a:xfrm>
+          <a:prstGeom prst="rect">
+            <a:avLst/>
+          </a:prstGeom>
+          <a:solidFill>
+            <a:srgbClr val="92D050">
+              <a:alpha val="39000"/>
+            </a:srgbClr>
+          </a:solidFill>
+          <a:ln>
+            <a:noFill/>
+          </a:ln>
+        </p:spPr>
+        <p:style>
+          <a:lnRef idx="2">
+            <a:schemeClr val="accent1">
+              <a:shade val="50000"/>
+            </a:schemeClr>
+          </a:lnRef>
+          <a:fillRef idx="1">
+            <a:schemeClr val="accent1"/>
+          </a:fillRef>
+          <a:effectRef idx="0">
+            <a:schemeClr val="accent1"/>
+          </a:effectRef>
+          <a:fontRef idx="minor">
+            <a:schemeClr val="lt1"/>
+          </a:fontRef>
+        </p:style>
+        <p:txBody>
+          <a:bodyPr rtlCol="0" anchor="ctr"/>
+          <a:lstStyle/>
+          <a:p>
+            <a:pPr algn="ctr"/>
+            <a:endParaRPr lang="en-US"/>
+          </a:p>
+        </p:txBody>
+      </p:sp>
+      <p:sp>
+        <p:nvSpPr>
+          <p:cNvPr id="11" name="Rectangle 10">
+            <a:extLst>
+              <a:ext uri="{FF2B5EF4-FFF2-40B4-BE49-F238E27FC236}">
+                <a16:creationId xmlns:a16="http://schemas.microsoft.com/office/drawing/2014/main" id="{73FC2F67-4D5E-4E8A-AB50-FA0F74538705}"/>
+              </a:ext>
+            </a:extLst>
+          </p:cNvPr>
+          <p:cNvSpPr/>
+          <p:nvPr/>
+        </p:nvSpPr>
+        <p:spPr>
+          <a:xfrm>
+            <a:off x="9326872" y="2997199"/>
+            <a:ext cx="609599" cy="629815"/>
+          </a:xfrm>
+          <a:prstGeom prst="rect">
+            <a:avLst/>
+          </a:prstGeom>
+          <a:solidFill>
+            <a:schemeClr val="accent2">
+              <a:lumMod val="60000"/>
+              <a:lumOff val="40000"/>
+              <a:alpha val="39000"/>
+            </a:schemeClr>
+          </a:solidFill>
+          <a:ln>
+            <a:noFill/>
+          </a:ln>
+        </p:spPr>
+        <p:style>
+          <a:lnRef idx="2">
+            <a:schemeClr val="accent1">
+              <a:shade val="50000"/>
+            </a:schemeClr>
+          </a:lnRef>
+          <a:fillRef idx="1">
+            <a:schemeClr val="accent1"/>
+          </a:fillRef>
+          <a:effectRef idx="0">
+            <a:schemeClr val="accent1"/>
+          </a:effectRef>
+          <a:fontRef idx="minor">
+            <a:schemeClr val="lt1"/>
+          </a:fontRef>
+        </p:style>
+        <p:txBody>
+          <a:bodyPr rtlCol="0" anchor="ctr"/>
+          <a:lstStyle/>
+          <a:p>
+            <a:pPr algn="ctr"/>
+            <a:endParaRPr lang="en-US"/>
+          </a:p>
+        </p:txBody>
+      </p:sp>
+      <p:sp>
+        <p:nvSpPr>
+          <p:cNvPr id="13" name="Rectangle 12">
+            <a:extLst>
+              <a:ext uri="{FF2B5EF4-FFF2-40B4-BE49-F238E27FC236}">
+                <a16:creationId xmlns:a16="http://schemas.microsoft.com/office/drawing/2014/main" id="{CCDFED54-C978-43A8-B1BC-65B98FFC70F4}"/>
+              </a:ext>
+            </a:extLst>
+          </p:cNvPr>
+          <p:cNvSpPr/>
+          <p:nvPr/>
+        </p:nvSpPr>
+        <p:spPr>
+          <a:xfrm>
+            <a:off x="2981971" y="2997199"/>
+            <a:ext cx="609599" cy="629815"/>
+          </a:xfrm>
+          <a:prstGeom prst="rect">
+            <a:avLst/>
+          </a:prstGeom>
+          <a:solidFill>
+            <a:schemeClr val="accent2">
+              <a:lumMod val="60000"/>
+              <a:lumOff val="40000"/>
+              <a:alpha val="39000"/>
+            </a:schemeClr>
+          </a:solidFill>
+          <a:ln>
+            <a:noFill/>
+          </a:ln>
+        </p:spPr>
+        <p:style>
+          <a:lnRef idx="2">
+            <a:schemeClr val="accent1">
+              <a:shade val="50000"/>
+            </a:schemeClr>
+          </a:lnRef>
+          <a:fillRef idx="1">
+            <a:schemeClr val="accent1"/>
+          </a:fillRef>
+          <a:effectRef idx="0">
+            <a:schemeClr val="accent1"/>
+          </a:effectRef>
+          <a:fontRef idx="minor">
+            <a:schemeClr val="lt1"/>
+          </a:fontRef>
+        </p:style>
+        <p:txBody>
+          <a:bodyPr rtlCol="0" anchor="ctr"/>
+          <a:lstStyle/>
+          <a:p>
+            <a:pPr algn="ctr"/>
+            <a:endParaRPr lang="en-US"/>
+          </a:p>
+        </p:txBody>
+      </p:sp>
+      <p:sp>
+        <p:nvSpPr>
+          <p:cNvPr id="14" name="Rectangle 13">
+            <a:extLst>
+              <a:ext uri="{FF2B5EF4-FFF2-40B4-BE49-F238E27FC236}">
+                <a16:creationId xmlns:a16="http://schemas.microsoft.com/office/drawing/2014/main" id="{BA27231D-6ABC-463C-8DD2-0D7583EED91D}"/>
+              </a:ext>
+            </a:extLst>
+          </p:cNvPr>
+          <p:cNvSpPr/>
+          <p:nvPr/>
+        </p:nvSpPr>
+        <p:spPr>
+          <a:xfrm>
+            <a:off x="3591570" y="3627014"/>
+            <a:ext cx="609599" cy="629815"/>
+          </a:xfrm>
+          <a:prstGeom prst="rect">
+            <a:avLst/>
+          </a:prstGeom>
+          <a:solidFill>
+            <a:srgbClr val="92D050">
+              <a:alpha val="39000"/>
+            </a:srgbClr>
+          </a:solidFill>
+          <a:ln>
+            <a:noFill/>
+          </a:ln>
+        </p:spPr>
+        <p:style>
+          <a:lnRef idx="2">
+            <a:schemeClr val="accent1">
+              <a:shade val="50000"/>
+            </a:schemeClr>
+          </a:lnRef>
+          <a:fillRef idx="1">
+            <a:schemeClr val="accent1"/>
+          </a:fillRef>
+          <a:effectRef idx="0">
+            <a:schemeClr val="accent1"/>
+          </a:effectRef>
+          <a:fontRef idx="minor">
+            <a:schemeClr val="lt1"/>
+          </a:fontRef>
+        </p:style>
+        <p:txBody>
+          <a:bodyPr rtlCol="0" anchor="ctr"/>
+          <a:lstStyle/>
+          <a:p>
+            <a:pPr algn="ctr"/>
+            <a:endParaRPr lang="en-US"/>
+          </a:p>
+        </p:txBody>
+      </p:sp>
+      <p:sp>
+        <p:nvSpPr>
+          <p:cNvPr id="15" name="Rectangle 14">
+            <a:extLst>
+              <a:ext uri="{FF2B5EF4-FFF2-40B4-BE49-F238E27FC236}">
+                <a16:creationId xmlns:a16="http://schemas.microsoft.com/office/drawing/2014/main" id="{E93F661B-EA4F-4088-8BBD-FD2F2B7C0572}"/>
+              </a:ext>
+            </a:extLst>
+          </p:cNvPr>
+          <p:cNvSpPr/>
+          <p:nvPr/>
+        </p:nvSpPr>
+        <p:spPr>
+          <a:xfrm>
+            <a:off x="4216404" y="2997199"/>
+            <a:ext cx="609599" cy="629815"/>
+          </a:xfrm>
+          <a:prstGeom prst="rect">
+            <a:avLst/>
+          </a:prstGeom>
+          <a:solidFill>
+            <a:schemeClr val="accent2">
+              <a:lumMod val="60000"/>
+              <a:lumOff val="40000"/>
+              <a:alpha val="39000"/>
+            </a:schemeClr>
+          </a:solidFill>
+          <a:ln>
+            <a:noFill/>
+          </a:ln>
+        </p:spPr>
+        <p:style>
+          <a:lnRef idx="2">
+            <a:schemeClr val="accent1">
+              <a:shade val="50000"/>
+            </a:schemeClr>
+          </a:lnRef>
+          <a:fillRef idx="1">
+            <a:schemeClr val="accent1"/>
+          </a:fillRef>
+          <a:effectRef idx="0">
+            <a:schemeClr val="accent1"/>
+          </a:effectRef>
+          <a:fontRef idx="minor">
+            <a:schemeClr val="lt1"/>
+          </a:fontRef>
+        </p:style>
+        <p:txBody>
+          <a:bodyPr rtlCol="0" anchor="ctr"/>
+          <a:lstStyle/>
+          <a:p>
+            <a:pPr algn="ctr"/>
+            <a:endParaRPr lang="en-US"/>
+          </a:p>
+        </p:txBody>
+      </p:sp>
+      <p:sp>
+        <p:nvSpPr>
+          <p:cNvPr id="16" name="Rectangle 15">
+            <a:extLst>
+              <a:ext uri="{FF2B5EF4-FFF2-40B4-BE49-F238E27FC236}">
+                <a16:creationId xmlns:a16="http://schemas.microsoft.com/office/drawing/2014/main" id="{8D92717D-D7EA-436D-8C2B-284784187555}"/>
+              </a:ext>
+            </a:extLst>
+          </p:cNvPr>
+          <p:cNvSpPr/>
+          <p:nvPr/>
+        </p:nvSpPr>
+        <p:spPr>
+          <a:xfrm>
+            <a:off x="4826003" y="3627014"/>
+            <a:ext cx="609599" cy="629815"/>
+          </a:xfrm>
+          <a:prstGeom prst="rect">
+            <a:avLst/>
+          </a:prstGeom>
+          <a:solidFill>
+            <a:srgbClr val="92D050">
+              <a:alpha val="39000"/>
+            </a:srgbClr>
+          </a:solidFill>
+          <a:ln>
+            <a:noFill/>
+          </a:ln>
+        </p:spPr>
+        <p:style>
+          <a:lnRef idx="2">
+            <a:schemeClr val="accent1">
+              <a:shade val="50000"/>
+            </a:schemeClr>
+          </a:lnRef>
+          <a:fillRef idx="1">
+            <a:schemeClr val="accent1"/>
+          </a:fillRef>
+          <a:effectRef idx="0">
+            <a:schemeClr val="accent1"/>
+          </a:effectRef>
+          <a:fontRef idx="minor">
+            <a:schemeClr val="lt1"/>
+          </a:fontRef>
+        </p:style>
+        <p:txBody>
+          <a:bodyPr rtlCol="0" anchor="ctr"/>
+          <a:lstStyle/>
+          <a:p>
+            <a:pPr algn="ctr"/>
+            <a:endParaRPr lang="en-US"/>
+          </a:p>
+        </p:txBody>
+      </p:sp>
+      <p:sp>
+        <p:nvSpPr>
+          <p:cNvPr id="21" name="Rectangle 20">
+            <a:extLst>
+              <a:ext uri="{FF2B5EF4-FFF2-40B4-BE49-F238E27FC236}">
+                <a16:creationId xmlns:a16="http://schemas.microsoft.com/office/drawing/2014/main" id="{D8CB1548-135E-400F-9CD7-C2561E49F9A9}"/>
+              </a:ext>
+            </a:extLst>
+          </p:cNvPr>
+          <p:cNvSpPr/>
+          <p:nvPr/>
+        </p:nvSpPr>
+        <p:spPr>
+          <a:xfrm>
+            <a:off x="1737374" y="2997199"/>
+            <a:ext cx="609599" cy="629815"/>
+          </a:xfrm>
+          <a:prstGeom prst="rect">
+            <a:avLst/>
+          </a:prstGeom>
+          <a:solidFill>
+            <a:schemeClr val="accent2">
+              <a:lumMod val="60000"/>
+              <a:lumOff val="40000"/>
+              <a:alpha val="39000"/>
+            </a:schemeClr>
+          </a:solidFill>
+          <a:ln>
+            <a:noFill/>
+          </a:ln>
+        </p:spPr>
+        <p:style>
+          <a:lnRef idx="2">
+            <a:schemeClr val="accent1">
+              <a:shade val="50000"/>
+            </a:schemeClr>
+          </a:lnRef>
+          <a:fillRef idx="1">
+            <a:schemeClr val="accent1"/>
+          </a:fillRef>
+          <a:effectRef idx="0">
+            <a:schemeClr val="accent1"/>
+          </a:effectRef>
+          <a:fontRef idx="minor">
+            <a:schemeClr val="lt1"/>
+          </a:fontRef>
+        </p:style>
+        <p:txBody>
+          <a:bodyPr rtlCol="0" anchor="ctr"/>
+          <a:lstStyle/>
+          <a:p>
+            <a:pPr algn="ctr"/>
+            <a:endParaRPr lang="en-US"/>
+          </a:p>
+        </p:txBody>
+      </p:sp>
+      <p:sp>
+        <p:nvSpPr>
+          <p:cNvPr id="22" name="Rectangle 21">
+            <a:extLst>
+              <a:ext uri="{FF2B5EF4-FFF2-40B4-BE49-F238E27FC236}">
+                <a16:creationId xmlns:a16="http://schemas.microsoft.com/office/drawing/2014/main" id="{920DCB32-7DA9-49C6-AC87-78AFDEA21095}"/>
+              </a:ext>
+            </a:extLst>
+          </p:cNvPr>
+          <p:cNvSpPr/>
+          <p:nvPr/>
+        </p:nvSpPr>
+        <p:spPr>
+          <a:xfrm>
+            <a:off x="2346973" y="3627014"/>
+            <a:ext cx="609599" cy="629815"/>
+          </a:xfrm>
+          <a:prstGeom prst="rect">
+            <a:avLst/>
+          </a:prstGeom>
+          <a:solidFill>
+            <a:srgbClr val="92D050">
+              <a:alpha val="39000"/>
+            </a:srgbClr>
+          </a:solidFill>
+          <a:ln>
+            <a:noFill/>
+          </a:ln>
+        </p:spPr>
+        <p:style>
+          <a:lnRef idx="2">
+            <a:schemeClr val="accent1">
+              <a:shade val="50000"/>
+            </a:schemeClr>
+          </a:lnRef>
+          <a:fillRef idx="1">
+            <a:schemeClr val="accent1"/>
+          </a:fillRef>
+          <a:effectRef idx="0">
+            <a:schemeClr val="accent1"/>
+          </a:effectRef>
+          <a:fontRef idx="minor">
+            <a:schemeClr val="lt1"/>
+          </a:fontRef>
+        </p:style>
+        <p:txBody>
+          <a:bodyPr rtlCol="0" anchor="ctr"/>
+          <a:lstStyle/>
+          <a:p>
+            <a:pPr algn="ctr"/>
+            <a:endParaRPr lang="en-US"/>
+          </a:p>
+        </p:txBody>
+      </p:sp>
+    </p:spTree>
+    <p:extLst>
+      <p:ext uri="{BB962C8B-B14F-4D97-AF65-F5344CB8AC3E}">
+        <p14:creationId xmlns:p14="http://schemas.microsoft.com/office/powerpoint/2010/main" val="575013958"/>
+      </p:ext>
+    </p:extLst>
+  </p:cSld>
+  <p:clrMapOvr>
+    <a:masterClrMapping/>
+  </p:clrMapOvr>
+</p:sld>
+</file>
+
+<file path=ppt/slides/slide6.xml><?xml version="1.0" encoding="utf-8"?>
+<p:sld xmlns:a="http://schemas.openxmlformats.org/drawingml/2006/main" xmlns:r="http://schemas.openxmlformats.org/officeDocument/2006/relationships" xmlns:p="http://schemas.openxmlformats.org/presentationml/2006/main">
+  <p:cSld>
+    <p:spTree>
+      <p:nvGrpSpPr>
+        <p:cNvPr id="1" name=""/>
+        <p:cNvGrpSpPr/>
+        <p:nvPr/>
+      </p:nvGrpSpPr>
+      <p:grpSpPr>
+        <a:xfrm>
+          <a:off x="0" y="0"/>
+          <a:ext cx="0" cy="0"/>
+          <a:chOff x="0" y="0"/>
+          <a:chExt cx="0" cy="0"/>
+        </a:xfrm>
+      </p:grpSpPr>
+      <p:pic>
+        <p:nvPicPr>
+          <p:cNvPr id="19" name="Picture 18">
+            <a:extLst>
+              <a:ext uri="{FF2B5EF4-FFF2-40B4-BE49-F238E27FC236}">
+                <a16:creationId xmlns:a16="http://schemas.microsoft.com/office/drawing/2014/main" id="{6EAC7128-08B6-46FE-A66E-03E97BF8E1AD}"/>
+              </a:ext>
+            </a:extLst>
+          </p:cNvPr>
+          <p:cNvPicPr>
+            <a:picLocks noChangeAspect="1"/>
+          </p:cNvPicPr>
+          <p:nvPr/>
+        </p:nvPicPr>
+        <p:blipFill>
+          <a:blip r:embed="rId2">
+            <a:extLst>
+              <a:ext uri="{28A0092B-C50C-407E-A947-70E740481C1C}">
+                <a14:useLocalDpi xmlns:a14="http://schemas.microsoft.com/office/drawing/2010/main" val="0"/>
+              </a:ext>
+            </a:extLst>
+          </a:blip>
+          <a:stretch>
+            <a:fillRect/>
+          </a:stretch>
+        </p:blipFill>
+        <p:spPr>
+          <a:xfrm>
+            <a:off x="1424434" y="1818604"/>
+            <a:ext cx="9517885" cy="2438225"/>
+          </a:xfrm>
+          <a:prstGeom prst="rect">
+            <a:avLst/>
+          </a:prstGeom>
+        </p:spPr>
+      </p:pic>
+      <p:sp>
+        <p:nvSpPr>
+          <p:cNvPr id="5" name="Rectangle 4">
+            <a:extLst>
+              <a:ext uri="{FF2B5EF4-FFF2-40B4-BE49-F238E27FC236}">
+                <a16:creationId xmlns:a16="http://schemas.microsoft.com/office/drawing/2014/main" id="{B04F8547-ADE4-4FF8-AA9F-3B9980A76877}"/>
+              </a:ext>
+            </a:extLst>
+          </p:cNvPr>
+          <p:cNvSpPr/>
+          <p:nvPr/>
+        </p:nvSpPr>
+        <p:spPr>
+          <a:xfrm>
+            <a:off x="6095999" y="3627016"/>
+            <a:ext cx="609599" cy="233784"/>
+          </a:xfrm>
+          <a:prstGeom prst="rect">
+            <a:avLst/>
+          </a:prstGeom>
+          <a:solidFill>
+            <a:srgbClr val="92D050">
+              <a:alpha val="39000"/>
+            </a:srgbClr>
+          </a:solidFill>
+          <a:ln>
+            <a:noFill/>
+          </a:ln>
+        </p:spPr>
+        <p:style>
+          <a:lnRef idx="2">
+            <a:schemeClr val="accent1">
+              <a:shade val="50000"/>
+            </a:schemeClr>
+          </a:lnRef>
+          <a:fillRef idx="1">
+            <a:schemeClr val="accent1"/>
+          </a:fillRef>
+          <a:effectRef idx="0">
+            <a:schemeClr val="accent1"/>
+          </a:effectRef>
+          <a:fontRef idx="minor">
+            <a:schemeClr val="lt1"/>
+          </a:fontRef>
+        </p:style>
+        <p:txBody>
+          <a:bodyPr rtlCol="0" anchor="ctr"/>
+          <a:lstStyle/>
+          <a:p>
+            <a:pPr algn="ctr"/>
+            <a:endParaRPr lang="en-US"/>
+          </a:p>
+        </p:txBody>
+      </p:sp>
+      <p:sp>
+        <p:nvSpPr>
+          <p:cNvPr id="8" name="Rectangle 7">
+            <a:extLst>
+              <a:ext uri="{FF2B5EF4-FFF2-40B4-BE49-F238E27FC236}">
+                <a16:creationId xmlns:a16="http://schemas.microsoft.com/office/drawing/2014/main" id="{2B99CEF9-6777-4A10-8BE4-021E588EF4D5}"/>
+              </a:ext>
+            </a:extLst>
+          </p:cNvPr>
+          <p:cNvSpPr/>
+          <p:nvPr/>
+        </p:nvSpPr>
+        <p:spPr>
+          <a:xfrm>
+            <a:off x="7396479" y="3627015"/>
+            <a:ext cx="609599" cy="233784"/>
+          </a:xfrm>
+          <a:prstGeom prst="rect">
+            <a:avLst/>
+          </a:prstGeom>
+          <a:solidFill>
+            <a:srgbClr val="92D050">
+              <a:alpha val="39000"/>
+            </a:srgbClr>
+          </a:solidFill>
+          <a:ln>
+            <a:noFill/>
+          </a:ln>
+        </p:spPr>
+        <p:style>
+          <a:lnRef idx="2">
+            <a:schemeClr val="accent1">
+              <a:shade val="50000"/>
+            </a:schemeClr>
+          </a:lnRef>
+          <a:fillRef idx="1">
+            <a:schemeClr val="accent1"/>
+          </a:fillRef>
+          <a:effectRef idx="0">
+            <a:schemeClr val="accent1"/>
+          </a:effectRef>
+          <a:fontRef idx="minor">
+            <a:schemeClr val="lt1"/>
+          </a:fontRef>
+        </p:style>
+        <p:txBody>
+          <a:bodyPr rtlCol="0" anchor="ctr"/>
+          <a:lstStyle/>
+          <a:p>
+            <a:pPr algn="ctr"/>
+            <a:endParaRPr lang="en-US"/>
+          </a:p>
+        </p:txBody>
+      </p:sp>
+      <p:sp>
+        <p:nvSpPr>
+          <p:cNvPr id="10" name="Rectangle 9">
+            <a:extLst>
+              <a:ext uri="{FF2B5EF4-FFF2-40B4-BE49-F238E27FC236}">
+                <a16:creationId xmlns:a16="http://schemas.microsoft.com/office/drawing/2014/main" id="{9CFB228D-5D1F-44B5-A514-883E45149587}"/>
+              </a:ext>
+            </a:extLst>
+          </p:cNvPr>
+          <p:cNvSpPr/>
+          <p:nvPr/>
+        </p:nvSpPr>
+        <p:spPr>
+          <a:xfrm>
+            <a:off x="8615677" y="3627013"/>
+            <a:ext cx="609599" cy="233785"/>
+          </a:xfrm>
+          <a:prstGeom prst="rect">
+            <a:avLst/>
+          </a:prstGeom>
+          <a:solidFill>
+            <a:srgbClr val="92D050">
+              <a:alpha val="39000"/>
+            </a:srgbClr>
+          </a:solidFill>
+          <a:ln>
+            <a:noFill/>
+          </a:ln>
+        </p:spPr>
+        <p:style>
+          <a:lnRef idx="2">
+            <a:schemeClr val="accent1">
+              <a:shade val="50000"/>
+            </a:schemeClr>
+          </a:lnRef>
+          <a:fillRef idx="1">
+            <a:schemeClr val="accent1"/>
+          </a:fillRef>
+          <a:effectRef idx="0">
+            <a:schemeClr val="accent1"/>
+          </a:effectRef>
+          <a:fontRef idx="minor">
+            <a:schemeClr val="lt1"/>
+          </a:fontRef>
+        </p:style>
+        <p:txBody>
+          <a:bodyPr rtlCol="0" anchor="ctr"/>
+          <a:lstStyle/>
+          <a:p>
+            <a:pPr algn="ctr"/>
+            <a:endParaRPr lang="en-US"/>
+          </a:p>
+        </p:txBody>
+      </p:sp>
+      <p:sp>
+        <p:nvSpPr>
+          <p:cNvPr id="14" name="Rectangle 13">
+            <a:extLst>
+              <a:ext uri="{FF2B5EF4-FFF2-40B4-BE49-F238E27FC236}">
+                <a16:creationId xmlns:a16="http://schemas.microsoft.com/office/drawing/2014/main" id="{BA27231D-6ABC-463C-8DD2-0D7583EED91D}"/>
+              </a:ext>
+            </a:extLst>
+          </p:cNvPr>
+          <p:cNvSpPr/>
+          <p:nvPr/>
+        </p:nvSpPr>
+        <p:spPr>
+          <a:xfrm>
+            <a:off x="3591570" y="3627014"/>
+            <a:ext cx="609599" cy="233785"/>
+          </a:xfrm>
+          <a:prstGeom prst="rect">
+            <a:avLst/>
+          </a:prstGeom>
+          <a:solidFill>
+            <a:srgbClr val="92D050">
+              <a:alpha val="39000"/>
+            </a:srgbClr>
+          </a:solidFill>
+          <a:ln>
+            <a:noFill/>
+          </a:ln>
+        </p:spPr>
+        <p:style>
+          <a:lnRef idx="2">
+            <a:schemeClr val="accent1">
+              <a:shade val="50000"/>
+            </a:schemeClr>
+          </a:lnRef>
+          <a:fillRef idx="1">
+            <a:schemeClr val="accent1"/>
+          </a:fillRef>
+          <a:effectRef idx="0">
+            <a:schemeClr val="accent1"/>
+          </a:effectRef>
+          <a:fontRef idx="minor">
+            <a:schemeClr val="lt1"/>
+          </a:fontRef>
+        </p:style>
+        <p:txBody>
+          <a:bodyPr rtlCol="0" anchor="ctr"/>
+          <a:lstStyle/>
+          <a:p>
+            <a:pPr algn="ctr"/>
+            <a:endParaRPr lang="en-US"/>
+          </a:p>
+        </p:txBody>
+      </p:sp>
+      <p:sp>
+        <p:nvSpPr>
+          <p:cNvPr id="16" name="Rectangle 15">
+            <a:extLst>
+              <a:ext uri="{FF2B5EF4-FFF2-40B4-BE49-F238E27FC236}">
+                <a16:creationId xmlns:a16="http://schemas.microsoft.com/office/drawing/2014/main" id="{8D92717D-D7EA-436D-8C2B-284784187555}"/>
+              </a:ext>
+            </a:extLst>
+          </p:cNvPr>
+          <p:cNvSpPr/>
+          <p:nvPr/>
+        </p:nvSpPr>
+        <p:spPr>
+          <a:xfrm>
+            <a:off x="4826003" y="3627014"/>
+            <a:ext cx="609599" cy="233785"/>
+          </a:xfrm>
+          <a:prstGeom prst="rect">
+            <a:avLst/>
+          </a:prstGeom>
+          <a:solidFill>
+            <a:srgbClr val="92D050">
+              <a:alpha val="39000"/>
+            </a:srgbClr>
+          </a:solidFill>
+          <a:ln>
+            <a:noFill/>
+          </a:ln>
+        </p:spPr>
+        <p:style>
+          <a:lnRef idx="2">
+            <a:schemeClr val="accent1">
+              <a:shade val="50000"/>
+            </a:schemeClr>
+          </a:lnRef>
+          <a:fillRef idx="1">
+            <a:schemeClr val="accent1"/>
+          </a:fillRef>
+          <a:effectRef idx="0">
+            <a:schemeClr val="accent1"/>
+          </a:effectRef>
+          <a:fontRef idx="minor">
+            <a:schemeClr val="lt1"/>
+          </a:fontRef>
+        </p:style>
+        <p:txBody>
+          <a:bodyPr rtlCol="0" anchor="ctr"/>
+          <a:lstStyle/>
+          <a:p>
+            <a:pPr algn="ctr"/>
+            <a:endParaRPr lang="en-US"/>
+          </a:p>
+        </p:txBody>
+      </p:sp>
+      <p:sp>
+        <p:nvSpPr>
+          <p:cNvPr id="22" name="Rectangle 21">
+            <a:extLst>
+              <a:ext uri="{FF2B5EF4-FFF2-40B4-BE49-F238E27FC236}">
+                <a16:creationId xmlns:a16="http://schemas.microsoft.com/office/drawing/2014/main" id="{920DCB32-7DA9-49C6-AC87-78AFDEA21095}"/>
+              </a:ext>
+            </a:extLst>
+          </p:cNvPr>
+          <p:cNvSpPr/>
+          <p:nvPr/>
+        </p:nvSpPr>
+        <p:spPr>
+          <a:xfrm>
+            <a:off x="2346973" y="3627014"/>
+            <a:ext cx="609599" cy="233785"/>
+          </a:xfrm>
+          <a:prstGeom prst="rect">
+            <a:avLst/>
+          </a:prstGeom>
+          <a:solidFill>
+            <a:srgbClr val="92D050">
+              <a:alpha val="39000"/>
+            </a:srgbClr>
+          </a:solidFill>
+          <a:ln>
+            <a:noFill/>
+          </a:ln>
+        </p:spPr>
+        <p:style>
+          <a:lnRef idx="2">
+            <a:schemeClr val="accent1">
+              <a:shade val="50000"/>
+            </a:schemeClr>
+          </a:lnRef>
+          <a:fillRef idx="1">
+            <a:schemeClr val="accent1"/>
+          </a:fillRef>
+          <a:effectRef idx="0">
+            <a:schemeClr val="accent1"/>
+          </a:effectRef>
+          <a:fontRef idx="minor">
+            <a:schemeClr val="lt1"/>
+          </a:fontRef>
+        </p:style>
+        <p:txBody>
+          <a:bodyPr rtlCol="0" anchor="ctr"/>
+          <a:lstStyle/>
+          <a:p>
+            <a:pPr algn="ctr"/>
+            <a:endParaRPr lang="en-US"/>
+          </a:p>
+        </p:txBody>
+      </p:sp>
+      <p:sp>
+        <p:nvSpPr>
+          <p:cNvPr id="23" name="Rectangle 22">
+            <a:extLst>
+              <a:ext uri="{FF2B5EF4-FFF2-40B4-BE49-F238E27FC236}">
+                <a16:creationId xmlns:a16="http://schemas.microsoft.com/office/drawing/2014/main" id="{C4CFADC3-96D4-45E6-AE48-045C6F429293}"/>
+              </a:ext>
+            </a:extLst>
+          </p:cNvPr>
+          <p:cNvSpPr/>
+          <p:nvPr/>
+        </p:nvSpPr>
+        <p:spPr>
+          <a:xfrm>
+            <a:off x="5461001" y="3393229"/>
+            <a:ext cx="609599" cy="233784"/>
+          </a:xfrm>
+          <a:prstGeom prst="rect">
+            <a:avLst/>
+          </a:prstGeom>
+          <a:solidFill>
+            <a:srgbClr val="92D050">
+              <a:alpha val="39000"/>
+            </a:srgbClr>
+          </a:solidFill>
+          <a:ln>
+            <a:noFill/>
+          </a:ln>
+        </p:spPr>
+        <p:style>
+          <a:lnRef idx="2">
+            <a:schemeClr val="accent1">
+              <a:shade val="50000"/>
+            </a:schemeClr>
+          </a:lnRef>
+          <a:fillRef idx="1">
+            <a:schemeClr val="accent1"/>
+          </a:fillRef>
+          <a:effectRef idx="0">
+            <a:schemeClr val="accent1"/>
+          </a:effectRef>
+          <a:fontRef idx="minor">
+            <a:schemeClr val="lt1"/>
+          </a:fontRef>
+        </p:style>
+        <p:txBody>
+          <a:bodyPr rtlCol="0" anchor="ctr"/>
+          <a:lstStyle/>
+          <a:p>
+            <a:pPr algn="ctr"/>
+            <a:endParaRPr lang="en-US"/>
+          </a:p>
+        </p:txBody>
+      </p:sp>
+      <p:sp>
+        <p:nvSpPr>
+          <p:cNvPr id="24" name="Rectangle 23">
+            <a:extLst>
+              <a:ext uri="{FF2B5EF4-FFF2-40B4-BE49-F238E27FC236}">
+                <a16:creationId xmlns:a16="http://schemas.microsoft.com/office/drawing/2014/main" id="{14E72FE9-87E8-4978-802A-DC1708ED0BC2}"/>
+              </a:ext>
+            </a:extLst>
+          </p:cNvPr>
+          <p:cNvSpPr/>
+          <p:nvPr/>
+        </p:nvSpPr>
+        <p:spPr>
+          <a:xfrm>
+            <a:off x="6761481" y="3393228"/>
+            <a:ext cx="609599" cy="233784"/>
+          </a:xfrm>
+          <a:prstGeom prst="rect">
+            <a:avLst/>
+          </a:prstGeom>
+          <a:solidFill>
+            <a:srgbClr val="92D050">
+              <a:alpha val="39000"/>
+            </a:srgbClr>
+          </a:solidFill>
+          <a:ln>
+            <a:noFill/>
+          </a:ln>
+        </p:spPr>
+        <p:style>
+          <a:lnRef idx="2">
+            <a:schemeClr val="accent1">
+              <a:shade val="50000"/>
+            </a:schemeClr>
+          </a:lnRef>
+          <a:fillRef idx="1">
+            <a:schemeClr val="accent1"/>
+          </a:fillRef>
+          <a:effectRef idx="0">
+            <a:schemeClr val="accent1"/>
+          </a:effectRef>
+          <a:fontRef idx="minor">
+            <a:schemeClr val="lt1"/>
+          </a:fontRef>
+        </p:style>
+        <p:txBody>
+          <a:bodyPr rtlCol="0" anchor="ctr"/>
+          <a:lstStyle/>
+          <a:p>
+            <a:pPr algn="ctr"/>
+            <a:endParaRPr lang="en-US"/>
+          </a:p>
+        </p:txBody>
+      </p:sp>
+      <p:sp>
+        <p:nvSpPr>
+          <p:cNvPr id="25" name="Rectangle 24">
+            <a:extLst>
+              <a:ext uri="{FF2B5EF4-FFF2-40B4-BE49-F238E27FC236}">
+                <a16:creationId xmlns:a16="http://schemas.microsoft.com/office/drawing/2014/main" id="{3B5EE373-8C4A-4773-8753-6A732A6AFC8C}"/>
+              </a:ext>
+            </a:extLst>
+          </p:cNvPr>
+          <p:cNvSpPr/>
+          <p:nvPr/>
+        </p:nvSpPr>
+        <p:spPr>
+          <a:xfrm>
+            <a:off x="7980679" y="3393226"/>
+            <a:ext cx="609599" cy="233785"/>
+          </a:xfrm>
+          <a:prstGeom prst="rect">
+            <a:avLst/>
+          </a:prstGeom>
+          <a:solidFill>
+            <a:srgbClr val="92D050">
+              <a:alpha val="39000"/>
+            </a:srgbClr>
+          </a:solidFill>
+          <a:ln>
+            <a:noFill/>
+          </a:ln>
+        </p:spPr>
+        <p:style>
+          <a:lnRef idx="2">
+            <a:schemeClr val="accent1">
+              <a:shade val="50000"/>
+            </a:schemeClr>
+          </a:lnRef>
+          <a:fillRef idx="1">
+            <a:schemeClr val="accent1"/>
+          </a:fillRef>
+          <a:effectRef idx="0">
+            <a:schemeClr val="accent1"/>
+          </a:effectRef>
+          <a:fontRef idx="minor">
+            <a:schemeClr val="lt1"/>
+          </a:fontRef>
+        </p:style>
+        <p:txBody>
+          <a:bodyPr rtlCol="0" anchor="ctr"/>
+          <a:lstStyle/>
+          <a:p>
+            <a:pPr algn="ctr"/>
+            <a:endParaRPr lang="en-US"/>
+          </a:p>
+        </p:txBody>
+      </p:sp>
+      <p:sp>
+        <p:nvSpPr>
+          <p:cNvPr id="26" name="Rectangle 25">
+            <a:extLst>
+              <a:ext uri="{FF2B5EF4-FFF2-40B4-BE49-F238E27FC236}">
+                <a16:creationId xmlns:a16="http://schemas.microsoft.com/office/drawing/2014/main" id="{4530E84C-C643-4369-A9EF-6726A7D4A4DD}"/>
+              </a:ext>
+            </a:extLst>
+          </p:cNvPr>
+          <p:cNvSpPr/>
+          <p:nvPr/>
+        </p:nvSpPr>
+        <p:spPr>
+          <a:xfrm>
+            <a:off x="2956572" y="3393227"/>
+            <a:ext cx="609599" cy="233785"/>
+          </a:xfrm>
+          <a:prstGeom prst="rect">
+            <a:avLst/>
+          </a:prstGeom>
+          <a:solidFill>
+            <a:srgbClr val="92D050">
+              <a:alpha val="39000"/>
+            </a:srgbClr>
+          </a:solidFill>
+          <a:ln>
+            <a:noFill/>
+          </a:ln>
+        </p:spPr>
+        <p:style>
+          <a:lnRef idx="2">
+            <a:schemeClr val="accent1">
+              <a:shade val="50000"/>
+            </a:schemeClr>
+          </a:lnRef>
+          <a:fillRef idx="1">
+            <a:schemeClr val="accent1"/>
+          </a:fillRef>
+          <a:effectRef idx="0">
+            <a:schemeClr val="accent1"/>
+          </a:effectRef>
+          <a:fontRef idx="minor">
+            <a:schemeClr val="lt1"/>
+          </a:fontRef>
+        </p:style>
+        <p:txBody>
+          <a:bodyPr rtlCol="0" anchor="ctr"/>
+          <a:lstStyle/>
+          <a:p>
+            <a:pPr algn="ctr"/>
+            <a:endParaRPr lang="en-US"/>
+          </a:p>
+        </p:txBody>
+      </p:sp>
+      <p:sp>
+        <p:nvSpPr>
+          <p:cNvPr id="27" name="Rectangle 26">
+            <a:extLst>
+              <a:ext uri="{FF2B5EF4-FFF2-40B4-BE49-F238E27FC236}">
+                <a16:creationId xmlns:a16="http://schemas.microsoft.com/office/drawing/2014/main" id="{83DD0D37-6782-4039-9740-57F7BFEED950}"/>
+              </a:ext>
+            </a:extLst>
+          </p:cNvPr>
+          <p:cNvSpPr/>
+          <p:nvPr/>
+        </p:nvSpPr>
+        <p:spPr>
+          <a:xfrm>
+            <a:off x="4191005" y="3393227"/>
+            <a:ext cx="609599" cy="233785"/>
+          </a:xfrm>
+          <a:prstGeom prst="rect">
+            <a:avLst/>
+          </a:prstGeom>
+          <a:solidFill>
+            <a:srgbClr val="92D050">
+              <a:alpha val="39000"/>
+            </a:srgbClr>
+          </a:solidFill>
+          <a:ln>
+            <a:noFill/>
+          </a:ln>
+        </p:spPr>
+        <p:style>
+          <a:lnRef idx="2">
+            <a:schemeClr val="accent1">
+              <a:shade val="50000"/>
+            </a:schemeClr>
+          </a:lnRef>
+          <a:fillRef idx="1">
+            <a:schemeClr val="accent1"/>
+          </a:fillRef>
+          <a:effectRef idx="0">
+            <a:schemeClr val="accent1"/>
+          </a:effectRef>
+          <a:fontRef idx="minor">
+            <a:schemeClr val="lt1"/>
+          </a:fontRef>
+        </p:style>
+        <p:txBody>
+          <a:bodyPr rtlCol="0" anchor="ctr"/>
+          <a:lstStyle/>
+          <a:p>
+            <a:pPr algn="ctr"/>
+            <a:endParaRPr lang="en-US"/>
+          </a:p>
+        </p:txBody>
+      </p:sp>
+      <p:sp>
+        <p:nvSpPr>
+          <p:cNvPr id="28" name="Rectangle 27">
+            <a:extLst>
+              <a:ext uri="{FF2B5EF4-FFF2-40B4-BE49-F238E27FC236}">
+                <a16:creationId xmlns:a16="http://schemas.microsoft.com/office/drawing/2014/main" id="{F1FD743E-8326-41B7-8260-ECF64902A8B2}"/>
+              </a:ext>
+            </a:extLst>
+          </p:cNvPr>
+          <p:cNvSpPr/>
+          <p:nvPr/>
+        </p:nvSpPr>
+        <p:spPr>
+          <a:xfrm>
+            <a:off x="1711975" y="3393227"/>
+            <a:ext cx="609599" cy="233785"/>
+          </a:xfrm>
+          <a:prstGeom prst="rect">
+            <a:avLst/>
+          </a:prstGeom>
+          <a:solidFill>
+            <a:srgbClr val="92D050">
+              <a:alpha val="39000"/>
+            </a:srgbClr>
+          </a:solidFill>
+          <a:ln>
+            <a:noFill/>
+          </a:ln>
+        </p:spPr>
+        <p:style>
+          <a:lnRef idx="2">
+            <a:schemeClr val="accent1">
+              <a:shade val="50000"/>
+            </a:schemeClr>
+          </a:lnRef>
+          <a:fillRef idx="1">
+            <a:schemeClr val="accent1"/>
+          </a:fillRef>
+          <a:effectRef idx="0">
+            <a:schemeClr val="accent1"/>
+          </a:effectRef>
+          <a:fontRef idx="minor">
+            <a:schemeClr val="lt1"/>
+          </a:fontRef>
+        </p:style>
+        <p:txBody>
+          <a:bodyPr rtlCol="0" anchor="ctr"/>
+          <a:lstStyle/>
+          <a:p>
+            <a:pPr algn="ctr"/>
+            <a:endParaRPr lang="en-US"/>
+          </a:p>
+        </p:txBody>
+      </p:sp>
+      <p:sp>
+        <p:nvSpPr>
+          <p:cNvPr id="29" name="Rectangle 28">
+            <a:extLst>
+              <a:ext uri="{FF2B5EF4-FFF2-40B4-BE49-F238E27FC236}">
+                <a16:creationId xmlns:a16="http://schemas.microsoft.com/office/drawing/2014/main" id="{B11A7BAB-DCED-4C94-9511-3BBFEF98E81B}"/>
+              </a:ext>
+            </a:extLst>
+          </p:cNvPr>
+          <p:cNvSpPr/>
+          <p:nvPr/>
+        </p:nvSpPr>
+        <p:spPr>
+          <a:xfrm>
+            <a:off x="9281159" y="3352477"/>
+            <a:ext cx="609599" cy="233785"/>
+          </a:xfrm>
+          <a:prstGeom prst="rect">
+            <a:avLst/>
+          </a:prstGeom>
+          <a:solidFill>
+            <a:srgbClr val="92D050">
+              <a:alpha val="39000"/>
+            </a:srgbClr>
+          </a:solidFill>
+          <a:ln>
+            <a:noFill/>
+          </a:ln>
+        </p:spPr>
+        <p:style>
+          <a:lnRef idx="2">
+            <a:schemeClr val="accent1">
+              <a:shade val="50000"/>
+            </a:schemeClr>
+          </a:lnRef>
+          <a:fillRef idx="1">
+            <a:schemeClr val="accent1"/>
+          </a:fillRef>
+          <a:effectRef idx="0">
+            <a:schemeClr val="accent1"/>
+          </a:effectRef>
+          <a:fontRef idx="minor">
+            <a:schemeClr val="lt1"/>
+          </a:fontRef>
+        </p:style>
+        <p:txBody>
+          <a:bodyPr rtlCol="0" anchor="ctr"/>
+          <a:lstStyle/>
+          <a:p>
+            <a:pPr algn="ctr"/>
+            <a:endParaRPr lang="en-US"/>
+          </a:p>
+        </p:txBody>
+      </p:sp>
+      <p:sp>
+        <p:nvSpPr>
+          <p:cNvPr id="30" name="Rectangle 29">
+            <a:extLst>
+              <a:ext uri="{FF2B5EF4-FFF2-40B4-BE49-F238E27FC236}">
+                <a16:creationId xmlns:a16="http://schemas.microsoft.com/office/drawing/2014/main" id="{70357C55-B53A-448F-8F9B-93D7F6ED6511}"/>
+              </a:ext>
+            </a:extLst>
+          </p:cNvPr>
+          <p:cNvSpPr/>
+          <p:nvPr/>
+        </p:nvSpPr>
+        <p:spPr>
+          <a:xfrm>
+            <a:off x="5486400" y="2722662"/>
+            <a:ext cx="609599" cy="670559"/>
+          </a:xfrm>
+          <a:prstGeom prst="rect">
+            <a:avLst/>
+          </a:prstGeom>
+          <a:solidFill>
+            <a:schemeClr val="accent1">
+              <a:alpha val="39000"/>
+            </a:schemeClr>
+          </a:solidFill>
+          <a:ln>
+            <a:noFill/>
+          </a:ln>
+        </p:spPr>
+        <p:style>
+          <a:lnRef idx="2">
+            <a:schemeClr val="accent1">
+              <a:shade val="50000"/>
+            </a:schemeClr>
+          </a:lnRef>
+          <a:fillRef idx="1">
+            <a:schemeClr val="accent1"/>
+          </a:fillRef>
+          <a:effectRef idx="0">
+            <a:schemeClr val="accent1"/>
+          </a:effectRef>
+          <a:fontRef idx="minor">
+            <a:schemeClr val="lt1"/>
+          </a:fontRef>
+        </p:style>
+        <p:txBody>
+          <a:bodyPr rtlCol="0" anchor="ctr"/>
+          <a:lstStyle/>
+          <a:p>
+            <a:pPr algn="ctr"/>
+            <a:endParaRPr lang="en-US"/>
+          </a:p>
+        </p:txBody>
+      </p:sp>
+      <p:sp>
+        <p:nvSpPr>
+          <p:cNvPr id="31" name="Rectangle 30">
+            <a:extLst>
+              <a:ext uri="{FF2B5EF4-FFF2-40B4-BE49-F238E27FC236}">
+                <a16:creationId xmlns:a16="http://schemas.microsoft.com/office/drawing/2014/main" id="{4C6D8BE4-7D82-4A4A-AFE5-B24A0AC56E1B}"/>
+              </a:ext>
+            </a:extLst>
+          </p:cNvPr>
+          <p:cNvSpPr/>
+          <p:nvPr/>
+        </p:nvSpPr>
+        <p:spPr>
+          <a:xfrm>
+            <a:off x="6786880" y="2722661"/>
+            <a:ext cx="609599" cy="670559"/>
+          </a:xfrm>
+          <a:prstGeom prst="rect">
+            <a:avLst/>
+          </a:prstGeom>
+          <a:solidFill>
+            <a:schemeClr val="accent1">
+              <a:alpha val="39000"/>
+            </a:schemeClr>
+          </a:solidFill>
+          <a:ln>
+            <a:noFill/>
+          </a:ln>
+        </p:spPr>
+        <p:style>
+          <a:lnRef idx="2">
+            <a:schemeClr val="accent1">
+              <a:shade val="50000"/>
+            </a:schemeClr>
+          </a:lnRef>
+          <a:fillRef idx="1">
+            <a:schemeClr val="accent1"/>
+          </a:fillRef>
+          <a:effectRef idx="0">
+            <a:schemeClr val="accent1"/>
+          </a:effectRef>
+          <a:fontRef idx="minor">
+            <a:schemeClr val="lt1"/>
+          </a:fontRef>
+        </p:style>
+        <p:txBody>
+          <a:bodyPr rtlCol="0" anchor="ctr"/>
+          <a:lstStyle/>
+          <a:p>
+            <a:pPr algn="ctr"/>
+            <a:endParaRPr lang="en-US"/>
+          </a:p>
+        </p:txBody>
+      </p:sp>
+      <p:sp>
+        <p:nvSpPr>
+          <p:cNvPr id="32" name="Rectangle 31">
+            <a:extLst>
+              <a:ext uri="{FF2B5EF4-FFF2-40B4-BE49-F238E27FC236}">
+                <a16:creationId xmlns:a16="http://schemas.microsoft.com/office/drawing/2014/main" id="{FF9B2F6B-9DD7-4665-B15E-72DEAD2092F2}"/>
+              </a:ext>
+            </a:extLst>
+          </p:cNvPr>
+          <p:cNvSpPr/>
+          <p:nvPr/>
+        </p:nvSpPr>
+        <p:spPr>
+          <a:xfrm>
+            <a:off x="8006078" y="2722660"/>
+            <a:ext cx="609599" cy="670562"/>
+          </a:xfrm>
+          <a:prstGeom prst="rect">
+            <a:avLst/>
+          </a:prstGeom>
+          <a:solidFill>
+            <a:schemeClr val="accent1">
+              <a:alpha val="39000"/>
+            </a:schemeClr>
+          </a:solidFill>
+          <a:ln>
+            <a:noFill/>
+          </a:ln>
+        </p:spPr>
+        <p:style>
+          <a:lnRef idx="2">
+            <a:schemeClr val="accent1">
+              <a:shade val="50000"/>
+            </a:schemeClr>
+          </a:lnRef>
+          <a:fillRef idx="1">
+            <a:schemeClr val="accent1"/>
+          </a:fillRef>
+          <a:effectRef idx="0">
+            <a:schemeClr val="accent1"/>
+          </a:effectRef>
+          <a:fontRef idx="minor">
+            <a:schemeClr val="lt1"/>
+          </a:fontRef>
+        </p:style>
+        <p:txBody>
+          <a:bodyPr rtlCol="0" anchor="ctr"/>
+          <a:lstStyle/>
+          <a:p>
+            <a:pPr algn="ctr"/>
+            <a:endParaRPr lang="en-US"/>
+          </a:p>
+        </p:txBody>
+      </p:sp>
+      <p:sp>
+        <p:nvSpPr>
+          <p:cNvPr id="33" name="Rectangle 32">
+            <a:extLst>
+              <a:ext uri="{FF2B5EF4-FFF2-40B4-BE49-F238E27FC236}">
+                <a16:creationId xmlns:a16="http://schemas.microsoft.com/office/drawing/2014/main" id="{D6F162CF-9513-4296-9AD6-80A60DBD0689}"/>
+              </a:ext>
+            </a:extLst>
+          </p:cNvPr>
+          <p:cNvSpPr/>
+          <p:nvPr/>
+        </p:nvSpPr>
+        <p:spPr>
+          <a:xfrm>
+            <a:off x="2981971" y="2722661"/>
+            <a:ext cx="609599" cy="670562"/>
+          </a:xfrm>
+          <a:prstGeom prst="rect">
+            <a:avLst/>
+          </a:prstGeom>
+          <a:solidFill>
+            <a:schemeClr val="accent1">
+              <a:alpha val="39000"/>
+            </a:schemeClr>
+          </a:solidFill>
+          <a:ln>
+            <a:noFill/>
+          </a:ln>
+        </p:spPr>
+        <p:style>
+          <a:lnRef idx="2">
+            <a:schemeClr val="accent1">
+              <a:shade val="50000"/>
+            </a:schemeClr>
+          </a:lnRef>
+          <a:fillRef idx="1">
+            <a:schemeClr val="accent1"/>
+          </a:fillRef>
+          <a:effectRef idx="0">
+            <a:schemeClr val="accent1"/>
+          </a:effectRef>
+          <a:fontRef idx="minor">
+            <a:schemeClr val="lt1"/>
+          </a:fontRef>
+        </p:style>
+        <p:txBody>
+          <a:bodyPr rtlCol="0" anchor="ctr"/>
+          <a:lstStyle/>
+          <a:p>
+            <a:pPr algn="ctr"/>
+            <a:endParaRPr lang="en-US"/>
+          </a:p>
+        </p:txBody>
+      </p:sp>
+      <p:sp>
+        <p:nvSpPr>
+          <p:cNvPr id="34" name="Rectangle 33">
+            <a:extLst>
+              <a:ext uri="{FF2B5EF4-FFF2-40B4-BE49-F238E27FC236}">
+                <a16:creationId xmlns:a16="http://schemas.microsoft.com/office/drawing/2014/main" id="{BE2C5D2F-0334-45E3-9FAD-D9B077C51573}"/>
+              </a:ext>
+            </a:extLst>
+          </p:cNvPr>
+          <p:cNvSpPr/>
+          <p:nvPr/>
+        </p:nvSpPr>
+        <p:spPr>
+          <a:xfrm>
+            <a:off x="4216404" y="2722661"/>
+            <a:ext cx="609599" cy="670562"/>
+          </a:xfrm>
+          <a:prstGeom prst="rect">
+            <a:avLst/>
+          </a:prstGeom>
+          <a:solidFill>
+            <a:schemeClr val="accent1">
+              <a:alpha val="39000"/>
+            </a:schemeClr>
+          </a:solidFill>
+          <a:ln>
+            <a:noFill/>
+          </a:ln>
+        </p:spPr>
+        <p:style>
+          <a:lnRef idx="2">
+            <a:schemeClr val="accent1">
+              <a:shade val="50000"/>
+            </a:schemeClr>
+          </a:lnRef>
+          <a:fillRef idx="1">
+            <a:schemeClr val="accent1"/>
+          </a:fillRef>
+          <a:effectRef idx="0">
+            <a:schemeClr val="accent1"/>
+          </a:effectRef>
+          <a:fontRef idx="minor">
+            <a:schemeClr val="lt1"/>
+          </a:fontRef>
+        </p:style>
+        <p:txBody>
+          <a:bodyPr rtlCol="0" anchor="ctr"/>
+          <a:lstStyle/>
+          <a:p>
+            <a:pPr algn="ctr"/>
+            <a:endParaRPr lang="en-US"/>
+          </a:p>
+        </p:txBody>
+      </p:sp>
+      <p:sp>
+        <p:nvSpPr>
+          <p:cNvPr id="35" name="Rectangle 34">
+            <a:extLst>
+              <a:ext uri="{FF2B5EF4-FFF2-40B4-BE49-F238E27FC236}">
+                <a16:creationId xmlns:a16="http://schemas.microsoft.com/office/drawing/2014/main" id="{EB947416-5115-4760-995C-E222917593F5}"/>
+              </a:ext>
+            </a:extLst>
+          </p:cNvPr>
+          <p:cNvSpPr/>
+          <p:nvPr/>
+        </p:nvSpPr>
+        <p:spPr>
+          <a:xfrm>
+            <a:off x="1737374" y="2722661"/>
+            <a:ext cx="609599" cy="670562"/>
+          </a:xfrm>
+          <a:prstGeom prst="rect">
+            <a:avLst/>
+          </a:prstGeom>
+          <a:solidFill>
+            <a:schemeClr val="accent1">
+              <a:alpha val="39000"/>
+            </a:schemeClr>
+          </a:solidFill>
+          <a:ln>
+            <a:noFill/>
+          </a:ln>
+        </p:spPr>
+        <p:style>
+          <a:lnRef idx="2">
+            <a:schemeClr val="accent1">
+              <a:shade val="50000"/>
+            </a:schemeClr>
+          </a:lnRef>
+          <a:fillRef idx="1">
+            <a:schemeClr val="accent1"/>
+          </a:fillRef>
+          <a:effectRef idx="0">
+            <a:schemeClr val="accent1"/>
+          </a:effectRef>
+          <a:fontRef idx="minor">
+            <a:schemeClr val="lt1"/>
+          </a:fontRef>
+        </p:style>
+        <p:txBody>
+          <a:bodyPr rtlCol="0" anchor="ctr"/>
+          <a:lstStyle/>
+          <a:p>
+            <a:pPr algn="ctr"/>
+            <a:endParaRPr lang="en-US"/>
+          </a:p>
+        </p:txBody>
+      </p:sp>
+      <p:sp>
+        <p:nvSpPr>
+          <p:cNvPr id="36" name="Rectangle 35">
+            <a:extLst>
+              <a:ext uri="{FF2B5EF4-FFF2-40B4-BE49-F238E27FC236}">
+                <a16:creationId xmlns:a16="http://schemas.microsoft.com/office/drawing/2014/main" id="{25A3E1BE-06CE-4AC4-B07C-60C173B121DA}"/>
+              </a:ext>
+            </a:extLst>
+          </p:cNvPr>
+          <p:cNvSpPr/>
+          <p:nvPr/>
+        </p:nvSpPr>
+        <p:spPr>
+          <a:xfrm>
+            <a:off x="9276074" y="2681910"/>
+            <a:ext cx="609599" cy="670562"/>
+          </a:xfrm>
+          <a:prstGeom prst="rect">
+            <a:avLst/>
+          </a:prstGeom>
+          <a:solidFill>
+            <a:schemeClr val="accent1">
+              <a:alpha val="39000"/>
+            </a:schemeClr>
+          </a:solidFill>
+          <a:ln>
+            <a:noFill/>
+          </a:ln>
+        </p:spPr>
+        <p:style>
+          <a:lnRef idx="2">
+            <a:schemeClr val="accent1">
+              <a:shade val="50000"/>
+            </a:schemeClr>
+          </a:lnRef>
+          <a:fillRef idx="1">
+            <a:schemeClr val="accent1"/>
+          </a:fillRef>
+          <a:effectRef idx="0">
+            <a:schemeClr val="accent1"/>
+          </a:effectRef>
+          <a:fontRef idx="minor">
+            <a:schemeClr val="lt1"/>
+          </a:fontRef>
+        </p:style>
+        <p:txBody>
+          <a:bodyPr rtlCol="0" anchor="ctr"/>
+          <a:lstStyle/>
+          <a:p>
+            <a:pPr algn="ctr"/>
+            <a:endParaRPr lang="en-US"/>
+          </a:p>
+        </p:txBody>
+      </p:sp>
+    </p:spTree>
+    <p:extLst>
+      <p:ext uri="{BB962C8B-B14F-4D97-AF65-F5344CB8AC3E}">
+        <p14:creationId xmlns:p14="http://schemas.microsoft.com/office/powerpoint/2010/main" val="162029309"/>
       </p:ext>
     </p:extLst>
   </p:cSld>

--- a/volunteer/Drawings.pptx
+++ b/volunteer/Drawings.pptx
@@ -11,6 +11,9 @@
     <p:sldId id="259" r:id="rId5"/>
     <p:sldId id="260" r:id="rId6"/>
     <p:sldId id="261" r:id="rId7"/>
+    <p:sldId id="262" r:id="rId8"/>
+    <p:sldId id="263" r:id="rId9"/>
+    <p:sldId id="264" r:id="rId10"/>
   </p:sldIdLst>
   <p:sldSz cx="12192000" cy="6858000"/>
   <p:notesSz cx="6858000" cy="9144000"/>
@@ -5365,8 +5368,8 @@
           </a:fontRef>
         </p:style>
       </p:cxnSp>
-      <mc:AlternateContent xmlns:mc="http://schemas.openxmlformats.org/markup-compatibility/2006">
-        <mc:Choice xmlns:a14="http://schemas.microsoft.com/office/drawing/2010/main" Requires="a14">
+      <mc:AlternateContent xmlns:mc="http://schemas.openxmlformats.org/markup-compatibility/2006" xmlns:a14="http://schemas.microsoft.com/office/drawing/2010/main">
+        <mc:Choice Requires="a14">
           <p:sp>
             <p:nvSpPr>
               <p:cNvPr id="23" name="TextBox 22">
@@ -5395,6 +5398,7 @@
               </a:bodyPr>
               <a:lstStyle/>
               <a:p>
+                <a:pPr/>
                 <a14:m>
                   <m:oMathPara xmlns:m="http://schemas.openxmlformats.org/officeDocument/2006/math">
                     <m:oMathParaPr>
@@ -5446,7 +5450,7 @@
             </p:txBody>
           </p:sp>
         </mc:Choice>
-        <mc:Fallback>
+        <mc:Fallback xmlns="">
           <p:sp>
             <p:nvSpPr>
               <p:cNvPr id="23" name="TextBox 22">
@@ -5540,8 +5544,8 @@
           </a:p>
         </p:txBody>
       </p:sp>
-      <mc:AlternateContent xmlns:mc="http://schemas.openxmlformats.org/markup-compatibility/2006">
-        <mc:Choice xmlns:a14="http://schemas.microsoft.com/office/drawing/2010/main" Requires="a14">
+      <mc:AlternateContent xmlns:mc="http://schemas.openxmlformats.org/markup-compatibility/2006" xmlns:a14="http://schemas.microsoft.com/office/drawing/2010/main">
+        <mc:Choice Requires="a14">
           <p:sp>
             <p:nvSpPr>
               <p:cNvPr id="28" name="TextBox 27">
@@ -5570,6 +5574,7 @@
               </a:bodyPr>
               <a:lstStyle/>
               <a:p>
+                <a:pPr/>
                 <a14:m>
                   <m:oMathPara xmlns:m="http://schemas.openxmlformats.org/officeDocument/2006/math">
                     <m:oMathParaPr>
@@ -5591,7 +5596,7 @@
             </p:txBody>
           </p:sp>
         </mc:Choice>
-        <mc:Fallback>
+        <mc:Fallback xmlns="">
           <p:sp>
             <p:nvSpPr>
               <p:cNvPr id="28" name="TextBox 27">
@@ -5685,8 +5690,8 @@
           </a:p>
         </p:txBody>
       </p:sp>
-      <mc:AlternateContent xmlns:mc="http://schemas.openxmlformats.org/markup-compatibility/2006">
-        <mc:Choice xmlns:a14="http://schemas.microsoft.com/office/drawing/2010/main" Requires="a14">
+      <mc:AlternateContent xmlns:mc="http://schemas.openxmlformats.org/markup-compatibility/2006" xmlns:a14="http://schemas.microsoft.com/office/drawing/2010/main">
+        <mc:Choice Requires="a14">
           <p:sp>
             <p:nvSpPr>
               <p:cNvPr id="30" name="TextBox 29">
@@ -5715,6 +5720,7 @@
               </a:bodyPr>
               <a:lstStyle/>
               <a:p>
+                <a:pPr/>
                 <a14:m>
                   <m:oMathPara xmlns:m="http://schemas.openxmlformats.org/officeDocument/2006/math">
                     <m:oMathParaPr>
@@ -5736,7 +5742,7 @@
             </p:txBody>
           </p:sp>
         </mc:Choice>
-        <mc:Fallback>
+        <mc:Fallback xmlns="">
           <p:sp>
             <p:nvSpPr>
               <p:cNvPr id="30" name="TextBox 29">
@@ -5781,8 +5787,8 @@
           </p:sp>
         </mc:Fallback>
       </mc:AlternateContent>
-      <mc:AlternateContent xmlns:mc="http://schemas.openxmlformats.org/markup-compatibility/2006">
-        <mc:Choice xmlns:a14="http://schemas.microsoft.com/office/drawing/2010/main" Requires="a14">
+      <mc:AlternateContent xmlns:mc="http://schemas.openxmlformats.org/markup-compatibility/2006" xmlns:a14="http://schemas.microsoft.com/office/drawing/2010/main">
+        <mc:Choice Requires="a14">
           <p:sp>
             <p:nvSpPr>
               <p:cNvPr id="32" name="TextBox 31">
@@ -5811,6 +5817,7 @@
               </a:bodyPr>
               <a:lstStyle/>
               <a:p>
+                <a:pPr/>
                 <a14:m>
                   <m:oMathPara xmlns:m="http://schemas.openxmlformats.org/officeDocument/2006/math">
                     <m:oMathParaPr>
@@ -5909,7 +5916,7 @@
             </p:txBody>
           </p:sp>
         </mc:Choice>
-        <mc:Fallback>
+        <mc:Fallback xmlns="">
           <p:sp>
             <p:nvSpPr>
               <p:cNvPr id="32" name="TextBox 31">
@@ -8105,6 +8112,3879 @@
     <p:extLst>
       <p:ext uri="{BB962C8B-B14F-4D97-AF65-F5344CB8AC3E}">
         <p14:creationId xmlns:p14="http://schemas.microsoft.com/office/powerpoint/2010/main" val="162029309"/>
+      </p:ext>
+    </p:extLst>
+  </p:cSld>
+  <p:clrMapOvr>
+    <a:masterClrMapping/>
+  </p:clrMapOvr>
+</p:sld>
+</file>
+
+<file path=ppt/slides/slide7.xml><?xml version="1.0" encoding="utf-8"?>
+<p:sld xmlns:a="http://schemas.openxmlformats.org/drawingml/2006/main" xmlns:r="http://schemas.openxmlformats.org/officeDocument/2006/relationships" xmlns:p="http://schemas.openxmlformats.org/presentationml/2006/main">
+  <p:cSld>
+    <p:spTree>
+      <p:nvGrpSpPr>
+        <p:cNvPr id="1" name=""/>
+        <p:cNvGrpSpPr/>
+        <p:nvPr/>
+      </p:nvGrpSpPr>
+      <p:grpSpPr>
+        <a:xfrm>
+          <a:off x="0" y="0"/>
+          <a:ext cx="0" cy="0"/>
+          <a:chOff x="0" y="0"/>
+          <a:chExt cx="0" cy="0"/>
+        </a:xfrm>
+      </p:grpSpPr>
+      <p:pic>
+        <p:nvPicPr>
+          <p:cNvPr id="6" name="Picture 5">
+            <a:extLst>
+              <a:ext uri="{FF2B5EF4-FFF2-40B4-BE49-F238E27FC236}">
+                <a16:creationId xmlns:a16="http://schemas.microsoft.com/office/drawing/2014/main" id="{0617BAFC-0BB3-4F4C-BA52-22AF3703CB76}"/>
+              </a:ext>
+            </a:extLst>
+          </p:cNvPr>
+          <p:cNvPicPr>
+            <a:picLocks noChangeAspect="1"/>
+          </p:cNvPicPr>
+          <p:nvPr/>
+        </p:nvPicPr>
+        <p:blipFill>
+          <a:blip r:embed="rId2">
+            <a:extLst>
+              <a:ext uri="{28A0092B-C50C-407E-A947-70E740481C1C}">
+                <a14:useLocalDpi xmlns:a14="http://schemas.microsoft.com/office/drawing/2010/main" val="0"/>
+              </a:ext>
+            </a:extLst>
+          </a:blip>
+          <a:stretch>
+            <a:fillRect/>
+          </a:stretch>
+        </p:blipFill>
+        <p:spPr>
+          <a:xfrm>
+            <a:off x="5343719" y="2075246"/>
+            <a:ext cx="2514818" cy="2598645"/>
+          </a:xfrm>
+          <a:prstGeom prst="rect">
+            <a:avLst/>
+          </a:prstGeom>
+        </p:spPr>
+      </p:pic>
+      <p:pic>
+        <p:nvPicPr>
+          <p:cNvPr id="18" name="Picture 17">
+            <a:extLst>
+              <a:ext uri="{FF2B5EF4-FFF2-40B4-BE49-F238E27FC236}">
+                <a16:creationId xmlns:a16="http://schemas.microsoft.com/office/drawing/2014/main" id="{E857CFE3-D16D-4E25-AF11-7F4E50CDD96F}"/>
+              </a:ext>
+            </a:extLst>
+          </p:cNvPr>
+          <p:cNvPicPr>
+            <a:picLocks noChangeAspect="1"/>
+          </p:cNvPicPr>
+          <p:nvPr/>
+        </p:nvPicPr>
+        <p:blipFill rotWithShape="1">
+          <a:blip r:embed="rId2">
+            <a:extLst>
+              <a:ext uri="{28A0092B-C50C-407E-A947-70E740481C1C}">
+                <a14:useLocalDpi xmlns:a14="http://schemas.microsoft.com/office/drawing/2010/main" val="0"/>
+              </a:ext>
+            </a:extLst>
+          </a:blip>
+          <a:srcRect l="6529"/>
+          <a:stretch/>
+        </p:blipFill>
+        <p:spPr>
+          <a:xfrm flipH="1">
+            <a:off x="3200036" y="2075246"/>
+            <a:ext cx="2350625" cy="2598645"/>
+          </a:xfrm>
+          <a:prstGeom prst="rect">
+            <a:avLst/>
+          </a:prstGeom>
+        </p:spPr>
+      </p:pic>
+      <p:pic>
+        <p:nvPicPr>
+          <p:cNvPr id="7" name="Picture 6">
+            <a:extLst>
+              <a:ext uri="{FF2B5EF4-FFF2-40B4-BE49-F238E27FC236}">
+                <a16:creationId xmlns:a16="http://schemas.microsoft.com/office/drawing/2014/main" id="{404541A8-93DF-4A16-93B5-C3594292F888}"/>
+              </a:ext>
+            </a:extLst>
+          </p:cNvPr>
+          <p:cNvPicPr>
+            <a:picLocks noChangeAspect="1"/>
+          </p:cNvPicPr>
+          <p:nvPr/>
+        </p:nvPicPr>
+        <p:blipFill rotWithShape="1">
+          <a:blip r:embed="rId2">
+            <a:extLst>
+              <a:ext uri="{28A0092B-C50C-407E-A947-70E740481C1C}">
+                <a14:useLocalDpi xmlns:a14="http://schemas.microsoft.com/office/drawing/2010/main" val="0"/>
+              </a:ext>
+            </a:extLst>
+          </a:blip>
+          <a:srcRect l="6529"/>
+          <a:stretch/>
+        </p:blipFill>
+        <p:spPr>
+          <a:xfrm flipH="1">
+            <a:off x="3154063" y="2075246"/>
+            <a:ext cx="2350625" cy="2598645"/>
+          </a:xfrm>
+          <a:prstGeom prst="rect">
+            <a:avLst/>
+          </a:prstGeom>
+        </p:spPr>
+      </p:pic>
+      <p:sp>
+        <p:nvSpPr>
+          <p:cNvPr id="10" name="Rectangle 9">
+            <a:extLst>
+              <a:ext uri="{FF2B5EF4-FFF2-40B4-BE49-F238E27FC236}">
+                <a16:creationId xmlns:a16="http://schemas.microsoft.com/office/drawing/2014/main" id="{8E05E562-3FD9-4BC6-AD7D-FE407CE21B55}"/>
+              </a:ext>
+            </a:extLst>
+          </p:cNvPr>
+          <p:cNvSpPr/>
+          <p:nvPr/>
+        </p:nvSpPr>
+        <p:spPr>
+          <a:xfrm>
+            <a:off x="4437888" y="2340864"/>
+            <a:ext cx="524256" cy="323088"/>
+          </a:xfrm>
+          <a:prstGeom prst="rect">
+            <a:avLst/>
+          </a:prstGeom>
+          <a:solidFill>
+            <a:schemeClr val="bg1"/>
+          </a:solidFill>
+          <a:ln>
+            <a:noFill/>
+          </a:ln>
+        </p:spPr>
+        <p:style>
+          <a:lnRef idx="2">
+            <a:schemeClr val="accent1">
+              <a:shade val="50000"/>
+            </a:schemeClr>
+          </a:lnRef>
+          <a:fillRef idx="1">
+            <a:schemeClr val="accent1"/>
+          </a:fillRef>
+          <a:effectRef idx="0">
+            <a:schemeClr val="accent1"/>
+          </a:effectRef>
+          <a:fontRef idx="minor">
+            <a:schemeClr val="lt1"/>
+          </a:fontRef>
+        </p:style>
+        <p:txBody>
+          <a:bodyPr rtlCol="0" anchor="ctr"/>
+          <a:lstStyle/>
+          <a:p>
+            <a:pPr algn="ctr"/>
+            <a:endParaRPr lang="en-US"/>
+          </a:p>
+        </p:txBody>
+      </p:sp>
+      <p:sp>
+        <p:nvSpPr>
+          <p:cNvPr id="11" name="Rectangle 10">
+            <a:extLst>
+              <a:ext uri="{FF2B5EF4-FFF2-40B4-BE49-F238E27FC236}">
+                <a16:creationId xmlns:a16="http://schemas.microsoft.com/office/drawing/2014/main" id="{B9B71A8F-BFF9-485F-A214-E8A28DCBCEDD}"/>
+              </a:ext>
+            </a:extLst>
+          </p:cNvPr>
+          <p:cNvSpPr/>
+          <p:nvPr/>
+        </p:nvSpPr>
+        <p:spPr>
+          <a:xfrm>
+            <a:off x="4852416" y="3345833"/>
+            <a:ext cx="524256" cy="323088"/>
+          </a:xfrm>
+          <a:prstGeom prst="rect">
+            <a:avLst/>
+          </a:prstGeom>
+          <a:solidFill>
+            <a:schemeClr val="bg1"/>
+          </a:solidFill>
+          <a:ln>
+            <a:noFill/>
+          </a:ln>
+        </p:spPr>
+        <p:style>
+          <a:lnRef idx="2">
+            <a:schemeClr val="accent1">
+              <a:shade val="50000"/>
+            </a:schemeClr>
+          </a:lnRef>
+          <a:fillRef idx="1">
+            <a:schemeClr val="accent1"/>
+          </a:fillRef>
+          <a:effectRef idx="0">
+            <a:schemeClr val="accent1"/>
+          </a:effectRef>
+          <a:fontRef idx="minor">
+            <a:schemeClr val="lt1"/>
+          </a:fontRef>
+        </p:style>
+        <p:txBody>
+          <a:bodyPr rtlCol="0" anchor="ctr"/>
+          <a:lstStyle/>
+          <a:p>
+            <a:pPr algn="ctr"/>
+            <a:endParaRPr lang="en-US"/>
+          </a:p>
+        </p:txBody>
+      </p:sp>
+      <p:sp>
+        <p:nvSpPr>
+          <p:cNvPr id="12" name="Rectangle 11">
+            <a:extLst>
+              <a:ext uri="{FF2B5EF4-FFF2-40B4-BE49-F238E27FC236}">
+                <a16:creationId xmlns:a16="http://schemas.microsoft.com/office/drawing/2014/main" id="{C2C441E2-EDA9-4901-A064-FAB5A639E8BD}"/>
+              </a:ext>
+            </a:extLst>
+          </p:cNvPr>
+          <p:cNvSpPr/>
+          <p:nvPr/>
+        </p:nvSpPr>
+        <p:spPr>
+          <a:xfrm>
+            <a:off x="2891935" y="2179320"/>
+            <a:ext cx="524256" cy="323088"/>
+          </a:xfrm>
+          <a:prstGeom prst="rect">
+            <a:avLst/>
+          </a:prstGeom>
+          <a:solidFill>
+            <a:schemeClr val="bg1"/>
+          </a:solidFill>
+          <a:ln>
+            <a:noFill/>
+          </a:ln>
+        </p:spPr>
+        <p:style>
+          <a:lnRef idx="2">
+            <a:schemeClr val="accent1">
+              <a:shade val="50000"/>
+            </a:schemeClr>
+          </a:lnRef>
+          <a:fillRef idx="1">
+            <a:schemeClr val="accent1"/>
+          </a:fillRef>
+          <a:effectRef idx="0">
+            <a:schemeClr val="accent1"/>
+          </a:effectRef>
+          <a:fontRef idx="minor">
+            <a:schemeClr val="lt1"/>
+          </a:fontRef>
+        </p:style>
+        <p:txBody>
+          <a:bodyPr rtlCol="0" anchor="ctr"/>
+          <a:lstStyle/>
+          <a:p>
+            <a:pPr algn="ctr"/>
+            <a:endParaRPr lang="en-US"/>
+          </a:p>
+        </p:txBody>
+      </p:sp>
+      <p:grpSp>
+        <p:nvGrpSpPr>
+          <p:cNvPr id="20" name="Group 19">
+            <a:extLst>
+              <a:ext uri="{FF2B5EF4-FFF2-40B4-BE49-F238E27FC236}">
+                <a16:creationId xmlns:a16="http://schemas.microsoft.com/office/drawing/2014/main" id="{7F85C2E0-3B7E-4451-A359-C71783B53241}"/>
+              </a:ext>
+            </a:extLst>
+          </p:cNvPr>
+          <p:cNvGrpSpPr/>
+          <p:nvPr/>
+        </p:nvGrpSpPr>
+        <p:grpSpPr>
+          <a:xfrm>
+            <a:off x="2529749" y="-2462861"/>
+            <a:ext cx="9965342" cy="9208153"/>
+            <a:chOff x="972234" y="-704869"/>
+            <a:chExt cx="6769686" cy="6255310"/>
+          </a:xfrm>
+        </p:grpSpPr>
+        <p:sp>
+          <p:nvSpPr>
+            <p:cNvPr id="13" name="Oval 12">
+              <a:extLst>
+                <a:ext uri="{FF2B5EF4-FFF2-40B4-BE49-F238E27FC236}">
+                  <a16:creationId xmlns:a16="http://schemas.microsoft.com/office/drawing/2014/main" id="{D1505F4F-CE8D-4842-9ADF-31E32BFBE04C}"/>
+                </a:ext>
+              </a:extLst>
+            </p:cNvPr>
+            <p:cNvSpPr/>
+            <p:nvPr/>
+          </p:nvSpPr>
+          <p:spPr>
+            <a:xfrm>
+              <a:off x="3376740" y="2153641"/>
+              <a:ext cx="1235097" cy="1192192"/>
+            </a:xfrm>
+            <a:prstGeom prst="ellipse">
+              <a:avLst/>
+            </a:prstGeom>
+            <a:noFill/>
+            <a:ln w="28575">
+              <a:solidFill>
+                <a:schemeClr val="accent1"/>
+              </a:solidFill>
+            </a:ln>
+          </p:spPr>
+          <p:style>
+            <a:lnRef idx="2">
+              <a:schemeClr val="accent1">
+                <a:shade val="50000"/>
+              </a:schemeClr>
+            </a:lnRef>
+            <a:fillRef idx="1">
+              <a:schemeClr val="accent1"/>
+            </a:fillRef>
+            <a:effectRef idx="0">
+              <a:schemeClr val="accent1"/>
+            </a:effectRef>
+            <a:fontRef idx="minor">
+              <a:schemeClr val="lt1"/>
+            </a:fontRef>
+          </p:style>
+          <p:txBody>
+            <a:bodyPr rtlCol="0" anchor="ctr"/>
+            <a:lstStyle/>
+            <a:p>
+              <a:pPr algn="ctr"/>
+              <a:endParaRPr lang="en-US"/>
+            </a:p>
+          </p:txBody>
+        </p:sp>
+        <p:sp>
+          <p:nvSpPr>
+            <p:cNvPr id="14" name="Oval 13">
+              <a:extLst>
+                <a:ext uri="{FF2B5EF4-FFF2-40B4-BE49-F238E27FC236}">
+                  <a16:creationId xmlns:a16="http://schemas.microsoft.com/office/drawing/2014/main" id="{50740C8E-EDD3-4130-9207-40000C16F02D}"/>
+                </a:ext>
+              </a:extLst>
+            </p:cNvPr>
+            <p:cNvSpPr/>
+            <p:nvPr/>
+          </p:nvSpPr>
+          <p:spPr>
+            <a:xfrm>
+              <a:off x="2759275" y="1548985"/>
+              <a:ext cx="2487930" cy="2401504"/>
+            </a:xfrm>
+            <a:prstGeom prst="ellipse">
+              <a:avLst/>
+            </a:prstGeom>
+            <a:noFill/>
+            <a:ln w="28575">
+              <a:solidFill>
+                <a:schemeClr val="accent1"/>
+              </a:solidFill>
+            </a:ln>
+          </p:spPr>
+          <p:style>
+            <a:lnRef idx="2">
+              <a:schemeClr val="accent1">
+                <a:shade val="50000"/>
+              </a:schemeClr>
+            </a:lnRef>
+            <a:fillRef idx="1">
+              <a:schemeClr val="accent1"/>
+            </a:fillRef>
+            <a:effectRef idx="0">
+              <a:schemeClr val="accent1"/>
+            </a:effectRef>
+            <a:fontRef idx="minor">
+              <a:schemeClr val="lt1"/>
+            </a:fontRef>
+          </p:style>
+          <p:txBody>
+            <a:bodyPr rtlCol="0" anchor="ctr"/>
+            <a:lstStyle/>
+            <a:p>
+              <a:pPr algn="ctr"/>
+              <a:endParaRPr lang="en-US" dirty="0"/>
+            </a:p>
+          </p:txBody>
+        </p:sp>
+        <p:sp>
+          <p:nvSpPr>
+            <p:cNvPr id="15" name="Oval 14">
+              <a:extLst>
+                <a:ext uri="{FF2B5EF4-FFF2-40B4-BE49-F238E27FC236}">
+                  <a16:creationId xmlns:a16="http://schemas.microsoft.com/office/drawing/2014/main" id="{5AD204B4-63B6-4115-8CCF-6EDEF2FCF1A3}"/>
+                </a:ext>
+              </a:extLst>
+            </p:cNvPr>
+            <p:cNvSpPr/>
+            <p:nvPr/>
+          </p:nvSpPr>
+          <p:spPr>
+            <a:xfrm>
+              <a:off x="2045668" y="656137"/>
+              <a:ext cx="4217358" cy="4015630"/>
+            </a:xfrm>
+            <a:prstGeom prst="ellipse">
+              <a:avLst/>
+            </a:prstGeom>
+            <a:noFill/>
+            <a:ln w="28575">
+              <a:solidFill>
+                <a:schemeClr val="accent1"/>
+              </a:solidFill>
+            </a:ln>
+          </p:spPr>
+          <p:style>
+            <a:lnRef idx="2">
+              <a:schemeClr val="accent1">
+                <a:shade val="50000"/>
+              </a:schemeClr>
+            </a:lnRef>
+            <a:fillRef idx="1">
+              <a:schemeClr val="accent1"/>
+            </a:fillRef>
+            <a:effectRef idx="0">
+              <a:schemeClr val="accent1"/>
+            </a:effectRef>
+            <a:fontRef idx="minor">
+              <a:schemeClr val="lt1"/>
+            </a:fontRef>
+          </p:style>
+          <p:txBody>
+            <a:bodyPr rtlCol="0" anchor="ctr"/>
+            <a:lstStyle/>
+            <a:p>
+              <a:pPr algn="ctr"/>
+              <a:endParaRPr lang="en-US" dirty="0"/>
+            </a:p>
+          </p:txBody>
+        </p:sp>
+        <p:sp>
+          <p:nvSpPr>
+            <p:cNvPr id="16" name="Oval 15">
+              <a:extLst>
+                <a:ext uri="{FF2B5EF4-FFF2-40B4-BE49-F238E27FC236}">
+                  <a16:creationId xmlns:a16="http://schemas.microsoft.com/office/drawing/2014/main" id="{64C38C96-F927-4D43-82C6-14673465CC8D}"/>
+                </a:ext>
+              </a:extLst>
+            </p:cNvPr>
+            <p:cNvSpPr/>
+            <p:nvPr/>
+          </p:nvSpPr>
+          <p:spPr>
+            <a:xfrm>
+              <a:off x="972234" y="-704869"/>
+              <a:ext cx="6769686" cy="6255310"/>
+            </a:xfrm>
+            <a:prstGeom prst="ellipse">
+              <a:avLst/>
+            </a:prstGeom>
+            <a:noFill/>
+            <a:ln w="28575">
+              <a:solidFill>
+                <a:schemeClr val="accent1"/>
+              </a:solidFill>
+            </a:ln>
+          </p:spPr>
+          <p:style>
+            <a:lnRef idx="2">
+              <a:schemeClr val="accent1">
+                <a:shade val="50000"/>
+              </a:schemeClr>
+            </a:lnRef>
+            <a:fillRef idx="1">
+              <a:schemeClr val="accent1"/>
+            </a:fillRef>
+            <a:effectRef idx="0">
+              <a:schemeClr val="accent1"/>
+            </a:effectRef>
+            <a:fontRef idx="minor">
+              <a:schemeClr val="lt1"/>
+            </a:fontRef>
+          </p:style>
+          <p:txBody>
+            <a:bodyPr rtlCol="0" anchor="ctr"/>
+            <a:lstStyle/>
+            <a:p>
+              <a:pPr algn="ctr"/>
+              <a:endParaRPr lang="en-US"/>
+            </a:p>
+          </p:txBody>
+        </p:sp>
+      </p:grpSp>
+      <p:cxnSp>
+        <p:nvCxnSpPr>
+          <p:cNvPr id="22" name="Straight Connector 21">
+            <a:extLst>
+              <a:ext uri="{FF2B5EF4-FFF2-40B4-BE49-F238E27FC236}">
+                <a16:creationId xmlns:a16="http://schemas.microsoft.com/office/drawing/2014/main" id="{9F97E43D-3642-493B-815A-64206D73EDA9}"/>
+              </a:ext>
+            </a:extLst>
+          </p:cNvPr>
+          <p:cNvCxnSpPr>
+            <a:cxnSpLocks/>
+          </p:cNvCxnSpPr>
+          <p:nvPr/>
+        </p:nvCxnSpPr>
+        <p:spPr>
+          <a:xfrm flipH="1" flipV="1">
+            <a:off x="1465779" y="227689"/>
+            <a:ext cx="2066981" cy="2090959"/>
+          </a:xfrm>
+          <a:prstGeom prst="line">
+            <a:avLst/>
+          </a:prstGeom>
+          <a:ln w="41275">
+            <a:solidFill>
+              <a:schemeClr val="tx1"/>
+            </a:solidFill>
+            <a:prstDash val="dash"/>
+          </a:ln>
+        </p:spPr>
+        <p:style>
+          <a:lnRef idx="1">
+            <a:schemeClr val="accent1"/>
+          </a:lnRef>
+          <a:fillRef idx="0">
+            <a:schemeClr val="accent1"/>
+          </a:fillRef>
+          <a:effectRef idx="0">
+            <a:schemeClr val="accent1"/>
+          </a:effectRef>
+          <a:fontRef idx="minor">
+            <a:schemeClr val="tx1"/>
+          </a:fontRef>
+        </p:style>
+      </p:cxnSp>
+      <p:sp>
+        <p:nvSpPr>
+          <p:cNvPr id="17" name="Oval 16">
+            <a:extLst>
+              <a:ext uri="{FF2B5EF4-FFF2-40B4-BE49-F238E27FC236}">
+                <a16:creationId xmlns:a16="http://schemas.microsoft.com/office/drawing/2014/main" id="{26EF02D6-22CD-4DBB-AB8F-3AAB39DC0E97}"/>
+              </a:ext>
+            </a:extLst>
+          </p:cNvPr>
+          <p:cNvSpPr/>
+          <p:nvPr/>
+        </p:nvSpPr>
+        <p:spPr>
+          <a:xfrm>
+            <a:off x="2412632" y="1249680"/>
+            <a:ext cx="364343" cy="297808"/>
+          </a:xfrm>
+          <a:prstGeom prst="ellipse">
+            <a:avLst/>
+          </a:prstGeom>
+          <a:solidFill>
+            <a:srgbClr val="FFFF00"/>
+          </a:solidFill>
+        </p:spPr>
+        <p:style>
+          <a:lnRef idx="2">
+            <a:schemeClr val="accent1">
+              <a:shade val="50000"/>
+            </a:schemeClr>
+          </a:lnRef>
+          <a:fillRef idx="1">
+            <a:schemeClr val="accent1"/>
+          </a:fillRef>
+          <a:effectRef idx="0">
+            <a:schemeClr val="accent1"/>
+          </a:effectRef>
+          <a:fontRef idx="minor">
+            <a:schemeClr val="lt1"/>
+          </a:fontRef>
+        </p:style>
+        <p:txBody>
+          <a:bodyPr rtlCol="0" anchor="ctr"/>
+          <a:lstStyle/>
+          <a:p>
+            <a:pPr algn="ctr"/>
+            <a:endParaRPr lang="en-US"/>
+          </a:p>
+        </p:txBody>
+      </p:sp>
+      <p:cxnSp>
+        <p:nvCxnSpPr>
+          <p:cNvPr id="26" name="Straight Connector 25">
+            <a:extLst>
+              <a:ext uri="{FF2B5EF4-FFF2-40B4-BE49-F238E27FC236}">
+                <a16:creationId xmlns:a16="http://schemas.microsoft.com/office/drawing/2014/main" id="{429AC912-6DDA-46A3-9630-D33639CBB93F}"/>
+              </a:ext>
+            </a:extLst>
+          </p:cNvPr>
+          <p:cNvCxnSpPr>
+            <a:cxnSpLocks/>
+          </p:cNvCxnSpPr>
+          <p:nvPr/>
+        </p:nvCxnSpPr>
+        <p:spPr>
+          <a:xfrm flipH="1">
+            <a:off x="2635413" y="2693438"/>
+            <a:ext cx="1463178" cy="24945"/>
+          </a:xfrm>
+          <a:prstGeom prst="line">
+            <a:avLst/>
+          </a:prstGeom>
+          <a:ln w="31750">
+            <a:solidFill>
+              <a:srgbClr val="7030A0"/>
+            </a:solidFill>
+            <a:prstDash val="solid"/>
+          </a:ln>
+        </p:spPr>
+        <p:style>
+          <a:lnRef idx="1">
+            <a:schemeClr val="accent1"/>
+          </a:lnRef>
+          <a:fillRef idx="0">
+            <a:schemeClr val="accent1"/>
+          </a:fillRef>
+          <a:effectRef idx="0">
+            <a:schemeClr val="accent1"/>
+          </a:effectRef>
+          <a:fontRef idx="minor">
+            <a:schemeClr val="tx1"/>
+          </a:fontRef>
+        </p:style>
+      </p:cxnSp>
+      <p:cxnSp>
+        <p:nvCxnSpPr>
+          <p:cNvPr id="29" name="Straight Connector 28">
+            <a:extLst>
+              <a:ext uri="{FF2B5EF4-FFF2-40B4-BE49-F238E27FC236}">
+                <a16:creationId xmlns:a16="http://schemas.microsoft.com/office/drawing/2014/main" id="{D14A2E61-007D-4276-8273-83913F634F60}"/>
+              </a:ext>
+            </a:extLst>
+          </p:cNvPr>
+          <p:cNvCxnSpPr>
+            <a:cxnSpLocks/>
+            <a:endCxn id="17" idx="4"/>
+          </p:cNvCxnSpPr>
+          <p:nvPr/>
+        </p:nvCxnSpPr>
+        <p:spPr>
+          <a:xfrm flipH="1" flipV="1">
+            <a:off x="2594804" y="1547488"/>
+            <a:ext cx="18580" cy="1220313"/>
+          </a:xfrm>
+          <a:prstGeom prst="line">
+            <a:avLst/>
+          </a:prstGeom>
+          <a:ln w="31750">
+            <a:solidFill>
+              <a:srgbClr val="00B050"/>
+            </a:solidFill>
+            <a:prstDash val="solid"/>
+          </a:ln>
+        </p:spPr>
+        <p:style>
+          <a:lnRef idx="1">
+            <a:schemeClr val="accent1"/>
+          </a:lnRef>
+          <a:fillRef idx="0">
+            <a:schemeClr val="accent1"/>
+          </a:fillRef>
+          <a:effectRef idx="0">
+            <a:schemeClr val="accent1"/>
+          </a:effectRef>
+          <a:fontRef idx="minor">
+            <a:schemeClr val="tx1"/>
+          </a:fontRef>
+        </p:style>
+      </p:cxnSp>
+      <p:cxnSp>
+        <p:nvCxnSpPr>
+          <p:cNvPr id="34" name="Straight Connector 33">
+            <a:extLst>
+              <a:ext uri="{FF2B5EF4-FFF2-40B4-BE49-F238E27FC236}">
+                <a16:creationId xmlns:a16="http://schemas.microsoft.com/office/drawing/2014/main" id="{B7E8185D-6A1C-4587-82A7-F1DA692C7163}"/>
+              </a:ext>
+            </a:extLst>
+          </p:cNvPr>
+          <p:cNvCxnSpPr>
+            <a:cxnSpLocks/>
+            <a:endCxn id="17" idx="6"/>
+          </p:cNvCxnSpPr>
+          <p:nvPr/>
+        </p:nvCxnSpPr>
+        <p:spPr>
+          <a:xfrm flipH="1" flipV="1">
+            <a:off x="2776975" y="1398584"/>
+            <a:ext cx="4437016" cy="1369218"/>
+          </a:xfrm>
+          <a:prstGeom prst="line">
+            <a:avLst/>
+          </a:prstGeom>
+          <a:ln w="31750">
+            <a:solidFill>
+              <a:srgbClr val="FF0000"/>
+            </a:solidFill>
+            <a:prstDash val="solid"/>
+          </a:ln>
+        </p:spPr>
+        <p:style>
+          <a:lnRef idx="1">
+            <a:schemeClr val="accent1"/>
+          </a:lnRef>
+          <a:fillRef idx="0">
+            <a:schemeClr val="accent1"/>
+          </a:fillRef>
+          <a:effectRef idx="0">
+            <a:schemeClr val="accent1"/>
+          </a:effectRef>
+          <a:fontRef idx="minor">
+            <a:schemeClr val="tx1"/>
+          </a:fontRef>
+        </p:style>
+      </p:cxnSp>
+      <mc:AlternateContent xmlns:mc="http://schemas.openxmlformats.org/markup-compatibility/2006" xmlns:a14="http://schemas.microsoft.com/office/drawing/2010/main">
+        <mc:Choice Requires="a14">
+          <p:sp>
+            <p:nvSpPr>
+              <p:cNvPr id="37" name="TextBox 36">
+                <a:extLst>
+                  <a:ext uri="{FF2B5EF4-FFF2-40B4-BE49-F238E27FC236}">
+                    <a16:creationId xmlns:a16="http://schemas.microsoft.com/office/drawing/2014/main" id="{79D7BAFF-1D92-4605-9E20-845AD91C04FF}"/>
+                  </a:ext>
+                </a:extLst>
+              </p:cNvPr>
+              <p:cNvSpPr txBox="1"/>
+              <p:nvPr/>
+            </p:nvSpPr>
+            <p:spPr>
+              <a:xfrm>
+                <a:off x="4675957" y="2364634"/>
+                <a:ext cx="176459" cy="369332"/>
+              </a:xfrm>
+              <a:prstGeom prst="rect">
+                <a:avLst/>
+              </a:prstGeom>
+              <a:noFill/>
+            </p:spPr>
+            <p:txBody>
+              <a:bodyPr wrap="none" lIns="0" tIns="0" rIns="0" bIns="0" rtlCol="0">
+                <a:spAutoFit/>
+              </a:bodyPr>
+              <a:lstStyle/>
+              <a:p>
+                <a:pPr/>
+                <a14:m>
+                  <m:oMathPara xmlns:m="http://schemas.openxmlformats.org/officeDocument/2006/math">
+                    <m:oMathParaPr>
+                      <m:jc m:val="centerGroup"/>
+                    </m:oMathParaPr>
+                    <m:oMath xmlns:m="http://schemas.openxmlformats.org/officeDocument/2006/math">
+                      <m:r>
+                        <a:rPr lang="en-US" sz="2400" b="0" i="1" smtClean="0">
+                          <a:latin typeface="Cambria Math" panose="02040503050406030204" pitchFamily="18" charset="0"/>
+                        </a:rPr>
+                        <m:t>𝑙</m:t>
+                      </m:r>
+                    </m:oMath>
+                  </m:oMathPara>
+                </a14:m>
+                <a:endParaRPr lang="en-US" sz="2400" dirty="0"/>
+              </a:p>
+            </p:txBody>
+          </p:sp>
+        </mc:Choice>
+        <mc:Fallback xmlns="">
+          <p:sp>
+            <p:nvSpPr>
+              <p:cNvPr id="37" name="TextBox 36">
+                <a:extLst>
+                  <a:ext uri="{FF2B5EF4-FFF2-40B4-BE49-F238E27FC236}">
+                    <a16:creationId xmlns:a16="http://schemas.microsoft.com/office/drawing/2014/main" id="{79D7BAFF-1D92-4605-9E20-845AD91C04FF}"/>
+                  </a:ext>
+                </a:extLst>
+              </p:cNvPr>
+              <p:cNvSpPr txBox="1">
+                <a:spLocks noRot="1" noChangeAspect="1" noMove="1" noResize="1" noEditPoints="1" noAdjustHandles="1" noChangeArrowheads="1" noChangeShapeType="1" noTextEdit="1"/>
+              </p:cNvSpPr>
+              <p:nvPr/>
+            </p:nvSpPr>
+            <p:spPr>
+              <a:xfrm>
+                <a:off x="4675957" y="2364634"/>
+                <a:ext cx="176459" cy="369332"/>
+              </a:xfrm>
+              <a:prstGeom prst="rect">
+                <a:avLst/>
+              </a:prstGeom>
+              <a:blipFill>
+                <a:blip r:embed="rId3"/>
+                <a:stretch>
+                  <a:fillRect l="-41379" r="-37931" b="-8333"/>
+                </a:stretch>
+              </a:blipFill>
+            </p:spPr>
+            <p:txBody>
+              <a:bodyPr/>
+              <a:lstStyle/>
+              <a:p>
+                <a:r>
+                  <a:rPr lang="en-US">
+                    <a:noFill/>
+                  </a:rPr>
+                  <a:t> </a:t>
+                </a:r>
+              </a:p>
+            </p:txBody>
+          </p:sp>
+        </mc:Fallback>
+      </mc:AlternateContent>
+      <mc:AlternateContent xmlns:mc="http://schemas.openxmlformats.org/markup-compatibility/2006" xmlns:a14="http://schemas.microsoft.com/office/drawing/2010/main">
+        <mc:Choice Requires="a14">
+          <p:sp>
+            <p:nvSpPr>
+              <p:cNvPr id="38" name="TextBox 37">
+                <a:extLst>
+                  <a:ext uri="{FF2B5EF4-FFF2-40B4-BE49-F238E27FC236}">
+                    <a16:creationId xmlns:a16="http://schemas.microsoft.com/office/drawing/2014/main" id="{9A6583CC-8FCB-4265-9CBD-F11430947E3C}"/>
+                  </a:ext>
+                </a:extLst>
+              </p:cNvPr>
+              <p:cNvSpPr txBox="1"/>
+              <p:nvPr/>
+            </p:nvSpPr>
+            <p:spPr>
+              <a:xfrm>
+                <a:off x="3493154" y="2358239"/>
+                <a:ext cx="176459" cy="369332"/>
+              </a:xfrm>
+              <a:prstGeom prst="rect">
+                <a:avLst/>
+              </a:prstGeom>
+              <a:noFill/>
+            </p:spPr>
+            <p:txBody>
+              <a:bodyPr wrap="square" lIns="0" tIns="0" rIns="0" bIns="0" rtlCol="0">
+                <a:spAutoFit/>
+              </a:bodyPr>
+              <a:lstStyle/>
+              <a:p>
+                <a:pPr/>
+                <a14:m>
+                  <m:oMathPara xmlns:m="http://schemas.openxmlformats.org/officeDocument/2006/math">
+                    <m:oMathParaPr>
+                      <m:jc m:val="centerGroup"/>
+                    </m:oMathParaPr>
+                    <m:oMath xmlns:m="http://schemas.openxmlformats.org/officeDocument/2006/math">
+                      <m:r>
+                        <a:rPr lang="en-US" sz="2400" b="0" i="1" smtClean="0">
+                          <a:latin typeface="Cambria Math" panose="02040503050406030204" pitchFamily="18" charset="0"/>
+                          <a:ea typeface="Cambria Math" panose="02040503050406030204" pitchFamily="18" charset="0"/>
+                        </a:rPr>
+                        <m:t>𝛼</m:t>
+                      </m:r>
+                    </m:oMath>
+                  </m:oMathPara>
+                </a14:m>
+                <a:endParaRPr lang="en-US" sz="2400" dirty="0"/>
+              </a:p>
+            </p:txBody>
+          </p:sp>
+        </mc:Choice>
+        <mc:Fallback xmlns="">
+          <p:sp>
+            <p:nvSpPr>
+              <p:cNvPr id="38" name="TextBox 37">
+                <a:extLst>
+                  <a:ext uri="{FF2B5EF4-FFF2-40B4-BE49-F238E27FC236}">
+                    <a16:creationId xmlns:a16="http://schemas.microsoft.com/office/drawing/2014/main" id="{9A6583CC-8FCB-4265-9CBD-F11430947E3C}"/>
+                  </a:ext>
+                </a:extLst>
+              </p:cNvPr>
+              <p:cNvSpPr txBox="1">
+                <a:spLocks noRot="1" noChangeAspect="1" noMove="1" noResize="1" noEditPoints="1" noAdjustHandles="1" noChangeArrowheads="1" noChangeShapeType="1" noTextEdit="1"/>
+              </p:cNvSpPr>
+              <p:nvPr/>
+            </p:nvSpPr>
+            <p:spPr>
+              <a:xfrm>
+                <a:off x="3493154" y="2358239"/>
+                <a:ext cx="176459" cy="369332"/>
+              </a:xfrm>
+              <a:prstGeom prst="rect">
+                <a:avLst/>
+              </a:prstGeom>
+              <a:blipFill>
+                <a:blip r:embed="rId4"/>
+                <a:stretch>
+                  <a:fillRect l="-41379" r="-48276"/>
+                </a:stretch>
+              </a:blipFill>
+            </p:spPr>
+            <p:txBody>
+              <a:bodyPr/>
+              <a:lstStyle/>
+              <a:p>
+                <a:r>
+                  <a:rPr lang="en-US">
+                    <a:noFill/>
+                  </a:rPr>
+                  <a:t> </a:t>
+                </a:r>
+              </a:p>
+            </p:txBody>
+          </p:sp>
+        </mc:Fallback>
+      </mc:AlternateContent>
+      <p:sp>
+        <p:nvSpPr>
+          <p:cNvPr id="43" name="Arc 42">
+            <a:extLst>
+              <a:ext uri="{FF2B5EF4-FFF2-40B4-BE49-F238E27FC236}">
+                <a16:creationId xmlns:a16="http://schemas.microsoft.com/office/drawing/2014/main" id="{C97ED3CB-DF93-45AF-B5C6-0F939CA7017E}"/>
+              </a:ext>
+            </a:extLst>
+          </p:cNvPr>
+          <p:cNvSpPr/>
+          <p:nvPr/>
+        </p:nvSpPr>
+        <p:spPr>
+          <a:xfrm rot="15583265">
+            <a:off x="3671002" y="2571518"/>
+            <a:ext cx="297908" cy="243840"/>
+          </a:xfrm>
+          <a:prstGeom prst="arc">
+            <a:avLst/>
+          </a:prstGeom>
+          <a:ln w="28575">
+            <a:solidFill>
+              <a:schemeClr val="tx1"/>
+            </a:solidFill>
+          </a:ln>
+        </p:spPr>
+        <p:style>
+          <a:lnRef idx="1">
+            <a:schemeClr val="accent1"/>
+          </a:lnRef>
+          <a:fillRef idx="0">
+            <a:schemeClr val="accent1"/>
+          </a:fillRef>
+          <a:effectRef idx="0">
+            <a:schemeClr val="accent1"/>
+          </a:effectRef>
+          <a:fontRef idx="minor">
+            <a:schemeClr val="tx1"/>
+          </a:fontRef>
+        </p:style>
+        <p:txBody>
+          <a:bodyPr rtlCol="0" anchor="ctr"/>
+          <a:lstStyle/>
+          <a:p>
+            <a:pPr algn="ctr"/>
+            <a:endParaRPr lang="en-US" dirty="0"/>
+          </a:p>
+        </p:txBody>
+      </p:sp>
+      <mc:AlternateContent xmlns:mc="http://schemas.openxmlformats.org/markup-compatibility/2006" xmlns:a14="http://schemas.microsoft.com/office/drawing/2010/main">
+        <mc:Choice Requires="a14">
+          <p:sp>
+            <p:nvSpPr>
+              <p:cNvPr id="44" name="TextBox 43">
+                <a:extLst>
+                  <a:ext uri="{FF2B5EF4-FFF2-40B4-BE49-F238E27FC236}">
+                    <a16:creationId xmlns:a16="http://schemas.microsoft.com/office/drawing/2014/main" id="{8E6600DE-50CD-4D3B-9065-4711C4BFE5F2}"/>
+                  </a:ext>
+                </a:extLst>
+              </p:cNvPr>
+              <p:cNvSpPr txBox="1"/>
+              <p:nvPr/>
+            </p:nvSpPr>
+            <p:spPr>
+              <a:xfrm>
+                <a:off x="1565550" y="1987326"/>
+                <a:ext cx="970394" cy="307777"/>
+              </a:xfrm>
+              <a:prstGeom prst="rect">
+                <a:avLst/>
+              </a:prstGeom>
+              <a:noFill/>
+            </p:spPr>
+            <p:txBody>
+              <a:bodyPr wrap="none" lIns="0" tIns="0" rIns="0" bIns="0" rtlCol="0">
+                <a:spAutoFit/>
+              </a:bodyPr>
+              <a:lstStyle/>
+              <a:p>
+                <a:pPr/>
+                <a14:m>
+                  <m:oMathPara xmlns:m="http://schemas.openxmlformats.org/officeDocument/2006/math">
+                    <m:oMathParaPr>
+                      <m:jc m:val="centerGroup"/>
+                    </m:oMathParaPr>
+                    <m:oMath xmlns:m="http://schemas.openxmlformats.org/officeDocument/2006/math">
+                      <m:r>
+                        <a:rPr lang="en-US" sz="2000" b="1" i="1" smtClean="0">
+                          <a:solidFill>
+                            <a:srgbClr val="00B050"/>
+                          </a:solidFill>
+                          <a:latin typeface="Cambria Math" panose="02040503050406030204" pitchFamily="18" charset="0"/>
+                        </a:rPr>
+                        <m:t>𝒗𝒕</m:t>
+                      </m:r>
+                      <m:func>
+                        <m:funcPr>
+                          <m:ctrlPr>
+                            <a:rPr lang="en-US" sz="2000" b="1" i="1" smtClean="0">
+                              <a:solidFill>
+                                <a:srgbClr val="00B050"/>
+                              </a:solidFill>
+                              <a:latin typeface="Cambria Math" panose="02040503050406030204" pitchFamily="18" charset="0"/>
+                            </a:rPr>
+                          </m:ctrlPr>
+                        </m:funcPr>
+                        <m:fName>
+                          <m:r>
+                            <a:rPr lang="en-US" sz="2000" b="1" i="0" smtClean="0">
+                              <a:solidFill>
+                                <a:srgbClr val="00B050"/>
+                              </a:solidFill>
+                              <a:latin typeface="Cambria Math" panose="02040503050406030204" pitchFamily="18" charset="0"/>
+                            </a:rPr>
+                            <m:t>𝐜𝐨𝐬</m:t>
+                          </m:r>
+                        </m:fName>
+                        <m:e>
+                          <m:r>
+                            <a:rPr lang="en-US" sz="2000" b="1" i="1" smtClean="0">
+                              <a:solidFill>
+                                <a:srgbClr val="00B050"/>
+                              </a:solidFill>
+                              <a:latin typeface="Cambria Math" panose="02040503050406030204" pitchFamily="18" charset="0"/>
+                              <a:ea typeface="Cambria Math" panose="02040503050406030204" pitchFamily="18" charset="0"/>
+                            </a:rPr>
+                            <m:t>𝜶</m:t>
+                          </m:r>
+                        </m:e>
+                      </m:func>
+                    </m:oMath>
+                  </m:oMathPara>
+                </a14:m>
+                <a:endParaRPr lang="en-US" sz="2000" b="1" dirty="0">
+                  <a:solidFill>
+                    <a:srgbClr val="00B050"/>
+                  </a:solidFill>
+                </a:endParaRPr>
+              </a:p>
+            </p:txBody>
+          </p:sp>
+        </mc:Choice>
+        <mc:Fallback xmlns="">
+          <p:sp>
+            <p:nvSpPr>
+              <p:cNvPr id="44" name="TextBox 43">
+                <a:extLst>
+                  <a:ext uri="{FF2B5EF4-FFF2-40B4-BE49-F238E27FC236}">
+                    <a16:creationId xmlns:a16="http://schemas.microsoft.com/office/drawing/2014/main" id="{8E6600DE-50CD-4D3B-9065-4711C4BFE5F2}"/>
+                  </a:ext>
+                </a:extLst>
+              </p:cNvPr>
+              <p:cNvSpPr txBox="1">
+                <a:spLocks noRot="1" noChangeAspect="1" noMove="1" noResize="1" noEditPoints="1" noAdjustHandles="1" noChangeArrowheads="1" noChangeShapeType="1" noTextEdit="1"/>
+              </p:cNvSpPr>
+              <p:nvPr/>
+            </p:nvSpPr>
+            <p:spPr>
+              <a:xfrm>
+                <a:off x="1565550" y="1987326"/>
+                <a:ext cx="970394" cy="307777"/>
+              </a:xfrm>
+              <a:prstGeom prst="rect">
+                <a:avLst/>
+              </a:prstGeom>
+              <a:blipFill>
+                <a:blip r:embed="rId5"/>
+                <a:stretch>
+                  <a:fillRect l="-5660" r="-3774" b="-6000"/>
+                </a:stretch>
+              </a:blipFill>
+            </p:spPr>
+            <p:txBody>
+              <a:bodyPr/>
+              <a:lstStyle/>
+              <a:p>
+                <a:r>
+                  <a:rPr lang="en-US">
+                    <a:noFill/>
+                  </a:rPr>
+                  <a:t> </a:t>
+                </a:r>
+              </a:p>
+            </p:txBody>
+          </p:sp>
+        </mc:Fallback>
+      </mc:AlternateContent>
+      <mc:AlternateContent xmlns:mc="http://schemas.openxmlformats.org/markup-compatibility/2006" xmlns:a14="http://schemas.microsoft.com/office/drawing/2010/main">
+        <mc:Choice Requires="a14">
+          <p:sp>
+            <p:nvSpPr>
+              <p:cNvPr id="45" name="TextBox 44">
+                <a:extLst>
+                  <a:ext uri="{FF2B5EF4-FFF2-40B4-BE49-F238E27FC236}">
+                    <a16:creationId xmlns:a16="http://schemas.microsoft.com/office/drawing/2014/main" id="{4C429BC0-E1C6-4844-9938-BEA45C50EA1D}"/>
+                  </a:ext>
+                </a:extLst>
+              </p:cNvPr>
+              <p:cNvSpPr txBox="1"/>
+              <p:nvPr/>
+            </p:nvSpPr>
+            <p:spPr>
+              <a:xfrm rot="1059947">
+                <a:off x="3602414" y="1326776"/>
+                <a:ext cx="677558" cy="430887"/>
+              </a:xfrm>
+              <a:prstGeom prst="rect">
+                <a:avLst/>
+              </a:prstGeom>
+              <a:noFill/>
+            </p:spPr>
+            <p:txBody>
+              <a:bodyPr wrap="square" lIns="0" tIns="0" rIns="0" bIns="0" rtlCol="0">
+                <a:spAutoFit/>
+              </a:bodyPr>
+              <a:lstStyle/>
+              <a:p>
+                <a:r>
+                  <a:rPr lang="en-US" sz="2800" b="1" dirty="0">
+                    <a:solidFill>
+                      <a:srgbClr val="FF0000"/>
+                    </a:solidFill>
+                  </a:rPr>
+                  <a:t>c</a:t>
+                </a:r>
+                <a14:m>
+                  <m:oMath xmlns:m="http://schemas.openxmlformats.org/officeDocument/2006/math">
+                    <m:r>
+                      <a:rPr lang="en-US" sz="2800" b="1" i="1" smtClean="0">
+                        <a:solidFill>
+                          <a:srgbClr val="FF0000"/>
+                        </a:solidFill>
+                        <a:latin typeface="Cambria Math" panose="02040503050406030204" pitchFamily="18" charset="0"/>
+                      </a:rPr>
+                      <m:t>𝒕</m:t>
+                    </m:r>
+                  </m:oMath>
+                </a14:m>
+                <a:endParaRPr lang="en-US" sz="2800" b="1" dirty="0">
+                  <a:solidFill>
+                    <a:srgbClr val="FF0000"/>
+                  </a:solidFill>
+                </a:endParaRPr>
+              </a:p>
+            </p:txBody>
+          </p:sp>
+        </mc:Choice>
+        <mc:Fallback xmlns="">
+          <p:sp>
+            <p:nvSpPr>
+              <p:cNvPr id="45" name="TextBox 44">
+                <a:extLst>
+                  <a:ext uri="{FF2B5EF4-FFF2-40B4-BE49-F238E27FC236}">
+                    <a16:creationId xmlns:a16="http://schemas.microsoft.com/office/drawing/2014/main" id="{4C429BC0-E1C6-4844-9938-BEA45C50EA1D}"/>
+                  </a:ext>
+                </a:extLst>
+              </p:cNvPr>
+              <p:cNvSpPr txBox="1">
+                <a:spLocks noRot="1" noChangeAspect="1" noMove="1" noResize="1" noEditPoints="1" noAdjustHandles="1" noChangeArrowheads="1" noChangeShapeType="1" noTextEdit="1"/>
+              </p:cNvSpPr>
+              <p:nvPr/>
+            </p:nvSpPr>
+            <p:spPr>
+              <a:xfrm rot="1059947">
+                <a:off x="3602414" y="1326776"/>
+                <a:ext cx="677558" cy="430887"/>
+              </a:xfrm>
+              <a:prstGeom prst="rect">
+                <a:avLst/>
+              </a:prstGeom>
+              <a:blipFill>
+                <a:blip r:embed="rId6"/>
+                <a:stretch>
+                  <a:fillRect l="-34109" t="-25490" b="-17647"/>
+                </a:stretch>
+              </a:blipFill>
+            </p:spPr>
+            <p:txBody>
+              <a:bodyPr/>
+              <a:lstStyle/>
+              <a:p>
+                <a:r>
+                  <a:rPr lang="en-US">
+                    <a:noFill/>
+                  </a:rPr>
+                  <a:t> </a:t>
+                </a:r>
+              </a:p>
+            </p:txBody>
+          </p:sp>
+        </mc:Fallback>
+      </mc:AlternateContent>
+      <mc:AlternateContent xmlns:mc="http://schemas.openxmlformats.org/markup-compatibility/2006" xmlns:a14="http://schemas.microsoft.com/office/drawing/2010/main">
+        <mc:Choice Requires="a14">
+          <p:sp>
+            <p:nvSpPr>
+              <p:cNvPr id="46" name="TextBox 45">
+                <a:extLst>
+                  <a:ext uri="{FF2B5EF4-FFF2-40B4-BE49-F238E27FC236}">
+                    <a16:creationId xmlns:a16="http://schemas.microsoft.com/office/drawing/2014/main" id="{4633C39B-9D3A-4410-9F05-16150EF5B9CE}"/>
+                  </a:ext>
+                </a:extLst>
+              </p:cNvPr>
+              <p:cNvSpPr txBox="1"/>
+              <p:nvPr/>
+            </p:nvSpPr>
+            <p:spPr>
+              <a:xfrm>
+                <a:off x="2781280" y="2732813"/>
+                <a:ext cx="941540" cy="307777"/>
+              </a:xfrm>
+              <a:prstGeom prst="rect">
+                <a:avLst/>
+              </a:prstGeom>
+              <a:noFill/>
+            </p:spPr>
+            <p:txBody>
+              <a:bodyPr wrap="none" lIns="0" tIns="0" rIns="0" bIns="0" rtlCol="0">
+                <a:spAutoFit/>
+              </a:bodyPr>
+              <a:lstStyle/>
+              <a:p>
+                <a:pPr/>
+                <a14:m>
+                  <m:oMathPara xmlns:m="http://schemas.openxmlformats.org/officeDocument/2006/math">
+                    <m:oMathParaPr>
+                      <m:jc m:val="centerGroup"/>
+                    </m:oMathParaPr>
+                    <m:oMath xmlns:m="http://schemas.openxmlformats.org/officeDocument/2006/math">
+                      <m:r>
+                        <a:rPr lang="en-US" sz="2000" b="1" i="1" smtClean="0">
+                          <a:solidFill>
+                            <a:srgbClr val="7030A0"/>
+                          </a:solidFill>
+                          <a:latin typeface="Cambria Math" panose="02040503050406030204" pitchFamily="18" charset="0"/>
+                        </a:rPr>
+                        <m:t>𝒗𝒕</m:t>
+                      </m:r>
+                      <m:func>
+                        <m:funcPr>
+                          <m:ctrlPr>
+                            <a:rPr lang="en-US" sz="2000" b="1" i="1" smtClean="0">
+                              <a:solidFill>
+                                <a:srgbClr val="7030A0"/>
+                              </a:solidFill>
+                              <a:latin typeface="Cambria Math" panose="02040503050406030204" pitchFamily="18" charset="0"/>
+                            </a:rPr>
+                          </m:ctrlPr>
+                        </m:funcPr>
+                        <m:fName>
+                          <m:r>
+                            <a:rPr lang="en-US" sz="2000" b="1" i="0" smtClean="0">
+                              <a:solidFill>
+                                <a:srgbClr val="7030A0"/>
+                              </a:solidFill>
+                              <a:latin typeface="Cambria Math" panose="02040503050406030204" pitchFamily="18" charset="0"/>
+                            </a:rPr>
+                            <m:t>𝐬𝐢𝐧</m:t>
+                          </m:r>
+                        </m:fName>
+                        <m:e>
+                          <m:r>
+                            <a:rPr lang="en-US" sz="2000" b="1" i="1" smtClean="0">
+                              <a:solidFill>
+                                <a:srgbClr val="7030A0"/>
+                              </a:solidFill>
+                              <a:latin typeface="Cambria Math" panose="02040503050406030204" pitchFamily="18" charset="0"/>
+                              <a:ea typeface="Cambria Math" panose="02040503050406030204" pitchFamily="18" charset="0"/>
+                            </a:rPr>
+                            <m:t>𝜶</m:t>
+                          </m:r>
+                        </m:e>
+                      </m:func>
+                    </m:oMath>
+                  </m:oMathPara>
+                </a14:m>
+                <a:endParaRPr lang="en-US" sz="2000" b="1" dirty="0">
+                  <a:solidFill>
+                    <a:srgbClr val="7030A0"/>
+                  </a:solidFill>
+                </a:endParaRPr>
+              </a:p>
+            </p:txBody>
+          </p:sp>
+        </mc:Choice>
+        <mc:Fallback xmlns="">
+          <p:sp>
+            <p:nvSpPr>
+              <p:cNvPr id="46" name="TextBox 45">
+                <a:extLst>
+                  <a:ext uri="{FF2B5EF4-FFF2-40B4-BE49-F238E27FC236}">
+                    <a16:creationId xmlns:a16="http://schemas.microsoft.com/office/drawing/2014/main" id="{4633C39B-9D3A-4410-9F05-16150EF5B9CE}"/>
+                  </a:ext>
+                </a:extLst>
+              </p:cNvPr>
+              <p:cNvSpPr txBox="1">
+                <a:spLocks noRot="1" noChangeAspect="1" noMove="1" noResize="1" noEditPoints="1" noAdjustHandles="1" noChangeArrowheads="1" noChangeShapeType="1" noTextEdit="1"/>
+              </p:cNvSpPr>
+              <p:nvPr/>
+            </p:nvSpPr>
+            <p:spPr>
+              <a:xfrm>
+                <a:off x="2781280" y="2732813"/>
+                <a:ext cx="941540" cy="307777"/>
+              </a:xfrm>
+              <a:prstGeom prst="rect">
+                <a:avLst/>
+              </a:prstGeom>
+              <a:blipFill>
+                <a:blip r:embed="rId7"/>
+                <a:stretch>
+                  <a:fillRect l="-5161" r="-3226" b="-5882"/>
+                </a:stretch>
+              </a:blipFill>
+            </p:spPr>
+            <p:txBody>
+              <a:bodyPr/>
+              <a:lstStyle/>
+              <a:p>
+                <a:r>
+                  <a:rPr lang="en-US">
+                    <a:noFill/>
+                  </a:rPr>
+                  <a:t> </a:t>
+                </a:r>
+              </a:p>
+            </p:txBody>
+          </p:sp>
+        </mc:Fallback>
+      </mc:AlternateContent>
+      <mc:AlternateContent xmlns:mc="http://schemas.openxmlformats.org/markup-compatibility/2006" xmlns:a14="http://schemas.microsoft.com/office/drawing/2010/main">
+        <mc:Choice Requires="a14">
+          <p:sp>
+            <p:nvSpPr>
+              <p:cNvPr id="47" name="TextBox 46">
+                <a:extLst>
+                  <a:ext uri="{FF2B5EF4-FFF2-40B4-BE49-F238E27FC236}">
+                    <a16:creationId xmlns:a16="http://schemas.microsoft.com/office/drawing/2014/main" id="{F1AD4ECB-37DD-42AA-80CE-C2932B5C6388}"/>
+                  </a:ext>
+                </a:extLst>
+              </p:cNvPr>
+              <p:cNvSpPr txBox="1"/>
+              <p:nvPr/>
+            </p:nvSpPr>
+            <p:spPr>
+              <a:xfrm>
+                <a:off x="1694834" y="2784959"/>
+                <a:ext cx="176459" cy="369332"/>
+              </a:xfrm>
+              <a:prstGeom prst="rect">
+                <a:avLst/>
+              </a:prstGeom>
+              <a:noFill/>
+            </p:spPr>
+            <p:txBody>
+              <a:bodyPr wrap="square" lIns="0" tIns="0" rIns="0" bIns="0" rtlCol="0">
+                <a:spAutoFit/>
+              </a:bodyPr>
+              <a:lstStyle/>
+              <a:p>
+                <a:pPr/>
+                <a14:m>
+                  <m:oMathPara xmlns:m="http://schemas.openxmlformats.org/officeDocument/2006/math">
+                    <m:oMathParaPr>
+                      <m:jc m:val="centerGroup"/>
+                    </m:oMathParaPr>
+                    <m:oMath xmlns:m="http://schemas.openxmlformats.org/officeDocument/2006/math">
+                      <m:r>
+                        <a:rPr lang="en-US" sz="2400" b="0" i="1" smtClean="0">
+                          <a:latin typeface="Cambria Math" panose="02040503050406030204" pitchFamily="18" charset="0"/>
+                        </a:rPr>
+                        <m:t>𝑣</m:t>
+                      </m:r>
+                    </m:oMath>
+                  </m:oMathPara>
+                </a14:m>
+                <a:endParaRPr lang="en-US" sz="2400" dirty="0"/>
+              </a:p>
+            </p:txBody>
+          </p:sp>
+        </mc:Choice>
+        <mc:Fallback xmlns="">
+          <p:sp>
+            <p:nvSpPr>
+              <p:cNvPr id="47" name="TextBox 46">
+                <a:extLst>
+                  <a:ext uri="{FF2B5EF4-FFF2-40B4-BE49-F238E27FC236}">
+                    <a16:creationId xmlns:a16="http://schemas.microsoft.com/office/drawing/2014/main" id="{F1AD4ECB-37DD-42AA-80CE-C2932B5C6388}"/>
+                  </a:ext>
+                </a:extLst>
+              </p:cNvPr>
+              <p:cNvSpPr txBox="1">
+                <a:spLocks noRot="1" noChangeAspect="1" noMove="1" noResize="1" noEditPoints="1" noAdjustHandles="1" noChangeArrowheads="1" noChangeShapeType="1" noTextEdit="1"/>
+              </p:cNvSpPr>
+              <p:nvPr/>
+            </p:nvSpPr>
+            <p:spPr>
+              <a:xfrm>
+                <a:off x="1694834" y="2784959"/>
+                <a:ext cx="176459" cy="369332"/>
+              </a:xfrm>
+              <a:prstGeom prst="rect">
+                <a:avLst/>
+              </a:prstGeom>
+              <a:blipFill>
+                <a:blip r:embed="rId8"/>
+                <a:stretch>
+                  <a:fillRect l="-44828" r="-37931" b="-1667"/>
+                </a:stretch>
+              </a:blipFill>
+            </p:spPr>
+            <p:txBody>
+              <a:bodyPr/>
+              <a:lstStyle/>
+              <a:p>
+                <a:r>
+                  <a:rPr lang="en-US">
+                    <a:noFill/>
+                  </a:rPr>
+                  <a:t> </a:t>
+                </a:r>
+              </a:p>
+            </p:txBody>
+          </p:sp>
+        </mc:Fallback>
+      </mc:AlternateContent>
+    </p:spTree>
+    <p:extLst>
+      <p:ext uri="{BB962C8B-B14F-4D97-AF65-F5344CB8AC3E}">
+        <p14:creationId xmlns:p14="http://schemas.microsoft.com/office/powerpoint/2010/main" val="1639706644"/>
+      </p:ext>
+    </p:extLst>
+  </p:cSld>
+  <p:clrMapOvr>
+    <a:masterClrMapping/>
+  </p:clrMapOvr>
+</p:sld>
+</file>
+
+<file path=ppt/slides/slide8.xml><?xml version="1.0" encoding="utf-8"?>
+<p:sld xmlns:a="http://schemas.openxmlformats.org/drawingml/2006/main" xmlns:r="http://schemas.openxmlformats.org/officeDocument/2006/relationships" xmlns:p="http://schemas.openxmlformats.org/presentationml/2006/main">
+  <p:cSld>
+    <p:spTree>
+      <p:nvGrpSpPr>
+        <p:cNvPr id="1" name=""/>
+        <p:cNvGrpSpPr/>
+        <p:nvPr/>
+      </p:nvGrpSpPr>
+      <p:grpSpPr>
+        <a:xfrm>
+          <a:off x="0" y="0"/>
+          <a:ext cx="0" cy="0"/>
+          <a:chOff x="0" y="0"/>
+          <a:chExt cx="0" cy="0"/>
+        </a:xfrm>
+      </p:grpSpPr>
+      <p:pic>
+        <p:nvPicPr>
+          <p:cNvPr id="5" name="Picture 4">
+            <a:extLst>
+              <a:ext uri="{FF2B5EF4-FFF2-40B4-BE49-F238E27FC236}">
+                <a16:creationId xmlns:a16="http://schemas.microsoft.com/office/drawing/2014/main" id="{4BBCCB81-3EE9-4589-A9F6-994BC56BEDC1}"/>
+              </a:ext>
+            </a:extLst>
+          </p:cNvPr>
+          <p:cNvPicPr>
+            <a:picLocks noChangeAspect="1"/>
+          </p:cNvPicPr>
+          <p:nvPr/>
+        </p:nvPicPr>
+        <p:blipFill>
+          <a:blip r:embed="rId2"/>
+          <a:stretch>
+            <a:fillRect/>
+          </a:stretch>
+        </p:blipFill>
+        <p:spPr>
+          <a:xfrm>
+            <a:off x="1945957" y="1204275"/>
+            <a:ext cx="8478203" cy="5242485"/>
+          </a:xfrm>
+          <a:prstGeom prst="rect">
+            <a:avLst/>
+          </a:prstGeom>
+        </p:spPr>
+      </p:pic>
+      <p:sp>
+        <p:nvSpPr>
+          <p:cNvPr id="6" name="Oval 5">
+            <a:extLst>
+              <a:ext uri="{FF2B5EF4-FFF2-40B4-BE49-F238E27FC236}">
+                <a16:creationId xmlns:a16="http://schemas.microsoft.com/office/drawing/2014/main" id="{B763C192-2D9E-4A73-AE7A-E9C479C2E6E5}"/>
+              </a:ext>
+            </a:extLst>
+          </p:cNvPr>
+          <p:cNvSpPr/>
+          <p:nvPr/>
+        </p:nvSpPr>
+        <p:spPr>
+          <a:xfrm>
+            <a:off x="7025272" y="4114800"/>
+            <a:ext cx="178167" cy="183996"/>
+          </a:xfrm>
+          <a:prstGeom prst="ellipse">
+            <a:avLst/>
+          </a:prstGeom>
+          <a:solidFill>
+            <a:srgbClr val="FFFF00"/>
+          </a:solidFill>
+        </p:spPr>
+        <p:style>
+          <a:lnRef idx="2">
+            <a:schemeClr val="accent1">
+              <a:shade val="50000"/>
+            </a:schemeClr>
+          </a:lnRef>
+          <a:fillRef idx="1">
+            <a:schemeClr val="accent1"/>
+          </a:fillRef>
+          <a:effectRef idx="0">
+            <a:schemeClr val="accent1"/>
+          </a:effectRef>
+          <a:fontRef idx="minor">
+            <a:schemeClr val="lt1"/>
+          </a:fontRef>
+        </p:style>
+        <p:txBody>
+          <a:bodyPr rtlCol="0" anchor="ctr"/>
+          <a:lstStyle/>
+          <a:p>
+            <a:pPr algn="ctr"/>
+            <a:endParaRPr lang="en-US"/>
+          </a:p>
+        </p:txBody>
+      </p:sp>
+      <p:cxnSp>
+        <p:nvCxnSpPr>
+          <p:cNvPr id="8" name="Straight Connector 7">
+            <a:extLst>
+              <a:ext uri="{FF2B5EF4-FFF2-40B4-BE49-F238E27FC236}">
+                <a16:creationId xmlns:a16="http://schemas.microsoft.com/office/drawing/2014/main" id="{A9A63AF5-9B4E-436E-A22C-1DF2CE6F9D98}"/>
+              </a:ext>
+            </a:extLst>
+          </p:cNvPr>
+          <p:cNvCxnSpPr/>
+          <p:nvPr/>
+        </p:nvCxnSpPr>
+        <p:spPr>
+          <a:xfrm>
+            <a:off x="2367280" y="812800"/>
+            <a:ext cx="0" cy="0"/>
+          </a:xfrm>
+          <a:prstGeom prst="line">
+            <a:avLst/>
+          </a:prstGeom>
+        </p:spPr>
+        <p:style>
+          <a:lnRef idx="1">
+            <a:schemeClr val="accent1"/>
+          </a:lnRef>
+          <a:fillRef idx="0">
+            <a:schemeClr val="accent1"/>
+          </a:fillRef>
+          <a:effectRef idx="0">
+            <a:schemeClr val="accent1"/>
+          </a:effectRef>
+          <a:fontRef idx="minor">
+            <a:schemeClr val="tx1"/>
+          </a:fontRef>
+        </p:style>
+      </p:cxnSp>
+      <p:cxnSp>
+        <p:nvCxnSpPr>
+          <p:cNvPr id="11" name="Straight Connector 10">
+            <a:extLst>
+              <a:ext uri="{FF2B5EF4-FFF2-40B4-BE49-F238E27FC236}">
+                <a16:creationId xmlns:a16="http://schemas.microsoft.com/office/drawing/2014/main" id="{D92CE4E5-9C1B-4279-B766-6BD920ABC2C4}"/>
+              </a:ext>
+            </a:extLst>
+          </p:cNvPr>
+          <p:cNvCxnSpPr>
+            <a:cxnSpLocks/>
+            <a:endCxn id="6" idx="1"/>
+          </p:cNvCxnSpPr>
+          <p:nvPr/>
+        </p:nvCxnSpPr>
+        <p:spPr>
+          <a:xfrm>
+            <a:off x="6360160" y="3312160"/>
+            <a:ext cx="691204" cy="829586"/>
+          </a:xfrm>
+          <a:prstGeom prst="line">
+            <a:avLst/>
+          </a:prstGeom>
+          <a:ln w="22225">
+            <a:solidFill>
+              <a:schemeClr val="tx1"/>
+            </a:solidFill>
+          </a:ln>
+        </p:spPr>
+        <p:style>
+          <a:lnRef idx="1">
+            <a:schemeClr val="accent1"/>
+          </a:lnRef>
+          <a:fillRef idx="0">
+            <a:schemeClr val="accent1"/>
+          </a:fillRef>
+          <a:effectRef idx="0">
+            <a:schemeClr val="accent1"/>
+          </a:effectRef>
+          <a:fontRef idx="minor">
+            <a:schemeClr val="tx1"/>
+          </a:fontRef>
+        </p:style>
+      </p:cxnSp>
+      <p:cxnSp>
+        <p:nvCxnSpPr>
+          <p:cNvPr id="14" name="Straight Connector 13">
+            <a:extLst>
+              <a:ext uri="{FF2B5EF4-FFF2-40B4-BE49-F238E27FC236}">
+                <a16:creationId xmlns:a16="http://schemas.microsoft.com/office/drawing/2014/main" id="{F700891C-6793-4C27-863E-02B4BDEF3251}"/>
+              </a:ext>
+            </a:extLst>
+          </p:cNvPr>
+          <p:cNvCxnSpPr>
+            <a:cxnSpLocks/>
+            <a:endCxn id="6" idx="4"/>
+          </p:cNvCxnSpPr>
+          <p:nvPr/>
+        </p:nvCxnSpPr>
+        <p:spPr>
+          <a:xfrm flipV="1">
+            <a:off x="6939280" y="4298796"/>
+            <a:ext cx="175076" cy="1744874"/>
+          </a:xfrm>
+          <a:prstGeom prst="line">
+            <a:avLst/>
+          </a:prstGeom>
+          <a:ln w="22225">
+            <a:solidFill>
+              <a:schemeClr val="tx1"/>
+            </a:solidFill>
+          </a:ln>
+        </p:spPr>
+        <p:style>
+          <a:lnRef idx="1">
+            <a:schemeClr val="accent1"/>
+          </a:lnRef>
+          <a:fillRef idx="0">
+            <a:schemeClr val="accent1"/>
+          </a:fillRef>
+          <a:effectRef idx="0">
+            <a:schemeClr val="accent1"/>
+          </a:effectRef>
+          <a:fontRef idx="minor">
+            <a:schemeClr val="tx1"/>
+          </a:fontRef>
+        </p:style>
+      </p:cxnSp>
+      <p:cxnSp>
+        <p:nvCxnSpPr>
+          <p:cNvPr id="18" name="Straight Connector 17">
+            <a:extLst>
+              <a:ext uri="{FF2B5EF4-FFF2-40B4-BE49-F238E27FC236}">
+                <a16:creationId xmlns:a16="http://schemas.microsoft.com/office/drawing/2014/main" id="{CABC6EE8-1217-43F1-843C-1BC8C0177BD3}"/>
+              </a:ext>
+            </a:extLst>
+          </p:cNvPr>
+          <p:cNvCxnSpPr>
+            <a:cxnSpLocks/>
+            <a:endCxn id="6" idx="3"/>
+          </p:cNvCxnSpPr>
+          <p:nvPr/>
+        </p:nvCxnSpPr>
+        <p:spPr>
+          <a:xfrm flipV="1">
+            <a:off x="2592729" y="4271850"/>
+            <a:ext cx="4458635" cy="1771820"/>
+          </a:xfrm>
+          <a:prstGeom prst="line">
+            <a:avLst/>
+          </a:prstGeom>
+          <a:ln w="22225">
+            <a:solidFill>
+              <a:schemeClr val="tx1"/>
+            </a:solidFill>
+          </a:ln>
+        </p:spPr>
+        <p:style>
+          <a:lnRef idx="1">
+            <a:schemeClr val="accent1"/>
+          </a:lnRef>
+          <a:fillRef idx="0">
+            <a:schemeClr val="accent1"/>
+          </a:fillRef>
+          <a:effectRef idx="0">
+            <a:schemeClr val="accent1"/>
+          </a:effectRef>
+          <a:fontRef idx="minor">
+            <a:schemeClr val="tx1"/>
+          </a:fontRef>
+        </p:style>
+      </p:cxnSp>
+      <p:sp>
+        <p:nvSpPr>
+          <p:cNvPr id="24" name="Arc 23">
+            <a:extLst>
+              <a:ext uri="{FF2B5EF4-FFF2-40B4-BE49-F238E27FC236}">
+                <a16:creationId xmlns:a16="http://schemas.microsoft.com/office/drawing/2014/main" id="{9AD1B046-7606-43AE-8906-9997BD48C9C9}"/>
+              </a:ext>
+            </a:extLst>
+          </p:cNvPr>
+          <p:cNvSpPr/>
+          <p:nvPr/>
+        </p:nvSpPr>
+        <p:spPr>
+          <a:xfrm rot="1593564">
+            <a:off x="2870868" y="5350792"/>
+            <a:ext cx="1020892" cy="837736"/>
+          </a:xfrm>
+          <a:prstGeom prst="arc">
+            <a:avLst>
+              <a:gd name="adj1" fmla="val 18267884"/>
+              <a:gd name="adj2" fmla="val 0"/>
+            </a:avLst>
+          </a:prstGeom>
+          <a:ln w="34925">
+            <a:solidFill>
+              <a:schemeClr val="tx1"/>
+            </a:solidFill>
+          </a:ln>
+        </p:spPr>
+        <p:style>
+          <a:lnRef idx="1">
+            <a:schemeClr val="accent1"/>
+          </a:lnRef>
+          <a:fillRef idx="0">
+            <a:schemeClr val="accent1"/>
+          </a:fillRef>
+          <a:effectRef idx="0">
+            <a:schemeClr val="accent1"/>
+          </a:effectRef>
+          <a:fontRef idx="minor">
+            <a:schemeClr val="tx1"/>
+          </a:fontRef>
+        </p:style>
+        <p:txBody>
+          <a:bodyPr rtlCol="0" anchor="ctr"/>
+          <a:lstStyle/>
+          <a:p>
+            <a:pPr algn="ctr"/>
+            <a:endParaRPr lang="en-US" dirty="0"/>
+          </a:p>
+        </p:txBody>
+      </p:sp>
+      <p:sp>
+        <p:nvSpPr>
+          <p:cNvPr id="25" name="Arc 24">
+            <a:extLst>
+              <a:ext uri="{FF2B5EF4-FFF2-40B4-BE49-F238E27FC236}">
+                <a16:creationId xmlns:a16="http://schemas.microsoft.com/office/drawing/2014/main" id="{84E9D458-3728-490A-98C6-CCFC8A8F3E0D}"/>
+              </a:ext>
+            </a:extLst>
+          </p:cNvPr>
+          <p:cNvSpPr/>
+          <p:nvPr/>
+        </p:nvSpPr>
+        <p:spPr>
+          <a:xfrm rot="375363">
+            <a:off x="2988831" y="5274204"/>
+            <a:ext cx="718007" cy="591672"/>
+          </a:xfrm>
+          <a:prstGeom prst="arc">
+            <a:avLst>
+              <a:gd name="adj1" fmla="val 18267884"/>
+              <a:gd name="adj2" fmla="val 0"/>
+            </a:avLst>
+          </a:prstGeom>
+          <a:ln w="34925">
+            <a:solidFill>
+              <a:schemeClr val="tx1"/>
+            </a:solidFill>
+          </a:ln>
+        </p:spPr>
+        <p:style>
+          <a:lnRef idx="1">
+            <a:schemeClr val="accent1"/>
+          </a:lnRef>
+          <a:fillRef idx="0">
+            <a:schemeClr val="accent1"/>
+          </a:fillRef>
+          <a:effectRef idx="0">
+            <a:schemeClr val="accent1"/>
+          </a:effectRef>
+          <a:fontRef idx="minor">
+            <a:schemeClr val="tx1"/>
+          </a:fontRef>
+        </p:style>
+        <p:txBody>
+          <a:bodyPr rtlCol="0" anchor="ctr"/>
+          <a:lstStyle/>
+          <a:p>
+            <a:pPr algn="ctr"/>
+            <a:endParaRPr lang="en-US" dirty="0"/>
+          </a:p>
+        </p:txBody>
+      </p:sp>
+      <p:sp>
+        <p:nvSpPr>
+          <p:cNvPr id="28" name="Arc 27">
+            <a:extLst>
+              <a:ext uri="{FF2B5EF4-FFF2-40B4-BE49-F238E27FC236}">
+                <a16:creationId xmlns:a16="http://schemas.microsoft.com/office/drawing/2014/main" id="{916B2D79-560E-4FA3-972C-5B8532C8D246}"/>
+              </a:ext>
+            </a:extLst>
+          </p:cNvPr>
+          <p:cNvSpPr/>
+          <p:nvPr/>
+        </p:nvSpPr>
+        <p:spPr>
+          <a:xfrm rot="375363">
+            <a:off x="2988831" y="5274203"/>
+            <a:ext cx="718007" cy="591672"/>
+          </a:xfrm>
+          <a:prstGeom prst="arc">
+            <a:avLst>
+              <a:gd name="adj1" fmla="val 18267884"/>
+              <a:gd name="adj2" fmla="val 0"/>
+            </a:avLst>
+          </a:prstGeom>
+          <a:ln w="34925">
+            <a:solidFill>
+              <a:schemeClr val="tx1"/>
+            </a:solidFill>
+          </a:ln>
+        </p:spPr>
+        <p:style>
+          <a:lnRef idx="1">
+            <a:schemeClr val="accent1"/>
+          </a:lnRef>
+          <a:fillRef idx="0">
+            <a:schemeClr val="accent1"/>
+          </a:fillRef>
+          <a:effectRef idx="0">
+            <a:schemeClr val="accent1"/>
+          </a:effectRef>
+          <a:fontRef idx="minor">
+            <a:schemeClr val="tx1"/>
+          </a:fontRef>
+        </p:style>
+        <p:txBody>
+          <a:bodyPr rtlCol="0" anchor="ctr"/>
+          <a:lstStyle/>
+          <a:p>
+            <a:pPr algn="ctr"/>
+            <a:endParaRPr lang="en-US" dirty="0"/>
+          </a:p>
+        </p:txBody>
+      </p:sp>
+      <mc:AlternateContent xmlns:mc="http://schemas.openxmlformats.org/markup-compatibility/2006" xmlns:a14="http://schemas.microsoft.com/office/drawing/2010/main">
+        <mc:Choice Requires="a14">
+          <p:sp>
+            <p:nvSpPr>
+              <p:cNvPr id="31" name="TextBox 30">
+                <a:extLst>
+                  <a:ext uri="{FF2B5EF4-FFF2-40B4-BE49-F238E27FC236}">
+                    <a16:creationId xmlns:a16="http://schemas.microsoft.com/office/drawing/2014/main" id="{FA313479-F3E1-4FB7-BF81-0993F737DE8A}"/>
+                  </a:ext>
+                </a:extLst>
+              </p:cNvPr>
+              <p:cNvSpPr txBox="1"/>
+              <p:nvPr/>
+            </p:nvSpPr>
+            <p:spPr>
+              <a:xfrm>
+                <a:off x="6443191" y="3584183"/>
+                <a:ext cx="262571" cy="369332"/>
+              </a:xfrm>
+              <a:prstGeom prst="rect">
+                <a:avLst/>
+              </a:prstGeom>
+              <a:noFill/>
+            </p:spPr>
+            <p:txBody>
+              <a:bodyPr wrap="square" lIns="0" tIns="0" rIns="0" bIns="0" rtlCol="0">
+                <a:spAutoFit/>
+              </a:bodyPr>
+              <a:lstStyle/>
+              <a:p>
+                <a:pPr/>
+                <a14:m>
+                  <m:oMathPara xmlns:m="http://schemas.openxmlformats.org/officeDocument/2006/math">
+                    <m:oMathParaPr>
+                      <m:jc m:val="centerGroup"/>
+                    </m:oMathParaPr>
+                    <m:oMath xmlns:m="http://schemas.openxmlformats.org/officeDocument/2006/math">
+                      <m:r>
+                        <a:rPr lang="en-US" sz="2400" i="1" smtClean="0">
+                          <a:latin typeface="Cambria Math" panose="02040503050406030204" pitchFamily="18" charset="0"/>
+                          <a:ea typeface="Cambria Math" panose="02040503050406030204" pitchFamily="18" charset="0"/>
+                        </a:rPr>
+                        <m:t>𝛼</m:t>
+                      </m:r>
+                    </m:oMath>
+                  </m:oMathPara>
+                </a14:m>
+                <a:endParaRPr lang="en-US" sz="2400" dirty="0"/>
+              </a:p>
+            </p:txBody>
+          </p:sp>
+        </mc:Choice>
+        <mc:Fallback xmlns="">
+          <p:sp>
+            <p:nvSpPr>
+              <p:cNvPr id="31" name="TextBox 30">
+                <a:extLst>
+                  <a:ext uri="{FF2B5EF4-FFF2-40B4-BE49-F238E27FC236}">
+                    <a16:creationId xmlns:a16="http://schemas.microsoft.com/office/drawing/2014/main" id="{FA313479-F3E1-4FB7-BF81-0993F737DE8A}"/>
+                  </a:ext>
+                </a:extLst>
+              </p:cNvPr>
+              <p:cNvSpPr txBox="1">
+                <a:spLocks noRot="1" noChangeAspect="1" noMove="1" noResize="1" noEditPoints="1" noAdjustHandles="1" noChangeArrowheads="1" noChangeShapeType="1" noTextEdit="1"/>
+              </p:cNvSpPr>
+              <p:nvPr/>
+            </p:nvSpPr>
+            <p:spPr>
+              <a:xfrm>
+                <a:off x="6443191" y="3584183"/>
+                <a:ext cx="262571" cy="369332"/>
+              </a:xfrm>
+              <a:prstGeom prst="rect">
+                <a:avLst/>
+              </a:prstGeom>
+              <a:blipFill>
+                <a:blip r:embed="rId3"/>
+                <a:stretch>
+                  <a:fillRect l="-16279" r="-11628"/>
+                </a:stretch>
+              </a:blipFill>
+            </p:spPr>
+            <p:txBody>
+              <a:bodyPr/>
+              <a:lstStyle/>
+              <a:p>
+                <a:r>
+                  <a:rPr lang="en-US">
+                    <a:noFill/>
+                  </a:rPr>
+                  <a:t> </a:t>
+                </a:r>
+              </a:p>
+            </p:txBody>
+          </p:sp>
+        </mc:Fallback>
+      </mc:AlternateContent>
+      <mc:AlternateContent xmlns:mc="http://schemas.openxmlformats.org/markup-compatibility/2006" xmlns:a14="http://schemas.microsoft.com/office/drawing/2010/main">
+        <mc:Choice Requires="a14">
+          <p:sp>
+            <p:nvSpPr>
+              <p:cNvPr id="32" name="TextBox 31">
+                <a:extLst>
+                  <a:ext uri="{FF2B5EF4-FFF2-40B4-BE49-F238E27FC236}">
+                    <a16:creationId xmlns:a16="http://schemas.microsoft.com/office/drawing/2014/main" id="{03C5455F-DF55-4B37-B2C3-20B715BD077A}"/>
+                  </a:ext>
+                </a:extLst>
+              </p:cNvPr>
+              <p:cNvSpPr txBox="1"/>
+              <p:nvPr/>
+            </p:nvSpPr>
+            <p:spPr>
+              <a:xfrm>
+                <a:off x="6676192" y="3456186"/>
+                <a:ext cx="262571" cy="369332"/>
+              </a:xfrm>
+              <a:prstGeom prst="rect">
+                <a:avLst/>
+              </a:prstGeom>
+              <a:noFill/>
+            </p:spPr>
+            <p:txBody>
+              <a:bodyPr wrap="none" lIns="0" tIns="0" rIns="0" bIns="0" rtlCol="0">
+                <a:spAutoFit/>
+              </a:bodyPr>
+              <a:lstStyle/>
+              <a:p>
+                <a:pPr/>
+                <a14:m>
+                  <m:oMathPara xmlns:m="http://schemas.openxmlformats.org/officeDocument/2006/math">
+                    <m:oMathParaPr>
+                      <m:jc m:val="centerGroup"/>
+                    </m:oMathParaPr>
+                    <m:oMath xmlns:m="http://schemas.openxmlformats.org/officeDocument/2006/math">
+                      <m:r>
+                        <a:rPr lang="en-US" sz="2400" i="1" smtClean="0">
+                          <a:latin typeface="Cambria Math" panose="02040503050406030204" pitchFamily="18" charset="0"/>
+                          <a:ea typeface="Cambria Math" panose="02040503050406030204" pitchFamily="18" charset="0"/>
+                        </a:rPr>
+                        <m:t>𝛼</m:t>
+                      </m:r>
+                    </m:oMath>
+                  </m:oMathPara>
+                </a14:m>
+                <a:endParaRPr lang="en-US" sz="2400" dirty="0"/>
+              </a:p>
+            </p:txBody>
+          </p:sp>
+        </mc:Choice>
+        <mc:Fallback xmlns="">
+          <p:sp>
+            <p:nvSpPr>
+              <p:cNvPr id="32" name="TextBox 31">
+                <a:extLst>
+                  <a:ext uri="{FF2B5EF4-FFF2-40B4-BE49-F238E27FC236}">
+                    <a16:creationId xmlns:a16="http://schemas.microsoft.com/office/drawing/2014/main" id="{03C5455F-DF55-4B37-B2C3-20B715BD077A}"/>
+                  </a:ext>
+                </a:extLst>
+              </p:cNvPr>
+              <p:cNvSpPr txBox="1">
+                <a:spLocks noRot="1" noChangeAspect="1" noMove="1" noResize="1" noEditPoints="1" noAdjustHandles="1" noChangeArrowheads="1" noChangeShapeType="1" noTextEdit="1"/>
+              </p:cNvSpPr>
+              <p:nvPr/>
+            </p:nvSpPr>
+            <p:spPr>
+              <a:xfrm>
+                <a:off x="6676192" y="3456186"/>
+                <a:ext cx="262571" cy="369332"/>
+              </a:xfrm>
+              <a:prstGeom prst="rect">
+                <a:avLst/>
+              </a:prstGeom>
+              <a:blipFill>
+                <a:blip r:embed="rId4"/>
+                <a:stretch>
+                  <a:fillRect l="-13953" r="-13953"/>
+                </a:stretch>
+              </a:blipFill>
+            </p:spPr>
+            <p:txBody>
+              <a:bodyPr/>
+              <a:lstStyle/>
+              <a:p>
+                <a:r>
+                  <a:rPr lang="en-US">
+                    <a:noFill/>
+                  </a:rPr>
+                  <a:t> </a:t>
+                </a:r>
+              </a:p>
+            </p:txBody>
+          </p:sp>
+        </mc:Fallback>
+      </mc:AlternateContent>
+      <mc:AlternateContent xmlns:mc="http://schemas.openxmlformats.org/markup-compatibility/2006" xmlns:a14="http://schemas.microsoft.com/office/drawing/2010/main">
+        <mc:Choice Requires="a14">
+          <p:sp>
+            <p:nvSpPr>
+              <p:cNvPr id="36" name="TextBox 35">
+                <a:extLst>
+                  <a:ext uri="{FF2B5EF4-FFF2-40B4-BE49-F238E27FC236}">
+                    <a16:creationId xmlns:a16="http://schemas.microsoft.com/office/drawing/2014/main" id="{10695388-D6BD-459C-8AD2-6945C04D4ED5}"/>
+                  </a:ext>
+                </a:extLst>
+              </p:cNvPr>
+              <p:cNvSpPr txBox="1"/>
+              <p:nvPr/>
+            </p:nvSpPr>
+            <p:spPr>
+              <a:xfrm>
+                <a:off x="7002271" y="5157760"/>
+                <a:ext cx="262571" cy="369332"/>
+              </a:xfrm>
+              <a:prstGeom prst="rect">
+                <a:avLst/>
+              </a:prstGeom>
+              <a:noFill/>
+            </p:spPr>
+            <p:txBody>
+              <a:bodyPr wrap="none" lIns="0" tIns="0" rIns="0" bIns="0" rtlCol="0">
+                <a:spAutoFit/>
+              </a:bodyPr>
+              <a:lstStyle/>
+              <a:p>
+                <a:pPr/>
+                <a14:m>
+                  <m:oMathPara xmlns:m="http://schemas.openxmlformats.org/officeDocument/2006/math">
+                    <m:oMathParaPr>
+                      <m:jc m:val="centerGroup"/>
+                    </m:oMathParaPr>
+                    <m:oMath xmlns:m="http://schemas.openxmlformats.org/officeDocument/2006/math">
+                      <m:r>
+                        <a:rPr lang="en-US" sz="2400" i="1" smtClean="0">
+                          <a:latin typeface="Cambria Math" panose="02040503050406030204" pitchFamily="18" charset="0"/>
+                          <a:ea typeface="Cambria Math" panose="02040503050406030204" pitchFamily="18" charset="0"/>
+                        </a:rPr>
+                        <m:t>𝛼</m:t>
+                      </m:r>
+                    </m:oMath>
+                  </m:oMathPara>
+                </a14:m>
+                <a:endParaRPr lang="en-US" sz="2400" dirty="0"/>
+              </a:p>
+            </p:txBody>
+          </p:sp>
+        </mc:Choice>
+        <mc:Fallback xmlns="">
+          <p:sp>
+            <p:nvSpPr>
+              <p:cNvPr id="36" name="TextBox 35">
+                <a:extLst>
+                  <a:ext uri="{FF2B5EF4-FFF2-40B4-BE49-F238E27FC236}">
+                    <a16:creationId xmlns:a16="http://schemas.microsoft.com/office/drawing/2014/main" id="{10695388-D6BD-459C-8AD2-6945C04D4ED5}"/>
+                  </a:ext>
+                </a:extLst>
+              </p:cNvPr>
+              <p:cNvSpPr txBox="1">
+                <a:spLocks noRot="1" noChangeAspect="1" noMove="1" noResize="1" noEditPoints="1" noAdjustHandles="1" noChangeArrowheads="1" noChangeShapeType="1" noTextEdit="1"/>
+              </p:cNvSpPr>
+              <p:nvPr/>
+            </p:nvSpPr>
+            <p:spPr>
+              <a:xfrm>
+                <a:off x="7002271" y="5157760"/>
+                <a:ext cx="262571" cy="369332"/>
+              </a:xfrm>
+              <a:prstGeom prst="rect">
+                <a:avLst/>
+              </a:prstGeom>
+              <a:blipFill>
+                <a:blip r:embed="rId5"/>
+                <a:stretch>
+                  <a:fillRect l="-16279" r="-11628"/>
+                </a:stretch>
+              </a:blipFill>
+            </p:spPr>
+            <p:txBody>
+              <a:bodyPr/>
+              <a:lstStyle/>
+              <a:p>
+                <a:r>
+                  <a:rPr lang="en-US">
+                    <a:noFill/>
+                  </a:rPr>
+                  <a:t> </a:t>
+                </a:r>
+              </a:p>
+            </p:txBody>
+          </p:sp>
+        </mc:Fallback>
+      </mc:AlternateContent>
+      <mc:AlternateContent xmlns:mc="http://schemas.openxmlformats.org/markup-compatibility/2006" xmlns:a14="http://schemas.microsoft.com/office/drawing/2010/main">
+        <mc:Choice Requires="a14">
+          <p:sp>
+            <p:nvSpPr>
+              <p:cNvPr id="37" name="TextBox 36">
+                <a:extLst>
+                  <a:ext uri="{FF2B5EF4-FFF2-40B4-BE49-F238E27FC236}">
+                    <a16:creationId xmlns:a16="http://schemas.microsoft.com/office/drawing/2014/main" id="{4104E3B9-AA9E-4A2C-99FB-1EF75B66A241}"/>
+                  </a:ext>
+                </a:extLst>
+              </p:cNvPr>
+              <p:cNvSpPr txBox="1"/>
+              <p:nvPr/>
+            </p:nvSpPr>
+            <p:spPr>
+              <a:xfrm>
+                <a:off x="6807594" y="5137539"/>
+                <a:ext cx="262571" cy="369332"/>
+              </a:xfrm>
+              <a:prstGeom prst="rect">
+                <a:avLst/>
+              </a:prstGeom>
+              <a:noFill/>
+            </p:spPr>
+            <p:txBody>
+              <a:bodyPr wrap="none" lIns="0" tIns="0" rIns="0" bIns="0" rtlCol="0">
+                <a:spAutoFit/>
+              </a:bodyPr>
+              <a:lstStyle/>
+              <a:p>
+                <a:pPr/>
+                <a14:m>
+                  <m:oMathPara xmlns:m="http://schemas.openxmlformats.org/officeDocument/2006/math">
+                    <m:oMathParaPr>
+                      <m:jc m:val="centerGroup"/>
+                    </m:oMathParaPr>
+                    <m:oMath xmlns:m="http://schemas.openxmlformats.org/officeDocument/2006/math">
+                      <m:r>
+                        <a:rPr lang="en-US" sz="2400" i="1" smtClean="0">
+                          <a:latin typeface="Cambria Math" panose="02040503050406030204" pitchFamily="18" charset="0"/>
+                          <a:ea typeface="Cambria Math" panose="02040503050406030204" pitchFamily="18" charset="0"/>
+                        </a:rPr>
+                        <m:t>𝛼</m:t>
+                      </m:r>
+                    </m:oMath>
+                  </m:oMathPara>
+                </a14:m>
+                <a:endParaRPr lang="en-US" sz="2400" dirty="0"/>
+              </a:p>
+            </p:txBody>
+          </p:sp>
+        </mc:Choice>
+        <mc:Fallback xmlns="">
+          <p:sp>
+            <p:nvSpPr>
+              <p:cNvPr id="37" name="TextBox 36">
+                <a:extLst>
+                  <a:ext uri="{FF2B5EF4-FFF2-40B4-BE49-F238E27FC236}">
+                    <a16:creationId xmlns:a16="http://schemas.microsoft.com/office/drawing/2014/main" id="{4104E3B9-AA9E-4A2C-99FB-1EF75B66A241}"/>
+                  </a:ext>
+                </a:extLst>
+              </p:cNvPr>
+              <p:cNvSpPr txBox="1">
+                <a:spLocks noRot="1" noChangeAspect="1" noMove="1" noResize="1" noEditPoints="1" noAdjustHandles="1" noChangeArrowheads="1" noChangeShapeType="1" noTextEdit="1"/>
+              </p:cNvSpPr>
+              <p:nvPr/>
+            </p:nvSpPr>
+            <p:spPr>
+              <a:xfrm>
+                <a:off x="6807594" y="5137539"/>
+                <a:ext cx="262571" cy="369332"/>
+              </a:xfrm>
+              <a:prstGeom prst="rect">
+                <a:avLst/>
+              </a:prstGeom>
+              <a:blipFill>
+                <a:blip r:embed="rId6"/>
+                <a:stretch>
+                  <a:fillRect l="-16279" r="-11628"/>
+                </a:stretch>
+              </a:blipFill>
+            </p:spPr>
+            <p:txBody>
+              <a:bodyPr/>
+              <a:lstStyle/>
+              <a:p>
+                <a:r>
+                  <a:rPr lang="en-US">
+                    <a:noFill/>
+                  </a:rPr>
+                  <a:t> </a:t>
+                </a:r>
+              </a:p>
+            </p:txBody>
+          </p:sp>
+        </mc:Fallback>
+      </mc:AlternateContent>
+      <mc:AlternateContent xmlns:mc="http://schemas.openxmlformats.org/markup-compatibility/2006" xmlns:a14="http://schemas.microsoft.com/office/drawing/2010/main">
+        <mc:Choice Requires="a14">
+          <p:sp>
+            <p:nvSpPr>
+              <p:cNvPr id="38" name="TextBox 37">
+                <a:extLst>
+                  <a:ext uri="{FF2B5EF4-FFF2-40B4-BE49-F238E27FC236}">
+                    <a16:creationId xmlns:a16="http://schemas.microsoft.com/office/drawing/2014/main" id="{E0F08D95-39BB-4F33-AA36-2A93A0B98B75}"/>
+                  </a:ext>
+                </a:extLst>
+              </p:cNvPr>
+              <p:cNvSpPr txBox="1"/>
+              <p:nvPr/>
+            </p:nvSpPr>
+            <p:spPr>
+              <a:xfrm rot="2670001">
+                <a:off x="8005141" y="3500289"/>
+                <a:ext cx="390482" cy="369332"/>
+              </a:xfrm>
+              <a:prstGeom prst="rect">
+                <a:avLst/>
+              </a:prstGeom>
+              <a:noFill/>
+            </p:spPr>
+            <p:txBody>
+              <a:bodyPr wrap="square" lIns="0" tIns="0" rIns="0" bIns="0" rtlCol="0">
+                <a:spAutoFit/>
+              </a:bodyPr>
+              <a:lstStyle/>
+              <a:p>
+                <a:pPr/>
+                <a14:m>
+                  <m:oMathPara xmlns:m="http://schemas.openxmlformats.org/officeDocument/2006/math">
+                    <m:oMathParaPr>
+                      <m:jc m:val="centerGroup"/>
+                    </m:oMathParaPr>
+                    <m:oMath xmlns:m="http://schemas.openxmlformats.org/officeDocument/2006/math">
+                      <m:r>
+                        <a:rPr lang="en-US" sz="2400" b="0" i="1" smtClean="0">
+                          <a:latin typeface="Cambria Math" panose="02040503050406030204" pitchFamily="18" charset="0"/>
+                          <a:ea typeface="Cambria Math" panose="02040503050406030204" pitchFamily="18" charset="0"/>
+                        </a:rPr>
+                        <m:t>2</m:t>
+                      </m:r>
+                      <m:r>
+                        <a:rPr lang="en-US" sz="2400" i="1" smtClean="0">
+                          <a:latin typeface="Cambria Math" panose="02040503050406030204" pitchFamily="18" charset="0"/>
+                          <a:ea typeface="Cambria Math" panose="02040503050406030204" pitchFamily="18" charset="0"/>
+                        </a:rPr>
+                        <m:t>𝛼</m:t>
+                      </m:r>
+                    </m:oMath>
+                  </m:oMathPara>
+                </a14:m>
+                <a:endParaRPr lang="en-US" sz="2400" dirty="0"/>
+              </a:p>
+            </p:txBody>
+          </p:sp>
+        </mc:Choice>
+        <mc:Fallback xmlns="">
+          <p:sp>
+            <p:nvSpPr>
+              <p:cNvPr id="38" name="TextBox 37">
+                <a:extLst>
+                  <a:ext uri="{FF2B5EF4-FFF2-40B4-BE49-F238E27FC236}">
+                    <a16:creationId xmlns:a16="http://schemas.microsoft.com/office/drawing/2014/main" id="{E0F08D95-39BB-4F33-AA36-2A93A0B98B75}"/>
+                  </a:ext>
+                </a:extLst>
+              </p:cNvPr>
+              <p:cNvSpPr txBox="1">
+                <a:spLocks noRot="1" noChangeAspect="1" noMove="1" noResize="1" noEditPoints="1" noAdjustHandles="1" noChangeArrowheads="1" noChangeShapeType="1" noTextEdit="1"/>
+              </p:cNvSpPr>
+              <p:nvPr/>
+            </p:nvSpPr>
+            <p:spPr>
+              <a:xfrm rot="2670001">
+                <a:off x="8005141" y="3500289"/>
+                <a:ext cx="390482" cy="369332"/>
+              </a:xfrm>
+              <a:prstGeom prst="rect">
+                <a:avLst/>
+              </a:prstGeom>
+              <a:blipFill>
+                <a:blip r:embed="rId7"/>
+                <a:stretch>
+                  <a:fillRect l="-14607" t="-7865" b="-4494"/>
+                </a:stretch>
+              </a:blipFill>
+            </p:spPr>
+            <p:txBody>
+              <a:bodyPr/>
+              <a:lstStyle/>
+              <a:p>
+                <a:r>
+                  <a:rPr lang="en-US">
+                    <a:noFill/>
+                  </a:rPr>
+                  <a:t> </a:t>
+                </a:r>
+              </a:p>
+            </p:txBody>
+          </p:sp>
+        </mc:Fallback>
+      </mc:AlternateContent>
+    </p:spTree>
+    <p:extLst>
+      <p:ext uri="{BB962C8B-B14F-4D97-AF65-F5344CB8AC3E}">
+        <p14:creationId xmlns:p14="http://schemas.microsoft.com/office/powerpoint/2010/main" val="4045254233"/>
+      </p:ext>
+    </p:extLst>
+  </p:cSld>
+  <p:clrMapOvr>
+    <a:masterClrMapping/>
+  </p:clrMapOvr>
+</p:sld>
+</file>
+
+<file path=ppt/slides/slide9.xml><?xml version="1.0" encoding="utf-8"?>
+<p:sld xmlns:a="http://schemas.openxmlformats.org/drawingml/2006/main" xmlns:r="http://schemas.openxmlformats.org/officeDocument/2006/relationships" xmlns:p="http://schemas.openxmlformats.org/presentationml/2006/main">
+  <p:cSld>
+    <p:spTree>
+      <p:nvGrpSpPr>
+        <p:cNvPr id="1" name=""/>
+        <p:cNvGrpSpPr/>
+        <p:nvPr/>
+      </p:nvGrpSpPr>
+      <p:grpSpPr>
+        <a:xfrm>
+          <a:off x="0" y="0"/>
+          <a:ext cx="0" cy="0"/>
+          <a:chOff x="0" y="0"/>
+          <a:chExt cx="0" cy="0"/>
+        </a:xfrm>
+      </p:grpSpPr>
+      <p:sp>
+        <p:nvSpPr>
+          <p:cNvPr id="2" name="Rectangle 1">
+            <a:extLst>
+              <a:ext uri="{FF2B5EF4-FFF2-40B4-BE49-F238E27FC236}">
+                <a16:creationId xmlns:a16="http://schemas.microsoft.com/office/drawing/2014/main" id="{663F0FA1-7272-49A2-B388-6FFF23D04E4E}"/>
+              </a:ext>
+            </a:extLst>
+          </p:cNvPr>
+          <p:cNvSpPr/>
+          <p:nvPr/>
+        </p:nvSpPr>
+        <p:spPr>
+          <a:xfrm>
+            <a:off x="2177143" y="2801257"/>
+            <a:ext cx="4572000" cy="2177143"/>
+          </a:xfrm>
+          <a:prstGeom prst="rect">
+            <a:avLst/>
+          </a:prstGeom>
+          <a:noFill/>
+          <a:ln w="50800">
+            <a:solidFill>
+              <a:schemeClr val="tx1"/>
+            </a:solidFill>
+          </a:ln>
+        </p:spPr>
+        <p:style>
+          <a:lnRef idx="2">
+            <a:schemeClr val="accent1">
+              <a:shade val="50000"/>
+            </a:schemeClr>
+          </a:lnRef>
+          <a:fillRef idx="1">
+            <a:schemeClr val="accent1"/>
+          </a:fillRef>
+          <a:effectRef idx="0">
+            <a:schemeClr val="accent1"/>
+          </a:effectRef>
+          <a:fontRef idx="minor">
+            <a:schemeClr val="lt1"/>
+          </a:fontRef>
+        </p:style>
+        <p:txBody>
+          <a:bodyPr rtlCol="0" anchor="ctr"/>
+          <a:lstStyle/>
+          <a:p>
+            <a:pPr algn="ctr"/>
+            <a:endParaRPr lang="en-US"/>
+          </a:p>
+        </p:txBody>
+      </p:sp>
+      <p:sp>
+        <p:nvSpPr>
+          <p:cNvPr id="3" name="Oval 2">
+            <a:extLst>
+              <a:ext uri="{FF2B5EF4-FFF2-40B4-BE49-F238E27FC236}">
+                <a16:creationId xmlns:a16="http://schemas.microsoft.com/office/drawing/2014/main" id="{D2B1BA08-1413-4001-B604-30C3172A9B8A}"/>
+              </a:ext>
+            </a:extLst>
+          </p:cNvPr>
+          <p:cNvSpPr/>
+          <p:nvPr/>
+        </p:nvSpPr>
+        <p:spPr>
+          <a:xfrm>
+            <a:off x="6589486" y="2641600"/>
+            <a:ext cx="319314" cy="319314"/>
+          </a:xfrm>
+          <a:prstGeom prst="ellipse">
+            <a:avLst/>
+          </a:prstGeom>
+          <a:solidFill>
+            <a:schemeClr val="tx1"/>
+          </a:solidFill>
+          <a:ln>
+            <a:noFill/>
+          </a:ln>
+        </p:spPr>
+        <p:style>
+          <a:lnRef idx="2">
+            <a:schemeClr val="accent1">
+              <a:shade val="50000"/>
+            </a:schemeClr>
+          </a:lnRef>
+          <a:fillRef idx="1">
+            <a:schemeClr val="accent1"/>
+          </a:fillRef>
+          <a:effectRef idx="0">
+            <a:schemeClr val="accent1"/>
+          </a:effectRef>
+          <a:fontRef idx="minor">
+            <a:schemeClr val="lt1"/>
+          </a:fontRef>
+        </p:style>
+        <p:txBody>
+          <a:bodyPr rtlCol="0" anchor="ctr"/>
+          <a:lstStyle/>
+          <a:p>
+            <a:pPr algn="ctr"/>
+            <a:endParaRPr lang="en-US"/>
+          </a:p>
+        </p:txBody>
+      </p:sp>
+      <p:sp>
+        <p:nvSpPr>
+          <p:cNvPr id="4" name="Oval 3">
+            <a:extLst>
+              <a:ext uri="{FF2B5EF4-FFF2-40B4-BE49-F238E27FC236}">
+                <a16:creationId xmlns:a16="http://schemas.microsoft.com/office/drawing/2014/main" id="{4ED1DBAB-46C8-4228-B66D-7086D6599A08}"/>
+              </a:ext>
+            </a:extLst>
+          </p:cNvPr>
+          <p:cNvSpPr/>
+          <p:nvPr/>
+        </p:nvSpPr>
+        <p:spPr>
+          <a:xfrm>
+            <a:off x="6589486" y="4818743"/>
+            <a:ext cx="319314" cy="319314"/>
+          </a:xfrm>
+          <a:prstGeom prst="ellipse">
+            <a:avLst/>
+          </a:prstGeom>
+          <a:solidFill>
+            <a:schemeClr val="tx1"/>
+          </a:solidFill>
+          <a:ln>
+            <a:noFill/>
+          </a:ln>
+        </p:spPr>
+        <p:style>
+          <a:lnRef idx="2">
+            <a:schemeClr val="accent1">
+              <a:shade val="50000"/>
+            </a:schemeClr>
+          </a:lnRef>
+          <a:fillRef idx="1">
+            <a:schemeClr val="accent1"/>
+          </a:fillRef>
+          <a:effectRef idx="0">
+            <a:schemeClr val="accent1"/>
+          </a:effectRef>
+          <a:fontRef idx="minor">
+            <a:schemeClr val="lt1"/>
+          </a:fontRef>
+        </p:style>
+        <p:txBody>
+          <a:bodyPr rtlCol="0" anchor="ctr"/>
+          <a:lstStyle/>
+          <a:p>
+            <a:pPr algn="ctr"/>
+            <a:endParaRPr lang="en-US"/>
+          </a:p>
+        </p:txBody>
+      </p:sp>
+      <p:sp>
+        <p:nvSpPr>
+          <p:cNvPr id="5" name="Oval 4">
+            <a:extLst>
+              <a:ext uri="{FF2B5EF4-FFF2-40B4-BE49-F238E27FC236}">
+                <a16:creationId xmlns:a16="http://schemas.microsoft.com/office/drawing/2014/main" id="{EF09B6DB-67CB-4864-9A1A-56CEDD98C7DE}"/>
+              </a:ext>
+            </a:extLst>
+          </p:cNvPr>
+          <p:cNvSpPr/>
+          <p:nvPr/>
+        </p:nvSpPr>
+        <p:spPr>
+          <a:xfrm>
+            <a:off x="2017486" y="4818743"/>
+            <a:ext cx="319314" cy="319314"/>
+          </a:xfrm>
+          <a:prstGeom prst="ellipse">
+            <a:avLst/>
+          </a:prstGeom>
+          <a:solidFill>
+            <a:schemeClr val="tx1"/>
+          </a:solidFill>
+          <a:ln>
+            <a:noFill/>
+          </a:ln>
+        </p:spPr>
+        <p:style>
+          <a:lnRef idx="2">
+            <a:schemeClr val="accent1">
+              <a:shade val="50000"/>
+            </a:schemeClr>
+          </a:lnRef>
+          <a:fillRef idx="1">
+            <a:schemeClr val="accent1"/>
+          </a:fillRef>
+          <a:effectRef idx="0">
+            <a:schemeClr val="accent1"/>
+          </a:effectRef>
+          <a:fontRef idx="minor">
+            <a:schemeClr val="lt1"/>
+          </a:fontRef>
+        </p:style>
+        <p:txBody>
+          <a:bodyPr rtlCol="0" anchor="ctr"/>
+          <a:lstStyle/>
+          <a:p>
+            <a:pPr algn="ctr"/>
+            <a:endParaRPr lang="en-US"/>
+          </a:p>
+        </p:txBody>
+      </p:sp>
+      <p:sp>
+        <p:nvSpPr>
+          <p:cNvPr id="6" name="Oval 5">
+            <a:extLst>
+              <a:ext uri="{FF2B5EF4-FFF2-40B4-BE49-F238E27FC236}">
+                <a16:creationId xmlns:a16="http://schemas.microsoft.com/office/drawing/2014/main" id="{1FF36096-9EC9-4E6C-A90A-7497DF316D73}"/>
+              </a:ext>
+            </a:extLst>
+          </p:cNvPr>
+          <p:cNvSpPr/>
+          <p:nvPr/>
+        </p:nvSpPr>
+        <p:spPr>
+          <a:xfrm>
+            <a:off x="2017486" y="2641600"/>
+            <a:ext cx="319314" cy="319314"/>
+          </a:xfrm>
+          <a:prstGeom prst="ellipse">
+            <a:avLst/>
+          </a:prstGeom>
+          <a:solidFill>
+            <a:schemeClr val="tx1"/>
+          </a:solidFill>
+          <a:ln>
+            <a:noFill/>
+          </a:ln>
+        </p:spPr>
+        <p:style>
+          <a:lnRef idx="2">
+            <a:schemeClr val="accent1">
+              <a:shade val="50000"/>
+            </a:schemeClr>
+          </a:lnRef>
+          <a:fillRef idx="1">
+            <a:schemeClr val="accent1"/>
+          </a:fillRef>
+          <a:effectRef idx="0">
+            <a:schemeClr val="accent1"/>
+          </a:effectRef>
+          <a:fontRef idx="minor">
+            <a:schemeClr val="lt1"/>
+          </a:fontRef>
+        </p:style>
+        <p:txBody>
+          <a:bodyPr rtlCol="0" anchor="ctr"/>
+          <a:lstStyle/>
+          <a:p>
+            <a:pPr algn="ctr"/>
+            <a:endParaRPr lang="en-US"/>
+          </a:p>
+        </p:txBody>
+      </p:sp>
+      <p:sp>
+        <p:nvSpPr>
+          <p:cNvPr id="7" name="Oval 6">
+            <a:extLst>
+              <a:ext uri="{FF2B5EF4-FFF2-40B4-BE49-F238E27FC236}">
+                <a16:creationId xmlns:a16="http://schemas.microsoft.com/office/drawing/2014/main" id="{CFDA5871-5897-4159-AB97-DEB55A273943}"/>
+              </a:ext>
+            </a:extLst>
+          </p:cNvPr>
+          <p:cNvSpPr/>
+          <p:nvPr/>
+        </p:nvSpPr>
+        <p:spPr>
+          <a:xfrm>
+            <a:off x="4245429" y="2641600"/>
+            <a:ext cx="319314" cy="319314"/>
+          </a:xfrm>
+          <a:prstGeom prst="ellipse">
+            <a:avLst/>
+          </a:prstGeom>
+          <a:solidFill>
+            <a:schemeClr val="tx1"/>
+          </a:solidFill>
+          <a:ln>
+            <a:noFill/>
+          </a:ln>
+        </p:spPr>
+        <p:style>
+          <a:lnRef idx="2">
+            <a:schemeClr val="accent1">
+              <a:shade val="50000"/>
+            </a:schemeClr>
+          </a:lnRef>
+          <a:fillRef idx="1">
+            <a:schemeClr val="accent1"/>
+          </a:fillRef>
+          <a:effectRef idx="0">
+            <a:schemeClr val="accent1"/>
+          </a:effectRef>
+          <a:fontRef idx="minor">
+            <a:schemeClr val="lt1"/>
+          </a:fontRef>
+        </p:style>
+        <p:txBody>
+          <a:bodyPr rtlCol="0" anchor="ctr"/>
+          <a:lstStyle/>
+          <a:p>
+            <a:pPr algn="ctr"/>
+            <a:endParaRPr lang="en-US"/>
+          </a:p>
+        </p:txBody>
+      </p:sp>
+      <p:sp>
+        <p:nvSpPr>
+          <p:cNvPr id="8" name="Oval 7">
+            <a:extLst>
+              <a:ext uri="{FF2B5EF4-FFF2-40B4-BE49-F238E27FC236}">
+                <a16:creationId xmlns:a16="http://schemas.microsoft.com/office/drawing/2014/main" id="{1E4757CA-41D9-461D-8DAC-2743AC9D1B67}"/>
+              </a:ext>
+            </a:extLst>
+          </p:cNvPr>
+          <p:cNvSpPr/>
+          <p:nvPr/>
+        </p:nvSpPr>
+        <p:spPr>
+          <a:xfrm>
+            <a:off x="4245429" y="4818743"/>
+            <a:ext cx="319314" cy="319314"/>
+          </a:xfrm>
+          <a:prstGeom prst="ellipse">
+            <a:avLst/>
+          </a:prstGeom>
+          <a:solidFill>
+            <a:schemeClr val="tx1"/>
+          </a:solidFill>
+          <a:ln>
+            <a:noFill/>
+          </a:ln>
+        </p:spPr>
+        <p:style>
+          <a:lnRef idx="2">
+            <a:schemeClr val="accent1">
+              <a:shade val="50000"/>
+            </a:schemeClr>
+          </a:lnRef>
+          <a:fillRef idx="1">
+            <a:schemeClr val="accent1"/>
+          </a:fillRef>
+          <a:effectRef idx="0">
+            <a:schemeClr val="accent1"/>
+          </a:effectRef>
+          <a:fontRef idx="minor">
+            <a:schemeClr val="lt1"/>
+          </a:fontRef>
+        </p:style>
+        <p:txBody>
+          <a:bodyPr rtlCol="0" anchor="ctr"/>
+          <a:lstStyle/>
+          <a:p>
+            <a:pPr algn="ctr"/>
+            <a:endParaRPr lang="en-US"/>
+          </a:p>
+        </p:txBody>
+      </p:sp>
+      <p:sp>
+        <p:nvSpPr>
+          <p:cNvPr id="15" name="Oval 14">
+            <a:extLst>
+              <a:ext uri="{FF2B5EF4-FFF2-40B4-BE49-F238E27FC236}">
+                <a16:creationId xmlns:a16="http://schemas.microsoft.com/office/drawing/2014/main" id="{ECB9803B-4391-46FD-AFD8-7C7627159496}"/>
+              </a:ext>
+            </a:extLst>
+          </p:cNvPr>
+          <p:cNvSpPr/>
+          <p:nvPr/>
+        </p:nvSpPr>
+        <p:spPr>
+          <a:xfrm>
+            <a:off x="4257153" y="446038"/>
+            <a:ext cx="319314" cy="319314"/>
+          </a:xfrm>
+          <a:prstGeom prst="ellipse">
+            <a:avLst/>
+          </a:prstGeom>
+          <a:solidFill>
+            <a:schemeClr val="tx1"/>
+          </a:solidFill>
+          <a:ln>
+            <a:noFill/>
+          </a:ln>
+        </p:spPr>
+        <p:style>
+          <a:lnRef idx="2">
+            <a:schemeClr val="accent1">
+              <a:shade val="50000"/>
+            </a:schemeClr>
+          </a:lnRef>
+          <a:fillRef idx="1">
+            <a:schemeClr val="accent1"/>
+          </a:fillRef>
+          <a:effectRef idx="0">
+            <a:schemeClr val="accent1"/>
+          </a:effectRef>
+          <a:fontRef idx="minor">
+            <a:schemeClr val="lt1"/>
+          </a:fontRef>
+        </p:style>
+        <p:txBody>
+          <a:bodyPr rtlCol="0" anchor="ctr"/>
+          <a:lstStyle/>
+          <a:p>
+            <a:pPr algn="ctr"/>
+            <a:endParaRPr lang="en-US"/>
+          </a:p>
+        </p:txBody>
+      </p:sp>
+      <p:sp>
+        <p:nvSpPr>
+          <p:cNvPr id="18" name="Oval 17">
+            <a:extLst>
+              <a:ext uri="{FF2B5EF4-FFF2-40B4-BE49-F238E27FC236}">
+                <a16:creationId xmlns:a16="http://schemas.microsoft.com/office/drawing/2014/main" id="{85DD3365-F264-4358-BDF6-7DFE52DEE028}"/>
+              </a:ext>
+            </a:extLst>
+          </p:cNvPr>
+          <p:cNvSpPr/>
+          <p:nvPr/>
+        </p:nvSpPr>
+        <p:spPr>
+          <a:xfrm>
+            <a:off x="9365512" y="4736683"/>
+            <a:ext cx="319314" cy="319314"/>
+          </a:xfrm>
+          <a:prstGeom prst="ellipse">
+            <a:avLst/>
+          </a:prstGeom>
+          <a:solidFill>
+            <a:schemeClr val="tx1"/>
+          </a:solidFill>
+          <a:ln>
+            <a:noFill/>
+          </a:ln>
+        </p:spPr>
+        <p:style>
+          <a:lnRef idx="2">
+            <a:schemeClr val="accent1">
+              <a:shade val="50000"/>
+            </a:schemeClr>
+          </a:lnRef>
+          <a:fillRef idx="1">
+            <a:schemeClr val="accent1"/>
+          </a:fillRef>
+          <a:effectRef idx="0">
+            <a:schemeClr val="accent1"/>
+          </a:effectRef>
+          <a:fontRef idx="minor">
+            <a:schemeClr val="lt1"/>
+          </a:fontRef>
+        </p:style>
+        <p:txBody>
+          <a:bodyPr rtlCol="0" anchor="ctr"/>
+          <a:lstStyle/>
+          <a:p>
+            <a:pPr algn="ctr"/>
+            <a:endParaRPr lang="en-US"/>
+          </a:p>
+        </p:txBody>
+      </p:sp>
+      <p:sp>
+        <p:nvSpPr>
+          <p:cNvPr id="19" name="Oval 18">
+            <a:extLst>
+              <a:ext uri="{FF2B5EF4-FFF2-40B4-BE49-F238E27FC236}">
+                <a16:creationId xmlns:a16="http://schemas.microsoft.com/office/drawing/2014/main" id="{0DF517DB-414C-4A05-9B03-910186B3C154}"/>
+              </a:ext>
+            </a:extLst>
+          </p:cNvPr>
+          <p:cNvSpPr/>
+          <p:nvPr/>
+        </p:nvSpPr>
+        <p:spPr>
+          <a:xfrm>
+            <a:off x="9084154" y="2653324"/>
+            <a:ext cx="319314" cy="319314"/>
+          </a:xfrm>
+          <a:prstGeom prst="ellipse">
+            <a:avLst/>
+          </a:prstGeom>
+          <a:solidFill>
+            <a:schemeClr val="tx1"/>
+          </a:solidFill>
+          <a:ln>
+            <a:noFill/>
+          </a:ln>
+        </p:spPr>
+        <p:style>
+          <a:lnRef idx="2">
+            <a:schemeClr val="accent1">
+              <a:shade val="50000"/>
+            </a:schemeClr>
+          </a:lnRef>
+          <a:fillRef idx="1">
+            <a:schemeClr val="accent1"/>
+          </a:fillRef>
+          <a:effectRef idx="0">
+            <a:schemeClr val="accent1"/>
+          </a:effectRef>
+          <a:fontRef idx="minor">
+            <a:schemeClr val="lt1"/>
+          </a:fontRef>
+        </p:style>
+        <p:txBody>
+          <a:bodyPr rtlCol="0" anchor="ctr"/>
+          <a:lstStyle/>
+          <a:p>
+            <a:pPr algn="ctr"/>
+            <a:endParaRPr lang="en-US"/>
+          </a:p>
+        </p:txBody>
+      </p:sp>
+      <p:sp>
+        <p:nvSpPr>
+          <p:cNvPr id="34" name="Oval 33">
+            <a:extLst>
+              <a:ext uri="{FF2B5EF4-FFF2-40B4-BE49-F238E27FC236}">
+                <a16:creationId xmlns:a16="http://schemas.microsoft.com/office/drawing/2014/main" id="{5782499C-93D5-407F-B7DA-63A2E848CCBB}"/>
+              </a:ext>
+            </a:extLst>
+          </p:cNvPr>
+          <p:cNvSpPr/>
+          <p:nvPr/>
+        </p:nvSpPr>
+        <p:spPr>
+          <a:xfrm>
+            <a:off x="-420927" y="2665048"/>
+            <a:ext cx="319314" cy="319314"/>
+          </a:xfrm>
+          <a:prstGeom prst="ellipse">
+            <a:avLst/>
+          </a:prstGeom>
+          <a:solidFill>
+            <a:schemeClr val="tx1"/>
+          </a:solidFill>
+          <a:ln>
+            <a:noFill/>
+          </a:ln>
+        </p:spPr>
+        <p:style>
+          <a:lnRef idx="2">
+            <a:schemeClr val="accent1">
+              <a:shade val="50000"/>
+            </a:schemeClr>
+          </a:lnRef>
+          <a:fillRef idx="1">
+            <a:schemeClr val="accent1"/>
+          </a:fillRef>
+          <a:effectRef idx="0">
+            <a:schemeClr val="accent1"/>
+          </a:effectRef>
+          <a:fontRef idx="minor">
+            <a:schemeClr val="lt1"/>
+          </a:fontRef>
+        </p:style>
+        <p:txBody>
+          <a:bodyPr rtlCol="0" anchor="ctr"/>
+          <a:lstStyle/>
+          <a:p>
+            <a:pPr algn="ctr"/>
+            <a:endParaRPr lang="en-US"/>
+          </a:p>
+        </p:txBody>
+      </p:sp>
+      <p:sp>
+        <p:nvSpPr>
+          <p:cNvPr id="35" name="Oval 34">
+            <a:extLst>
+              <a:ext uri="{FF2B5EF4-FFF2-40B4-BE49-F238E27FC236}">
+                <a16:creationId xmlns:a16="http://schemas.microsoft.com/office/drawing/2014/main" id="{7C1EDA43-E175-4315-89EC-F3ABF500A30A}"/>
+              </a:ext>
+            </a:extLst>
+          </p:cNvPr>
+          <p:cNvSpPr/>
+          <p:nvPr/>
+        </p:nvSpPr>
+        <p:spPr>
+          <a:xfrm>
+            <a:off x="-420927" y="4842191"/>
+            <a:ext cx="319314" cy="319314"/>
+          </a:xfrm>
+          <a:prstGeom prst="ellipse">
+            <a:avLst/>
+          </a:prstGeom>
+          <a:solidFill>
+            <a:schemeClr val="tx1"/>
+          </a:solidFill>
+          <a:ln>
+            <a:noFill/>
+          </a:ln>
+        </p:spPr>
+        <p:style>
+          <a:lnRef idx="2">
+            <a:schemeClr val="accent1">
+              <a:shade val="50000"/>
+            </a:schemeClr>
+          </a:lnRef>
+          <a:fillRef idx="1">
+            <a:schemeClr val="accent1"/>
+          </a:fillRef>
+          <a:effectRef idx="0">
+            <a:schemeClr val="accent1"/>
+          </a:effectRef>
+          <a:fontRef idx="minor">
+            <a:schemeClr val="lt1"/>
+          </a:fontRef>
+        </p:style>
+        <p:txBody>
+          <a:bodyPr rtlCol="0" anchor="ctr"/>
+          <a:lstStyle/>
+          <a:p>
+            <a:pPr algn="ctr"/>
+            <a:endParaRPr lang="en-US"/>
+          </a:p>
+        </p:txBody>
+      </p:sp>
+      <p:sp>
+        <p:nvSpPr>
+          <p:cNvPr id="40" name="Oval 39">
+            <a:extLst>
+              <a:ext uri="{FF2B5EF4-FFF2-40B4-BE49-F238E27FC236}">
+                <a16:creationId xmlns:a16="http://schemas.microsoft.com/office/drawing/2014/main" id="{84D17377-F61D-437B-AA0B-9D7E57DBFC4C}"/>
+              </a:ext>
+            </a:extLst>
+          </p:cNvPr>
+          <p:cNvSpPr/>
+          <p:nvPr/>
+        </p:nvSpPr>
+        <p:spPr>
+          <a:xfrm>
+            <a:off x="-409203" y="469486"/>
+            <a:ext cx="319314" cy="319314"/>
+          </a:xfrm>
+          <a:prstGeom prst="ellipse">
+            <a:avLst/>
+          </a:prstGeom>
+          <a:solidFill>
+            <a:schemeClr val="tx1"/>
+          </a:solidFill>
+          <a:ln>
+            <a:noFill/>
+          </a:ln>
+        </p:spPr>
+        <p:style>
+          <a:lnRef idx="2">
+            <a:schemeClr val="accent1">
+              <a:shade val="50000"/>
+            </a:schemeClr>
+          </a:lnRef>
+          <a:fillRef idx="1">
+            <a:schemeClr val="accent1"/>
+          </a:fillRef>
+          <a:effectRef idx="0">
+            <a:schemeClr val="accent1"/>
+          </a:effectRef>
+          <a:fontRef idx="minor">
+            <a:schemeClr val="lt1"/>
+          </a:fontRef>
+        </p:style>
+        <p:txBody>
+          <a:bodyPr rtlCol="0" anchor="ctr"/>
+          <a:lstStyle/>
+          <a:p>
+            <a:pPr algn="ctr"/>
+            <a:endParaRPr lang="en-US"/>
+          </a:p>
+        </p:txBody>
+      </p:sp>
+      <p:cxnSp>
+        <p:nvCxnSpPr>
+          <p:cNvPr id="44" name="Straight Arrow Connector 43">
+            <a:extLst>
+              <a:ext uri="{FF2B5EF4-FFF2-40B4-BE49-F238E27FC236}">
+                <a16:creationId xmlns:a16="http://schemas.microsoft.com/office/drawing/2014/main" id="{FBC39F45-3B3E-4FA4-B1D4-92B8B5C78514}"/>
+              </a:ext>
+            </a:extLst>
+          </p:cNvPr>
+          <p:cNvCxnSpPr>
+            <a:cxnSpLocks/>
+            <a:stCxn id="8" idx="7"/>
+          </p:cNvCxnSpPr>
+          <p:nvPr/>
+        </p:nvCxnSpPr>
+        <p:spPr>
+          <a:xfrm flipV="1">
+            <a:off x="4517981" y="2801259"/>
+            <a:ext cx="2071505" cy="2064246"/>
+          </a:xfrm>
+          <a:prstGeom prst="straightConnector1">
+            <a:avLst/>
+          </a:prstGeom>
+          <a:ln w="44450">
+            <a:solidFill>
+              <a:schemeClr val="tx1"/>
+            </a:solidFill>
+            <a:headEnd w="lg" len="lg"/>
+            <a:tailEnd type="stealth" w="lg" len="lg"/>
+          </a:ln>
+        </p:spPr>
+        <p:style>
+          <a:lnRef idx="1">
+            <a:schemeClr val="accent1"/>
+          </a:lnRef>
+          <a:fillRef idx="0">
+            <a:schemeClr val="accent1"/>
+          </a:fillRef>
+          <a:effectRef idx="0">
+            <a:schemeClr val="accent1"/>
+          </a:effectRef>
+          <a:fontRef idx="minor">
+            <a:schemeClr val="tx1"/>
+          </a:fontRef>
+        </p:style>
+      </p:cxnSp>
+      <p:cxnSp>
+        <p:nvCxnSpPr>
+          <p:cNvPr id="47" name="Straight Arrow Connector 46">
+            <a:extLst>
+              <a:ext uri="{FF2B5EF4-FFF2-40B4-BE49-F238E27FC236}">
+                <a16:creationId xmlns:a16="http://schemas.microsoft.com/office/drawing/2014/main" id="{4D3A29B8-6B3F-4D6F-9F7E-FBD020F3718C}"/>
+              </a:ext>
+            </a:extLst>
+          </p:cNvPr>
+          <p:cNvCxnSpPr>
+            <a:cxnSpLocks/>
+            <a:endCxn id="59" idx="3"/>
+          </p:cNvCxnSpPr>
+          <p:nvPr/>
+        </p:nvCxnSpPr>
+        <p:spPr>
+          <a:xfrm flipV="1">
+            <a:off x="4483305" y="706871"/>
+            <a:ext cx="4753125" cy="4227988"/>
+          </a:xfrm>
+          <a:prstGeom prst="straightConnector1">
+            <a:avLst/>
+          </a:prstGeom>
+          <a:ln w="44450">
+            <a:solidFill>
+              <a:schemeClr val="tx1"/>
+            </a:solidFill>
+            <a:headEnd w="lg" len="lg"/>
+            <a:tailEnd type="stealth" w="lg" len="lg"/>
+          </a:ln>
+        </p:spPr>
+        <p:style>
+          <a:lnRef idx="1">
+            <a:schemeClr val="accent1"/>
+          </a:lnRef>
+          <a:fillRef idx="0">
+            <a:schemeClr val="accent1"/>
+          </a:fillRef>
+          <a:effectRef idx="0">
+            <a:schemeClr val="accent1"/>
+          </a:effectRef>
+          <a:fontRef idx="minor">
+            <a:schemeClr val="tx1"/>
+          </a:fontRef>
+        </p:style>
+      </p:cxnSp>
+      <p:cxnSp>
+        <p:nvCxnSpPr>
+          <p:cNvPr id="50" name="Straight Arrow Connector 49">
+            <a:extLst>
+              <a:ext uri="{FF2B5EF4-FFF2-40B4-BE49-F238E27FC236}">
+                <a16:creationId xmlns:a16="http://schemas.microsoft.com/office/drawing/2014/main" id="{4D4EAFBE-73D7-4A45-8419-75A4607E8D62}"/>
+              </a:ext>
+            </a:extLst>
+          </p:cNvPr>
+          <p:cNvCxnSpPr>
+            <a:cxnSpLocks/>
+            <a:stCxn id="8" idx="6"/>
+          </p:cNvCxnSpPr>
+          <p:nvPr/>
+        </p:nvCxnSpPr>
+        <p:spPr>
+          <a:xfrm flipV="1">
+            <a:off x="4564743" y="2934117"/>
+            <a:ext cx="4505572" cy="2044283"/>
+          </a:xfrm>
+          <a:prstGeom prst="straightConnector1">
+            <a:avLst/>
+          </a:prstGeom>
+          <a:ln w="44450">
+            <a:solidFill>
+              <a:schemeClr val="tx1"/>
+            </a:solidFill>
+            <a:headEnd w="lg" len="lg"/>
+            <a:tailEnd type="stealth" w="lg" len="lg"/>
+          </a:ln>
+        </p:spPr>
+        <p:style>
+          <a:lnRef idx="1">
+            <a:schemeClr val="accent1"/>
+          </a:lnRef>
+          <a:fillRef idx="0">
+            <a:schemeClr val="accent1"/>
+          </a:fillRef>
+          <a:effectRef idx="0">
+            <a:schemeClr val="accent1"/>
+          </a:effectRef>
+          <a:fontRef idx="minor">
+            <a:schemeClr val="tx1"/>
+          </a:fontRef>
+        </p:style>
+      </p:cxnSp>
+      <p:sp>
+        <p:nvSpPr>
+          <p:cNvPr id="53" name="Rectangle 52">
+            <a:extLst>
+              <a:ext uri="{FF2B5EF4-FFF2-40B4-BE49-F238E27FC236}">
+                <a16:creationId xmlns:a16="http://schemas.microsoft.com/office/drawing/2014/main" id="{4888E883-AC87-4426-B93D-77110D92AC51}"/>
+              </a:ext>
+            </a:extLst>
+          </p:cNvPr>
+          <p:cNvSpPr/>
+          <p:nvPr/>
+        </p:nvSpPr>
+        <p:spPr>
+          <a:xfrm>
+            <a:off x="6737423" y="2766087"/>
+            <a:ext cx="4572000" cy="2177143"/>
+          </a:xfrm>
+          <a:prstGeom prst="rect">
+            <a:avLst/>
+          </a:prstGeom>
+          <a:noFill/>
+          <a:ln w="50800">
+            <a:solidFill>
+              <a:schemeClr val="tx1"/>
+            </a:solidFill>
+            <a:prstDash val="dash"/>
+          </a:ln>
+        </p:spPr>
+        <p:style>
+          <a:lnRef idx="2">
+            <a:schemeClr val="accent1">
+              <a:shade val="50000"/>
+            </a:schemeClr>
+          </a:lnRef>
+          <a:fillRef idx="1">
+            <a:schemeClr val="accent1"/>
+          </a:fillRef>
+          <a:effectRef idx="0">
+            <a:schemeClr val="accent1"/>
+          </a:effectRef>
+          <a:fontRef idx="minor">
+            <a:schemeClr val="lt1"/>
+          </a:fontRef>
+        </p:style>
+        <p:txBody>
+          <a:bodyPr rtlCol="0" anchor="ctr"/>
+          <a:lstStyle/>
+          <a:p>
+            <a:pPr algn="ctr"/>
+            <a:endParaRPr lang="en-US"/>
+          </a:p>
+        </p:txBody>
+      </p:sp>
+      <p:sp>
+        <p:nvSpPr>
+          <p:cNvPr id="54" name="Rectangle 53">
+            <a:extLst>
+              <a:ext uri="{FF2B5EF4-FFF2-40B4-BE49-F238E27FC236}">
+                <a16:creationId xmlns:a16="http://schemas.microsoft.com/office/drawing/2014/main" id="{341A075C-4656-4C76-9F8A-957DC13B045B}"/>
+              </a:ext>
+            </a:extLst>
+          </p:cNvPr>
+          <p:cNvSpPr/>
+          <p:nvPr/>
+        </p:nvSpPr>
+        <p:spPr>
+          <a:xfrm>
+            <a:off x="6749146" y="597322"/>
+            <a:ext cx="4572000" cy="2177143"/>
+          </a:xfrm>
+          <a:prstGeom prst="rect">
+            <a:avLst/>
+          </a:prstGeom>
+          <a:noFill/>
+          <a:ln w="50800">
+            <a:solidFill>
+              <a:schemeClr val="tx1"/>
+            </a:solidFill>
+            <a:prstDash val="dash"/>
+          </a:ln>
+        </p:spPr>
+        <p:style>
+          <a:lnRef idx="2">
+            <a:schemeClr val="accent1">
+              <a:shade val="50000"/>
+            </a:schemeClr>
+          </a:lnRef>
+          <a:fillRef idx="1">
+            <a:schemeClr val="accent1"/>
+          </a:fillRef>
+          <a:effectRef idx="0">
+            <a:schemeClr val="accent1"/>
+          </a:effectRef>
+          <a:fontRef idx="minor">
+            <a:schemeClr val="lt1"/>
+          </a:fontRef>
+        </p:style>
+        <p:txBody>
+          <a:bodyPr rtlCol="0" anchor="ctr"/>
+          <a:lstStyle/>
+          <a:p>
+            <a:pPr algn="ctr"/>
+            <a:endParaRPr lang="en-US"/>
+          </a:p>
+        </p:txBody>
+      </p:sp>
+      <p:sp>
+        <p:nvSpPr>
+          <p:cNvPr id="55" name="Rectangle 54">
+            <a:extLst>
+              <a:ext uri="{FF2B5EF4-FFF2-40B4-BE49-F238E27FC236}">
+                <a16:creationId xmlns:a16="http://schemas.microsoft.com/office/drawing/2014/main" id="{A27AE064-EF73-4723-A40F-CE7F780B8948}"/>
+              </a:ext>
+            </a:extLst>
+          </p:cNvPr>
+          <p:cNvSpPr/>
+          <p:nvPr/>
+        </p:nvSpPr>
+        <p:spPr>
+          <a:xfrm>
+            <a:off x="2212312" y="632490"/>
+            <a:ext cx="4572000" cy="2177143"/>
+          </a:xfrm>
+          <a:prstGeom prst="rect">
+            <a:avLst/>
+          </a:prstGeom>
+          <a:noFill/>
+          <a:ln w="50800">
+            <a:solidFill>
+              <a:schemeClr val="tx1"/>
+            </a:solidFill>
+            <a:prstDash val="dash"/>
+          </a:ln>
+        </p:spPr>
+        <p:style>
+          <a:lnRef idx="2">
+            <a:schemeClr val="accent1">
+              <a:shade val="50000"/>
+            </a:schemeClr>
+          </a:lnRef>
+          <a:fillRef idx="1">
+            <a:schemeClr val="accent1"/>
+          </a:fillRef>
+          <a:effectRef idx="0">
+            <a:schemeClr val="accent1"/>
+          </a:effectRef>
+          <a:fontRef idx="minor">
+            <a:schemeClr val="lt1"/>
+          </a:fontRef>
+        </p:style>
+        <p:txBody>
+          <a:bodyPr rtlCol="0" anchor="ctr"/>
+          <a:lstStyle/>
+          <a:p>
+            <a:pPr algn="ctr"/>
+            <a:endParaRPr lang="en-US"/>
+          </a:p>
+        </p:txBody>
+      </p:sp>
+      <p:sp>
+        <p:nvSpPr>
+          <p:cNvPr id="56" name="Rectangle 55">
+            <a:extLst>
+              <a:ext uri="{FF2B5EF4-FFF2-40B4-BE49-F238E27FC236}">
+                <a16:creationId xmlns:a16="http://schemas.microsoft.com/office/drawing/2014/main" id="{33D304B3-29B7-4691-84EF-39609824ABD9}"/>
+              </a:ext>
+            </a:extLst>
+          </p:cNvPr>
+          <p:cNvSpPr/>
+          <p:nvPr/>
+        </p:nvSpPr>
+        <p:spPr>
+          <a:xfrm>
+            <a:off x="-2371410" y="611388"/>
+            <a:ext cx="4572000" cy="2177143"/>
+          </a:xfrm>
+          <a:prstGeom prst="rect">
+            <a:avLst/>
+          </a:prstGeom>
+          <a:noFill/>
+          <a:ln w="50800">
+            <a:solidFill>
+              <a:schemeClr val="tx1"/>
+            </a:solidFill>
+            <a:prstDash val="dash"/>
+          </a:ln>
+        </p:spPr>
+        <p:style>
+          <a:lnRef idx="2">
+            <a:schemeClr val="accent1">
+              <a:shade val="50000"/>
+            </a:schemeClr>
+          </a:lnRef>
+          <a:fillRef idx="1">
+            <a:schemeClr val="accent1"/>
+          </a:fillRef>
+          <a:effectRef idx="0">
+            <a:schemeClr val="accent1"/>
+          </a:effectRef>
+          <a:fontRef idx="minor">
+            <a:schemeClr val="lt1"/>
+          </a:fontRef>
+        </p:style>
+        <p:txBody>
+          <a:bodyPr rtlCol="0" anchor="ctr"/>
+          <a:lstStyle/>
+          <a:p>
+            <a:pPr algn="ctr"/>
+            <a:endParaRPr lang="en-US"/>
+          </a:p>
+        </p:txBody>
+      </p:sp>
+      <p:sp>
+        <p:nvSpPr>
+          <p:cNvPr id="57" name="Rectangle 56">
+            <a:extLst>
+              <a:ext uri="{FF2B5EF4-FFF2-40B4-BE49-F238E27FC236}">
+                <a16:creationId xmlns:a16="http://schemas.microsoft.com/office/drawing/2014/main" id="{00174CC6-5A78-446C-81E2-0C49BB1767FF}"/>
+              </a:ext>
+            </a:extLst>
+          </p:cNvPr>
+          <p:cNvSpPr/>
+          <p:nvPr/>
+        </p:nvSpPr>
+        <p:spPr>
+          <a:xfrm>
+            <a:off x="-2406579" y="2766090"/>
+            <a:ext cx="4572000" cy="2177143"/>
+          </a:xfrm>
+          <a:prstGeom prst="rect">
+            <a:avLst/>
+          </a:prstGeom>
+          <a:noFill/>
+          <a:ln w="50800">
+            <a:solidFill>
+              <a:schemeClr val="tx1"/>
+            </a:solidFill>
+            <a:prstDash val="dash"/>
+          </a:ln>
+        </p:spPr>
+        <p:style>
+          <a:lnRef idx="2">
+            <a:schemeClr val="accent1">
+              <a:shade val="50000"/>
+            </a:schemeClr>
+          </a:lnRef>
+          <a:fillRef idx="1">
+            <a:schemeClr val="accent1"/>
+          </a:fillRef>
+          <a:effectRef idx="0">
+            <a:schemeClr val="accent1"/>
+          </a:effectRef>
+          <a:fontRef idx="minor">
+            <a:schemeClr val="lt1"/>
+          </a:fontRef>
+        </p:style>
+        <p:txBody>
+          <a:bodyPr rtlCol="0" anchor="ctr"/>
+          <a:lstStyle/>
+          <a:p>
+            <a:pPr algn="ctr"/>
+            <a:endParaRPr lang="en-US"/>
+          </a:p>
+        </p:txBody>
+      </p:sp>
+      <p:sp>
+        <p:nvSpPr>
+          <p:cNvPr id="59" name="Oval 58">
+            <a:extLst>
+              <a:ext uri="{FF2B5EF4-FFF2-40B4-BE49-F238E27FC236}">
+                <a16:creationId xmlns:a16="http://schemas.microsoft.com/office/drawing/2014/main" id="{671A32D7-3268-42DD-939C-461D59558B90}"/>
+              </a:ext>
+            </a:extLst>
+          </p:cNvPr>
+          <p:cNvSpPr/>
+          <p:nvPr/>
+        </p:nvSpPr>
+        <p:spPr>
+          <a:xfrm>
+            <a:off x="9189668" y="434319"/>
+            <a:ext cx="319314" cy="319314"/>
+          </a:xfrm>
+          <a:prstGeom prst="ellipse">
+            <a:avLst/>
+          </a:prstGeom>
+          <a:solidFill>
+            <a:schemeClr val="tx1"/>
+          </a:solidFill>
+          <a:ln>
+            <a:noFill/>
+          </a:ln>
+        </p:spPr>
+        <p:style>
+          <a:lnRef idx="2">
+            <a:schemeClr val="accent1">
+              <a:shade val="50000"/>
+            </a:schemeClr>
+          </a:lnRef>
+          <a:fillRef idx="1">
+            <a:schemeClr val="accent1"/>
+          </a:fillRef>
+          <a:effectRef idx="0">
+            <a:schemeClr val="accent1"/>
+          </a:effectRef>
+          <a:fontRef idx="minor">
+            <a:schemeClr val="lt1"/>
+          </a:fontRef>
+        </p:style>
+        <p:txBody>
+          <a:bodyPr rtlCol="0" anchor="ctr"/>
+          <a:lstStyle/>
+          <a:p>
+            <a:pPr algn="ctr"/>
+            <a:endParaRPr lang="en-US"/>
+          </a:p>
+        </p:txBody>
+      </p:sp>
+      <p:cxnSp>
+        <p:nvCxnSpPr>
+          <p:cNvPr id="68" name="Straight Arrow Connector 67">
+            <a:extLst>
+              <a:ext uri="{FF2B5EF4-FFF2-40B4-BE49-F238E27FC236}">
+                <a16:creationId xmlns:a16="http://schemas.microsoft.com/office/drawing/2014/main" id="{FEB041C3-B20B-49A1-BA63-06F74803E55F}"/>
+              </a:ext>
+            </a:extLst>
+          </p:cNvPr>
+          <p:cNvCxnSpPr>
+            <a:cxnSpLocks/>
+            <a:stCxn id="8" idx="2"/>
+            <a:endCxn id="40" idx="5"/>
+          </p:cNvCxnSpPr>
+          <p:nvPr/>
+        </p:nvCxnSpPr>
+        <p:spPr>
+          <a:xfrm flipH="1" flipV="1">
+            <a:off x="-136651" y="742038"/>
+            <a:ext cx="4382080" cy="4236362"/>
+          </a:xfrm>
+          <a:prstGeom prst="straightConnector1">
+            <a:avLst/>
+          </a:prstGeom>
+          <a:ln w="44450">
+            <a:solidFill>
+              <a:schemeClr val="tx1"/>
+            </a:solidFill>
+            <a:headEnd w="lg" len="lg"/>
+            <a:tailEnd type="stealth" w="lg" len="lg"/>
+          </a:ln>
+        </p:spPr>
+        <p:style>
+          <a:lnRef idx="1">
+            <a:schemeClr val="accent1"/>
+          </a:lnRef>
+          <a:fillRef idx="0">
+            <a:schemeClr val="accent1"/>
+          </a:fillRef>
+          <a:effectRef idx="0">
+            <a:schemeClr val="accent1"/>
+          </a:effectRef>
+          <a:fontRef idx="minor">
+            <a:schemeClr val="tx1"/>
+          </a:fontRef>
+        </p:style>
+      </p:cxnSp>
+      <p:cxnSp>
+        <p:nvCxnSpPr>
+          <p:cNvPr id="71" name="Straight Arrow Connector 70">
+            <a:extLst>
+              <a:ext uri="{FF2B5EF4-FFF2-40B4-BE49-F238E27FC236}">
+                <a16:creationId xmlns:a16="http://schemas.microsoft.com/office/drawing/2014/main" id="{37B3327A-AD72-4756-B556-28B0084B8D7A}"/>
+              </a:ext>
+            </a:extLst>
+          </p:cNvPr>
+          <p:cNvCxnSpPr>
+            <a:cxnSpLocks/>
+          </p:cNvCxnSpPr>
+          <p:nvPr/>
+        </p:nvCxnSpPr>
+        <p:spPr>
+          <a:xfrm flipV="1">
+            <a:off x="4517981" y="2801258"/>
+            <a:ext cx="2071505" cy="2064246"/>
+          </a:xfrm>
+          <a:prstGeom prst="straightConnector1">
+            <a:avLst/>
+          </a:prstGeom>
+          <a:ln w="63500">
+            <a:solidFill>
+              <a:schemeClr val="tx1"/>
+            </a:solidFill>
+            <a:headEnd w="lg" len="lg"/>
+            <a:tailEnd type="stealth" w="lg" len="lg"/>
+          </a:ln>
+        </p:spPr>
+        <p:style>
+          <a:lnRef idx="1">
+            <a:schemeClr val="accent1"/>
+          </a:lnRef>
+          <a:fillRef idx="0">
+            <a:schemeClr val="accent1"/>
+          </a:fillRef>
+          <a:effectRef idx="0">
+            <a:schemeClr val="accent1"/>
+          </a:effectRef>
+          <a:fontRef idx="minor">
+            <a:schemeClr val="tx1"/>
+          </a:fontRef>
+        </p:style>
+      </p:cxnSp>
+      <p:cxnSp>
+        <p:nvCxnSpPr>
+          <p:cNvPr id="72" name="Straight Arrow Connector 71">
+            <a:extLst>
+              <a:ext uri="{FF2B5EF4-FFF2-40B4-BE49-F238E27FC236}">
+                <a16:creationId xmlns:a16="http://schemas.microsoft.com/office/drawing/2014/main" id="{3A24B6A0-62A5-4BB7-94EF-5C160EB69BB5}"/>
+              </a:ext>
+            </a:extLst>
+          </p:cNvPr>
+          <p:cNvCxnSpPr>
+            <a:cxnSpLocks/>
+          </p:cNvCxnSpPr>
+          <p:nvPr/>
+        </p:nvCxnSpPr>
+        <p:spPr>
+          <a:xfrm flipV="1">
+            <a:off x="4483305" y="706870"/>
+            <a:ext cx="4753125" cy="4227988"/>
+          </a:xfrm>
+          <a:prstGeom prst="straightConnector1">
+            <a:avLst/>
+          </a:prstGeom>
+          <a:ln w="63500">
+            <a:solidFill>
+              <a:schemeClr val="tx1"/>
+            </a:solidFill>
+            <a:headEnd w="lg" len="lg"/>
+            <a:tailEnd type="stealth" w="lg" len="lg"/>
+          </a:ln>
+        </p:spPr>
+        <p:style>
+          <a:lnRef idx="1">
+            <a:schemeClr val="accent1"/>
+          </a:lnRef>
+          <a:fillRef idx="0">
+            <a:schemeClr val="accent1"/>
+          </a:fillRef>
+          <a:effectRef idx="0">
+            <a:schemeClr val="accent1"/>
+          </a:effectRef>
+          <a:fontRef idx="minor">
+            <a:schemeClr val="tx1"/>
+          </a:fontRef>
+        </p:style>
+      </p:cxnSp>
+      <p:cxnSp>
+        <p:nvCxnSpPr>
+          <p:cNvPr id="73" name="Straight Arrow Connector 72">
+            <a:extLst>
+              <a:ext uri="{FF2B5EF4-FFF2-40B4-BE49-F238E27FC236}">
+                <a16:creationId xmlns:a16="http://schemas.microsoft.com/office/drawing/2014/main" id="{D7615606-B18D-4D3E-94DF-2979A4CDE0EA}"/>
+              </a:ext>
+            </a:extLst>
+          </p:cNvPr>
+          <p:cNvCxnSpPr>
+            <a:cxnSpLocks/>
+          </p:cNvCxnSpPr>
+          <p:nvPr/>
+        </p:nvCxnSpPr>
+        <p:spPr>
+          <a:xfrm flipV="1">
+            <a:off x="4564743" y="2934116"/>
+            <a:ext cx="4505572" cy="2044283"/>
+          </a:xfrm>
+          <a:prstGeom prst="straightConnector1">
+            <a:avLst/>
+          </a:prstGeom>
+          <a:ln w="63500">
+            <a:solidFill>
+              <a:schemeClr val="tx1"/>
+            </a:solidFill>
+            <a:headEnd w="lg" len="lg"/>
+            <a:tailEnd type="stealth" w="lg" len="lg"/>
+          </a:ln>
+        </p:spPr>
+        <p:style>
+          <a:lnRef idx="1">
+            <a:schemeClr val="accent1"/>
+          </a:lnRef>
+          <a:fillRef idx="0">
+            <a:schemeClr val="accent1"/>
+          </a:fillRef>
+          <a:effectRef idx="0">
+            <a:schemeClr val="accent1"/>
+          </a:effectRef>
+          <a:fontRef idx="minor">
+            <a:schemeClr val="tx1"/>
+          </a:fontRef>
+        </p:style>
+      </p:cxnSp>
+      <p:cxnSp>
+        <p:nvCxnSpPr>
+          <p:cNvPr id="74" name="Straight Arrow Connector 73">
+            <a:extLst>
+              <a:ext uri="{FF2B5EF4-FFF2-40B4-BE49-F238E27FC236}">
+                <a16:creationId xmlns:a16="http://schemas.microsoft.com/office/drawing/2014/main" id="{13978BDD-EBB8-469A-95CD-702F8E6BC59C}"/>
+              </a:ext>
+            </a:extLst>
+          </p:cNvPr>
+          <p:cNvCxnSpPr>
+            <a:cxnSpLocks/>
+          </p:cNvCxnSpPr>
+          <p:nvPr/>
+        </p:nvCxnSpPr>
+        <p:spPr>
+          <a:xfrm flipH="1" flipV="1">
+            <a:off x="-136651" y="742037"/>
+            <a:ext cx="4382080" cy="4236362"/>
+          </a:xfrm>
+          <a:prstGeom prst="straightConnector1">
+            <a:avLst/>
+          </a:prstGeom>
+          <a:ln w="63500">
+            <a:solidFill>
+              <a:schemeClr val="tx1"/>
+            </a:solidFill>
+            <a:headEnd w="lg" len="lg"/>
+            <a:tailEnd type="stealth" w="lg" len="lg"/>
+          </a:ln>
+        </p:spPr>
+        <p:style>
+          <a:lnRef idx="1">
+            <a:schemeClr val="accent1"/>
+          </a:lnRef>
+          <a:fillRef idx="0">
+            <a:schemeClr val="accent1"/>
+          </a:fillRef>
+          <a:effectRef idx="0">
+            <a:schemeClr val="accent1"/>
+          </a:effectRef>
+          <a:fontRef idx="minor">
+            <a:schemeClr val="tx1"/>
+          </a:fontRef>
+        </p:style>
+      </p:cxnSp>
+      <p:cxnSp>
+        <p:nvCxnSpPr>
+          <p:cNvPr id="32" name="Straight Arrow Connector 31">
+            <a:extLst>
+              <a:ext uri="{FF2B5EF4-FFF2-40B4-BE49-F238E27FC236}">
+                <a16:creationId xmlns:a16="http://schemas.microsoft.com/office/drawing/2014/main" id="{E602C618-44E6-4A94-812B-64357D37DF17}"/>
+              </a:ext>
+            </a:extLst>
+          </p:cNvPr>
+          <p:cNvCxnSpPr>
+            <a:cxnSpLocks/>
+            <a:stCxn id="8" idx="2"/>
+          </p:cNvCxnSpPr>
+          <p:nvPr/>
+        </p:nvCxnSpPr>
+        <p:spPr>
+          <a:xfrm flipH="1" flipV="1">
+            <a:off x="-162553" y="2922416"/>
+            <a:ext cx="4407982" cy="2055984"/>
+          </a:xfrm>
+          <a:prstGeom prst="straightConnector1">
+            <a:avLst/>
+          </a:prstGeom>
+          <a:ln w="63500">
+            <a:solidFill>
+              <a:schemeClr val="tx1"/>
+            </a:solidFill>
+            <a:headEnd w="lg" len="lg"/>
+            <a:tailEnd type="stealth" w="lg" len="lg"/>
+          </a:ln>
+        </p:spPr>
+        <p:style>
+          <a:lnRef idx="1">
+            <a:schemeClr val="accent1"/>
+          </a:lnRef>
+          <a:fillRef idx="0">
+            <a:schemeClr val="accent1"/>
+          </a:fillRef>
+          <a:effectRef idx="0">
+            <a:schemeClr val="accent1"/>
+          </a:effectRef>
+          <a:fontRef idx="minor">
+            <a:schemeClr val="tx1"/>
+          </a:fontRef>
+        </p:style>
+      </p:cxnSp>
+      <p:cxnSp>
+        <p:nvCxnSpPr>
+          <p:cNvPr id="36" name="Straight Arrow Connector 35">
+            <a:extLst>
+              <a:ext uri="{FF2B5EF4-FFF2-40B4-BE49-F238E27FC236}">
+                <a16:creationId xmlns:a16="http://schemas.microsoft.com/office/drawing/2014/main" id="{BAED6C8A-3014-4E94-8D16-765423B3EB0E}"/>
+              </a:ext>
+            </a:extLst>
+          </p:cNvPr>
+          <p:cNvCxnSpPr>
+            <a:cxnSpLocks/>
+            <a:stCxn id="8" idx="0"/>
+            <a:endCxn id="15" idx="4"/>
+          </p:cNvCxnSpPr>
+          <p:nvPr/>
+        </p:nvCxnSpPr>
+        <p:spPr>
+          <a:xfrm flipV="1">
+            <a:off x="4405086" y="765352"/>
+            <a:ext cx="11724" cy="4053391"/>
+          </a:xfrm>
+          <a:prstGeom prst="straightConnector1">
+            <a:avLst/>
+          </a:prstGeom>
+          <a:ln w="63500">
+            <a:solidFill>
+              <a:schemeClr val="tx1"/>
+            </a:solidFill>
+            <a:headEnd w="lg" len="lg"/>
+            <a:tailEnd type="stealth" w="lg" len="lg"/>
+          </a:ln>
+        </p:spPr>
+        <p:style>
+          <a:lnRef idx="1">
+            <a:schemeClr val="accent1"/>
+          </a:lnRef>
+          <a:fillRef idx="0">
+            <a:schemeClr val="accent1"/>
+          </a:fillRef>
+          <a:effectRef idx="0">
+            <a:schemeClr val="accent1"/>
+          </a:effectRef>
+          <a:fontRef idx="minor">
+            <a:schemeClr val="tx1"/>
+          </a:fontRef>
+        </p:style>
+      </p:cxnSp>
+    </p:spTree>
+    <p:extLst>
+      <p:ext uri="{BB962C8B-B14F-4D97-AF65-F5344CB8AC3E}">
+        <p14:creationId xmlns:p14="http://schemas.microsoft.com/office/powerpoint/2010/main" val="567954840"/>
       </p:ext>
     </p:extLst>
   </p:cSld>

--- a/volunteer/Drawings.pptx
+++ b/volunteer/Drawings.pptx
@@ -14,6 +14,7 @@
     <p:sldId id="262" r:id="rId8"/>
     <p:sldId id="263" r:id="rId9"/>
     <p:sldId id="264" r:id="rId10"/>
+    <p:sldId id="265" r:id="rId11"/>
   </p:sldIdLst>
   <p:sldSz cx="12192000" cy="6858000"/>
   <p:notesSz cx="6858000" cy="9144000"/>
@@ -267,7 +268,7 @@
           <a:p>
             <a:fld id="{F0249701-11FC-451D-B9AC-2A68C1C5D58E}" type="datetimeFigureOut">
               <a:rPr lang="en-US" smtClean="0"/>
-              <a:t>6/14/2024</a:t>
+              <a:t>6/15/2024</a:t>
             </a:fld>
             <a:endParaRPr lang="en-US"/>
           </a:p>
@@ -465,7 +466,7 @@
           <a:p>
             <a:fld id="{F0249701-11FC-451D-B9AC-2A68C1C5D58E}" type="datetimeFigureOut">
               <a:rPr lang="en-US" smtClean="0"/>
-              <a:t>6/14/2024</a:t>
+              <a:t>6/15/2024</a:t>
             </a:fld>
             <a:endParaRPr lang="en-US"/>
           </a:p>
@@ -673,7 +674,7 @@
           <a:p>
             <a:fld id="{F0249701-11FC-451D-B9AC-2A68C1C5D58E}" type="datetimeFigureOut">
               <a:rPr lang="en-US" smtClean="0"/>
-              <a:t>6/14/2024</a:t>
+              <a:t>6/15/2024</a:t>
             </a:fld>
             <a:endParaRPr lang="en-US"/>
           </a:p>
@@ -871,7 +872,7 @@
           <a:p>
             <a:fld id="{F0249701-11FC-451D-B9AC-2A68C1C5D58E}" type="datetimeFigureOut">
               <a:rPr lang="en-US" smtClean="0"/>
-              <a:t>6/14/2024</a:t>
+              <a:t>6/15/2024</a:t>
             </a:fld>
             <a:endParaRPr lang="en-US"/>
           </a:p>
@@ -1146,7 +1147,7 @@
           <a:p>
             <a:fld id="{F0249701-11FC-451D-B9AC-2A68C1C5D58E}" type="datetimeFigureOut">
               <a:rPr lang="en-US" smtClean="0"/>
-              <a:t>6/14/2024</a:t>
+              <a:t>6/15/2024</a:t>
             </a:fld>
             <a:endParaRPr lang="en-US"/>
           </a:p>
@@ -1411,7 +1412,7 @@
           <a:p>
             <a:fld id="{F0249701-11FC-451D-B9AC-2A68C1C5D58E}" type="datetimeFigureOut">
               <a:rPr lang="en-US" smtClean="0"/>
-              <a:t>6/14/2024</a:t>
+              <a:t>6/15/2024</a:t>
             </a:fld>
             <a:endParaRPr lang="en-US"/>
           </a:p>
@@ -1823,7 +1824,7 @@
           <a:p>
             <a:fld id="{F0249701-11FC-451D-B9AC-2A68C1C5D58E}" type="datetimeFigureOut">
               <a:rPr lang="en-US" smtClean="0"/>
-              <a:t>6/14/2024</a:t>
+              <a:t>6/15/2024</a:t>
             </a:fld>
             <a:endParaRPr lang="en-US"/>
           </a:p>
@@ -1964,7 +1965,7 @@
           <a:p>
             <a:fld id="{F0249701-11FC-451D-B9AC-2A68C1C5D58E}" type="datetimeFigureOut">
               <a:rPr lang="en-US" smtClean="0"/>
-              <a:t>6/14/2024</a:t>
+              <a:t>6/15/2024</a:t>
             </a:fld>
             <a:endParaRPr lang="en-US"/>
           </a:p>
@@ -2077,7 +2078,7 @@
           <a:p>
             <a:fld id="{F0249701-11FC-451D-B9AC-2A68C1C5D58E}" type="datetimeFigureOut">
               <a:rPr lang="en-US" smtClean="0"/>
-              <a:t>6/14/2024</a:t>
+              <a:t>6/15/2024</a:t>
             </a:fld>
             <a:endParaRPr lang="en-US"/>
           </a:p>
@@ -2388,7 +2389,7 @@
           <a:p>
             <a:fld id="{F0249701-11FC-451D-B9AC-2A68C1C5D58E}" type="datetimeFigureOut">
               <a:rPr lang="en-US" smtClean="0"/>
-              <a:t>6/14/2024</a:t>
+              <a:t>6/15/2024</a:t>
             </a:fld>
             <a:endParaRPr lang="en-US"/>
           </a:p>
@@ -2676,7 +2677,7 @@
           <a:p>
             <a:fld id="{F0249701-11FC-451D-B9AC-2A68C1C5D58E}" type="datetimeFigureOut">
               <a:rPr lang="en-US" smtClean="0"/>
-              <a:t>6/14/2024</a:t>
+              <a:t>6/15/2024</a:t>
             </a:fld>
             <a:endParaRPr lang="en-US"/>
           </a:p>
@@ -2917,7 +2918,7 @@
           <a:p>
             <a:fld id="{F0249701-11FC-451D-B9AC-2A68C1C5D58E}" type="datetimeFigureOut">
               <a:rPr lang="en-US" smtClean="0"/>
-              <a:t>6/14/2024</a:t>
+              <a:t>6/15/2024</a:t>
             </a:fld>
             <a:endParaRPr lang="en-US"/>
           </a:p>
@@ -3388,6 +3389,1940 @@
     <p:extLst>
       <p:ext uri="{BB962C8B-B14F-4D97-AF65-F5344CB8AC3E}">
         <p14:creationId xmlns:p14="http://schemas.microsoft.com/office/powerpoint/2010/main" val="2229426285"/>
+      </p:ext>
+    </p:extLst>
+  </p:cSld>
+  <p:clrMapOvr>
+    <a:masterClrMapping/>
+  </p:clrMapOvr>
+</p:sld>
+</file>
+
+<file path=ppt/slides/slide10.xml><?xml version="1.0" encoding="utf-8"?>
+<p:sld xmlns:a="http://schemas.openxmlformats.org/drawingml/2006/main" xmlns:r="http://schemas.openxmlformats.org/officeDocument/2006/relationships" xmlns:p="http://schemas.openxmlformats.org/presentationml/2006/main">
+  <p:cSld>
+    <p:spTree>
+      <p:nvGrpSpPr>
+        <p:cNvPr id="1" name=""/>
+        <p:cNvGrpSpPr/>
+        <p:nvPr/>
+      </p:nvGrpSpPr>
+      <p:grpSpPr>
+        <a:xfrm>
+          <a:off x="0" y="0"/>
+          <a:ext cx="0" cy="0"/>
+          <a:chOff x="0" y="0"/>
+          <a:chExt cx="0" cy="0"/>
+        </a:xfrm>
+      </p:grpSpPr>
+      <p:sp>
+        <p:nvSpPr>
+          <p:cNvPr id="45" name="Rectangle 44">
+            <a:extLst>
+              <a:ext uri="{FF2B5EF4-FFF2-40B4-BE49-F238E27FC236}">
+                <a16:creationId xmlns:a16="http://schemas.microsoft.com/office/drawing/2014/main" id="{17DEC270-B359-42C4-9AA5-1775D9C8798D}"/>
+              </a:ext>
+            </a:extLst>
+          </p:cNvPr>
+          <p:cNvSpPr/>
+          <p:nvPr/>
+        </p:nvSpPr>
+        <p:spPr>
+          <a:xfrm rot="9162768">
+            <a:off x="7576628" y="3904162"/>
+            <a:ext cx="80097" cy="90933"/>
+          </a:xfrm>
+          <a:prstGeom prst="rect">
+            <a:avLst/>
+          </a:prstGeom>
+          <a:noFill/>
+          <a:ln w="15875">
+            <a:solidFill>
+              <a:schemeClr val="tx1"/>
+            </a:solidFill>
+          </a:ln>
+        </p:spPr>
+        <p:style>
+          <a:lnRef idx="2">
+            <a:schemeClr val="accent1">
+              <a:shade val="50000"/>
+            </a:schemeClr>
+          </a:lnRef>
+          <a:fillRef idx="1">
+            <a:schemeClr val="accent1"/>
+          </a:fillRef>
+          <a:effectRef idx="0">
+            <a:schemeClr val="accent1"/>
+          </a:effectRef>
+          <a:fontRef idx="minor">
+            <a:schemeClr val="lt1"/>
+          </a:fontRef>
+        </p:style>
+        <p:txBody>
+          <a:bodyPr rtlCol="0" anchor="ctr"/>
+          <a:lstStyle/>
+          <a:p>
+            <a:pPr algn="ctr"/>
+            <a:endParaRPr lang="en-US"/>
+          </a:p>
+        </p:txBody>
+      </p:sp>
+      <p:sp>
+        <p:nvSpPr>
+          <p:cNvPr id="2" name="Oval 1">
+            <a:extLst>
+              <a:ext uri="{FF2B5EF4-FFF2-40B4-BE49-F238E27FC236}">
+                <a16:creationId xmlns:a16="http://schemas.microsoft.com/office/drawing/2014/main" id="{F1BA3C44-3B61-4178-8868-673CB7A79C64}"/>
+              </a:ext>
+            </a:extLst>
+          </p:cNvPr>
+          <p:cNvSpPr/>
+          <p:nvPr/>
+        </p:nvSpPr>
+        <p:spPr>
+          <a:xfrm>
+            <a:off x="5296783" y="2444521"/>
+            <a:ext cx="3585030" cy="3388807"/>
+          </a:xfrm>
+          <a:prstGeom prst="ellipse">
+            <a:avLst/>
+          </a:prstGeom>
+          <a:noFill/>
+          <a:ln w="28575">
+            <a:solidFill>
+              <a:schemeClr val="tx1"/>
+            </a:solidFill>
+            <a:prstDash val="solid"/>
+            <a:extLst>
+              <a:ext uri="{C807C97D-BFC1-408E-A445-0C87EB9F89A2}">
+                <ask:lineSketchStyleProps xmlns:ask="http://schemas.microsoft.com/office/drawing/2018/sketchyshapes" sd="849061371">
+                  <a:custGeom>
+                    <a:avLst/>
+                    <a:gdLst>
+                      <a:gd name="connsiteX0" fmla="*/ 0 w 3585030"/>
+                      <a:gd name="connsiteY0" fmla="*/ 1694404 h 3388807"/>
+                      <a:gd name="connsiteX1" fmla="*/ 1792515 w 3585030"/>
+                      <a:gd name="connsiteY1" fmla="*/ 0 h 3388807"/>
+                      <a:gd name="connsiteX2" fmla="*/ 3585030 w 3585030"/>
+                      <a:gd name="connsiteY2" fmla="*/ 1694404 h 3388807"/>
+                      <a:gd name="connsiteX3" fmla="*/ 1792515 w 3585030"/>
+                      <a:gd name="connsiteY3" fmla="*/ 3388808 h 3388807"/>
+                      <a:gd name="connsiteX4" fmla="*/ 0 w 3585030"/>
+                      <a:gd name="connsiteY4" fmla="*/ 1694404 h 3388807"/>
+                    </a:gdLst>
+                    <a:ahLst/>
+                    <a:cxnLst>
+                      <a:cxn ang="0">
+                        <a:pos x="connsiteX0" y="connsiteY0"/>
+                      </a:cxn>
+                      <a:cxn ang="0">
+                        <a:pos x="connsiteX1" y="connsiteY1"/>
+                      </a:cxn>
+                      <a:cxn ang="0">
+                        <a:pos x="connsiteX2" y="connsiteY2"/>
+                      </a:cxn>
+                      <a:cxn ang="0">
+                        <a:pos x="connsiteX3" y="connsiteY3"/>
+                      </a:cxn>
+                      <a:cxn ang="0">
+                        <a:pos x="connsiteX4" y="connsiteY4"/>
+                      </a:cxn>
+                    </a:cxnLst>
+                    <a:rect l="l" t="t" r="r" b="b"/>
+                    <a:pathLst>
+                      <a:path w="3585030" h="3388807" extrusionOk="0">
+                        <a:moveTo>
+                          <a:pt x="0" y="1694404"/>
+                        </a:moveTo>
+                        <a:cubicBezTo>
+                          <a:pt x="-68063" y="624350"/>
+                          <a:pt x="874039" y="182532"/>
+                          <a:pt x="1792515" y="0"/>
+                        </a:cubicBezTo>
+                        <a:cubicBezTo>
+                          <a:pt x="2748785" y="-130006"/>
+                          <a:pt x="3502096" y="714073"/>
+                          <a:pt x="3585030" y="1694404"/>
+                        </a:cubicBezTo>
+                        <a:cubicBezTo>
+                          <a:pt x="3611624" y="2587939"/>
+                          <a:pt x="2766733" y="3215801"/>
+                          <a:pt x="1792515" y="3388808"/>
+                        </a:cubicBezTo>
+                        <a:cubicBezTo>
+                          <a:pt x="677699" y="3258506"/>
+                          <a:pt x="122954" y="2498957"/>
+                          <a:pt x="0" y="1694404"/>
+                        </a:cubicBezTo>
+                        <a:close/>
+                      </a:path>
+                    </a:pathLst>
+                  </a:custGeom>
+                  <ask:type>
+                    <ask:lineSketchNone/>
+                  </ask:type>
+                </ask:lineSketchStyleProps>
+              </a:ext>
+            </a:extLst>
+          </a:ln>
+        </p:spPr>
+        <p:style>
+          <a:lnRef idx="2">
+            <a:schemeClr val="accent1">
+              <a:shade val="50000"/>
+            </a:schemeClr>
+          </a:lnRef>
+          <a:fillRef idx="1">
+            <a:schemeClr val="accent1"/>
+          </a:fillRef>
+          <a:effectRef idx="0">
+            <a:schemeClr val="accent1"/>
+          </a:effectRef>
+          <a:fontRef idx="minor">
+            <a:schemeClr val="lt1"/>
+          </a:fontRef>
+        </p:style>
+        <p:txBody>
+          <a:bodyPr rtlCol="0" anchor="ctr"/>
+          <a:lstStyle/>
+          <a:p>
+            <a:pPr algn="ctr"/>
+            <a:endParaRPr lang="en-US"/>
+          </a:p>
+        </p:txBody>
+      </p:sp>
+      <p:sp>
+        <p:nvSpPr>
+          <p:cNvPr id="3" name="Oval 2">
+            <a:extLst>
+              <a:ext uri="{FF2B5EF4-FFF2-40B4-BE49-F238E27FC236}">
+                <a16:creationId xmlns:a16="http://schemas.microsoft.com/office/drawing/2014/main" id="{05C707A7-1043-4984-A007-6E49162E4272}"/>
+              </a:ext>
+            </a:extLst>
+          </p:cNvPr>
+          <p:cNvSpPr/>
+          <p:nvPr/>
+        </p:nvSpPr>
+        <p:spPr>
+          <a:xfrm>
+            <a:off x="6313920" y="3206375"/>
+            <a:ext cx="1839687" cy="1738994"/>
+          </a:xfrm>
+          <a:prstGeom prst="ellipse">
+            <a:avLst/>
+          </a:prstGeom>
+          <a:noFill/>
+          <a:ln w="28575">
+            <a:solidFill>
+              <a:schemeClr val="tx1"/>
+            </a:solidFill>
+            <a:prstDash val="solid"/>
+            <a:extLst>
+              <a:ext uri="{C807C97D-BFC1-408E-A445-0C87EB9F89A2}">
+                <ask:lineSketchStyleProps xmlns:ask="http://schemas.microsoft.com/office/drawing/2018/sketchyshapes" sd="4172447036">
+                  <a:custGeom>
+                    <a:avLst/>
+                    <a:gdLst>
+                      <a:gd name="connsiteX0" fmla="*/ 0 w 1839687"/>
+                      <a:gd name="connsiteY0" fmla="*/ 869497 h 1738994"/>
+                      <a:gd name="connsiteX1" fmla="*/ 919844 w 1839687"/>
+                      <a:gd name="connsiteY1" fmla="*/ 0 h 1738994"/>
+                      <a:gd name="connsiteX2" fmla="*/ 1839688 w 1839687"/>
+                      <a:gd name="connsiteY2" fmla="*/ 869497 h 1738994"/>
+                      <a:gd name="connsiteX3" fmla="*/ 919844 w 1839687"/>
+                      <a:gd name="connsiteY3" fmla="*/ 1738994 h 1738994"/>
+                      <a:gd name="connsiteX4" fmla="*/ 0 w 1839687"/>
+                      <a:gd name="connsiteY4" fmla="*/ 869497 h 1738994"/>
+                    </a:gdLst>
+                    <a:ahLst/>
+                    <a:cxnLst>
+                      <a:cxn ang="0">
+                        <a:pos x="connsiteX0" y="connsiteY0"/>
+                      </a:cxn>
+                      <a:cxn ang="0">
+                        <a:pos x="connsiteX1" y="connsiteY1"/>
+                      </a:cxn>
+                      <a:cxn ang="0">
+                        <a:pos x="connsiteX2" y="connsiteY2"/>
+                      </a:cxn>
+                      <a:cxn ang="0">
+                        <a:pos x="connsiteX3" y="connsiteY3"/>
+                      </a:cxn>
+                      <a:cxn ang="0">
+                        <a:pos x="connsiteX4" y="connsiteY4"/>
+                      </a:cxn>
+                    </a:cxnLst>
+                    <a:rect l="l" t="t" r="r" b="b"/>
+                    <a:pathLst>
+                      <a:path w="1839687" h="1738994" extrusionOk="0">
+                        <a:moveTo>
+                          <a:pt x="0" y="869497"/>
+                        </a:moveTo>
+                        <a:cubicBezTo>
+                          <a:pt x="-8602" y="372553"/>
+                          <a:pt x="370886" y="43826"/>
+                          <a:pt x="919844" y="0"/>
+                        </a:cubicBezTo>
+                        <a:cubicBezTo>
+                          <a:pt x="1482617" y="32966"/>
+                          <a:pt x="1825013" y="361436"/>
+                          <a:pt x="1839688" y="869497"/>
+                        </a:cubicBezTo>
+                        <a:cubicBezTo>
+                          <a:pt x="1816452" y="1344825"/>
+                          <a:pt x="1438269" y="1655612"/>
+                          <a:pt x="919844" y="1738994"/>
+                        </a:cubicBezTo>
+                        <a:cubicBezTo>
+                          <a:pt x="380257" y="1695479"/>
+                          <a:pt x="32684" y="1304960"/>
+                          <a:pt x="0" y="869497"/>
+                        </a:cubicBezTo>
+                        <a:close/>
+                      </a:path>
+                    </a:pathLst>
+                  </a:custGeom>
+                  <ask:type>
+                    <ask:lineSketchNone/>
+                  </ask:type>
+                </ask:lineSketchStyleProps>
+              </a:ext>
+            </a:extLst>
+          </a:ln>
+        </p:spPr>
+        <p:style>
+          <a:lnRef idx="2">
+            <a:schemeClr val="accent1">
+              <a:shade val="50000"/>
+            </a:schemeClr>
+          </a:lnRef>
+          <a:fillRef idx="1">
+            <a:schemeClr val="accent1"/>
+          </a:fillRef>
+          <a:effectRef idx="0">
+            <a:schemeClr val="accent1"/>
+          </a:effectRef>
+          <a:fontRef idx="minor">
+            <a:schemeClr val="lt1"/>
+          </a:fontRef>
+        </p:style>
+        <p:txBody>
+          <a:bodyPr rtlCol="0" anchor="ctr"/>
+          <a:lstStyle/>
+          <a:p>
+            <a:pPr algn="ctr"/>
+            <a:endParaRPr lang="en-US"/>
+          </a:p>
+        </p:txBody>
+      </p:sp>
+      <p:sp>
+        <p:nvSpPr>
+          <p:cNvPr id="4" name="Oval 3">
+            <a:extLst>
+              <a:ext uri="{FF2B5EF4-FFF2-40B4-BE49-F238E27FC236}">
+                <a16:creationId xmlns:a16="http://schemas.microsoft.com/office/drawing/2014/main" id="{BE6C6D2D-5516-41EE-8D2A-9779E6E2D454}"/>
+              </a:ext>
+            </a:extLst>
+          </p:cNvPr>
+          <p:cNvSpPr/>
+          <p:nvPr/>
+        </p:nvSpPr>
+        <p:spPr>
+          <a:xfrm>
+            <a:off x="7098024" y="4076700"/>
+            <a:ext cx="112402" cy="116281"/>
+          </a:xfrm>
+          <a:prstGeom prst="ellipse">
+            <a:avLst/>
+          </a:prstGeom>
+          <a:solidFill>
+            <a:schemeClr val="tx1"/>
+          </a:solidFill>
+          <a:ln>
+            <a:noFill/>
+          </a:ln>
+        </p:spPr>
+        <p:style>
+          <a:lnRef idx="2">
+            <a:schemeClr val="accent1">
+              <a:shade val="50000"/>
+            </a:schemeClr>
+          </a:lnRef>
+          <a:fillRef idx="1">
+            <a:schemeClr val="accent1"/>
+          </a:fillRef>
+          <a:effectRef idx="0">
+            <a:schemeClr val="accent1"/>
+          </a:effectRef>
+          <a:fontRef idx="minor">
+            <a:schemeClr val="lt1"/>
+          </a:fontRef>
+        </p:style>
+        <p:txBody>
+          <a:bodyPr rtlCol="0" anchor="ctr"/>
+          <a:lstStyle/>
+          <a:p>
+            <a:pPr algn="ctr"/>
+            <a:endParaRPr lang="en-US"/>
+          </a:p>
+        </p:txBody>
+      </p:sp>
+      <p:cxnSp>
+        <p:nvCxnSpPr>
+          <p:cNvPr id="6" name="Straight Connector 5">
+            <a:extLst>
+              <a:ext uri="{FF2B5EF4-FFF2-40B4-BE49-F238E27FC236}">
+                <a16:creationId xmlns:a16="http://schemas.microsoft.com/office/drawing/2014/main" id="{4B16AEC1-508F-4F49-8631-1E11FC9F7CFF}"/>
+              </a:ext>
+            </a:extLst>
+          </p:cNvPr>
+          <p:cNvCxnSpPr>
+            <a:cxnSpLocks/>
+            <a:endCxn id="2" idx="5"/>
+          </p:cNvCxnSpPr>
+          <p:nvPr/>
+        </p:nvCxnSpPr>
+        <p:spPr>
+          <a:xfrm>
+            <a:off x="6921991" y="2444521"/>
+            <a:ext cx="1434807" cy="2892528"/>
+          </a:xfrm>
+          <a:prstGeom prst="line">
+            <a:avLst/>
+          </a:prstGeom>
+          <a:ln w="28575">
+            <a:solidFill>
+              <a:srgbClr val="00B050"/>
+            </a:solidFill>
+          </a:ln>
+        </p:spPr>
+        <p:style>
+          <a:lnRef idx="1">
+            <a:schemeClr val="accent1"/>
+          </a:lnRef>
+          <a:fillRef idx="0">
+            <a:schemeClr val="accent1"/>
+          </a:fillRef>
+          <a:effectRef idx="0">
+            <a:schemeClr val="accent1"/>
+          </a:effectRef>
+          <a:fontRef idx="minor">
+            <a:schemeClr val="tx1"/>
+          </a:fontRef>
+        </p:style>
+      </p:cxnSp>
+      <p:cxnSp>
+        <p:nvCxnSpPr>
+          <p:cNvPr id="8" name="Straight Connector 7">
+            <a:extLst>
+              <a:ext uri="{FF2B5EF4-FFF2-40B4-BE49-F238E27FC236}">
+                <a16:creationId xmlns:a16="http://schemas.microsoft.com/office/drawing/2014/main" id="{684063E3-1998-4F78-BBA6-5C5A5F39CBC7}"/>
+              </a:ext>
+            </a:extLst>
+          </p:cNvPr>
+          <p:cNvCxnSpPr>
+            <a:cxnSpLocks/>
+            <a:endCxn id="4" idx="1"/>
+          </p:cNvCxnSpPr>
+          <p:nvPr/>
+        </p:nvCxnSpPr>
+        <p:spPr>
+          <a:xfrm>
+            <a:off x="6907967" y="2466728"/>
+            <a:ext cx="206518" cy="1627001"/>
+          </a:xfrm>
+          <a:prstGeom prst="line">
+            <a:avLst/>
+          </a:prstGeom>
+          <a:ln w="22225">
+            <a:solidFill>
+              <a:srgbClr val="0070C0"/>
+            </a:solidFill>
+            <a:prstDash val="dash"/>
+          </a:ln>
+        </p:spPr>
+        <p:style>
+          <a:lnRef idx="1">
+            <a:schemeClr val="accent1"/>
+          </a:lnRef>
+          <a:fillRef idx="0">
+            <a:schemeClr val="accent1"/>
+          </a:fillRef>
+          <a:effectRef idx="0">
+            <a:schemeClr val="accent1"/>
+          </a:effectRef>
+          <a:fontRef idx="minor">
+            <a:schemeClr val="tx1"/>
+          </a:fontRef>
+        </p:style>
+      </p:cxnSp>
+      <p:cxnSp>
+        <p:nvCxnSpPr>
+          <p:cNvPr id="11" name="Straight Connector 10">
+            <a:extLst>
+              <a:ext uri="{FF2B5EF4-FFF2-40B4-BE49-F238E27FC236}">
+                <a16:creationId xmlns:a16="http://schemas.microsoft.com/office/drawing/2014/main" id="{A78DC7FF-4E86-4ED6-BB68-350B4BD13456}"/>
+              </a:ext>
+            </a:extLst>
+          </p:cNvPr>
+          <p:cNvCxnSpPr>
+            <a:cxnSpLocks/>
+            <a:stCxn id="4" idx="5"/>
+            <a:endCxn id="2" idx="5"/>
+          </p:cNvCxnSpPr>
+          <p:nvPr/>
+        </p:nvCxnSpPr>
+        <p:spPr>
+          <a:xfrm>
+            <a:off x="7193965" y="4175952"/>
+            <a:ext cx="1162833" cy="1161097"/>
+          </a:xfrm>
+          <a:prstGeom prst="line">
+            <a:avLst/>
+          </a:prstGeom>
+          <a:ln w="22225">
+            <a:solidFill>
+              <a:srgbClr val="0070C0"/>
+            </a:solidFill>
+            <a:prstDash val="dash"/>
+          </a:ln>
+        </p:spPr>
+        <p:style>
+          <a:lnRef idx="1">
+            <a:schemeClr val="accent1"/>
+          </a:lnRef>
+          <a:fillRef idx="0">
+            <a:schemeClr val="accent1"/>
+          </a:fillRef>
+          <a:effectRef idx="0">
+            <a:schemeClr val="accent1"/>
+          </a:effectRef>
+          <a:fontRef idx="minor">
+            <a:schemeClr val="tx1"/>
+          </a:fontRef>
+        </p:style>
+      </p:cxnSp>
+      <p:cxnSp>
+        <p:nvCxnSpPr>
+          <p:cNvPr id="18" name="Straight Connector 17">
+            <a:extLst>
+              <a:ext uri="{FF2B5EF4-FFF2-40B4-BE49-F238E27FC236}">
+                <a16:creationId xmlns:a16="http://schemas.microsoft.com/office/drawing/2014/main" id="{5DF6D174-E2D2-4094-8044-9273A3C1D84F}"/>
+              </a:ext>
+            </a:extLst>
+          </p:cNvPr>
+          <p:cNvCxnSpPr>
+            <a:cxnSpLocks/>
+            <a:stCxn id="4" idx="6"/>
+          </p:cNvCxnSpPr>
+          <p:nvPr/>
+        </p:nvCxnSpPr>
+        <p:spPr>
+          <a:xfrm>
+            <a:off x="7210426" y="4134841"/>
+            <a:ext cx="745791" cy="444126"/>
+          </a:xfrm>
+          <a:prstGeom prst="line">
+            <a:avLst/>
+          </a:prstGeom>
+          <a:ln w="19050">
+            <a:solidFill>
+              <a:srgbClr val="FF0000"/>
+            </a:solidFill>
+            <a:prstDash val="dash"/>
+          </a:ln>
+        </p:spPr>
+        <p:style>
+          <a:lnRef idx="1">
+            <a:schemeClr val="accent1"/>
+          </a:lnRef>
+          <a:fillRef idx="0">
+            <a:schemeClr val="accent1"/>
+          </a:fillRef>
+          <a:effectRef idx="0">
+            <a:schemeClr val="accent1"/>
+          </a:effectRef>
+          <a:fontRef idx="minor">
+            <a:schemeClr val="tx1"/>
+          </a:fontRef>
+        </p:style>
+      </p:cxnSp>
+      <p:cxnSp>
+        <p:nvCxnSpPr>
+          <p:cNvPr id="21" name="Straight Connector 20">
+            <a:extLst>
+              <a:ext uri="{FF2B5EF4-FFF2-40B4-BE49-F238E27FC236}">
+                <a16:creationId xmlns:a16="http://schemas.microsoft.com/office/drawing/2014/main" id="{044E7354-6755-4D81-A8A4-727658BE3B87}"/>
+              </a:ext>
+            </a:extLst>
+          </p:cNvPr>
+          <p:cNvCxnSpPr>
+            <a:cxnSpLocks/>
+            <a:stCxn id="4" idx="0"/>
+          </p:cNvCxnSpPr>
+          <p:nvPr/>
+        </p:nvCxnSpPr>
+        <p:spPr>
+          <a:xfrm flipV="1">
+            <a:off x="7154225" y="3228582"/>
+            <a:ext cx="134095" cy="848118"/>
+          </a:xfrm>
+          <a:prstGeom prst="line">
+            <a:avLst/>
+          </a:prstGeom>
+          <a:ln w="19050">
+            <a:solidFill>
+              <a:srgbClr val="FF0000"/>
+            </a:solidFill>
+            <a:prstDash val="dash"/>
+          </a:ln>
+        </p:spPr>
+        <p:style>
+          <a:lnRef idx="1">
+            <a:schemeClr val="accent1"/>
+          </a:lnRef>
+          <a:fillRef idx="0">
+            <a:schemeClr val="accent1"/>
+          </a:fillRef>
+          <a:effectRef idx="0">
+            <a:schemeClr val="accent1"/>
+          </a:effectRef>
+          <a:fontRef idx="minor">
+            <a:schemeClr val="tx1"/>
+          </a:fontRef>
+        </p:style>
+      </p:cxnSp>
+      <mc:AlternateContent xmlns:mc="http://schemas.openxmlformats.org/markup-compatibility/2006">
+        <mc:Choice xmlns:a14="http://schemas.microsoft.com/office/drawing/2010/main" Requires="a14">
+          <p:sp>
+            <p:nvSpPr>
+              <p:cNvPr id="41" name="TextBox 40">
+                <a:extLst>
+                  <a:ext uri="{FF2B5EF4-FFF2-40B4-BE49-F238E27FC236}">
+                    <a16:creationId xmlns:a16="http://schemas.microsoft.com/office/drawing/2014/main" id="{6BE59969-A403-42E1-8C90-851613952648}"/>
+                  </a:ext>
+                </a:extLst>
+              </p:cNvPr>
+              <p:cNvSpPr txBox="1"/>
+              <p:nvPr/>
+            </p:nvSpPr>
+            <p:spPr>
+              <a:xfrm>
+                <a:off x="6726541" y="2929376"/>
+                <a:ext cx="207108" cy="276999"/>
+              </a:xfrm>
+              <a:prstGeom prst="rect">
+                <a:avLst/>
+              </a:prstGeom>
+              <a:noFill/>
+            </p:spPr>
+            <p:txBody>
+              <a:bodyPr wrap="none" lIns="0" tIns="0" rIns="0" bIns="0" rtlCol="0">
+                <a:spAutoFit/>
+              </a:bodyPr>
+              <a:lstStyle/>
+              <a:p>
+                <a14:m>
+                  <m:oMathPara xmlns:m="http://schemas.openxmlformats.org/officeDocument/2006/math">
+                    <m:oMathParaPr>
+                      <m:jc m:val="centerGroup"/>
+                    </m:oMathParaPr>
+                    <m:oMath xmlns:m="http://schemas.openxmlformats.org/officeDocument/2006/math">
+                      <m:r>
+                        <a:rPr lang="en-US" b="0" i="1" smtClean="0">
+                          <a:solidFill>
+                            <a:srgbClr val="0070C0"/>
+                          </a:solidFill>
+                          <a:latin typeface="Cambria Math" panose="02040503050406030204" pitchFamily="18" charset="0"/>
+                        </a:rPr>
+                        <m:t>𝑅</m:t>
+                      </m:r>
+                    </m:oMath>
+                  </m:oMathPara>
+                </a14:m>
+                <a:endParaRPr lang="en-US" dirty="0">
+                  <a:solidFill>
+                    <a:srgbClr val="0070C0"/>
+                  </a:solidFill>
+                </a:endParaRPr>
+              </a:p>
+            </p:txBody>
+          </p:sp>
+        </mc:Choice>
+        <mc:Fallback>
+          <p:sp>
+            <p:nvSpPr>
+              <p:cNvPr id="41" name="TextBox 40">
+                <a:extLst>
+                  <a:ext uri="{FF2B5EF4-FFF2-40B4-BE49-F238E27FC236}">
+                    <a16:creationId xmlns:a16="http://schemas.microsoft.com/office/drawing/2014/main" id="{6BE59969-A403-42E1-8C90-851613952648}"/>
+                  </a:ext>
+                </a:extLst>
+              </p:cNvPr>
+              <p:cNvSpPr txBox="1">
+                <a:spLocks noRot="1" noChangeAspect="1" noMove="1" noResize="1" noEditPoints="1" noAdjustHandles="1" noChangeArrowheads="1" noChangeShapeType="1" noTextEdit="1"/>
+              </p:cNvSpPr>
+              <p:nvPr/>
+            </p:nvSpPr>
+            <p:spPr>
+              <a:xfrm>
+                <a:off x="6726541" y="2929376"/>
+                <a:ext cx="207108" cy="276999"/>
+              </a:xfrm>
+              <a:prstGeom prst="rect">
+                <a:avLst/>
+              </a:prstGeom>
+              <a:blipFill>
+                <a:blip r:embed="rId2"/>
+                <a:stretch>
+                  <a:fillRect l="-26471" r="-23529" b="-6667"/>
+                </a:stretch>
+              </a:blipFill>
+            </p:spPr>
+            <p:txBody>
+              <a:bodyPr/>
+              <a:lstStyle/>
+              <a:p>
+                <a:r>
+                  <a:rPr lang="en-US">
+                    <a:noFill/>
+                  </a:rPr>
+                  <a:t> </a:t>
+                </a:r>
+              </a:p>
+            </p:txBody>
+          </p:sp>
+        </mc:Fallback>
+      </mc:AlternateContent>
+      <mc:AlternateContent xmlns:mc="http://schemas.openxmlformats.org/markup-compatibility/2006">
+        <mc:Choice xmlns:a14="http://schemas.microsoft.com/office/drawing/2010/main" Requires="a14">
+          <p:sp>
+            <p:nvSpPr>
+              <p:cNvPr id="42" name="TextBox 41">
+                <a:extLst>
+                  <a:ext uri="{FF2B5EF4-FFF2-40B4-BE49-F238E27FC236}">
+                    <a16:creationId xmlns:a16="http://schemas.microsoft.com/office/drawing/2014/main" id="{770F2028-8065-4EB2-B949-E30F1A0A6AB7}"/>
+                  </a:ext>
+                </a:extLst>
+              </p:cNvPr>
+              <p:cNvSpPr txBox="1"/>
+              <p:nvPr/>
+            </p:nvSpPr>
+            <p:spPr>
+              <a:xfrm>
+                <a:off x="7697891" y="4945369"/>
+                <a:ext cx="207108" cy="276999"/>
+              </a:xfrm>
+              <a:prstGeom prst="rect">
+                <a:avLst/>
+              </a:prstGeom>
+              <a:noFill/>
+            </p:spPr>
+            <p:txBody>
+              <a:bodyPr wrap="none" lIns="0" tIns="0" rIns="0" bIns="0" rtlCol="0">
+                <a:spAutoFit/>
+              </a:bodyPr>
+              <a:lstStyle/>
+              <a:p>
+                <a14:m>
+                  <m:oMathPara xmlns:m="http://schemas.openxmlformats.org/officeDocument/2006/math">
+                    <m:oMathParaPr>
+                      <m:jc m:val="centerGroup"/>
+                    </m:oMathParaPr>
+                    <m:oMath xmlns:m="http://schemas.openxmlformats.org/officeDocument/2006/math">
+                      <m:r>
+                        <a:rPr lang="en-US" b="0" i="1" smtClean="0">
+                          <a:solidFill>
+                            <a:srgbClr val="0070C0"/>
+                          </a:solidFill>
+                          <a:latin typeface="Cambria Math" panose="02040503050406030204" pitchFamily="18" charset="0"/>
+                        </a:rPr>
+                        <m:t>𝑅</m:t>
+                      </m:r>
+                    </m:oMath>
+                  </m:oMathPara>
+                </a14:m>
+                <a:endParaRPr lang="en-US" dirty="0">
+                  <a:solidFill>
+                    <a:srgbClr val="0070C0"/>
+                  </a:solidFill>
+                </a:endParaRPr>
+              </a:p>
+            </p:txBody>
+          </p:sp>
+        </mc:Choice>
+        <mc:Fallback>
+          <p:sp>
+            <p:nvSpPr>
+              <p:cNvPr id="42" name="TextBox 41">
+                <a:extLst>
+                  <a:ext uri="{FF2B5EF4-FFF2-40B4-BE49-F238E27FC236}">
+                    <a16:creationId xmlns:a16="http://schemas.microsoft.com/office/drawing/2014/main" id="{770F2028-8065-4EB2-B949-E30F1A0A6AB7}"/>
+                  </a:ext>
+                </a:extLst>
+              </p:cNvPr>
+              <p:cNvSpPr txBox="1">
+                <a:spLocks noRot="1" noChangeAspect="1" noMove="1" noResize="1" noEditPoints="1" noAdjustHandles="1" noChangeArrowheads="1" noChangeShapeType="1" noTextEdit="1"/>
+              </p:cNvSpPr>
+              <p:nvPr/>
+            </p:nvSpPr>
+            <p:spPr>
+              <a:xfrm>
+                <a:off x="7697891" y="4945369"/>
+                <a:ext cx="207108" cy="276999"/>
+              </a:xfrm>
+              <a:prstGeom prst="rect">
+                <a:avLst/>
+              </a:prstGeom>
+              <a:blipFill>
+                <a:blip r:embed="rId3"/>
+                <a:stretch>
+                  <a:fillRect l="-29412" r="-20588" b="-6522"/>
+                </a:stretch>
+              </a:blipFill>
+            </p:spPr>
+            <p:txBody>
+              <a:bodyPr/>
+              <a:lstStyle/>
+              <a:p>
+                <a:r>
+                  <a:rPr lang="en-US">
+                    <a:noFill/>
+                  </a:rPr>
+                  <a:t> </a:t>
+                </a:r>
+              </a:p>
+            </p:txBody>
+          </p:sp>
+        </mc:Fallback>
+      </mc:AlternateContent>
+      <p:cxnSp>
+        <p:nvCxnSpPr>
+          <p:cNvPr id="44" name="Straight Connector 43">
+            <a:extLst>
+              <a:ext uri="{FF2B5EF4-FFF2-40B4-BE49-F238E27FC236}">
+                <a16:creationId xmlns:a16="http://schemas.microsoft.com/office/drawing/2014/main" id="{E8FE75FC-C64F-46DB-A11F-67840F40C445}"/>
+              </a:ext>
+            </a:extLst>
+          </p:cNvPr>
+          <p:cNvCxnSpPr>
+            <a:cxnSpLocks/>
+            <a:stCxn id="4" idx="7"/>
+          </p:cNvCxnSpPr>
+          <p:nvPr/>
+        </p:nvCxnSpPr>
+        <p:spPr>
+          <a:xfrm flipV="1">
+            <a:off x="7193965" y="3912993"/>
+            <a:ext cx="431405" cy="180736"/>
+          </a:xfrm>
+          <a:prstGeom prst="line">
+            <a:avLst/>
+          </a:prstGeom>
+          <a:ln w="15875">
+            <a:prstDash val="sysDot"/>
+          </a:ln>
+        </p:spPr>
+        <p:style>
+          <a:lnRef idx="1">
+            <a:schemeClr val="dk1"/>
+          </a:lnRef>
+          <a:fillRef idx="0">
+            <a:schemeClr val="dk1"/>
+          </a:fillRef>
+          <a:effectRef idx="0">
+            <a:schemeClr val="dk1"/>
+          </a:effectRef>
+          <a:fontRef idx="minor">
+            <a:schemeClr val="tx1"/>
+          </a:fontRef>
+        </p:style>
+      </p:cxnSp>
+      <mc:AlternateContent xmlns:mc="http://schemas.openxmlformats.org/markup-compatibility/2006">
+        <mc:Choice xmlns:a14="http://schemas.microsoft.com/office/drawing/2010/main" Requires="a14">
+          <p:sp>
+            <p:nvSpPr>
+              <p:cNvPr id="46" name="TextBox 45">
+                <a:extLst>
+                  <a:ext uri="{FF2B5EF4-FFF2-40B4-BE49-F238E27FC236}">
+                    <a16:creationId xmlns:a16="http://schemas.microsoft.com/office/drawing/2014/main" id="{BDAB21A8-851C-4899-BDB2-40E7297B796B}"/>
+                  </a:ext>
+                </a:extLst>
+              </p:cNvPr>
+              <p:cNvSpPr txBox="1"/>
+              <p:nvPr/>
+            </p:nvSpPr>
+            <p:spPr>
+              <a:xfrm>
+                <a:off x="7349641" y="3748770"/>
+                <a:ext cx="163826" cy="246221"/>
+              </a:xfrm>
+              <a:prstGeom prst="rect">
+                <a:avLst/>
+              </a:prstGeom>
+              <a:noFill/>
+            </p:spPr>
+            <p:txBody>
+              <a:bodyPr wrap="none" lIns="0" tIns="0" rIns="0" bIns="0" rtlCol="0">
+                <a:spAutoFit/>
+              </a:bodyPr>
+              <a:lstStyle/>
+              <a:p>
+                <a14:m>
+                  <m:oMathPara xmlns:m="http://schemas.openxmlformats.org/officeDocument/2006/math">
+                    <m:oMathParaPr>
+                      <m:jc m:val="centerGroup"/>
+                    </m:oMathParaPr>
+                    <m:oMath xmlns:m="http://schemas.openxmlformats.org/officeDocument/2006/math">
+                      <m:r>
+                        <a:rPr lang="en-US" sz="1600" b="0" i="1" smtClean="0">
+                          <a:solidFill>
+                            <a:schemeClr val="tx1"/>
+                          </a:solidFill>
+                          <a:latin typeface="Cambria Math" panose="02040503050406030204" pitchFamily="18" charset="0"/>
+                        </a:rPr>
+                        <m:t>h</m:t>
+                      </m:r>
+                    </m:oMath>
+                  </m:oMathPara>
+                </a14:m>
+                <a:endParaRPr lang="en-US" sz="1600" dirty="0">
+                  <a:solidFill>
+                    <a:schemeClr val="tx1"/>
+                  </a:solidFill>
+                </a:endParaRPr>
+              </a:p>
+            </p:txBody>
+          </p:sp>
+        </mc:Choice>
+        <mc:Fallback>
+          <p:sp>
+            <p:nvSpPr>
+              <p:cNvPr id="46" name="TextBox 45">
+                <a:extLst>
+                  <a:ext uri="{FF2B5EF4-FFF2-40B4-BE49-F238E27FC236}">
+                    <a16:creationId xmlns:a16="http://schemas.microsoft.com/office/drawing/2014/main" id="{BDAB21A8-851C-4899-BDB2-40E7297B796B}"/>
+                  </a:ext>
+                </a:extLst>
+              </p:cNvPr>
+              <p:cNvSpPr txBox="1">
+                <a:spLocks noRot="1" noChangeAspect="1" noMove="1" noResize="1" noEditPoints="1" noAdjustHandles="1" noChangeArrowheads="1" noChangeShapeType="1" noTextEdit="1"/>
+              </p:cNvSpPr>
+              <p:nvPr/>
+            </p:nvSpPr>
+            <p:spPr>
+              <a:xfrm>
+                <a:off x="7349641" y="3748770"/>
+                <a:ext cx="163826" cy="246221"/>
+              </a:xfrm>
+              <a:prstGeom prst="rect">
+                <a:avLst/>
+              </a:prstGeom>
+              <a:blipFill>
+                <a:blip r:embed="rId4"/>
+                <a:stretch>
+                  <a:fillRect l="-29630" r="-25926" b="-7500"/>
+                </a:stretch>
+              </a:blipFill>
+            </p:spPr>
+            <p:txBody>
+              <a:bodyPr/>
+              <a:lstStyle/>
+              <a:p>
+                <a:r>
+                  <a:rPr lang="en-US">
+                    <a:noFill/>
+                  </a:rPr>
+                  <a:t> </a:t>
+                </a:r>
+              </a:p>
+            </p:txBody>
+          </p:sp>
+        </mc:Fallback>
+      </mc:AlternateContent>
+      <mc:AlternateContent xmlns:mc="http://schemas.openxmlformats.org/markup-compatibility/2006">
+        <mc:Choice xmlns:a14="http://schemas.microsoft.com/office/drawing/2010/main" Requires="a14">
+          <p:sp>
+            <p:nvSpPr>
+              <p:cNvPr id="47" name="TextBox 46">
+                <a:extLst>
+                  <a:ext uri="{FF2B5EF4-FFF2-40B4-BE49-F238E27FC236}">
+                    <a16:creationId xmlns:a16="http://schemas.microsoft.com/office/drawing/2014/main" id="{6A3796DA-D62C-447C-9A7B-CA0FE218B4A4}"/>
+                  </a:ext>
+                </a:extLst>
+              </p:cNvPr>
+              <p:cNvSpPr txBox="1"/>
+              <p:nvPr/>
+            </p:nvSpPr>
+            <p:spPr>
+              <a:xfrm>
+                <a:off x="7089298" y="3234554"/>
+                <a:ext cx="166969" cy="276999"/>
+              </a:xfrm>
+              <a:prstGeom prst="rect">
+                <a:avLst/>
+              </a:prstGeom>
+              <a:noFill/>
+            </p:spPr>
+            <p:txBody>
+              <a:bodyPr wrap="none" lIns="0" tIns="0" rIns="0" bIns="0" rtlCol="0">
+                <a:spAutoFit/>
+              </a:bodyPr>
+              <a:lstStyle/>
+              <a:p>
+                <a14:m>
+                  <m:oMathPara xmlns:m="http://schemas.openxmlformats.org/officeDocument/2006/math">
+                    <m:oMathParaPr>
+                      <m:jc m:val="centerGroup"/>
+                    </m:oMathParaPr>
+                    <m:oMath xmlns:m="http://schemas.openxmlformats.org/officeDocument/2006/math">
+                      <m:r>
+                        <a:rPr lang="en-US" b="0" i="1" smtClean="0">
+                          <a:solidFill>
+                            <a:srgbClr val="FF0000"/>
+                          </a:solidFill>
+                          <a:latin typeface="Cambria Math" panose="02040503050406030204" pitchFamily="18" charset="0"/>
+                        </a:rPr>
+                        <m:t>𝑟</m:t>
+                      </m:r>
+                    </m:oMath>
+                  </m:oMathPara>
+                </a14:m>
+                <a:endParaRPr lang="en-US" dirty="0">
+                  <a:solidFill>
+                    <a:srgbClr val="FF0000"/>
+                  </a:solidFill>
+                </a:endParaRPr>
+              </a:p>
+            </p:txBody>
+          </p:sp>
+        </mc:Choice>
+        <mc:Fallback>
+          <p:sp>
+            <p:nvSpPr>
+              <p:cNvPr id="47" name="TextBox 46">
+                <a:extLst>
+                  <a:ext uri="{FF2B5EF4-FFF2-40B4-BE49-F238E27FC236}">
+                    <a16:creationId xmlns:a16="http://schemas.microsoft.com/office/drawing/2014/main" id="{6A3796DA-D62C-447C-9A7B-CA0FE218B4A4}"/>
+                  </a:ext>
+                </a:extLst>
+              </p:cNvPr>
+              <p:cNvSpPr txBox="1">
+                <a:spLocks noRot="1" noChangeAspect="1" noMove="1" noResize="1" noEditPoints="1" noAdjustHandles="1" noChangeArrowheads="1" noChangeShapeType="1" noTextEdit="1"/>
+              </p:cNvSpPr>
+              <p:nvPr/>
+            </p:nvSpPr>
+            <p:spPr>
+              <a:xfrm>
+                <a:off x="7089298" y="3234554"/>
+                <a:ext cx="166969" cy="276999"/>
+              </a:xfrm>
+              <a:prstGeom prst="rect">
+                <a:avLst/>
+              </a:prstGeom>
+              <a:blipFill>
+                <a:blip r:embed="rId5"/>
+                <a:stretch>
+                  <a:fillRect l="-22222" r="-18519"/>
+                </a:stretch>
+              </a:blipFill>
+            </p:spPr>
+            <p:txBody>
+              <a:bodyPr/>
+              <a:lstStyle/>
+              <a:p>
+                <a:r>
+                  <a:rPr lang="en-US">
+                    <a:noFill/>
+                  </a:rPr>
+                  <a:t> </a:t>
+                </a:r>
+              </a:p>
+            </p:txBody>
+          </p:sp>
+        </mc:Fallback>
+      </mc:AlternateContent>
+      <mc:AlternateContent xmlns:mc="http://schemas.openxmlformats.org/markup-compatibility/2006">
+        <mc:Choice xmlns:a14="http://schemas.microsoft.com/office/drawing/2010/main" Requires="a14">
+          <p:sp>
+            <p:nvSpPr>
+              <p:cNvPr id="48" name="TextBox 47">
+                <a:extLst>
+                  <a:ext uri="{FF2B5EF4-FFF2-40B4-BE49-F238E27FC236}">
+                    <a16:creationId xmlns:a16="http://schemas.microsoft.com/office/drawing/2014/main" id="{69A426DE-5950-4682-B6EE-1223FB754A58}"/>
+                  </a:ext>
+                </a:extLst>
+              </p:cNvPr>
+              <p:cNvSpPr txBox="1"/>
+              <p:nvPr/>
+            </p:nvSpPr>
+            <p:spPr>
+              <a:xfrm>
+                <a:off x="7697891" y="4437064"/>
+                <a:ext cx="166969" cy="276999"/>
+              </a:xfrm>
+              <a:prstGeom prst="rect">
+                <a:avLst/>
+              </a:prstGeom>
+              <a:noFill/>
+            </p:spPr>
+            <p:txBody>
+              <a:bodyPr wrap="none" lIns="0" tIns="0" rIns="0" bIns="0" rtlCol="0">
+                <a:spAutoFit/>
+              </a:bodyPr>
+              <a:lstStyle/>
+              <a:p>
+                <a14:m>
+                  <m:oMathPara xmlns:m="http://schemas.openxmlformats.org/officeDocument/2006/math">
+                    <m:oMathParaPr>
+                      <m:jc m:val="centerGroup"/>
+                    </m:oMathParaPr>
+                    <m:oMath xmlns:m="http://schemas.openxmlformats.org/officeDocument/2006/math">
+                      <m:r>
+                        <a:rPr lang="en-US" b="0" i="1" smtClean="0">
+                          <a:solidFill>
+                            <a:srgbClr val="FF0000"/>
+                          </a:solidFill>
+                          <a:latin typeface="Cambria Math" panose="02040503050406030204" pitchFamily="18" charset="0"/>
+                        </a:rPr>
+                        <m:t>𝑟</m:t>
+                      </m:r>
+                    </m:oMath>
+                  </m:oMathPara>
+                </a14:m>
+                <a:endParaRPr lang="en-US" dirty="0">
+                  <a:solidFill>
+                    <a:srgbClr val="FF0000"/>
+                  </a:solidFill>
+                </a:endParaRPr>
+              </a:p>
+            </p:txBody>
+          </p:sp>
+        </mc:Choice>
+        <mc:Fallback>
+          <p:sp>
+            <p:nvSpPr>
+              <p:cNvPr id="48" name="TextBox 47">
+                <a:extLst>
+                  <a:ext uri="{FF2B5EF4-FFF2-40B4-BE49-F238E27FC236}">
+                    <a16:creationId xmlns:a16="http://schemas.microsoft.com/office/drawing/2014/main" id="{69A426DE-5950-4682-B6EE-1223FB754A58}"/>
+                  </a:ext>
+                </a:extLst>
+              </p:cNvPr>
+              <p:cNvSpPr txBox="1">
+                <a:spLocks noRot="1" noChangeAspect="1" noMove="1" noResize="1" noEditPoints="1" noAdjustHandles="1" noChangeArrowheads="1" noChangeShapeType="1" noTextEdit="1"/>
+              </p:cNvSpPr>
+              <p:nvPr/>
+            </p:nvSpPr>
+            <p:spPr>
+              <a:xfrm>
+                <a:off x="7697891" y="4437064"/>
+                <a:ext cx="166969" cy="276999"/>
+              </a:xfrm>
+              <a:prstGeom prst="rect">
+                <a:avLst/>
+              </a:prstGeom>
+              <a:blipFill>
+                <a:blip r:embed="rId6"/>
+                <a:stretch>
+                  <a:fillRect l="-22222" r="-18519"/>
+                </a:stretch>
+              </a:blipFill>
+            </p:spPr>
+            <p:txBody>
+              <a:bodyPr/>
+              <a:lstStyle/>
+              <a:p>
+                <a:r>
+                  <a:rPr lang="en-US">
+                    <a:noFill/>
+                  </a:rPr>
+                  <a:t> </a:t>
+                </a:r>
+              </a:p>
+            </p:txBody>
+          </p:sp>
+        </mc:Fallback>
+      </mc:AlternateContent>
+      <p:sp>
+        <p:nvSpPr>
+          <p:cNvPr id="50" name="Oval 49">
+            <a:extLst>
+              <a:ext uri="{FF2B5EF4-FFF2-40B4-BE49-F238E27FC236}">
+                <a16:creationId xmlns:a16="http://schemas.microsoft.com/office/drawing/2014/main" id="{BE48278F-F122-489D-976A-457FE64D768D}"/>
+              </a:ext>
+            </a:extLst>
+          </p:cNvPr>
+          <p:cNvSpPr/>
+          <p:nvPr/>
+        </p:nvSpPr>
+        <p:spPr>
+          <a:xfrm>
+            <a:off x="8302966" y="5266975"/>
+            <a:ext cx="107663" cy="111185"/>
+          </a:xfrm>
+          <a:prstGeom prst="ellipse">
+            <a:avLst/>
+          </a:prstGeom>
+          <a:solidFill>
+            <a:srgbClr val="FFFF00"/>
+          </a:solidFill>
+        </p:spPr>
+        <p:style>
+          <a:lnRef idx="2">
+            <a:schemeClr val="accent1">
+              <a:shade val="50000"/>
+            </a:schemeClr>
+          </a:lnRef>
+          <a:fillRef idx="1">
+            <a:schemeClr val="accent1"/>
+          </a:fillRef>
+          <a:effectRef idx="0">
+            <a:schemeClr val="accent1"/>
+          </a:effectRef>
+          <a:fontRef idx="minor">
+            <a:schemeClr val="lt1"/>
+          </a:fontRef>
+        </p:style>
+        <p:txBody>
+          <a:bodyPr rtlCol="0" anchor="ctr"/>
+          <a:lstStyle/>
+          <a:p>
+            <a:pPr algn="ctr"/>
+            <a:endParaRPr lang="en-US"/>
+          </a:p>
+        </p:txBody>
+      </p:sp>
+      <p:cxnSp>
+        <p:nvCxnSpPr>
+          <p:cNvPr id="64" name="Straight Arrow Connector 63">
+            <a:extLst>
+              <a:ext uri="{FF2B5EF4-FFF2-40B4-BE49-F238E27FC236}">
+                <a16:creationId xmlns:a16="http://schemas.microsoft.com/office/drawing/2014/main" id="{0D35DD79-9190-4F47-8DD9-F2EC738554B7}"/>
+              </a:ext>
+            </a:extLst>
+          </p:cNvPr>
+          <p:cNvCxnSpPr>
+            <a:cxnSpLocks/>
+            <a:stCxn id="50" idx="1"/>
+          </p:cNvCxnSpPr>
+          <p:nvPr/>
+        </p:nvCxnSpPr>
+        <p:spPr>
+          <a:xfrm flipH="1" flipV="1">
+            <a:off x="8058150" y="4728210"/>
+            <a:ext cx="260583" cy="555048"/>
+          </a:xfrm>
+          <a:prstGeom prst="straightConnector1">
+            <a:avLst/>
+          </a:prstGeom>
+          <a:ln w="25400">
+            <a:solidFill>
+              <a:schemeClr val="tx1"/>
+            </a:solidFill>
+            <a:tailEnd type="stealth" w="lg" len="lg"/>
+          </a:ln>
+        </p:spPr>
+        <p:style>
+          <a:lnRef idx="1">
+            <a:schemeClr val="accent1"/>
+          </a:lnRef>
+          <a:fillRef idx="0">
+            <a:schemeClr val="accent1"/>
+          </a:fillRef>
+          <a:effectRef idx="0">
+            <a:schemeClr val="accent1"/>
+          </a:effectRef>
+          <a:fontRef idx="minor">
+            <a:schemeClr val="tx1"/>
+          </a:fontRef>
+        </p:style>
+      </p:cxnSp>
+      <mc:AlternateContent xmlns:mc="http://schemas.openxmlformats.org/markup-compatibility/2006">
+        <mc:Choice xmlns:a14="http://schemas.microsoft.com/office/drawing/2010/main" Requires="a14">
+          <p:sp>
+            <p:nvSpPr>
+              <p:cNvPr id="67" name="TextBox 66">
+                <a:extLst>
+                  <a:ext uri="{FF2B5EF4-FFF2-40B4-BE49-F238E27FC236}">
+                    <a16:creationId xmlns:a16="http://schemas.microsoft.com/office/drawing/2014/main" id="{1377DA9F-531F-4FB1-BCD8-CB64C7FBE362}"/>
+                  </a:ext>
+                </a:extLst>
+              </p:cNvPr>
+              <p:cNvSpPr txBox="1"/>
+              <p:nvPr/>
+            </p:nvSpPr>
+            <p:spPr>
+              <a:xfrm>
+                <a:off x="8182286" y="4673307"/>
+                <a:ext cx="184666" cy="276999"/>
+              </a:xfrm>
+              <a:prstGeom prst="rect">
+                <a:avLst/>
+              </a:prstGeom>
+              <a:noFill/>
+            </p:spPr>
+            <p:txBody>
+              <a:bodyPr wrap="none" lIns="0" tIns="0" rIns="0" bIns="0" rtlCol="0">
+                <a:spAutoFit/>
+              </a:bodyPr>
+              <a:lstStyle/>
+              <a:p>
+                <a14:m>
+                  <m:oMathPara xmlns:m="http://schemas.openxmlformats.org/officeDocument/2006/math">
+                    <m:oMathParaPr>
+                      <m:jc m:val="centerGroup"/>
+                    </m:oMathParaPr>
+                    <m:oMath xmlns:m="http://schemas.openxmlformats.org/officeDocument/2006/math">
+                      <m:acc>
+                        <m:accPr>
+                          <m:chr m:val="⃗"/>
+                          <m:ctrlPr>
+                            <a:rPr lang="en-US" i="1" smtClean="0">
+                              <a:solidFill>
+                                <a:schemeClr val="tx1"/>
+                              </a:solidFill>
+                              <a:latin typeface="Cambria Math" panose="02040503050406030204" pitchFamily="18" charset="0"/>
+                            </a:rPr>
+                          </m:ctrlPr>
+                        </m:accPr>
+                        <m:e>
+                          <m:r>
+                            <a:rPr lang="en-US" b="0" i="1" smtClean="0">
+                              <a:solidFill>
+                                <a:schemeClr val="tx1"/>
+                              </a:solidFill>
+                              <a:latin typeface="Cambria Math" panose="02040503050406030204" pitchFamily="18" charset="0"/>
+                            </a:rPr>
+                            <m:t>𝑣</m:t>
+                          </m:r>
+                        </m:e>
+                      </m:acc>
+                    </m:oMath>
+                  </m:oMathPara>
+                </a14:m>
+                <a:endParaRPr lang="en-US" dirty="0">
+                  <a:solidFill>
+                    <a:schemeClr val="tx1"/>
+                  </a:solidFill>
+                </a:endParaRPr>
+              </a:p>
+            </p:txBody>
+          </p:sp>
+        </mc:Choice>
+        <mc:Fallback>
+          <p:sp>
+            <p:nvSpPr>
+              <p:cNvPr id="67" name="TextBox 66">
+                <a:extLst>
+                  <a:ext uri="{FF2B5EF4-FFF2-40B4-BE49-F238E27FC236}">
+                    <a16:creationId xmlns:a16="http://schemas.microsoft.com/office/drawing/2014/main" id="{1377DA9F-531F-4FB1-BCD8-CB64C7FBE362}"/>
+                  </a:ext>
+                </a:extLst>
+              </p:cNvPr>
+              <p:cNvSpPr txBox="1">
+                <a:spLocks noRot="1" noChangeAspect="1" noMove="1" noResize="1" noEditPoints="1" noAdjustHandles="1" noChangeArrowheads="1" noChangeShapeType="1" noTextEdit="1"/>
+              </p:cNvSpPr>
+              <p:nvPr/>
+            </p:nvSpPr>
+            <p:spPr>
+              <a:xfrm>
+                <a:off x="8182286" y="4673307"/>
+                <a:ext cx="184666" cy="276999"/>
+              </a:xfrm>
+              <a:prstGeom prst="rect">
+                <a:avLst/>
+              </a:prstGeom>
+              <a:blipFill>
+                <a:blip r:embed="rId7"/>
+                <a:stretch>
+                  <a:fillRect l="-29032" t="-48889" r="-100000" b="-8889"/>
+                </a:stretch>
+              </a:blipFill>
+            </p:spPr>
+            <p:txBody>
+              <a:bodyPr/>
+              <a:lstStyle/>
+              <a:p>
+                <a:r>
+                  <a:rPr lang="en-US">
+                    <a:noFill/>
+                  </a:rPr>
+                  <a:t> </a:t>
+                </a:r>
+              </a:p>
+            </p:txBody>
+          </p:sp>
+        </mc:Fallback>
+      </mc:AlternateContent>
+      <p:sp>
+        <p:nvSpPr>
+          <p:cNvPr id="69" name="Oval 68">
+            <a:extLst>
+              <a:ext uri="{FF2B5EF4-FFF2-40B4-BE49-F238E27FC236}">
+                <a16:creationId xmlns:a16="http://schemas.microsoft.com/office/drawing/2014/main" id="{1932B4F6-0B20-443F-A106-E7D24224ACD4}"/>
+              </a:ext>
+            </a:extLst>
+          </p:cNvPr>
+          <p:cNvSpPr/>
+          <p:nvPr/>
+        </p:nvSpPr>
+        <p:spPr>
+          <a:xfrm>
+            <a:off x="7256267" y="3171146"/>
+            <a:ext cx="100127" cy="92757"/>
+          </a:xfrm>
+          <a:prstGeom prst="ellipse">
+            <a:avLst/>
+          </a:prstGeom>
+          <a:solidFill>
+            <a:srgbClr val="7030A0"/>
+          </a:solidFill>
+          <a:ln>
+            <a:noFill/>
+          </a:ln>
+        </p:spPr>
+        <p:style>
+          <a:lnRef idx="2">
+            <a:schemeClr val="accent1">
+              <a:shade val="50000"/>
+            </a:schemeClr>
+          </a:lnRef>
+          <a:fillRef idx="1">
+            <a:schemeClr val="accent1"/>
+          </a:fillRef>
+          <a:effectRef idx="0">
+            <a:schemeClr val="accent1"/>
+          </a:effectRef>
+          <a:fontRef idx="minor">
+            <a:schemeClr val="lt1"/>
+          </a:fontRef>
+        </p:style>
+        <p:txBody>
+          <a:bodyPr rtlCol="0" anchor="ctr"/>
+          <a:lstStyle/>
+          <a:p>
+            <a:pPr algn="ctr"/>
+            <a:endParaRPr lang="en-US"/>
+          </a:p>
+        </p:txBody>
+      </p:sp>
+      <p:sp>
+        <p:nvSpPr>
+          <p:cNvPr id="70" name="Oval 69">
+            <a:extLst>
+              <a:ext uri="{FF2B5EF4-FFF2-40B4-BE49-F238E27FC236}">
+                <a16:creationId xmlns:a16="http://schemas.microsoft.com/office/drawing/2014/main" id="{E0A4365E-CE2F-4640-9CCD-0F40F1B67C1F}"/>
+              </a:ext>
+            </a:extLst>
+          </p:cNvPr>
+          <p:cNvSpPr/>
+          <p:nvPr/>
+        </p:nvSpPr>
+        <p:spPr>
+          <a:xfrm>
+            <a:off x="7946431" y="4529184"/>
+            <a:ext cx="100127" cy="92757"/>
+          </a:xfrm>
+          <a:prstGeom prst="ellipse">
+            <a:avLst/>
+          </a:prstGeom>
+          <a:solidFill>
+            <a:srgbClr val="7030A0"/>
+          </a:solidFill>
+          <a:ln>
+            <a:noFill/>
+          </a:ln>
+        </p:spPr>
+        <p:style>
+          <a:lnRef idx="2">
+            <a:schemeClr val="accent1">
+              <a:shade val="50000"/>
+            </a:schemeClr>
+          </a:lnRef>
+          <a:fillRef idx="1">
+            <a:schemeClr val="accent1"/>
+          </a:fillRef>
+          <a:effectRef idx="0">
+            <a:schemeClr val="accent1"/>
+          </a:effectRef>
+          <a:fontRef idx="minor">
+            <a:schemeClr val="lt1"/>
+          </a:fontRef>
+        </p:style>
+        <p:txBody>
+          <a:bodyPr rtlCol="0" anchor="ctr"/>
+          <a:lstStyle/>
+          <a:p>
+            <a:pPr algn="ctr"/>
+            <a:endParaRPr lang="en-US"/>
+          </a:p>
+        </p:txBody>
+      </p:sp>
+      <p:sp>
+        <p:nvSpPr>
+          <p:cNvPr id="71" name="Oval 70">
+            <a:extLst>
+              <a:ext uri="{FF2B5EF4-FFF2-40B4-BE49-F238E27FC236}">
+                <a16:creationId xmlns:a16="http://schemas.microsoft.com/office/drawing/2014/main" id="{65C976CA-2809-41CD-875B-B63F9A31AA39}"/>
+              </a:ext>
+            </a:extLst>
+          </p:cNvPr>
+          <p:cNvSpPr/>
+          <p:nvPr/>
+        </p:nvSpPr>
+        <p:spPr>
+          <a:xfrm>
+            <a:off x="6889222" y="2398142"/>
+            <a:ext cx="100127" cy="92757"/>
+          </a:xfrm>
+          <a:prstGeom prst="ellipse">
+            <a:avLst/>
+          </a:prstGeom>
+          <a:solidFill>
+            <a:srgbClr val="7030A0"/>
+          </a:solidFill>
+          <a:ln>
+            <a:noFill/>
+          </a:ln>
+        </p:spPr>
+        <p:style>
+          <a:lnRef idx="2">
+            <a:schemeClr val="accent1">
+              <a:shade val="50000"/>
+            </a:schemeClr>
+          </a:lnRef>
+          <a:fillRef idx="1">
+            <a:schemeClr val="accent1"/>
+          </a:fillRef>
+          <a:effectRef idx="0">
+            <a:schemeClr val="accent1"/>
+          </a:effectRef>
+          <a:fontRef idx="minor">
+            <a:schemeClr val="lt1"/>
+          </a:fontRef>
+        </p:style>
+        <p:txBody>
+          <a:bodyPr rtlCol="0" anchor="ctr"/>
+          <a:lstStyle/>
+          <a:p>
+            <a:pPr algn="ctr"/>
+            <a:endParaRPr lang="en-US"/>
+          </a:p>
+        </p:txBody>
+      </p:sp>
+      <mc:AlternateContent xmlns:mc="http://schemas.openxmlformats.org/markup-compatibility/2006">
+        <mc:Choice xmlns:a14="http://schemas.microsoft.com/office/drawing/2010/main" Requires="a14">
+          <p:sp>
+            <p:nvSpPr>
+              <p:cNvPr id="73" name="TextBox 72">
+                <a:extLst>
+                  <a:ext uri="{FF2B5EF4-FFF2-40B4-BE49-F238E27FC236}">
+                    <a16:creationId xmlns:a16="http://schemas.microsoft.com/office/drawing/2014/main" id="{E3E18719-17FE-4C11-BA5F-EFFDD6690985}"/>
+                  </a:ext>
+                </a:extLst>
+              </p:cNvPr>
+              <p:cNvSpPr txBox="1"/>
+              <p:nvPr/>
+            </p:nvSpPr>
+            <p:spPr>
+              <a:xfrm>
+                <a:off x="8423588" y="5239660"/>
+                <a:ext cx="205184" cy="276999"/>
+              </a:xfrm>
+              <a:prstGeom prst="rect">
+                <a:avLst/>
+              </a:prstGeom>
+              <a:noFill/>
+            </p:spPr>
+            <p:txBody>
+              <a:bodyPr wrap="none" lIns="0" tIns="0" rIns="0" bIns="0" rtlCol="0">
+                <a:spAutoFit/>
+              </a:bodyPr>
+              <a:lstStyle/>
+              <a:p>
+                <a14:m>
+                  <m:oMathPara xmlns:m="http://schemas.openxmlformats.org/officeDocument/2006/math">
+                    <m:oMathParaPr>
+                      <m:jc m:val="centerGroup"/>
+                    </m:oMathParaPr>
+                    <m:oMath xmlns:m="http://schemas.openxmlformats.org/officeDocument/2006/math">
+                      <m:r>
+                        <a:rPr lang="en-US" b="1" i="1" smtClean="0">
+                          <a:solidFill>
+                            <a:srgbClr val="7030A0"/>
+                          </a:solidFill>
+                          <a:latin typeface="Cambria Math" panose="02040503050406030204" pitchFamily="18" charset="0"/>
+                        </a:rPr>
+                        <m:t>𝑨</m:t>
+                      </m:r>
+                    </m:oMath>
+                  </m:oMathPara>
+                </a14:m>
+                <a:endParaRPr lang="en-US" b="1" dirty="0">
+                  <a:solidFill>
+                    <a:srgbClr val="7030A0"/>
+                  </a:solidFill>
+                </a:endParaRPr>
+              </a:p>
+            </p:txBody>
+          </p:sp>
+        </mc:Choice>
+        <mc:Fallback>
+          <p:sp>
+            <p:nvSpPr>
+              <p:cNvPr id="73" name="TextBox 72">
+                <a:extLst>
+                  <a:ext uri="{FF2B5EF4-FFF2-40B4-BE49-F238E27FC236}">
+                    <a16:creationId xmlns:a16="http://schemas.microsoft.com/office/drawing/2014/main" id="{E3E18719-17FE-4C11-BA5F-EFFDD6690985}"/>
+                  </a:ext>
+                </a:extLst>
+              </p:cNvPr>
+              <p:cNvSpPr txBox="1">
+                <a:spLocks noRot="1" noChangeAspect="1" noMove="1" noResize="1" noEditPoints="1" noAdjustHandles="1" noChangeArrowheads="1" noChangeShapeType="1" noTextEdit="1"/>
+              </p:cNvSpPr>
+              <p:nvPr/>
+            </p:nvSpPr>
+            <p:spPr>
+              <a:xfrm>
+                <a:off x="8423588" y="5239660"/>
+                <a:ext cx="205184" cy="276999"/>
+              </a:xfrm>
+              <a:prstGeom prst="rect">
+                <a:avLst/>
+              </a:prstGeom>
+              <a:blipFill>
+                <a:blip r:embed="rId8"/>
+                <a:stretch>
+                  <a:fillRect l="-30303" r="-27273" b="-6667"/>
+                </a:stretch>
+              </a:blipFill>
+            </p:spPr>
+            <p:txBody>
+              <a:bodyPr/>
+              <a:lstStyle/>
+              <a:p>
+                <a:r>
+                  <a:rPr lang="en-US">
+                    <a:noFill/>
+                  </a:rPr>
+                  <a:t> </a:t>
+                </a:r>
+              </a:p>
+            </p:txBody>
+          </p:sp>
+        </mc:Fallback>
+      </mc:AlternateContent>
+      <mc:AlternateContent xmlns:mc="http://schemas.openxmlformats.org/markup-compatibility/2006">
+        <mc:Choice xmlns:a14="http://schemas.microsoft.com/office/drawing/2010/main" Requires="a14">
+          <p:sp>
+            <p:nvSpPr>
+              <p:cNvPr id="74" name="TextBox 73">
+                <a:extLst>
+                  <a:ext uri="{FF2B5EF4-FFF2-40B4-BE49-F238E27FC236}">
+                    <a16:creationId xmlns:a16="http://schemas.microsoft.com/office/drawing/2014/main" id="{D2EDE013-E08F-4E1E-AD80-534AAB677062}"/>
+                  </a:ext>
+                </a:extLst>
+              </p:cNvPr>
+              <p:cNvSpPr txBox="1"/>
+              <p:nvPr/>
+            </p:nvSpPr>
+            <p:spPr>
+              <a:xfrm>
+                <a:off x="8075501" y="4385426"/>
+                <a:ext cx="219611" cy="276999"/>
+              </a:xfrm>
+              <a:prstGeom prst="rect">
+                <a:avLst/>
+              </a:prstGeom>
+              <a:noFill/>
+            </p:spPr>
+            <p:txBody>
+              <a:bodyPr wrap="none" lIns="0" tIns="0" rIns="0" bIns="0" rtlCol="0">
+                <a:spAutoFit/>
+              </a:bodyPr>
+              <a:lstStyle/>
+              <a:p>
+                <a14:m>
+                  <m:oMathPara xmlns:m="http://schemas.openxmlformats.org/officeDocument/2006/math">
+                    <m:oMathParaPr>
+                      <m:jc m:val="centerGroup"/>
+                    </m:oMathParaPr>
+                    <m:oMath xmlns:m="http://schemas.openxmlformats.org/officeDocument/2006/math">
+                      <m:r>
+                        <a:rPr lang="en-US" b="1" i="1" smtClean="0">
+                          <a:solidFill>
+                            <a:srgbClr val="7030A0"/>
+                          </a:solidFill>
+                          <a:latin typeface="Cambria Math" panose="02040503050406030204" pitchFamily="18" charset="0"/>
+                        </a:rPr>
+                        <m:t>𝑩</m:t>
+                      </m:r>
+                    </m:oMath>
+                  </m:oMathPara>
+                </a14:m>
+                <a:endParaRPr lang="en-US" b="1" dirty="0">
+                  <a:solidFill>
+                    <a:srgbClr val="7030A0"/>
+                  </a:solidFill>
+                </a:endParaRPr>
+              </a:p>
+            </p:txBody>
+          </p:sp>
+        </mc:Choice>
+        <mc:Fallback>
+          <p:sp>
+            <p:nvSpPr>
+              <p:cNvPr id="74" name="TextBox 73">
+                <a:extLst>
+                  <a:ext uri="{FF2B5EF4-FFF2-40B4-BE49-F238E27FC236}">
+                    <a16:creationId xmlns:a16="http://schemas.microsoft.com/office/drawing/2014/main" id="{D2EDE013-E08F-4E1E-AD80-534AAB677062}"/>
+                  </a:ext>
+                </a:extLst>
+              </p:cNvPr>
+              <p:cNvSpPr txBox="1">
+                <a:spLocks noRot="1" noChangeAspect="1" noMove="1" noResize="1" noEditPoints="1" noAdjustHandles="1" noChangeArrowheads="1" noChangeShapeType="1" noTextEdit="1"/>
+              </p:cNvSpPr>
+              <p:nvPr/>
+            </p:nvSpPr>
+            <p:spPr>
+              <a:xfrm>
+                <a:off x="8075501" y="4385426"/>
+                <a:ext cx="219611" cy="276999"/>
+              </a:xfrm>
+              <a:prstGeom prst="rect">
+                <a:avLst/>
+              </a:prstGeom>
+              <a:blipFill>
+                <a:blip r:embed="rId9"/>
+                <a:stretch>
+                  <a:fillRect l="-27778" r="-22222" b="-6522"/>
+                </a:stretch>
+              </a:blipFill>
+            </p:spPr>
+            <p:txBody>
+              <a:bodyPr/>
+              <a:lstStyle/>
+              <a:p>
+                <a:r>
+                  <a:rPr lang="en-US">
+                    <a:noFill/>
+                  </a:rPr>
+                  <a:t> </a:t>
+                </a:r>
+              </a:p>
+            </p:txBody>
+          </p:sp>
+        </mc:Fallback>
+      </mc:AlternateContent>
+      <mc:AlternateContent xmlns:mc="http://schemas.openxmlformats.org/markup-compatibility/2006">
+        <mc:Choice xmlns:a14="http://schemas.microsoft.com/office/drawing/2010/main" Requires="a14">
+          <p:sp>
+            <p:nvSpPr>
+              <p:cNvPr id="75" name="TextBox 74">
+                <a:extLst>
+                  <a:ext uri="{FF2B5EF4-FFF2-40B4-BE49-F238E27FC236}">
+                    <a16:creationId xmlns:a16="http://schemas.microsoft.com/office/drawing/2014/main" id="{3E6E3F2B-439F-46CD-81E1-2A6B7F7302EE}"/>
+                  </a:ext>
+                </a:extLst>
+              </p:cNvPr>
+              <p:cNvSpPr txBox="1"/>
+              <p:nvPr/>
+            </p:nvSpPr>
+            <p:spPr>
+              <a:xfrm>
+                <a:off x="7356291" y="2945509"/>
+                <a:ext cx="197170" cy="276999"/>
+              </a:xfrm>
+              <a:prstGeom prst="rect">
+                <a:avLst/>
+              </a:prstGeom>
+              <a:noFill/>
+            </p:spPr>
+            <p:txBody>
+              <a:bodyPr wrap="none" lIns="0" tIns="0" rIns="0" bIns="0" rtlCol="0">
+                <a:spAutoFit/>
+              </a:bodyPr>
+              <a:lstStyle/>
+              <a:p>
+                <a14:m>
+                  <m:oMathPara xmlns:m="http://schemas.openxmlformats.org/officeDocument/2006/math">
+                    <m:oMathParaPr>
+                      <m:jc m:val="centerGroup"/>
+                    </m:oMathParaPr>
+                    <m:oMath xmlns:m="http://schemas.openxmlformats.org/officeDocument/2006/math">
+                      <m:r>
+                        <a:rPr lang="en-US" b="1" i="1" smtClean="0">
+                          <a:solidFill>
+                            <a:srgbClr val="7030A0"/>
+                          </a:solidFill>
+                          <a:latin typeface="Cambria Math" panose="02040503050406030204" pitchFamily="18" charset="0"/>
+                        </a:rPr>
+                        <m:t>𝑪</m:t>
+                      </m:r>
+                    </m:oMath>
+                  </m:oMathPara>
+                </a14:m>
+                <a:endParaRPr lang="en-US" b="1" dirty="0">
+                  <a:solidFill>
+                    <a:srgbClr val="7030A0"/>
+                  </a:solidFill>
+                </a:endParaRPr>
+              </a:p>
+            </p:txBody>
+          </p:sp>
+        </mc:Choice>
+        <mc:Fallback>
+          <p:sp>
+            <p:nvSpPr>
+              <p:cNvPr id="75" name="TextBox 74">
+                <a:extLst>
+                  <a:ext uri="{FF2B5EF4-FFF2-40B4-BE49-F238E27FC236}">
+                    <a16:creationId xmlns:a16="http://schemas.microsoft.com/office/drawing/2014/main" id="{3E6E3F2B-439F-46CD-81E1-2A6B7F7302EE}"/>
+                  </a:ext>
+                </a:extLst>
+              </p:cNvPr>
+              <p:cNvSpPr txBox="1">
+                <a:spLocks noRot="1" noChangeAspect="1" noMove="1" noResize="1" noEditPoints="1" noAdjustHandles="1" noChangeArrowheads="1" noChangeShapeType="1" noTextEdit="1"/>
+              </p:cNvSpPr>
+              <p:nvPr/>
+            </p:nvSpPr>
+            <p:spPr>
+              <a:xfrm>
+                <a:off x="7356291" y="2945509"/>
+                <a:ext cx="197170" cy="276999"/>
+              </a:xfrm>
+              <a:prstGeom prst="rect">
+                <a:avLst/>
+              </a:prstGeom>
+              <a:blipFill>
+                <a:blip r:embed="rId10"/>
+                <a:stretch>
+                  <a:fillRect l="-31250" r="-28125" b="-6522"/>
+                </a:stretch>
+              </a:blipFill>
+            </p:spPr>
+            <p:txBody>
+              <a:bodyPr/>
+              <a:lstStyle/>
+              <a:p>
+                <a:r>
+                  <a:rPr lang="en-US">
+                    <a:noFill/>
+                  </a:rPr>
+                  <a:t> </a:t>
+                </a:r>
+              </a:p>
+            </p:txBody>
+          </p:sp>
+        </mc:Fallback>
+      </mc:AlternateContent>
+      <mc:AlternateContent xmlns:mc="http://schemas.openxmlformats.org/markup-compatibility/2006">
+        <mc:Choice xmlns:a14="http://schemas.microsoft.com/office/drawing/2010/main" Requires="a14">
+          <p:sp>
+            <p:nvSpPr>
+              <p:cNvPr id="76" name="TextBox 75">
+                <a:extLst>
+                  <a:ext uri="{FF2B5EF4-FFF2-40B4-BE49-F238E27FC236}">
+                    <a16:creationId xmlns:a16="http://schemas.microsoft.com/office/drawing/2014/main" id="{F3728744-6517-4A6F-8DC3-3D2837F5C564}"/>
+                  </a:ext>
+                </a:extLst>
+              </p:cNvPr>
+              <p:cNvSpPr txBox="1"/>
+              <p:nvPr/>
+            </p:nvSpPr>
+            <p:spPr>
+              <a:xfrm>
+                <a:off x="6717083" y="2114986"/>
+                <a:ext cx="226023" cy="276999"/>
+              </a:xfrm>
+              <a:prstGeom prst="rect">
+                <a:avLst/>
+              </a:prstGeom>
+              <a:noFill/>
+            </p:spPr>
+            <p:txBody>
+              <a:bodyPr wrap="none" lIns="0" tIns="0" rIns="0" bIns="0" rtlCol="0">
+                <a:spAutoFit/>
+              </a:bodyPr>
+              <a:lstStyle/>
+              <a:p>
+                <a14:m>
+                  <m:oMathPara xmlns:m="http://schemas.openxmlformats.org/officeDocument/2006/math">
+                    <m:oMathParaPr>
+                      <m:jc m:val="centerGroup"/>
+                    </m:oMathParaPr>
+                    <m:oMath xmlns:m="http://schemas.openxmlformats.org/officeDocument/2006/math">
+                      <m:r>
+                        <a:rPr lang="en-US" b="1" i="1" smtClean="0">
+                          <a:solidFill>
+                            <a:srgbClr val="7030A0"/>
+                          </a:solidFill>
+                          <a:latin typeface="Cambria Math" panose="02040503050406030204" pitchFamily="18" charset="0"/>
+                        </a:rPr>
+                        <m:t>𝑫</m:t>
+                      </m:r>
+                    </m:oMath>
+                  </m:oMathPara>
+                </a14:m>
+                <a:endParaRPr lang="en-US" b="1" dirty="0">
+                  <a:solidFill>
+                    <a:srgbClr val="7030A0"/>
+                  </a:solidFill>
+                </a:endParaRPr>
+              </a:p>
+            </p:txBody>
+          </p:sp>
+        </mc:Choice>
+        <mc:Fallback>
+          <p:sp>
+            <p:nvSpPr>
+              <p:cNvPr id="76" name="TextBox 75">
+                <a:extLst>
+                  <a:ext uri="{FF2B5EF4-FFF2-40B4-BE49-F238E27FC236}">
+                    <a16:creationId xmlns:a16="http://schemas.microsoft.com/office/drawing/2014/main" id="{F3728744-6517-4A6F-8DC3-3D2837F5C564}"/>
+                  </a:ext>
+                </a:extLst>
+              </p:cNvPr>
+              <p:cNvSpPr txBox="1">
+                <a:spLocks noRot="1" noChangeAspect="1" noMove="1" noResize="1" noEditPoints="1" noAdjustHandles="1" noChangeArrowheads="1" noChangeShapeType="1" noTextEdit="1"/>
+              </p:cNvSpPr>
+              <p:nvPr/>
+            </p:nvSpPr>
+            <p:spPr>
+              <a:xfrm>
+                <a:off x="6717083" y="2114986"/>
+                <a:ext cx="226023" cy="276999"/>
+              </a:xfrm>
+              <a:prstGeom prst="rect">
+                <a:avLst/>
+              </a:prstGeom>
+              <a:blipFill>
+                <a:blip r:embed="rId11"/>
+                <a:stretch>
+                  <a:fillRect l="-27027" r="-24324" b="-6667"/>
+                </a:stretch>
+              </a:blipFill>
+            </p:spPr>
+            <p:txBody>
+              <a:bodyPr/>
+              <a:lstStyle/>
+              <a:p>
+                <a:r>
+                  <a:rPr lang="en-US">
+                    <a:noFill/>
+                  </a:rPr>
+                  <a:t> </a:t>
+                </a:r>
+              </a:p>
+            </p:txBody>
+          </p:sp>
+        </mc:Fallback>
+      </mc:AlternateContent>
+    </p:spTree>
+    <p:extLst>
+      <p:ext uri="{BB962C8B-B14F-4D97-AF65-F5344CB8AC3E}">
+        <p14:creationId xmlns:p14="http://schemas.microsoft.com/office/powerpoint/2010/main" val="3817910402"/>
       </p:ext>
     </p:extLst>
   </p:cSld>

--- a/volunteer/Drawings.pptx
+++ b/volunteer/Drawings.pptx
@@ -15,6 +15,7 @@
     <p:sldId id="263" r:id="rId9"/>
     <p:sldId id="264" r:id="rId10"/>
     <p:sldId id="265" r:id="rId11"/>
+    <p:sldId id="266" r:id="rId12"/>
   </p:sldIdLst>
   <p:sldSz cx="12192000" cy="6858000"/>
   <p:notesSz cx="6858000" cy="9144000"/>
@@ -3992,8 +3993,8 @@
           </a:fontRef>
         </p:style>
       </p:cxnSp>
-      <mc:AlternateContent xmlns:mc="http://schemas.openxmlformats.org/markup-compatibility/2006">
-        <mc:Choice xmlns:a14="http://schemas.microsoft.com/office/drawing/2010/main" Requires="a14">
+      <mc:AlternateContent xmlns:mc="http://schemas.openxmlformats.org/markup-compatibility/2006" xmlns:a14="http://schemas.microsoft.com/office/drawing/2010/main">
+        <mc:Choice Requires="a14">
           <p:sp>
             <p:nvSpPr>
               <p:cNvPr id="41" name="TextBox 40">
@@ -4022,6 +4023,7 @@
               </a:bodyPr>
               <a:lstStyle/>
               <a:p>
+                <a:pPr/>
                 <a14:m>
                   <m:oMathPara xmlns:m="http://schemas.openxmlformats.org/officeDocument/2006/math">
                     <m:oMathParaPr>
@@ -4049,7 +4051,7 @@
             </p:txBody>
           </p:sp>
         </mc:Choice>
-        <mc:Fallback>
+        <mc:Fallback xmlns="">
           <p:sp>
             <p:nvSpPr>
               <p:cNvPr id="41" name="TextBox 40">
@@ -4094,8 +4096,8 @@
           </p:sp>
         </mc:Fallback>
       </mc:AlternateContent>
-      <mc:AlternateContent xmlns:mc="http://schemas.openxmlformats.org/markup-compatibility/2006">
-        <mc:Choice xmlns:a14="http://schemas.microsoft.com/office/drawing/2010/main" Requires="a14">
+      <mc:AlternateContent xmlns:mc="http://schemas.openxmlformats.org/markup-compatibility/2006" xmlns:a14="http://schemas.microsoft.com/office/drawing/2010/main">
+        <mc:Choice Requires="a14">
           <p:sp>
             <p:nvSpPr>
               <p:cNvPr id="42" name="TextBox 41">
@@ -4124,6 +4126,7 @@
               </a:bodyPr>
               <a:lstStyle/>
               <a:p>
+                <a:pPr/>
                 <a14:m>
                   <m:oMathPara xmlns:m="http://schemas.openxmlformats.org/officeDocument/2006/math">
                     <m:oMathParaPr>
@@ -4151,7 +4154,7 @@
             </p:txBody>
           </p:sp>
         </mc:Choice>
-        <mc:Fallback>
+        <mc:Fallback xmlns="">
           <p:sp>
             <p:nvSpPr>
               <p:cNvPr id="42" name="TextBox 41">
@@ -4238,8 +4241,8 @@
           </a:fontRef>
         </p:style>
       </p:cxnSp>
-      <mc:AlternateContent xmlns:mc="http://schemas.openxmlformats.org/markup-compatibility/2006">
-        <mc:Choice xmlns:a14="http://schemas.microsoft.com/office/drawing/2010/main" Requires="a14">
+      <mc:AlternateContent xmlns:mc="http://schemas.openxmlformats.org/markup-compatibility/2006" xmlns:a14="http://schemas.microsoft.com/office/drawing/2010/main">
+        <mc:Choice Requires="a14">
           <p:sp>
             <p:nvSpPr>
               <p:cNvPr id="46" name="TextBox 45">
@@ -4268,6 +4271,7 @@
               </a:bodyPr>
               <a:lstStyle/>
               <a:p>
+                <a:pPr/>
                 <a14:m>
                   <m:oMathPara xmlns:m="http://schemas.openxmlformats.org/officeDocument/2006/math">
                     <m:oMathParaPr>
@@ -4295,7 +4299,7 @@
             </p:txBody>
           </p:sp>
         </mc:Choice>
-        <mc:Fallback>
+        <mc:Fallback xmlns="">
           <p:sp>
             <p:nvSpPr>
               <p:cNvPr id="46" name="TextBox 45">
@@ -4340,8 +4344,8 @@
           </p:sp>
         </mc:Fallback>
       </mc:AlternateContent>
-      <mc:AlternateContent xmlns:mc="http://schemas.openxmlformats.org/markup-compatibility/2006">
-        <mc:Choice xmlns:a14="http://schemas.microsoft.com/office/drawing/2010/main" Requires="a14">
+      <mc:AlternateContent xmlns:mc="http://schemas.openxmlformats.org/markup-compatibility/2006" xmlns:a14="http://schemas.microsoft.com/office/drawing/2010/main">
+        <mc:Choice Requires="a14">
           <p:sp>
             <p:nvSpPr>
               <p:cNvPr id="47" name="TextBox 46">
@@ -4370,6 +4374,7 @@
               </a:bodyPr>
               <a:lstStyle/>
               <a:p>
+                <a:pPr/>
                 <a14:m>
                   <m:oMathPara xmlns:m="http://schemas.openxmlformats.org/officeDocument/2006/math">
                     <m:oMathParaPr>
@@ -4397,7 +4402,7 @@
             </p:txBody>
           </p:sp>
         </mc:Choice>
-        <mc:Fallback>
+        <mc:Fallback xmlns="">
           <p:sp>
             <p:nvSpPr>
               <p:cNvPr id="47" name="TextBox 46">
@@ -4442,8 +4447,8 @@
           </p:sp>
         </mc:Fallback>
       </mc:AlternateContent>
-      <mc:AlternateContent xmlns:mc="http://schemas.openxmlformats.org/markup-compatibility/2006">
-        <mc:Choice xmlns:a14="http://schemas.microsoft.com/office/drawing/2010/main" Requires="a14">
+      <mc:AlternateContent xmlns:mc="http://schemas.openxmlformats.org/markup-compatibility/2006" xmlns:a14="http://schemas.microsoft.com/office/drawing/2010/main">
+        <mc:Choice Requires="a14">
           <p:sp>
             <p:nvSpPr>
               <p:cNvPr id="48" name="TextBox 47">
@@ -4472,6 +4477,7 @@
               </a:bodyPr>
               <a:lstStyle/>
               <a:p>
+                <a:pPr/>
                 <a14:m>
                   <m:oMathPara xmlns:m="http://schemas.openxmlformats.org/officeDocument/2006/math">
                     <m:oMathParaPr>
@@ -4499,7 +4505,7 @@
             </p:txBody>
           </p:sp>
         </mc:Choice>
-        <mc:Fallback>
+        <mc:Fallback xmlns="">
           <p:sp>
             <p:nvSpPr>
               <p:cNvPr id="48" name="TextBox 47">
@@ -4638,8 +4644,8 @@
           </a:fontRef>
         </p:style>
       </p:cxnSp>
-      <mc:AlternateContent xmlns:mc="http://schemas.openxmlformats.org/markup-compatibility/2006">
-        <mc:Choice xmlns:a14="http://schemas.microsoft.com/office/drawing/2010/main" Requires="a14">
+      <mc:AlternateContent xmlns:mc="http://schemas.openxmlformats.org/markup-compatibility/2006" xmlns:a14="http://schemas.microsoft.com/office/drawing/2010/main">
+        <mc:Choice Requires="a14">
           <p:sp>
             <p:nvSpPr>
               <p:cNvPr id="67" name="TextBox 66">
@@ -4668,6 +4674,7 @@
               </a:bodyPr>
               <a:lstStyle/>
               <a:p>
+                <a:pPr/>
                 <a14:m>
                   <m:oMathPara xmlns:m="http://schemas.openxmlformats.org/officeDocument/2006/math">
                     <m:oMathParaPr>
@@ -4710,7 +4717,7 @@
             </p:txBody>
           </p:sp>
         </mc:Choice>
-        <mc:Fallback>
+        <mc:Fallback xmlns="">
           <p:sp>
             <p:nvSpPr>
               <p:cNvPr id="67" name="TextBox 66">
@@ -4911,8 +4918,8 @@
           </a:p>
         </p:txBody>
       </p:sp>
-      <mc:AlternateContent xmlns:mc="http://schemas.openxmlformats.org/markup-compatibility/2006">
-        <mc:Choice xmlns:a14="http://schemas.microsoft.com/office/drawing/2010/main" Requires="a14">
+      <mc:AlternateContent xmlns:mc="http://schemas.openxmlformats.org/markup-compatibility/2006" xmlns:a14="http://schemas.microsoft.com/office/drawing/2010/main">
+        <mc:Choice Requires="a14">
           <p:sp>
             <p:nvSpPr>
               <p:cNvPr id="73" name="TextBox 72">
@@ -4941,6 +4948,7 @@
               </a:bodyPr>
               <a:lstStyle/>
               <a:p>
+                <a:pPr/>
                 <a14:m>
                   <m:oMathPara xmlns:m="http://schemas.openxmlformats.org/officeDocument/2006/math">
                     <m:oMathParaPr>
@@ -4968,7 +4976,7 @@
             </p:txBody>
           </p:sp>
         </mc:Choice>
-        <mc:Fallback>
+        <mc:Fallback xmlns="">
           <p:sp>
             <p:nvSpPr>
               <p:cNvPr id="73" name="TextBox 72">
@@ -5013,8 +5021,8 @@
           </p:sp>
         </mc:Fallback>
       </mc:AlternateContent>
-      <mc:AlternateContent xmlns:mc="http://schemas.openxmlformats.org/markup-compatibility/2006">
-        <mc:Choice xmlns:a14="http://schemas.microsoft.com/office/drawing/2010/main" Requires="a14">
+      <mc:AlternateContent xmlns:mc="http://schemas.openxmlformats.org/markup-compatibility/2006" xmlns:a14="http://schemas.microsoft.com/office/drawing/2010/main">
+        <mc:Choice Requires="a14">
           <p:sp>
             <p:nvSpPr>
               <p:cNvPr id="74" name="TextBox 73">
@@ -5043,6 +5051,7 @@
               </a:bodyPr>
               <a:lstStyle/>
               <a:p>
+                <a:pPr/>
                 <a14:m>
                   <m:oMathPara xmlns:m="http://schemas.openxmlformats.org/officeDocument/2006/math">
                     <m:oMathParaPr>
@@ -5070,7 +5079,7 @@
             </p:txBody>
           </p:sp>
         </mc:Choice>
-        <mc:Fallback>
+        <mc:Fallback xmlns="">
           <p:sp>
             <p:nvSpPr>
               <p:cNvPr id="74" name="TextBox 73">
@@ -5115,8 +5124,8 @@
           </p:sp>
         </mc:Fallback>
       </mc:AlternateContent>
-      <mc:AlternateContent xmlns:mc="http://schemas.openxmlformats.org/markup-compatibility/2006">
-        <mc:Choice xmlns:a14="http://schemas.microsoft.com/office/drawing/2010/main" Requires="a14">
+      <mc:AlternateContent xmlns:mc="http://schemas.openxmlformats.org/markup-compatibility/2006" xmlns:a14="http://schemas.microsoft.com/office/drawing/2010/main">
+        <mc:Choice Requires="a14">
           <p:sp>
             <p:nvSpPr>
               <p:cNvPr id="75" name="TextBox 74">
@@ -5145,6 +5154,7 @@
               </a:bodyPr>
               <a:lstStyle/>
               <a:p>
+                <a:pPr/>
                 <a14:m>
                   <m:oMathPara xmlns:m="http://schemas.openxmlformats.org/officeDocument/2006/math">
                     <m:oMathParaPr>
@@ -5172,7 +5182,7 @@
             </p:txBody>
           </p:sp>
         </mc:Choice>
-        <mc:Fallback>
+        <mc:Fallback xmlns="">
           <p:sp>
             <p:nvSpPr>
               <p:cNvPr id="75" name="TextBox 74">
@@ -5217,8 +5227,8 @@
           </p:sp>
         </mc:Fallback>
       </mc:AlternateContent>
-      <mc:AlternateContent xmlns:mc="http://schemas.openxmlformats.org/markup-compatibility/2006">
-        <mc:Choice xmlns:a14="http://schemas.microsoft.com/office/drawing/2010/main" Requires="a14">
+      <mc:AlternateContent xmlns:mc="http://schemas.openxmlformats.org/markup-compatibility/2006" xmlns:a14="http://schemas.microsoft.com/office/drawing/2010/main">
+        <mc:Choice Requires="a14">
           <p:sp>
             <p:nvSpPr>
               <p:cNvPr id="76" name="TextBox 75">
@@ -5247,6 +5257,7 @@
               </a:bodyPr>
               <a:lstStyle/>
               <a:p>
+                <a:pPr/>
                 <a14:m>
                   <m:oMathPara xmlns:m="http://schemas.openxmlformats.org/officeDocument/2006/math">
                     <m:oMathParaPr>
@@ -5274,7 +5285,7 @@
             </p:txBody>
           </p:sp>
         </mc:Choice>
-        <mc:Fallback>
+        <mc:Fallback xmlns="">
           <p:sp>
             <p:nvSpPr>
               <p:cNvPr id="76" name="TextBox 75">
@@ -5323,6 +5334,774 @@
     <p:extLst>
       <p:ext uri="{BB962C8B-B14F-4D97-AF65-F5344CB8AC3E}">
         <p14:creationId xmlns:p14="http://schemas.microsoft.com/office/powerpoint/2010/main" val="3817910402"/>
+      </p:ext>
+    </p:extLst>
+  </p:cSld>
+  <p:clrMapOvr>
+    <a:masterClrMapping/>
+  </p:clrMapOvr>
+</p:sld>
+</file>
+
+<file path=ppt/slides/slide11.xml><?xml version="1.0" encoding="utf-8"?>
+<p:sld xmlns:a="http://schemas.openxmlformats.org/drawingml/2006/main" xmlns:r="http://schemas.openxmlformats.org/officeDocument/2006/relationships" xmlns:p="http://schemas.openxmlformats.org/presentationml/2006/main">
+  <p:cSld>
+    <p:spTree>
+      <p:nvGrpSpPr>
+        <p:cNvPr id="1" name=""/>
+        <p:cNvGrpSpPr/>
+        <p:nvPr/>
+      </p:nvGrpSpPr>
+      <p:grpSpPr>
+        <a:xfrm>
+          <a:off x="0" y="0"/>
+          <a:ext cx="0" cy="0"/>
+          <a:chOff x="0" y="0"/>
+          <a:chExt cx="0" cy="0"/>
+        </a:xfrm>
+      </p:grpSpPr>
+      <p:sp>
+        <p:nvSpPr>
+          <p:cNvPr id="2" name="Isosceles Triangle 1">
+            <a:extLst>
+              <a:ext uri="{FF2B5EF4-FFF2-40B4-BE49-F238E27FC236}">
+                <a16:creationId xmlns:a16="http://schemas.microsoft.com/office/drawing/2014/main" id="{1347EAE8-1A0A-476A-B1B2-A00AEF53D148}"/>
+              </a:ext>
+            </a:extLst>
+          </p:cNvPr>
+          <p:cNvSpPr/>
+          <p:nvPr/>
+        </p:nvSpPr>
+        <p:spPr>
+          <a:xfrm rot="18029815">
+            <a:off x="3725801" y="2750862"/>
+            <a:ext cx="2758623" cy="2341317"/>
+          </a:xfrm>
+          <a:prstGeom prst="triangle">
+            <a:avLst/>
+          </a:prstGeom>
+          <a:gradFill flip="none" rotWithShape="1">
+            <a:gsLst>
+              <a:gs pos="0">
+                <a:schemeClr val="accent3">
+                  <a:lumMod val="40000"/>
+                  <a:lumOff val="60000"/>
+                </a:schemeClr>
+              </a:gs>
+              <a:gs pos="46000">
+                <a:schemeClr val="accent3">
+                  <a:lumMod val="95000"/>
+                  <a:lumOff val="5000"/>
+                </a:schemeClr>
+              </a:gs>
+              <a:gs pos="100000">
+                <a:schemeClr val="accent3">
+                  <a:lumMod val="60000"/>
+                </a:schemeClr>
+              </a:gs>
+            </a:gsLst>
+            <a:path path="circle">
+              <a:fillToRect l="50000" t="130000" r="50000" b="-30000"/>
+            </a:path>
+            <a:tileRect/>
+          </a:gradFill>
+          <a:ln>
+            <a:solidFill>
+              <a:schemeClr val="tx1"/>
+            </a:solidFill>
+          </a:ln>
+        </p:spPr>
+        <p:style>
+          <a:lnRef idx="2">
+            <a:schemeClr val="accent1">
+              <a:shade val="50000"/>
+            </a:schemeClr>
+          </a:lnRef>
+          <a:fillRef idx="1">
+            <a:schemeClr val="accent1"/>
+          </a:fillRef>
+          <a:effectRef idx="0">
+            <a:schemeClr val="accent1"/>
+          </a:effectRef>
+          <a:fontRef idx="minor">
+            <a:schemeClr val="lt1"/>
+          </a:fontRef>
+        </p:style>
+        <p:txBody>
+          <a:bodyPr rtlCol="0" anchor="ctr"/>
+          <a:lstStyle/>
+          <a:p>
+            <a:pPr algn="ctr"/>
+            <a:endParaRPr lang="en-US" dirty="0"/>
+          </a:p>
+        </p:txBody>
+      </p:sp>
+      <p:sp>
+        <p:nvSpPr>
+          <p:cNvPr id="3" name="Oval 2">
+            <a:extLst>
+              <a:ext uri="{FF2B5EF4-FFF2-40B4-BE49-F238E27FC236}">
+                <a16:creationId xmlns:a16="http://schemas.microsoft.com/office/drawing/2014/main" id="{30886648-0281-43EC-B689-4B10DE3FA965}"/>
+              </a:ext>
+            </a:extLst>
+          </p:cNvPr>
+          <p:cNvSpPr/>
+          <p:nvPr/>
+        </p:nvSpPr>
+        <p:spPr>
+          <a:xfrm>
+            <a:off x="4084321" y="2948338"/>
+            <a:ext cx="2729488" cy="696592"/>
+          </a:xfrm>
+          <a:prstGeom prst="ellipse">
+            <a:avLst/>
+          </a:prstGeom>
+          <a:gradFill>
+            <a:gsLst>
+              <a:gs pos="0">
+                <a:schemeClr val="accent3">
+                  <a:lumMod val="40000"/>
+                  <a:lumOff val="60000"/>
+                </a:schemeClr>
+              </a:gs>
+              <a:gs pos="46000">
+                <a:schemeClr val="accent3">
+                  <a:lumMod val="95000"/>
+                  <a:lumOff val="5000"/>
+                </a:schemeClr>
+              </a:gs>
+              <a:gs pos="100000">
+                <a:schemeClr val="accent3">
+                  <a:lumMod val="60000"/>
+                </a:schemeClr>
+              </a:gs>
+            </a:gsLst>
+            <a:path path="circle">
+              <a:fillToRect l="50000" t="130000" r="50000" b="-30000"/>
+            </a:path>
+          </a:gradFill>
+          <a:ln>
+            <a:solidFill>
+              <a:schemeClr val="tx1"/>
+            </a:solidFill>
+          </a:ln>
+        </p:spPr>
+        <p:style>
+          <a:lnRef idx="2">
+            <a:schemeClr val="accent1">
+              <a:shade val="50000"/>
+            </a:schemeClr>
+          </a:lnRef>
+          <a:fillRef idx="1">
+            <a:schemeClr val="accent1"/>
+          </a:fillRef>
+          <a:effectRef idx="0">
+            <a:schemeClr val="accent1"/>
+          </a:effectRef>
+          <a:fontRef idx="minor">
+            <a:schemeClr val="lt1"/>
+          </a:fontRef>
+        </p:style>
+        <p:txBody>
+          <a:bodyPr rtlCol="0" anchor="ctr"/>
+          <a:lstStyle/>
+          <a:p>
+            <a:pPr algn="ctr"/>
+            <a:endParaRPr lang="en-US" dirty="0"/>
+          </a:p>
+        </p:txBody>
+      </p:sp>
+      <p:sp>
+        <p:nvSpPr>
+          <p:cNvPr id="12" name="Arc 11">
+            <a:extLst>
+              <a:ext uri="{FF2B5EF4-FFF2-40B4-BE49-F238E27FC236}">
+                <a16:creationId xmlns:a16="http://schemas.microsoft.com/office/drawing/2014/main" id="{D28917E4-3F4F-420E-9444-1CF802C4467D}"/>
+              </a:ext>
+            </a:extLst>
+          </p:cNvPr>
+          <p:cNvSpPr/>
+          <p:nvPr/>
+        </p:nvSpPr>
+        <p:spPr>
+          <a:xfrm>
+            <a:off x="4998720" y="5377180"/>
+            <a:ext cx="847344" cy="665355"/>
+          </a:xfrm>
+          <a:prstGeom prst="arc">
+            <a:avLst>
+              <a:gd name="adj1" fmla="val 16200000"/>
+              <a:gd name="adj2" fmla="val 17946466"/>
+            </a:avLst>
+          </a:prstGeom>
+          <a:ln w="22225">
+            <a:solidFill>
+              <a:schemeClr val="tx1"/>
+            </a:solidFill>
+          </a:ln>
+        </p:spPr>
+        <p:style>
+          <a:lnRef idx="1">
+            <a:schemeClr val="accent1"/>
+          </a:lnRef>
+          <a:fillRef idx="0">
+            <a:schemeClr val="accent1"/>
+          </a:fillRef>
+          <a:effectRef idx="0">
+            <a:schemeClr val="accent1"/>
+          </a:effectRef>
+          <a:fontRef idx="minor">
+            <a:schemeClr val="tx1"/>
+          </a:fontRef>
+        </p:style>
+        <p:txBody>
+          <a:bodyPr rtlCol="0" anchor="ctr"/>
+          <a:lstStyle/>
+          <a:p>
+            <a:pPr algn="ctr"/>
+            <a:endParaRPr lang="en-US" dirty="0"/>
+          </a:p>
+        </p:txBody>
+      </p:sp>
+      <mc:AlternateContent xmlns:mc="http://schemas.openxmlformats.org/markup-compatibility/2006">
+        <mc:Choice xmlns:a14="http://schemas.microsoft.com/office/drawing/2010/main" Requires="a14">
+          <p:sp>
+            <p:nvSpPr>
+              <p:cNvPr id="13" name="TextBox 12">
+                <a:extLst>
+                  <a:ext uri="{FF2B5EF4-FFF2-40B4-BE49-F238E27FC236}">
+                    <a16:creationId xmlns:a16="http://schemas.microsoft.com/office/drawing/2014/main" id="{59FB015B-81B6-49E2-B036-6A7313221D29}"/>
+                  </a:ext>
+                </a:extLst>
+              </p:cNvPr>
+              <p:cNvSpPr txBox="1"/>
+              <p:nvPr/>
+            </p:nvSpPr>
+            <p:spPr>
+              <a:xfrm>
+                <a:off x="5449065" y="5038758"/>
+                <a:ext cx="197746" cy="276999"/>
+              </a:xfrm>
+              <a:prstGeom prst="rect">
+                <a:avLst/>
+              </a:prstGeom>
+              <a:noFill/>
+            </p:spPr>
+            <p:txBody>
+              <a:bodyPr wrap="none" lIns="0" tIns="0" rIns="0" bIns="0" rtlCol="0">
+                <a:spAutoFit/>
+              </a:bodyPr>
+              <a:lstStyle/>
+              <a:p>
+                <a14:m>
+                  <m:oMathPara xmlns:m="http://schemas.openxmlformats.org/officeDocument/2006/math">
+                    <m:oMathParaPr>
+                      <m:jc m:val="centerGroup"/>
+                    </m:oMathParaPr>
+                    <m:oMath xmlns:m="http://schemas.openxmlformats.org/officeDocument/2006/math">
+                      <m:r>
+                        <a:rPr lang="en-US" i="1" smtClean="0">
+                          <a:latin typeface="Cambria Math" panose="02040503050406030204" pitchFamily="18" charset="0"/>
+                          <a:ea typeface="Cambria Math" panose="02040503050406030204" pitchFamily="18" charset="0"/>
+                        </a:rPr>
+                        <m:t>𝛼</m:t>
+                      </m:r>
+                    </m:oMath>
+                  </m:oMathPara>
+                </a14:m>
+                <a:endParaRPr lang="en-US" dirty="0"/>
+              </a:p>
+            </p:txBody>
+          </p:sp>
+        </mc:Choice>
+        <mc:Fallback>
+          <p:sp>
+            <p:nvSpPr>
+              <p:cNvPr id="13" name="TextBox 12">
+                <a:extLst>
+                  <a:ext uri="{FF2B5EF4-FFF2-40B4-BE49-F238E27FC236}">
+                    <a16:creationId xmlns:a16="http://schemas.microsoft.com/office/drawing/2014/main" id="{59FB015B-81B6-49E2-B036-6A7313221D29}"/>
+                  </a:ext>
+                </a:extLst>
+              </p:cNvPr>
+              <p:cNvSpPr txBox="1">
+                <a:spLocks noRot="1" noChangeAspect="1" noMove="1" noResize="1" noEditPoints="1" noAdjustHandles="1" noChangeArrowheads="1" noChangeShapeType="1" noTextEdit="1"/>
+              </p:cNvSpPr>
+              <p:nvPr/>
+            </p:nvSpPr>
+            <p:spPr>
+              <a:xfrm>
+                <a:off x="5449065" y="5038758"/>
+                <a:ext cx="197746" cy="276999"/>
+              </a:xfrm>
+              <a:prstGeom prst="rect">
+                <a:avLst/>
+              </a:prstGeom>
+              <a:blipFill>
+                <a:blip r:embed="rId2"/>
+                <a:stretch>
+                  <a:fillRect l="-18750" r="-15625"/>
+                </a:stretch>
+              </a:blipFill>
+            </p:spPr>
+            <p:txBody>
+              <a:bodyPr/>
+              <a:lstStyle/>
+              <a:p>
+                <a:r>
+                  <a:rPr lang="en-US">
+                    <a:noFill/>
+                  </a:rPr>
+                  <a:t> </a:t>
+                </a:r>
+              </a:p>
+            </p:txBody>
+          </p:sp>
+        </mc:Fallback>
+      </mc:AlternateContent>
+      <p:sp>
+        <p:nvSpPr>
+          <p:cNvPr id="17" name="Oval 16">
+            <a:extLst>
+              <a:ext uri="{FF2B5EF4-FFF2-40B4-BE49-F238E27FC236}">
+                <a16:creationId xmlns:a16="http://schemas.microsoft.com/office/drawing/2014/main" id="{D37DFEEC-2C96-40FD-9CAF-4B48796EB866}"/>
+              </a:ext>
+            </a:extLst>
+          </p:cNvPr>
+          <p:cNvSpPr/>
+          <p:nvPr/>
+        </p:nvSpPr>
+        <p:spPr>
+          <a:xfrm>
+            <a:off x="4005522" y="2500635"/>
+            <a:ext cx="3084832" cy="713832"/>
+          </a:xfrm>
+          <a:prstGeom prst="ellipse">
+            <a:avLst/>
+          </a:prstGeom>
+          <a:gradFill>
+            <a:gsLst>
+              <a:gs pos="0">
+                <a:schemeClr val="accent3">
+                  <a:lumMod val="40000"/>
+                  <a:lumOff val="60000"/>
+                </a:schemeClr>
+              </a:gs>
+              <a:gs pos="46000">
+                <a:schemeClr val="accent3">
+                  <a:lumMod val="95000"/>
+                  <a:lumOff val="5000"/>
+                </a:schemeClr>
+              </a:gs>
+              <a:gs pos="100000">
+                <a:schemeClr val="accent3">
+                  <a:lumMod val="60000"/>
+                </a:schemeClr>
+              </a:gs>
+            </a:gsLst>
+            <a:path path="circle">
+              <a:fillToRect l="50000" t="130000" r="50000" b="-30000"/>
+            </a:path>
+          </a:gradFill>
+          <a:ln>
+            <a:solidFill>
+              <a:schemeClr val="tx1"/>
+            </a:solidFill>
+          </a:ln>
+        </p:spPr>
+        <p:style>
+          <a:lnRef idx="2">
+            <a:schemeClr val="accent1">
+              <a:shade val="50000"/>
+            </a:schemeClr>
+          </a:lnRef>
+          <a:fillRef idx="1">
+            <a:schemeClr val="accent1"/>
+          </a:fillRef>
+          <a:effectRef idx="0">
+            <a:schemeClr val="accent1"/>
+          </a:effectRef>
+          <a:fontRef idx="minor">
+            <a:schemeClr val="lt1"/>
+          </a:fontRef>
+        </p:style>
+        <p:txBody>
+          <a:bodyPr rtlCol="0" anchor="ctr"/>
+          <a:lstStyle/>
+          <a:p>
+            <a:pPr algn="ctr"/>
+            <a:endParaRPr lang="en-US" dirty="0"/>
+          </a:p>
+        </p:txBody>
+      </p:sp>
+      <p:cxnSp>
+        <p:nvCxnSpPr>
+          <p:cNvPr id="7" name="Straight Connector 6">
+            <a:extLst>
+              <a:ext uri="{FF2B5EF4-FFF2-40B4-BE49-F238E27FC236}">
+                <a16:creationId xmlns:a16="http://schemas.microsoft.com/office/drawing/2014/main" id="{CF3DE263-94E4-4D19-9CF9-D002AF360780}"/>
+              </a:ext>
+            </a:extLst>
+          </p:cNvPr>
+          <p:cNvCxnSpPr>
+            <a:cxnSpLocks/>
+          </p:cNvCxnSpPr>
+          <p:nvPr/>
+        </p:nvCxnSpPr>
+        <p:spPr>
+          <a:xfrm>
+            <a:off x="5547938" y="2763520"/>
+            <a:ext cx="1492993" cy="184818"/>
+          </a:xfrm>
+          <a:prstGeom prst="line">
+            <a:avLst/>
+          </a:prstGeom>
+          <a:ln w="19050">
+            <a:solidFill>
+              <a:schemeClr val="tx1"/>
+            </a:solidFill>
+          </a:ln>
+        </p:spPr>
+        <p:style>
+          <a:lnRef idx="1">
+            <a:schemeClr val="accent1"/>
+          </a:lnRef>
+          <a:fillRef idx="0">
+            <a:schemeClr val="accent1"/>
+          </a:fillRef>
+          <a:effectRef idx="0">
+            <a:schemeClr val="accent1"/>
+          </a:effectRef>
+          <a:fontRef idx="minor">
+            <a:schemeClr val="tx1"/>
+          </a:fontRef>
+        </p:style>
+      </p:cxnSp>
+      <p:cxnSp>
+        <p:nvCxnSpPr>
+          <p:cNvPr id="5" name="Straight Connector 4">
+            <a:extLst>
+              <a:ext uri="{FF2B5EF4-FFF2-40B4-BE49-F238E27FC236}">
+                <a16:creationId xmlns:a16="http://schemas.microsoft.com/office/drawing/2014/main" id="{6A2F2A0B-07B8-4B4D-9D56-85C750C9F634}"/>
+              </a:ext>
+            </a:extLst>
+          </p:cNvPr>
+          <p:cNvCxnSpPr>
+            <a:cxnSpLocks/>
+          </p:cNvCxnSpPr>
+          <p:nvPr/>
+        </p:nvCxnSpPr>
+        <p:spPr>
+          <a:xfrm flipH="1">
+            <a:off x="5413829" y="2763520"/>
+            <a:ext cx="126529" cy="2940593"/>
+          </a:xfrm>
+          <a:prstGeom prst="line">
+            <a:avLst/>
+          </a:prstGeom>
+          <a:ln w="19050">
+            <a:solidFill>
+              <a:schemeClr val="tx1"/>
+            </a:solidFill>
+            <a:prstDash val="sysDash"/>
+          </a:ln>
+        </p:spPr>
+        <p:style>
+          <a:lnRef idx="1">
+            <a:schemeClr val="accent1"/>
+          </a:lnRef>
+          <a:fillRef idx="0">
+            <a:schemeClr val="accent1"/>
+          </a:fillRef>
+          <a:effectRef idx="0">
+            <a:schemeClr val="accent1"/>
+          </a:effectRef>
+          <a:fontRef idx="minor">
+            <a:schemeClr val="tx1"/>
+          </a:fontRef>
+        </p:style>
+      </p:cxnSp>
+      <p:cxnSp>
+        <p:nvCxnSpPr>
+          <p:cNvPr id="22" name="Straight Connector 21">
+            <a:extLst>
+              <a:ext uri="{FF2B5EF4-FFF2-40B4-BE49-F238E27FC236}">
+                <a16:creationId xmlns:a16="http://schemas.microsoft.com/office/drawing/2014/main" id="{147DF0A1-52A7-4FC2-A9FE-662B9BAB1BA1}"/>
+              </a:ext>
+            </a:extLst>
+          </p:cNvPr>
+          <p:cNvCxnSpPr>
+            <a:cxnSpLocks/>
+            <a:stCxn id="2" idx="2"/>
+          </p:cNvCxnSpPr>
+          <p:nvPr/>
+        </p:nvCxnSpPr>
+        <p:spPr>
+          <a:xfrm flipV="1">
+            <a:off x="5413828" y="2948338"/>
+            <a:ext cx="1627103" cy="2755775"/>
+          </a:xfrm>
+          <a:prstGeom prst="line">
+            <a:avLst/>
+          </a:prstGeom>
+          <a:ln w="19050">
+            <a:solidFill>
+              <a:schemeClr val="tx1"/>
+            </a:solidFill>
+          </a:ln>
+        </p:spPr>
+        <p:style>
+          <a:lnRef idx="1">
+            <a:schemeClr val="accent1"/>
+          </a:lnRef>
+          <a:fillRef idx="0">
+            <a:schemeClr val="accent1"/>
+          </a:fillRef>
+          <a:effectRef idx="0">
+            <a:schemeClr val="accent1"/>
+          </a:effectRef>
+          <a:fontRef idx="minor">
+            <a:schemeClr val="tx1"/>
+          </a:fontRef>
+        </p:style>
+      </p:cxnSp>
+      <mc:AlternateContent xmlns:mc="http://schemas.openxmlformats.org/markup-compatibility/2006">
+        <mc:Choice xmlns:a14="http://schemas.microsoft.com/office/drawing/2010/main" Requires="a14">
+          <p:sp>
+            <p:nvSpPr>
+              <p:cNvPr id="37" name="TextBox 36">
+                <a:extLst>
+                  <a:ext uri="{FF2B5EF4-FFF2-40B4-BE49-F238E27FC236}">
+                    <a16:creationId xmlns:a16="http://schemas.microsoft.com/office/drawing/2014/main" id="{B481C3B8-DF4D-4BD0-9990-9D3380ADA764}"/>
+                  </a:ext>
+                </a:extLst>
+              </p:cNvPr>
+              <p:cNvSpPr txBox="1"/>
+              <p:nvPr/>
+            </p:nvSpPr>
+            <p:spPr>
+              <a:xfrm>
+                <a:off x="6298047" y="2578930"/>
+                <a:ext cx="456343" cy="276999"/>
+              </a:xfrm>
+              <a:prstGeom prst="rect">
+                <a:avLst/>
+              </a:prstGeom>
+              <a:noFill/>
+            </p:spPr>
+            <p:txBody>
+              <a:bodyPr wrap="none" lIns="0" tIns="0" rIns="0" bIns="0" rtlCol="0">
+                <a:spAutoFit/>
+              </a:bodyPr>
+              <a:lstStyle/>
+              <a:p>
+                <a14:m>
+                  <m:oMathPara xmlns:m="http://schemas.openxmlformats.org/officeDocument/2006/math">
+                    <m:oMathParaPr>
+                      <m:jc m:val="centerGroup"/>
+                    </m:oMathParaPr>
+                    <m:oMath xmlns:m="http://schemas.openxmlformats.org/officeDocument/2006/math">
+                      <m:r>
+                        <a:rPr lang="en-US" b="0" i="1" smtClean="0">
+                          <a:latin typeface="Cambria Math" panose="02040503050406030204" pitchFamily="18" charset="0"/>
+                        </a:rPr>
+                        <m:t>𝑟</m:t>
+                      </m:r>
+                      <m:r>
+                        <a:rPr lang="en-US" b="0" i="1" smtClean="0">
+                          <a:latin typeface="Cambria Math" panose="02040503050406030204" pitchFamily="18" charset="0"/>
+                        </a:rPr>
+                        <m:t>(</m:t>
+                      </m:r>
+                      <m:r>
+                        <a:rPr lang="en-US" b="0" i="1" smtClean="0">
+                          <a:latin typeface="Cambria Math" panose="02040503050406030204" pitchFamily="18" charset="0"/>
+                        </a:rPr>
+                        <m:t>𝑡</m:t>
+                      </m:r>
+                      <m:r>
+                        <a:rPr lang="en-US" b="0" i="1" smtClean="0">
+                          <a:latin typeface="Cambria Math" panose="02040503050406030204" pitchFamily="18" charset="0"/>
+                        </a:rPr>
+                        <m:t>)</m:t>
+                      </m:r>
+                    </m:oMath>
+                  </m:oMathPara>
+                </a14:m>
+                <a:endParaRPr lang="en-US" dirty="0"/>
+              </a:p>
+            </p:txBody>
+          </p:sp>
+        </mc:Choice>
+        <mc:Fallback>
+          <p:sp>
+            <p:nvSpPr>
+              <p:cNvPr id="37" name="TextBox 36">
+                <a:extLst>
+                  <a:ext uri="{FF2B5EF4-FFF2-40B4-BE49-F238E27FC236}">
+                    <a16:creationId xmlns:a16="http://schemas.microsoft.com/office/drawing/2014/main" id="{B481C3B8-DF4D-4BD0-9990-9D3380ADA764}"/>
+                  </a:ext>
+                </a:extLst>
+              </p:cNvPr>
+              <p:cNvSpPr txBox="1">
+                <a:spLocks noRot="1" noChangeAspect="1" noMove="1" noResize="1" noEditPoints="1" noAdjustHandles="1" noChangeArrowheads="1" noChangeShapeType="1" noTextEdit="1"/>
+              </p:cNvSpPr>
+              <p:nvPr/>
+            </p:nvSpPr>
+            <p:spPr>
+              <a:xfrm>
+                <a:off x="6298047" y="2578930"/>
+                <a:ext cx="456343" cy="276999"/>
+              </a:xfrm>
+              <a:prstGeom prst="rect">
+                <a:avLst/>
+              </a:prstGeom>
+              <a:blipFill>
+                <a:blip r:embed="rId3"/>
+                <a:stretch>
+                  <a:fillRect l="-6667" t="-2222" r="-18667" b="-35556"/>
+                </a:stretch>
+              </a:blipFill>
+            </p:spPr>
+            <p:txBody>
+              <a:bodyPr/>
+              <a:lstStyle/>
+              <a:p>
+                <a:r>
+                  <a:rPr lang="en-US">
+                    <a:noFill/>
+                  </a:rPr>
+                  <a:t> </a:t>
+                </a:r>
+              </a:p>
+            </p:txBody>
+          </p:sp>
+        </mc:Fallback>
+      </mc:AlternateContent>
+      <mc:AlternateContent xmlns:mc="http://schemas.openxmlformats.org/markup-compatibility/2006">
+        <mc:Choice xmlns:a14="http://schemas.microsoft.com/office/drawing/2010/main" Requires="a14">
+          <p:sp>
+            <p:nvSpPr>
+              <p:cNvPr id="38" name="TextBox 37">
+                <a:extLst>
+                  <a:ext uri="{FF2B5EF4-FFF2-40B4-BE49-F238E27FC236}">
+                    <a16:creationId xmlns:a16="http://schemas.microsoft.com/office/drawing/2014/main" id="{A6C9CF71-A0FD-4A8E-BD28-E8CA3408F0BD}"/>
+                  </a:ext>
+                </a:extLst>
+              </p:cNvPr>
+              <p:cNvSpPr txBox="1"/>
+              <p:nvPr/>
+            </p:nvSpPr>
+            <p:spPr>
+              <a:xfrm>
+                <a:off x="4963371" y="3987967"/>
+                <a:ext cx="504562" cy="369332"/>
+              </a:xfrm>
+              <a:prstGeom prst="rect">
+                <a:avLst/>
+              </a:prstGeom>
+              <a:noFill/>
+            </p:spPr>
+            <p:txBody>
+              <a:bodyPr wrap="none" lIns="0" tIns="0" rIns="0" bIns="0" rtlCol="0">
+                <a:spAutoFit/>
+              </a:bodyPr>
+              <a:lstStyle/>
+              <a:p>
+                <a14:m>
+                  <m:oMathPara xmlns:m="http://schemas.openxmlformats.org/officeDocument/2006/math">
+                    <m:oMathParaPr>
+                      <m:jc m:val="centerGroup"/>
+                    </m:oMathParaPr>
+                    <m:oMath xmlns:m="http://schemas.openxmlformats.org/officeDocument/2006/math">
+                      <m:sSub>
+                        <m:sSubPr>
+                          <m:ctrlPr>
+                            <a:rPr lang="en-US" sz="2400" i="1" smtClean="0">
+                              <a:latin typeface="Cambria Math" panose="02040503050406030204" pitchFamily="18" charset="0"/>
+                            </a:rPr>
+                          </m:ctrlPr>
+                        </m:sSubPr>
+                        <m:e>
+                          <m:r>
+                            <a:rPr lang="en-US" sz="2400" b="0" i="1" smtClean="0">
+                              <a:latin typeface="Cambria Math" panose="02040503050406030204" pitchFamily="18" charset="0"/>
+                            </a:rPr>
+                            <m:t>𝑣</m:t>
+                          </m:r>
+                        </m:e>
+                        <m:sub>
+                          <m:r>
+                            <a:rPr lang="en-US" sz="2400" b="0" i="1" smtClean="0">
+                              <a:latin typeface="Cambria Math" panose="02040503050406030204" pitchFamily="18" charset="0"/>
+                            </a:rPr>
+                            <m:t>0</m:t>
+                          </m:r>
+                        </m:sub>
+                      </m:sSub>
+                      <m:r>
+                        <a:rPr lang="en-US" sz="2400" b="0" i="1" smtClean="0">
+                          <a:latin typeface="Cambria Math" panose="02040503050406030204" pitchFamily="18" charset="0"/>
+                        </a:rPr>
+                        <m:t>𝑡</m:t>
+                      </m:r>
+                    </m:oMath>
+                  </m:oMathPara>
+                </a14:m>
+                <a:endParaRPr lang="en-US" sz="2400" dirty="0"/>
+              </a:p>
+            </p:txBody>
+          </p:sp>
+        </mc:Choice>
+        <mc:Fallback>
+          <p:sp>
+            <p:nvSpPr>
+              <p:cNvPr id="38" name="TextBox 37">
+                <a:extLst>
+                  <a:ext uri="{FF2B5EF4-FFF2-40B4-BE49-F238E27FC236}">
+                    <a16:creationId xmlns:a16="http://schemas.microsoft.com/office/drawing/2014/main" id="{A6C9CF71-A0FD-4A8E-BD28-E8CA3408F0BD}"/>
+                  </a:ext>
+                </a:extLst>
+              </p:cNvPr>
+              <p:cNvSpPr txBox="1">
+                <a:spLocks noRot="1" noChangeAspect="1" noMove="1" noResize="1" noEditPoints="1" noAdjustHandles="1" noChangeArrowheads="1" noChangeShapeType="1" noTextEdit="1"/>
+              </p:cNvSpPr>
+              <p:nvPr/>
+            </p:nvSpPr>
+            <p:spPr>
+              <a:xfrm>
+                <a:off x="4963371" y="3987967"/>
+                <a:ext cx="504562" cy="369332"/>
+              </a:xfrm>
+              <a:prstGeom prst="rect">
+                <a:avLst/>
+              </a:prstGeom>
+              <a:blipFill>
+                <a:blip r:embed="rId4"/>
+                <a:stretch>
+                  <a:fillRect l="-8434" r="-10843" b="-13115"/>
+                </a:stretch>
+              </a:blipFill>
+            </p:spPr>
+            <p:txBody>
+              <a:bodyPr/>
+              <a:lstStyle/>
+              <a:p>
+                <a:r>
+                  <a:rPr lang="en-US">
+                    <a:noFill/>
+                  </a:rPr>
+                  <a:t> </a:t>
+                </a:r>
+              </a:p>
+            </p:txBody>
+          </p:sp>
+        </mc:Fallback>
+      </mc:AlternateContent>
+    </p:spTree>
+    <p:extLst>
+      <p:ext uri="{BB962C8B-B14F-4D97-AF65-F5344CB8AC3E}">
+        <p14:creationId xmlns:p14="http://schemas.microsoft.com/office/powerpoint/2010/main" val="3718756436"/>
       </p:ext>
     </p:extLst>
   </p:cSld>

--- a/volunteer/Drawings.pptx
+++ b/volunteer/Drawings.pptx
@@ -16,6 +16,7 @@
     <p:sldId id="264" r:id="rId10"/>
     <p:sldId id="265" r:id="rId11"/>
     <p:sldId id="266" r:id="rId12"/>
+    <p:sldId id="267" r:id="rId13"/>
   </p:sldIdLst>
   <p:sldSz cx="12192000" cy="6858000"/>
   <p:notesSz cx="6858000" cy="9144000"/>
@@ -269,7 +270,7 @@
           <a:p>
             <a:fld id="{F0249701-11FC-451D-B9AC-2A68C1C5D58E}" type="datetimeFigureOut">
               <a:rPr lang="en-US" smtClean="0"/>
-              <a:t>6/15/2024</a:t>
+              <a:t>6/19/2024</a:t>
             </a:fld>
             <a:endParaRPr lang="en-US"/>
           </a:p>
@@ -467,7 +468,7 @@
           <a:p>
             <a:fld id="{F0249701-11FC-451D-B9AC-2A68C1C5D58E}" type="datetimeFigureOut">
               <a:rPr lang="en-US" smtClean="0"/>
-              <a:t>6/15/2024</a:t>
+              <a:t>6/19/2024</a:t>
             </a:fld>
             <a:endParaRPr lang="en-US"/>
           </a:p>
@@ -675,7 +676,7 @@
           <a:p>
             <a:fld id="{F0249701-11FC-451D-B9AC-2A68C1C5D58E}" type="datetimeFigureOut">
               <a:rPr lang="en-US" smtClean="0"/>
-              <a:t>6/15/2024</a:t>
+              <a:t>6/19/2024</a:t>
             </a:fld>
             <a:endParaRPr lang="en-US"/>
           </a:p>
@@ -873,7 +874,7 @@
           <a:p>
             <a:fld id="{F0249701-11FC-451D-B9AC-2A68C1C5D58E}" type="datetimeFigureOut">
               <a:rPr lang="en-US" smtClean="0"/>
-              <a:t>6/15/2024</a:t>
+              <a:t>6/19/2024</a:t>
             </a:fld>
             <a:endParaRPr lang="en-US"/>
           </a:p>
@@ -1148,7 +1149,7 @@
           <a:p>
             <a:fld id="{F0249701-11FC-451D-B9AC-2A68C1C5D58E}" type="datetimeFigureOut">
               <a:rPr lang="en-US" smtClean="0"/>
-              <a:t>6/15/2024</a:t>
+              <a:t>6/19/2024</a:t>
             </a:fld>
             <a:endParaRPr lang="en-US"/>
           </a:p>
@@ -1413,7 +1414,7 @@
           <a:p>
             <a:fld id="{F0249701-11FC-451D-B9AC-2A68C1C5D58E}" type="datetimeFigureOut">
               <a:rPr lang="en-US" smtClean="0"/>
-              <a:t>6/15/2024</a:t>
+              <a:t>6/19/2024</a:t>
             </a:fld>
             <a:endParaRPr lang="en-US"/>
           </a:p>
@@ -1825,7 +1826,7 @@
           <a:p>
             <a:fld id="{F0249701-11FC-451D-B9AC-2A68C1C5D58E}" type="datetimeFigureOut">
               <a:rPr lang="en-US" smtClean="0"/>
-              <a:t>6/15/2024</a:t>
+              <a:t>6/19/2024</a:t>
             </a:fld>
             <a:endParaRPr lang="en-US"/>
           </a:p>
@@ -1966,7 +1967,7 @@
           <a:p>
             <a:fld id="{F0249701-11FC-451D-B9AC-2A68C1C5D58E}" type="datetimeFigureOut">
               <a:rPr lang="en-US" smtClean="0"/>
-              <a:t>6/15/2024</a:t>
+              <a:t>6/19/2024</a:t>
             </a:fld>
             <a:endParaRPr lang="en-US"/>
           </a:p>
@@ -2079,7 +2080,7 @@
           <a:p>
             <a:fld id="{F0249701-11FC-451D-B9AC-2A68C1C5D58E}" type="datetimeFigureOut">
               <a:rPr lang="en-US" smtClean="0"/>
-              <a:t>6/15/2024</a:t>
+              <a:t>6/19/2024</a:t>
             </a:fld>
             <a:endParaRPr lang="en-US"/>
           </a:p>
@@ -2390,7 +2391,7 @@
           <a:p>
             <a:fld id="{F0249701-11FC-451D-B9AC-2A68C1C5D58E}" type="datetimeFigureOut">
               <a:rPr lang="en-US" smtClean="0"/>
-              <a:t>6/15/2024</a:t>
+              <a:t>6/19/2024</a:t>
             </a:fld>
             <a:endParaRPr lang="en-US"/>
           </a:p>
@@ -2678,7 +2679,7 @@
           <a:p>
             <a:fld id="{F0249701-11FC-451D-B9AC-2A68C1C5D58E}" type="datetimeFigureOut">
               <a:rPr lang="en-US" smtClean="0"/>
-              <a:t>6/15/2024</a:t>
+              <a:t>6/19/2024</a:t>
             </a:fld>
             <a:endParaRPr lang="en-US"/>
           </a:p>
@@ -2919,7 +2920,7 @@
           <a:p>
             <a:fld id="{F0249701-11FC-451D-B9AC-2A68C1C5D58E}" type="datetimeFigureOut">
               <a:rPr lang="en-US" smtClean="0"/>
-              <a:t>6/15/2024</a:t>
+              <a:t>6/19/2024</a:t>
             </a:fld>
             <a:endParaRPr lang="en-US"/>
           </a:p>
@@ -5563,8 +5564,8 @@
           </a:p>
         </p:txBody>
       </p:sp>
-      <mc:AlternateContent xmlns:mc="http://schemas.openxmlformats.org/markup-compatibility/2006">
-        <mc:Choice xmlns:a14="http://schemas.microsoft.com/office/drawing/2010/main" Requires="a14">
+      <mc:AlternateContent xmlns:mc="http://schemas.openxmlformats.org/markup-compatibility/2006" xmlns:a14="http://schemas.microsoft.com/office/drawing/2010/main">
+        <mc:Choice Requires="a14">
           <p:sp>
             <p:nvSpPr>
               <p:cNvPr id="13" name="TextBox 12">
@@ -5593,6 +5594,7 @@
               </a:bodyPr>
               <a:lstStyle/>
               <a:p>
+                <a:pPr/>
                 <a14:m>
                   <m:oMathPara xmlns:m="http://schemas.openxmlformats.org/officeDocument/2006/math">
                     <m:oMathParaPr>
@@ -5614,7 +5616,7 @@
             </p:txBody>
           </p:sp>
         </mc:Choice>
-        <mc:Fallback>
+        <mc:Fallback xmlns="">
           <p:sp>
             <p:nvSpPr>
               <p:cNvPr id="13" name="TextBox 12">
@@ -5865,8 +5867,8 @@
           </a:fontRef>
         </p:style>
       </p:cxnSp>
-      <mc:AlternateContent xmlns:mc="http://schemas.openxmlformats.org/markup-compatibility/2006">
-        <mc:Choice xmlns:a14="http://schemas.microsoft.com/office/drawing/2010/main" Requires="a14">
+      <mc:AlternateContent xmlns:mc="http://schemas.openxmlformats.org/markup-compatibility/2006" xmlns:a14="http://schemas.microsoft.com/office/drawing/2010/main">
+        <mc:Choice Requires="a14">
           <p:sp>
             <p:nvSpPr>
               <p:cNvPr id="37" name="TextBox 36">
@@ -5895,6 +5897,7 @@
               </a:bodyPr>
               <a:lstStyle/>
               <a:p>
+                <a:pPr/>
                 <a14:m>
                   <m:oMathPara xmlns:m="http://schemas.openxmlformats.org/officeDocument/2006/math">
                     <m:oMathParaPr>
@@ -5933,7 +5936,7 @@
             </p:txBody>
           </p:sp>
         </mc:Choice>
-        <mc:Fallback>
+        <mc:Fallback xmlns="">
           <p:sp>
             <p:nvSpPr>
               <p:cNvPr id="37" name="TextBox 36">
@@ -5978,8 +5981,8 @@
           </p:sp>
         </mc:Fallback>
       </mc:AlternateContent>
-      <mc:AlternateContent xmlns:mc="http://schemas.openxmlformats.org/markup-compatibility/2006">
-        <mc:Choice xmlns:a14="http://schemas.microsoft.com/office/drawing/2010/main" Requires="a14">
+      <mc:AlternateContent xmlns:mc="http://schemas.openxmlformats.org/markup-compatibility/2006" xmlns:a14="http://schemas.microsoft.com/office/drawing/2010/main">
+        <mc:Choice Requires="a14">
           <p:sp>
             <p:nvSpPr>
               <p:cNvPr id="38" name="TextBox 37">
@@ -6008,6 +6011,7 @@
               </a:bodyPr>
               <a:lstStyle/>
               <a:p>
+                <a:pPr/>
                 <a14:m>
                   <m:oMathPara xmlns:m="http://schemas.openxmlformats.org/officeDocument/2006/math">
                     <m:oMathParaPr>
@@ -6053,7 +6057,7 @@
             </p:txBody>
           </p:sp>
         </mc:Choice>
-        <mc:Fallback>
+        <mc:Fallback xmlns="">
           <p:sp>
             <p:nvSpPr>
               <p:cNvPr id="38" name="TextBox 37">
@@ -6102,6 +6106,246 @@
     <p:extLst>
       <p:ext uri="{BB962C8B-B14F-4D97-AF65-F5344CB8AC3E}">
         <p14:creationId xmlns:p14="http://schemas.microsoft.com/office/powerpoint/2010/main" val="3718756436"/>
+      </p:ext>
+    </p:extLst>
+  </p:cSld>
+  <p:clrMapOvr>
+    <a:masterClrMapping/>
+  </p:clrMapOvr>
+</p:sld>
+</file>
+
+<file path=ppt/slides/slide12.xml><?xml version="1.0" encoding="utf-8"?>
+<p:sld xmlns:a="http://schemas.openxmlformats.org/drawingml/2006/main" xmlns:r="http://schemas.openxmlformats.org/officeDocument/2006/relationships" xmlns:p="http://schemas.openxmlformats.org/presentationml/2006/main">
+  <p:cSld>
+    <p:spTree>
+      <p:nvGrpSpPr>
+        <p:cNvPr id="1" name=""/>
+        <p:cNvGrpSpPr/>
+        <p:nvPr/>
+      </p:nvGrpSpPr>
+      <p:grpSpPr>
+        <a:xfrm>
+          <a:off x="0" y="0"/>
+          <a:ext cx="0" cy="0"/>
+          <a:chOff x="0" y="0"/>
+          <a:chExt cx="0" cy="0"/>
+        </a:xfrm>
+      </p:grpSpPr>
+      <p:pic>
+        <p:nvPicPr>
+          <p:cNvPr id="3" name="Picture 2">
+            <a:extLst>
+              <a:ext uri="{FF2B5EF4-FFF2-40B4-BE49-F238E27FC236}">
+                <a16:creationId xmlns:a16="http://schemas.microsoft.com/office/drawing/2014/main" id="{5631B552-E438-40CE-A9CA-A0032B574522}"/>
+              </a:ext>
+            </a:extLst>
+          </p:cNvPr>
+          <p:cNvPicPr>
+            <a:picLocks noChangeAspect="1"/>
+          </p:cNvPicPr>
+          <p:nvPr/>
+        </p:nvPicPr>
+        <p:blipFill>
+          <a:blip r:embed="rId2"/>
+          <a:stretch>
+            <a:fillRect/>
+          </a:stretch>
+        </p:blipFill>
+        <p:spPr>
+          <a:xfrm>
+            <a:off x="3671887" y="2505075"/>
+            <a:ext cx="4848225" cy="1847850"/>
+          </a:xfrm>
+          <a:prstGeom prst="rect">
+            <a:avLst/>
+          </a:prstGeom>
+        </p:spPr>
+      </p:pic>
+      <p:cxnSp>
+        <p:nvCxnSpPr>
+          <p:cNvPr id="5" name="Straight Arrow Connector 4">
+            <a:extLst>
+              <a:ext uri="{FF2B5EF4-FFF2-40B4-BE49-F238E27FC236}">
+                <a16:creationId xmlns:a16="http://schemas.microsoft.com/office/drawing/2014/main" id="{4C651D94-7D2F-4AC3-A24C-63C7A87E365A}"/>
+              </a:ext>
+            </a:extLst>
+          </p:cNvPr>
+          <p:cNvCxnSpPr>
+            <a:cxnSpLocks/>
+          </p:cNvCxnSpPr>
+          <p:nvPr/>
+        </p:nvCxnSpPr>
+        <p:spPr>
+          <a:xfrm flipV="1">
+            <a:off x="7170057" y="3236686"/>
+            <a:ext cx="420915" cy="812800"/>
+          </a:xfrm>
+          <a:prstGeom prst="straightConnector1">
+            <a:avLst/>
+          </a:prstGeom>
+          <a:ln w="63500">
+            <a:gradFill flip="none" rotWithShape="1">
+              <a:gsLst>
+                <a:gs pos="0">
+                  <a:schemeClr val="accent3">
+                    <a:lumMod val="40000"/>
+                    <a:lumOff val="60000"/>
+                  </a:schemeClr>
+                </a:gs>
+                <a:gs pos="50000">
+                  <a:schemeClr val="accent3">
+                    <a:lumMod val="75000"/>
+                  </a:schemeClr>
+                </a:gs>
+                <a:gs pos="100000">
+                  <a:schemeClr val="accent3">
+                    <a:lumMod val="41000"/>
+                  </a:schemeClr>
+                </a:gs>
+              </a:gsLst>
+              <a:path path="circle">
+                <a:fillToRect l="100000" t="100000"/>
+              </a:path>
+              <a:tileRect r="-100000" b="-100000"/>
+            </a:gradFill>
+            <a:headEnd type="stealth" w="lg" len="lg"/>
+            <a:tailEnd type="none" w="lg" len="lg"/>
+          </a:ln>
+        </p:spPr>
+        <p:style>
+          <a:lnRef idx="1">
+            <a:schemeClr val="accent1"/>
+          </a:lnRef>
+          <a:fillRef idx="0">
+            <a:schemeClr val="accent1"/>
+          </a:fillRef>
+          <a:effectRef idx="0">
+            <a:schemeClr val="accent1"/>
+          </a:effectRef>
+          <a:fontRef idx="minor">
+            <a:schemeClr val="tx1"/>
+          </a:fontRef>
+        </p:style>
+      </p:cxnSp>
+      <mc:AlternateContent xmlns:mc="http://schemas.openxmlformats.org/markup-compatibility/2006">
+        <mc:Choice xmlns:a14="http://schemas.microsoft.com/office/drawing/2010/main" Requires="a14">
+          <p:sp>
+            <p:nvSpPr>
+              <p:cNvPr id="17" name="TextBox 16">
+                <a:extLst>
+                  <a:ext uri="{FF2B5EF4-FFF2-40B4-BE49-F238E27FC236}">
+                    <a16:creationId xmlns:a16="http://schemas.microsoft.com/office/drawing/2014/main" id="{3159BD69-CAFB-4918-9C8E-4812CEED6EB4}"/>
+                  </a:ext>
+                </a:extLst>
+              </p:cNvPr>
+              <p:cNvSpPr txBox="1"/>
+              <p:nvPr/>
+            </p:nvSpPr>
+            <p:spPr>
+              <a:xfrm>
+                <a:off x="7121856" y="3236686"/>
+                <a:ext cx="383503" cy="369332"/>
+              </a:xfrm>
+              <a:prstGeom prst="rect">
+                <a:avLst/>
+              </a:prstGeom>
+              <a:noFill/>
+            </p:spPr>
+            <p:txBody>
+              <a:bodyPr wrap="none" lIns="0" tIns="0" rIns="0" bIns="0" rtlCol="0">
+                <a:spAutoFit/>
+              </a:bodyPr>
+              <a:lstStyle/>
+              <a:p>
+                <a14:m>
+                  <m:oMathPara xmlns:m="http://schemas.openxmlformats.org/officeDocument/2006/math">
+                    <m:oMathParaPr>
+                      <m:jc m:val="centerGroup"/>
+                    </m:oMathParaPr>
+                    <m:oMath xmlns:m="http://schemas.openxmlformats.org/officeDocument/2006/math">
+                      <m:sSup>
+                        <m:sSupPr>
+                          <m:ctrlPr>
+                            <a:rPr lang="en-US" sz="2400" i="1" smtClean="0">
+                              <a:latin typeface="Cambria Math" panose="02040503050406030204" pitchFamily="18" charset="0"/>
+                            </a:rPr>
+                          </m:ctrlPr>
+                        </m:sSupPr>
+                        <m:e>
+                          <m:r>
+                            <a:rPr lang="en-US" sz="2400" b="0" i="1" smtClean="0">
+                              <a:latin typeface="Cambria Math" panose="02040503050406030204" pitchFamily="18" charset="0"/>
+                            </a:rPr>
+                            <m:t>𝑔</m:t>
+                          </m:r>
+                        </m:e>
+                        <m:sup>
+                          <m:r>
+                            <a:rPr lang="en-US" sz="2400" b="0" i="1" smtClean="0">
+                              <a:latin typeface="Cambria Math" panose="02040503050406030204" pitchFamily="18" charset="0"/>
+                            </a:rPr>
+                            <m:t>∗</m:t>
+                          </m:r>
+                        </m:sup>
+                      </m:sSup>
+                    </m:oMath>
+                  </m:oMathPara>
+                </a14:m>
+                <a:endParaRPr lang="en-US" sz="2400" dirty="0"/>
+              </a:p>
+            </p:txBody>
+          </p:sp>
+        </mc:Choice>
+        <mc:Fallback>
+          <p:sp>
+            <p:nvSpPr>
+              <p:cNvPr id="17" name="TextBox 16">
+                <a:extLst>
+                  <a:ext uri="{FF2B5EF4-FFF2-40B4-BE49-F238E27FC236}">
+                    <a16:creationId xmlns:a16="http://schemas.microsoft.com/office/drawing/2014/main" id="{3159BD69-CAFB-4918-9C8E-4812CEED6EB4}"/>
+                  </a:ext>
+                </a:extLst>
+              </p:cNvPr>
+              <p:cNvSpPr txBox="1">
+                <a:spLocks noRot="1" noChangeAspect="1" noMove="1" noResize="1" noEditPoints="1" noAdjustHandles="1" noChangeArrowheads="1" noChangeShapeType="1" noTextEdit="1"/>
+              </p:cNvSpPr>
+              <p:nvPr/>
+            </p:nvSpPr>
+            <p:spPr>
+              <a:xfrm>
+                <a:off x="7121856" y="3236686"/>
+                <a:ext cx="383503" cy="369332"/>
+              </a:xfrm>
+              <a:prstGeom prst="rect">
+                <a:avLst/>
+              </a:prstGeom>
+              <a:blipFill>
+                <a:blip r:embed="rId3"/>
+                <a:stretch>
+                  <a:fillRect l="-19048" r="-3175" b="-24590"/>
+                </a:stretch>
+              </a:blipFill>
+            </p:spPr>
+            <p:txBody>
+              <a:bodyPr/>
+              <a:lstStyle/>
+              <a:p>
+                <a:r>
+                  <a:rPr lang="en-US">
+                    <a:noFill/>
+                  </a:rPr>
+                  <a:t> </a:t>
+                </a:r>
+              </a:p>
+            </p:txBody>
+          </p:sp>
+        </mc:Fallback>
+      </mc:AlternateContent>
+    </p:spTree>
+    <p:extLst>
+      <p:ext uri="{BB962C8B-B14F-4D97-AF65-F5344CB8AC3E}">
+        <p14:creationId xmlns:p14="http://schemas.microsoft.com/office/powerpoint/2010/main" val="3182285880"/>
       </p:ext>
     </p:extLst>
   </p:cSld>

--- a/volunteer/Drawings.pptx
+++ b/volunteer/Drawings.pptx
@@ -18,6 +18,9 @@
     <p:sldId id="267" r:id="rId12"/>
     <p:sldId id="268" r:id="rId13"/>
     <p:sldId id="269" r:id="rId14"/>
+    <p:sldId id="270" r:id="rId15"/>
+    <p:sldId id="271" r:id="rId16"/>
+    <p:sldId id="272" r:id="rId17"/>
   </p:sldIdLst>
   <p:sldSz cx="12192000" cy="6858000"/>
   <p:notesSz cx="6858000" cy="9144000"/>
@@ -283,7 +286,7 @@
           <a:p>
             <a:fld id="{F0249701-11FC-451D-B9AC-2A68C1C5D58E}" type="datetimeFigureOut">
               <a:rPr lang="en-US" smtClean="0"/>
-              <a:t>6/20/2024</a:t>
+              <a:t>6/22/2024</a:t>
             </a:fld>
             <a:endParaRPr lang="en-US"/>
           </a:p>
@@ -481,7 +484,7 @@
           <a:p>
             <a:fld id="{F0249701-11FC-451D-B9AC-2A68C1C5D58E}" type="datetimeFigureOut">
               <a:rPr lang="en-US" smtClean="0"/>
-              <a:t>6/20/2024</a:t>
+              <a:t>6/22/2024</a:t>
             </a:fld>
             <a:endParaRPr lang="en-US"/>
           </a:p>
@@ -689,7 +692,7 @@
           <a:p>
             <a:fld id="{F0249701-11FC-451D-B9AC-2A68C1C5D58E}" type="datetimeFigureOut">
               <a:rPr lang="en-US" smtClean="0"/>
-              <a:t>6/20/2024</a:t>
+              <a:t>6/22/2024</a:t>
             </a:fld>
             <a:endParaRPr lang="en-US"/>
           </a:p>
@@ -887,7 +890,7 @@
           <a:p>
             <a:fld id="{F0249701-11FC-451D-B9AC-2A68C1C5D58E}" type="datetimeFigureOut">
               <a:rPr lang="en-US" smtClean="0"/>
-              <a:t>6/20/2024</a:t>
+              <a:t>6/22/2024</a:t>
             </a:fld>
             <a:endParaRPr lang="en-US"/>
           </a:p>
@@ -1162,7 +1165,7 @@
           <a:p>
             <a:fld id="{F0249701-11FC-451D-B9AC-2A68C1C5D58E}" type="datetimeFigureOut">
               <a:rPr lang="en-US" smtClean="0"/>
-              <a:t>6/20/2024</a:t>
+              <a:t>6/22/2024</a:t>
             </a:fld>
             <a:endParaRPr lang="en-US"/>
           </a:p>
@@ -1427,7 +1430,7 @@
           <a:p>
             <a:fld id="{F0249701-11FC-451D-B9AC-2A68C1C5D58E}" type="datetimeFigureOut">
               <a:rPr lang="en-US" smtClean="0"/>
-              <a:t>6/20/2024</a:t>
+              <a:t>6/22/2024</a:t>
             </a:fld>
             <a:endParaRPr lang="en-US"/>
           </a:p>
@@ -1839,7 +1842,7 @@
           <a:p>
             <a:fld id="{F0249701-11FC-451D-B9AC-2A68C1C5D58E}" type="datetimeFigureOut">
               <a:rPr lang="en-US" smtClean="0"/>
-              <a:t>6/20/2024</a:t>
+              <a:t>6/22/2024</a:t>
             </a:fld>
             <a:endParaRPr lang="en-US"/>
           </a:p>
@@ -1980,7 +1983,7 @@
           <a:p>
             <a:fld id="{F0249701-11FC-451D-B9AC-2A68C1C5D58E}" type="datetimeFigureOut">
               <a:rPr lang="en-US" smtClean="0"/>
-              <a:t>6/20/2024</a:t>
+              <a:t>6/22/2024</a:t>
             </a:fld>
             <a:endParaRPr lang="en-US"/>
           </a:p>
@@ -2093,7 +2096,7 @@
           <a:p>
             <a:fld id="{F0249701-11FC-451D-B9AC-2A68C1C5D58E}" type="datetimeFigureOut">
               <a:rPr lang="en-US" smtClean="0"/>
-              <a:t>6/20/2024</a:t>
+              <a:t>6/22/2024</a:t>
             </a:fld>
             <a:endParaRPr lang="en-US"/>
           </a:p>
@@ -2404,7 +2407,7 @@
           <a:p>
             <a:fld id="{F0249701-11FC-451D-B9AC-2A68C1C5D58E}" type="datetimeFigureOut">
               <a:rPr lang="en-US" smtClean="0"/>
-              <a:t>6/20/2024</a:t>
+              <a:t>6/22/2024</a:t>
             </a:fld>
             <a:endParaRPr lang="en-US"/>
           </a:p>
@@ -2692,7 +2695,7 @@
           <a:p>
             <a:fld id="{F0249701-11FC-451D-B9AC-2A68C1C5D58E}" type="datetimeFigureOut">
               <a:rPr lang="en-US" smtClean="0"/>
-              <a:t>6/20/2024</a:t>
+              <a:t>6/22/2024</a:t>
             </a:fld>
             <a:endParaRPr lang="en-US"/>
           </a:p>
@@ -2933,7 +2936,7 @@
           <a:p>
             <a:fld id="{F0249701-11FC-451D-B9AC-2A68C1C5D58E}" type="datetimeFigureOut">
               <a:rPr lang="en-US" smtClean="0"/>
-              <a:t>6/20/2024</a:t>
+              <a:t>6/22/2024</a:t>
             </a:fld>
             <a:endParaRPr lang="en-US"/>
           </a:p>
@@ -6974,8 +6977,8 @@
           </a:p>
         </p:txBody>
       </p:sp>
-      <mc:AlternateContent xmlns:mc="http://schemas.openxmlformats.org/markup-compatibility/2006">
-        <mc:Choice xmlns:a14="http://schemas.microsoft.com/office/drawing/2010/main" Requires="a14">
+      <mc:AlternateContent xmlns:mc="http://schemas.openxmlformats.org/markup-compatibility/2006" xmlns:a14="http://schemas.microsoft.com/office/drawing/2010/main">
+        <mc:Choice Requires="a14">
           <p:sp>
             <p:nvSpPr>
               <p:cNvPr id="15" name="TextBox 14">
@@ -7047,7 +7050,7 @@
             </p:txBody>
           </p:sp>
         </mc:Choice>
-        <mc:Fallback>
+        <mc:Fallback xmlns="">
           <p:sp>
             <p:nvSpPr>
               <p:cNvPr id="15" name="TextBox 14">
@@ -7145,8 +7148,8 @@
           </a:p>
         </p:txBody>
       </p:sp>
-      <mc:AlternateContent xmlns:mc="http://schemas.openxmlformats.org/markup-compatibility/2006">
-        <mc:Choice xmlns:a14="http://schemas.microsoft.com/office/drawing/2010/main" Requires="a14">
+      <mc:AlternateContent xmlns:mc="http://schemas.openxmlformats.org/markup-compatibility/2006" xmlns:a14="http://schemas.microsoft.com/office/drawing/2010/main">
+        <mc:Choice Requires="a14">
           <p:sp>
             <p:nvSpPr>
               <p:cNvPr id="5" name="TextBox 4">
@@ -7175,6 +7178,7 @@
               </a:bodyPr>
               <a:lstStyle/>
               <a:p>
+                <a:pPr/>
                 <a14:m>
                   <m:oMathPara xmlns:m="http://schemas.openxmlformats.org/officeDocument/2006/math">
                     <m:oMathParaPr>
@@ -7196,7 +7200,7 @@
             </p:txBody>
           </p:sp>
         </mc:Choice>
-        <mc:Fallback>
+        <mc:Fallback xmlns="">
           <p:sp>
             <p:nvSpPr>
               <p:cNvPr id="5" name="TextBox 4">
@@ -7241,8 +7245,8 @@
           </p:sp>
         </mc:Fallback>
       </mc:AlternateContent>
-      <mc:AlternateContent xmlns:mc="http://schemas.openxmlformats.org/markup-compatibility/2006">
-        <mc:Choice xmlns:a14="http://schemas.microsoft.com/office/drawing/2010/main" Requires="a14">
+      <mc:AlternateContent xmlns:mc="http://schemas.openxmlformats.org/markup-compatibility/2006" xmlns:a14="http://schemas.microsoft.com/office/drawing/2010/main">
+        <mc:Choice Requires="a14">
           <p:sp>
             <p:nvSpPr>
               <p:cNvPr id="7" name="TextBox 6">
@@ -7271,6 +7275,7 @@
               </a:bodyPr>
               <a:lstStyle/>
               <a:p>
+                <a:pPr/>
                 <a14:m>
                   <m:oMathPara xmlns:m="http://schemas.openxmlformats.org/officeDocument/2006/math">
                     <m:oMathParaPr>
@@ -7312,7 +7317,7 @@
             </p:txBody>
           </p:sp>
         </mc:Choice>
-        <mc:Fallback>
+        <mc:Fallback xmlns="">
           <p:sp>
             <p:nvSpPr>
               <p:cNvPr id="7" name="TextBox 6">
@@ -7361,6 +7366,2123 @@
     <p:extLst>
       <p:ext uri="{BB962C8B-B14F-4D97-AF65-F5344CB8AC3E}">
         <p14:creationId xmlns:p14="http://schemas.microsoft.com/office/powerpoint/2010/main" val="3055112834"/>
+      </p:ext>
+    </p:extLst>
+  </p:cSld>
+  <p:clrMapOvr>
+    <a:masterClrMapping/>
+  </p:clrMapOvr>
+</p:sld>
+</file>
+
+<file path=ppt/slides/slide14.xml><?xml version="1.0" encoding="utf-8"?>
+<p:sld xmlns:a="http://schemas.openxmlformats.org/drawingml/2006/main" xmlns:r="http://schemas.openxmlformats.org/officeDocument/2006/relationships" xmlns:p="http://schemas.openxmlformats.org/presentationml/2006/main">
+  <p:cSld>
+    <p:spTree>
+      <p:nvGrpSpPr>
+        <p:cNvPr id="1" name=""/>
+        <p:cNvGrpSpPr/>
+        <p:nvPr/>
+      </p:nvGrpSpPr>
+      <p:grpSpPr>
+        <a:xfrm>
+          <a:off x="0" y="0"/>
+          <a:ext cx="0" cy="0"/>
+          <a:chOff x="0" y="0"/>
+          <a:chExt cx="0" cy="0"/>
+        </a:xfrm>
+      </p:grpSpPr>
+      <p:pic>
+        <p:nvPicPr>
+          <p:cNvPr id="6" name="Picture 5">
+            <a:extLst>
+              <a:ext uri="{FF2B5EF4-FFF2-40B4-BE49-F238E27FC236}">
+                <a16:creationId xmlns:a16="http://schemas.microsoft.com/office/drawing/2014/main" id="{156D2B24-0B11-41F7-8687-A08261854236}"/>
+              </a:ext>
+            </a:extLst>
+          </p:cNvPr>
+          <p:cNvPicPr>
+            <a:picLocks noChangeAspect="1"/>
+          </p:cNvPicPr>
+          <p:nvPr/>
+        </p:nvPicPr>
+        <p:blipFill>
+          <a:blip r:embed="rId2"/>
+          <a:stretch>
+            <a:fillRect/>
+          </a:stretch>
+        </p:blipFill>
+        <p:spPr>
+          <a:xfrm>
+            <a:off x="1477056" y="2073955"/>
+            <a:ext cx="2619375" cy="2390775"/>
+          </a:xfrm>
+          <a:prstGeom prst="rect">
+            <a:avLst/>
+          </a:prstGeom>
+        </p:spPr>
+      </p:pic>
+      <p:pic>
+        <p:nvPicPr>
+          <p:cNvPr id="8" name="Picture 7">
+            <a:extLst>
+              <a:ext uri="{FF2B5EF4-FFF2-40B4-BE49-F238E27FC236}">
+                <a16:creationId xmlns:a16="http://schemas.microsoft.com/office/drawing/2014/main" id="{71923015-63F2-45EB-9C61-E52A5317D6B2}"/>
+              </a:ext>
+            </a:extLst>
+          </p:cNvPr>
+          <p:cNvPicPr>
+            <a:picLocks noChangeAspect="1"/>
+          </p:cNvPicPr>
+          <p:nvPr/>
+        </p:nvPicPr>
+        <p:blipFill>
+          <a:blip r:embed="rId3"/>
+          <a:stretch>
+            <a:fillRect/>
+          </a:stretch>
+        </p:blipFill>
+        <p:spPr>
+          <a:xfrm>
+            <a:off x="6947123" y="2238971"/>
+            <a:ext cx="2238601" cy="2259588"/>
+          </a:xfrm>
+          <a:prstGeom prst="rect">
+            <a:avLst/>
+          </a:prstGeom>
+        </p:spPr>
+      </p:pic>
+      <mc:AlternateContent xmlns:mc="http://schemas.openxmlformats.org/markup-compatibility/2006">
+        <mc:Choice xmlns:a14="http://schemas.microsoft.com/office/drawing/2010/main" Requires="a14">
+          <p:sp>
+            <p:nvSpPr>
+              <p:cNvPr id="9" name="TextBox 8">
+                <a:extLst>
+                  <a:ext uri="{FF2B5EF4-FFF2-40B4-BE49-F238E27FC236}">
+                    <a16:creationId xmlns:a16="http://schemas.microsoft.com/office/drawing/2014/main" id="{A9C4C580-7A48-4170-BC32-9C66BF044FEF}"/>
+                  </a:ext>
+                </a:extLst>
+              </p:cNvPr>
+              <p:cNvSpPr txBox="1"/>
+              <p:nvPr/>
+            </p:nvSpPr>
+            <p:spPr>
+              <a:xfrm>
+                <a:off x="4009054" y="2922870"/>
+                <a:ext cx="599523" cy="738664"/>
+              </a:xfrm>
+              <a:prstGeom prst="rect">
+                <a:avLst/>
+              </a:prstGeom>
+              <a:noFill/>
+            </p:spPr>
+            <p:txBody>
+              <a:bodyPr wrap="none" lIns="0" tIns="0" rIns="0" bIns="0" rtlCol="0">
+                <a:spAutoFit/>
+              </a:bodyPr>
+              <a:lstStyle/>
+              <a:p>
+                <a14:m>
+                  <m:oMathPara xmlns:m="http://schemas.openxmlformats.org/officeDocument/2006/math">
+                    <m:oMathParaPr>
+                      <m:jc m:val="centerGroup"/>
+                    </m:oMathParaPr>
+                    <m:oMath xmlns:m="http://schemas.openxmlformats.org/officeDocument/2006/math">
+                      <m:r>
+                        <a:rPr lang="en-US" sz="4800" b="1" i="0" smtClean="0">
+                          <a:latin typeface="Cambria Math" panose="02040503050406030204" pitchFamily="18" charset="0"/>
+                        </a:rPr>
+                        <m:t>+</m:t>
+                      </m:r>
+                    </m:oMath>
+                  </m:oMathPara>
+                </a14:m>
+                <a:endParaRPr lang="en-US" sz="4800" b="1" dirty="0"/>
+              </a:p>
+            </p:txBody>
+          </p:sp>
+        </mc:Choice>
+        <mc:Fallback>
+          <p:sp>
+            <p:nvSpPr>
+              <p:cNvPr id="9" name="TextBox 8">
+                <a:extLst>
+                  <a:ext uri="{FF2B5EF4-FFF2-40B4-BE49-F238E27FC236}">
+                    <a16:creationId xmlns:a16="http://schemas.microsoft.com/office/drawing/2014/main" id="{A9C4C580-7A48-4170-BC32-9C66BF044FEF}"/>
+                  </a:ext>
+                </a:extLst>
+              </p:cNvPr>
+              <p:cNvSpPr txBox="1">
+                <a:spLocks noRot="1" noChangeAspect="1" noMove="1" noResize="1" noEditPoints="1" noAdjustHandles="1" noChangeArrowheads="1" noChangeShapeType="1" noTextEdit="1"/>
+              </p:cNvSpPr>
+              <p:nvPr/>
+            </p:nvSpPr>
+            <p:spPr>
+              <a:xfrm>
+                <a:off x="4009054" y="2922870"/>
+                <a:ext cx="599523" cy="738664"/>
+              </a:xfrm>
+              <a:prstGeom prst="rect">
+                <a:avLst/>
+              </a:prstGeom>
+              <a:blipFill>
+                <a:blip r:embed="rId4"/>
+                <a:stretch>
+                  <a:fillRect/>
+                </a:stretch>
+              </a:blipFill>
+            </p:spPr>
+            <p:txBody>
+              <a:bodyPr/>
+              <a:lstStyle/>
+              <a:p>
+                <a:r>
+                  <a:rPr lang="en-US">
+                    <a:noFill/>
+                  </a:rPr>
+                  <a:t> </a:t>
+                </a:r>
+              </a:p>
+            </p:txBody>
+          </p:sp>
+        </mc:Fallback>
+      </mc:AlternateContent>
+      <p:pic>
+        <p:nvPicPr>
+          <p:cNvPr id="13" name="Picture 12">
+            <a:extLst>
+              <a:ext uri="{FF2B5EF4-FFF2-40B4-BE49-F238E27FC236}">
+                <a16:creationId xmlns:a16="http://schemas.microsoft.com/office/drawing/2014/main" id="{F5B2A601-ADDD-4F8D-921B-6DD00213D397}"/>
+              </a:ext>
+            </a:extLst>
+          </p:cNvPr>
+          <p:cNvPicPr>
+            <a:picLocks noChangeAspect="1"/>
+          </p:cNvPicPr>
+          <p:nvPr/>
+        </p:nvPicPr>
+        <p:blipFill>
+          <a:blip r:embed="rId5">
+            <a:clrChange>
+              <a:clrFrom>
+                <a:srgbClr val="FFFFFF"/>
+              </a:clrFrom>
+              <a:clrTo>
+                <a:srgbClr val="FFFFFF">
+                  <a:alpha val="0"/>
+                </a:srgbClr>
+              </a:clrTo>
+            </a:clrChange>
+            <a:duotone>
+              <a:schemeClr val="accent6">
+                <a:shade val="45000"/>
+                <a:satMod val="135000"/>
+              </a:schemeClr>
+              <a:prstClr val="white"/>
+            </a:duotone>
+          </a:blip>
+          <a:stretch>
+            <a:fillRect/>
+          </a:stretch>
+        </p:blipFill>
+        <p:spPr>
+          <a:xfrm>
+            <a:off x="4406292" y="1766972"/>
+            <a:ext cx="1808189" cy="2749730"/>
+          </a:xfrm>
+          <a:prstGeom prst="rect">
+            <a:avLst/>
+          </a:prstGeom>
+        </p:spPr>
+      </p:pic>
+      <mc:AlternateContent xmlns:mc="http://schemas.openxmlformats.org/markup-compatibility/2006">
+        <mc:Choice xmlns:a14="http://schemas.microsoft.com/office/drawing/2010/main" Requires="a14">
+          <p:sp>
+            <p:nvSpPr>
+              <p:cNvPr id="15" name="TextBox 14">
+                <a:extLst>
+                  <a:ext uri="{FF2B5EF4-FFF2-40B4-BE49-F238E27FC236}">
+                    <a16:creationId xmlns:a16="http://schemas.microsoft.com/office/drawing/2014/main" id="{D46D2A58-DC21-4A41-A7C0-DBDEE661779A}"/>
+                  </a:ext>
+                </a:extLst>
+              </p:cNvPr>
+              <p:cNvSpPr txBox="1"/>
+              <p:nvPr/>
+            </p:nvSpPr>
+            <p:spPr>
+              <a:xfrm>
+                <a:off x="6037739" y="2900010"/>
+                <a:ext cx="599523" cy="738664"/>
+              </a:xfrm>
+              <a:prstGeom prst="rect">
+                <a:avLst/>
+              </a:prstGeom>
+              <a:noFill/>
+            </p:spPr>
+            <p:txBody>
+              <a:bodyPr wrap="none" lIns="0" tIns="0" rIns="0" bIns="0" rtlCol="0">
+                <a:spAutoFit/>
+              </a:bodyPr>
+              <a:lstStyle/>
+              <a:p>
+                <a14:m>
+                  <m:oMathPara xmlns:m="http://schemas.openxmlformats.org/officeDocument/2006/math">
+                    <m:oMathParaPr>
+                      <m:jc m:val="centerGroup"/>
+                    </m:oMathParaPr>
+                    <m:oMath xmlns:m="http://schemas.openxmlformats.org/officeDocument/2006/math">
+                      <m:r>
+                        <a:rPr lang="en-US" sz="4800" b="1" i="1" smtClean="0">
+                          <a:latin typeface="Cambria Math" panose="02040503050406030204" pitchFamily="18" charset="0"/>
+                        </a:rPr>
+                        <m:t>=</m:t>
+                      </m:r>
+                    </m:oMath>
+                  </m:oMathPara>
+                </a14:m>
+                <a:endParaRPr lang="en-US" sz="4800" b="1" dirty="0"/>
+              </a:p>
+            </p:txBody>
+          </p:sp>
+        </mc:Choice>
+        <mc:Fallback>
+          <p:sp>
+            <p:nvSpPr>
+              <p:cNvPr id="15" name="TextBox 14">
+                <a:extLst>
+                  <a:ext uri="{FF2B5EF4-FFF2-40B4-BE49-F238E27FC236}">
+                    <a16:creationId xmlns:a16="http://schemas.microsoft.com/office/drawing/2014/main" id="{D46D2A58-DC21-4A41-A7C0-DBDEE661779A}"/>
+                  </a:ext>
+                </a:extLst>
+              </p:cNvPr>
+              <p:cNvSpPr txBox="1">
+                <a:spLocks noRot="1" noChangeAspect="1" noMove="1" noResize="1" noEditPoints="1" noAdjustHandles="1" noChangeArrowheads="1" noChangeShapeType="1" noTextEdit="1"/>
+              </p:cNvSpPr>
+              <p:nvPr/>
+            </p:nvSpPr>
+            <p:spPr>
+              <a:xfrm>
+                <a:off x="6037739" y="2900010"/>
+                <a:ext cx="599523" cy="738664"/>
+              </a:xfrm>
+              <a:prstGeom prst="rect">
+                <a:avLst/>
+              </a:prstGeom>
+              <a:blipFill>
+                <a:blip r:embed="rId6"/>
+                <a:stretch>
+                  <a:fillRect/>
+                </a:stretch>
+              </a:blipFill>
+            </p:spPr>
+            <p:txBody>
+              <a:bodyPr/>
+              <a:lstStyle/>
+              <a:p>
+                <a:r>
+                  <a:rPr lang="en-US">
+                    <a:noFill/>
+                  </a:rPr>
+                  <a:t> </a:t>
+                </a:r>
+              </a:p>
+            </p:txBody>
+          </p:sp>
+        </mc:Fallback>
+      </mc:AlternateContent>
+    </p:spTree>
+    <p:extLst>
+      <p:ext uri="{BB962C8B-B14F-4D97-AF65-F5344CB8AC3E}">
+        <p14:creationId xmlns:p14="http://schemas.microsoft.com/office/powerpoint/2010/main" val="2090622304"/>
+      </p:ext>
+    </p:extLst>
+  </p:cSld>
+  <p:clrMapOvr>
+    <a:masterClrMapping/>
+  </p:clrMapOvr>
+</p:sld>
+</file>
+
+<file path=ppt/slides/slide15.xml><?xml version="1.0" encoding="utf-8"?>
+<p:sld xmlns:a="http://schemas.openxmlformats.org/drawingml/2006/main" xmlns:r="http://schemas.openxmlformats.org/officeDocument/2006/relationships" xmlns:p="http://schemas.openxmlformats.org/presentationml/2006/main">
+  <p:cSld>
+    <p:spTree>
+      <p:nvGrpSpPr>
+        <p:cNvPr id="1" name=""/>
+        <p:cNvGrpSpPr/>
+        <p:nvPr/>
+      </p:nvGrpSpPr>
+      <p:grpSpPr>
+        <a:xfrm>
+          <a:off x="0" y="0"/>
+          <a:ext cx="0" cy="0"/>
+          <a:chOff x="0" y="0"/>
+          <a:chExt cx="0" cy="0"/>
+        </a:xfrm>
+      </p:grpSpPr>
+      <p:pic>
+        <p:nvPicPr>
+          <p:cNvPr id="3" name="Picture 2">
+            <a:extLst>
+              <a:ext uri="{FF2B5EF4-FFF2-40B4-BE49-F238E27FC236}">
+                <a16:creationId xmlns:a16="http://schemas.microsoft.com/office/drawing/2014/main" id="{9BA2B2D1-93CB-47E0-8A09-01317501D5D1}"/>
+              </a:ext>
+            </a:extLst>
+          </p:cNvPr>
+          <p:cNvPicPr>
+            <a:picLocks noChangeAspect="1"/>
+          </p:cNvPicPr>
+          <p:nvPr/>
+        </p:nvPicPr>
+        <p:blipFill rotWithShape="1">
+          <a:blip r:embed="rId2">
+            <a:extLst>
+              <a:ext uri="{BEBA8EAE-BF5A-486C-A8C5-ECC9F3942E4B}">
+                <a14:imgProps xmlns:a14="http://schemas.microsoft.com/office/drawing/2010/main">
+                  <a14:imgLayer r:embed="rId3">
+                    <a14:imgEffect>
+                      <a14:backgroundRemoval t="10000" b="90000" l="10000" r="90000">
+                        <a14:foregroundMark x1="39344" y1="44044" x2="34426" y2="79501"/>
+                        <a14:foregroundMark x1="34426" y1="79501" x2="64754" y2="78947"/>
+                        <a14:foregroundMark x1="64754" y1="78947" x2="68579" y2="59003"/>
+                        <a14:foregroundMark x1="68579" y1="59003" x2="65847" y2="44598"/>
+                        <a14:foregroundMark x1="65847" y1="44598" x2="45902" y2="41828"/>
+                        <a14:foregroundMark x1="45902" y1="41828" x2="36612" y2="42936"/>
+                        <a14:foregroundMark x1="42896" y1="42659" x2="50546" y2="55956"/>
+                        <a14:foregroundMark x1="50546" y1="55956" x2="64481" y2="58449"/>
+                        <a14:foregroundMark x1="64481" y1="58449" x2="44536" y2="76177"/>
+                        <a14:foregroundMark x1="44536" y1="76177" x2="31967" y2="61496"/>
+                        <a14:foregroundMark x1="31967" y1="61496" x2="34426" y2="47091"/>
+                        <a14:foregroundMark x1="34426" y1="47091" x2="34426" y2="62050"/>
+                        <a14:foregroundMark x1="34426" y1="62050" x2="40164" y2="76454"/>
+                        <a14:foregroundMark x1="40164" y1="76454" x2="41257" y2="77008"/>
+                        <a14:foregroundMark x1="57650" y1="76731" x2="48361" y2="62604"/>
+                        <a14:foregroundMark x1="48361" y1="62604" x2="47268" y2="47922"/>
+                        <a14:foregroundMark x1="47268" y1="47922" x2="61202" y2="55125"/>
+                        <a14:foregroundMark x1="61202" y1="55125" x2="41530" y2="66205"/>
+                        <a14:foregroundMark x1="41530" y1="66205" x2="36885" y2="77285"/>
+                        <a14:foregroundMark x1="41257" y1="54571" x2="40984" y2="50416"/>
+                        <a14:foregroundMark x1="53279" y1="45706" x2="55464" y2="46260"/>
+                        <a14:foregroundMark x1="62022" y1="74515" x2="59836" y2="70083"/>
+                        <a14:foregroundMark x1="59836" y1="81163" x2="68306" y2="78116"/>
+                        <a14:foregroundMark x1="69126" y1="74238" x2="68852" y2="45429"/>
+                        <a14:foregroundMark x1="67760" y1="72576" x2="64481" y2="79778"/>
+                        <a14:foregroundMark x1="64754" y1="80886" x2="67486" y2="74792"/>
+                        <a14:foregroundMark x1="67760" y1="76454" x2="67760" y2="76454"/>
+                        <a14:foregroundMark x1="69945" y1="78947" x2="64208" y2="80332"/>
+                        <a14:foregroundMark x1="69672" y1="75346" x2="69672" y2="72853"/>
+                        <a14:foregroundMark x1="33333" y1="64266" x2="33880" y2="78947"/>
+                        <a14:foregroundMark x1="33880" y1="78947" x2="33060" y2="45152"/>
+                        <a14:foregroundMark x1="33060" y1="45152" x2="36885" y2="43490"/>
+                        <a14:foregroundMark x1="32240" y1="43490" x2="34426" y2="44875"/>
+                        <a14:foregroundMark x1="31148" y1="43767" x2="36612" y2="43767"/>
+                      </a14:backgroundRemoval>
+                    </a14:imgEffect>
+                  </a14:imgLayer>
+                </a14:imgProps>
+              </a:ext>
+              <a:ext uri="{28A0092B-C50C-407E-A947-70E740481C1C}">
+                <a14:useLocalDpi xmlns:a14="http://schemas.microsoft.com/office/drawing/2010/main" val="0"/>
+              </a:ext>
+            </a:extLst>
+          </a:blip>
+          <a:srcRect l="32041" t="43239" r="30594" b="19470"/>
+          <a:stretch/>
+        </p:blipFill>
+        <p:spPr>
+          <a:xfrm>
+            <a:off x="4977675" y="2116587"/>
+            <a:ext cx="2236650" cy="2201704"/>
+          </a:xfrm>
+          <a:prstGeom prst="rect">
+            <a:avLst/>
+          </a:prstGeom>
+        </p:spPr>
+      </p:pic>
+      <mc:AlternateContent xmlns:mc="http://schemas.openxmlformats.org/markup-compatibility/2006">
+        <mc:Choice xmlns:a14="http://schemas.microsoft.com/office/drawing/2010/main" Requires="a14">
+          <p:sp>
+            <p:nvSpPr>
+              <p:cNvPr id="4" name="TextBox 3">
+                <a:extLst>
+                  <a:ext uri="{FF2B5EF4-FFF2-40B4-BE49-F238E27FC236}">
+                    <a16:creationId xmlns:a16="http://schemas.microsoft.com/office/drawing/2014/main" id="{5EEF2ABF-4430-41F9-8090-5EEC37FD40DD}"/>
+                  </a:ext>
+                </a:extLst>
+              </p:cNvPr>
+              <p:cNvSpPr txBox="1"/>
+              <p:nvPr/>
+            </p:nvSpPr>
+            <p:spPr>
+              <a:xfrm>
+                <a:off x="4799324" y="1624144"/>
+                <a:ext cx="356701" cy="492443"/>
+              </a:xfrm>
+              <a:prstGeom prst="rect">
+                <a:avLst/>
+              </a:prstGeom>
+              <a:noFill/>
+            </p:spPr>
+            <p:txBody>
+              <a:bodyPr wrap="none" lIns="0" tIns="0" rIns="0" bIns="0" rtlCol="0">
+                <a:spAutoFit/>
+              </a:bodyPr>
+              <a:lstStyle/>
+              <a:p>
+                <a14:m>
+                  <m:oMathPara xmlns:m="http://schemas.openxmlformats.org/officeDocument/2006/math">
+                    <m:oMathParaPr>
+                      <m:jc m:val="centerGroup"/>
+                    </m:oMathParaPr>
+                    <m:oMath xmlns:m="http://schemas.openxmlformats.org/officeDocument/2006/math">
+                      <m:r>
+                        <a:rPr lang="en-US" sz="3200" b="0" i="1" smtClean="0">
+                          <a:latin typeface="Cambria Math" panose="02040503050406030204" pitchFamily="18" charset="0"/>
+                        </a:rPr>
+                        <m:t>𝐴</m:t>
+                      </m:r>
+                    </m:oMath>
+                  </m:oMathPara>
+                </a14:m>
+                <a:endParaRPr lang="en-US" sz="3200" dirty="0"/>
+              </a:p>
+            </p:txBody>
+          </p:sp>
+        </mc:Choice>
+        <mc:Fallback>
+          <p:sp>
+            <p:nvSpPr>
+              <p:cNvPr id="4" name="TextBox 3">
+                <a:extLst>
+                  <a:ext uri="{FF2B5EF4-FFF2-40B4-BE49-F238E27FC236}">
+                    <a16:creationId xmlns:a16="http://schemas.microsoft.com/office/drawing/2014/main" id="{5EEF2ABF-4430-41F9-8090-5EEC37FD40DD}"/>
+                  </a:ext>
+                </a:extLst>
+              </p:cNvPr>
+              <p:cNvSpPr txBox="1">
+                <a:spLocks noRot="1" noChangeAspect="1" noMove="1" noResize="1" noEditPoints="1" noAdjustHandles="1" noChangeArrowheads="1" noChangeShapeType="1" noTextEdit="1"/>
+              </p:cNvSpPr>
+              <p:nvPr/>
+            </p:nvSpPr>
+            <p:spPr>
+              <a:xfrm>
+                <a:off x="4799324" y="1624144"/>
+                <a:ext cx="356701" cy="492443"/>
+              </a:xfrm>
+              <a:prstGeom prst="rect">
+                <a:avLst/>
+              </a:prstGeom>
+              <a:blipFill>
+                <a:blip r:embed="rId4"/>
+                <a:stretch>
+                  <a:fillRect/>
+                </a:stretch>
+              </a:blipFill>
+            </p:spPr>
+            <p:txBody>
+              <a:bodyPr/>
+              <a:lstStyle/>
+              <a:p>
+                <a:r>
+                  <a:rPr lang="en-US">
+                    <a:noFill/>
+                  </a:rPr>
+                  <a:t> </a:t>
+                </a:r>
+              </a:p>
+            </p:txBody>
+          </p:sp>
+        </mc:Fallback>
+      </mc:AlternateContent>
+      <mc:AlternateContent xmlns:mc="http://schemas.openxmlformats.org/markup-compatibility/2006">
+        <mc:Choice xmlns:a14="http://schemas.microsoft.com/office/drawing/2010/main" Requires="a14">
+          <p:sp>
+            <p:nvSpPr>
+              <p:cNvPr id="5" name="TextBox 4">
+                <a:extLst>
+                  <a:ext uri="{FF2B5EF4-FFF2-40B4-BE49-F238E27FC236}">
+                    <a16:creationId xmlns:a16="http://schemas.microsoft.com/office/drawing/2014/main" id="{36F66FAF-2974-4E4D-864C-8EC6AA6FB620}"/>
+                  </a:ext>
+                </a:extLst>
+              </p:cNvPr>
+              <p:cNvSpPr txBox="1"/>
+              <p:nvPr/>
+            </p:nvSpPr>
+            <p:spPr>
+              <a:xfrm>
+                <a:off x="4641669" y="4072069"/>
+                <a:ext cx="373307" cy="492443"/>
+              </a:xfrm>
+              <a:prstGeom prst="rect">
+                <a:avLst/>
+              </a:prstGeom>
+              <a:noFill/>
+            </p:spPr>
+            <p:txBody>
+              <a:bodyPr wrap="none" lIns="0" tIns="0" rIns="0" bIns="0" rtlCol="0">
+                <a:spAutoFit/>
+              </a:bodyPr>
+              <a:lstStyle/>
+              <a:p>
+                <a14:m>
+                  <m:oMathPara xmlns:m="http://schemas.openxmlformats.org/officeDocument/2006/math">
+                    <m:oMathParaPr>
+                      <m:jc m:val="centerGroup"/>
+                    </m:oMathParaPr>
+                    <m:oMath xmlns:m="http://schemas.openxmlformats.org/officeDocument/2006/math">
+                      <m:r>
+                        <a:rPr lang="en-US" sz="3200" b="0" i="1" smtClean="0">
+                          <a:latin typeface="Cambria Math" panose="02040503050406030204" pitchFamily="18" charset="0"/>
+                        </a:rPr>
+                        <m:t>𝐵</m:t>
+                      </m:r>
+                    </m:oMath>
+                  </m:oMathPara>
+                </a14:m>
+                <a:endParaRPr lang="en-US" sz="3200" dirty="0"/>
+              </a:p>
+            </p:txBody>
+          </p:sp>
+        </mc:Choice>
+        <mc:Fallback>
+          <p:sp>
+            <p:nvSpPr>
+              <p:cNvPr id="5" name="TextBox 4">
+                <a:extLst>
+                  <a:ext uri="{FF2B5EF4-FFF2-40B4-BE49-F238E27FC236}">
+                    <a16:creationId xmlns:a16="http://schemas.microsoft.com/office/drawing/2014/main" id="{36F66FAF-2974-4E4D-864C-8EC6AA6FB620}"/>
+                  </a:ext>
+                </a:extLst>
+              </p:cNvPr>
+              <p:cNvSpPr txBox="1">
+                <a:spLocks noRot="1" noChangeAspect="1" noMove="1" noResize="1" noEditPoints="1" noAdjustHandles="1" noChangeArrowheads="1" noChangeShapeType="1" noTextEdit="1"/>
+              </p:cNvSpPr>
+              <p:nvPr/>
+            </p:nvSpPr>
+            <p:spPr>
+              <a:xfrm>
+                <a:off x="4641669" y="4072069"/>
+                <a:ext cx="373307" cy="492443"/>
+              </a:xfrm>
+              <a:prstGeom prst="rect">
+                <a:avLst/>
+              </a:prstGeom>
+              <a:blipFill>
+                <a:blip r:embed="rId5"/>
+                <a:stretch>
+                  <a:fillRect/>
+                </a:stretch>
+              </a:blipFill>
+            </p:spPr>
+            <p:txBody>
+              <a:bodyPr/>
+              <a:lstStyle/>
+              <a:p>
+                <a:r>
+                  <a:rPr lang="en-US">
+                    <a:noFill/>
+                  </a:rPr>
+                  <a:t> </a:t>
+                </a:r>
+              </a:p>
+            </p:txBody>
+          </p:sp>
+        </mc:Fallback>
+      </mc:AlternateContent>
+      <mc:AlternateContent xmlns:mc="http://schemas.openxmlformats.org/markup-compatibility/2006">
+        <mc:Choice xmlns:a14="http://schemas.microsoft.com/office/drawing/2010/main" Requires="a14">
+          <p:sp>
+            <p:nvSpPr>
+              <p:cNvPr id="6" name="TextBox 5">
+                <a:extLst>
+                  <a:ext uri="{FF2B5EF4-FFF2-40B4-BE49-F238E27FC236}">
+                    <a16:creationId xmlns:a16="http://schemas.microsoft.com/office/drawing/2014/main" id="{52D9CA08-7E1B-4EB2-89DF-8A93F48A67EA}"/>
+                  </a:ext>
+                </a:extLst>
+              </p:cNvPr>
+              <p:cNvSpPr txBox="1"/>
+              <p:nvPr/>
+            </p:nvSpPr>
+            <p:spPr>
+              <a:xfrm>
+                <a:off x="7206022" y="4147052"/>
+                <a:ext cx="356251" cy="492443"/>
+              </a:xfrm>
+              <a:prstGeom prst="rect">
+                <a:avLst/>
+              </a:prstGeom>
+              <a:noFill/>
+            </p:spPr>
+            <p:txBody>
+              <a:bodyPr wrap="none" lIns="0" tIns="0" rIns="0" bIns="0" rtlCol="0">
+                <a:spAutoFit/>
+              </a:bodyPr>
+              <a:lstStyle/>
+              <a:p>
+                <a14:m>
+                  <m:oMathPara xmlns:m="http://schemas.openxmlformats.org/officeDocument/2006/math">
+                    <m:oMathParaPr>
+                      <m:jc m:val="centerGroup"/>
+                    </m:oMathParaPr>
+                    <m:oMath xmlns:m="http://schemas.openxmlformats.org/officeDocument/2006/math">
+                      <m:r>
+                        <a:rPr lang="en-US" sz="3200" b="0" i="1" smtClean="0">
+                          <a:latin typeface="Cambria Math" panose="02040503050406030204" pitchFamily="18" charset="0"/>
+                        </a:rPr>
+                        <m:t>𝐶</m:t>
+                      </m:r>
+                    </m:oMath>
+                  </m:oMathPara>
+                </a14:m>
+                <a:endParaRPr lang="en-US" sz="3200" dirty="0"/>
+              </a:p>
+            </p:txBody>
+          </p:sp>
+        </mc:Choice>
+        <mc:Fallback>
+          <p:sp>
+            <p:nvSpPr>
+              <p:cNvPr id="6" name="TextBox 5">
+                <a:extLst>
+                  <a:ext uri="{FF2B5EF4-FFF2-40B4-BE49-F238E27FC236}">
+                    <a16:creationId xmlns:a16="http://schemas.microsoft.com/office/drawing/2014/main" id="{52D9CA08-7E1B-4EB2-89DF-8A93F48A67EA}"/>
+                  </a:ext>
+                </a:extLst>
+              </p:cNvPr>
+              <p:cNvSpPr txBox="1">
+                <a:spLocks noRot="1" noChangeAspect="1" noMove="1" noResize="1" noEditPoints="1" noAdjustHandles="1" noChangeArrowheads="1" noChangeShapeType="1" noTextEdit="1"/>
+              </p:cNvSpPr>
+              <p:nvPr/>
+            </p:nvSpPr>
+            <p:spPr>
+              <a:xfrm>
+                <a:off x="7206022" y="4147052"/>
+                <a:ext cx="356251" cy="492443"/>
+              </a:xfrm>
+              <a:prstGeom prst="rect">
+                <a:avLst/>
+              </a:prstGeom>
+              <a:blipFill>
+                <a:blip r:embed="rId6"/>
+                <a:stretch>
+                  <a:fillRect/>
+                </a:stretch>
+              </a:blipFill>
+            </p:spPr>
+            <p:txBody>
+              <a:bodyPr/>
+              <a:lstStyle/>
+              <a:p>
+                <a:r>
+                  <a:rPr lang="en-US">
+                    <a:noFill/>
+                  </a:rPr>
+                  <a:t> </a:t>
+                </a:r>
+              </a:p>
+            </p:txBody>
+          </p:sp>
+        </mc:Fallback>
+      </mc:AlternateContent>
+      <mc:AlternateContent xmlns:mc="http://schemas.openxmlformats.org/markup-compatibility/2006">
+        <mc:Choice xmlns:a14="http://schemas.microsoft.com/office/drawing/2010/main" Requires="a14">
+          <p:sp>
+            <p:nvSpPr>
+              <p:cNvPr id="7" name="TextBox 6">
+                <a:extLst>
+                  <a:ext uri="{FF2B5EF4-FFF2-40B4-BE49-F238E27FC236}">
+                    <a16:creationId xmlns:a16="http://schemas.microsoft.com/office/drawing/2014/main" id="{1A54D7CB-0FF1-4361-9DF7-FD1373FB2043}"/>
+                  </a:ext>
+                </a:extLst>
+              </p:cNvPr>
+              <p:cNvSpPr txBox="1"/>
+              <p:nvPr/>
+            </p:nvSpPr>
+            <p:spPr>
+              <a:xfrm>
+                <a:off x="7106966" y="1768210"/>
+                <a:ext cx="388761" cy="492443"/>
+              </a:xfrm>
+              <a:prstGeom prst="rect">
+                <a:avLst/>
+              </a:prstGeom>
+              <a:noFill/>
+            </p:spPr>
+            <p:txBody>
+              <a:bodyPr wrap="none" lIns="0" tIns="0" rIns="0" bIns="0" rtlCol="0">
+                <a:spAutoFit/>
+              </a:bodyPr>
+              <a:lstStyle/>
+              <a:p>
+                <a14:m>
+                  <m:oMathPara xmlns:m="http://schemas.openxmlformats.org/officeDocument/2006/math">
+                    <m:oMathParaPr>
+                      <m:jc m:val="centerGroup"/>
+                    </m:oMathParaPr>
+                    <m:oMath xmlns:m="http://schemas.openxmlformats.org/officeDocument/2006/math">
+                      <m:r>
+                        <a:rPr lang="en-US" sz="3200" b="0" i="1" smtClean="0">
+                          <a:latin typeface="Cambria Math" panose="02040503050406030204" pitchFamily="18" charset="0"/>
+                        </a:rPr>
+                        <m:t>𝐷</m:t>
+                      </m:r>
+                    </m:oMath>
+                  </m:oMathPara>
+                </a14:m>
+                <a:endParaRPr lang="en-US" sz="3200" dirty="0"/>
+              </a:p>
+            </p:txBody>
+          </p:sp>
+        </mc:Choice>
+        <mc:Fallback>
+          <p:sp>
+            <p:nvSpPr>
+              <p:cNvPr id="7" name="TextBox 6">
+                <a:extLst>
+                  <a:ext uri="{FF2B5EF4-FFF2-40B4-BE49-F238E27FC236}">
+                    <a16:creationId xmlns:a16="http://schemas.microsoft.com/office/drawing/2014/main" id="{1A54D7CB-0FF1-4361-9DF7-FD1373FB2043}"/>
+                  </a:ext>
+                </a:extLst>
+              </p:cNvPr>
+              <p:cNvSpPr txBox="1">
+                <a:spLocks noRot="1" noChangeAspect="1" noMove="1" noResize="1" noEditPoints="1" noAdjustHandles="1" noChangeArrowheads="1" noChangeShapeType="1" noTextEdit="1"/>
+              </p:cNvSpPr>
+              <p:nvPr/>
+            </p:nvSpPr>
+            <p:spPr>
+              <a:xfrm>
+                <a:off x="7106966" y="1768210"/>
+                <a:ext cx="388761" cy="492443"/>
+              </a:xfrm>
+              <a:prstGeom prst="rect">
+                <a:avLst/>
+              </a:prstGeom>
+              <a:blipFill>
+                <a:blip r:embed="rId7"/>
+                <a:stretch>
+                  <a:fillRect/>
+                </a:stretch>
+              </a:blipFill>
+            </p:spPr>
+            <p:txBody>
+              <a:bodyPr/>
+              <a:lstStyle/>
+              <a:p>
+                <a:r>
+                  <a:rPr lang="en-US">
+                    <a:noFill/>
+                  </a:rPr>
+                  <a:t> </a:t>
+                </a:r>
+              </a:p>
+            </p:txBody>
+          </p:sp>
+        </mc:Fallback>
+      </mc:AlternateContent>
+      <p:cxnSp>
+        <p:nvCxnSpPr>
+          <p:cNvPr id="9" name="Straight Arrow Connector 8">
+            <a:extLst>
+              <a:ext uri="{FF2B5EF4-FFF2-40B4-BE49-F238E27FC236}">
+                <a16:creationId xmlns:a16="http://schemas.microsoft.com/office/drawing/2014/main" id="{7B92442E-7D42-4443-BC71-04715179EE08}"/>
+              </a:ext>
+            </a:extLst>
+          </p:cNvPr>
+          <p:cNvCxnSpPr/>
+          <p:nvPr/>
+        </p:nvCxnSpPr>
+        <p:spPr>
+          <a:xfrm flipH="1">
+            <a:off x="4799324" y="2260653"/>
+            <a:ext cx="28998" cy="1559507"/>
+          </a:xfrm>
+          <a:prstGeom prst="straightConnector1">
+            <a:avLst/>
+          </a:prstGeom>
+          <a:ln w="34925">
+            <a:solidFill>
+              <a:schemeClr val="tx1"/>
+            </a:solidFill>
+            <a:tailEnd type="stealth" w="lg" len="lg"/>
+          </a:ln>
+        </p:spPr>
+        <p:style>
+          <a:lnRef idx="1">
+            <a:schemeClr val="accent1"/>
+          </a:lnRef>
+          <a:fillRef idx="0">
+            <a:schemeClr val="accent1"/>
+          </a:fillRef>
+          <a:effectRef idx="0">
+            <a:schemeClr val="accent1"/>
+          </a:effectRef>
+          <a:fontRef idx="minor">
+            <a:schemeClr val="tx1"/>
+          </a:fontRef>
+        </p:style>
+      </p:cxnSp>
+      <p:cxnSp>
+        <p:nvCxnSpPr>
+          <p:cNvPr id="10" name="Straight Arrow Connector 9">
+            <a:extLst>
+              <a:ext uri="{FF2B5EF4-FFF2-40B4-BE49-F238E27FC236}">
+                <a16:creationId xmlns:a16="http://schemas.microsoft.com/office/drawing/2014/main" id="{C005AD0B-B425-4BA9-BED3-D33ED290F34A}"/>
+              </a:ext>
+            </a:extLst>
+          </p:cNvPr>
+          <p:cNvCxnSpPr>
+            <a:cxnSpLocks/>
+          </p:cNvCxnSpPr>
+          <p:nvPr/>
+        </p:nvCxnSpPr>
+        <p:spPr>
+          <a:xfrm>
+            <a:off x="5164328" y="4480560"/>
+            <a:ext cx="1693746" cy="0"/>
+          </a:xfrm>
+          <a:prstGeom prst="straightConnector1">
+            <a:avLst/>
+          </a:prstGeom>
+          <a:ln w="34925">
+            <a:solidFill>
+              <a:schemeClr val="tx1"/>
+            </a:solidFill>
+            <a:tailEnd type="stealth" w="lg" len="lg"/>
+          </a:ln>
+        </p:spPr>
+        <p:style>
+          <a:lnRef idx="1">
+            <a:schemeClr val="accent1"/>
+          </a:lnRef>
+          <a:fillRef idx="0">
+            <a:schemeClr val="accent1"/>
+          </a:fillRef>
+          <a:effectRef idx="0">
+            <a:schemeClr val="accent1"/>
+          </a:effectRef>
+          <a:fontRef idx="minor">
+            <a:schemeClr val="tx1"/>
+          </a:fontRef>
+        </p:style>
+      </p:cxnSp>
+      <p:cxnSp>
+        <p:nvCxnSpPr>
+          <p:cNvPr id="13" name="Straight Arrow Connector 12">
+            <a:extLst>
+              <a:ext uri="{FF2B5EF4-FFF2-40B4-BE49-F238E27FC236}">
+                <a16:creationId xmlns:a16="http://schemas.microsoft.com/office/drawing/2014/main" id="{F26A8971-3F75-49D3-816F-3EE6E6580C8E}"/>
+              </a:ext>
+            </a:extLst>
+          </p:cNvPr>
+          <p:cNvCxnSpPr>
+            <a:cxnSpLocks/>
+          </p:cNvCxnSpPr>
+          <p:nvPr/>
+        </p:nvCxnSpPr>
+        <p:spPr>
+          <a:xfrm flipV="1">
+            <a:off x="7331826" y="2260653"/>
+            <a:ext cx="1" cy="1811416"/>
+          </a:xfrm>
+          <a:prstGeom prst="straightConnector1">
+            <a:avLst/>
+          </a:prstGeom>
+          <a:ln w="34925">
+            <a:solidFill>
+              <a:schemeClr val="tx1"/>
+            </a:solidFill>
+            <a:tailEnd type="stealth" w="lg" len="lg"/>
+          </a:ln>
+        </p:spPr>
+        <p:style>
+          <a:lnRef idx="1">
+            <a:schemeClr val="accent1"/>
+          </a:lnRef>
+          <a:fillRef idx="0">
+            <a:schemeClr val="accent1"/>
+          </a:fillRef>
+          <a:effectRef idx="0">
+            <a:schemeClr val="accent1"/>
+          </a:effectRef>
+          <a:fontRef idx="minor">
+            <a:schemeClr val="tx1"/>
+          </a:fontRef>
+        </p:style>
+      </p:cxnSp>
+      <p:cxnSp>
+        <p:nvCxnSpPr>
+          <p:cNvPr id="17" name="Straight Arrow Connector 16">
+            <a:extLst>
+              <a:ext uri="{FF2B5EF4-FFF2-40B4-BE49-F238E27FC236}">
+                <a16:creationId xmlns:a16="http://schemas.microsoft.com/office/drawing/2014/main" id="{F0AA5599-1545-45B5-A81C-F5BD435C30AE}"/>
+              </a:ext>
+            </a:extLst>
+          </p:cNvPr>
+          <p:cNvCxnSpPr>
+            <a:cxnSpLocks/>
+          </p:cNvCxnSpPr>
+          <p:nvPr/>
+        </p:nvCxnSpPr>
+        <p:spPr>
+          <a:xfrm flipH="1">
+            <a:off x="5270514" y="1870365"/>
+            <a:ext cx="1481373" cy="0"/>
+          </a:xfrm>
+          <a:prstGeom prst="straightConnector1">
+            <a:avLst/>
+          </a:prstGeom>
+          <a:ln w="34925">
+            <a:solidFill>
+              <a:schemeClr val="tx1"/>
+            </a:solidFill>
+            <a:tailEnd type="stealth" w="lg" len="lg"/>
+          </a:ln>
+        </p:spPr>
+        <p:style>
+          <a:lnRef idx="1">
+            <a:schemeClr val="accent1"/>
+          </a:lnRef>
+          <a:fillRef idx="0">
+            <a:schemeClr val="accent1"/>
+          </a:fillRef>
+          <a:effectRef idx="0">
+            <a:schemeClr val="accent1"/>
+          </a:effectRef>
+          <a:fontRef idx="minor">
+            <a:schemeClr val="tx1"/>
+          </a:fontRef>
+        </p:style>
+      </p:cxnSp>
+    </p:spTree>
+    <p:extLst>
+      <p:ext uri="{BB962C8B-B14F-4D97-AF65-F5344CB8AC3E}">
+        <p14:creationId xmlns:p14="http://schemas.microsoft.com/office/powerpoint/2010/main" val="1371824143"/>
+      </p:ext>
+    </p:extLst>
+  </p:cSld>
+  <p:clrMapOvr>
+    <a:masterClrMapping/>
+  </p:clrMapOvr>
+</p:sld>
+</file>
+
+<file path=ppt/slides/slide16.xml><?xml version="1.0" encoding="utf-8"?>
+<p:sld xmlns:a="http://schemas.openxmlformats.org/drawingml/2006/main" xmlns:r="http://schemas.openxmlformats.org/officeDocument/2006/relationships" xmlns:p="http://schemas.openxmlformats.org/presentationml/2006/main">
+  <p:cSld>
+    <p:spTree>
+      <p:nvGrpSpPr>
+        <p:cNvPr id="1" name=""/>
+        <p:cNvGrpSpPr/>
+        <p:nvPr/>
+      </p:nvGrpSpPr>
+      <p:grpSpPr>
+        <a:xfrm>
+          <a:off x="0" y="0"/>
+          <a:ext cx="0" cy="0"/>
+          <a:chOff x="0" y="0"/>
+          <a:chExt cx="0" cy="0"/>
+        </a:xfrm>
+      </p:grpSpPr>
+      <p:pic>
+        <p:nvPicPr>
+          <p:cNvPr id="3" name="Picture 2">
+            <a:extLst>
+              <a:ext uri="{FF2B5EF4-FFF2-40B4-BE49-F238E27FC236}">
+                <a16:creationId xmlns:a16="http://schemas.microsoft.com/office/drawing/2014/main" id="{B793BC96-7903-49B2-B5AC-1788BDE96F12}"/>
+              </a:ext>
+            </a:extLst>
+          </p:cNvPr>
+          <p:cNvPicPr>
+            <a:picLocks noChangeAspect="1"/>
+          </p:cNvPicPr>
+          <p:nvPr/>
+        </p:nvPicPr>
+        <p:blipFill>
+          <a:blip r:embed="rId2">
+            <a:extLst>
+              <a:ext uri="{28A0092B-C50C-407E-A947-70E740481C1C}">
+                <a14:useLocalDpi xmlns:a14="http://schemas.microsoft.com/office/drawing/2010/main" val="0"/>
+              </a:ext>
+            </a:extLst>
+          </a:blip>
+          <a:stretch>
+            <a:fillRect/>
+          </a:stretch>
+        </p:blipFill>
+        <p:spPr>
+          <a:xfrm>
+            <a:off x="3450460" y="2545030"/>
+            <a:ext cx="2994920" cy="1158340"/>
+          </a:xfrm>
+          <a:prstGeom prst="rect">
+            <a:avLst/>
+          </a:prstGeom>
+        </p:spPr>
+      </p:pic>
+      <p:cxnSp>
+        <p:nvCxnSpPr>
+          <p:cNvPr id="5" name="Straight Connector 4">
+            <a:extLst>
+              <a:ext uri="{FF2B5EF4-FFF2-40B4-BE49-F238E27FC236}">
+                <a16:creationId xmlns:a16="http://schemas.microsoft.com/office/drawing/2014/main" id="{D5F68EEE-08A6-4558-8D9B-8938B616D44A}"/>
+              </a:ext>
+            </a:extLst>
+          </p:cNvPr>
+          <p:cNvCxnSpPr/>
+          <p:nvPr/>
+        </p:nvCxnSpPr>
+        <p:spPr>
+          <a:xfrm flipV="1">
+            <a:off x="4470400" y="2682240"/>
+            <a:ext cx="0" cy="883920"/>
+          </a:xfrm>
+          <a:prstGeom prst="line">
+            <a:avLst/>
+          </a:prstGeom>
+          <a:ln w="19050">
+            <a:solidFill>
+              <a:schemeClr val="tx1"/>
+            </a:solidFill>
+          </a:ln>
+        </p:spPr>
+        <p:style>
+          <a:lnRef idx="1">
+            <a:schemeClr val="accent1"/>
+          </a:lnRef>
+          <a:fillRef idx="0">
+            <a:schemeClr val="accent1"/>
+          </a:fillRef>
+          <a:effectRef idx="0">
+            <a:schemeClr val="accent1"/>
+          </a:effectRef>
+          <a:fontRef idx="minor">
+            <a:schemeClr val="tx1"/>
+          </a:fontRef>
+        </p:style>
+      </p:cxnSp>
+      <p:cxnSp>
+        <p:nvCxnSpPr>
+          <p:cNvPr id="6" name="Straight Connector 5">
+            <a:extLst>
+              <a:ext uri="{FF2B5EF4-FFF2-40B4-BE49-F238E27FC236}">
+                <a16:creationId xmlns:a16="http://schemas.microsoft.com/office/drawing/2014/main" id="{FF7B0FD2-7067-48E0-9068-65B7CE5F083F}"/>
+              </a:ext>
+            </a:extLst>
+          </p:cNvPr>
+          <p:cNvCxnSpPr>
+            <a:cxnSpLocks/>
+          </p:cNvCxnSpPr>
+          <p:nvPr/>
+        </p:nvCxnSpPr>
+        <p:spPr>
+          <a:xfrm flipH="1">
+            <a:off x="3962400" y="2804160"/>
+            <a:ext cx="508000" cy="0"/>
+          </a:xfrm>
+          <a:prstGeom prst="line">
+            <a:avLst/>
+          </a:prstGeom>
+          <a:ln w="25400">
+            <a:solidFill>
+              <a:schemeClr val="tx1"/>
+            </a:solidFill>
+            <a:headEnd type="stealth" w="lg" len="lg"/>
+            <a:tailEnd type="stealth" w="lg" len="lg"/>
+          </a:ln>
+        </p:spPr>
+        <p:style>
+          <a:lnRef idx="1">
+            <a:schemeClr val="accent1"/>
+          </a:lnRef>
+          <a:fillRef idx="0">
+            <a:schemeClr val="accent1"/>
+          </a:fillRef>
+          <a:effectRef idx="0">
+            <a:schemeClr val="accent1"/>
+          </a:effectRef>
+          <a:fontRef idx="minor">
+            <a:schemeClr val="tx1"/>
+          </a:fontRef>
+        </p:style>
+      </p:cxnSp>
+      <mc:AlternateContent xmlns:mc="http://schemas.openxmlformats.org/markup-compatibility/2006">
+        <mc:Choice xmlns:a14="http://schemas.microsoft.com/office/drawing/2010/main" Requires="a14">
+          <p:sp>
+            <p:nvSpPr>
+              <p:cNvPr id="9" name="TextBox 8">
+                <a:extLst>
+                  <a:ext uri="{FF2B5EF4-FFF2-40B4-BE49-F238E27FC236}">
+                    <a16:creationId xmlns:a16="http://schemas.microsoft.com/office/drawing/2014/main" id="{ACBC09DD-A3CF-4F4B-9B7E-41AD05F9D096}"/>
+                  </a:ext>
+                </a:extLst>
+              </p:cNvPr>
+              <p:cNvSpPr txBox="1"/>
+              <p:nvPr/>
+            </p:nvSpPr>
+            <p:spPr>
+              <a:xfrm>
+                <a:off x="4066520" y="2566873"/>
+                <a:ext cx="299761" cy="215444"/>
+              </a:xfrm>
+              <a:prstGeom prst="rect">
+                <a:avLst/>
+              </a:prstGeom>
+              <a:noFill/>
+            </p:spPr>
+            <p:txBody>
+              <a:bodyPr wrap="none" lIns="0" tIns="0" rIns="0" bIns="0" rtlCol="0">
+                <a:spAutoFit/>
+              </a:bodyPr>
+              <a:lstStyle/>
+              <a:p>
+                <a14:m>
+                  <m:oMathPara xmlns:m="http://schemas.openxmlformats.org/officeDocument/2006/math">
+                    <m:oMathParaPr>
+                      <m:jc m:val="centerGroup"/>
+                    </m:oMathParaPr>
+                    <m:oMath xmlns:m="http://schemas.openxmlformats.org/officeDocument/2006/math">
+                      <m:r>
+                        <a:rPr lang="ru-RU" sz="1400" b="0" i="1" smtClean="0">
+                          <a:latin typeface="Cambria Math" panose="02040503050406030204" pitchFamily="18" charset="0"/>
+                        </a:rPr>
+                        <m:t>3 м</m:t>
+                      </m:r>
+                    </m:oMath>
+                  </m:oMathPara>
+                </a14:m>
+                <a:endParaRPr lang="en-US" sz="1400" dirty="0"/>
+              </a:p>
+            </p:txBody>
+          </p:sp>
+        </mc:Choice>
+        <mc:Fallback>
+          <p:sp>
+            <p:nvSpPr>
+              <p:cNvPr id="9" name="TextBox 8">
+                <a:extLst>
+                  <a:ext uri="{FF2B5EF4-FFF2-40B4-BE49-F238E27FC236}">
+                    <a16:creationId xmlns:a16="http://schemas.microsoft.com/office/drawing/2014/main" id="{ACBC09DD-A3CF-4F4B-9B7E-41AD05F9D096}"/>
+                  </a:ext>
+                </a:extLst>
+              </p:cNvPr>
+              <p:cNvSpPr txBox="1">
+                <a:spLocks noRot="1" noChangeAspect="1" noMove="1" noResize="1" noEditPoints="1" noAdjustHandles="1" noChangeArrowheads="1" noChangeShapeType="1" noTextEdit="1"/>
+              </p:cNvSpPr>
+              <p:nvPr/>
+            </p:nvSpPr>
+            <p:spPr>
+              <a:xfrm>
+                <a:off x="4066520" y="2566873"/>
+                <a:ext cx="299761" cy="215444"/>
+              </a:xfrm>
+              <a:prstGeom prst="rect">
+                <a:avLst/>
+              </a:prstGeom>
+              <a:blipFill>
+                <a:blip r:embed="rId3"/>
+                <a:stretch>
+                  <a:fillRect l="-14286" r="-10204" b="-5714"/>
+                </a:stretch>
+              </a:blipFill>
+            </p:spPr>
+            <p:txBody>
+              <a:bodyPr/>
+              <a:lstStyle/>
+              <a:p>
+                <a:r>
+                  <a:rPr lang="en-US">
+                    <a:noFill/>
+                  </a:rPr>
+                  <a:t> </a:t>
+                </a:r>
+              </a:p>
+            </p:txBody>
+          </p:sp>
+        </mc:Fallback>
+      </mc:AlternateContent>
+      <p:cxnSp>
+        <p:nvCxnSpPr>
+          <p:cNvPr id="10" name="Straight Connector 9">
+            <a:extLst>
+              <a:ext uri="{FF2B5EF4-FFF2-40B4-BE49-F238E27FC236}">
+                <a16:creationId xmlns:a16="http://schemas.microsoft.com/office/drawing/2014/main" id="{8E8AE015-F57D-41F5-9D7F-0164E41F2C12}"/>
+              </a:ext>
+            </a:extLst>
+          </p:cNvPr>
+          <p:cNvCxnSpPr>
+            <a:cxnSpLocks/>
+          </p:cNvCxnSpPr>
+          <p:nvPr/>
+        </p:nvCxnSpPr>
+        <p:spPr>
+          <a:xfrm flipV="1">
+            <a:off x="5707888" y="3511296"/>
+            <a:ext cx="0" cy="597865"/>
+          </a:xfrm>
+          <a:prstGeom prst="line">
+            <a:avLst/>
+          </a:prstGeom>
+          <a:ln w="19050">
+            <a:solidFill>
+              <a:schemeClr val="tx1"/>
+            </a:solidFill>
+          </a:ln>
+        </p:spPr>
+        <p:style>
+          <a:lnRef idx="1">
+            <a:schemeClr val="accent1"/>
+          </a:lnRef>
+          <a:fillRef idx="0">
+            <a:schemeClr val="accent1"/>
+          </a:fillRef>
+          <a:effectRef idx="0">
+            <a:schemeClr val="accent1"/>
+          </a:effectRef>
+          <a:fontRef idx="minor">
+            <a:schemeClr val="tx1"/>
+          </a:fontRef>
+        </p:style>
+      </p:cxnSp>
+      <p:cxnSp>
+        <p:nvCxnSpPr>
+          <p:cNvPr id="11" name="Straight Connector 10">
+            <a:extLst>
+              <a:ext uri="{FF2B5EF4-FFF2-40B4-BE49-F238E27FC236}">
+                <a16:creationId xmlns:a16="http://schemas.microsoft.com/office/drawing/2014/main" id="{CD9AB524-5370-40A6-8F79-2DBE8EDCA574}"/>
+              </a:ext>
+            </a:extLst>
+          </p:cNvPr>
+          <p:cNvCxnSpPr>
+            <a:cxnSpLocks/>
+          </p:cNvCxnSpPr>
+          <p:nvPr/>
+        </p:nvCxnSpPr>
+        <p:spPr>
+          <a:xfrm flipH="1">
+            <a:off x="4470400" y="3877056"/>
+            <a:ext cx="1237488" cy="0"/>
+          </a:xfrm>
+          <a:prstGeom prst="line">
+            <a:avLst/>
+          </a:prstGeom>
+          <a:ln w="25400">
+            <a:solidFill>
+              <a:schemeClr val="tx1"/>
+            </a:solidFill>
+            <a:headEnd type="stealth" w="lg" len="lg"/>
+            <a:tailEnd type="stealth" w="lg" len="lg"/>
+          </a:ln>
+        </p:spPr>
+        <p:style>
+          <a:lnRef idx="1">
+            <a:schemeClr val="accent1"/>
+          </a:lnRef>
+          <a:fillRef idx="0">
+            <a:schemeClr val="accent1"/>
+          </a:fillRef>
+          <a:effectRef idx="0">
+            <a:schemeClr val="accent1"/>
+          </a:effectRef>
+          <a:fontRef idx="minor">
+            <a:schemeClr val="tx1"/>
+          </a:fontRef>
+        </p:style>
+      </p:cxnSp>
+      <mc:AlternateContent xmlns:mc="http://schemas.openxmlformats.org/markup-compatibility/2006">
+        <mc:Choice xmlns:a14="http://schemas.microsoft.com/office/drawing/2010/main" Requires="a14">
+          <p:sp>
+            <p:nvSpPr>
+              <p:cNvPr id="12" name="TextBox 11">
+                <a:extLst>
+                  <a:ext uri="{FF2B5EF4-FFF2-40B4-BE49-F238E27FC236}">
+                    <a16:creationId xmlns:a16="http://schemas.microsoft.com/office/drawing/2014/main" id="{56C1F051-B1C6-401F-B9EF-17B7C5DCAA02}"/>
+                  </a:ext>
+                </a:extLst>
+              </p:cNvPr>
+              <p:cNvSpPr txBox="1"/>
+              <p:nvPr/>
+            </p:nvSpPr>
+            <p:spPr>
+              <a:xfrm>
+                <a:off x="4970397" y="3670248"/>
+                <a:ext cx="299762" cy="215444"/>
+              </a:xfrm>
+              <a:prstGeom prst="rect">
+                <a:avLst/>
+              </a:prstGeom>
+              <a:noFill/>
+            </p:spPr>
+            <p:txBody>
+              <a:bodyPr wrap="none" lIns="0" tIns="0" rIns="0" bIns="0" rtlCol="0">
+                <a:spAutoFit/>
+              </a:bodyPr>
+              <a:lstStyle/>
+              <a:p>
+                <a14:m>
+                  <m:oMathPara xmlns:m="http://schemas.openxmlformats.org/officeDocument/2006/math">
+                    <m:oMathParaPr>
+                      <m:jc m:val="centerGroup"/>
+                    </m:oMathParaPr>
+                    <m:oMath xmlns:m="http://schemas.openxmlformats.org/officeDocument/2006/math">
+                      <m:r>
+                        <a:rPr lang="ru-RU" sz="1400" i="1">
+                          <a:latin typeface="Cambria Math" panose="02040503050406030204" pitchFamily="18" charset="0"/>
+                        </a:rPr>
+                        <m:t>7</m:t>
+                      </m:r>
+                      <m:r>
+                        <a:rPr lang="ru-RU" sz="1400" b="0" i="1" smtClean="0">
+                          <a:latin typeface="Cambria Math" panose="02040503050406030204" pitchFamily="18" charset="0"/>
+                        </a:rPr>
+                        <m:t> м</m:t>
+                      </m:r>
+                    </m:oMath>
+                  </m:oMathPara>
+                </a14:m>
+                <a:endParaRPr lang="en-US" sz="1400" dirty="0"/>
+              </a:p>
+            </p:txBody>
+          </p:sp>
+        </mc:Choice>
+        <mc:Fallback>
+          <p:sp>
+            <p:nvSpPr>
+              <p:cNvPr id="12" name="TextBox 11">
+                <a:extLst>
+                  <a:ext uri="{FF2B5EF4-FFF2-40B4-BE49-F238E27FC236}">
+                    <a16:creationId xmlns:a16="http://schemas.microsoft.com/office/drawing/2014/main" id="{56C1F051-B1C6-401F-B9EF-17B7C5DCAA02}"/>
+                  </a:ext>
+                </a:extLst>
+              </p:cNvPr>
+              <p:cNvSpPr txBox="1">
+                <a:spLocks noRot="1" noChangeAspect="1" noMove="1" noResize="1" noEditPoints="1" noAdjustHandles="1" noChangeArrowheads="1" noChangeShapeType="1" noTextEdit="1"/>
+              </p:cNvSpPr>
+              <p:nvPr/>
+            </p:nvSpPr>
+            <p:spPr>
+              <a:xfrm>
+                <a:off x="4970397" y="3670248"/>
+                <a:ext cx="299762" cy="215444"/>
+              </a:xfrm>
+              <a:prstGeom prst="rect">
+                <a:avLst/>
+              </a:prstGeom>
+              <a:blipFill>
+                <a:blip r:embed="rId4"/>
+                <a:stretch>
+                  <a:fillRect l="-14000" r="-8000" b="-5714"/>
+                </a:stretch>
+              </a:blipFill>
+            </p:spPr>
+            <p:txBody>
+              <a:bodyPr/>
+              <a:lstStyle/>
+              <a:p>
+                <a:r>
+                  <a:rPr lang="en-US">
+                    <a:noFill/>
+                  </a:rPr>
+                  <a:t> </a:t>
+                </a:r>
+              </a:p>
+            </p:txBody>
+          </p:sp>
+        </mc:Fallback>
+      </mc:AlternateContent>
+      <p:cxnSp>
+        <p:nvCxnSpPr>
+          <p:cNvPr id="14" name="Straight Connector 13">
+            <a:extLst>
+              <a:ext uri="{FF2B5EF4-FFF2-40B4-BE49-F238E27FC236}">
+                <a16:creationId xmlns:a16="http://schemas.microsoft.com/office/drawing/2014/main" id="{C1269276-2A50-4718-A84C-AB6A94CCBD46}"/>
+              </a:ext>
+            </a:extLst>
+          </p:cNvPr>
+          <p:cNvCxnSpPr>
+            <a:cxnSpLocks/>
+          </p:cNvCxnSpPr>
+          <p:nvPr/>
+        </p:nvCxnSpPr>
+        <p:spPr>
+          <a:xfrm flipV="1">
+            <a:off x="4478528" y="3556280"/>
+            <a:ext cx="0" cy="597865"/>
+          </a:xfrm>
+          <a:prstGeom prst="line">
+            <a:avLst/>
+          </a:prstGeom>
+          <a:ln w="19050">
+            <a:solidFill>
+              <a:schemeClr val="tx1"/>
+            </a:solidFill>
+          </a:ln>
+        </p:spPr>
+        <p:style>
+          <a:lnRef idx="1">
+            <a:schemeClr val="accent1"/>
+          </a:lnRef>
+          <a:fillRef idx="0">
+            <a:schemeClr val="accent1"/>
+          </a:fillRef>
+          <a:effectRef idx="0">
+            <a:schemeClr val="accent1"/>
+          </a:effectRef>
+          <a:fontRef idx="minor">
+            <a:schemeClr val="tx1"/>
+          </a:fontRef>
+        </p:style>
+      </p:cxnSp>
+      <p:cxnSp>
+        <p:nvCxnSpPr>
+          <p:cNvPr id="18" name="Straight Connector 17">
+            <a:extLst>
+              <a:ext uri="{FF2B5EF4-FFF2-40B4-BE49-F238E27FC236}">
+                <a16:creationId xmlns:a16="http://schemas.microsoft.com/office/drawing/2014/main" id="{A7DB2FC2-157B-4FF6-80B3-61D012759A30}"/>
+              </a:ext>
+            </a:extLst>
+          </p:cNvPr>
+          <p:cNvCxnSpPr>
+            <a:cxnSpLocks/>
+          </p:cNvCxnSpPr>
+          <p:nvPr/>
+        </p:nvCxnSpPr>
+        <p:spPr>
+          <a:xfrm flipV="1">
+            <a:off x="6173216" y="3556280"/>
+            <a:ext cx="0" cy="552882"/>
+          </a:xfrm>
+          <a:prstGeom prst="line">
+            <a:avLst/>
+          </a:prstGeom>
+          <a:ln w="19050">
+            <a:solidFill>
+              <a:schemeClr val="tx1"/>
+            </a:solidFill>
+          </a:ln>
+        </p:spPr>
+        <p:style>
+          <a:lnRef idx="1">
+            <a:schemeClr val="accent1"/>
+          </a:lnRef>
+          <a:fillRef idx="0">
+            <a:schemeClr val="accent1"/>
+          </a:fillRef>
+          <a:effectRef idx="0">
+            <a:schemeClr val="accent1"/>
+          </a:effectRef>
+          <a:fontRef idx="minor">
+            <a:schemeClr val="tx1"/>
+          </a:fontRef>
+        </p:style>
+      </p:cxnSp>
+      <p:cxnSp>
+        <p:nvCxnSpPr>
+          <p:cNvPr id="20" name="Straight Connector 19">
+            <a:extLst>
+              <a:ext uri="{FF2B5EF4-FFF2-40B4-BE49-F238E27FC236}">
+                <a16:creationId xmlns:a16="http://schemas.microsoft.com/office/drawing/2014/main" id="{DDAFD0DF-84EF-46DF-B6CC-0E3B0BCEE3F4}"/>
+              </a:ext>
+            </a:extLst>
+          </p:cNvPr>
+          <p:cNvCxnSpPr>
+            <a:cxnSpLocks/>
+          </p:cNvCxnSpPr>
+          <p:nvPr/>
+        </p:nvCxnSpPr>
+        <p:spPr>
+          <a:xfrm flipH="1">
+            <a:off x="5707888" y="3938016"/>
+            <a:ext cx="465328" cy="0"/>
+          </a:xfrm>
+          <a:prstGeom prst="line">
+            <a:avLst/>
+          </a:prstGeom>
+          <a:ln w="25400">
+            <a:solidFill>
+              <a:schemeClr val="tx1"/>
+            </a:solidFill>
+            <a:headEnd type="stealth" w="lg" len="lg"/>
+            <a:tailEnd type="stealth" w="lg" len="lg"/>
+          </a:ln>
+        </p:spPr>
+        <p:style>
+          <a:lnRef idx="1">
+            <a:schemeClr val="accent1"/>
+          </a:lnRef>
+          <a:fillRef idx="0">
+            <a:schemeClr val="accent1"/>
+          </a:fillRef>
+          <a:effectRef idx="0">
+            <a:schemeClr val="accent1"/>
+          </a:effectRef>
+          <a:fontRef idx="minor">
+            <a:schemeClr val="tx1"/>
+          </a:fontRef>
+        </p:style>
+      </p:cxnSp>
+      <p:cxnSp>
+        <p:nvCxnSpPr>
+          <p:cNvPr id="23" name="Straight Connector 22">
+            <a:extLst>
+              <a:ext uri="{FF2B5EF4-FFF2-40B4-BE49-F238E27FC236}">
+                <a16:creationId xmlns:a16="http://schemas.microsoft.com/office/drawing/2014/main" id="{133FAA51-7601-4902-BA84-9DD3BCD38115}"/>
+              </a:ext>
+            </a:extLst>
+          </p:cNvPr>
+          <p:cNvCxnSpPr>
+            <a:cxnSpLocks/>
+          </p:cNvCxnSpPr>
+          <p:nvPr/>
+        </p:nvCxnSpPr>
+        <p:spPr>
+          <a:xfrm flipH="1" flipV="1">
+            <a:off x="5707888" y="3556280"/>
+            <a:ext cx="841611" cy="7043"/>
+          </a:xfrm>
+          <a:prstGeom prst="line">
+            <a:avLst/>
+          </a:prstGeom>
+          <a:ln w="19050">
+            <a:solidFill>
+              <a:schemeClr val="tx1"/>
+            </a:solidFill>
+          </a:ln>
+        </p:spPr>
+        <p:style>
+          <a:lnRef idx="1">
+            <a:schemeClr val="accent1"/>
+          </a:lnRef>
+          <a:fillRef idx="0">
+            <a:schemeClr val="accent1"/>
+          </a:fillRef>
+          <a:effectRef idx="0">
+            <a:schemeClr val="accent1"/>
+          </a:effectRef>
+          <a:fontRef idx="minor">
+            <a:schemeClr val="tx1"/>
+          </a:fontRef>
+        </p:style>
+      </p:cxnSp>
+      <p:cxnSp>
+        <p:nvCxnSpPr>
+          <p:cNvPr id="25" name="Straight Connector 24">
+            <a:extLst>
+              <a:ext uri="{FF2B5EF4-FFF2-40B4-BE49-F238E27FC236}">
+                <a16:creationId xmlns:a16="http://schemas.microsoft.com/office/drawing/2014/main" id="{1456968F-5504-4355-9179-9674878D2CA0}"/>
+              </a:ext>
+            </a:extLst>
+          </p:cNvPr>
+          <p:cNvCxnSpPr>
+            <a:cxnSpLocks/>
+          </p:cNvCxnSpPr>
+          <p:nvPr/>
+        </p:nvCxnSpPr>
+        <p:spPr>
+          <a:xfrm flipH="1">
+            <a:off x="6176140" y="2777377"/>
+            <a:ext cx="373359" cy="1"/>
+          </a:xfrm>
+          <a:prstGeom prst="line">
+            <a:avLst/>
+          </a:prstGeom>
+          <a:ln w="19050">
+            <a:solidFill>
+              <a:schemeClr val="tx1"/>
+            </a:solidFill>
+          </a:ln>
+        </p:spPr>
+        <p:style>
+          <a:lnRef idx="1">
+            <a:schemeClr val="accent1"/>
+          </a:lnRef>
+          <a:fillRef idx="0">
+            <a:schemeClr val="accent1"/>
+          </a:fillRef>
+          <a:effectRef idx="0">
+            <a:schemeClr val="accent1"/>
+          </a:effectRef>
+          <a:fontRef idx="minor">
+            <a:schemeClr val="tx1"/>
+          </a:fontRef>
+        </p:style>
+      </p:cxnSp>
+      <mc:AlternateContent xmlns:mc="http://schemas.openxmlformats.org/markup-compatibility/2006">
+        <mc:Choice xmlns:a14="http://schemas.microsoft.com/office/drawing/2010/main" Requires="a14">
+          <p:sp>
+            <p:nvSpPr>
+              <p:cNvPr id="27" name="TextBox 26">
+                <a:extLst>
+                  <a:ext uri="{FF2B5EF4-FFF2-40B4-BE49-F238E27FC236}">
+                    <a16:creationId xmlns:a16="http://schemas.microsoft.com/office/drawing/2014/main" id="{B3EFF863-05F4-4B20-AB87-60970B15A6EA}"/>
+                  </a:ext>
+                </a:extLst>
+              </p:cNvPr>
+              <p:cNvSpPr txBox="1"/>
+              <p:nvPr/>
+            </p:nvSpPr>
+            <p:spPr>
+              <a:xfrm>
+                <a:off x="5776872" y="3690822"/>
+                <a:ext cx="299761" cy="215444"/>
+              </a:xfrm>
+              <a:prstGeom prst="rect">
+                <a:avLst/>
+              </a:prstGeom>
+              <a:noFill/>
+            </p:spPr>
+            <p:txBody>
+              <a:bodyPr wrap="none" lIns="0" tIns="0" rIns="0" bIns="0" rtlCol="0">
+                <a:spAutoFit/>
+              </a:bodyPr>
+              <a:lstStyle/>
+              <a:p>
+                <a14:m>
+                  <m:oMathPara xmlns:m="http://schemas.openxmlformats.org/officeDocument/2006/math">
+                    <m:oMathParaPr>
+                      <m:jc m:val="centerGroup"/>
+                    </m:oMathParaPr>
+                    <m:oMath xmlns:m="http://schemas.openxmlformats.org/officeDocument/2006/math">
+                      <m:r>
+                        <a:rPr lang="ru-RU" sz="1400" b="0" i="1" smtClean="0">
+                          <a:latin typeface="Cambria Math" panose="02040503050406030204" pitchFamily="18" charset="0"/>
+                        </a:rPr>
+                        <m:t>3 м</m:t>
+                      </m:r>
+                    </m:oMath>
+                  </m:oMathPara>
+                </a14:m>
+                <a:endParaRPr lang="en-US" sz="1400" dirty="0"/>
+              </a:p>
+            </p:txBody>
+          </p:sp>
+        </mc:Choice>
+        <mc:Fallback>
+          <p:sp>
+            <p:nvSpPr>
+              <p:cNvPr id="27" name="TextBox 26">
+                <a:extLst>
+                  <a:ext uri="{FF2B5EF4-FFF2-40B4-BE49-F238E27FC236}">
+                    <a16:creationId xmlns:a16="http://schemas.microsoft.com/office/drawing/2014/main" id="{B3EFF863-05F4-4B20-AB87-60970B15A6EA}"/>
+                  </a:ext>
+                </a:extLst>
+              </p:cNvPr>
+              <p:cNvSpPr txBox="1">
+                <a:spLocks noRot="1" noChangeAspect="1" noMove="1" noResize="1" noEditPoints="1" noAdjustHandles="1" noChangeArrowheads="1" noChangeShapeType="1" noTextEdit="1"/>
+              </p:cNvSpPr>
+              <p:nvPr/>
+            </p:nvSpPr>
+            <p:spPr>
+              <a:xfrm>
+                <a:off x="5776872" y="3690822"/>
+                <a:ext cx="299761" cy="215444"/>
+              </a:xfrm>
+              <a:prstGeom prst="rect">
+                <a:avLst/>
+              </a:prstGeom>
+              <a:blipFill>
+                <a:blip r:embed="rId5"/>
+                <a:stretch>
+                  <a:fillRect l="-14286" r="-8163" b="-2778"/>
+                </a:stretch>
+              </a:blipFill>
+            </p:spPr>
+            <p:txBody>
+              <a:bodyPr/>
+              <a:lstStyle/>
+              <a:p>
+                <a:r>
+                  <a:rPr lang="en-US">
+                    <a:noFill/>
+                  </a:rPr>
+                  <a:t> </a:t>
+                </a:r>
+              </a:p>
+            </p:txBody>
+          </p:sp>
+        </mc:Fallback>
+      </mc:AlternateContent>
+      <p:cxnSp>
+        <p:nvCxnSpPr>
+          <p:cNvPr id="28" name="Straight Connector 27">
+            <a:extLst>
+              <a:ext uri="{FF2B5EF4-FFF2-40B4-BE49-F238E27FC236}">
+                <a16:creationId xmlns:a16="http://schemas.microsoft.com/office/drawing/2014/main" id="{4450EF7D-1DDF-4DCF-852D-FE6485A79691}"/>
+              </a:ext>
+            </a:extLst>
+          </p:cNvPr>
+          <p:cNvCxnSpPr>
+            <a:cxnSpLocks/>
+          </p:cNvCxnSpPr>
+          <p:nvPr/>
+        </p:nvCxnSpPr>
+        <p:spPr>
+          <a:xfrm flipV="1">
+            <a:off x="6337808" y="2804160"/>
+            <a:ext cx="0" cy="752120"/>
+          </a:xfrm>
+          <a:prstGeom prst="line">
+            <a:avLst/>
+          </a:prstGeom>
+          <a:ln w="25400">
+            <a:solidFill>
+              <a:schemeClr val="tx1"/>
+            </a:solidFill>
+            <a:headEnd type="stealth" w="lg" len="lg"/>
+            <a:tailEnd type="stealth" w="lg" len="lg"/>
+          </a:ln>
+        </p:spPr>
+        <p:style>
+          <a:lnRef idx="1">
+            <a:schemeClr val="accent1"/>
+          </a:lnRef>
+          <a:fillRef idx="0">
+            <a:schemeClr val="accent1"/>
+          </a:fillRef>
+          <a:effectRef idx="0">
+            <a:schemeClr val="accent1"/>
+          </a:effectRef>
+          <a:fontRef idx="minor">
+            <a:schemeClr val="tx1"/>
+          </a:fontRef>
+        </p:style>
+      </p:cxnSp>
+      <mc:AlternateContent xmlns:mc="http://schemas.openxmlformats.org/markup-compatibility/2006">
+        <mc:Choice xmlns:a14="http://schemas.microsoft.com/office/drawing/2010/main" Requires="a14">
+          <p:sp>
+            <p:nvSpPr>
+              <p:cNvPr id="31" name="TextBox 30">
+                <a:extLst>
+                  <a:ext uri="{FF2B5EF4-FFF2-40B4-BE49-F238E27FC236}">
+                    <a16:creationId xmlns:a16="http://schemas.microsoft.com/office/drawing/2014/main" id="{44E2EAB9-D2D5-49FE-B1C0-F3AC198ED422}"/>
+                  </a:ext>
+                </a:extLst>
+              </p:cNvPr>
+              <p:cNvSpPr txBox="1"/>
+              <p:nvPr/>
+            </p:nvSpPr>
+            <p:spPr>
+              <a:xfrm>
+                <a:off x="6367168" y="3086276"/>
+                <a:ext cx="299762" cy="215444"/>
+              </a:xfrm>
+              <a:prstGeom prst="rect">
+                <a:avLst/>
+              </a:prstGeom>
+              <a:noFill/>
+            </p:spPr>
+            <p:txBody>
+              <a:bodyPr wrap="none" lIns="0" tIns="0" rIns="0" bIns="0" rtlCol="0">
+                <a:spAutoFit/>
+              </a:bodyPr>
+              <a:lstStyle/>
+              <a:p>
+                <a14:m>
+                  <m:oMathPara xmlns:m="http://schemas.openxmlformats.org/officeDocument/2006/math">
+                    <m:oMathParaPr>
+                      <m:jc m:val="centerGroup"/>
+                    </m:oMathParaPr>
+                    <m:oMath xmlns:m="http://schemas.openxmlformats.org/officeDocument/2006/math">
+                      <m:r>
+                        <a:rPr lang="ru-RU" sz="1400" i="1">
+                          <a:latin typeface="Cambria Math" panose="02040503050406030204" pitchFamily="18" charset="0"/>
+                        </a:rPr>
+                        <m:t>4</m:t>
+                      </m:r>
+                      <m:r>
+                        <a:rPr lang="ru-RU" sz="1400" b="0" i="1" smtClean="0">
+                          <a:latin typeface="Cambria Math" panose="02040503050406030204" pitchFamily="18" charset="0"/>
+                        </a:rPr>
+                        <m:t> м</m:t>
+                      </m:r>
+                    </m:oMath>
+                  </m:oMathPara>
+                </a14:m>
+                <a:endParaRPr lang="en-US" sz="1400" dirty="0"/>
+              </a:p>
+            </p:txBody>
+          </p:sp>
+        </mc:Choice>
+        <mc:Fallback>
+          <p:sp>
+            <p:nvSpPr>
+              <p:cNvPr id="31" name="TextBox 30">
+                <a:extLst>
+                  <a:ext uri="{FF2B5EF4-FFF2-40B4-BE49-F238E27FC236}">
+                    <a16:creationId xmlns:a16="http://schemas.microsoft.com/office/drawing/2014/main" id="{44E2EAB9-D2D5-49FE-B1C0-F3AC198ED422}"/>
+                  </a:ext>
+                </a:extLst>
+              </p:cNvPr>
+              <p:cNvSpPr txBox="1">
+                <a:spLocks noRot="1" noChangeAspect="1" noMove="1" noResize="1" noEditPoints="1" noAdjustHandles="1" noChangeArrowheads="1" noChangeShapeType="1" noTextEdit="1"/>
+              </p:cNvSpPr>
+              <p:nvPr/>
+            </p:nvSpPr>
+            <p:spPr>
+              <a:xfrm>
+                <a:off x="6367168" y="3086276"/>
+                <a:ext cx="299762" cy="215444"/>
+              </a:xfrm>
+              <a:prstGeom prst="rect">
+                <a:avLst/>
+              </a:prstGeom>
+              <a:blipFill>
+                <a:blip r:embed="rId6"/>
+                <a:stretch>
+                  <a:fillRect l="-14000" r="-8000" b="-2778"/>
+                </a:stretch>
+              </a:blipFill>
+            </p:spPr>
+            <p:txBody>
+              <a:bodyPr/>
+              <a:lstStyle/>
+              <a:p>
+                <a:r>
+                  <a:rPr lang="en-US">
+                    <a:noFill/>
+                  </a:rPr>
+                  <a:t> </a:t>
+                </a:r>
+              </a:p>
+            </p:txBody>
+          </p:sp>
+        </mc:Fallback>
+      </mc:AlternateContent>
+      <p:cxnSp>
+        <p:nvCxnSpPr>
+          <p:cNvPr id="32" name="Straight Connector 31">
+            <a:extLst>
+              <a:ext uri="{FF2B5EF4-FFF2-40B4-BE49-F238E27FC236}">
+                <a16:creationId xmlns:a16="http://schemas.microsoft.com/office/drawing/2014/main" id="{74BEFB46-4384-4D32-91B2-4D812555553A}"/>
+              </a:ext>
+            </a:extLst>
+          </p:cNvPr>
+          <p:cNvCxnSpPr>
+            <a:cxnSpLocks/>
+          </p:cNvCxnSpPr>
+          <p:nvPr/>
+        </p:nvCxnSpPr>
+        <p:spPr>
+          <a:xfrm flipV="1">
+            <a:off x="5988304" y="2545030"/>
+            <a:ext cx="0" cy="259130"/>
+          </a:xfrm>
+          <a:prstGeom prst="line">
+            <a:avLst/>
+          </a:prstGeom>
+          <a:ln w="19050">
+            <a:solidFill>
+              <a:schemeClr val="tx1"/>
+            </a:solidFill>
+          </a:ln>
+        </p:spPr>
+        <p:style>
+          <a:lnRef idx="1">
+            <a:schemeClr val="accent1"/>
+          </a:lnRef>
+          <a:fillRef idx="0">
+            <a:schemeClr val="accent1"/>
+          </a:fillRef>
+          <a:effectRef idx="0">
+            <a:schemeClr val="accent1"/>
+          </a:effectRef>
+          <a:fontRef idx="minor">
+            <a:schemeClr val="tx1"/>
+          </a:fontRef>
+        </p:style>
+      </p:cxnSp>
+      <p:cxnSp>
+        <p:nvCxnSpPr>
+          <p:cNvPr id="34" name="Straight Connector 33">
+            <a:extLst>
+              <a:ext uri="{FF2B5EF4-FFF2-40B4-BE49-F238E27FC236}">
+                <a16:creationId xmlns:a16="http://schemas.microsoft.com/office/drawing/2014/main" id="{FDFED7AE-4A0C-4E74-8B61-0F1D16DCD2F1}"/>
+              </a:ext>
+            </a:extLst>
+          </p:cNvPr>
+          <p:cNvCxnSpPr>
+            <a:cxnSpLocks/>
+          </p:cNvCxnSpPr>
+          <p:nvPr/>
+        </p:nvCxnSpPr>
+        <p:spPr>
+          <a:xfrm flipV="1">
+            <a:off x="6213856" y="2545030"/>
+            <a:ext cx="0" cy="232347"/>
+          </a:xfrm>
+          <a:prstGeom prst="line">
+            <a:avLst/>
+          </a:prstGeom>
+          <a:ln w="19050">
+            <a:solidFill>
+              <a:schemeClr val="tx1"/>
+            </a:solidFill>
+          </a:ln>
+        </p:spPr>
+        <p:style>
+          <a:lnRef idx="1">
+            <a:schemeClr val="accent1"/>
+          </a:lnRef>
+          <a:fillRef idx="0">
+            <a:schemeClr val="accent1"/>
+          </a:fillRef>
+          <a:effectRef idx="0">
+            <a:schemeClr val="accent1"/>
+          </a:effectRef>
+          <a:fontRef idx="minor">
+            <a:schemeClr val="tx1"/>
+          </a:fontRef>
+        </p:style>
+      </p:cxnSp>
+      <p:cxnSp>
+        <p:nvCxnSpPr>
+          <p:cNvPr id="35" name="Straight Connector 34">
+            <a:extLst>
+              <a:ext uri="{FF2B5EF4-FFF2-40B4-BE49-F238E27FC236}">
+                <a16:creationId xmlns:a16="http://schemas.microsoft.com/office/drawing/2014/main" id="{BAD6CCAC-63BA-4103-B4C8-8E0F5D7F7415}"/>
+              </a:ext>
+            </a:extLst>
+          </p:cNvPr>
+          <p:cNvCxnSpPr>
+            <a:cxnSpLocks/>
+          </p:cNvCxnSpPr>
+          <p:nvPr/>
+        </p:nvCxnSpPr>
+        <p:spPr>
+          <a:xfrm flipH="1">
+            <a:off x="5988304" y="2674595"/>
+            <a:ext cx="225552" cy="0"/>
+          </a:xfrm>
+          <a:prstGeom prst="line">
+            <a:avLst/>
+          </a:prstGeom>
+          <a:ln w="9525">
+            <a:solidFill>
+              <a:schemeClr val="tx1"/>
+            </a:solidFill>
+            <a:headEnd type="stealth" w="med" len="sm"/>
+            <a:tailEnd type="stealth" w="med" len="sm"/>
+          </a:ln>
+        </p:spPr>
+        <p:style>
+          <a:lnRef idx="1">
+            <a:schemeClr val="accent1"/>
+          </a:lnRef>
+          <a:fillRef idx="0">
+            <a:schemeClr val="accent1"/>
+          </a:fillRef>
+          <a:effectRef idx="0">
+            <a:schemeClr val="accent1"/>
+          </a:effectRef>
+          <a:fontRef idx="minor">
+            <a:schemeClr val="tx1"/>
+          </a:fontRef>
+        </p:style>
+      </p:cxnSp>
+      <mc:AlternateContent xmlns:mc="http://schemas.openxmlformats.org/markup-compatibility/2006">
+        <mc:Choice xmlns:a14="http://schemas.microsoft.com/office/drawing/2010/main" Requires="a14">
+          <p:sp>
+            <p:nvSpPr>
+              <p:cNvPr id="39" name="TextBox 38">
+                <a:extLst>
+                  <a:ext uri="{FF2B5EF4-FFF2-40B4-BE49-F238E27FC236}">
+                    <a16:creationId xmlns:a16="http://schemas.microsoft.com/office/drawing/2014/main" id="{871CDE2C-E2D9-4D58-95A4-1DB31B13528B}"/>
+                  </a:ext>
+                </a:extLst>
+              </p:cNvPr>
+              <p:cNvSpPr txBox="1"/>
+              <p:nvPr/>
+            </p:nvSpPr>
+            <p:spPr>
+              <a:xfrm>
+                <a:off x="5989275" y="2500909"/>
+                <a:ext cx="214802" cy="153888"/>
+              </a:xfrm>
+              <a:prstGeom prst="rect">
+                <a:avLst/>
+              </a:prstGeom>
+              <a:noFill/>
+            </p:spPr>
+            <p:txBody>
+              <a:bodyPr wrap="none" lIns="0" tIns="0" rIns="0" bIns="0" rtlCol="0">
+                <a:spAutoFit/>
+              </a:bodyPr>
+              <a:lstStyle/>
+              <a:p>
+                <a14:m>
+                  <m:oMathPara xmlns:m="http://schemas.openxmlformats.org/officeDocument/2006/math">
+                    <m:oMathParaPr>
+                      <m:jc m:val="centerGroup"/>
+                    </m:oMathParaPr>
+                    <m:oMath xmlns:m="http://schemas.openxmlformats.org/officeDocument/2006/math">
+                      <m:r>
+                        <a:rPr lang="ru-RU" sz="1000" i="1">
+                          <a:latin typeface="Cambria Math" panose="02040503050406030204" pitchFamily="18" charset="0"/>
+                        </a:rPr>
+                        <m:t>1</m:t>
+                      </m:r>
+                      <m:r>
+                        <a:rPr lang="ru-RU" sz="1000" b="0" i="1" smtClean="0">
+                          <a:latin typeface="Cambria Math" panose="02040503050406030204" pitchFamily="18" charset="0"/>
+                        </a:rPr>
+                        <m:t> м</m:t>
+                      </m:r>
+                    </m:oMath>
+                  </m:oMathPara>
+                </a14:m>
+                <a:endParaRPr lang="en-US" sz="1000" dirty="0"/>
+              </a:p>
+            </p:txBody>
+          </p:sp>
+        </mc:Choice>
+        <mc:Fallback>
+          <p:sp>
+            <p:nvSpPr>
+              <p:cNvPr id="39" name="TextBox 38">
+                <a:extLst>
+                  <a:ext uri="{FF2B5EF4-FFF2-40B4-BE49-F238E27FC236}">
+                    <a16:creationId xmlns:a16="http://schemas.microsoft.com/office/drawing/2014/main" id="{871CDE2C-E2D9-4D58-95A4-1DB31B13528B}"/>
+                  </a:ext>
+                </a:extLst>
+              </p:cNvPr>
+              <p:cNvSpPr txBox="1">
+                <a:spLocks noRot="1" noChangeAspect="1" noMove="1" noResize="1" noEditPoints="1" noAdjustHandles="1" noChangeArrowheads="1" noChangeShapeType="1" noTextEdit="1"/>
+              </p:cNvSpPr>
+              <p:nvPr/>
+            </p:nvSpPr>
+            <p:spPr>
+              <a:xfrm>
+                <a:off x="5989275" y="2500909"/>
+                <a:ext cx="214802" cy="153888"/>
+              </a:xfrm>
+              <a:prstGeom prst="rect">
+                <a:avLst/>
+              </a:prstGeom>
+              <a:blipFill>
+                <a:blip r:embed="rId7"/>
+                <a:stretch>
+                  <a:fillRect l="-13889" r="-8333" b="-12000"/>
+                </a:stretch>
+              </a:blipFill>
+            </p:spPr>
+            <p:txBody>
+              <a:bodyPr/>
+              <a:lstStyle/>
+              <a:p>
+                <a:r>
+                  <a:rPr lang="en-US">
+                    <a:noFill/>
+                  </a:rPr>
+                  <a:t> </a:t>
+                </a:r>
+              </a:p>
+            </p:txBody>
+          </p:sp>
+        </mc:Fallback>
+      </mc:AlternateContent>
+    </p:spTree>
+    <p:extLst>
+      <p:ext uri="{BB962C8B-B14F-4D97-AF65-F5344CB8AC3E}">
+        <p14:creationId xmlns:p14="http://schemas.microsoft.com/office/powerpoint/2010/main" val="9767319"/>
       </p:ext>
     </p:extLst>
   </p:cSld>

--- a/volunteer/Drawings.pptx
+++ b/volunteer/Drawings.pptx
@@ -21,6 +21,7 @@
     <p:sldId id="270" r:id="rId15"/>
     <p:sldId id="271" r:id="rId16"/>
     <p:sldId id="272" r:id="rId17"/>
+    <p:sldId id="273" r:id="rId18"/>
   </p:sldIdLst>
   <p:sldSz cx="12192000" cy="6858000"/>
   <p:notesSz cx="6858000" cy="9144000"/>
@@ -7452,8 +7453,8 @@
           </a:prstGeom>
         </p:spPr>
       </p:pic>
-      <mc:AlternateContent xmlns:mc="http://schemas.openxmlformats.org/markup-compatibility/2006">
-        <mc:Choice xmlns:a14="http://schemas.microsoft.com/office/drawing/2010/main" Requires="a14">
+      <mc:AlternateContent xmlns:mc="http://schemas.openxmlformats.org/markup-compatibility/2006" xmlns:a14="http://schemas.microsoft.com/office/drawing/2010/main">
+        <mc:Choice Requires="a14">
           <p:sp>
             <p:nvSpPr>
               <p:cNvPr id="9" name="TextBox 8">
@@ -7482,6 +7483,7 @@
               </a:bodyPr>
               <a:lstStyle/>
               <a:p>
+                <a:pPr/>
                 <a14:m>
                   <m:oMathPara xmlns:m="http://schemas.openxmlformats.org/officeDocument/2006/math">
                     <m:oMathParaPr>
@@ -7502,7 +7504,7 @@
             </p:txBody>
           </p:sp>
         </mc:Choice>
-        <mc:Fallback>
+        <mc:Fallback xmlns="">
           <p:sp>
             <p:nvSpPr>
               <p:cNvPr id="9" name="TextBox 8">
@@ -7595,8 +7597,8 @@
           </a:prstGeom>
         </p:spPr>
       </p:pic>
-      <mc:AlternateContent xmlns:mc="http://schemas.openxmlformats.org/markup-compatibility/2006">
-        <mc:Choice xmlns:a14="http://schemas.microsoft.com/office/drawing/2010/main" Requires="a14">
+      <mc:AlternateContent xmlns:mc="http://schemas.openxmlformats.org/markup-compatibility/2006" xmlns:a14="http://schemas.microsoft.com/office/drawing/2010/main">
+        <mc:Choice Requires="a14">
           <p:sp>
             <p:nvSpPr>
               <p:cNvPr id="15" name="TextBox 14">
@@ -7625,6 +7627,7 @@
               </a:bodyPr>
               <a:lstStyle/>
               <a:p>
+                <a:pPr/>
                 <a14:m>
                   <m:oMathPara xmlns:m="http://schemas.openxmlformats.org/officeDocument/2006/math">
                     <m:oMathParaPr>
@@ -7645,7 +7648,7 @@
             </p:txBody>
           </p:sp>
         </mc:Choice>
-        <mc:Fallback>
+        <mc:Fallback xmlns="">
           <p:sp>
             <p:nvSpPr>
               <p:cNvPr id="15" name="TextBox 14">
@@ -7799,8 +7802,8 @@
           </a:prstGeom>
         </p:spPr>
       </p:pic>
-      <mc:AlternateContent xmlns:mc="http://schemas.openxmlformats.org/markup-compatibility/2006">
-        <mc:Choice xmlns:a14="http://schemas.microsoft.com/office/drawing/2010/main" Requires="a14">
+      <mc:AlternateContent xmlns:mc="http://schemas.openxmlformats.org/markup-compatibility/2006" xmlns:a14="http://schemas.microsoft.com/office/drawing/2010/main">
+        <mc:Choice Requires="a14">
           <p:sp>
             <p:nvSpPr>
               <p:cNvPr id="4" name="TextBox 3">
@@ -7829,6 +7832,7 @@
               </a:bodyPr>
               <a:lstStyle/>
               <a:p>
+                <a:pPr/>
                 <a14:m>
                   <m:oMathPara xmlns:m="http://schemas.openxmlformats.org/officeDocument/2006/math">
                     <m:oMathParaPr>
@@ -7849,7 +7853,7 @@
             </p:txBody>
           </p:sp>
         </mc:Choice>
-        <mc:Fallback>
+        <mc:Fallback xmlns="">
           <p:sp>
             <p:nvSpPr>
               <p:cNvPr id="4" name="TextBox 3">
@@ -7894,8 +7898,8 @@
           </p:sp>
         </mc:Fallback>
       </mc:AlternateContent>
-      <mc:AlternateContent xmlns:mc="http://schemas.openxmlformats.org/markup-compatibility/2006">
-        <mc:Choice xmlns:a14="http://schemas.microsoft.com/office/drawing/2010/main" Requires="a14">
+      <mc:AlternateContent xmlns:mc="http://schemas.openxmlformats.org/markup-compatibility/2006" xmlns:a14="http://schemas.microsoft.com/office/drawing/2010/main">
+        <mc:Choice Requires="a14">
           <p:sp>
             <p:nvSpPr>
               <p:cNvPr id="5" name="TextBox 4">
@@ -7924,6 +7928,7 @@
               </a:bodyPr>
               <a:lstStyle/>
               <a:p>
+                <a:pPr/>
                 <a14:m>
                   <m:oMathPara xmlns:m="http://schemas.openxmlformats.org/officeDocument/2006/math">
                     <m:oMathParaPr>
@@ -7944,7 +7949,7 @@
             </p:txBody>
           </p:sp>
         </mc:Choice>
-        <mc:Fallback>
+        <mc:Fallback xmlns="">
           <p:sp>
             <p:nvSpPr>
               <p:cNvPr id="5" name="TextBox 4">
@@ -7989,8 +7994,8 @@
           </p:sp>
         </mc:Fallback>
       </mc:AlternateContent>
-      <mc:AlternateContent xmlns:mc="http://schemas.openxmlformats.org/markup-compatibility/2006">
-        <mc:Choice xmlns:a14="http://schemas.microsoft.com/office/drawing/2010/main" Requires="a14">
+      <mc:AlternateContent xmlns:mc="http://schemas.openxmlformats.org/markup-compatibility/2006" xmlns:a14="http://schemas.microsoft.com/office/drawing/2010/main">
+        <mc:Choice Requires="a14">
           <p:sp>
             <p:nvSpPr>
               <p:cNvPr id="6" name="TextBox 5">
@@ -8019,6 +8024,7 @@
               </a:bodyPr>
               <a:lstStyle/>
               <a:p>
+                <a:pPr/>
                 <a14:m>
                   <m:oMathPara xmlns:m="http://schemas.openxmlformats.org/officeDocument/2006/math">
                     <m:oMathParaPr>
@@ -8039,7 +8045,7 @@
             </p:txBody>
           </p:sp>
         </mc:Choice>
-        <mc:Fallback>
+        <mc:Fallback xmlns="">
           <p:sp>
             <p:nvSpPr>
               <p:cNvPr id="6" name="TextBox 5">
@@ -8084,8 +8090,8 @@
           </p:sp>
         </mc:Fallback>
       </mc:AlternateContent>
-      <mc:AlternateContent xmlns:mc="http://schemas.openxmlformats.org/markup-compatibility/2006">
-        <mc:Choice xmlns:a14="http://schemas.microsoft.com/office/drawing/2010/main" Requires="a14">
+      <mc:AlternateContent xmlns:mc="http://schemas.openxmlformats.org/markup-compatibility/2006" xmlns:a14="http://schemas.microsoft.com/office/drawing/2010/main">
+        <mc:Choice Requires="a14">
           <p:sp>
             <p:nvSpPr>
               <p:cNvPr id="7" name="TextBox 6">
@@ -8114,6 +8120,7 @@
               </a:bodyPr>
               <a:lstStyle/>
               <a:p>
+                <a:pPr/>
                 <a14:m>
                   <m:oMathPara xmlns:m="http://schemas.openxmlformats.org/officeDocument/2006/math">
                     <m:oMathParaPr>
@@ -8134,7 +8141,7 @@
             </p:txBody>
           </p:sp>
         </mc:Choice>
-        <mc:Fallback>
+        <mc:Fallback xmlns="">
           <p:sp>
             <p:nvSpPr>
               <p:cNvPr id="7" name="TextBox 6">
@@ -8505,8 +8512,8 @@
           </a:fontRef>
         </p:style>
       </p:cxnSp>
-      <mc:AlternateContent xmlns:mc="http://schemas.openxmlformats.org/markup-compatibility/2006">
-        <mc:Choice xmlns:a14="http://schemas.microsoft.com/office/drawing/2010/main" Requires="a14">
+      <mc:AlternateContent xmlns:mc="http://schemas.openxmlformats.org/markup-compatibility/2006" xmlns:a14="http://schemas.microsoft.com/office/drawing/2010/main">
+        <mc:Choice Requires="a14">
           <p:sp>
             <p:nvSpPr>
               <p:cNvPr id="9" name="TextBox 8">
@@ -8535,6 +8542,7 @@
               </a:bodyPr>
               <a:lstStyle/>
               <a:p>
+                <a:pPr/>
                 <a14:m>
                   <m:oMathPara xmlns:m="http://schemas.openxmlformats.org/officeDocument/2006/math">
                     <m:oMathParaPr>
@@ -8555,7 +8563,7 @@
             </p:txBody>
           </p:sp>
         </mc:Choice>
-        <mc:Fallback>
+        <mc:Fallback xmlns="">
           <p:sp>
             <p:nvSpPr>
               <p:cNvPr id="9" name="TextBox 8">
@@ -8688,8 +8696,8 @@
           </a:fontRef>
         </p:style>
       </p:cxnSp>
-      <mc:AlternateContent xmlns:mc="http://schemas.openxmlformats.org/markup-compatibility/2006">
-        <mc:Choice xmlns:a14="http://schemas.microsoft.com/office/drawing/2010/main" Requires="a14">
+      <mc:AlternateContent xmlns:mc="http://schemas.openxmlformats.org/markup-compatibility/2006" xmlns:a14="http://schemas.microsoft.com/office/drawing/2010/main">
+        <mc:Choice Requires="a14">
           <p:sp>
             <p:nvSpPr>
               <p:cNvPr id="12" name="TextBox 11">
@@ -8718,6 +8726,7 @@
               </a:bodyPr>
               <a:lstStyle/>
               <a:p>
+                <a:pPr/>
                 <a14:m>
                   <m:oMathPara xmlns:m="http://schemas.openxmlformats.org/officeDocument/2006/math">
                     <m:oMathParaPr>
@@ -8744,7 +8753,7 @@
             </p:txBody>
           </p:sp>
         </mc:Choice>
-        <mc:Fallback>
+        <mc:Fallback xmlns="">
           <p:sp>
             <p:nvSpPr>
               <p:cNvPr id="12" name="TextBox 11">
@@ -9006,8 +9015,8 @@
           </a:fontRef>
         </p:style>
       </p:cxnSp>
-      <mc:AlternateContent xmlns:mc="http://schemas.openxmlformats.org/markup-compatibility/2006">
-        <mc:Choice xmlns:a14="http://schemas.microsoft.com/office/drawing/2010/main" Requires="a14">
+      <mc:AlternateContent xmlns:mc="http://schemas.openxmlformats.org/markup-compatibility/2006" xmlns:a14="http://schemas.microsoft.com/office/drawing/2010/main">
+        <mc:Choice Requires="a14">
           <p:sp>
             <p:nvSpPr>
               <p:cNvPr id="27" name="TextBox 26">
@@ -9036,6 +9045,7 @@
               </a:bodyPr>
               <a:lstStyle/>
               <a:p>
+                <a:pPr/>
                 <a14:m>
                   <m:oMathPara xmlns:m="http://schemas.openxmlformats.org/officeDocument/2006/math">
                     <m:oMathParaPr>
@@ -9056,7 +9066,7 @@
             </p:txBody>
           </p:sp>
         </mc:Choice>
-        <mc:Fallback>
+        <mc:Fallback xmlns="">
           <p:sp>
             <p:nvSpPr>
               <p:cNvPr id="27" name="TextBox 26">
@@ -9146,8 +9156,8 @@
           </a:fontRef>
         </p:style>
       </p:cxnSp>
-      <mc:AlternateContent xmlns:mc="http://schemas.openxmlformats.org/markup-compatibility/2006">
-        <mc:Choice xmlns:a14="http://schemas.microsoft.com/office/drawing/2010/main" Requires="a14">
+      <mc:AlternateContent xmlns:mc="http://schemas.openxmlformats.org/markup-compatibility/2006" xmlns:a14="http://schemas.microsoft.com/office/drawing/2010/main">
+        <mc:Choice Requires="a14">
           <p:sp>
             <p:nvSpPr>
               <p:cNvPr id="31" name="TextBox 30">
@@ -9176,6 +9186,7 @@
               </a:bodyPr>
               <a:lstStyle/>
               <a:p>
+                <a:pPr/>
                 <a14:m>
                   <m:oMathPara xmlns:m="http://schemas.openxmlformats.org/officeDocument/2006/math">
                     <m:oMathParaPr>
@@ -9202,7 +9213,7 @@
             </p:txBody>
           </p:sp>
         </mc:Choice>
-        <mc:Fallback>
+        <mc:Fallback xmlns="">
           <p:sp>
             <p:nvSpPr>
               <p:cNvPr id="31" name="TextBox 30">
@@ -9378,8 +9389,8 @@
           </a:fontRef>
         </p:style>
       </p:cxnSp>
-      <mc:AlternateContent xmlns:mc="http://schemas.openxmlformats.org/markup-compatibility/2006">
-        <mc:Choice xmlns:a14="http://schemas.microsoft.com/office/drawing/2010/main" Requires="a14">
+      <mc:AlternateContent xmlns:mc="http://schemas.openxmlformats.org/markup-compatibility/2006" xmlns:a14="http://schemas.microsoft.com/office/drawing/2010/main">
+        <mc:Choice Requires="a14">
           <p:sp>
             <p:nvSpPr>
               <p:cNvPr id="39" name="TextBox 38">
@@ -9408,6 +9419,7 @@
               </a:bodyPr>
               <a:lstStyle/>
               <a:p>
+                <a:pPr/>
                 <a14:m>
                   <m:oMathPara xmlns:m="http://schemas.openxmlformats.org/officeDocument/2006/math">
                     <m:oMathParaPr>
@@ -9434,7 +9446,7 @@
             </p:txBody>
           </p:sp>
         </mc:Choice>
-        <mc:Fallback>
+        <mc:Fallback xmlns="">
           <p:sp>
             <p:nvSpPr>
               <p:cNvPr id="39" name="TextBox 38">
@@ -9483,6 +9495,1701 @@
     <p:extLst>
       <p:ext uri="{BB962C8B-B14F-4D97-AF65-F5344CB8AC3E}">
         <p14:creationId xmlns:p14="http://schemas.microsoft.com/office/powerpoint/2010/main" val="9767319"/>
+      </p:ext>
+    </p:extLst>
+  </p:cSld>
+  <p:clrMapOvr>
+    <a:masterClrMapping/>
+  </p:clrMapOvr>
+</p:sld>
+</file>
+
+<file path=ppt/slides/slide17.xml><?xml version="1.0" encoding="utf-8"?>
+<p:sld xmlns:a="http://schemas.openxmlformats.org/drawingml/2006/main" xmlns:r="http://schemas.openxmlformats.org/officeDocument/2006/relationships" xmlns:p="http://schemas.openxmlformats.org/presentationml/2006/main">
+  <p:cSld>
+    <p:spTree>
+      <p:nvGrpSpPr>
+        <p:cNvPr id="1" name=""/>
+        <p:cNvGrpSpPr/>
+        <p:nvPr/>
+      </p:nvGrpSpPr>
+      <p:grpSpPr>
+        <a:xfrm>
+          <a:off x="0" y="0"/>
+          <a:ext cx="0" cy="0"/>
+          <a:chOff x="0" y="0"/>
+          <a:chExt cx="0" cy="0"/>
+        </a:xfrm>
+      </p:grpSpPr>
+      <p:cxnSp>
+        <p:nvCxnSpPr>
+          <p:cNvPr id="2" name="Straight Arrow Connector 1">
+            <a:extLst>
+              <a:ext uri="{FF2B5EF4-FFF2-40B4-BE49-F238E27FC236}">
+                <a16:creationId xmlns:a16="http://schemas.microsoft.com/office/drawing/2014/main" id="{D4CE7AFD-3739-46FA-8D9A-AEDA2411BB99}"/>
+              </a:ext>
+            </a:extLst>
+          </p:cNvPr>
+          <p:cNvCxnSpPr>
+            <a:cxnSpLocks/>
+          </p:cNvCxnSpPr>
+          <p:nvPr/>
+        </p:nvCxnSpPr>
+        <p:spPr>
+          <a:xfrm flipV="1">
+            <a:off x="2580538" y="2937909"/>
+            <a:ext cx="1283110" cy="1"/>
+          </a:xfrm>
+          <a:prstGeom prst="straightConnector1">
+            <a:avLst/>
+          </a:prstGeom>
+          <a:ln w="34925">
+            <a:solidFill>
+              <a:schemeClr val="tx1"/>
+            </a:solidFill>
+            <a:prstDash val="sysDash"/>
+            <a:tailEnd type="stealth" w="lg" len="lg"/>
+          </a:ln>
+        </p:spPr>
+        <p:style>
+          <a:lnRef idx="1">
+            <a:schemeClr val="accent1"/>
+          </a:lnRef>
+          <a:fillRef idx="0">
+            <a:schemeClr val="accent1"/>
+          </a:fillRef>
+          <a:effectRef idx="0">
+            <a:schemeClr val="accent1"/>
+          </a:effectRef>
+          <a:fontRef idx="minor">
+            <a:schemeClr val="tx1"/>
+          </a:fontRef>
+        </p:style>
+      </p:cxnSp>
+      <mc:AlternateContent xmlns:mc="http://schemas.openxmlformats.org/markup-compatibility/2006">
+        <mc:Choice xmlns:a14="http://schemas.microsoft.com/office/drawing/2010/main" Requires="a14">
+          <p:sp>
+            <p:nvSpPr>
+              <p:cNvPr id="5" name="TextBox 4">
+                <a:extLst>
+                  <a:ext uri="{FF2B5EF4-FFF2-40B4-BE49-F238E27FC236}">
+                    <a16:creationId xmlns:a16="http://schemas.microsoft.com/office/drawing/2014/main" id="{810E8B15-5931-4EFF-B54A-40DDFF0DE4ED}"/>
+                  </a:ext>
+                </a:extLst>
+              </p:cNvPr>
+              <p:cNvSpPr txBox="1"/>
+              <p:nvPr/>
+            </p:nvSpPr>
+            <p:spPr>
+              <a:xfrm>
+                <a:off x="915872" y="2528940"/>
+                <a:ext cx="555537" cy="430887"/>
+              </a:xfrm>
+              <a:prstGeom prst="rect">
+                <a:avLst/>
+              </a:prstGeom>
+              <a:noFill/>
+            </p:spPr>
+            <p:txBody>
+              <a:bodyPr wrap="none" lIns="0" tIns="0" rIns="0" bIns="0" rtlCol="0">
+                <a:spAutoFit/>
+              </a:bodyPr>
+              <a:lstStyle/>
+              <a:p>
+                <a:pPr/>
+                <a14:m>
+                  <m:oMathPara xmlns:m="http://schemas.openxmlformats.org/officeDocument/2006/math">
+                    <m:oMathParaPr>
+                      <m:jc m:val="centerGroup"/>
+                    </m:oMathParaPr>
+                    <m:oMath xmlns:m="http://schemas.openxmlformats.org/officeDocument/2006/math">
+                      <m:r>
+                        <a:rPr lang="en-US" sz="2800" b="0" i="1" smtClean="0">
+                          <a:latin typeface="Cambria Math" panose="02040503050406030204" pitchFamily="18" charset="0"/>
+                        </a:rPr>
+                        <m:t>−</m:t>
+                      </m:r>
+                      <m:acc>
+                        <m:accPr>
+                          <m:chr m:val="⃗"/>
+                          <m:ctrlPr>
+                            <a:rPr lang="en-US" sz="2800" b="0" i="1" smtClean="0">
+                              <a:latin typeface="Cambria Math" panose="02040503050406030204" pitchFamily="18" charset="0"/>
+                            </a:rPr>
+                          </m:ctrlPr>
+                        </m:accPr>
+                        <m:e>
+                          <m:r>
+                            <a:rPr lang="en-US" sz="2800" b="0" i="1" smtClean="0">
+                              <a:latin typeface="Cambria Math" panose="02040503050406030204" pitchFamily="18" charset="0"/>
+                            </a:rPr>
+                            <m:t>𝑣</m:t>
+                          </m:r>
+                        </m:e>
+                      </m:acc>
+                    </m:oMath>
+                  </m:oMathPara>
+                </a14:m>
+                <a:endParaRPr lang="en-US" sz="2800" dirty="0"/>
+              </a:p>
+            </p:txBody>
+          </p:sp>
+        </mc:Choice>
+        <mc:Fallback>
+          <p:sp>
+            <p:nvSpPr>
+              <p:cNvPr id="5" name="TextBox 4">
+                <a:extLst>
+                  <a:ext uri="{FF2B5EF4-FFF2-40B4-BE49-F238E27FC236}">
+                    <a16:creationId xmlns:a16="http://schemas.microsoft.com/office/drawing/2014/main" id="{810E8B15-5931-4EFF-B54A-40DDFF0DE4ED}"/>
+                  </a:ext>
+                </a:extLst>
+              </p:cNvPr>
+              <p:cNvSpPr txBox="1">
+                <a:spLocks noRot="1" noChangeAspect="1" noMove="1" noResize="1" noEditPoints="1" noAdjustHandles="1" noChangeArrowheads="1" noChangeShapeType="1" noTextEdit="1"/>
+              </p:cNvSpPr>
+              <p:nvPr/>
+            </p:nvSpPr>
+            <p:spPr>
+              <a:xfrm>
+                <a:off x="915872" y="2528940"/>
+                <a:ext cx="555537" cy="430887"/>
+              </a:xfrm>
+              <a:prstGeom prst="rect">
+                <a:avLst/>
+              </a:prstGeom>
+              <a:blipFill>
+                <a:blip r:embed="rId2"/>
+                <a:stretch>
+                  <a:fillRect/>
+                </a:stretch>
+              </a:blipFill>
+            </p:spPr>
+            <p:txBody>
+              <a:bodyPr/>
+              <a:lstStyle/>
+              <a:p>
+                <a:r>
+                  <a:rPr lang="en-US">
+                    <a:noFill/>
+                  </a:rPr>
+                  <a:t> </a:t>
+                </a:r>
+              </a:p>
+            </p:txBody>
+          </p:sp>
+        </mc:Fallback>
+      </mc:AlternateContent>
+      <p:cxnSp>
+        <p:nvCxnSpPr>
+          <p:cNvPr id="7" name="Straight Arrow Connector 6">
+            <a:extLst>
+              <a:ext uri="{FF2B5EF4-FFF2-40B4-BE49-F238E27FC236}">
+                <a16:creationId xmlns:a16="http://schemas.microsoft.com/office/drawing/2014/main" id="{80E04FA6-0C65-4378-B836-77B5E50999D1}"/>
+              </a:ext>
+            </a:extLst>
+          </p:cNvPr>
+          <p:cNvCxnSpPr>
+            <a:cxnSpLocks/>
+          </p:cNvCxnSpPr>
+          <p:nvPr/>
+        </p:nvCxnSpPr>
+        <p:spPr>
+          <a:xfrm flipV="1">
+            <a:off x="2580538" y="1718013"/>
+            <a:ext cx="0" cy="1219897"/>
+          </a:xfrm>
+          <a:prstGeom prst="straightConnector1">
+            <a:avLst/>
+          </a:prstGeom>
+          <a:ln w="34925">
+            <a:solidFill>
+              <a:schemeClr val="tx1"/>
+            </a:solidFill>
+            <a:tailEnd type="stealth" w="lg" len="lg"/>
+          </a:ln>
+        </p:spPr>
+        <p:style>
+          <a:lnRef idx="1">
+            <a:schemeClr val="accent1"/>
+          </a:lnRef>
+          <a:fillRef idx="0">
+            <a:schemeClr val="accent1"/>
+          </a:fillRef>
+          <a:effectRef idx="0">
+            <a:schemeClr val="accent1"/>
+          </a:effectRef>
+          <a:fontRef idx="minor">
+            <a:schemeClr val="tx1"/>
+          </a:fontRef>
+        </p:style>
+      </p:cxnSp>
+      <p:cxnSp>
+        <p:nvCxnSpPr>
+          <p:cNvPr id="10" name="Straight Arrow Connector 9">
+            <a:extLst>
+              <a:ext uri="{FF2B5EF4-FFF2-40B4-BE49-F238E27FC236}">
+                <a16:creationId xmlns:a16="http://schemas.microsoft.com/office/drawing/2014/main" id="{5AE476C2-C6C1-4D7F-B303-FC9B5A569242}"/>
+              </a:ext>
+            </a:extLst>
+          </p:cNvPr>
+          <p:cNvCxnSpPr>
+            <a:cxnSpLocks/>
+          </p:cNvCxnSpPr>
+          <p:nvPr/>
+        </p:nvCxnSpPr>
+        <p:spPr>
+          <a:xfrm flipH="1">
+            <a:off x="1384737" y="2929229"/>
+            <a:ext cx="1195801" cy="8680"/>
+          </a:xfrm>
+          <a:prstGeom prst="straightConnector1">
+            <a:avLst/>
+          </a:prstGeom>
+          <a:ln w="34925">
+            <a:solidFill>
+              <a:schemeClr val="tx1"/>
+            </a:solidFill>
+            <a:tailEnd type="stealth" w="lg" len="lg"/>
+          </a:ln>
+        </p:spPr>
+        <p:style>
+          <a:lnRef idx="1">
+            <a:schemeClr val="accent1"/>
+          </a:lnRef>
+          <a:fillRef idx="0">
+            <a:schemeClr val="accent1"/>
+          </a:fillRef>
+          <a:effectRef idx="0">
+            <a:schemeClr val="accent1"/>
+          </a:effectRef>
+          <a:fontRef idx="minor">
+            <a:schemeClr val="tx1"/>
+          </a:fontRef>
+        </p:style>
+      </p:cxnSp>
+      <mc:AlternateContent xmlns:mc="http://schemas.openxmlformats.org/markup-compatibility/2006">
+        <mc:Choice xmlns:a14="http://schemas.microsoft.com/office/drawing/2010/main" Requires="a14">
+          <p:sp>
+            <p:nvSpPr>
+              <p:cNvPr id="12" name="TextBox 11">
+                <a:extLst>
+                  <a:ext uri="{FF2B5EF4-FFF2-40B4-BE49-F238E27FC236}">
+                    <a16:creationId xmlns:a16="http://schemas.microsoft.com/office/drawing/2014/main" id="{2E11D9EA-50E0-4F47-B9A0-E4F3213EFE29}"/>
+                  </a:ext>
+                </a:extLst>
+              </p:cNvPr>
+              <p:cNvSpPr txBox="1"/>
+              <p:nvPr/>
+            </p:nvSpPr>
+            <p:spPr>
+              <a:xfrm>
+                <a:off x="2113616" y="1502569"/>
+                <a:ext cx="555537" cy="430887"/>
+              </a:xfrm>
+              <a:prstGeom prst="rect">
+                <a:avLst/>
+              </a:prstGeom>
+              <a:noFill/>
+            </p:spPr>
+            <p:txBody>
+              <a:bodyPr wrap="square" lIns="0" tIns="0" rIns="0" bIns="0" rtlCol="0">
+                <a:spAutoFit/>
+              </a:bodyPr>
+              <a:lstStyle/>
+              <a:p>
+                <a:pPr/>
+                <a14:m>
+                  <m:oMathPara xmlns:m="http://schemas.openxmlformats.org/officeDocument/2006/math">
+                    <m:oMathParaPr>
+                      <m:jc m:val="centerGroup"/>
+                    </m:oMathParaPr>
+                    <m:oMath xmlns:m="http://schemas.openxmlformats.org/officeDocument/2006/math">
+                      <m:acc>
+                        <m:accPr>
+                          <m:chr m:val="⃗"/>
+                          <m:ctrlPr>
+                            <a:rPr lang="en-US" sz="2800" b="0" i="1" smtClean="0">
+                              <a:latin typeface="Cambria Math" panose="02040503050406030204" pitchFamily="18" charset="0"/>
+                            </a:rPr>
+                          </m:ctrlPr>
+                        </m:accPr>
+                        <m:e>
+                          <m:r>
+                            <a:rPr lang="en-US" sz="2800" b="0" i="1" smtClean="0">
+                              <a:latin typeface="Cambria Math" panose="02040503050406030204" pitchFamily="18" charset="0"/>
+                            </a:rPr>
+                            <m:t>𝑢</m:t>
+                          </m:r>
+                        </m:e>
+                      </m:acc>
+                    </m:oMath>
+                  </m:oMathPara>
+                </a14:m>
+                <a:endParaRPr lang="en-US" sz="2800" dirty="0"/>
+              </a:p>
+            </p:txBody>
+          </p:sp>
+        </mc:Choice>
+        <mc:Fallback>
+          <p:sp>
+            <p:nvSpPr>
+              <p:cNvPr id="12" name="TextBox 11">
+                <a:extLst>
+                  <a:ext uri="{FF2B5EF4-FFF2-40B4-BE49-F238E27FC236}">
+                    <a16:creationId xmlns:a16="http://schemas.microsoft.com/office/drawing/2014/main" id="{2E11D9EA-50E0-4F47-B9A0-E4F3213EFE29}"/>
+                  </a:ext>
+                </a:extLst>
+              </p:cNvPr>
+              <p:cNvSpPr txBox="1">
+                <a:spLocks noRot="1" noChangeAspect="1" noMove="1" noResize="1" noEditPoints="1" noAdjustHandles="1" noChangeArrowheads="1" noChangeShapeType="1" noTextEdit="1"/>
+              </p:cNvSpPr>
+              <p:nvPr/>
+            </p:nvSpPr>
+            <p:spPr>
+              <a:xfrm>
+                <a:off x="2113616" y="1502569"/>
+                <a:ext cx="555537" cy="430887"/>
+              </a:xfrm>
+              <a:prstGeom prst="rect">
+                <a:avLst/>
+              </a:prstGeom>
+              <a:blipFill>
+                <a:blip r:embed="rId3"/>
+                <a:stretch>
+                  <a:fillRect/>
+                </a:stretch>
+              </a:blipFill>
+            </p:spPr>
+            <p:txBody>
+              <a:bodyPr/>
+              <a:lstStyle/>
+              <a:p>
+                <a:r>
+                  <a:rPr lang="en-US">
+                    <a:noFill/>
+                  </a:rPr>
+                  <a:t> </a:t>
+                </a:r>
+              </a:p>
+            </p:txBody>
+          </p:sp>
+        </mc:Fallback>
+      </mc:AlternateContent>
+      <p:cxnSp>
+        <p:nvCxnSpPr>
+          <p:cNvPr id="13" name="Straight Arrow Connector 12">
+            <a:extLst>
+              <a:ext uri="{FF2B5EF4-FFF2-40B4-BE49-F238E27FC236}">
+                <a16:creationId xmlns:a16="http://schemas.microsoft.com/office/drawing/2014/main" id="{2E7CF694-4D82-4070-A12F-239E66A5EA67}"/>
+              </a:ext>
+            </a:extLst>
+          </p:cNvPr>
+          <p:cNvCxnSpPr>
+            <a:cxnSpLocks/>
+          </p:cNvCxnSpPr>
+          <p:nvPr/>
+        </p:nvCxnSpPr>
+        <p:spPr>
+          <a:xfrm flipH="1" flipV="1">
+            <a:off x="1427101" y="1929117"/>
+            <a:ext cx="1153436" cy="1000112"/>
+          </a:xfrm>
+          <a:prstGeom prst="straightConnector1">
+            <a:avLst/>
+          </a:prstGeom>
+          <a:ln w="34925">
+            <a:solidFill>
+              <a:schemeClr val="tx1"/>
+            </a:solidFill>
+            <a:tailEnd type="stealth" w="lg" len="lg"/>
+          </a:ln>
+        </p:spPr>
+        <p:style>
+          <a:lnRef idx="1">
+            <a:schemeClr val="accent1"/>
+          </a:lnRef>
+          <a:fillRef idx="0">
+            <a:schemeClr val="accent1"/>
+          </a:fillRef>
+          <a:effectRef idx="0">
+            <a:schemeClr val="accent1"/>
+          </a:effectRef>
+          <a:fontRef idx="minor">
+            <a:schemeClr val="tx1"/>
+          </a:fontRef>
+        </p:style>
+      </p:cxnSp>
+      <p:sp>
+        <p:nvSpPr>
+          <p:cNvPr id="16" name="Arc 15">
+            <a:extLst>
+              <a:ext uri="{FF2B5EF4-FFF2-40B4-BE49-F238E27FC236}">
+                <a16:creationId xmlns:a16="http://schemas.microsoft.com/office/drawing/2014/main" id="{5B4B39BB-AE7E-4F2B-B643-8A27D345F4A5}"/>
+              </a:ext>
+            </a:extLst>
+          </p:cNvPr>
+          <p:cNvSpPr/>
+          <p:nvPr/>
+        </p:nvSpPr>
+        <p:spPr>
+          <a:xfrm rot="16200000">
+            <a:off x="2356188" y="2834383"/>
+            <a:ext cx="203704" cy="189692"/>
+          </a:xfrm>
+          <a:prstGeom prst="arc">
+            <a:avLst>
+              <a:gd name="adj1" fmla="val 16200000"/>
+              <a:gd name="adj2" fmla="val 324231"/>
+            </a:avLst>
+          </a:prstGeom>
+          <a:ln w="15875">
+            <a:solidFill>
+              <a:schemeClr val="tx1"/>
+            </a:solidFill>
+          </a:ln>
+        </p:spPr>
+        <p:style>
+          <a:lnRef idx="1">
+            <a:schemeClr val="accent1"/>
+          </a:lnRef>
+          <a:fillRef idx="0">
+            <a:schemeClr val="accent1"/>
+          </a:fillRef>
+          <a:effectRef idx="0">
+            <a:schemeClr val="accent1"/>
+          </a:effectRef>
+          <a:fontRef idx="minor">
+            <a:schemeClr val="tx1"/>
+          </a:fontRef>
+        </p:style>
+        <p:txBody>
+          <a:bodyPr rtlCol="0" anchor="ctr"/>
+          <a:lstStyle/>
+          <a:p>
+            <a:pPr algn="ctr"/>
+            <a:endParaRPr lang="en-US" dirty="0"/>
+          </a:p>
+        </p:txBody>
+      </p:sp>
+      <mc:AlternateContent xmlns:mc="http://schemas.openxmlformats.org/markup-compatibility/2006">
+        <mc:Choice xmlns:a14="http://schemas.microsoft.com/office/drawing/2010/main" Requires="a14">
+          <p:sp>
+            <p:nvSpPr>
+              <p:cNvPr id="17" name="TextBox 16">
+                <a:extLst>
+                  <a:ext uri="{FF2B5EF4-FFF2-40B4-BE49-F238E27FC236}">
+                    <a16:creationId xmlns:a16="http://schemas.microsoft.com/office/drawing/2014/main" id="{E49B0955-5FDC-45CC-891F-ACB3B00DB1A0}"/>
+                  </a:ext>
+                </a:extLst>
+              </p:cNvPr>
+              <p:cNvSpPr txBox="1"/>
+              <p:nvPr/>
+            </p:nvSpPr>
+            <p:spPr>
+              <a:xfrm>
+                <a:off x="2137796" y="2660910"/>
+                <a:ext cx="197746" cy="276999"/>
+              </a:xfrm>
+              <a:prstGeom prst="rect">
+                <a:avLst/>
+              </a:prstGeom>
+              <a:noFill/>
+            </p:spPr>
+            <p:txBody>
+              <a:bodyPr wrap="none" lIns="0" tIns="0" rIns="0" bIns="0" rtlCol="0">
+                <a:spAutoFit/>
+              </a:bodyPr>
+              <a:lstStyle/>
+              <a:p>
+                <a:pPr/>
+                <a14:m>
+                  <m:oMathPara xmlns:m="http://schemas.openxmlformats.org/officeDocument/2006/math">
+                    <m:oMathParaPr>
+                      <m:jc m:val="centerGroup"/>
+                    </m:oMathParaPr>
+                    <m:oMath xmlns:m="http://schemas.openxmlformats.org/officeDocument/2006/math">
+                      <m:r>
+                        <a:rPr lang="en-US" i="1" smtClean="0">
+                          <a:latin typeface="Cambria Math" panose="02040503050406030204" pitchFamily="18" charset="0"/>
+                          <a:ea typeface="Cambria Math" panose="02040503050406030204" pitchFamily="18" charset="0"/>
+                        </a:rPr>
+                        <m:t>𝛼</m:t>
+                      </m:r>
+                    </m:oMath>
+                  </m:oMathPara>
+                </a14:m>
+                <a:endParaRPr lang="en-US" dirty="0"/>
+              </a:p>
+            </p:txBody>
+          </p:sp>
+        </mc:Choice>
+        <mc:Fallback>
+          <p:sp>
+            <p:nvSpPr>
+              <p:cNvPr id="17" name="TextBox 16">
+                <a:extLst>
+                  <a:ext uri="{FF2B5EF4-FFF2-40B4-BE49-F238E27FC236}">
+                    <a16:creationId xmlns:a16="http://schemas.microsoft.com/office/drawing/2014/main" id="{E49B0955-5FDC-45CC-891F-ACB3B00DB1A0}"/>
+                  </a:ext>
+                </a:extLst>
+              </p:cNvPr>
+              <p:cNvSpPr txBox="1">
+                <a:spLocks noRot="1" noChangeAspect="1" noMove="1" noResize="1" noEditPoints="1" noAdjustHandles="1" noChangeArrowheads="1" noChangeShapeType="1" noTextEdit="1"/>
+              </p:cNvSpPr>
+              <p:nvPr/>
+            </p:nvSpPr>
+            <p:spPr>
+              <a:xfrm>
+                <a:off x="2137796" y="2660910"/>
+                <a:ext cx="197746" cy="276999"/>
+              </a:xfrm>
+              <a:prstGeom prst="rect">
+                <a:avLst/>
+              </a:prstGeom>
+              <a:blipFill>
+                <a:blip r:embed="rId4"/>
+                <a:stretch>
+                  <a:fillRect l="-18750" r="-15625"/>
+                </a:stretch>
+              </a:blipFill>
+            </p:spPr>
+            <p:txBody>
+              <a:bodyPr/>
+              <a:lstStyle/>
+              <a:p>
+                <a:r>
+                  <a:rPr lang="en-US">
+                    <a:noFill/>
+                  </a:rPr>
+                  <a:t> </a:t>
+                </a:r>
+              </a:p>
+            </p:txBody>
+          </p:sp>
+        </mc:Fallback>
+      </mc:AlternateContent>
+      <mc:AlternateContent xmlns:mc="http://schemas.openxmlformats.org/markup-compatibility/2006">
+        <mc:Choice xmlns:a14="http://schemas.microsoft.com/office/drawing/2010/main" Requires="a14">
+          <p:sp>
+            <p:nvSpPr>
+              <p:cNvPr id="18" name="TextBox 17">
+                <a:extLst>
+                  <a:ext uri="{FF2B5EF4-FFF2-40B4-BE49-F238E27FC236}">
+                    <a16:creationId xmlns:a16="http://schemas.microsoft.com/office/drawing/2014/main" id="{4D5EBDCE-39F5-4EFF-9569-5E1E0DBE8594}"/>
+                  </a:ext>
+                </a:extLst>
+              </p:cNvPr>
+              <p:cNvSpPr txBox="1"/>
+              <p:nvPr/>
+            </p:nvSpPr>
+            <p:spPr>
+              <a:xfrm>
+                <a:off x="1205643" y="1633777"/>
+                <a:ext cx="449675" cy="276999"/>
+              </a:xfrm>
+              <a:prstGeom prst="rect">
+                <a:avLst/>
+              </a:prstGeom>
+              <a:noFill/>
+            </p:spPr>
+            <p:txBody>
+              <a:bodyPr wrap="none" lIns="0" tIns="0" rIns="0" bIns="0" rtlCol="0">
+                <a:spAutoFit/>
+              </a:bodyPr>
+              <a:lstStyle/>
+              <a:p>
+                <a:pPr/>
+                <a14:m>
+                  <m:oMathPara xmlns:m="http://schemas.openxmlformats.org/officeDocument/2006/math">
+                    <m:oMathParaPr>
+                      <m:jc m:val="centerGroup"/>
+                    </m:oMathParaPr>
+                    <m:oMath xmlns:m="http://schemas.openxmlformats.org/officeDocument/2006/math">
+                      <m:acc>
+                        <m:accPr>
+                          <m:chr m:val="⃗"/>
+                          <m:ctrlPr>
+                            <a:rPr lang="en-US" i="1" smtClean="0">
+                              <a:latin typeface="Cambria Math" panose="02040503050406030204" pitchFamily="18" charset="0"/>
+                            </a:rPr>
+                          </m:ctrlPr>
+                        </m:accPr>
+                        <m:e>
+                          <m:sSub>
+                            <m:sSubPr>
+                              <m:ctrlPr>
+                                <a:rPr lang="en-US" i="1" smtClean="0">
+                                  <a:latin typeface="Cambria Math" panose="02040503050406030204" pitchFamily="18" charset="0"/>
+                                </a:rPr>
+                              </m:ctrlPr>
+                            </m:sSubPr>
+                            <m:e>
+                              <m:r>
+                                <a:rPr lang="en-US" b="0" i="1" smtClean="0">
+                                  <a:latin typeface="Cambria Math" panose="02040503050406030204" pitchFamily="18" charset="0"/>
+                                </a:rPr>
+                                <m:t>𝑣</m:t>
+                              </m:r>
+                            </m:e>
+                            <m:sub>
+                              <m:r>
+                                <a:rPr lang="ru-RU" b="0" i="1" smtClean="0">
+                                  <a:latin typeface="Cambria Math" panose="02040503050406030204" pitchFamily="18" charset="0"/>
+                                </a:rPr>
+                                <m:t>отн</m:t>
+                              </m:r>
+                            </m:sub>
+                          </m:sSub>
+                        </m:e>
+                      </m:acc>
+                    </m:oMath>
+                  </m:oMathPara>
+                </a14:m>
+                <a:endParaRPr lang="en-US" dirty="0"/>
+              </a:p>
+            </p:txBody>
+          </p:sp>
+        </mc:Choice>
+        <mc:Fallback>
+          <p:sp>
+            <p:nvSpPr>
+              <p:cNvPr id="18" name="TextBox 17">
+                <a:extLst>
+                  <a:ext uri="{FF2B5EF4-FFF2-40B4-BE49-F238E27FC236}">
+                    <a16:creationId xmlns:a16="http://schemas.microsoft.com/office/drawing/2014/main" id="{4D5EBDCE-39F5-4EFF-9569-5E1E0DBE8594}"/>
+                  </a:ext>
+                </a:extLst>
+              </p:cNvPr>
+              <p:cNvSpPr txBox="1">
+                <a:spLocks noRot="1" noChangeAspect="1" noMove="1" noResize="1" noEditPoints="1" noAdjustHandles="1" noChangeArrowheads="1" noChangeShapeType="1" noTextEdit="1"/>
+              </p:cNvSpPr>
+              <p:nvPr/>
+            </p:nvSpPr>
+            <p:spPr>
+              <a:xfrm>
+                <a:off x="1205643" y="1633777"/>
+                <a:ext cx="449675" cy="276999"/>
+              </a:xfrm>
+              <a:prstGeom prst="rect">
+                <a:avLst/>
+              </a:prstGeom>
+              <a:blipFill>
+                <a:blip r:embed="rId5"/>
+                <a:stretch>
+                  <a:fillRect l="-6757" r="-1351" b="-11111"/>
+                </a:stretch>
+              </a:blipFill>
+            </p:spPr>
+            <p:txBody>
+              <a:bodyPr/>
+              <a:lstStyle/>
+              <a:p>
+                <a:r>
+                  <a:rPr lang="en-US">
+                    <a:noFill/>
+                  </a:rPr>
+                  <a:t> </a:t>
+                </a:r>
+              </a:p>
+            </p:txBody>
+          </p:sp>
+        </mc:Fallback>
+      </mc:AlternateContent>
+      <p:sp>
+        <p:nvSpPr>
+          <p:cNvPr id="11" name="Arc 10">
+            <a:extLst>
+              <a:ext uri="{FF2B5EF4-FFF2-40B4-BE49-F238E27FC236}">
+                <a16:creationId xmlns:a16="http://schemas.microsoft.com/office/drawing/2014/main" id="{0115AAB3-A1FD-47B5-B699-34FA05F409A0}"/>
+              </a:ext>
+            </a:extLst>
+          </p:cNvPr>
+          <p:cNvSpPr/>
+          <p:nvPr/>
+        </p:nvSpPr>
+        <p:spPr>
+          <a:xfrm rot="17882942">
+            <a:off x="2421132" y="2763898"/>
+            <a:ext cx="203704" cy="189692"/>
+          </a:xfrm>
+          <a:prstGeom prst="arc">
+            <a:avLst>
+              <a:gd name="adj1" fmla="val 16200000"/>
+              <a:gd name="adj2" fmla="val 324231"/>
+            </a:avLst>
+          </a:prstGeom>
+          <a:ln w="15875">
+            <a:solidFill>
+              <a:schemeClr val="tx1"/>
+            </a:solidFill>
+          </a:ln>
+        </p:spPr>
+        <p:style>
+          <a:lnRef idx="1">
+            <a:schemeClr val="accent1"/>
+          </a:lnRef>
+          <a:fillRef idx="0">
+            <a:schemeClr val="accent1"/>
+          </a:fillRef>
+          <a:effectRef idx="0">
+            <a:schemeClr val="accent1"/>
+          </a:effectRef>
+          <a:fontRef idx="minor">
+            <a:schemeClr val="tx1"/>
+          </a:fontRef>
+        </p:style>
+        <p:txBody>
+          <a:bodyPr rtlCol="0" anchor="ctr"/>
+          <a:lstStyle/>
+          <a:p>
+            <a:pPr algn="ctr"/>
+            <a:endParaRPr lang="en-US" dirty="0"/>
+          </a:p>
+        </p:txBody>
+      </p:sp>
+      <p:sp>
+        <p:nvSpPr>
+          <p:cNvPr id="14" name="Arc 13">
+            <a:extLst>
+              <a:ext uri="{FF2B5EF4-FFF2-40B4-BE49-F238E27FC236}">
+                <a16:creationId xmlns:a16="http://schemas.microsoft.com/office/drawing/2014/main" id="{1876BE3D-5289-409E-9C53-DBEB92649C64}"/>
+              </a:ext>
+            </a:extLst>
+          </p:cNvPr>
+          <p:cNvSpPr/>
+          <p:nvPr/>
+        </p:nvSpPr>
+        <p:spPr>
+          <a:xfrm rot="17882942">
+            <a:off x="2388228" y="2733257"/>
+            <a:ext cx="269511" cy="250972"/>
+          </a:xfrm>
+          <a:prstGeom prst="arc">
+            <a:avLst>
+              <a:gd name="adj1" fmla="val 16200000"/>
+              <a:gd name="adj2" fmla="val 225876"/>
+            </a:avLst>
+          </a:prstGeom>
+          <a:ln w="15875">
+            <a:solidFill>
+              <a:schemeClr val="tx1"/>
+            </a:solidFill>
+          </a:ln>
+        </p:spPr>
+        <p:style>
+          <a:lnRef idx="1">
+            <a:schemeClr val="accent1"/>
+          </a:lnRef>
+          <a:fillRef idx="0">
+            <a:schemeClr val="accent1"/>
+          </a:fillRef>
+          <a:effectRef idx="0">
+            <a:schemeClr val="accent1"/>
+          </a:effectRef>
+          <a:fontRef idx="minor">
+            <a:schemeClr val="tx1"/>
+          </a:fontRef>
+        </p:style>
+        <p:txBody>
+          <a:bodyPr rtlCol="0" anchor="ctr"/>
+          <a:lstStyle/>
+          <a:p>
+            <a:pPr algn="ctr"/>
+            <a:endParaRPr lang="en-US" dirty="0"/>
+          </a:p>
+        </p:txBody>
+      </p:sp>
+      <mc:AlternateContent xmlns:mc="http://schemas.openxmlformats.org/markup-compatibility/2006">
+        <mc:Choice xmlns:a14="http://schemas.microsoft.com/office/drawing/2010/main" Requires="a14">
+          <p:sp>
+            <p:nvSpPr>
+              <p:cNvPr id="15" name="TextBox 14">
+                <a:extLst>
+                  <a:ext uri="{FF2B5EF4-FFF2-40B4-BE49-F238E27FC236}">
+                    <a16:creationId xmlns:a16="http://schemas.microsoft.com/office/drawing/2014/main" id="{EE2760F3-B794-4A29-823E-3CECD14C9622}"/>
+                  </a:ext>
+                </a:extLst>
+              </p:cNvPr>
+              <p:cNvSpPr txBox="1"/>
+              <p:nvPr/>
+            </p:nvSpPr>
+            <p:spPr>
+              <a:xfrm>
+                <a:off x="2358677" y="2450887"/>
+                <a:ext cx="199349" cy="276999"/>
+              </a:xfrm>
+              <a:prstGeom prst="rect">
+                <a:avLst/>
+              </a:prstGeom>
+              <a:noFill/>
+            </p:spPr>
+            <p:txBody>
+              <a:bodyPr wrap="none" lIns="0" tIns="0" rIns="0" bIns="0" rtlCol="0">
+                <a:spAutoFit/>
+              </a:bodyPr>
+              <a:lstStyle/>
+              <a:p>
+                <a:pPr/>
+                <a14:m>
+                  <m:oMathPara xmlns:m="http://schemas.openxmlformats.org/officeDocument/2006/math">
+                    <m:oMathParaPr>
+                      <m:jc m:val="centerGroup"/>
+                    </m:oMathParaPr>
+                    <m:oMath xmlns:m="http://schemas.openxmlformats.org/officeDocument/2006/math">
+                      <m:r>
+                        <a:rPr lang="en-US" i="1" smtClean="0">
+                          <a:latin typeface="Cambria Math" panose="02040503050406030204" pitchFamily="18" charset="0"/>
+                          <a:ea typeface="Cambria Math" panose="02040503050406030204" pitchFamily="18" charset="0"/>
+                        </a:rPr>
+                        <m:t>𝛽</m:t>
+                      </m:r>
+                    </m:oMath>
+                  </m:oMathPara>
+                </a14:m>
+                <a:endParaRPr lang="en-US" dirty="0"/>
+              </a:p>
+            </p:txBody>
+          </p:sp>
+        </mc:Choice>
+        <mc:Fallback>
+          <p:sp>
+            <p:nvSpPr>
+              <p:cNvPr id="15" name="TextBox 14">
+                <a:extLst>
+                  <a:ext uri="{FF2B5EF4-FFF2-40B4-BE49-F238E27FC236}">
+                    <a16:creationId xmlns:a16="http://schemas.microsoft.com/office/drawing/2014/main" id="{EE2760F3-B794-4A29-823E-3CECD14C9622}"/>
+                  </a:ext>
+                </a:extLst>
+              </p:cNvPr>
+              <p:cNvSpPr txBox="1">
+                <a:spLocks noRot="1" noChangeAspect="1" noMove="1" noResize="1" noEditPoints="1" noAdjustHandles="1" noChangeArrowheads="1" noChangeShapeType="1" noTextEdit="1"/>
+              </p:cNvSpPr>
+              <p:nvPr/>
+            </p:nvSpPr>
+            <p:spPr>
+              <a:xfrm>
+                <a:off x="2358677" y="2450887"/>
+                <a:ext cx="199349" cy="276999"/>
+              </a:xfrm>
+              <a:prstGeom prst="rect">
+                <a:avLst/>
+              </a:prstGeom>
+              <a:blipFill>
+                <a:blip r:embed="rId6"/>
+                <a:stretch>
+                  <a:fillRect l="-42424" t="-2222" r="-36364" b="-35556"/>
+                </a:stretch>
+              </a:blipFill>
+            </p:spPr>
+            <p:txBody>
+              <a:bodyPr/>
+              <a:lstStyle/>
+              <a:p>
+                <a:r>
+                  <a:rPr lang="en-US">
+                    <a:noFill/>
+                  </a:rPr>
+                  <a:t> </a:t>
+                </a:r>
+              </a:p>
+            </p:txBody>
+          </p:sp>
+        </mc:Fallback>
+      </mc:AlternateContent>
+      <p:cxnSp>
+        <p:nvCxnSpPr>
+          <p:cNvPr id="19" name="Straight Arrow Connector 18">
+            <a:extLst>
+              <a:ext uri="{FF2B5EF4-FFF2-40B4-BE49-F238E27FC236}">
+                <a16:creationId xmlns:a16="http://schemas.microsoft.com/office/drawing/2014/main" id="{0F318E1E-A0BE-4B3A-BDDE-A5AE36D459F4}"/>
+              </a:ext>
+            </a:extLst>
+          </p:cNvPr>
+          <p:cNvCxnSpPr>
+            <a:cxnSpLocks/>
+          </p:cNvCxnSpPr>
+          <p:nvPr/>
+        </p:nvCxnSpPr>
+        <p:spPr>
+          <a:xfrm flipV="1">
+            <a:off x="8067555" y="1988820"/>
+            <a:ext cx="0" cy="2004061"/>
+          </a:xfrm>
+          <a:prstGeom prst="straightConnector1">
+            <a:avLst/>
+          </a:prstGeom>
+          <a:ln w="25400">
+            <a:solidFill>
+              <a:schemeClr val="tx1"/>
+            </a:solidFill>
+            <a:prstDash val="solid"/>
+            <a:tailEnd type="none" w="lg" len="lg"/>
+          </a:ln>
+        </p:spPr>
+        <p:style>
+          <a:lnRef idx="1">
+            <a:schemeClr val="accent1"/>
+          </a:lnRef>
+          <a:fillRef idx="0">
+            <a:schemeClr val="accent1"/>
+          </a:fillRef>
+          <a:effectRef idx="0">
+            <a:schemeClr val="accent1"/>
+          </a:effectRef>
+          <a:fontRef idx="minor">
+            <a:schemeClr val="tx1"/>
+          </a:fontRef>
+        </p:style>
+      </p:cxnSp>
+      <p:cxnSp>
+        <p:nvCxnSpPr>
+          <p:cNvPr id="20" name="Straight Arrow Connector 19">
+            <a:extLst>
+              <a:ext uri="{FF2B5EF4-FFF2-40B4-BE49-F238E27FC236}">
+                <a16:creationId xmlns:a16="http://schemas.microsoft.com/office/drawing/2014/main" id="{9F250C1A-A8A6-4465-AC98-E1E829E59735}"/>
+              </a:ext>
+            </a:extLst>
+          </p:cNvPr>
+          <p:cNvCxnSpPr>
+            <a:cxnSpLocks/>
+          </p:cNvCxnSpPr>
+          <p:nvPr/>
+        </p:nvCxnSpPr>
+        <p:spPr>
+          <a:xfrm flipH="1" flipV="1">
+            <a:off x="6914117" y="2660910"/>
+            <a:ext cx="1153436" cy="1000112"/>
+          </a:xfrm>
+          <a:prstGeom prst="straightConnector1">
+            <a:avLst/>
+          </a:prstGeom>
+          <a:ln w="34925">
+            <a:solidFill>
+              <a:schemeClr val="tx1"/>
+            </a:solidFill>
+            <a:tailEnd type="stealth" w="lg" len="lg"/>
+          </a:ln>
+        </p:spPr>
+        <p:style>
+          <a:lnRef idx="1">
+            <a:schemeClr val="accent1"/>
+          </a:lnRef>
+          <a:fillRef idx="0">
+            <a:schemeClr val="accent1"/>
+          </a:fillRef>
+          <a:effectRef idx="0">
+            <a:schemeClr val="accent1"/>
+          </a:effectRef>
+          <a:fontRef idx="minor">
+            <a:schemeClr val="tx1"/>
+          </a:fontRef>
+        </p:style>
+      </p:cxnSp>
+      <p:cxnSp>
+        <p:nvCxnSpPr>
+          <p:cNvPr id="28" name="Straight Arrow Connector 27">
+            <a:extLst>
+              <a:ext uri="{FF2B5EF4-FFF2-40B4-BE49-F238E27FC236}">
+                <a16:creationId xmlns:a16="http://schemas.microsoft.com/office/drawing/2014/main" id="{F4AE782C-3433-41B6-B8EB-E9974B150DDB}"/>
+              </a:ext>
+            </a:extLst>
+          </p:cNvPr>
+          <p:cNvCxnSpPr>
+            <a:cxnSpLocks/>
+          </p:cNvCxnSpPr>
+          <p:nvPr/>
+        </p:nvCxnSpPr>
+        <p:spPr>
+          <a:xfrm flipV="1">
+            <a:off x="8059677" y="2370732"/>
+            <a:ext cx="1285837" cy="1290291"/>
+          </a:xfrm>
+          <a:prstGeom prst="straightConnector1">
+            <a:avLst/>
+          </a:prstGeom>
+          <a:ln w="34925">
+            <a:solidFill>
+              <a:schemeClr val="tx1"/>
+            </a:solidFill>
+            <a:tailEnd type="stealth" w="lg" len="lg"/>
+          </a:ln>
+        </p:spPr>
+        <p:style>
+          <a:lnRef idx="1">
+            <a:schemeClr val="accent1"/>
+          </a:lnRef>
+          <a:fillRef idx="0">
+            <a:schemeClr val="accent1"/>
+          </a:fillRef>
+          <a:effectRef idx="0">
+            <a:schemeClr val="accent1"/>
+          </a:effectRef>
+          <a:fontRef idx="minor">
+            <a:schemeClr val="tx1"/>
+          </a:fontRef>
+        </p:style>
+      </p:cxnSp>
+      <mc:AlternateContent xmlns:mc="http://schemas.openxmlformats.org/markup-compatibility/2006">
+        <mc:Choice xmlns:a14="http://schemas.microsoft.com/office/drawing/2010/main" Requires="a14">
+          <p:sp>
+            <p:nvSpPr>
+              <p:cNvPr id="29" name="TextBox 28">
+                <a:extLst>
+                  <a:ext uri="{FF2B5EF4-FFF2-40B4-BE49-F238E27FC236}">
+                    <a16:creationId xmlns:a16="http://schemas.microsoft.com/office/drawing/2014/main" id="{6C0811B0-DFBE-405C-A944-B67231563D28}"/>
+                  </a:ext>
+                </a:extLst>
+              </p:cNvPr>
+              <p:cNvSpPr txBox="1"/>
+              <p:nvPr/>
+            </p:nvSpPr>
+            <p:spPr>
+              <a:xfrm>
+                <a:off x="6574166" y="2815637"/>
+                <a:ext cx="555537" cy="430887"/>
+              </a:xfrm>
+              <a:prstGeom prst="rect">
+                <a:avLst/>
+              </a:prstGeom>
+              <a:noFill/>
+            </p:spPr>
+            <p:txBody>
+              <a:bodyPr wrap="square" lIns="0" tIns="0" rIns="0" bIns="0" rtlCol="0">
+                <a:spAutoFit/>
+              </a:bodyPr>
+              <a:lstStyle/>
+              <a:p>
+                <a:pPr/>
+                <a14:m>
+                  <m:oMathPara xmlns:m="http://schemas.openxmlformats.org/officeDocument/2006/math">
+                    <m:oMathParaPr>
+                      <m:jc m:val="centerGroup"/>
+                    </m:oMathParaPr>
+                    <m:oMath xmlns:m="http://schemas.openxmlformats.org/officeDocument/2006/math">
+                      <m:acc>
+                        <m:accPr>
+                          <m:chr m:val="⃗"/>
+                          <m:ctrlPr>
+                            <a:rPr lang="en-US" sz="2800" b="0" i="1" smtClean="0">
+                              <a:latin typeface="Cambria Math" panose="02040503050406030204" pitchFamily="18" charset="0"/>
+                            </a:rPr>
+                          </m:ctrlPr>
+                        </m:accPr>
+                        <m:e>
+                          <m:r>
+                            <a:rPr lang="en-US" sz="2800" b="0" i="1" smtClean="0">
+                              <a:latin typeface="Cambria Math" panose="02040503050406030204" pitchFamily="18" charset="0"/>
+                            </a:rPr>
+                            <m:t>𝑣</m:t>
+                          </m:r>
+                        </m:e>
+                      </m:acc>
+                    </m:oMath>
+                  </m:oMathPara>
+                </a14:m>
+                <a:endParaRPr lang="en-US" sz="2800" dirty="0"/>
+              </a:p>
+            </p:txBody>
+          </p:sp>
+        </mc:Choice>
+        <mc:Fallback>
+          <p:sp>
+            <p:nvSpPr>
+              <p:cNvPr id="29" name="TextBox 28">
+                <a:extLst>
+                  <a:ext uri="{FF2B5EF4-FFF2-40B4-BE49-F238E27FC236}">
+                    <a16:creationId xmlns:a16="http://schemas.microsoft.com/office/drawing/2014/main" id="{6C0811B0-DFBE-405C-A944-B67231563D28}"/>
+                  </a:ext>
+                </a:extLst>
+              </p:cNvPr>
+              <p:cNvSpPr txBox="1">
+                <a:spLocks noRot="1" noChangeAspect="1" noMove="1" noResize="1" noEditPoints="1" noAdjustHandles="1" noChangeArrowheads="1" noChangeShapeType="1" noTextEdit="1"/>
+              </p:cNvSpPr>
+              <p:nvPr/>
+            </p:nvSpPr>
+            <p:spPr>
+              <a:xfrm>
+                <a:off x="6574166" y="2815637"/>
+                <a:ext cx="555537" cy="430887"/>
+              </a:xfrm>
+              <a:prstGeom prst="rect">
+                <a:avLst/>
+              </a:prstGeom>
+              <a:blipFill>
+                <a:blip r:embed="rId7"/>
+                <a:stretch>
+                  <a:fillRect/>
+                </a:stretch>
+              </a:blipFill>
+            </p:spPr>
+            <p:txBody>
+              <a:bodyPr/>
+              <a:lstStyle/>
+              <a:p>
+                <a:r>
+                  <a:rPr lang="en-US">
+                    <a:noFill/>
+                  </a:rPr>
+                  <a:t> </a:t>
+                </a:r>
+              </a:p>
+            </p:txBody>
+          </p:sp>
+        </mc:Fallback>
+      </mc:AlternateContent>
+      <p:sp>
+        <p:nvSpPr>
+          <p:cNvPr id="30" name="Arc 29">
+            <a:extLst>
+              <a:ext uri="{FF2B5EF4-FFF2-40B4-BE49-F238E27FC236}">
+                <a16:creationId xmlns:a16="http://schemas.microsoft.com/office/drawing/2014/main" id="{7E3EC4D9-B5D7-4609-AA8D-ECC40B9C29A6}"/>
+              </a:ext>
+            </a:extLst>
+          </p:cNvPr>
+          <p:cNvSpPr/>
+          <p:nvPr/>
+        </p:nvSpPr>
+        <p:spPr>
+          <a:xfrm rot="16821118">
+            <a:off x="7935718" y="3428368"/>
+            <a:ext cx="206077" cy="248672"/>
+          </a:xfrm>
+          <a:prstGeom prst="arc">
+            <a:avLst>
+              <a:gd name="adj1" fmla="val 16200000"/>
+              <a:gd name="adj2" fmla="val 324231"/>
+            </a:avLst>
+          </a:prstGeom>
+          <a:ln w="22225">
+            <a:solidFill>
+              <a:schemeClr val="tx1"/>
+            </a:solidFill>
+          </a:ln>
+        </p:spPr>
+        <p:style>
+          <a:lnRef idx="1">
+            <a:schemeClr val="accent1"/>
+          </a:lnRef>
+          <a:fillRef idx="0">
+            <a:schemeClr val="accent1"/>
+          </a:fillRef>
+          <a:effectRef idx="0">
+            <a:schemeClr val="accent1"/>
+          </a:effectRef>
+          <a:fontRef idx="minor">
+            <a:schemeClr val="tx1"/>
+          </a:fontRef>
+        </p:style>
+        <p:txBody>
+          <a:bodyPr rtlCol="0" anchor="ctr"/>
+          <a:lstStyle/>
+          <a:p>
+            <a:pPr algn="ctr"/>
+            <a:endParaRPr lang="en-US" dirty="0"/>
+          </a:p>
+        </p:txBody>
+      </p:sp>
+      <mc:AlternateContent xmlns:mc="http://schemas.openxmlformats.org/markup-compatibility/2006">
+        <mc:Choice xmlns:a14="http://schemas.microsoft.com/office/drawing/2010/main" Requires="a14">
+          <p:sp>
+            <p:nvSpPr>
+              <p:cNvPr id="31" name="TextBox 30">
+                <a:extLst>
+                  <a:ext uri="{FF2B5EF4-FFF2-40B4-BE49-F238E27FC236}">
+                    <a16:creationId xmlns:a16="http://schemas.microsoft.com/office/drawing/2014/main" id="{D1E96F18-FEDD-46F3-BA3C-D2CE2B2DB3F4}"/>
+                  </a:ext>
+                </a:extLst>
+              </p:cNvPr>
+              <p:cNvSpPr txBox="1"/>
+              <p:nvPr/>
+            </p:nvSpPr>
+            <p:spPr>
+              <a:xfrm>
+                <a:off x="7852124" y="3136615"/>
+                <a:ext cx="197746" cy="276999"/>
+              </a:xfrm>
+              <a:prstGeom prst="rect">
+                <a:avLst/>
+              </a:prstGeom>
+              <a:noFill/>
+            </p:spPr>
+            <p:txBody>
+              <a:bodyPr wrap="none" lIns="0" tIns="0" rIns="0" bIns="0" rtlCol="0">
+                <a:spAutoFit/>
+              </a:bodyPr>
+              <a:lstStyle/>
+              <a:p>
+                <a:pPr/>
+                <a14:m>
+                  <m:oMathPara xmlns:m="http://schemas.openxmlformats.org/officeDocument/2006/math">
+                    <m:oMathParaPr>
+                      <m:jc m:val="centerGroup"/>
+                    </m:oMathParaPr>
+                    <m:oMath xmlns:m="http://schemas.openxmlformats.org/officeDocument/2006/math">
+                      <m:r>
+                        <a:rPr lang="en-US" i="1" smtClean="0">
+                          <a:latin typeface="Cambria Math" panose="02040503050406030204" pitchFamily="18" charset="0"/>
+                          <a:ea typeface="Cambria Math" panose="02040503050406030204" pitchFamily="18" charset="0"/>
+                        </a:rPr>
+                        <m:t>𝛼</m:t>
+                      </m:r>
+                    </m:oMath>
+                  </m:oMathPara>
+                </a14:m>
+                <a:endParaRPr lang="en-US" dirty="0"/>
+              </a:p>
+            </p:txBody>
+          </p:sp>
+        </mc:Choice>
+        <mc:Fallback>
+          <p:sp>
+            <p:nvSpPr>
+              <p:cNvPr id="31" name="TextBox 30">
+                <a:extLst>
+                  <a:ext uri="{FF2B5EF4-FFF2-40B4-BE49-F238E27FC236}">
+                    <a16:creationId xmlns:a16="http://schemas.microsoft.com/office/drawing/2014/main" id="{D1E96F18-FEDD-46F3-BA3C-D2CE2B2DB3F4}"/>
+                  </a:ext>
+                </a:extLst>
+              </p:cNvPr>
+              <p:cNvSpPr txBox="1">
+                <a:spLocks noRot="1" noChangeAspect="1" noMove="1" noResize="1" noEditPoints="1" noAdjustHandles="1" noChangeArrowheads="1" noChangeShapeType="1" noTextEdit="1"/>
+              </p:cNvSpPr>
+              <p:nvPr/>
+            </p:nvSpPr>
+            <p:spPr>
+              <a:xfrm>
+                <a:off x="7852124" y="3136615"/>
+                <a:ext cx="197746" cy="276999"/>
+              </a:xfrm>
+              <a:prstGeom prst="rect">
+                <a:avLst/>
+              </a:prstGeom>
+              <a:blipFill>
+                <a:blip r:embed="rId8"/>
+                <a:stretch>
+                  <a:fillRect l="-18182" r="-12121"/>
+                </a:stretch>
+              </a:blipFill>
+            </p:spPr>
+            <p:txBody>
+              <a:bodyPr/>
+              <a:lstStyle/>
+              <a:p>
+                <a:r>
+                  <a:rPr lang="en-US">
+                    <a:noFill/>
+                  </a:rPr>
+                  <a:t> </a:t>
+                </a:r>
+              </a:p>
+            </p:txBody>
+          </p:sp>
+        </mc:Fallback>
+      </mc:AlternateContent>
+      <p:sp>
+        <p:nvSpPr>
+          <p:cNvPr id="32" name="Arc 31">
+            <a:extLst>
+              <a:ext uri="{FF2B5EF4-FFF2-40B4-BE49-F238E27FC236}">
+                <a16:creationId xmlns:a16="http://schemas.microsoft.com/office/drawing/2014/main" id="{EF609F8A-4B5E-4004-A2F2-BD7987032407}"/>
+              </a:ext>
+            </a:extLst>
+          </p:cNvPr>
+          <p:cNvSpPr/>
+          <p:nvPr/>
+        </p:nvSpPr>
+        <p:spPr>
+          <a:xfrm rot="19850479">
+            <a:off x="8016058" y="3478770"/>
+            <a:ext cx="203704" cy="189692"/>
+          </a:xfrm>
+          <a:prstGeom prst="arc">
+            <a:avLst>
+              <a:gd name="adj1" fmla="val 16200000"/>
+              <a:gd name="adj2" fmla="val 324231"/>
+            </a:avLst>
+          </a:prstGeom>
+          <a:ln w="15875">
+            <a:solidFill>
+              <a:schemeClr val="tx1"/>
+            </a:solidFill>
+          </a:ln>
+        </p:spPr>
+        <p:style>
+          <a:lnRef idx="1">
+            <a:schemeClr val="accent1"/>
+          </a:lnRef>
+          <a:fillRef idx="0">
+            <a:schemeClr val="accent1"/>
+          </a:fillRef>
+          <a:effectRef idx="0">
+            <a:schemeClr val="accent1"/>
+          </a:effectRef>
+          <a:fontRef idx="minor">
+            <a:schemeClr val="tx1"/>
+          </a:fontRef>
+        </p:style>
+        <p:txBody>
+          <a:bodyPr rtlCol="0" anchor="ctr"/>
+          <a:lstStyle/>
+          <a:p>
+            <a:pPr algn="ctr"/>
+            <a:endParaRPr lang="en-US" dirty="0"/>
+          </a:p>
+        </p:txBody>
+      </p:sp>
+      <p:sp>
+        <p:nvSpPr>
+          <p:cNvPr id="33" name="Arc 32">
+            <a:extLst>
+              <a:ext uri="{FF2B5EF4-FFF2-40B4-BE49-F238E27FC236}">
+                <a16:creationId xmlns:a16="http://schemas.microsoft.com/office/drawing/2014/main" id="{6D2530E8-B040-4562-9F18-18F02ECAC24C}"/>
+              </a:ext>
+            </a:extLst>
+          </p:cNvPr>
+          <p:cNvSpPr/>
+          <p:nvPr/>
+        </p:nvSpPr>
+        <p:spPr>
+          <a:xfrm rot="19850479">
+            <a:off x="7991250" y="3425269"/>
+            <a:ext cx="269511" cy="250972"/>
+          </a:xfrm>
+          <a:prstGeom prst="arc">
+            <a:avLst>
+              <a:gd name="adj1" fmla="val 16200000"/>
+              <a:gd name="adj2" fmla="val 225876"/>
+            </a:avLst>
+          </a:prstGeom>
+          <a:ln w="15875">
+            <a:solidFill>
+              <a:schemeClr val="tx1"/>
+            </a:solidFill>
+          </a:ln>
+        </p:spPr>
+        <p:style>
+          <a:lnRef idx="1">
+            <a:schemeClr val="accent1"/>
+          </a:lnRef>
+          <a:fillRef idx="0">
+            <a:schemeClr val="accent1"/>
+          </a:fillRef>
+          <a:effectRef idx="0">
+            <a:schemeClr val="accent1"/>
+          </a:effectRef>
+          <a:fontRef idx="minor">
+            <a:schemeClr val="tx1"/>
+          </a:fontRef>
+        </p:style>
+        <p:txBody>
+          <a:bodyPr rtlCol="0" anchor="ctr"/>
+          <a:lstStyle/>
+          <a:p>
+            <a:pPr algn="ctr"/>
+            <a:endParaRPr lang="en-US" dirty="0"/>
+          </a:p>
+        </p:txBody>
+      </p:sp>
+      <mc:AlternateContent xmlns:mc="http://schemas.openxmlformats.org/markup-compatibility/2006">
+        <mc:Choice xmlns:a14="http://schemas.microsoft.com/office/drawing/2010/main" Requires="a14">
+          <p:sp>
+            <p:nvSpPr>
+              <p:cNvPr id="34" name="TextBox 33">
+                <a:extLst>
+                  <a:ext uri="{FF2B5EF4-FFF2-40B4-BE49-F238E27FC236}">
+                    <a16:creationId xmlns:a16="http://schemas.microsoft.com/office/drawing/2014/main" id="{A41617AE-CA27-4842-92A8-BE353BECB513}"/>
+                  </a:ext>
+                </a:extLst>
+              </p:cNvPr>
+              <p:cNvSpPr txBox="1"/>
+              <p:nvPr/>
+            </p:nvSpPr>
+            <p:spPr>
+              <a:xfrm>
+                <a:off x="8131772" y="3130679"/>
+                <a:ext cx="199349" cy="276999"/>
+              </a:xfrm>
+              <a:prstGeom prst="rect">
+                <a:avLst/>
+              </a:prstGeom>
+              <a:noFill/>
+            </p:spPr>
+            <p:txBody>
+              <a:bodyPr wrap="none" lIns="0" tIns="0" rIns="0" bIns="0" rtlCol="0">
+                <a:spAutoFit/>
+              </a:bodyPr>
+              <a:lstStyle/>
+              <a:p>
+                <a:pPr/>
+                <a14:m>
+                  <m:oMathPara xmlns:m="http://schemas.openxmlformats.org/officeDocument/2006/math">
+                    <m:oMathParaPr>
+                      <m:jc m:val="centerGroup"/>
+                    </m:oMathParaPr>
+                    <m:oMath xmlns:m="http://schemas.openxmlformats.org/officeDocument/2006/math">
+                      <m:r>
+                        <a:rPr lang="en-US" i="1" smtClean="0">
+                          <a:latin typeface="Cambria Math" panose="02040503050406030204" pitchFamily="18" charset="0"/>
+                          <a:ea typeface="Cambria Math" panose="02040503050406030204" pitchFamily="18" charset="0"/>
+                        </a:rPr>
+                        <m:t>𝛽</m:t>
+                      </m:r>
+                    </m:oMath>
+                  </m:oMathPara>
+                </a14:m>
+                <a:endParaRPr lang="en-US" dirty="0"/>
+              </a:p>
+            </p:txBody>
+          </p:sp>
+        </mc:Choice>
+        <mc:Fallback>
+          <p:sp>
+            <p:nvSpPr>
+              <p:cNvPr id="34" name="TextBox 33">
+                <a:extLst>
+                  <a:ext uri="{FF2B5EF4-FFF2-40B4-BE49-F238E27FC236}">
+                    <a16:creationId xmlns:a16="http://schemas.microsoft.com/office/drawing/2014/main" id="{A41617AE-CA27-4842-92A8-BE353BECB513}"/>
+                  </a:ext>
+                </a:extLst>
+              </p:cNvPr>
+              <p:cNvSpPr txBox="1">
+                <a:spLocks noRot="1" noChangeAspect="1" noMove="1" noResize="1" noEditPoints="1" noAdjustHandles="1" noChangeArrowheads="1" noChangeShapeType="1" noTextEdit="1"/>
+              </p:cNvSpPr>
+              <p:nvPr/>
+            </p:nvSpPr>
+            <p:spPr>
+              <a:xfrm>
+                <a:off x="8131772" y="3130679"/>
+                <a:ext cx="199349" cy="276999"/>
+              </a:xfrm>
+              <a:prstGeom prst="rect">
+                <a:avLst/>
+              </a:prstGeom>
+              <a:blipFill>
+                <a:blip r:embed="rId9"/>
+                <a:stretch>
+                  <a:fillRect l="-42424" t="-4444" r="-36364" b="-35556"/>
+                </a:stretch>
+              </a:blipFill>
+            </p:spPr>
+            <p:txBody>
+              <a:bodyPr/>
+              <a:lstStyle/>
+              <a:p>
+                <a:r>
+                  <a:rPr lang="en-US">
+                    <a:noFill/>
+                  </a:rPr>
+                  <a:t> </a:t>
+                </a:r>
+              </a:p>
+            </p:txBody>
+          </p:sp>
+        </mc:Fallback>
+      </mc:AlternateContent>
+      <mc:AlternateContent xmlns:mc="http://schemas.openxmlformats.org/markup-compatibility/2006">
+        <mc:Choice xmlns:a14="http://schemas.microsoft.com/office/drawing/2010/main" Requires="a14">
+          <p:sp>
+            <p:nvSpPr>
+              <p:cNvPr id="36" name="TextBox 35">
+                <a:extLst>
+                  <a:ext uri="{FF2B5EF4-FFF2-40B4-BE49-F238E27FC236}">
+                    <a16:creationId xmlns:a16="http://schemas.microsoft.com/office/drawing/2014/main" id="{9B2E5550-0188-48A4-A325-DDB611D4C0C7}"/>
+                  </a:ext>
+                </a:extLst>
+              </p:cNvPr>
+              <p:cNvSpPr txBox="1"/>
+              <p:nvPr/>
+            </p:nvSpPr>
+            <p:spPr>
+              <a:xfrm>
+                <a:off x="9287593" y="2295207"/>
+                <a:ext cx="555537" cy="430887"/>
+              </a:xfrm>
+              <a:prstGeom prst="rect">
+                <a:avLst/>
+              </a:prstGeom>
+              <a:noFill/>
+            </p:spPr>
+            <p:txBody>
+              <a:bodyPr wrap="square" lIns="0" tIns="0" rIns="0" bIns="0" rtlCol="0">
+                <a:spAutoFit/>
+              </a:bodyPr>
+              <a:lstStyle/>
+              <a:p>
+                <a:pPr/>
+                <a14:m>
+                  <m:oMathPara xmlns:m="http://schemas.openxmlformats.org/officeDocument/2006/math">
+                    <m:oMathParaPr>
+                      <m:jc m:val="centerGroup"/>
+                    </m:oMathParaPr>
+                    <m:oMath xmlns:m="http://schemas.openxmlformats.org/officeDocument/2006/math">
+                      <m:acc>
+                        <m:accPr>
+                          <m:chr m:val="⃗"/>
+                          <m:ctrlPr>
+                            <a:rPr lang="en-US" sz="2800" b="0" i="1" smtClean="0">
+                              <a:latin typeface="Cambria Math" panose="02040503050406030204" pitchFamily="18" charset="0"/>
+                            </a:rPr>
+                          </m:ctrlPr>
+                        </m:accPr>
+                        <m:e>
+                          <m:r>
+                            <a:rPr lang="en-US" sz="2800" b="0" i="1" smtClean="0">
+                              <a:latin typeface="Cambria Math" panose="02040503050406030204" pitchFamily="18" charset="0"/>
+                            </a:rPr>
+                            <m:t>𝑢</m:t>
+                          </m:r>
+                        </m:e>
+                      </m:acc>
+                    </m:oMath>
+                  </m:oMathPara>
+                </a14:m>
+                <a:endParaRPr lang="en-US" sz="2800" dirty="0"/>
+              </a:p>
+            </p:txBody>
+          </p:sp>
+        </mc:Choice>
+        <mc:Fallback>
+          <p:sp>
+            <p:nvSpPr>
+              <p:cNvPr id="36" name="TextBox 35">
+                <a:extLst>
+                  <a:ext uri="{FF2B5EF4-FFF2-40B4-BE49-F238E27FC236}">
+                    <a16:creationId xmlns:a16="http://schemas.microsoft.com/office/drawing/2014/main" id="{9B2E5550-0188-48A4-A325-DDB611D4C0C7}"/>
+                  </a:ext>
+                </a:extLst>
+              </p:cNvPr>
+              <p:cNvSpPr txBox="1">
+                <a:spLocks noRot="1" noChangeAspect="1" noMove="1" noResize="1" noEditPoints="1" noAdjustHandles="1" noChangeArrowheads="1" noChangeShapeType="1" noTextEdit="1"/>
+              </p:cNvSpPr>
+              <p:nvPr/>
+            </p:nvSpPr>
+            <p:spPr>
+              <a:xfrm>
+                <a:off x="9287593" y="2295207"/>
+                <a:ext cx="555537" cy="430887"/>
+              </a:xfrm>
+              <a:prstGeom prst="rect">
+                <a:avLst/>
+              </a:prstGeom>
+              <a:blipFill>
+                <a:blip r:embed="rId10"/>
+                <a:stretch>
+                  <a:fillRect/>
+                </a:stretch>
+              </a:blipFill>
+            </p:spPr>
+            <p:txBody>
+              <a:bodyPr/>
+              <a:lstStyle/>
+              <a:p>
+                <a:r>
+                  <a:rPr lang="en-US">
+                    <a:noFill/>
+                  </a:rPr>
+                  <a:t> </a:t>
+                </a:r>
+              </a:p>
+            </p:txBody>
+          </p:sp>
+        </mc:Fallback>
+      </mc:AlternateContent>
+      <p:cxnSp>
+        <p:nvCxnSpPr>
+          <p:cNvPr id="40" name="Straight Arrow Connector 39">
+            <a:extLst>
+              <a:ext uri="{FF2B5EF4-FFF2-40B4-BE49-F238E27FC236}">
+                <a16:creationId xmlns:a16="http://schemas.microsoft.com/office/drawing/2014/main" id="{60A5255F-9E00-43EB-A68D-328991F52F77}"/>
+              </a:ext>
+            </a:extLst>
+          </p:cNvPr>
+          <p:cNvCxnSpPr>
+            <a:cxnSpLocks/>
+          </p:cNvCxnSpPr>
+          <p:nvPr/>
+        </p:nvCxnSpPr>
+        <p:spPr>
+          <a:xfrm flipH="1">
+            <a:off x="6914117" y="2660910"/>
+            <a:ext cx="1143010" cy="0"/>
+          </a:xfrm>
+          <a:prstGeom prst="straightConnector1">
+            <a:avLst/>
+          </a:prstGeom>
+          <a:ln w="25400">
+            <a:solidFill>
+              <a:schemeClr val="tx1"/>
+            </a:solidFill>
+            <a:prstDash val="dash"/>
+            <a:tailEnd type="none" w="lg" len="lg"/>
+          </a:ln>
+        </p:spPr>
+        <p:style>
+          <a:lnRef idx="1">
+            <a:schemeClr val="accent1"/>
+          </a:lnRef>
+          <a:fillRef idx="0">
+            <a:schemeClr val="accent1"/>
+          </a:fillRef>
+          <a:effectRef idx="0">
+            <a:schemeClr val="accent1"/>
+          </a:effectRef>
+          <a:fontRef idx="minor">
+            <a:schemeClr val="tx1"/>
+          </a:fontRef>
+        </p:style>
+      </p:cxnSp>
+      <p:cxnSp>
+        <p:nvCxnSpPr>
+          <p:cNvPr id="43" name="Straight Arrow Connector 42">
+            <a:extLst>
+              <a:ext uri="{FF2B5EF4-FFF2-40B4-BE49-F238E27FC236}">
+                <a16:creationId xmlns:a16="http://schemas.microsoft.com/office/drawing/2014/main" id="{C1372153-E289-45A7-A19D-71EE519E4ACD}"/>
+              </a:ext>
+            </a:extLst>
+          </p:cNvPr>
+          <p:cNvCxnSpPr>
+            <a:cxnSpLocks/>
+          </p:cNvCxnSpPr>
+          <p:nvPr/>
+        </p:nvCxnSpPr>
+        <p:spPr>
+          <a:xfrm flipH="1">
+            <a:off x="8067553" y="2338268"/>
+            <a:ext cx="1259327" cy="0"/>
+          </a:xfrm>
+          <a:prstGeom prst="straightConnector1">
+            <a:avLst/>
+          </a:prstGeom>
+          <a:ln w="25400">
+            <a:solidFill>
+              <a:schemeClr val="tx1"/>
+            </a:solidFill>
+            <a:prstDash val="dash"/>
+            <a:tailEnd type="none" w="lg" len="lg"/>
+          </a:ln>
+        </p:spPr>
+        <p:style>
+          <a:lnRef idx="1">
+            <a:schemeClr val="accent1"/>
+          </a:lnRef>
+          <a:fillRef idx="0">
+            <a:schemeClr val="accent1"/>
+          </a:fillRef>
+          <a:effectRef idx="0">
+            <a:schemeClr val="accent1"/>
+          </a:effectRef>
+          <a:fontRef idx="minor">
+            <a:schemeClr val="tx1"/>
+          </a:fontRef>
+        </p:style>
+      </p:cxnSp>
+    </p:spTree>
+    <p:extLst>
+      <p:ext uri="{BB962C8B-B14F-4D97-AF65-F5344CB8AC3E}">
+        <p14:creationId xmlns:p14="http://schemas.microsoft.com/office/powerpoint/2010/main" val="2860500913"/>
       </p:ext>
     </p:extLst>
   </p:cSld>

--- a/volunteer/Drawings.pptx
+++ b/volunteer/Drawings.pptx
@@ -9566,8 +9566,8 @@
           </a:fontRef>
         </p:style>
       </p:cxnSp>
-      <mc:AlternateContent xmlns:mc="http://schemas.openxmlformats.org/markup-compatibility/2006">
-        <mc:Choice xmlns:a14="http://schemas.microsoft.com/office/drawing/2010/main" Requires="a14">
+      <mc:AlternateContent xmlns:mc="http://schemas.openxmlformats.org/markup-compatibility/2006" xmlns:a14="http://schemas.microsoft.com/office/drawing/2010/main">
+        <mc:Choice Requires="a14">
           <p:sp>
             <p:nvSpPr>
               <p:cNvPr id="5" name="TextBox 4">
@@ -9635,7 +9635,7 @@
             </p:txBody>
           </p:sp>
         </mc:Choice>
-        <mc:Fallback>
+        <mc:Fallback xmlns="">
           <p:sp>
             <p:nvSpPr>
               <p:cNvPr id="5" name="TextBox 4">
@@ -9768,8 +9768,8 @@
           </a:fontRef>
         </p:style>
       </p:cxnSp>
-      <mc:AlternateContent xmlns:mc="http://schemas.openxmlformats.org/markup-compatibility/2006">
-        <mc:Choice xmlns:a14="http://schemas.microsoft.com/office/drawing/2010/main" Requires="a14">
+      <mc:AlternateContent xmlns:mc="http://schemas.openxmlformats.org/markup-compatibility/2006" xmlns:a14="http://schemas.microsoft.com/office/drawing/2010/main">
+        <mc:Choice Requires="a14">
           <p:sp>
             <p:nvSpPr>
               <p:cNvPr id="12" name="TextBox 11">
@@ -9831,7 +9831,7 @@
             </p:txBody>
           </p:sp>
         </mc:Choice>
-        <mc:Fallback>
+        <mc:Fallback xmlns="">
           <p:sp>
             <p:nvSpPr>
               <p:cNvPr id="12" name="TextBox 11">
@@ -9972,8 +9972,8 @@
           </a:p>
         </p:txBody>
       </p:sp>
-      <mc:AlternateContent xmlns:mc="http://schemas.openxmlformats.org/markup-compatibility/2006">
-        <mc:Choice xmlns:a14="http://schemas.microsoft.com/office/drawing/2010/main" Requires="a14">
+      <mc:AlternateContent xmlns:mc="http://schemas.openxmlformats.org/markup-compatibility/2006" xmlns:a14="http://schemas.microsoft.com/office/drawing/2010/main">
+        <mc:Choice Requires="a14">
           <p:sp>
             <p:nvSpPr>
               <p:cNvPr id="17" name="TextBox 16">
@@ -10024,7 +10024,7 @@
             </p:txBody>
           </p:sp>
         </mc:Choice>
-        <mc:Fallback>
+        <mc:Fallback xmlns="">
           <p:sp>
             <p:nvSpPr>
               <p:cNvPr id="17" name="TextBox 16">
@@ -10069,8 +10069,8 @@
           </p:sp>
         </mc:Fallback>
       </mc:AlternateContent>
-      <mc:AlternateContent xmlns:mc="http://schemas.openxmlformats.org/markup-compatibility/2006">
-        <mc:Choice xmlns:a14="http://schemas.microsoft.com/office/drawing/2010/main" Requires="a14">
+      <mc:AlternateContent xmlns:mc="http://schemas.openxmlformats.org/markup-compatibility/2006" xmlns:a14="http://schemas.microsoft.com/office/drawing/2010/main">
+        <mc:Choice Requires="a14">
           <p:sp>
             <p:nvSpPr>
               <p:cNvPr id="18" name="TextBox 17">
@@ -10151,7 +10151,7 @@
             </p:txBody>
           </p:sp>
         </mc:Choice>
-        <mc:Fallback>
+        <mc:Fallback xmlns="">
           <p:sp>
             <p:nvSpPr>
               <p:cNvPr id="18" name="TextBox 17">
@@ -10300,8 +10300,8 @@
           </a:p>
         </p:txBody>
       </p:sp>
-      <mc:AlternateContent xmlns:mc="http://schemas.openxmlformats.org/markup-compatibility/2006">
-        <mc:Choice xmlns:a14="http://schemas.microsoft.com/office/drawing/2010/main" Requires="a14">
+      <mc:AlternateContent xmlns:mc="http://schemas.openxmlformats.org/markup-compatibility/2006" xmlns:a14="http://schemas.microsoft.com/office/drawing/2010/main">
+        <mc:Choice Requires="a14">
           <p:sp>
             <p:nvSpPr>
               <p:cNvPr id="15" name="TextBox 14">
@@ -10352,7 +10352,7 @@
             </p:txBody>
           </p:sp>
         </mc:Choice>
-        <mc:Fallback>
+        <mc:Fallback xmlns="">
           <p:sp>
             <p:nvSpPr>
               <p:cNvPr id="15" name="TextBox 14">
@@ -10413,7 +10413,7 @@
         </p:nvCxnSpPr>
         <p:spPr>
           <a:xfrm flipV="1">
-            <a:off x="8067555" y="1988820"/>
+            <a:off x="7399898" y="883718"/>
             <a:ext cx="0" cy="2004061"/>
           </a:xfrm>
           <a:prstGeom prst="straightConnector1">
@@ -10458,7 +10458,7 @@
         </p:nvCxnSpPr>
         <p:spPr>
           <a:xfrm flipH="1" flipV="1">
-            <a:off x="6914117" y="2660910"/>
+            <a:off x="6246460" y="1555808"/>
             <a:ext cx="1153436" cy="1000112"/>
           </a:xfrm>
           <a:prstGeom prst="straightConnector1">
@@ -10502,7 +10502,7 @@
         </p:nvCxnSpPr>
         <p:spPr>
           <a:xfrm flipV="1">
-            <a:off x="8059677" y="2370732"/>
+            <a:off x="7392020" y="1265630"/>
             <a:ext cx="1285837" cy="1290291"/>
           </a:xfrm>
           <a:prstGeom prst="straightConnector1">
@@ -10546,7 +10546,7 @@
             </p:nvSpPr>
             <p:spPr>
               <a:xfrm>
-                <a:off x="6574166" y="2815637"/>
+                <a:off x="5906509" y="1710535"/>
                 <a:ext cx="555537" cy="430887"/>
               </a:xfrm>
               <a:prstGeom prst="rect">
@@ -10610,7 +10610,7 @@
             </p:nvSpPr>
             <p:spPr>
               <a:xfrm>
-                <a:off x="6574166" y="2815637"/>
+                <a:off x="5906509" y="1710535"/>
                 <a:ext cx="555537" cy="430887"/>
               </a:xfrm>
               <a:prstGeom prst="rect">
@@ -10652,7 +10652,7 @@
         </p:nvSpPr>
         <p:spPr>
           <a:xfrm rot="16821118">
-            <a:off x="7935718" y="3428368"/>
+            <a:off x="7268061" y="2323266"/>
             <a:ext cx="206077" cy="248672"/>
           </a:xfrm>
           <a:prstGeom prst="arc">
@@ -10706,7 +10706,7 @@
             </p:nvSpPr>
             <p:spPr>
               <a:xfrm>
-                <a:off x="7852124" y="3136615"/>
+                <a:off x="7184467" y="2031513"/>
                 <a:ext cx="197746" cy="276999"/>
               </a:xfrm>
               <a:prstGeom prst="rect">
@@ -10759,7 +10759,7 @@
             </p:nvSpPr>
             <p:spPr>
               <a:xfrm>
-                <a:off x="7852124" y="3136615"/>
+                <a:off x="7184467" y="2031513"/>
                 <a:ext cx="197746" cy="276999"/>
               </a:xfrm>
               <a:prstGeom prst="rect">
@@ -10768,7 +10768,7 @@
               <a:blipFill>
                 <a:blip r:embed="rId8"/>
                 <a:stretch>
-                  <a:fillRect l="-18182" r="-12121"/>
+                  <a:fillRect l="-18750" r="-15625"/>
                 </a:stretch>
               </a:blipFill>
             </p:spPr>
@@ -10801,7 +10801,7 @@
         </p:nvSpPr>
         <p:spPr>
           <a:xfrm rot="19850479">
-            <a:off x="8016058" y="3478770"/>
+            <a:off x="7348401" y="2373668"/>
             <a:ext cx="203704" cy="189692"/>
           </a:xfrm>
           <a:prstGeom prst="arc">
@@ -10853,7 +10853,7 @@
         </p:nvSpPr>
         <p:spPr>
           <a:xfrm rot="19850479">
-            <a:off x="7991250" y="3425269"/>
+            <a:off x="7323593" y="2320167"/>
             <a:ext cx="269511" cy="250972"/>
           </a:xfrm>
           <a:prstGeom prst="arc">
@@ -10907,7 +10907,7 @@
             </p:nvSpPr>
             <p:spPr>
               <a:xfrm>
-                <a:off x="8131772" y="3130679"/>
+                <a:off x="7464115" y="2025577"/>
                 <a:ext cx="199349" cy="276999"/>
               </a:xfrm>
               <a:prstGeom prst="rect">
@@ -10960,7 +10960,7 @@
             </p:nvSpPr>
             <p:spPr>
               <a:xfrm>
-                <a:off x="8131772" y="3130679"/>
+                <a:off x="7464115" y="2025577"/>
                 <a:ext cx="199349" cy="276999"/>
               </a:xfrm>
               <a:prstGeom prst="rect">
@@ -10969,7 +10969,7 @@
               <a:blipFill>
                 <a:blip r:embed="rId9"/>
                 <a:stretch>
-                  <a:fillRect l="-42424" t="-4444" r="-36364" b="-35556"/>
+                  <a:fillRect l="-42424" t="-2174" r="-36364" b="-32609"/>
                 </a:stretch>
               </a:blipFill>
             </p:spPr>
@@ -11004,7 +11004,7 @@
             </p:nvSpPr>
             <p:spPr>
               <a:xfrm>
-                <a:off x="9287593" y="2295207"/>
+                <a:off x="8619936" y="1190105"/>
                 <a:ext cx="555537" cy="430887"/>
               </a:xfrm>
               <a:prstGeom prst="rect">
@@ -11068,7 +11068,7 @@
             </p:nvSpPr>
             <p:spPr>
               <a:xfrm>
-                <a:off x="9287593" y="2295207"/>
+                <a:off x="8619936" y="1190105"/>
                 <a:ext cx="555537" cy="430887"/>
               </a:xfrm>
               <a:prstGeom prst="rect">
@@ -11112,7 +11112,7 @@
         </p:nvCxnSpPr>
         <p:spPr>
           <a:xfrm flipH="1">
-            <a:off x="6914117" y="2660910"/>
+            <a:off x="6246460" y="1555808"/>
             <a:ext cx="1143010" cy="0"/>
           </a:xfrm>
           <a:prstGeom prst="straightConnector1">
@@ -11157,7 +11157,7 @@
         </p:nvCxnSpPr>
         <p:spPr>
           <a:xfrm flipH="1">
-            <a:off x="8067553" y="2338268"/>
+            <a:off x="7399896" y="1233166"/>
             <a:ext cx="1259327" cy="0"/>
           </a:xfrm>
           <a:prstGeom prst="straightConnector1">
@@ -11186,6 +11186,2608 @@
           </a:fontRef>
         </p:style>
       </p:cxnSp>
+      <p:cxnSp>
+        <p:nvCxnSpPr>
+          <p:cNvPr id="26" name="Straight Arrow Connector 25">
+            <a:extLst>
+              <a:ext uri="{FF2B5EF4-FFF2-40B4-BE49-F238E27FC236}">
+                <a16:creationId xmlns:a16="http://schemas.microsoft.com/office/drawing/2014/main" id="{2E1C4B42-1587-4CF7-972D-6A1E9D9BDD27}"/>
+              </a:ext>
+            </a:extLst>
+          </p:cNvPr>
+          <p:cNvCxnSpPr>
+            <a:cxnSpLocks/>
+          </p:cNvCxnSpPr>
+          <p:nvPr/>
+        </p:nvCxnSpPr>
+        <p:spPr>
+          <a:xfrm flipH="1" flipV="1">
+            <a:off x="810366" y="5495809"/>
+            <a:ext cx="1187895" cy="1"/>
+          </a:xfrm>
+          <a:prstGeom prst="straightConnector1">
+            <a:avLst/>
+          </a:prstGeom>
+          <a:ln w="34925">
+            <a:solidFill>
+              <a:schemeClr val="accent6">
+                <a:lumMod val="75000"/>
+              </a:schemeClr>
+            </a:solidFill>
+            <a:prstDash val="dash"/>
+            <a:tailEnd type="stealth" w="lg" len="lg"/>
+          </a:ln>
+        </p:spPr>
+        <p:style>
+          <a:lnRef idx="1">
+            <a:schemeClr val="accent1"/>
+          </a:lnRef>
+          <a:fillRef idx="0">
+            <a:schemeClr val="accent1"/>
+          </a:fillRef>
+          <a:effectRef idx="0">
+            <a:schemeClr val="accent1"/>
+          </a:effectRef>
+          <a:fontRef idx="minor">
+            <a:schemeClr val="tx1"/>
+          </a:fontRef>
+        </p:style>
+      </p:cxnSp>
+      <p:cxnSp>
+        <p:nvCxnSpPr>
+          <p:cNvPr id="37" name="Straight Arrow Connector 36">
+            <a:extLst>
+              <a:ext uri="{FF2B5EF4-FFF2-40B4-BE49-F238E27FC236}">
+                <a16:creationId xmlns:a16="http://schemas.microsoft.com/office/drawing/2014/main" id="{B630102A-2F36-4DD0-ABF8-6EDD037540CB}"/>
+              </a:ext>
+            </a:extLst>
+          </p:cNvPr>
+          <p:cNvCxnSpPr>
+            <a:cxnSpLocks/>
+          </p:cNvCxnSpPr>
+          <p:nvPr/>
+        </p:nvCxnSpPr>
+        <p:spPr>
+          <a:xfrm flipV="1">
+            <a:off x="1998261" y="4493777"/>
+            <a:ext cx="0" cy="2004061"/>
+          </a:xfrm>
+          <a:prstGeom prst="straightConnector1">
+            <a:avLst/>
+          </a:prstGeom>
+          <a:ln w="25400">
+            <a:solidFill>
+              <a:schemeClr val="tx1"/>
+            </a:solidFill>
+            <a:prstDash val="solid"/>
+            <a:tailEnd type="none" w="lg" len="lg"/>
+          </a:ln>
+        </p:spPr>
+        <p:style>
+          <a:lnRef idx="1">
+            <a:schemeClr val="accent1"/>
+          </a:lnRef>
+          <a:fillRef idx="0">
+            <a:schemeClr val="accent1"/>
+          </a:fillRef>
+          <a:effectRef idx="0">
+            <a:schemeClr val="accent1"/>
+          </a:effectRef>
+          <a:fontRef idx="minor">
+            <a:schemeClr val="tx1"/>
+          </a:fontRef>
+        </p:style>
+      </p:cxnSp>
+      <mc:AlternateContent xmlns:mc="http://schemas.openxmlformats.org/markup-compatibility/2006">
+        <mc:Choice xmlns:a14="http://schemas.microsoft.com/office/drawing/2010/main" Requires="a14">
+          <p:sp>
+            <p:nvSpPr>
+              <p:cNvPr id="38" name="TextBox 37">
+                <a:extLst>
+                  <a:ext uri="{FF2B5EF4-FFF2-40B4-BE49-F238E27FC236}">
+                    <a16:creationId xmlns:a16="http://schemas.microsoft.com/office/drawing/2014/main" id="{207FE68F-6C51-4584-9BA3-29E4090AF79A}"/>
+                  </a:ext>
+                </a:extLst>
+              </p:cNvPr>
+              <p:cNvSpPr txBox="1"/>
+              <p:nvPr/>
+            </p:nvSpPr>
+            <p:spPr>
+              <a:xfrm>
+                <a:off x="796990" y="5565936"/>
+                <a:ext cx="555537" cy="430887"/>
+              </a:xfrm>
+              <a:prstGeom prst="rect">
+                <a:avLst/>
+              </a:prstGeom>
+              <a:noFill/>
+            </p:spPr>
+            <p:txBody>
+              <a:bodyPr wrap="square" lIns="0" tIns="0" rIns="0" bIns="0" rtlCol="0">
+                <a:spAutoFit/>
+              </a:bodyPr>
+              <a:lstStyle/>
+              <a:p>
+                <a:pPr/>
+                <a14:m>
+                  <m:oMathPara xmlns:m="http://schemas.openxmlformats.org/officeDocument/2006/math">
+                    <m:oMathParaPr>
+                      <m:jc m:val="centerGroup"/>
+                    </m:oMathParaPr>
+                    <m:oMath xmlns:m="http://schemas.openxmlformats.org/officeDocument/2006/math">
+                      <m:acc>
+                        <m:accPr>
+                          <m:chr m:val="⃗"/>
+                          <m:ctrlPr>
+                            <a:rPr lang="en-US" sz="2800" b="0" i="1" smtClean="0">
+                              <a:solidFill>
+                                <a:schemeClr val="accent6">
+                                  <a:lumMod val="75000"/>
+                                </a:schemeClr>
+                              </a:solidFill>
+                              <a:latin typeface="Cambria Math" panose="02040503050406030204" pitchFamily="18" charset="0"/>
+                            </a:rPr>
+                          </m:ctrlPr>
+                        </m:accPr>
+                        <m:e>
+                          <m:r>
+                            <a:rPr lang="en-US" sz="2800" b="0" i="1" smtClean="0">
+                              <a:solidFill>
+                                <a:schemeClr val="accent6">
+                                  <a:lumMod val="75000"/>
+                                </a:schemeClr>
+                              </a:solidFill>
+                              <a:latin typeface="Cambria Math" panose="02040503050406030204" pitchFamily="18" charset="0"/>
+                            </a:rPr>
+                            <m:t>𝑤</m:t>
+                          </m:r>
+                        </m:e>
+                      </m:acc>
+                    </m:oMath>
+                  </m:oMathPara>
+                </a14:m>
+                <a:endParaRPr lang="en-US" sz="2800" dirty="0">
+                  <a:solidFill>
+                    <a:schemeClr val="accent6">
+                      <a:lumMod val="75000"/>
+                    </a:schemeClr>
+                  </a:solidFill>
+                </a:endParaRPr>
+              </a:p>
+            </p:txBody>
+          </p:sp>
+        </mc:Choice>
+        <mc:Fallback>
+          <p:sp>
+            <p:nvSpPr>
+              <p:cNvPr id="38" name="TextBox 37">
+                <a:extLst>
+                  <a:ext uri="{FF2B5EF4-FFF2-40B4-BE49-F238E27FC236}">
+                    <a16:creationId xmlns:a16="http://schemas.microsoft.com/office/drawing/2014/main" id="{207FE68F-6C51-4584-9BA3-29E4090AF79A}"/>
+                  </a:ext>
+                </a:extLst>
+              </p:cNvPr>
+              <p:cNvSpPr txBox="1">
+                <a:spLocks noRot="1" noChangeAspect="1" noMove="1" noResize="1" noEditPoints="1" noAdjustHandles="1" noChangeArrowheads="1" noChangeShapeType="1" noTextEdit="1"/>
+              </p:cNvSpPr>
+              <p:nvPr/>
+            </p:nvSpPr>
+            <p:spPr>
+              <a:xfrm>
+                <a:off x="796990" y="5565936"/>
+                <a:ext cx="555537" cy="430887"/>
+              </a:xfrm>
+              <a:prstGeom prst="rect">
+                <a:avLst/>
+              </a:prstGeom>
+              <a:blipFill>
+                <a:blip r:embed="rId11"/>
+                <a:stretch>
+                  <a:fillRect/>
+                </a:stretch>
+              </a:blipFill>
+            </p:spPr>
+            <p:txBody>
+              <a:bodyPr/>
+              <a:lstStyle/>
+              <a:p>
+                <a:r>
+                  <a:rPr lang="en-US">
+                    <a:noFill/>
+                  </a:rPr>
+                  <a:t> </a:t>
+                </a:r>
+              </a:p>
+            </p:txBody>
+          </p:sp>
+        </mc:Fallback>
+      </mc:AlternateContent>
+      <p:sp>
+        <p:nvSpPr>
+          <p:cNvPr id="9" name="Oval 8">
+            <a:extLst>
+              <a:ext uri="{FF2B5EF4-FFF2-40B4-BE49-F238E27FC236}">
+                <a16:creationId xmlns:a16="http://schemas.microsoft.com/office/drawing/2014/main" id="{35182B4A-5C3F-47F8-9D3E-0FF358EE3782}"/>
+              </a:ext>
+            </a:extLst>
+          </p:cNvPr>
+          <p:cNvSpPr/>
+          <p:nvPr/>
+        </p:nvSpPr>
+        <p:spPr>
+          <a:xfrm>
+            <a:off x="995050" y="4581139"/>
+            <a:ext cx="219772" cy="209666"/>
+          </a:xfrm>
+          <a:prstGeom prst="ellipse">
+            <a:avLst/>
+          </a:prstGeom>
+          <a:gradFill flip="none" rotWithShape="1">
+            <a:gsLst>
+              <a:gs pos="0">
+                <a:schemeClr val="accent1">
+                  <a:lumMod val="89000"/>
+                </a:schemeClr>
+              </a:gs>
+              <a:gs pos="23000">
+                <a:schemeClr val="accent1">
+                  <a:lumMod val="89000"/>
+                </a:schemeClr>
+              </a:gs>
+              <a:gs pos="69000">
+                <a:schemeClr val="accent1">
+                  <a:lumMod val="75000"/>
+                </a:schemeClr>
+              </a:gs>
+              <a:gs pos="97000">
+                <a:schemeClr val="accent1">
+                  <a:lumMod val="70000"/>
+                </a:schemeClr>
+              </a:gs>
+            </a:gsLst>
+            <a:path path="circle">
+              <a:fillToRect l="50000" t="50000" r="50000" b="50000"/>
+            </a:path>
+            <a:tileRect/>
+          </a:gradFill>
+          <a:ln>
+            <a:noFill/>
+          </a:ln>
+        </p:spPr>
+        <p:style>
+          <a:lnRef idx="2">
+            <a:schemeClr val="accent1">
+              <a:shade val="50000"/>
+            </a:schemeClr>
+          </a:lnRef>
+          <a:fillRef idx="1">
+            <a:schemeClr val="accent1"/>
+          </a:fillRef>
+          <a:effectRef idx="0">
+            <a:schemeClr val="accent1"/>
+          </a:effectRef>
+          <a:fontRef idx="minor">
+            <a:schemeClr val="lt1"/>
+          </a:fontRef>
+        </p:style>
+        <p:txBody>
+          <a:bodyPr rtlCol="0" anchor="ctr"/>
+          <a:lstStyle/>
+          <a:p>
+            <a:pPr algn="ctr"/>
+            <a:endParaRPr lang="en-US"/>
+          </a:p>
+        </p:txBody>
+      </p:sp>
+      <p:sp>
+        <p:nvSpPr>
+          <p:cNvPr id="44" name="Arc 43">
+            <a:extLst>
+              <a:ext uri="{FF2B5EF4-FFF2-40B4-BE49-F238E27FC236}">
+                <a16:creationId xmlns:a16="http://schemas.microsoft.com/office/drawing/2014/main" id="{1D563204-2CE0-4DE5-8BA9-12C9A3B4BB4B}"/>
+              </a:ext>
+            </a:extLst>
+          </p:cNvPr>
+          <p:cNvSpPr/>
+          <p:nvPr/>
+        </p:nvSpPr>
+        <p:spPr>
+          <a:xfrm rot="14618095">
+            <a:off x="1705985" y="5254608"/>
+            <a:ext cx="241743" cy="324748"/>
+          </a:xfrm>
+          <a:prstGeom prst="arc">
+            <a:avLst>
+              <a:gd name="adj1" fmla="val 16200000"/>
+              <a:gd name="adj2" fmla="val 324231"/>
+            </a:avLst>
+          </a:prstGeom>
+          <a:ln w="22225">
+            <a:solidFill>
+              <a:schemeClr val="tx1"/>
+            </a:solidFill>
+          </a:ln>
+        </p:spPr>
+        <p:style>
+          <a:lnRef idx="1">
+            <a:schemeClr val="accent1"/>
+          </a:lnRef>
+          <a:fillRef idx="0">
+            <a:schemeClr val="accent1"/>
+          </a:fillRef>
+          <a:effectRef idx="0">
+            <a:schemeClr val="accent1"/>
+          </a:effectRef>
+          <a:fontRef idx="minor">
+            <a:schemeClr val="tx1"/>
+          </a:fontRef>
+        </p:style>
+        <p:txBody>
+          <a:bodyPr rtlCol="0" anchor="ctr"/>
+          <a:lstStyle/>
+          <a:p>
+            <a:pPr algn="ctr"/>
+            <a:endParaRPr lang="en-US" dirty="0"/>
+          </a:p>
+        </p:txBody>
+      </p:sp>
+      <mc:AlternateContent xmlns:mc="http://schemas.openxmlformats.org/markup-compatibility/2006">
+        <mc:Choice xmlns:a14="http://schemas.microsoft.com/office/drawing/2010/main" Requires="a14">
+          <p:sp>
+            <p:nvSpPr>
+              <p:cNvPr id="45" name="TextBox 44">
+                <a:extLst>
+                  <a:ext uri="{FF2B5EF4-FFF2-40B4-BE49-F238E27FC236}">
+                    <a16:creationId xmlns:a16="http://schemas.microsoft.com/office/drawing/2014/main" id="{4E7F1235-973E-4ED6-A6A2-A637645A8984}"/>
+                  </a:ext>
+                </a:extLst>
+              </p:cNvPr>
+              <p:cNvSpPr txBox="1"/>
+              <p:nvPr/>
+            </p:nvSpPr>
+            <p:spPr>
+              <a:xfrm>
+                <a:off x="1256588" y="5162307"/>
+                <a:ext cx="555537" cy="307777"/>
+              </a:xfrm>
+              <a:prstGeom prst="rect">
+                <a:avLst/>
+              </a:prstGeom>
+              <a:noFill/>
+            </p:spPr>
+            <p:txBody>
+              <a:bodyPr wrap="square" lIns="0" tIns="0" rIns="0" bIns="0" rtlCol="0">
+                <a:spAutoFit/>
+              </a:bodyPr>
+              <a:lstStyle/>
+              <a:p>
+                <a:pPr/>
+                <a14:m>
+                  <m:oMathPara xmlns:m="http://schemas.openxmlformats.org/officeDocument/2006/math">
+                    <m:oMathParaPr>
+                      <m:jc m:val="centerGroup"/>
+                    </m:oMathParaPr>
+                    <m:oMath xmlns:m="http://schemas.openxmlformats.org/officeDocument/2006/math">
+                      <m:r>
+                        <a:rPr lang="en-US" sz="2000" b="0" i="1" smtClean="0">
+                          <a:latin typeface="Cambria Math" panose="02040503050406030204" pitchFamily="18" charset="0"/>
+                          <a:ea typeface="Cambria Math" panose="02040503050406030204" pitchFamily="18" charset="0"/>
+                        </a:rPr>
+                        <m:t>𝛼</m:t>
+                      </m:r>
+                    </m:oMath>
+                  </m:oMathPara>
+                </a14:m>
+                <a:endParaRPr lang="en-US" sz="2800" dirty="0"/>
+              </a:p>
+            </p:txBody>
+          </p:sp>
+        </mc:Choice>
+        <mc:Fallback>
+          <p:sp>
+            <p:nvSpPr>
+              <p:cNvPr id="45" name="TextBox 44">
+                <a:extLst>
+                  <a:ext uri="{FF2B5EF4-FFF2-40B4-BE49-F238E27FC236}">
+                    <a16:creationId xmlns:a16="http://schemas.microsoft.com/office/drawing/2014/main" id="{4E7F1235-973E-4ED6-A6A2-A637645A8984}"/>
+                  </a:ext>
+                </a:extLst>
+              </p:cNvPr>
+              <p:cNvSpPr txBox="1">
+                <a:spLocks noRot="1" noChangeAspect="1" noMove="1" noResize="1" noEditPoints="1" noAdjustHandles="1" noChangeArrowheads="1" noChangeShapeType="1" noTextEdit="1"/>
+              </p:cNvSpPr>
+              <p:nvPr/>
+            </p:nvSpPr>
+            <p:spPr>
+              <a:xfrm>
+                <a:off x="1256588" y="5162307"/>
+                <a:ext cx="555537" cy="307777"/>
+              </a:xfrm>
+              <a:prstGeom prst="rect">
+                <a:avLst/>
+              </a:prstGeom>
+              <a:blipFill>
+                <a:blip r:embed="rId12"/>
+                <a:stretch>
+                  <a:fillRect/>
+                </a:stretch>
+              </a:blipFill>
+            </p:spPr>
+            <p:txBody>
+              <a:bodyPr/>
+              <a:lstStyle/>
+              <a:p>
+                <a:r>
+                  <a:rPr lang="en-US">
+                    <a:noFill/>
+                  </a:rPr>
+                  <a:t> </a:t>
+                </a:r>
+              </a:p>
+            </p:txBody>
+          </p:sp>
+        </mc:Fallback>
+      </mc:AlternateContent>
+      <p:cxnSp>
+        <p:nvCxnSpPr>
+          <p:cNvPr id="41" name="Straight Arrow Connector 40">
+            <a:extLst>
+              <a:ext uri="{FF2B5EF4-FFF2-40B4-BE49-F238E27FC236}">
+                <a16:creationId xmlns:a16="http://schemas.microsoft.com/office/drawing/2014/main" id="{5F4B7061-C117-4B90-A392-D421D2BA8305}"/>
+              </a:ext>
+            </a:extLst>
+          </p:cNvPr>
+          <p:cNvCxnSpPr>
+            <a:cxnSpLocks/>
+            <a:stCxn id="9" idx="5"/>
+          </p:cNvCxnSpPr>
+          <p:nvPr/>
+        </p:nvCxnSpPr>
+        <p:spPr>
+          <a:xfrm>
+            <a:off x="1182637" y="4760100"/>
+            <a:ext cx="815624" cy="735707"/>
+          </a:xfrm>
+          <a:prstGeom prst="straightConnector1">
+            <a:avLst/>
+          </a:prstGeom>
+          <a:ln w="34925">
+            <a:solidFill>
+              <a:schemeClr val="accent1">
+                <a:lumMod val="75000"/>
+              </a:schemeClr>
+            </a:solidFill>
+            <a:tailEnd type="stealth" w="lg" len="lg"/>
+          </a:ln>
+        </p:spPr>
+        <p:style>
+          <a:lnRef idx="1">
+            <a:schemeClr val="accent1"/>
+          </a:lnRef>
+          <a:fillRef idx="0">
+            <a:schemeClr val="accent1"/>
+          </a:fillRef>
+          <a:effectRef idx="0">
+            <a:schemeClr val="accent1"/>
+          </a:effectRef>
+          <a:fontRef idx="minor">
+            <a:schemeClr val="tx1"/>
+          </a:fontRef>
+        </p:style>
+      </p:cxnSp>
+      <mc:AlternateContent xmlns:mc="http://schemas.openxmlformats.org/markup-compatibility/2006">
+        <mc:Choice xmlns:a14="http://schemas.microsoft.com/office/drawing/2010/main" Requires="a14">
+          <p:sp>
+            <p:nvSpPr>
+              <p:cNvPr id="46" name="TextBox 45">
+                <a:extLst>
+                  <a:ext uri="{FF2B5EF4-FFF2-40B4-BE49-F238E27FC236}">
+                    <a16:creationId xmlns:a16="http://schemas.microsoft.com/office/drawing/2014/main" id="{04B3AEDF-DE8E-42F9-9627-BA79F22F4172}"/>
+                  </a:ext>
+                </a:extLst>
+              </p:cNvPr>
+              <p:cNvSpPr txBox="1"/>
+              <p:nvPr/>
+            </p:nvSpPr>
+            <p:spPr>
+              <a:xfrm>
+                <a:off x="1534346" y="4887586"/>
+                <a:ext cx="555537" cy="430887"/>
+              </a:xfrm>
+              <a:prstGeom prst="rect">
+                <a:avLst/>
+              </a:prstGeom>
+              <a:noFill/>
+            </p:spPr>
+            <p:txBody>
+              <a:bodyPr wrap="square" lIns="0" tIns="0" rIns="0" bIns="0" rtlCol="0">
+                <a:spAutoFit/>
+              </a:bodyPr>
+              <a:lstStyle/>
+              <a:p>
+                <a:pPr/>
+                <a14:m>
+                  <m:oMathPara xmlns:m="http://schemas.openxmlformats.org/officeDocument/2006/math">
+                    <m:oMathParaPr>
+                      <m:jc m:val="centerGroup"/>
+                    </m:oMathParaPr>
+                    <m:oMath xmlns:m="http://schemas.openxmlformats.org/officeDocument/2006/math">
+                      <m:acc>
+                        <m:accPr>
+                          <m:chr m:val="⃗"/>
+                          <m:ctrlPr>
+                            <a:rPr lang="en-US" sz="2800" b="0" i="1" smtClean="0">
+                              <a:solidFill>
+                                <a:schemeClr val="accent5">
+                                  <a:lumMod val="75000"/>
+                                </a:schemeClr>
+                              </a:solidFill>
+                              <a:latin typeface="Cambria Math" panose="02040503050406030204" pitchFamily="18" charset="0"/>
+                            </a:rPr>
+                          </m:ctrlPr>
+                        </m:accPr>
+                        <m:e>
+                          <m:r>
+                            <a:rPr lang="en-US" sz="2800" b="0" i="1" smtClean="0">
+                              <a:solidFill>
+                                <a:schemeClr val="accent5">
+                                  <a:lumMod val="75000"/>
+                                </a:schemeClr>
+                              </a:solidFill>
+                              <a:latin typeface="Cambria Math" panose="02040503050406030204" pitchFamily="18" charset="0"/>
+                            </a:rPr>
+                            <m:t>𝑣</m:t>
+                          </m:r>
+                        </m:e>
+                      </m:acc>
+                    </m:oMath>
+                  </m:oMathPara>
+                </a14:m>
+                <a:endParaRPr lang="en-US" sz="2800" dirty="0">
+                  <a:solidFill>
+                    <a:schemeClr val="accent5">
+                      <a:lumMod val="75000"/>
+                    </a:schemeClr>
+                  </a:solidFill>
+                </a:endParaRPr>
+              </a:p>
+            </p:txBody>
+          </p:sp>
+        </mc:Choice>
+        <mc:Fallback>
+          <p:sp>
+            <p:nvSpPr>
+              <p:cNvPr id="46" name="TextBox 45">
+                <a:extLst>
+                  <a:ext uri="{FF2B5EF4-FFF2-40B4-BE49-F238E27FC236}">
+                    <a16:creationId xmlns:a16="http://schemas.microsoft.com/office/drawing/2014/main" id="{04B3AEDF-DE8E-42F9-9627-BA79F22F4172}"/>
+                  </a:ext>
+                </a:extLst>
+              </p:cNvPr>
+              <p:cNvSpPr txBox="1">
+                <a:spLocks noRot="1" noChangeAspect="1" noMove="1" noResize="1" noEditPoints="1" noAdjustHandles="1" noChangeArrowheads="1" noChangeShapeType="1" noTextEdit="1"/>
+              </p:cNvSpPr>
+              <p:nvPr/>
+            </p:nvSpPr>
+            <p:spPr>
+              <a:xfrm>
+                <a:off x="1534346" y="4887586"/>
+                <a:ext cx="555537" cy="430887"/>
+              </a:xfrm>
+              <a:prstGeom prst="rect">
+                <a:avLst/>
+              </a:prstGeom>
+              <a:blipFill>
+                <a:blip r:embed="rId13"/>
+                <a:stretch>
+                  <a:fillRect/>
+                </a:stretch>
+              </a:blipFill>
+            </p:spPr>
+            <p:txBody>
+              <a:bodyPr/>
+              <a:lstStyle/>
+              <a:p>
+                <a:r>
+                  <a:rPr lang="en-US">
+                    <a:noFill/>
+                  </a:rPr>
+                  <a:t> </a:t>
+                </a:r>
+              </a:p>
+            </p:txBody>
+          </p:sp>
+        </mc:Fallback>
+      </mc:AlternateContent>
+      <p:cxnSp>
+        <p:nvCxnSpPr>
+          <p:cNvPr id="47" name="Straight Arrow Connector 46">
+            <a:extLst>
+              <a:ext uri="{FF2B5EF4-FFF2-40B4-BE49-F238E27FC236}">
+                <a16:creationId xmlns:a16="http://schemas.microsoft.com/office/drawing/2014/main" id="{1AC0BA2B-700E-4541-9242-0C2356DD2DC3}"/>
+              </a:ext>
+            </a:extLst>
+          </p:cNvPr>
+          <p:cNvCxnSpPr>
+            <a:cxnSpLocks/>
+          </p:cNvCxnSpPr>
+          <p:nvPr/>
+        </p:nvCxnSpPr>
+        <p:spPr>
+          <a:xfrm flipV="1">
+            <a:off x="1956052" y="5495807"/>
+            <a:ext cx="937671" cy="15759"/>
+          </a:xfrm>
+          <a:prstGeom prst="straightConnector1">
+            <a:avLst/>
+          </a:prstGeom>
+          <a:ln w="34925">
+            <a:solidFill>
+              <a:schemeClr val="accent6">
+                <a:lumMod val="75000"/>
+              </a:schemeClr>
+            </a:solidFill>
+            <a:tailEnd type="stealth" w="lg" len="lg"/>
+          </a:ln>
+        </p:spPr>
+        <p:style>
+          <a:lnRef idx="1">
+            <a:schemeClr val="accent1"/>
+          </a:lnRef>
+          <a:fillRef idx="0">
+            <a:schemeClr val="accent1"/>
+          </a:fillRef>
+          <a:effectRef idx="0">
+            <a:schemeClr val="accent1"/>
+          </a:effectRef>
+          <a:fontRef idx="minor">
+            <a:schemeClr val="tx1"/>
+          </a:fontRef>
+        </p:style>
+      </p:cxnSp>
+      <p:cxnSp>
+        <p:nvCxnSpPr>
+          <p:cNvPr id="48" name="Straight Arrow Connector 47">
+            <a:extLst>
+              <a:ext uri="{FF2B5EF4-FFF2-40B4-BE49-F238E27FC236}">
+                <a16:creationId xmlns:a16="http://schemas.microsoft.com/office/drawing/2014/main" id="{83784EB3-3E8D-4D40-B067-2956710220AF}"/>
+              </a:ext>
+            </a:extLst>
+          </p:cNvPr>
+          <p:cNvCxnSpPr>
+            <a:cxnSpLocks/>
+          </p:cNvCxnSpPr>
+          <p:nvPr/>
+        </p:nvCxnSpPr>
+        <p:spPr>
+          <a:xfrm flipV="1">
+            <a:off x="2869036" y="5480422"/>
+            <a:ext cx="937671" cy="15759"/>
+          </a:xfrm>
+          <a:prstGeom prst="straightConnector1">
+            <a:avLst/>
+          </a:prstGeom>
+          <a:ln w="34925">
+            <a:solidFill>
+              <a:schemeClr val="accent6">
+                <a:lumMod val="75000"/>
+              </a:schemeClr>
+            </a:solidFill>
+            <a:tailEnd type="stealth" w="lg" len="lg"/>
+          </a:ln>
+        </p:spPr>
+        <p:style>
+          <a:lnRef idx="1">
+            <a:schemeClr val="accent1"/>
+          </a:lnRef>
+          <a:fillRef idx="0">
+            <a:schemeClr val="accent1"/>
+          </a:fillRef>
+          <a:effectRef idx="0">
+            <a:schemeClr val="accent1"/>
+          </a:effectRef>
+          <a:fontRef idx="minor">
+            <a:schemeClr val="tx1"/>
+          </a:fontRef>
+        </p:style>
+      </p:cxnSp>
+      <mc:AlternateContent xmlns:mc="http://schemas.openxmlformats.org/markup-compatibility/2006">
+        <mc:Choice xmlns:a14="http://schemas.microsoft.com/office/drawing/2010/main" Requires="a14">
+          <p:sp>
+            <p:nvSpPr>
+              <p:cNvPr id="49" name="TextBox 48">
+                <a:extLst>
+                  <a:ext uri="{FF2B5EF4-FFF2-40B4-BE49-F238E27FC236}">
+                    <a16:creationId xmlns:a16="http://schemas.microsoft.com/office/drawing/2014/main" id="{CAE381DE-A534-4D05-913C-BFCD7B084BA4}"/>
+                  </a:ext>
+                </a:extLst>
+              </p:cNvPr>
+              <p:cNvSpPr txBox="1"/>
+              <p:nvPr/>
+            </p:nvSpPr>
+            <p:spPr>
+              <a:xfrm>
+                <a:off x="3027474" y="5580173"/>
+                <a:ext cx="937670" cy="430887"/>
+              </a:xfrm>
+              <a:prstGeom prst="rect">
+                <a:avLst/>
+              </a:prstGeom>
+              <a:noFill/>
+            </p:spPr>
+            <p:txBody>
+              <a:bodyPr wrap="square" lIns="0" tIns="0" rIns="0" bIns="0" rtlCol="0">
+                <a:spAutoFit/>
+              </a:bodyPr>
+              <a:lstStyle/>
+              <a:p>
+                <a:pPr/>
+                <a14:m>
+                  <m:oMathPara xmlns:m="http://schemas.openxmlformats.org/officeDocument/2006/math">
+                    <m:oMathParaPr>
+                      <m:jc m:val="centerGroup"/>
+                    </m:oMathParaPr>
+                    <m:oMath xmlns:m="http://schemas.openxmlformats.org/officeDocument/2006/math">
+                      <m:r>
+                        <a:rPr lang="en-US" sz="2800" b="0" i="1" smtClean="0">
+                          <a:solidFill>
+                            <a:schemeClr val="accent6">
+                              <a:lumMod val="75000"/>
+                            </a:schemeClr>
+                          </a:solidFill>
+                          <a:latin typeface="Cambria Math" panose="02040503050406030204" pitchFamily="18" charset="0"/>
+                        </a:rPr>
+                        <m:t>−2</m:t>
+                      </m:r>
+                      <m:acc>
+                        <m:accPr>
+                          <m:chr m:val="⃗"/>
+                          <m:ctrlPr>
+                            <a:rPr lang="en-US" sz="2800" b="0" i="1" smtClean="0">
+                              <a:solidFill>
+                                <a:schemeClr val="accent6">
+                                  <a:lumMod val="75000"/>
+                                </a:schemeClr>
+                              </a:solidFill>
+                              <a:latin typeface="Cambria Math" panose="02040503050406030204" pitchFamily="18" charset="0"/>
+                            </a:rPr>
+                          </m:ctrlPr>
+                        </m:accPr>
+                        <m:e>
+                          <m:r>
+                            <a:rPr lang="en-US" sz="2800" b="0" i="1" smtClean="0">
+                              <a:solidFill>
+                                <a:schemeClr val="accent6">
+                                  <a:lumMod val="75000"/>
+                                </a:schemeClr>
+                              </a:solidFill>
+                              <a:latin typeface="Cambria Math" panose="02040503050406030204" pitchFamily="18" charset="0"/>
+                            </a:rPr>
+                            <m:t>𝑤</m:t>
+                          </m:r>
+                        </m:e>
+                      </m:acc>
+                    </m:oMath>
+                  </m:oMathPara>
+                </a14:m>
+                <a:endParaRPr lang="en-US" sz="2800" dirty="0">
+                  <a:solidFill>
+                    <a:schemeClr val="accent6">
+                      <a:lumMod val="75000"/>
+                    </a:schemeClr>
+                  </a:solidFill>
+                </a:endParaRPr>
+              </a:p>
+            </p:txBody>
+          </p:sp>
+        </mc:Choice>
+        <mc:Fallback>
+          <p:sp>
+            <p:nvSpPr>
+              <p:cNvPr id="49" name="TextBox 48">
+                <a:extLst>
+                  <a:ext uri="{FF2B5EF4-FFF2-40B4-BE49-F238E27FC236}">
+                    <a16:creationId xmlns:a16="http://schemas.microsoft.com/office/drawing/2014/main" id="{CAE381DE-A534-4D05-913C-BFCD7B084BA4}"/>
+                  </a:ext>
+                </a:extLst>
+              </p:cNvPr>
+              <p:cNvSpPr txBox="1">
+                <a:spLocks noRot="1" noChangeAspect="1" noMove="1" noResize="1" noEditPoints="1" noAdjustHandles="1" noChangeArrowheads="1" noChangeShapeType="1" noTextEdit="1"/>
+              </p:cNvSpPr>
+              <p:nvPr/>
+            </p:nvSpPr>
+            <p:spPr>
+              <a:xfrm>
+                <a:off x="3027474" y="5580173"/>
+                <a:ext cx="937670" cy="430887"/>
+              </a:xfrm>
+              <a:prstGeom prst="rect">
+                <a:avLst/>
+              </a:prstGeom>
+              <a:blipFill>
+                <a:blip r:embed="rId14"/>
+                <a:stretch>
+                  <a:fillRect/>
+                </a:stretch>
+              </a:blipFill>
+            </p:spPr>
+            <p:txBody>
+              <a:bodyPr/>
+              <a:lstStyle/>
+              <a:p>
+                <a:r>
+                  <a:rPr lang="en-US">
+                    <a:noFill/>
+                  </a:rPr>
+                  <a:t> </a:t>
+                </a:r>
+              </a:p>
+            </p:txBody>
+          </p:sp>
+        </mc:Fallback>
+      </mc:AlternateContent>
+      <p:cxnSp>
+        <p:nvCxnSpPr>
+          <p:cNvPr id="51" name="Straight Arrow Connector 50">
+            <a:extLst>
+              <a:ext uri="{FF2B5EF4-FFF2-40B4-BE49-F238E27FC236}">
+                <a16:creationId xmlns:a16="http://schemas.microsoft.com/office/drawing/2014/main" id="{E85825C0-00AD-4D2D-A9E0-CACEF52F4C5E}"/>
+              </a:ext>
+            </a:extLst>
+          </p:cNvPr>
+          <p:cNvCxnSpPr>
+            <a:cxnSpLocks/>
+          </p:cNvCxnSpPr>
+          <p:nvPr/>
+        </p:nvCxnSpPr>
+        <p:spPr>
+          <a:xfrm>
+            <a:off x="1197877" y="4714380"/>
+            <a:ext cx="2558476" cy="751194"/>
+          </a:xfrm>
+          <a:prstGeom prst="straightConnector1">
+            <a:avLst/>
+          </a:prstGeom>
+          <a:ln w="34925">
+            <a:solidFill>
+              <a:schemeClr val="accent2">
+                <a:lumMod val="75000"/>
+              </a:schemeClr>
+            </a:solidFill>
+            <a:tailEnd type="stealth" w="lg" len="lg"/>
+          </a:ln>
+        </p:spPr>
+        <p:style>
+          <a:lnRef idx="1">
+            <a:schemeClr val="accent1"/>
+          </a:lnRef>
+          <a:fillRef idx="0">
+            <a:schemeClr val="accent1"/>
+          </a:fillRef>
+          <a:effectRef idx="0">
+            <a:schemeClr val="accent1"/>
+          </a:effectRef>
+          <a:fontRef idx="minor">
+            <a:schemeClr val="tx1"/>
+          </a:fontRef>
+        </p:style>
+      </p:cxnSp>
+      <p:cxnSp>
+        <p:nvCxnSpPr>
+          <p:cNvPr id="55" name="Straight Arrow Connector 54">
+            <a:extLst>
+              <a:ext uri="{FF2B5EF4-FFF2-40B4-BE49-F238E27FC236}">
+                <a16:creationId xmlns:a16="http://schemas.microsoft.com/office/drawing/2014/main" id="{E6F846A9-0100-4C43-B02C-F1CE92D2C818}"/>
+              </a:ext>
+            </a:extLst>
+          </p:cNvPr>
+          <p:cNvCxnSpPr>
+            <a:cxnSpLocks/>
+            <a:stCxn id="9" idx="4"/>
+          </p:cNvCxnSpPr>
+          <p:nvPr/>
+        </p:nvCxnSpPr>
+        <p:spPr>
+          <a:xfrm>
+            <a:off x="1104936" y="4790805"/>
+            <a:ext cx="7416" cy="689248"/>
+          </a:xfrm>
+          <a:prstGeom prst="straightConnector1">
+            <a:avLst/>
+          </a:prstGeom>
+          <a:ln w="12700">
+            <a:solidFill>
+              <a:schemeClr val="tx1"/>
+            </a:solidFill>
+            <a:prstDash val="dash"/>
+            <a:tailEnd type="none" w="lg" len="lg"/>
+          </a:ln>
+        </p:spPr>
+        <p:style>
+          <a:lnRef idx="1">
+            <a:schemeClr val="accent1"/>
+          </a:lnRef>
+          <a:fillRef idx="0">
+            <a:schemeClr val="accent1"/>
+          </a:fillRef>
+          <a:effectRef idx="0">
+            <a:schemeClr val="accent1"/>
+          </a:effectRef>
+          <a:fontRef idx="minor">
+            <a:schemeClr val="tx1"/>
+          </a:fontRef>
+        </p:style>
+      </p:cxnSp>
+      <mc:AlternateContent xmlns:mc="http://schemas.openxmlformats.org/markup-compatibility/2006">
+        <mc:Choice xmlns:a14="http://schemas.microsoft.com/office/drawing/2010/main" Requires="a14">
+          <p:sp>
+            <p:nvSpPr>
+              <p:cNvPr id="62" name="TextBox 61">
+                <a:extLst>
+                  <a:ext uri="{FF2B5EF4-FFF2-40B4-BE49-F238E27FC236}">
+                    <a16:creationId xmlns:a16="http://schemas.microsoft.com/office/drawing/2014/main" id="{582E6259-767F-4E51-90E9-D3A95E72AA36}"/>
+                  </a:ext>
+                </a:extLst>
+              </p:cNvPr>
+              <p:cNvSpPr txBox="1"/>
+              <p:nvPr/>
+            </p:nvSpPr>
+            <p:spPr>
+              <a:xfrm>
+                <a:off x="3294164" y="4912509"/>
+                <a:ext cx="555537" cy="430887"/>
+              </a:xfrm>
+              <a:prstGeom prst="rect">
+                <a:avLst/>
+              </a:prstGeom>
+              <a:noFill/>
+            </p:spPr>
+            <p:txBody>
+              <a:bodyPr wrap="square" lIns="0" tIns="0" rIns="0" bIns="0" rtlCol="0">
+                <a:spAutoFit/>
+              </a:bodyPr>
+              <a:lstStyle/>
+              <a:p>
+                <a:pPr/>
+                <a14:m>
+                  <m:oMathPara xmlns:m="http://schemas.openxmlformats.org/officeDocument/2006/math">
+                    <m:oMathParaPr>
+                      <m:jc m:val="centerGroup"/>
+                    </m:oMathParaPr>
+                    <m:oMath xmlns:m="http://schemas.openxmlformats.org/officeDocument/2006/math">
+                      <m:acc>
+                        <m:accPr>
+                          <m:chr m:val="⃗"/>
+                          <m:ctrlPr>
+                            <a:rPr lang="en-US" sz="2800" b="0" i="1" smtClean="0">
+                              <a:solidFill>
+                                <a:schemeClr val="accent2">
+                                  <a:lumMod val="75000"/>
+                                </a:schemeClr>
+                              </a:solidFill>
+                              <a:latin typeface="Cambria Math" panose="02040503050406030204" pitchFamily="18" charset="0"/>
+                            </a:rPr>
+                          </m:ctrlPr>
+                        </m:accPr>
+                        <m:e>
+                          <m:r>
+                            <a:rPr lang="en-US" sz="2800" b="0" i="1" smtClean="0">
+                              <a:solidFill>
+                                <a:schemeClr val="accent2">
+                                  <a:lumMod val="75000"/>
+                                </a:schemeClr>
+                              </a:solidFill>
+                              <a:latin typeface="Cambria Math" panose="02040503050406030204" pitchFamily="18" charset="0"/>
+                            </a:rPr>
+                            <m:t>𝑢</m:t>
+                          </m:r>
+                        </m:e>
+                      </m:acc>
+                    </m:oMath>
+                  </m:oMathPara>
+                </a14:m>
+                <a:endParaRPr lang="en-US" sz="2800" dirty="0">
+                  <a:solidFill>
+                    <a:schemeClr val="accent2">
+                      <a:lumMod val="75000"/>
+                    </a:schemeClr>
+                  </a:solidFill>
+                </a:endParaRPr>
+              </a:p>
+            </p:txBody>
+          </p:sp>
+        </mc:Choice>
+        <mc:Fallback>
+          <p:sp>
+            <p:nvSpPr>
+              <p:cNvPr id="62" name="TextBox 61">
+                <a:extLst>
+                  <a:ext uri="{FF2B5EF4-FFF2-40B4-BE49-F238E27FC236}">
+                    <a16:creationId xmlns:a16="http://schemas.microsoft.com/office/drawing/2014/main" id="{582E6259-767F-4E51-90E9-D3A95E72AA36}"/>
+                  </a:ext>
+                </a:extLst>
+              </p:cNvPr>
+              <p:cNvSpPr txBox="1">
+                <a:spLocks noRot="1" noChangeAspect="1" noMove="1" noResize="1" noEditPoints="1" noAdjustHandles="1" noChangeArrowheads="1" noChangeShapeType="1" noTextEdit="1"/>
+              </p:cNvSpPr>
+              <p:nvPr/>
+            </p:nvSpPr>
+            <p:spPr>
+              <a:xfrm>
+                <a:off x="3294164" y="4912509"/>
+                <a:ext cx="555537" cy="430887"/>
+              </a:xfrm>
+              <a:prstGeom prst="rect">
+                <a:avLst/>
+              </a:prstGeom>
+              <a:blipFill>
+                <a:blip r:embed="rId15"/>
+                <a:stretch>
+                  <a:fillRect/>
+                </a:stretch>
+              </a:blipFill>
+            </p:spPr>
+            <p:txBody>
+              <a:bodyPr/>
+              <a:lstStyle/>
+              <a:p>
+                <a:r>
+                  <a:rPr lang="en-US">
+                    <a:noFill/>
+                  </a:rPr>
+                  <a:t> </a:t>
+                </a:r>
+              </a:p>
+            </p:txBody>
+          </p:sp>
+        </mc:Fallback>
+      </mc:AlternateContent>
+      <p:cxnSp>
+        <p:nvCxnSpPr>
+          <p:cNvPr id="64" name="Straight Arrow Connector 63">
+            <a:extLst>
+              <a:ext uri="{FF2B5EF4-FFF2-40B4-BE49-F238E27FC236}">
+                <a16:creationId xmlns:a16="http://schemas.microsoft.com/office/drawing/2014/main" id="{ED5779F4-9F8C-4065-AA63-A8ADDB955BA0}"/>
+              </a:ext>
+            </a:extLst>
+          </p:cNvPr>
+          <p:cNvCxnSpPr>
+            <a:cxnSpLocks/>
+          </p:cNvCxnSpPr>
+          <p:nvPr/>
+        </p:nvCxnSpPr>
+        <p:spPr>
+          <a:xfrm flipV="1">
+            <a:off x="7368035" y="4424547"/>
+            <a:ext cx="0" cy="2004061"/>
+          </a:xfrm>
+          <a:prstGeom prst="straightConnector1">
+            <a:avLst/>
+          </a:prstGeom>
+          <a:ln w="25400">
+            <a:solidFill>
+              <a:schemeClr val="tx1"/>
+            </a:solidFill>
+            <a:prstDash val="solid"/>
+            <a:tailEnd type="none" w="lg" len="lg"/>
+          </a:ln>
+        </p:spPr>
+        <p:style>
+          <a:lnRef idx="1">
+            <a:schemeClr val="accent1"/>
+          </a:lnRef>
+          <a:fillRef idx="0">
+            <a:schemeClr val="accent1"/>
+          </a:fillRef>
+          <a:effectRef idx="0">
+            <a:schemeClr val="accent1"/>
+          </a:effectRef>
+          <a:fontRef idx="minor">
+            <a:schemeClr val="tx1"/>
+          </a:fontRef>
+        </p:style>
+      </p:cxnSp>
+      <mc:AlternateContent xmlns:mc="http://schemas.openxmlformats.org/markup-compatibility/2006">
+        <mc:Choice xmlns:a14="http://schemas.microsoft.com/office/drawing/2010/main" Requires="a14">
+          <p:sp>
+            <p:nvSpPr>
+              <p:cNvPr id="65" name="TextBox 64">
+                <a:extLst>
+                  <a:ext uri="{FF2B5EF4-FFF2-40B4-BE49-F238E27FC236}">
+                    <a16:creationId xmlns:a16="http://schemas.microsoft.com/office/drawing/2014/main" id="{2DC047DF-BD20-4C30-8995-EDC8DBD33315}"/>
+                  </a:ext>
+                </a:extLst>
+              </p:cNvPr>
+              <p:cNvSpPr txBox="1"/>
+              <p:nvPr/>
+            </p:nvSpPr>
+            <p:spPr>
+              <a:xfrm>
+                <a:off x="5954163" y="5703833"/>
+                <a:ext cx="555537" cy="430887"/>
+              </a:xfrm>
+              <a:prstGeom prst="rect">
+                <a:avLst/>
+              </a:prstGeom>
+              <a:noFill/>
+            </p:spPr>
+            <p:txBody>
+              <a:bodyPr wrap="square" lIns="0" tIns="0" rIns="0" bIns="0" rtlCol="0">
+                <a:spAutoFit/>
+              </a:bodyPr>
+              <a:lstStyle/>
+              <a:p>
+                <a:pPr/>
+                <a14:m>
+                  <m:oMathPara xmlns:m="http://schemas.openxmlformats.org/officeDocument/2006/math">
+                    <m:oMathParaPr>
+                      <m:jc m:val="centerGroup"/>
+                    </m:oMathParaPr>
+                    <m:oMath xmlns:m="http://schemas.openxmlformats.org/officeDocument/2006/math">
+                      <m:acc>
+                        <m:accPr>
+                          <m:chr m:val="⃗"/>
+                          <m:ctrlPr>
+                            <a:rPr lang="en-US" sz="2800" b="0" i="1" smtClean="0">
+                              <a:solidFill>
+                                <a:schemeClr val="accent6">
+                                  <a:lumMod val="75000"/>
+                                </a:schemeClr>
+                              </a:solidFill>
+                              <a:latin typeface="Cambria Math" panose="02040503050406030204" pitchFamily="18" charset="0"/>
+                            </a:rPr>
+                          </m:ctrlPr>
+                        </m:accPr>
+                        <m:e>
+                          <m:r>
+                            <a:rPr lang="en-US" sz="2800" b="0" i="1" smtClean="0">
+                              <a:solidFill>
+                                <a:schemeClr val="accent6">
+                                  <a:lumMod val="75000"/>
+                                </a:schemeClr>
+                              </a:solidFill>
+                              <a:latin typeface="Cambria Math" panose="02040503050406030204" pitchFamily="18" charset="0"/>
+                            </a:rPr>
+                            <m:t>𝑤</m:t>
+                          </m:r>
+                        </m:e>
+                      </m:acc>
+                    </m:oMath>
+                  </m:oMathPara>
+                </a14:m>
+                <a:endParaRPr lang="en-US" sz="2800" dirty="0">
+                  <a:solidFill>
+                    <a:schemeClr val="accent6">
+                      <a:lumMod val="75000"/>
+                    </a:schemeClr>
+                  </a:solidFill>
+                </a:endParaRPr>
+              </a:p>
+            </p:txBody>
+          </p:sp>
+        </mc:Choice>
+        <mc:Fallback>
+          <p:sp>
+            <p:nvSpPr>
+              <p:cNvPr id="65" name="TextBox 64">
+                <a:extLst>
+                  <a:ext uri="{FF2B5EF4-FFF2-40B4-BE49-F238E27FC236}">
+                    <a16:creationId xmlns:a16="http://schemas.microsoft.com/office/drawing/2014/main" id="{2DC047DF-BD20-4C30-8995-EDC8DBD33315}"/>
+                  </a:ext>
+                </a:extLst>
+              </p:cNvPr>
+              <p:cNvSpPr txBox="1">
+                <a:spLocks noRot="1" noChangeAspect="1" noMove="1" noResize="1" noEditPoints="1" noAdjustHandles="1" noChangeArrowheads="1" noChangeShapeType="1" noTextEdit="1"/>
+              </p:cNvSpPr>
+              <p:nvPr/>
+            </p:nvSpPr>
+            <p:spPr>
+              <a:xfrm>
+                <a:off x="5954163" y="5703833"/>
+                <a:ext cx="555537" cy="430887"/>
+              </a:xfrm>
+              <a:prstGeom prst="rect">
+                <a:avLst/>
+              </a:prstGeom>
+              <a:blipFill>
+                <a:blip r:embed="rId16"/>
+                <a:stretch>
+                  <a:fillRect/>
+                </a:stretch>
+              </a:blipFill>
+            </p:spPr>
+            <p:txBody>
+              <a:bodyPr/>
+              <a:lstStyle/>
+              <a:p>
+                <a:r>
+                  <a:rPr lang="en-US">
+                    <a:noFill/>
+                  </a:rPr>
+                  <a:t> </a:t>
+                </a:r>
+              </a:p>
+            </p:txBody>
+          </p:sp>
+        </mc:Fallback>
+      </mc:AlternateContent>
+      <p:sp>
+        <p:nvSpPr>
+          <p:cNvPr id="66" name="Oval 65">
+            <a:extLst>
+              <a:ext uri="{FF2B5EF4-FFF2-40B4-BE49-F238E27FC236}">
+                <a16:creationId xmlns:a16="http://schemas.microsoft.com/office/drawing/2014/main" id="{528A6CDD-E32A-4F8A-878C-10D26DA234CA}"/>
+              </a:ext>
+            </a:extLst>
+          </p:cNvPr>
+          <p:cNvSpPr/>
+          <p:nvPr/>
+        </p:nvSpPr>
+        <p:spPr>
+          <a:xfrm>
+            <a:off x="6364824" y="4511909"/>
+            <a:ext cx="219772" cy="209666"/>
+          </a:xfrm>
+          <a:prstGeom prst="ellipse">
+            <a:avLst/>
+          </a:prstGeom>
+          <a:gradFill flip="none" rotWithShape="1">
+            <a:gsLst>
+              <a:gs pos="0">
+                <a:schemeClr val="accent1">
+                  <a:lumMod val="89000"/>
+                </a:schemeClr>
+              </a:gs>
+              <a:gs pos="23000">
+                <a:schemeClr val="accent1">
+                  <a:lumMod val="89000"/>
+                </a:schemeClr>
+              </a:gs>
+              <a:gs pos="69000">
+                <a:schemeClr val="accent1">
+                  <a:lumMod val="75000"/>
+                </a:schemeClr>
+              </a:gs>
+              <a:gs pos="97000">
+                <a:schemeClr val="accent1">
+                  <a:lumMod val="70000"/>
+                </a:schemeClr>
+              </a:gs>
+            </a:gsLst>
+            <a:path path="circle">
+              <a:fillToRect l="50000" t="50000" r="50000" b="50000"/>
+            </a:path>
+            <a:tileRect/>
+          </a:gradFill>
+          <a:ln>
+            <a:noFill/>
+          </a:ln>
+        </p:spPr>
+        <p:style>
+          <a:lnRef idx="2">
+            <a:schemeClr val="accent1">
+              <a:shade val="50000"/>
+            </a:schemeClr>
+          </a:lnRef>
+          <a:fillRef idx="1">
+            <a:schemeClr val="accent1"/>
+          </a:fillRef>
+          <a:effectRef idx="0">
+            <a:schemeClr val="accent1"/>
+          </a:effectRef>
+          <a:fontRef idx="minor">
+            <a:schemeClr val="lt1"/>
+          </a:fontRef>
+        </p:style>
+        <p:txBody>
+          <a:bodyPr rtlCol="0" anchor="ctr"/>
+          <a:lstStyle/>
+          <a:p>
+            <a:pPr algn="ctr"/>
+            <a:endParaRPr lang="en-US"/>
+          </a:p>
+        </p:txBody>
+      </p:sp>
+      <p:sp>
+        <p:nvSpPr>
+          <p:cNvPr id="67" name="Arc 66">
+            <a:extLst>
+              <a:ext uri="{FF2B5EF4-FFF2-40B4-BE49-F238E27FC236}">
+                <a16:creationId xmlns:a16="http://schemas.microsoft.com/office/drawing/2014/main" id="{AF7DA814-EAB9-44C4-AFA1-337F4D46E1EB}"/>
+              </a:ext>
+            </a:extLst>
+          </p:cNvPr>
+          <p:cNvSpPr/>
+          <p:nvPr/>
+        </p:nvSpPr>
+        <p:spPr>
+          <a:xfrm rot="14618095">
+            <a:off x="7075759" y="5185378"/>
+            <a:ext cx="241743" cy="324748"/>
+          </a:xfrm>
+          <a:prstGeom prst="arc">
+            <a:avLst>
+              <a:gd name="adj1" fmla="val 16200000"/>
+              <a:gd name="adj2" fmla="val 324231"/>
+            </a:avLst>
+          </a:prstGeom>
+          <a:ln w="22225">
+            <a:solidFill>
+              <a:schemeClr val="tx1"/>
+            </a:solidFill>
+          </a:ln>
+        </p:spPr>
+        <p:style>
+          <a:lnRef idx="1">
+            <a:schemeClr val="accent1"/>
+          </a:lnRef>
+          <a:fillRef idx="0">
+            <a:schemeClr val="accent1"/>
+          </a:fillRef>
+          <a:effectRef idx="0">
+            <a:schemeClr val="accent1"/>
+          </a:effectRef>
+          <a:fontRef idx="minor">
+            <a:schemeClr val="tx1"/>
+          </a:fontRef>
+        </p:style>
+        <p:txBody>
+          <a:bodyPr rtlCol="0" anchor="ctr"/>
+          <a:lstStyle/>
+          <a:p>
+            <a:pPr algn="ctr"/>
+            <a:endParaRPr lang="en-US" dirty="0"/>
+          </a:p>
+        </p:txBody>
+      </p:sp>
+      <mc:AlternateContent xmlns:mc="http://schemas.openxmlformats.org/markup-compatibility/2006">
+        <mc:Choice xmlns:a14="http://schemas.microsoft.com/office/drawing/2010/main" Requires="a14">
+          <p:sp>
+            <p:nvSpPr>
+              <p:cNvPr id="68" name="TextBox 67">
+                <a:extLst>
+                  <a:ext uri="{FF2B5EF4-FFF2-40B4-BE49-F238E27FC236}">
+                    <a16:creationId xmlns:a16="http://schemas.microsoft.com/office/drawing/2014/main" id="{A12B14AF-7E8B-44CA-8BF9-5CC7D8D07B71}"/>
+                  </a:ext>
+                </a:extLst>
+              </p:cNvPr>
+              <p:cNvSpPr txBox="1"/>
+              <p:nvPr/>
+            </p:nvSpPr>
+            <p:spPr>
+              <a:xfrm>
+                <a:off x="6626362" y="5093077"/>
+                <a:ext cx="555537" cy="307777"/>
+              </a:xfrm>
+              <a:prstGeom prst="rect">
+                <a:avLst/>
+              </a:prstGeom>
+              <a:noFill/>
+            </p:spPr>
+            <p:txBody>
+              <a:bodyPr wrap="square" lIns="0" tIns="0" rIns="0" bIns="0" rtlCol="0">
+                <a:spAutoFit/>
+              </a:bodyPr>
+              <a:lstStyle/>
+              <a:p>
+                <a:pPr/>
+                <a14:m>
+                  <m:oMathPara xmlns:m="http://schemas.openxmlformats.org/officeDocument/2006/math">
+                    <m:oMathParaPr>
+                      <m:jc m:val="centerGroup"/>
+                    </m:oMathParaPr>
+                    <m:oMath xmlns:m="http://schemas.openxmlformats.org/officeDocument/2006/math">
+                      <m:r>
+                        <a:rPr lang="en-US" sz="2000" b="0" i="1" smtClean="0">
+                          <a:latin typeface="Cambria Math" panose="02040503050406030204" pitchFamily="18" charset="0"/>
+                          <a:ea typeface="Cambria Math" panose="02040503050406030204" pitchFamily="18" charset="0"/>
+                        </a:rPr>
+                        <m:t>𝛼</m:t>
+                      </m:r>
+                    </m:oMath>
+                  </m:oMathPara>
+                </a14:m>
+                <a:endParaRPr lang="en-US" sz="2800" dirty="0"/>
+              </a:p>
+            </p:txBody>
+          </p:sp>
+        </mc:Choice>
+        <mc:Fallback>
+          <p:sp>
+            <p:nvSpPr>
+              <p:cNvPr id="68" name="TextBox 67">
+                <a:extLst>
+                  <a:ext uri="{FF2B5EF4-FFF2-40B4-BE49-F238E27FC236}">
+                    <a16:creationId xmlns:a16="http://schemas.microsoft.com/office/drawing/2014/main" id="{A12B14AF-7E8B-44CA-8BF9-5CC7D8D07B71}"/>
+                  </a:ext>
+                </a:extLst>
+              </p:cNvPr>
+              <p:cNvSpPr txBox="1">
+                <a:spLocks noRot="1" noChangeAspect="1" noMove="1" noResize="1" noEditPoints="1" noAdjustHandles="1" noChangeArrowheads="1" noChangeShapeType="1" noTextEdit="1"/>
+              </p:cNvSpPr>
+              <p:nvPr/>
+            </p:nvSpPr>
+            <p:spPr>
+              <a:xfrm>
+                <a:off x="6626362" y="5093077"/>
+                <a:ext cx="555537" cy="307777"/>
+              </a:xfrm>
+              <a:prstGeom prst="rect">
+                <a:avLst/>
+              </a:prstGeom>
+              <a:blipFill>
+                <a:blip r:embed="rId17"/>
+                <a:stretch>
+                  <a:fillRect/>
+                </a:stretch>
+              </a:blipFill>
+            </p:spPr>
+            <p:txBody>
+              <a:bodyPr/>
+              <a:lstStyle/>
+              <a:p>
+                <a:r>
+                  <a:rPr lang="en-US">
+                    <a:noFill/>
+                  </a:rPr>
+                  <a:t> </a:t>
+                </a:r>
+              </a:p>
+            </p:txBody>
+          </p:sp>
+        </mc:Fallback>
+      </mc:AlternateContent>
+      <p:cxnSp>
+        <p:nvCxnSpPr>
+          <p:cNvPr id="69" name="Straight Arrow Connector 68">
+            <a:extLst>
+              <a:ext uri="{FF2B5EF4-FFF2-40B4-BE49-F238E27FC236}">
+                <a16:creationId xmlns:a16="http://schemas.microsoft.com/office/drawing/2014/main" id="{6AA31F5F-11C4-4624-AC61-2AF2FA58CC7A}"/>
+              </a:ext>
+            </a:extLst>
+          </p:cNvPr>
+          <p:cNvCxnSpPr>
+            <a:cxnSpLocks/>
+            <a:stCxn id="66" idx="5"/>
+          </p:cNvCxnSpPr>
+          <p:nvPr/>
+        </p:nvCxnSpPr>
+        <p:spPr>
+          <a:xfrm>
+            <a:off x="6552411" y="4690870"/>
+            <a:ext cx="815624" cy="735707"/>
+          </a:xfrm>
+          <a:prstGeom prst="straightConnector1">
+            <a:avLst/>
+          </a:prstGeom>
+          <a:ln w="34925">
+            <a:solidFill>
+              <a:schemeClr val="accent1">
+                <a:lumMod val="75000"/>
+              </a:schemeClr>
+            </a:solidFill>
+            <a:tailEnd type="stealth" w="lg" len="lg"/>
+          </a:ln>
+        </p:spPr>
+        <p:style>
+          <a:lnRef idx="1">
+            <a:schemeClr val="accent1"/>
+          </a:lnRef>
+          <a:fillRef idx="0">
+            <a:schemeClr val="accent1"/>
+          </a:fillRef>
+          <a:effectRef idx="0">
+            <a:schemeClr val="accent1"/>
+          </a:effectRef>
+          <a:fontRef idx="minor">
+            <a:schemeClr val="tx1"/>
+          </a:fontRef>
+        </p:style>
+      </p:cxnSp>
+      <mc:AlternateContent xmlns:mc="http://schemas.openxmlformats.org/markup-compatibility/2006">
+        <mc:Choice xmlns:a14="http://schemas.microsoft.com/office/drawing/2010/main" Requires="a14">
+          <p:sp>
+            <p:nvSpPr>
+              <p:cNvPr id="70" name="TextBox 69">
+                <a:extLst>
+                  <a:ext uri="{FF2B5EF4-FFF2-40B4-BE49-F238E27FC236}">
+                    <a16:creationId xmlns:a16="http://schemas.microsoft.com/office/drawing/2014/main" id="{26D2293B-37D1-421A-9B52-19DCC251F73B}"/>
+                  </a:ext>
+                </a:extLst>
+              </p:cNvPr>
+              <p:cNvSpPr txBox="1"/>
+              <p:nvPr/>
+            </p:nvSpPr>
+            <p:spPr>
+              <a:xfrm>
+                <a:off x="6904120" y="4818356"/>
+                <a:ext cx="555537" cy="430887"/>
+              </a:xfrm>
+              <a:prstGeom prst="rect">
+                <a:avLst/>
+              </a:prstGeom>
+              <a:noFill/>
+            </p:spPr>
+            <p:txBody>
+              <a:bodyPr wrap="square" lIns="0" tIns="0" rIns="0" bIns="0" rtlCol="0">
+                <a:spAutoFit/>
+              </a:bodyPr>
+              <a:lstStyle/>
+              <a:p>
+                <a:pPr/>
+                <a14:m>
+                  <m:oMathPara xmlns:m="http://schemas.openxmlformats.org/officeDocument/2006/math">
+                    <m:oMathParaPr>
+                      <m:jc m:val="centerGroup"/>
+                    </m:oMathParaPr>
+                    <m:oMath xmlns:m="http://schemas.openxmlformats.org/officeDocument/2006/math">
+                      <m:acc>
+                        <m:accPr>
+                          <m:chr m:val="⃗"/>
+                          <m:ctrlPr>
+                            <a:rPr lang="en-US" sz="2800" b="0" i="1" smtClean="0">
+                              <a:solidFill>
+                                <a:schemeClr val="accent5">
+                                  <a:lumMod val="75000"/>
+                                </a:schemeClr>
+                              </a:solidFill>
+                              <a:latin typeface="Cambria Math" panose="02040503050406030204" pitchFamily="18" charset="0"/>
+                            </a:rPr>
+                          </m:ctrlPr>
+                        </m:accPr>
+                        <m:e>
+                          <m:r>
+                            <a:rPr lang="en-US" sz="2800" b="0" i="1" smtClean="0">
+                              <a:solidFill>
+                                <a:schemeClr val="accent5">
+                                  <a:lumMod val="75000"/>
+                                </a:schemeClr>
+                              </a:solidFill>
+                              <a:latin typeface="Cambria Math" panose="02040503050406030204" pitchFamily="18" charset="0"/>
+                            </a:rPr>
+                            <m:t>𝑣</m:t>
+                          </m:r>
+                        </m:e>
+                      </m:acc>
+                    </m:oMath>
+                  </m:oMathPara>
+                </a14:m>
+                <a:endParaRPr lang="en-US" sz="2800" dirty="0">
+                  <a:solidFill>
+                    <a:schemeClr val="accent5">
+                      <a:lumMod val="75000"/>
+                    </a:schemeClr>
+                  </a:solidFill>
+                </a:endParaRPr>
+              </a:p>
+            </p:txBody>
+          </p:sp>
+        </mc:Choice>
+        <mc:Fallback>
+          <p:sp>
+            <p:nvSpPr>
+              <p:cNvPr id="70" name="TextBox 69">
+                <a:extLst>
+                  <a:ext uri="{FF2B5EF4-FFF2-40B4-BE49-F238E27FC236}">
+                    <a16:creationId xmlns:a16="http://schemas.microsoft.com/office/drawing/2014/main" id="{26D2293B-37D1-421A-9B52-19DCC251F73B}"/>
+                  </a:ext>
+                </a:extLst>
+              </p:cNvPr>
+              <p:cNvSpPr txBox="1">
+                <a:spLocks noRot="1" noChangeAspect="1" noMove="1" noResize="1" noEditPoints="1" noAdjustHandles="1" noChangeArrowheads="1" noChangeShapeType="1" noTextEdit="1"/>
+              </p:cNvSpPr>
+              <p:nvPr/>
+            </p:nvSpPr>
+            <p:spPr>
+              <a:xfrm>
+                <a:off x="6904120" y="4818356"/>
+                <a:ext cx="555537" cy="430887"/>
+              </a:xfrm>
+              <a:prstGeom prst="rect">
+                <a:avLst/>
+              </a:prstGeom>
+              <a:blipFill>
+                <a:blip r:embed="rId18"/>
+                <a:stretch>
+                  <a:fillRect/>
+                </a:stretch>
+              </a:blipFill>
+            </p:spPr>
+            <p:txBody>
+              <a:bodyPr/>
+              <a:lstStyle/>
+              <a:p>
+                <a:r>
+                  <a:rPr lang="en-US">
+                    <a:noFill/>
+                  </a:rPr>
+                  <a:t> </a:t>
+                </a:r>
+              </a:p>
+            </p:txBody>
+          </p:sp>
+        </mc:Fallback>
+      </mc:AlternateContent>
+      <mc:AlternateContent xmlns:mc="http://schemas.openxmlformats.org/markup-compatibility/2006">
+        <mc:Choice xmlns:a14="http://schemas.microsoft.com/office/drawing/2010/main" Requires="a14">
+          <p:sp>
+            <p:nvSpPr>
+              <p:cNvPr id="73" name="TextBox 72">
+                <a:extLst>
+                  <a:ext uri="{FF2B5EF4-FFF2-40B4-BE49-F238E27FC236}">
+                    <a16:creationId xmlns:a16="http://schemas.microsoft.com/office/drawing/2014/main" id="{0773E8B8-B977-4231-A99F-B607C05BBDA0}"/>
+                  </a:ext>
+                </a:extLst>
+              </p:cNvPr>
+              <p:cNvSpPr txBox="1"/>
+              <p:nvPr/>
+            </p:nvSpPr>
+            <p:spPr>
+              <a:xfrm>
+                <a:off x="8202549" y="4538634"/>
+                <a:ext cx="937670" cy="307777"/>
+              </a:xfrm>
+              <a:prstGeom prst="rect">
+                <a:avLst/>
+              </a:prstGeom>
+              <a:noFill/>
+            </p:spPr>
+            <p:txBody>
+              <a:bodyPr wrap="square" lIns="0" tIns="0" rIns="0" bIns="0" rtlCol="0">
+                <a:spAutoFit/>
+              </a:bodyPr>
+              <a:lstStyle/>
+              <a:p>
+                <a:pPr/>
+                <a14:m>
+                  <m:oMathPara xmlns:m="http://schemas.openxmlformats.org/officeDocument/2006/math">
+                    <m:oMathParaPr>
+                      <m:jc m:val="centerGroup"/>
+                    </m:oMathParaPr>
+                    <m:oMath xmlns:m="http://schemas.openxmlformats.org/officeDocument/2006/math">
+                      <m:r>
+                        <a:rPr lang="en-US" sz="2000" b="0" i="1" smtClean="0">
+                          <a:solidFill>
+                            <a:schemeClr val="accent6">
+                              <a:lumMod val="75000"/>
+                            </a:schemeClr>
+                          </a:solidFill>
+                          <a:latin typeface="Cambria Math" panose="02040503050406030204" pitchFamily="18" charset="0"/>
+                        </a:rPr>
+                        <m:t>−2</m:t>
+                      </m:r>
+                      <m:acc>
+                        <m:accPr>
+                          <m:chr m:val="⃗"/>
+                          <m:ctrlPr>
+                            <a:rPr lang="en-US" sz="2000" b="0" i="1" smtClean="0">
+                              <a:solidFill>
+                                <a:schemeClr val="accent6">
+                                  <a:lumMod val="75000"/>
+                                </a:schemeClr>
+                              </a:solidFill>
+                              <a:latin typeface="Cambria Math" panose="02040503050406030204" pitchFamily="18" charset="0"/>
+                            </a:rPr>
+                          </m:ctrlPr>
+                        </m:accPr>
+                        <m:e>
+                          <m:r>
+                            <a:rPr lang="en-US" sz="2000" b="0" i="1" smtClean="0">
+                              <a:solidFill>
+                                <a:schemeClr val="accent6">
+                                  <a:lumMod val="75000"/>
+                                </a:schemeClr>
+                              </a:solidFill>
+                              <a:latin typeface="Cambria Math" panose="02040503050406030204" pitchFamily="18" charset="0"/>
+                            </a:rPr>
+                            <m:t>𝑤</m:t>
+                          </m:r>
+                        </m:e>
+                      </m:acc>
+                    </m:oMath>
+                  </m:oMathPara>
+                </a14:m>
+                <a:endParaRPr lang="en-US" sz="2000" dirty="0">
+                  <a:solidFill>
+                    <a:schemeClr val="accent6">
+                      <a:lumMod val="75000"/>
+                    </a:schemeClr>
+                  </a:solidFill>
+                </a:endParaRPr>
+              </a:p>
+            </p:txBody>
+          </p:sp>
+        </mc:Choice>
+        <mc:Fallback>
+          <p:sp>
+            <p:nvSpPr>
+              <p:cNvPr id="73" name="TextBox 72">
+                <a:extLst>
+                  <a:ext uri="{FF2B5EF4-FFF2-40B4-BE49-F238E27FC236}">
+                    <a16:creationId xmlns:a16="http://schemas.microsoft.com/office/drawing/2014/main" id="{0773E8B8-B977-4231-A99F-B607C05BBDA0}"/>
+                  </a:ext>
+                </a:extLst>
+              </p:cNvPr>
+              <p:cNvSpPr txBox="1">
+                <a:spLocks noRot="1" noChangeAspect="1" noMove="1" noResize="1" noEditPoints="1" noAdjustHandles="1" noChangeArrowheads="1" noChangeShapeType="1" noTextEdit="1"/>
+              </p:cNvSpPr>
+              <p:nvPr/>
+            </p:nvSpPr>
+            <p:spPr>
+              <a:xfrm>
+                <a:off x="8202549" y="4538634"/>
+                <a:ext cx="937670" cy="307777"/>
+              </a:xfrm>
+              <a:prstGeom prst="rect">
+                <a:avLst/>
+              </a:prstGeom>
+              <a:blipFill>
+                <a:blip r:embed="rId19"/>
+                <a:stretch>
+                  <a:fillRect b="-6000"/>
+                </a:stretch>
+              </a:blipFill>
+            </p:spPr>
+            <p:txBody>
+              <a:bodyPr/>
+              <a:lstStyle/>
+              <a:p>
+                <a:r>
+                  <a:rPr lang="en-US">
+                    <a:noFill/>
+                  </a:rPr>
+                  <a:t> </a:t>
+                </a:r>
+              </a:p>
+            </p:txBody>
+          </p:sp>
+        </mc:Fallback>
+      </mc:AlternateContent>
+      <p:cxnSp>
+        <p:nvCxnSpPr>
+          <p:cNvPr id="75" name="Straight Arrow Connector 74">
+            <a:extLst>
+              <a:ext uri="{FF2B5EF4-FFF2-40B4-BE49-F238E27FC236}">
+                <a16:creationId xmlns:a16="http://schemas.microsoft.com/office/drawing/2014/main" id="{95622C96-F5CA-46C9-9B35-603FF5BAB231}"/>
+              </a:ext>
+            </a:extLst>
+          </p:cNvPr>
+          <p:cNvCxnSpPr>
+            <a:cxnSpLocks/>
+            <a:stCxn id="66" idx="4"/>
+          </p:cNvCxnSpPr>
+          <p:nvPr/>
+        </p:nvCxnSpPr>
+        <p:spPr>
+          <a:xfrm>
+            <a:off x="6474710" y="4721575"/>
+            <a:ext cx="25877" cy="758478"/>
+          </a:xfrm>
+          <a:prstGeom prst="straightConnector1">
+            <a:avLst/>
+          </a:prstGeom>
+          <a:ln w="12700">
+            <a:solidFill>
+              <a:schemeClr val="tx1"/>
+            </a:solidFill>
+            <a:prstDash val="dash"/>
+            <a:tailEnd type="none" w="lg" len="lg"/>
+          </a:ln>
+        </p:spPr>
+        <p:style>
+          <a:lnRef idx="1">
+            <a:schemeClr val="accent1"/>
+          </a:lnRef>
+          <a:fillRef idx="0">
+            <a:schemeClr val="accent1"/>
+          </a:fillRef>
+          <a:effectRef idx="0">
+            <a:schemeClr val="accent1"/>
+          </a:effectRef>
+          <a:fontRef idx="minor">
+            <a:schemeClr val="tx1"/>
+          </a:fontRef>
+        </p:style>
+      </p:cxnSp>
+      <mc:AlternateContent xmlns:mc="http://schemas.openxmlformats.org/markup-compatibility/2006">
+        <mc:Choice xmlns:a14="http://schemas.microsoft.com/office/drawing/2010/main" Requires="a14">
+          <p:sp>
+            <p:nvSpPr>
+              <p:cNvPr id="76" name="TextBox 75">
+                <a:extLst>
+                  <a:ext uri="{FF2B5EF4-FFF2-40B4-BE49-F238E27FC236}">
+                    <a16:creationId xmlns:a16="http://schemas.microsoft.com/office/drawing/2014/main" id="{4C92D2AA-6AB3-49AB-BAE3-537E18089759}"/>
+                  </a:ext>
+                </a:extLst>
+              </p:cNvPr>
+              <p:cNvSpPr txBox="1"/>
+              <p:nvPr/>
+            </p:nvSpPr>
+            <p:spPr>
+              <a:xfrm>
+                <a:off x="7751790" y="4060506"/>
+                <a:ext cx="555537" cy="430887"/>
+              </a:xfrm>
+              <a:prstGeom prst="rect">
+                <a:avLst/>
+              </a:prstGeom>
+              <a:noFill/>
+            </p:spPr>
+            <p:txBody>
+              <a:bodyPr wrap="square" lIns="0" tIns="0" rIns="0" bIns="0" rtlCol="0">
+                <a:spAutoFit/>
+              </a:bodyPr>
+              <a:lstStyle/>
+              <a:p>
+                <a:pPr/>
+                <a14:m>
+                  <m:oMathPara xmlns:m="http://schemas.openxmlformats.org/officeDocument/2006/math">
+                    <m:oMathParaPr>
+                      <m:jc m:val="centerGroup"/>
+                    </m:oMathParaPr>
+                    <m:oMath xmlns:m="http://schemas.openxmlformats.org/officeDocument/2006/math">
+                      <m:acc>
+                        <m:accPr>
+                          <m:chr m:val="⃗"/>
+                          <m:ctrlPr>
+                            <a:rPr lang="en-US" sz="2800" b="0" i="1" smtClean="0">
+                              <a:solidFill>
+                                <a:schemeClr val="accent2">
+                                  <a:lumMod val="75000"/>
+                                </a:schemeClr>
+                              </a:solidFill>
+                              <a:latin typeface="Cambria Math" panose="02040503050406030204" pitchFamily="18" charset="0"/>
+                            </a:rPr>
+                          </m:ctrlPr>
+                        </m:accPr>
+                        <m:e>
+                          <m:r>
+                            <a:rPr lang="en-US" sz="2800" b="0" i="1" smtClean="0">
+                              <a:solidFill>
+                                <a:schemeClr val="accent2">
+                                  <a:lumMod val="75000"/>
+                                </a:schemeClr>
+                              </a:solidFill>
+                              <a:latin typeface="Cambria Math" panose="02040503050406030204" pitchFamily="18" charset="0"/>
+                            </a:rPr>
+                            <m:t>𝑢</m:t>
+                          </m:r>
+                        </m:e>
+                      </m:acc>
+                    </m:oMath>
+                  </m:oMathPara>
+                </a14:m>
+                <a:endParaRPr lang="en-US" sz="2800" dirty="0">
+                  <a:solidFill>
+                    <a:schemeClr val="accent2">
+                      <a:lumMod val="75000"/>
+                    </a:schemeClr>
+                  </a:solidFill>
+                </a:endParaRPr>
+              </a:p>
+            </p:txBody>
+          </p:sp>
+        </mc:Choice>
+        <mc:Fallback>
+          <p:sp>
+            <p:nvSpPr>
+              <p:cNvPr id="76" name="TextBox 75">
+                <a:extLst>
+                  <a:ext uri="{FF2B5EF4-FFF2-40B4-BE49-F238E27FC236}">
+                    <a16:creationId xmlns:a16="http://schemas.microsoft.com/office/drawing/2014/main" id="{4C92D2AA-6AB3-49AB-BAE3-537E18089759}"/>
+                  </a:ext>
+                </a:extLst>
+              </p:cNvPr>
+              <p:cNvSpPr txBox="1">
+                <a:spLocks noRot="1" noChangeAspect="1" noMove="1" noResize="1" noEditPoints="1" noAdjustHandles="1" noChangeArrowheads="1" noChangeShapeType="1" noTextEdit="1"/>
+              </p:cNvSpPr>
+              <p:nvPr/>
+            </p:nvSpPr>
+            <p:spPr>
+              <a:xfrm>
+                <a:off x="7751790" y="4060506"/>
+                <a:ext cx="555537" cy="430887"/>
+              </a:xfrm>
+              <a:prstGeom prst="rect">
+                <a:avLst/>
+              </a:prstGeom>
+              <a:blipFill>
+                <a:blip r:embed="rId20"/>
+                <a:stretch>
+                  <a:fillRect/>
+                </a:stretch>
+              </a:blipFill>
+            </p:spPr>
+            <p:txBody>
+              <a:bodyPr/>
+              <a:lstStyle/>
+              <a:p>
+                <a:r>
+                  <a:rPr lang="en-US">
+                    <a:noFill/>
+                  </a:rPr>
+                  <a:t> </a:t>
+                </a:r>
+              </a:p>
+            </p:txBody>
+          </p:sp>
+        </mc:Fallback>
+      </mc:AlternateContent>
+      <mc:AlternateContent xmlns:mc="http://schemas.openxmlformats.org/markup-compatibility/2006">
+        <mc:Choice xmlns:a14="http://schemas.microsoft.com/office/drawing/2010/main" Requires="a14">
+          <p:sp>
+            <p:nvSpPr>
+              <p:cNvPr id="83" name="TextBox 82">
+                <a:extLst>
+                  <a:ext uri="{FF2B5EF4-FFF2-40B4-BE49-F238E27FC236}">
+                    <a16:creationId xmlns:a16="http://schemas.microsoft.com/office/drawing/2014/main" id="{00F08431-2411-43C1-AD1D-13EB8C6B13B9}"/>
+                  </a:ext>
+                </a:extLst>
+              </p:cNvPr>
+              <p:cNvSpPr txBox="1"/>
+              <p:nvPr/>
+            </p:nvSpPr>
+            <p:spPr>
+              <a:xfrm>
+                <a:off x="6769446" y="5426834"/>
+                <a:ext cx="224443" cy="276999"/>
+              </a:xfrm>
+              <a:prstGeom prst="rect">
+                <a:avLst/>
+              </a:prstGeom>
+              <a:noFill/>
+            </p:spPr>
+            <p:txBody>
+              <a:bodyPr wrap="square" lIns="0" tIns="0" rIns="0" bIns="0" rtlCol="0">
+                <a:spAutoFit/>
+              </a:bodyPr>
+              <a:lstStyle/>
+              <a:p>
+                <a:pPr/>
+                <a14:m>
+                  <m:oMathPara xmlns:m="http://schemas.openxmlformats.org/officeDocument/2006/math">
+                    <m:oMathParaPr>
+                      <m:jc m:val="centerGroup"/>
+                    </m:oMathParaPr>
+                    <m:oMath xmlns:m="http://schemas.openxmlformats.org/officeDocument/2006/math">
+                      <m:r>
+                        <a:rPr lang="en-US" b="0" i="1" smtClean="0">
+                          <a:latin typeface="Cambria Math" panose="02040503050406030204" pitchFamily="18" charset="0"/>
+                          <a:ea typeface="Cambria Math" panose="02040503050406030204" pitchFamily="18" charset="0"/>
+                        </a:rPr>
+                        <m:t>𝛽</m:t>
+                      </m:r>
+                    </m:oMath>
+                  </m:oMathPara>
+                </a14:m>
+                <a:endParaRPr lang="en-US" sz="2400" dirty="0"/>
+              </a:p>
+            </p:txBody>
+          </p:sp>
+        </mc:Choice>
+        <mc:Fallback>
+          <p:sp>
+            <p:nvSpPr>
+              <p:cNvPr id="83" name="TextBox 82">
+                <a:extLst>
+                  <a:ext uri="{FF2B5EF4-FFF2-40B4-BE49-F238E27FC236}">
+                    <a16:creationId xmlns:a16="http://schemas.microsoft.com/office/drawing/2014/main" id="{00F08431-2411-43C1-AD1D-13EB8C6B13B9}"/>
+                  </a:ext>
+                </a:extLst>
+              </p:cNvPr>
+              <p:cNvSpPr txBox="1">
+                <a:spLocks noRot="1" noChangeAspect="1" noMove="1" noResize="1" noEditPoints="1" noAdjustHandles="1" noChangeArrowheads="1" noChangeShapeType="1" noTextEdit="1"/>
+              </p:cNvSpPr>
+              <p:nvPr/>
+            </p:nvSpPr>
+            <p:spPr>
+              <a:xfrm>
+                <a:off x="6769446" y="5426834"/>
+                <a:ext cx="224443" cy="276999"/>
+              </a:xfrm>
+              <a:prstGeom prst="rect">
+                <a:avLst/>
+              </a:prstGeom>
+              <a:blipFill>
+                <a:blip r:embed="rId21"/>
+                <a:stretch>
+                  <a:fillRect l="-32432" t="-2174" r="-27027" b="-32609"/>
+                </a:stretch>
+              </a:blipFill>
+            </p:spPr>
+            <p:txBody>
+              <a:bodyPr/>
+              <a:lstStyle/>
+              <a:p>
+                <a:r>
+                  <a:rPr lang="en-US">
+                    <a:noFill/>
+                  </a:rPr>
+                  <a:t> </a:t>
+                </a:r>
+              </a:p>
+            </p:txBody>
+          </p:sp>
+        </mc:Fallback>
+      </mc:AlternateContent>
+      <p:cxnSp>
+        <p:nvCxnSpPr>
+          <p:cNvPr id="63" name="Straight Arrow Connector 62">
+            <a:extLst>
+              <a:ext uri="{FF2B5EF4-FFF2-40B4-BE49-F238E27FC236}">
+                <a16:creationId xmlns:a16="http://schemas.microsoft.com/office/drawing/2014/main" id="{0EF46B77-7273-4AE5-86F9-2796E1B23E40}"/>
+              </a:ext>
+            </a:extLst>
+          </p:cNvPr>
+          <p:cNvCxnSpPr>
+            <a:cxnSpLocks/>
+          </p:cNvCxnSpPr>
+          <p:nvPr/>
+        </p:nvCxnSpPr>
+        <p:spPr>
+          <a:xfrm flipH="1">
+            <a:off x="6364824" y="5423566"/>
+            <a:ext cx="1021430" cy="731396"/>
+          </a:xfrm>
+          <a:prstGeom prst="straightConnector1">
+            <a:avLst/>
+          </a:prstGeom>
+          <a:ln w="34925">
+            <a:solidFill>
+              <a:schemeClr val="accent6">
+                <a:lumMod val="75000"/>
+              </a:schemeClr>
+            </a:solidFill>
+            <a:prstDash val="dash"/>
+            <a:tailEnd type="stealth" w="lg" len="lg"/>
+          </a:ln>
+        </p:spPr>
+        <p:style>
+          <a:lnRef idx="1">
+            <a:schemeClr val="accent1"/>
+          </a:lnRef>
+          <a:fillRef idx="0">
+            <a:schemeClr val="accent1"/>
+          </a:fillRef>
+          <a:effectRef idx="0">
+            <a:schemeClr val="accent1"/>
+          </a:effectRef>
+          <a:fontRef idx="minor">
+            <a:schemeClr val="tx1"/>
+          </a:fontRef>
+        </p:style>
+      </p:cxnSp>
+      <p:cxnSp>
+        <p:nvCxnSpPr>
+          <p:cNvPr id="78" name="Straight Arrow Connector 77">
+            <a:extLst>
+              <a:ext uri="{FF2B5EF4-FFF2-40B4-BE49-F238E27FC236}">
+                <a16:creationId xmlns:a16="http://schemas.microsoft.com/office/drawing/2014/main" id="{11E5F553-ABD6-4191-9D51-6D91B0B3E1E4}"/>
+              </a:ext>
+            </a:extLst>
+          </p:cNvPr>
+          <p:cNvCxnSpPr>
+            <a:cxnSpLocks/>
+          </p:cNvCxnSpPr>
+          <p:nvPr/>
+        </p:nvCxnSpPr>
+        <p:spPr>
+          <a:xfrm flipV="1">
+            <a:off x="5945107" y="5367694"/>
+            <a:ext cx="2833133" cy="104605"/>
+          </a:xfrm>
+          <a:prstGeom prst="straightConnector1">
+            <a:avLst/>
+          </a:prstGeom>
+          <a:ln w="12700">
+            <a:solidFill>
+              <a:schemeClr val="tx1"/>
+            </a:solidFill>
+            <a:prstDash val="dash"/>
+            <a:tailEnd type="none" w="lg" len="lg"/>
+          </a:ln>
+        </p:spPr>
+        <p:style>
+          <a:lnRef idx="1">
+            <a:schemeClr val="accent1"/>
+          </a:lnRef>
+          <a:fillRef idx="0">
+            <a:schemeClr val="accent1"/>
+          </a:fillRef>
+          <a:effectRef idx="0">
+            <a:schemeClr val="accent1"/>
+          </a:effectRef>
+          <a:fontRef idx="minor">
+            <a:schemeClr val="tx1"/>
+          </a:fontRef>
+        </p:style>
+      </p:cxnSp>
+      <p:grpSp>
+        <p:nvGrpSpPr>
+          <p:cNvPr id="98" name="Group 97">
+            <a:extLst>
+              <a:ext uri="{FF2B5EF4-FFF2-40B4-BE49-F238E27FC236}">
+                <a16:creationId xmlns:a16="http://schemas.microsoft.com/office/drawing/2014/main" id="{11511F2A-E4D4-44CA-9DF1-BFD853BA82EE}"/>
+              </a:ext>
+            </a:extLst>
+          </p:cNvPr>
+          <p:cNvGrpSpPr/>
+          <p:nvPr/>
+        </p:nvGrpSpPr>
+        <p:grpSpPr>
+          <a:xfrm>
+            <a:off x="7002398" y="5378791"/>
+            <a:ext cx="296544" cy="285563"/>
+            <a:chOff x="7002398" y="5378791"/>
+            <a:chExt cx="296544" cy="285563"/>
+          </a:xfrm>
+        </p:grpSpPr>
+        <p:sp>
+          <p:nvSpPr>
+            <p:cNvPr id="82" name="Arc 81">
+              <a:extLst>
+                <a:ext uri="{FF2B5EF4-FFF2-40B4-BE49-F238E27FC236}">
+                  <a16:creationId xmlns:a16="http://schemas.microsoft.com/office/drawing/2014/main" id="{E995E486-2853-4E31-B56B-11C4B1DDF5CA}"/>
+                </a:ext>
+              </a:extLst>
+            </p:cNvPr>
+            <p:cNvSpPr/>
+            <p:nvPr/>
+          </p:nvSpPr>
+          <p:spPr>
+            <a:xfrm rot="12945588">
+              <a:off x="7094473" y="5378791"/>
+              <a:ext cx="204014" cy="233383"/>
+            </a:xfrm>
+            <a:prstGeom prst="arc">
+              <a:avLst>
+                <a:gd name="adj1" fmla="val 16200000"/>
+                <a:gd name="adj2" fmla="val 324231"/>
+              </a:avLst>
+            </a:prstGeom>
+            <a:ln w="22225">
+              <a:solidFill>
+                <a:schemeClr val="tx1"/>
+              </a:solidFill>
+            </a:ln>
+          </p:spPr>
+          <p:style>
+            <a:lnRef idx="1">
+              <a:schemeClr val="accent1"/>
+            </a:lnRef>
+            <a:fillRef idx="0">
+              <a:schemeClr val="accent1"/>
+            </a:fillRef>
+            <a:effectRef idx="0">
+              <a:schemeClr val="accent1"/>
+            </a:effectRef>
+            <a:fontRef idx="minor">
+              <a:schemeClr val="tx1"/>
+            </a:fontRef>
+          </p:style>
+          <p:txBody>
+            <a:bodyPr rtlCol="0" anchor="ctr"/>
+            <a:lstStyle/>
+            <a:p>
+              <a:pPr algn="ctr"/>
+              <a:endParaRPr lang="en-US" dirty="0"/>
+            </a:p>
+          </p:txBody>
+        </p:sp>
+        <p:sp>
+          <p:nvSpPr>
+            <p:cNvPr id="87" name="Arc 86">
+              <a:extLst>
+                <a:ext uri="{FF2B5EF4-FFF2-40B4-BE49-F238E27FC236}">
+                  <a16:creationId xmlns:a16="http://schemas.microsoft.com/office/drawing/2014/main" id="{DAB786F0-0610-4C3F-AD36-ADAE928D72F2}"/>
+                </a:ext>
+              </a:extLst>
+            </p:cNvPr>
+            <p:cNvSpPr/>
+            <p:nvPr/>
+          </p:nvSpPr>
+          <p:spPr>
+            <a:xfrm rot="12945588">
+              <a:off x="7002398" y="5403213"/>
+              <a:ext cx="296544" cy="261141"/>
+            </a:xfrm>
+            <a:prstGeom prst="arc">
+              <a:avLst>
+                <a:gd name="adj1" fmla="val 16200000"/>
+                <a:gd name="adj2" fmla="val 324231"/>
+              </a:avLst>
+            </a:prstGeom>
+            <a:ln w="22225">
+              <a:solidFill>
+                <a:schemeClr val="tx1"/>
+              </a:solidFill>
+            </a:ln>
+          </p:spPr>
+          <p:style>
+            <a:lnRef idx="1">
+              <a:schemeClr val="accent1"/>
+            </a:lnRef>
+            <a:fillRef idx="0">
+              <a:schemeClr val="accent1"/>
+            </a:fillRef>
+            <a:effectRef idx="0">
+              <a:schemeClr val="accent1"/>
+            </a:effectRef>
+            <a:fontRef idx="minor">
+              <a:schemeClr val="tx1"/>
+            </a:fontRef>
+          </p:style>
+          <p:txBody>
+            <a:bodyPr rtlCol="0" anchor="ctr"/>
+            <a:lstStyle/>
+            <a:p>
+              <a:pPr algn="ctr"/>
+              <a:endParaRPr lang="en-US" dirty="0"/>
+            </a:p>
+          </p:txBody>
+        </p:sp>
+      </p:grpSp>
+      <p:cxnSp>
+        <p:nvCxnSpPr>
+          <p:cNvPr id="91" name="Straight Arrow Connector 90">
+            <a:extLst>
+              <a:ext uri="{FF2B5EF4-FFF2-40B4-BE49-F238E27FC236}">
+                <a16:creationId xmlns:a16="http://schemas.microsoft.com/office/drawing/2014/main" id="{C714A5FD-9752-48BD-9B0A-E0213884038B}"/>
+              </a:ext>
+            </a:extLst>
+          </p:cNvPr>
+          <p:cNvCxnSpPr>
+            <a:cxnSpLocks/>
+          </p:cNvCxnSpPr>
+          <p:nvPr/>
+        </p:nvCxnSpPr>
+        <p:spPr>
+          <a:xfrm flipV="1">
+            <a:off x="7995924" y="4379089"/>
+            <a:ext cx="667732" cy="547754"/>
+          </a:xfrm>
+          <a:prstGeom prst="straightConnector1">
+            <a:avLst/>
+          </a:prstGeom>
+          <a:ln w="34925">
+            <a:solidFill>
+              <a:schemeClr val="accent6">
+                <a:lumMod val="75000"/>
+              </a:schemeClr>
+            </a:solidFill>
+            <a:tailEnd type="stealth" w="lg" len="lg"/>
+          </a:ln>
+        </p:spPr>
+        <p:style>
+          <a:lnRef idx="1">
+            <a:schemeClr val="accent1"/>
+          </a:lnRef>
+          <a:fillRef idx="0">
+            <a:schemeClr val="accent1"/>
+          </a:fillRef>
+          <a:effectRef idx="0">
+            <a:schemeClr val="accent1"/>
+          </a:effectRef>
+          <a:fontRef idx="minor">
+            <a:schemeClr val="tx1"/>
+          </a:fontRef>
+        </p:style>
+      </p:cxnSp>
+      <p:cxnSp>
+        <p:nvCxnSpPr>
+          <p:cNvPr id="74" name="Straight Arrow Connector 73">
+            <a:extLst>
+              <a:ext uri="{FF2B5EF4-FFF2-40B4-BE49-F238E27FC236}">
+                <a16:creationId xmlns:a16="http://schemas.microsoft.com/office/drawing/2014/main" id="{57DF44CB-9B80-4057-9230-52DF408D1734}"/>
+              </a:ext>
+            </a:extLst>
+          </p:cNvPr>
+          <p:cNvCxnSpPr>
+            <a:cxnSpLocks/>
+            <a:stCxn id="66" idx="6"/>
+          </p:cNvCxnSpPr>
+          <p:nvPr/>
+        </p:nvCxnSpPr>
+        <p:spPr>
+          <a:xfrm flipV="1">
+            <a:off x="6584596" y="4429898"/>
+            <a:ext cx="2059228" cy="186844"/>
+          </a:xfrm>
+          <a:prstGeom prst="straightConnector1">
+            <a:avLst/>
+          </a:prstGeom>
+          <a:ln w="34925">
+            <a:solidFill>
+              <a:schemeClr val="accent2">
+                <a:lumMod val="75000"/>
+              </a:schemeClr>
+            </a:solidFill>
+            <a:tailEnd type="stealth" w="lg" len="lg"/>
+          </a:ln>
+        </p:spPr>
+        <p:style>
+          <a:lnRef idx="1">
+            <a:schemeClr val="accent1"/>
+          </a:lnRef>
+          <a:fillRef idx="0">
+            <a:schemeClr val="accent1"/>
+          </a:fillRef>
+          <a:effectRef idx="0">
+            <a:schemeClr val="accent1"/>
+          </a:effectRef>
+          <a:fontRef idx="minor">
+            <a:schemeClr val="tx1"/>
+          </a:fontRef>
+        </p:style>
+      </p:cxnSp>
+      <p:grpSp>
+        <p:nvGrpSpPr>
+          <p:cNvPr id="99" name="Group 98">
+            <a:extLst>
+              <a:ext uri="{FF2B5EF4-FFF2-40B4-BE49-F238E27FC236}">
+                <a16:creationId xmlns:a16="http://schemas.microsoft.com/office/drawing/2014/main" id="{BD53C6C9-94A4-44F4-BA45-5B88F69CC7C7}"/>
+              </a:ext>
+            </a:extLst>
+          </p:cNvPr>
+          <p:cNvGrpSpPr/>
+          <p:nvPr/>
+        </p:nvGrpSpPr>
+        <p:grpSpPr>
+          <a:xfrm rot="10588887">
+            <a:off x="7428587" y="5199487"/>
+            <a:ext cx="296544" cy="265989"/>
+            <a:chOff x="7002398" y="5378791"/>
+            <a:chExt cx="296544" cy="285563"/>
+          </a:xfrm>
+        </p:grpSpPr>
+        <p:sp>
+          <p:nvSpPr>
+            <p:cNvPr id="100" name="Arc 99">
+              <a:extLst>
+                <a:ext uri="{FF2B5EF4-FFF2-40B4-BE49-F238E27FC236}">
+                  <a16:creationId xmlns:a16="http://schemas.microsoft.com/office/drawing/2014/main" id="{1BD071DA-8CD2-429B-84C1-C97B95C31972}"/>
+                </a:ext>
+              </a:extLst>
+            </p:cNvPr>
+            <p:cNvSpPr/>
+            <p:nvPr/>
+          </p:nvSpPr>
+          <p:spPr>
+            <a:xfrm rot="12945588">
+              <a:off x="7094473" y="5378791"/>
+              <a:ext cx="204014" cy="233383"/>
+            </a:xfrm>
+            <a:prstGeom prst="arc">
+              <a:avLst>
+                <a:gd name="adj1" fmla="val 16200000"/>
+                <a:gd name="adj2" fmla="val 324231"/>
+              </a:avLst>
+            </a:prstGeom>
+            <a:ln w="22225">
+              <a:solidFill>
+                <a:schemeClr val="tx1"/>
+              </a:solidFill>
+            </a:ln>
+          </p:spPr>
+          <p:style>
+            <a:lnRef idx="1">
+              <a:schemeClr val="accent1"/>
+            </a:lnRef>
+            <a:fillRef idx="0">
+              <a:schemeClr val="accent1"/>
+            </a:fillRef>
+            <a:effectRef idx="0">
+              <a:schemeClr val="accent1"/>
+            </a:effectRef>
+            <a:fontRef idx="minor">
+              <a:schemeClr val="tx1"/>
+            </a:fontRef>
+          </p:style>
+          <p:txBody>
+            <a:bodyPr rtlCol="0" anchor="ctr"/>
+            <a:lstStyle/>
+            <a:p>
+              <a:pPr algn="ctr"/>
+              <a:endParaRPr lang="en-US" dirty="0"/>
+            </a:p>
+          </p:txBody>
+        </p:sp>
+        <p:sp>
+          <p:nvSpPr>
+            <p:cNvPr id="101" name="Arc 100">
+              <a:extLst>
+                <a:ext uri="{FF2B5EF4-FFF2-40B4-BE49-F238E27FC236}">
+                  <a16:creationId xmlns:a16="http://schemas.microsoft.com/office/drawing/2014/main" id="{B2D7AA8F-619D-428A-AEA6-1D6A3E49C552}"/>
+                </a:ext>
+              </a:extLst>
+            </p:cNvPr>
+            <p:cNvSpPr/>
+            <p:nvPr/>
+          </p:nvSpPr>
+          <p:spPr>
+            <a:xfrm rot="12945588">
+              <a:off x="7002398" y="5403213"/>
+              <a:ext cx="296544" cy="261141"/>
+            </a:xfrm>
+            <a:prstGeom prst="arc">
+              <a:avLst>
+                <a:gd name="adj1" fmla="val 16200000"/>
+                <a:gd name="adj2" fmla="val 324231"/>
+              </a:avLst>
+            </a:prstGeom>
+            <a:ln w="22225">
+              <a:solidFill>
+                <a:schemeClr val="tx1"/>
+              </a:solidFill>
+            </a:ln>
+          </p:spPr>
+          <p:style>
+            <a:lnRef idx="1">
+              <a:schemeClr val="accent1"/>
+            </a:lnRef>
+            <a:fillRef idx="0">
+              <a:schemeClr val="accent1"/>
+            </a:fillRef>
+            <a:effectRef idx="0">
+              <a:schemeClr val="accent1"/>
+            </a:effectRef>
+            <a:fontRef idx="minor">
+              <a:schemeClr val="tx1"/>
+            </a:fontRef>
+          </p:style>
+          <p:txBody>
+            <a:bodyPr rtlCol="0" anchor="ctr"/>
+            <a:lstStyle/>
+            <a:p>
+              <a:pPr algn="ctr"/>
+              <a:endParaRPr lang="en-US" dirty="0"/>
+            </a:p>
+          </p:txBody>
+        </p:sp>
+      </p:grpSp>
+      <p:cxnSp>
+        <p:nvCxnSpPr>
+          <p:cNvPr id="71" name="Straight Arrow Connector 70">
+            <a:extLst>
+              <a:ext uri="{FF2B5EF4-FFF2-40B4-BE49-F238E27FC236}">
+                <a16:creationId xmlns:a16="http://schemas.microsoft.com/office/drawing/2014/main" id="{54D4AD83-CF8F-4015-A38A-206B65836E0C}"/>
+              </a:ext>
+            </a:extLst>
+          </p:cNvPr>
+          <p:cNvCxnSpPr>
+            <a:cxnSpLocks/>
+          </p:cNvCxnSpPr>
+          <p:nvPr/>
+        </p:nvCxnSpPr>
+        <p:spPr>
+          <a:xfrm flipV="1">
+            <a:off x="7377575" y="4886135"/>
+            <a:ext cx="667732" cy="547754"/>
+          </a:xfrm>
+          <a:prstGeom prst="straightConnector1">
+            <a:avLst/>
+          </a:prstGeom>
+          <a:ln w="34925">
+            <a:solidFill>
+              <a:schemeClr val="accent6">
+                <a:lumMod val="75000"/>
+              </a:schemeClr>
+            </a:solidFill>
+            <a:tailEnd type="stealth" w="lg" len="lg"/>
+          </a:ln>
+        </p:spPr>
+        <p:style>
+          <a:lnRef idx="1">
+            <a:schemeClr val="accent1"/>
+          </a:lnRef>
+          <a:fillRef idx="0">
+            <a:schemeClr val="accent1"/>
+          </a:fillRef>
+          <a:effectRef idx="0">
+            <a:schemeClr val="accent1"/>
+          </a:effectRef>
+          <a:fontRef idx="minor">
+            <a:schemeClr val="tx1"/>
+          </a:fontRef>
+        </p:style>
+      </p:cxnSp>
+      <mc:AlternateContent xmlns:mc="http://schemas.openxmlformats.org/markup-compatibility/2006">
+        <mc:Choice xmlns:a14="http://schemas.microsoft.com/office/drawing/2010/main" Requires="a14">
+          <p:sp>
+            <p:nvSpPr>
+              <p:cNvPr id="102" name="TextBox 101">
+                <a:extLst>
+                  <a:ext uri="{FF2B5EF4-FFF2-40B4-BE49-F238E27FC236}">
+                    <a16:creationId xmlns:a16="http://schemas.microsoft.com/office/drawing/2014/main" id="{2771EE74-C476-466F-915D-121E827B25D4}"/>
+                  </a:ext>
+                </a:extLst>
+              </p:cNvPr>
+              <p:cNvSpPr txBox="1"/>
+              <p:nvPr/>
+            </p:nvSpPr>
+            <p:spPr>
+              <a:xfrm>
+                <a:off x="7750705" y="5104598"/>
+                <a:ext cx="224443" cy="276999"/>
+              </a:xfrm>
+              <a:prstGeom prst="rect">
+                <a:avLst/>
+              </a:prstGeom>
+              <a:noFill/>
+            </p:spPr>
+            <p:txBody>
+              <a:bodyPr wrap="square" lIns="0" tIns="0" rIns="0" bIns="0" rtlCol="0">
+                <a:spAutoFit/>
+              </a:bodyPr>
+              <a:lstStyle/>
+              <a:p>
+                <a:pPr/>
+                <a14:m>
+                  <m:oMathPara xmlns:m="http://schemas.openxmlformats.org/officeDocument/2006/math">
+                    <m:oMathParaPr>
+                      <m:jc m:val="centerGroup"/>
+                    </m:oMathParaPr>
+                    <m:oMath xmlns:m="http://schemas.openxmlformats.org/officeDocument/2006/math">
+                      <m:r>
+                        <a:rPr lang="en-US" b="0" i="1" smtClean="0">
+                          <a:latin typeface="Cambria Math" panose="02040503050406030204" pitchFamily="18" charset="0"/>
+                          <a:ea typeface="Cambria Math" panose="02040503050406030204" pitchFamily="18" charset="0"/>
+                        </a:rPr>
+                        <m:t>𝛽</m:t>
+                      </m:r>
+                    </m:oMath>
+                  </m:oMathPara>
+                </a14:m>
+                <a:endParaRPr lang="en-US" sz="2400" dirty="0"/>
+              </a:p>
+            </p:txBody>
+          </p:sp>
+        </mc:Choice>
+        <mc:Fallback>
+          <p:sp>
+            <p:nvSpPr>
+              <p:cNvPr id="102" name="TextBox 101">
+                <a:extLst>
+                  <a:ext uri="{FF2B5EF4-FFF2-40B4-BE49-F238E27FC236}">
+                    <a16:creationId xmlns:a16="http://schemas.microsoft.com/office/drawing/2014/main" id="{2771EE74-C476-466F-915D-121E827B25D4}"/>
+                  </a:ext>
+                </a:extLst>
+              </p:cNvPr>
+              <p:cNvSpPr txBox="1">
+                <a:spLocks noRot="1" noChangeAspect="1" noMove="1" noResize="1" noEditPoints="1" noAdjustHandles="1" noChangeArrowheads="1" noChangeShapeType="1" noTextEdit="1"/>
+              </p:cNvSpPr>
+              <p:nvPr/>
+            </p:nvSpPr>
+            <p:spPr>
+              <a:xfrm>
+                <a:off x="7750705" y="5104598"/>
+                <a:ext cx="224443" cy="276999"/>
+              </a:xfrm>
+              <a:prstGeom prst="rect">
+                <a:avLst/>
+              </a:prstGeom>
+              <a:blipFill>
+                <a:blip r:embed="rId22"/>
+                <a:stretch>
+                  <a:fillRect l="-32432" t="-2174" r="-27027" b="-32609"/>
+                </a:stretch>
+              </a:blipFill>
+            </p:spPr>
+            <p:txBody>
+              <a:bodyPr/>
+              <a:lstStyle/>
+              <a:p>
+                <a:r>
+                  <a:rPr lang="en-US">
+                    <a:noFill/>
+                  </a:rPr>
+                  <a:t> </a:t>
+                </a:r>
+              </a:p>
+            </p:txBody>
+          </p:sp>
+        </mc:Fallback>
+      </mc:AlternateContent>
     </p:spTree>
     <p:extLst>
       <p:ext uri="{BB962C8B-B14F-4D97-AF65-F5344CB8AC3E}">

--- a/volunteer/Drawings.pptx
+++ b/volunteer/Drawings.pptx
@@ -22,6 +22,8 @@
     <p:sldId id="271" r:id="rId16"/>
     <p:sldId id="272" r:id="rId17"/>
     <p:sldId id="273" r:id="rId18"/>
+    <p:sldId id="274" r:id="rId19"/>
+    <p:sldId id="275" r:id="rId20"/>
   </p:sldIdLst>
   <p:sldSz cx="12192000" cy="6858000"/>
   <p:notesSz cx="6858000" cy="9144000"/>
@@ -287,7 +289,7 @@
           <a:p>
             <a:fld id="{F0249701-11FC-451D-B9AC-2A68C1C5D58E}" type="datetimeFigureOut">
               <a:rPr lang="en-US" smtClean="0"/>
-              <a:t>6/22/2024</a:t>
+              <a:t>6/23/2024</a:t>
             </a:fld>
             <a:endParaRPr lang="en-US"/>
           </a:p>
@@ -485,7 +487,7 @@
           <a:p>
             <a:fld id="{F0249701-11FC-451D-B9AC-2A68C1C5D58E}" type="datetimeFigureOut">
               <a:rPr lang="en-US" smtClean="0"/>
-              <a:t>6/22/2024</a:t>
+              <a:t>6/23/2024</a:t>
             </a:fld>
             <a:endParaRPr lang="en-US"/>
           </a:p>
@@ -693,7 +695,7 @@
           <a:p>
             <a:fld id="{F0249701-11FC-451D-B9AC-2A68C1C5D58E}" type="datetimeFigureOut">
               <a:rPr lang="en-US" smtClean="0"/>
-              <a:t>6/22/2024</a:t>
+              <a:t>6/23/2024</a:t>
             </a:fld>
             <a:endParaRPr lang="en-US"/>
           </a:p>
@@ -891,7 +893,7 @@
           <a:p>
             <a:fld id="{F0249701-11FC-451D-B9AC-2A68C1C5D58E}" type="datetimeFigureOut">
               <a:rPr lang="en-US" smtClean="0"/>
-              <a:t>6/22/2024</a:t>
+              <a:t>6/23/2024</a:t>
             </a:fld>
             <a:endParaRPr lang="en-US"/>
           </a:p>
@@ -1166,7 +1168,7 @@
           <a:p>
             <a:fld id="{F0249701-11FC-451D-B9AC-2A68C1C5D58E}" type="datetimeFigureOut">
               <a:rPr lang="en-US" smtClean="0"/>
-              <a:t>6/22/2024</a:t>
+              <a:t>6/23/2024</a:t>
             </a:fld>
             <a:endParaRPr lang="en-US"/>
           </a:p>
@@ -1431,7 +1433,7 @@
           <a:p>
             <a:fld id="{F0249701-11FC-451D-B9AC-2A68C1C5D58E}" type="datetimeFigureOut">
               <a:rPr lang="en-US" smtClean="0"/>
-              <a:t>6/22/2024</a:t>
+              <a:t>6/23/2024</a:t>
             </a:fld>
             <a:endParaRPr lang="en-US"/>
           </a:p>
@@ -1843,7 +1845,7 @@
           <a:p>
             <a:fld id="{F0249701-11FC-451D-B9AC-2A68C1C5D58E}" type="datetimeFigureOut">
               <a:rPr lang="en-US" smtClean="0"/>
-              <a:t>6/22/2024</a:t>
+              <a:t>6/23/2024</a:t>
             </a:fld>
             <a:endParaRPr lang="en-US"/>
           </a:p>
@@ -1984,7 +1986,7 @@
           <a:p>
             <a:fld id="{F0249701-11FC-451D-B9AC-2A68C1C5D58E}" type="datetimeFigureOut">
               <a:rPr lang="en-US" smtClean="0"/>
-              <a:t>6/22/2024</a:t>
+              <a:t>6/23/2024</a:t>
             </a:fld>
             <a:endParaRPr lang="en-US"/>
           </a:p>
@@ -2097,7 +2099,7 @@
           <a:p>
             <a:fld id="{F0249701-11FC-451D-B9AC-2A68C1C5D58E}" type="datetimeFigureOut">
               <a:rPr lang="en-US" smtClean="0"/>
-              <a:t>6/22/2024</a:t>
+              <a:t>6/23/2024</a:t>
             </a:fld>
             <a:endParaRPr lang="en-US"/>
           </a:p>
@@ -2408,7 +2410,7 @@
           <a:p>
             <a:fld id="{F0249701-11FC-451D-B9AC-2A68C1C5D58E}" type="datetimeFigureOut">
               <a:rPr lang="en-US" smtClean="0"/>
-              <a:t>6/22/2024</a:t>
+              <a:t>6/23/2024</a:t>
             </a:fld>
             <a:endParaRPr lang="en-US"/>
           </a:p>
@@ -2696,7 +2698,7 @@
           <a:p>
             <a:fld id="{F0249701-11FC-451D-B9AC-2A68C1C5D58E}" type="datetimeFigureOut">
               <a:rPr lang="en-US" smtClean="0"/>
-              <a:t>6/22/2024</a:t>
+              <a:t>6/23/2024</a:t>
             </a:fld>
             <a:endParaRPr lang="en-US"/>
           </a:p>
@@ -2937,7 +2939,7 @@
           <a:p>
             <a:fld id="{F0249701-11FC-451D-B9AC-2A68C1C5D58E}" type="datetimeFigureOut">
               <a:rPr lang="en-US" smtClean="0"/>
-              <a:t>6/22/2024</a:t>
+              <a:t>6/23/2024</a:t>
             </a:fld>
             <a:endParaRPr lang="en-US"/>
           </a:p>
@@ -10530,8 +10532,8 @@
           </a:fontRef>
         </p:style>
       </p:cxnSp>
-      <mc:AlternateContent xmlns:mc="http://schemas.openxmlformats.org/markup-compatibility/2006">
-        <mc:Choice xmlns:a14="http://schemas.microsoft.com/office/drawing/2010/main" Requires="a14">
+      <mc:AlternateContent xmlns:mc="http://schemas.openxmlformats.org/markup-compatibility/2006" xmlns:a14="http://schemas.microsoft.com/office/drawing/2010/main">
+        <mc:Choice Requires="a14">
           <p:sp>
             <p:nvSpPr>
               <p:cNvPr id="29" name="TextBox 28">
@@ -10593,7 +10595,7 @@
             </p:txBody>
           </p:sp>
         </mc:Choice>
-        <mc:Fallback>
+        <mc:Fallback xmlns="">
           <p:sp>
             <p:nvSpPr>
               <p:cNvPr id="29" name="TextBox 28">
@@ -10690,8 +10692,8 @@
           </a:p>
         </p:txBody>
       </p:sp>
-      <mc:AlternateContent xmlns:mc="http://schemas.openxmlformats.org/markup-compatibility/2006">
-        <mc:Choice xmlns:a14="http://schemas.microsoft.com/office/drawing/2010/main" Requires="a14">
+      <mc:AlternateContent xmlns:mc="http://schemas.openxmlformats.org/markup-compatibility/2006" xmlns:a14="http://schemas.microsoft.com/office/drawing/2010/main">
+        <mc:Choice Requires="a14">
           <p:sp>
             <p:nvSpPr>
               <p:cNvPr id="31" name="TextBox 30">
@@ -10742,7 +10744,7 @@
             </p:txBody>
           </p:sp>
         </mc:Choice>
-        <mc:Fallback>
+        <mc:Fallback xmlns="">
           <p:sp>
             <p:nvSpPr>
               <p:cNvPr id="31" name="TextBox 30">
@@ -10891,8 +10893,8 @@
           </a:p>
         </p:txBody>
       </p:sp>
-      <mc:AlternateContent xmlns:mc="http://schemas.openxmlformats.org/markup-compatibility/2006">
-        <mc:Choice xmlns:a14="http://schemas.microsoft.com/office/drawing/2010/main" Requires="a14">
+      <mc:AlternateContent xmlns:mc="http://schemas.openxmlformats.org/markup-compatibility/2006" xmlns:a14="http://schemas.microsoft.com/office/drawing/2010/main">
+        <mc:Choice Requires="a14">
           <p:sp>
             <p:nvSpPr>
               <p:cNvPr id="34" name="TextBox 33">
@@ -10943,7 +10945,7 @@
             </p:txBody>
           </p:sp>
         </mc:Choice>
-        <mc:Fallback>
+        <mc:Fallback xmlns="">
           <p:sp>
             <p:nvSpPr>
               <p:cNvPr id="34" name="TextBox 33">
@@ -10988,8 +10990,8 @@
           </p:sp>
         </mc:Fallback>
       </mc:AlternateContent>
-      <mc:AlternateContent xmlns:mc="http://schemas.openxmlformats.org/markup-compatibility/2006">
-        <mc:Choice xmlns:a14="http://schemas.microsoft.com/office/drawing/2010/main" Requires="a14">
+      <mc:AlternateContent xmlns:mc="http://schemas.openxmlformats.org/markup-compatibility/2006" xmlns:a14="http://schemas.microsoft.com/office/drawing/2010/main">
+        <mc:Choice Requires="a14">
           <p:sp>
             <p:nvSpPr>
               <p:cNvPr id="36" name="TextBox 35">
@@ -11051,7 +11053,7 @@
             </p:txBody>
           </p:sp>
         </mc:Choice>
-        <mc:Fallback>
+        <mc:Fallback xmlns="">
           <p:sp>
             <p:nvSpPr>
               <p:cNvPr id="36" name="TextBox 35">
@@ -11278,8 +11280,8 @@
           </a:fontRef>
         </p:style>
       </p:cxnSp>
-      <mc:AlternateContent xmlns:mc="http://schemas.openxmlformats.org/markup-compatibility/2006">
-        <mc:Choice xmlns:a14="http://schemas.microsoft.com/office/drawing/2010/main" Requires="a14">
+      <mc:AlternateContent xmlns:mc="http://schemas.openxmlformats.org/markup-compatibility/2006" xmlns:a14="http://schemas.microsoft.com/office/drawing/2010/main">
+        <mc:Choice Requires="a14">
           <p:sp>
             <p:nvSpPr>
               <p:cNvPr id="38" name="TextBox 37">
@@ -11357,7 +11359,7 @@
             </p:txBody>
           </p:sp>
         </mc:Choice>
-        <mc:Fallback>
+        <mc:Fallback xmlns="">
           <p:sp>
             <p:nvSpPr>
               <p:cNvPr id="38" name="TextBox 37">
@@ -11531,8 +11533,8 @@
           </a:p>
         </p:txBody>
       </p:sp>
-      <mc:AlternateContent xmlns:mc="http://schemas.openxmlformats.org/markup-compatibility/2006">
-        <mc:Choice xmlns:a14="http://schemas.microsoft.com/office/drawing/2010/main" Requires="a14">
+      <mc:AlternateContent xmlns:mc="http://schemas.openxmlformats.org/markup-compatibility/2006" xmlns:a14="http://schemas.microsoft.com/office/drawing/2010/main">
+        <mc:Choice Requires="a14">
           <p:sp>
             <p:nvSpPr>
               <p:cNvPr id="45" name="TextBox 44">
@@ -11583,7 +11585,7 @@
             </p:txBody>
           </p:sp>
         </mc:Choice>
-        <mc:Fallback>
+        <mc:Fallback xmlns="">
           <p:sp>
             <p:nvSpPr>
               <p:cNvPr id="45" name="TextBox 44">
@@ -11675,8 +11677,8 @@
           </a:fontRef>
         </p:style>
       </p:cxnSp>
-      <mc:AlternateContent xmlns:mc="http://schemas.openxmlformats.org/markup-compatibility/2006">
-        <mc:Choice xmlns:a14="http://schemas.microsoft.com/office/drawing/2010/main" Requires="a14">
+      <mc:AlternateContent xmlns:mc="http://schemas.openxmlformats.org/markup-compatibility/2006" xmlns:a14="http://schemas.microsoft.com/office/drawing/2010/main">
+        <mc:Choice Requires="a14">
           <p:sp>
             <p:nvSpPr>
               <p:cNvPr id="46" name="TextBox 45">
@@ -11754,7 +11756,7 @@
             </p:txBody>
           </p:sp>
         </mc:Choice>
-        <mc:Fallback>
+        <mc:Fallback xmlns="">
           <p:sp>
             <p:nvSpPr>
               <p:cNvPr id="46" name="TextBox 45">
@@ -11891,8 +11893,8 @@
           </a:fontRef>
         </p:style>
       </p:cxnSp>
-      <mc:AlternateContent xmlns:mc="http://schemas.openxmlformats.org/markup-compatibility/2006">
-        <mc:Choice xmlns:a14="http://schemas.microsoft.com/office/drawing/2010/main" Requires="a14">
+      <mc:AlternateContent xmlns:mc="http://schemas.openxmlformats.org/markup-compatibility/2006" xmlns:a14="http://schemas.microsoft.com/office/drawing/2010/main">
+        <mc:Choice Requires="a14">
           <p:sp>
             <p:nvSpPr>
               <p:cNvPr id="49" name="TextBox 48">
@@ -11981,7 +11983,7 @@
             </p:txBody>
           </p:sp>
         </mc:Choice>
-        <mc:Fallback>
+        <mc:Fallback xmlns="">
           <p:sp>
             <p:nvSpPr>
               <p:cNvPr id="49" name="TextBox 48">
@@ -12118,8 +12120,8 @@
           </a:fontRef>
         </p:style>
       </p:cxnSp>
-      <mc:AlternateContent xmlns:mc="http://schemas.openxmlformats.org/markup-compatibility/2006">
-        <mc:Choice xmlns:a14="http://schemas.microsoft.com/office/drawing/2010/main" Requires="a14">
+      <mc:AlternateContent xmlns:mc="http://schemas.openxmlformats.org/markup-compatibility/2006" xmlns:a14="http://schemas.microsoft.com/office/drawing/2010/main">
+        <mc:Choice Requires="a14">
           <p:sp>
             <p:nvSpPr>
               <p:cNvPr id="62" name="TextBox 61">
@@ -12197,7 +12199,7 @@
             </p:txBody>
           </p:sp>
         </mc:Choice>
-        <mc:Fallback>
+        <mc:Fallback xmlns="">
           <p:sp>
             <p:nvSpPr>
               <p:cNvPr id="62" name="TextBox 61">
@@ -12287,8 +12289,8 @@
           </a:fontRef>
         </p:style>
       </p:cxnSp>
-      <mc:AlternateContent xmlns:mc="http://schemas.openxmlformats.org/markup-compatibility/2006">
-        <mc:Choice xmlns:a14="http://schemas.microsoft.com/office/drawing/2010/main" Requires="a14">
+      <mc:AlternateContent xmlns:mc="http://schemas.openxmlformats.org/markup-compatibility/2006" xmlns:a14="http://schemas.microsoft.com/office/drawing/2010/main">
+        <mc:Choice Requires="a14">
           <p:sp>
             <p:nvSpPr>
               <p:cNvPr id="65" name="TextBox 64">
@@ -12366,7 +12368,7 @@
             </p:txBody>
           </p:sp>
         </mc:Choice>
-        <mc:Fallback>
+        <mc:Fallback xmlns="">
           <p:sp>
             <p:nvSpPr>
               <p:cNvPr id="65" name="TextBox 64">
@@ -12540,8 +12542,8 @@
           </a:p>
         </p:txBody>
       </p:sp>
-      <mc:AlternateContent xmlns:mc="http://schemas.openxmlformats.org/markup-compatibility/2006">
-        <mc:Choice xmlns:a14="http://schemas.microsoft.com/office/drawing/2010/main" Requires="a14">
+      <mc:AlternateContent xmlns:mc="http://schemas.openxmlformats.org/markup-compatibility/2006" xmlns:a14="http://schemas.microsoft.com/office/drawing/2010/main">
+        <mc:Choice Requires="a14">
           <p:sp>
             <p:nvSpPr>
               <p:cNvPr id="68" name="TextBox 67">
@@ -12556,7 +12558,7 @@
             </p:nvSpPr>
             <p:spPr>
               <a:xfrm>
-                <a:off x="6626362" y="5093077"/>
+                <a:off x="6571832" y="5095117"/>
                 <a:ext cx="555537" cy="307777"/>
               </a:xfrm>
               <a:prstGeom prst="rect">
@@ -12592,7 +12594,7 @@
             </p:txBody>
           </p:sp>
         </mc:Choice>
-        <mc:Fallback>
+        <mc:Fallback xmlns="">
           <p:sp>
             <p:nvSpPr>
               <p:cNvPr id="68" name="TextBox 67">
@@ -12609,7 +12611,7 @@
             </p:nvSpPr>
             <p:spPr>
               <a:xfrm>
-                <a:off x="6626362" y="5093077"/>
+                <a:off x="6571832" y="5095117"/>
                 <a:ext cx="555537" cy="307777"/>
               </a:xfrm>
               <a:prstGeom prst="rect">
@@ -12684,8 +12686,8 @@
           </a:fontRef>
         </p:style>
       </p:cxnSp>
-      <mc:AlternateContent xmlns:mc="http://schemas.openxmlformats.org/markup-compatibility/2006">
-        <mc:Choice xmlns:a14="http://schemas.microsoft.com/office/drawing/2010/main" Requires="a14">
+      <mc:AlternateContent xmlns:mc="http://schemas.openxmlformats.org/markup-compatibility/2006" xmlns:a14="http://schemas.microsoft.com/office/drawing/2010/main">
+        <mc:Choice Requires="a14">
           <p:sp>
             <p:nvSpPr>
               <p:cNvPr id="70" name="TextBox 69">
@@ -12763,7 +12765,7 @@
             </p:txBody>
           </p:sp>
         </mc:Choice>
-        <mc:Fallback>
+        <mc:Fallback xmlns="">
           <p:sp>
             <p:nvSpPr>
               <p:cNvPr id="70" name="TextBox 69">
@@ -12808,8 +12810,8 @@
           </p:sp>
         </mc:Fallback>
       </mc:AlternateContent>
-      <mc:AlternateContent xmlns:mc="http://schemas.openxmlformats.org/markup-compatibility/2006">
-        <mc:Choice xmlns:a14="http://schemas.microsoft.com/office/drawing/2010/main" Requires="a14">
+      <mc:AlternateContent xmlns:mc="http://schemas.openxmlformats.org/markup-compatibility/2006" xmlns:a14="http://schemas.microsoft.com/office/drawing/2010/main">
+        <mc:Choice Requires="a14">
           <p:sp>
             <p:nvSpPr>
               <p:cNvPr id="73" name="TextBox 72">
@@ -12898,7 +12900,7 @@
             </p:txBody>
           </p:sp>
         </mc:Choice>
-        <mc:Fallback>
+        <mc:Fallback xmlns="">
           <p:sp>
             <p:nvSpPr>
               <p:cNvPr id="73" name="TextBox 72">
@@ -12989,8 +12991,8 @@
           </a:fontRef>
         </p:style>
       </p:cxnSp>
-      <mc:AlternateContent xmlns:mc="http://schemas.openxmlformats.org/markup-compatibility/2006">
-        <mc:Choice xmlns:a14="http://schemas.microsoft.com/office/drawing/2010/main" Requires="a14">
+      <mc:AlternateContent xmlns:mc="http://schemas.openxmlformats.org/markup-compatibility/2006" xmlns:a14="http://schemas.microsoft.com/office/drawing/2010/main">
+        <mc:Choice Requires="a14">
           <p:sp>
             <p:nvSpPr>
               <p:cNvPr id="76" name="TextBox 75">
@@ -13068,7 +13070,7 @@
             </p:txBody>
           </p:sp>
         </mc:Choice>
-        <mc:Fallback>
+        <mc:Fallback xmlns="">
           <p:sp>
             <p:nvSpPr>
               <p:cNvPr id="76" name="TextBox 75">
@@ -13113,8 +13115,8 @@
           </p:sp>
         </mc:Fallback>
       </mc:AlternateContent>
-      <mc:AlternateContent xmlns:mc="http://schemas.openxmlformats.org/markup-compatibility/2006">
-        <mc:Choice xmlns:a14="http://schemas.microsoft.com/office/drawing/2010/main" Requires="a14">
+      <mc:AlternateContent xmlns:mc="http://schemas.openxmlformats.org/markup-compatibility/2006" xmlns:a14="http://schemas.microsoft.com/office/drawing/2010/main">
+        <mc:Choice Requires="a14">
           <p:sp>
             <p:nvSpPr>
               <p:cNvPr id="83" name="TextBox 82">
@@ -13165,7 +13167,7 @@
             </p:txBody>
           </p:sp>
         </mc:Choice>
-        <mc:Fallback>
+        <mc:Fallback xmlns="">
           <p:sp>
             <p:nvSpPr>
               <p:cNvPr id="83" name="TextBox 82">
@@ -13691,8 +13693,8 @@
           </a:fontRef>
         </p:style>
       </p:cxnSp>
-      <mc:AlternateContent xmlns:mc="http://schemas.openxmlformats.org/markup-compatibility/2006">
-        <mc:Choice xmlns:a14="http://schemas.microsoft.com/office/drawing/2010/main" Requires="a14">
+      <mc:AlternateContent xmlns:mc="http://schemas.openxmlformats.org/markup-compatibility/2006" xmlns:a14="http://schemas.microsoft.com/office/drawing/2010/main">
+        <mc:Choice Requires="a14">
           <p:sp>
             <p:nvSpPr>
               <p:cNvPr id="102" name="TextBox 101">
@@ -13743,7 +13745,7 @@
             </p:txBody>
           </p:sp>
         </mc:Choice>
-        <mc:Fallback>
+        <mc:Fallback xmlns="">
           <p:sp>
             <p:nvSpPr>
               <p:cNvPr id="102" name="TextBox 101">
@@ -13792,6 +13794,2708 @@
     <p:extLst>
       <p:ext uri="{BB962C8B-B14F-4D97-AF65-F5344CB8AC3E}">
         <p14:creationId xmlns:p14="http://schemas.microsoft.com/office/powerpoint/2010/main" val="2860500913"/>
+      </p:ext>
+    </p:extLst>
+  </p:cSld>
+  <p:clrMapOvr>
+    <a:masterClrMapping/>
+  </p:clrMapOvr>
+</p:sld>
+</file>
+
+<file path=ppt/slides/slide18.xml><?xml version="1.0" encoding="utf-8"?>
+<p:sld xmlns:a="http://schemas.openxmlformats.org/drawingml/2006/main" xmlns:r="http://schemas.openxmlformats.org/officeDocument/2006/relationships" xmlns:p="http://schemas.openxmlformats.org/presentationml/2006/main">
+  <p:cSld>
+    <p:spTree>
+      <p:nvGrpSpPr>
+        <p:cNvPr id="1" name=""/>
+        <p:cNvGrpSpPr/>
+        <p:nvPr/>
+      </p:nvGrpSpPr>
+      <p:grpSpPr>
+        <a:xfrm>
+          <a:off x="0" y="0"/>
+          <a:ext cx="0" cy="0"/>
+          <a:chOff x="0" y="0"/>
+          <a:chExt cx="0" cy="0"/>
+        </a:xfrm>
+      </p:grpSpPr>
+      <p:sp>
+        <p:nvSpPr>
+          <p:cNvPr id="36" name="Rectangle 35">
+            <a:extLst>
+              <a:ext uri="{FF2B5EF4-FFF2-40B4-BE49-F238E27FC236}">
+                <a16:creationId xmlns:a16="http://schemas.microsoft.com/office/drawing/2014/main" id="{FDCE6F32-1C3E-485F-A4BC-C4E92A6E1D62}"/>
+              </a:ext>
+            </a:extLst>
+          </p:cNvPr>
+          <p:cNvSpPr/>
+          <p:nvPr/>
+        </p:nvSpPr>
+        <p:spPr>
+          <a:xfrm>
+            <a:off x="9510403" y="3809999"/>
+            <a:ext cx="155568" cy="171859"/>
+          </a:xfrm>
+          <a:prstGeom prst="rect">
+            <a:avLst/>
+          </a:prstGeom>
+          <a:noFill/>
+          <a:ln w="31750">
+            <a:solidFill>
+              <a:schemeClr val="tx1"/>
+            </a:solidFill>
+          </a:ln>
+        </p:spPr>
+        <p:style>
+          <a:lnRef idx="2">
+            <a:schemeClr val="accent1">
+              <a:shade val="50000"/>
+            </a:schemeClr>
+          </a:lnRef>
+          <a:fillRef idx="1">
+            <a:schemeClr val="accent1"/>
+          </a:fillRef>
+          <a:effectRef idx="0">
+            <a:schemeClr val="accent1"/>
+          </a:effectRef>
+          <a:fontRef idx="minor">
+            <a:schemeClr val="lt1"/>
+          </a:fontRef>
+        </p:style>
+        <p:txBody>
+          <a:bodyPr rtlCol="0" anchor="ctr"/>
+          <a:lstStyle/>
+          <a:p>
+            <a:pPr algn="ctr"/>
+            <a:endParaRPr lang="en-US"/>
+          </a:p>
+        </p:txBody>
+      </p:sp>
+      <p:sp>
+        <p:nvSpPr>
+          <p:cNvPr id="2" name="Oval 1">
+            <a:extLst>
+              <a:ext uri="{FF2B5EF4-FFF2-40B4-BE49-F238E27FC236}">
+                <a16:creationId xmlns:a16="http://schemas.microsoft.com/office/drawing/2014/main" id="{7055FF47-B342-410E-8227-320354366664}"/>
+              </a:ext>
+            </a:extLst>
+          </p:cNvPr>
+          <p:cNvSpPr/>
+          <p:nvPr/>
+        </p:nvSpPr>
+        <p:spPr>
+          <a:xfrm>
+            <a:off x="8685251" y="2253061"/>
+            <a:ext cx="3454400" cy="3454400"/>
+          </a:xfrm>
+          <a:prstGeom prst="ellipse">
+            <a:avLst/>
+          </a:prstGeom>
+          <a:noFill/>
+          <a:ln w="34925">
+            <a:solidFill>
+              <a:schemeClr val="tx1"/>
+            </a:solidFill>
+            <a:prstDash val="dash"/>
+          </a:ln>
+        </p:spPr>
+        <p:style>
+          <a:lnRef idx="2">
+            <a:schemeClr val="accent1">
+              <a:shade val="50000"/>
+            </a:schemeClr>
+          </a:lnRef>
+          <a:fillRef idx="1">
+            <a:schemeClr val="accent1"/>
+          </a:fillRef>
+          <a:effectRef idx="0">
+            <a:schemeClr val="accent1"/>
+          </a:effectRef>
+          <a:fontRef idx="minor">
+            <a:schemeClr val="lt1"/>
+          </a:fontRef>
+        </p:style>
+        <p:txBody>
+          <a:bodyPr rtlCol="0" anchor="ctr"/>
+          <a:lstStyle/>
+          <a:p>
+            <a:pPr algn="ctr"/>
+            <a:endParaRPr lang="en-US"/>
+          </a:p>
+        </p:txBody>
+      </p:sp>
+      <p:cxnSp>
+        <p:nvCxnSpPr>
+          <p:cNvPr id="3" name="Straight Arrow Connector 2">
+            <a:extLst>
+              <a:ext uri="{FF2B5EF4-FFF2-40B4-BE49-F238E27FC236}">
+                <a16:creationId xmlns:a16="http://schemas.microsoft.com/office/drawing/2014/main" id="{F40177D9-02E5-437C-AFA7-F616AFDF86BF}"/>
+              </a:ext>
+            </a:extLst>
+          </p:cNvPr>
+          <p:cNvCxnSpPr>
+            <a:cxnSpLocks/>
+          </p:cNvCxnSpPr>
+          <p:nvPr/>
+        </p:nvCxnSpPr>
+        <p:spPr>
+          <a:xfrm>
+            <a:off x="9501294" y="3980261"/>
+            <a:ext cx="1056300" cy="0"/>
+          </a:xfrm>
+          <a:prstGeom prst="straightConnector1">
+            <a:avLst/>
+          </a:prstGeom>
+          <a:ln w="44450">
+            <a:solidFill>
+              <a:schemeClr val="tx1"/>
+            </a:solidFill>
+            <a:tailEnd type="stealth" w="lg" len="lg"/>
+          </a:ln>
+        </p:spPr>
+        <p:style>
+          <a:lnRef idx="1">
+            <a:schemeClr val="accent1"/>
+          </a:lnRef>
+          <a:fillRef idx="0">
+            <a:schemeClr val="accent1"/>
+          </a:fillRef>
+          <a:effectRef idx="0">
+            <a:schemeClr val="accent1"/>
+          </a:effectRef>
+          <a:fontRef idx="minor">
+            <a:schemeClr val="tx1"/>
+          </a:fontRef>
+        </p:style>
+      </p:cxnSp>
+      <mc:AlternateContent xmlns:mc="http://schemas.openxmlformats.org/markup-compatibility/2006" xmlns:a14="http://schemas.microsoft.com/office/drawing/2010/main">
+        <mc:Choice Requires="a14">
+          <p:sp>
+            <p:nvSpPr>
+              <p:cNvPr id="4" name="TextBox 3">
+                <a:extLst>
+                  <a:ext uri="{FF2B5EF4-FFF2-40B4-BE49-F238E27FC236}">
+                    <a16:creationId xmlns:a16="http://schemas.microsoft.com/office/drawing/2014/main" id="{E1C55BDB-A19B-4DB2-8D40-9D768BD5A0E6}"/>
+                  </a:ext>
+                </a:extLst>
+              </p:cNvPr>
+              <p:cNvSpPr txBox="1"/>
+              <p:nvPr/>
+            </p:nvSpPr>
+            <p:spPr>
+              <a:xfrm>
+                <a:off x="10002057" y="2727047"/>
+                <a:ext cx="555537" cy="430887"/>
+              </a:xfrm>
+              <a:prstGeom prst="rect">
+                <a:avLst/>
+              </a:prstGeom>
+              <a:noFill/>
+            </p:spPr>
+            <p:txBody>
+              <a:bodyPr wrap="square" lIns="0" tIns="0" rIns="0" bIns="0" rtlCol="0">
+                <a:spAutoFit/>
+              </a:bodyPr>
+              <a:lstStyle/>
+              <a:p>
+                <a:pPr/>
+                <a14:m>
+                  <m:oMathPara xmlns:m="http://schemas.openxmlformats.org/officeDocument/2006/math">
+                    <m:oMathParaPr>
+                      <m:jc m:val="centerGroup"/>
+                    </m:oMathParaPr>
+                    <m:oMath xmlns:m="http://schemas.openxmlformats.org/officeDocument/2006/math">
+                      <m:acc>
+                        <m:accPr>
+                          <m:chr m:val="⃗"/>
+                          <m:ctrlPr>
+                            <a:rPr lang="en-US" sz="2800" b="0" i="1" smtClean="0">
+                              <a:solidFill>
+                                <a:schemeClr val="accent5">
+                                  <a:lumMod val="75000"/>
+                                </a:schemeClr>
+                              </a:solidFill>
+                              <a:latin typeface="Cambria Math" panose="02040503050406030204" pitchFamily="18" charset="0"/>
+                            </a:rPr>
+                          </m:ctrlPr>
+                        </m:accPr>
+                        <m:e>
+                          <m:sSub>
+                            <m:sSubPr>
+                              <m:ctrlPr>
+                                <a:rPr lang="en-US" sz="2800" b="0" i="1" smtClean="0">
+                                  <a:solidFill>
+                                    <a:schemeClr val="accent5">
+                                      <a:lumMod val="75000"/>
+                                    </a:schemeClr>
+                                  </a:solidFill>
+                                  <a:latin typeface="Cambria Math" panose="02040503050406030204" pitchFamily="18" charset="0"/>
+                                </a:rPr>
+                              </m:ctrlPr>
+                            </m:sSubPr>
+                            <m:e>
+                              <m:r>
+                                <a:rPr lang="en-US" sz="2800" b="0" i="1" smtClean="0">
+                                  <a:solidFill>
+                                    <a:schemeClr val="accent5">
+                                      <a:lumMod val="75000"/>
+                                    </a:schemeClr>
+                                  </a:solidFill>
+                                  <a:latin typeface="Cambria Math" panose="02040503050406030204" pitchFamily="18" charset="0"/>
+                                </a:rPr>
+                                <m:t>𝑣</m:t>
+                              </m:r>
+                            </m:e>
+                            <m:sub>
+                              <m:r>
+                                <a:rPr lang="ru-RU" sz="2800" b="0" i="1" smtClean="0">
+                                  <a:solidFill>
+                                    <a:schemeClr val="accent5">
+                                      <a:lumMod val="75000"/>
+                                    </a:schemeClr>
+                                  </a:solidFill>
+                                  <a:latin typeface="Cambria Math" panose="02040503050406030204" pitchFamily="18" charset="0"/>
+                                </a:rPr>
+                                <m:t>отн</m:t>
+                              </m:r>
+                            </m:sub>
+                          </m:sSub>
+                        </m:e>
+                      </m:acc>
+                    </m:oMath>
+                  </m:oMathPara>
+                </a14:m>
+                <a:endParaRPr lang="en-US" sz="2800" dirty="0">
+                  <a:solidFill>
+                    <a:schemeClr val="accent5">
+                      <a:lumMod val="75000"/>
+                    </a:schemeClr>
+                  </a:solidFill>
+                </a:endParaRPr>
+              </a:p>
+            </p:txBody>
+          </p:sp>
+        </mc:Choice>
+        <mc:Fallback xmlns="">
+          <p:sp>
+            <p:nvSpPr>
+              <p:cNvPr id="4" name="TextBox 3">
+                <a:extLst>
+                  <a:ext uri="{FF2B5EF4-FFF2-40B4-BE49-F238E27FC236}">
+                    <a16:creationId xmlns:a16="http://schemas.microsoft.com/office/drawing/2014/main" id="{E1C55BDB-A19B-4DB2-8D40-9D768BD5A0E6}"/>
+                  </a:ext>
+                </a:extLst>
+              </p:cNvPr>
+              <p:cNvSpPr txBox="1">
+                <a:spLocks noRot="1" noChangeAspect="1" noMove="1" noResize="1" noEditPoints="1" noAdjustHandles="1" noChangeArrowheads="1" noChangeShapeType="1" noTextEdit="1"/>
+              </p:cNvSpPr>
+              <p:nvPr/>
+            </p:nvSpPr>
+            <p:spPr>
+              <a:xfrm>
+                <a:off x="10002057" y="2727047"/>
+                <a:ext cx="555537" cy="430887"/>
+              </a:xfrm>
+              <a:prstGeom prst="rect">
+                <a:avLst/>
+              </a:prstGeom>
+              <a:blipFill>
+                <a:blip r:embed="rId2"/>
+                <a:stretch>
+                  <a:fillRect l="-1099" r="-10989"/>
+                </a:stretch>
+              </a:blipFill>
+            </p:spPr>
+            <p:txBody>
+              <a:bodyPr/>
+              <a:lstStyle/>
+              <a:p>
+                <a:r>
+                  <a:rPr lang="en-US">
+                    <a:noFill/>
+                  </a:rPr>
+                  <a:t> </a:t>
+                </a:r>
+              </a:p>
+            </p:txBody>
+          </p:sp>
+        </mc:Fallback>
+      </mc:AlternateContent>
+      <p:cxnSp>
+        <p:nvCxnSpPr>
+          <p:cNvPr id="7" name="Straight Arrow Connector 6">
+            <a:extLst>
+              <a:ext uri="{FF2B5EF4-FFF2-40B4-BE49-F238E27FC236}">
+                <a16:creationId xmlns:a16="http://schemas.microsoft.com/office/drawing/2014/main" id="{1D4E8759-B85C-46B4-AAFB-D0EB6D8BF9E5}"/>
+              </a:ext>
+            </a:extLst>
+          </p:cNvPr>
+          <p:cNvCxnSpPr>
+            <a:cxnSpLocks/>
+          </p:cNvCxnSpPr>
+          <p:nvPr/>
+        </p:nvCxnSpPr>
+        <p:spPr>
+          <a:xfrm flipV="1">
+            <a:off x="9509906" y="2533819"/>
+            <a:ext cx="0" cy="1422400"/>
+          </a:xfrm>
+          <a:prstGeom prst="straightConnector1">
+            <a:avLst/>
+          </a:prstGeom>
+          <a:ln w="44450">
+            <a:solidFill>
+              <a:schemeClr val="accent2">
+                <a:lumMod val="75000"/>
+              </a:schemeClr>
+            </a:solidFill>
+            <a:tailEnd type="stealth" w="lg" len="lg"/>
+          </a:ln>
+        </p:spPr>
+        <p:style>
+          <a:lnRef idx="1">
+            <a:schemeClr val="accent1"/>
+          </a:lnRef>
+          <a:fillRef idx="0">
+            <a:schemeClr val="accent1"/>
+          </a:fillRef>
+          <a:effectRef idx="0">
+            <a:schemeClr val="accent1"/>
+          </a:effectRef>
+          <a:fontRef idx="minor">
+            <a:schemeClr val="tx1"/>
+          </a:fontRef>
+        </p:style>
+      </p:cxnSp>
+      <p:cxnSp>
+        <p:nvCxnSpPr>
+          <p:cNvPr id="9" name="Straight Arrow Connector 8">
+            <a:extLst>
+              <a:ext uri="{FF2B5EF4-FFF2-40B4-BE49-F238E27FC236}">
+                <a16:creationId xmlns:a16="http://schemas.microsoft.com/office/drawing/2014/main" id="{35781680-04DE-495C-B944-D8FE8736759C}"/>
+              </a:ext>
+            </a:extLst>
+          </p:cNvPr>
+          <p:cNvCxnSpPr>
+            <a:cxnSpLocks/>
+          </p:cNvCxnSpPr>
+          <p:nvPr/>
+        </p:nvCxnSpPr>
+        <p:spPr>
+          <a:xfrm flipH="1" flipV="1">
+            <a:off x="9573886" y="2533819"/>
+            <a:ext cx="983708" cy="1446443"/>
+          </a:xfrm>
+          <a:prstGeom prst="straightConnector1">
+            <a:avLst/>
+          </a:prstGeom>
+          <a:ln w="44450">
+            <a:solidFill>
+              <a:schemeClr val="accent5">
+                <a:lumMod val="75000"/>
+              </a:schemeClr>
+            </a:solidFill>
+            <a:tailEnd type="stealth" w="lg" len="lg"/>
+          </a:ln>
+        </p:spPr>
+        <p:style>
+          <a:lnRef idx="1">
+            <a:schemeClr val="accent1"/>
+          </a:lnRef>
+          <a:fillRef idx="0">
+            <a:schemeClr val="accent1"/>
+          </a:fillRef>
+          <a:effectRef idx="0">
+            <a:schemeClr val="accent1"/>
+          </a:effectRef>
+          <a:fontRef idx="minor">
+            <a:schemeClr val="tx1"/>
+          </a:fontRef>
+        </p:style>
+      </p:cxnSp>
+      <mc:AlternateContent xmlns:mc="http://schemas.openxmlformats.org/markup-compatibility/2006" xmlns:a14="http://schemas.microsoft.com/office/drawing/2010/main">
+        <mc:Choice Requires="a14">
+          <p:sp>
+            <p:nvSpPr>
+              <p:cNvPr id="21" name="TextBox 20">
+                <a:extLst>
+                  <a:ext uri="{FF2B5EF4-FFF2-40B4-BE49-F238E27FC236}">
+                    <a16:creationId xmlns:a16="http://schemas.microsoft.com/office/drawing/2014/main" id="{B439C56B-5311-4215-A150-B2F109F99A8D}"/>
+                  </a:ext>
+                </a:extLst>
+              </p:cNvPr>
+              <p:cNvSpPr txBox="1"/>
+              <p:nvPr/>
+            </p:nvSpPr>
+            <p:spPr>
+              <a:xfrm>
+                <a:off x="9701252" y="4108174"/>
+                <a:ext cx="555537" cy="430887"/>
+              </a:xfrm>
+              <a:prstGeom prst="rect">
+                <a:avLst/>
+              </a:prstGeom>
+              <a:noFill/>
+            </p:spPr>
+            <p:txBody>
+              <a:bodyPr wrap="square" lIns="0" tIns="0" rIns="0" bIns="0" rtlCol="0">
+                <a:spAutoFit/>
+              </a:bodyPr>
+              <a:lstStyle/>
+              <a:p>
+                <a:pPr/>
+                <a14:m>
+                  <m:oMathPara xmlns:m="http://schemas.openxmlformats.org/officeDocument/2006/math">
+                    <m:oMathParaPr>
+                      <m:jc m:val="centerGroup"/>
+                    </m:oMathParaPr>
+                    <m:oMath xmlns:m="http://schemas.openxmlformats.org/officeDocument/2006/math">
+                      <m:acc>
+                        <m:accPr>
+                          <m:chr m:val="⃗"/>
+                          <m:ctrlPr>
+                            <a:rPr lang="en-US" sz="2800" b="0" i="1" smtClean="0">
+                              <a:solidFill>
+                                <a:schemeClr val="tx1"/>
+                              </a:solidFill>
+                              <a:latin typeface="Cambria Math" panose="02040503050406030204" pitchFamily="18" charset="0"/>
+                            </a:rPr>
+                          </m:ctrlPr>
+                        </m:accPr>
+                        <m:e>
+                          <m:r>
+                            <a:rPr lang="en-US" sz="2800" b="0" i="1" smtClean="0">
+                              <a:solidFill>
+                                <a:schemeClr val="tx1"/>
+                              </a:solidFill>
+                              <a:latin typeface="Cambria Math" panose="02040503050406030204" pitchFamily="18" charset="0"/>
+                            </a:rPr>
+                            <m:t>𝑣</m:t>
+                          </m:r>
+                        </m:e>
+                      </m:acc>
+                    </m:oMath>
+                  </m:oMathPara>
+                </a14:m>
+                <a:endParaRPr lang="en-US" sz="2800" dirty="0">
+                  <a:solidFill>
+                    <a:schemeClr val="tx1"/>
+                  </a:solidFill>
+                </a:endParaRPr>
+              </a:p>
+            </p:txBody>
+          </p:sp>
+        </mc:Choice>
+        <mc:Fallback xmlns="">
+          <p:sp>
+            <p:nvSpPr>
+              <p:cNvPr id="21" name="TextBox 20">
+                <a:extLst>
+                  <a:ext uri="{FF2B5EF4-FFF2-40B4-BE49-F238E27FC236}">
+                    <a16:creationId xmlns:a16="http://schemas.microsoft.com/office/drawing/2014/main" id="{B439C56B-5311-4215-A150-B2F109F99A8D}"/>
+                  </a:ext>
+                </a:extLst>
+              </p:cNvPr>
+              <p:cNvSpPr txBox="1">
+                <a:spLocks noRot="1" noChangeAspect="1" noMove="1" noResize="1" noEditPoints="1" noAdjustHandles="1" noChangeArrowheads="1" noChangeShapeType="1" noTextEdit="1"/>
+              </p:cNvSpPr>
+              <p:nvPr/>
+            </p:nvSpPr>
+            <p:spPr>
+              <a:xfrm>
+                <a:off x="9701252" y="4108174"/>
+                <a:ext cx="555537" cy="430887"/>
+              </a:xfrm>
+              <a:prstGeom prst="rect">
+                <a:avLst/>
+              </a:prstGeom>
+              <a:blipFill>
+                <a:blip r:embed="rId3"/>
+                <a:stretch>
+                  <a:fillRect/>
+                </a:stretch>
+              </a:blipFill>
+            </p:spPr>
+            <p:txBody>
+              <a:bodyPr/>
+              <a:lstStyle/>
+              <a:p>
+                <a:r>
+                  <a:rPr lang="en-US">
+                    <a:noFill/>
+                  </a:rPr>
+                  <a:t> </a:t>
+                </a:r>
+              </a:p>
+            </p:txBody>
+          </p:sp>
+        </mc:Fallback>
+      </mc:AlternateContent>
+      <mc:AlternateContent xmlns:mc="http://schemas.openxmlformats.org/markup-compatibility/2006" xmlns:a14="http://schemas.microsoft.com/office/drawing/2010/main">
+        <mc:Choice Requires="a14">
+          <p:sp>
+            <p:nvSpPr>
+              <p:cNvPr id="22" name="TextBox 21">
+                <a:extLst>
+                  <a:ext uri="{FF2B5EF4-FFF2-40B4-BE49-F238E27FC236}">
+                    <a16:creationId xmlns:a16="http://schemas.microsoft.com/office/drawing/2014/main" id="{05311821-A5F4-43E7-B346-538B432F3627}"/>
+                  </a:ext>
+                </a:extLst>
+              </p:cNvPr>
+              <p:cNvSpPr txBox="1"/>
+              <p:nvPr/>
+            </p:nvSpPr>
+            <p:spPr>
+              <a:xfrm>
+                <a:off x="9018349" y="2751088"/>
+                <a:ext cx="555537" cy="430887"/>
+              </a:xfrm>
+              <a:prstGeom prst="rect">
+                <a:avLst/>
+              </a:prstGeom>
+              <a:noFill/>
+            </p:spPr>
+            <p:txBody>
+              <a:bodyPr wrap="square" lIns="0" tIns="0" rIns="0" bIns="0" rtlCol="0">
+                <a:spAutoFit/>
+              </a:bodyPr>
+              <a:lstStyle/>
+              <a:p>
+                <a:pPr/>
+                <a14:m>
+                  <m:oMathPara xmlns:m="http://schemas.openxmlformats.org/officeDocument/2006/math">
+                    <m:oMathParaPr>
+                      <m:jc m:val="centerGroup"/>
+                    </m:oMathParaPr>
+                    <m:oMath xmlns:m="http://schemas.openxmlformats.org/officeDocument/2006/math">
+                      <m:acc>
+                        <m:accPr>
+                          <m:chr m:val="⃗"/>
+                          <m:ctrlPr>
+                            <a:rPr lang="en-US" sz="2800" b="0" i="1" smtClean="0">
+                              <a:solidFill>
+                                <a:schemeClr val="accent2">
+                                  <a:lumMod val="75000"/>
+                                </a:schemeClr>
+                              </a:solidFill>
+                              <a:latin typeface="Cambria Math" panose="02040503050406030204" pitchFamily="18" charset="0"/>
+                            </a:rPr>
+                          </m:ctrlPr>
+                        </m:accPr>
+                        <m:e>
+                          <m:sSub>
+                            <m:sSubPr>
+                              <m:ctrlPr>
+                                <a:rPr lang="en-US" sz="2800" b="0" i="1" smtClean="0">
+                                  <a:solidFill>
+                                    <a:schemeClr val="accent2">
+                                      <a:lumMod val="75000"/>
+                                    </a:schemeClr>
+                                  </a:solidFill>
+                                  <a:latin typeface="Cambria Math" panose="02040503050406030204" pitchFamily="18" charset="0"/>
+                                </a:rPr>
+                              </m:ctrlPr>
+                            </m:sSubPr>
+                            <m:e>
+                              <m:r>
+                                <a:rPr lang="en-US" sz="2800" b="0" i="1" smtClean="0">
+                                  <a:solidFill>
+                                    <a:schemeClr val="accent2">
+                                      <a:lumMod val="75000"/>
+                                    </a:schemeClr>
+                                  </a:solidFill>
+                                  <a:latin typeface="Cambria Math" panose="02040503050406030204" pitchFamily="18" charset="0"/>
+                                </a:rPr>
+                                <m:t>𝑣</m:t>
+                              </m:r>
+                            </m:e>
+                            <m:sub>
+                              <m:r>
+                                <a:rPr lang="en-US" sz="2800" b="0" i="1" smtClean="0">
+                                  <a:solidFill>
+                                    <a:schemeClr val="accent2">
+                                      <a:lumMod val="75000"/>
+                                    </a:schemeClr>
+                                  </a:solidFill>
+                                  <a:latin typeface="Cambria Math" panose="02040503050406030204" pitchFamily="18" charset="0"/>
+                                  <a:ea typeface="Cambria Math" panose="02040503050406030204" pitchFamily="18" charset="0"/>
+                                </a:rPr>
+                                <m:t>⊥</m:t>
+                              </m:r>
+                            </m:sub>
+                          </m:sSub>
+                        </m:e>
+                      </m:acc>
+                    </m:oMath>
+                  </m:oMathPara>
+                </a14:m>
+                <a:endParaRPr lang="en-US" sz="2800" dirty="0">
+                  <a:solidFill>
+                    <a:schemeClr val="accent2">
+                      <a:lumMod val="75000"/>
+                    </a:schemeClr>
+                  </a:solidFill>
+                </a:endParaRPr>
+              </a:p>
+            </p:txBody>
+          </p:sp>
+        </mc:Choice>
+        <mc:Fallback xmlns="">
+          <p:sp>
+            <p:nvSpPr>
+              <p:cNvPr id="22" name="TextBox 21">
+                <a:extLst>
+                  <a:ext uri="{FF2B5EF4-FFF2-40B4-BE49-F238E27FC236}">
+                    <a16:creationId xmlns:a16="http://schemas.microsoft.com/office/drawing/2014/main" id="{05311821-A5F4-43E7-B346-538B432F3627}"/>
+                  </a:ext>
+                </a:extLst>
+              </p:cNvPr>
+              <p:cNvSpPr txBox="1">
+                <a:spLocks noRot="1" noChangeAspect="1" noMove="1" noResize="1" noEditPoints="1" noAdjustHandles="1" noChangeArrowheads="1" noChangeShapeType="1" noTextEdit="1"/>
+              </p:cNvSpPr>
+              <p:nvPr/>
+            </p:nvSpPr>
+            <p:spPr>
+              <a:xfrm>
+                <a:off x="9018349" y="2751088"/>
+                <a:ext cx="555537" cy="430887"/>
+              </a:xfrm>
+              <a:prstGeom prst="rect">
+                <a:avLst/>
+              </a:prstGeom>
+              <a:blipFill>
+                <a:blip r:embed="rId4"/>
+                <a:stretch>
+                  <a:fillRect/>
+                </a:stretch>
+              </a:blipFill>
+            </p:spPr>
+            <p:txBody>
+              <a:bodyPr/>
+              <a:lstStyle/>
+              <a:p>
+                <a:r>
+                  <a:rPr lang="en-US">
+                    <a:noFill/>
+                  </a:rPr>
+                  <a:t> </a:t>
+                </a:r>
+              </a:p>
+            </p:txBody>
+          </p:sp>
+        </mc:Fallback>
+      </mc:AlternateContent>
+      <p:sp>
+        <p:nvSpPr>
+          <p:cNvPr id="23" name="Oval 22">
+            <a:extLst>
+              <a:ext uri="{FF2B5EF4-FFF2-40B4-BE49-F238E27FC236}">
+                <a16:creationId xmlns:a16="http://schemas.microsoft.com/office/drawing/2014/main" id="{36780D23-764E-499E-96BB-20EA0AC5B8C0}"/>
+              </a:ext>
+            </a:extLst>
+          </p:cNvPr>
+          <p:cNvSpPr/>
+          <p:nvPr/>
+        </p:nvSpPr>
+        <p:spPr>
+          <a:xfrm>
+            <a:off x="2257902" y="2383690"/>
+            <a:ext cx="3454400" cy="3454400"/>
+          </a:xfrm>
+          <a:prstGeom prst="ellipse">
+            <a:avLst/>
+          </a:prstGeom>
+          <a:noFill/>
+          <a:ln w="34925">
+            <a:solidFill>
+              <a:schemeClr val="tx1"/>
+            </a:solidFill>
+            <a:prstDash val="dash"/>
+          </a:ln>
+        </p:spPr>
+        <p:style>
+          <a:lnRef idx="2">
+            <a:schemeClr val="accent1">
+              <a:shade val="50000"/>
+            </a:schemeClr>
+          </a:lnRef>
+          <a:fillRef idx="1">
+            <a:schemeClr val="accent1"/>
+          </a:fillRef>
+          <a:effectRef idx="0">
+            <a:schemeClr val="accent1"/>
+          </a:effectRef>
+          <a:fontRef idx="minor">
+            <a:schemeClr val="lt1"/>
+          </a:fontRef>
+        </p:style>
+        <p:txBody>
+          <a:bodyPr rtlCol="0" anchor="ctr"/>
+          <a:lstStyle/>
+          <a:p>
+            <a:pPr algn="ctr"/>
+            <a:endParaRPr lang="en-US"/>
+          </a:p>
+        </p:txBody>
+      </p:sp>
+      <p:cxnSp>
+        <p:nvCxnSpPr>
+          <p:cNvPr id="24" name="Straight Arrow Connector 23">
+            <a:extLst>
+              <a:ext uri="{FF2B5EF4-FFF2-40B4-BE49-F238E27FC236}">
+                <a16:creationId xmlns:a16="http://schemas.microsoft.com/office/drawing/2014/main" id="{D83483D8-F874-4AFF-801A-F07E01264BF0}"/>
+              </a:ext>
+            </a:extLst>
+          </p:cNvPr>
+          <p:cNvCxnSpPr>
+            <a:cxnSpLocks/>
+          </p:cNvCxnSpPr>
+          <p:nvPr/>
+        </p:nvCxnSpPr>
+        <p:spPr>
+          <a:xfrm>
+            <a:off x="342017" y="4110890"/>
+            <a:ext cx="3788228" cy="0"/>
+          </a:xfrm>
+          <a:prstGeom prst="straightConnector1">
+            <a:avLst/>
+          </a:prstGeom>
+          <a:ln w="44450">
+            <a:solidFill>
+              <a:schemeClr val="tx1"/>
+            </a:solidFill>
+            <a:tailEnd type="stealth" w="lg" len="lg"/>
+          </a:ln>
+        </p:spPr>
+        <p:style>
+          <a:lnRef idx="1">
+            <a:schemeClr val="accent1"/>
+          </a:lnRef>
+          <a:fillRef idx="0">
+            <a:schemeClr val="accent1"/>
+          </a:fillRef>
+          <a:effectRef idx="0">
+            <a:schemeClr val="accent1"/>
+          </a:effectRef>
+          <a:fontRef idx="minor">
+            <a:schemeClr val="tx1"/>
+          </a:fontRef>
+        </p:style>
+      </p:cxnSp>
+      <mc:AlternateContent xmlns:mc="http://schemas.openxmlformats.org/markup-compatibility/2006" xmlns:a14="http://schemas.microsoft.com/office/drawing/2010/main">
+        <mc:Choice Requires="a14">
+          <p:sp>
+            <p:nvSpPr>
+              <p:cNvPr id="25" name="TextBox 24">
+                <a:extLst>
+                  <a:ext uri="{FF2B5EF4-FFF2-40B4-BE49-F238E27FC236}">
+                    <a16:creationId xmlns:a16="http://schemas.microsoft.com/office/drawing/2014/main" id="{E54D4A5C-F8FA-4287-A1DA-B126C5AA15BF}"/>
+                  </a:ext>
+                </a:extLst>
+              </p:cNvPr>
+              <p:cNvSpPr txBox="1"/>
+              <p:nvPr/>
+            </p:nvSpPr>
+            <p:spPr>
+              <a:xfrm>
+                <a:off x="3574708" y="2857676"/>
+                <a:ext cx="555537" cy="430887"/>
+              </a:xfrm>
+              <a:prstGeom prst="rect">
+                <a:avLst/>
+              </a:prstGeom>
+              <a:noFill/>
+            </p:spPr>
+            <p:txBody>
+              <a:bodyPr wrap="square" lIns="0" tIns="0" rIns="0" bIns="0" rtlCol="0">
+                <a:spAutoFit/>
+              </a:bodyPr>
+              <a:lstStyle/>
+              <a:p>
+                <a:pPr/>
+                <a14:m>
+                  <m:oMathPara xmlns:m="http://schemas.openxmlformats.org/officeDocument/2006/math">
+                    <m:oMathParaPr>
+                      <m:jc m:val="centerGroup"/>
+                    </m:oMathParaPr>
+                    <m:oMath xmlns:m="http://schemas.openxmlformats.org/officeDocument/2006/math">
+                      <m:acc>
+                        <m:accPr>
+                          <m:chr m:val="⃗"/>
+                          <m:ctrlPr>
+                            <a:rPr lang="en-US" sz="2800" b="0" i="1" smtClean="0">
+                              <a:solidFill>
+                                <a:schemeClr val="accent5">
+                                  <a:lumMod val="75000"/>
+                                </a:schemeClr>
+                              </a:solidFill>
+                              <a:latin typeface="Cambria Math" panose="02040503050406030204" pitchFamily="18" charset="0"/>
+                            </a:rPr>
+                          </m:ctrlPr>
+                        </m:accPr>
+                        <m:e>
+                          <m:r>
+                            <a:rPr lang="en-US" sz="2800" b="0" i="1" smtClean="0">
+                              <a:solidFill>
+                                <a:schemeClr val="accent5">
+                                  <a:lumMod val="75000"/>
+                                </a:schemeClr>
+                              </a:solidFill>
+                              <a:latin typeface="Cambria Math" panose="02040503050406030204" pitchFamily="18" charset="0"/>
+                            </a:rPr>
+                            <m:t>𝑣</m:t>
+                          </m:r>
+                        </m:e>
+                      </m:acc>
+                    </m:oMath>
+                  </m:oMathPara>
+                </a14:m>
+                <a:endParaRPr lang="en-US" sz="2800" dirty="0">
+                  <a:solidFill>
+                    <a:schemeClr val="accent5">
+                      <a:lumMod val="75000"/>
+                    </a:schemeClr>
+                  </a:solidFill>
+                </a:endParaRPr>
+              </a:p>
+            </p:txBody>
+          </p:sp>
+        </mc:Choice>
+        <mc:Fallback xmlns="">
+          <p:sp>
+            <p:nvSpPr>
+              <p:cNvPr id="25" name="TextBox 24">
+                <a:extLst>
+                  <a:ext uri="{FF2B5EF4-FFF2-40B4-BE49-F238E27FC236}">
+                    <a16:creationId xmlns:a16="http://schemas.microsoft.com/office/drawing/2014/main" id="{E54D4A5C-F8FA-4287-A1DA-B126C5AA15BF}"/>
+                  </a:ext>
+                </a:extLst>
+              </p:cNvPr>
+              <p:cNvSpPr txBox="1">
+                <a:spLocks noRot="1" noChangeAspect="1" noMove="1" noResize="1" noEditPoints="1" noAdjustHandles="1" noChangeArrowheads="1" noChangeShapeType="1" noTextEdit="1"/>
+              </p:cNvSpPr>
+              <p:nvPr/>
+            </p:nvSpPr>
+            <p:spPr>
+              <a:xfrm>
+                <a:off x="3574708" y="2857676"/>
+                <a:ext cx="555537" cy="430887"/>
+              </a:xfrm>
+              <a:prstGeom prst="rect">
+                <a:avLst/>
+              </a:prstGeom>
+              <a:blipFill>
+                <a:blip r:embed="rId5"/>
+                <a:stretch>
+                  <a:fillRect/>
+                </a:stretch>
+              </a:blipFill>
+            </p:spPr>
+            <p:txBody>
+              <a:bodyPr/>
+              <a:lstStyle/>
+              <a:p>
+                <a:r>
+                  <a:rPr lang="en-US">
+                    <a:noFill/>
+                  </a:rPr>
+                  <a:t> </a:t>
+                </a:r>
+              </a:p>
+            </p:txBody>
+          </p:sp>
+        </mc:Fallback>
+      </mc:AlternateContent>
+      <p:cxnSp>
+        <p:nvCxnSpPr>
+          <p:cNvPr id="26" name="Straight Arrow Connector 25">
+            <a:extLst>
+              <a:ext uri="{FF2B5EF4-FFF2-40B4-BE49-F238E27FC236}">
+                <a16:creationId xmlns:a16="http://schemas.microsoft.com/office/drawing/2014/main" id="{EB5DB5B9-74AC-4E16-A6A6-7255F27E7E0C}"/>
+              </a:ext>
+            </a:extLst>
+          </p:cNvPr>
+          <p:cNvCxnSpPr>
+            <a:cxnSpLocks/>
+          </p:cNvCxnSpPr>
+          <p:nvPr/>
+        </p:nvCxnSpPr>
+        <p:spPr>
+          <a:xfrm flipV="1">
+            <a:off x="363788" y="2514319"/>
+            <a:ext cx="2910115" cy="1596571"/>
+          </a:xfrm>
+          <a:prstGeom prst="straightConnector1">
+            <a:avLst/>
+          </a:prstGeom>
+          <a:ln w="44450">
+            <a:solidFill>
+              <a:schemeClr val="accent2">
+                <a:lumMod val="75000"/>
+              </a:schemeClr>
+            </a:solidFill>
+            <a:tailEnd type="stealth" w="lg" len="lg"/>
+          </a:ln>
+        </p:spPr>
+        <p:style>
+          <a:lnRef idx="1">
+            <a:schemeClr val="accent1"/>
+          </a:lnRef>
+          <a:fillRef idx="0">
+            <a:schemeClr val="accent1"/>
+          </a:fillRef>
+          <a:effectRef idx="0">
+            <a:schemeClr val="accent1"/>
+          </a:effectRef>
+          <a:fontRef idx="minor">
+            <a:schemeClr val="tx1"/>
+          </a:fontRef>
+        </p:style>
+      </p:cxnSp>
+      <p:cxnSp>
+        <p:nvCxnSpPr>
+          <p:cNvPr id="27" name="Straight Arrow Connector 26">
+            <a:extLst>
+              <a:ext uri="{FF2B5EF4-FFF2-40B4-BE49-F238E27FC236}">
+                <a16:creationId xmlns:a16="http://schemas.microsoft.com/office/drawing/2014/main" id="{45C99022-8BAC-490A-9E39-3F79DBE505F7}"/>
+              </a:ext>
+            </a:extLst>
+          </p:cNvPr>
+          <p:cNvCxnSpPr>
+            <a:cxnSpLocks/>
+          </p:cNvCxnSpPr>
+          <p:nvPr/>
+        </p:nvCxnSpPr>
+        <p:spPr>
+          <a:xfrm flipH="1" flipV="1">
+            <a:off x="3273903" y="2514319"/>
+            <a:ext cx="856342" cy="1596571"/>
+          </a:xfrm>
+          <a:prstGeom prst="straightConnector1">
+            <a:avLst/>
+          </a:prstGeom>
+          <a:ln w="44450">
+            <a:solidFill>
+              <a:schemeClr val="accent5">
+                <a:lumMod val="75000"/>
+              </a:schemeClr>
+            </a:solidFill>
+            <a:tailEnd type="stealth" w="lg" len="lg"/>
+          </a:ln>
+        </p:spPr>
+        <p:style>
+          <a:lnRef idx="1">
+            <a:schemeClr val="accent1"/>
+          </a:lnRef>
+          <a:fillRef idx="0">
+            <a:schemeClr val="accent1"/>
+          </a:fillRef>
+          <a:effectRef idx="0">
+            <a:schemeClr val="accent1"/>
+          </a:effectRef>
+          <a:fontRef idx="minor">
+            <a:schemeClr val="tx1"/>
+          </a:fontRef>
+        </p:style>
+      </p:cxnSp>
+      <p:sp>
+        <p:nvSpPr>
+          <p:cNvPr id="28" name="Arc 27">
+            <a:extLst>
+              <a:ext uri="{FF2B5EF4-FFF2-40B4-BE49-F238E27FC236}">
+                <a16:creationId xmlns:a16="http://schemas.microsoft.com/office/drawing/2014/main" id="{DE07BD7D-AF59-4FDE-8248-3DCDD7BB1927}"/>
+              </a:ext>
+            </a:extLst>
+          </p:cNvPr>
+          <p:cNvSpPr/>
+          <p:nvPr/>
+        </p:nvSpPr>
+        <p:spPr>
+          <a:xfrm rot="1225529">
+            <a:off x="608790" y="3895783"/>
+            <a:ext cx="246985" cy="312460"/>
+          </a:xfrm>
+          <a:prstGeom prst="arc">
+            <a:avLst>
+              <a:gd name="adj1" fmla="val 16200000"/>
+              <a:gd name="adj2" fmla="val 324231"/>
+            </a:avLst>
+          </a:prstGeom>
+          <a:ln w="22225">
+            <a:solidFill>
+              <a:schemeClr val="tx1"/>
+            </a:solidFill>
+          </a:ln>
+        </p:spPr>
+        <p:style>
+          <a:lnRef idx="1">
+            <a:schemeClr val="accent1"/>
+          </a:lnRef>
+          <a:fillRef idx="0">
+            <a:schemeClr val="accent1"/>
+          </a:fillRef>
+          <a:effectRef idx="0">
+            <a:schemeClr val="accent1"/>
+          </a:effectRef>
+          <a:fontRef idx="minor">
+            <a:schemeClr val="tx1"/>
+          </a:fontRef>
+        </p:style>
+        <p:txBody>
+          <a:bodyPr rtlCol="0" anchor="ctr"/>
+          <a:lstStyle/>
+          <a:p>
+            <a:pPr algn="ctr"/>
+            <a:endParaRPr lang="en-US" dirty="0"/>
+          </a:p>
+        </p:txBody>
+      </p:sp>
+      <mc:AlternateContent xmlns:mc="http://schemas.openxmlformats.org/markup-compatibility/2006" xmlns:a14="http://schemas.microsoft.com/office/drawing/2010/main">
+        <mc:Choice Requires="a14">
+          <p:sp>
+            <p:nvSpPr>
+              <p:cNvPr id="29" name="TextBox 28">
+                <a:extLst>
+                  <a:ext uri="{FF2B5EF4-FFF2-40B4-BE49-F238E27FC236}">
+                    <a16:creationId xmlns:a16="http://schemas.microsoft.com/office/drawing/2014/main" id="{571888F7-158B-43EB-AB33-EB0D4D34EBF2}"/>
+                  </a:ext>
+                </a:extLst>
+              </p:cNvPr>
+              <p:cNvSpPr txBox="1"/>
+              <p:nvPr/>
+            </p:nvSpPr>
+            <p:spPr>
+              <a:xfrm>
+                <a:off x="746912" y="3741558"/>
+                <a:ext cx="555537" cy="369332"/>
+              </a:xfrm>
+              <a:prstGeom prst="rect">
+                <a:avLst/>
+              </a:prstGeom>
+              <a:noFill/>
+            </p:spPr>
+            <p:txBody>
+              <a:bodyPr wrap="square" lIns="0" tIns="0" rIns="0" bIns="0" rtlCol="0">
+                <a:spAutoFit/>
+              </a:bodyPr>
+              <a:lstStyle/>
+              <a:p>
+                <a:pPr/>
+                <a14:m>
+                  <m:oMathPara xmlns:m="http://schemas.openxmlformats.org/officeDocument/2006/math">
+                    <m:oMathParaPr>
+                      <m:jc m:val="centerGroup"/>
+                    </m:oMathParaPr>
+                    <m:oMath xmlns:m="http://schemas.openxmlformats.org/officeDocument/2006/math">
+                      <m:r>
+                        <a:rPr lang="en-US" sz="2400" b="0" i="1" smtClean="0">
+                          <a:latin typeface="Cambria Math" panose="02040503050406030204" pitchFamily="18" charset="0"/>
+                          <a:ea typeface="Cambria Math" panose="02040503050406030204" pitchFamily="18" charset="0"/>
+                        </a:rPr>
+                        <m:t>𝛼</m:t>
+                      </m:r>
+                    </m:oMath>
+                  </m:oMathPara>
+                </a14:m>
+                <a:endParaRPr lang="en-US" sz="3200" dirty="0"/>
+              </a:p>
+            </p:txBody>
+          </p:sp>
+        </mc:Choice>
+        <mc:Fallback xmlns="">
+          <p:sp>
+            <p:nvSpPr>
+              <p:cNvPr id="29" name="TextBox 28">
+                <a:extLst>
+                  <a:ext uri="{FF2B5EF4-FFF2-40B4-BE49-F238E27FC236}">
+                    <a16:creationId xmlns:a16="http://schemas.microsoft.com/office/drawing/2014/main" id="{571888F7-158B-43EB-AB33-EB0D4D34EBF2}"/>
+                  </a:ext>
+                </a:extLst>
+              </p:cNvPr>
+              <p:cNvSpPr txBox="1">
+                <a:spLocks noRot="1" noChangeAspect="1" noMove="1" noResize="1" noEditPoints="1" noAdjustHandles="1" noChangeArrowheads="1" noChangeShapeType="1" noTextEdit="1"/>
+              </p:cNvSpPr>
+              <p:nvPr/>
+            </p:nvSpPr>
+            <p:spPr>
+              <a:xfrm>
+                <a:off x="746912" y="3741558"/>
+                <a:ext cx="555537" cy="369332"/>
+              </a:xfrm>
+              <a:prstGeom prst="rect">
+                <a:avLst/>
+              </a:prstGeom>
+              <a:blipFill>
+                <a:blip r:embed="rId6"/>
+                <a:stretch>
+                  <a:fillRect/>
+                </a:stretch>
+              </a:blipFill>
+            </p:spPr>
+            <p:txBody>
+              <a:bodyPr/>
+              <a:lstStyle/>
+              <a:p>
+                <a:r>
+                  <a:rPr lang="en-US">
+                    <a:noFill/>
+                  </a:rPr>
+                  <a:t> </a:t>
+                </a:r>
+              </a:p>
+            </p:txBody>
+          </p:sp>
+        </mc:Fallback>
+      </mc:AlternateContent>
+      <mc:AlternateContent xmlns:mc="http://schemas.openxmlformats.org/markup-compatibility/2006" xmlns:a14="http://schemas.microsoft.com/office/drawing/2010/main">
+        <mc:Choice Requires="a14">
+          <p:sp>
+            <p:nvSpPr>
+              <p:cNvPr id="30" name="TextBox 29">
+                <a:extLst>
+                  <a:ext uri="{FF2B5EF4-FFF2-40B4-BE49-F238E27FC236}">
+                    <a16:creationId xmlns:a16="http://schemas.microsoft.com/office/drawing/2014/main" id="{2DF05AF9-C9D1-4A36-AE65-0D3D7897785B}"/>
+                  </a:ext>
+                </a:extLst>
+              </p:cNvPr>
+              <p:cNvSpPr txBox="1"/>
+              <p:nvPr/>
+            </p:nvSpPr>
+            <p:spPr>
+              <a:xfrm>
+                <a:off x="3273903" y="4238803"/>
+                <a:ext cx="555537" cy="430887"/>
+              </a:xfrm>
+              <a:prstGeom prst="rect">
+                <a:avLst/>
+              </a:prstGeom>
+              <a:noFill/>
+            </p:spPr>
+            <p:txBody>
+              <a:bodyPr wrap="square" lIns="0" tIns="0" rIns="0" bIns="0" rtlCol="0">
+                <a:spAutoFit/>
+              </a:bodyPr>
+              <a:lstStyle/>
+              <a:p>
+                <a:pPr/>
+                <a14:m>
+                  <m:oMathPara xmlns:m="http://schemas.openxmlformats.org/officeDocument/2006/math">
+                    <m:oMathParaPr>
+                      <m:jc m:val="centerGroup"/>
+                    </m:oMathParaPr>
+                    <m:oMath xmlns:m="http://schemas.openxmlformats.org/officeDocument/2006/math">
+                      <m:acc>
+                        <m:accPr>
+                          <m:chr m:val="⃗"/>
+                          <m:ctrlPr>
+                            <a:rPr lang="en-US" sz="2800" b="0" i="1" smtClean="0">
+                              <a:solidFill>
+                                <a:schemeClr val="tx1"/>
+                              </a:solidFill>
+                              <a:latin typeface="Cambria Math" panose="02040503050406030204" pitchFamily="18" charset="0"/>
+                            </a:rPr>
+                          </m:ctrlPr>
+                        </m:accPr>
+                        <m:e>
+                          <m:sSub>
+                            <m:sSubPr>
+                              <m:ctrlPr>
+                                <a:rPr lang="en-US" sz="2800" b="0" i="1" smtClean="0">
+                                  <a:solidFill>
+                                    <a:schemeClr val="tx1"/>
+                                  </a:solidFill>
+                                  <a:latin typeface="Cambria Math" panose="02040503050406030204" pitchFamily="18" charset="0"/>
+                                </a:rPr>
+                              </m:ctrlPr>
+                            </m:sSubPr>
+                            <m:e>
+                              <m:r>
+                                <a:rPr lang="en-US" sz="2800" b="0" i="1" smtClean="0">
+                                  <a:solidFill>
+                                    <a:schemeClr val="tx1"/>
+                                  </a:solidFill>
+                                  <a:latin typeface="Cambria Math" panose="02040503050406030204" pitchFamily="18" charset="0"/>
+                                </a:rPr>
+                                <m:t>𝑣</m:t>
+                              </m:r>
+                            </m:e>
+                            <m:sub>
+                              <m:r>
+                                <a:rPr lang="en-US" sz="2800" b="0" i="1" smtClean="0">
+                                  <a:solidFill>
+                                    <a:schemeClr val="tx1"/>
+                                  </a:solidFill>
+                                  <a:latin typeface="Cambria Math" panose="02040503050406030204" pitchFamily="18" charset="0"/>
+                                </a:rPr>
+                                <m:t>0</m:t>
+                              </m:r>
+                            </m:sub>
+                          </m:sSub>
+                        </m:e>
+                      </m:acc>
+                    </m:oMath>
+                  </m:oMathPara>
+                </a14:m>
+                <a:endParaRPr lang="en-US" sz="2800" dirty="0">
+                  <a:solidFill>
+                    <a:schemeClr val="tx1"/>
+                  </a:solidFill>
+                </a:endParaRPr>
+              </a:p>
+            </p:txBody>
+          </p:sp>
+        </mc:Choice>
+        <mc:Fallback xmlns="">
+          <p:sp>
+            <p:nvSpPr>
+              <p:cNvPr id="30" name="TextBox 29">
+                <a:extLst>
+                  <a:ext uri="{FF2B5EF4-FFF2-40B4-BE49-F238E27FC236}">
+                    <a16:creationId xmlns:a16="http://schemas.microsoft.com/office/drawing/2014/main" id="{2DF05AF9-C9D1-4A36-AE65-0D3D7897785B}"/>
+                  </a:ext>
+                </a:extLst>
+              </p:cNvPr>
+              <p:cNvSpPr txBox="1">
+                <a:spLocks noRot="1" noChangeAspect="1" noMove="1" noResize="1" noEditPoints="1" noAdjustHandles="1" noChangeArrowheads="1" noChangeShapeType="1" noTextEdit="1"/>
+              </p:cNvSpPr>
+              <p:nvPr/>
+            </p:nvSpPr>
+            <p:spPr>
+              <a:xfrm>
+                <a:off x="3273903" y="4238803"/>
+                <a:ext cx="555537" cy="430887"/>
+              </a:xfrm>
+              <a:prstGeom prst="rect">
+                <a:avLst/>
+              </a:prstGeom>
+              <a:blipFill>
+                <a:blip r:embed="rId7"/>
+                <a:stretch>
+                  <a:fillRect/>
+                </a:stretch>
+              </a:blipFill>
+            </p:spPr>
+            <p:txBody>
+              <a:bodyPr/>
+              <a:lstStyle/>
+              <a:p>
+                <a:r>
+                  <a:rPr lang="en-US">
+                    <a:noFill/>
+                  </a:rPr>
+                  <a:t> </a:t>
+                </a:r>
+              </a:p>
+            </p:txBody>
+          </p:sp>
+        </mc:Fallback>
+      </mc:AlternateContent>
+      <mc:AlternateContent xmlns:mc="http://schemas.openxmlformats.org/markup-compatibility/2006" xmlns:a14="http://schemas.microsoft.com/office/drawing/2010/main">
+        <mc:Choice Requires="a14">
+          <p:sp>
+            <p:nvSpPr>
+              <p:cNvPr id="31" name="TextBox 30">
+                <a:extLst>
+                  <a:ext uri="{FF2B5EF4-FFF2-40B4-BE49-F238E27FC236}">
+                    <a16:creationId xmlns:a16="http://schemas.microsoft.com/office/drawing/2014/main" id="{1303D489-DC60-4511-941A-88EA064C3AD5}"/>
+                  </a:ext>
+                </a:extLst>
+              </p:cNvPr>
+              <p:cNvSpPr txBox="1"/>
+              <p:nvPr/>
+            </p:nvSpPr>
+            <p:spPr>
+              <a:xfrm>
+                <a:off x="2518408" y="2233561"/>
+                <a:ext cx="555537" cy="430887"/>
+              </a:xfrm>
+              <a:prstGeom prst="rect">
+                <a:avLst/>
+              </a:prstGeom>
+              <a:noFill/>
+            </p:spPr>
+            <p:txBody>
+              <a:bodyPr wrap="square" lIns="0" tIns="0" rIns="0" bIns="0" rtlCol="0">
+                <a:spAutoFit/>
+              </a:bodyPr>
+              <a:lstStyle/>
+              <a:p>
+                <a:pPr/>
+                <a14:m>
+                  <m:oMathPara xmlns:m="http://schemas.openxmlformats.org/officeDocument/2006/math">
+                    <m:oMathParaPr>
+                      <m:jc m:val="centerGroup"/>
+                    </m:oMathParaPr>
+                    <m:oMath xmlns:m="http://schemas.openxmlformats.org/officeDocument/2006/math">
+                      <m:acc>
+                        <m:accPr>
+                          <m:chr m:val="⃗"/>
+                          <m:ctrlPr>
+                            <a:rPr lang="en-US" sz="2800" b="0" i="1" smtClean="0">
+                              <a:solidFill>
+                                <a:schemeClr val="accent2">
+                                  <a:lumMod val="75000"/>
+                                </a:schemeClr>
+                              </a:solidFill>
+                              <a:latin typeface="Cambria Math" panose="02040503050406030204" pitchFamily="18" charset="0"/>
+                            </a:rPr>
+                          </m:ctrlPr>
+                        </m:accPr>
+                        <m:e>
+                          <m:r>
+                            <a:rPr lang="en-US" sz="2800" b="0" i="1" smtClean="0">
+                              <a:solidFill>
+                                <a:schemeClr val="accent2">
+                                  <a:lumMod val="75000"/>
+                                </a:schemeClr>
+                              </a:solidFill>
+                              <a:latin typeface="Cambria Math" panose="02040503050406030204" pitchFamily="18" charset="0"/>
+                            </a:rPr>
+                            <m:t>𝑢</m:t>
+                          </m:r>
+                        </m:e>
+                      </m:acc>
+                    </m:oMath>
+                  </m:oMathPara>
+                </a14:m>
+                <a:endParaRPr lang="en-US" sz="2800" dirty="0">
+                  <a:solidFill>
+                    <a:schemeClr val="accent2">
+                      <a:lumMod val="75000"/>
+                    </a:schemeClr>
+                  </a:solidFill>
+                </a:endParaRPr>
+              </a:p>
+            </p:txBody>
+          </p:sp>
+        </mc:Choice>
+        <mc:Fallback xmlns="">
+          <p:sp>
+            <p:nvSpPr>
+              <p:cNvPr id="31" name="TextBox 30">
+                <a:extLst>
+                  <a:ext uri="{FF2B5EF4-FFF2-40B4-BE49-F238E27FC236}">
+                    <a16:creationId xmlns:a16="http://schemas.microsoft.com/office/drawing/2014/main" id="{1303D489-DC60-4511-941A-88EA064C3AD5}"/>
+                  </a:ext>
+                </a:extLst>
+              </p:cNvPr>
+              <p:cNvSpPr txBox="1">
+                <a:spLocks noRot="1" noChangeAspect="1" noMove="1" noResize="1" noEditPoints="1" noAdjustHandles="1" noChangeArrowheads="1" noChangeShapeType="1" noTextEdit="1"/>
+              </p:cNvSpPr>
+              <p:nvPr/>
+            </p:nvSpPr>
+            <p:spPr>
+              <a:xfrm>
+                <a:off x="2518408" y="2233561"/>
+                <a:ext cx="555537" cy="430887"/>
+              </a:xfrm>
+              <a:prstGeom prst="rect">
+                <a:avLst/>
+              </a:prstGeom>
+              <a:blipFill>
+                <a:blip r:embed="rId8"/>
+                <a:stretch>
+                  <a:fillRect/>
+                </a:stretch>
+              </a:blipFill>
+            </p:spPr>
+            <p:txBody>
+              <a:bodyPr/>
+              <a:lstStyle/>
+              <a:p>
+                <a:r>
+                  <a:rPr lang="en-US">
+                    <a:noFill/>
+                  </a:rPr>
+                  <a:t> </a:t>
+                </a:r>
+              </a:p>
+            </p:txBody>
+          </p:sp>
+        </mc:Fallback>
+      </mc:AlternateContent>
+      <p:cxnSp>
+        <p:nvCxnSpPr>
+          <p:cNvPr id="20" name="Straight Arrow Connector 19">
+            <a:extLst>
+              <a:ext uri="{FF2B5EF4-FFF2-40B4-BE49-F238E27FC236}">
+                <a16:creationId xmlns:a16="http://schemas.microsoft.com/office/drawing/2014/main" id="{B6C11D5F-BA63-4D67-B4EE-C42CA41A4264}"/>
+              </a:ext>
+            </a:extLst>
+          </p:cNvPr>
+          <p:cNvCxnSpPr>
+            <a:cxnSpLocks/>
+          </p:cNvCxnSpPr>
+          <p:nvPr/>
+        </p:nvCxnSpPr>
+        <p:spPr>
+          <a:xfrm>
+            <a:off x="5049228" y="1466004"/>
+            <a:ext cx="1056300" cy="0"/>
+          </a:xfrm>
+          <a:prstGeom prst="straightConnector1">
+            <a:avLst/>
+          </a:prstGeom>
+          <a:ln w="44450">
+            <a:solidFill>
+              <a:schemeClr val="tx1"/>
+            </a:solidFill>
+            <a:tailEnd type="stealth" w="lg" len="lg"/>
+          </a:ln>
+        </p:spPr>
+        <p:style>
+          <a:lnRef idx="1">
+            <a:schemeClr val="accent1"/>
+          </a:lnRef>
+          <a:fillRef idx="0">
+            <a:schemeClr val="accent1"/>
+          </a:fillRef>
+          <a:effectRef idx="0">
+            <a:schemeClr val="accent1"/>
+          </a:effectRef>
+          <a:fontRef idx="minor">
+            <a:schemeClr val="tx1"/>
+          </a:fontRef>
+        </p:style>
+      </p:cxnSp>
+      <mc:AlternateContent xmlns:mc="http://schemas.openxmlformats.org/markup-compatibility/2006">
+        <mc:Choice xmlns:a14="http://schemas.microsoft.com/office/drawing/2010/main" Requires="a14">
+          <p:sp>
+            <p:nvSpPr>
+              <p:cNvPr id="32" name="TextBox 31">
+                <a:extLst>
+                  <a:ext uri="{FF2B5EF4-FFF2-40B4-BE49-F238E27FC236}">
+                    <a16:creationId xmlns:a16="http://schemas.microsoft.com/office/drawing/2014/main" id="{0F637C19-5D47-495C-9EF8-29892F8E96B3}"/>
+                  </a:ext>
+                </a:extLst>
+              </p:cNvPr>
+              <p:cNvSpPr txBox="1"/>
+              <p:nvPr/>
+            </p:nvSpPr>
+            <p:spPr>
+              <a:xfrm>
+                <a:off x="6616862" y="1558225"/>
+                <a:ext cx="555537" cy="430887"/>
+              </a:xfrm>
+              <a:prstGeom prst="rect">
+                <a:avLst/>
+              </a:prstGeom>
+              <a:noFill/>
+            </p:spPr>
+            <p:txBody>
+              <a:bodyPr wrap="square" lIns="0" tIns="0" rIns="0" bIns="0" rtlCol="0">
+                <a:spAutoFit/>
+              </a:bodyPr>
+              <a:lstStyle/>
+              <a:p>
+                <a:pPr/>
+                <a14:m>
+                  <m:oMathPara xmlns:m="http://schemas.openxmlformats.org/officeDocument/2006/math">
+                    <m:oMathParaPr>
+                      <m:jc m:val="centerGroup"/>
+                    </m:oMathParaPr>
+                    <m:oMath xmlns:m="http://schemas.openxmlformats.org/officeDocument/2006/math">
+                      <m:acc>
+                        <m:accPr>
+                          <m:chr m:val="⃗"/>
+                          <m:ctrlPr>
+                            <a:rPr lang="en-US" sz="2800" b="0" i="1" smtClean="0">
+                              <a:solidFill>
+                                <a:schemeClr val="accent5">
+                                  <a:lumMod val="75000"/>
+                                </a:schemeClr>
+                              </a:solidFill>
+                              <a:latin typeface="Cambria Math" panose="02040503050406030204" pitchFamily="18" charset="0"/>
+                            </a:rPr>
+                          </m:ctrlPr>
+                        </m:accPr>
+                        <m:e>
+                          <m:sSub>
+                            <m:sSubPr>
+                              <m:ctrlPr>
+                                <a:rPr lang="en-US" sz="2800" b="0" i="1" smtClean="0">
+                                  <a:solidFill>
+                                    <a:schemeClr val="accent5">
+                                      <a:lumMod val="75000"/>
+                                    </a:schemeClr>
+                                  </a:solidFill>
+                                  <a:latin typeface="Cambria Math" panose="02040503050406030204" pitchFamily="18" charset="0"/>
+                                </a:rPr>
+                              </m:ctrlPr>
+                            </m:sSubPr>
+                            <m:e>
+                              <m:r>
+                                <a:rPr lang="en-US" sz="2800" b="0" i="1" smtClean="0">
+                                  <a:solidFill>
+                                    <a:schemeClr val="accent5">
+                                      <a:lumMod val="75000"/>
+                                    </a:schemeClr>
+                                  </a:solidFill>
+                                  <a:latin typeface="Cambria Math" panose="02040503050406030204" pitchFamily="18" charset="0"/>
+                                </a:rPr>
+                                <m:t>𝑣</m:t>
+                              </m:r>
+                            </m:e>
+                            <m:sub>
+                              <m:r>
+                                <a:rPr lang="ru-RU" sz="2800" b="0" i="1" smtClean="0">
+                                  <a:solidFill>
+                                    <a:schemeClr val="accent5">
+                                      <a:lumMod val="75000"/>
+                                    </a:schemeClr>
+                                  </a:solidFill>
+                                  <a:latin typeface="Cambria Math" panose="02040503050406030204" pitchFamily="18" charset="0"/>
+                                </a:rPr>
+                                <m:t>отн</m:t>
+                              </m:r>
+                            </m:sub>
+                          </m:sSub>
+                        </m:e>
+                      </m:acc>
+                    </m:oMath>
+                  </m:oMathPara>
+                </a14:m>
+                <a:endParaRPr lang="en-US" sz="2800" dirty="0">
+                  <a:solidFill>
+                    <a:schemeClr val="accent5">
+                      <a:lumMod val="75000"/>
+                    </a:schemeClr>
+                  </a:solidFill>
+                </a:endParaRPr>
+              </a:p>
+            </p:txBody>
+          </p:sp>
+        </mc:Choice>
+        <mc:Fallback>
+          <p:sp>
+            <p:nvSpPr>
+              <p:cNvPr id="32" name="TextBox 31">
+                <a:extLst>
+                  <a:ext uri="{FF2B5EF4-FFF2-40B4-BE49-F238E27FC236}">
+                    <a16:creationId xmlns:a16="http://schemas.microsoft.com/office/drawing/2014/main" id="{0F637C19-5D47-495C-9EF8-29892F8E96B3}"/>
+                  </a:ext>
+                </a:extLst>
+              </p:cNvPr>
+              <p:cNvSpPr txBox="1">
+                <a:spLocks noRot="1" noChangeAspect="1" noMove="1" noResize="1" noEditPoints="1" noAdjustHandles="1" noChangeArrowheads="1" noChangeShapeType="1" noTextEdit="1"/>
+              </p:cNvSpPr>
+              <p:nvPr/>
+            </p:nvSpPr>
+            <p:spPr>
+              <a:xfrm>
+                <a:off x="6616862" y="1558225"/>
+                <a:ext cx="555537" cy="430887"/>
+              </a:xfrm>
+              <a:prstGeom prst="rect">
+                <a:avLst/>
+              </a:prstGeom>
+              <a:blipFill>
+                <a:blip r:embed="rId9"/>
+                <a:stretch>
+                  <a:fillRect r="-9783"/>
+                </a:stretch>
+              </a:blipFill>
+            </p:spPr>
+            <p:txBody>
+              <a:bodyPr/>
+              <a:lstStyle/>
+              <a:p>
+                <a:r>
+                  <a:rPr lang="en-US">
+                    <a:noFill/>
+                  </a:rPr>
+                  <a:t> </a:t>
+                </a:r>
+              </a:p>
+            </p:txBody>
+          </p:sp>
+        </mc:Fallback>
+      </mc:AlternateContent>
+      <p:cxnSp>
+        <p:nvCxnSpPr>
+          <p:cNvPr id="34" name="Straight Arrow Connector 33">
+            <a:extLst>
+              <a:ext uri="{FF2B5EF4-FFF2-40B4-BE49-F238E27FC236}">
+                <a16:creationId xmlns:a16="http://schemas.microsoft.com/office/drawing/2014/main" id="{419916F2-6CEF-43E1-9268-D605EFC44BF9}"/>
+              </a:ext>
+            </a:extLst>
+          </p:cNvPr>
+          <p:cNvCxnSpPr>
+            <a:cxnSpLocks/>
+          </p:cNvCxnSpPr>
+          <p:nvPr/>
+        </p:nvCxnSpPr>
+        <p:spPr>
+          <a:xfrm flipV="1">
+            <a:off x="6105528" y="1453760"/>
+            <a:ext cx="1542683" cy="12244"/>
+          </a:xfrm>
+          <a:prstGeom prst="straightConnector1">
+            <a:avLst/>
+          </a:prstGeom>
+          <a:ln w="44450">
+            <a:solidFill>
+              <a:schemeClr val="accent5">
+                <a:lumMod val="75000"/>
+              </a:schemeClr>
+            </a:solidFill>
+            <a:tailEnd type="stealth" w="lg" len="lg"/>
+          </a:ln>
+        </p:spPr>
+        <p:style>
+          <a:lnRef idx="1">
+            <a:schemeClr val="accent1"/>
+          </a:lnRef>
+          <a:fillRef idx="0">
+            <a:schemeClr val="accent1"/>
+          </a:fillRef>
+          <a:effectRef idx="0">
+            <a:schemeClr val="accent1"/>
+          </a:effectRef>
+          <a:fontRef idx="minor">
+            <a:schemeClr val="tx1"/>
+          </a:fontRef>
+        </p:style>
+      </p:cxnSp>
+      <mc:AlternateContent xmlns:mc="http://schemas.openxmlformats.org/markup-compatibility/2006">
+        <mc:Choice xmlns:a14="http://schemas.microsoft.com/office/drawing/2010/main" Requires="a14">
+          <p:sp>
+            <p:nvSpPr>
+              <p:cNvPr id="35" name="TextBox 34">
+                <a:extLst>
+                  <a:ext uri="{FF2B5EF4-FFF2-40B4-BE49-F238E27FC236}">
+                    <a16:creationId xmlns:a16="http://schemas.microsoft.com/office/drawing/2014/main" id="{393D8E9B-01ED-451B-A472-7868F7C2B4E9}"/>
+                  </a:ext>
+                </a:extLst>
+              </p:cNvPr>
+              <p:cNvSpPr txBox="1"/>
+              <p:nvPr/>
+            </p:nvSpPr>
+            <p:spPr>
+              <a:xfrm>
+                <a:off x="5375102" y="1585246"/>
+                <a:ext cx="555537" cy="430887"/>
+              </a:xfrm>
+              <a:prstGeom prst="rect">
+                <a:avLst/>
+              </a:prstGeom>
+              <a:noFill/>
+            </p:spPr>
+            <p:txBody>
+              <a:bodyPr wrap="square" lIns="0" tIns="0" rIns="0" bIns="0" rtlCol="0">
+                <a:spAutoFit/>
+              </a:bodyPr>
+              <a:lstStyle/>
+              <a:p>
+                <a:pPr/>
+                <a14:m>
+                  <m:oMathPara xmlns:m="http://schemas.openxmlformats.org/officeDocument/2006/math">
+                    <m:oMathParaPr>
+                      <m:jc m:val="centerGroup"/>
+                    </m:oMathParaPr>
+                    <m:oMath xmlns:m="http://schemas.openxmlformats.org/officeDocument/2006/math">
+                      <m:acc>
+                        <m:accPr>
+                          <m:chr m:val="⃗"/>
+                          <m:ctrlPr>
+                            <a:rPr lang="en-US" sz="2800" b="0" i="1" smtClean="0">
+                              <a:solidFill>
+                                <a:schemeClr val="tx1"/>
+                              </a:solidFill>
+                              <a:latin typeface="Cambria Math" panose="02040503050406030204" pitchFamily="18" charset="0"/>
+                            </a:rPr>
+                          </m:ctrlPr>
+                        </m:accPr>
+                        <m:e>
+                          <m:r>
+                            <a:rPr lang="en-US" sz="2800" b="0" i="1" smtClean="0">
+                              <a:solidFill>
+                                <a:schemeClr val="tx1"/>
+                              </a:solidFill>
+                              <a:latin typeface="Cambria Math" panose="02040503050406030204" pitchFamily="18" charset="0"/>
+                            </a:rPr>
+                            <m:t>𝑣</m:t>
+                          </m:r>
+                        </m:e>
+                      </m:acc>
+                    </m:oMath>
+                  </m:oMathPara>
+                </a14:m>
+                <a:endParaRPr lang="en-US" sz="2800" dirty="0">
+                  <a:solidFill>
+                    <a:schemeClr val="tx1"/>
+                  </a:solidFill>
+                </a:endParaRPr>
+              </a:p>
+            </p:txBody>
+          </p:sp>
+        </mc:Choice>
+        <mc:Fallback>
+          <p:sp>
+            <p:nvSpPr>
+              <p:cNvPr id="35" name="TextBox 34">
+                <a:extLst>
+                  <a:ext uri="{FF2B5EF4-FFF2-40B4-BE49-F238E27FC236}">
+                    <a16:creationId xmlns:a16="http://schemas.microsoft.com/office/drawing/2014/main" id="{393D8E9B-01ED-451B-A472-7868F7C2B4E9}"/>
+                  </a:ext>
+                </a:extLst>
+              </p:cNvPr>
+              <p:cNvSpPr txBox="1">
+                <a:spLocks noRot="1" noChangeAspect="1" noMove="1" noResize="1" noEditPoints="1" noAdjustHandles="1" noChangeArrowheads="1" noChangeShapeType="1" noTextEdit="1"/>
+              </p:cNvSpPr>
+              <p:nvPr/>
+            </p:nvSpPr>
+            <p:spPr>
+              <a:xfrm>
+                <a:off x="5375102" y="1585246"/>
+                <a:ext cx="555537" cy="430887"/>
+              </a:xfrm>
+              <a:prstGeom prst="rect">
+                <a:avLst/>
+              </a:prstGeom>
+              <a:blipFill>
+                <a:blip r:embed="rId10"/>
+                <a:stretch>
+                  <a:fillRect/>
+                </a:stretch>
+              </a:blipFill>
+            </p:spPr>
+            <p:txBody>
+              <a:bodyPr/>
+              <a:lstStyle/>
+              <a:p>
+                <a:r>
+                  <a:rPr lang="en-US">
+                    <a:noFill/>
+                  </a:rPr>
+                  <a:t> </a:t>
+                </a:r>
+              </a:p>
+            </p:txBody>
+          </p:sp>
+        </mc:Fallback>
+      </mc:AlternateContent>
+      <p:sp>
+        <p:nvSpPr>
+          <p:cNvPr id="10" name="Left Brace 9">
+            <a:extLst>
+              <a:ext uri="{FF2B5EF4-FFF2-40B4-BE49-F238E27FC236}">
+                <a16:creationId xmlns:a16="http://schemas.microsoft.com/office/drawing/2014/main" id="{BC224C5B-3D3E-4CEE-AC2E-D446D29B978D}"/>
+              </a:ext>
+            </a:extLst>
+          </p:cNvPr>
+          <p:cNvSpPr/>
+          <p:nvPr/>
+        </p:nvSpPr>
+        <p:spPr>
+          <a:xfrm rot="5400000">
+            <a:off x="6150823" y="46311"/>
+            <a:ext cx="305851" cy="2509042"/>
+          </a:xfrm>
+          <a:prstGeom prst="leftBrace">
+            <a:avLst>
+              <a:gd name="adj1" fmla="val 8333"/>
+              <a:gd name="adj2" fmla="val 52394"/>
+            </a:avLst>
+          </a:prstGeom>
+          <a:ln w="28575">
+            <a:solidFill>
+              <a:schemeClr val="tx1"/>
+            </a:solidFill>
+          </a:ln>
+        </p:spPr>
+        <p:style>
+          <a:lnRef idx="1">
+            <a:schemeClr val="accent1"/>
+          </a:lnRef>
+          <a:fillRef idx="0">
+            <a:schemeClr val="accent1"/>
+          </a:fillRef>
+          <a:effectRef idx="0">
+            <a:schemeClr val="accent1"/>
+          </a:effectRef>
+          <a:fontRef idx="minor">
+            <a:schemeClr val="tx1"/>
+          </a:fontRef>
+        </p:style>
+        <p:txBody>
+          <a:bodyPr rtlCol="0" anchor="ctr"/>
+          <a:lstStyle/>
+          <a:p>
+            <a:pPr algn="ctr"/>
+            <a:endParaRPr lang="en-US"/>
+          </a:p>
+        </p:txBody>
+      </p:sp>
+      <mc:AlternateContent xmlns:mc="http://schemas.openxmlformats.org/markup-compatibility/2006">
+        <mc:Choice xmlns:a14="http://schemas.microsoft.com/office/drawing/2010/main" Requires="a14">
+          <p:sp>
+            <p:nvSpPr>
+              <p:cNvPr id="38" name="TextBox 37">
+                <a:extLst>
+                  <a:ext uri="{FF2B5EF4-FFF2-40B4-BE49-F238E27FC236}">
+                    <a16:creationId xmlns:a16="http://schemas.microsoft.com/office/drawing/2014/main" id="{0B251358-E892-448A-9CAA-B6930C7B4BCF}"/>
+                  </a:ext>
+                </a:extLst>
+              </p:cNvPr>
+              <p:cNvSpPr txBox="1"/>
+              <p:nvPr/>
+            </p:nvSpPr>
+            <p:spPr>
+              <a:xfrm>
+                <a:off x="5980727" y="692074"/>
+                <a:ext cx="595506" cy="430887"/>
+              </a:xfrm>
+              <a:prstGeom prst="rect">
+                <a:avLst/>
+              </a:prstGeom>
+              <a:noFill/>
+            </p:spPr>
+            <p:txBody>
+              <a:bodyPr wrap="square" lIns="0" tIns="0" rIns="0" bIns="0" rtlCol="0">
+                <a:spAutoFit/>
+              </a:bodyPr>
+              <a:lstStyle/>
+              <a:p>
+                <a:pPr/>
+                <a14:m>
+                  <m:oMathPara xmlns:m="http://schemas.openxmlformats.org/officeDocument/2006/math">
+                    <m:oMathParaPr>
+                      <m:jc m:val="centerGroup"/>
+                    </m:oMathParaPr>
+                    <m:oMath xmlns:m="http://schemas.openxmlformats.org/officeDocument/2006/math">
+                      <m:r>
+                        <a:rPr lang="en-US" sz="2800" b="0" i="1" smtClean="0">
+                          <a:solidFill>
+                            <a:schemeClr val="tx1"/>
+                          </a:solidFill>
+                          <a:latin typeface="Cambria Math" panose="02040503050406030204" pitchFamily="18" charset="0"/>
+                        </a:rPr>
+                        <m:t>3</m:t>
+                      </m:r>
+                      <m:acc>
+                        <m:accPr>
+                          <m:chr m:val="⃗"/>
+                          <m:ctrlPr>
+                            <a:rPr lang="en-US" sz="2800" b="0" i="1" smtClean="0">
+                              <a:solidFill>
+                                <a:schemeClr val="tx1"/>
+                              </a:solidFill>
+                              <a:latin typeface="Cambria Math" panose="02040503050406030204" pitchFamily="18" charset="0"/>
+                            </a:rPr>
+                          </m:ctrlPr>
+                        </m:accPr>
+                        <m:e>
+                          <m:r>
+                            <a:rPr lang="en-US" sz="2800" b="0" i="1" smtClean="0">
+                              <a:solidFill>
+                                <a:schemeClr val="tx1"/>
+                              </a:solidFill>
+                              <a:latin typeface="Cambria Math" panose="02040503050406030204" pitchFamily="18" charset="0"/>
+                            </a:rPr>
+                            <m:t>𝑣</m:t>
+                          </m:r>
+                        </m:e>
+                      </m:acc>
+                    </m:oMath>
+                  </m:oMathPara>
+                </a14:m>
+                <a:endParaRPr lang="en-US" sz="2800" dirty="0">
+                  <a:solidFill>
+                    <a:schemeClr val="tx1"/>
+                  </a:solidFill>
+                </a:endParaRPr>
+              </a:p>
+            </p:txBody>
+          </p:sp>
+        </mc:Choice>
+        <mc:Fallback>
+          <p:sp>
+            <p:nvSpPr>
+              <p:cNvPr id="38" name="TextBox 37">
+                <a:extLst>
+                  <a:ext uri="{FF2B5EF4-FFF2-40B4-BE49-F238E27FC236}">
+                    <a16:creationId xmlns:a16="http://schemas.microsoft.com/office/drawing/2014/main" id="{0B251358-E892-448A-9CAA-B6930C7B4BCF}"/>
+                  </a:ext>
+                </a:extLst>
+              </p:cNvPr>
+              <p:cNvSpPr txBox="1">
+                <a:spLocks noRot="1" noChangeAspect="1" noMove="1" noResize="1" noEditPoints="1" noAdjustHandles="1" noChangeArrowheads="1" noChangeShapeType="1" noTextEdit="1"/>
+              </p:cNvSpPr>
+              <p:nvPr/>
+            </p:nvSpPr>
+            <p:spPr>
+              <a:xfrm>
+                <a:off x="5980727" y="692074"/>
+                <a:ext cx="595506" cy="430887"/>
+              </a:xfrm>
+              <a:prstGeom prst="rect">
+                <a:avLst/>
+              </a:prstGeom>
+              <a:blipFill>
+                <a:blip r:embed="rId11"/>
+                <a:stretch>
+                  <a:fillRect/>
+                </a:stretch>
+              </a:blipFill>
+            </p:spPr>
+            <p:txBody>
+              <a:bodyPr/>
+              <a:lstStyle/>
+              <a:p>
+                <a:r>
+                  <a:rPr lang="en-US">
+                    <a:noFill/>
+                  </a:rPr>
+                  <a:t> </a:t>
+                </a:r>
+              </a:p>
+            </p:txBody>
+          </p:sp>
+        </mc:Fallback>
+      </mc:AlternateContent>
+    </p:spTree>
+    <p:extLst>
+      <p:ext uri="{BB962C8B-B14F-4D97-AF65-F5344CB8AC3E}">
+        <p14:creationId xmlns:p14="http://schemas.microsoft.com/office/powerpoint/2010/main" val="1878632474"/>
+      </p:ext>
+    </p:extLst>
+  </p:cSld>
+  <p:clrMapOvr>
+    <a:masterClrMapping/>
+  </p:clrMapOvr>
+</p:sld>
+</file>
+
+<file path=ppt/slides/slide19.xml><?xml version="1.0" encoding="utf-8"?>
+<p:sld xmlns:a="http://schemas.openxmlformats.org/drawingml/2006/main" xmlns:r="http://schemas.openxmlformats.org/officeDocument/2006/relationships" xmlns:p="http://schemas.openxmlformats.org/presentationml/2006/main">
+  <p:cSld>
+    <p:spTree>
+      <p:nvGrpSpPr>
+        <p:cNvPr id="1" name=""/>
+        <p:cNvGrpSpPr/>
+        <p:nvPr/>
+      </p:nvGrpSpPr>
+      <p:grpSpPr>
+        <a:xfrm>
+          <a:off x="0" y="0"/>
+          <a:ext cx="0" cy="0"/>
+          <a:chOff x="0" y="0"/>
+          <a:chExt cx="0" cy="0"/>
+        </a:xfrm>
+      </p:grpSpPr>
+      <p:sp>
+        <p:nvSpPr>
+          <p:cNvPr id="19" name="Arc 18">
+            <a:extLst>
+              <a:ext uri="{FF2B5EF4-FFF2-40B4-BE49-F238E27FC236}">
+                <a16:creationId xmlns:a16="http://schemas.microsoft.com/office/drawing/2014/main" id="{E58394AC-38C0-47E0-A150-D91B778C5EB4}"/>
+              </a:ext>
+            </a:extLst>
+          </p:cNvPr>
+          <p:cNvSpPr/>
+          <p:nvPr/>
+        </p:nvSpPr>
+        <p:spPr>
+          <a:xfrm rot="14038039">
+            <a:off x="4920109" y="3230530"/>
+            <a:ext cx="246985" cy="232871"/>
+          </a:xfrm>
+          <a:prstGeom prst="arc">
+            <a:avLst>
+              <a:gd name="adj1" fmla="val 16200000"/>
+              <a:gd name="adj2" fmla="val 324231"/>
+            </a:avLst>
+          </a:prstGeom>
+          <a:ln w="22225">
+            <a:solidFill>
+              <a:schemeClr val="tx1"/>
+            </a:solidFill>
+          </a:ln>
+        </p:spPr>
+        <p:style>
+          <a:lnRef idx="1">
+            <a:schemeClr val="accent1"/>
+          </a:lnRef>
+          <a:fillRef idx="0">
+            <a:schemeClr val="accent1"/>
+          </a:fillRef>
+          <a:effectRef idx="0">
+            <a:schemeClr val="accent1"/>
+          </a:effectRef>
+          <a:fontRef idx="minor">
+            <a:schemeClr val="tx1"/>
+          </a:fontRef>
+        </p:style>
+        <p:txBody>
+          <a:bodyPr rtlCol="0" anchor="ctr"/>
+          <a:lstStyle/>
+          <a:p>
+            <a:pPr algn="ctr"/>
+            <a:endParaRPr lang="en-US" dirty="0"/>
+          </a:p>
+        </p:txBody>
+      </p:sp>
+      <p:cxnSp>
+        <p:nvCxnSpPr>
+          <p:cNvPr id="7" name="Straight Connector 6">
+            <a:extLst>
+              <a:ext uri="{FF2B5EF4-FFF2-40B4-BE49-F238E27FC236}">
+                <a16:creationId xmlns:a16="http://schemas.microsoft.com/office/drawing/2014/main" id="{2AE30DF7-F324-42AC-BC0B-F40738ACD064}"/>
+              </a:ext>
+            </a:extLst>
+          </p:cNvPr>
+          <p:cNvCxnSpPr>
+            <a:cxnSpLocks/>
+          </p:cNvCxnSpPr>
+          <p:nvPr/>
+        </p:nvCxnSpPr>
+        <p:spPr>
+          <a:xfrm>
+            <a:off x="3340490" y="3429000"/>
+            <a:ext cx="4307058" cy="0"/>
+          </a:xfrm>
+          <a:prstGeom prst="line">
+            <a:avLst/>
+          </a:prstGeom>
+          <a:ln w="41275">
+            <a:solidFill>
+              <a:schemeClr val="tx1"/>
+            </a:solidFill>
+            <a:prstDash val="dash"/>
+          </a:ln>
+        </p:spPr>
+        <p:style>
+          <a:lnRef idx="1">
+            <a:schemeClr val="accent1"/>
+          </a:lnRef>
+          <a:fillRef idx="0">
+            <a:schemeClr val="accent1"/>
+          </a:fillRef>
+          <a:effectRef idx="0">
+            <a:schemeClr val="accent1"/>
+          </a:effectRef>
+          <a:fontRef idx="minor">
+            <a:schemeClr val="tx1"/>
+          </a:fontRef>
+        </p:style>
+      </p:cxnSp>
+      <p:cxnSp>
+        <p:nvCxnSpPr>
+          <p:cNvPr id="8" name="Straight Arrow Connector 7">
+            <a:extLst>
+              <a:ext uri="{FF2B5EF4-FFF2-40B4-BE49-F238E27FC236}">
+                <a16:creationId xmlns:a16="http://schemas.microsoft.com/office/drawing/2014/main" id="{8CF98A6F-DE1F-493A-845B-4394FA4CE3DA}"/>
+              </a:ext>
+            </a:extLst>
+          </p:cNvPr>
+          <p:cNvCxnSpPr>
+            <a:cxnSpLocks/>
+          </p:cNvCxnSpPr>
+          <p:nvPr/>
+        </p:nvCxnSpPr>
+        <p:spPr>
+          <a:xfrm flipH="1" flipV="1">
+            <a:off x="4259580" y="2362200"/>
+            <a:ext cx="891542" cy="1066802"/>
+          </a:xfrm>
+          <a:prstGeom prst="straightConnector1">
+            <a:avLst/>
+          </a:prstGeom>
+          <a:ln w="44450">
+            <a:solidFill>
+              <a:schemeClr val="accent2">
+                <a:lumMod val="75000"/>
+              </a:schemeClr>
+            </a:solidFill>
+            <a:tailEnd type="stealth" w="lg" len="lg"/>
+          </a:ln>
+        </p:spPr>
+        <p:style>
+          <a:lnRef idx="1">
+            <a:schemeClr val="accent1"/>
+          </a:lnRef>
+          <a:fillRef idx="0">
+            <a:schemeClr val="accent1"/>
+          </a:fillRef>
+          <a:effectRef idx="0">
+            <a:schemeClr val="accent1"/>
+          </a:effectRef>
+          <a:fontRef idx="minor">
+            <a:schemeClr val="tx1"/>
+          </a:fontRef>
+        </p:style>
+      </p:cxnSp>
+      <mc:AlternateContent xmlns:mc="http://schemas.openxmlformats.org/markup-compatibility/2006">
+        <mc:Choice xmlns:a14="http://schemas.microsoft.com/office/drawing/2010/main" Requires="a14">
+          <p:sp>
+            <p:nvSpPr>
+              <p:cNvPr id="9" name="TextBox 8">
+                <a:extLst>
+                  <a:ext uri="{FF2B5EF4-FFF2-40B4-BE49-F238E27FC236}">
+                    <a16:creationId xmlns:a16="http://schemas.microsoft.com/office/drawing/2014/main" id="{DBEDF98F-2FBF-431C-B55E-327A41D461E3}"/>
+                  </a:ext>
+                </a:extLst>
+              </p:cNvPr>
+              <p:cNvSpPr txBox="1"/>
+              <p:nvPr/>
+            </p:nvSpPr>
+            <p:spPr>
+              <a:xfrm>
+                <a:off x="3818612" y="2464714"/>
+                <a:ext cx="555537" cy="430887"/>
+              </a:xfrm>
+              <a:prstGeom prst="rect">
+                <a:avLst/>
+              </a:prstGeom>
+              <a:noFill/>
+            </p:spPr>
+            <p:txBody>
+              <a:bodyPr wrap="square" lIns="0" tIns="0" rIns="0" bIns="0" rtlCol="0">
+                <a:spAutoFit/>
+              </a:bodyPr>
+              <a:lstStyle/>
+              <a:p>
+                <a:pPr/>
+                <a14:m>
+                  <m:oMathPara xmlns:m="http://schemas.openxmlformats.org/officeDocument/2006/math">
+                    <m:oMathParaPr>
+                      <m:jc m:val="centerGroup"/>
+                    </m:oMathParaPr>
+                    <m:oMath xmlns:m="http://schemas.openxmlformats.org/officeDocument/2006/math">
+                      <m:acc>
+                        <m:accPr>
+                          <m:chr m:val="⃗"/>
+                          <m:ctrlPr>
+                            <a:rPr lang="en-US" sz="2800" b="0" i="1" smtClean="0">
+                              <a:solidFill>
+                                <a:schemeClr val="accent2">
+                                  <a:lumMod val="75000"/>
+                                </a:schemeClr>
+                              </a:solidFill>
+                              <a:latin typeface="Cambria Math" panose="02040503050406030204" pitchFamily="18" charset="0"/>
+                            </a:rPr>
+                          </m:ctrlPr>
+                        </m:accPr>
+                        <m:e>
+                          <m:r>
+                            <a:rPr lang="en-US" sz="2800" b="0" i="1" smtClean="0">
+                              <a:solidFill>
+                                <a:schemeClr val="accent2">
+                                  <a:lumMod val="75000"/>
+                                </a:schemeClr>
+                              </a:solidFill>
+                              <a:latin typeface="Cambria Math" panose="02040503050406030204" pitchFamily="18" charset="0"/>
+                            </a:rPr>
+                            <m:t>𝑣</m:t>
+                          </m:r>
+                        </m:e>
+                      </m:acc>
+                    </m:oMath>
+                  </m:oMathPara>
+                </a14:m>
+                <a:endParaRPr lang="en-US" sz="2800" dirty="0">
+                  <a:solidFill>
+                    <a:schemeClr val="accent2">
+                      <a:lumMod val="75000"/>
+                    </a:schemeClr>
+                  </a:solidFill>
+                </a:endParaRPr>
+              </a:p>
+            </p:txBody>
+          </p:sp>
+        </mc:Choice>
+        <mc:Fallback>
+          <p:sp>
+            <p:nvSpPr>
+              <p:cNvPr id="9" name="TextBox 8">
+                <a:extLst>
+                  <a:ext uri="{FF2B5EF4-FFF2-40B4-BE49-F238E27FC236}">
+                    <a16:creationId xmlns:a16="http://schemas.microsoft.com/office/drawing/2014/main" id="{DBEDF98F-2FBF-431C-B55E-327A41D461E3}"/>
+                  </a:ext>
+                </a:extLst>
+              </p:cNvPr>
+              <p:cNvSpPr txBox="1">
+                <a:spLocks noRot="1" noChangeAspect="1" noMove="1" noResize="1" noEditPoints="1" noAdjustHandles="1" noChangeArrowheads="1" noChangeShapeType="1" noTextEdit="1"/>
+              </p:cNvSpPr>
+              <p:nvPr/>
+            </p:nvSpPr>
+            <p:spPr>
+              <a:xfrm>
+                <a:off x="3818612" y="2464714"/>
+                <a:ext cx="555537" cy="430887"/>
+              </a:xfrm>
+              <a:prstGeom prst="rect">
+                <a:avLst/>
+              </a:prstGeom>
+              <a:blipFill>
+                <a:blip r:embed="rId2"/>
+                <a:stretch>
+                  <a:fillRect/>
+                </a:stretch>
+              </a:blipFill>
+            </p:spPr>
+            <p:txBody>
+              <a:bodyPr/>
+              <a:lstStyle/>
+              <a:p>
+                <a:r>
+                  <a:rPr lang="en-US">
+                    <a:noFill/>
+                  </a:rPr>
+                  <a:t> </a:t>
+                </a:r>
+              </a:p>
+            </p:txBody>
+          </p:sp>
+        </mc:Fallback>
+      </mc:AlternateContent>
+      <p:cxnSp>
+        <p:nvCxnSpPr>
+          <p:cNvPr id="14" name="Straight Arrow Connector 13">
+            <a:extLst>
+              <a:ext uri="{FF2B5EF4-FFF2-40B4-BE49-F238E27FC236}">
+                <a16:creationId xmlns:a16="http://schemas.microsoft.com/office/drawing/2014/main" id="{4B13E82B-9094-49D9-9AB1-C7D17C042230}"/>
+              </a:ext>
+            </a:extLst>
+          </p:cNvPr>
+          <p:cNvCxnSpPr>
+            <a:cxnSpLocks/>
+          </p:cNvCxnSpPr>
+          <p:nvPr/>
+        </p:nvCxnSpPr>
+        <p:spPr>
+          <a:xfrm>
+            <a:off x="4259580" y="2362200"/>
+            <a:ext cx="1234439" cy="0"/>
+          </a:xfrm>
+          <a:prstGeom prst="straightConnector1">
+            <a:avLst/>
+          </a:prstGeom>
+          <a:ln w="44450">
+            <a:solidFill>
+              <a:schemeClr val="tx1"/>
+            </a:solidFill>
+            <a:tailEnd type="stealth" w="lg" len="lg"/>
+          </a:ln>
+        </p:spPr>
+        <p:style>
+          <a:lnRef idx="1">
+            <a:schemeClr val="accent1"/>
+          </a:lnRef>
+          <a:fillRef idx="0">
+            <a:schemeClr val="accent1"/>
+          </a:fillRef>
+          <a:effectRef idx="0">
+            <a:schemeClr val="accent1"/>
+          </a:effectRef>
+          <a:fontRef idx="minor">
+            <a:schemeClr val="tx1"/>
+          </a:fontRef>
+        </p:style>
+      </p:cxnSp>
+      <mc:AlternateContent xmlns:mc="http://schemas.openxmlformats.org/markup-compatibility/2006">
+        <mc:Choice xmlns:a14="http://schemas.microsoft.com/office/drawing/2010/main" Requires="a14">
+          <p:sp>
+            <p:nvSpPr>
+              <p:cNvPr id="18" name="TextBox 17">
+                <a:extLst>
+                  <a:ext uri="{FF2B5EF4-FFF2-40B4-BE49-F238E27FC236}">
+                    <a16:creationId xmlns:a16="http://schemas.microsoft.com/office/drawing/2014/main" id="{34FE02EC-9E36-437D-85FF-3DD91D7DB0B4}"/>
+                  </a:ext>
+                </a:extLst>
+              </p:cNvPr>
+              <p:cNvSpPr txBox="1"/>
+              <p:nvPr/>
+            </p:nvSpPr>
+            <p:spPr>
+              <a:xfrm>
+                <a:off x="4957171" y="1868271"/>
+                <a:ext cx="555537" cy="430887"/>
+              </a:xfrm>
+              <a:prstGeom prst="rect">
+                <a:avLst/>
+              </a:prstGeom>
+              <a:noFill/>
+            </p:spPr>
+            <p:txBody>
+              <a:bodyPr wrap="square" lIns="0" tIns="0" rIns="0" bIns="0" rtlCol="0">
+                <a:spAutoFit/>
+              </a:bodyPr>
+              <a:lstStyle/>
+              <a:p>
+                <a:pPr/>
+                <a14:m>
+                  <m:oMathPara xmlns:m="http://schemas.openxmlformats.org/officeDocument/2006/math">
+                    <m:oMathParaPr>
+                      <m:jc m:val="centerGroup"/>
+                    </m:oMathParaPr>
+                    <m:oMath xmlns:m="http://schemas.openxmlformats.org/officeDocument/2006/math">
+                      <m:acc>
+                        <m:accPr>
+                          <m:chr m:val="⃗"/>
+                          <m:ctrlPr>
+                            <a:rPr lang="en-US" sz="2800" b="0" i="1" smtClean="0">
+                              <a:solidFill>
+                                <a:schemeClr val="tx1"/>
+                              </a:solidFill>
+                              <a:latin typeface="Cambria Math" panose="02040503050406030204" pitchFamily="18" charset="0"/>
+                            </a:rPr>
+                          </m:ctrlPr>
+                        </m:accPr>
+                        <m:e>
+                          <m:r>
+                            <a:rPr lang="en-US" sz="2800" b="0" i="1" smtClean="0">
+                              <a:solidFill>
+                                <a:schemeClr val="tx1"/>
+                              </a:solidFill>
+                              <a:latin typeface="Cambria Math" panose="02040503050406030204" pitchFamily="18" charset="0"/>
+                            </a:rPr>
+                            <m:t>𝑢</m:t>
+                          </m:r>
+                        </m:e>
+                      </m:acc>
+                    </m:oMath>
+                  </m:oMathPara>
+                </a14:m>
+                <a:endParaRPr lang="en-US" sz="2800" dirty="0">
+                  <a:solidFill>
+                    <a:schemeClr val="tx1"/>
+                  </a:solidFill>
+                </a:endParaRPr>
+              </a:p>
+            </p:txBody>
+          </p:sp>
+        </mc:Choice>
+        <mc:Fallback>
+          <p:sp>
+            <p:nvSpPr>
+              <p:cNvPr id="18" name="TextBox 17">
+                <a:extLst>
+                  <a:ext uri="{FF2B5EF4-FFF2-40B4-BE49-F238E27FC236}">
+                    <a16:creationId xmlns:a16="http://schemas.microsoft.com/office/drawing/2014/main" id="{34FE02EC-9E36-437D-85FF-3DD91D7DB0B4}"/>
+                  </a:ext>
+                </a:extLst>
+              </p:cNvPr>
+              <p:cNvSpPr txBox="1">
+                <a:spLocks noRot="1" noChangeAspect="1" noMove="1" noResize="1" noEditPoints="1" noAdjustHandles="1" noChangeArrowheads="1" noChangeShapeType="1" noTextEdit="1"/>
+              </p:cNvSpPr>
+              <p:nvPr/>
+            </p:nvSpPr>
+            <p:spPr>
+              <a:xfrm>
+                <a:off x="4957171" y="1868271"/>
+                <a:ext cx="555537" cy="430887"/>
+              </a:xfrm>
+              <a:prstGeom prst="rect">
+                <a:avLst/>
+              </a:prstGeom>
+              <a:blipFill>
+                <a:blip r:embed="rId3"/>
+                <a:stretch>
+                  <a:fillRect/>
+                </a:stretch>
+              </a:blipFill>
+            </p:spPr>
+            <p:txBody>
+              <a:bodyPr/>
+              <a:lstStyle/>
+              <a:p>
+                <a:r>
+                  <a:rPr lang="en-US">
+                    <a:noFill/>
+                  </a:rPr>
+                  <a:t> </a:t>
+                </a:r>
+              </a:p>
+            </p:txBody>
+          </p:sp>
+        </mc:Fallback>
+      </mc:AlternateContent>
+      <mc:AlternateContent xmlns:mc="http://schemas.openxmlformats.org/markup-compatibility/2006">
+        <mc:Choice xmlns:a14="http://schemas.microsoft.com/office/drawing/2010/main" Requires="a14">
+          <p:sp>
+            <p:nvSpPr>
+              <p:cNvPr id="20" name="TextBox 19">
+                <a:extLst>
+                  <a:ext uri="{FF2B5EF4-FFF2-40B4-BE49-F238E27FC236}">
+                    <a16:creationId xmlns:a16="http://schemas.microsoft.com/office/drawing/2014/main" id="{CF541E3B-8CF7-445A-B6DE-B76460EE98B9}"/>
+                  </a:ext>
+                </a:extLst>
+              </p:cNvPr>
+              <p:cNvSpPr txBox="1"/>
+              <p:nvPr/>
+            </p:nvSpPr>
+            <p:spPr>
+              <a:xfrm>
+                <a:off x="4498702" y="3079991"/>
+                <a:ext cx="555537" cy="369332"/>
+              </a:xfrm>
+              <a:prstGeom prst="rect">
+                <a:avLst/>
+              </a:prstGeom>
+              <a:noFill/>
+            </p:spPr>
+            <p:txBody>
+              <a:bodyPr wrap="square" lIns="0" tIns="0" rIns="0" bIns="0" rtlCol="0">
+                <a:spAutoFit/>
+              </a:bodyPr>
+              <a:lstStyle/>
+              <a:p>
+                <a:pPr/>
+                <a14:m>
+                  <m:oMathPara xmlns:m="http://schemas.openxmlformats.org/officeDocument/2006/math">
+                    <m:oMathParaPr>
+                      <m:jc m:val="centerGroup"/>
+                    </m:oMathParaPr>
+                    <m:oMath xmlns:m="http://schemas.openxmlformats.org/officeDocument/2006/math">
+                      <m:r>
+                        <a:rPr lang="en-US" sz="2400" b="0" i="1" smtClean="0">
+                          <a:latin typeface="Cambria Math" panose="02040503050406030204" pitchFamily="18" charset="0"/>
+                          <a:ea typeface="Cambria Math" panose="02040503050406030204" pitchFamily="18" charset="0"/>
+                        </a:rPr>
+                        <m:t>𝛼</m:t>
+                      </m:r>
+                    </m:oMath>
+                  </m:oMathPara>
+                </a14:m>
+                <a:endParaRPr lang="en-US" sz="3200" dirty="0"/>
+              </a:p>
+            </p:txBody>
+          </p:sp>
+        </mc:Choice>
+        <mc:Fallback>
+          <p:sp>
+            <p:nvSpPr>
+              <p:cNvPr id="20" name="TextBox 19">
+                <a:extLst>
+                  <a:ext uri="{FF2B5EF4-FFF2-40B4-BE49-F238E27FC236}">
+                    <a16:creationId xmlns:a16="http://schemas.microsoft.com/office/drawing/2014/main" id="{CF541E3B-8CF7-445A-B6DE-B76460EE98B9}"/>
+                  </a:ext>
+                </a:extLst>
+              </p:cNvPr>
+              <p:cNvSpPr txBox="1">
+                <a:spLocks noRot="1" noChangeAspect="1" noMove="1" noResize="1" noEditPoints="1" noAdjustHandles="1" noChangeArrowheads="1" noChangeShapeType="1" noTextEdit="1"/>
+              </p:cNvSpPr>
+              <p:nvPr/>
+            </p:nvSpPr>
+            <p:spPr>
+              <a:xfrm>
+                <a:off x="4498702" y="3079991"/>
+                <a:ext cx="555537" cy="369332"/>
+              </a:xfrm>
+              <a:prstGeom prst="rect">
+                <a:avLst/>
+              </a:prstGeom>
+              <a:blipFill>
+                <a:blip r:embed="rId4"/>
+                <a:stretch>
+                  <a:fillRect/>
+                </a:stretch>
+              </a:blipFill>
+            </p:spPr>
+            <p:txBody>
+              <a:bodyPr/>
+              <a:lstStyle/>
+              <a:p>
+                <a:r>
+                  <a:rPr lang="en-US">
+                    <a:noFill/>
+                  </a:rPr>
+                  <a:t> </a:t>
+                </a:r>
+              </a:p>
+            </p:txBody>
+          </p:sp>
+        </mc:Fallback>
+      </mc:AlternateContent>
+      <p:cxnSp>
+        <p:nvCxnSpPr>
+          <p:cNvPr id="22" name="Straight Connector 21">
+            <a:extLst>
+              <a:ext uri="{FF2B5EF4-FFF2-40B4-BE49-F238E27FC236}">
+                <a16:creationId xmlns:a16="http://schemas.microsoft.com/office/drawing/2014/main" id="{70656810-E256-4A2A-8E4B-1B16854326A7}"/>
+              </a:ext>
+            </a:extLst>
+          </p:cNvPr>
+          <p:cNvCxnSpPr>
+            <a:cxnSpLocks/>
+          </p:cNvCxnSpPr>
+          <p:nvPr/>
+        </p:nvCxnSpPr>
+        <p:spPr>
+          <a:xfrm>
+            <a:off x="3359179" y="1868271"/>
+            <a:ext cx="4307058" cy="0"/>
+          </a:xfrm>
+          <a:prstGeom prst="line">
+            <a:avLst/>
+          </a:prstGeom>
+          <a:ln w="41275">
+            <a:solidFill>
+              <a:schemeClr val="tx1"/>
+            </a:solidFill>
+            <a:prstDash val="dash"/>
+          </a:ln>
+        </p:spPr>
+        <p:style>
+          <a:lnRef idx="1">
+            <a:schemeClr val="accent1"/>
+          </a:lnRef>
+          <a:fillRef idx="0">
+            <a:schemeClr val="accent1"/>
+          </a:fillRef>
+          <a:effectRef idx="0">
+            <a:schemeClr val="accent1"/>
+          </a:effectRef>
+          <a:fontRef idx="minor">
+            <a:schemeClr val="tx1"/>
+          </a:fontRef>
+        </p:style>
+      </p:cxnSp>
+      <p:cxnSp>
+        <p:nvCxnSpPr>
+          <p:cNvPr id="24" name="Straight Arrow Connector 23">
+            <a:extLst>
+              <a:ext uri="{FF2B5EF4-FFF2-40B4-BE49-F238E27FC236}">
+                <a16:creationId xmlns:a16="http://schemas.microsoft.com/office/drawing/2014/main" id="{7575C71C-84F2-4524-98C6-9B6776E28052}"/>
+              </a:ext>
+            </a:extLst>
+          </p:cNvPr>
+          <p:cNvCxnSpPr/>
+          <p:nvPr/>
+        </p:nvCxnSpPr>
+        <p:spPr>
+          <a:xfrm>
+            <a:off x="6827520" y="1868271"/>
+            <a:ext cx="0" cy="1581052"/>
+          </a:xfrm>
+          <a:prstGeom prst="straightConnector1">
+            <a:avLst/>
+          </a:prstGeom>
+          <a:ln w="38100">
+            <a:solidFill>
+              <a:schemeClr val="tx1"/>
+            </a:solidFill>
+            <a:headEnd type="stealth" w="lg" len="lg"/>
+            <a:tailEnd type="stealth" w="lg" len="lg"/>
+          </a:ln>
+        </p:spPr>
+        <p:style>
+          <a:lnRef idx="1">
+            <a:schemeClr val="accent1"/>
+          </a:lnRef>
+          <a:fillRef idx="0">
+            <a:schemeClr val="accent1"/>
+          </a:fillRef>
+          <a:effectRef idx="0">
+            <a:schemeClr val="accent1"/>
+          </a:effectRef>
+          <a:fontRef idx="minor">
+            <a:schemeClr val="tx1"/>
+          </a:fontRef>
+        </p:style>
+      </p:cxnSp>
+      <mc:AlternateContent xmlns:mc="http://schemas.openxmlformats.org/markup-compatibility/2006">
+        <mc:Choice xmlns:a14="http://schemas.microsoft.com/office/drawing/2010/main" Requires="a14">
+          <p:sp>
+            <p:nvSpPr>
+              <p:cNvPr id="25" name="TextBox 24">
+                <a:extLst>
+                  <a:ext uri="{FF2B5EF4-FFF2-40B4-BE49-F238E27FC236}">
+                    <a16:creationId xmlns:a16="http://schemas.microsoft.com/office/drawing/2014/main" id="{9DFFD193-7754-42AA-8534-4CA3D32A4621}"/>
+                  </a:ext>
+                </a:extLst>
+              </p:cNvPr>
+              <p:cNvSpPr txBox="1"/>
+              <p:nvPr/>
+            </p:nvSpPr>
+            <p:spPr>
+              <a:xfrm>
+                <a:off x="6843691" y="2412575"/>
+                <a:ext cx="403187" cy="492443"/>
+              </a:xfrm>
+              <a:prstGeom prst="rect">
+                <a:avLst/>
+              </a:prstGeom>
+              <a:noFill/>
+            </p:spPr>
+            <p:txBody>
+              <a:bodyPr wrap="none" lIns="0" tIns="0" rIns="0" bIns="0" rtlCol="0">
+                <a:spAutoFit/>
+              </a:bodyPr>
+              <a:lstStyle/>
+              <a:p>
+                <a14:m>
+                  <m:oMathPara xmlns:m="http://schemas.openxmlformats.org/officeDocument/2006/math">
+                    <m:oMathParaPr>
+                      <m:jc m:val="centerGroup"/>
+                    </m:oMathParaPr>
+                    <m:oMath xmlns:m="http://schemas.openxmlformats.org/officeDocument/2006/math">
+                      <m:r>
+                        <a:rPr lang="en-US" sz="3200" b="0" i="1" smtClean="0">
+                          <a:latin typeface="Cambria Math" panose="02040503050406030204" pitchFamily="18" charset="0"/>
+                        </a:rPr>
+                        <m:t>𝐻</m:t>
+                      </m:r>
+                    </m:oMath>
+                  </m:oMathPara>
+                </a14:m>
+                <a:endParaRPr lang="en-US" sz="3200" dirty="0"/>
+              </a:p>
+            </p:txBody>
+          </p:sp>
+        </mc:Choice>
+        <mc:Fallback>
+          <p:sp>
+            <p:nvSpPr>
+              <p:cNvPr id="25" name="TextBox 24">
+                <a:extLst>
+                  <a:ext uri="{FF2B5EF4-FFF2-40B4-BE49-F238E27FC236}">
+                    <a16:creationId xmlns:a16="http://schemas.microsoft.com/office/drawing/2014/main" id="{9DFFD193-7754-42AA-8534-4CA3D32A4621}"/>
+                  </a:ext>
+                </a:extLst>
+              </p:cNvPr>
+              <p:cNvSpPr txBox="1">
+                <a:spLocks noRot="1" noChangeAspect="1" noMove="1" noResize="1" noEditPoints="1" noAdjustHandles="1" noChangeArrowheads="1" noChangeShapeType="1" noTextEdit="1"/>
+              </p:cNvSpPr>
+              <p:nvPr/>
+            </p:nvSpPr>
+            <p:spPr>
+              <a:xfrm>
+                <a:off x="6843691" y="2412575"/>
+                <a:ext cx="403187" cy="492443"/>
+              </a:xfrm>
+              <a:prstGeom prst="rect">
+                <a:avLst/>
+              </a:prstGeom>
+              <a:blipFill>
+                <a:blip r:embed="rId5"/>
+                <a:stretch>
+                  <a:fillRect/>
+                </a:stretch>
+              </a:blipFill>
+            </p:spPr>
+            <p:txBody>
+              <a:bodyPr/>
+              <a:lstStyle/>
+              <a:p>
+                <a:r>
+                  <a:rPr lang="en-US">
+                    <a:noFill/>
+                  </a:rPr>
+                  <a:t> </a:t>
+                </a:r>
+              </a:p>
+            </p:txBody>
+          </p:sp>
+        </mc:Fallback>
+      </mc:AlternateContent>
+    </p:spTree>
+    <p:extLst>
+      <p:ext uri="{BB962C8B-B14F-4D97-AF65-F5344CB8AC3E}">
+        <p14:creationId xmlns:p14="http://schemas.microsoft.com/office/powerpoint/2010/main" val="3968569689"/>
       </p:ext>
     </p:extLst>
   </p:cSld>

--- a/volunteer/Drawings.pptx
+++ b/volunteer/Drawings.pptx
@@ -9977,7 +9977,7 @@
         </p:nvSpPr>
         <p:spPr>
           <a:xfrm flipH="1">
-            <a:off x="5212422" y="2358132"/>
+            <a:off x="7360965" y="5361092"/>
             <a:ext cx="1318580" cy="1139952"/>
           </a:xfrm>
           <a:prstGeom prst="ellipse">
@@ -10179,8 +10179,8 @@
           </a:fontRef>
         </p:style>
       </p:cxnSp>
-      <mc:AlternateContent xmlns:mc="http://schemas.openxmlformats.org/markup-compatibility/2006">
-        <mc:Choice xmlns:a14="http://schemas.microsoft.com/office/drawing/2010/main" Requires="a14">
+      <mc:AlternateContent xmlns:mc="http://schemas.openxmlformats.org/markup-compatibility/2006" xmlns:a14="http://schemas.microsoft.com/office/drawing/2010/main">
+        <mc:Choice Requires="a14">
           <p:sp>
             <p:nvSpPr>
               <p:cNvPr id="21" name="TextBox 20">
@@ -10230,7 +10230,7 @@
             </p:txBody>
           </p:sp>
         </mc:Choice>
-        <mc:Fallback>
+        <mc:Fallback xmlns="">
           <p:sp>
             <p:nvSpPr>
               <p:cNvPr id="21" name="TextBox 20">
@@ -10275,8 +10275,8 @@
           </p:sp>
         </mc:Fallback>
       </mc:AlternateContent>
-      <mc:AlternateContent xmlns:mc="http://schemas.openxmlformats.org/markup-compatibility/2006">
-        <mc:Choice xmlns:a14="http://schemas.microsoft.com/office/drawing/2010/main" Requires="a14">
+      <mc:AlternateContent xmlns:mc="http://schemas.openxmlformats.org/markup-compatibility/2006" xmlns:a14="http://schemas.microsoft.com/office/drawing/2010/main">
+        <mc:Choice Requires="a14">
           <p:sp>
             <p:nvSpPr>
               <p:cNvPr id="23" name="TextBox 22">
@@ -10326,7 +10326,7 @@
             </p:txBody>
           </p:sp>
         </mc:Choice>
-        <mc:Fallback>
+        <mc:Fallback xmlns="">
           <p:sp>
             <p:nvSpPr>
               <p:cNvPr id="23" name="TextBox 22">
@@ -10423,8 +10423,8 @@
           </a:p>
         </p:txBody>
       </p:sp>
-      <mc:AlternateContent xmlns:mc="http://schemas.openxmlformats.org/markup-compatibility/2006">
-        <mc:Choice xmlns:a14="http://schemas.microsoft.com/office/drawing/2010/main" Requires="a14">
+      <mc:AlternateContent xmlns:mc="http://schemas.openxmlformats.org/markup-compatibility/2006" xmlns:a14="http://schemas.microsoft.com/office/drawing/2010/main">
+        <mc:Choice Requires="a14">
           <p:sp>
             <p:nvSpPr>
               <p:cNvPr id="27" name="TextBox 26">
@@ -10475,7 +10475,7 @@
             </p:txBody>
           </p:sp>
         </mc:Choice>
-        <mc:Fallback>
+        <mc:Fallback xmlns="">
           <p:sp>
             <p:nvSpPr>
               <p:cNvPr id="27" name="TextBox 26">
@@ -10722,8 +10722,8 @@
           </a:fontRef>
         </p:style>
       </p:cxnSp>
-      <mc:AlternateContent xmlns:mc="http://schemas.openxmlformats.org/markup-compatibility/2006">
-        <mc:Choice xmlns:a14="http://schemas.microsoft.com/office/drawing/2010/main" Requires="a14">
+      <mc:AlternateContent xmlns:mc="http://schemas.openxmlformats.org/markup-compatibility/2006" xmlns:a14="http://schemas.microsoft.com/office/drawing/2010/main">
+        <mc:Choice Requires="a14">
           <p:sp>
             <p:nvSpPr>
               <p:cNvPr id="12" name="TextBox 11">
@@ -10795,7 +10795,7 @@
             </p:txBody>
           </p:sp>
         </mc:Choice>
-        <mc:Fallback>
+        <mc:Fallback xmlns="">
           <p:sp>
             <p:nvSpPr>
               <p:cNvPr id="12" name="TextBox 11">
@@ -10885,8 +10885,8 @@
           </a:fontRef>
         </p:style>
       </p:cxnSp>
-      <mc:AlternateContent xmlns:mc="http://schemas.openxmlformats.org/markup-compatibility/2006">
-        <mc:Choice xmlns:a14="http://schemas.microsoft.com/office/drawing/2010/main" Requires="a14">
+      <mc:AlternateContent xmlns:mc="http://schemas.openxmlformats.org/markup-compatibility/2006" xmlns:a14="http://schemas.microsoft.com/office/drawing/2010/main">
+        <mc:Choice Requires="a14">
           <p:sp>
             <p:nvSpPr>
               <p:cNvPr id="17" name="TextBox 16">
@@ -10958,7 +10958,7 @@
             </p:txBody>
           </p:sp>
         </mc:Choice>
-        <mc:Fallback>
+        <mc:Fallback xmlns="">
           <p:sp>
             <p:nvSpPr>
               <p:cNvPr id="17" name="TextBox 16">
@@ -11031,7 +11031,7 @@
         </p:blipFill>
         <p:spPr>
           <a:xfrm>
-            <a:off x="5462901" y="1507877"/>
+            <a:off x="7611444" y="4510837"/>
             <a:ext cx="4549534" cy="2347163"/>
           </a:xfrm>
           <a:prstGeom prst="rect">
@@ -11055,7 +11055,7 @@
         </p:nvCxnSpPr>
         <p:spPr>
           <a:xfrm flipH="1">
-            <a:off x="5684520" y="1962912"/>
+            <a:off x="7833063" y="4965872"/>
             <a:ext cx="2892552" cy="1466088"/>
           </a:xfrm>
           <a:prstGeom prst="straightConnector1">
@@ -11099,7 +11099,7 @@
         </p:nvCxnSpPr>
         <p:spPr>
           <a:xfrm flipH="1">
-            <a:off x="7571232" y="1962912"/>
+            <a:off x="9719775" y="4965872"/>
             <a:ext cx="963168" cy="1414272"/>
           </a:xfrm>
           <a:prstGeom prst="straightConnector1">
@@ -11141,7 +11141,7 @@
         </p:nvSpPr>
         <p:spPr>
           <a:xfrm>
-            <a:off x="7737668" y="2523744"/>
+            <a:off x="9886211" y="5526704"/>
             <a:ext cx="248092" cy="201168"/>
           </a:xfrm>
           <a:prstGeom prst="ellipse">
@@ -11179,8 +11179,8 @@
           </a:p>
         </p:txBody>
       </p:sp>
-      <mc:AlternateContent xmlns:mc="http://schemas.openxmlformats.org/markup-compatibility/2006">
-        <mc:Choice xmlns:a14="http://schemas.microsoft.com/office/drawing/2010/main" Requires="a14">
+      <mc:AlternateContent xmlns:mc="http://schemas.openxmlformats.org/markup-compatibility/2006" xmlns:a14="http://schemas.microsoft.com/office/drawing/2010/main">
+        <mc:Choice Requires="a14">
           <p:sp>
             <p:nvSpPr>
               <p:cNvPr id="25" name="TextBox 24">
@@ -11195,7 +11195,7 @@
             </p:nvSpPr>
             <p:spPr>
               <a:xfrm>
-                <a:off x="7764980" y="3070300"/>
+                <a:off x="9913523" y="6073260"/>
                 <a:ext cx="287836" cy="430887"/>
               </a:xfrm>
               <a:prstGeom prst="rect">
@@ -11209,6 +11209,7 @@
               </a:bodyPr>
               <a:lstStyle/>
               <a:p>
+                <a:pPr/>
                 <a14:m>
                   <m:oMathPara xmlns:m="http://schemas.openxmlformats.org/officeDocument/2006/math">
                     <m:oMathParaPr>
@@ -11251,7 +11252,7 @@
             </p:txBody>
           </p:sp>
         </mc:Choice>
-        <mc:Fallback>
+        <mc:Fallback xmlns="">
           <p:sp>
             <p:nvSpPr>
               <p:cNvPr id="25" name="TextBox 24">
@@ -11268,7 +11269,7 @@
             </p:nvSpPr>
             <p:spPr>
               <a:xfrm>
-                <a:off x="7764980" y="3070300"/>
+                <a:off x="9913523" y="6073260"/>
                 <a:ext cx="287836" cy="430887"/>
               </a:xfrm>
               <a:prstGeom prst="rect">
@@ -11296,8 +11297,8 @@
           </p:sp>
         </mc:Fallback>
       </mc:AlternateContent>
-      <mc:AlternateContent xmlns:mc="http://schemas.openxmlformats.org/markup-compatibility/2006">
-        <mc:Choice xmlns:a14="http://schemas.microsoft.com/office/drawing/2010/main" Requires="a14">
+      <mc:AlternateContent xmlns:mc="http://schemas.openxmlformats.org/markup-compatibility/2006" xmlns:a14="http://schemas.microsoft.com/office/drawing/2010/main">
+        <mc:Choice Requires="a14">
           <p:sp>
             <p:nvSpPr>
               <p:cNvPr id="30" name="TextBox 29">
@@ -11312,7 +11313,7 @@
             </p:nvSpPr>
             <p:spPr>
               <a:xfrm>
-                <a:off x="5262030" y="2818763"/>
+                <a:off x="7410573" y="5821723"/>
                 <a:ext cx="699166" cy="430887"/>
               </a:xfrm>
               <a:prstGeom prst="rect">
@@ -11326,6 +11327,7 @@
               </a:bodyPr>
               <a:lstStyle/>
               <a:p>
+                <a:pPr/>
                 <a14:m>
                   <m:oMathPara xmlns:m="http://schemas.openxmlformats.org/officeDocument/2006/math">
                     <m:oMathParaPr>
@@ -11393,7 +11395,7 @@
             </p:txBody>
           </p:sp>
         </mc:Choice>
-        <mc:Fallback>
+        <mc:Fallback xmlns="">
           <p:sp>
             <p:nvSpPr>
               <p:cNvPr id="30" name="TextBox 29">
@@ -11410,7 +11412,7 @@
             </p:nvSpPr>
             <p:spPr>
               <a:xfrm>
-                <a:off x="5262030" y="2818763"/>
+                <a:off x="7410573" y="5821723"/>
                 <a:ext cx="699166" cy="430887"/>
               </a:xfrm>
               <a:prstGeom prst="rect">
@@ -11452,7 +11454,7 @@
         </p:nvSpPr>
         <p:spPr>
           <a:xfrm rot="3957188">
-            <a:off x="8448771" y="1816556"/>
+            <a:off x="10597314" y="4819516"/>
             <a:ext cx="181936" cy="311969"/>
           </a:xfrm>
           <a:prstGeom prst="ellipse">
@@ -11517,6 +11519,852 @@
           </a:p>
         </p:txBody>
       </p:sp>
+      <p:pic>
+        <p:nvPicPr>
+          <p:cNvPr id="5" name="Picture 4">
+            <a:extLst>
+              <a:ext uri="{FF2B5EF4-FFF2-40B4-BE49-F238E27FC236}">
+                <a16:creationId xmlns:a16="http://schemas.microsoft.com/office/drawing/2014/main" id="{87F21941-B618-4BE4-A4FA-6D8E52C91928}"/>
+              </a:ext>
+            </a:extLst>
+          </p:cNvPr>
+          <p:cNvPicPr>
+            <a:picLocks noChangeAspect="1"/>
+          </p:cNvPicPr>
+          <p:nvPr/>
+        </p:nvPicPr>
+        <p:blipFill>
+          <a:blip r:embed="rId10">
+            <a:extLst>
+              <a:ext uri="{28A0092B-C50C-407E-A947-70E740481C1C}">
+                <a14:useLocalDpi xmlns:a14="http://schemas.microsoft.com/office/drawing/2010/main" val="0"/>
+              </a:ext>
+            </a:extLst>
+          </a:blip>
+          <a:stretch>
+            <a:fillRect/>
+          </a:stretch>
+        </p:blipFill>
+        <p:spPr>
+          <a:xfrm>
+            <a:off x="7684926" y="1875692"/>
+            <a:ext cx="3659612" cy="1951343"/>
+          </a:xfrm>
+          <a:prstGeom prst="rect">
+            <a:avLst/>
+          </a:prstGeom>
+        </p:spPr>
+      </p:pic>
+      <p:cxnSp>
+        <p:nvCxnSpPr>
+          <p:cNvPr id="33" name="Straight Arrow Connector 32">
+            <a:extLst>
+              <a:ext uri="{FF2B5EF4-FFF2-40B4-BE49-F238E27FC236}">
+                <a16:creationId xmlns:a16="http://schemas.microsoft.com/office/drawing/2014/main" id="{A9890565-1E3B-4320-A048-4B113AD9F882}"/>
+              </a:ext>
+            </a:extLst>
+          </p:cNvPr>
+          <p:cNvCxnSpPr>
+            <a:cxnSpLocks/>
+          </p:cNvCxnSpPr>
+          <p:nvPr/>
+        </p:nvCxnSpPr>
+        <p:spPr>
+          <a:xfrm flipH="1">
+            <a:off x="7800315" y="3070860"/>
+            <a:ext cx="617517" cy="358140"/>
+          </a:xfrm>
+          <a:prstGeom prst="straightConnector1">
+            <a:avLst/>
+          </a:prstGeom>
+          <a:ln w="44450">
+            <a:solidFill>
+              <a:srgbClr val="FF0000"/>
+            </a:solidFill>
+            <a:tailEnd type="stealth" w="lg" len="lg"/>
+          </a:ln>
+        </p:spPr>
+        <p:style>
+          <a:lnRef idx="1">
+            <a:schemeClr val="accent1"/>
+          </a:lnRef>
+          <a:fillRef idx="0">
+            <a:schemeClr val="accent1"/>
+          </a:fillRef>
+          <a:effectRef idx="0">
+            <a:schemeClr val="accent1"/>
+          </a:effectRef>
+          <a:fontRef idx="minor">
+            <a:schemeClr val="tx1"/>
+          </a:fontRef>
+        </p:style>
+      </p:cxnSp>
+      <p:cxnSp>
+        <p:nvCxnSpPr>
+          <p:cNvPr id="34" name="Straight Arrow Connector 33">
+            <a:extLst>
+              <a:ext uri="{FF2B5EF4-FFF2-40B4-BE49-F238E27FC236}">
+                <a16:creationId xmlns:a16="http://schemas.microsoft.com/office/drawing/2014/main" id="{39FECE0B-A915-44BD-B4EB-63D46BEA884B}"/>
+              </a:ext>
+            </a:extLst>
+          </p:cNvPr>
+          <p:cNvCxnSpPr>
+            <a:cxnSpLocks/>
+          </p:cNvCxnSpPr>
+          <p:nvPr/>
+        </p:nvCxnSpPr>
+        <p:spPr>
+          <a:xfrm flipH="1" flipV="1">
+            <a:off x="9528673" y="2021840"/>
+            <a:ext cx="481584" cy="325120"/>
+          </a:xfrm>
+          <a:prstGeom prst="straightConnector1">
+            <a:avLst/>
+          </a:prstGeom>
+          <a:ln w="44450">
+            <a:solidFill>
+              <a:srgbClr val="FF0000"/>
+            </a:solidFill>
+            <a:tailEnd type="stealth" w="lg" len="lg"/>
+          </a:ln>
+        </p:spPr>
+        <p:style>
+          <a:lnRef idx="1">
+            <a:schemeClr val="accent1"/>
+          </a:lnRef>
+          <a:fillRef idx="0">
+            <a:schemeClr val="accent1"/>
+          </a:fillRef>
+          <a:effectRef idx="0">
+            <a:schemeClr val="accent1"/>
+          </a:effectRef>
+          <a:fontRef idx="minor">
+            <a:schemeClr val="tx1"/>
+          </a:fontRef>
+        </p:style>
+      </p:cxnSp>
+      <mc:AlternateContent xmlns:mc="http://schemas.openxmlformats.org/markup-compatibility/2006" xmlns:a14="http://schemas.microsoft.com/office/drawing/2010/main">
+        <mc:Choice Requires="a14">
+          <p:sp>
+            <p:nvSpPr>
+              <p:cNvPr id="18" name="TextBox 17">
+                <a:extLst>
+                  <a:ext uri="{FF2B5EF4-FFF2-40B4-BE49-F238E27FC236}">
+                    <a16:creationId xmlns:a16="http://schemas.microsoft.com/office/drawing/2014/main" id="{A406A710-13D1-4ABD-AAB4-6951AE2E3493}"/>
+                  </a:ext>
+                </a:extLst>
+              </p:cNvPr>
+              <p:cNvSpPr txBox="1"/>
+              <p:nvPr/>
+            </p:nvSpPr>
+            <p:spPr>
+              <a:xfrm>
+                <a:off x="9836657" y="1726538"/>
+                <a:ext cx="297646" cy="430887"/>
+              </a:xfrm>
+              <a:prstGeom prst="rect">
+                <a:avLst/>
+              </a:prstGeom>
+              <a:noFill/>
+            </p:spPr>
+            <p:txBody>
+              <a:bodyPr wrap="none" lIns="0" tIns="0" rIns="0" bIns="0" rtlCol="0">
+                <a:spAutoFit/>
+              </a:bodyPr>
+              <a:lstStyle/>
+              <a:p>
+                <a:pPr/>
+                <a14:m>
+                  <m:oMathPara xmlns:m="http://schemas.openxmlformats.org/officeDocument/2006/math">
+                    <m:oMathParaPr>
+                      <m:jc m:val="centerGroup"/>
+                    </m:oMathParaPr>
+                    <m:oMath xmlns:m="http://schemas.openxmlformats.org/officeDocument/2006/math">
+                      <m:r>
+                        <a:rPr lang="en-US" sz="2800" b="0" i="1" smtClean="0">
+                          <a:solidFill>
+                            <a:srgbClr val="FF0000"/>
+                          </a:solidFill>
+                          <a:latin typeface="Cambria Math" panose="02040503050406030204" pitchFamily="18" charset="0"/>
+                        </a:rPr>
+                        <m:t>𝑢</m:t>
+                      </m:r>
+                    </m:oMath>
+                  </m:oMathPara>
+                </a14:m>
+                <a:endParaRPr lang="en-US" sz="2800" dirty="0">
+                  <a:solidFill>
+                    <a:srgbClr val="FF0000"/>
+                  </a:solidFill>
+                </a:endParaRPr>
+              </a:p>
+            </p:txBody>
+          </p:sp>
+        </mc:Choice>
+        <mc:Fallback xmlns="">
+          <p:sp>
+            <p:nvSpPr>
+              <p:cNvPr id="18" name="TextBox 17">
+                <a:extLst>
+                  <a:ext uri="{FF2B5EF4-FFF2-40B4-BE49-F238E27FC236}">
+                    <a16:creationId xmlns:a16="http://schemas.microsoft.com/office/drawing/2014/main" id="{A406A710-13D1-4ABD-AAB4-6951AE2E3493}"/>
+                  </a:ext>
+                </a:extLst>
+              </p:cNvPr>
+              <p:cNvSpPr txBox="1">
+                <a:spLocks noRot="1" noChangeAspect="1" noMove="1" noResize="1" noEditPoints="1" noAdjustHandles="1" noChangeArrowheads="1" noChangeShapeType="1" noTextEdit="1"/>
+              </p:cNvSpPr>
+              <p:nvPr/>
+            </p:nvSpPr>
+            <p:spPr>
+              <a:xfrm>
+                <a:off x="9836657" y="1726538"/>
+                <a:ext cx="297646" cy="430887"/>
+              </a:xfrm>
+              <a:prstGeom prst="rect">
+                <a:avLst/>
+              </a:prstGeom>
+              <a:blipFill>
+                <a:blip r:embed="rId11"/>
+                <a:stretch>
+                  <a:fillRect/>
+                </a:stretch>
+              </a:blipFill>
+            </p:spPr>
+            <p:txBody>
+              <a:bodyPr/>
+              <a:lstStyle/>
+              <a:p>
+                <a:r>
+                  <a:rPr lang="en-US">
+                    <a:noFill/>
+                  </a:rPr>
+                  <a:t> </a:t>
+                </a:r>
+              </a:p>
+            </p:txBody>
+          </p:sp>
+        </mc:Fallback>
+      </mc:AlternateContent>
+      <mc:AlternateContent xmlns:mc="http://schemas.openxmlformats.org/markup-compatibility/2006" xmlns:a14="http://schemas.microsoft.com/office/drawing/2010/main">
+        <mc:Choice Requires="a14">
+          <p:sp>
+            <p:nvSpPr>
+              <p:cNvPr id="35" name="TextBox 34">
+                <a:extLst>
+                  <a:ext uri="{FF2B5EF4-FFF2-40B4-BE49-F238E27FC236}">
+                    <a16:creationId xmlns:a16="http://schemas.microsoft.com/office/drawing/2014/main" id="{44D9CAE8-69E8-41B0-813D-587FFA65498B}"/>
+                  </a:ext>
+                </a:extLst>
+              </p:cNvPr>
+              <p:cNvSpPr txBox="1"/>
+              <p:nvPr/>
+            </p:nvSpPr>
+            <p:spPr>
+              <a:xfrm>
+                <a:off x="8269009" y="3197130"/>
+                <a:ext cx="297646" cy="430887"/>
+              </a:xfrm>
+              <a:prstGeom prst="rect">
+                <a:avLst/>
+              </a:prstGeom>
+              <a:noFill/>
+            </p:spPr>
+            <p:txBody>
+              <a:bodyPr wrap="none" lIns="0" tIns="0" rIns="0" bIns="0" rtlCol="0">
+                <a:spAutoFit/>
+              </a:bodyPr>
+              <a:lstStyle/>
+              <a:p>
+                <a:pPr/>
+                <a14:m>
+                  <m:oMathPara xmlns:m="http://schemas.openxmlformats.org/officeDocument/2006/math">
+                    <m:oMathParaPr>
+                      <m:jc m:val="centerGroup"/>
+                    </m:oMathParaPr>
+                    <m:oMath xmlns:m="http://schemas.openxmlformats.org/officeDocument/2006/math">
+                      <m:r>
+                        <a:rPr lang="en-US" sz="2800" b="0" i="1" smtClean="0">
+                          <a:solidFill>
+                            <a:srgbClr val="FF0000"/>
+                          </a:solidFill>
+                          <a:latin typeface="Cambria Math" panose="02040503050406030204" pitchFamily="18" charset="0"/>
+                        </a:rPr>
+                        <m:t>𝑢</m:t>
+                      </m:r>
+                    </m:oMath>
+                  </m:oMathPara>
+                </a14:m>
+                <a:endParaRPr lang="en-US" sz="2800" dirty="0">
+                  <a:solidFill>
+                    <a:srgbClr val="FF0000"/>
+                  </a:solidFill>
+                </a:endParaRPr>
+              </a:p>
+            </p:txBody>
+          </p:sp>
+        </mc:Choice>
+        <mc:Fallback xmlns="">
+          <p:sp>
+            <p:nvSpPr>
+              <p:cNvPr id="35" name="TextBox 34">
+                <a:extLst>
+                  <a:ext uri="{FF2B5EF4-FFF2-40B4-BE49-F238E27FC236}">
+                    <a16:creationId xmlns:a16="http://schemas.microsoft.com/office/drawing/2014/main" id="{44D9CAE8-69E8-41B0-813D-587FFA65498B}"/>
+                  </a:ext>
+                </a:extLst>
+              </p:cNvPr>
+              <p:cNvSpPr txBox="1">
+                <a:spLocks noRot="1" noChangeAspect="1" noMove="1" noResize="1" noEditPoints="1" noAdjustHandles="1" noChangeArrowheads="1" noChangeShapeType="1" noTextEdit="1"/>
+              </p:cNvSpPr>
+              <p:nvPr/>
+            </p:nvSpPr>
+            <p:spPr>
+              <a:xfrm>
+                <a:off x="8269009" y="3197130"/>
+                <a:ext cx="297646" cy="430887"/>
+              </a:xfrm>
+              <a:prstGeom prst="rect">
+                <a:avLst/>
+              </a:prstGeom>
+              <a:blipFill>
+                <a:blip r:embed="rId12"/>
+                <a:stretch>
+                  <a:fillRect/>
+                </a:stretch>
+              </a:blipFill>
+            </p:spPr>
+            <p:txBody>
+              <a:bodyPr/>
+              <a:lstStyle/>
+              <a:p>
+                <a:r>
+                  <a:rPr lang="en-US">
+                    <a:noFill/>
+                  </a:rPr>
+                  <a:t> </a:t>
+                </a:r>
+              </a:p>
+            </p:txBody>
+          </p:sp>
+        </mc:Fallback>
+      </mc:AlternateContent>
+      <p:sp>
+        <p:nvSpPr>
+          <p:cNvPr id="3" name="Rectangle 2">
+            <a:extLst>
+              <a:ext uri="{FF2B5EF4-FFF2-40B4-BE49-F238E27FC236}">
+                <a16:creationId xmlns:a16="http://schemas.microsoft.com/office/drawing/2014/main" id="{AF870AA1-02B4-42FB-BBAF-235216CD47DF}"/>
+              </a:ext>
+            </a:extLst>
+          </p:cNvPr>
+          <p:cNvSpPr/>
+          <p:nvPr/>
+        </p:nvSpPr>
+        <p:spPr>
+          <a:xfrm>
+            <a:off x="1821766" y="972457"/>
+            <a:ext cx="2617673" cy="2617673"/>
+          </a:xfrm>
+          <a:prstGeom prst="rect">
+            <a:avLst/>
+          </a:prstGeom>
+          <a:noFill/>
+          <a:ln w="38100">
+            <a:solidFill>
+              <a:schemeClr val="tx1"/>
+            </a:solidFill>
+            <a:prstDash val="dash"/>
+          </a:ln>
+        </p:spPr>
+        <p:style>
+          <a:lnRef idx="2">
+            <a:schemeClr val="accent1">
+              <a:shade val="50000"/>
+            </a:schemeClr>
+          </a:lnRef>
+          <a:fillRef idx="1">
+            <a:schemeClr val="accent1"/>
+          </a:fillRef>
+          <a:effectRef idx="0">
+            <a:schemeClr val="accent1"/>
+          </a:effectRef>
+          <a:fontRef idx="minor">
+            <a:schemeClr val="lt1"/>
+          </a:fontRef>
+        </p:style>
+        <p:txBody>
+          <a:bodyPr rtlCol="0" anchor="ctr"/>
+          <a:lstStyle/>
+          <a:p>
+            <a:pPr algn="ctr"/>
+            <a:endParaRPr lang="en-US"/>
+          </a:p>
+        </p:txBody>
+      </p:sp>
+      <p:sp>
+        <p:nvSpPr>
+          <p:cNvPr id="37" name="Rectangle 36">
+            <a:extLst>
+              <a:ext uri="{FF2B5EF4-FFF2-40B4-BE49-F238E27FC236}">
+                <a16:creationId xmlns:a16="http://schemas.microsoft.com/office/drawing/2014/main" id="{8FF9D3F2-9CD0-4D76-85DC-730964953B1C}"/>
+              </a:ext>
+            </a:extLst>
+          </p:cNvPr>
+          <p:cNvSpPr/>
+          <p:nvPr/>
+        </p:nvSpPr>
+        <p:spPr>
+          <a:xfrm rot="1132648">
+            <a:off x="2116513" y="1259828"/>
+            <a:ext cx="2044347" cy="2051425"/>
+          </a:xfrm>
+          <a:prstGeom prst="rect">
+            <a:avLst/>
+          </a:prstGeom>
+          <a:noFill/>
+          <a:ln w="38100">
+            <a:solidFill>
+              <a:schemeClr val="tx1"/>
+            </a:solidFill>
+          </a:ln>
+        </p:spPr>
+        <p:style>
+          <a:lnRef idx="2">
+            <a:schemeClr val="accent1">
+              <a:shade val="50000"/>
+            </a:schemeClr>
+          </a:lnRef>
+          <a:fillRef idx="1">
+            <a:schemeClr val="accent1"/>
+          </a:fillRef>
+          <a:effectRef idx="0">
+            <a:schemeClr val="accent1"/>
+          </a:effectRef>
+          <a:fontRef idx="minor">
+            <a:schemeClr val="lt1"/>
+          </a:fontRef>
+        </p:style>
+        <p:txBody>
+          <a:bodyPr rtlCol="0" anchor="ctr"/>
+          <a:lstStyle/>
+          <a:p>
+            <a:pPr algn="ctr"/>
+            <a:endParaRPr lang="en-US"/>
+          </a:p>
+        </p:txBody>
+      </p:sp>
+      <mc:AlternateContent xmlns:mc="http://schemas.openxmlformats.org/markup-compatibility/2006">
+        <mc:Choice xmlns:a14="http://schemas.microsoft.com/office/drawing/2010/main" Requires="a14">
+          <p:sp>
+            <p:nvSpPr>
+              <p:cNvPr id="6" name="TextBox 5">
+                <a:extLst>
+                  <a:ext uri="{FF2B5EF4-FFF2-40B4-BE49-F238E27FC236}">
+                    <a16:creationId xmlns:a16="http://schemas.microsoft.com/office/drawing/2014/main" id="{EC542D6F-F647-4BB3-8251-C982FE682173}"/>
+                  </a:ext>
+                </a:extLst>
+              </p:cNvPr>
+              <p:cNvSpPr txBox="1"/>
+              <p:nvPr/>
+            </p:nvSpPr>
+            <p:spPr>
+              <a:xfrm rot="16200000">
+                <a:off x="1027608" y="1639403"/>
+                <a:ext cx="1128193" cy="430887"/>
+              </a:xfrm>
+              <a:prstGeom prst="rect">
+                <a:avLst/>
+              </a:prstGeom>
+              <a:noFill/>
+            </p:spPr>
+            <p:txBody>
+              <a:bodyPr wrap="none" lIns="0" tIns="0" rIns="0" bIns="0" rtlCol="0">
+                <a:spAutoFit/>
+              </a:bodyPr>
+              <a:lstStyle/>
+              <a:p>
+                <a14:m>
+                  <m:oMathPara xmlns:m="http://schemas.openxmlformats.org/officeDocument/2006/math">
+                    <m:oMathParaPr>
+                      <m:jc m:val="centerGroup"/>
+                    </m:oMathParaPr>
+                    <m:oMath xmlns:m="http://schemas.openxmlformats.org/officeDocument/2006/math">
+                      <m:r>
+                        <a:rPr lang="en-US" sz="2800" b="0" i="1" smtClean="0">
+                          <a:latin typeface="Cambria Math" panose="02040503050406030204" pitchFamily="18" charset="0"/>
+                        </a:rPr>
+                        <m:t>𝑎</m:t>
+                      </m:r>
+                      <m:r>
+                        <a:rPr lang="en-US" sz="2800" b="0" i="1" smtClean="0">
+                          <a:latin typeface="Cambria Math" panose="02040503050406030204" pitchFamily="18" charset="0"/>
+                        </a:rPr>
+                        <m:t>−</m:t>
+                      </m:r>
+                      <m:r>
+                        <a:rPr lang="en-US" sz="2800" b="0" i="1" smtClean="0">
+                          <a:latin typeface="Cambria Math" panose="02040503050406030204" pitchFamily="18" charset="0"/>
+                        </a:rPr>
+                        <m:t>𝑑𝑥</m:t>
+                      </m:r>
+                    </m:oMath>
+                  </m:oMathPara>
+                </a14:m>
+                <a:endParaRPr lang="en-US" sz="3600" dirty="0"/>
+              </a:p>
+            </p:txBody>
+          </p:sp>
+        </mc:Choice>
+        <mc:Fallback>
+          <p:sp>
+            <p:nvSpPr>
+              <p:cNvPr id="6" name="TextBox 5">
+                <a:extLst>
+                  <a:ext uri="{FF2B5EF4-FFF2-40B4-BE49-F238E27FC236}">
+                    <a16:creationId xmlns:a16="http://schemas.microsoft.com/office/drawing/2014/main" id="{EC542D6F-F647-4BB3-8251-C982FE682173}"/>
+                  </a:ext>
+                </a:extLst>
+              </p:cNvPr>
+              <p:cNvSpPr txBox="1">
+                <a:spLocks noRot="1" noChangeAspect="1" noMove="1" noResize="1" noEditPoints="1" noAdjustHandles="1" noChangeArrowheads="1" noChangeShapeType="1" noTextEdit="1"/>
+              </p:cNvSpPr>
+              <p:nvPr/>
+            </p:nvSpPr>
+            <p:spPr>
+              <a:xfrm rot="16200000">
+                <a:off x="1027608" y="1639403"/>
+                <a:ext cx="1128193" cy="430887"/>
+              </a:xfrm>
+              <a:prstGeom prst="rect">
+                <a:avLst/>
+              </a:prstGeom>
+              <a:blipFill>
+                <a:blip r:embed="rId13"/>
+                <a:stretch>
+                  <a:fillRect/>
+                </a:stretch>
+              </a:blipFill>
+            </p:spPr>
+            <p:txBody>
+              <a:bodyPr/>
+              <a:lstStyle/>
+              <a:p>
+                <a:r>
+                  <a:rPr lang="en-US">
+                    <a:noFill/>
+                  </a:rPr>
+                  <a:t> </a:t>
+                </a:r>
+              </a:p>
+            </p:txBody>
+          </p:sp>
+        </mc:Fallback>
+      </mc:AlternateContent>
+      <mc:AlternateContent xmlns:mc="http://schemas.openxmlformats.org/markup-compatibility/2006">
+        <mc:Choice xmlns:a14="http://schemas.microsoft.com/office/drawing/2010/main" Requires="a14">
+          <p:sp>
+            <p:nvSpPr>
+              <p:cNvPr id="38" name="TextBox 37">
+                <a:extLst>
+                  <a:ext uri="{FF2B5EF4-FFF2-40B4-BE49-F238E27FC236}">
+                    <a16:creationId xmlns:a16="http://schemas.microsoft.com/office/drawing/2014/main" id="{EEE97FA8-A438-4B02-8892-58CD2EB6456F}"/>
+                  </a:ext>
+                </a:extLst>
+              </p:cNvPr>
+              <p:cNvSpPr txBox="1"/>
+              <p:nvPr/>
+            </p:nvSpPr>
+            <p:spPr>
+              <a:xfrm rot="16200000">
+                <a:off x="1315034" y="3077686"/>
+                <a:ext cx="491801" cy="430887"/>
+              </a:xfrm>
+              <a:prstGeom prst="rect">
+                <a:avLst/>
+              </a:prstGeom>
+              <a:noFill/>
+            </p:spPr>
+            <p:txBody>
+              <a:bodyPr wrap="none" lIns="0" tIns="0" rIns="0" bIns="0" rtlCol="0">
+                <a:spAutoFit/>
+              </a:bodyPr>
+              <a:lstStyle/>
+              <a:p>
+                <a14:m>
+                  <m:oMathPara xmlns:m="http://schemas.openxmlformats.org/officeDocument/2006/math">
+                    <m:oMathParaPr>
+                      <m:jc m:val="centerGroup"/>
+                    </m:oMathParaPr>
+                    <m:oMath xmlns:m="http://schemas.openxmlformats.org/officeDocument/2006/math">
+                      <m:r>
+                        <a:rPr lang="en-US" sz="2800" b="0" i="1" smtClean="0">
+                          <a:latin typeface="Cambria Math" panose="02040503050406030204" pitchFamily="18" charset="0"/>
+                        </a:rPr>
+                        <m:t>𝑑𝑥</m:t>
+                      </m:r>
+                    </m:oMath>
+                  </m:oMathPara>
+                </a14:m>
+                <a:endParaRPr lang="en-US" sz="2800" dirty="0"/>
+              </a:p>
+            </p:txBody>
+          </p:sp>
+        </mc:Choice>
+        <mc:Fallback>
+          <p:sp>
+            <p:nvSpPr>
+              <p:cNvPr id="38" name="TextBox 37">
+                <a:extLst>
+                  <a:ext uri="{FF2B5EF4-FFF2-40B4-BE49-F238E27FC236}">
+                    <a16:creationId xmlns:a16="http://schemas.microsoft.com/office/drawing/2014/main" id="{EEE97FA8-A438-4B02-8892-58CD2EB6456F}"/>
+                  </a:ext>
+                </a:extLst>
+              </p:cNvPr>
+              <p:cNvSpPr txBox="1">
+                <a:spLocks noRot="1" noChangeAspect="1" noMove="1" noResize="1" noEditPoints="1" noAdjustHandles="1" noChangeArrowheads="1" noChangeShapeType="1" noTextEdit="1"/>
+              </p:cNvSpPr>
+              <p:nvPr/>
+            </p:nvSpPr>
+            <p:spPr>
+              <a:xfrm rot="16200000">
+                <a:off x="1315034" y="3077686"/>
+                <a:ext cx="491801" cy="430887"/>
+              </a:xfrm>
+              <a:prstGeom prst="rect">
+                <a:avLst/>
+              </a:prstGeom>
+              <a:blipFill>
+                <a:blip r:embed="rId14"/>
+                <a:stretch>
+                  <a:fillRect/>
+                </a:stretch>
+              </a:blipFill>
+            </p:spPr>
+            <p:txBody>
+              <a:bodyPr/>
+              <a:lstStyle/>
+              <a:p>
+                <a:r>
+                  <a:rPr lang="en-US">
+                    <a:noFill/>
+                  </a:rPr>
+                  <a:t> </a:t>
+                </a:r>
+              </a:p>
+            </p:txBody>
+          </p:sp>
+        </mc:Fallback>
+      </mc:AlternateContent>
+      <mc:AlternateContent xmlns:mc="http://schemas.openxmlformats.org/markup-compatibility/2006">
+        <mc:Choice xmlns:a14="http://schemas.microsoft.com/office/drawing/2010/main" Requires="a14">
+          <p:sp>
+            <p:nvSpPr>
+              <p:cNvPr id="39" name="TextBox 38">
+                <a:extLst>
+                  <a:ext uri="{FF2B5EF4-FFF2-40B4-BE49-F238E27FC236}">
+                    <a16:creationId xmlns:a16="http://schemas.microsoft.com/office/drawing/2014/main" id="{D35A4B83-C9F0-49D7-B226-62C0AD091E5C}"/>
+                  </a:ext>
+                </a:extLst>
+              </p:cNvPr>
+              <p:cNvSpPr txBox="1"/>
+              <p:nvPr/>
+            </p:nvSpPr>
+            <p:spPr>
+              <a:xfrm>
+                <a:off x="1887740" y="547966"/>
+                <a:ext cx="600386" cy="432751"/>
+              </a:xfrm>
+              <a:prstGeom prst="rect">
+                <a:avLst/>
+              </a:prstGeom>
+              <a:noFill/>
+            </p:spPr>
+            <p:txBody>
+              <a:bodyPr wrap="square" lIns="0" tIns="0" rIns="0" bIns="0" rtlCol="0">
+                <a:spAutoFit/>
+              </a:bodyPr>
+              <a:lstStyle/>
+              <a:p>
+                <a14:m>
+                  <m:oMathPara xmlns:m="http://schemas.openxmlformats.org/officeDocument/2006/math">
+                    <m:oMathParaPr>
+                      <m:jc m:val="centerGroup"/>
+                    </m:oMathParaPr>
+                    <m:oMath xmlns:m="http://schemas.openxmlformats.org/officeDocument/2006/math">
+                      <m:r>
+                        <a:rPr lang="en-US" sz="2800" b="0" i="1" smtClean="0">
+                          <a:latin typeface="Cambria Math" panose="02040503050406030204" pitchFamily="18" charset="0"/>
+                        </a:rPr>
+                        <m:t>𝑑𝑥</m:t>
+                      </m:r>
+                    </m:oMath>
+                  </m:oMathPara>
+                </a14:m>
+                <a:endParaRPr lang="en-US" sz="3600" dirty="0"/>
+              </a:p>
+            </p:txBody>
+          </p:sp>
+        </mc:Choice>
+        <mc:Fallback>
+          <p:sp>
+            <p:nvSpPr>
+              <p:cNvPr id="39" name="TextBox 38">
+                <a:extLst>
+                  <a:ext uri="{FF2B5EF4-FFF2-40B4-BE49-F238E27FC236}">
+                    <a16:creationId xmlns:a16="http://schemas.microsoft.com/office/drawing/2014/main" id="{D35A4B83-C9F0-49D7-B226-62C0AD091E5C}"/>
+                  </a:ext>
+                </a:extLst>
+              </p:cNvPr>
+              <p:cNvSpPr txBox="1">
+                <a:spLocks noRot="1" noChangeAspect="1" noMove="1" noResize="1" noEditPoints="1" noAdjustHandles="1" noChangeArrowheads="1" noChangeShapeType="1" noTextEdit="1"/>
+              </p:cNvSpPr>
+              <p:nvPr/>
+            </p:nvSpPr>
+            <p:spPr>
+              <a:xfrm>
+                <a:off x="1887740" y="547966"/>
+                <a:ext cx="600386" cy="432751"/>
+              </a:xfrm>
+              <a:prstGeom prst="rect">
+                <a:avLst/>
+              </a:prstGeom>
+              <a:blipFill>
+                <a:blip r:embed="rId15"/>
+                <a:stretch>
+                  <a:fillRect/>
+                </a:stretch>
+              </a:blipFill>
+            </p:spPr>
+            <p:txBody>
+              <a:bodyPr/>
+              <a:lstStyle/>
+              <a:p>
+                <a:r>
+                  <a:rPr lang="en-US">
+                    <a:noFill/>
+                  </a:rPr>
+                  <a:t> </a:t>
+                </a:r>
+              </a:p>
+            </p:txBody>
+          </p:sp>
+        </mc:Fallback>
+      </mc:AlternateContent>
+      <mc:AlternateContent xmlns:mc="http://schemas.openxmlformats.org/markup-compatibility/2006">
+        <mc:Choice xmlns:a14="http://schemas.microsoft.com/office/drawing/2010/main" Requires="a14">
+          <p:sp>
+            <p:nvSpPr>
+              <p:cNvPr id="41" name="TextBox 40">
+                <a:extLst>
+                  <a:ext uri="{FF2B5EF4-FFF2-40B4-BE49-F238E27FC236}">
+                    <a16:creationId xmlns:a16="http://schemas.microsoft.com/office/drawing/2014/main" id="{2962B4BB-8266-4423-BDB8-E10DF0E9F4EF}"/>
+                  </a:ext>
+                </a:extLst>
+              </p:cNvPr>
+              <p:cNvSpPr txBox="1"/>
+              <p:nvPr/>
+            </p:nvSpPr>
+            <p:spPr>
+              <a:xfrm>
+                <a:off x="2243515" y="1603427"/>
+                <a:ext cx="511357" cy="553998"/>
+              </a:xfrm>
+              <a:prstGeom prst="rect">
+                <a:avLst/>
+              </a:prstGeom>
+              <a:noFill/>
+            </p:spPr>
+            <p:txBody>
+              <a:bodyPr wrap="none" lIns="0" tIns="0" rIns="0" bIns="0" rtlCol="0">
+                <a:spAutoFit/>
+              </a:bodyPr>
+              <a:lstStyle/>
+              <a:p>
+                <a14:m>
+                  <m:oMathPara xmlns:m="http://schemas.openxmlformats.org/officeDocument/2006/math">
+                    <m:oMathParaPr>
+                      <m:jc m:val="centerGroup"/>
+                    </m:oMathParaPr>
+                    <m:oMath xmlns:m="http://schemas.openxmlformats.org/officeDocument/2006/math">
+                      <m:sSup>
+                        <m:sSupPr>
+                          <m:ctrlPr>
+                            <a:rPr lang="en-US" sz="3600" b="0" i="1" smtClean="0">
+                              <a:latin typeface="Cambria Math" panose="02040503050406030204" pitchFamily="18" charset="0"/>
+                            </a:rPr>
+                          </m:ctrlPr>
+                        </m:sSupPr>
+                        <m:e>
+                          <m:r>
+                            <a:rPr lang="en-US" sz="3600" i="1">
+                              <a:latin typeface="Cambria Math" panose="02040503050406030204" pitchFamily="18" charset="0"/>
+                            </a:rPr>
+                            <m:t>𝑎</m:t>
+                          </m:r>
+                        </m:e>
+                        <m:sup>
+                          <m:r>
+                            <a:rPr lang="en-US" sz="3600" b="0" i="1" smtClean="0">
+                              <a:latin typeface="Cambria Math" panose="02040503050406030204" pitchFamily="18" charset="0"/>
+                            </a:rPr>
+                            <m:t>′</m:t>
+                          </m:r>
+                        </m:sup>
+                      </m:sSup>
+                    </m:oMath>
+                  </m:oMathPara>
+                </a14:m>
+                <a:endParaRPr lang="en-US" sz="3600" dirty="0"/>
+              </a:p>
+            </p:txBody>
+          </p:sp>
+        </mc:Choice>
+        <mc:Fallback>
+          <p:sp>
+            <p:nvSpPr>
+              <p:cNvPr id="41" name="TextBox 40">
+                <a:extLst>
+                  <a:ext uri="{FF2B5EF4-FFF2-40B4-BE49-F238E27FC236}">
+                    <a16:creationId xmlns:a16="http://schemas.microsoft.com/office/drawing/2014/main" id="{2962B4BB-8266-4423-BDB8-E10DF0E9F4EF}"/>
+                  </a:ext>
+                </a:extLst>
+              </p:cNvPr>
+              <p:cNvSpPr txBox="1">
+                <a:spLocks noRot="1" noChangeAspect="1" noMove="1" noResize="1" noEditPoints="1" noAdjustHandles="1" noChangeArrowheads="1" noChangeShapeType="1" noTextEdit="1"/>
+              </p:cNvSpPr>
+              <p:nvPr/>
+            </p:nvSpPr>
+            <p:spPr>
+              <a:xfrm>
+                <a:off x="2243515" y="1603427"/>
+                <a:ext cx="511357" cy="553998"/>
+              </a:xfrm>
+              <a:prstGeom prst="rect">
+                <a:avLst/>
+              </a:prstGeom>
+              <a:blipFill>
+                <a:blip r:embed="rId16"/>
+                <a:stretch>
+                  <a:fillRect/>
+                </a:stretch>
+              </a:blipFill>
+            </p:spPr>
+            <p:txBody>
+              <a:bodyPr/>
+              <a:lstStyle/>
+              <a:p>
+                <a:r>
+                  <a:rPr lang="en-US">
+                    <a:noFill/>
+                  </a:rPr>
+                  <a:t> </a:t>
+                </a:r>
+              </a:p>
+            </p:txBody>
+          </p:sp>
+        </mc:Fallback>
+      </mc:AlternateContent>
     </p:spTree>
     <p:extLst>
       <p:ext uri="{BB962C8B-B14F-4D97-AF65-F5344CB8AC3E}">

--- a/volunteer/Drawings.pptx
+++ b/volunteer/Drawings.pptx
@@ -16,6 +16,7 @@
     <p:sldId id="273" r:id="rId10"/>
     <p:sldId id="274" r:id="rId11"/>
     <p:sldId id="275" r:id="rId12"/>
+    <p:sldId id="276" r:id="rId13"/>
   </p:sldIdLst>
   <p:sldSz cx="12192000" cy="6858000"/>
   <p:notesSz cx="6858000" cy="9144000"/>
@@ -11954,8 +11955,8 @@
           </a:p>
         </p:txBody>
       </p:sp>
-      <mc:AlternateContent xmlns:mc="http://schemas.openxmlformats.org/markup-compatibility/2006">
-        <mc:Choice xmlns:a14="http://schemas.microsoft.com/office/drawing/2010/main" Requires="a14">
+      <mc:AlternateContent xmlns:mc="http://schemas.openxmlformats.org/markup-compatibility/2006" xmlns:a14="http://schemas.microsoft.com/office/drawing/2010/main">
+        <mc:Choice Requires="a14">
           <p:sp>
             <p:nvSpPr>
               <p:cNvPr id="6" name="TextBox 5">
@@ -11984,6 +11985,7 @@
               </a:bodyPr>
               <a:lstStyle/>
               <a:p>
+                <a:pPr/>
                 <a14:m>
                   <m:oMathPara xmlns:m="http://schemas.openxmlformats.org/officeDocument/2006/math">
                     <m:oMathParaPr>
@@ -12016,7 +12018,7 @@
             </p:txBody>
           </p:sp>
         </mc:Choice>
-        <mc:Fallback>
+        <mc:Fallback xmlns="">
           <p:sp>
             <p:nvSpPr>
               <p:cNvPr id="6" name="TextBox 5">
@@ -12061,8 +12063,8 @@
           </p:sp>
         </mc:Fallback>
       </mc:AlternateContent>
-      <mc:AlternateContent xmlns:mc="http://schemas.openxmlformats.org/markup-compatibility/2006">
-        <mc:Choice xmlns:a14="http://schemas.microsoft.com/office/drawing/2010/main" Requires="a14">
+      <mc:AlternateContent xmlns:mc="http://schemas.openxmlformats.org/markup-compatibility/2006" xmlns:a14="http://schemas.microsoft.com/office/drawing/2010/main">
+        <mc:Choice Requires="a14">
           <p:sp>
             <p:nvSpPr>
               <p:cNvPr id="38" name="TextBox 37">
@@ -12091,6 +12093,7 @@
               </a:bodyPr>
               <a:lstStyle/>
               <a:p>
+                <a:pPr/>
                 <a14:m>
                   <m:oMathPara xmlns:m="http://schemas.openxmlformats.org/officeDocument/2006/math">
                     <m:oMathParaPr>
@@ -12111,7 +12114,7 @@
             </p:txBody>
           </p:sp>
         </mc:Choice>
-        <mc:Fallback>
+        <mc:Fallback xmlns="">
           <p:sp>
             <p:nvSpPr>
               <p:cNvPr id="38" name="TextBox 37">
@@ -12156,8 +12159,8 @@
           </p:sp>
         </mc:Fallback>
       </mc:AlternateContent>
-      <mc:AlternateContent xmlns:mc="http://schemas.openxmlformats.org/markup-compatibility/2006">
-        <mc:Choice xmlns:a14="http://schemas.microsoft.com/office/drawing/2010/main" Requires="a14">
+      <mc:AlternateContent xmlns:mc="http://schemas.openxmlformats.org/markup-compatibility/2006" xmlns:a14="http://schemas.microsoft.com/office/drawing/2010/main">
+        <mc:Choice Requires="a14">
           <p:sp>
             <p:nvSpPr>
               <p:cNvPr id="39" name="TextBox 38">
@@ -12186,6 +12189,7 @@
               </a:bodyPr>
               <a:lstStyle/>
               <a:p>
+                <a:pPr/>
                 <a14:m>
                   <m:oMathPara xmlns:m="http://schemas.openxmlformats.org/officeDocument/2006/math">
                     <m:oMathParaPr>
@@ -12206,7 +12210,7 @@
             </p:txBody>
           </p:sp>
         </mc:Choice>
-        <mc:Fallback>
+        <mc:Fallback xmlns="">
           <p:sp>
             <p:nvSpPr>
               <p:cNvPr id="39" name="TextBox 38">
@@ -12251,8 +12255,8 @@
           </p:sp>
         </mc:Fallback>
       </mc:AlternateContent>
-      <mc:AlternateContent xmlns:mc="http://schemas.openxmlformats.org/markup-compatibility/2006">
-        <mc:Choice xmlns:a14="http://schemas.microsoft.com/office/drawing/2010/main" Requires="a14">
+      <mc:AlternateContent xmlns:mc="http://schemas.openxmlformats.org/markup-compatibility/2006" xmlns:a14="http://schemas.microsoft.com/office/drawing/2010/main">
+        <mc:Choice Requires="a14">
           <p:sp>
             <p:nvSpPr>
               <p:cNvPr id="41" name="TextBox 40">
@@ -12281,6 +12285,7 @@
               </a:bodyPr>
               <a:lstStyle/>
               <a:p>
+                <a:pPr/>
                 <a14:m>
                   <m:oMathPara xmlns:m="http://schemas.openxmlformats.org/officeDocument/2006/math">
                     <m:oMathParaPr>
@@ -12320,7 +12325,7 @@
             </p:txBody>
           </p:sp>
         </mc:Choice>
-        <mc:Fallback>
+        <mc:Fallback xmlns="">
           <p:sp>
             <p:nvSpPr>
               <p:cNvPr id="41" name="TextBox 40">
@@ -12369,6 +12374,1661 @@
     <p:extLst>
       <p:ext uri="{BB962C8B-B14F-4D97-AF65-F5344CB8AC3E}">
         <p14:creationId xmlns:p14="http://schemas.microsoft.com/office/powerpoint/2010/main" val="3968569689"/>
+      </p:ext>
+    </p:extLst>
+  </p:cSld>
+  <p:clrMapOvr>
+    <a:masterClrMapping/>
+  </p:clrMapOvr>
+</p:sld>
+</file>
+
+<file path=ppt/slides/slide12.xml><?xml version="1.0" encoding="utf-8"?>
+<p:sld xmlns:a="http://schemas.openxmlformats.org/drawingml/2006/main" xmlns:r="http://schemas.openxmlformats.org/officeDocument/2006/relationships" xmlns:p="http://schemas.openxmlformats.org/presentationml/2006/main">
+  <p:cSld>
+    <p:spTree>
+      <p:nvGrpSpPr>
+        <p:cNvPr id="1" name=""/>
+        <p:cNvGrpSpPr/>
+        <p:nvPr/>
+      </p:nvGrpSpPr>
+      <p:grpSpPr>
+        <a:xfrm>
+          <a:off x="0" y="0"/>
+          <a:ext cx="0" cy="0"/>
+          <a:chOff x="0" y="0"/>
+          <a:chExt cx="0" cy="0"/>
+        </a:xfrm>
+      </p:grpSpPr>
+      <p:cxnSp>
+        <p:nvCxnSpPr>
+          <p:cNvPr id="27" name="Straight Arrow Connector 26">
+            <a:extLst>
+              <a:ext uri="{FF2B5EF4-FFF2-40B4-BE49-F238E27FC236}">
+                <a16:creationId xmlns:a16="http://schemas.microsoft.com/office/drawing/2014/main" id="{5E52C26E-FC58-41B6-9995-D64C040D8D71}"/>
+              </a:ext>
+            </a:extLst>
+          </p:cNvPr>
+          <p:cNvCxnSpPr>
+            <a:cxnSpLocks/>
+          </p:cNvCxnSpPr>
+          <p:nvPr/>
+        </p:nvCxnSpPr>
+        <p:spPr>
+          <a:xfrm>
+            <a:off x="4224566" y="2823837"/>
+            <a:ext cx="0" cy="711843"/>
+          </a:xfrm>
+          <a:prstGeom prst="straightConnector1">
+            <a:avLst/>
+          </a:prstGeom>
+          <a:ln w="34925">
+            <a:solidFill>
+              <a:schemeClr val="tx1"/>
+            </a:solidFill>
+            <a:tailEnd type="stealth" w="lg" len="lg"/>
+          </a:ln>
+        </p:spPr>
+        <p:style>
+          <a:lnRef idx="1">
+            <a:schemeClr val="accent1"/>
+          </a:lnRef>
+          <a:fillRef idx="0">
+            <a:schemeClr val="accent1"/>
+          </a:fillRef>
+          <a:effectRef idx="0">
+            <a:schemeClr val="accent1"/>
+          </a:effectRef>
+          <a:fontRef idx="minor">
+            <a:schemeClr val="tx1"/>
+          </a:fontRef>
+        </p:style>
+      </p:cxnSp>
+      <p:cxnSp>
+        <p:nvCxnSpPr>
+          <p:cNvPr id="7" name="Straight Connector 6">
+            <a:extLst>
+              <a:ext uri="{FF2B5EF4-FFF2-40B4-BE49-F238E27FC236}">
+                <a16:creationId xmlns:a16="http://schemas.microsoft.com/office/drawing/2014/main" id="{54AD3868-E823-4B6D-8536-BF86E8F26EB1}"/>
+              </a:ext>
+            </a:extLst>
+          </p:cNvPr>
+          <p:cNvCxnSpPr/>
+          <p:nvPr/>
+        </p:nvCxnSpPr>
+        <p:spPr>
+          <a:xfrm>
+            <a:off x="2615686" y="1921012"/>
+            <a:ext cx="1608881" cy="902825"/>
+          </a:xfrm>
+          <a:prstGeom prst="line">
+            <a:avLst/>
+          </a:prstGeom>
+          <a:ln w="34925">
+            <a:solidFill>
+              <a:schemeClr val="tx1"/>
+            </a:solidFill>
+          </a:ln>
+        </p:spPr>
+        <p:style>
+          <a:lnRef idx="1">
+            <a:schemeClr val="accent1"/>
+          </a:lnRef>
+          <a:fillRef idx="0">
+            <a:schemeClr val="accent1"/>
+          </a:fillRef>
+          <a:effectRef idx="0">
+            <a:schemeClr val="accent1"/>
+          </a:effectRef>
+          <a:fontRef idx="minor">
+            <a:schemeClr val="tx1"/>
+          </a:fontRef>
+        </p:style>
+      </p:cxnSp>
+      <p:cxnSp>
+        <p:nvCxnSpPr>
+          <p:cNvPr id="8" name="Straight Connector 7">
+            <a:extLst>
+              <a:ext uri="{FF2B5EF4-FFF2-40B4-BE49-F238E27FC236}">
+                <a16:creationId xmlns:a16="http://schemas.microsoft.com/office/drawing/2014/main" id="{271DD1E7-AEBF-4623-A099-7760DBFBDF88}"/>
+              </a:ext>
+            </a:extLst>
+          </p:cNvPr>
+          <p:cNvCxnSpPr>
+            <a:cxnSpLocks/>
+          </p:cNvCxnSpPr>
+          <p:nvPr/>
+        </p:nvCxnSpPr>
+        <p:spPr>
+          <a:xfrm flipH="1">
+            <a:off x="4270248" y="2005584"/>
+            <a:ext cx="1505713" cy="818253"/>
+          </a:xfrm>
+          <a:prstGeom prst="line">
+            <a:avLst/>
+          </a:prstGeom>
+          <a:ln w="34925">
+            <a:solidFill>
+              <a:schemeClr val="tx1"/>
+            </a:solidFill>
+          </a:ln>
+        </p:spPr>
+        <p:style>
+          <a:lnRef idx="1">
+            <a:schemeClr val="accent1"/>
+          </a:lnRef>
+          <a:fillRef idx="0">
+            <a:schemeClr val="accent1"/>
+          </a:fillRef>
+          <a:effectRef idx="0">
+            <a:schemeClr val="accent1"/>
+          </a:effectRef>
+          <a:fontRef idx="minor">
+            <a:schemeClr val="tx1"/>
+          </a:fontRef>
+        </p:style>
+      </p:cxnSp>
+      <p:cxnSp>
+        <p:nvCxnSpPr>
+          <p:cNvPr id="12" name="Straight Arrow Connector 11">
+            <a:extLst>
+              <a:ext uri="{FF2B5EF4-FFF2-40B4-BE49-F238E27FC236}">
+                <a16:creationId xmlns:a16="http://schemas.microsoft.com/office/drawing/2014/main" id="{B07A83C6-FB93-4486-809D-71EBF93B3F13}"/>
+              </a:ext>
+            </a:extLst>
+          </p:cNvPr>
+          <p:cNvCxnSpPr>
+            <a:cxnSpLocks/>
+          </p:cNvCxnSpPr>
+          <p:nvPr/>
+        </p:nvCxnSpPr>
+        <p:spPr>
+          <a:xfrm>
+            <a:off x="5866763" y="2079056"/>
+            <a:ext cx="0" cy="1248426"/>
+          </a:xfrm>
+          <a:prstGeom prst="straightConnector1">
+            <a:avLst/>
+          </a:prstGeom>
+          <a:ln w="34925">
+            <a:solidFill>
+              <a:schemeClr val="tx1"/>
+            </a:solidFill>
+            <a:tailEnd type="stealth" w="lg" len="lg"/>
+          </a:ln>
+        </p:spPr>
+        <p:style>
+          <a:lnRef idx="1">
+            <a:schemeClr val="accent1"/>
+          </a:lnRef>
+          <a:fillRef idx="0">
+            <a:schemeClr val="accent1"/>
+          </a:fillRef>
+          <a:effectRef idx="0">
+            <a:schemeClr val="accent1"/>
+          </a:effectRef>
+          <a:fontRef idx="minor">
+            <a:schemeClr val="tx1"/>
+          </a:fontRef>
+        </p:style>
+      </p:cxnSp>
+      <p:sp>
+        <p:nvSpPr>
+          <p:cNvPr id="19" name="Oval 18">
+            <a:extLst>
+              <a:ext uri="{FF2B5EF4-FFF2-40B4-BE49-F238E27FC236}">
+                <a16:creationId xmlns:a16="http://schemas.microsoft.com/office/drawing/2014/main" id="{6C5411A5-A0A0-43F6-AFA0-27C46D691334}"/>
+              </a:ext>
+            </a:extLst>
+          </p:cNvPr>
+          <p:cNvSpPr/>
+          <p:nvPr/>
+        </p:nvSpPr>
+        <p:spPr>
+          <a:xfrm>
+            <a:off x="4122788" y="2703269"/>
+            <a:ext cx="203557" cy="201704"/>
+          </a:xfrm>
+          <a:prstGeom prst="ellipse">
+            <a:avLst/>
+          </a:prstGeom>
+          <a:gradFill flip="none" rotWithShape="1">
+            <a:gsLst>
+              <a:gs pos="0">
+                <a:schemeClr val="accent3">
+                  <a:lumMod val="40000"/>
+                  <a:lumOff val="60000"/>
+                </a:schemeClr>
+              </a:gs>
+              <a:gs pos="46000">
+                <a:schemeClr val="accent3">
+                  <a:lumMod val="95000"/>
+                  <a:lumOff val="5000"/>
+                </a:schemeClr>
+              </a:gs>
+              <a:gs pos="100000">
+                <a:schemeClr val="accent3">
+                  <a:lumMod val="60000"/>
+                </a:schemeClr>
+              </a:gs>
+            </a:gsLst>
+            <a:path path="circle">
+              <a:fillToRect l="50000" t="130000" r="50000" b="-30000"/>
+            </a:path>
+            <a:tileRect/>
+          </a:gradFill>
+          <a:ln>
+            <a:noFill/>
+          </a:ln>
+        </p:spPr>
+        <p:style>
+          <a:lnRef idx="2">
+            <a:schemeClr val="accent1">
+              <a:shade val="50000"/>
+            </a:schemeClr>
+          </a:lnRef>
+          <a:fillRef idx="1">
+            <a:schemeClr val="accent1"/>
+          </a:fillRef>
+          <a:effectRef idx="0">
+            <a:schemeClr val="accent1"/>
+          </a:effectRef>
+          <a:fontRef idx="minor">
+            <a:schemeClr val="lt1"/>
+          </a:fontRef>
+        </p:style>
+        <p:txBody>
+          <a:bodyPr rtlCol="0" anchor="ctr"/>
+          <a:lstStyle/>
+          <a:p>
+            <a:pPr algn="ctr"/>
+            <a:endParaRPr lang="en-US"/>
+          </a:p>
+        </p:txBody>
+      </p:sp>
+      <p:sp>
+        <p:nvSpPr>
+          <p:cNvPr id="20" name="Oval 19">
+            <a:extLst>
+              <a:ext uri="{FF2B5EF4-FFF2-40B4-BE49-F238E27FC236}">
+                <a16:creationId xmlns:a16="http://schemas.microsoft.com/office/drawing/2014/main" id="{CEA5E80A-B944-432C-B4F1-5E2FC651F7E6}"/>
+              </a:ext>
+            </a:extLst>
+          </p:cNvPr>
+          <p:cNvSpPr/>
+          <p:nvPr/>
+        </p:nvSpPr>
+        <p:spPr>
+          <a:xfrm>
+            <a:off x="2570005" y="1825842"/>
+            <a:ext cx="200627" cy="198802"/>
+          </a:xfrm>
+          <a:prstGeom prst="ellipse">
+            <a:avLst/>
+          </a:prstGeom>
+          <a:gradFill flip="none" rotWithShape="1">
+            <a:gsLst>
+              <a:gs pos="0">
+                <a:schemeClr val="accent3">
+                  <a:lumMod val="40000"/>
+                  <a:lumOff val="60000"/>
+                </a:schemeClr>
+              </a:gs>
+              <a:gs pos="46000">
+                <a:schemeClr val="accent3">
+                  <a:lumMod val="95000"/>
+                  <a:lumOff val="5000"/>
+                </a:schemeClr>
+              </a:gs>
+              <a:gs pos="100000">
+                <a:schemeClr val="accent3">
+                  <a:lumMod val="60000"/>
+                </a:schemeClr>
+              </a:gs>
+            </a:gsLst>
+            <a:path path="circle">
+              <a:fillToRect l="50000" t="130000" r="50000" b="-30000"/>
+            </a:path>
+            <a:tileRect/>
+          </a:gradFill>
+          <a:ln>
+            <a:noFill/>
+          </a:ln>
+        </p:spPr>
+        <p:style>
+          <a:lnRef idx="2">
+            <a:schemeClr val="accent1">
+              <a:shade val="50000"/>
+            </a:schemeClr>
+          </a:lnRef>
+          <a:fillRef idx="1">
+            <a:schemeClr val="accent1"/>
+          </a:fillRef>
+          <a:effectRef idx="0">
+            <a:schemeClr val="accent1"/>
+          </a:effectRef>
+          <a:fontRef idx="minor">
+            <a:schemeClr val="lt1"/>
+          </a:fontRef>
+        </p:style>
+        <p:txBody>
+          <a:bodyPr rtlCol="0" anchor="ctr"/>
+          <a:lstStyle/>
+          <a:p>
+            <a:pPr algn="ctr"/>
+            <a:endParaRPr lang="en-US"/>
+          </a:p>
+        </p:txBody>
+      </p:sp>
+      <p:sp>
+        <p:nvSpPr>
+          <p:cNvPr id="21" name="Oval 20">
+            <a:extLst>
+              <a:ext uri="{FF2B5EF4-FFF2-40B4-BE49-F238E27FC236}">
+                <a16:creationId xmlns:a16="http://schemas.microsoft.com/office/drawing/2014/main" id="{64D62DBC-8A4A-4FDF-A242-0A7CF56B1AC7}"/>
+              </a:ext>
+            </a:extLst>
+          </p:cNvPr>
+          <p:cNvSpPr/>
+          <p:nvPr/>
+        </p:nvSpPr>
+        <p:spPr>
+          <a:xfrm>
+            <a:off x="5759631" y="1899426"/>
+            <a:ext cx="214265" cy="212315"/>
+          </a:xfrm>
+          <a:prstGeom prst="ellipse">
+            <a:avLst/>
+          </a:prstGeom>
+          <a:gradFill flip="none" rotWithShape="1">
+            <a:gsLst>
+              <a:gs pos="0">
+                <a:schemeClr val="accent3">
+                  <a:lumMod val="40000"/>
+                  <a:lumOff val="60000"/>
+                </a:schemeClr>
+              </a:gs>
+              <a:gs pos="46000">
+                <a:schemeClr val="accent3">
+                  <a:lumMod val="95000"/>
+                  <a:lumOff val="5000"/>
+                </a:schemeClr>
+              </a:gs>
+              <a:gs pos="100000">
+                <a:schemeClr val="accent3">
+                  <a:lumMod val="60000"/>
+                </a:schemeClr>
+              </a:gs>
+            </a:gsLst>
+            <a:path path="circle">
+              <a:fillToRect l="50000" t="130000" r="50000" b="-30000"/>
+            </a:path>
+            <a:tileRect/>
+          </a:gradFill>
+          <a:ln>
+            <a:noFill/>
+          </a:ln>
+        </p:spPr>
+        <p:style>
+          <a:lnRef idx="2">
+            <a:schemeClr val="accent1">
+              <a:shade val="50000"/>
+            </a:schemeClr>
+          </a:lnRef>
+          <a:fillRef idx="1">
+            <a:schemeClr val="accent1"/>
+          </a:fillRef>
+          <a:effectRef idx="0">
+            <a:schemeClr val="accent1"/>
+          </a:effectRef>
+          <a:fontRef idx="minor">
+            <a:schemeClr val="lt1"/>
+          </a:fontRef>
+        </p:style>
+        <p:txBody>
+          <a:bodyPr rtlCol="0" anchor="ctr"/>
+          <a:lstStyle/>
+          <a:p>
+            <a:pPr algn="ctr"/>
+            <a:endParaRPr lang="en-US"/>
+          </a:p>
+        </p:txBody>
+      </p:sp>
+      <mc:AlternateContent xmlns:mc="http://schemas.openxmlformats.org/markup-compatibility/2006">
+        <mc:Choice xmlns:a14="http://schemas.microsoft.com/office/drawing/2010/main" Requires="a14">
+          <p:sp>
+            <p:nvSpPr>
+              <p:cNvPr id="30" name="TextBox 29">
+                <a:extLst>
+                  <a:ext uri="{FF2B5EF4-FFF2-40B4-BE49-F238E27FC236}">
+                    <a16:creationId xmlns:a16="http://schemas.microsoft.com/office/drawing/2014/main" id="{ED7798D2-8B24-41BA-A76C-80295B760838}"/>
+                  </a:ext>
+                </a:extLst>
+              </p:cNvPr>
+              <p:cNvSpPr txBox="1"/>
+              <p:nvPr/>
+            </p:nvSpPr>
+            <p:spPr>
+              <a:xfrm>
+                <a:off x="5957566" y="2850688"/>
+                <a:ext cx="303545" cy="276999"/>
+              </a:xfrm>
+              <a:prstGeom prst="rect">
+                <a:avLst/>
+              </a:prstGeom>
+              <a:noFill/>
+            </p:spPr>
+            <p:txBody>
+              <a:bodyPr wrap="none" lIns="0" tIns="0" rIns="0" bIns="0" rtlCol="0">
+                <a:spAutoFit/>
+              </a:bodyPr>
+              <a:lstStyle/>
+              <a:p>
+                <a14:m>
+                  <m:oMathPara xmlns:m="http://schemas.openxmlformats.org/officeDocument/2006/math">
+                    <m:oMathParaPr>
+                      <m:jc m:val="centerGroup"/>
+                    </m:oMathParaPr>
+                    <m:oMath xmlns:m="http://schemas.openxmlformats.org/officeDocument/2006/math">
+                      <m:sSub>
+                        <m:sSubPr>
+                          <m:ctrlPr>
+                            <a:rPr lang="en-US" i="1" smtClean="0">
+                              <a:latin typeface="Cambria Math" panose="02040503050406030204" pitchFamily="18" charset="0"/>
+                            </a:rPr>
+                          </m:ctrlPr>
+                        </m:sSubPr>
+                        <m:e>
+                          <m:r>
+                            <a:rPr lang="en-US" b="0" i="1" smtClean="0">
+                              <a:latin typeface="Cambria Math" panose="02040503050406030204" pitchFamily="18" charset="0"/>
+                            </a:rPr>
+                            <m:t>𝑣</m:t>
+                          </m:r>
+                        </m:e>
+                        <m:sub>
+                          <m:r>
+                            <a:rPr lang="en-US" b="0" i="1" smtClean="0">
+                              <a:latin typeface="Cambria Math" panose="02040503050406030204" pitchFamily="18" charset="0"/>
+                            </a:rPr>
+                            <m:t>𝐵</m:t>
+                          </m:r>
+                        </m:sub>
+                      </m:sSub>
+                    </m:oMath>
+                  </m:oMathPara>
+                </a14:m>
+                <a:endParaRPr lang="en-US" dirty="0"/>
+              </a:p>
+            </p:txBody>
+          </p:sp>
+        </mc:Choice>
+        <mc:Fallback>
+          <p:sp>
+            <p:nvSpPr>
+              <p:cNvPr id="30" name="TextBox 29">
+                <a:extLst>
+                  <a:ext uri="{FF2B5EF4-FFF2-40B4-BE49-F238E27FC236}">
+                    <a16:creationId xmlns:a16="http://schemas.microsoft.com/office/drawing/2014/main" id="{ED7798D2-8B24-41BA-A76C-80295B760838}"/>
+                  </a:ext>
+                </a:extLst>
+              </p:cNvPr>
+              <p:cNvSpPr txBox="1">
+                <a:spLocks noRot="1" noChangeAspect="1" noMove="1" noResize="1" noEditPoints="1" noAdjustHandles="1" noChangeArrowheads="1" noChangeShapeType="1" noTextEdit="1"/>
+              </p:cNvSpPr>
+              <p:nvPr/>
+            </p:nvSpPr>
+            <p:spPr>
+              <a:xfrm>
+                <a:off x="5957566" y="2850688"/>
+                <a:ext cx="303545" cy="276999"/>
+              </a:xfrm>
+              <a:prstGeom prst="rect">
+                <a:avLst/>
+              </a:prstGeom>
+              <a:blipFill>
+                <a:blip r:embed="rId2"/>
+                <a:stretch>
+                  <a:fillRect l="-10000" r="-8000" b="-15556"/>
+                </a:stretch>
+              </a:blipFill>
+            </p:spPr>
+            <p:txBody>
+              <a:bodyPr/>
+              <a:lstStyle/>
+              <a:p>
+                <a:r>
+                  <a:rPr lang="en-US">
+                    <a:noFill/>
+                  </a:rPr>
+                  <a:t> </a:t>
+                </a:r>
+              </a:p>
+            </p:txBody>
+          </p:sp>
+        </mc:Fallback>
+      </mc:AlternateContent>
+      <mc:AlternateContent xmlns:mc="http://schemas.openxmlformats.org/markup-compatibility/2006">
+        <mc:Choice xmlns:a14="http://schemas.microsoft.com/office/drawing/2010/main" Requires="a14">
+          <p:sp>
+            <p:nvSpPr>
+              <p:cNvPr id="31" name="TextBox 30">
+                <a:extLst>
+                  <a:ext uri="{FF2B5EF4-FFF2-40B4-BE49-F238E27FC236}">
+                    <a16:creationId xmlns:a16="http://schemas.microsoft.com/office/drawing/2014/main" id="{99BA21B6-6686-45CB-818F-98F0BB18CE77}"/>
+                  </a:ext>
+                </a:extLst>
+              </p:cNvPr>
+              <p:cNvSpPr txBox="1"/>
+              <p:nvPr/>
+            </p:nvSpPr>
+            <p:spPr>
+              <a:xfrm>
+                <a:off x="4270248" y="3322320"/>
+                <a:ext cx="287643" cy="276999"/>
+              </a:xfrm>
+              <a:prstGeom prst="rect">
+                <a:avLst/>
+              </a:prstGeom>
+              <a:noFill/>
+            </p:spPr>
+            <p:txBody>
+              <a:bodyPr wrap="none" lIns="0" tIns="0" rIns="0" bIns="0" rtlCol="0">
+                <a:spAutoFit/>
+              </a:bodyPr>
+              <a:lstStyle/>
+              <a:p>
+                <a14:m>
+                  <m:oMathPara xmlns:m="http://schemas.openxmlformats.org/officeDocument/2006/math">
+                    <m:oMathParaPr>
+                      <m:jc m:val="centerGroup"/>
+                    </m:oMathParaPr>
+                    <m:oMath xmlns:m="http://schemas.openxmlformats.org/officeDocument/2006/math">
+                      <m:sSub>
+                        <m:sSubPr>
+                          <m:ctrlPr>
+                            <a:rPr lang="en-US" i="1" smtClean="0">
+                              <a:latin typeface="Cambria Math" panose="02040503050406030204" pitchFamily="18" charset="0"/>
+                            </a:rPr>
+                          </m:ctrlPr>
+                        </m:sSubPr>
+                        <m:e>
+                          <m:r>
+                            <a:rPr lang="en-US" b="0" i="1" smtClean="0">
+                              <a:latin typeface="Cambria Math" panose="02040503050406030204" pitchFamily="18" charset="0"/>
+                            </a:rPr>
+                            <m:t>𝑣</m:t>
+                          </m:r>
+                        </m:e>
+                        <m:sub>
+                          <m:r>
+                            <a:rPr lang="en-US" b="0" i="1" smtClean="0">
+                              <a:latin typeface="Cambria Math" panose="02040503050406030204" pitchFamily="18" charset="0"/>
+                            </a:rPr>
+                            <m:t>𝐴</m:t>
+                          </m:r>
+                        </m:sub>
+                      </m:sSub>
+                    </m:oMath>
+                  </m:oMathPara>
+                </a14:m>
+                <a:endParaRPr lang="en-US" dirty="0"/>
+              </a:p>
+            </p:txBody>
+          </p:sp>
+        </mc:Choice>
+        <mc:Fallback>
+          <p:sp>
+            <p:nvSpPr>
+              <p:cNvPr id="31" name="TextBox 30">
+                <a:extLst>
+                  <a:ext uri="{FF2B5EF4-FFF2-40B4-BE49-F238E27FC236}">
+                    <a16:creationId xmlns:a16="http://schemas.microsoft.com/office/drawing/2014/main" id="{99BA21B6-6686-45CB-818F-98F0BB18CE77}"/>
+                  </a:ext>
+                </a:extLst>
+              </p:cNvPr>
+              <p:cNvSpPr txBox="1">
+                <a:spLocks noRot="1" noChangeAspect="1" noMove="1" noResize="1" noEditPoints="1" noAdjustHandles="1" noChangeArrowheads="1" noChangeShapeType="1" noTextEdit="1"/>
+              </p:cNvSpPr>
+              <p:nvPr/>
+            </p:nvSpPr>
+            <p:spPr>
+              <a:xfrm>
+                <a:off x="4270248" y="3322320"/>
+                <a:ext cx="287643" cy="276999"/>
+              </a:xfrm>
+              <a:prstGeom prst="rect">
+                <a:avLst/>
+              </a:prstGeom>
+              <a:blipFill>
+                <a:blip r:embed="rId3"/>
+                <a:stretch>
+                  <a:fillRect l="-10638" r="-8511" b="-15556"/>
+                </a:stretch>
+              </a:blipFill>
+            </p:spPr>
+            <p:txBody>
+              <a:bodyPr/>
+              <a:lstStyle/>
+              <a:p>
+                <a:r>
+                  <a:rPr lang="en-US">
+                    <a:noFill/>
+                  </a:rPr>
+                  <a:t> </a:t>
+                </a:r>
+              </a:p>
+            </p:txBody>
+          </p:sp>
+        </mc:Fallback>
+      </mc:AlternateContent>
+      <p:cxnSp>
+        <p:nvCxnSpPr>
+          <p:cNvPr id="32" name="Straight Arrow Connector 31">
+            <a:extLst>
+              <a:ext uri="{FF2B5EF4-FFF2-40B4-BE49-F238E27FC236}">
+                <a16:creationId xmlns:a16="http://schemas.microsoft.com/office/drawing/2014/main" id="{B981D47B-09AD-4999-A322-F46794E1A358}"/>
+              </a:ext>
+            </a:extLst>
+          </p:cNvPr>
+          <p:cNvCxnSpPr>
+            <a:cxnSpLocks/>
+            <a:stCxn id="20" idx="6"/>
+            <a:endCxn id="21" idx="1"/>
+          </p:cNvCxnSpPr>
+          <p:nvPr/>
+        </p:nvCxnSpPr>
+        <p:spPr>
+          <a:xfrm>
+            <a:off x="2770632" y="1925243"/>
+            <a:ext cx="3020377" cy="5276"/>
+          </a:xfrm>
+          <a:prstGeom prst="straightConnector1">
+            <a:avLst/>
+          </a:prstGeom>
+          <a:ln w="34925">
+            <a:solidFill>
+              <a:schemeClr val="tx1"/>
+            </a:solidFill>
+            <a:headEnd type="stealth" w="lg" len="lg"/>
+            <a:tailEnd type="stealth" w="lg" len="lg"/>
+          </a:ln>
+        </p:spPr>
+        <p:style>
+          <a:lnRef idx="1">
+            <a:schemeClr val="accent1"/>
+          </a:lnRef>
+          <a:fillRef idx="0">
+            <a:schemeClr val="accent1"/>
+          </a:fillRef>
+          <a:effectRef idx="0">
+            <a:schemeClr val="accent1"/>
+          </a:effectRef>
+          <a:fontRef idx="minor">
+            <a:schemeClr val="tx1"/>
+          </a:fontRef>
+        </p:style>
+      </p:cxnSp>
+      <p:cxnSp>
+        <p:nvCxnSpPr>
+          <p:cNvPr id="34" name="Straight Arrow Connector 33">
+            <a:extLst>
+              <a:ext uri="{FF2B5EF4-FFF2-40B4-BE49-F238E27FC236}">
+                <a16:creationId xmlns:a16="http://schemas.microsoft.com/office/drawing/2014/main" id="{C8174835-D0C4-4B51-A940-37E315BA85FC}"/>
+              </a:ext>
+            </a:extLst>
+          </p:cNvPr>
+          <p:cNvCxnSpPr>
+            <a:cxnSpLocks/>
+            <a:stCxn id="19" idx="0"/>
+          </p:cNvCxnSpPr>
+          <p:nvPr/>
+        </p:nvCxnSpPr>
+        <p:spPr>
+          <a:xfrm flipH="1" flipV="1">
+            <a:off x="4224566" y="1944125"/>
+            <a:ext cx="1" cy="759144"/>
+          </a:xfrm>
+          <a:prstGeom prst="straightConnector1">
+            <a:avLst/>
+          </a:prstGeom>
+          <a:ln w="34925">
+            <a:solidFill>
+              <a:schemeClr val="tx1"/>
+            </a:solidFill>
+            <a:headEnd type="stealth" w="lg" len="lg"/>
+            <a:tailEnd type="stealth" w="lg" len="lg"/>
+          </a:ln>
+        </p:spPr>
+        <p:style>
+          <a:lnRef idx="1">
+            <a:schemeClr val="accent1"/>
+          </a:lnRef>
+          <a:fillRef idx="0">
+            <a:schemeClr val="accent1"/>
+          </a:fillRef>
+          <a:effectRef idx="0">
+            <a:schemeClr val="accent1"/>
+          </a:effectRef>
+          <a:fontRef idx="minor">
+            <a:schemeClr val="tx1"/>
+          </a:fontRef>
+        </p:style>
+      </p:cxnSp>
+      <mc:AlternateContent xmlns:mc="http://schemas.openxmlformats.org/markup-compatibility/2006">
+        <mc:Choice xmlns:a14="http://schemas.microsoft.com/office/drawing/2010/main" Requires="a14">
+          <p:sp>
+            <p:nvSpPr>
+              <p:cNvPr id="37" name="TextBox 36">
+                <a:extLst>
+                  <a:ext uri="{FF2B5EF4-FFF2-40B4-BE49-F238E27FC236}">
+                    <a16:creationId xmlns:a16="http://schemas.microsoft.com/office/drawing/2014/main" id="{23EDD540-5B01-4995-AAB5-459FF04A09CA}"/>
+                  </a:ext>
+                </a:extLst>
+              </p:cNvPr>
+              <p:cNvSpPr txBox="1"/>
+              <p:nvPr/>
+            </p:nvSpPr>
+            <p:spPr>
+              <a:xfrm>
+                <a:off x="3962726" y="2228178"/>
+                <a:ext cx="183320" cy="276999"/>
+              </a:xfrm>
+              <a:prstGeom prst="rect">
+                <a:avLst/>
+              </a:prstGeom>
+              <a:noFill/>
+            </p:spPr>
+            <p:txBody>
+              <a:bodyPr wrap="none" lIns="0" tIns="0" rIns="0" bIns="0" rtlCol="0">
+                <a:spAutoFit/>
+              </a:bodyPr>
+              <a:lstStyle/>
+              <a:p>
+                <a14:m>
+                  <m:oMathPara xmlns:m="http://schemas.openxmlformats.org/officeDocument/2006/math">
+                    <m:oMathParaPr>
+                      <m:jc m:val="centerGroup"/>
+                    </m:oMathParaPr>
+                    <m:oMath xmlns:m="http://schemas.openxmlformats.org/officeDocument/2006/math">
+                      <m:r>
+                        <a:rPr lang="en-US" b="0" i="1" smtClean="0">
+                          <a:latin typeface="Cambria Math" panose="02040503050406030204" pitchFamily="18" charset="0"/>
+                        </a:rPr>
+                        <m:t>𝑥</m:t>
+                      </m:r>
+                    </m:oMath>
+                  </m:oMathPara>
+                </a14:m>
+                <a:endParaRPr lang="en-US" dirty="0"/>
+              </a:p>
+            </p:txBody>
+          </p:sp>
+        </mc:Choice>
+        <mc:Fallback>
+          <p:sp>
+            <p:nvSpPr>
+              <p:cNvPr id="37" name="TextBox 36">
+                <a:extLst>
+                  <a:ext uri="{FF2B5EF4-FFF2-40B4-BE49-F238E27FC236}">
+                    <a16:creationId xmlns:a16="http://schemas.microsoft.com/office/drawing/2014/main" id="{23EDD540-5B01-4995-AAB5-459FF04A09CA}"/>
+                  </a:ext>
+                </a:extLst>
+              </p:cNvPr>
+              <p:cNvSpPr txBox="1">
+                <a:spLocks noRot="1" noChangeAspect="1" noMove="1" noResize="1" noEditPoints="1" noAdjustHandles="1" noChangeArrowheads="1" noChangeShapeType="1" noTextEdit="1"/>
+              </p:cNvSpPr>
+              <p:nvPr/>
+            </p:nvSpPr>
+            <p:spPr>
+              <a:xfrm>
+                <a:off x="3962726" y="2228178"/>
+                <a:ext cx="183320" cy="276999"/>
+              </a:xfrm>
+              <a:prstGeom prst="rect">
+                <a:avLst/>
+              </a:prstGeom>
+              <a:blipFill>
+                <a:blip r:embed="rId4"/>
+                <a:stretch>
+                  <a:fillRect l="-20000" r="-13333"/>
+                </a:stretch>
+              </a:blipFill>
+            </p:spPr>
+            <p:txBody>
+              <a:bodyPr/>
+              <a:lstStyle/>
+              <a:p>
+                <a:r>
+                  <a:rPr lang="en-US">
+                    <a:noFill/>
+                  </a:rPr>
+                  <a:t> </a:t>
+                </a:r>
+              </a:p>
+            </p:txBody>
+          </p:sp>
+        </mc:Fallback>
+      </mc:AlternateContent>
+      <mc:AlternateContent xmlns:mc="http://schemas.openxmlformats.org/markup-compatibility/2006">
+        <mc:Choice xmlns:a14="http://schemas.microsoft.com/office/drawing/2010/main" Requires="a14">
+          <p:sp>
+            <p:nvSpPr>
+              <p:cNvPr id="38" name="TextBox 37">
+                <a:extLst>
+                  <a:ext uri="{FF2B5EF4-FFF2-40B4-BE49-F238E27FC236}">
+                    <a16:creationId xmlns:a16="http://schemas.microsoft.com/office/drawing/2014/main" id="{6D353D6C-4D5B-4A58-B4C7-F64F7E9EA677}"/>
+                  </a:ext>
+                </a:extLst>
+              </p:cNvPr>
+              <p:cNvSpPr txBox="1"/>
+              <p:nvPr/>
+            </p:nvSpPr>
+            <p:spPr>
+              <a:xfrm>
+                <a:off x="3736243" y="1653083"/>
+                <a:ext cx="181075" cy="276999"/>
+              </a:xfrm>
+              <a:prstGeom prst="rect">
+                <a:avLst/>
+              </a:prstGeom>
+              <a:noFill/>
+            </p:spPr>
+            <p:txBody>
+              <a:bodyPr wrap="none" lIns="0" tIns="0" rIns="0" bIns="0" rtlCol="0">
+                <a:spAutoFit/>
+              </a:bodyPr>
+              <a:lstStyle/>
+              <a:p>
+                <a14:m>
+                  <m:oMathPara xmlns:m="http://schemas.openxmlformats.org/officeDocument/2006/math">
+                    <m:oMathParaPr>
+                      <m:jc m:val="centerGroup"/>
+                    </m:oMathParaPr>
+                    <m:oMath xmlns:m="http://schemas.openxmlformats.org/officeDocument/2006/math">
+                      <m:r>
+                        <a:rPr lang="en-US" b="0" i="1" smtClean="0">
+                          <a:latin typeface="Cambria Math" panose="02040503050406030204" pitchFamily="18" charset="0"/>
+                        </a:rPr>
+                        <m:t>𝐿</m:t>
+                      </m:r>
+                    </m:oMath>
+                  </m:oMathPara>
+                </a14:m>
+                <a:endParaRPr lang="en-US" dirty="0"/>
+              </a:p>
+            </p:txBody>
+          </p:sp>
+        </mc:Choice>
+        <mc:Fallback>
+          <p:sp>
+            <p:nvSpPr>
+              <p:cNvPr id="38" name="TextBox 37">
+                <a:extLst>
+                  <a:ext uri="{FF2B5EF4-FFF2-40B4-BE49-F238E27FC236}">
+                    <a16:creationId xmlns:a16="http://schemas.microsoft.com/office/drawing/2014/main" id="{6D353D6C-4D5B-4A58-B4C7-F64F7E9EA677}"/>
+                  </a:ext>
+                </a:extLst>
+              </p:cNvPr>
+              <p:cNvSpPr txBox="1">
+                <a:spLocks noRot="1" noChangeAspect="1" noMove="1" noResize="1" noEditPoints="1" noAdjustHandles="1" noChangeArrowheads="1" noChangeShapeType="1" noTextEdit="1"/>
+              </p:cNvSpPr>
+              <p:nvPr/>
+            </p:nvSpPr>
+            <p:spPr>
+              <a:xfrm>
+                <a:off x="3736243" y="1653083"/>
+                <a:ext cx="181075" cy="276999"/>
+              </a:xfrm>
+              <a:prstGeom prst="rect">
+                <a:avLst/>
+              </a:prstGeom>
+              <a:blipFill>
+                <a:blip r:embed="rId5"/>
+                <a:stretch>
+                  <a:fillRect l="-33333" r="-23333" b="-6522"/>
+                </a:stretch>
+              </a:blipFill>
+            </p:spPr>
+            <p:txBody>
+              <a:bodyPr/>
+              <a:lstStyle/>
+              <a:p>
+                <a:r>
+                  <a:rPr lang="en-US">
+                    <a:noFill/>
+                  </a:rPr>
+                  <a:t> </a:t>
+                </a:r>
+              </a:p>
+            </p:txBody>
+          </p:sp>
+        </mc:Fallback>
+      </mc:AlternateContent>
+      <mc:AlternateContent xmlns:mc="http://schemas.openxmlformats.org/markup-compatibility/2006">
+        <mc:Choice xmlns:a14="http://schemas.microsoft.com/office/drawing/2010/main" Requires="a14">
+          <p:sp>
+            <p:nvSpPr>
+              <p:cNvPr id="39" name="TextBox 38">
+                <a:extLst>
+                  <a:ext uri="{FF2B5EF4-FFF2-40B4-BE49-F238E27FC236}">
+                    <a16:creationId xmlns:a16="http://schemas.microsoft.com/office/drawing/2014/main" id="{129630E4-657C-4B39-A76E-F69956CE8049}"/>
+                  </a:ext>
+                </a:extLst>
+              </p:cNvPr>
+              <p:cNvSpPr txBox="1"/>
+              <p:nvPr/>
+            </p:nvSpPr>
+            <p:spPr>
+              <a:xfrm>
+                <a:off x="3291277" y="2642008"/>
+                <a:ext cx="545599" cy="276999"/>
+              </a:xfrm>
+              <a:prstGeom prst="rect">
+                <a:avLst/>
+              </a:prstGeom>
+              <a:noFill/>
+            </p:spPr>
+            <p:txBody>
+              <a:bodyPr wrap="none" lIns="0" tIns="0" rIns="0" bIns="0" rtlCol="0">
+                <a:spAutoFit/>
+              </a:bodyPr>
+              <a:lstStyle/>
+              <a:p>
+                <a14:m>
+                  <m:oMathPara xmlns:m="http://schemas.openxmlformats.org/officeDocument/2006/math">
+                    <m:oMathParaPr>
+                      <m:jc m:val="centerGroup"/>
+                    </m:oMathParaPr>
+                    <m:oMath xmlns:m="http://schemas.openxmlformats.org/officeDocument/2006/math">
+                      <m:sSub>
+                        <m:sSubPr>
+                          <m:ctrlPr>
+                            <a:rPr lang="en-US" i="1" smtClean="0">
+                              <a:latin typeface="Cambria Math" panose="02040503050406030204" pitchFamily="18" charset="0"/>
+                            </a:rPr>
+                          </m:ctrlPr>
+                        </m:sSubPr>
+                        <m:e>
+                          <m:r>
+                            <a:rPr lang="en-US" i="1">
+                              <a:latin typeface="Cambria Math" panose="02040503050406030204" pitchFamily="18" charset="0"/>
+                            </a:rPr>
+                            <m:t>𝑣</m:t>
+                          </m:r>
+                        </m:e>
+                        <m:sub>
+                          <m:r>
+                            <a:rPr lang="en-US" i="1">
+                              <a:latin typeface="Cambria Math" panose="02040503050406030204" pitchFamily="18" charset="0"/>
+                            </a:rPr>
+                            <m:t>𝐵</m:t>
+                          </m:r>
+                        </m:sub>
+                      </m:sSub>
+                      <m:r>
+                        <a:rPr lang="en-US" b="0" i="1" smtClean="0">
+                          <a:latin typeface="Cambria Math" panose="02040503050406030204" pitchFamily="18" charset="0"/>
+                        </a:rPr>
+                        <m:t>/2</m:t>
+                      </m:r>
+                    </m:oMath>
+                  </m:oMathPara>
+                </a14:m>
+                <a:endParaRPr lang="en-US" dirty="0"/>
+              </a:p>
+            </p:txBody>
+          </p:sp>
+        </mc:Choice>
+        <mc:Fallback>
+          <p:sp>
+            <p:nvSpPr>
+              <p:cNvPr id="39" name="TextBox 38">
+                <a:extLst>
+                  <a:ext uri="{FF2B5EF4-FFF2-40B4-BE49-F238E27FC236}">
+                    <a16:creationId xmlns:a16="http://schemas.microsoft.com/office/drawing/2014/main" id="{129630E4-657C-4B39-A76E-F69956CE8049}"/>
+                  </a:ext>
+                </a:extLst>
+              </p:cNvPr>
+              <p:cNvSpPr txBox="1">
+                <a:spLocks noRot="1" noChangeAspect="1" noMove="1" noResize="1" noEditPoints="1" noAdjustHandles="1" noChangeArrowheads="1" noChangeShapeType="1" noTextEdit="1"/>
+              </p:cNvSpPr>
+              <p:nvPr/>
+            </p:nvSpPr>
+            <p:spPr>
+              <a:xfrm>
+                <a:off x="3291277" y="2642008"/>
+                <a:ext cx="545599" cy="276999"/>
+              </a:xfrm>
+              <a:prstGeom prst="rect">
+                <a:avLst/>
+              </a:prstGeom>
+              <a:blipFill>
+                <a:blip r:embed="rId6"/>
+                <a:stretch>
+                  <a:fillRect l="-5618" t="-2174" r="-11236" b="-32609"/>
+                </a:stretch>
+              </a:blipFill>
+            </p:spPr>
+            <p:txBody>
+              <a:bodyPr/>
+              <a:lstStyle/>
+              <a:p>
+                <a:r>
+                  <a:rPr lang="en-US">
+                    <a:noFill/>
+                  </a:rPr>
+                  <a:t> </a:t>
+                </a:r>
+              </a:p>
+            </p:txBody>
+          </p:sp>
+        </mc:Fallback>
+      </mc:AlternateContent>
+      <mc:AlternateContent xmlns:mc="http://schemas.openxmlformats.org/markup-compatibility/2006">
+        <mc:Choice xmlns:a14="http://schemas.microsoft.com/office/drawing/2010/main" Requires="a14">
+          <p:sp>
+            <p:nvSpPr>
+              <p:cNvPr id="40" name="TextBox 39">
+                <a:extLst>
+                  <a:ext uri="{FF2B5EF4-FFF2-40B4-BE49-F238E27FC236}">
+                    <a16:creationId xmlns:a16="http://schemas.microsoft.com/office/drawing/2014/main" id="{7288FDB7-CDD0-479A-8A16-0A7874935A86}"/>
+                  </a:ext>
+                </a:extLst>
+              </p:cNvPr>
+              <p:cNvSpPr txBox="1"/>
+              <p:nvPr/>
+            </p:nvSpPr>
+            <p:spPr>
+              <a:xfrm>
+                <a:off x="4630375" y="2556696"/>
+                <a:ext cx="545599" cy="276999"/>
+              </a:xfrm>
+              <a:prstGeom prst="rect">
+                <a:avLst/>
+              </a:prstGeom>
+              <a:noFill/>
+            </p:spPr>
+            <p:txBody>
+              <a:bodyPr wrap="none" lIns="0" tIns="0" rIns="0" bIns="0" rtlCol="0">
+                <a:spAutoFit/>
+              </a:bodyPr>
+              <a:lstStyle/>
+              <a:p>
+                <a14:m>
+                  <m:oMathPara xmlns:m="http://schemas.openxmlformats.org/officeDocument/2006/math">
+                    <m:oMathParaPr>
+                      <m:jc m:val="centerGroup"/>
+                    </m:oMathParaPr>
+                    <m:oMath xmlns:m="http://schemas.openxmlformats.org/officeDocument/2006/math">
+                      <m:sSub>
+                        <m:sSubPr>
+                          <m:ctrlPr>
+                            <a:rPr lang="en-US" i="1" smtClean="0">
+                              <a:latin typeface="Cambria Math" panose="02040503050406030204" pitchFamily="18" charset="0"/>
+                            </a:rPr>
+                          </m:ctrlPr>
+                        </m:sSubPr>
+                        <m:e>
+                          <m:r>
+                            <a:rPr lang="en-US" i="1">
+                              <a:latin typeface="Cambria Math" panose="02040503050406030204" pitchFamily="18" charset="0"/>
+                            </a:rPr>
+                            <m:t>𝑣</m:t>
+                          </m:r>
+                        </m:e>
+                        <m:sub>
+                          <m:r>
+                            <a:rPr lang="en-US" i="1">
+                              <a:latin typeface="Cambria Math" panose="02040503050406030204" pitchFamily="18" charset="0"/>
+                            </a:rPr>
+                            <m:t>𝐵</m:t>
+                          </m:r>
+                        </m:sub>
+                      </m:sSub>
+                      <m:r>
+                        <a:rPr lang="en-US" b="0" i="1" smtClean="0">
+                          <a:latin typeface="Cambria Math" panose="02040503050406030204" pitchFamily="18" charset="0"/>
+                        </a:rPr>
+                        <m:t>/2</m:t>
+                      </m:r>
+                    </m:oMath>
+                  </m:oMathPara>
+                </a14:m>
+                <a:endParaRPr lang="en-US" dirty="0"/>
+              </a:p>
+            </p:txBody>
+          </p:sp>
+        </mc:Choice>
+        <mc:Fallback>
+          <p:sp>
+            <p:nvSpPr>
+              <p:cNvPr id="40" name="TextBox 39">
+                <a:extLst>
+                  <a:ext uri="{FF2B5EF4-FFF2-40B4-BE49-F238E27FC236}">
+                    <a16:creationId xmlns:a16="http://schemas.microsoft.com/office/drawing/2014/main" id="{7288FDB7-CDD0-479A-8A16-0A7874935A86}"/>
+                  </a:ext>
+                </a:extLst>
+              </p:cNvPr>
+              <p:cNvSpPr txBox="1">
+                <a:spLocks noRot="1" noChangeAspect="1" noMove="1" noResize="1" noEditPoints="1" noAdjustHandles="1" noChangeArrowheads="1" noChangeShapeType="1" noTextEdit="1"/>
+              </p:cNvSpPr>
+              <p:nvPr/>
+            </p:nvSpPr>
+            <p:spPr>
+              <a:xfrm>
+                <a:off x="4630375" y="2556696"/>
+                <a:ext cx="545599" cy="276999"/>
+              </a:xfrm>
+              <a:prstGeom prst="rect">
+                <a:avLst/>
+              </a:prstGeom>
+              <a:blipFill>
+                <a:blip r:embed="rId7"/>
+                <a:stretch>
+                  <a:fillRect l="-5618" t="-2174" r="-11236" b="-32609"/>
+                </a:stretch>
+              </a:blipFill>
+            </p:spPr>
+            <p:txBody>
+              <a:bodyPr/>
+              <a:lstStyle/>
+              <a:p>
+                <a:r>
+                  <a:rPr lang="en-US">
+                    <a:noFill/>
+                  </a:rPr>
+                  <a:t> </a:t>
+                </a:r>
+              </a:p>
+            </p:txBody>
+          </p:sp>
+        </mc:Fallback>
+      </mc:AlternateContent>
+      <p:cxnSp>
+        <p:nvCxnSpPr>
+          <p:cNvPr id="41" name="Straight Arrow Connector 40">
+            <a:extLst>
+              <a:ext uri="{FF2B5EF4-FFF2-40B4-BE49-F238E27FC236}">
+                <a16:creationId xmlns:a16="http://schemas.microsoft.com/office/drawing/2014/main" id="{AF34DC03-A364-4476-8B3D-C18D44223C5A}"/>
+              </a:ext>
+            </a:extLst>
+          </p:cNvPr>
+          <p:cNvCxnSpPr>
+            <a:cxnSpLocks/>
+            <a:stCxn id="19" idx="6"/>
+          </p:cNvCxnSpPr>
+          <p:nvPr/>
+        </p:nvCxnSpPr>
+        <p:spPr>
+          <a:xfrm flipV="1">
+            <a:off x="4326345" y="2473701"/>
+            <a:ext cx="563717" cy="330420"/>
+          </a:xfrm>
+          <a:prstGeom prst="straightConnector1">
+            <a:avLst/>
+          </a:prstGeom>
+          <a:ln w="34925">
+            <a:solidFill>
+              <a:schemeClr val="tx1"/>
+            </a:solidFill>
+            <a:tailEnd type="stealth" w="lg" len="lg"/>
+          </a:ln>
+        </p:spPr>
+        <p:style>
+          <a:lnRef idx="1">
+            <a:schemeClr val="accent1"/>
+          </a:lnRef>
+          <a:fillRef idx="0">
+            <a:schemeClr val="accent1"/>
+          </a:fillRef>
+          <a:effectRef idx="0">
+            <a:schemeClr val="accent1"/>
+          </a:effectRef>
+          <a:fontRef idx="minor">
+            <a:schemeClr val="tx1"/>
+          </a:fontRef>
+        </p:style>
+      </p:cxnSp>
+      <p:cxnSp>
+        <p:nvCxnSpPr>
+          <p:cNvPr id="44" name="Straight Arrow Connector 43">
+            <a:extLst>
+              <a:ext uri="{FF2B5EF4-FFF2-40B4-BE49-F238E27FC236}">
+                <a16:creationId xmlns:a16="http://schemas.microsoft.com/office/drawing/2014/main" id="{144FD3A9-DFE5-4BB7-AA3F-23D5392EE996}"/>
+              </a:ext>
+            </a:extLst>
+          </p:cNvPr>
+          <p:cNvCxnSpPr>
+            <a:cxnSpLocks/>
+          </p:cNvCxnSpPr>
+          <p:nvPr/>
+        </p:nvCxnSpPr>
+        <p:spPr>
+          <a:xfrm>
+            <a:off x="3476713" y="2397979"/>
+            <a:ext cx="486013" cy="297216"/>
+          </a:xfrm>
+          <a:prstGeom prst="straightConnector1">
+            <a:avLst/>
+          </a:prstGeom>
+          <a:ln w="34925">
+            <a:solidFill>
+              <a:schemeClr val="tx1"/>
+            </a:solidFill>
+            <a:tailEnd type="stealth" w="lg" len="lg"/>
+          </a:ln>
+        </p:spPr>
+        <p:style>
+          <a:lnRef idx="1">
+            <a:schemeClr val="accent1"/>
+          </a:lnRef>
+          <a:fillRef idx="0">
+            <a:schemeClr val="accent1"/>
+          </a:fillRef>
+          <a:effectRef idx="0">
+            <a:schemeClr val="accent1"/>
+          </a:effectRef>
+          <a:fontRef idx="minor">
+            <a:schemeClr val="tx1"/>
+          </a:fontRef>
+        </p:style>
+      </p:cxnSp>
+      <p:pic>
+        <p:nvPicPr>
+          <p:cNvPr id="54" name="Picture 53">
+            <a:extLst>
+              <a:ext uri="{FF2B5EF4-FFF2-40B4-BE49-F238E27FC236}">
+                <a16:creationId xmlns:a16="http://schemas.microsoft.com/office/drawing/2014/main" id="{F945FB62-2D00-4B94-B052-50FE200B3BB7}"/>
+              </a:ext>
+            </a:extLst>
+          </p:cNvPr>
+          <p:cNvPicPr>
+            <a:picLocks noChangeAspect="1"/>
+          </p:cNvPicPr>
+          <p:nvPr/>
+        </p:nvPicPr>
+        <p:blipFill>
+          <a:blip r:embed="rId8"/>
+          <a:stretch>
+            <a:fillRect/>
+          </a:stretch>
+        </p:blipFill>
+        <p:spPr>
+          <a:xfrm>
+            <a:off x="7055992" y="3640603"/>
+            <a:ext cx="2956816" cy="2286198"/>
+          </a:xfrm>
+          <a:prstGeom prst="rect">
+            <a:avLst/>
+          </a:prstGeom>
+        </p:spPr>
+      </p:pic>
+      <p:cxnSp>
+        <p:nvCxnSpPr>
+          <p:cNvPr id="55" name="Straight Arrow Connector 54">
+            <a:extLst>
+              <a:ext uri="{FF2B5EF4-FFF2-40B4-BE49-F238E27FC236}">
+                <a16:creationId xmlns:a16="http://schemas.microsoft.com/office/drawing/2014/main" id="{4819B2F1-C399-47DF-8041-E123DB9D36E1}"/>
+              </a:ext>
+            </a:extLst>
+          </p:cNvPr>
+          <p:cNvCxnSpPr>
+            <a:cxnSpLocks/>
+          </p:cNvCxnSpPr>
+          <p:nvPr/>
+        </p:nvCxnSpPr>
+        <p:spPr>
+          <a:xfrm flipH="1" flipV="1">
+            <a:off x="8430768" y="5633363"/>
+            <a:ext cx="810768" cy="24164"/>
+          </a:xfrm>
+          <a:prstGeom prst="straightConnector1">
+            <a:avLst/>
+          </a:prstGeom>
+          <a:ln w="34925">
+            <a:solidFill>
+              <a:srgbClr val="FF0000"/>
+            </a:solidFill>
+            <a:tailEnd type="stealth" w="lg" len="lg"/>
+          </a:ln>
+        </p:spPr>
+        <p:style>
+          <a:lnRef idx="1">
+            <a:schemeClr val="accent1"/>
+          </a:lnRef>
+          <a:fillRef idx="0">
+            <a:schemeClr val="accent1"/>
+          </a:fillRef>
+          <a:effectRef idx="0">
+            <a:schemeClr val="accent1"/>
+          </a:effectRef>
+          <a:fontRef idx="minor">
+            <a:schemeClr val="tx1"/>
+          </a:fontRef>
+        </p:style>
+      </p:cxnSp>
+      <mc:AlternateContent xmlns:mc="http://schemas.openxmlformats.org/markup-compatibility/2006">
+        <mc:Choice xmlns:a14="http://schemas.microsoft.com/office/drawing/2010/main" Requires="a14">
+          <p:sp>
+            <p:nvSpPr>
+              <p:cNvPr id="56" name="TextBox 55">
+                <a:extLst>
+                  <a:ext uri="{FF2B5EF4-FFF2-40B4-BE49-F238E27FC236}">
+                    <a16:creationId xmlns:a16="http://schemas.microsoft.com/office/drawing/2014/main" id="{8325262D-AF76-45DD-8C91-CAD9E70C7F33}"/>
+                  </a:ext>
+                </a:extLst>
+              </p:cNvPr>
+              <p:cNvSpPr txBox="1"/>
+              <p:nvPr/>
+            </p:nvSpPr>
+            <p:spPr>
+              <a:xfrm>
+                <a:off x="8534400" y="5289088"/>
+                <a:ext cx="287643" cy="276999"/>
+              </a:xfrm>
+              <a:prstGeom prst="rect">
+                <a:avLst/>
+              </a:prstGeom>
+              <a:noFill/>
+            </p:spPr>
+            <p:txBody>
+              <a:bodyPr wrap="square" lIns="0" tIns="0" rIns="0" bIns="0" rtlCol="0">
+                <a:spAutoFit/>
+              </a:bodyPr>
+              <a:lstStyle/>
+              <a:p>
+                <a14:m>
+                  <m:oMathPara xmlns:m="http://schemas.openxmlformats.org/officeDocument/2006/math">
+                    <m:oMathParaPr>
+                      <m:jc m:val="centerGroup"/>
+                    </m:oMathParaPr>
+                    <m:oMath xmlns:m="http://schemas.openxmlformats.org/officeDocument/2006/math">
+                      <m:sSub>
+                        <m:sSubPr>
+                          <m:ctrlPr>
+                            <a:rPr lang="en-US" i="1" smtClean="0">
+                              <a:solidFill>
+                                <a:srgbClr val="FF0000"/>
+                              </a:solidFill>
+                              <a:latin typeface="Cambria Math" panose="02040503050406030204" pitchFamily="18" charset="0"/>
+                            </a:rPr>
+                          </m:ctrlPr>
+                        </m:sSubPr>
+                        <m:e>
+                          <m:r>
+                            <a:rPr lang="en-US" b="0" i="1" smtClean="0">
+                              <a:solidFill>
+                                <a:srgbClr val="FF0000"/>
+                              </a:solidFill>
+                              <a:latin typeface="Cambria Math" panose="02040503050406030204" pitchFamily="18" charset="0"/>
+                            </a:rPr>
+                            <m:t>𝑣</m:t>
+                          </m:r>
+                        </m:e>
+                        <m:sub>
+                          <m:r>
+                            <a:rPr lang="en-US" b="0" i="1" smtClean="0">
+                              <a:solidFill>
+                                <a:srgbClr val="FF0000"/>
+                              </a:solidFill>
+                              <a:latin typeface="Cambria Math" panose="02040503050406030204" pitchFamily="18" charset="0"/>
+                            </a:rPr>
+                            <m:t>𝐴</m:t>
+                          </m:r>
+                        </m:sub>
+                      </m:sSub>
+                    </m:oMath>
+                  </m:oMathPara>
+                </a14:m>
+                <a:endParaRPr lang="en-US" dirty="0">
+                  <a:solidFill>
+                    <a:srgbClr val="FF0000"/>
+                  </a:solidFill>
+                </a:endParaRPr>
+              </a:p>
+            </p:txBody>
+          </p:sp>
+        </mc:Choice>
+        <mc:Fallback>
+          <p:sp>
+            <p:nvSpPr>
+              <p:cNvPr id="56" name="TextBox 55">
+                <a:extLst>
+                  <a:ext uri="{FF2B5EF4-FFF2-40B4-BE49-F238E27FC236}">
+                    <a16:creationId xmlns:a16="http://schemas.microsoft.com/office/drawing/2014/main" id="{8325262D-AF76-45DD-8C91-CAD9E70C7F33}"/>
+                  </a:ext>
+                </a:extLst>
+              </p:cNvPr>
+              <p:cNvSpPr txBox="1">
+                <a:spLocks noRot="1" noChangeAspect="1" noMove="1" noResize="1" noEditPoints="1" noAdjustHandles="1" noChangeArrowheads="1" noChangeShapeType="1" noTextEdit="1"/>
+              </p:cNvSpPr>
+              <p:nvPr/>
+            </p:nvSpPr>
+            <p:spPr>
+              <a:xfrm>
+                <a:off x="8534400" y="5289088"/>
+                <a:ext cx="287643" cy="276999"/>
+              </a:xfrm>
+              <a:prstGeom prst="rect">
+                <a:avLst/>
+              </a:prstGeom>
+              <a:blipFill>
+                <a:blip r:embed="rId9"/>
+                <a:stretch>
+                  <a:fillRect l="-10638" r="-8511" b="-15556"/>
+                </a:stretch>
+              </a:blipFill>
+            </p:spPr>
+            <p:txBody>
+              <a:bodyPr/>
+              <a:lstStyle/>
+              <a:p>
+                <a:r>
+                  <a:rPr lang="en-US">
+                    <a:noFill/>
+                  </a:rPr>
+                  <a:t> </a:t>
+                </a:r>
+              </a:p>
+            </p:txBody>
+          </p:sp>
+        </mc:Fallback>
+      </mc:AlternateContent>
+      <mc:AlternateContent xmlns:mc="http://schemas.openxmlformats.org/markup-compatibility/2006">
+        <mc:Choice xmlns:a14="http://schemas.microsoft.com/office/drawing/2010/main" Requires="a14">
+          <p:sp>
+            <p:nvSpPr>
+              <p:cNvPr id="60" name="TextBox 59">
+                <a:extLst>
+                  <a:ext uri="{FF2B5EF4-FFF2-40B4-BE49-F238E27FC236}">
+                    <a16:creationId xmlns:a16="http://schemas.microsoft.com/office/drawing/2014/main" id="{92A330D2-802F-4058-BB59-C87AC13F0DC8}"/>
+                  </a:ext>
+                </a:extLst>
+              </p:cNvPr>
+              <p:cNvSpPr txBox="1"/>
+              <p:nvPr/>
+            </p:nvSpPr>
+            <p:spPr>
+              <a:xfrm>
+                <a:off x="8147357" y="5289088"/>
+                <a:ext cx="283411" cy="430887"/>
+              </a:xfrm>
+              <a:prstGeom prst="rect">
+                <a:avLst/>
+              </a:prstGeom>
+              <a:noFill/>
+            </p:spPr>
+            <p:txBody>
+              <a:bodyPr wrap="none" lIns="0" tIns="0" rIns="0" bIns="0" rtlCol="0">
+                <a:spAutoFit/>
+              </a:bodyPr>
+              <a:lstStyle/>
+              <a:p>
+                <a14:m>
+                  <m:oMathPara xmlns:m="http://schemas.openxmlformats.org/officeDocument/2006/math">
+                    <m:oMathParaPr>
+                      <m:jc m:val="centerGroup"/>
+                    </m:oMathParaPr>
+                    <m:oMath xmlns:m="http://schemas.openxmlformats.org/officeDocument/2006/math">
+                      <m:r>
+                        <a:rPr lang="en-US" sz="2800" b="0" i="1" smtClean="0">
+                          <a:latin typeface="Cambria Math" panose="02040503050406030204" pitchFamily="18" charset="0"/>
+                        </a:rPr>
+                        <m:t>𝑥</m:t>
+                      </m:r>
+                    </m:oMath>
+                  </m:oMathPara>
+                </a14:m>
+                <a:endParaRPr lang="en-US" sz="2800" dirty="0"/>
+              </a:p>
+            </p:txBody>
+          </p:sp>
+        </mc:Choice>
+        <mc:Fallback>
+          <p:sp>
+            <p:nvSpPr>
+              <p:cNvPr id="60" name="TextBox 59">
+                <a:extLst>
+                  <a:ext uri="{FF2B5EF4-FFF2-40B4-BE49-F238E27FC236}">
+                    <a16:creationId xmlns:a16="http://schemas.microsoft.com/office/drawing/2014/main" id="{92A330D2-802F-4058-BB59-C87AC13F0DC8}"/>
+                  </a:ext>
+                </a:extLst>
+              </p:cNvPr>
+              <p:cNvSpPr txBox="1">
+                <a:spLocks noRot="1" noChangeAspect="1" noMove="1" noResize="1" noEditPoints="1" noAdjustHandles="1" noChangeArrowheads="1" noChangeShapeType="1" noTextEdit="1"/>
+              </p:cNvSpPr>
+              <p:nvPr/>
+            </p:nvSpPr>
+            <p:spPr>
+              <a:xfrm>
+                <a:off x="8147357" y="5289088"/>
+                <a:ext cx="283411" cy="430887"/>
+              </a:xfrm>
+              <a:prstGeom prst="rect">
+                <a:avLst/>
+              </a:prstGeom>
+              <a:blipFill>
+                <a:blip r:embed="rId10"/>
+                <a:stretch>
+                  <a:fillRect/>
+                </a:stretch>
+              </a:blipFill>
+            </p:spPr>
+            <p:txBody>
+              <a:bodyPr/>
+              <a:lstStyle/>
+              <a:p>
+                <a:r>
+                  <a:rPr lang="en-US">
+                    <a:noFill/>
+                  </a:rPr>
+                  <a:t> </a:t>
+                </a:r>
+              </a:p>
+            </p:txBody>
+          </p:sp>
+        </mc:Fallback>
+      </mc:AlternateContent>
+      <mc:AlternateContent xmlns:mc="http://schemas.openxmlformats.org/markup-compatibility/2006">
+        <mc:Choice xmlns:a14="http://schemas.microsoft.com/office/drawing/2010/main" Requires="a14">
+          <p:sp>
+            <p:nvSpPr>
+              <p:cNvPr id="61" name="TextBox 60">
+                <a:extLst>
+                  <a:ext uri="{FF2B5EF4-FFF2-40B4-BE49-F238E27FC236}">
+                    <a16:creationId xmlns:a16="http://schemas.microsoft.com/office/drawing/2014/main" id="{95B382AE-D047-4CFE-9F75-F38466E37F19}"/>
+                  </a:ext>
+                </a:extLst>
+              </p:cNvPr>
+              <p:cNvSpPr txBox="1"/>
+              <p:nvPr/>
+            </p:nvSpPr>
+            <p:spPr>
+              <a:xfrm>
+                <a:off x="7392977" y="4775598"/>
+                <a:ext cx="288284" cy="430887"/>
+              </a:xfrm>
+              <a:prstGeom prst="rect">
+                <a:avLst/>
+              </a:prstGeom>
+              <a:noFill/>
+            </p:spPr>
+            <p:txBody>
+              <a:bodyPr wrap="none" lIns="0" tIns="0" rIns="0" bIns="0" rtlCol="0">
+                <a:spAutoFit/>
+              </a:bodyPr>
+              <a:lstStyle/>
+              <a:p>
+                <a14:m>
+                  <m:oMathPara xmlns:m="http://schemas.openxmlformats.org/officeDocument/2006/math">
+                    <m:oMathParaPr>
+                      <m:jc m:val="centerGroup"/>
+                    </m:oMathParaPr>
+                    <m:oMath xmlns:m="http://schemas.openxmlformats.org/officeDocument/2006/math">
+                      <m:r>
+                        <a:rPr lang="en-US" sz="2800" b="0" i="1" smtClean="0">
+                          <a:latin typeface="Cambria Math" panose="02040503050406030204" pitchFamily="18" charset="0"/>
+                        </a:rPr>
+                        <m:t>𝑦</m:t>
+                      </m:r>
+                    </m:oMath>
+                  </m:oMathPara>
+                </a14:m>
+                <a:endParaRPr lang="en-US" sz="2800" dirty="0"/>
+              </a:p>
+            </p:txBody>
+          </p:sp>
+        </mc:Choice>
+        <mc:Fallback>
+          <p:sp>
+            <p:nvSpPr>
+              <p:cNvPr id="61" name="TextBox 60">
+                <a:extLst>
+                  <a:ext uri="{FF2B5EF4-FFF2-40B4-BE49-F238E27FC236}">
+                    <a16:creationId xmlns:a16="http://schemas.microsoft.com/office/drawing/2014/main" id="{95B382AE-D047-4CFE-9F75-F38466E37F19}"/>
+                  </a:ext>
+                </a:extLst>
+              </p:cNvPr>
+              <p:cNvSpPr txBox="1">
+                <a:spLocks noRot="1" noChangeAspect="1" noMove="1" noResize="1" noEditPoints="1" noAdjustHandles="1" noChangeArrowheads="1" noChangeShapeType="1" noTextEdit="1"/>
+              </p:cNvSpPr>
+              <p:nvPr/>
+            </p:nvSpPr>
+            <p:spPr>
+              <a:xfrm>
+                <a:off x="7392977" y="4775598"/>
+                <a:ext cx="288284" cy="430887"/>
+              </a:xfrm>
+              <a:prstGeom prst="rect">
+                <a:avLst/>
+              </a:prstGeom>
+              <a:blipFill>
+                <a:blip r:embed="rId11"/>
+                <a:stretch>
+                  <a:fillRect/>
+                </a:stretch>
+              </a:blipFill>
+            </p:spPr>
+            <p:txBody>
+              <a:bodyPr/>
+              <a:lstStyle/>
+              <a:p>
+                <a:r>
+                  <a:rPr lang="en-US">
+                    <a:noFill/>
+                  </a:rPr>
+                  <a:t> </a:t>
+                </a:r>
+              </a:p>
+            </p:txBody>
+          </p:sp>
+        </mc:Fallback>
+      </mc:AlternateContent>
+    </p:spTree>
+    <p:extLst>
+      <p:ext uri="{BB962C8B-B14F-4D97-AF65-F5344CB8AC3E}">
+        <p14:creationId xmlns:p14="http://schemas.microsoft.com/office/powerpoint/2010/main" val="1797459676"/>
       </p:ext>
     </p:extLst>
   </p:cSld>

--- a/volunteer/Drawings.pptx
+++ b/volunteer/Drawings.pptx
@@ -282,7 +282,7 @@
           <a:p>
             <a:fld id="{F0249701-11FC-451D-B9AC-2A68C1C5D58E}" type="datetimeFigureOut">
               <a:rPr lang="en-US" smtClean="0"/>
-              <a:t>6/23/2024</a:t>
+              <a:t>6/24/2024</a:t>
             </a:fld>
             <a:endParaRPr lang="en-US"/>
           </a:p>
@@ -480,7 +480,7 @@
           <a:p>
             <a:fld id="{F0249701-11FC-451D-B9AC-2A68C1C5D58E}" type="datetimeFigureOut">
               <a:rPr lang="en-US" smtClean="0"/>
-              <a:t>6/23/2024</a:t>
+              <a:t>6/24/2024</a:t>
             </a:fld>
             <a:endParaRPr lang="en-US"/>
           </a:p>
@@ -688,7 +688,7 @@
           <a:p>
             <a:fld id="{F0249701-11FC-451D-B9AC-2A68C1C5D58E}" type="datetimeFigureOut">
               <a:rPr lang="en-US" smtClean="0"/>
-              <a:t>6/23/2024</a:t>
+              <a:t>6/24/2024</a:t>
             </a:fld>
             <a:endParaRPr lang="en-US"/>
           </a:p>
@@ -886,7 +886,7 @@
           <a:p>
             <a:fld id="{F0249701-11FC-451D-B9AC-2A68C1C5D58E}" type="datetimeFigureOut">
               <a:rPr lang="en-US" smtClean="0"/>
-              <a:t>6/23/2024</a:t>
+              <a:t>6/24/2024</a:t>
             </a:fld>
             <a:endParaRPr lang="en-US"/>
           </a:p>
@@ -1161,7 +1161,7 @@
           <a:p>
             <a:fld id="{F0249701-11FC-451D-B9AC-2A68C1C5D58E}" type="datetimeFigureOut">
               <a:rPr lang="en-US" smtClean="0"/>
-              <a:t>6/23/2024</a:t>
+              <a:t>6/24/2024</a:t>
             </a:fld>
             <a:endParaRPr lang="en-US"/>
           </a:p>
@@ -1426,7 +1426,7 @@
           <a:p>
             <a:fld id="{F0249701-11FC-451D-B9AC-2A68C1C5D58E}" type="datetimeFigureOut">
               <a:rPr lang="en-US" smtClean="0"/>
-              <a:t>6/23/2024</a:t>
+              <a:t>6/24/2024</a:t>
             </a:fld>
             <a:endParaRPr lang="en-US"/>
           </a:p>
@@ -1838,7 +1838,7 @@
           <a:p>
             <a:fld id="{F0249701-11FC-451D-B9AC-2A68C1C5D58E}" type="datetimeFigureOut">
               <a:rPr lang="en-US" smtClean="0"/>
-              <a:t>6/23/2024</a:t>
+              <a:t>6/24/2024</a:t>
             </a:fld>
             <a:endParaRPr lang="en-US"/>
           </a:p>
@@ -1979,7 +1979,7 @@
           <a:p>
             <a:fld id="{F0249701-11FC-451D-B9AC-2A68C1C5D58E}" type="datetimeFigureOut">
               <a:rPr lang="en-US" smtClean="0"/>
-              <a:t>6/23/2024</a:t>
+              <a:t>6/24/2024</a:t>
             </a:fld>
             <a:endParaRPr lang="en-US"/>
           </a:p>
@@ -2092,7 +2092,7 @@
           <a:p>
             <a:fld id="{F0249701-11FC-451D-B9AC-2A68C1C5D58E}" type="datetimeFigureOut">
               <a:rPr lang="en-US" smtClean="0"/>
-              <a:t>6/23/2024</a:t>
+              <a:t>6/24/2024</a:t>
             </a:fld>
             <a:endParaRPr lang="en-US"/>
           </a:p>
@@ -2403,7 +2403,7 @@
           <a:p>
             <a:fld id="{F0249701-11FC-451D-B9AC-2A68C1C5D58E}" type="datetimeFigureOut">
               <a:rPr lang="en-US" smtClean="0"/>
-              <a:t>6/23/2024</a:t>
+              <a:t>6/24/2024</a:t>
             </a:fld>
             <a:endParaRPr lang="en-US"/>
           </a:p>
@@ -2691,7 +2691,7 @@
           <a:p>
             <a:fld id="{F0249701-11FC-451D-B9AC-2A68C1C5D58E}" type="datetimeFigureOut">
               <a:rPr lang="en-US" smtClean="0"/>
-              <a:t>6/23/2024</a:t>
+              <a:t>6/24/2024</a:t>
             </a:fld>
             <a:endParaRPr lang="en-US"/>
           </a:p>
@@ -2932,7 +2932,7 @@
           <a:p>
             <a:fld id="{F0249701-11FC-451D-B9AC-2A68C1C5D58E}" type="datetimeFigureOut">
               <a:rPr lang="en-US" smtClean="0"/>
-              <a:t>6/23/2024</a:t>
+              <a:t>6/24/2024</a:t>
             </a:fld>
             <a:endParaRPr lang="en-US"/>
           </a:p>
@@ -12400,1631 +12400,4309 @@
           <a:chExt cx="0" cy="0"/>
         </a:xfrm>
       </p:grpSpPr>
-      <p:cxnSp>
-        <p:nvCxnSpPr>
-          <p:cNvPr id="27" name="Straight Arrow Connector 26">
+      <p:grpSp>
+        <p:nvGrpSpPr>
+          <p:cNvPr id="85" name="Group 84">
             <a:extLst>
               <a:ext uri="{FF2B5EF4-FFF2-40B4-BE49-F238E27FC236}">
-                <a16:creationId xmlns:a16="http://schemas.microsoft.com/office/drawing/2014/main" id="{5E52C26E-FC58-41B6-9995-D64C040D8D71}"/>
+                <a16:creationId xmlns:a16="http://schemas.microsoft.com/office/drawing/2014/main" id="{9BDD96CD-F882-4892-A5DB-E59799417EB0}"/>
               </a:ext>
             </a:extLst>
           </p:cNvPr>
-          <p:cNvCxnSpPr>
-            <a:cxnSpLocks/>
-          </p:cNvCxnSpPr>
+          <p:cNvGrpSpPr/>
           <p:nvPr/>
-        </p:nvCxnSpPr>
-        <p:spPr>
+        </p:nvGrpSpPr>
+        <p:grpSpPr>
           <a:xfrm>
-            <a:off x="4224566" y="2823837"/>
-            <a:ext cx="0" cy="711843"/>
+            <a:off x="440449" y="182469"/>
+            <a:ext cx="3691106" cy="1946236"/>
+            <a:chOff x="440449" y="182469"/>
+            <a:chExt cx="3691106" cy="1946236"/>
           </a:xfrm>
-          <a:prstGeom prst="straightConnector1">
-            <a:avLst/>
-          </a:prstGeom>
-          <a:ln w="34925">
-            <a:solidFill>
+        </p:grpSpPr>
+        <p:cxnSp>
+          <p:nvCxnSpPr>
+            <p:cNvPr id="27" name="Straight Arrow Connector 26">
+              <a:extLst>
+                <a:ext uri="{FF2B5EF4-FFF2-40B4-BE49-F238E27FC236}">
+                  <a16:creationId xmlns:a16="http://schemas.microsoft.com/office/drawing/2014/main" id="{5E52C26E-FC58-41B6-9995-D64C040D8D71}"/>
+                </a:ext>
+              </a:extLst>
+            </p:cNvPr>
+            <p:cNvCxnSpPr>
+              <a:cxnSpLocks/>
+            </p:cNvCxnSpPr>
+            <p:nvPr/>
+          </p:nvCxnSpPr>
+          <p:spPr>
+            <a:xfrm>
+              <a:off x="2095010" y="1353223"/>
+              <a:ext cx="0" cy="711843"/>
+            </a:xfrm>
+            <a:prstGeom prst="straightConnector1">
+              <a:avLst/>
+            </a:prstGeom>
+            <a:ln w="34925">
+              <a:solidFill>
+                <a:schemeClr val="tx1"/>
+              </a:solidFill>
+              <a:tailEnd type="stealth" w="lg" len="lg"/>
+            </a:ln>
+          </p:spPr>
+          <p:style>
+            <a:lnRef idx="1">
+              <a:schemeClr val="accent1"/>
+            </a:lnRef>
+            <a:fillRef idx="0">
+              <a:schemeClr val="accent1"/>
+            </a:fillRef>
+            <a:effectRef idx="0">
+              <a:schemeClr val="accent1"/>
+            </a:effectRef>
+            <a:fontRef idx="minor">
               <a:schemeClr val="tx1"/>
-            </a:solidFill>
-            <a:tailEnd type="stealth" w="lg" len="lg"/>
-          </a:ln>
-        </p:spPr>
-        <p:style>
-          <a:lnRef idx="1">
-            <a:schemeClr val="accent1"/>
-          </a:lnRef>
-          <a:fillRef idx="0">
-            <a:schemeClr val="accent1"/>
-          </a:fillRef>
-          <a:effectRef idx="0">
-            <a:schemeClr val="accent1"/>
-          </a:effectRef>
-          <a:fontRef idx="minor">
-            <a:schemeClr val="tx1"/>
-          </a:fontRef>
-        </p:style>
-      </p:cxnSp>
-      <p:cxnSp>
-        <p:nvCxnSpPr>
-          <p:cNvPr id="7" name="Straight Connector 6">
+            </a:fontRef>
+          </p:style>
+        </p:cxnSp>
+        <p:cxnSp>
+          <p:nvCxnSpPr>
+            <p:cNvPr id="7" name="Straight Connector 6">
+              <a:extLst>
+                <a:ext uri="{FF2B5EF4-FFF2-40B4-BE49-F238E27FC236}">
+                  <a16:creationId xmlns:a16="http://schemas.microsoft.com/office/drawing/2014/main" id="{54AD3868-E823-4B6D-8536-BF86E8F26EB1}"/>
+                </a:ext>
+              </a:extLst>
+            </p:cNvPr>
+            <p:cNvCxnSpPr/>
+            <p:nvPr/>
+          </p:nvCxnSpPr>
+          <p:spPr>
+            <a:xfrm>
+              <a:off x="486130" y="450398"/>
+              <a:ext cx="1608881" cy="902825"/>
+            </a:xfrm>
+            <a:prstGeom prst="line">
+              <a:avLst/>
+            </a:prstGeom>
+            <a:ln w="34925">
+              <a:solidFill>
+                <a:schemeClr val="tx1"/>
+              </a:solidFill>
+            </a:ln>
+          </p:spPr>
+          <p:style>
+            <a:lnRef idx="1">
+              <a:schemeClr val="accent1"/>
+            </a:lnRef>
+            <a:fillRef idx="0">
+              <a:schemeClr val="accent1"/>
+            </a:fillRef>
+            <a:effectRef idx="0">
+              <a:schemeClr val="accent1"/>
+            </a:effectRef>
+            <a:fontRef idx="minor">
+              <a:schemeClr val="tx1"/>
+            </a:fontRef>
+          </p:style>
+        </p:cxnSp>
+        <p:cxnSp>
+          <p:nvCxnSpPr>
+            <p:cNvPr id="8" name="Straight Connector 7">
+              <a:extLst>
+                <a:ext uri="{FF2B5EF4-FFF2-40B4-BE49-F238E27FC236}">
+                  <a16:creationId xmlns:a16="http://schemas.microsoft.com/office/drawing/2014/main" id="{271DD1E7-AEBF-4623-A099-7760DBFBDF88}"/>
+                </a:ext>
+              </a:extLst>
+            </p:cNvPr>
+            <p:cNvCxnSpPr>
+              <a:cxnSpLocks/>
+            </p:cNvCxnSpPr>
+            <p:nvPr/>
+          </p:nvCxnSpPr>
+          <p:spPr>
+            <a:xfrm flipH="1">
+              <a:off x="2140692" y="534970"/>
+              <a:ext cx="1505713" cy="818253"/>
+            </a:xfrm>
+            <a:prstGeom prst="line">
+              <a:avLst/>
+            </a:prstGeom>
+            <a:ln w="34925">
+              <a:solidFill>
+                <a:schemeClr val="tx1"/>
+              </a:solidFill>
+            </a:ln>
+          </p:spPr>
+          <p:style>
+            <a:lnRef idx="1">
+              <a:schemeClr val="accent1"/>
+            </a:lnRef>
+            <a:fillRef idx="0">
+              <a:schemeClr val="accent1"/>
+            </a:fillRef>
+            <a:effectRef idx="0">
+              <a:schemeClr val="accent1"/>
+            </a:effectRef>
+            <a:fontRef idx="minor">
+              <a:schemeClr val="tx1"/>
+            </a:fontRef>
+          </p:style>
+        </p:cxnSp>
+        <p:cxnSp>
+          <p:nvCxnSpPr>
+            <p:cNvPr id="12" name="Straight Arrow Connector 11">
+              <a:extLst>
+                <a:ext uri="{FF2B5EF4-FFF2-40B4-BE49-F238E27FC236}">
+                  <a16:creationId xmlns:a16="http://schemas.microsoft.com/office/drawing/2014/main" id="{B07A83C6-FB93-4486-809D-71EBF93B3F13}"/>
+                </a:ext>
+              </a:extLst>
+            </p:cNvPr>
+            <p:cNvCxnSpPr>
+              <a:cxnSpLocks/>
+            </p:cNvCxnSpPr>
+            <p:nvPr/>
+          </p:nvCxnSpPr>
+          <p:spPr>
+            <a:xfrm>
+              <a:off x="3737207" y="608442"/>
+              <a:ext cx="0" cy="1248426"/>
+            </a:xfrm>
+            <a:prstGeom prst="straightConnector1">
+              <a:avLst/>
+            </a:prstGeom>
+            <a:ln w="34925">
+              <a:solidFill>
+                <a:schemeClr val="tx1"/>
+              </a:solidFill>
+              <a:tailEnd type="stealth" w="lg" len="lg"/>
+            </a:ln>
+          </p:spPr>
+          <p:style>
+            <a:lnRef idx="1">
+              <a:schemeClr val="accent1"/>
+            </a:lnRef>
+            <a:fillRef idx="0">
+              <a:schemeClr val="accent1"/>
+            </a:fillRef>
+            <a:effectRef idx="0">
+              <a:schemeClr val="accent1"/>
+            </a:effectRef>
+            <a:fontRef idx="minor">
+              <a:schemeClr val="tx1"/>
+            </a:fontRef>
+          </p:style>
+        </p:cxnSp>
+        <p:sp>
+          <p:nvSpPr>
+            <p:cNvPr id="19" name="Oval 18">
+              <a:extLst>
+                <a:ext uri="{FF2B5EF4-FFF2-40B4-BE49-F238E27FC236}">
+                  <a16:creationId xmlns:a16="http://schemas.microsoft.com/office/drawing/2014/main" id="{6C5411A5-A0A0-43F6-AFA0-27C46D691334}"/>
+                </a:ext>
+              </a:extLst>
+            </p:cNvPr>
+            <p:cNvSpPr/>
+            <p:nvPr/>
+          </p:nvSpPr>
+          <p:spPr>
+            <a:xfrm>
+              <a:off x="1993232" y="1232655"/>
+              <a:ext cx="203557" cy="201704"/>
+            </a:xfrm>
+            <a:prstGeom prst="ellipse">
+              <a:avLst/>
+            </a:prstGeom>
+            <a:gradFill flip="none" rotWithShape="1">
+              <a:gsLst>
+                <a:gs pos="0">
+                  <a:schemeClr val="accent3">
+                    <a:lumMod val="40000"/>
+                    <a:lumOff val="60000"/>
+                  </a:schemeClr>
+                </a:gs>
+                <a:gs pos="46000">
+                  <a:schemeClr val="accent3">
+                    <a:lumMod val="95000"/>
+                    <a:lumOff val="5000"/>
+                  </a:schemeClr>
+                </a:gs>
+                <a:gs pos="100000">
+                  <a:schemeClr val="accent3">
+                    <a:lumMod val="60000"/>
+                  </a:schemeClr>
+                </a:gs>
+              </a:gsLst>
+              <a:path path="circle">
+                <a:fillToRect l="50000" t="130000" r="50000" b="-30000"/>
+              </a:path>
+              <a:tileRect/>
+            </a:gradFill>
+            <a:ln>
+              <a:noFill/>
+            </a:ln>
+          </p:spPr>
+          <p:style>
+            <a:lnRef idx="2">
+              <a:schemeClr val="accent1">
+                <a:shade val="50000"/>
+              </a:schemeClr>
+            </a:lnRef>
+            <a:fillRef idx="1">
+              <a:schemeClr val="accent1"/>
+            </a:fillRef>
+            <a:effectRef idx="0">
+              <a:schemeClr val="accent1"/>
+            </a:effectRef>
+            <a:fontRef idx="minor">
+              <a:schemeClr val="lt1"/>
+            </a:fontRef>
+          </p:style>
+          <p:txBody>
+            <a:bodyPr rtlCol="0" anchor="ctr"/>
+            <a:lstStyle/>
+            <a:p>
+              <a:pPr algn="ctr"/>
+              <a:endParaRPr lang="en-US"/>
+            </a:p>
+          </p:txBody>
+        </p:sp>
+        <p:sp>
+          <p:nvSpPr>
+            <p:cNvPr id="20" name="Oval 19">
+              <a:extLst>
+                <a:ext uri="{FF2B5EF4-FFF2-40B4-BE49-F238E27FC236}">
+                  <a16:creationId xmlns:a16="http://schemas.microsoft.com/office/drawing/2014/main" id="{CEA5E80A-B944-432C-B4F1-5E2FC651F7E6}"/>
+                </a:ext>
+              </a:extLst>
+            </p:cNvPr>
+            <p:cNvSpPr/>
+            <p:nvPr/>
+          </p:nvSpPr>
+          <p:spPr>
+            <a:xfrm>
+              <a:off x="440449" y="355228"/>
+              <a:ext cx="200627" cy="198802"/>
+            </a:xfrm>
+            <a:prstGeom prst="ellipse">
+              <a:avLst/>
+            </a:prstGeom>
+            <a:gradFill flip="none" rotWithShape="1">
+              <a:gsLst>
+                <a:gs pos="0">
+                  <a:schemeClr val="accent3">
+                    <a:lumMod val="40000"/>
+                    <a:lumOff val="60000"/>
+                  </a:schemeClr>
+                </a:gs>
+                <a:gs pos="46000">
+                  <a:schemeClr val="accent3">
+                    <a:lumMod val="95000"/>
+                    <a:lumOff val="5000"/>
+                  </a:schemeClr>
+                </a:gs>
+                <a:gs pos="100000">
+                  <a:schemeClr val="accent3">
+                    <a:lumMod val="60000"/>
+                  </a:schemeClr>
+                </a:gs>
+              </a:gsLst>
+              <a:path path="circle">
+                <a:fillToRect l="50000" t="130000" r="50000" b="-30000"/>
+              </a:path>
+              <a:tileRect/>
+            </a:gradFill>
+            <a:ln>
+              <a:noFill/>
+            </a:ln>
+          </p:spPr>
+          <p:style>
+            <a:lnRef idx="2">
+              <a:schemeClr val="accent1">
+                <a:shade val="50000"/>
+              </a:schemeClr>
+            </a:lnRef>
+            <a:fillRef idx="1">
+              <a:schemeClr val="accent1"/>
+            </a:fillRef>
+            <a:effectRef idx="0">
+              <a:schemeClr val="accent1"/>
+            </a:effectRef>
+            <a:fontRef idx="minor">
+              <a:schemeClr val="lt1"/>
+            </a:fontRef>
+          </p:style>
+          <p:txBody>
+            <a:bodyPr rtlCol="0" anchor="ctr"/>
+            <a:lstStyle/>
+            <a:p>
+              <a:pPr algn="ctr"/>
+              <a:endParaRPr lang="en-US"/>
+            </a:p>
+          </p:txBody>
+        </p:sp>
+        <p:sp>
+          <p:nvSpPr>
+            <p:cNvPr id="21" name="Oval 20">
+              <a:extLst>
+                <a:ext uri="{FF2B5EF4-FFF2-40B4-BE49-F238E27FC236}">
+                  <a16:creationId xmlns:a16="http://schemas.microsoft.com/office/drawing/2014/main" id="{64D62DBC-8A4A-4FDF-A242-0A7CF56B1AC7}"/>
+                </a:ext>
+              </a:extLst>
+            </p:cNvPr>
+            <p:cNvSpPr/>
+            <p:nvPr/>
+          </p:nvSpPr>
+          <p:spPr>
+            <a:xfrm>
+              <a:off x="3630075" y="428812"/>
+              <a:ext cx="214265" cy="212315"/>
+            </a:xfrm>
+            <a:prstGeom prst="ellipse">
+              <a:avLst/>
+            </a:prstGeom>
+            <a:gradFill flip="none" rotWithShape="1">
+              <a:gsLst>
+                <a:gs pos="0">
+                  <a:schemeClr val="accent3">
+                    <a:lumMod val="40000"/>
+                    <a:lumOff val="60000"/>
+                  </a:schemeClr>
+                </a:gs>
+                <a:gs pos="46000">
+                  <a:schemeClr val="accent3">
+                    <a:lumMod val="95000"/>
+                    <a:lumOff val="5000"/>
+                  </a:schemeClr>
+                </a:gs>
+                <a:gs pos="100000">
+                  <a:schemeClr val="accent3">
+                    <a:lumMod val="60000"/>
+                  </a:schemeClr>
+                </a:gs>
+              </a:gsLst>
+              <a:path path="circle">
+                <a:fillToRect l="50000" t="130000" r="50000" b="-30000"/>
+              </a:path>
+              <a:tileRect/>
+            </a:gradFill>
+            <a:ln>
+              <a:noFill/>
+            </a:ln>
+          </p:spPr>
+          <p:style>
+            <a:lnRef idx="2">
+              <a:schemeClr val="accent1">
+                <a:shade val="50000"/>
+              </a:schemeClr>
+            </a:lnRef>
+            <a:fillRef idx="1">
+              <a:schemeClr val="accent1"/>
+            </a:fillRef>
+            <a:effectRef idx="0">
+              <a:schemeClr val="accent1"/>
+            </a:effectRef>
+            <a:fontRef idx="minor">
+              <a:schemeClr val="lt1"/>
+            </a:fontRef>
+          </p:style>
+          <p:txBody>
+            <a:bodyPr rtlCol="0" anchor="ctr"/>
+            <a:lstStyle/>
+            <a:p>
+              <a:pPr algn="ctr"/>
+              <a:endParaRPr lang="en-US"/>
+            </a:p>
+          </p:txBody>
+        </p:sp>
+        <mc:AlternateContent xmlns:mc="http://schemas.openxmlformats.org/markup-compatibility/2006">
+          <mc:Choice xmlns:a14="http://schemas.microsoft.com/office/drawing/2010/main" Requires="a14">
+            <p:sp>
+              <p:nvSpPr>
+                <p:cNvPr id="30" name="TextBox 29">
+                  <a:extLst>
+                    <a:ext uri="{FF2B5EF4-FFF2-40B4-BE49-F238E27FC236}">
+                      <a16:creationId xmlns:a16="http://schemas.microsoft.com/office/drawing/2014/main" id="{ED7798D2-8B24-41BA-A76C-80295B760838}"/>
+                    </a:ext>
+                  </a:extLst>
+                </p:cNvPr>
+                <p:cNvSpPr txBox="1"/>
+                <p:nvPr/>
+              </p:nvSpPr>
+              <p:spPr>
+                <a:xfrm>
+                  <a:off x="3828010" y="1380074"/>
+                  <a:ext cx="303545" cy="276999"/>
+                </a:xfrm>
+                <a:prstGeom prst="rect">
+                  <a:avLst/>
+                </a:prstGeom>
+                <a:noFill/>
+              </p:spPr>
+              <p:txBody>
+                <a:bodyPr wrap="none" lIns="0" tIns="0" rIns="0" bIns="0" rtlCol="0">
+                  <a:spAutoFit/>
+                </a:bodyPr>
+                <a:lstStyle/>
+                <a:p>
+                  <a:pPr/>
+                  <a14:m>
+                    <m:oMathPara xmlns:m="http://schemas.openxmlformats.org/officeDocument/2006/math">
+                      <m:oMathParaPr>
+                        <m:jc m:val="centerGroup"/>
+                      </m:oMathParaPr>
+                      <m:oMath xmlns:m="http://schemas.openxmlformats.org/officeDocument/2006/math">
+                        <m:sSub>
+                          <m:sSubPr>
+                            <m:ctrlPr>
+                              <a:rPr lang="en-US" i="1" smtClean="0">
+                                <a:latin typeface="Cambria Math" panose="02040503050406030204" pitchFamily="18" charset="0"/>
+                              </a:rPr>
+                            </m:ctrlPr>
+                          </m:sSubPr>
+                          <m:e>
+                            <m:r>
+                              <a:rPr lang="en-US" b="0" i="1" smtClean="0">
+                                <a:latin typeface="Cambria Math" panose="02040503050406030204" pitchFamily="18" charset="0"/>
+                              </a:rPr>
+                              <m:t>𝑣</m:t>
+                            </m:r>
+                          </m:e>
+                          <m:sub>
+                            <m:r>
+                              <a:rPr lang="en-US" b="0" i="1" smtClean="0">
+                                <a:latin typeface="Cambria Math" panose="02040503050406030204" pitchFamily="18" charset="0"/>
+                              </a:rPr>
+                              <m:t>𝐵</m:t>
+                            </m:r>
+                          </m:sub>
+                        </m:sSub>
+                      </m:oMath>
+                    </m:oMathPara>
+                  </a14:m>
+                  <a:endParaRPr lang="en-US" dirty="0"/>
+                </a:p>
+              </p:txBody>
+            </p:sp>
+          </mc:Choice>
+          <mc:Fallback>
+            <p:sp>
+              <p:nvSpPr>
+                <p:cNvPr id="30" name="TextBox 29">
+                  <a:extLst>
+                    <a:ext uri="{FF2B5EF4-FFF2-40B4-BE49-F238E27FC236}">
+                      <a16:creationId xmlns:a16="http://schemas.microsoft.com/office/drawing/2014/main" id="{ED7798D2-8B24-41BA-A76C-80295B760838}"/>
+                    </a:ext>
+                  </a:extLst>
+                </p:cNvPr>
+                <p:cNvSpPr txBox="1">
+                  <a:spLocks noRot="1" noChangeAspect="1" noMove="1" noResize="1" noEditPoints="1" noAdjustHandles="1" noChangeArrowheads="1" noChangeShapeType="1" noTextEdit="1"/>
+                </p:cNvSpPr>
+                <p:nvPr/>
+              </p:nvSpPr>
+              <p:spPr>
+                <a:xfrm>
+                  <a:off x="3828010" y="1380074"/>
+                  <a:ext cx="303545" cy="276999"/>
+                </a:xfrm>
+                <a:prstGeom prst="rect">
+                  <a:avLst/>
+                </a:prstGeom>
+                <a:blipFill>
+                  <a:blip r:embed="rId2"/>
+                  <a:stretch>
+                    <a:fillRect l="-10000" r="-6000" b="-15217"/>
+                  </a:stretch>
+                </a:blipFill>
+              </p:spPr>
+              <p:txBody>
+                <a:bodyPr/>
+                <a:lstStyle/>
+                <a:p>
+                  <a:r>
+                    <a:rPr lang="en-US">
+                      <a:noFill/>
+                    </a:rPr>
+                    <a:t> </a:t>
+                  </a:r>
+                </a:p>
+              </p:txBody>
+            </p:sp>
+          </mc:Fallback>
+        </mc:AlternateContent>
+        <mc:AlternateContent xmlns:mc="http://schemas.openxmlformats.org/markup-compatibility/2006">
+          <mc:Choice xmlns:a14="http://schemas.microsoft.com/office/drawing/2010/main" Requires="a14">
+            <p:sp>
+              <p:nvSpPr>
+                <p:cNvPr id="31" name="TextBox 30">
+                  <a:extLst>
+                    <a:ext uri="{FF2B5EF4-FFF2-40B4-BE49-F238E27FC236}">
+                      <a16:creationId xmlns:a16="http://schemas.microsoft.com/office/drawing/2014/main" id="{99BA21B6-6686-45CB-818F-98F0BB18CE77}"/>
+                    </a:ext>
+                  </a:extLst>
+                </p:cNvPr>
+                <p:cNvSpPr txBox="1"/>
+                <p:nvPr/>
+              </p:nvSpPr>
+              <p:spPr>
+                <a:xfrm>
+                  <a:off x="2140692" y="1851706"/>
+                  <a:ext cx="287643" cy="276999"/>
+                </a:xfrm>
+                <a:prstGeom prst="rect">
+                  <a:avLst/>
+                </a:prstGeom>
+                <a:noFill/>
+              </p:spPr>
+              <p:txBody>
+                <a:bodyPr wrap="none" lIns="0" tIns="0" rIns="0" bIns="0" rtlCol="0">
+                  <a:spAutoFit/>
+                </a:bodyPr>
+                <a:lstStyle/>
+                <a:p>
+                  <a:pPr/>
+                  <a14:m>
+                    <m:oMathPara xmlns:m="http://schemas.openxmlformats.org/officeDocument/2006/math">
+                      <m:oMathParaPr>
+                        <m:jc m:val="centerGroup"/>
+                      </m:oMathParaPr>
+                      <m:oMath xmlns:m="http://schemas.openxmlformats.org/officeDocument/2006/math">
+                        <m:sSub>
+                          <m:sSubPr>
+                            <m:ctrlPr>
+                              <a:rPr lang="en-US" i="1" smtClean="0">
+                                <a:latin typeface="Cambria Math" panose="02040503050406030204" pitchFamily="18" charset="0"/>
+                              </a:rPr>
+                            </m:ctrlPr>
+                          </m:sSubPr>
+                          <m:e>
+                            <m:r>
+                              <a:rPr lang="en-US" b="0" i="1" smtClean="0">
+                                <a:latin typeface="Cambria Math" panose="02040503050406030204" pitchFamily="18" charset="0"/>
+                              </a:rPr>
+                              <m:t>𝑣</m:t>
+                            </m:r>
+                          </m:e>
+                          <m:sub>
+                            <m:r>
+                              <a:rPr lang="en-US" b="0" i="1" smtClean="0">
+                                <a:latin typeface="Cambria Math" panose="02040503050406030204" pitchFamily="18" charset="0"/>
+                              </a:rPr>
+                              <m:t>𝐴</m:t>
+                            </m:r>
+                          </m:sub>
+                        </m:sSub>
+                      </m:oMath>
+                    </m:oMathPara>
+                  </a14:m>
+                  <a:endParaRPr lang="en-US" dirty="0"/>
+                </a:p>
+              </p:txBody>
+            </p:sp>
+          </mc:Choice>
+          <mc:Fallback>
+            <p:sp>
+              <p:nvSpPr>
+                <p:cNvPr id="31" name="TextBox 30">
+                  <a:extLst>
+                    <a:ext uri="{FF2B5EF4-FFF2-40B4-BE49-F238E27FC236}">
+                      <a16:creationId xmlns:a16="http://schemas.microsoft.com/office/drawing/2014/main" id="{99BA21B6-6686-45CB-818F-98F0BB18CE77}"/>
+                    </a:ext>
+                  </a:extLst>
+                </p:cNvPr>
+                <p:cNvSpPr txBox="1">
+                  <a:spLocks noRot="1" noChangeAspect="1" noMove="1" noResize="1" noEditPoints="1" noAdjustHandles="1" noChangeArrowheads="1" noChangeShapeType="1" noTextEdit="1"/>
+                </p:cNvSpPr>
+                <p:nvPr/>
+              </p:nvSpPr>
+              <p:spPr>
+                <a:xfrm>
+                  <a:off x="2140692" y="1851706"/>
+                  <a:ext cx="287643" cy="276999"/>
+                </a:xfrm>
+                <a:prstGeom prst="rect">
+                  <a:avLst/>
+                </a:prstGeom>
+                <a:blipFill>
+                  <a:blip r:embed="rId3"/>
+                  <a:stretch>
+                    <a:fillRect l="-10638" r="-10638" b="-15556"/>
+                  </a:stretch>
+                </a:blipFill>
+              </p:spPr>
+              <p:txBody>
+                <a:bodyPr/>
+                <a:lstStyle/>
+                <a:p>
+                  <a:r>
+                    <a:rPr lang="en-US">
+                      <a:noFill/>
+                    </a:rPr>
+                    <a:t> </a:t>
+                  </a:r>
+                </a:p>
+              </p:txBody>
+            </p:sp>
+          </mc:Fallback>
+        </mc:AlternateContent>
+        <p:cxnSp>
+          <p:nvCxnSpPr>
+            <p:cNvPr id="32" name="Straight Arrow Connector 31">
+              <a:extLst>
+                <a:ext uri="{FF2B5EF4-FFF2-40B4-BE49-F238E27FC236}">
+                  <a16:creationId xmlns:a16="http://schemas.microsoft.com/office/drawing/2014/main" id="{B981D47B-09AD-4999-A322-F46794E1A358}"/>
+                </a:ext>
+              </a:extLst>
+            </p:cNvPr>
+            <p:cNvCxnSpPr>
+              <a:cxnSpLocks/>
+              <a:stCxn id="20" idx="6"/>
+              <a:endCxn id="21" idx="1"/>
+            </p:cNvCxnSpPr>
+            <p:nvPr/>
+          </p:nvCxnSpPr>
+          <p:spPr>
+            <a:xfrm>
+              <a:off x="641076" y="454629"/>
+              <a:ext cx="3020377" cy="5276"/>
+            </a:xfrm>
+            <a:prstGeom prst="straightConnector1">
+              <a:avLst/>
+            </a:prstGeom>
+            <a:ln w="34925">
+              <a:solidFill>
+                <a:schemeClr val="tx1"/>
+              </a:solidFill>
+              <a:headEnd type="stealth" w="lg" len="lg"/>
+              <a:tailEnd type="stealth" w="lg" len="lg"/>
+            </a:ln>
+          </p:spPr>
+          <p:style>
+            <a:lnRef idx="1">
+              <a:schemeClr val="accent1"/>
+            </a:lnRef>
+            <a:fillRef idx="0">
+              <a:schemeClr val="accent1"/>
+            </a:fillRef>
+            <a:effectRef idx="0">
+              <a:schemeClr val="accent1"/>
+            </a:effectRef>
+            <a:fontRef idx="minor">
+              <a:schemeClr val="tx1"/>
+            </a:fontRef>
+          </p:style>
+        </p:cxnSp>
+        <p:cxnSp>
+          <p:nvCxnSpPr>
+            <p:cNvPr id="34" name="Straight Arrow Connector 33">
+              <a:extLst>
+                <a:ext uri="{FF2B5EF4-FFF2-40B4-BE49-F238E27FC236}">
+                  <a16:creationId xmlns:a16="http://schemas.microsoft.com/office/drawing/2014/main" id="{C8174835-D0C4-4B51-A940-37E315BA85FC}"/>
+                </a:ext>
+              </a:extLst>
+            </p:cNvPr>
+            <p:cNvCxnSpPr>
+              <a:cxnSpLocks/>
+              <a:stCxn id="19" idx="0"/>
+            </p:cNvCxnSpPr>
+            <p:nvPr/>
+          </p:nvCxnSpPr>
+          <p:spPr>
+            <a:xfrm flipH="1" flipV="1">
+              <a:off x="2095010" y="473511"/>
+              <a:ext cx="1" cy="759144"/>
+            </a:xfrm>
+            <a:prstGeom prst="straightConnector1">
+              <a:avLst/>
+            </a:prstGeom>
+            <a:ln w="34925">
+              <a:solidFill>
+                <a:schemeClr val="tx1"/>
+              </a:solidFill>
+              <a:headEnd type="stealth" w="lg" len="lg"/>
+              <a:tailEnd type="stealth" w="lg" len="lg"/>
+            </a:ln>
+          </p:spPr>
+          <p:style>
+            <a:lnRef idx="1">
+              <a:schemeClr val="accent1"/>
+            </a:lnRef>
+            <a:fillRef idx="0">
+              <a:schemeClr val="accent1"/>
+            </a:fillRef>
+            <a:effectRef idx="0">
+              <a:schemeClr val="accent1"/>
+            </a:effectRef>
+            <a:fontRef idx="minor">
+              <a:schemeClr val="tx1"/>
+            </a:fontRef>
+          </p:style>
+        </p:cxnSp>
+        <mc:AlternateContent xmlns:mc="http://schemas.openxmlformats.org/markup-compatibility/2006">
+          <mc:Choice xmlns:a14="http://schemas.microsoft.com/office/drawing/2010/main" Requires="a14">
+            <p:sp>
+              <p:nvSpPr>
+                <p:cNvPr id="37" name="TextBox 36">
+                  <a:extLst>
+                    <a:ext uri="{FF2B5EF4-FFF2-40B4-BE49-F238E27FC236}">
+                      <a16:creationId xmlns:a16="http://schemas.microsoft.com/office/drawing/2014/main" id="{23EDD540-5B01-4995-AAB5-459FF04A09CA}"/>
+                    </a:ext>
+                  </a:extLst>
+                </p:cNvPr>
+                <p:cNvSpPr txBox="1"/>
+                <p:nvPr/>
+              </p:nvSpPr>
+              <p:spPr>
+                <a:xfrm>
+                  <a:off x="1833170" y="757564"/>
+                  <a:ext cx="183320" cy="276999"/>
+                </a:xfrm>
+                <a:prstGeom prst="rect">
+                  <a:avLst/>
+                </a:prstGeom>
+                <a:noFill/>
+              </p:spPr>
+              <p:txBody>
+                <a:bodyPr wrap="none" lIns="0" tIns="0" rIns="0" bIns="0" rtlCol="0">
+                  <a:spAutoFit/>
+                </a:bodyPr>
+                <a:lstStyle/>
+                <a:p>
+                  <a:pPr/>
+                  <a14:m>
+                    <m:oMathPara xmlns:m="http://schemas.openxmlformats.org/officeDocument/2006/math">
+                      <m:oMathParaPr>
+                        <m:jc m:val="centerGroup"/>
+                      </m:oMathParaPr>
+                      <m:oMath xmlns:m="http://schemas.openxmlformats.org/officeDocument/2006/math">
+                        <m:r>
+                          <a:rPr lang="en-US" b="0" i="1" smtClean="0">
+                            <a:latin typeface="Cambria Math" panose="02040503050406030204" pitchFamily="18" charset="0"/>
+                          </a:rPr>
+                          <m:t>𝑥</m:t>
+                        </m:r>
+                      </m:oMath>
+                    </m:oMathPara>
+                  </a14:m>
+                  <a:endParaRPr lang="en-US" dirty="0"/>
+                </a:p>
+              </p:txBody>
+            </p:sp>
+          </mc:Choice>
+          <mc:Fallback>
+            <p:sp>
+              <p:nvSpPr>
+                <p:cNvPr id="37" name="TextBox 36">
+                  <a:extLst>
+                    <a:ext uri="{FF2B5EF4-FFF2-40B4-BE49-F238E27FC236}">
+                      <a16:creationId xmlns:a16="http://schemas.microsoft.com/office/drawing/2014/main" id="{23EDD540-5B01-4995-AAB5-459FF04A09CA}"/>
+                    </a:ext>
+                  </a:extLst>
+                </p:cNvPr>
+                <p:cNvSpPr txBox="1">
+                  <a:spLocks noRot="1" noChangeAspect="1" noMove="1" noResize="1" noEditPoints="1" noAdjustHandles="1" noChangeArrowheads="1" noChangeShapeType="1" noTextEdit="1"/>
+                </p:cNvSpPr>
+                <p:nvPr/>
+              </p:nvSpPr>
+              <p:spPr>
+                <a:xfrm>
+                  <a:off x="1833170" y="757564"/>
+                  <a:ext cx="183320" cy="276999"/>
+                </a:xfrm>
+                <a:prstGeom prst="rect">
+                  <a:avLst/>
+                </a:prstGeom>
+                <a:blipFill>
+                  <a:blip r:embed="rId4"/>
+                  <a:stretch>
+                    <a:fillRect l="-20000" r="-13333"/>
+                  </a:stretch>
+                </a:blipFill>
+              </p:spPr>
+              <p:txBody>
+                <a:bodyPr/>
+                <a:lstStyle/>
+                <a:p>
+                  <a:r>
+                    <a:rPr lang="en-US">
+                      <a:noFill/>
+                    </a:rPr>
+                    <a:t> </a:t>
+                  </a:r>
+                </a:p>
+              </p:txBody>
+            </p:sp>
+          </mc:Fallback>
+        </mc:AlternateContent>
+        <mc:AlternateContent xmlns:mc="http://schemas.openxmlformats.org/markup-compatibility/2006">
+          <mc:Choice xmlns:a14="http://schemas.microsoft.com/office/drawing/2010/main" Requires="a14">
+            <p:sp>
+              <p:nvSpPr>
+                <p:cNvPr id="38" name="TextBox 37">
+                  <a:extLst>
+                    <a:ext uri="{FF2B5EF4-FFF2-40B4-BE49-F238E27FC236}">
+                      <a16:creationId xmlns:a16="http://schemas.microsoft.com/office/drawing/2014/main" id="{6D353D6C-4D5B-4A58-B4C7-F64F7E9EA677}"/>
+                    </a:ext>
+                  </a:extLst>
+                </p:cNvPr>
+                <p:cNvSpPr txBox="1"/>
+                <p:nvPr/>
+              </p:nvSpPr>
+              <p:spPr>
+                <a:xfrm>
+                  <a:off x="1606687" y="182469"/>
+                  <a:ext cx="181075" cy="276999"/>
+                </a:xfrm>
+                <a:prstGeom prst="rect">
+                  <a:avLst/>
+                </a:prstGeom>
+                <a:noFill/>
+              </p:spPr>
+              <p:txBody>
+                <a:bodyPr wrap="none" lIns="0" tIns="0" rIns="0" bIns="0" rtlCol="0">
+                  <a:spAutoFit/>
+                </a:bodyPr>
+                <a:lstStyle/>
+                <a:p>
+                  <a:pPr/>
+                  <a14:m>
+                    <m:oMathPara xmlns:m="http://schemas.openxmlformats.org/officeDocument/2006/math">
+                      <m:oMathParaPr>
+                        <m:jc m:val="centerGroup"/>
+                      </m:oMathParaPr>
+                      <m:oMath xmlns:m="http://schemas.openxmlformats.org/officeDocument/2006/math">
+                        <m:r>
+                          <a:rPr lang="en-US" b="0" i="1" smtClean="0">
+                            <a:latin typeface="Cambria Math" panose="02040503050406030204" pitchFamily="18" charset="0"/>
+                          </a:rPr>
+                          <m:t>𝐿</m:t>
+                        </m:r>
+                      </m:oMath>
+                    </m:oMathPara>
+                  </a14:m>
+                  <a:endParaRPr lang="en-US" dirty="0"/>
+                </a:p>
+              </p:txBody>
+            </p:sp>
+          </mc:Choice>
+          <mc:Fallback>
+            <p:sp>
+              <p:nvSpPr>
+                <p:cNvPr id="38" name="TextBox 37">
+                  <a:extLst>
+                    <a:ext uri="{FF2B5EF4-FFF2-40B4-BE49-F238E27FC236}">
+                      <a16:creationId xmlns:a16="http://schemas.microsoft.com/office/drawing/2014/main" id="{6D353D6C-4D5B-4A58-B4C7-F64F7E9EA677}"/>
+                    </a:ext>
+                  </a:extLst>
+                </p:cNvPr>
+                <p:cNvSpPr txBox="1">
+                  <a:spLocks noRot="1" noChangeAspect="1" noMove="1" noResize="1" noEditPoints="1" noAdjustHandles="1" noChangeArrowheads="1" noChangeShapeType="1" noTextEdit="1"/>
+                </p:cNvSpPr>
+                <p:nvPr/>
+              </p:nvSpPr>
+              <p:spPr>
+                <a:xfrm>
+                  <a:off x="1606687" y="182469"/>
+                  <a:ext cx="181075" cy="276999"/>
+                </a:xfrm>
+                <a:prstGeom prst="rect">
+                  <a:avLst/>
+                </a:prstGeom>
+                <a:blipFill>
+                  <a:blip r:embed="rId5"/>
+                  <a:stretch>
+                    <a:fillRect l="-34483" r="-27586" b="-6667"/>
+                  </a:stretch>
+                </a:blipFill>
+              </p:spPr>
+              <p:txBody>
+                <a:bodyPr/>
+                <a:lstStyle/>
+                <a:p>
+                  <a:r>
+                    <a:rPr lang="en-US">
+                      <a:noFill/>
+                    </a:rPr>
+                    <a:t> </a:t>
+                  </a:r>
+                </a:p>
+              </p:txBody>
+            </p:sp>
+          </mc:Fallback>
+        </mc:AlternateContent>
+        <mc:AlternateContent xmlns:mc="http://schemas.openxmlformats.org/markup-compatibility/2006">
+          <mc:Choice xmlns:a14="http://schemas.microsoft.com/office/drawing/2010/main" Requires="a14">
+            <p:sp>
+              <p:nvSpPr>
+                <p:cNvPr id="39" name="TextBox 38">
+                  <a:extLst>
+                    <a:ext uri="{FF2B5EF4-FFF2-40B4-BE49-F238E27FC236}">
+                      <a16:creationId xmlns:a16="http://schemas.microsoft.com/office/drawing/2014/main" id="{129630E4-657C-4B39-A76E-F69956CE8049}"/>
+                    </a:ext>
+                  </a:extLst>
+                </p:cNvPr>
+                <p:cNvSpPr txBox="1"/>
+                <p:nvPr/>
+              </p:nvSpPr>
+              <p:spPr>
+                <a:xfrm>
+                  <a:off x="1161721" y="1171394"/>
+                  <a:ext cx="545599" cy="276999"/>
+                </a:xfrm>
+                <a:prstGeom prst="rect">
+                  <a:avLst/>
+                </a:prstGeom>
+                <a:noFill/>
+              </p:spPr>
+              <p:txBody>
+                <a:bodyPr wrap="none" lIns="0" tIns="0" rIns="0" bIns="0" rtlCol="0">
+                  <a:spAutoFit/>
+                </a:bodyPr>
+                <a:lstStyle/>
+                <a:p>
+                  <a:pPr/>
+                  <a14:m>
+                    <m:oMathPara xmlns:m="http://schemas.openxmlformats.org/officeDocument/2006/math">
+                      <m:oMathParaPr>
+                        <m:jc m:val="centerGroup"/>
+                      </m:oMathParaPr>
+                      <m:oMath xmlns:m="http://schemas.openxmlformats.org/officeDocument/2006/math">
+                        <m:sSub>
+                          <m:sSubPr>
+                            <m:ctrlPr>
+                              <a:rPr lang="en-US" i="1" smtClean="0">
+                                <a:latin typeface="Cambria Math" panose="02040503050406030204" pitchFamily="18" charset="0"/>
+                              </a:rPr>
+                            </m:ctrlPr>
+                          </m:sSubPr>
+                          <m:e>
+                            <m:r>
+                              <a:rPr lang="en-US" i="1">
+                                <a:latin typeface="Cambria Math" panose="02040503050406030204" pitchFamily="18" charset="0"/>
+                              </a:rPr>
+                              <m:t>𝑣</m:t>
+                            </m:r>
+                          </m:e>
+                          <m:sub>
+                            <m:r>
+                              <a:rPr lang="en-US" i="1">
+                                <a:latin typeface="Cambria Math" panose="02040503050406030204" pitchFamily="18" charset="0"/>
+                              </a:rPr>
+                              <m:t>𝐵</m:t>
+                            </m:r>
+                          </m:sub>
+                        </m:sSub>
+                        <m:r>
+                          <a:rPr lang="en-US" b="0" i="1" smtClean="0">
+                            <a:latin typeface="Cambria Math" panose="02040503050406030204" pitchFamily="18" charset="0"/>
+                          </a:rPr>
+                          <m:t>/2</m:t>
+                        </m:r>
+                      </m:oMath>
+                    </m:oMathPara>
+                  </a14:m>
+                  <a:endParaRPr lang="en-US" dirty="0"/>
+                </a:p>
+              </p:txBody>
+            </p:sp>
+          </mc:Choice>
+          <mc:Fallback>
+            <p:sp>
+              <p:nvSpPr>
+                <p:cNvPr id="39" name="TextBox 38">
+                  <a:extLst>
+                    <a:ext uri="{FF2B5EF4-FFF2-40B4-BE49-F238E27FC236}">
+                      <a16:creationId xmlns:a16="http://schemas.microsoft.com/office/drawing/2014/main" id="{129630E4-657C-4B39-A76E-F69956CE8049}"/>
+                    </a:ext>
+                  </a:extLst>
+                </p:cNvPr>
+                <p:cNvSpPr txBox="1">
+                  <a:spLocks noRot="1" noChangeAspect="1" noMove="1" noResize="1" noEditPoints="1" noAdjustHandles="1" noChangeArrowheads="1" noChangeShapeType="1" noTextEdit="1"/>
+                </p:cNvSpPr>
+                <p:nvPr/>
+              </p:nvSpPr>
+              <p:spPr>
+                <a:xfrm>
+                  <a:off x="1161721" y="1171394"/>
+                  <a:ext cx="545599" cy="276999"/>
+                </a:xfrm>
+                <a:prstGeom prst="rect">
+                  <a:avLst/>
+                </a:prstGeom>
+                <a:blipFill>
+                  <a:blip r:embed="rId6"/>
+                  <a:stretch>
+                    <a:fillRect l="-5618" t="-2174" r="-11236" b="-32609"/>
+                  </a:stretch>
+                </a:blipFill>
+              </p:spPr>
+              <p:txBody>
+                <a:bodyPr/>
+                <a:lstStyle/>
+                <a:p>
+                  <a:r>
+                    <a:rPr lang="en-US">
+                      <a:noFill/>
+                    </a:rPr>
+                    <a:t> </a:t>
+                  </a:r>
+                </a:p>
+              </p:txBody>
+            </p:sp>
+          </mc:Fallback>
+        </mc:AlternateContent>
+        <mc:AlternateContent xmlns:mc="http://schemas.openxmlformats.org/markup-compatibility/2006">
+          <mc:Choice xmlns:a14="http://schemas.microsoft.com/office/drawing/2010/main" Requires="a14">
+            <p:sp>
+              <p:nvSpPr>
+                <p:cNvPr id="40" name="TextBox 39">
+                  <a:extLst>
+                    <a:ext uri="{FF2B5EF4-FFF2-40B4-BE49-F238E27FC236}">
+                      <a16:creationId xmlns:a16="http://schemas.microsoft.com/office/drawing/2014/main" id="{7288FDB7-CDD0-479A-8A16-0A7874935A86}"/>
+                    </a:ext>
+                  </a:extLst>
+                </p:cNvPr>
+                <p:cNvSpPr txBox="1"/>
+                <p:nvPr/>
+              </p:nvSpPr>
+              <p:spPr>
+                <a:xfrm>
+                  <a:off x="2500819" y="1086082"/>
+                  <a:ext cx="545599" cy="276999"/>
+                </a:xfrm>
+                <a:prstGeom prst="rect">
+                  <a:avLst/>
+                </a:prstGeom>
+                <a:noFill/>
+              </p:spPr>
+              <p:txBody>
+                <a:bodyPr wrap="none" lIns="0" tIns="0" rIns="0" bIns="0" rtlCol="0">
+                  <a:spAutoFit/>
+                </a:bodyPr>
+                <a:lstStyle/>
+                <a:p>
+                  <a:pPr/>
+                  <a14:m>
+                    <m:oMathPara xmlns:m="http://schemas.openxmlformats.org/officeDocument/2006/math">
+                      <m:oMathParaPr>
+                        <m:jc m:val="centerGroup"/>
+                      </m:oMathParaPr>
+                      <m:oMath xmlns:m="http://schemas.openxmlformats.org/officeDocument/2006/math">
+                        <m:sSub>
+                          <m:sSubPr>
+                            <m:ctrlPr>
+                              <a:rPr lang="en-US" i="1" smtClean="0">
+                                <a:latin typeface="Cambria Math" panose="02040503050406030204" pitchFamily="18" charset="0"/>
+                              </a:rPr>
+                            </m:ctrlPr>
+                          </m:sSubPr>
+                          <m:e>
+                            <m:r>
+                              <a:rPr lang="en-US" i="1">
+                                <a:latin typeface="Cambria Math" panose="02040503050406030204" pitchFamily="18" charset="0"/>
+                              </a:rPr>
+                              <m:t>𝑣</m:t>
+                            </m:r>
+                          </m:e>
+                          <m:sub>
+                            <m:r>
+                              <a:rPr lang="en-US" i="1">
+                                <a:latin typeface="Cambria Math" panose="02040503050406030204" pitchFamily="18" charset="0"/>
+                              </a:rPr>
+                              <m:t>𝐵</m:t>
+                            </m:r>
+                          </m:sub>
+                        </m:sSub>
+                        <m:r>
+                          <a:rPr lang="en-US" b="0" i="1" smtClean="0">
+                            <a:latin typeface="Cambria Math" panose="02040503050406030204" pitchFamily="18" charset="0"/>
+                          </a:rPr>
+                          <m:t>/2</m:t>
+                        </m:r>
+                      </m:oMath>
+                    </m:oMathPara>
+                  </a14:m>
+                  <a:endParaRPr lang="en-US" dirty="0"/>
+                </a:p>
+              </p:txBody>
+            </p:sp>
+          </mc:Choice>
+          <mc:Fallback>
+            <p:sp>
+              <p:nvSpPr>
+                <p:cNvPr id="40" name="TextBox 39">
+                  <a:extLst>
+                    <a:ext uri="{FF2B5EF4-FFF2-40B4-BE49-F238E27FC236}">
+                      <a16:creationId xmlns:a16="http://schemas.microsoft.com/office/drawing/2014/main" id="{7288FDB7-CDD0-479A-8A16-0A7874935A86}"/>
+                    </a:ext>
+                  </a:extLst>
+                </p:cNvPr>
+                <p:cNvSpPr txBox="1">
+                  <a:spLocks noRot="1" noChangeAspect="1" noMove="1" noResize="1" noEditPoints="1" noAdjustHandles="1" noChangeArrowheads="1" noChangeShapeType="1" noTextEdit="1"/>
+                </p:cNvSpPr>
+                <p:nvPr/>
+              </p:nvSpPr>
+              <p:spPr>
+                <a:xfrm>
+                  <a:off x="2500819" y="1086082"/>
+                  <a:ext cx="545599" cy="276999"/>
+                </a:xfrm>
+                <a:prstGeom prst="rect">
+                  <a:avLst/>
+                </a:prstGeom>
+                <a:blipFill>
+                  <a:blip r:embed="rId7"/>
+                  <a:stretch>
+                    <a:fillRect l="-5556" t="-2174" r="-11111" b="-32609"/>
+                  </a:stretch>
+                </a:blipFill>
+              </p:spPr>
+              <p:txBody>
+                <a:bodyPr/>
+                <a:lstStyle/>
+                <a:p>
+                  <a:r>
+                    <a:rPr lang="en-US">
+                      <a:noFill/>
+                    </a:rPr>
+                    <a:t> </a:t>
+                  </a:r>
+                </a:p>
+              </p:txBody>
+            </p:sp>
+          </mc:Fallback>
+        </mc:AlternateContent>
+        <p:cxnSp>
+          <p:nvCxnSpPr>
+            <p:cNvPr id="41" name="Straight Arrow Connector 40">
+              <a:extLst>
+                <a:ext uri="{FF2B5EF4-FFF2-40B4-BE49-F238E27FC236}">
+                  <a16:creationId xmlns:a16="http://schemas.microsoft.com/office/drawing/2014/main" id="{AF34DC03-A364-4476-8B3D-C18D44223C5A}"/>
+                </a:ext>
+              </a:extLst>
+            </p:cNvPr>
+            <p:cNvCxnSpPr>
+              <a:cxnSpLocks/>
+              <a:stCxn id="19" idx="6"/>
+            </p:cNvCxnSpPr>
+            <p:nvPr/>
+          </p:nvCxnSpPr>
+          <p:spPr>
+            <a:xfrm flipV="1">
+              <a:off x="2196789" y="1003087"/>
+              <a:ext cx="563717" cy="330420"/>
+            </a:xfrm>
+            <a:prstGeom prst="straightConnector1">
+              <a:avLst/>
+            </a:prstGeom>
+            <a:ln w="34925">
+              <a:solidFill>
+                <a:schemeClr val="tx1"/>
+              </a:solidFill>
+              <a:tailEnd type="stealth" w="lg" len="lg"/>
+            </a:ln>
+          </p:spPr>
+          <p:style>
+            <a:lnRef idx="1">
+              <a:schemeClr val="accent1"/>
+            </a:lnRef>
+            <a:fillRef idx="0">
+              <a:schemeClr val="accent1"/>
+            </a:fillRef>
+            <a:effectRef idx="0">
+              <a:schemeClr val="accent1"/>
+            </a:effectRef>
+            <a:fontRef idx="minor">
+              <a:schemeClr val="tx1"/>
+            </a:fontRef>
+          </p:style>
+        </p:cxnSp>
+        <p:cxnSp>
+          <p:nvCxnSpPr>
+            <p:cNvPr id="44" name="Straight Arrow Connector 43">
+              <a:extLst>
+                <a:ext uri="{FF2B5EF4-FFF2-40B4-BE49-F238E27FC236}">
+                  <a16:creationId xmlns:a16="http://schemas.microsoft.com/office/drawing/2014/main" id="{144FD3A9-DFE5-4BB7-AA3F-23D5392EE996}"/>
+                </a:ext>
+              </a:extLst>
+            </p:cNvPr>
+            <p:cNvCxnSpPr>
+              <a:cxnSpLocks/>
+            </p:cNvCxnSpPr>
+            <p:nvPr/>
+          </p:nvCxnSpPr>
+          <p:spPr>
+            <a:xfrm>
+              <a:off x="1347157" y="927365"/>
+              <a:ext cx="486013" cy="297216"/>
+            </a:xfrm>
+            <a:prstGeom prst="straightConnector1">
+              <a:avLst/>
+            </a:prstGeom>
+            <a:ln w="34925">
+              <a:solidFill>
+                <a:schemeClr val="tx1"/>
+              </a:solidFill>
+              <a:tailEnd type="stealth" w="lg" len="lg"/>
+            </a:ln>
+          </p:spPr>
+          <p:style>
+            <a:lnRef idx="1">
+              <a:schemeClr val="accent1"/>
+            </a:lnRef>
+            <a:fillRef idx="0">
+              <a:schemeClr val="accent1"/>
+            </a:fillRef>
+            <a:effectRef idx="0">
+              <a:schemeClr val="accent1"/>
+            </a:effectRef>
+            <a:fontRef idx="minor">
+              <a:schemeClr val="tx1"/>
+            </a:fontRef>
+          </p:style>
+        </p:cxnSp>
+      </p:grpSp>
+      <p:grpSp>
+        <p:nvGrpSpPr>
+          <p:cNvPr id="84" name="Group 83">
             <a:extLst>
               <a:ext uri="{FF2B5EF4-FFF2-40B4-BE49-F238E27FC236}">
-                <a16:creationId xmlns:a16="http://schemas.microsoft.com/office/drawing/2014/main" id="{54AD3868-E823-4B6D-8536-BF86E8F26EB1}"/>
+                <a16:creationId xmlns:a16="http://schemas.microsoft.com/office/drawing/2014/main" id="{5022D384-65DD-4249-8D20-1AA82ABCE00C}"/>
               </a:ext>
             </a:extLst>
           </p:cNvPr>
-          <p:cNvCxnSpPr/>
+          <p:cNvGrpSpPr/>
           <p:nvPr/>
-        </p:nvCxnSpPr>
-        <p:spPr>
+        </p:nvGrpSpPr>
+        <p:grpSpPr>
           <a:xfrm>
-            <a:off x="2615686" y="1921012"/>
-            <a:ext cx="1608881" cy="902825"/>
+            <a:off x="9072365" y="89556"/>
+            <a:ext cx="2956816" cy="2286198"/>
+            <a:chOff x="8274684" y="111781"/>
+            <a:chExt cx="2956816" cy="2286198"/>
           </a:xfrm>
-          <a:prstGeom prst="line">
-            <a:avLst/>
-          </a:prstGeom>
-          <a:ln w="34925">
-            <a:solidFill>
+        </p:grpSpPr>
+        <p:pic>
+          <p:nvPicPr>
+            <p:cNvPr id="54" name="Picture 53">
+              <a:extLst>
+                <a:ext uri="{FF2B5EF4-FFF2-40B4-BE49-F238E27FC236}">
+                  <a16:creationId xmlns:a16="http://schemas.microsoft.com/office/drawing/2014/main" id="{F945FB62-2D00-4B94-B052-50FE200B3BB7}"/>
+                </a:ext>
+              </a:extLst>
+            </p:cNvPr>
+            <p:cNvPicPr>
+              <a:picLocks noChangeAspect="1"/>
+            </p:cNvPicPr>
+            <p:nvPr/>
+          </p:nvPicPr>
+          <p:blipFill>
+            <a:blip r:embed="rId8"/>
+            <a:stretch>
+              <a:fillRect/>
+            </a:stretch>
+          </p:blipFill>
+          <p:spPr>
+            <a:xfrm>
+              <a:off x="8274684" y="111781"/>
+              <a:ext cx="2956816" cy="2286198"/>
+            </a:xfrm>
+            <a:prstGeom prst="rect">
+              <a:avLst/>
+            </a:prstGeom>
+          </p:spPr>
+        </p:pic>
+        <p:cxnSp>
+          <p:nvCxnSpPr>
+            <p:cNvPr id="55" name="Straight Arrow Connector 54">
+              <a:extLst>
+                <a:ext uri="{FF2B5EF4-FFF2-40B4-BE49-F238E27FC236}">
+                  <a16:creationId xmlns:a16="http://schemas.microsoft.com/office/drawing/2014/main" id="{4819B2F1-C399-47DF-8041-E123DB9D36E1}"/>
+                </a:ext>
+              </a:extLst>
+            </p:cNvPr>
+            <p:cNvCxnSpPr>
+              <a:cxnSpLocks/>
+            </p:cNvCxnSpPr>
+            <p:nvPr/>
+          </p:nvCxnSpPr>
+          <p:spPr>
+            <a:xfrm flipH="1" flipV="1">
+              <a:off x="9649460" y="2104541"/>
+              <a:ext cx="810768" cy="24164"/>
+            </a:xfrm>
+            <a:prstGeom prst="straightConnector1">
+              <a:avLst/>
+            </a:prstGeom>
+            <a:ln w="34925">
+              <a:solidFill>
+                <a:srgbClr val="FF0000"/>
+              </a:solidFill>
+              <a:tailEnd type="stealth" w="lg" len="lg"/>
+            </a:ln>
+          </p:spPr>
+          <p:style>
+            <a:lnRef idx="1">
+              <a:schemeClr val="accent1"/>
+            </a:lnRef>
+            <a:fillRef idx="0">
+              <a:schemeClr val="accent1"/>
+            </a:fillRef>
+            <a:effectRef idx="0">
+              <a:schemeClr val="accent1"/>
+            </a:effectRef>
+            <a:fontRef idx="minor">
               <a:schemeClr val="tx1"/>
-            </a:solidFill>
-          </a:ln>
-        </p:spPr>
-        <p:style>
-          <a:lnRef idx="1">
-            <a:schemeClr val="accent1"/>
-          </a:lnRef>
-          <a:fillRef idx="0">
-            <a:schemeClr val="accent1"/>
-          </a:fillRef>
-          <a:effectRef idx="0">
-            <a:schemeClr val="accent1"/>
-          </a:effectRef>
-          <a:fontRef idx="minor">
-            <a:schemeClr val="tx1"/>
-          </a:fontRef>
-        </p:style>
-      </p:cxnSp>
-      <p:cxnSp>
-        <p:nvCxnSpPr>
-          <p:cNvPr id="8" name="Straight Connector 7">
+            </a:fontRef>
+          </p:style>
+        </p:cxnSp>
+        <mc:AlternateContent xmlns:mc="http://schemas.openxmlformats.org/markup-compatibility/2006">
+          <mc:Choice xmlns:a14="http://schemas.microsoft.com/office/drawing/2010/main" Requires="a14">
+            <p:sp>
+              <p:nvSpPr>
+                <p:cNvPr id="56" name="TextBox 55">
+                  <a:extLst>
+                    <a:ext uri="{FF2B5EF4-FFF2-40B4-BE49-F238E27FC236}">
+                      <a16:creationId xmlns:a16="http://schemas.microsoft.com/office/drawing/2014/main" id="{8325262D-AF76-45DD-8C91-CAD9E70C7F33}"/>
+                    </a:ext>
+                  </a:extLst>
+                </p:cNvPr>
+                <p:cNvSpPr txBox="1"/>
+                <p:nvPr/>
+              </p:nvSpPr>
+              <p:spPr>
+                <a:xfrm>
+                  <a:off x="9753092" y="1760266"/>
+                  <a:ext cx="287643" cy="276999"/>
+                </a:xfrm>
+                <a:prstGeom prst="rect">
+                  <a:avLst/>
+                </a:prstGeom>
+                <a:noFill/>
+              </p:spPr>
+              <p:txBody>
+                <a:bodyPr wrap="square" lIns="0" tIns="0" rIns="0" bIns="0" rtlCol="0">
+                  <a:spAutoFit/>
+                </a:bodyPr>
+                <a:lstStyle/>
+                <a:p>
+                  <a:pPr/>
+                  <a14:m>
+                    <m:oMathPara xmlns:m="http://schemas.openxmlformats.org/officeDocument/2006/math">
+                      <m:oMathParaPr>
+                        <m:jc m:val="centerGroup"/>
+                      </m:oMathParaPr>
+                      <m:oMath xmlns:m="http://schemas.openxmlformats.org/officeDocument/2006/math">
+                        <m:sSub>
+                          <m:sSubPr>
+                            <m:ctrlPr>
+                              <a:rPr lang="en-US" i="1" smtClean="0">
+                                <a:solidFill>
+                                  <a:srgbClr val="FF0000"/>
+                                </a:solidFill>
+                                <a:latin typeface="Cambria Math" panose="02040503050406030204" pitchFamily="18" charset="0"/>
+                              </a:rPr>
+                            </m:ctrlPr>
+                          </m:sSubPr>
+                          <m:e>
+                            <m:r>
+                              <a:rPr lang="en-US" b="0" i="1" smtClean="0">
+                                <a:solidFill>
+                                  <a:srgbClr val="FF0000"/>
+                                </a:solidFill>
+                                <a:latin typeface="Cambria Math" panose="02040503050406030204" pitchFamily="18" charset="0"/>
+                              </a:rPr>
+                              <m:t>𝑣</m:t>
+                            </m:r>
+                          </m:e>
+                          <m:sub>
+                            <m:r>
+                              <a:rPr lang="en-US" b="0" i="1" smtClean="0">
+                                <a:solidFill>
+                                  <a:srgbClr val="FF0000"/>
+                                </a:solidFill>
+                                <a:latin typeface="Cambria Math" panose="02040503050406030204" pitchFamily="18" charset="0"/>
+                              </a:rPr>
+                              <m:t>𝐴</m:t>
+                            </m:r>
+                          </m:sub>
+                        </m:sSub>
+                      </m:oMath>
+                    </m:oMathPara>
+                  </a14:m>
+                  <a:endParaRPr lang="en-US" dirty="0">
+                    <a:solidFill>
+                      <a:srgbClr val="FF0000"/>
+                    </a:solidFill>
+                  </a:endParaRPr>
+                </a:p>
+              </p:txBody>
+            </p:sp>
+          </mc:Choice>
+          <mc:Fallback>
+            <p:sp>
+              <p:nvSpPr>
+                <p:cNvPr id="56" name="TextBox 55">
+                  <a:extLst>
+                    <a:ext uri="{FF2B5EF4-FFF2-40B4-BE49-F238E27FC236}">
+                      <a16:creationId xmlns:a16="http://schemas.microsoft.com/office/drawing/2014/main" id="{8325262D-AF76-45DD-8C91-CAD9E70C7F33}"/>
+                    </a:ext>
+                  </a:extLst>
+                </p:cNvPr>
+                <p:cNvSpPr txBox="1">
+                  <a:spLocks noRot="1" noChangeAspect="1" noMove="1" noResize="1" noEditPoints="1" noAdjustHandles="1" noChangeArrowheads="1" noChangeShapeType="1" noTextEdit="1"/>
+                </p:cNvSpPr>
+                <p:nvPr/>
+              </p:nvSpPr>
+              <p:spPr>
+                <a:xfrm>
+                  <a:off x="9753092" y="1760266"/>
+                  <a:ext cx="287643" cy="276999"/>
+                </a:xfrm>
+                <a:prstGeom prst="rect">
+                  <a:avLst/>
+                </a:prstGeom>
+                <a:blipFill>
+                  <a:blip r:embed="rId9"/>
+                  <a:stretch>
+                    <a:fillRect l="-10638" r="-8511" b="-15217"/>
+                  </a:stretch>
+                </a:blipFill>
+              </p:spPr>
+              <p:txBody>
+                <a:bodyPr/>
+                <a:lstStyle/>
+                <a:p>
+                  <a:r>
+                    <a:rPr lang="en-US">
+                      <a:noFill/>
+                    </a:rPr>
+                    <a:t> </a:t>
+                  </a:r>
+                </a:p>
+              </p:txBody>
+            </p:sp>
+          </mc:Fallback>
+        </mc:AlternateContent>
+        <mc:AlternateContent xmlns:mc="http://schemas.openxmlformats.org/markup-compatibility/2006">
+          <mc:Choice xmlns:a14="http://schemas.microsoft.com/office/drawing/2010/main" Requires="a14">
+            <p:sp>
+              <p:nvSpPr>
+                <p:cNvPr id="60" name="TextBox 59">
+                  <a:extLst>
+                    <a:ext uri="{FF2B5EF4-FFF2-40B4-BE49-F238E27FC236}">
+                      <a16:creationId xmlns:a16="http://schemas.microsoft.com/office/drawing/2014/main" id="{92A330D2-802F-4058-BB59-C87AC13F0DC8}"/>
+                    </a:ext>
+                  </a:extLst>
+                </p:cNvPr>
+                <p:cNvSpPr txBox="1"/>
+                <p:nvPr/>
+              </p:nvSpPr>
+              <p:spPr>
+                <a:xfrm>
+                  <a:off x="9366049" y="1760266"/>
+                  <a:ext cx="283411" cy="430887"/>
+                </a:xfrm>
+                <a:prstGeom prst="rect">
+                  <a:avLst/>
+                </a:prstGeom>
+                <a:noFill/>
+              </p:spPr>
+              <p:txBody>
+                <a:bodyPr wrap="none" lIns="0" tIns="0" rIns="0" bIns="0" rtlCol="0">
+                  <a:spAutoFit/>
+                </a:bodyPr>
+                <a:lstStyle/>
+                <a:p>
+                  <a:pPr/>
+                  <a14:m>
+                    <m:oMathPara xmlns:m="http://schemas.openxmlformats.org/officeDocument/2006/math">
+                      <m:oMathParaPr>
+                        <m:jc m:val="centerGroup"/>
+                      </m:oMathParaPr>
+                      <m:oMath xmlns:m="http://schemas.openxmlformats.org/officeDocument/2006/math">
+                        <m:r>
+                          <a:rPr lang="en-US" sz="2800" b="0" i="1" smtClean="0">
+                            <a:latin typeface="Cambria Math" panose="02040503050406030204" pitchFamily="18" charset="0"/>
+                          </a:rPr>
+                          <m:t>𝑥</m:t>
+                        </m:r>
+                      </m:oMath>
+                    </m:oMathPara>
+                  </a14:m>
+                  <a:endParaRPr lang="en-US" sz="2800" dirty="0"/>
+                </a:p>
+              </p:txBody>
+            </p:sp>
+          </mc:Choice>
+          <mc:Fallback>
+            <p:sp>
+              <p:nvSpPr>
+                <p:cNvPr id="60" name="TextBox 59">
+                  <a:extLst>
+                    <a:ext uri="{FF2B5EF4-FFF2-40B4-BE49-F238E27FC236}">
+                      <a16:creationId xmlns:a16="http://schemas.microsoft.com/office/drawing/2014/main" id="{92A330D2-802F-4058-BB59-C87AC13F0DC8}"/>
+                    </a:ext>
+                  </a:extLst>
+                </p:cNvPr>
+                <p:cNvSpPr txBox="1">
+                  <a:spLocks noRot="1" noChangeAspect="1" noMove="1" noResize="1" noEditPoints="1" noAdjustHandles="1" noChangeArrowheads="1" noChangeShapeType="1" noTextEdit="1"/>
+                </p:cNvSpPr>
+                <p:nvPr/>
+              </p:nvSpPr>
+              <p:spPr>
+                <a:xfrm>
+                  <a:off x="9366049" y="1760266"/>
+                  <a:ext cx="283411" cy="430887"/>
+                </a:xfrm>
+                <a:prstGeom prst="rect">
+                  <a:avLst/>
+                </a:prstGeom>
+                <a:blipFill>
+                  <a:blip r:embed="rId10"/>
+                  <a:stretch>
+                    <a:fillRect/>
+                  </a:stretch>
+                </a:blipFill>
+              </p:spPr>
+              <p:txBody>
+                <a:bodyPr/>
+                <a:lstStyle/>
+                <a:p>
+                  <a:r>
+                    <a:rPr lang="en-US">
+                      <a:noFill/>
+                    </a:rPr>
+                    <a:t> </a:t>
+                  </a:r>
+                </a:p>
+              </p:txBody>
+            </p:sp>
+          </mc:Fallback>
+        </mc:AlternateContent>
+        <mc:AlternateContent xmlns:mc="http://schemas.openxmlformats.org/markup-compatibility/2006">
+          <mc:Choice xmlns:a14="http://schemas.microsoft.com/office/drawing/2010/main" Requires="a14">
+            <p:sp>
+              <p:nvSpPr>
+                <p:cNvPr id="61" name="TextBox 60">
+                  <a:extLst>
+                    <a:ext uri="{FF2B5EF4-FFF2-40B4-BE49-F238E27FC236}">
+                      <a16:creationId xmlns:a16="http://schemas.microsoft.com/office/drawing/2014/main" id="{95B382AE-D047-4CFE-9F75-F38466E37F19}"/>
+                    </a:ext>
+                  </a:extLst>
+                </p:cNvPr>
+                <p:cNvSpPr txBox="1"/>
+                <p:nvPr/>
+              </p:nvSpPr>
+              <p:spPr>
+                <a:xfrm>
+                  <a:off x="8611669" y="1246776"/>
+                  <a:ext cx="288284" cy="430887"/>
+                </a:xfrm>
+                <a:prstGeom prst="rect">
+                  <a:avLst/>
+                </a:prstGeom>
+                <a:noFill/>
+              </p:spPr>
+              <p:txBody>
+                <a:bodyPr wrap="none" lIns="0" tIns="0" rIns="0" bIns="0" rtlCol="0">
+                  <a:spAutoFit/>
+                </a:bodyPr>
+                <a:lstStyle/>
+                <a:p>
+                  <a:pPr/>
+                  <a14:m>
+                    <m:oMathPara xmlns:m="http://schemas.openxmlformats.org/officeDocument/2006/math">
+                      <m:oMathParaPr>
+                        <m:jc m:val="centerGroup"/>
+                      </m:oMathParaPr>
+                      <m:oMath xmlns:m="http://schemas.openxmlformats.org/officeDocument/2006/math">
+                        <m:r>
+                          <a:rPr lang="en-US" sz="2800" b="0" i="1" smtClean="0">
+                            <a:latin typeface="Cambria Math" panose="02040503050406030204" pitchFamily="18" charset="0"/>
+                          </a:rPr>
+                          <m:t>𝑦</m:t>
+                        </m:r>
+                      </m:oMath>
+                    </m:oMathPara>
+                  </a14:m>
+                  <a:endParaRPr lang="en-US" sz="2800" dirty="0"/>
+                </a:p>
+              </p:txBody>
+            </p:sp>
+          </mc:Choice>
+          <mc:Fallback>
+            <p:sp>
+              <p:nvSpPr>
+                <p:cNvPr id="61" name="TextBox 60">
+                  <a:extLst>
+                    <a:ext uri="{FF2B5EF4-FFF2-40B4-BE49-F238E27FC236}">
+                      <a16:creationId xmlns:a16="http://schemas.microsoft.com/office/drawing/2014/main" id="{95B382AE-D047-4CFE-9F75-F38466E37F19}"/>
+                    </a:ext>
+                  </a:extLst>
+                </p:cNvPr>
+                <p:cNvSpPr txBox="1">
+                  <a:spLocks noRot="1" noChangeAspect="1" noMove="1" noResize="1" noEditPoints="1" noAdjustHandles="1" noChangeArrowheads="1" noChangeShapeType="1" noTextEdit="1"/>
+                </p:cNvSpPr>
+                <p:nvPr/>
+              </p:nvSpPr>
+              <p:spPr>
+                <a:xfrm>
+                  <a:off x="8611669" y="1246776"/>
+                  <a:ext cx="288284" cy="430887"/>
+                </a:xfrm>
+                <a:prstGeom prst="rect">
+                  <a:avLst/>
+                </a:prstGeom>
+                <a:blipFill>
+                  <a:blip r:embed="rId11"/>
+                  <a:stretch>
+                    <a:fillRect/>
+                  </a:stretch>
+                </a:blipFill>
+              </p:spPr>
+              <p:txBody>
+                <a:bodyPr/>
+                <a:lstStyle/>
+                <a:p>
+                  <a:r>
+                    <a:rPr lang="en-US">
+                      <a:noFill/>
+                    </a:rPr>
+                    <a:t> </a:t>
+                  </a:r>
+                </a:p>
+              </p:txBody>
+            </p:sp>
+          </mc:Fallback>
+        </mc:AlternateContent>
+      </p:grpSp>
+      <p:grpSp>
+        <p:nvGrpSpPr>
+          <p:cNvPr id="83" name="Group 82">
             <a:extLst>
               <a:ext uri="{FF2B5EF4-FFF2-40B4-BE49-F238E27FC236}">
-                <a16:creationId xmlns:a16="http://schemas.microsoft.com/office/drawing/2014/main" id="{271DD1E7-AEBF-4623-A099-7760DBFBDF88}"/>
+                <a16:creationId xmlns:a16="http://schemas.microsoft.com/office/drawing/2014/main" id="{078EC54A-5D5D-452A-A53B-D338C5335297}"/>
               </a:ext>
             </a:extLst>
           </p:cNvPr>
-          <p:cNvCxnSpPr>
-            <a:cxnSpLocks/>
-          </p:cNvCxnSpPr>
+          <p:cNvGrpSpPr/>
           <p:nvPr/>
-        </p:nvCxnSpPr>
-        <p:spPr>
-          <a:xfrm flipH="1">
-            <a:off x="4270248" y="2005584"/>
-            <a:ext cx="1505713" cy="818253"/>
+        </p:nvGrpSpPr>
+        <p:grpSpPr>
+          <a:xfrm>
+            <a:off x="113478" y="3919470"/>
+            <a:ext cx="4165137" cy="2804576"/>
+            <a:chOff x="700694" y="3579913"/>
+            <a:chExt cx="4165137" cy="2804576"/>
           </a:xfrm>
-          <a:prstGeom prst="line">
-            <a:avLst/>
-          </a:prstGeom>
-          <a:ln w="34925">
-            <a:solidFill>
+        </p:grpSpPr>
+        <p:cxnSp>
+          <p:nvCxnSpPr>
+            <p:cNvPr id="3" name="Straight Connector 2">
+              <a:extLst>
+                <a:ext uri="{FF2B5EF4-FFF2-40B4-BE49-F238E27FC236}">
+                  <a16:creationId xmlns:a16="http://schemas.microsoft.com/office/drawing/2014/main" id="{24B39357-5279-4F06-95CB-3D7C30A5C308}"/>
+                </a:ext>
+              </a:extLst>
+            </p:cNvPr>
+            <p:cNvCxnSpPr/>
+            <p:nvPr/>
+          </p:nvCxnSpPr>
+          <p:spPr>
+            <a:xfrm flipH="1">
+              <a:off x="936939" y="3579913"/>
+              <a:ext cx="3221593" cy="2260600"/>
+            </a:xfrm>
+            <a:prstGeom prst="line">
+              <a:avLst/>
+            </a:prstGeom>
+            <a:ln w="31750">
+              <a:solidFill>
+                <a:schemeClr val="tx1"/>
+              </a:solidFill>
+            </a:ln>
+          </p:spPr>
+          <p:style>
+            <a:lnRef idx="1">
+              <a:schemeClr val="accent1"/>
+            </a:lnRef>
+            <a:fillRef idx="0">
+              <a:schemeClr val="accent1"/>
+            </a:fillRef>
+            <a:effectRef idx="0">
+              <a:schemeClr val="accent1"/>
+            </a:effectRef>
+            <a:fontRef idx="minor">
               <a:schemeClr val="tx1"/>
-            </a:solidFill>
-          </a:ln>
-        </p:spPr>
-        <p:style>
-          <a:lnRef idx="1">
-            <a:schemeClr val="accent1"/>
-          </a:lnRef>
-          <a:fillRef idx="0">
-            <a:schemeClr val="accent1"/>
-          </a:fillRef>
-          <a:effectRef idx="0">
-            <a:schemeClr val="accent1"/>
-          </a:effectRef>
-          <a:fontRef idx="minor">
-            <a:schemeClr val="tx1"/>
-          </a:fontRef>
-        </p:style>
-      </p:cxnSp>
-      <p:cxnSp>
-        <p:nvCxnSpPr>
-          <p:cNvPr id="12" name="Straight Arrow Connector 11">
+            </a:fontRef>
+          </p:style>
+        </p:cxnSp>
+        <p:cxnSp>
+          <p:nvCxnSpPr>
+            <p:cNvPr id="26" name="Straight Connector 25">
+              <a:extLst>
+                <a:ext uri="{FF2B5EF4-FFF2-40B4-BE49-F238E27FC236}">
+                  <a16:creationId xmlns:a16="http://schemas.microsoft.com/office/drawing/2014/main" id="{5B724E54-8736-4DE8-BF90-B8C4DFF15721}"/>
+                </a:ext>
+              </a:extLst>
+            </p:cNvPr>
+            <p:cNvCxnSpPr>
+              <a:cxnSpLocks/>
+            </p:cNvCxnSpPr>
+            <p:nvPr/>
+          </p:nvCxnSpPr>
+          <p:spPr>
+            <a:xfrm flipH="1">
+              <a:off x="936939" y="5840513"/>
+              <a:ext cx="3928892" cy="0"/>
+            </a:xfrm>
+            <a:prstGeom prst="line">
+              <a:avLst/>
+            </a:prstGeom>
+            <a:ln w="31750">
+              <a:solidFill>
+                <a:schemeClr val="tx1"/>
+              </a:solidFill>
+            </a:ln>
+          </p:spPr>
+          <p:style>
+            <a:lnRef idx="1">
+              <a:schemeClr val="accent1"/>
+            </a:lnRef>
+            <a:fillRef idx="0">
+              <a:schemeClr val="accent1"/>
+            </a:fillRef>
+            <a:effectRef idx="0">
+              <a:schemeClr val="accent1"/>
+            </a:effectRef>
+            <a:fontRef idx="minor">
+              <a:schemeClr val="tx1"/>
+            </a:fontRef>
+          </p:style>
+        </p:cxnSp>
+        <p:sp>
+          <p:nvSpPr>
+            <p:cNvPr id="6" name="Oval 5">
+              <a:extLst>
+                <a:ext uri="{FF2B5EF4-FFF2-40B4-BE49-F238E27FC236}">
+                  <a16:creationId xmlns:a16="http://schemas.microsoft.com/office/drawing/2014/main" id="{A72A1D73-F714-4535-884B-F4723EAE8CCF}"/>
+                </a:ext>
+              </a:extLst>
+            </p:cNvPr>
+            <p:cNvSpPr/>
+            <p:nvPr/>
+          </p:nvSpPr>
+          <p:spPr>
+            <a:xfrm>
+              <a:off x="2864697" y="4095493"/>
+              <a:ext cx="1745020" cy="1745020"/>
+            </a:xfrm>
+            <a:prstGeom prst="ellipse">
+              <a:avLst/>
+            </a:prstGeom>
+            <a:noFill/>
+            <a:ln w="25400">
+              <a:solidFill>
+                <a:schemeClr val="tx1"/>
+              </a:solidFill>
+            </a:ln>
+          </p:spPr>
+          <p:style>
+            <a:lnRef idx="2">
+              <a:schemeClr val="accent1">
+                <a:shade val="50000"/>
+              </a:schemeClr>
+            </a:lnRef>
+            <a:fillRef idx="1">
+              <a:schemeClr val="accent1"/>
+            </a:fillRef>
+            <a:effectRef idx="0">
+              <a:schemeClr val="accent1"/>
+            </a:effectRef>
+            <a:fontRef idx="minor">
+              <a:schemeClr val="lt1"/>
+            </a:fontRef>
+          </p:style>
+          <p:txBody>
+            <a:bodyPr rtlCol="0" anchor="ctr"/>
+            <a:lstStyle/>
+            <a:p>
+              <a:pPr algn="ctr"/>
+              <a:endParaRPr lang="en-US"/>
+            </a:p>
+          </p:txBody>
+        </p:sp>
+        <p:cxnSp>
+          <p:nvCxnSpPr>
+            <p:cNvPr id="33" name="Straight Connector 32">
+              <a:extLst>
+                <a:ext uri="{FF2B5EF4-FFF2-40B4-BE49-F238E27FC236}">
+                  <a16:creationId xmlns:a16="http://schemas.microsoft.com/office/drawing/2014/main" id="{2B2463EA-1775-4EBE-AFA4-25A417215873}"/>
+                </a:ext>
+              </a:extLst>
+            </p:cNvPr>
+            <p:cNvCxnSpPr>
+              <a:cxnSpLocks/>
+              <a:endCxn id="6" idx="4"/>
+            </p:cNvCxnSpPr>
+            <p:nvPr/>
+          </p:nvCxnSpPr>
+          <p:spPr>
+            <a:xfrm>
+              <a:off x="3737207" y="4959708"/>
+              <a:ext cx="0" cy="880805"/>
+            </a:xfrm>
+            <a:prstGeom prst="line">
+              <a:avLst/>
+            </a:prstGeom>
+            <a:ln w="22225">
+              <a:solidFill>
+                <a:schemeClr val="tx1"/>
+              </a:solidFill>
+            </a:ln>
+          </p:spPr>
+          <p:style>
+            <a:lnRef idx="1">
+              <a:schemeClr val="accent1"/>
+            </a:lnRef>
+            <a:fillRef idx="0">
+              <a:schemeClr val="accent1"/>
+            </a:fillRef>
+            <a:effectRef idx="0">
+              <a:schemeClr val="accent1"/>
+            </a:effectRef>
+            <a:fontRef idx="minor">
+              <a:schemeClr val="tx1"/>
+            </a:fontRef>
+          </p:style>
+        </p:cxnSp>
+        <p:cxnSp>
+          <p:nvCxnSpPr>
+            <p:cNvPr id="35" name="Straight Connector 34">
+              <a:extLst>
+                <a:ext uri="{FF2B5EF4-FFF2-40B4-BE49-F238E27FC236}">
+                  <a16:creationId xmlns:a16="http://schemas.microsoft.com/office/drawing/2014/main" id="{6E130C31-711A-460B-AAC3-9E9BBF7D3551}"/>
+                </a:ext>
+              </a:extLst>
+            </p:cNvPr>
+            <p:cNvCxnSpPr>
+              <a:cxnSpLocks/>
+              <a:stCxn id="6" idx="1"/>
+            </p:cNvCxnSpPr>
+            <p:nvPr/>
+          </p:nvCxnSpPr>
+          <p:spPr>
+            <a:xfrm>
+              <a:off x="3120249" y="4351045"/>
+              <a:ext cx="616958" cy="608663"/>
+            </a:xfrm>
+            <a:prstGeom prst="line">
+              <a:avLst/>
+            </a:prstGeom>
+            <a:ln w="22225">
+              <a:solidFill>
+                <a:schemeClr val="tx1"/>
+              </a:solidFill>
+            </a:ln>
+          </p:spPr>
+          <p:style>
+            <a:lnRef idx="1">
+              <a:schemeClr val="accent1"/>
+            </a:lnRef>
+            <a:fillRef idx="0">
+              <a:schemeClr val="accent1"/>
+            </a:fillRef>
+            <a:effectRef idx="0">
+              <a:schemeClr val="accent1"/>
+            </a:effectRef>
+            <a:fontRef idx="minor">
+              <a:schemeClr val="tx1"/>
+            </a:fontRef>
+          </p:style>
+        </p:cxnSp>
+        <p:cxnSp>
+          <p:nvCxnSpPr>
+            <p:cNvPr id="42" name="Straight Connector 41">
+              <a:extLst>
+                <a:ext uri="{FF2B5EF4-FFF2-40B4-BE49-F238E27FC236}">
+                  <a16:creationId xmlns:a16="http://schemas.microsoft.com/office/drawing/2014/main" id="{EDD85724-57ED-441B-87D7-FA66E6201444}"/>
+                </a:ext>
+              </a:extLst>
+            </p:cNvPr>
+            <p:cNvCxnSpPr>
+              <a:cxnSpLocks/>
+            </p:cNvCxnSpPr>
+            <p:nvPr/>
+          </p:nvCxnSpPr>
+          <p:spPr>
+            <a:xfrm flipH="1">
+              <a:off x="978339" y="4959708"/>
+              <a:ext cx="2758868" cy="880805"/>
+            </a:xfrm>
+            <a:prstGeom prst="line">
+              <a:avLst/>
+            </a:prstGeom>
+            <a:ln w="22225">
+              <a:solidFill>
+                <a:schemeClr val="tx1"/>
+              </a:solidFill>
+            </a:ln>
+          </p:spPr>
+          <p:style>
+            <a:lnRef idx="1">
+              <a:schemeClr val="accent1"/>
+            </a:lnRef>
+            <a:fillRef idx="0">
+              <a:schemeClr val="accent1"/>
+            </a:fillRef>
+            <a:effectRef idx="0">
+              <a:schemeClr val="accent1"/>
+            </a:effectRef>
+            <a:fontRef idx="minor">
+              <a:schemeClr val="tx1"/>
+            </a:fontRef>
+          </p:style>
+        </p:cxnSp>
+        <p:sp>
+          <p:nvSpPr>
+            <p:cNvPr id="45" name="Arc 44">
+              <a:extLst>
+                <a:ext uri="{FF2B5EF4-FFF2-40B4-BE49-F238E27FC236}">
+                  <a16:creationId xmlns:a16="http://schemas.microsoft.com/office/drawing/2014/main" id="{5A4DB9B0-5106-4264-A694-96469E9FBD24}"/>
+                </a:ext>
+              </a:extLst>
+            </p:cNvPr>
+            <p:cNvSpPr/>
+            <p:nvPr/>
+          </p:nvSpPr>
+          <p:spPr>
+            <a:xfrm rot="1206981">
+              <a:off x="1287016" y="5684667"/>
+              <a:ext cx="221820" cy="226117"/>
+            </a:xfrm>
+            <a:prstGeom prst="arc">
+              <a:avLst>
+                <a:gd name="adj1" fmla="val 16200000"/>
+                <a:gd name="adj2" fmla="val 113629"/>
+              </a:avLst>
+            </a:prstGeom>
+            <a:ln w="22225">
+              <a:solidFill>
+                <a:schemeClr val="tx1"/>
+              </a:solidFill>
+            </a:ln>
+          </p:spPr>
+          <p:style>
+            <a:lnRef idx="1">
+              <a:schemeClr val="accent1"/>
+            </a:lnRef>
+            <a:fillRef idx="0">
+              <a:schemeClr val="accent1"/>
+            </a:fillRef>
+            <a:effectRef idx="0">
+              <a:schemeClr val="accent1"/>
+            </a:effectRef>
+            <a:fontRef idx="minor">
+              <a:schemeClr val="tx1"/>
+            </a:fontRef>
+          </p:style>
+          <p:txBody>
+            <a:bodyPr rtlCol="0" anchor="ctr"/>
+            <a:lstStyle/>
+            <a:p>
+              <a:pPr algn="ctr"/>
+              <a:endParaRPr lang="en-US" dirty="0"/>
+            </a:p>
+          </p:txBody>
+        </p:sp>
+        <mc:AlternateContent xmlns:mc="http://schemas.openxmlformats.org/markup-compatibility/2006">
+          <mc:Choice xmlns:a14="http://schemas.microsoft.com/office/drawing/2010/main" Requires="a14">
+            <p:sp>
+              <p:nvSpPr>
+                <p:cNvPr id="46" name="TextBox 45">
+                  <a:extLst>
+                    <a:ext uri="{FF2B5EF4-FFF2-40B4-BE49-F238E27FC236}">
+                      <a16:creationId xmlns:a16="http://schemas.microsoft.com/office/drawing/2014/main" id="{10A77ABE-775A-4B4D-8E3A-CCE511D206BF}"/>
+                    </a:ext>
+                  </a:extLst>
+                </p:cNvPr>
+                <p:cNvSpPr txBox="1"/>
+                <p:nvPr/>
+              </p:nvSpPr>
+              <p:spPr>
+                <a:xfrm>
+                  <a:off x="1582355" y="5518551"/>
+                  <a:ext cx="555537" cy="307777"/>
+                </a:xfrm>
+                <a:prstGeom prst="rect">
+                  <a:avLst/>
+                </a:prstGeom>
+                <a:noFill/>
+              </p:spPr>
+              <p:txBody>
+                <a:bodyPr wrap="square" lIns="0" tIns="0" rIns="0" bIns="0" rtlCol="0">
+                  <a:spAutoFit/>
+                </a:bodyPr>
+                <a:lstStyle/>
+                <a:p>
+                  <a:pPr/>
+                  <a14:m>
+                    <m:oMathPara xmlns:m="http://schemas.openxmlformats.org/officeDocument/2006/math">
+                      <m:oMathParaPr>
+                        <m:jc m:val="centerGroup"/>
+                      </m:oMathParaPr>
+                      <m:oMath xmlns:m="http://schemas.openxmlformats.org/officeDocument/2006/math">
+                        <m:r>
+                          <a:rPr lang="en-US" sz="2000" b="0" i="1" smtClean="0">
+                            <a:latin typeface="Cambria Math" panose="02040503050406030204" pitchFamily="18" charset="0"/>
+                            <a:ea typeface="Cambria Math" panose="02040503050406030204" pitchFamily="18" charset="0"/>
+                          </a:rPr>
+                          <m:t>𝛼</m:t>
+                        </m:r>
+                        <m:r>
+                          <a:rPr lang="en-US" sz="2000" b="0" i="1" smtClean="0">
+                            <a:latin typeface="Cambria Math" panose="02040503050406030204" pitchFamily="18" charset="0"/>
+                            <a:ea typeface="Cambria Math" panose="02040503050406030204" pitchFamily="18" charset="0"/>
+                          </a:rPr>
+                          <m:t>/2</m:t>
+                        </m:r>
+                      </m:oMath>
+                    </m:oMathPara>
+                  </a14:m>
+                  <a:endParaRPr lang="en-US" sz="2800" dirty="0"/>
+                </a:p>
+              </p:txBody>
+            </p:sp>
+          </mc:Choice>
+          <mc:Fallback>
+            <p:sp>
+              <p:nvSpPr>
+                <p:cNvPr id="46" name="TextBox 45">
+                  <a:extLst>
+                    <a:ext uri="{FF2B5EF4-FFF2-40B4-BE49-F238E27FC236}">
+                      <a16:creationId xmlns:a16="http://schemas.microsoft.com/office/drawing/2014/main" id="{10A77ABE-775A-4B4D-8E3A-CCE511D206BF}"/>
+                    </a:ext>
+                  </a:extLst>
+                </p:cNvPr>
+                <p:cNvSpPr txBox="1">
+                  <a:spLocks noRot="1" noChangeAspect="1" noMove="1" noResize="1" noEditPoints="1" noAdjustHandles="1" noChangeArrowheads="1" noChangeShapeType="1" noTextEdit="1"/>
+                </p:cNvSpPr>
+                <p:nvPr/>
+              </p:nvSpPr>
+              <p:spPr>
+                <a:xfrm>
+                  <a:off x="1582355" y="5518551"/>
+                  <a:ext cx="555537" cy="307777"/>
+                </a:xfrm>
+                <a:prstGeom prst="rect">
+                  <a:avLst/>
+                </a:prstGeom>
+                <a:blipFill>
+                  <a:blip r:embed="rId12"/>
+                  <a:stretch>
+                    <a:fillRect r="-5495" b="-34000"/>
+                  </a:stretch>
+                </a:blipFill>
+              </p:spPr>
+              <p:txBody>
+                <a:bodyPr/>
+                <a:lstStyle/>
+                <a:p>
+                  <a:r>
+                    <a:rPr lang="en-US">
+                      <a:noFill/>
+                    </a:rPr>
+                    <a:t> </a:t>
+                  </a:r>
+                </a:p>
+              </p:txBody>
+            </p:sp>
+          </mc:Fallback>
+        </mc:AlternateContent>
+        <p:sp>
+          <p:nvSpPr>
+            <p:cNvPr id="49" name="Arc 48">
+              <a:extLst>
+                <a:ext uri="{FF2B5EF4-FFF2-40B4-BE49-F238E27FC236}">
+                  <a16:creationId xmlns:a16="http://schemas.microsoft.com/office/drawing/2014/main" id="{A975B544-BAEE-4A16-9466-E8DF8384B679}"/>
+                </a:ext>
+              </a:extLst>
+            </p:cNvPr>
+            <p:cNvSpPr/>
+            <p:nvPr/>
+          </p:nvSpPr>
+          <p:spPr>
+            <a:xfrm rot="1206981">
+              <a:off x="1209633" y="5550181"/>
+              <a:ext cx="233718" cy="221760"/>
+            </a:xfrm>
+            <a:prstGeom prst="arc">
+              <a:avLst>
+                <a:gd name="adj1" fmla="val 16200000"/>
+                <a:gd name="adj2" fmla="val 113629"/>
+              </a:avLst>
+            </a:prstGeom>
+            <a:ln w="22225">
+              <a:solidFill>
+                <a:schemeClr val="tx1"/>
+              </a:solidFill>
+            </a:ln>
+          </p:spPr>
+          <p:style>
+            <a:lnRef idx="1">
+              <a:schemeClr val="accent1"/>
+            </a:lnRef>
+            <a:fillRef idx="0">
+              <a:schemeClr val="accent1"/>
+            </a:fillRef>
+            <a:effectRef idx="0">
+              <a:schemeClr val="accent1"/>
+            </a:effectRef>
+            <a:fontRef idx="minor">
+              <a:schemeClr val="tx1"/>
+            </a:fontRef>
+          </p:style>
+          <p:txBody>
+            <a:bodyPr rtlCol="0" anchor="ctr"/>
+            <a:lstStyle/>
+            <a:p>
+              <a:pPr algn="ctr"/>
+              <a:endParaRPr lang="en-US" dirty="0"/>
+            </a:p>
+          </p:txBody>
+        </p:sp>
+        <mc:AlternateContent xmlns:mc="http://schemas.openxmlformats.org/markup-compatibility/2006">
+          <mc:Choice xmlns:a14="http://schemas.microsoft.com/office/drawing/2010/main" Requires="a14">
+            <p:sp>
+              <p:nvSpPr>
+                <p:cNvPr id="50" name="TextBox 49">
+                  <a:extLst>
+                    <a:ext uri="{FF2B5EF4-FFF2-40B4-BE49-F238E27FC236}">
+                      <a16:creationId xmlns:a16="http://schemas.microsoft.com/office/drawing/2014/main" id="{549431A6-77B1-4DE6-8841-8890D70DE333}"/>
+                    </a:ext>
+                  </a:extLst>
+                </p:cNvPr>
+                <p:cNvSpPr txBox="1"/>
+                <p:nvPr/>
+              </p:nvSpPr>
+              <p:spPr>
+                <a:xfrm rot="20713289">
+                  <a:off x="1422181" y="5298899"/>
+                  <a:ext cx="555537" cy="307777"/>
+                </a:xfrm>
+                <a:prstGeom prst="rect">
+                  <a:avLst/>
+                </a:prstGeom>
+                <a:noFill/>
+              </p:spPr>
+              <p:txBody>
+                <a:bodyPr wrap="square" lIns="0" tIns="0" rIns="0" bIns="0" rtlCol="0">
+                  <a:spAutoFit/>
+                </a:bodyPr>
+                <a:lstStyle/>
+                <a:p>
+                  <a:pPr/>
+                  <a14:m>
+                    <m:oMathPara xmlns:m="http://schemas.openxmlformats.org/officeDocument/2006/math">
+                      <m:oMathParaPr>
+                        <m:jc m:val="centerGroup"/>
+                      </m:oMathParaPr>
+                      <m:oMath xmlns:m="http://schemas.openxmlformats.org/officeDocument/2006/math">
+                        <m:r>
+                          <a:rPr lang="en-US" sz="2000" b="0" i="1" smtClean="0">
+                            <a:latin typeface="Cambria Math" panose="02040503050406030204" pitchFamily="18" charset="0"/>
+                            <a:ea typeface="Cambria Math" panose="02040503050406030204" pitchFamily="18" charset="0"/>
+                          </a:rPr>
+                          <m:t>𝛼</m:t>
+                        </m:r>
+                        <m:r>
+                          <a:rPr lang="en-US" sz="2000" b="0" i="1" smtClean="0">
+                            <a:latin typeface="Cambria Math" panose="02040503050406030204" pitchFamily="18" charset="0"/>
+                            <a:ea typeface="Cambria Math" panose="02040503050406030204" pitchFamily="18" charset="0"/>
+                          </a:rPr>
+                          <m:t>/2</m:t>
+                        </m:r>
+                      </m:oMath>
+                    </m:oMathPara>
+                  </a14:m>
+                  <a:endParaRPr lang="en-US" sz="2800" dirty="0"/>
+                </a:p>
+              </p:txBody>
+            </p:sp>
+          </mc:Choice>
+          <mc:Fallback>
+            <p:sp>
+              <p:nvSpPr>
+                <p:cNvPr id="50" name="TextBox 49">
+                  <a:extLst>
+                    <a:ext uri="{FF2B5EF4-FFF2-40B4-BE49-F238E27FC236}">
+                      <a16:creationId xmlns:a16="http://schemas.microsoft.com/office/drawing/2014/main" id="{549431A6-77B1-4DE6-8841-8890D70DE333}"/>
+                    </a:ext>
+                  </a:extLst>
+                </p:cNvPr>
+                <p:cNvSpPr txBox="1">
+                  <a:spLocks noRot="1" noChangeAspect="1" noMove="1" noResize="1" noEditPoints="1" noAdjustHandles="1" noChangeArrowheads="1" noChangeShapeType="1" noTextEdit="1"/>
+                </p:cNvSpPr>
+                <p:nvPr/>
+              </p:nvSpPr>
+              <p:spPr>
+                <a:xfrm rot="20713289">
+                  <a:off x="1422181" y="5298899"/>
+                  <a:ext cx="555537" cy="307777"/>
+                </a:xfrm>
+                <a:prstGeom prst="rect">
+                  <a:avLst/>
+                </a:prstGeom>
+                <a:blipFill>
+                  <a:blip r:embed="rId13"/>
+                  <a:stretch>
+                    <a:fillRect r="-3922" b="-15068"/>
+                  </a:stretch>
+                </a:blipFill>
+              </p:spPr>
+              <p:txBody>
+                <a:bodyPr/>
+                <a:lstStyle/>
+                <a:p>
+                  <a:r>
+                    <a:rPr lang="en-US">
+                      <a:noFill/>
+                    </a:rPr>
+                    <a:t> </a:t>
+                  </a:r>
+                </a:p>
+              </p:txBody>
+            </p:sp>
+          </mc:Fallback>
+        </mc:AlternateContent>
+        <mc:AlternateContent xmlns:mc="http://schemas.openxmlformats.org/markup-compatibility/2006">
+          <mc:Choice xmlns:a14="http://schemas.microsoft.com/office/drawing/2010/main" Requires="a14">
+            <p:sp>
+              <p:nvSpPr>
+                <p:cNvPr id="16" name="TextBox 15">
+                  <a:extLst>
+                    <a:ext uri="{FF2B5EF4-FFF2-40B4-BE49-F238E27FC236}">
+                      <a16:creationId xmlns:a16="http://schemas.microsoft.com/office/drawing/2014/main" id="{11A8CEF8-30E7-4B7C-873D-6A6C0FE87A2E}"/>
+                    </a:ext>
+                  </a:extLst>
+                </p:cNvPr>
+                <p:cNvSpPr txBox="1"/>
+                <p:nvPr/>
+              </p:nvSpPr>
+              <p:spPr>
+                <a:xfrm>
+                  <a:off x="3774793" y="5176610"/>
+                  <a:ext cx="321498" cy="430887"/>
+                </a:xfrm>
+                <a:prstGeom prst="rect">
+                  <a:avLst/>
+                </a:prstGeom>
+                <a:noFill/>
+              </p:spPr>
+              <p:txBody>
+                <a:bodyPr wrap="none" lIns="0" tIns="0" rIns="0" bIns="0" rtlCol="0">
+                  <a:spAutoFit/>
+                </a:bodyPr>
+                <a:lstStyle/>
+                <a:p>
+                  <a:pPr/>
+                  <a14:m>
+                    <m:oMathPara xmlns:m="http://schemas.openxmlformats.org/officeDocument/2006/math">
+                      <m:oMathParaPr>
+                        <m:jc m:val="centerGroup"/>
+                      </m:oMathParaPr>
+                      <m:oMath xmlns:m="http://schemas.openxmlformats.org/officeDocument/2006/math">
+                        <m:r>
+                          <a:rPr lang="en-US" sz="2800" b="0" i="1" smtClean="0">
+                            <a:latin typeface="Cambria Math" panose="02040503050406030204" pitchFamily="18" charset="0"/>
+                          </a:rPr>
+                          <m:t>𝑅</m:t>
+                        </m:r>
+                      </m:oMath>
+                    </m:oMathPara>
+                  </a14:m>
+                  <a:endParaRPr lang="en-US" sz="2800" dirty="0"/>
+                </a:p>
+              </p:txBody>
+            </p:sp>
+          </mc:Choice>
+          <mc:Fallback>
+            <p:sp>
+              <p:nvSpPr>
+                <p:cNvPr id="16" name="TextBox 15">
+                  <a:extLst>
+                    <a:ext uri="{FF2B5EF4-FFF2-40B4-BE49-F238E27FC236}">
+                      <a16:creationId xmlns:a16="http://schemas.microsoft.com/office/drawing/2014/main" id="{11A8CEF8-30E7-4B7C-873D-6A6C0FE87A2E}"/>
+                    </a:ext>
+                  </a:extLst>
+                </p:cNvPr>
+                <p:cNvSpPr txBox="1">
+                  <a:spLocks noRot="1" noChangeAspect="1" noMove="1" noResize="1" noEditPoints="1" noAdjustHandles="1" noChangeArrowheads="1" noChangeShapeType="1" noTextEdit="1"/>
+                </p:cNvSpPr>
+                <p:nvPr/>
+              </p:nvSpPr>
+              <p:spPr>
+                <a:xfrm>
+                  <a:off x="3774793" y="5176610"/>
+                  <a:ext cx="321498" cy="430887"/>
+                </a:xfrm>
+                <a:prstGeom prst="rect">
+                  <a:avLst/>
+                </a:prstGeom>
+                <a:blipFill>
+                  <a:blip r:embed="rId14"/>
+                  <a:stretch>
+                    <a:fillRect/>
+                  </a:stretch>
+                </a:blipFill>
+              </p:spPr>
+              <p:txBody>
+                <a:bodyPr/>
+                <a:lstStyle/>
+                <a:p>
+                  <a:r>
+                    <a:rPr lang="en-US">
+                      <a:noFill/>
+                    </a:rPr>
+                    <a:t> </a:t>
+                  </a:r>
+                </a:p>
+              </p:txBody>
+            </p:sp>
+          </mc:Fallback>
+        </mc:AlternateContent>
+        <mc:AlternateContent xmlns:mc="http://schemas.openxmlformats.org/markup-compatibility/2006">
+          <mc:Choice xmlns:a14="http://schemas.microsoft.com/office/drawing/2010/main" Requires="a14">
+            <p:sp>
+              <p:nvSpPr>
+                <p:cNvPr id="51" name="TextBox 50">
+                  <a:extLst>
+                    <a:ext uri="{FF2B5EF4-FFF2-40B4-BE49-F238E27FC236}">
+                      <a16:creationId xmlns:a16="http://schemas.microsoft.com/office/drawing/2014/main" id="{CC831F9F-FFD1-4AC2-8A50-3BC3511BA3F1}"/>
+                    </a:ext>
+                  </a:extLst>
+                </p:cNvPr>
+                <p:cNvSpPr txBox="1"/>
+                <p:nvPr/>
+              </p:nvSpPr>
+              <p:spPr>
+                <a:xfrm>
+                  <a:off x="3353014" y="4279326"/>
+                  <a:ext cx="321498" cy="430887"/>
+                </a:xfrm>
+                <a:prstGeom prst="rect">
+                  <a:avLst/>
+                </a:prstGeom>
+                <a:noFill/>
+              </p:spPr>
+              <p:txBody>
+                <a:bodyPr wrap="none" lIns="0" tIns="0" rIns="0" bIns="0" rtlCol="0">
+                  <a:spAutoFit/>
+                </a:bodyPr>
+                <a:lstStyle/>
+                <a:p>
+                  <a:pPr/>
+                  <a14:m>
+                    <m:oMathPara xmlns:m="http://schemas.openxmlformats.org/officeDocument/2006/math">
+                      <m:oMathParaPr>
+                        <m:jc m:val="centerGroup"/>
+                      </m:oMathParaPr>
+                      <m:oMath xmlns:m="http://schemas.openxmlformats.org/officeDocument/2006/math">
+                        <m:r>
+                          <a:rPr lang="en-US" sz="2800" b="0" i="1" smtClean="0">
+                            <a:latin typeface="Cambria Math" panose="02040503050406030204" pitchFamily="18" charset="0"/>
+                          </a:rPr>
+                          <m:t>𝑅</m:t>
+                        </m:r>
+                      </m:oMath>
+                    </m:oMathPara>
+                  </a14:m>
+                  <a:endParaRPr lang="en-US" sz="2800" dirty="0"/>
+                </a:p>
+              </p:txBody>
+            </p:sp>
+          </mc:Choice>
+          <mc:Fallback>
+            <p:sp>
+              <p:nvSpPr>
+                <p:cNvPr id="51" name="TextBox 50">
+                  <a:extLst>
+                    <a:ext uri="{FF2B5EF4-FFF2-40B4-BE49-F238E27FC236}">
+                      <a16:creationId xmlns:a16="http://schemas.microsoft.com/office/drawing/2014/main" id="{CC831F9F-FFD1-4AC2-8A50-3BC3511BA3F1}"/>
+                    </a:ext>
+                  </a:extLst>
+                </p:cNvPr>
+                <p:cNvSpPr txBox="1">
+                  <a:spLocks noRot="1" noChangeAspect="1" noMove="1" noResize="1" noEditPoints="1" noAdjustHandles="1" noChangeArrowheads="1" noChangeShapeType="1" noTextEdit="1"/>
+                </p:cNvSpPr>
+                <p:nvPr/>
+              </p:nvSpPr>
+              <p:spPr>
+                <a:xfrm>
+                  <a:off x="3353014" y="4279326"/>
+                  <a:ext cx="321498" cy="430887"/>
+                </a:xfrm>
+                <a:prstGeom prst="rect">
+                  <a:avLst/>
+                </a:prstGeom>
+                <a:blipFill>
+                  <a:blip r:embed="rId15"/>
+                  <a:stretch>
+                    <a:fillRect/>
+                  </a:stretch>
+                </a:blipFill>
+              </p:spPr>
+              <p:txBody>
+                <a:bodyPr/>
+                <a:lstStyle/>
+                <a:p>
+                  <a:r>
+                    <a:rPr lang="en-US">
+                      <a:noFill/>
+                    </a:rPr>
+                    <a:t> </a:t>
+                  </a:r>
+                </a:p>
+              </p:txBody>
+            </p:sp>
+          </mc:Fallback>
+        </mc:AlternateContent>
+        <mc:AlternateContent xmlns:mc="http://schemas.openxmlformats.org/markup-compatibility/2006">
+          <mc:Choice xmlns:a14="http://schemas.microsoft.com/office/drawing/2010/main" Requires="a14">
+            <p:sp>
+              <p:nvSpPr>
+                <p:cNvPr id="52" name="TextBox 51">
+                  <a:extLst>
+                    <a:ext uri="{FF2B5EF4-FFF2-40B4-BE49-F238E27FC236}">
+                      <a16:creationId xmlns:a16="http://schemas.microsoft.com/office/drawing/2014/main" id="{D9F363CE-A1F8-4402-AA81-661FACE0A574}"/>
+                    </a:ext>
+                  </a:extLst>
+                </p:cNvPr>
+                <p:cNvSpPr txBox="1"/>
+                <p:nvPr/>
+              </p:nvSpPr>
+              <p:spPr>
+                <a:xfrm>
+                  <a:off x="700694" y="5839743"/>
+                  <a:ext cx="312906" cy="430887"/>
+                </a:xfrm>
+                <a:prstGeom prst="rect">
+                  <a:avLst/>
+                </a:prstGeom>
+                <a:noFill/>
+              </p:spPr>
+              <p:txBody>
+                <a:bodyPr wrap="none" lIns="0" tIns="0" rIns="0" bIns="0" rtlCol="0">
+                  <a:spAutoFit/>
+                </a:bodyPr>
+                <a:lstStyle/>
+                <a:p>
+                  <a:pPr/>
+                  <a14:m>
+                    <m:oMathPara xmlns:m="http://schemas.openxmlformats.org/officeDocument/2006/math">
+                      <m:oMathParaPr>
+                        <m:jc m:val="centerGroup"/>
+                      </m:oMathParaPr>
+                      <m:oMath xmlns:m="http://schemas.openxmlformats.org/officeDocument/2006/math">
+                        <m:r>
+                          <a:rPr lang="en-US" sz="2800" b="0" i="1" smtClean="0">
+                            <a:latin typeface="Cambria Math" panose="02040503050406030204" pitchFamily="18" charset="0"/>
+                          </a:rPr>
+                          <m:t>𝐴</m:t>
+                        </m:r>
+                      </m:oMath>
+                    </m:oMathPara>
+                  </a14:m>
+                  <a:endParaRPr lang="en-US" sz="2800" dirty="0"/>
+                </a:p>
+              </p:txBody>
+            </p:sp>
+          </mc:Choice>
+          <mc:Fallback>
+            <p:sp>
+              <p:nvSpPr>
+                <p:cNvPr id="52" name="TextBox 51">
+                  <a:extLst>
+                    <a:ext uri="{FF2B5EF4-FFF2-40B4-BE49-F238E27FC236}">
+                      <a16:creationId xmlns:a16="http://schemas.microsoft.com/office/drawing/2014/main" id="{D9F363CE-A1F8-4402-AA81-661FACE0A574}"/>
+                    </a:ext>
+                  </a:extLst>
+                </p:cNvPr>
+                <p:cNvSpPr txBox="1">
+                  <a:spLocks noRot="1" noChangeAspect="1" noMove="1" noResize="1" noEditPoints="1" noAdjustHandles="1" noChangeArrowheads="1" noChangeShapeType="1" noTextEdit="1"/>
+                </p:cNvSpPr>
+                <p:nvPr/>
+              </p:nvSpPr>
+              <p:spPr>
+                <a:xfrm>
+                  <a:off x="700694" y="5839743"/>
+                  <a:ext cx="312906" cy="430887"/>
+                </a:xfrm>
+                <a:prstGeom prst="rect">
+                  <a:avLst/>
+                </a:prstGeom>
+                <a:blipFill>
+                  <a:blip r:embed="rId16"/>
+                  <a:stretch>
+                    <a:fillRect/>
+                  </a:stretch>
+                </a:blipFill>
+              </p:spPr>
+              <p:txBody>
+                <a:bodyPr/>
+                <a:lstStyle/>
+                <a:p>
+                  <a:r>
+                    <a:rPr lang="en-US">
+                      <a:noFill/>
+                    </a:rPr>
+                    <a:t> </a:t>
+                  </a:r>
+                </a:p>
+              </p:txBody>
+            </p:sp>
+          </mc:Fallback>
+        </mc:AlternateContent>
+        <mc:AlternateContent xmlns:mc="http://schemas.openxmlformats.org/markup-compatibility/2006">
+          <mc:Choice xmlns:a14="http://schemas.microsoft.com/office/drawing/2010/main" Requires="a14">
+            <p:sp>
+              <p:nvSpPr>
+                <p:cNvPr id="53" name="TextBox 52">
+                  <a:extLst>
+                    <a:ext uri="{FF2B5EF4-FFF2-40B4-BE49-F238E27FC236}">
+                      <a16:creationId xmlns:a16="http://schemas.microsoft.com/office/drawing/2014/main" id="{D8258C84-274F-486C-9F04-8EA8D0FEC625}"/>
+                    </a:ext>
+                  </a:extLst>
+                </p:cNvPr>
+                <p:cNvSpPr txBox="1"/>
+                <p:nvPr/>
+              </p:nvSpPr>
+              <p:spPr>
+                <a:xfrm>
+                  <a:off x="2800935" y="3966636"/>
+                  <a:ext cx="345778" cy="430887"/>
+                </a:xfrm>
+                <a:prstGeom prst="rect">
+                  <a:avLst/>
+                </a:prstGeom>
+                <a:noFill/>
+              </p:spPr>
+              <p:txBody>
+                <a:bodyPr wrap="square" lIns="0" tIns="0" rIns="0" bIns="0" rtlCol="0">
+                  <a:spAutoFit/>
+                </a:bodyPr>
+                <a:lstStyle/>
+                <a:p>
+                  <a:pPr/>
+                  <a14:m>
+                    <m:oMathPara xmlns:m="http://schemas.openxmlformats.org/officeDocument/2006/math">
+                      <m:oMathParaPr>
+                        <m:jc m:val="centerGroup"/>
+                      </m:oMathParaPr>
+                      <m:oMath xmlns:m="http://schemas.openxmlformats.org/officeDocument/2006/math">
+                        <m:r>
+                          <a:rPr lang="en-US" sz="2800" b="0" i="1" smtClean="0">
+                            <a:latin typeface="Cambria Math" panose="02040503050406030204" pitchFamily="18" charset="0"/>
+                          </a:rPr>
+                          <m:t>𝐵</m:t>
+                        </m:r>
+                      </m:oMath>
+                    </m:oMathPara>
+                  </a14:m>
+                  <a:endParaRPr lang="en-US" sz="2800" dirty="0"/>
+                </a:p>
+              </p:txBody>
+            </p:sp>
+          </mc:Choice>
+          <mc:Fallback>
+            <p:sp>
+              <p:nvSpPr>
+                <p:cNvPr id="53" name="TextBox 52">
+                  <a:extLst>
+                    <a:ext uri="{FF2B5EF4-FFF2-40B4-BE49-F238E27FC236}">
+                      <a16:creationId xmlns:a16="http://schemas.microsoft.com/office/drawing/2014/main" id="{D8258C84-274F-486C-9F04-8EA8D0FEC625}"/>
+                    </a:ext>
+                  </a:extLst>
+                </p:cNvPr>
+                <p:cNvSpPr txBox="1">
+                  <a:spLocks noRot="1" noChangeAspect="1" noMove="1" noResize="1" noEditPoints="1" noAdjustHandles="1" noChangeArrowheads="1" noChangeShapeType="1" noTextEdit="1"/>
+                </p:cNvSpPr>
+                <p:nvPr/>
+              </p:nvSpPr>
+              <p:spPr>
+                <a:xfrm>
+                  <a:off x="2800935" y="3966636"/>
+                  <a:ext cx="345778" cy="430887"/>
+                </a:xfrm>
+                <a:prstGeom prst="rect">
+                  <a:avLst/>
+                </a:prstGeom>
+                <a:blipFill>
+                  <a:blip r:embed="rId17"/>
+                  <a:stretch>
+                    <a:fillRect/>
+                  </a:stretch>
+                </a:blipFill>
+              </p:spPr>
+              <p:txBody>
+                <a:bodyPr/>
+                <a:lstStyle/>
+                <a:p>
+                  <a:r>
+                    <a:rPr lang="en-US">
+                      <a:noFill/>
+                    </a:rPr>
+                    <a:t> </a:t>
+                  </a:r>
+                </a:p>
+              </p:txBody>
+            </p:sp>
+          </mc:Fallback>
+        </mc:AlternateContent>
+        <mc:AlternateContent xmlns:mc="http://schemas.openxmlformats.org/markup-compatibility/2006">
+          <mc:Choice xmlns:a14="http://schemas.microsoft.com/office/drawing/2010/main" Requires="a14">
+            <p:sp>
+              <p:nvSpPr>
+                <p:cNvPr id="57" name="TextBox 56">
+                  <a:extLst>
+                    <a:ext uri="{FF2B5EF4-FFF2-40B4-BE49-F238E27FC236}">
+                      <a16:creationId xmlns:a16="http://schemas.microsoft.com/office/drawing/2014/main" id="{F454C435-92A0-4572-A0A6-E6C006326C45}"/>
+                    </a:ext>
+                  </a:extLst>
+                </p:cNvPr>
+                <p:cNvSpPr txBox="1"/>
+                <p:nvPr/>
+              </p:nvSpPr>
+              <p:spPr>
+                <a:xfrm>
+                  <a:off x="3614044" y="5953602"/>
+                  <a:ext cx="321498" cy="430887"/>
+                </a:xfrm>
+                <a:prstGeom prst="rect">
+                  <a:avLst/>
+                </a:prstGeom>
+                <a:noFill/>
+              </p:spPr>
+              <p:txBody>
+                <a:bodyPr wrap="none" lIns="0" tIns="0" rIns="0" bIns="0" rtlCol="0">
+                  <a:spAutoFit/>
+                </a:bodyPr>
+                <a:lstStyle/>
+                <a:p>
+                  <a:pPr/>
+                  <a14:m>
+                    <m:oMathPara xmlns:m="http://schemas.openxmlformats.org/officeDocument/2006/math">
+                      <m:oMathParaPr>
+                        <m:jc m:val="centerGroup"/>
+                      </m:oMathParaPr>
+                      <m:oMath xmlns:m="http://schemas.openxmlformats.org/officeDocument/2006/math">
+                        <m:r>
+                          <a:rPr lang="en-US" sz="2800" b="0" i="1" smtClean="0">
+                            <a:latin typeface="Cambria Math" panose="02040503050406030204" pitchFamily="18" charset="0"/>
+                          </a:rPr>
+                          <m:t>𝐶</m:t>
+                        </m:r>
+                      </m:oMath>
+                    </m:oMathPara>
+                  </a14:m>
+                  <a:endParaRPr lang="en-US" sz="2800" dirty="0"/>
+                </a:p>
+              </p:txBody>
+            </p:sp>
+          </mc:Choice>
+          <mc:Fallback>
+            <p:sp>
+              <p:nvSpPr>
+                <p:cNvPr id="57" name="TextBox 56">
+                  <a:extLst>
+                    <a:ext uri="{FF2B5EF4-FFF2-40B4-BE49-F238E27FC236}">
+                      <a16:creationId xmlns:a16="http://schemas.microsoft.com/office/drawing/2014/main" id="{F454C435-92A0-4572-A0A6-E6C006326C45}"/>
+                    </a:ext>
+                  </a:extLst>
+                </p:cNvPr>
+                <p:cNvSpPr txBox="1">
+                  <a:spLocks noRot="1" noChangeAspect="1" noMove="1" noResize="1" noEditPoints="1" noAdjustHandles="1" noChangeArrowheads="1" noChangeShapeType="1" noTextEdit="1"/>
+                </p:cNvSpPr>
+                <p:nvPr/>
+              </p:nvSpPr>
+              <p:spPr>
+                <a:xfrm>
+                  <a:off x="3614044" y="5953602"/>
+                  <a:ext cx="321498" cy="430887"/>
+                </a:xfrm>
+                <a:prstGeom prst="rect">
+                  <a:avLst/>
+                </a:prstGeom>
+                <a:blipFill>
+                  <a:blip r:embed="rId18"/>
+                  <a:stretch>
+                    <a:fillRect/>
+                  </a:stretch>
+                </a:blipFill>
+              </p:spPr>
+              <p:txBody>
+                <a:bodyPr/>
+                <a:lstStyle/>
+                <a:p>
+                  <a:r>
+                    <a:rPr lang="en-US">
+                      <a:noFill/>
+                    </a:rPr>
+                    <a:t> </a:t>
+                  </a:r>
+                </a:p>
+              </p:txBody>
+            </p:sp>
+          </mc:Fallback>
+        </mc:AlternateContent>
+        <mc:AlternateContent xmlns:mc="http://schemas.openxmlformats.org/markup-compatibility/2006">
+          <mc:Choice xmlns:a14="http://schemas.microsoft.com/office/drawing/2010/main" Requires="a14">
+            <p:sp>
+              <p:nvSpPr>
+                <p:cNvPr id="58" name="TextBox 57">
+                  <a:extLst>
+                    <a:ext uri="{FF2B5EF4-FFF2-40B4-BE49-F238E27FC236}">
+                      <a16:creationId xmlns:a16="http://schemas.microsoft.com/office/drawing/2014/main" id="{2D4F6FE8-4471-4056-A5C4-F3ED5C474578}"/>
+                    </a:ext>
+                  </a:extLst>
+                </p:cNvPr>
+                <p:cNvSpPr txBox="1"/>
+                <p:nvPr/>
+              </p:nvSpPr>
+              <p:spPr>
+                <a:xfrm>
+                  <a:off x="3750226" y="4661686"/>
+                  <a:ext cx="332592" cy="430887"/>
+                </a:xfrm>
+                <a:prstGeom prst="rect">
+                  <a:avLst/>
+                </a:prstGeom>
+                <a:noFill/>
+              </p:spPr>
+              <p:txBody>
+                <a:bodyPr wrap="none" lIns="0" tIns="0" rIns="0" bIns="0" rtlCol="0">
+                  <a:spAutoFit/>
+                </a:bodyPr>
+                <a:lstStyle/>
+                <a:p>
+                  <a:pPr/>
+                  <a14:m>
+                    <m:oMathPara xmlns:m="http://schemas.openxmlformats.org/officeDocument/2006/math">
+                      <m:oMathParaPr>
+                        <m:jc m:val="centerGroup"/>
+                      </m:oMathParaPr>
+                      <m:oMath xmlns:m="http://schemas.openxmlformats.org/officeDocument/2006/math">
+                        <m:r>
+                          <a:rPr lang="en-US" sz="2800" b="0" i="1" smtClean="0">
+                            <a:latin typeface="Cambria Math" panose="02040503050406030204" pitchFamily="18" charset="0"/>
+                          </a:rPr>
+                          <m:t>𝑂</m:t>
+                        </m:r>
+                      </m:oMath>
+                    </m:oMathPara>
+                  </a14:m>
+                  <a:endParaRPr lang="en-US" sz="2800" dirty="0"/>
+                </a:p>
+              </p:txBody>
+            </p:sp>
+          </mc:Choice>
+          <mc:Fallback>
+            <p:sp>
+              <p:nvSpPr>
+                <p:cNvPr id="58" name="TextBox 57">
+                  <a:extLst>
+                    <a:ext uri="{FF2B5EF4-FFF2-40B4-BE49-F238E27FC236}">
+                      <a16:creationId xmlns:a16="http://schemas.microsoft.com/office/drawing/2014/main" id="{2D4F6FE8-4471-4056-A5C4-F3ED5C474578}"/>
+                    </a:ext>
+                  </a:extLst>
+                </p:cNvPr>
+                <p:cNvSpPr txBox="1">
+                  <a:spLocks noRot="1" noChangeAspect="1" noMove="1" noResize="1" noEditPoints="1" noAdjustHandles="1" noChangeArrowheads="1" noChangeShapeType="1" noTextEdit="1"/>
+                </p:cNvSpPr>
+                <p:nvPr/>
+              </p:nvSpPr>
+              <p:spPr>
+                <a:xfrm>
+                  <a:off x="3750226" y="4661686"/>
+                  <a:ext cx="332592" cy="430887"/>
+                </a:xfrm>
+                <a:prstGeom prst="rect">
+                  <a:avLst/>
+                </a:prstGeom>
+                <a:blipFill>
+                  <a:blip r:embed="rId19"/>
+                  <a:stretch>
+                    <a:fillRect/>
+                  </a:stretch>
+                </a:blipFill>
+              </p:spPr>
+              <p:txBody>
+                <a:bodyPr/>
+                <a:lstStyle/>
+                <a:p>
+                  <a:r>
+                    <a:rPr lang="en-US">
+                      <a:noFill/>
+                    </a:rPr>
+                    <a:t> </a:t>
+                  </a:r>
+                </a:p>
+              </p:txBody>
+            </p:sp>
+          </mc:Fallback>
+        </mc:AlternateContent>
+      </p:grpSp>
+      <p:grpSp>
+        <p:nvGrpSpPr>
+          <p:cNvPr id="90" name="Group 89">
             <a:extLst>
               <a:ext uri="{FF2B5EF4-FFF2-40B4-BE49-F238E27FC236}">
-                <a16:creationId xmlns:a16="http://schemas.microsoft.com/office/drawing/2014/main" id="{B07A83C6-FB93-4486-809D-71EBF93B3F13}"/>
+                <a16:creationId xmlns:a16="http://schemas.microsoft.com/office/drawing/2014/main" id="{F96FD6CC-E7EA-4037-ABBB-BF30CB82E4E2}"/>
               </a:ext>
             </a:extLst>
           </p:cNvPr>
-          <p:cNvCxnSpPr>
-            <a:cxnSpLocks/>
-          </p:cNvCxnSpPr>
+          <p:cNvGrpSpPr/>
           <p:nvPr/>
-        </p:nvCxnSpPr>
-        <p:spPr>
+        </p:nvGrpSpPr>
+        <p:grpSpPr>
           <a:xfrm>
-            <a:off x="5866763" y="2079056"/>
-            <a:ext cx="0" cy="1248426"/>
+            <a:off x="10282527" y="4571330"/>
+            <a:ext cx="1795995" cy="2128173"/>
+            <a:chOff x="10282527" y="4571330"/>
+            <a:chExt cx="1795995" cy="2128173"/>
           </a:xfrm>
-          <a:prstGeom prst="straightConnector1">
-            <a:avLst/>
-          </a:prstGeom>
-          <a:ln w="34925">
-            <a:solidFill>
+        </p:grpSpPr>
+        <p:sp>
+          <p:nvSpPr>
+            <p:cNvPr id="43" name="Oval 42">
+              <a:extLst>
+                <a:ext uri="{FF2B5EF4-FFF2-40B4-BE49-F238E27FC236}">
+                  <a16:creationId xmlns:a16="http://schemas.microsoft.com/office/drawing/2014/main" id="{50A5F306-960F-4218-AE8B-88B80387C260}"/>
+                </a:ext>
+              </a:extLst>
+            </p:cNvPr>
+            <p:cNvSpPr/>
+            <p:nvPr/>
+          </p:nvSpPr>
+          <p:spPr>
+            <a:xfrm>
+              <a:off x="10282527" y="4954483"/>
+              <a:ext cx="1745020" cy="1745020"/>
+            </a:xfrm>
+            <a:prstGeom prst="ellipse">
+              <a:avLst/>
+            </a:prstGeom>
+            <a:noFill/>
+            <a:ln w="25400">
+              <a:solidFill>
+                <a:schemeClr val="tx1"/>
+              </a:solidFill>
+            </a:ln>
+          </p:spPr>
+          <p:style>
+            <a:lnRef idx="2">
+              <a:schemeClr val="accent1">
+                <a:shade val="50000"/>
+              </a:schemeClr>
+            </a:lnRef>
+            <a:fillRef idx="1">
+              <a:schemeClr val="accent1"/>
+            </a:fillRef>
+            <a:effectRef idx="0">
+              <a:schemeClr val="accent1"/>
+            </a:effectRef>
+            <a:fontRef idx="minor">
+              <a:schemeClr val="lt1"/>
+            </a:fontRef>
+          </p:style>
+          <p:txBody>
+            <a:bodyPr rtlCol="0" anchor="ctr"/>
+            <a:lstStyle/>
+            <a:p>
+              <a:pPr algn="ctr"/>
+              <a:endParaRPr lang="en-US"/>
+            </a:p>
+          </p:txBody>
+        </p:sp>
+        <p:sp>
+          <p:nvSpPr>
+            <p:cNvPr id="47" name="Oval 46">
+              <a:extLst>
+                <a:ext uri="{FF2B5EF4-FFF2-40B4-BE49-F238E27FC236}">
+                  <a16:creationId xmlns:a16="http://schemas.microsoft.com/office/drawing/2014/main" id="{259F895E-042C-4BDF-943C-D6D90220F3C8}"/>
+                </a:ext>
+              </a:extLst>
+            </p:cNvPr>
+            <p:cNvSpPr/>
+            <p:nvPr/>
+          </p:nvSpPr>
+          <p:spPr>
+            <a:xfrm>
+              <a:off x="10282527" y="5734819"/>
+              <a:ext cx="1745017" cy="274619"/>
+            </a:xfrm>
+            <a:prstGeom prst="ellipse">
+              <a:avLst/>
+            </a:prstGeom>
+            <a:noFill/>
+            <a:ln w="25400">
+              <a:solidFill>
+                <a:schemeClr val="tx1"/>
+              </a:solidFill>
+              <a:prstDash val="dash"/>
+            </a:ln>
+          </p:spPr>
+          <p:style>
+            <a:lnRef idx="2">
+              <a:schemeClr val="accent1">
+                <a:shade val="50000"/>
+              </a:schemeClr>
+            </a:lnRef>
+            <a:fillRef idx="1">
+              <a:schemeClr val="accent1"/>
+            </a:fillRef>
+            <a:effectRef idx="0">
+              <a:schemeClr val="accent1"/>
+            </a:effectRef>
+            <a:fontRef idx="minor">
+              <a:schemeClr val="lt1"/>
+            </a:fontRef>
+          </p:style>
+          <p:txBody>
+            <a:bodyPr rtlCol="0" anchor="ctr"/>
+            <a:lstStyle/>
+            <a:p>
+              <a:pPr algn="ctr"/>
+              <a:endParaRPr lang="en-US"/>
+            </a:p>
+          </p:txBody>
+        </p:sp>
+        <p:sp>
+          <p:nvSpPr>
+            <p:cNvPr id="48" name="Oval 47">
+              <a:extLst>
+                <a:ext uri="{FF2B5EF4-FFF2-40B4-BE49-F238E27FC236}">
+                  <a16:creationId xmlns:a16="http://schemas.microsoft.com/office/drawing/2014/main" id="{C048D214-F523-4789-955B-65BD462D2489}"/>
+                </a:ext>
+              </a:extLst>
+            </p:cNvPr>
+            <p:cNvSpPr/>
+            <p:nvPr/>
+          </p:nvSpPr>
+          <p:spPr>
+            <a:xfrm>
+              <a:off x="10430752" y="5208735"/>
+              <a:ext cx="1443265" cy="274619"/>
+            </a:xfrm>
+            <a:prstGeom prst="ellipse">
+              <a:avLst/>
+            </a:prstGeom>
+            <a:noFill/>
+            <a:ln w="19050">
+              <a:solidFill>
+                <a:schemeClr val="tx1"/>
+              </a:solidFill>
+              <a:prstDash val="solid"/>
+            </a:ln>
+          </p:spPr>
+          <p:style>
+            <a:lnRef idx="2">
+              <a:schemeClr val="accent1">
+                <a:shade val="50000"/>
+              </a:schemeClr>
+            </a:lnRef>
+            <a:fillRef idx="1">
+              <a:schemeClr val="accent1"/>
+            </a:fillRef>
+            <a:effectRef idx="0">
+              <a:schemeClr val="accent1"/>
+            </a:effectRef>
+            <a:fontRef idx="minor">
+              <a:schemeClr val="lt1"/>
+            </a:fontRef>
+          </p:style>
+          <p:txBody>
+            <a:bodyPr rtlCol="0" anchor="ctr"/>
+            <a:lstStyle/>
+            <a:p>
+              <a:pPr algn="ctr"/>
+              <a:endParaRPr lang="en-US"/>
+            </a:p>
+          </p:txBody>
+        </p:sp>
+        <p:cxnSp>
+          <p:nvCxnSpPr>
+            <p:cNvPr id="59" name="Straight Connector 58">
+              <a:extLst>
+                <a:ext uri="{FF2B5EF4-FFF2-40B4-BE49-F238E27FC236}">
+                  <a16:creationId xmlns:a16="http://schemas.microsoft.com/office/drawing/2014/main" id="{3CBA41B5-39A7-491E-B136-C301E66BB181}"/>
+                </a:ext>
+              </a:extLst>
+            </p:cNvPr>
+            <p:cNvCxnSpPr>
+              <a:cxnSpLocks/>
+              <a:stCxn id="48" idx="6"/>
+            </p:cNvCxnSpPr>
+            <p:nvPr/>
+          </p:nvCxnSpPr>
+          <p:spPr>
+            <a:xfrm flipH="1">
+              <a:off x="11152381" y="5346045"/>
+              <a:ext cx="721636" cy="522287"/>
+            </a:xfrm>
+            <a:prstGeom prst="line">
+              <a:avLst/>
+            </a:prstGeom>
+            <a:ln w="22225">
+              <a:solidFill>
+                <a:schemeClr val="tx1"/>
+              </a:solidFill>
+            </a:ln>
+          </p:spPr>
+          <p:style>
+            <a:lnRef idx="1">
+              <a:schemeClr val="accent1"/>
+            </a:lnRef>
+            <a:fillRef idx="0">
+              <a:schemeClr val="accent1"/>
+            </a:fillRef>
+            <a:effectRef idx="0">
+              <a:schemeClr val="accent1"/>
+            </a:effectRef>
+            <a:fontRef idx="minor">
               <a:schemeClr val="tx1"/>
-            </a:solidFill>
-            <a:tailEnd type="stealth" w="lg" len="lg"/>
-          </a:ln>
-        </p:spPr>
-        <p:style>
-          <a:lnRef idx="1">
-            <a:schemeClr val="accent1"/>
-          </a:lnRef>
-          <a:fillRef idx="0">
-            <a:schemeClr val="accent1"/>
-          </a:fillRef>
-          <a:effectRef idx="0">
-            <a:schemeClr val="accent1"/>
-          </a:effectRef>
-          <a:fontRef idx="minor">
-            <a:schemeClr val="tx1"/>
-          </a:fontRef>
-        </p:style>
-      </p:cxnSp>
-      <p:sp>
-        <p:nvSpPr>
-          <p:cNvPr id="19" name="Oval 18">
-            <a:extLst>
-              <a:ext uri="{FF2B5EF4-FFF2-40B4-BE49-F238E27FC236}">
-                <a16:creationId xmlns:a16="http://schemas.microsoft.com/office/drawing/2014/main" id="{6C5411A5-A0A0-43F6-AFA0-27C46D691334}"/>
-              </a:ext>
-            </a:extLst>
-          </p:cNvPr>
-          <p:cNvSpPr/>
-          <p:nvPr/>
-        </p:nvSpPr>
-        <p:spPr>
-          <a:xfrm>
-            <a:off x="4122788" y="2703269"/>
-            <a:ext cx="203557" cy="201704"/>
-          </a:xfrm>
-          <a:prstGeom prst="ellipse">
-            <a:avLst/>
-          </a:prstGeom>
-          <a:gradFill flip="none" rotWithShape="1">
-            <a:gsLst>
-              <a:gs pos="0">
-                <a:schemeClr val="accent3">
-                  <a:lumMod val="40000"/>
-                  <a:lumOff val="60000"/>
-                </a:schemeClr>
-              </a:gs>
-              <a:gs pos="46000">
-                <a:schemeClr val="accent3">
-                  <a:lumMod val="95000"/>
-                  <a:lumOff val="5000"/>
-                </a:schemeClr>
-              </a:gs>
-              <a:gs pos="100000">
-                <a:schemeClr val="accent3">
-                  <a:lumMod val="60000"/>
-                </a:schemeClr>
-              </a:gs>
-            </a:gsLst>
-            <a:path path="circle">
-              <a:fillToRect l="50000" t="130000" r="50000" b="-30000"/>
-            </a:path>
-            <a:tileRect/>
-          </a:gradFill>
-          <a:ln>
-            <a:noFill/>
-          </a:ln>
-        </p:spPr>
-        <p:style>
-          <a:lnRef idx="2">
-            <a:schemeClr val="accent1">
-              <a:shade val="50000"/>
-            </a:schemeClr>
-          </a:lnRef>
-          <a:fillRef idx="1">
-            <a:schemeClr val="accent1"/>
-          </a:fillRef>
-          <a:effectRef idx="0">
-            <a:schemeClr val="accent1"/>
-          </a:effectRef>
-          <a:fontRef idx="minor">
-            <a:schemeClr val="lt1"/>
-          </a:fontRef>
-        </p:style>
-        <p:txBody>
-          <a:bodyPr rtlCol="0" anchor="ctr"/>
-          <a:lstStyle/>
-          <a:p>
-            <a:pPr algn="ctr"/>
-            <a:endParaRPr lang="en-US"/>
-          </a:p>
-        </p:txBody>
-      </p:sp>
-      <p:sp>
-        <p:nvSpPr>
-          <p:cNvPr id="20" name="Oval 19">
-            <a:extLst>
-              <a:ext uri="{FF2B5EF4-FFF2-40B4-BE49-F238E27FC236}">
-                <a16:creationId xmlns:a16="http://schemas.microsoft.com/office/drawing/2014/main" id="{CEA5E80A-B944-432C-B4F1-5E2FC651F7E6}"/>
-              </a:ext>
-            </a:extLst>
-          </p:cNvPr>
-          <p:cNvSpPr/>
-          <p:nvPr/>
-        </p:nvSpPr>
-        <p:spPr>
-          <a:xfrm>
-            <a:off x="2570005" y="1825842"/>
-            <a:ext cx="200627" cy="198802"/>
-          </a:xfrm>
-          <a:prstGeom prst="ellipse">
-            <a:avLst/>
-          </a:prstGeom>
-          <a:gradFill flip="none" rotWithShape="1">
-            <a:gsLst>
-              <a:gs pos="0">
-                <a:schemeClr val="accent3">
-                  <a:lumMod val="40000"/>
-                  <a:lumOff val="60000"/>
-                </a:schemeClr>
-              </a:gs>
-              <a:gs pos="46000">
-                <a:schemeClr val="accent3">
-                  <a:lumMod val="95000"/>
-                  <a:lumOff val="5000"/>
-                </a:schemeClr>
-              </a:gs>
-              <a:gs pos="100000">
-                <a:schemeClr val="accent3">
-                  <a:lumMod val="60000"/>
-                </a:schemeClr>
-              </a:gs>
-            </a:gsLst>
-            <a:path path="circle">
-              <a:fillToRect l="50000" t="130000" r="50000" b="-30000"/>
-            </a:path>
-            <a:tileRect/>
-          </a:gradFill>
-          <a:ln>
-            <a:noFill/>
-          </a:ln>
-        </p:spPr>
-        <p:style>
-          <a:lnRef idx="2">
-            <a:schemeClr val="accent1">
-              <a:shade val="50000"/>
-            </a:schemeClr>
-          </a:lnRef>
-          <a:fillRef idx="1">
-            <a:schemeClr val="accent1"/>
-          </a:fillRef>
-          <a:effectRef idx="0">
-            <a:schemeClr val="accent1"/>
-          </a:effectRef>
-          <a:fontRef idx="minor">
-            <a:schemeClr val="lt1"/>
-          </a:fontRef>
-        </p:style>
-        <p:txBody>
-          <a:bodyPr rtlCol="0" anchor="ctr"/>
-          <a:lstStyle/>
-          <a:p>
-            <a:pPr algn="ctr"/>
-            <a:endParaRPr lang="en-US"/>
-          </a:p>
-        </p:txBody>
-      </p:sp>
-      <p:sp>
-        <p:nvSpPr>
-          <p:cNvPr id="21" name="Oval 20">
-            <a:extLst>
-              <a:ext uri="{FF2B5EF4-FFF2-40B4-BE49-F238E27FC236}">
-                <a16:creationId xmlns:a16="http://schemas.microsoft.com/office/drawing/2014/main" id="{64D62DBC-8A4A-4FDF-A242-0A7CF56B1AC7}"/>
-              </a:ext>
-            </a:extLst>
-          </p:cNvPr>
-          <p:cNvSpPr/>
-          <p:nvPr/>
-        </p:nvSpPr>
-        <p:spPr>
-          <a:xfrm>
-            <a:off x="5759631" y="1899426"/>
-            <a:ext cx="214265" cy="212315"/>
-          </a:xfrm>
-          <a:prstGeom prst="ellipse">
-            <a:avLst/>
-          </a:prstGeom>
-          <a:gradFill flip="none" rotWithShape="1">
-            <a:gsLst>
-              <a:gs pos="0">
-                <a:schemeClr val="accent3">
-                  <a:lumMod val="40000"/>
-                  <a:lumOff val="60000"/>
-                </a:schemeClr>
-              </a:gs>
-              <a:gs pos="46000">
-                <a:schemeClr val="accent3">
-                  <a:lumMod val="95000"/>
-                  <a:lumOff val="5000"/>
-                </a:schemeClr>
-              </a:gs>
-              <a:gs pos="100000">
-                <a:schemeClr val="accent3">
-                  <a:lumMod val="60000"/>
-                </a:schemeClr>
-              </a:gs>
-            </a:gsLst>
-            <a:path path="circle">
-              <a:fillToRect l="50000" t="130000" r="50000" b="-30000"/>
-            </a:path>
-            <a:tileRect/>
-          </a:gradFill>
-          <a:ln>
-            <a:noFill/>
-          </a:ln>
-        </p:spPr>
-        <p:style>
-          <a:lnRef idx="2">
-            <a:schemeClr val="accent1">
-              <a:shade val="50000"/>
-            </a:schemeClr>
-          </a:lnRef>
-          <a:fillRef idx="1">
-            <a:schemeClr val="accent1"/>
-          </a:fillRef>
-          <a:effectRef idx="0">
-            <a:schemeClr val="accent1"/>
-          </a:effectRef>
-          <a:fontRef idx="minor">
-            <a:schemeClr val="lt1"/>
-          </a:fontRef>
-        </p:style>
-        <p:txBody>
-          <a:bodyPr rtlCol="0" anchor="ctr"/>
-          <a:lstStyle/>
-          <a:p>
-            <a:pPr algn="ctr"/>
-            <a:endParaRPr lang="en-US"/>
-          </a:p>
-        </p:txBody>
-      </p:sp>
-      <mc:AlternateContent xmlns:mc="http://schemas.openxmlformats.org/markup-compatibility/2006">
-        <mc:Choice xmlns:a14="http://schemas.microsoft.com/office/drawing/2010/main" Requires="a14">
-          <p:sp>
-            <p:nvSpPr>
-              <p:cNvPr id="30" name="TextBox 29">
-                <a:extLst>
-                  <a:ext uri="{FF2B5EF4-FFF2-40B4-BE49-F238E27FC236}">
-                    <a16:creationId xmlns:a16="http://schemas.microsoft.com/office/drawing/2014/main" id="{ED7798D2-8B24-41BA-A76C-80295B760838}"/>
-                  </a:ext>
-                </a:extLst>
-              </p:cNvPr>
-              <p:cNvSpPr txBox="1"/>
-              <p:nvPr/>
-            </p:nvSpPr>
-            <p:spPr>
-              <a:xfrm>
-                <a:off x="5957566" y="2850688"/>
-                <a:ext cx="303545" cy="276999"/>
-              </a:xfrm>
-              <a:prstGeom prst="rect">
-                <a:avLst/>
-              </a:prstGeom>
-              <a:noFill/>
-            </p:spPr>
-            <p:txBody>
-              <a:bodyPr wrap="none" lIns="0" tIns="0" rIns="0" bIns="0" rtlCol="0">
-                <a:spAutoFit/>
-              </a:bodyPr>
-              <a:lstStyle/>
-              <a:p>
-                <a14:m>
-                  <m:oMathPara xmlns:m="http://schemas.openxmlformats.org/officeDocument/2006/math">
-                    <m:oMathParaPr>
-                      <m:jc m:val="centerGroup"/>
-                    </m:oMathParaPr>
-                    <m:oMath xmlns:m="http://schemas.openxmlformats.org/officeDocument/2006/math">
-                      <m:sSub>
-                        <m:sSubPr>
-                          <m:ctrlPr>
-                            <a:rPr lang="en-US" i="1" smtClean="0">
-                              <a:latin typeface="Cambria Math" panose="02040503050406030204" pitchFamily="18" charset="0"/>
-                            </a:rPr>
-                          </m:ctrlPr>
-                        </m:sSubPr>
-                        <m:e>
-                          <m:r>
-                            <a:rPr lang="en-US" b="0" i="1" smtClean="0">
-                              <a:latin typeface="Cambria Math" panose="02040503050406030204" pitchFamily="18" charset="0"/>
-                            </a:rPr>
-                            <m:t>𝑣</m:t>
-                          </m:r>
-                        </m:e>
-                        <m:sub>
-                          <m:r>
-                            <a:rPr lang="en-US" b="0" i="1" smtClean="0">
-                              <a:latin typeface="Cambria Math" panose="02040503050406030204" pitchFamily="18" charset="0"/>
-                            </a:rPr>
-                            <m:t>𝐵</m:t>
-                          </m:r>
-                        </m:sub>
-                      </m:sSub>
-                    </m:oMath>
-                  </m:oMathPara>
-                </a14:m>
-                <a:endParaRPr lang="en-US" dirty="0"/>
-              </a:p>
-            </p:txBody>
-          </p:sp>
-        </mc:Choice>
-        <mc:Fallback>
-          <p:sp>
-            <p:nvSpPr>
-              <p:cNvPr id="30" name="TextBox 29">
-                <a:extLst>
-                  <a:ext uri="{FF2B5EF4-FFF2-40B4-BE49-F238E27FC236}">
-                    <a16:creationId xmlns:a16="http://schemas.microsoft.com/office/drawing/2014/main" id="{ED7798D2-8B24-41BA-A76C-80295B760838}"/>
-                  </a:ext>
-                </a:extLst>
-              </p:cNvPr>
-              <p:cNvSpPr txBox="1">
-                <a:spLocks noRot="1" noChangeAspect="1" noMove="1" noResize="1" noEditPoints="1" noAdjustHandles="1" noChangeArrowheads="1" noChangeShapeType="1" noTextEdit="1"/>
-              </p:cNvSpPr>
-              <p:nvPr/>
-            </p:nvSpPr>
-            <p:spPr>
-              <a:xfrm>
-                <a:off x="5957566" y="2850688"/>
-                <a:ext cx="303545" cy="276999"/>
-              </a:xfrm>
-              <a:prstGeom prst="rect">
-                <a:avLst/>
-              </a:prstGeom>
-              <a:blipFill>
-                <a:blip r:embed="rId2"/>
-                <a:stretch>
-                  <a:fillRect l="-10000" r="-8000" b="-15556"/>
-                </a:stretch>
-              </a:blipFill>
-            </p:spPr>
-            <p:txBody>
-              <a:bodyPr/>
-              <a:lstStyle/>
-              <a:p>
-                <a:r>
-                  <a:rPr lang="en-US">
-                    <a:noFill/>
-                  </a:rPr>
-                  <a:t> </a:t>
-                </a:r>
-              </a:p>
-            </p:txBody>
-          </p:sp>
-        </mc:Fallback>
-      </mc:AlternateContent>
-      <mc:AlternateContent xmlns:mc="http://schemas.openxmlformats.org/markup-compatibility/2006">
-        <mc:Choice xmlns:a14="http://schemas.microsoft.com/office/drawing/2010/main" Requires="a14">
-          <p:sp>
-            <p:nvSpPr>
-              <p:cNvPr id="31" name="TextBox 30">
-                <a:extLst>
-                  <a:ext uri="{FF2B5EF4-FFF2-40B4-BE49-F238E27FC236}">
-                    <a16:creationId xmlns:a16="http://schemas.microsoft.com/office/drawing/2014/main" id="{99BA21B6-6686-45CB-818F-98F0BB18CE77}"/>
-                  </a:ext>
-                </a:extLst>
-              </p:cNvPr>
-              <p:cNvSpPr txBox="1"/>
-              <p:nvPr/>
-            </p:nvSpPr>
-            <p:spPr>
-              <a:xfrm>
-                <a:off x="4270248" y="3322320"/>
-                <a:ext cx="287643" cy="276999"/>
-              </a:xfrm>
-              <a:prstGeom prst="rect">
-                <a:avLst/>
-              </a:prstGeom>
-              <a:noFill/>
-            </p:spPr>
-            <p:txBody>
-              <a:bodyPr wrap="none" lIns="0" tIns="0" rIns="0" bIns="0" rtlCol="0">
-                <a:spAutoFit/>
-              </a:bodyPr>
-              <a:lstStyle/>
-              <a:p>
-                <a14:m>
-                  <m:oMathPara xmlns:m="http://schemas.openxmlformats.org/officeDocument/2006/math">
-                    <m:oMathParaPr>
-                      <m:jc m:val="centerGroup"/>
-                    </m:oMathParaPr>
-                    <m:oMath xmlns:m="http://schemas.openxmlformats.org/officeDocument/2006/math">
-                      <m:sSub>
-                        <m:sSubPr>
-                          <m:ctrlPr>
-                            <a:rPr lang="en-US" i="1" smtClean="0">
-                              <a:latin typeface="Cambria Math" panose="02040503050406030204" pitchFamily="18" charset="0"/>
-                            </a:rPr>
-                          </m:ctrlPr>
-                        </m:sSubPr>
-                        <m:e>
-                          <m:r>
-                            <a:rPr lang="en-US" b="0" i="1" smtClean="0">
-                              <a:latin typeface="Cambria Math" panose="02040503050406030204" pitchFamily="18" charset="0"/>
-                            </a:rPr>
-                            <m:t>𝑣</m:t>
-                          </m:r>
-                        </m:e>
-                        <m:sub>
-                          <m:r>
-                            <a:rPr lang="en-US" b="0" i="1" smtClean="0">
-                              <a:latin typeface="Cambria Math" panose="02040503050406030204" pitchFamily="18" charset="0"/>
-                            </a:rPr>
-                            <m:t>𝐴</m:t>
-                          </m:r>
-                        </m:sub>
-                      </m:sSub>
-                    </m:oMath>
-                  </m:oMathPara>
-                </a14:m>
-                <a:endParaRPr lang="en-US" dirty="0"/>
-              </a:p>
-            </p:txBody>
-          </p:sp>
-        </mc:Choice>
-        <mc:Fallback>
-          <p:sp>
-            <p:nvSpPr>
-              <p:cNvPr id="31" name="TextBox 30">
-                <a:extLst>
-                  <a:ext uri="{FF2B5EF4-FFF2-40B4-BE49-F238E27FC236}">
-                    <a16:creationId xmlns:a16="http://schemas.microsoft.com/office/drawing/2014/main" id="{99BA21B6-6686-45CB-818F-98F0BB18CE77}"/>
-                  </a:ext>
-                </a:extLst>
-              </p:cNvPr>
-              <p:cNvSpPr txBox="1">
-                <a:spLocks noRot="1" noChangeAspect="1" noMove="1" noResize="1" noEditPoints="1" noAdjustHandles="1" noChangeArrowheads="1" noChangeShapeType="1" noTextEdit="1"/>
-              </p:cNvSpPr>
-              <p:nvPr/>
-            </p:nvSpPr>
-            <p:spPr>
-              <a:xfrm>
-                <a:off x="4270248" y="3322320"/>
-                <a:ext cx="287643" cy="276999"/>
-              </a:xfrm>
-              <a:prstGeom prst="rect">
-                <a:avLst/>
-              </a:prstGeom>
-              <a:blipFill>
-                <a:blip r:embed="rId3"/>
-                <a:stretch>
-                  <a:fillRect l="-10638" r="-8511" b="-15556"/>
-                </a:stretch>
-              </a:blipFill>
-            </p:spPr>
-            <p:txBody>
-              <a:bodyPr/>
-              <a:lstStyle/>
-              <a:p>
-                <a:r>
-                  <a:rPr lang="en-US">
-                    <a:noFill/>
-                  </a:rPr>
-                  <a:t> </a:t>
-                </a:r>
-              </a:p>
-            </p:txBody>
-          </p:sp>
-        </mc:Fallback>
-      </mc:AlternateContent>
-      <p:cxnSp>
-        <p:nvCxnSpPr>
-          <p:cNvPr id="32" name="Straight Arrow Connector 31">
-            <a:extLst>
-              <a:ext uri="{FF2B5EF4-FFF2-40B4-BE49-F238E27FC236}">
-                <a16:creationId xmlns:a16="http://schemas.microsoft.com/office/drawing/2014/main" id="{B981D47B-09AD-4999-A322-F46794E1A358}"/>
-              </a:ext>
-            </a:extLst>
-          </p:cNvPr>
-          <p:cNvCxnSpPr>
-            <a:cxnSpLocks/>
-            <a:stCxn id="20" idx="6"/>
-            <a:endCxn id="21" idx="1"/>
-          </p:cNvCxnSpPr>
-          <p:nvPr/>
-        </p:nvCxnSpPr>
-        <p:spPr>
-          <a:xfrm>
-            <a:off x="2770632" y="1925243"/>
-            <a:ext cx="3020377" cy="5276"/>
-          </a:xfrm>
-          <a:prstGeom prst="straightConnector1">
-            <a:avLst/>
-          </a:prstGeom>
-          <a:ln w="34925">
-            <a:solidFill>
+            </a:fontRef>
+          </p:style>
+        </p:cxnSp>
+        <p:cxnSp>
+          <p:nvCxnSpPr>
+            <p:cNvPr id="62" name="Straight Arrow Connector 61">
+              <a:extLst>
+                <a:ext uri="{FF2B5EF4-FFF2-40B4-BE49-F238E27FC236}">
+                  <a16:creationId xmlns:a16="http://schemas.microsoft.com/office/drawing/2014/main" id="{BB900B92-A481-42EC-89F4-D28C7762D2F0}"/>
+                </a:ext>
+              </a:extLst>
+            </p:cNvPr>
+            <p:cNvCxnSpPr>
+              <a:cxnSpLocks/>
+            </p:cNvCxnSpPr>
+            <p:nvPr/>
+          </p:nvCxnSpPr>
+          <p:spPr>
+            <a:xfrm flipV="1">
+              <a:off x="11152384" y="4683080"/>
+              <a:ext cx="0" cy="662964"/>
+            </a:xfrm>
+            <a:prstGeom prst="straightConnector1">
+              <a:avLst/>
+            </a:prstGeom>
+            <a:ln w="25400">
+              <a:solidFill>
+                <a:schemeClr val="tx1"/>
+              </a:solidFill>
+              <a:tailEnd type="stealth" w="lg" len="lg"/>
+            </a:ln>
+          </p:spPr>
+          <p:style>
+            <a:lnRef idx="1">
+              <a:schemeClr val="accent1"/>
+            </a:lnRef>
+            <a:fillRef idx="0">
+              <a:schemeClr val="accent1"/>
+            </a:fillRef>
+            <a:effectRef idx="0">
+              <a:schemeClr val="accent1"/>
+            </a:effectRef>
+            <a:fontRef idx="minor">
               <a:schemeClr val="tx1"/>
-            </a:solidFill>
-            <a:headEnd type="stealth" w="lg" len="lg"/>
-            <a:tailEnd type="stealth" w="lg" len="lg"/>
-          </a:ln>
-        </p:spPr>
-        <p:style>
-          <a:lnRef idx="1">
-            <a:schemeClr val="accent1"/>
-          </a:lnRef>
-          <a:fillRef idx="0">
-            <a:schemeClr val="accent1"/>
-          </a:fillRef>
-          <a:effectRef idx="0">
-            <a:schemeClr val="accent1"/>
-          </a:effectRef>
-          <a:fontRef idx="minor">
-            <a:schemeClr val="tx1"/>
-          </a:fontRef>
-        </p:style>
-      </p:cxnSp>
-      <p:cxnSp>
-        <p:nvCxnSpPr>
-          <p:cNvPr id="34" name="Straight Arrow Connector 33">
-            <a:extLst>
-              <a:ext uri="{FF2B5EF4-FFF2-40B4-BE49-F238E27FC236}">
-                <a16:creationId xmlns:a16="http://schemas.microsoft.com/office/drawing/2014/main" id="{C8174835-D0C4-4B51-A940-37E315BA85FC}"/>
-              </a:ext>
-            </a:extLst>
-          </p:cNvPr>
-          <p:cNvCxnSpPr>
-            <a:cxnSpLocks/>
-            <a:stCxn id="19" idx="0"/>
-          </p:cNvCxnSpPr>
-          <p:nvPr/>
-        </p:nvCxnSpPr>
-        <p:spPr>
-          <a:xfrm flipH="1" flipV="1">
-            <a:off x="4224566" y="1944125"/>
-            <a:ext cx="1" cy="759144"/>
-          </a:xfrm>
-          <a:prstGeom prst="straightConnector1">
-            <a:avLst/>
-          </a:prstGeom>
-          <a:ln w="34925">
-            <a:solidFill>
+            </a:fontRef>
+          </p:style>
+        </p:cxnSp>
+        <p:cxnSp>
+          <p:nvCxnSpPr>
+            <p:cNvPr id="63" name="Straight Arrow Connector 62">
+              <a:extLst>
+                <a:ext uri="{FF2B5EF4-FFF2-40B4-BE49-F238E27FC236}">
+                  <a16:creationId xmlns:a16="http://schemas.microsoft.com/office/drawing/2014/main" id="{045E4AC9-940B-41A7-9039-D41F08D85E79}"/>
+                </a:ext>
+              </a:extLst>
+            </p:cNvPr>
+            <p:cNvCxnSpPr>
+              <a:cxnSpLocks/>
+            </p:cNvCxnSpPr>
+            <p:nvPr/>
+          </p:nvCxnSpPr>
+          <p:spPr>
+            <a:xfrm flipH="1" flipV="1">
+              <a:off x="11492496" y="4808150"/>
+              <a:ext cx="385834" cy="559328"/>
+            </a:xfrm>
+            <a:prstGeom prst="straightConnector1">
+              <a:avLst/>
+            </a:prstGeom>
+            <a:ln w="25400">
+              <a:solidFill>
+                <a:schemeClr val="tx1"/>
+              </a:solidFill>
+              <a:tailEnd type="stealth" w="lg" len="med"/>
+            </a:ln>
+          </p:spPr>
+          <p:style>
+            <a:lnRef idx="1">
+              <a:schemeClr val="accent1"/>
+            </a:lnRef>
+            <a:fillRef idx="0">
+              <a:schemeClr val="accent1"/>
+            </a:fillRef>
+            <a:effectRef idx="0">
+              <a:schemeClr val="accent1"/>
+            </a:effectRef>
+            <a:fontRef idx="minor">
               <a:schemeClr val="tx1"/>
-            </a:solidFill>
-            <a:headEnd type="stealth" w="lg" len="lg"/>
-            <a:tailEnd type="stealth" w="lg" len="lg"/>
-          </a:ln>
-        </p:spPr>
-        <p:style>
-          <a:lnRef idx="1">
-            <a:schemeClr val="accent1"/>
-          </a:lnRef>
-          <a:fillRef idx="0">
-            <a:schemeClr val="accent1"/>
-          </a:fillRef>
-          <a:effectRef idx="0">
-            <a:schemeClr val="accent1"/>
-          </a:effectRef>
-          <a:fontRef idx="minor">
-            <a:schemeClr val="tx1"/>
-          </a:fontRef>
-        </p:style>
-      </p:cxnSp>
-      <mc:AlternateContent xmlns:mc="http://schemas.openxmlformats.org/markup-compatibility/2006">
-        <mc:Choice xmlns:a14="http://schemas.microsoft.com/office/drawing/2010/main" Requires="a14">
-          <p:sp>
-            <p:nvSpPr>
-              <p:cNvPr id="37" name="TextBox 36">
-                <a:extLst>
-                  <a:ext uri="{FF2B5EF4-FFF2-40B4-BE49-F238E27FC236}">
-                    <a16:creationId xmlns:a16="http://schemas.microsoft.com/office/drawing/2014/main" id="{23EDD540-5B01-4995-AAB5-459FF04A09CA}"/>
-                  </a:ext>
-                </a:extLst>
-              </p:cNvPr>
-              <p:cNvSpPr txBox="1"/>
-              <p:nvPr/>
-            </p:nvSpPr>
-            <p:spPr>
-              <a:xfrm>
-                <a:off x="3962726" y="2228178"/>
-                <a:ext cx="183320" cy="276999"/>
-              </a:xfrm>
-              <a:prstGeom prst="rect">
-                <a:avLst/>
-              </a:prstGeom>
-              <a:noFill/>
-            </p:spPr>
-            <p:txBody>
-              <a:bodyPr wrap="none" lIns="0" tIns="0" rIns="0" bIns="0" rtlCol="0">
-                <a:spAutoFit/>
-              </a:bodyPr>
-              <a:lstStyle/>
-              <a:p>
-                <a14:m>
-                  <m:oMathPara xmlns:m="http://schemas.openxmlformats.org/officeDocument/2006/math">
-                    <m:oMathParaPr>
-                      <m:jc m:val="centerGroup"/>
-                    </m:oMathParaPr>
-                    <m:oMath xmlns:m="http://schemas.openxmlformats.org/officeDocument/2006/math">
-                      <m:r>
-                        <a:rPr lang="en-US" b="0" i="1" smtClean="0">
-                          <a:latin typeface="Cambria Math" panose="02040503050406030204" pitchFamily="18" charset="0"/>
-                        </a:rPr>
-                        <m:t>𝑥</m:t>
-                      </m:r>
-                    </m:oMath>
-                  </m:oMathPara>
-                </a14:m>
-                <a:endParaRPr lang="en-US" dirty="0"/>
-              </a:p>
-            </p:txBody>
-          </p:sp>
-        </mc:Choice>
-        <mc:Fallback>
-          <p:sp>
-            <p:nvSpPr>
-              <p:cNvPr id="37" name="TextBox 36">
-                <a:extLst>
-                  <a:ext uri="{FF2B5EF4-FFF2-40B4-BE49-F238E27FC236}">
-                    <a16:creationId xmlns:a16="http://schemas.microsoft.com/office/drawing/2014/main" id="{23EDD540-5B01-4995-AAB5-459FF04A09CA}"/>
-                  </a:ext>
-                </a:extLst>
-              </p:cNvPr>
-              <p:cNvSpPr txBox="1">
-                <a:spLocks noRot="1" noChangeAspect="1" noMove="1" noResize="1" noEditPoints="1" noAdjustHandles="1" noChangeArrowheads="1" noChangeShapeType="1" noTextEdit="1"/>
-              </p:cNvSpPr>
-              <p:nvPr/>
-            </p:nvSpPr>
-            <p:spPr>
-              <a:xfrm>
-                <a:off x="3962726" y="2228178"/>
-                <a:ext cx="183320" cy="276999"/>
-              </a:xfrm>
-              <a:prstGeom prst="rect">
-                <a:avLst/>
-              </a:prstGeom>
-              <a:blipFill>
-                <a:blip r:embed="rId4"/>
-                <a:stretch>
-                  <a:fillRect l="-20000" r="-13333"/>
-                </a:stretch>
-              </a:blipFill>
-            </p:spPr>
-            <p:txBody>
-              <a:bodyPr/>
-              <a:lstStyle/>
-              <a:p>
-                <a:r>
-                  <a:rPr lang="en-US">
-                    <a:noFill/>
-                  </a:rPr>
-                  <a:t> </a:t>
-                </a:r>
-              </a:p>
-            </p:txBody>
-          </p:sp>
-        </mc:Fallback>
-      </mc:AlternateContent>
-      <mc:AlternateContent xmlns:mc="http://schemas.openxmlformats.org/markup-compatibility/2006">
-        <mc:Choice xmlns:a14="http://schemas.microsoft.com/office/drawing/2010/main" Requires="a14">
-          <p:sp>
-            <p:nvSpPr>
-              <p:cNvPr id="38" name="TextBox 37">
-                <a:extLst>
-                  <a:ext uri="{FF2B5EF4-FFF2-40B4-BE49-F238E27FC236}">
-                    <a16:creationId xmlns:a16="http://schemas.microsoft.com/office/drawing/2014/main" id="{6D353D6C-4D5B-4A58-B4C7-F64F7E9EA677}"/>
-                  </a:ext>
-                </a:extLst>
-              </p:cNvPr>
-              <p:cNvSpPr txBox="1"/>
-              <p:nvPr/>
-            </p:nvSpPr>
-            <p:spPr>
-              <a:xfrm>
-                <a:off x="3736243" y="1653083"/>
-                <a:ext cx="181075" cy="276999"/>
-              </a:xfrm>
-              <a:prstGeom prst="rect">
-                <a:avLst/>
-              </a:prstGeom>
-              <a:noFill/>
-            </p:spPr>
-            <p:txBody>
-              <a:bodyPr wrap="none" lIns="0" tIns="0" rIns="0" bIns="0" rtlCol="0">
-                <a:spAutoFit/>
-              </a:bodyPr>
-              <a:lstStyle/>
-              <a:p>
-                <a14:m>
-                  <m:oMathPara xmlns:m="http://schemas.openxmlformats.org/officeDocument/2006/math">
-                    <m:oMathParaPr>
-                      <m:jc m:val="centerGroup"/>
-                    </m:oMathParaPr>
-                    <m:oMath xmlns:m="http://schemas.openxmlformats.org/officeDocument/2006/math">
-                      <m:r>
-                        <a:rPr lang="en-US" b="0" i="1" smtClean="0">
-                          <a:latin typeface="Cambria Math" panose="02040503050406030204" pitchFamily="18" charset="0"/>
-                        </a:rPr>
-                        <m:t>𝐿</m:t>
-                      </m:r>
-                    </m:oMath>
-                  </m:oMathPara>
-                </a14:m>
-                <a:endParaRPr lang="en-US" dirty="0"/>
-              </a:p>
-            </p:txBody>
-          </p:sp>
-        </mc:Choice>
-        <mc:Fallback>
-          <p:sp>
-            <p:nvSpPr>
-              <p:cNvPr id="38" name="TextBox 37">
-                <a:extLst>
-                  <a:ext uri="{FF2B5EF4-FFF2-40B4-BE49-F238E27FC236}">
-                    <a16:creationId xmlns:a16="http://schemas.microsoft.com/office/drawing/2014/main" id="{6D353D6C-4D5B-4A58-B4C7-F64F7E9EA677}"/>
-                  </a:ext>
-                </a:extLst>
-              </p:cNvPr>
-              <p:cNvSpPr txBox="1">
-                <a:spLocks noRot="1" noChangeAspect="1" noMove="1" noResize="1" noEditPoints="1" noAdjustHandles="1" noChangeArrowheads="1" noChangeShapeType="1" noTextEdit="1"/>
-              </p:cNvSpPr>
-              <p:nvPr/>
-            </p:nvSpPr>
-            <p:spPr>
-              <a:xfrm>
-                <a:off x="3736243" y="1653083"/>
-                <a:ext cx="181075" cy="276999"/>
-              </a:xfrm>
-              <a:prstGeom prst="rect">
-                <a:avLst/>
-              </a:prstGeom>
-              <a:blipFill>
-                <a:blip r:embed="rId5"/>
-                <a:stretch>
-                  <a:fillRect l="-33333" r="-23333" b="-6522"/>
-                </a:stretch>
-              </a:blipFill>
-            </p:spPr>
-            <p:txBody>
-              <a:bodyPr/>
-              <a:lstStyle/>
-              <a:p>
-                <a:r>
-                  <a:rPr lang="en-US">
-                    <a:noFill/>
-                  </a:rPr>
-                  <a:t> </a:t>
-                </a:r>
-              </a:p>
-            </p:txBody>
-          </p:sp>
-        </mc:Fallback>
-      </mc:AlternateContent>
-      <mc:AlternateContent xmlns:mc="http://schemas.openxmlformats.org/markup-compatibility/2006">
-        <mc:Choice xmlns:a14="http://schemas.microsoft.com/office/drawing/2010/main" Requires="a14">
-          <p:sp>
-            <p:nvSpPr>
-              <p:cNvPr id="39" name="TextBox 38">
-                <a:extLst>
-                  <a:ext uri="{FF2B5EF4-FFF2-40B4-BE49-F238E27FC236}">
-                    <a16:creationId xmlns:a16="http://schemas.microsoft.com/office/drawing/2014/main" id="{129630E4-657C-4B39-A76E-F69956CE8049}"/>
-                  </a:ext>
-                </a:extLst>
-              </p:cNvPr>
-              <p:cNvSpPr txBox="1"/>
-              <p:nvPr/>
-            </p:nvSpPr>
-            <p:spPr>
-              <a:xfrm>
-                <a:off x="3291277" y="2642008"/>
-                <a:ext cx="545599" cy="276999"/>
-              </a:xfrm>
-              <a:prstGeom prst="rect">
-                <a:avLst/>
-              </a:prstGeom>
-              <a:noFill/>
-            </p:spPr>
-            <p:txBody>
-              <a:bodyPr wrap="none" lIns="0" tIns="0" rIns="0" bIns="0" rtlCol="0">
-                <a:spAutoFit/>
-              </a:bodyPr>
-              <a:lstStyle/>
-              <a:p>
-                <a14:m>
-                  <m:oMathPara xmlns:m="http://schemas.openxmlformats.org/officeDocument/2006/math">
-                    <m:oMathParaPr>
-                      <m:jc m:val="centerGroup"/>
-                    </m:oMathParaPr>
-                    <m:oMath xmlns:m="http://schemas.openxmlformats.org/officeDocument/2006/math">
-                      <m:sSub>
-                        <m:sSubPr>
-                          <m:ctrlPr>
-                            <a:rPr lang="en-US" i="1" smtClean="0">
-                              <a:latin typeface="Cambria Math" panose="02040503050406030204" pitchFamily="18" charset="0"/>
-                            </a:rPr>
-                          </m:ctrlPr>
-                        </m:sSubPr>
-                        <m:e>
-                          <m:r>
-                            <a:rPr lang="en-US" i="1">
-                              <a:latin typeface="Cambria Math" panose="02040503050406030204" pitchFamily="18" charset="0"/>
-                            </a:rPr>
-                            <m:t>𝑣</m:t>
-                          </m:r>
-                        </m:e>
-                        <m:sub>
-                          <m:r>
-                            <a:rPr lang="en-US" i="1">
-                              <a:latin typeface="Cambria Math" panose="02040503050406030204" pitchFamily="18" charset="0"/>
-                            </a:rPr>
-                            <m:t>𝐵</m:t>
-                          </m:r>
-                        </m:sub>
-                      </m:sSub>
-                      <m:r>
-                        <a:rPr lang="en-US" b="0" i="1" smtClean="0">
-                          <a:latin typeface="Cambria Math" panose="02040503050406030204" pitchFamily="18" charset="0"/>
-                        </a:rPr>
-                        <m:t>/2</m:t>
-                      </m:r>
-                    </m:oMath>
-                  </m:oMathPara>
-                </a14:m>
-                <a:endParaRPr lang="en-US" dirty="0"/>
-              </a:p>
-            </p:txBody>
-          </p:sp>
-        </mc:Choice>
-        <mc:Fallback>
-          <p:sp>
-            <p:nvSpPr>
-              <p:cNvPr id="39" name="TextBox 38">
-                <a:extLst>
-                  <a:ext uri="{FF2B5EF4-FFF2-40B4-BE49-F238E27FC236}">
-                    <a16:creationId xmlns:a16="http://schemas.microsoft.com/office/drawing/2014/main" id="{129630E4-657C-4B39-A76E-F69956CE8049}"/>
-                  </a:ext>
-                </a:extLst>
-              </p:cNvPr>
-              <p:cNvSpPr txBox="1">
-                <a:spLocks noRot="1" noChangeAspect="1" noMove="1" noResize="1" noEditPoints="1" noAdjustHandles="1" noChangeArrowheads="1" noChangeShapeType="1" noTextEdit="1"/>
-              </p:cNvSpPr>
-              <p:nvPr/>
-            </p:nvSpPr>
-            <p:spPr>
-              <a:xfrm>
-                <a:off x="3291277" y="2642008"/>
-                <a:ext cx="545599" cy="276999"/>
-              </a:xfrm>
-              <a:prstGeom prst="rect">
-                <a:avLst/>
-              </a:prstGeom>
-              <a:blipFill>
-                <a:blip r:embed="rId6"/>
-                <a:stretch>
-                  <a:fillRect l="-5618" t="-2174" r="-11236" b="-32609"/>
-                </a:stretch>
-              </a:blipFill>
-            </p:spPr>
-            <p:txBody>
-              <a:bodyPr/>
-              <a:lstStyle/>
-              <a:p>
-                <a:r>
-                  <a:rPr lang="en-US">
-                    <a:noFill/>
-                  </a:rPr>
-                  <a:t> </a:t>
-                </a:r>
-              </a:p>
-            </p:txBody>
-          </p:sp>
-        </mc:Fallback>
-      </mc:AlternateContent>
-      <mc:AlternateContent xmlns:mc="http://schemas.openxmlformats.org/markup-compatibility/2006">
-        <mc:Choice xmlns:a14="http://schemas.microsoft.com/office/drawing/2010/main" Requires="a14">
-          <p:sp>
-            <p:nvSpPr>
-              <p:cNvPr id="40" name="TextBox 39">
-                <a:extLst>
-                  <a:ext uri="{FF2B5EF4-FFF2-40B4-BE49-F238E27FC236}">
-                    <a16:creationId xmlns:a16="http://schemas.microsoft.com/office/drawing/2014/main" id="{7288FDB7-CDD0-479A-8A16-0A7874935A86}"/>
-                  </a:ext>
-                </a:extLst>
-              </p:cNvPr>
-              <p:cNvSpPr txBox="1"/>
-              <p:nvPr/>
-            </p:nvSpPr>
-            <p:spPr>
-              <a:xfrm>
-                <a:off x="4630375" y="2556696"/>
-                <a:ext cx="545599" cy="276999"/>
-              </a:xfrm>
-              <a:prstGeom prst="rect">
-                <a:avLst/>
-              </a:prstGeom>
-              <a:noFill/>
-            </p:spPr>
-            <p:txBody>
-              <a:bodyPr wrap="none" lIns="0" tIns="0" rIns="0" bIns="0" rtlCol="0">
-                <a:spAutoFit/>
-              </a:bodyPr>
-              <a:lstStyle/>
-              <a:p>
-                <a14:m>
-                  <m:oMathPara xmlns:m="http://schemas.openxmlformats.org/officeDocument/2006/math">
-                    <m:oMathParaPr>
-                      <m:jc m:val="centerGroup"/>
-                    </m:oMathParaPr>
-                    <m:oMath xmlns:m="http://schemas.openxmlformats.org/officeDocument/2006/math">
-                      <m:sSub>
-                        <m:sSubPr>
-                          <m:ctrlPr>
-                            <a:rPr lang="en-US" i="1" smtClean="0">
-                              <a:latin typeface="Cambria Math" panose="02040503050406030204" pitchFamily="18" charset="0"/>
-                            </a:rPr>
-                          </m:ctrlPr>
-                        </m:sSubPr>
-                        <m:e>
-                          <m:r>
-                            <a:rPr lang="en-US" i="1">
-                              <a:latin typeface="Cambria Math" panose="02040503050406030204" pitchFamily="18" charset="0"/>
-                            </a:rPr>
-                            <m:t>𝑣</m:t>
-                          </m:r>
-                        </m:e>
-                        <m:sub>
-                          <m:r>
-                            <a:rPr lang="en-US" i="1">
-                              <a:latin typeface="Cambria Math" panose="02040503050406030204" pitchFamily="18" charset="0"/>
-                            </a:rPr>
-                            <m:t>𝐵</m:t>
-                          </m:r>
-                        </m:sub>
-                      </m:sSub>
-                      <m:r>
-                        <a:rPr lang="en-US" b="0" i="1" smtClean="0">
-                          <a:latin typeface="Cambria Math" panose="02040503050406030204" pitchFamily="18" charset="0"/>
-                        </a:rPr>
-                        <m:t>/2</m:t>
-                      </m:r>
-                    </m:oMath>
-                  </m:oMathPara>
-                </a14:m>
-                <a:endParaRPr lang="en-US" dirty="0"/>
-              </a:p>
-            </p:txBody>
-          </p:sp>
-        </mc:Choice>
-        <mc:Fallback>
-          <p:sp>
-            <p:nvSpPr>
-              <p:cNvPr id="40" name="TextBox 39">
-                <a:extLst>
-                  <a:ext uri="{FF2B5EF4-FFF2-40B4-BE49-F238E27FC236}">
-                    <a16:creationId xmlns:a16="http://schemas.microsoft.com/office/drawing/2014/main" id="{7288FDB7-CDD0-479A-8A16-0A7874935A86}"/>
-                  </a:ext>
-                </a:extLst>
-              </p:cNvPr>
-              <p:cNvSpPr txBox="1">
-                <a:spLocks noRot="1" noChangeAspect="1" noMove="1" noResize="1" noEditPoints="1" noAdjustHandles="1" noChangeArrowheads="1" noChangeShapeType="1" noTextEdit="1"/>
-              </p:cNvSpPr>
-              <p:nvPr/>
-            </p:nvSpPr>
-            <p:spPr>
-              <a:xfrm>
-                <a:off x="4630375" y="2556696"/>
-                <a:ext cx="545599" cy="276999"/>
-              </a:xfrm>
-              <a:prstGeom prst="rect">
-                <a:avLst/>
-              </a:prstGeom>
-              <a:blipFill>
-                <a:blip r:embed="rId7"/>
-                <a:stretch>
-                  <a:fillRect l="-5618" t="-2174" r="-11236" b="-32609"/>
-                </a:stretch>
-              </a:blipFill>
-            </p:spPr>
-            <p:txBody>
-              <a:bodyPr/>
-              <a:lstStyle/>
-              <a:p>
-                <a:r>
-                  <a:rPr lang="en-US">
-                    <a:noFill/>
-                  </a:rPr>
-                  <a:t> </a:t>
-                </a:r>
-              </a:p>
-            </p:txBody>
-          </p:sp>
-        </mc:Fallback>
-      </mc:AlternateContent>
-      <p:cxnSp>
-        <p:nvCxnSpPr>
-          <p:cNvPr id="41" name="Straight Arrow Connector 40">
-            <a:extLst>
-              <a:ext uri="{FF2B5EF4-FFF2-40B4-BE49-F238E27FC236}">
-                <a16:creationId xmlns:a16="http://schemas.microsoft.com/office/drawing/2014/main" id="{AF34DC03-A364-4476-8B3D-C18D44223C5A}"/>
-              </a:ext>
-            </a:extLst>
-          </p:cNvPr>
-          <p:cNvCxnSpPr>
-            <a:cxnSpLocks/>
-            <a:stCxn id="19" idx="6"/>
-          </p:cNvCxnSpPr>
-          <p:nvPr/>
-        </p:nvCxnSpPr>
-        <p:spPr>
-          <a:xfrm flipV="1">
-            <a:off x="4326345" y="2473701"/>
-            <a:ext cx="563717" cy="330420"/>
-          </a:xfrm>
-          <a:prstGeom prst="straightConnector1">
-            <a:avLst/>
-          </a:prstGeom>
-          <a:ln w="34925">
-            <a:solidFill>
+            </a:fontRef>
+          </p:style>
+        </p:cxnSp>
+        <p:cxnSp>
+          <p:nvCxnSpPr>
+            <p:cNvPr id="64" name="Straight Connector 63">
+              <a:extLst>
+                <a:ext uri="{FF2B5EF4-FFF2-40B4-BE49-F238E27FC236}">
+                  <a16:creationId xmlns:a16="http://schemas.microsoft.com/office/drawing/2014/main" id="{5D6822DF-56A3-448E-BF21-0F005639F984}"/>
+                </a:ext>
+              </a:extLst>
+            </p:cNvPr>
+            <p:cNvCxnSpPr>
+              <a:cxnSpLocks/>
+            </p:cNvCxnSpPr>
+            <p:nvPr/>
+          </p:nvCxnSpPr>
+          <p:spPr>
+            <a:xfrm flipH="1">
+              <a:off x="11874014" y="4732610"/>
+              <a:ext cx="32064" cy="1143317"/>
+            </a:xfrm>
+            <a:prstGeom prst="line">
+              <a:avLst/>
+            </a:prstGeom>
+            <a:ln w="15875">
+              <a:solidFill>
+                <a:schemeClr val="tx1"/>
+              </a:solidFill>
+            </a:ln>
+          </p:spPr>
+          <p:style>
+            <a:lnRef idx="1">
+              <a:schemeClr val="accent1"/>
+            </a:lnRef>
+            <a:fillRef idx="0">
+              <a:schemeClr val="accent1"/>
+            </a:fillRef>
+            <a:effectRef idx="0">
+              <a:schemeClr val="accent1"/>
+            </a:effectRef>
+            <a:fontRef idx="minor">
               <a:schemeClr val="tx1"/>
-            </a:solidFill>
-            <a:tailEnd type="stealth" w="lg" len="lg"/>
-          </a:ln>
-        </p:spPr>
-        <p:style>
-          <a:lnRef idx="1">
-            <a:schemeClr val="accent1"/>
-          </a:lnRef>
-          <a:fillRef idx="0">
-            <a:schemeClr val="accent1"/>
-          </a:fillRef>
-          <a:effectRef idx="0">
-            <a:schemeClr val="accent1"/>
-          </a:effectRef>
-          <a:fontRef idx="minor">
-            <a:schemeClr val="tx1"/>
-          </a:fontRef>
-        </p:style>
-      </p:cxnSp>
-      <p:cxnSp>
-        <p:nvCxnSpPr>
-          <p:cNvPr id="44" name="Straight Arrow Connector 43">
-            <a:extLst>
-              <a:ext uri="{FF2B5EF4-FFF2-40B4-BE49-F238E27FC236}">
-                <a16:creationId xmlns:a16="http://schemas.microsoft.com/office/drawing/2014/main" id="{144FD3A9-DFE5-4BB7-AA3F-23D5392EE996}"/>
-              </a:ext>
-            </a:extLst>
-          </p:cNvPr>
-          <p:cNvCxnSpPr>
-            <a:cxnSpLocks/>
-          </p:cNvCxnSpPr>
-          <p:nvPr/>
-        </p:nvCxnSpPr>
-        <p:spPr>
-          <a:xfrm>
-            <a:off x="3476713" y="2397979"/>
-            <a:ext cx="486013" cy="297216"/>
-          </a:xfrm>
-          <a:prstGeom prst="straightConnector1">
-            <a:avLst/>
-          </a:prstGeom>
-          <a:ln w="34925">
-            <a:solidFill>
+            </a:fontRef>
+          </p:style>
+        </p:cxnSp>
+        <p:cxnSp>
+          <p:nvCxnSpPr>
+            <p:cNvPr id="65" name="Straight Connector 64">
+              <a:extLst>
+                <a:ext uri="{FF2B5EF4-FFF2-40B4-BE49-F238E27FC236}">
+                  <a16:creationId xmlns:a16="http://schemas.microsoft.com/office/drawing/2014/main" id="{8F12D3C5-F853-4520-B098-4AE6B330F172}"/>
+                </a:ext>
+              </a:extLst>
+            </p:cNvPr>
+            <p:cNvCxnSpPr>
+              <a:cxnSpLocks/>
+              <a:stCxn id="47" idx="2"/>
+              <a:endCxn id="47" idx="6"/>
+            </p:cNvCxnSpPr>
+            <p:nvPr/>
+          </p:nvCxnSpPr>
+          <p:spPr>
+            <a:xfrm>
+              <a:off x="10282527" y="5872129"/>
+              <a:ext cx="1745017" cy="0"/>
+            </a:xfrm>
+            <a:prstGeom prst="line">
+              <a:avLst/>
+            </a:prstGeom>
+            <a:ln w="15875">
+              <a:solidFill>
+                <a:schemeClr val="tx1"/>
+              </a:solidFill>
+              <a:prstDash val="dashDot"/>
+            </a:ln>
+          </p:spPr>
+          <p:style>
+            <a:lnRef idx="1">
+              <a:schemeClr val="accent1"/>
+            </a:lnRef>
+            <a:fillRef idx="0">
+              <a:schemeClr val="accent1"/>
+            </a:fillRef>
+            <a:effectRef idx="0">
+              <a:schemeClr val="accent1"/>
+            </a:effectRef>
+            <a:fontRef idx="minor">
               <a:schemeClr val="tx1"/>
-            </a:solidFill>
-            <a:tailEnd type="stealth" w="lg" len="lg"/>
-          </a:ln>
-        </p:spPr>
-        <p:style>
-          <a:lnRef idx="1">
-            <a:schemeClr val="accent1"/>
-          </a:lnRef>
-          <a:fillRef idx="0">
-            <a:schemeClr val="accent1"/>
-          </a:fillRef>
-          <a:effectRef idx="0">
-            <a:schemeClr val="accent1"/>
-          </a:effectRef>
-          <a:fontRef idx="minor">
-            <a:schemeClr val="tx1"/>
-          </a:fontRef>
-        </p:style>
-      </p:cxnSp>
-      <p:pic>
-        <p:nvPicPr>
-          <p:cNvPr id="54" name="Picture 53">
-            <a:extLst>
-              <a:ext uri="{FF2B5EF4-FFF2-40B4-BE49-F238E27FC236}">
-                <a16:creationId xmlns:a16="http://schemas.microsoft.com/office/drawing/2014/main" id="{F945FB62-2D00-4B94-B052-50FE200B3BB7}"/>
-              </a:ext>
-            </a:extLst>
-          </p:cNvPr>
-          <p:cNvPicPr>
-            <a:picLocks noChangeAspect="1"/>
-          </p:cNvPicPr>
-          <p:nvPr/>
-        </p:nvPicPr>
-        <p:blipFill>
-          <a:blip r:embed="rId8"/>
-          <a:stretch>
-            <a:fillRect/>
-          </a:stretch>
-        </p:blipFill>
-        <p:spPr>
-          <a:xfrm>
-            <a:off x="7055992" y="3640603"/>
-            <a:ext cx="2956816" cy="2286198"/>
-          </a:xfrm>
-          <a:prstGeom prst="rect">
-            <a:avLst/>
-          </a:prstGeom>
-        </p:spPr>
-      </p:pic>
-      <p:cxnSp>
-        <p:nvCxnSpPr>
-          <p:cNvPr id="55" name="Straight Arrow Connector 54">
-            <a:extLst>
-              <a:ext uri="{FF2B5EF4-FFF2-40B4-BE49-F238E27FC236}">
-                <a16:creationId xmlns:a16="http://schemas.microsoft.com/office/drawing/2014/main" id="{4819B2F1-C399-47DF-8041-E123DB9D36E1}"/>
-              </a:ext>
-            </a:extLst>
-          </p:cNvPr>
-          <p:cNvCxnSpPr>
-            <a:cxnSpLocks/>
-          </p:cNvCxnSpPr>
-          <p:nvPr/>
-        </p:nvCxnSpPr>
-        <p:spPr>
-          <a:xfrm flipH="1" flipV="1">
-            <a:off x="8430768" y="5633363"/>
-            <a:ext cx="810768" cy="24164"/>
-          </a:xfrm>
-          <a:prstGeom prst="straightConnector1">
-            <a:avLst/>
-          </a:prstGeom>
-          <a:ln w="34925">
-            <a:solidFill>
-              <a:srgbClr val="FF0000"/>
-            </a:solidFill>
-            <a:tailEnd type="stealth" w="lg" len="lg"/>
-          </a:ln>
-        </p:spPr>
-        <p:style>
-          <a:lnRef idx="1">
-            <a:schemeClr val="accent1"/>
-          </a:lnRef>
-          <a:fillRef idx="0">
-            <a:schemeClr val="accent1"/>
-          </a:fillRef>
-          <a:effectRef idx="0">
-            <a:schemeClr val="accent1"/>
-          </a:effectRef>
-          <a:fontRef idx="minor">
-            <a:schemeClr val="tx1"/>
-          </a:fontRef>
-        </p:style>
-      </p:cxnSp>
-      <mc:AlternateContent xmlns:mc="http://schemas.openxmlformats.org/markup-compatibility/2006">
-        <mc:Choice xmlns:a14="http://schemas.microsoft.com/office/drawing/2010/main" Requires="a14">
-          <p:sp>
-            <p:nvSpPr>
-              <p:cNvPr id="56" name="TextBox 55">
-                <a:extLst>
-                  <a:ext uri="{FF2B5EF4-FFF2-40B4-BE49-F238E27FC236}">
-                    <a16:creationId xmlns:a16="http://schemas.microsoft.com/office/drawing/2014/main" id="{8325262D-AF76-45DD-8C91-CAD9E70C7F33}"/>
-                  </a:ext>
-                </a:extLst>
-              </p:cNvPr>
-              <p:cNvSpPr txBox="1"/>
-              <p:nvPr/>
-            </p:nvSpPr>
-            <p:spPr>
-              <a:xfrm>
-                <a:off x="8534400" y="5289088"/>
-                <a:ext cx="287643" cy="276999"/>
-              </a:xfrm>
-              <a:prstGeom prst="rect">
-                <a:avLst/>
-              </a:prstGeom>
-              <a:noFill/>
-            </p:spPr>
-            <p:txBody>
-              <a:bodyPr wrap="square" lIns="0" tIns="0" rIns="0" bIns="0" rtlCol="0">
-                <a:spAutoFit/>
-              </a:bodyPr>
-              <a:lstStyle/>
-              <a:p>
-                <a14:m>
-                  <m:oMathPara xmlns:m="http://schemas.openxmlformats.org/officeDocument/2006/math">
-                    <m:oMathParaPr>
-                      <m:jc m:val="centerGroup"/>
-                    </m:oMathParaPr>
-                    <m:oMath xmlns:m="http://schemas.openxmlformats.org/officeDocument/2006/math">
-                      <m:sSub>
-                        <m:sSubPr>
-                          <m:ctrlPr>
-                            <a:rPr lang="en-US" i="1" smtClean="0">
-                              <a:solidFill>
-                                <a:srgbClr val="FF0000"/>
-                              </a:solidFill>
-                              <a:latin typeface="Cambria Math" panose="02040503050406030204" pitchFamily="18" charset="0"/>
-                            </a:rPr>
-                          </m:ctrlPr>
-                        </m:sSubPr>
-                        <m:e>
-                          <m:r>
-                            <a:rPr lang="en-US" b="0" i="1" smtClean="0">
-                              <a:solidFill>
-                                <a:srgbClr val="FF0000"/>
-                              </a:solidFill>
-                              <a:latin typeface="Cambria Math" panose="02040503050406030204" pitchFamily="18" charset="0"/>
-                            </a:rPr>
-                            <m:t>𝑣</m:t>
-                          </m:r>
-                        </m:e>
-                        <m:sub>
-                          <m:r>
-                            <a:rPr lang="en-US" b="0" i="1" smtClean="0">
-                              <a:solidFill>
-                                <a:srgbClr val="FF0000"/>
-                              </a:solidFill>
-                              <a:latin typeface="Cambria Math" panose="02040503050406030204" pitchFamily="18" charset="0"/>
-                            </a:rPr>
-                            <m:t>𝐴</m:t>
-                          </m:r>
-                        </m:sub>
-                      </m:sSub>
-                    </m:oMath>
-                  </m:oMathPara>
-                </a14:m>
-                <a:endParaRPr lang="en-US" dirty="0">
-                  <a:solidFill>
-                    <a:srgbClr val="FF0000"/>
-                  </a:solidFill>
-                </a:endParaRPr>
-              </a:p>
-            </p:txBody>
-          </p:sp>
-        </mc:Choice>
-        <mc:Fallback>
-          <p:sp>
-            <p:nvSpPr>
-              <p:cNvPr id="56" name="TextBox 55">
-                <a:extLst>
-                  <a:ext uri="{FF2B5EF4-FFF2-40B4-BE49-F238E27FC236}">
-                    <a16:creationId xmlns:a16="http://schemas.microsoft.com/office/drawing/2014/main" id="{8325262D-AF76-45DD-8C91-CAD9E70C7F33}"/>
-                  </a:ext>
-                </a:extLst>
-              </p:cNvPr>
-              <p:cNvSpPr txBox="1">
-                <a:spLocks noRot="1" noChangeAspect="1" noMove="1" noResize="1" noEditPoints="1" noAdjustHandles="1" noChangeArrowheads="1" noChangeShapeType="1" noTextEdit="1"/>
-              </p:cNvSpPr>
-              <p:nvPr/>
-            </p:nvSpPr>
-            <p:spPr>
-              <a:xfrm>
-                <a:off x="8534400" y="5289088"/>
-                <a:ext cx="287643" cy="276999"/>
-              </a:xfrm>
-              <a:prstGeom prst="rect">
-                <a:avLst/>
-              </a:prstGeom>
-              <a:blipFill>
-                <a:blip r:embed="rId9"/>
-                <a:stretch>
-                  <a:fillRect l="-10638" r="-8511" b="-15556"/>
-                </a:stretch>
-              </a:blipFill>
-            </p:spPr>
-            <p:txBody>
-              <a:bodyPr/>
-              <a:lstStyle/>
-              <a:p>
-                <a:r>
-                  <a:rPr lang="en-US">
-                    <a:noFill/>
-                  </a:rPr>
-                  <a:t> </a:t>
-                </a:r>
-              </a:p>
-            </p:txBody>
-          </p:sp>
-        </mc:Fallback>
-      </mc:AlternateContent>
-      <mc:AlternateContent xmlns:mc="http://schemas.openxmlformats.org/markup-compatibility/2006">
-        <mc:Choice xmlns:a14="http://schemas.microsoft.com/office/drawing/2010/main" Requires="a14">
-          <p:sp>
-            <p:nvSpPr>
-              <p:cNvPr id="60" name="TextBox 59">
-                <a:extLst>
-                  <a:ext uri="{FF2B5EF4-FFF2-40B4-BE49-F238E27FC236}">
-                    <a16:creationId xmlns:a16="http://schemas.microsoft.com/office/drawing/2014/main" id="{92A330D2-802F-4058-BB59-C87AC13F0DC8}"/>
-                  </a:ext>
-                </a:extLst>
-              </p:cNvPr>
-              <p:cNvSpPr txBox="1"/>
-              <p:nvPr/>
-            </p:nvSpPr>
-            <p:spPr>
-              <a:xfrm>
-                <a:off x="8147357" y="5289088"/>
-                <a:ext cx="283411" cy="430887"/>
-              </a:xfrm>
-              <a:prstGeom prst="rect">
-                <a:avLst/>
-              </a:prstGeom>
-              <a:noFill/>
-            </p:spPr>
-            <p:txBody>
-              <a:bodyPr wrap="none" lIns="0" tIns="0" rIns="0" bIns="0" rtlCol="0">
-                <a:spAutoFit/>
-              </a:bodyPr>
-              <a:lstStyle/>
-              <a:p>
-                <a14:m>
-                  <m:oMathPara xmlns:m="http://schemas.openxmlformats.org/officeDocument/2006/math">
-                    <m:oMathParaPr>
-                      <m:jc m:val="centerGroup"/>
-                    </m:oMathParaPr>
-                    <m:oMath xmlns:m="http://schemas.openxmlformats.org/officeDocument/2006/math">
-                      <m:r>
-                        <a:rPr lang="en-US" sz="2800" b="0" i="1" smtClean="0">
-                          <a:latin typeface="Cambria Math" panose="02040503050406030204" pitchFamily="18" charset="0"/>
-                        </a:rPr>
-                        <m:t>𝑥</m:t>
-                      </m:r>
-                    </m:oMath>
-                  </m:oMathPara>
-                </a14:m>
-                <a:endParaRPr lang="en-US" sz="2800" dirty="0"/>
-              </a:p>
-            </p:txBody>
-          </p:sp>
-        </mc:Choice>
-        <mc:Fallback>
-          <p:sp>
-            <p:nvSpPr>
-              <p:cNvPr id="60" name="TextBox 59">
-                <a:extLst>
-                  <a:ext uri="{FF2B5EF4-FFF2-40B4-BE49-F238E27FC236}">
-                    <a16:creationId xmlns:a16="http://schemas.microsoft.com/office/drawing/2014/main" id="{92A330D2-802F-4058-BB59-C87AC13F0DC8}"/>
-                  </a:ext>
-                </a:extLst>
-              </p:cNvPr>
-              <p:cNvSpPr txBox="1">
-                <a:spLocks noRot="1" noChangeAspect="1" noMove="1" noResize="1" noEditPoints="1" noAdjustHandles="1" noChangeArrowheads="1" noChangeShapeType="1" noTextEdit="1"/>
-              </p:cNvSpPr>
-              <p:nvPr/>
-            </p:nvSpPr>
-            <p:spPr>
-              <a:xfrm>
-                <a:off x="8147357" y="5289088"/>
-                <a:ext cx="283411" cy="430887"/>
-              </a:xfrm>
-              <a:prstGeom prst="rect">
-                <a:avLst/>
-              </a:prstGeom>
-              <a:blipFill>
-                <a:blip r:embed="rId10"/>
-                <a:stretch>
-                  <a:fillRect/>
-                </a:stretch>
-              </a:blipFill>
-            </p:spPr>
-            <p:txBody>
-              <a:bodyPr/>
-              <a:lstStyle/>
-              <a:p>
-                <a:r>
-                  <a:rPr lang="en-US">
-                    <a:noFill/>
-                  </a:rPr>
-                  <a:t> </a:t>
-                </a:r>
-              </a:p>
-            </p:txBody>
-          </p:sp>
-        </mc:Fallback>
-      </mc:AlternateContent>
-      <mc:AlternateContent xmlns:mc="http://schemas.openxmlformats.org/markup-compatibility/2006">
-        <mc:Choice xmlns:a14="http://schemas.microsoft.com/office/drawing/2010/main" Requires="a14">
-          <p:sp>
-            <p:nvSpPr>
-              <p:cNvPr id="61" name="TextBox 60">
-                <a:extLst>
-                  <a:ext uri="{FF2B5EF4-FFF2-40B4-BE49-F238E27FC236}">
-                    <a16:creationId xmlns:a16="http://schemas.microsoft.com/office/drawing/2014/main" id="{95B382AE-D047-4CFE-9F75-F38466E37F19}"/>
-                  </a:ext>
-                </a:extLst>
-              </p:cNvPr>
-              <p:cNvSpPr txBox="1"/>
-              <p:nvPr/>
-            </p:nvSpPr>
-            <p:spPr>
-              <a:xfrm>
-                <a:off x="7392977" y="4775598"/>
-                <a:ext cx="288284" cy="430887"/>
-              </a:xfrm>
-              <a:prstGeom prst="rect">
-                <a:avLst/>
-              </a:prstGeom>
-              <a:noFill/>
-            </p:spPr>
-            <p:txBody>
-              <a:bodyPr wrap="none" lIns="0" tIns="0" rIns="0" bIns="0" rtlCol="0">
-                <a:spAutoFit/>
-              </a:bodyPr>
-              <a:lstStyle/>
-              <a:p>
-                <a14:m>
-                  <m:oMathPara xmlns:m="http://schemas.openxmlformats.org/officeDocument/2006/math">
-                    <m:oMathParaPr>
-                      <m:jc m:val="centerGroup"/>
-                    </m:oMathParaPr>
-                    <m:oMath xmlns:m="http://schemas.openxmlformats.org/officeDocument/2006/math">
-                      <m:r>
-                        <a:rPr lang="en-US" sz="2800" b="0" i="1" smtClean="0">
-                          <a:latin typeface="Cambria Math" panose="02040503050406030204" pitchFamily="18" charset="0"/>
-                        </a:rPr>
-                        <m:t>𝑦</m:t>
-                      </m:r>
-                    </m:oMath>
-                  </m:oMathPara>
-                </a14:m>
-                <a:endParaRPr lang="en-US" sz="2800" dirty="0"/>
-              </a:p>
-            </p:txBody>
-          </p:sp>
-        </mc:Choice>
-        <mc:Fallback>
-          <p:sp>
-            <p:nvSpPr>
-              <p:cNvPr id="61" name="TextBox 60">
-                <a:extLst>
-                  <a:ext uri="{FF2B5EF4-FFF2-40B4-BE49-F238E27FC236}">
-                    <a16:creationId xmlns:a16="http://schemas.microsoft.com/office/drawing/2014/main" id="{95B382AE-D047-4CFE-9F75-F38466E37F19}"/>
-                  </a:ext>
-                </a:extLst>
-              </p:cNvPr>
-              <p:cNvSpPr txBox="1">
-                <a:spLocks noRot="1" noChangeAspect="1" noMove="1" noResize="1" noEditPoints="1" noAdjustHandles="1" noChangeArrowheads="1" noChangeShapeType="1" noTextEdit="1"/>
-              </p:cNvSpPr>
-              <p:nvPr/>
-            </p:nvSpPr>
-            <p:spPr>
-              <a:xfrm>
-                <a:off x="7392977" y="4775598"/>
-                <a:ext cx="288284" cy="430887"/>
-              </a:xfrm>
-              <a:prstGeom prst="rect">
-                <a:avLst/>
-              </a:prstGeom>
-              <a:blipFill>
-                <a:blip r:embed="rId11"/>
-                <a:stretch>
-                  <a:fillRect/>
-                </a:stretch>
-              </a:blipFill>
-            </p:spPr>
-            <p:txBody>
-              <a:bodyPr/>
-              <a:lstStyle/>
-              <a:p>
-                <a:r>
-                  <a:rPr lang="en-US">
-                    <a:noFill/>
-                  </a:rPr>
-                  <a:t> </a:t>
-                </a:r>
-              </a:p>
-            </p:txBody>
-          </p:sp>
-        </mc:Fallback>
-      </mc:AlternateContent>
+            </a:fontRef>
+          </p:style>
+        </p:cxnSp>
+        <p:cxnSp>
+          <p:nvCxnSpPr>
+            <p:cNvPr id="66" name="Straight Connector 65">
+              <a:extLst>
+                <a:ext uri="{FF2B5EF4-FFF2-40B4-BE49-F238E27FC236}">
+                  <a16:creationId xmlns:a16="http://schemas.microsoft.com/office/drawing/2014/main" id="{34E604F0-3D48-4864-9F21-7ABF97DFE79E}"/>
+                </a:ext>
+              </a:extLst>
+            </p:cNvPr>
+            <p:cNvCxnSpPr>
+              <a:cxnSpLocks/>
+            </p:cNvCxnSpPr>
+            <p:nvPr/>
+          </p:nvCxnSpPr>
+          <p:spPr>
+            <a:xfrm flipH="1">
+              <a:off x="11064397" y="5726477"/>
+              <a:ext cx="181276" cy="270577"/>
+            </a:xfrm>
+            <a:prstGeom prst="line">
+              <a:avLst/>
+            </a:prstGeom>
+            <a:ln w="15875">
+              <a:solidFill>
+                <a:schemeClr val="tx1"/>
+              </a:solidFill>
+              <a:prstDash val="dashDot"/>
+            </a:ln>
+          </p:spPr>
+          <p:style>
+            <a:lnRef idx="1">
+              <a:schemeClr val="accent1"/>
+            </a:lnRef>
+            <a:fillRef idx="0">
+              <a:schemeClr val="accent1"/>
+            </a:fillRef>
+            <a:effectRef idx="0">
+              <a:schemeClr val="accent1"/>
+            </a:effectRef>
+            <a:fontRef idx="minor">
+              <a:schemeClr val="tx1"/>
+            </a:fontRef>
+          </p:style>
+        </p:cxnSp>
+        <p:cxnSp>
+          <p:nvCxnSpPr>
+            <p:cNvPr id="71" name="Straight Connector 70">
+              <a:extLst>
+                <a:ext uri="{FF2B5EF4-FFF2-40B4-BE49-F238E27FC236}">
+                  <a16:creationId xmlns:a16="http://schemas.microsoft.com/office/drawing/2014/main" id="{E4A5DEF5-36C5-441E-BD40-C4FC3C104E2A}"/>
+                </a:ext>
+              </a:extLst>
+            </p:cNvPr>
+            <p:cNvCxnSpPr>
+              <a:cxnSpLocks/>
+              <a:stCxn id="48" idx="2"/>
+            </p:cNvCxnSpPr>
+            <p:nvPr/>
+          </p:nvCxnSpPr>
+          <p:spPr>
+            <a:xfrm>
+              <a:off x="10430752" y="5346045"/>
+              <a:ext cx="1506153" cy="0"/>
+            </a:xfrm>
+            <a:prstGeom prst="line">
+              <a:avLst/>
+            </a:prstGeom>
+            <a:ln w="15875">
+              <a:solidFill>
+                <a:schemeClr val="tx1"/>
+              </a:solidFill>
+              <a:prstDash val="dashDot"/>
+            </a:ln>
+          </p:spPr>
+          <p:style>
+            <a:lnRef idx="1">
+              <a:schemeClr val="accent1"/>
+            </a:lnRef>
+            <a:fillRef idx="0">
+              <a:schemeClr val="accent1"/>
+            </a:fillRef>
+            <a:effectRef idx="0">
+              <a:schemeClr val="accent1"/>
+            </a:effectRef>
+            <a:fontRef idx="minor">
+              <a:schemeClr val="tx1"/>
+            </a:fontRef>
+          </p:style>
+        </p:cxnSp>
+        <p:cxnSp>
+          <p:nvCxnSpPr>
+            <p:cNvPr id="73" name="Straight Connector 72">
+              <a:extLst>
+                <a:ext uri="{FF2B5EF4-FFF2-40B4-BE49-F238E27FC236}">
+                  <a16:creationId xmlns:a16="http://schemas.microsoft.com/office/drawing/2014/main" id="{26C1C476-C918-4E81-A6FA-BD5539B842D3}"/>
+                </a:ext>
+              </a:extLst>
+            </p:cNvPr>
+            <p:cNvCxnSpPr>
+              <a:cxnSpLocks/>
+            </p:cNvCxnSpPr>
+            <p:nvPr/>
+          </p:nvCxnSpPr>
+          <p:spPr>
+            <a:xfrm flipH="1">
+              <a:off x="11045868" y="5212654"/>
+              <a:ext cx="181276" cy="270577"/>
+            </a:xfrm>
+            <a:prstGeom prst="line">
+              <a:avLst/>
+            </a:prstGeom>
+            <a:ln w="15875">
+              <a:solidFill>
+                <a:schemeClr val="tx1"/>
+              </a:solidFill>
+              <a:prstDash val="dashDot"/>
+            </a:ln>
+          </p:spPr>
+          <p:style>
+            <a:lnRef idx="1">
+              <a:schemeClr val="accent1"/>
+            </a:lnRef>
+            <a:fillRef idx="0">
+              <a:schemeClr val="accent1"/>
+            </a:fillRef>
+            <a:effectRef idx="0">
+              <a:schemeClr val="accent1"/>
+            </a:effectRef>
+            <a:fontRef idx="minor">
+              <a:schemeClr val="tx1"/>
+            </a:fontRef>
+          </p:style>
+        </p:cxnSp>
+        <p:sp>
+          <p:nvSpPr>
+            <p:cNvPr id="74" name="Arc 73">
+              <a:extLst>
+                <a:ext uri="{FF2B5EF4-FFF2-40B4-BE49-F238E27FC236}">
+                  <a16:creationId xmlns:a16="http://schemas.microsoft.com/office/drawing/2014/main" id="{8DC407DE-6A77-4D44-B4D3-FF59904632D6}"/>
+                </a:ext>
+              </a:extLst>
+            </p:cNvPr>
+            <p:cNvSpPr/>
+            <p:nvPr/>
+          </p:nvSpPr>
+          <p:spPr>
+            <a:xfrm rot="1206981">
+              <a:off x="11204446" y="5750070"/>
+              <a:ext cx="144567" cy="178005"/>
+            </a:xfrm>
+            <a:prstGeom prst="arc">
+              <a:avLst>
+                <a:gd name="adj1" fmla="val 16200000"/>
+                <a:gd name="adj2" fmla="val 113629"/>
+              </a:avLst>
+            </a:prstGeom>
+            <a:ln w="15875">
+              <a:solidFill>
+                <a:schemeClr val="tx1"/>
+              </a:solidFill>
+            </a:ln>
+          </p:spPr>
+          <p:style>
+            <a:lnRef idx="1">
+              <a:schemeClr val="accent1"/>
+            </a:lnRef>
+            <a:fillRef idx="0">
+              <a:schemeClr val="accent1"/>
+            </a:fillRef>
+            <a:effectRef idx="0">
+              <a:schemeClr val="accent1"/>
+            </a:effectRef>
+            <a:fontRef idx="minor">
+              <a:schemeClr val="tx1"/>
+            </a:fontRef>
+          </p:style>
+          <p:txBody>
+            <a:bodyPr rtlCol="0" anchor="ctr"/>
+            <a:lstStyle/>
+            <a:p>
+              <a:pPr algn="ctr"/>
+              <a:endParaRPr lang="en-US" dirty="0"/>
+            </a:p>
+          </p:txBody>
+        </p:sp>
+        <mc:AlternateContent xmlns:mc="http://schemas.openxmlformats.org/markup-compatibility/2006">
+          <mc:Choice xmlns:a14="http://schemas.microsoft.com/office/drawing/2010/main" Requires="a14">
+            <p:sp>
+              <p:nvSpPr>
+                <p:cNvPr id="75" name="TextBox 74">
+                  <a:extLst>
+                    <a:ext uri="{FF2B5EF4-FFF2-40B4-BE49-F238E27FC236}">
+                      <a16:creationId xmlns:a16="http://schemas.microsoft.com/office/drawing/2014/main" id="{3F951C9F-2EC0-4A61-8FFB-168821C64606}"/>
+                    </a:ext>
+                  </a:extLst>
+                </p:cNvPr>
+                <p:cNvSpPr txBox="1"/>
+                <p:nvPr/>
+              </p:nvSpPr>
+              <p:spPr>
+                <a:xfrm>
+                  <a:off x="11675025" y="4957270"/>
+                  <a:ext cx="270587" cy="246221"/>
+                </a:xfrm>
+                <a:prstGeom prst="rect">
+                  <a:avLst/>
+                </a:prstGeom>
+                <a:noFill/>
+              </p:spPr>
+              <p:txBody>
+                <a:bodyPr wrap="square" lIns="0" tIns="0" rIns="0" bIns="0" rtlCol="0">
+                  <a:spAutoFit/>
+                </a:bodyPr>
+                <a:lstStyle/>
+                <a:p>
+                  <a:pPr/>
+                  <a14:m>
+                    <m:oMathPara xmlns:m="http://schemas.openxmlformats.org/officeDocument/2006/math">
+                      <m:oMathParaPr>
+                        <m:jc m:val="centerGroup"/>
+                      </m:oMathParaPr>
+                      <m:oMath xmlns:m="http://schemas.openxmlformats.org/officeDocument/2006/math">
+                        <m:r>
+                          <a:rPr lang="en-US" sz="1600" b="0" i="1" smtClean="0">
+                            <a:latin typeface="Cambria Math" panose="02040503050406030204" pitchFamily="18" charset="0"/>
+                            <a:ea typeface="Cambria Math" panose="02040503050406030204" pitchFamily="18" charset="0"/>
+                          </a:rPr>
+                          <m:t>𝛼</m:t>
+                        </m:r>
+                      </m:oMath>
+                    </m:oMathPara>
+                  </a14:m>
+                  <a:endParaRPr lang="en-US" sz="2000" dirty="0"/>
+                </a:p>
+              </p:txBody>
+            </p:sp>
+          </mc:Choice>
+          <mc:Fallback>
+            <p:sp>
+              <p:nvSpPr>
+                <p:cNvPr id="75" name="TextBox 74">
+                  <a:extLst>
+                    <a:ext uri="{FF2B5EF4-FFF2-40B4-BE49-F238E27FC236}">
+                      <a16:creationId xmlns:a16="http://schemas.microsoft.com/office/drawing/2014/main" id="{3F951C9F-2EC0-4A61-8FFB-168821C64606}"/>
+                    </a:ext>
+                  </a:extLst>
+                </p:cNvPr>
+                <p:cNvSpPr txBox="1">
+                  <a:spLocks noRot="1" noChangeAspect="1" noMove="1" noResize="1" noEditPoints="1" noAdjustHandles="1" noChangeArrowheads="1" noChangeShapeType="1" noTextEdit="1"/>
+                </p:cNvSpPr>
+                <p:nvPr/>
+              </p:nvSpPr>
+              <p:spPr>
+                <a:xfrm>
+                  <a:off x="11675025" y="4957270"/>
+                  <a:ext cx="270587" cy="246221"/>
+                </a:xfrm>
+                <a:prstGeom prst="rect">
+                  <a:avLst/>
+                </a:prstGeom>
+                <a:blipFill>
+                  <a:blip r:embed="rId20"/>
+                  <a:stretch>
+                    <a:fillRect/>
+                  </a:stretch>
+                </a:blipFill>
+              </p:spPr>
+              <p:txBody>
+                <a:bodyPr/>
+                <a:lstStyle/>
+                <a:p>
+                  <a:r>
+                    <a:rPr lang="en-US">
+                      <a:noFill/>
+                    </a:rPr>
+                    <a:t> </a:t>
+                  </a:r>
+                </a:p>
+              </p:txBody>
+            </p:sp>
+          </mc:Fallback>
+        </mc:AlternateContent>
+        <p:sp>
+          <p:nvSpPr>
+            <p:cNvPr id="76" name="Arc 75">
+              <a:extLst>
+                <a:ext uri="{FF2B5EF4-FFF2-40B4-BE49-F238E27FC236}">
+                  <a16:creationId xmlns:a16="http://schemas.microsoft.com/office/drawing/2014/main" id="{E93C6C61-A8FF-4FBF-802D-5B76086E94F6}"/>
+                </a:ext>
+              </a:extLst>
+            </p:cNvPr>
+            <p:cNvSpPr/>
+            <p:nvPr/>
+          </p:nvSpPr>
+          <p:spPr>
+            <a:xfrm rot="17109532">
+              <a:off x="11801115" y="5177347"/>
+              <a:ext cx="144567" cy="178005"/>
+            </a:xfrm>
+            <a:prstGeom prst="arc">
+              <a:avLst>
+                <a:gd name="adj1" fmla="val 16200000"/>
+                <a:gd name="adj2" fmla="val 113629"/>
+              </a:avLst>
+            </a:prstGeom>
+            <a:ln w="15875">
+              <a:solidFill>
+                <a:schemeClr val="tx1"/>
+              </a:solidFill>
+            </a:ln>
+          </p:spPr>
+          <p:style>
+            <a:lnRef idx="1">
+              <a:schemeClr val="accent1"/>
+            </a:lnRef>
+            <a:fillRef idx="0">
+              <a:schemeClr val="accent1"/>
+            </a:fillRef>
+            <a:effectRef idx="0">
+              <a:schemeClr val="accent1"/>
+            </a:effectRef>
+            <a:fontRef idx="minor">
+              <a:schemeClr val="tx1"/>
+            </a:fontRef>
+          </p:style>
+          <p:txBody>
+            <a:bodyPr rtlCol="0" anchor="ctr"/>
+            <a:lstStyle/>
+            <a:p>
+              <a:pPr algn="ctr"/>
+              <a:endParaRPr lang="en-US" dirty="0"/>
+            </a:p>
+          </p:txBody>
+        </p:sp>
+        <mc:AlternateContent xmlns:mc="http://schemas.openxmlformats.org/markup-compatibility/2006">
+          <mc:Choice xmlns:a14="http://schemas.microsoft.com/office/drawing/2010/main" Requires="a14">
+            <p:sp>
+              <p:nvSpPr>
+                <p:cNvPr id="77" name="TextBox 76">
+                  <a:extLst>
+                    <a:ext uri="{FF2B5EF4-FFF2-40B4-BE49-F238E27FC236}">
+                      <a16:creationId xmlns:a16="http://schemas.microsoft.com/office/drawing/2014/main" id="{19B1B9E6-D819-4AEC-92D4-01B2C06D3B23}"/>
+                    </a:ext>
+                  </a:extLst>
+                </p:cNvPr>
+                <p:cNvSpPr txBox="1"/>
+                <p:nvPr/>
+              </p:nvSpPr>
+              <p:spPr>
+                <a:xfrm>
+                  <a:off x="11296651" y="5668707"/>
+                  <a:ext cx="270587" cy="246221"/>
+                </a:xfrm>
+                <a:prstGeom prst="rect">
+                  <a:avLst/>
+                </a:prstGeom>
+                <a:noFill/>
+              </p:spPr>
+              <p:txBody>
+                <a:bodyPr wrap="square" lIns="0" tIns="0" rIns="0" bIns="0" rtlCol="0">
+                  <a:spAutoFit/>
+                </a:bodyPr>
+                <a:lstStyle/>
+                <a:p>
+                  <a:pPr/>
+                  <a14:m>
+                    <m:oMathPara xmlns:m="http://schemas.openxmlformats.org/officeDocument/2006/math">
+                      <m:oMathParaPr>
+                        <m:jc m:val="centerGroup"/>
+                      </m:oMathParaPr>
+                      <m:oMath xmlns:m="http://schemas.openxmlformats.org/officeDocument/2006/math">
+                        <m:r>
+                          <a:rPr lang="en-US" sz="1600" b="0" i="1" smtClean="0">
+                            <a:latin typeface="Cambria Math" panose="02040503050406030204" pitchFamily="18" charset="0"/>
+                            <a:ea typeface="Cambria Math" panose="02040503050406030204" pitchFamily="18" charset="0"/>
+                          </a:rPr>
+                          <m:t>𝛼</m:t>
+                        </m:r>
+                      </m:oMath>
+                    </m:oMathPara>
+                  </a14:m>
+                  <a:endParaRPr lang="en-US" sz="2000" dirty="0"/>
+                </a:p>
+              </p:txBody>
+            </p:sp>
+          </mc:Choice>
+          <mc:Fallback>
+            <p:sp>
+              <p:nvSpPr>
+                <p:cNvPr id="77" name="TextBox 76">
+                  <a:extLst>
+                    <a:ext uri="{FF2B5EF4-FFF2-40B4-BE49-F238E27FC236}">
+                      <a16:creationId xmlns:a16="http://schemas.microsoft.com/office/drawing/2014/main" id="{19B1B9E6-D819-4AEC-92D4-01B2C06D3B23}"/>
+                    </a:ext>
+                  </a:extLst>
+                </p:cNvPr>
+                <p:cNvSpPr txBox="1">
+                  <a:spLocks noRot="1" noChangeAspect="1" noMove="1" noResize="1" noEditPoints="1" noAdjustHandles="1" noChangeArrowheads="1" noChangeShapeType="1" noTextEdit="1"/>
+                </p:cNvSpPr>
+                <p:nvPr/>
+              </p:nvSpPr>
+              <p:spPr>
+                <a:xfrm>
+                  <a:off x="11296651" y="5668707"/>
+                  <a:ext cx="270587" cy="246221"/>
+                </a:xfrm>
+                <a:prstGeom prst="rect">
+                  <a:avLst/>
+                </a:prstGeom>
+                <a:blipFill>
+                  <a:blip r:embed="rId21"/>
+                  <a:stretch>
+                    <a:fillRect/>
+                  </a:stretch>
+                </a:blipFill>
+              </p:spPr>
+              <p:txBody>
+                <a:bodyPr/>
+                <a:lstStyle/>
+                <a:p>
+                  <a:r>
+                    <a:rPr lang="en-US">
+                      <a:noFill/>
+                    </a:rPr>
+                    <a:t> </a:t>
+                  </a:r>
+                </a:p>
+              </p:txBody>
+            </p:sp>
+          </mc:Fallback>
+        </mc:AlternateContent>
+        <mc:AlternateContent xmlns:mc="http://schemas.openxmlformats.org/markup-compatibility/2006">
+          <mc:Choice xmlns:a14="http://schemas.microsoft.com/office/drawing/2010/main" Requires="a14">
+            <p:sp>
+              <p:nvSpPr>
+                <p:cNvPr id="78" name="TextBox 77">
+                  <a:extLst>
+                    <a:ext uri="{FF2B5EF4-FFF2-40B4-BE49-F238E27FC236}">
+                      <a16:creationId xmlns:a16="http://schemas.microsoft.com/office/drawing/2014/main" id="{E4646C20-4764-4299-A0C8-C1BEA72AA42A}"/>
+                    </a:ext>
+                  </a:extLst>
+                </p:cNvPr>
+                <p:cNvSpPr txBox="1"/>
+                <p:nvPr/>
+              </p:nvSpPr>
+              <p:spPr>
+                <a:xfrm>
+                  <a:off x="11272483" y="5145531"/>
+                  <a:ext cx="270587" cy="246221"/>
+                </a:xfrm>
+                <a:prstGeom prst="rect">
+                  <a:avLst/>
+                </a:prstGeom>
+                <a:noFill/>
+              </p:spPr>
+              <p:txBody>
+                <a:bodyPr wrap="square" lIns="0" tIns="0" rIns="0" bIns="0" rtlCol="0">
+                  <a:spAutoFit/>
+                </a:bodyPr>
+                <a:lstStyle/>
+                <a:p>
+                  <a:pPr/>
+                  <a14:m>
+                    <m:oMathPara xmlns:m="http://schemas.openxmlformats.org/officeDocument/2006/math">
+                      <m:oMathParaPr>
+                        <m:jc m:val="centerGroup"/>
+                      </m:oMathParaPr>
+                      <m:oMath xmlns:m="http://schemas.openxmlformats.org/officeDocument/2006/math">
+                        <m:r>
+                          <a:rPr lang="en-US" sz="1600" b="0" i="1" smtClean="0">
+                            <a:latin typeface="Cambria Math" panose="02040503050406030204" pitchFamily="18" charset="0"/>
+                          </a:rPr>
+                          <m:t>𝑟</m:t>
+                        </m:r>
+                      </m:oMath>
+                    </m:oMathPara>
+                  </a14:m>
+                  <a:endParaRPr lang="en-US" sz="1600" dirty="0"/>
+                </a:p>
+              </p:txBody>
+            </p:sp>
+          </mc:Choice>
+          <mc:Fallback>
+            <p:sp>
+              <p:nvSpPr>
+                <p:cNvPr id="78" name="TextBox 77">
+                  <a:extLst>
+                    <a:ext uri="{FF2B5EF4-FFF2-40B4-BE49-F238E27FC236}">
+                      <a16:creationId xmlns:a16="http://schemas.microsoft.com/office/drawing/2014/main" id="{E4646C20-4764-4299-A0C8-C1BEA72AA42A}"/>
+                    </a:ext>
+                  </a:extLst>
+                </p:cNvPr>
+                <p:cNvSpPr txBox="1">
+                  <a:spLocks noRot="1" noChangeAspect="1" noMove="1" noResize="1" noEditPoints="1" noAdjustHandles="1" noChangeArrowheads="1" noChangeShapeType="1" noTextEdit="1"/>
+                </p:cNvSpPr>
+                <p:nvPr/>
+              </p:nvSpPr>
+              <p:spPr>
+                <a:xfrm>
+                  <a:off x="11272483" y="5145531"/>
+                  <a:ext cx="270587" cy="246221"/>
+                </a:xfrm>
+                <a:prstGeom prst="rect">
+                  <a:avLst/>
+                </a:prstGeom>
+                <a:blipFill>
+                  <a:blip r:embed="rId22"/>
+                  <a:stretch>
+                    <a:fillRect/>
+                  </a:stretch>
+                </a:blipFill>
+              </p:spPr>
+              <p:txBody>
+                <a:bodyPr/>
+                <a:lstStyle/>
+                <a:p>
+                  <a:r>
+                    <a:rPr lang="en-US">
+                      <a:noFill/>
+                    </a:rPr>
+                    <a:t> </a:t>
+                  </a:r>
+                </a:p>
+              </p:txBody>
+            </p:sp>
+          </mc:Fallback>
+        </mc:AlternateContent>
+        <mc:AlternateContent xmlns:mc="http://schemas.openxmlformats.org/markup-compatibility/2006">
+          <mc:Choice xmlns:a14="http://schemas.microsoft.com/office/drawing/2010/main" Requires="a14">
+            <p:sp>
+              <p:nvSpPr>
+                <p:cNvPr id="79" name="TextBox 78">
+                  <a:extLst>
+                    <a:ext uri="{FF2B5EF4-FFF2-40B4-BE49-F238E27FC236}">
+                      <a16:creationId xmlns:a16="http://schemas.microsoft.com/office/drawing/2014/main" id="{EDBA7504-845B-40CD-BE89-4669B810DBF6}"/>
+                    </a:ext>
+                  </a:extLst>
+                </p:cNvPr>
+                <p:cNvSpPr txBox="1"/>
+                <p:nvPr/>
+              </p:nvSpPr>
+              <p:spPr>
+                <a:xfrm>
+                  <a:off x="11210551" y="5476007"/>
+                  <a:ext cx="270587" cy="246221"/>
+                </a:xfrm>
+                <a:prstGeom prst="rect">
+                  <a:avLst/>
+                </a:prstGeom>
+                <a:noFill/>
+              </p:spPr>
+              <p:txBody>
+                <a:bodyPr wrap="square" lIns="0" tIns="0" rIns="0" bIns="0" rtlCol="0">
+                  <a:spAutoFit/>
+                </a:bodyPr>
+                <a:lstStyle/>
+                <a:p>
+                  <a:pPr/>
+                  <a14:m>
+                    <m:oMathPara xmlns:m="http://schemas.openxmlformats.org/officeDocument/2006/math">
+                      <m:oMathParaPr>
+                        <m:jc m:val="centerGroup"/>
+                      </m:oMathParaPr>
+                      <m:oMath xmlns:m="http://schemas.openxmlformats.org/officeDocument/2006/math">
+                        <m:r>
+                          <a:rPr lang="en-US" sz="1600" b="0" i="1" smtClean="0">
+                            <a:latin typeface="Cambria Math" panose="02040503050406030204" pitchFamily="18" charset="0"/>
+                          </a:rPr>
+                          <m:t>𝑅</m:t>
+                        </m:r>
+                      </m:oMath>
+                    </m:oMathPara>
+                  </a14:m>
+                  <a:endParaRPr lang="en-US" sz="1600" dirty="0"/>
+                </a:p>
+              </p:txBody>
+            </p:sp>
+          </mc:Choice>
+          <mc:Fallback>
+            <p:sp>
+              <p:nvSpPr>
+                <p:cNvPr id="79" name="TextBox 78">
+                  <a:extLst>
+                    <a:ext uri="{FF2B5EF4-FFF2-40B4-BE49-F238E27FC236}">
+                      <a16:creationId xmlns:a16="http://schemas.microsoft.com/office/drawing/2014/main" id="{EDBA7504-845B-40CD-BE89-4669B810DBF6}"/>
+                    </a:ext>
+                  </a:extLst>
+                </p:cNvPr>
+                <p:cNvSpPr txBox="1">
+                  <a:spLocks noRot="1" noChangeAspect="1" noMove="1" noResize="1" noEditPoints="1" noAdjustHandles="1" noChangeArrowheads="1" noChangeShapeType="1" noTextEdit="1"/>
+                </p:cNvSpPr>
+                <p:nvPr/>
+              </p:nvSpPr>
+              <p:spPr>
+                <a:xfrm>
+                  <a:off x="11210551" y="5476007"/>
+                  <a:ext cx="270587" cy="246221"/>
+                </a:xfrm>
+                <a:prstGeom prst="rect">
+                  <a:avLst/>
+                </a:prstGeom>
+                <a:blipFill>
+                  <a:blip r:embed="rId23"/>
+                  <a:stretch>
+                    <a:fillRect b="-4878"/>
+                  </a:stretch>
+                </a:blipFill>
+              </p:spPr>
+              <p:txBody>
+                <a:bodyPr/>
+                <a:lstStyle/>
+                <a:p>
+                  <a:r>
+                    <a:rPr lang="en-US">
+                      <a:noFill/>
+                    </a:rPr>
+                    <a:t> </a:t>
+                  </a:r>
+                </a:p>
+              </p:txBody>
+            </p:sp>
+          </mc:Fallback>
+        </mc:AlternateContent>
+        <mc:AlternateContent xmlns:mc="http://schemas.openxmlformats.org/markup-compatibility/2006">
+          <mc:Choice xmlns:a14="http://schemas.microsoft.com/office/drawing/2010/main" Requires="a14">
+            <p:sp>
+              <p:nvSpPr>
+                <p:cNvPr id="80" name="TextBox 79">
+                  <a:extLst>
+                    <a:ext uri="{FF2B5EF4-FFF2-40B4-BE49-F238E27FC236}">
+                      <a16:creationId xmlns:a16="http://schemas.microsoft.com/office/drawing/2014/main" id="{DB2DCD4C-43DA-4F69-A71C-54972F07FDCD}"/>
+                    </a:ext>
+                  </a:extLst>
+                </p:cNvPr>
+                <p:cNvSpPr txBox="1"/>
+                <p:nvPr/>
+              </p:nvSpPr>
+              <p:spPr>
+                <a:xfrm>
+                  <a:off x="11478463" y="5816912"/>
+                  <a:ext cx="270587" cy="246221"/>
+                </a:xfrm>
+                <a:prstGeom prst="rect">
+                  <a:avLst/>
+                </a:prstGeom>
+                <a:noFill/>
+              </p:spPr>
+              <p:txBody>
+                <a:bodyPr wrap="square" lIns="0" tIns="0" rIns="0" bIns="0" rtlCol="0">
+                  <a:spAutoFit/>
+                </a:bodyPr>
+                <a:lstStyle/>
+                <a:p>
+                  <a:pPr/>
+                  <a14:m>
+                    <m:oMathPara xmlns:m="http://schemas.openxmlformats.org/officeDocument/2006/math">
+                      <m:oMathParaPr>
+                        <m:jc m:val="centerGroup"/>
+                      </m:oMathParaPr>
+                      <m:oMath xmlns:m="http://schemas.openxmlformats.org/officeDocument/2006/math">
+                        <m:r>
+                          <a:rPr lang="en-US" sz="1600" b="0" i="1" smtClean="0">
+                            <a:latin typeface="Cambria Math" panose="02040503050406030204" pitchFamily="18" charset="0"/>
+                          </a:rPr>
+                          <m:t>𝑟</m:t>
+                        </m:r>
+                      </m:oMath>
+                    </m:oMathPara>
+                  </a14:m>
+                  <a:endParaRPr lang="en-US" sz="1600" dirty="0"/>
+                </a:p>
+              </p:txBody>
+            </p:sp>
+          </mc:Choice>
+          <mc:Fallback>
+            <p:sp>
+              <p:nvSpPr>
+                <p:cNvPr id="80" name="TextBox 79">
+                  <a:extLst>
+                    <a:ext uri="{FF2B5EF4-FFF2-40B4-BE49-F238E27FC236}">
+                      <a16:creationId xmlns:a16="http://schemas.microsoft.com/office/drawing/2014/main" id="{DB2DCD4C-43DA-4F69-A71C-54972F07FDCD}"/>
+                    </a:ext>
+                  </a:extLst>
+                </p:cNvPr>
+                <p:cNvSpPr txBox="1">
+                  <a:spLocks noRot="1" noChangeAspect="1" noMove="1" noResize="1" noEditPoints="1" noAdjustHandles="1" noChangeArrowheads="1" noChangeShapeType="1" noTextEdit="1"/>
+                </p:cNvSpPr>
+                <p:nvPr/>
+              </p:nvSpPr>
+              <p:spPr>
+                <a:xfrm>
+                  <a:off x="11478463" y="5816912"/>
+                  <a:ext cx="270587" cy="246221"/>
+                </a:xfrm>
+                <a:prstGeom prst="rect">
+                  <a:avLst/>
+                </a:prstGeom>
+                <a:blipFill>
+                  <a:blip r:embed="rId24"/>
+                  <a:stretch>
+                    <a:fillRect/>
+                  </a:stretch>
+                </a:blipFill>
+              </p:spPr>
+              <p:txBody>
+                <a:bodyPr/>
+                <a:lstStyle/>
+                <a:p>
+                  <a:r>
+                    <a:rPr lang="en-US">
+                      <a:noFill/>
+                    </a:rPr>
+                    <a:t> </a:t>
+                  </a:r>
+                </a:p>
+              </p:txBody>
+            </p:sp>
+          </mc:Fallback>
+        </mc:AlternateContent>
+        <mc:AlternateContent xmlns:mc="http://schemas.openxmlformats.org/markup-compatibility/2006">
+          <mc:Choice xmlns:a14="http://schemas.microsoft.com/office/drawing/2010/main" Requires="a14">
+            <p:sp>
+              <p:nvSpPr>
+                <p:cNvPr id="81" name="TextBox 80">
+                  <a:extLst>
+                    <a:ext uri="{FF2B5EF4-FFF2-40B4-BE49-F238E27FC236}">
+                      <a16:creationId xmlns:a16="http://schemas.microsoft.com/office/drawing/2014/main" id="{606D790C-77A9-4F6E-9923-A5AD97D0230A}"/>
+                    </a:ext>
+                  </a:extLst>
+                </p:cNvPr>
+                <p:cNvSpPr txBox="1"/>
+                <p:nvPr/>
+              </p:nvSpPr>
+              <p:spPr>
+                <a:xfrm>
+                  <a:off x="11807935" y="5547021"/>
+                  <a:ext cx="270587" cy="246221"/>
+                </a:xfrm>
+                <a:prstGeom prst="rect">
+                  <a:avLst/>
+                </a:prstGeom>
+                <a:noFill/>
+              </p:spPr>
+              <p:txBody>
+                <a:bodyPr wrap="square" lIns="0" tIns="0" rIns="0" bIns="0" rtlCol="0">
+                  <a:spAutoFit/>
+                </a:bodyPr>
+                <a:lstStyle/>
+                <a:p>
+                  <a:pPr/>
+                  <a14:m>
+                    <m:oMathPara xmlns:m="http://schemas.openxmlformats.org/officeDocument/2006/math">
+                      <m:oMathParaPr>
+                        <m:jc m:val="centerGroup"/>
+                      </m:oMathParaPr>
+                      <m:oMath xmlns:m="http://schemas.openxmlformats.org/officeDocument/2006/math">
+                        <m:r>
+                          <a:rPr lang="en-US" sz="1600" b="0" i="1" smtClean="0">
+                            <a:latin typeface="Cambria Math" panose="02040503050406030204" pitchFamily="18" charset="0"/>
+                          </a:rPr>
+                          <m:t>h</m:t>
+                        </m:r>
+                      </m:oMath>
+                    </m:oMathPara>
+                  </a14:m>
+                  <a:endParaRPr lang="en-US" sz="1600" dirty="0"/>
+                </a:p>
+              </p:txBody>
+            </p:sp>
+          </mc:Choice>
+          <mc:Fallback>
+            <p:sp>
+              <p:nvSpPr>
+                <p:cNvPr id="81" name="TextBox 80">
+                  <a:extLst>
+                    <a:ext uri="{FF2B5EF4-FFF2-40B4-BE49-F238E27FC236}">
+                      <a16:creationId xmlns:a16="http://schemas.microsoft.com/office/drawing/2014/main" id="{606D790C-77A9-4F6E-9923-A5AD97D0230A}"/>
+                    </a:ext>
+                  </a:extLst>
+                </p:cNvPr>
+                <p:cNvSpPr txBox="1">
+                  <a:spLocks noRot="1" noChangeAspect="1" noMove="1" noResize="1" noEditPoints="1" noAdjustHandles="1" noChangeArrowheads="1" noChangeShapeType="1" noTextEdit="1"/>
+                </p:cNvSpPr>
+                <p:nvPr/>
+              </p:nvSpPr>
+              <p:spPr>
+                <a:xfrm>
+                  <a:off x="11807935" y="5547021"/>
+                  <a:ext cx="270587" cy="246221"/>
+                </a:xfrm>
+                <a:prstGeom prst="rect">
+                  <a:avLst/>
+                </a:prstGeom>
+                <a:blipFill>
+                  <a:blip r:embed="rId25"/>
+                  <a:stretch>
+                    <a:fillRect b="-7500"/>
+                  </a:stretch>
+                </a:blipFill>
+              </p:spPr>
+              <p:txBody>
+                <a:bodyPr/>
+                <a:lstStyle/>
+                <a:p>
+                  <a:r>
+                    <a:rPr lang="en-US">
+                      <a:noFill/>
+                    </a:rPr>
+                    <a:t> </a:t>
+                  </a:r>
+                </a:p>
+              </p:txBody>
+            </p:sp>
+          </mc:Fallback>
+        </mc:AlternateContent>
+        <mc:AlternateContent xmlns:mc="http://schemas.openxmlformats.org/markup-compatibility/2006">
+          <mc:Choice xmlns:a14="http://schemas.microsoft.com/office/drawing/2010/main" Requires="a14">
+            <p:sp>
+              <p:nvSpPr>
+                <p:cNvPr id="86" name="TextBox 85">
+                  <a:extLst>
+                    <a:ext uri="{FF2B5EF4-FFF2-40B4-BE49-F238E27FC236}">
+                      <a16:creationId xmlns:a16="http://schemas.microsoft.com/office/drawing/2014/main" id="{930859BB-4FC9-4C05-82B2-E3E7AA3E0C31}"/>
+                    </a:ext>
+                  </a:extLst>
+                </p:cNvPr>
+                <p:cNvSpPr txBox="1"/>
+                <p:nvPr/>
+              </p:nvSpPr>
+              <p:spPr>
+                <a:xfrm>
+                  <a:off x="10740521" y="4571330"/>
+                  <a:ext cx="555537" cy="307777"/>
+                </a:xfrm>
+                <a:prstGeom prst="rect">
+                  <a:avLst/>
+                </a:prstGeom>
+                <a:noFill/>
+              </p:spPr>
+              <p:txBody>
+                <a:bodyPr wrap="square" lIns="0" tIns="0" rIns="0" bIns="0" rtlCol="0">
+                  <a:spAutoFit/>
+                </a:bodyPr>
+                <a:lstStyle/>
+                <a:p>
+                  <a:pPr/>
+                  <a14:m>
+                    <m:oMathPara xmlns:m="http://schemas.openxmlformats.org/officeDocument/2006/math">
+                      <m:oMathParaPr>
+                        <m:jc m:val="centerGroup"/>
+                      </m:oMathParaPr>
+                      <m:oMath xmlns:m="http://schemas.openxmlformats.org/officeDocument/2006/math">
+                        <m:acc>
+                          <m:accPr>
+                            <m:chr m:val="⃗"/>
+                            <m:ctrlPr>
+                              <a:rPr lang="en-US" sz="2000" b="0" i="1" smtClean="0">
+                                <a:solidFill>
+                                  <a:schemeClr val="tx1"/>
+                                </a:solidFill>
+                                <a:latin typeface="Cambria Math" panose="02040503050406030204" pitchFamily="18" charset="0"/>
+                              </a:rPr>
+                            </m:ctrlPr>
+                          </m:accPr>
+                          <m:e>
+                            <m:r>
+                              <a:rPr lang="en-US" sz="2000" b="0" i="1" smtClean="0">
+                                <a:solidFill>
+                                  <a:schemeClr val="tx1"/>
+                                </a:solidFill>
+                                <a:latin typeface="Cambria Math" panose="02040503050406030204" pitchFamily="18" charset="0"/>
+                              </a:rPr>
+                              <m:t>𝑢</m:t>
+                            </m:r>
+                          </m:e>
+                        </m:acc>
+                      </m:oMath>
+                    </m:oMathPara>
+                  </a14:m>
+                  <a:endParaRPr lang="en-US" sz="2000" dirty="0">
+                    <a:solidFill>
+                      <a:schemeClr val="tx1"/>
+                    </a:solidFill>
+                  </a:endParaRPr>
+                </a:p>
+              </p:txBody>
+            </p:sp>
+          </mc:Choice>
+          <mc:Fallback>
+            <p:sp>
+              <p:nvSpPr>
+                <p:cNvPr id="86" name="TextBox 85">
+                  <a:extLst>
+                    <a:ext uri="{FF2B5EF4-FFF2-40B4-BE49-F238E27FC236}">
+                      <a16:creationId xmlns:a16="http://schemas.microsoft.com/office/drawing/2014/main" id="{930859BB-4FC9-4C05-82B2-E3E7AA3E0C31}"/>
+                    </a:ext>
+                  </a:extLst>
+                </p:cNvPr>
+                <p:cNvSpPr txBox="1">
+                  <a:spLocks noRot="1" noChangeAspect="1" noMove="1" noResize="1" noEditPoints="1" noAdjustHandles="1" noChangeArrowheads="1" noChangeShapeType="1" noTextEdit="1"/>
+                </p:cNvSpPr>
+                <p:nvPr/>
+              </p:nvSpPr>
+              <p:spPr>
+                <a:xfrm>
+                  <a:off x="10740521" y="4571330"/>
+                  <a:ext cx="555537" cy="307777"/>
+                </a:xfrm>
+                <a:prstGeom prst="rect">
+                  <a:avLst/>
+                </a:prstGeom>
+                <a:blipFill>
+                  <a:blip r:embed="rId26"/>
+                  <a:stretch>
+                    <a:fillRect/>
+                  </a:stretch>
+                </a:blipFill>
+              </p:spPr>
+              <p:txBody>
+                <a:bodyPr/>
+                <a:lstStyle/>
+                <a:p>
+                  <a:r>
+                    <a:rPr lang="en-US">
+                      <a:noFill/>
+                    </a:rPr>
+                    <a:t> </a:t>
+                  </a:r>
+                </a:p>
+              </p:txBody>
+            </p:sp>
+          </mc:Fallback>
+        </mc:AlternateContent>
+        <mc:AlternateContent xmlns:mc="http://schemas.openxmlformats.org/markup-compatibility/2006">
+          <mc:Choice xmlns:a14="http://schemas.microsoft.com/office/drawing/2010/main" Requires="a14">
+            <p:sp>
+              <p:nvSpPr>
+                <p:cNvPr id="87" name="TextBox 86">
+                  <a:extLst>
+                    <a:ext uri="{FF2B5EF4-FFF2-40B4-BE49-F238E27FC236}">
+                      <a16:creationId xmlns:a16="http://schemas.microsoft.com/office/drawing/2014/main" id="{C5B716F6-8F47-497F-B987-1E21CC9A1E9D}"/>
+                    </a:ext>
+                  </a:extLst>
+                </p:cNvPr>
+                <p:cNvSpPr txBox="1"/>
+                <p:nvPr/>
+              </p:nvSpPr>
+              <p:spPr>
+                <a:xfrm>
+                  <a:off x="11381368" y="4657458"/>
+                  <a:ext cx="555537" cy="307777"/>
+                </a:xfrm>
+                <a:prstGeom prst="rect">
+                  <a:avLst/>
+                </a:prstGeom>
+                <a:noFill/>
+              </p:spPr>
+              <p:txBody>
+                <a:bodyPr wrap="square" lIns="0" tIns="0" rIns="0" bIns="0" rtlCol="0">
+                  <a:spAutoFit/>
+                </a:bodyPr>
+                <a:lstStyle/>
+                <a:p>
+                  <a:pPr/>
+                  <a14:m>
+                    <m:oMathPara xmlns:m="http://schemas.openxmlformats.org/officeDocument/2006/math">
+                      <m:oMathParaPr>
+                        <m:jc m:val="centerGroup"/>
+                      </m:oMathParaPr>
+                      <m:oMath xmlns:m="http://schemas.openxmlformats.org/officeDocument/2006/math">
+                        <m:acc>
+                          <m:accPr>
+                            <m:chr m:val="⃗"/>
+                            <m:ctrlPr>
+                              <a:rPr lang="en-US" sz="2000" b="0" i="1" smtClean="0">
+                                <a:solidFill>
+                                  <a:schemeClr val="tx1"/>
+                                </a:solidFill>
+                                <a:latin typeface="Cambria Math" panose="02040503050406030204" pitchFamily="18" charset="0"/>
+                              </a:rPr>
+                            </m:ctrlPr>
+                          </m:accPr>
+                          <m:e>
+                            <m:r>
+                              <a:rPr lang="en-US" sz="2000" b="0" i="1" smtClean="0">
+                                <a:solidFill>
+                                  <a:schemeClr val="tx1"/>
+                                </a:solidFill>
+                                <a:latin typeface="Cambria Math" panose="02040503050406030204" pitchFamily="18" charset="0"/>
+                              </a:rPr>
+                              <m:t>𝑣</m:t>
+                            </m:r>
+                          </m:e>
+                        </m:acc>
+                      </m:oMath>
+                    </m:oMathPara>
+                  </a14:m>
+                  <a:endParaRPr lang="en-US" sz="2000" dirty="0">
+                    <a:solidFill>
+                      <a:schemeClr val="tx1"/>
+                    </a:solidFill>
+                  </a:endParaRPr>
+                </a:p>
+              </p:txBody>
+            </p:sp>
+          </mc:Choice>
+          <mc:Fallback>
+            <p:sp>
+              <p:nvSpPr>
+                <p:cNvPr id="87" name="TextBox 86">
+                  <a:extLst>
+                    <a:ext uri="{FF2B5EF4-FFF2-40B4-BE49-F238E27FC236}">
+                      <a16:creationId xmlns:a16="http://schemas.microsoft.com/office/drawing/2014/main" id="{C5B716F6-8F47-497F-B987-1E21CC9A1E9D}"/>
+                    </a:ext>
+                  </a:extLst>
+                </p:cNvPr>
+                <p:cNvSpPr txBox="1">
+                  <a:spLocks noRot="1" noChangeAspect="1" noMove="1" noResize="1" noEditPoints="1" noAdjustHandles="1" noChangeArrowheads="1" noChangeShapeType="1" noTextEdit="1"/>
+                </p:cNvSpPr>
+                <p:nvPr/>
+              </p:nvSpPr>
+              <p:spPr>
+                <a:xfrm>
+                  <a:off x="11381368" y="4657458"/>
+                  <a:ext cx="555537" cy="307777"/>
+                </a:xfrm>
+                <a:prstGeom prst="rect">
+                  <a:avLst/>
+                </a:prstGeom>
+                <a:blipFill>
+                  <a:blip r:embed="rId27"/>
+                  <a:stretch>
+                    <a:fillRect t="-37255" r="-38462" b="-1961"/>
+                  </a:stretch>
+                </a:blipFill>
+              </p:spPr>
+              <p:txBody>
+                <a:bodyPr/>
+                <a:lstStyle/>
+                <a:p>
+                  <a:r>
+                    <a:rPr lang="en-US">
+                      <a:noFill/>
+                    </a:rPr>
+                    <a:t> </a:t>
+                  </a:r>
+                </a:p>
+              </p:txBody>
+            </p:sp>
+          </mc:Fallback>
+        </mc:AlternateContent>
+      </p:grpSp>
     </p:spTree>
     <p:extLst>
       <p:ext uri="{BB962C8B-B14F-4D97-AF65-F5344CB8AC3E}">

--- a/volunteer/Drawings.pptx
+++ b/volunteer/Drawings.pptx
@@ -12400,6 +12400,63 @@
           <a:chExt cx="0" cy="0"/>
         </a:xfrm>
       </p:grpSpPr>
+      <p:sp>
+        <p:nvSpPr>
+          <p:cNvPr id="68" name="Oval 67">
+            <a:extLst>
+              <a:ext uri="{FF2B5EF4-FFF2-40B4-BE49-F238E27FC236}">
+                <a16:creationId xmlns:a16="http://schemas.microsoft.com/office/drawing/2014/main" id="{D36BB41C-A327-43FF-B080-8EF6DF91E368}"/>
+              </a:ext>
+            </a:extLst>
+          </p:cNvPr>
+          <p:cNvSpPr/>
+          <p:nvPr/>
+        </p:nvSpPr>
+        <p:spPr>
+          <a:xfrm>
+            <a:off x="5818080" y="2875061"/>
+            <a:ext cx="2103120" cy="2103120"/>
+          </a:xfrm>
+          <a:prstGeom prst="ellipse">
+            <a:avLst/>
+          </a:prstGeom>
+          <a:solidFill>
+            <a:schemeClr val="accent1">
+              <a:lumMod val="75000"/>
+              <a:alpha val="58000"/>
+            </a:schemeClr>
+          </a:solidFill>
+          <a:ln w="47625">
+            <a:solidFill>
+              <a:schemeClr val="tx1"/>
+            </a:solidFill>
+          </a:ln>
+        </p:spPr>
+        <p:style>
+          <a:lnRef idx="2">
+            <a:schemeClr val="accent1">
+              <a:shade val="50000"/>
+            </a:schemeClr>
+          </a:lnRef>
+          <a:fillRef idx="1">
+            <a:schemeClr val="accent1"/>
+          </a:fillRef>
+          <a:effectRef idx="0">
+            <a:schemeClr val="accent1"/>
+          </a:effectRef>
+          <a:fontRef idx="minor">
+            <a:schemeClr val="lt1"/>
+          </a:fontRef>
+        </p:style>
+        <p:txBody>
+          <a:bodyPr rtlCol="0" anchor="ctr"/>
+          <a:lstStyle/>
+          <a:p>
+            <a:pPr algn="ctr"/>
+            <a:endParaRPr lang="en-US" dirty="0"/>
+          </a:p>
+        </p:txBody>
+      </p:sp>
       <p:grpSp>
         <p:nvGrpSpPr>
           <p:cNvPr id="85" name="Group 84">
@@ -12814,8 +12871,8 @@
             </a:p>
           </p:txBody>
         </p:sp>
-        <mc:AlternateContent xmlns:mc="http://schemas.openxmlformats.org/markup-compatibility/2006">
-          <mc:Choice xmlns:a14="http://schemas.microsoft.com/office/drawing/2010/main" Requires="a14">
+        <mc:AlternateContent xmlns:mc="http://schemas.openxmlformats.org/markup-compatibility/2006" xmlns:a14="http://schemas.microsoft.com/office/drawing/2010/main">
+          <mc:Choice Requires="a14">
             <p:sp>
               <p:nvSpPr>
                 <p:cNvPr id="30" name="TextBox 29">
@@ -12884,7 +12941,7 @@
               </p:txBody>
             </p:sp>
           </mc:Choice>
-          <mc:Fallback>
+          <mc:Fallback xmlns="">
             <p:sp>
               <p:nvSpPr>
                 <p:cNvPr id="30" name="TextBox 29">
@@ -12929,8 +12986,8 @@
             </p:sp>
           </mc:Fallback>
         </mc:AlternateContent>
-        <mc:AlternateContent xmlns:mc="http://schemas.openxmlformats.org/markup-compatibility/2006">
-          <mc:Choice xmlns:a14="http://schemas.microsoft.com/office/drawing/2010/main" Requires="a14">
+        <mc:AlternateContent xmlns:mc="http://schemas.openxmlformats.org/markup-compatibility/2006" xmlns:a14="http://schemas.microsoft.com/office/drawing/2010/main">
+          <mc:Choice Requires="a14">
             <p:sp>
               <p:nvSpPr>
                 <p:cNvPr id="31" name="TextBox 30">
@@ -12999,7 +13056,7 @@
               </p:txBody>
             </p:sp>
           </mc:Choice>
-          <mc:Fallback>
+          <mc:Fallback xmlns="">
             <p:sp>
               <p:nvSpPr>
                 <p:cNvPr id="31" name="TextBox 30">
@@ -13137,8 +13194,8 @@
             </a:fontRef>
           </p:style>
         </p:cxnSp>
-        <mc:AlternateContent xmlns:mc="http://schemas.openxmlformats.org/markup-compatibility/2006">
-          <mc:Choice xmlns:a14="http://schemas.microsoft.com/office/drawing/2010/main" Requires="a14">
+        <mc:AlternateContent xmlns:mc="http://schemas.openxmlformats.org/markup-compatibility/2006" xmlns:a14="http://schemas.microsoft.com/office/drawing/2010/main">
+          <mc:Choice Requires="a14">
             <p:sp>
               <p:nvSpPr>
                 <p:cNvPr id="37" name="TextBox 36">
@@ -13188,7 +13245,7 @@
               </p:txBody>
             </p:sp>
           </mc:Choice>
-          <mc:Fallback>
+          <mc:Fallback xmlns="">
             <p:sp>
               <p:nvSpPr>
                 <p:cNvPr id="37" name="TextBox 36">
@@ -13233,8 +13290,8 @@
             </p:sp>
           </mc:Fallback>
         </mc:AlternateContent>
-        <mc:AlternateContent xmlns:mc="http://schemas.openxmlformats.org/markup-compatibility/2006">
-          <mc:Choice xmlns:a14="http://schemas.microsoft.com/office/drawing/2010/main" Requires="a14">
+        <mc:AlternateContent xmlns:mc="http://schemas.openxmlformats.org/markup-compatibility/2006" xmlns:a14="http://schemas.microsoft.com/office/drawing/2010/main">
+          <mc:Choice Requires="a14">
             <p:sp>
               <p:nvSpPr>
                 <p:cNvPr id="38" name="TextBox 37">
@@ -13284,7 +13341,7 @@
               </p:txBody>
             </p:sp>
           </mc:Choice>
-          <mc:Fallback>
+          <mc:Fallback xmlns="">
             <p:sp>
               <p:nvSpPr>
                 <p:cNvPr id="38" name="TextBox 37">
@@ -13329,8 +13386,8 @@
             </p:sp>
           </mc:Fallback>
         </mc:AlternateContent>
-        <mc:AlternateContent xmlns:mc="http://schemas.openxmlformats.org/markup-compatibility/2006">
-          <mc:Choice xmlns:a14="http://schemas.microsoft.com/office/drawing/2010/main" Requires="a14">
+        <mc:AlternateContent xmlns:mc="http://schemas.openxmlformats.org/markup-compatibility/2006" xmlns:a14="http://schemas.microsoft.com/office/drawing/2010/main">
+          <mc:Choice Requires="a14">
             <p:sp>
               <p:nvSpPr>
                 <p:cNvPr id="39" name="TextBox 38">
@@ -13405,7 +13462,7 @@
               </p:txBody>
             </p:sp>
           </mc:Choice>
-          <mc:Fallback>
+          <mc:Fallback xmlns="">
             <p:sp>
               <p:nvSpPr>
                 <p:cNvPr id="39" name="TextBox 38">
@@ -13450,8 +13507,8 @@
             </p:sp>
           </mc:Fallback>
         </mc:AlternateContent>
-        <mc:AlternateContent xmlns:mc="http://schemas.openxmlformats.org/markup-compatibility/2006">
-          <mc:Choice xmlns:a14="http://schemas.microsoft.com/office/drawing/2010/main" Requires="a14">
+        <mc:AlternateContent xmlns:mc="http://schemas.openxmlformats.org/markup-compatibility/2006" xmlns:a14="http://schemas.microsoft.com/office/drawing/2010/main">
+          <mc:Choice Requires="a14">
             <p:sp>
               <p:nvSpPr>
                 <p:cNvPr id="40" name="TextBox 39">
@@ -13526,7 +13583,7 @@
               </p:txBody>
             </p:sp>
           </mc:Choice>
-          <mc:Fallback>
+          <mc:Fallback xmlns="">
             <p:sp>
               <p:nvSpPr>
                 <p:cNvPr id="40" name="TextBox 39">
@@ -13755,8 +13812,8 @@
             </a:fontRef>
           </p:style>
         </p:cxnSp>
-        <mc:AlternateContent xmlns:mc="http://schemas.openxmlformats.org/markup-compatibility/2006">
-          <mc:Choice xmlns:a14="http://schemas.microsoft.com/office/drawing/2010/main" Requires="a14">
+        <mc:AlternateContent xmlns:mc="http://schemas.openxmlformats.org/markup-compatibility/2006" xmlns:a14="http://schemas.microsoft.com/office/drawing/2010/main">
+          <mc:Choice Requires="a14">
             <p:sp>
               <p:nvSpPr>
                 <p:cNvPr id="56" name="TextBox 55">
@@ -13838,7 +13895,7 @@
               </p:txBody>
             </p:sp>
           </mc:Choice>
-          <mc:Fallback>
+          <mc:Fallback xmlns="">
             <p:sp>
               <p:nvSpPr>
                 <p:cNvPr id="56" name="TextBox 55">
@@ -13883,8 +13940,8 @@
             </p:sp>
           </mc:Fallback>
         </mc:AlternateContent>
-        <mc:AlternateContent xmlns:mc="http://schemas.openxmlformats.org/markup-compatibility/2006">
-          <mc:Choice xmlns:a14="http://schemas.microsoft.com/office/drawing/2010/main" Requires="a14">
+        <mc:AlternateContent xmlns:mc="http://schemas.openxmlformats.org/markup-compatibility/2006" xmlns:a14="http://schemas.microsoft.com/office/drawing/2010/main">
+          <mc:Choice Requires="a14">
             <p:sp>
               <p:nvSpPr>
                 <p:cNvPr id="60" name="TextBox 59">
@@ -13934,7 +13991,7 @@
               </p:txBody>
             </p:sp>
           </mc:Choice>
-          <mc:Fallback>
+          <mc:Fallback xmlns="">
             <p:sp>
               <p:nvSpPr>
                 <p:cNvPr id="60" name="TextBox 59">
@@ -13979,8 +14036,8 @@
             </p:sp>
           </mc:Fallback>
         </mc:AlternateContent>
-        <mc:AlternateContent xmlns:mc="http://schemas.openxmlformats.org/markup-compatibility/2006">
-          <mc:Choice xmlns:a14="http://schemas.microsoft.com/office/drawing/2010/main" Requires="a14">
+        <mc:AlternateContent xmlns:mc="http://schemas.openxmlformats.org/markup-compatibility/2006" xmlns:a14="http://schemas.microsoft.com/office/drawing/2010/main">
+          <mc:Choice Requires="a14">
             <p:sp>
               <p:nvSpPr>
                 <p:cNvPr id="61" name="TextBox 60">
@@ -14030,7 +14087,7 @@
               </p:txBody>
             </p:sp>
           </mc:Choice>
-          <mc:Fallback>
+          <mc:Fallback xmlns="">
             <p:sp>
               <p:nvSpPr>
                 <p:cNvPr id="61" name="TextBox 60">
@@ -14415,8 +14472,8 @@
             </a:p>
           </p:txBody>
         </p:sp>
-        <mc:AlternateContent xmlns:mc="http://schemas.openxmlformats.org/markup-compatibility/2006">
-          <mc:Choice xmlns:a14="http://schemas.microsoft.com/office/drawing/2010/main" Requires="a14">
+        <mc:AlternateContent xmlns:mc="http://schemas.openxmlformats.org/markup-compatibility/2006" xmlns:a14="http://schemas.microsoft.com/office/drawing/2010/main">
+          <mc:Choice Requires="a14">
             <p:sp>
               <p:nvSpPr>
                 <p:cNvPr id="46" name="TextBox 45">
@@ -14474,7 +14531,7 @@
               </p:txBody>
             </p:sp>
           </mc:Choice>
-          <mc:Fallback>
+          <mc:Fallback xmlns="">
             <p:sp>
               <p:nvSpPr>
                 <p:cNvPr id="46" name="TextBox 45">
@@ -14571,8 +14628,8 @@
             </a:p>
           </p:txBody>
         </p:sp>
-        <mc:AlternateContent xmlns:mc="http://schemas.openxmlformats.org/markup-compatibility/2006">
-          <mc:Choice xmlns:a14="http://schemas.microsoft.com/office/drawing/2010/main" Requires="a14">
+        <mc:AlternateContent xmlns:mc="http://schemas.openxmlformats.org/markup-compatibility/2006" xmlns:a14="http://schemas.microsoft.com/office/drawing/2010/main">
+          <mc:Choice Requires="a14">
             <p:sp>
               <p:nvSpPr>
                 <p:cNvPr id="50" name="TextBox 49">
@@ -14630,7 +14687,7 @@
               </p:txBody>
             </p:sp>
           </mc:Choice>
-          <mc:Fallback>
+          <mc:Fallback xmlns="">
             <p:sp>
               <p:nvSpPr>
                 <p:cNvPr id="50" name="TextBox 49">
@@ -14675,8 +14732,8 @@
             </p:sp>
           </mc:Fallback>
         </mc:AlternateContent>
-        <mc:AlternateContent xmlns:mc="http://schemas.openxmlformats.org/markup-compatibility/2006">
-          <mc:Choice xmlns:a14="http://schemas.microsoft.com/office/drawing/2010/main" Requires="a14">
+        <mc:AlternateContent xmlns:mc="http://schemas.openxmlformats.org/markup-compatibility/2006" xmlns:a14="http://schemas.microsoft.com/office/drawing/2010/main">
+          <mc:Choice Requires="a14">
             <p:sp>
               <p:nvSpPr>
                 <p:cNvPr id="16" name="TextBox 15">
@@ -14726,7 +14783,7 @@
               </p:txBody>
             </p:sp>
           </mc:Choice>
-          <mc:Fallback>
+          <mc:Fallback xmlns="">
             <p:sp>
               <p:nvSpPr>
                 <p:cNvPr id="16" name="TextBox 15">
@@ -14771,8 +14828,8 @@
             </p:sp>
           </mc:Fallback>
         </mc:AlternateContent>
-        <mc:AlternateContent xmlns:mc="http://schemas.openxmlformats.org/markup-compatibility/2006">
-          <mc:Choice xmlns:a14="http://schemas.microsoft.com/office/drawing/2010/main" Requires="a14">
+        <mc:AlternateContent xmlns:mc="http://schemas.openxmlformats.org/markup-compatibility/2006" xmlns:a14="http://schemas.microsoft.com/office/drawing/2010/main">
+          <mc:Choice Requires="a14">
             <p:sp>
               <p:nvSpPr>
                 <p:cNvPr id="51" name="TextBox 50">
@@ -14822,7 +14879,7 @@
               </p:txBody>
             </p:sp>
           </mc:Choice>
-          <mc:Fallback>
+          <mc:Fallback xmlns="">
             <p:sp>
               <p:nvSpPr>
                 <p:cNvPr id="51" name="TextBox 50">
@@ -14867,8 +14924,8 @@
             </p:sp>
           </mc:Fallback>
         </mc:AlternateContent>
-        <mc:AlternateContent xmlns:mc="http://schemas.openxmlformats.org/markup-compatibility/2006">
-          <mc:Choice xmlns:a14="http://schemas.microsoft.com/office/drawing/2010/main" Requires="a14">
+        <mc:AlternateContent xmlns:mc="http://schemas.openxmlformats.org/markup-compatibility/2006" xmlns:a14="http://schemas.microsoft.com/office/drawing/2010/main">
+          <mc:Choice Requires="a14">
             <p:sp>
               <p:nvSpPr>
                 <p:cNvPr id="52" name="TextBox 51">
@@ -14918,7 +14975,7 @@
               </p:txBody>
             </p:sp>
           </mc:Choice>
-          <mc:Fallback>
+          <mc:Fallback xmlns="">
             <p:sp>
               <p:nvSpPr>
                 <p:cNvPr id="52" name="TextBox 51">
@@ -14963,8 +15020,8 @@
             </p:sp>
           </mc:Fallback>
         </mc:AlternateContent>
-        <mc:AlternateContent xmlns:mc="http://schemas.openxmlformats.org/markup-compatibility/2006">
-          <mc:Choice xmlns:a14="http://schemas.microsoft.com/office/drawing/2010/main" Requires="a14">
+        <mc:AlternateContent xmlns:mc="http://schemas.openxmlformats.org/markup-compatibility/2006" xmlns:a14="http://schemas.microsoft.com/office/drawing/2010/main">
+          <mc:Choice Requires="a14">
             <p:sp>
               <p:nvSpPr>
                 <p:cNvPr id="53" name="TextBox 52">
@@ -15014,7 +15071,7 @@
               </p:txBody>
             </p:sp>
           </mc:Choice>
-          <mc:Fallback>
+          <mc:Fallback xmlns="">
             <p:sp>
               <p:nvSpPr>
                 <p:cNvPr id="53" name="TextBox 52">
@@ -15059,8 +15116,8 @@
             </p:sp>
           </mc:Fallback>
         </mc:AlternateContent>
-        <mc:AlternateContent xmlns:mc="http://schemas.openxmlformats.org/markup-compatibility/2006">
-          <mc:Choice xmlns:a14="http://schemas.microsoft.com/office/drawing/2010/main" Requires="a14">
+        <mc:AlternateContent xmlns:mc="http://schemas.openxmlformats.org/markup-compatibility/2006" xmlns:a14="http://schemas.microsoft.com/office/drawing/2010/main">
+          <mc:Choice Requires="a14">
             <p:sp>
               <p:nvSpPr>
                 <p:cNvPr id="57" name="TextBox 56">
@@ -15110,7 +15167,7 @@
               </p:txBody>
             </p:sp>
           </mc:Choice>
-          <mc:Fallback>
+          <mc:Fallback xmlns="">
             <p:sp>
               <p:nvSpPr>
                 <p:cNvPr id="57" name="TextBox 56">
@@ -15155,8 +15212,8 @@
             </p:sp>
           </mc:Fallback>
         </mc:AlternateContent>
-        <mc:AlternateContent xmlns:mc="http://schemas.openxmlformats.org/markup-compatibility/2006">
-          <mc:Choice xmlns:a14="http://schemas.microsoft.com/office/drawing/2010/main" Requires="a14">
+        <mc:AlternateContent xmlns:mc="http://schemas.openxmlformats.org/markup-compatibility/2006" xmlns:a14="http://schemas.microsoft.com/office/drawing/2010/main">
+          <mc:Choice Requires="a14">
             <p:sp>
               <p:nvSpPr>
                 <p:cNvPr id="58" name="TextBox 57">
@@ -15206,7 +15263,7 @@
               </p:txBody>
             </p:sp>
           </mc:Choice>
-          <mc:Fallback>
+          <mc:Fallback xmlns="">
             <p:sp>
               <p:nvSpPr>
                 <p:cNvPr id="58" name="TextBox 57">
@@ -15836,8 +15893,8 @@
             </a:p>
           </p:txBody>
         </p:sp>
-        <mc:AlternateContent xmlns:mc="http://schemas.openxmlformats.org/markup-compatibility/2006">
-          <mc:Choice xmlns:a14="http://schemas.microsoft.com/office/drawing/2010/main" Requires="a14">
+        <mc:AlternateContent xmlns:mc="http://schemas.openxmlformats.org/markup-compatibility/2006" xmlns:a14="http://schemas.microsoft.com/office/drawing/2010/main">
+          <mc:Choice Requires="a14">
             <p:sp>
               <p:nvSpPr>
                 <p:cNvPr id="75" name="TextBox 74">
@@ -15888,7 +15945,7 @@
               </p:txBody>
             </p:sp>
           </mc:Choice>
-          <mc:Fallback>
+          <mc:Fallback xmlns="">
             <p:sp>
               <p:nvSpPr>
                 <p:cNvPr id="75" name="TextBox 74">
@@ -15985,8 +16042,8 @@
             </a:p>
           </p:txBody>
         </p:sp>
-        <mc:AlternateContent xmlns:mc="http://schemas.openxmlformats.org/markup-compatibility/2006">
-          <mc:Choice xmlns:a14="http://schemas.microsoft.com/office/drawing/2010/main" Requires="a14">
+        <mc:AlternateContent xmlns:mc="http://schemas.openxmlformats.org/markup-compatibility/2006" xmlns:a14="http://schemas.microsoft.com/office/drawing/2010/main">
+          <mc:Choice Requires="a14">
             <p:sp>
               <p:nvSpPr>
                 <p:cNvPr id="77" name="TextBox 76">
@@ -16037,7 +16094,7 @@
               </p:txBody>
             </p:sp>
           </mc:Choice>
-          <mc:Fallback>
+          <mc:Fallback xmlns="">
             <p:sp>
               <p:nvSpPr>
                 <p:cNvPr id="77" name="TextBox 76">
@@ -16082,8 +16139,8 @@
             </p:sp>
           </mc:Fallback>
         </mc:AlternateContent>
-        <mc:AlternateContent xmlns:mc="http://schemas.openxmlformats.org/markup-compatibility/2006">
-          <mc:Choice xmlns:a14="http://schemas.microsoft.com/office/drawing/2010/main" Requires="a14">
+        <mc:AlternateContent xmlns:mc="http://schemas.openxmlformats.org/markup-compatibility/2006" xmlns:a14="http://schemas.microsoft.com/office/drawing/2010/main">
+          <mc:Choice Requires="a14">
             <p:sp>
               <p:nvSpPr>
                 <p:cNvPr id="78" name="TextBox 77">
@@ -16133,7 +16190,7 @@
               </p:txBody>
             </p:sp>
           </mc:Choice>
-          <mc:Fallback>
+          <mc:Fallback xmlns="">
             <p:sp>
               <p:nvSpPr>
                 <p:cNvPr id="78" name="TextBox 77">
@@ -16178,8 +16235,8 @@
             </p:sp>
           </mc:Fallback>
         </mc:AlternateContent>
-        <mc:AlternateContent xmlns:mc="http://schemas.openxmlformats.org/markup-compatibility/2006">
-          <mc:Choice xmlns:a14="http://schemas.microsoft.com/office/drawing/2010/main" Requires="a14">
+        <mc:AlternateContent xmlns:mc="http://schemas.openxmlformats.org/markup-compatibility/2006" xmlns:a14="http://schemas.microsoft.com/office/drawing/2010/main">
+          <mc:Choice Requires="a14">
             <p:sp>
               <p:nvSpPr>
                 <p:cNvPr id="79" name="TextBox 78">
@@ -16229,7 +16286,7 @@
               </p:txBody>
             </p:sp>
           </mc:Choice>
-          <mc:Fallback>
+          <mc:Fallback xmlns="">
             <p:sp>
               <p:nvSpPr>
                 <p:cNvPr id="79" name="TextBox 78">
@@ -16274,8 +16331,8 @@
             </p:sp>
           </mc:Fallback>
         </mc:AlternateContent>
-        <mc:AlternateContent xmlns:mc="http://schemas.openxmlformats.org/markup-compatibility/2006">
-          <mc:Choice xmlns:a14="http://schemas.microsoft.com/office/drawing/2010/main" Requires="a14">
+        <mc:AlternateContent xmlns:mc="http://schemas.openxmlformats.org/markup-compatibility/2006" xmlns:a14="http://schemas.microsoft.com/office/drawing/2010/main">
+          <mc:Choice Requires="a14">
             <p:sp>
               <p:nvSpPr>
                 <p:cNvPr id="80" name="TextBox 79">
@@ -16325,7 +16382,7 @@
               </p:txBody>
             </p:sp>
           </mc:Choice>
-          <mc:Fallback>
+          <mc:Fallback xmlns="">
             <p:sp>
               <p:nvSpPr>
                 <p:cNvPr id="80" name="TextBox 79">
@@ -16370,8 +16427,8 @@
             </p:sp>
           </mc:Fallback>
         </mc:AlternateContent>
-        <mc:AlternateContent xmlns:mc="http://schemas.openxmlformats.org/markup-compatibility/2006">
-          <mc:Choice xmlns:a14="http://schemas.microsoft.com/office/drawing/2010/main" Requires="a14">
+        <mc:AlternateContent xmlns:mc="http://schemas.openxmlformats.org/markup-compatibility/2006" xmlns:a14="http://schemas.microsoft.com/office/drawing/2010/main">
+          <mc:Choice Requires="a14">
             <p:sp>
               <p:nvSpPr>
                 <p:cNvPr id="81" name="TextBox 80">
@@ -16421,7 +16478,7 @@
               </p:txBody>
             </p:sp>
           </mc:Choice>
-          <mc:Fallback>
+          <mc:Fallback xmlns="">
             <p:sp>
               <p:nvSpPr>
                 <p:cNvPr id="81" name="TextBox 80">
@@ -16466,8 +16523,8 @@
             </p:sp>
           </mc:Fallback>
         </mc:AlternateContent>
-        <mc:AlternateContent xmlns:mc="http://schemas.openxmlformats.org/markup-compatibility/2006">
-          <mc:Choice xmlns:a14="http://schemas.microsoft.com/office/drawing/2010/main" Requires="a14">
+        <mc:AlternateContent xmlns:mc="http://schemas.openxmlformats.org/markup-compatibility/2006" xmlns:a14="http://schemas.microsoft.com/office/drawing/2010/main">
+          <mc:Choice Requires="a14">
             <p:sp>
               <p:nvSpPr>
                 <p:cNvPr id="86" name="TextBox 85">
@@ -16539,7 +16596,7 @@
               </p:txBody>
             </p:sp>
           </mc:Choice>
-          <mc:Fallback>
+          <mc:Fallback xmlns="">
             <p:sp>
               <p:nvSpPr>
                 <p:cNvPr id="86" name="TextBox 85">
@@ -16584,8 +16641,8 @@
             </p:sp>
           </mc:Fallback>
         </mc:AlternateContent>
-        <mc:AlternateContent xmlns:mc="http://schemas.openxmlformats.org/markup-compatibility/2006">
-          <mc:Choice xmlns:a14="http://schemas.microsoft.com/office/drawing/2010/main" Requires="a14">
+        <mc:AlternateContent xmlns:mc="http://schemas.openxmlformats.org/markup-compatibility/2006" xmlns:a14="http://schemas.microsoft.com/office/drawing/2010/main">
+          <mc:Choice Requires="a14">
             <p:sp>
               <p:nvSpPr>
                 <p:cNvPr id="87" name="TextBox 86">
@@ -16657,7 +16714,7 @@
               </p:txBody>
             </p:sp>
           </mc:Choice>
-          <mc:Fallback>
+          <mc:Fallback xmlns="">
             <p:sp>
               <p:nvSpPr>
                 <p:cNvPr id="87" name="TextBox 86">
@@ -16703,6 +16760,1096 @@
           </mc:Fallback>
         </mc:AlternateContent>
       </p:grpSp>
+      <p:sp>
+        <p:nvSpPr>
+          <p:cNvPr id="2" name="Oval 1">
+            <a:extLst>
+              <a:ext uri="{FF2B5EF4-FFF2-40B4-BE49-F238E27FC236}">
+                <a16:creationId xmlns:a16="http://schemas.microsoft.com/office/drawing/2014/main" id="{2201B416-E303-40F3-A1CC-94187E924450}"/>
+              </a:ext>
+            </a:extLst>
+          </p:cNvPr>
+          <p:cNvSpPr/>
+          <p:nvPr/>
+        </p:nvSpPr>
+        <p:spPr>
+          <a:xfrm>
+            <a:off x="6396357" y="3436400"/>
+            <a:ext cx="914400" cy="914400"/>
+          </a:xfrm>
+          <a:prstGeom prst="ellipse">
+            <a:avLst/>
+          </a:prstGeom>
+          <a:solidFill>
+            <a:schemeClr val="bg1">
+              <a:lumMod val="95000"/>
+            </a:schemeClr>
+          </a:solidFill>
+          <a:ln w="25400">
+            <a:solidFill>
+              <a:schemeClr val="tx1"/>
+            </a:solidFill>
+          </a:ln>
+        </p:spPr>
+        <p:style>
+          <a:lnRef idx="2">
+            <a:schemeClr val="accent1">
+              <a:shade val="50000"/>
+            </a:schemeClr>
+          </a:lnRef>
+          <a:fillRef idx="1">
+            <a:schemeClr val="accent1"/>
+          </a:fillRef>
+          <a:effectRef idx="0">
+            <a:schemeClr val="accent1"/>
+          </a:effectRef>
+          <a:fontRef idx="minor">
+            <a:schemeClr val="lt1"/>
+          </a:fontRef>
+        </p:style>
+        <p:txBody>
+          <a:bodyPr rtlCol="0" anchor="ctr"/>
+          <a:lstStyle/>
+          <a:p>
+            <a:pPr algn="ctr"/>
+            <a:endParaRPr lang="en-US"/>
+          </a:p>
+        </p:txBody>
+      </p:sp>
+      <p:cxnSp>
+        <p:nvCxnSpPr>
+          <p:cNvPr id="69" name="Straight Arrow Connector 68">
+            <a:extLst>
+              <a:ext uri="{FF2B5EF4-FFF2-40B4-BE49-F238E27FC236}">
+                <a16:creationId xmlns:a16="http://schemas.microsoft.com/office/drawing/2014/main" id="{DC146B36-BFAC-46A6-8819-0B9BF9A19278}"/>
+              </a:ext>
+            </a:extLst>
+          </p:cNvPr>
+          <p:cNvCxnSpPr>
+            <a:cxnSpLocks/>
+          </p:cNvCxnSpPr>
+          <p:nvPr/>
+        </p:nvCxnSpPr>
+        <p:spPr>
+          <a:xfrm flipH="1">
+            <a:off x="6879427" y="3926621"/>
+            <a:ext cx="446158" cy="0"/>
+          </a:xfrm>
+          <a:prstGeom prst="straightConnector1">
+            <a:avLst/>
+          </a:prstGeom>
+          <a:ln w="25400">
+            <a:solidFill>
+              <a:schemeClr val="tx1"/>
+            </a:solidFill>
+            <a:headEnd type="stealth" w="lg" len="lg"/>
+            <a:tailEnd type="stealth" w="lg" len="lg"/>
+          </a:ln>
+        </p:spPr>
+        <p:style>
+          <a:lnRef idx="1">
+            <a:schemeClr val="accent1"/>
+          </a:lnRef>
+          <a:fillRef idx="0">
+            <a:schemeClr val="accent1"/>
+          </a:fillRef>
+          <a:effectRef idx="0">
+            <a:schemeClr val="accent1"/>
+          </a:effectRef>
+          <a:fontRef idx="minor">
+            <a:schemeClr val="tx1"/>
+          </a:fontRef>
+        </p:style>
+      </p:cxnSp>
+      <p:cxnSp>
+        <p:nvCxnSpPr>
+          <p:cNvPr id="70" name="Straight Connector 69">
+            <a:extLst>
+              <a:ext uri="{FF2B5EF4-FFF2-40B4-BE49-F238E27FC236}">
+                <a16:creationId xmlns:a16="http://schemas.microsoft.com/office/drawing/2014/main" id="{AE0DD116-582D-4E65-9398-9847F6D2AE9F}"/>
+              </a:ext>
+            </a:extLst>
+          </p:cNvPr>
+          <p:cNvCxnSpPr>
+            <a:cxnSpLocks/>
+            <a:endCxn id="2" idx="4"/>
+          </p:cNvCxnSpPr>
+          <p:nvPr/>
+        </p:nvCxnSpPr>
+        <p:spPr>
+          <a:xfrm flipH="1">
+            <a:off x="6853557" y="2375754"/>
+            <a:ext cx="25870" cy="1975046"/>
+          </a:xfrm>
+          <a:prstGeom prst="line">
+            <a:avLst/>
+          </a:prstGeom>
+          <a:ln w="31750">
+            <a:solidFill>
+              <a:schemeClr val="tx1"/>
+            </a:solidFill>
+          </a:ln>
+        </p:spPr>
+        <p:style>
+          <a:lnRef idx="1">
+            <a:schemeClr val="accent1"/>
+          </a:lnRef>
+          <a:fillRef idx="0">
+            <a:schemeClr val="accent1"/>
+          </a:fillRef>
+          <a:effectRef idx="0">
+            <a:schemeClr val="accent1"/>
+          </a:effectRef>
+          <a:fontRef idx="minor">
+            <a:schemeClr val="tx1"/>
+          </a:fontRef>
+        </p:style>
+      </p:cxnSp>
+      <p:cxnSp>
+        <p:nvCxnSpPr>
+          <p:cNvPr id="82" name="Straight Connector 81">
+            <a:extLst>
+              <a:ext uri="{FF2B5EF4-FFF2-40B4-BE49-F238E27FC236}">
+                <a16:creationId xmlns:a16="http://schemas.microsoft.com/office/drawing/2014/main" id="{22746A1C-9805-4B4D-B58F-DB4F61E7911D}"/>
+              </a:ext>
+            </a:extLst>
+          </p:cNvPr>
+          <p:cNvCxnSpPr>
+            <a:cxnSpLocks/>
+          </p:cNvCxnSpPr>
+          <p:nvPr/>
+        </p:nvCxnSpPr>
+        <p:spPr>
+          <a:xfrm>
+            <a:off x="7964066" y="2375754"/>
+            <a:ext cx="0" cy="1617157"/>
+          </a:xfrm>
+          <a:prstGeom prst="line">
+            <a:avLst/>
+          </a:prstGeom>
+          <a:ln w="31750">
+            <a:solidFill>
+              <a:schemeClr val="tx1"/>
+            </a:solidFill>
+          </a:ln>
+        </p:spPr>
+        <p:style>
+          <a:lnRef idx="1">
+            <a:schemeClr val="accent1"/>
+          </a:lnRef>
+          <a:fillRef idx="0">
+            <a:schemeClr val="accent1"/>
+          </a:fillRef>
+          <a:effectRef idx="0">
+            <a:schemeClr val="accent1"/>
+          </a:effectRef>
+          <a:fontRef idx="minor">
+            <a:schemeClr val="tx1"/>
+          </a:fontRef>
+        </p:style>
+      </p:cxnSp>
+      <p:cxnSp>
+        <p:nvCxnSpPr>
+          <p:cNvPr id="88" name="Straight Arrow Connector 87">
+            <a:extLst>
+              <a:ext uri="{FF2B5EF4-FFF2-40B4-BE49-F238E27FC236}">
+                <a16:creationId xmlns:a16="http://schemas.microsoft.com/office/drawing/2014/main" id="{4F53B432-5CFD-46F4-B2A5-8F09CF9A4418}"/>
+              </a:ext>
+            </a:extLst>
+          </p:cNvPr>
+          <p:cNvCxnSpPr>
+            <a:cxnSpLocks/>
+          </p:cNvCxnSpPr>
+          <p:nvPr/>
+        </p:nvCxnSpPr>
+        <p:spPr>
+          <a:xfrm flipH="1">
+            <a:off x="6882483" y="2602350"/>
+            <a:ext cx="1081583" cy="0"/>
+          </a:xfrm>
+          <a:prstGeom prst="straightConnector1">
+            <a:avLst/>
+          </a:prstGeom>
+          <a:ln w="25400">
+            <a:solidFill>
+              <a:schemeClr val="tx1"/>
+            </a:solidFill>
+            <a:headEnd type="stealth" w="lg" len="lg"/>
+            <a:tailEnd type="stealth" w="lg" len="lg"/>
+          </a:ln>
+        </p:spPr>
+        <p:style>
+          <a:lnRef idx="1">
+            <a:schemeClr val="accent1"/>
+          </a:lnRef>
+          <a:fillRef idx="0">
+            <a:schemeClr val="accent1"/>
+          </a:fillRef>
+          <a:effectRef idx="0">
+            <a:schemeClr val="accent1"/>
+          </a:effectRef>
+          <a:fontRef idx="minor">
+            <a:schemeClr val="tx1"/>
+          </a:fontRef>
+        </p:style>
+      </p:cxnSp>
+      <mc:AlternateContent xmlns:mc="http://schemas.openxmlformats.org/markup-compatibility/2006">
+        <mc:Choice xmlns:a14="http://schemas.microsoft.com/office/drawing/2010/main" Requires="a14">
+          <p:sp>
+            <p:nvSpPr>
+              <p:cNvPr id="14" name="TextBox 13">
+                <a:extLst>
+                  <a:ext uri="{FF2B5EF4-FFF2-40B4-BE49-F238E27FC236}">
+                    <a16:creationId xmlns:a16="http://schemas.microsoft.com/office/drawing/2014/main" id="{F987CCB6-4AF3-4104-B720-4CFE4310A76F}"/>
+                  </a:ext>
+                </a:extLst>
+              </p:cNvPr>
+              <p:cNvSpPr txBox="1"/>
+              <p:nvPr/>
+            </p:nvSpPr>
+            <p:spPr>
+              <a:xfrm>
+                <a:off x="7371987" y="2602350"/>
+                <a:ext cx="321498" cy="430887"/>
+              </a:xfrm>
+              <a:prstGeom prst="rect">
+                <a:avLst/>
+              </a:prstGeom>
+              <a:noFill/>
+            </p:spPr>
+            <p:txBody>
+              <a:bodyPr wrap="none" lIns="0" tIns="0" rIns="0" bIns="0" rtlCol="0">
+                <a:spAutoFit/>
+              </a:bodyPr>
+              <a:lstStyle/>
+              <a:p>
+                <a14:m>
+                  <m:oMathPara xmlns:m="http://schemas.openxmlformats.org/officeDocument/2006/math">
+                    <m:oMathParaPr>
+                      <m:jc m:val="centerGroup"/>
+                    </m:oMathParaPr>
+                    <m:oMath xmlns:m="http://schemas.openxmlformats.org/officeDocument/2006/math">
+                      <m:r>
+                        <a:rPr lang="en-US" sz="2800" b="0" i="1" smtClean="0">
+                          <a:latin typeface="Cambria Math" panose="02040503050406030204" pitchFamily="18" charset="0"/>
+                        </a:rPr>
+                        <m:t>𝑅</m:t>
+                      </m:r>
+                    </m:oMath>
+                  </m:oMathPara>
+                </a14:m>
+                <a:endParaRPr lang="en-US" sz="2800" dirty="0"/>
+              </a:p>
+            </p:txBody>
+          </p:sp>
+        </mc:Choice>
+        <mc:Fallback>
+          <p:sp>
+            <p:nvSpPr>
+              <p:cNvPr id="14" name="TextBox 13">
+                <a:extLst>
+                  <a:ext uri="{FF2B5EF4-FFF2-40B4-BE49-F238E27FC236}">
+                    <a16:creationId xmlns:a16="http://schemas.microsoft.com/office/drawing/2014/main" id="{F987CCB6-4AF3-4104-B720-4CFE4310A76F}"/>
+                  </a:ext>
+                </a:extLst>
+              </p:cNvPr>
+              <p:cNvSpPr txBox="1">
+                <a:spLocks noRot="1" noChangeAspect="1" noMove="1" noResize="1" noEditPoints="1" noAdjustHandles="1" noChangeArrowheads="1" noChangeShapeType="1" noTextEdit="1"/>
+              </p:cNvSpPr>
+              <p:nvPr/>
+            </p:nvSpPr>
+            <p:spPr>
+              <a:xfrm>
+                <a:off x="7371987" y="2602350"/>
+                <a:ext cx="321498" cy="430887"/>
+              </a:xfrm>
+              <a:prstGeom prst="rect">
+                <a:avLst/>
+              </a:prstGeom>
+              <a:blipFill>
+                <a:blip r:embed="rId28"/>
+                <a:stretch>
+                  <a:fillRect/>
+                </a:stretch>
+              </a:blipFill>
+            </p:spPr>
+            <p:txBody>
+              <a:bodyPr/>
+              <a:lstStyle/>
+              <a:p>
+                <a:r>
+                  <a:rPr lang="en-US">
+                    <a:noFill/>
+                  </a:rPr>
+                  <a:t> </a:t>
+                </a:r>
+              </a:p>
+            </p:txBody>
+          </p:sp>
+        </mc:Fallback>
+      </mc:AlternateContent>
+      <mc:AlternateContent xmlns:mc="http://schemas.openxmlformats.org/markup-compatibility/2006">
+        <mc:Choice xmlns:a14="http://schemas.microsoft.com/office/drawing/2010/main" Requires="a14">
+          <p:sp>
+            <p:nvSpPr>
+              <p:cNvPr id="89" name="TextBox 88">
+                <a:extLst>
+                  <a:ext uri="{FF2B5EF4-FFF2-40B4-BE49-F238E27FC236}">
+                    <a16:creationId xmlns:a16="http://schemas.microsoft.com/office/drawing/2014/main" id="{B3288966-FDAB-4ABD-9308-C7D332C2287D}"/>
+                  </a:ext>
+                </a:extLst>
+              </p:cNvPr>
+              <p:cNvSpPr txBox="1"/>
+              <p:nvPr/>
+            </p:nvSpPr>
+            <p:spPr>
+              <a:xfrm>
+                <a:off x="6990381" y="3535312"/>
+                <a:ext cx="261161" cy="430887"/>
+              </a:xfrm>
+              <a:prstGeom prst="rect">
+                <a:avLst/>
+              </a:prstGeom>
+              <a:noFill/>
+            </p:spPr>
+            <p:txBody>
+              <a:bodyPr wrap="none" lIns="0" tIns="0" rIns="0" bIns="0" rtlCol="0">
+                <a:spAutoFit/>
+              </a:bodyPr>
+              <a:lstStyle/>
+              <a:p>
+                <a14:m>
+                  <m:oMathPara xmlns:m="http://schemas.openxmlformats.org/officeDocument/2006/math">
+                    <m:oMathParaPr>
+                      <m:jc m:val="centerGroup"/>
+                    </m:oMathParaPr>
+                    <m:oMath xmlns:m="http://schemas.openxmlformats.org/officeDocument/2006/math">
+                      <m:r>
+                        <a:rPr lang="en-US" sz="2800" b="0" i="1" smtClean="0">
+                          <a:latin typeface="Cambria Math" panose="02040503050406030204" pitchFamily="18" charset="0"/>
+                        </a:rPr>
+                        <m:t>𝑟</m:t>
+                      </m:r>
+                    </m:oMath>
+                  </m:oMathPara>
+                </a14:m>
+                <a:endParaRPr lang="en-US" sz="2800" dirty="0"/>
+              </a:p>
+            </p:txBody>
+          </p:sp>
+        </mc:Choice>
+        <mc:Fallback>
+          <p:sp>
+            <p:nvSpPr>
+              <p:cNvPr id="89" name="TextBox 88">
+                <a:extLst>
+                  <a:ext uri="{FF2B5EF4-FFF2-40B4-BE49-F238E27FC236}">
+                    <a16:creationId xmlns:a16="http://schemas.microsoft.com/office/drawing/2014/main" id="{B3288966-FDAB-4ABD-9308-C7D332C2287D}"/>
+                  </a:ext>
+                </a:extLst>
+              </p:cNvPr>
+              <p:cNvSpPr txBox="1">
+                <a:spLocks noRot="1" noChangeAspect="1" noMove="1" noResize="1" noEditPoints="1" noAdjustHandles="1" noChangeArrowheads="1" noChangeShapeType="1" noTextEdit="1"/>
+              </p:cNvSpPr>
+              <p:nvPr/>
+            </p:nvSpPr>
+            <p:spPr>
+              <a:xfrm>
+                <a:off x="6990381" y="3535312"/>
+                <a:ext cx="261161" cy="430887"/>
+              </a:xfrm>
+              <a:prstGeom prst="rect">
+                <a:avLst/>
+              </a:prstGeom>
+              <a:blipFill>
+                <a:blip r:embed="rId29"/>
+                <a:stretch>
+                  <a:fillRect/>
+                </a:stretch>
+              </a:blipFill>
+            </p:spPr>
+            <p:txBody>
+              <a:bodyPr/>
+              <a:lstStyle/>
+              <a:p>
+                <a:r>
+                  <a:rPr lang="en-US">
+                    <a:noFill/>
+                  </a:rPr>
+                  <a:t> </a:t>
+                </a:r>
+              </a:p>
+            </p:txBody>
+          </p:sp>
+        </mc:Fallback>
+      </mc:AlternateContent>
+      <p:cxnSp>
+        <p:nvCxnSpPr>
+          <p:cNvPr id="91" name="Straight Connector 90">
+            <a:extLst>
+              <a:ext uri="{FF2B5EF4-FFF2-40B4-BE49-F238E27FC236}">
+                <a16:creationId xmlns:a16="http://schemas.microsoft.com/office/drawing/2014/main" id="{91E2EB83-DF9E-4EF1-B5EE-9680EFCAD318}"/>
+              </a:ext>
+            </a:extLst>
+          </p:cNvPr>
+          <p:cNvCxnSpPr>
+            <a:cxnSpLocks/>
+          </p:cNvCxnSpPr>
+          <p:nvPr/>
+        </p:nvCxnSpPr>
+        <p:spPr>
+          <a:xfrm>
+            <a:off x="6396357" y="3921375"/>
+            <a:ext cx="929228" cy="5246"/>
+          </a:xfrm>
+          <a:prstGeom prst="line">
+            <a:avLst/>
+          </a:prstGeom>
+          <a:ln w="12700">
+            <a:solidFill>
+              <a:schemeClr val="tx1"/>
+            </a:solidFill>
+          </a:ln>
+        </p:spPr>
+        <p:style>
+          <a:lnRef idx="1">
+            <a:schemeClr val="accent1"/>
+          </a:lnRef>
+          <a:fillRef idx="0">
+            <a:schemeClr val="accent1"/>
+          </a:fillRef>
+          <a:effectRef idx="0">
+            <a:schemeClr val="accent1"/>
+          </a:effectRef>
+          <a:fontRef idx="minor">
+            <a:schemeClr val="tx1"/>
+          </a:fontRef>
+        </p:style>
+      </p:cxnSp>
+      <p:sp>
+        <p:nvSpPr>
+          <p:cNvPr id="92" name="Oval 91">
+            <a:extLst>
+              <a:ext uri="{FF2B5EF4-FFF2-40B4-BE49-F238E27FC236}">
+                <a16:creationId xmlns:a16="http://schemas.microsoft.com/office/drawing/2014/main" id="{826BD8D1-E526-413E-850B-C91C4143E77A}"/>
+              </a:ext>
+            </a:extLst>
+          </p:cNvPr>
+          <p:cNvSpPr/>
+          <p:nvPr/>
+        </p:nvSpPr>
+        <p:spPr>
+          <a:xfrm>
+            <a:off x="6350637" y="3383807"/>
+            <a:ext cx="1005840" cy="1005840"/>
+          </a:xfrm>
+          <a:prstGeom prst="ellipse">
+            <a:avLst/>
+          </a:prstGeom>
+          <a:noFill/>
+          <a:ln w="3175">
+            <a:solidFill>
+              <a:schemeClr val="tx1"/>
+            </a:solidFill>
+          </a:ln>
+        </p:spPr>
+        <p:style>
+          <a:lnRef idx="2">
+            <a:schemeClr val="accent1">
+              <a:shade val="50000"/>
+            </a:schemeClr>
+          </a:lnRef>
+          <a:fillRef idx="1">
+            <a:schemeClr val="accent1"/>
+          </a:fillRef>
+          <a:effectRef idx="0">
+            <a:schemeClr val="accent1"/>
+          </a:effectRef>
+          <a:fontRef idx="minor">
+            <a:schemeClr val="lt1"/>
+          </a:fontRef>
+        </p:style>
+        <p:txBody>
+          <a:bodyPr rtlCol="0" anchor="ctr"/>
+          <a:lstStyle/>
+          <a:p>
+            <a:pPr algn="ctr"/>
+            <a:endParaRPr lang="en-US" dirty="0"/>
+          </a:p>
+        </p:txBody>
+      </p:sp>
+      <p:sp>
+        <p:nvSpPr>
+          <p:cNvPr id="93" name="Oval 92">
+            <a:extLst>
+              <a:ext uri="{FF2B5EF4-FFF2-40B4-BE49-F238E27FC236}">
+                <a16:creationId xmlns:a16="http://schemas.microsoft.com/office/drawing/2014/main" id="{D13F812D-48B3-4EED-BAB2-D41025317F3D}"/>
+              </a:ext>
+            </a:extLst>
+          </p:cNvPr>
+          <p:cNvSpPr/>
+          <p:nvPr/>
+        </p:nvSpPr>
+        <p:spPr>
+          <a:xfrm>
+            <a:off x="6304917" y="3344960"/>
+            <a:ext cx="1097280" cy="1097280"/>
+          </a:xfrm>
+          <a:prstGeom prst="ellipse">
+            <a:avLst/>
+          </a:prstGeom>
+          <a:noFill/>
+          <a:ln w="3175">
+            <a:solidFill>
+              <a:schemeClr val="tx1"/>
+            </a:solidFill>
+          </a:ln>
+        </p:spPr>
+        <p:style>
+          <a:lnRef idx="2">
+            <a:schemeClr val="accent1">
+              <a:shade val="50000"/>
+            </a:schemeClr>
+          </a:lnRef>
+          <a:fillRef idx="1">
+            <a:schemeClr val="accent1"/>
+          </a:fillRef>
+          <a:effectRef idx="0">
+            <a:schemeClr val="accent1"/>
+          </a:effectRef>
+          <a:fontRef idx="minor">
+            <a:schemeClr val="lt1"/>
+          </a:fontRef>
+        </p:style>
+        <p:txBody>
+          <a:bodyPr rtlCol="0" anchor="ctr"/>
+          <a:lstStyle/>
+          <a:p>
+            <a:pPr algn="ctr"/>
+            <a:endParaRPr lang="en-US" dirty="0"/>
+          </a:p>
+        </p:txBody>
+      </p:sp>
+      <p:sp>
+        <p:nvSpPr>
+          <p:cNvPr id="94" name="Oval 93">
+            <a:extLst>
+              <a:ext uri="{FF2B5EF4-FFF2-40B4-BE49-F238E27FC236}">
+                <a16:creationId xmlns:a16="http://schemas.microsoft.com/office/drawing/2014/main" id="{E5D0449A-4450-4D6D-BA9F-6FFDCD374DB2}"/>
+              </a:ext>
+            </a:extLst>
+          </p:cNvPr>
+          <p:cNvSpPr/>
+          <p:nvPr/>
+        </p:nvSpPr>
+        <p:spPr>
+          <a:xfrm>
+            <a:off x="6266611" y="3299240"/>
+            <a:ext cx="1188720" cy="1188720"/>
+          </a:xfrm>
+          <a:prstGeom prst="ellipse">
+            <a:avLst/>
+          </a:prstGeom>
+          <a:noFill/>
+          <a:ln w="3175">
+            <a:solidFill>
+              <a:schemeClr val="tx1"/>
+            </a:solidFill>
+          </a:ln>
+        </p:spPr>
+        <p:style>
+          <a:lnRef idx="2">
+            <a:schemeClr val="accent1">
+              <a:shade val="50000"/>
+            </a:schemeClr>
+          </a:lnRef>
+          <a:fillRef idx="1">
+            <a:schemeClr val="accent1"/>
+          </a:fillRef>
+          <a:effectRef idx="0">
+            <a:schemeClr val="accent1"/>
+          </a:effectRef>
+          <a:fontRef idx="minor">
+            <a:schemeClr val="lt1"/>
+          </a:fontRef>
+        </p:style>
+        <p:txBody>
+          <a:bodyPr rtlCol="0" anchor="ctr"/>
+          <a:lstStyle/>
+          <a:p>
+            <a:pPr algn="ctr"/>
+            <a:endParaRPr lang="en-US" dirty="0"/>
+          </a:p>
+        </p:txBody>
+      </p:sp>
+      <p:sp>
+        <p:nvSpPr>
+          <p:cNvPr id="95" name="Oval 94">
+            <a:extLst>
+              <a:ext uri="{FF2B5EF4-FFF2-40B4-BE49-F238E27FC236}">
+                <a16:creationId xmlns:a16="http://schemas.microsoft.com/office/drawing/2014/main" id="{D8239F45-AC5A-4AA7-9FE0-FDD051C93569}"/>
+              </a:ext>
+            </a:extLst>
+          </p:cNvPr>
+          <p:cNvSpPr/>
+          <p:nvPr/>
+        </p:nvSpPr>
+        <p:spPr>
+          <a:xfrm>
+            <a:off x="6213477" y="3253520"/>
+            <a:ext cx="1280160" cy="1280160"/>
+          </a:xfrm>
+          <a:prstGeom prst="ellipse">
+            <a:avLst/>
+          </a:prstGeom>
+          <a:noFill/>
+          <a:ln w="3175">
+            <a:solidFill>
+              <a:schemeClr val="tx1"/>
+            </a:solidFill>
+          </a:ln>
+        </p:spPr>
+        <p:style>
+          <a:lnRef idx="2">
+            <a:schemeClr val="accent1">
+              <a:shade val="50000"/>
+            </a:schemeClr>
+          </a:lnRef>
+          <a:fillRef idx="1">
+            <a:schemeClr val="accent1"/>
+          </a:fillRef>
+          <a:effectRef idx="0">
+            <a:schemeClr val="accent1"/>
+          </a:effectRef>
+          <a:fontRef idx="minor">
+            <a:schemeClr val="lt1"/>
+          </a:fontRef>
+        </p:style>
+        <p:txBody>
+          <a:bodyPr rtlCol="0" anchor="ctr"/>
+          <a:lstStyle/>
+          <a:p>
+            <a:pPr algn="ctr"/>
+            <a:endParaRPr lang="en-US" dirty="0"/>
+          </a:p>
+        </p:txBody>
+      </p:sp>
+      <p:sp>
+        <p:nvSpPr>
+          <p:cNvPr id="96" name="Oval 95">
+            <a:extLst>
+              <a:ext uri="{FF2B5EF4-FFF2-40B4-BE49-F238E27FC236}">
+                <a16:creationId xmlns:a16="http://schemas.microsoft.com/office/drawing/2014/main" id="{9C8BAA64-C24F-474B-AA5B-0E3EF99CFC9E}"/>
+              </a:ext>
+            </a:extLst>
+          </p:cNvPr>
+          <p:cNvSpPr/>
+          <p:nvPr/>
+        </p:nvSpPr>
+        <p:spPr>
+          <a:xfrm>
+            <a:off x="6167757" y="3207800"/>
+            <a:ext cx="1371600" cy="1371600"/>
+          </a:xfrm>
+          <a:prstGeom prst="ellipse">
+            <a:avLst/>
+          </a:prstGeom>
+          <a:noFill/>
+          <a:ln w="3175">
+            <a:solidFill>
+              <a:schemeClr val="tx1"/>
+            </a:solidFill>
+          </a:ln>
+        </p:spPr>
+        <p:style>
+          <a:lnRef idx="2">
+            <a:schemeClr val="accent1">
+              <a:shade val="50000"/>
+            </a:schemeClr>
+          </a:lnRef>
+          <a:fillRef idx="1">
+            <a:schemeClr val="accent1"/>
+          </a:fillRef>
+          <a:effectRef idx="0">
+            <a:schemeClr val="accent1"/>
+          </a:effectRef>
+          <a:fontRef idx="minor">
+            <a:schemeClr val="lt1"/>
+          </a:fontRef>
+        </p:style>
+        <p:txBody>
+          <a:bodyPr rtlCol="0" anchor="ctr"/>
+          <a:lstStyle/>
+          <a:p>
+            <a:pPr algn="ctr"/>
+            <a:endParaRPr lang="en-US" dirty="0"/>
+          </a:p>
+        </p:txBody>
+      </p:sp>
+      <p:sp>
+        <p:nvSpPr>
+          <p:cNvPr id="97" name="Oval 96">
+            <a:extLst>
+              <a:ext uri="{FF2B5EF4-FFF2-40B4-BE49-F238E27FC236}">
+                <a16:creationId xmlns:a16="http://schemas.microsoft.com/office/drawing/2014/main" id="{E1637195-240A-4569-8B6E-BBB0932F81E7}"/>
+              </a:ext>
+            </a:extLst>
+          </p:cNvPr>
+          <p:cNvSpPr/>
+          <p:nvPr/>
+        </p:nvSpPr>
+        <p:spPr>
+          <a:xfrm>
+            <a:off x="6129451" y="3173670"/>
+            <a:ext cx="1463040" cy="1463040"/>
+          </a:xfrm>
+          <a:prstGeom prst="ellipse">
+            <a:avLst/>
+          </a:prstGeom>
+          <a:noFill/>
+          <a:ln w="3175">
+            <a:solidFill>
+              <a:schemeClr val="tx1"/>
+            </a:solidFill>
+          </a:ln>
+        </p:spPr>
+        <p:style>
+          <a:lnRef idx="2">
+            <a:schemeClr val="accent1">
+              <a:shade val="50000"/>
+            </a:schemeClr>
+          </a:lnRef>
+          <a:fillRef idx="1">
+            <a:schemeClr val="accent1"/>
+          </a:fillRef>
+          <a:effectRef idx="0">
+            <a:schemeClr val="accent1"/>
+          </a:effectRef>
+          <a:fontRef idx="minor">
+            <a:schemeClr val="lt1"/>
+          </a:fontRef>
+        </p:style>
+        <p:txBody>
+          <a:bodyPr rtlCol="0" anchor="ctr"/>
+          <a:lstStyle/>
+          <a:p>
+            <a:pPr algn="ctr"/>
+            <a:endParaRPr lang="en-US" dirty="0"/>
+          </a:p>
+        </p:txBody>
+      </p:sp>
+      <p:sp>
+        <p:nvSpPr>
+          <p:cNvPr id="98" name="Oval 97">
+            <a:extLst>
+              <a:ext uri="{FF2B5EF4-FFF2-40B4-BE49-F238E27FC236}">
+                <a16:creationId xmlns:a16="http://schemas.microsoft.com/office/drawing/2014/main" id="{ACFC443D-BAF0-4B19-ABD6-4133DF4E0787}"/>
+              </a:ext>
+            </a:extLst>
+          </p:cNvPr>
+          <p:cNvSpPr/>
+          <p:nvPr/>
+        </p:nvSpPr>
+        <p:spPr>
+          <a:xfrm>
+            <a:off x="6083731" y="3134887"/>
+            <a:ext cx="1554480" cy="1554480"/>
+          </a:xfrm>
+          <a:prstGeom prst="ellipse">
+            <a:avLst/>
+          </a:prstGeom>
+          <a:noFill/>
+          <a:ln w="3175">
+            <a:solidFill>
+              <a:schemeClr val="tx1"/>
+            </a:solidFill>
+          </a:ln>
+        </p:spPr>
+        <p:style>
+          <a:lnRef idx="2">
+            <a:schemeClr val="accent1">
+              <a:shade val="50000"/>
+            </a:schemeClr>
+          </a:lnRef>
+          <a:fillRef idx="1">
+            <a:schemeClr val="accent1"/>
+          </a:fillRef>
+          <a:effectRef idx="0">
+            <a:schemeClr val="accent1"/>
+          </a:effectRef>
+          <a:fontRef idx="minor">
+            <a:schemeClr val="lt1"/>
+          </a:fontRef>
+        </p:style>
+        <p:txBody>
+          <a:bodyPr rtlCol="0" anchor="ctr"/>
+          <a:lstStyle/>
+          <a:p>
+            <a:pPr algn="ctr"/>
+            <a:endParaRPr lang="en-US" dirty="0"/>
+          </a:p>
+        </p:txBody>
+      </p:sp>
+      <p:sp>
+        <p:nvSpPr>
+          <p:cNvPr id="99" name="Oval 98">
+            <a:extLst>
+              <a:ext uri="{FF2B5EF4-FFF2-40B4-BE49-F238E27FC236}">
+                <a16:creationId xmlns:a16="http://schemas.microsoft.com/office/drawing/2014/main" id="{F990C5B8-5350-4448-9C38-0E1CCFF194BE}"/>
+              </a:ext>
+            </a:extLst>
+          </p:cNvPr>
+          <p:cNvSpPr/>
+          <p:nvPr/>
+        </p:nvSpPr>
+        <p:spPr>
+          <a:xfrm>
+            <a:off x="6038011" y="3079298"/>
+            <a:ext cx="1645920" cy="1645920"/>
+          </a:xfrm>
+          <a:prstGeom prst="ellipse">
+            <a:avLst/>
+          </a:prstGeom>
+          <a:noFill/>
+          <a:ln w="3175">
+            <a:solidFill>
+              <a:schemeClr val="tx1"/>
+            </a:solidFill>
+          </a:ln>
+        </p:spPr>
+        <p:style>
+          <a:lnRef idx="2">
+            <a:schemeClr val="accent1">
+              <a:shade val="50000"/>
+            </a:schemeClr>
+          </a:lnRef>
+          <a:fillRef idx="1">
+            <a:schemeClr val="accent1"/>
+          </a:fillRef>
+          <a:effectRef idx="0">
+            <a:schemeClr val="accent1"/>
+          </a:effectRef>
+          <a:fontRef idx="minor">
+            <a:schemeClr val="lt1"/>
+          </a:fontRef>
+        </p:style>
+        <p:txBody>
+          <a:bodyPr rtlCol="0" anchor="ctr"/>
+          <a:lstStyle/>
+          <a:p>
+            <a:pPr algn="ctr"/>
+            <a:endParaRPr lang="en-US" dirty="0"/>
+          </a:p>
+        </p:txBody>
+      </p:sp>
+      <p:sp>
+        <p:nvSpPr>
+          <p:cNvPr id="101" name="Oval 100">
+            <a:extLst>
+              <a:ext uri="{FF2B5EF4-FFF2-40B4-BE49-F238E27FC236}">
+                <a16:creationId xmlns:a16="http://schemas.microsoft.com/office/drawing/2014/main" id="{854417B7-0360-49B1-A579-B88A67999A15}"/>
+              </a:ext>
+            </a:extLst>
+          </p:cNvPr>
+          <p:cNvSpPr/>
+          <p:nvPr/>
+        </p:nvSpPr>
+        <p:spPr>
+          <a:xfrm>
+            <a:off x="5987088" y="3043447"/>
+            <a:ext cx="1737360" cy="1737360"/>
+          </a:xfrm>
+          <a:prstGeom prst="ellipse">
+            <a:avLst/>
+          </a:prstGeom>
+          <a:noFill/>
+          <a:ln w="3175">
+            <a:solidFill>
+              <a:schemeClr val="tx1"/>
+            </a:solidFill>
+          </a:ln>
+        </p:spPr>
+        <p:style>
+          <a:lnRef idx="2">
+            <a:schemeClr val="accent1">
+              <a:shade val="50000"/>
+            </a:schemeClr>
+          </a:lnRef>
+          <a:fillRef idx="1">
+            <a:schemeClr val="accent1"/>
+          </a:fillRef>
+          <a:effectRef idx="0">
+            <a:schemeClr val="accent1"/>
+          </a:effectRef>
+          <a:fontRef idx="minor">
+            <a:schemeClr val="lt1"/>
+          </a:fontRef>
+        </p:style>
+        <p:txBody>
+          <a:bodyPr rtlCol="0" anchor="ctr"/>
+          <a:lstStyle/>
+          <a:p>
+            <a:pPr algn="ctr"/>
+            <a:endParaRPr lang="en-US" dirty="0"/>
+          </a:p>
+        </p:txBody>
+      </p:sp>
+      <p:sp>
+        <p:nvSpPr>
+          <p:cNvPr id="102" name="Oval 101">
+            <a:extLst>
+              <a:ext uri="{FF2B5EF4-FFF2-40B4-BE49-F238E27FC236}">
+                <a16:creationId xmlns:a16="http://schemas.microsoft.com/office/drawing/2014/main" id="{6D089FBC-79D6-4D2F-82C1-03C1AFE44BC1}"/>
+              </a:ext>
+            </a:extLst>
+          </p:cNvPr>
+          <p:cNvSpPr/>
+          <p:nvPr/>
+        </p:nvSpPr>
+        <p:spPr>
+          <a:xfrm>
+            <a:off x="5934979" y="3012221"/>
+            <a:ext cx="1828800" cy="1828800"/>
+          </a:xfrm>
+          <a:prstGeom prst="ellipse">
+            <a:avLst/>
+          </a:prstGeom>
+          <a:noFill/>
+          <a:ln w="3175">
+            <a:solidFill>
+              <a:schemeClr val="tx1"/>
+            </a:solidFill>
+          </a:ln>
+        </p:spPr>
+        <p:style>
+          <a:lnRef idx="2">
+            <a:schemeClr val="accent1">
+              <a:shade val="50000"/>
+            </a:schemeClr>
+          </a:lnRef>
+          <a:fillRef idx="1">
+            <a:schemeClr val="accent1"/>
+          </a:fillRef>
+          <a:effectRef idx="0">
+            <a:schemeClr val="accent1"/>
+          </a:effectRef>
+          <a:fontRef idx="minor">
+            <a:schemeClr val="lt1"/>
+          </a:fontRef>
+        </p:style>
+        <p:txBody>
+          <a:bodyPr rtlCol="0" anchor="ctr"/>
+          <a:lstStyle/>
+          <a:p>
+            <a:pPr algn="ctr"/>
+            <a:endParaRPr lang="en-US" dirty="0"/>
+          </a:p>
+        </p:txBody>
+      </p:sp>
+      <p:sp>
+        <p:nvSpPr>
+          <p:cNvPr id="103" name="Oval 102">
+            <a:extLst>
+              <a:ext uri="{FF2B5EF4-FFF2-40B4-BE49-F238E27FC236}">
+                <a16:creationId xmlns:a16="http://schemas.microsoft.com/office/drawing/2014/main" id="{284E37CF-7FB6-43D2-903D-FF6155BAE6C9}"/>
+              </a:ext>
+            </a:extLst>
+          </p:cNvPr>
+          <p:cNvSpPr/>
+          <p:nvPr/>
+        </p:nvSpPr>
+        <p:spPr>
+          <a:xfrm>
+            <a:off x="5895648" y="2966501"/>
+            <a:ext cx="1920240" cy="1920240"/>
+          </a:xfrm>
+          <a:prstGeom prst="ellipse">
+            <a:avLst/>
+          </a:prstGeom>
+          <a:noFill/>
+          <a:ln w="3175">
+            <a:solidFill>
+              <a:schemeClr val="tx1"/>
+            </a:solidFill>
+          </a:ln>
+        </p:spPr>
+        <p:style>
+          <a:lnRef idx="2">
+            <a:schemeClr val="accent1">
+              <a:shade val="50000"/>
+            </a:schemeClr>
+          </a:lnRef>
+          <a:fillRef idx="1">
+            <a:schemeClr val="accent1"/>
+          </a:fillRef>
+          <a:effectRef idx="0">
+            <a:schemeClr val="accent1"/>
+          </a:effectRef>
+          <a:fontRef idx="minor">
+            <a:schemeClr val="lt1"/>
+          </a:fontRef>
+        </p:style>
+        <p:txBody>
+          <a:bodyPr rtlCol="0" anchor="ctr"/>
+          <a:lstStyle/>
+          <a:p>
+            <a:pPr algn="ctr"/>
+            <a:endParaRPr lang="en-US" dirty="0"/>
+          </a:p>
+        </p:txBody>
+      </p:sp>
+      <p:sp>
+        <p:nvSpPr>
+          <p:cNvPr id="104" name="Oval 103">
+            <a:extLst>
+              <a:ext uri="{FF2B5EF4-FFF2-40B4-BE49-F238E27FC236}">
+                <a16:creationId xmlns:a16="http://schemas.microsoft.com/office/drawing/2014/main" id="{D0E292A5-B5E1-4F1B-9669-66519B2DE8AD}"/>
+              </a:ext>
+            </a:extLst>
+          </p:cNvPr>
+          <p:cNvSpPr/>
+          <p:nvPr/>
+        </p:nvSpPr>
+        <p:spPr>
+          <a:xfrm>
+            <a:off x="5842380" y="2920781"/>
+            <a:ext cx="2011680" cy="2011680"/>
+          </a:xfrm>
+          <a:prstGeom prst="ellipse">
+            <a:avLst/>
+          </a:prstGeom>
+          <a:noFill/>
+          <a:ln w="3175">
+            <a:solidFill>
+              <a:schemeClr val="tx1"/>
+            </a:solidFill>
+          </a:ln>
+        </p:spPr>
+        <p:style>
+          <a:lnRef idx="2">
+            <a:schemeClr val="accent1">
+              <a:shade val="50000"/>
+            </a:schemeClr>
+          </a:lnRef>
+          <a:fillRef idx="1">
+            <a:schemeClr val="accent1"/>
+          </a:fillRef>
+          <a:effectRef idx="0">
+            <a:schemeClr val="accent1"/>
+          </a:effectRef>
+          <a:fontRef idx="minor">
+            <a:schemeClr val="lt1"/>
+          </a:fontRef>
+        </p:style>
+        <p:txBody>
+          <a:bodyPr rtlCol="0" anchor="ctr"/>
+          <a:lstStyle/>
+          <a:p>
+            <a:pPr algn="ctr"/>
+            <a:endParaRPr lang="en-US" dirty="0"/>
+          </a:p>
+        </p:txBody>
+      </p:sp>
     </p:spTree>
     <p:extLst>
       <p:ext uri="{BB962C8B-B14F-4D97-AF65-F5344CB8AC3E}">

--- a/volunteer/Drawings.pptx
+++ b/volunteer/Drawings.pptx
@@ -17,6 +17,8 @@
     <p:sldId id="274" r:id="rId11"/>
     <p:sldId id="275" r:id="rId12"/>
     <p:sldId id="276" r:id="rId13"/>
+    <p:sldId id="277" r:id="rId14"/>
+    <p:sldId id="278" r:id="rId15"/>
   </p:sldIdLst>
   <p:sldSz cx="12192000" cy="6858000"/>
   <p:notesSz cx="6858000" cy="9144000"/>
@@ -12400,63 +12402,6 @@
           <a:chExt cx="0" cy="0"/>
         </a:xfrm>
       </p:grpSpPr>
-      <p:sp>
-        <p:nvSpPr>
-          <p:cNvPr id="68" name="Oval 67">
-            <a:extLst>
-              <a:ext uri="{FF2B5EF4-FFF2-40B4-BE49-F238E27FC236}">
-                <a16:creationId xmlns:a16="http://schemas.microsoft.com/office/drawing/2014/main" id="{D36BB41C-A327-43FF-B080-8EF6DF91E368}"/>
-              </a:ext>
-            </a:extLst>
-          </p:cNvPr>
-          <p:cNvSpPr/>
-          <p:nvPr/>
-        </p:nvSpPr>
-        <p:spPr>
-          <a:xfrm>
-            <a:off x="5818080" y="2875061"/>
-            <a:ext cx="2103120" cy="2103120"/>
-          </a:xfrm>
-          <a:prstGeom prst="ellipse">
-            <a:avLst/>
-          </a:prstGeom>
-          <a:solidFill>
-            <a:schemeClr val="accent1">
-              <a:lumMod val="75000"/>
-              <a:alpha val="58000"/>
-            </a:schemeClr>
-          </a:solidFill>
-          <a:ln w="47625">
-            <a:solidFill>
-              <a:schemeClr val="tx1"/>
-            </a:solidFill>
-          </a:ln>
-        </p:spPr>
-        <p:style>
-          <a:lnRef idx="2">
-            <a:schemeClr val="accent1">
-              <a:shade val="50000"/>
-            </a:schemeClr>
-          </a:lnRef>
-          <a:fillRef idx="1">
-            <a:schemeClr val="accent1"/>
-          </a:fillRef>
-          <a:effectRef idx="0">
-            <a:schemeClr val="accent1"/>
-          </a:effectRef>
-          <a:fontRef idx="minor">
-            <a:schemeClr val="lt1"/>
-          </a:fontRef>
-        </p:style>
-        <p:txBody>
-          <a:bodyPr rtlCol="0" anchor="ctr"/>
-          <a:lstStyle/>
-          <a:p>
-            <a:pPr algn="ctr"/>
-            <a:endParaRPr lang="en-US" dirty="0"/>
-          </a:p>
-        </p:txBody>
-      </p:sp>
       <p:grpSp>
         <p:nvGrpSpPr>
           <p:cNvPr id="85" name="Group 84">
@@ -16760,157 +16705,2499 @@
           </mc:Fallback>
         </mc:AlternateContent>
       </p:grpSp>
-      <p:sp>
-        <p:nvSpPr>
-          <p:cNvPr id="2" name="Oval 1">
+      <p:grpSp>
+        <p:nvGrpSpPr>
+          <p:cNvPr id="4" name="Group 3">
             <a:extLst>
               <a:ext uri="{FF2B5EF4-FFF2-40B4-BE49-F238E27FC236}">
-                <a16:creationId xmlns:a16="http://schemas.microsoft.com/office/drawing/2014/main" id="{2201B416-E303-40F3-A1CC-94187E924450}"/>
+                <a16:creationId xmlns:a16="http://schemas.microsoft.com/office/drawing/2014/main" id="{02D4827E-6803-4EF5-B800-F8A1F1C7BA4C}"/>
               </a:ext>
             </a:extLst>
           </p:cNvPr>
-          <p:cNvSpPr/>
+          <p:cNvGrpSpPr/>
           <p:nvPr/>
-        </p:nvSpPr>
-        <p:spPr>
+        </p:nvGrpSpPr>
+        <p:grpSpPr>
           <a:xfrm>
-            <a:off x="6396357" y="3436400"/>
-            <a:ext cx="914400" cy="914400"/>
+            <a:off x="7447355" y="4174793"/>
+            <a:ext cx="2145986" cy="2602427"/>
+            <a:chOff x="5818080" y="2375754"/>
+            <a:chExt cx="2145986" cy="2602427"/>
           </a:xfrm>
-          <a:prstGeom prst="ellipse">
-            <a:avLst/>
-          </a:prstGeom>
-          <a:solidFill>
-            <a:schemeClr val="bg1">
-              <a:lumMod val="95000"/>
-            </a:schemeClr>
-          </a:solidFill>
-          <a:ln w="25400">
+        </p:grpSpPr>
+        <p:sp>
+          <p:nvSpPr>
+            <p:cNvPr id="68" name="Oval 67">
+              <a:extLst>
+                <a:ext uri="{FF2B5EF4-FFF2-40B4-BE49-F238E27FC236}">
+                  <a16:creationId xmlns:a16="http://schemas.microsoft.com/office/drawing/2014/main" id="{D36BB41C-A327-43FF-B080-8EF6DF91E368}"/>
+                </a:ext>
+              </a:extLst>
+            </p:cNvPr>
+            <p:cNvSpPr/>
+            <p:nvPr/>
+          </p:nvSpPr>
+          <p:spPr>
+            <a:xfrm>
+              <a:off x="5818080" y="2875061"/>
+              <a:ext cx="2103120" cy="2103120"/>
+            </a:xfrm>
+            <a:prstGeom prst="ellipse">
+              <a:avLst/>
+            </a:prstGeom>
             <a:solidFill>
+              <a:schemeClr val="accent1">
+                <a:lumMod val="75000"/>
+                <a:alpha val="58000"/>
+              </a:schemeClr>
+            </a:solidFill>
+            <a:ln w="47625">
+              <a:solidFill>
+                <a:schemeClr val="tx1"/>
+              </a:solidFill>
+            </a:ln>
+          </p:spPr>
+          <p:style>
+            <a:lnRef idx="2">
+              <a:schemeClr val="accent1">
+                <a:shade val="50000"/>
+              </a:schemeClr>
+            </a:lnRef>
+            <a:fillRef idx="1">
+              <a:schemeClr val="accent1"/>
+            </a:fillRef>
+            <a:effectRef idx="0">
+              <a:schemeClr val="accent1"/>
+            </a:effectRef>
+            <a:fontRef idx="minor">
+              <a:schemeClr val="lt1"/>
+            </a:fontRef>
+          </p:style>
+          <p:txBody>
+            <a:bodyPr rtlCol="0" anchor="ctr"/>
+            <a:lstStyle/>
+            <a:p>
+              <a:pPr algn="ctr"/>
+              <a:endParaRPr lang="en-US" dirty="0"/>
+            </a:p>
+          </p:txBody>
+        </p:sp>
+        <p:sp>
+          <p:nvSpPr>
+            <p:cNvPr id="2" name="Oval 1">
+              <a:extLst>
+                <a:ext uri="{FF2B5EF4-FFF2-40B4-BE49-F238E27FC236}">
+                  <a16:creationId xmlns:a16="http://schemas.microsoft.com/office/drawing/2014/main" id="{2201B416-E303-40F3-A1CC-94187E924450}"/>
+                </a:ext>
+              </a:extLst>
+            </p:cNvPr>
+            <p:cNvSpPr/>
+            <p:nvPr/>
+          </p:nvSpPr>
+          <p:spPr>
+            <a:xfrm>
+              <a:off x="6396357" y="3436400"/>
+              <a:ext cx="914400" cy="914400"/>
+            </a:xfrm>
+            <a:prstGeom prst="ellipse">
+              <a:avLst/>
+            </a:prstGeom>
+            <a:solidFill>
+              <a:schemeClr val="bg1">
+                <a:lumMod val="95000"/>
+              </a:schemeClr>
+            </a:solidFill>
+            <a:ln w="25400">
+              <a:solidFill>
+                <a:schemeClr val="tx1"/>
+              </a:solidFill>
+            </a:ln>
+          </p:spPr>
+          <p:style>
+            <a:lnRef idx="2">
+              <a:schemeClr val="accent1">
+                <a:shade val="50000"/>
+              </a:schemeClr>
+            </a:lnRef>
+            <a:fillRef idx="1">
+              <a:schemeClr val="accent1"/>
+            </a:fillRef>
+            <a:effectRef idx="0">
+              <a:schemeClr val="accent1"/>
+            </a:effectRef>
+            <a:fontRef idx="minor">
+              <a:schemeClr val="lt1"/>
+            </a:fontRef>
+          </p:style>
+          <p:txBody>
+            <a:bodyPr rtlCol="0" anchor="ctr"/>
+            <a:lstStyle/>
+            <a:p>
+              <a:pPr algn="ctr"/>
+              <a:endParaRPr lang="en-US"/>
+            </a:p>
+          </p:txBody>
+        </p:sp>
+        <p:cxnSp>
+          <p:nvCxnSpPr>
+            <p:cNvPr id="69" name="Straight Arrow Connector 68">
+              <a:extLst>
+                <a:ext uri="{FF2B5EF4-FFF2-40B4-BE49-F238E27FC236}">
+                  <a16:creationId xmlns:a16="http://schemas.microsoft.com/office/drawing/2014/main" id="{DC146B36-BFAC-46A6-8819-0B9BF9A19278}"/>
+                </a:ext>
+              </a:extLst>
+            </p:cNvPr>
+            <p:cNvCxnSpPr>
+              <a:cxnSpLocks/>
+            </p:cNvCxnSpPr>
+            <p:nvPr/>
+          </p:nvCxnSpPr>
+          <p:spPr>
+            <a:xfrm flipH="1">
+              <a:off x="6879427" y="3926621"/>
+              <a:ext cx="446158" cy="0"/>
+            </a:xfrm>
+            <a:prstGeom prst="straightConnector1">
+              <a:avLst/>
+            </a:prstGeom>
+            <a:ln w="25400">
+              <a:solidFill>
+                <a:schemeClr val="tx1"/>
+              </a:solidFill>
+              <a:headEnd type="stealth" w="lg" len="lg"/>
+              <a:tailEnd type="stealth" w="lg" len="lg"/>
+            </a:ln>
+          </p:spPr>
+          <p:style>
+            <a:lnRef idx="1">
+              <a:schemeClr val="accent1"/>
+            </a:lnRef>
+            <a:fillRef idx="0">
+              <a:schemeClr val="accent1"/>
+            </a:fillRef>
+            <a:effectRef idx="0">
+              <a:schemeClr val="accent1"/>
+            </a:effectRef>
+            <a:fontRef idx="minor">
               <a:schemeClr val="tx1"/>
-            </a:solidFill>
-          </a:ln>
-        </p:spPr>
-        <p:style>
-          <a:lnRef idx="2">
-            <a:schemeClr val="accent1">
-              <a:shade val="50000"/>
-            </a:schemeClr>
-          </a:lnRef>
-          <a:fillRef idx="1">
-            <a:schemeClr val="accent1"/>
-          </a:fillRef>
-          <a:effectRef idx="0">
-            <a:schemeClr val="accent1"/>
-          </a:effectRef>
-          <a:fontRef idx="minor">
-            <a:schemeClr val="lt1"/>
-          </a:fontRef>
-        </p:style>
-        <p:txBody>
-          <a:bodyPr rtlCol="0" anchor="ctr"/>
-          <a:lstStyle/>
-          <a:p>
-            <a:pPr algn="ctr"/>
-            <a:endParaRPr lang="en-US"/>
-          </a:p>
-        </p:txBody>
-      </p:sp>
-      <p:cxnSp>
-        <p:nvCxnSpPr>
-          <p:cNvPr id="69" name="Straight Arrow Connector 68">
+            </a:fontRef>
+          </p:style>
+        </p:cxnSp>
+        <p:cxnSp>
+          <p:nvCxnSpPr>
+            <p:cNvPr id="70" name="Straight Connector 69">
+              <a:extLst>
+                <a:ext uri="{FF2B5EF4-FFF2-40B4-BE49-F238E27FC236}">
+                  <a16:creationId xmlns:a16="http://schemas.microsoft.com/office/drawing/2014/main" id="{AE0DD116-582D-4E65-9398-9847F6D2AE9F}"/>
+                </a:ext>
+              </a:extLst>
+            </p:cNvPr>
+            <p:cNvCxnSpPr>
+              <a:cxnSpLocks/>
+              <a:endCxn id="2" idx="4"/>
+            </p:cNvCxnSpPr>
+            <p:nvPr/>
+          </p:nvCxnSpPr>
+          <p:spPr>
+            <a:xfrm flipH="1">
+              <a:off x="6853557" y="2375754"/>
+              <a:ext cx="25870" cy="1975046"/>
+            </a:xfrm>
+            <a:prstGeom prst="line">
+              <a:avLst/>
+            </a:prstGeom>
+            <a:ln w="31750">
+              <a:solidFill>
+                <a:schemeClr val="tx1"/>
+              </a:solidFill>
+            </a:ln>
+          </p:spPr>
+          <p:style>
+            <a:lnRef idx="1">
+              <a:schemeClr val="accent1"/>
+            </a:lnRef>
+            <a:fillRef idx="0">
+              <a:schemeClr val="accent1"/>
+            </a:fillRef>
+            <a:effectRef idx="0">
+              <a:schemeClr val="accent1"/>
+            </a:effectRef>
+            <a:fontRef idx="minor">
+              <a:schemeClr val="tx1"/>
+            </a:fontRef>
+          </p:style>
+        </p:cxnSp>
+        <p:cxnSp>
+          <p:nvCxnSpPr>
+            <p:cNvPr id="82" name="Straight Connector 81">
+              <a:extLst>
+                <a:ext uri="{FF2B5EF4-FFF2-40B4-BE49-F238E27FC236}">
+                  <a16:creationId xmlns:a16="http://schemas.microsoft.com/office/drawing/2014/main" id="{22746A1C-9805-4B4D-B58F-DB4F61E7911D}"/>
+                </a:ext>
+              </a:extLst>
+            </p:cNvPr>
+            <p:cNvCxnSpPr>
+              <a:cxnSpLocks/>
+            </p:cNvCxnSpPr>
+            <p:nvPr/>
+          </p:nvCxnSpPr>
+          <p:spPr>
+            <a:xfrm>
+              <a:off x="7964066" y="2375754"/>
+              <a:ext cx="0" cy="1617157"/>
+            </a:xfrm>
+            <a:prstGeom prst="line">
+              <a:avLst/>
+            </a:prstGeom>
+            <a:ln w="31750">
+              <a:solidFill>
+                <a:schemeClr val="tx1"/>
+              </a:solidFill>
+            </a:ln>
+          </p:spPr>
+          <p:style>
+            <a:lnRef idx="1">
+              <a:schemeClr val="accent1"/>
+            </a:lnRef>
+            <a:fillRef idx="0">
+              <a:schemeClr val="accent1"/>
+            </a:fillRef>
+            <a:effectRef idx="0">
+              <a:schemeClr val="accent1"/>
+            </a:effectRef>
+            <a:fontRef idx="minor">
+              <a:schemeClr val="tx1"/>
+            </a:fontRef>
+          </p:style>
+        </p:cxnSp>
+        <p:cxnSp>
+          <p:nvCxnSpPr>
+            <p:cNvPr id="88" name="Straight Arrow Connector 87">
+              <a:extLst>
+                <a:ext uri="{FF2B5EF4-FFF2-40B4-BE49-F238E27FC236}">
+                  <a16:creationId xmlns:a16="http://schemas.microsoft.com/office/drawing/2014/main" id="{4F53B432-5CFD-46F4-B2A5-8F09CF9A4418}"/>
+                </a:ext>
+              </a:extLst>
+            </p:cNvPr>
+            <p:cNvCxnSpPr>
+              <a:cxnSpLocks/>
+            </p:cNvCxnSpPr>
+            <p:nvPr/>
+          </p:nvCxnSpPr>
+          <p:spPr>
+            <a:xfrm flipH="1">
+              <a:off x="6882483" y="2602350"/>
+              <a:ext cx="1081583" cy="0"/>
+            </a:xfrm>
+            <a:prstGeom prst="straightConnector1">
+              <a:avLst/>
+            </a:prstGeom>
+            <a:ln w="25400">
+              <a:solidFill>
+                <a:schemeClr val="tx1"/>
+              </a:solidFill>
+              <a:headEnd type="stealth" w="lg" len="lg"/>
+              <a:tailEnd type="stealth" w="lg" len="lg"/>
+            </a:ln>
+          </p:spPr>
+          <p:style>
+            <a:lnRef idx="1">
+              <a:schemeClr val="accent1"/>
+            </a:lnRef>
+            <a:fillRef idx="0">
+              <a:schemeClr val="accent1"/>
+            </a:fillRef>
+            <a:effectRef idx="0">
+              <a:schemeClr val="accent1"/>
+            </a:effectRef>
+            <a:fontRef idx="minor">
+              <a:schemeClr val="tx1"/>
+            </a:fontRef>
+          </p:style>
+        </p:cxnSp>
+        <mc:AlternateContent xmlns:mc="http://schemas.openxmlformats.org/markup-compatibility/2006" xmlns:a14="http://schemas.microsoft.com/office/drawing/2010/main">
+          <mc:Choice Requires="a14">
+            <p:sp>
+              <p:nvSpPr>
+                <p:cNvPr id="14" name="TextBox 13">
+                  <a:extLst>
+                    <a:ext uri="{FF2B5EF4-FFF2-40B4-BE49-F238E27FC236}">
+                      <a16:creationId xmlns:a16="http://schemas.microsoft.com/office/drawing/2014/main" id="{F987CCB6-4AF3-4104-B720-4CFE4310A76F}"/>
+                    </a:ext>
+                  </a:extLst>
+                </p:cNvPr>
+                <p:cNvSpPr txBox="1"/>
+                <p:nvPr/>
+              </p:nvSpPr>
+              <p:spPr>
+                <a:xfrm>
+                  <a:off x="7371987" y="2602350"/>
+                  <a:ext cx="321498" cy="430887"/>
+                </a:xfrm>
+                <a:prstGeom prst="rect">
+                  <a:avLst/>
+                </a:prstGeom>
+                <a:noFill/>
+              </p:spPr>
+              <p:txBody>
+                <a:bodyPr wrap="none" lIns="0" tIns="0" rIns="0" bIns="0" rtlCol="0">
+                  <a:spAutoFit/>
+                </a:bodyPr>
+                <a:lstStyle/>
+                <a:p>
+                  <a:pPr/>
+                  <a14:m>
+                    <m:oMathPara xmlns:m="http://schemas.openxmlformats.org/officeDocument/2006/math">
+                      <m:oMathParaPr>
+                        <m:jc m:val="centerGroup"/>
+                      </m:oMathParaPr>
+                      <m:oMath xmlns:m="http://schemas.openxmlformats.org/officeDocument/2006/math">
+                        <m:r>
+                          <a:rPr lang="en-US" sz="2800" b="0" i="1" smtClean="0">
+                            <a:latin typeface="Cambria Math" panose="02040503050406030204" pitchFamily="18" charset="0"/>
+                          </a:rPr>
+                          <m:t>𝑅</m:t>
+                        </m:r>
+                      </m:oMath>
+                    </m:oMathPara>
+                  </a14:m>
+                  <a:endParaRPr lang="en-US" sz="2800" dirty="0"/>
+                </a:p>
+              </p:txBody>
+            </p:sp>
+          </mc:Choice>
+          <mc:Fallback xmlns="">
+            <p:sp>
+              <p:nvSpPr>
+                <p:cNvPr id="14" name="TextBox 13">
+                  <a:extLst>
+                    <a:ext uri="{FF2B5EF4-FFF2-40B4-BE49-F238E27FC236}">
+                      <a16:creationId xmlns:a16="http://schemas.microsoft.com/office/drawing/2014/main" id="{F987CCB6-4AF3-4104-B720-4CFE4310A76F}"/>
+                    </a:ext>
+                  </a:extLst>
+                </p:cNvPr>
+                <p:cNvSpPr txBox="1">
+                  <a:spLocks noRot="1" noChangeAspect="1" noMove="1" noResize="1" noEditPoints="1" noAdjustHandles="1" noChangeArrowheads="1" noChangeShapeType="1" noTextEdit="1"/>
+                </p:cNvSpPr>
+                <p:nvPr/>
+              </p:nvSpPr>
+              <p:spPr>
+                <a:xfrm>
+                  <a:off x="7371987" y="2602350"/>
+                  <a:ext cx="321498" cy="430887"/>
+                </a:xfrm>
+                <a:prstGeom prst="rect">
+                  <a:avLst/>
+                </a:prstGeom>
+                <a:blipFill>
+                  <a:blip r:embed="rId28"/>
+                  <a:stretch>
+                    <a:fillRect/>
+                  </a:stretch>
+                </a:blipFill>
+              </p:spPr>
+              <p:txBody>
+                <a:bodyPr/>
+                <a:lstStyle/>
+                <a:p>
+                  <a:r>
+                    <a:rPr lang="en-US">
+                      <a:noFill/>
+                    </a:rPr>
+                    <a:t> </a:t>
+                  </a:r>
+                </a:p>
+              </p:txBody>
+            </p:sp>
+          </mc:Fallback>
+        </mc:AlternateContent>
+        <mc:AlternateContent xmlns:mc="http://schemas.openxmlformats.org/markup-compatibility/2006" xmlns:a14="http://schemas.microsoft.com/office/drawing/2010/main">
+          <mc:Choice Requires="a14">
+            <p:sp>
+              <p:nvSpPr>
+                <p:cNvPr id="89" name="TextBox 88">
+                  <a:extLst>
+                    <a:ext uri="{FF2B5EF4-FFF2-40B4-BE49-F238E27FC236}">
+                      <a16:creationId xmlns:a16="http://schemas.microsoft.com/office/drawing/2014/main" id="{B3288966-FDAB-4ABD-9308-C7D332C2287D}"/>
+                    </a:ext>
+                  </a:extLst>
+                </p:cNvPr>
+                <p:cNvSpPr txBox="1"/>
+                <p:nvPr/>
+              </p:nvSpPr>
+              <p:spPr>
+                <a:xfrm>
+                  <a:off x="6990381" y="3535312"/>
+                  <a:ext cx="261161" cy="430887"/>
+                </a:xfrm>
+                <a:prstGeom prst="rect">
+                  <a:avLst/>
+                </a:prstGeom>
+                <a:noFill/>
+              </p:spPr>
+              <p:txBody>
+                <a:bodyPr wrap="none" lIns="0" tIns="0" rIns="0" bIns="0" rtlCol="0">
+                  <a:spAutoFit/>
+                </a:bodyPr>
+                <a:lstStyle/>
+                <a:p>
+                  <a:pPr/>
+                  <a14:m>
+                    <m:oMathPara xmlns:m="http://schemas.openxmlformats.org/officeDocument/2006/math">
+                      <m:oMathParaPr>
+                        <m:jc m:val="centerGroup"/>
+                      </m:oMathParaPr>
+                      <m:oMath xmlns:m="http://schemas.openxmlformats.org/officeDocument/2006/math">
+                        <m:r>
+                          <a:rPr lang="en-US" sz="2800" b="0" i="1" smtClean="0">
+                            <a:latin typeface="Cambria Math" panose="02040503050406030204" pitchFamily="18" charset="0"/>
+                          </a:rPr>
+                          <m:t>𝑟</m:t>
+                        </m:r>
+                      </m:oMath>
+                    </m:oMathPara>
+                  </a14:m>
+                  <a:endParaRPr lang="en-US" sz="2800" dirty="0"/>
+                </a:p>
+              </p:txBody>
+            </p:sp>
+          </mc:Choice>
+          <mc:Fallback xmlns="">
+            <p:sp>
+              <p:nvSpPr>
+                <p:cNvPr id="89" name="TextBox 88">
+                  <a:extLst>
+                    <a:ext uri="{FF2B5EF4-FFF2-40B4-BE49-F238E27FC236}">
+                      <a16:creationId xmlns:a16="http://schemas.microsoft.com/office/drawing/2014/main" id="{B3288966-FDAB-4ABD-9308-C7D332C2287D}"/>
+                    </a:ext>
+                  </a:extLst>
+                </p:cNvPr>
+                <p:cNvSpPr txBox="1">
+                  <a:spLocks noRot="1" noChangeAspect="1" noMove="1" noResize="1" noEditPoints="1" noAdjustHandles="1" noChangeArrowheads="1" noChangeShapeType="1" noTextEdit="1"/>
+                </p:cNvSpPr>
+                <p:nvPr/>
+              </p:nvSpPr>
+              <p:spPr>
+                <a:xfrm>
+                  <a:off x="6990381" y="3535312"/>
+                  <a:ext cx="261161" cy="430887"/>
+                </a:xfrm>
+                <a:prstGeom prst="rect">
+                  <a:avLst/>
+                </a:prstGeom>
+                <a:blipFill>
+                  <a:blip r:embed="rId29"/>
+                  <a:stretch>
+                    <a:fillRect/>
+                  </a:stretch>
+                </a:blipFill>
+              </p:spPr>
+              <p:txBody>
+                <a:bodyPr/>
+                <a:lstStyle/>
+                <a:p>
+                  <a:r>
+                    <a:rPr lang="en-US">
+                      <a:noFill/>
+                    </a:rPr>
+                    <a:t> </a:t>
+                  </a:r>
+                </a:p>
+              </p:txBody>
+            </p:sp>
+          </mc:Fallback>
+        </mc:AlternateContent>
+        <p:cxnSp>
+          <p:nvCxnSpPr>
+            <p:cNvPr id="91" name="Straight Connector 90">
+              <a:extLst>
+                <a:ext uri="{FF2B5EF4-FFF2-40B4-BE49-F238E27FC236}">
+                  <a16:creationId xmlns:a16="http://schemas.microsoft.com/office/drawing/2014/main" id="{91E2EB83-DF9E-4EF1-B5EE-9680EFCAD318}"/>
+                </a:ext>
+              </a:extLst>
+            </p:cNvPr>
+            <p:cNvCxnSpPr>
+              <a:cxnSpLocks/>
+            </p:cNvCxnSpPr>
+            <p:nvPr/>
+          </p:nvCxnSpPr>
+          <p:spPr>
+            <a:xfrm>
+              <a:off x="6396357" y="3921375"/>
+              <a:ext cx="929228" cy="5246"/>
+            </a:xfrm>
+            <a:prstGeom prst="line">
+              <a:avLst/>
+            </a:prstGeom>
+            <a:ln w="12700">
+              <a:solidFill>
+                <a:schemeClr val="tx1"/>
+              </a:solidFill>
+            </a:ln>
+          </p:spPr>
+          <p:style>
+            <a:lnRef idx="1">
+              <a:schemeClr val="accent1"/>
+            </a:lnRef>
+            <a:fillRef idx="0">
+              <a:schemeClr val="accent1"/>
+            </a:fillRef>
+            <a:effectRef idx="0">
+              <a:schemeClr val="accent1"/>
+            </a:effectRef>
+            <a:fontRef idx="minor">
+              <a:schemeClr val="tx1"/>
+            </a:fontRef>
+          </p:style>
+        </p:cxnSp>
+        <p:sp>
+          <p:nvSpPr>
+            <p:cNvPr id="92" name="Oval 91">
+              <a:extLst>
+                <a:ext uri="{FF2B5EF4-FFF2-40B4-BE49-F238E27FC236}">
+                  <a16:creationId xmlns:a16="http://schemas.microsoft.com/office/drawing/2014/main" id="{826BD8D1-E526-413E-850B-C91C4143E77A}"/>
+                </a:ext>
+              </a:extLst>
+            </p:cNvPr>
+            <p:cNvSpPr/>
+            <p:nvPr/>
+          </p:nvSpPr>
+          <p:spPr>
+            <a:xfrm>
+              <a:off x="6350637" y="3383807"/>
+              <a:ext cx="1005840" cy="1005840"/>
+            </a:xfrm>
+            <a:prstGeom prst="ellipse">
+              <a:avLst/>
+            </a:prstGeom>
+            <a:noFill/>
+            <a:ln w="3175">
+              <a:solidFill>
+                <a:schemeClr val="tx1"/>
+              </a:solidFill>
+            </a:ln>
+          </p:spPr>
+          <p:style>
+            <a:lnRef idx="2">
+              <a:schemeClr val="accent1">
+                <a:shade val="50000"/>
+              </a:schemeClr>
+            </a:lnRef>
+            <a:fillRef idx="1">
+              <a:schemeClr val="accent1"/>
+            </a:fillRef>
+            <a:effectRef idx="0">
+              <a:schemeClr val="accent1"/>
+            </a:effectRef>
+            <a:fontRef idx="minor">
+              <a:schemeClr val="lt1"/>
+            </a:fontRef>
+          </p:style>
+          <p:txBody>
+            <a:bodyPr rtlCol="0" anchor="ctr"/>
+            <a:lstStyle/>
+            <a:p>
+              <a:pPr algn="ctr"/>
+              <a:endParaRPr lang="en-US" dirty="0"/>
+            </a:p>
+          </p:txBody>
+        </p:sp>
+        <p:sp>
+          <p:nvSpPr>
+            <p:cNvPr id="93" name="Oval 92">
+              <a:extLst>
+                <a:ext uri="{FF2B5EF4-FFF2-40B4-BE49-F238E27FC236}">
+                  <a16:creationId xmlns:a16="http://schemas.microsoft.com/office/drawing/2014/main" id="{D13F812D-48B3-4EED-BAB2-D41025317F3D}"/>
+                </a:ext>
+              </a:extLst>
+            </p:cNvPr>
+            <p:cNvSpPr/>
+            <p:nvPr/>
+          </p:nvSpPr>
+          <p:spPr>
+            <a:xfrm>
+              <a:off x="6304917" y="3344960"/>
+              <a:ext cx="1097280" cy="1097280"/>
+            </a:xfrm>
+            <a:prstGeom prst="ellipse">
+              <a:avLst/>
+            </a:prstGeom>
+            <a:noFill/>
+            <a:ln w="3175">
+              <a:solidFill>
+                <a:schemeClr val="tx1"/>
+              </a:solidFill>
+            </a:ln>
+          </p:spPr>
+          <p:style>
+            <a:lnRef idx="2">
+              <a:schemeClr val="accent1">
+                <a:shade val="50000"/>
+              </a:schemeClr>
+            </a:lnRef>
+            <a:fillRef idx="1">
+              <a:schemeClr val="accent1"/>
+            </a:fillRef>
+            <a:effectRef idx="0">
+              <a:schemeClr val="accent1"/>
+            </a:effectRef>
+            <a:fontRef idx="minor">
+              <a:schemeClr val="lt1"/>
+            </a:fontRef>
+          </p:style>
+          <p:txBody>
+            <a:bodyPr rtlCol="0" anchor="ctr"/>
+            <a:lstStyle/>
+            <a:p>
+              <a:pPr algn="ctr"/>
+              <a:endParaRPr lang="en-US" dirty="0"/>
+            </a:p>
+          </p:txBody>
+        </p:sp>
+        <p:sp>
+          <p:nvSpPr>
+            <p:cNvPr id="94" name="Oval 93">
+              <a:extLst>
+                <a:ext uri="{FF2B5EF4-FFF2-40B4-BE49-F238E27FC236}">
+                  <a16:creationId xmlns:a16="http://schemas.microsoft.com/office/drawing/2014/main" id="{E5D0449A-4450-4D6D-BA9F-6FFDCD374DB2}"/>
+                </a:ext>
+              </a:extLst>
+            </p:cNvPr>
+            <p:cNvSpPr/>
+            <p:nvPr/>
+          </p:nvSpPr>
+          <p:spPr>
+            <a:xfrm>
+              <a:off x="6266611" y="3299240"/>
+              <a:ext cx="1188720" cy="1188720"/>
+            </a:xfrm>
+            <a:prstGeom prst="ellipse">
+              <a:avLst/>
+            </a:prstGeom>
+            <a:noFill/>
+            <a:ln w="3175">
+              <a:solidFill>
+                <a:schemeClr val="tx1"/>
+              </a:solidFill>
+            </a:ln>
+          </p:spPr>
+          <p:style>
+            <a:lnRef idx="2">
+              <a:schemeClr val="accent1">
+                <a:shade val="50000"/>
+              </a:schemeClr>
+            </a:lnRef>
+            <a:fillRef idx="1">
+              <a:schemeClr val="accent1"/>
+            </a:fillRef>
+            <a:effectRef idx="0">
+              <a:schemeClr val="accent1"/>
+            </a:effectRef>
+            <a:fontRef idx="minor">
+              <a:schemeClr val="lt1"/>
+            </a:fontRef>
+          </p:style>
+          <p:txBody>
+            <a:bodyPr rtlCol="0" anchor="ctr"/>
+            <a:lstStyle/>
+            <a:p>
+              <a:pPr algn="ctr"/>
+              <a:endParaRPr lang="en-US" dirty="0"/>
+            </a:p>
+          </p:txBody>
+        </p:sp>
+        <p:sp>
+          <p:nvSpPr>
+            <p:cNvPr id="95" name="Oval 94">
+              <a:extLst>
+                <a:ext uri="{FF2B5EF4-FFF2-40B4-BE49-F238E27FC236}">
+                  <a16:creationId xmlns:a16="http://schemas.microsoft.com/office/drawing/2014/main" id="{D8239F45-AC5A-4AA7-9FE0-FDD051C93569}"/>
+                </a:ext>
+              </a:extLst>
+            </p:cNvPr>
+            <p:cNvSpPr/>
+            <p:nvPr/>
+          </p:nvSpPr>
+          <p:spPr>
+            <a:xfrm>
+              <a:off x="6213477" y="3253520"/>
+              <a:ext cx="1280160" cy="1280160"/>
+            </a:xfrm>
+            <a:prstGeom prst="ellipse">
+              <a:avLst/>
+            </a:prstGeom>
+            <a:noFill/>
+            <a:ln w="3175">
+              <a:solidFill>
+                <a:schemeClr val="tx1"/>
+              </a:solidFill>
+            </a:ln>
+          </p:spPr>
+          <p:style>
+            <a:lnRef idx="2">
+              <a:schemeClr val="accent1">
+                <a:shade val="50000"/>
+              </a:schemeClr>
+            </a:lnRef>
+            <a:fillRef idx="1">
+              <a:schemeClr val="accent1"/>
+            </a:fillRef>
+            <a:effectRef idx="0">
+              <a:schemeClr val="accent1"/>
+            </a:effectRef>
+            <a:fontRef idx="minor">
+              <a:schemeClr val="lt1"/>
+            </a:fontRef>
+          </p:style>
+          <p:txBody>
+            <a:bodyPr rtlCol="0" anchor="ctr"/>
+            <a:lstStyle/>
+            <a:p>
+              <a:pPr algn="ctr"/>
+              <a:endParaRPr lang="en-US" dirty="0"/>
+            </a:p>
+          </p:txBody>
+        </p:sp>
+        <p:sp>
+          <p:nvSpPr>
+            <p:cNvPr id="96" name="Oval 95">
+              <a:extLst>
+                <a:ext uri="{FF2B5EF4-FFF2-40B4-BE49-F238E27FC236}">
+                  <a16:creationId xmlns:a16="http://schemas.microsoft.com/office/drawing/2014/main" id="{9C8BAA64-C24F-474B-AA5B-0E3EF99CFC9E}"/>
+                </a:ext>
+              </a:extLst>
+            </p:cNvPr>
+            <p:cNvSpPr/>
+            <p:nvPr/>
+          </p:nvSpPr>
+          <p:spPr>
+            <a:xfrm>
+              <a:off x="6167757" y="3207800"/>
+              <a:ext cx="1371600" cy="1371600"/>
+            </a:xfrm>
+            <a:prstGeom prst="ellipse">
+              <a:avLst/>
+            </a:prstGeom>
+            <a:noFill/>
+            <a:ln w="3175">
+              <a:solidFill>
+                <a:schemeClr val="tx1"/>
+              </a:solidFill>
+            </a:ln>
+          </p:spPr>
+          <p:style>
+            <a:lnRef idx="2">
+              <a:schemeClr val="accent1">
+                <a:shade val="50000"/>
+              </a:schemeClr>
+            </a:lnRef>
+            <a:fillRef idx="1">
+              <a:schemeClr val="accent1"/>
+            </a:fillRef>
+            <a:effectRef idx="0">
+              <a:schemeClr val="accent1"/>
+            </a:effectRef>
+            <a:fontRef idx="minor">
+              <a:schemeClr val="lt1"/>
+            </a:fontRef>
+          </p:style>
+          <p:txBody>
+            <a:bodyPr rtlCol="0" anchor="ctr"/>
+            <a:lstStyle/>
+            <a:p>
+              <a:pPr algn="ctr"/>
+              <a:endParaRPr lang="en-US" dirty="0"/>
+            </a:p>
+          </p:txBody>
+        </p:sp>
+        <p:sp>
+          <p:nvSpPr>
+            <p:cNvPr id="97" name="Oval 96">
+              <a:extLst>
+                <a:ext uri="{FF2B5EF4-FFF2-40B4-BE49-F238E27FC236}">
+                  <a16:creationId xmlns:a16="http://schemas.microsoft.com/office/drawing/2014/main" id="{E1637195-240A-4569-8B6E-BBB0932F81E7}"/>
+                </a:ext>
+              </a:extLst>
+            </p:cNvPr>
+            <p:cNvSpPr/>
+            <p:nvPr/>
+          </p:nvSpPr>
+          <p:spPr>
+            <a:xfrm>
+              <a:off x="6129451" y="3173670"/>
+              <a:ext cx="1463040" cy="1463040"/>
+            </a:xfrm>
+            <a:prstGeom prst="ellipse">
+              <a:avLst/>
+            </a:prstGeom>
+            <a:noFill/>
+            <a:ln w="3175">
+              <a:solidFill>
+                <a:schemeClr val="tx1"/>
+              </a:solidFill>
+            </a:ln>
+          </p:spPr>
+          <p:style>
+            <a:lnRef idx="2">
+              <a:schemeClr val="accent1">
+                <a:shade val="50000"/>
+              </a:schemeClr>
+            </a:lnRef>
+            <a:fillRef idx="1">
+              <a:schemeClr val="accent1"/>
+            </a:fillRef>
+            <a:effectRef idx="0">
+              <a:schemeClr val="accent1"/>
+            </a:effectRef>
+            <a:fontRef idx="minor">
+              <a:schemeClr val="lt1"/>
+            </a:fontRef>
+          </p:style>
+          <p:txBody>
+            <a:bodyPr rtlCol="0" anchor="ctr"/>
+            <a:lstStyle/>
+            <a:p>
+              <a:pPr algn="ctr"/>
+              <a:endParaRPr lang="en-US" dirty="0"/>
+            </a:p>
+          </p:txBody>
+        </p:sp>
+        <p:sp>
+          <p:nvSpPr>
+            <p:cNvPr id="98" name="Oval 97">
+              <a:extLst>
+                <a:ext uri="{FF2B5EF4-FFF2-40B4-BE49-F238E27FC236}">
+                  <a16:creationId xmlns:a16="http://schemas.microsoft.com/office/drawing/2014/main" id="{ACFC443D-BAF0-4B19-ABD6-4133DF4E0787}"/>
+                </a:ext>
+              </a:extLst>
+            </p:cNvPr>
+            <p:cNvSpPr/>
+            <p:nvPr/>
+          </p:nvSpPr>
+          <p:spPr>
+            <a:xfrm>
+              <a:off x="6083731" y="3134887"/>
+              <a:ext cx="1554480" cy="1554480"/>
+            </a:xfrm>
+            <a:prstGeom prst="ellipse">
+              <a:avLst/>
+            </a:prstGeom>
+            <a:noFill/>
+            <a:ln w="3175">
+              <a:solidFill>
+                <a:schemeClr val="tx1"/>
+              </a:solidFill>
+            </a:ln>
+          </p:spPr>
+          <p:style>
+            <a:lnRef idx="2">
+              <a:schemeClr val="accent1">
+                <a:shade val="50000"/>
+              </a:schemeClr>
+            </a:lnRef>
+            <a:fillRef idx="1">
+              <a:schemeClr val="accent1"/>
+            </a:fillRef>
+            <a:effectRef idx="0">
+              <a:schemeClr val="accent1"/>
+            </a:effectRef>
+            <a:fontRef idx="minor">
+              <a:schemeClr val="lt1"/>
+            </a:fontRef>
+          </p:style>
+          <p:txBody>
+            <a:bodyPr rtlCol="0" anchor="ctr"/>
+            <a:lstStyle/>
+            <a:p>
+              <a:pPr algn="ctr"/>
+              <a:endParaRPr lang="en-US" dirty="0"/>
+            </a:p>
+          </p:txBody>
+        </p:sp>
+        <p:sp>
+          <p:nvSpPr>
+            <p:cNvPr id="99" name="Oval 98">
+              <a:extLst>
+                <a:ext uri="{FF2B5EF4-FFF2-40B4-BE49-F238E27FC236}">
+                  <a16:creationId xmlns:a16="http://schemas.microsoft.com/office/drawing/2014/main" id="{F990C5B8-5350-4448-9C38-0E1CCFF194BE}"/>
+                </a:ext>
+              </a:extLst>
+            </p:cNvPr>
+            <p:cNvSpPr/>
+            <p:nvPr/>
+          </p:nvSpPr>
+          <p:spPr>
+            <a:xfrm>
+              <a:off x="6038011" y="3079298"/>
+              <a:ext cx="1645920" cy="1645920"/>
+            </a:xfrm>
+            <a:prstGeom prst="ellipse">
+              <a:avLst/>
+            </a:prstGeom>
+            <a:noFill/>
+            <a:ln w="3175">
+              <a:solidFill>
+                <a:schemeClr val="tx1"/>
+              </a:solidFill>
+            </a:ln>
+          </p:spPr>
+          <p:style>
+            <a:lnRef idx="2">
+              <a:schemeClr val="accent1">
+                <a:shade val="50000"/>
+              </a:schemeClr>
+            </a:lnRef>
+            <a:fillRef idx="1">
+              <a:schemeClr val="accent1"/>
+            </a:fillRef>
+            <a:effectRef idx="0">
+              <a:schemeClr val="accent1"/>
+            </a:effectRef>
+            <a:fontRef idx="minor">
+              <a:schemeClr val="lt1"/>
+            </a:fontRef>
+          </p:style>
+          <p:txBody>
+            <a:bodyPr rtlCol="0" anchor="ctr"/>
+            <a:lstStyle/>
+            <a:p>
+              <a:pPr algn="ctr"/>
+              <a:endParaRPr lang="en-US" dirty="0"/>
+            </a:p>
+          </p:txBody>
+        </p:sp>
+        <p:sp>
+          <p:nvSpPr>
+            <p:cNvPr id="101" name="Oval 100">
+              <a:extLst>
+                <a:ext uri="{FF2B5EF4-FFF2-40B4-BE49-F238E27FC236}">
+                  <a16:creationId xmlns:a16="http://schemas.microsoft.com/office/drawing/2014/main" id="{854417B7-0360-49B1-A579-B88A67999A15}"/>
+                </a:ext>
+              </a:extLst>
+            </p:cNvPr>
+            <p:cNvSpPr/>
+            <p:nvPr/>
+          </p:nvSpPr>
+          <p:spPr>
+            <a:xfrm>
+              <a:off x="5987088" y="3043447"/>
+              <a:ext cx="1737360" cy="1737360"/>
+            </a:xfrm>
+            <a:prstGeom prst="ellipse">
+              <a:avLst/>
+            </a:prstGeom>
+            <a:noFill/>
+            <a:ln w="3175">
+              <a:solidFill>
+                <a:schemeClr val="tx1"/>
+              </a:solidFill>
+            </a:ln>
+          </p:spPr>
+          <p:style>
+            <a:lnRef idx="2">
+              <a:schemeClr val="accent1">
+                <a:shade val="50000"/>
+              </a:schemeClr>
+            </a:lnRef>
+            <a:fillRef idx="1">
+              <a:schemeClr val="accent1"/>
+            </a:fillRef>
+            <a:effectRef idx="0">
+              <a:schemeClr val="accent1"/>
+            </a:effectRef>
+            <a:fontRef idx="minor">
+              <a:schemeClr val="lt1"/>
+            </a:fontRef>
+          </p:style>
+          <p:txBody>
+            <a:bodyPr rtlCol="0" anchor="ctr"/>
+            <a:lstStyle/>
+            <a:p>
+              <a:pPr algn="ctr"/>
+              <a:endParaRPr lang="en-US" dirty="0"/>
+            </a:p>
+          </p:txBody>
+        </p:sp>
+        <p:sp>
+          <p:nvSpPr>
+            <p:cNvPr id="102" name="Oval 101">
+              <a:extLst>
+                <a:ext uri="{FF2B5EF4-FFF2-40B4-BE49-F238E27FC236}">
+                  <a16:creationId xmlns:a16="http://schemas.microsoft.com/office/drawing/2014/main" id="{6D089FBC-79D6-4D2F-82C1-03C1AFE44BC1}"/>
+                </a:ext>
+              </a:extLst>
+            </p:cNvPr>
+            <p:cNvSpPr/>
+            <p:nvPr/>
+          </p:nvSpPr>
+          <p:spPr>
+            <a:xfrm>
+              <a:off x="5934979" y="3012221"/>
+              <a:ext cx="1828800" cy="1828800"/>
+            </a:xfrm>
+            <a:prstGeom prst="ellipse">
+              <a:avLst/>
+            </a:prstGeom>
+            <a:noFill/>
+            <a:ln w="3175">
+              <a:solidFill>
+                <a:schemeClr val="tx1"/>
+              </a:solidFill>
+            </a:ln>
+          </p:spPr>
+          <p:style>
+            <a:lnRef idx="2">
+              <a:schemeClr val="accent1">
+                <a:shade val="50000"/>
+              </a:schemeClr>
+            </a:lnRef>
+            <a:fillRef idx="1">
+              <a:schemeClr val="accent1"/>
+            </a:fillRef>
+            <a:effectRef idx="0">
+              <a:schemeClr val="accent1"/>
+            </a:effectRef>
+            <a:fontRef idx="minor">
+              <a:schemeClr val="lt1"/>
+            </a:fontRef>
+          </p:style>
+          <p:txBody>
+            <a:bodyPr rtlCol="0" anchor="ctr"/>
+            <a:lstStyle/>
+            <a:p>
+              <a:pPr algn="ctr"/>
+              <a:endParaRPr lang="en-US" dirty="0"/>
+            </a:p>
+          </p:txBody>
+        </p:sp>
+        <p:sp>
+          <p:nvSpPr>
+            <p:cNvPr id="103" name="Oval 102">
+              <a:extLst>
+                <a:ext uri="{FF2B5EF4-FFF2-40B4-BE49-F238E27FC236}">
+                  <a16:creationId xmlns:a16="http://schemas.microsoft.com/office/drawing/2014/main" id="{284E37CF-7FB6-43D2-903D-FF6155BAE6C9}"/>
+                </a:ext>
+              </a:extLst>
+            </p:cNvPr>
+            <p:cNvSpPr/>
+            <p:nvPr/>
+          </p:nvSpPr>
+          <p:spPr>
+            <a:xfrm>
+              <a:off x="5895648" y="2966501"/>
+              <a:ext cx="1920240" cy="1920240"/>
+            </a:xfrm>
+            <a:prstGeom prst="ellipse">
+              <a:avLst/>
+            </a:prstGeom>
+            <a:noFill/>
+            <a:ln w="3175">
+              <a:solidFill>
+                <a:schemeClr val="tx1"/>
+              </a:solidFill>
+            </a:ln>
+          </p:spPr>
+          <p:style>
+            <a:lnRef idx="2">
+              <a:schemeClr val="accent1">
+                <a:shade val="50000"/>
+              </a:schemeClr>
+            </a:lnRef>
+            <a:fillRef idx="1">
+              <a:schemeClr val="accent1"/>
+            </a:fillRef>
+            <a:effectRef idx="0">
+              <a:schemeClr val="accent1"/>
+            </a:effectRef>
+            <a:fontRef idx="minor">
+              <a:schemeClr val="lt1"/>
+            </a:fontRef>
+          </p:style>
+          <p:txBody>
+            <a:bodyPr rtlCol="0" anchor="ctr"/>
+            <a:lstStyle/>
+            <a:p>
+              <a:pPr algn="ctr"/>
+              <a:endParaRPr lang="en-US" dirty="0"/>
+            </a:p>
+          </p:txBody>
+        </p:sp>
+        <p:sp>
+          <p:nvSpPr>
+            <p:cNvPr id="104" name="Oval 103">
+              <a:extLst>
+                <a:ext uri="{FF2B5EF4-FFF2-40B4-BE49-F238E27FC236}">
+                  <a16:creationId xmlns:a16="http://schemas.microsoft.com/office/drawing/2014/main" id="{D0E292A5-B5E1-4F1B-9669-66519B2DE8AD}"/>
+                </a:ext>
+              </a:extLst>
+            </p:cNvPr>
+            <p:cNvSpPr/>
+            <p:nvPr/>
+          </p:nvSpPr>
+          <p:spPr>
+            <a:xfrm>
+              <a:off x="5842380" y="2920781"/>
+              <a:ext cx="2011680" cy="2011680"/>
+            </a:xfrm>
+            <a:prstGeom prst="ellipse">
+              <a:avLst/>
+            </a:prstGeom>
+            <a:noFill/>
+            <a:ln w="3175">
+              <a:solidFill>
+                <a:schemeClr val="tx1"/>
+              </a:solidFill>
+            </a:ln>
+          </p:spPr>
+          <p:style>
+            <a:lnRef idx="2">
+              <a:schemeClr val="accent1">
+                <a:shade val="50000"/>
+              </a:schemeClr>
+            </a:lnRef>
+            <a:fillRef idx="1">
+              <a:schemeClr val="accent1"/>
+            </a:fillRef>
+            <a:effectRef idx="0">
+              <a:schemeClr val="accent1"/>
+            </a:effectRef>
+            <a:fontRef idx="minor">
+              <a:schemeClr val="lt1"/>
+            </a:fontRef>
+          </p:style>
+          <p:txBody>
+            <a:bodyPr rtlCol="0" anchor="ctr"/>
+            <a:lstStyle/>
+            <a:p>
+              <a:pPr algn="ctr"/>
+              <a:endParaRPr lang="en-US" dirty="0"/>
+            </a:p>
+          </p:txBody>
+        </p:sp>
+      </p:grpSp>
+    </p:spTree>
+    <p:extLst>
+      <p:ext uri="{BB962C8B-B14F-4D97-AF65-F5344CB8AC3E}">
+        <p14:creationId xmlns:p14="http://schemas.microsoft.com/office/powerpoint/2010/main" val="1797459676"/>
+      </p:ext>
+    </p:extLst>
+  </p:cSld>
+  <p:clrMapOvr>
+    <a:masterClrMapping/>
+  </p:clrMapOvr>
+</p:sld>
+</file>
+
+<file path=ppt/slides/slide13.xml><?xml version="1.0" encoding="utf-8"?>
+<p:sld xmlns:a="http://schemas.openxmlformats.org/drawingml/2006/main" xmlns:r="http://schemas.openxmlformats.org/officeDocument/2006/relationships" xmlns:p="http://schemas.openxmlformats.org/presentationml/2006/main">
+  <p:cSld>
+    <p:spTree>
+      <p:nvGrpSpPr>
+        <p:cNvPr id="1" name=""/>
+        <p:cNvGrpSpPr/>
+        <p:nvPr/>
+      </p:nvGrpSpPr>
+      <p:grpSpPr>
+        <a:xfrm>
+          <a:off x="0" y="0"/>
+          <a:ext cx="0" cy="0"/>
+          <a:chOff x="0" y="0"/>
+          <a:chExt cx="0" cy="0"/>
+        </a:xfrm>
+      </p:grpSpPr>
+      <p:grpSp>
+        <p:nvGrpSpPr>
+          <p:cNvPr id="9" name="Group 8">
             <a:extLst>
               <a:ext uri="{FF2B5EF4-FFF2-40B4-BE49-F238E27FC236}">
-                <a16:creationId xmlns:a16="http://schemas.microsoft.com/office/drawing/2014/main" id="{DC146B36-BFAC-46A6-8819-0B9BF9A19278}"/>
+                <a16:creationId xmlns:a16="http://schemas.microsoft.com/office/drawing/2014/main" id="{AAB2E7B9-FACB-4F34-9BC4-8A9E1E14031E}"/>
               </a:ext>
             </a:extLst>
           </p:cNvPr>
-          <p:cNvCxnSpPr>
-            <a:cxnSpLocks/>
-          </p:cNvCxnSpPr>
+          <p:cNvGrpSpPr/>
           <p:nvPr/>
-        </p:nvCxnSpPr>
-        <p:spPr>
-          <a:xfrm flipH="1">
-            <a:off x="6879427" y="3926621"/>
-            <a:ext cx="446158" cy="0"/>
+        </p:nvGrpSpPr>
+        <p:grpSpPr>
+          <a:xfrm>
+            <a:off x="7121153" y="-249399"/>
+            <a:ext cx="4918842" cy="1222989"/>
+            <a:chOff x="5555244" y="389298"/>
+            <a:chExt cx="4918842" cy="1222989"/>
           </a:xfrm>
-          <a:prstGeom prst="straightConnector1">
-            <a:avLst/>
-          </a:prstGeom>
-          <a:ln w="25400">
+        </p:grpSpPr>
+        <p:sp>
+          <p:nvSpPr>
+            <p:cNvPr id="3" name="Cylinder 2">
+              <a:extLst>
+                <a:ext uri="{FF2B5EF4-FFF2-40B4-BE49-F238E27FC236}">
+                  <a16:creationId xmlns:a16="http://schemas.microsoft.com/office/drawing/2014/main" id="{D95A2A74-60F4-4231-BF75-4AE58C55E3B1}"/>
+                </a:ext>
+              </a:extLst>
+            </p:cNvPr>
+            <p:cNvSpPr/>
+            <p:nvPr/>
+          </p:nvSpPr>
+          <p:spPr>
+            <a:xfrm rot="5400000">
+              <a:off x="7719061" y="-1142737"/>
+              <a:ext cx="591207" cy="4918842"/>
+            </a:xfrm>
+            <a:prstGeom prst="can">
+              <a:avLst/>
+            </a:prstGeom>
+            <a:gradFill flip="none" rotWithShape="1">
+              <a:gsLst>
+                <a:gs pos="0">
+                  <a:schemeClr val="accent5">
+                    <a:lumMod val="89000"/>
+                  </a:schemeClr>
+                </a:gs>
+                <a:gs pos="22000">
+                  <a:schemeClr val="accent5">
+                    <a:lumMod val="89000"/>
+                  </a:schemeClr>
+                </a:gs>
+                <a:gs pos="74000">
+                  <a:schemeClr val="accent5">
+                    <a:lumMod val="75000"/>
+                  </a:schemeClr>
+                </a:gs>
+                <a:gs pos="97000">
+                  <a:schemeClr val="accent5">
+                    <a:lumMod val="70000"/>
+                  </a:schemeClr>
+                </a:gs>
+              </a:gsLst>
+              <a:path path="circle">
+                <a:fillToRect l="50000" t="50000" r="50000" b="50000"/>
+              </a:path>
+              <a:tileRect/>
+            </a:gradFill>
+            <a:ln>
+              <a:solidFill>
+                <a:schemeClr val="tx1"/>
+              </a:solidFill>
+            </a:ln>
+          </p:spPr>
+          <p:style>
+            <a:lnRef idx="2">
+              <a:schemeClr val="accent1">
+                <a:shade val="50000"/>
+              </a:schemeClr>
+            </a:lnRef>
+            <a:fillRef idx="1">
+              <a:schemeClr val="accent1"/>
+            </a:fillRef>
+            <a:effectRef idx="0">
+              <a:schemeClr val="accent1"/>
+            </a:effectRef>
+            <a:fontRef idx="minor">
+              <a:schemeClr val="lt1"/>
+            </a:fontRef>
+          </p:style>
+          <p:txBody>
+            <a:bodyPr rtlCol="0" anchor="ctr"/>
+            <a:lstStyle/>
+            <a:p>
+              <a:pPr algn="ctr"/>
+              <a:endParaRPr lang="en-US"/>
+            </a:p>
+          </p:txBody>
+        </p:sp>
+        <p:sp>
+          <p:nvSpPr>
+            <p:cNvPr id="4" name="Cylinder 3">
+              <a:extLst>
+                <a:ext uri="{FF2B5EF4-FFF2-40B4-BE49-F238E27FC236}">
+                  <a16:creationId xmlns:a16="http://schemas.microsoft.com/office/drawing/2014/main" id="{3778860F-C6AD-4F93-81E8-ED92764B414F}"/>
+                </a:ext>
+              </a:extLst>
+            </p:cNvPr>
+            <p:cNvSpPr/>
+            <p:nvPr/>
+          </p:nvSpPr>
+          <p:spPr>
+            <a:xfrm rot="5400000">
+              <a:off x="8023073" y="755169"/>
+              <a:ext cx="591207" cy="1123030"/>
+            </a:xfrm>
+            <a:prstGeom prst="can">
+              <a:avLst/>
+            </a:prstGeom>
             <a:solidFill>
+              <a:schemeClr val="bg2">
+                <a:lumMod val="90000"/>
+                <a:alpha val="29000"/>
+              </a:schemeClr>
+            </a:solidFill>
+            <a:ln w="34925">
+              <a:solidFill>
+                <a:schemeClr val="tx1">
+                  <a:alpha val="98000"/>
+                </a:schemeClr>
+              </a:solidFill>
+              <a:prstDash val="dash"/>
+            </a:ln>
+          </p:spPr>
+          <p:style>
+            <a:lnRef idx="2">
+              <a:schemeClr val="accent1">
+                <a:shade val="50000"/>
+              </a:schemeClr>
+            </a:lnRef>
+            <a:fillRef idx="1">
+              <a:schemeClr val="accent1"/>
+            </a:fillRef>
+            <a:effectRef idx="0">
+              <a:schemeClr val="accent1"/>
+            </a:effectRef>
+            <a:fontRef idx="minor">
+              <a:schemeClr val="lt1"/>
+            </a:fontRef>
+          </p:style>
+          <p:txBody>
+            <a:bodyPr rtlCol="0" anchor="ctr"/>
+            <a:lstStyle/>
+            <a:p>
+              <a:pPr algn="ctr"/>
+              <a:endParaRPr lang="en-US"/>
+            </a:p>
+          </p:txBody>
+        </p:sp>
+        <mc:AlternateContent xmlns:mc="http://schemas.openxmlformats.org/markup-compatibility/2006" xmlns:a14="http://schemas.microsoft.com/office/drawing/2010/main">
+          <mc:Choice Requires="a14">
+            <p:sp>
+              <p:nvSpPr>
+                <p:cNvPr id="5" name="TextBox 4">
+                  <a:extLst>
+                    <a:ext uri="{FF2B5EF4-FFF2-40B4-BE49-F238E27FC236}">
+                      <a16:creationId xmlns:a16="http://schemas.microsoft.com/office/drawing/2014/main" id="{58820029-EC4B-4DB5-97A7-B9E4569E88A1}"/>
+                    </a:ext>
+                  </a:extLst>
+                </p:cNvPr>
+                <p:cNvSpPr txBox="1"/>
+                <p:nvPr/>
+              </p:nvSpPr>
+              <p:spPr>
+                <a:xfrm>
+                  <a:off x="8126732" y="1178184"/>
+                  <a:ext cx="383888" cy="276999"/>
+                </a:xfrm>
+                <a:prstGeom prst="rect">
+                  <a:avLst/>
+                </a:prstGeom>
+                <a:noFill/>
+              </p:spPr>
+              <p:txBody>
+                <a:bodyPr wrap="none" lIns="0" tIns="0" rIns="0" bIns="0" rtlCol="0">
+                  <a:spAutoFit/>
+                </a:bodyPr>
+                <a:lstStyle/>
+                <a:p>
+                  <a:pPr/>
+                  <a14:m>
+                    <m:oMathPara xmlns:m="http://schemas.openxmlformats.org/officeDocument/2006/math">
+                      <m:oMathParaPr>
+                        <m:jc m:val="centerGroup"/>
+                      </m:oMathParaPr>
+                      <m:oMath xmlns:m="http://schemas.openxmlformats.org/officeDocument/2006/math">
+                        <m:r>
+                          <a:rPr lang="en-US" b="0" i="1" smtClean="0">
+                            <a:latin typeface="Cambria Math" panose="02040503050406030204" pitchFamily="18" charset="0"/>
+                          </a:rPr>
+                          <m:t>𝑑𝑚</m:t>
+                        </m:r>
+                      </m:oMath>
+                    </m:oMathPara>
+                  </a14:m>
+                  <a:endParaRPr lang="en-US" dirty="0"/>
+                </a:p>
+              </p:txBody>
+            </p:sp>
+          </mc:Choice>
+          <mc:Fallback xmlns="">
+            <p:sp>
+              <p:nvSpPr>
+                <p:cNvPr id="5" name="TextBox 4">
+                  <a:extLst>
+                    <a:ext uri="{FF2B5EF4-FFF2-40B4-BE49-F238E27FC236}">
+                      <a16:creationId xmlns:a16="http://schemas.microsoft.com/office/drawing/2014/main" id="{58820029-EC4B-4DB5-97A7-B9E4569E88A1}"/>
+                    </a:ext>
+                  </a:extLst>
+                </p:cNvPr>
+                <p:cNvSpPr txBox="1">
+                  <a:spLocks noRot="1" noChangeAspect="1" noMove="1" noResize="1" noEditPoints="1" noAdjustHandles="1" noChangeArrowheads="1" noChangeShapeType="1" noTextEdit="1"/>
+                </p:cNvSpPr>
+                <p:nvPr/>
+              </p:nvSpPr>
+              <p:spPr>
+                <a:xfrm>
+                  <a:off x="8126732" y="1178184"/>
+                  <a:ext cx="383888" cy="276999"/>
+                </a:xfrm>
+                <a:prstGeom prst="rect">
+                  <a:avLst/>
+                </a:prstGeom>
+                <a:blipFill>
+                  <a:blip r:embed="rId2"/>
+                  <a:stretch>
+                    <a:fillRect l="-15873" r="-14286" b="-6522"/>
+                  </a:stretch>
+                </a:blipFill>
+              </p:spPr>
+              <p:txBody>
+                <a:bodyPr/>
+                <a:lstStyle/>
+                <a:p>
+                  <a:r>
+                    <a:rPr lang="en-US">
+                      <a:noFill/>
+                    </a:rPr>
+                    <a:t> </a:t>
+                  </a:r>
+                </a:p>
+              </p:txBody>
+            </p:sp>
+          </mc:Fallback>
+        </mc:AlternateContent>
+        <p:sp>
+          <p:nvSpPr>
+            <p:cNvPr id="6" name="Left Brace 5">
+              <a:extLst>
+                <a:ext uri="{FF2B5EF4-FFF2-40B4-BE49-F238E27FC236}">
+                  <a16:creationId xmlns:a16="http://schemas.microsoft.com/office/drawing/2014/main" id="{0F2ED4DB-E6AB-472E-B253-F2577859B302}"/>
+                </a:ext>
+              </a:extLst>
+            </p:cNvPr>
+            <p:cNvSpPr/>
+            <p:nvPr/>
+          </p:nvSpPr>
+          <p:spPr>
+            <a:xfrm rot="5400000">
+              <a:off x="8218980" y="416599"/>
+              <a:ext cx="199391" cy="1011267"/>
+            </a:xfrm>
+            <a:prstGeom prst="leftBrace">
+              <a:avLst>
+                <a:gd name="adj1" fmla="val 56103"/>
+                <a:gd name="adj2" fmla="val 48493"/>
+              </a:avLst>
+            </a:prstGeom>
+            <a:ln w="28575">
+              <a:solidFill>
+                <a:schemeClr val="tx1"/>
+              </a:solidFill>
+            </a:ln>
+          </p:spPr>
+          <p:style>
+            <a:lnRef idx="1">
+              <a:schemeClr val="accent1"/>
+            </a:lnRef>
+            <a:fillRef idx="0">
+              <a:schemeClr val="accent1"/>
+            </a:fillRef>
+            <a:effectRef idx="0">
+              <a:schemeClr val="accent1"/>
+            </a:effectRef>
+            <a:fontRef idx="minor">
               <a:schemeClr val="tx1"/>
-            </a:solidFill>
-            <a:headEnd type="stealth" w="lg" len="lg"/>
-            <a:tailEnd type="stealth" w="lg" len="lg"/>
-          </a:ln>
-        </p:spPr>
-        <p:style>
-          <a:lnRef idx="1">
-            <a:schemeClr val="accent1"/>
-          </a:lnRef>
-          <a:fillRef idx="0">
-            <a:schemeClr val="accent1"/>
-          </a:fillRef>
-          <a:effectRef idx="0">
-            <a:schemeClr val="accent1"/>
-          </a:effectRef>
-          <a:fontRef idx="minor">
-            <a:schemeClr val="tx1"/>
-          </a:fontRef>
-        </p:style>
-      </p:cxnSp>
-      <p:cxnSp>
-        <p:nvCxnSpPr>
-          <p:cNvPr id="70" name="Straight Connector 69">
+            </a:fontRef>
+          </p:style>
+          <p:txBody>
+            <a:bodyPr rtlCol="0" anchor="ctr"/>
+            <a:lstStyle/>
+            <a:p>
+              <a:pPr algn="ctr"/>
+              <a:endParaRPr lang="en-US"/>
+            </a:p>
+          </p:txBody>
+        </p:sp>
+        <mc:AlternateContent xmlns:mc="http://schemas.openxmlformats.org/markup-compatibility/2006" xmlns:a14="http://schemas.microsoft.com/office/drawing/2010/main">
+          <mc:Choice Requires="a14">
+            <p:sp>
+              <p:nvSpPr>
+                <p:cNvPr id="7" name="TextBox 6">
+                  <a:extLst>
+                    <a:ext uri="{FF2B5EF4-FFF2-40B4-BE49-F238E27FC236}">
+                      <a16:creationId xmlns:a16="http://schemas.microsoft.com/office/drawing/2014/main" id="{4E7E515C-EF54-40AD-BEFA-5FDBA3D15A56}"/>
+                    </a:ext>
+                  </a:extLst>
+                </p:cNvPr>
+                <p:cNvSpPr txBox="1"/>
+                <p:nvPr/>
+              </p:nvSpPr>
+              <p:spPr>
+                <a:xfrm>
+                  <a:off x="8194251" y="467410"/>
+                  <a:ext cx="316369" cy="276999"/>
+                </a:xfrm>
+                <a:prstGeom prst="rect">
+                  <a:avLst/>
+                </a:prstGeom>
+                <a:noFill/>
+              </p:spPr>
+              <p:txBody>
+                <a:bodyPr wrap="none" lIns="0" tIns="0" rIns="0" bIns="0" rtlCol="0">
+                  <a:spAutoFit/>
+                </a:bodyPr>
+                <a:lstStyle/>
+                <a:p>
+                  <a:pPr/>
+                  <a14:m>
+                    <m:oMathPara xmlns:m="http://schemas.openxmlformats.org/officeDocument/2006/math">
+                      <m:oMathParaPr>
+                        <m:jc m:val="centerGroup"/>
+                      </m:oMathParaPr>
+                      <m:oMath xmlns:m="http://schemas.openxmlformats.org/officeDocument/2006/math">
+                        <m:r>
+                          <a:rPr lang="en-US" b="0" i="1" smtClean="0">
+                            <a:latin typeface="Cambria Math" panose="02040503050406030204" pitchFamily="18" charset="0"/>
+                          </a:rPr>
+                          <m:t>𝑑𝑥</m:t>
+                        </m:r>
+                      </m:oMath>
+                    </m:oMathPara>
+                  </a14:m>
+                  <a:endParaRPr lang="en-US" dirty="0"/>
+                </a:p>
+              </p:txBody>
+            </p:sp>
+          </mc:Choice>
+          <mc:Fallback xmlns="">
+            <p:sp>
+              <p:nvSpPr>
+                <p:cNvPr id="7" name="TextBox 6">
+                  <a:extLst>
+                    <a:ext uri="{FF2B5EF4-FFF2-40B4-BE49-F238E27FC236}">
+                      <a16:creationId xmlns:a16="http://schemas.microsoft.com/office/drawing/2014/main" id="{4E7E515C-EF54-40AD-BEFA-5FDBA3D15A56}"/>
+                    </a:ext>
+                  </a:extLst>
+                </p:cNvPr>
+                <p:cNvSpPr txBox="1">
+                  <a:spLocks noRot="1" noChangeAspect="1" noMove="1" noResize="1" noEditPoints="1" noAdjustHandles="1" noChangeArrowheads="1" noChangeShapeType="1" noTextEdit="1"/>
+                </p:cNvSpPr>
+                <p:nvPr/>
+              </p:nvSpPr>
+              <p:spPr>
+                <a:xfrm>
+                  <a:off x="8194251" y="467410"/>
+                  <a:ext cx="316369" cy="276999"/>
+                </a:xfrm>
+                <a:prstGeom prst="rect">
+                  <a:avLst/>
+                </a:prstGeom>
+                <a:blipFill>
+                  <a:blip r:embed="rId3"/>
+                  <a:stretch>
+                    <a:fillRect l="-17308" r="-17308" b="-8889"/>
+                  </a:stretch>
+                </a:blipFill>
+              </p:spPr>
+              <p:txBody>
+                <a:bodyPr/>
+                <a:lstStyle/>
+                <a:p>
+                  <a:r>
+                    <a:rPr lang="en-US">
+                      <a:noFill/>
+                    </a:rPr>
+                    <a:t> </a:t>
+                  </a:r>
+                </a:p>
+              </p:txBody>
+            </p:sp>
+          </mc:Fallback>
+        </mc:AlternateContent>
+        <p:cxnSp>
+          <p:nvCxnSpPr>
+            <p:cNvPr id="8" name="Straight Arrow Connector 7">
+              <a:extLst>
+                <a:ext uri="{FF2B5EF4-FFF2-40B4-BE49-F238E27FC236}">
+                  <a16:creationId xmlns:a16="http://schemas.microsoft.com/office/drawing/2014/main" id="{85BA1BBA-C8B0-4805-9B73-A410929BE109}"/>
+                </a:ext>
+              </a:extLst>
+            </p:cNvPr>
+            <p:cNvCxnSpPr>
+              <a:cxnSpLocks/>
+            </p:cNvCxnSpPr>
+            <p:nvPr/>
+          </p:nvCxnSpPr>
+          <p:spPr>
+            <a:xfrm>
+              <a:off x="8805897" y="1316683"/>
+              <a:ext cx="503840" cy="0"/>
+            </a:xfrm>
+            <a:prstGeom prst="straightConnector1">
+              <a:avLst/>
+            </a:prstGeom>
+            <a:ln w="25400">
+              <a:solidFill>
+                <a:schemeClr val="tx1"/>
+              </a:solidFill>
+              <a:headEnd type="none" w="lg" len="lg"/>
+              <a:tailEnd type="stealth" w="lg" len="lg"/>
+            </a:ln>
+          </p:spPr>
+          <p:style>
+            <a:lnRef idx="1">
+              <a:schemeClr val="accent1"/>
+            </a:lnRef>
+            <a:fillRef idx="0">
+              <a:schemeClr val="accent1"/>
+            </a:fillRef>
+            <a:effectRef idx="0">
+              <a:schemeClr val="accent1"/>
+            </a:effectRef>
+            <a:fontRef idx="minor">
+              <a:schemeClr val="tx1"/>
+            </a:fontRef>
+          </p:style>
+        </p:cxnSp>
+        <p:cxnSp>
+          <p:nvCxnSpPr>
+            <p:cNvPr id="12" name="Straight Arrow Connector 11">
+              <a:extLst>
+                <a:ext uri="{FF2B5EF4-FFF2-40B4-BE49-F238E27FC236}">
+                  <a16:creationId xmlns:a16="http://schemas.microsoft.com/office/drawing/2014/main" id="{A10EDC5A-4CBF-4C78-9E24-F67557D044E8}"/>
+                </a:ext>
+              </a:extLst>
+            </p:cNvPr>
+            <p:cNvCxnSpPr>
+              <a:cxnSpLocks/>
+              <a:stCxn id="4" idx="3"/>
+            </p:cNvCxnSpPr>
+            <p:nvPr/>
+          </p:nvCxnSpPr>
+          <p:spPr>
+            <a:xfrm flipH="1" flipV="1">
+              <a:off x="7212003" y="1316683"/>
+              <a:ext cx="545159" cy="2"/>
+            </a:xfrm>
+            <a:prstGeom prst="straightConnector1">
+              <a:avLst/>
+            </a:prstGeom>
+            <a:ln w="22225">
+              <a:solidFill>
+                <a:schemeClr val="tx1"/>
+              </a:solidFill>
+              <a:headEnd type="none" w="lg" len="lg"/>
+              <a:tailEnd type="stealth" w="lg" len="lg"/>
+            </a:ln>
+          </p:spPr>
+          <p:style>
+            <a:lnRef idx="1">
+              <a:schemeClr val="accent1"/>
+            </a:lnRef>
+            <a:fillRef idx="0">
+              <a:schemeClr val="accent1"/>
+            </a:fillRef>
+            <a:effectRef idx="0">
+              <a:schemeClr val="accent1"/>
+            </a:effectRef>
+            <a:fontRef idx="minor">
+              <a:schemeClr val="tx1"/>
+            </a:fontRef>
+          </p:style>
+        </p:cxnSp>
+        <mc:AlternateContent xmlns:mc="http://schemas.openxmlformats.org/markup-compatibility/2006" xmlns:a14="http://schemas.microsoft.com/office/drawing/2010/main">
+          <mc:Choice Requires="a14">
+            <p:sp>
+              <p:nvSpPr>
+                <p:cNvPr id="16" name="TextBox 15">
+                  <a:extLst>
+                    <a:ext uri="{FF2B5EF4-FFF2-40B4-BE49-F238E27FC236}">
+                      <a16:creationId xmlns:a16="http://schemas.microsoft.com/office/drawing/2014/main" id="{E90341FD-1CB1-4836-B283-9BEC03C436E9}"/>
+                    </a:ext>
+                  </a:extLst>
+                </p:cNvPr>
+                <p:cNvSpPr txBox="1"/>
+                <p:nvPr/>
+              </p:nvSpPr>
+              <p:spPr>
+                <a:xfrm>
+                  <a:off x="8932087" y="1345870"/>
+                  <a:ext cx="825418" cy="241605"/>
+                </a:xfrm>
+                <a:prstGeom prst="rect">
+                  <a:avLst/>
+                </a:prstGeom>
+                <a:noFill/>
+              </p:spPr>
+              <p:txBody>
+                <a:bodyPr wrap="none" lIns="0" tIns="0" rIns="0" bIns="0" rtlCol="0">
+                  <a:spAutoFit/>
+                </a:bodyPr>
+                <a:lstStyle/>
+                <a:p>
+                  <a:pPr/>
+                  <a14:m>
+                    <m:oMathPara xmlns:m="http://schemas.openxmlformats.org/officeDocument/2006/math">
+                      <m:oMathParaPr>
+                        <m:jc m:val="centerGroup"/>
+                      </m:oMathParaPr>
+                      <m:oMath xmlns:m="http://schemas.openxmlformats.org/officeDocument/2006/math">
+                        <m:acc>
+                          <m:accPr>
+                            <m:chr m:val="⃗"/>
+                            <m:ctrlPr>
+                              <a:rPr lang="en-US" sz="1400" i="1" smtClean="0">
+                                <a:latin typeface="Cambria Math" panose="02040503050406030204" pitchFamily="18" charset="0"/>
+                              </a:rPr>
+                            </m:ctrlPr>
+                          </m:accPr>
+                          <m:e>
+                            <m:r>
+                              <a:rPr lang="en-US" sz="1400" b="0" i="1" smtClean="0">
+                                <a:latin typeface="Cambria Math" panose="02040503050406030204" pitchFamily="18" charset="0"/>
+                              </a:rPr>
+                              <m:t>𝐹</m:t>
+                            </m:r>
+                          </m:e>
+                        </m:acc>
+                        <m:r>
+                          <a:rPr lang="en-US" sz="1400" b="0" i="1" smtClean="0">
+                            <a:latin typeface="Cambria Math" panose="02040503050406030204" pitchFamily="18" charset="0"/>
+                          </a:rPr>
+                          <m:t>(</m:t>
+                        </m:r>
+                        <m:r>
+                          <a:rPr lang="en-US" sz="1400" b="0" i="1" smtClean="0">
+                            <a:latin typeface="Cambria Math" panose="02040503050406030204" pitchFamily="18" charset="0"/>
+                          </a:rPr>
+                          <m:t>𝑥</m:t>
+                        </m:r>
+                        <m:r>
+                          <a:rPr lang="en-US" sz="1400" b="0" i="1" smtClean="0">
+                            <a:latin typeface="Cambria Math" panose="02040503050406030204" pitchFamily="18" charset="0"/>
+                          </a:rPr>
+                          <m:t>+</m:t>
+                        </m:r>
+                        <m:r>
+                          <a:rPr lang="en-US" sz="1400" b="0" i="1" smtClean="0">
+                            <a:latin typeface="Cambria Math" panose="02040503050406030204" pitchFamily="18" charset="0"/>
+                          </a:rPr>
+                          <m:t>𝑑𝑥</m:t>
+                        </m:r>
+                        <m:r>
+                          <a:rPr lang="en-US" sz="1400" b="0" i="1" smtClean="0">
+                            <a:latin typeface="Cambria Math" panose="02040503050406030204" pitchFamily="18" charset="0"/>
+                          </a:rPr>
+                          <m:t>)</m:t>
+                        </m:r>
+                      </m:oMath>
+                    </m:oMathPara>
+                  </a14:m>
+                  <a:endParaRPr lang="en-US" sz="1400" dirty="0"/>
+                </a:p>
+              </p:txBody>
+            </p:sp>
+          </mc:Choice>
+          <mc:Fallback xmlns="">
+            <p:sp>
+              <p:nvSpPr>
+                <p:cNvPr id="16" name="TextBox 15">
+                  <a:extLst>
+                    <a:ext uri="{FF2B5EF4-FFF2-40B4-BE49-F238E27FC236}">
+                      <a16:creationId xmlns:a16="http://schemas.microsoft.com/office/drawing/2014/main" id="{E90341FD-1CB1-4836-B283-9BEC03C436E9}"/>
+                    </a:ext>
+                  </a:extLst>
+                </p:cNvPr>
+                <p:cNvSpPr txBox="1">
+                  <a:spLocks noRot="1" noChangeAspect="1" noMove="1" noResize="1" noEditPoints="1" noAdjustHandles="1" noChangeArrowheads="1" noChangeShapeType="1" noTextEdit="1"/>
+                </p:cNvSpPr>
+                <p:nvPr/>
+              </p:nvSpPr>
+              <p:spPr>
+                <a:xfrm>
+                  <a:off x="8932087" y="1345870"/>
+                  <a:ext cx="825418" cy="241605"/>
+                </a:xfrm>
+                <a:prstGeom prst="rect">
+                  <a:avLst/>
+                </a:prstGeom>
+                <a:blipFill>
+                  <a:blip r:embed="rId4"/>
+                  <a:stretch>
+                    <a:fillRect l="-4412" t="-32500" r="-6618" b="-30000"/>
+                  </a:stretch>
+                </a:blipFill>
+              </p:spPr>
+              <p:txBody>
+                <a:bodyPr/>
+                <a:lstStyle/>
+                <a:p>
+                  <a:r>
+                    <a:rPr lang="en-US">
+                      <a:noFill/>
+                    </a:rPr>
+                    <a:t> </a:t>
+                  </a:r>
+                </a:p>
+              </p:txBody>
+            </p:sp>
+          </mc:Fallback>
+        </mc:AlternateContent>
+        <mc:AlternateContent xmlns:mc="http://schemas.openxmlformats.org/markup-compatibility/2006" xmlns:a14="http://schemas.microsoft.com/office/drawing/2010/main">
+          <mc:Choice Requires="a14">
+            <p:sp>
+              <p:nvSpPr>
+                <p:cNvPr id="17" name="TextBox 16">
+                  <a:extLst>
+                    <a:ext uri="{FF2B5EF4-FFF2-40B4-BE49-F238E27FC236}">
+                      <a16:creationId xmlns:a16="http://schemas.microsoft.com/office/drawing/2014/main" id="{F5EF2155-6432-417A-A5AE-10BF7EDC50E7}"/>
+                    </a:ext>
+                  </a:extLst>
+                </p:cNvPr>
+                <p:cNvSpPr txBox="1"/>
+                <p:nvPr/>
+              </p:nvSpPr>
+              <p:spPr>
+                <a:xfrm>
+                  <a:off x="7323762" y="1334380"/>
+                  <a:ext cx="405176" cy="241605"/>
+                </a:xfrm>
+                <a:prstGeom prst="rect">
+                  <a:avLst/>
+                </a:prstGeom>
+                <a:noFill/>
+              </p:spPr>
+              <p:txBody>
+                <a:bodyPr wrap="none" lIns="0" tIns="0" rIns="0" bIns="0" rtlCol="0">
+                  <a:spAutoFit/>
+                </a:bodyPr>
+                <a:lstStyle/>
+                <a:p>
+                  <a:pPr/>
+                  <a14:m>
+                    <m:oMathPara xmlns:m="http://schemas.openxmlformats.org/officeDocument/2006/math">
+                      <m:oMathParaPr>
+                        <m:jc m:val="centerGroup"/>
+                      </m:oMathParaPr>
+                      <m:oMath xmlns:m="http://schemas.openxmlformats.org/officeDocument/2006/math">
+                        <m:acc>
+                          <m:accPr>
+                            <m:chr m:val="⃗"/>
+                            <m:ctrlPr>
+                              <a:rPr lang="en-US" sz="1400" i="1" smtClean="0">
+                                <a:latin typeface="Cambria Math" panose="02040503050406030204" pitchFamily="18" charset="0"/>
+                              </a:rPr>
+                            </m:ctrlPr>
+                          </m:accPr>
+                          <m:e>
+                            <m:r>
+                              <a:rPr lang="en-US" sz="1400" b="0" i="1" smtClean="0">
+                                <a:latin typeface="Cambria Math" panose="02040503050406030204" pitchFamily="18" charset="0"/>
+                              </a:rPr>
+                              <m:t>𝐹</m:t>
+                            </m:r>
+                          </m:e>
+                        </m:acc>
+                        <m:r>
+                          <a:rPr lang="en-US" sz="1400" b="0" i="1" smtClean="0">
+                            <a:latin typeface="Cambria Math" panose="02040503050406030204" pitchFamily="18" charset="0"/>
+                          </a:rPr>
+                          <m:t>(</m:t>
+                        </m:r>
+                        <m:r>
+                          <a:rPr lang="en-US" sz="1400" b="0" i="1" smtClean="0">
+                            <a:latin typeface="Cambria Math" panose="02040503050406030204" pitchFamily="18" charset="0"/>
+                          </a:rPr>
+                          <m:t>𝑥</m:t>
+                        </m:r>
+                        <m:r>
+                          <a:rPr lang="en-US" sz="1400" b="0" i="1" smtClean="0">
+                            <a:latin typeface="Cambria Math" panose="02040503050406030204" pitchFamily="18" charset="0"/>
+                          </a:rPr>
+                          <m:t>)</m:t>
+                        </m:r>
+                      </m:oMath>
+                    </m:oMathPara>
+                  </a14:m>
+                  <a:endParaRPr lang="en-US" sz="1400" dirty="0"/>
+                </a:p>
+              </p:txBody>
+            </p:sp>
+          </mc:Choice>
+          <mc:Fallback xmlns="">
+            <p:sp>
+              <p:nvSpPr>
+                <p:cNvPr id="17" name="TextBox 16">
+                  <a:extLst>
+                    <a:ext uri="{FF2B5EF4-FFF2-40B4-BE49-F238E27FC236}">
+                      <a16:creationId xmlns:a16="http://schemas.microsoft.com/office/drawing/2014/main" id="{F5EF2155-6432-417A-A5AE-10BF7EDC50E7}"/>
+                    </a:ext>
+                  </a:extLst>
+                </p:cNvPr>
+                <p:cNvSpPr txBox="1">
+                  <a:spLocks noRot="1" noChangeAspect="1" noMove="1" noResize="1" noEditPoints="1" noAdjustHandles="1" noChangeArrowheads="1" noChangeShapeType="1" noTextEdit="1"/>
+                </p:cNvSpPr>
+                <p:nvPr/>
+              </p:nvSpPr>
+              <p:spPr>
+                <a:xfrm>
+                  <a:off x="7323762" y="1334380"/>
+                  <a:ext cx="405176" cy="241605"/>
+                </a:xfrm>
+                <a:prstGeom prst="rect">
+                  <a:avLst/>
+                </a:prstGeom>
+                <a:blipFill>
+                  <a:blip r:embed="rId5"/>
+                  <a:stretch>
+                    <a:fillRect l="-8955" t="-32500" r="-14925" b="-30000"/>
+                  </a:stretch>
+                </a:blipFill>
+              </p:spPr>
+              <p:txBody>
+                <a:bodyPr/>
+                <a:lstStyle/>
+                <a:p>
+                  <a:r>
+                    <a:rPr lang="en-US">
+                      <a:noFill/>
+                    </a:rPr>
+                    <a:t> </a:t>
+                  </a:r>
+                </a:p>
+              </p:txBody>
+            </p:sp>
+          </mc:Fallback>
+        </mc:AlternateContent>
+        <p:cxnSp>
+          <p:nvCxnSpPr>
+            <p:cNvPr id="18" name="Straight Arrow Connector 17">
+              <a:extLst>
+                <a:ext uri="{FF2B5EF4-FFF2-40B4-BE49-F238E27FC236}">
+                  <a16:creationId xmlns:a16="http://schemas.microsoft.com/office/drawing/2014/main" id="{17AA8970-4066-4258-9A0D-06DB725E9E82}"/>
+                </a:ext>
+              </a:extLst>
+            </p:cNvPr>
+            <p:cNvCxnSpPr>
+              <a:cxnSpLocks/>
+            </p:cNvCxnSpPr>
+            <p:nvPr/>
+          </p:nvCxnSpPr>
+          <p:spPr>
+            <a:xfrm>
+              <a:off x="5666457" y="822537"/>
+              <a:ext cx="1338865" cy="0"/>
+            </a:xfrm>
+            <a:prstGeom prst="straightConnector1">
+              <a:avLst/>
+            </a:prstGeom>
+            <a:ln w="25400">
+              <a:solidFill>
+                <a:schemeClr val="tx1"/>
+              </a:solidFill>
+              <a:headEnd type="none" w="lg" len="lg"/>
+              <a:tailEnd type="stealth" w="lg" len="lg"/>
+            </a:ln>
+          </p:spPr>
+          <p:style>
+            <a:lnRef idx="1">
+              <a:schemeClr val="accent1"/>
+            </a:lnRef>
+            <a:fillRef idx="0">
+              <a:schemeClr val="accent1"/>
+            </a:fillRef>
+            <a:effectRef idx="0">
+              <a:schemeClr val="accent1"/>
+            </a:effectRef>
+            <a:fontRef idx="minor">
+              <a:schemeClr val="tx1"/>
+            </a:fontRef>
+          </p:style>
+        </p:cxnSp>
+        <mc:AlternateContent xmlns:mc="http://schemas.openxmlformats.org/markup-compatibility/2006" xmlns:a14="http://schemas.microsoft.com/office/drawing/2010/main">
+          <mc:Choice Requires="a14">
+            <p:sp>
+              <p:nvSpPr>
+                <p:cNvPr id="20" name="TextBox 19">
+                  <a:extLst>
+                    <a:ext uri="{FF2B5EF4-FFF2-40B4-BE49-F238E27FC236}">
+                      <a16:creationId xmlns:a16="http://schemas.microsoft.com/office/drawing/2014/main" id="{681F1BA2-B3D8-4048-8393-DA3B5A9F077C}"/>
+                    </a:ext>
+                  </a:extLst>
+                </p:cNvPr>
+                <p:cNvSpPr txBox="1"/>
+                <p:nvPr/>
+              </p:nvSpPr>
+              <p:spPr>
+                <a:xfrm>
+                  <a:off x="6777792" y="389298"/>
+                  <a:ext cx="241733" cy="369332"/>
+                </a:xfrm>
+                <a:prstGeom prst="rect">
+                  <a:avLst/>
+                </a:prstGeom>
+                <a:noFill/>
+              </p:spPr>
+              <p:txBody>
+                <a:bodyPr wrap="none" lIns="0" tIns="0" rIns="0" bIns="0" rtlCol="0">
+                  <a:spAutoFit/>
+                </a:bodyPr>
+                <a:lstStyle/>
+                <a:p>
+                  <a:pPr/>
+                  <a14:m>
+                    <m:oMathPara xmlns:m="http://schemas.openxmlformats.org/officeDocument/2006/math">
+                      <m:oMathParaPr>
+                        <m:jc m:val="centerGroup"/>
+                      </m:oMathParaPr>
+                      <m:oMath xmlns:m="http://schemas.openxmlformats.org/officeDocument/2006/math">
+                        <m:r>
+                          <a:rPr lang="en-US" sz="2400" b="0" i="1" smtClean="0">
+                            <a:latin typeface="Cambria Math" panose="02040503050406030204" pitchFamily="18" charset="0"/>
+                          </a:rPr>
+                          <m:t>𝑥</m:t>
+                        </m:r>
+                      </m:oMath>
+                    </m:oMathPara>
+                  </a14:m>
+                  <a:endParaRPr lang="en-US" sz="2800" dirty="0"/>
+                </a:p>
+              </p:txBody>
+            </p:sp>
+          </mc:Choice>
+          <mc:Fallback xmlns="">
+            <p:sp>
+              <p:nvSpPr>
+                <p:cNvPr id="20" name="TextBox 19">
+                  <a:extLst>
+                    <a:ext uri="{FF2B5EF4-FFF2-40B4-BE49-F238E27FC236}">
+                      <a16:creationId xmlns:a16="http://schemas.microsoft.com/office/drawing/2014/main" id="{681F1BA2-B3D8-4048-8393-DA3B5A9F077C}"/>
+                    </a:ext>
+                  </a:extLst>
+                </p:cNvPr>
+                <p:cNvSpPr txBox="1">
+                  <a:spLocks noRot="1" noChangeAspect="1" noMove="1" noResize="1" noEditPoints="1" noAdjustHandles="1" noChangeArrowheads="1" noChangeShapeType="1" noTextEdit="1"/>
+                </p:cNvSpPr>
+                <p:nvPr/>
+              </p:nvSpPr>
+              <p:spPr>
+                <a:xfrm>
+                  <a:off x="6777792" y="389298"/>
+                  <a:ext cx="241733" cy="369332"/>
+                </a:xfrm>
+                <a:prstGeom prst="rect">
+                  <a:avLst/>
+                </a:prstGeom>
+                <a:blipFill>
+                  <a:blip r:embed="rId6"/>
+                  <a:stretch>
+                    <a:fillRect l="-17949" r="-15385"/>
+                  </a:stretch>
+                </a:blipFill>
+              </p:spPr>
+              <p:txBody>
+                <a:bodyPr/>
+                <a:lstStyle/>
+                <a:p>
+                  <a:r>
+                    <a:rPr lang="en-US">
+                      <a:noFill/>
+                    </a:rPr>
+                    <a:t> </a:t>
+                  </a:r>
+                </a:p>
+              </p:txBody>
+            </p:sp>
+          </mc:Fallback>
+        </mc:AlternateContent>
+      </p:grpSp>
+      <p:grpSp>
+        <p:nvGrpSpPr>
+          <p:cNvPr id="2" name="Group 1">
             <a:extLst>
               <a:ext uri="{FF2B5EF4-FFF2-40B4-BE49-F238E27FC236}">
-                <a16:creationId xmlns:a16="http://schemas.microsoft.com/office/drawing/2014/main" id="{AE0DD116-582D-4E65-9398-9847F6D2AE9F}"/>
+                <a16:creationId xmlns:a16="http://schemas.microsoft.com/office/drawing/2014/main" id="{3FEF8FCF-66F6-467C-AB66-EB914A2C94A5}"/>
               </a:ext>
             </a:extLst>
           </p:cNvPr>
-          <p:cNvCxnSpPr>
-            <a:cxnSpLocks/>
-            <a:endCxn id="2" idx="4"/>
-          </p:cNvCxnSpPr>
+          <p:cNvGrpSpPr/>
           <p:nvPr/>
-        </p:nvCxnSpPr>
+        </p:nvGrpSpPr>
+        <p:grpSpPr>
+          <a:xfrm>
+            <a:off x="346489" y="223774"/>
+            <a:ext cx="5269042" cy="966797"/>
+            <a:chOff x="3241579" y="3253501"/>
+            <a:chExt cx="5269042" cy="966797"/>
+          </a:xfrm>
+        </p:grpSpPr>
+        <p:pic>
+          <p:nvPicPr>
+            <p:cNvPr id="40" name="Picture 39">
+              <a:extLst>
+                <a:ext uri="{FF2B5EF4-FFF2-40B4-BE49-F238E27FC236}">
+                  <a16:creationId xmlns:a16="http://schemas.microsoft.com/office/drawing/2014/main" id="{6007A998-F6E2-43E1-827F-2A2D6D996293}"/>
+                </a:ext>
+              </a:extLst>
+            </p:cNvPr>
+            <p:cNvPicPr>
+              <a:picLocks noChangeAspect="1"/>
+            </p:cNvPicPr>
+            <p:nvPr/>
+          </p:nvPicPr>
+          <p:blipFill>
+            <a:blip r:embed="rId7"/>
+            <a:stretch>
+              <a:fillRect/>
+            </a:stretch>
+          </p:blipFill>
+          <p:spPr>
+            <a:xfrm>
+              <a:off x="3241579" y="3253501"/>
+              <a:ext cx="5269042" cy="966797"/>
+            </a:xfrm>
+            <a:prstGeom prst="rect">
+              <a:avLst/>
+            </a:prstGeom>
+          </p:spPr>
+        </p:pic>
+        <mc:AlternateContent xmlns:mc="http://schemas.openxmlformats.org/markup-compatibility/2006" xmlns:a14="http://schemas.microsoft.com/office/drawing/2010/main">
+          <mc:Choice Requires="a14">
+            <p:sp>
+              <p:nvSpPr>
+                <p:cNvPr id="25" name="TextBox 24">
+                  <a:extLst>
+                    <a:ext uri="{FF2B5EF4-FFF2-40B4-BE49-F238E27FC236}">
+                      <a16:creationId xmlns:a16="http://schemas.microsoft.com/office/drawing/2014/main" id="{2FF32E20-2310-4AB7-A689-088DD5E1E13F}"/>
+                    </a:ext>
+                  </a:extLst>
+                </p:cNvPr>
+                <p:cNvSpPr txBox="1"/>
+                <p:nvPr/>
+              </p:nvSpPr>
+              <p:spPr>
+                <a:xfrm>
+                  <a:off x="5570249" y="3426301"/>
+                  <a:ext cx="195823" cy="310598"/>
+                </a:xfrm>
+                <a:prstGeom prst="rect">
+                  <a:avLst/>
+                </a:prstGeom>
+                <a:noFill/>
+              </p:spPr>
+              <p:txBody>
+                <a:bodyPr wrap="none" lIns="0" tIns="0" rIns="0" bIns="0" rtlCol="0">
+                  <a:spAutoFit/>
+                </a:bodyPr>
+                <a:lstStyle/>
+                <a:p>
+                  <a:pPr/>
+                  <a14:m>
+                    <m:oMathPara xmlns:m="http://schemas.openxmlformats.org/officeDocument/2006/math">
+                      <m:oMathParaPr>
+                        <m:jc m:val="centerGroup"/>
+                      </m:oMathParaPr>
+                      <m:oMath xmlns:m="http://schemas.openxmlformats.org/officeDocument/2006/math">
+                        <m:acc>
+                          <m:accPr>
+                            <m:chr m:val="⃗"/>
+                            <m:ctrlPr>
+                              <a:rPr lang="en-US" i="1" smtClean="0">
+                                <a:latin typeface="Cambria Math" panose="02040503050406030204" pitchFamily="18" charset="0"/>
+                              </a:rPr>
+                            </m:ctrlPr>
+                          </m:accPr>
+                          <m:e>
+                            <m:r>
+                              <a:rPr lang="en-US" b="0" i="1" smtClean="0">
+                                <a:latin typeface="Cambria Math" panose="02040503050406030204" pitchFamily="18" charset="0"/>
+                              </a:rPr>
+                              <m:t>𝑇</m:t>
+                            </m:r>
+                          </m:e>
+                        </m:acc>
+                      </m:oMath>
+                    </m:oMathPara>
+                  </a14:m>
+                  <a:endParaRPr lang="en-US" dirty="0"/>
+                </a:p>
+              </p:txBody>
+            </p:sp>
+          </mc:Choice>
+          <mc:Fallback xmlns="">
+            <p:sp>
+              <p:nvSpPr>
+                <p:cNvPr id="25" name="TextBox 24">
+                  <a:extLst>
+                    <a:ext uri="{FF2B5EF4-FFF2-40B4-BE49-F238E27FC236}">
+                      <a16:creationId xmlns:a16="http://schemas.microsoft.com/office/drawing/2014/main" id="{2FF32E20-2310-4AB7-A689-088DD5E1E13F}"/>
+                    </a:ext>
+                  </a:extLst>
+                </p:cNvPr>
+                <p:cNvSpPr txBox="1">
+                  <a:spLocks noRot="1" noChangeAspect="1" noMove="1" noResize="1" noEditPoints="1" noAdjustHandles="1" noChangeArrowheads="1" noChangeShapeType="1" noTextEdit="1"/>
+                </p:cNvSpPr>
+                <p:nvPr/>
+              </p:nvSpPr>
+              <p:spPr>
+                <a:xfrm>
+                  <a:off x="5570249" y="3426301"/>
+                  <a:ext cx="195823" cy="310598"/>
+                </a:xfrm>
+                <a:prstGeom prst="rect">
+                  <a:avLst/>
+                </a:prstGeom>
+                <a:blipFill>
+                  <a:blip r:embed="rId8"/>
+                  <a:stretch>
+                    <a:fillRect l="-31250" r="-25000" b="-7843"/>
+                  </a:stretch>
+                </a:blipFill>
+              </p:spPr>
+              <p:txBody>
+                <a:bodyPr/>
+                <a:lstStyle/>
+                <a:p>
+                  <a:r>
+                    <a:rPr lang="en-US">
+                      <a:noFill/>
+                    </a:rPr>
+                    <a:t> </a:t>
+                  </a:r>
+                </a:p>
+              </p:txBody>
+            </p:sp>
+          </mc:Fallback>
+        </mc:AlternateContent>
+        <p:cxnSp>
+          <p:nvCxnSpPr>
+            <p:cNvPr id="28" name="Straight Arrow Connector 27">
+              <a:extLst>
+                <a:ext uri="{FF2B5EF4-FFF2-40B4-BE49-F238E27FC236}">
+                  <a16:creationId xmlns:a16="http://schemas.microsoft.com/office/drawing/2014/main" id="{D4B148AB-425D-4368-8477-8D3FCFE9B8A2}"/>
+                </a:ext>
+              </a:extLst>
+            </p:cNvPr>
+            <p:cNvCxnSpPr>
+              <a:cxnSpLocks/>
+            </p:cNvCxnSpPr>
+            <p:nvPr/>
+          </p:nvCxnSpPr>
+          <p:spPr>
+            <a:xfrm>
+              <a:off x="5295027" y="3758609"/>
+              <a:ext cx="471045" cy="0"/>
+            </a:xfrm>
+            <a:prstGeom prst="straightConnector1">
+              <a:avLst/>
+            </a:prstGeom>
+            <a:ln w="38100">
+              <a:solidFill>
+                <a:srgbClr val="FFC000"/>
+              </a:solidFill>
+              <a:headEnd type="none" w="lg" len="lg"/>
+              <a:tailEnd type="stealth" w="med" len="lg"/>
+            </a:ln>
+          </p:spPr>
+          <p:style>
+            <a:lnRef idx="1">
+              <a:schemeClr val="accent1"/>
+            </a:lnRef>
+            <a:fillRef idx="0">
+              <a:schemeClr val="accent1"/>
+            </a:fillRef>
+            <a:effectRef idx="0">
+              <a:schemeClr val="accent1"/>
+            </a:effectRef>
+            <a:fontRef idx="minor">
+              <a:schemeClr val="tx1"/>
+            </a:fontRef>
+          </p:style>
+        </p:cxnSp>
+        <p:cxnSp>
+          <p:nvCxnSpPr>
+            <p:cNvPr id="43" name="Straight Arrow Connector 42">
+              <a:extLst>
+                <a:ext uri="{FF2B5EF4-FFF2-40B4-BE49-F238E27FC236}">
+                  <a16:creationId xmlns:a16="http://schemas.microsoft.com/office/drawing/2014/main" id="{591C0C5A-04C7-4409-8595-166A72161432}"/>
+                </a:ext>
+              </a:extLst>
+            </p:cNvPr>
+            <p:cNvCxnSpPr>
+              <a:cxnSpLocks/>
+            </p:cNvCxnSpPr>
+            <p:nvPr/>
+          </p:nvCxnSpPr>
+          <p:spPr>
+            <a:xfrm flipH="1">
+              <a:off x="6175248" y="3758609"/>
+              <a:ext cx="490278" cy="0"/>
+            </a:xfrm>
+            <a:prstGeom prst="straightConnector1">
+              <a:avLst/>
+            </a:prstGeom>
+            <a:ln w="38100">
+              <a:solidFill>
+                <a:srgbClr val="FFC000"/>
+              </a:solidFill>
+              <a:headEnd type="none" w="lg" len="lg"/>
+              <a:tailEnd type="stealth" w="med" len="lg"/>
+            </a:ln>
+          </p:spPr>
+          <p:style>
+            <a:lnRef idx="1">
+              <a:schemeClr val="accent1"/>
+            </a:lnRef>
+            <a:fillRef idx="0">
+              <a:schemeClr val="accent1"/>
+            </a:fillRef>
+            <a:effectRef idx="0">
+              <a:schemeClr val="accent1"/>
+            </a:effectRef>
+            <a:fontRef idx="minor">
+              <a:schemeClr val="tx1"/>
+            </a:fontRef>
+          </p:style>
+        </p:cxnSp>
+        <mc:AlternateContent xmlns:mc="http://schemas.openxmlformats.org/markup-compatibility/2006" xmlns:a14="http://schemas.microsoft.com/office/drawing/2010/main">
+          <mc:Choice Requires="a14">
+            <p:sp>
+              <p:nvSpPr>
+                <p:cNvPr id="46" name="TextBox 45">
+                  <a:extLst>
+                    <a:ext uri="{FF2B5EF4-FFF2-40B4-BE49-F238E27FC236}">
+                      <a16:creationId xmlns:a16="http://schemas.microsoft.com/office/drawing/2014/main" id="{9D10BE00-941F-4C2A-A3A2-98D803056D54}"/>
+                    </a:ext>
+                  </a:extLst>
+                </p:cNvPr>
+                <p:cNvSpPr txBox="1"/>
+                <p:nvPr/>
+              </p:nvSpPr>
+              <p:spPr>
+                <a:xfrm>
+                  <a:off x="6184192" y="3426301"/>
+                  <a:ext cx="195823" cy="310598"/>
+                </a:xfrm>
+                <a:prstGeom prst="rect">
+                  <a:avLst/>
+                </a:prstGeom>
+                <a:noFill/>
+              </p:spPr>
+              <p:txBody>
+                <a:bodyPr wrap="none" lIns="0" tIns="0" rIns="0" bIns="0" rtlCol="0">
+                  <a:spAutoFit/>
+                </a:bodyPr>
+                <a:lstStyle/>
+                <a:p>
+                  <a:pPr/>
+                  <a14:m>
+                    <m:oMathPara xmlns:m="http://schemas.openxmlformats.org/officeDocument/2006/math">
+                      <m:oMathParaPr>
+                        <m:jc m:val="centerGroup"/>
+                      </m:oMathParaPr>
+                      <m:oMath xmlns:m="http://schemas.openxmlformats.org/officeDocument/2006/math">
+                        <m:acc>
+                          <m:accPr>
+                            <m:chr m:val="⃗"/>
+                            <m:ctrlPr>
+                              <a:rPr lang="en-US" i="1" smtClean="0">
+                                <a:latin typeface="Cambria Math" panose="02040503050406030204" pitchFamily="18" charset="0"/>
+                              </a:rPr>
+                            </m:ctrlPr>
+                          </m:accPr>
+                          <m:e>
+                            <m:r>
+                              <a:rPr lang="en-US" b="0" i="1" smtClean="0">
+                                <a:latin typeface="Cambria Math" panose="02040503050406030204" pitchFamily="18" charset="0"/>
+                              </a:rPr>
+                              <m:t>𝑇</m:t>
+                            </m:r>
+                          </m:e>
+                        </m:acc>
+                      </m:oMath>
+                    </m:oMathPara>
+                  </a14:m>
+                  <a:endParaRPr lang="en-US" dirty="0"/>
+                </a:p>
+              </p:txBody>
+            </p:sp>
+          </mc:Choice>
+          <mc:Fallback xmlns="">
+            <p:sp>
+              <p:nvSpPr>
+                <p:cNvPr id="46" name="TextBox 45">
+                  <a:extLst>
+                    <a:ext uri="{FF2B5EF4-FFF2-40B4-BE49-F238E27FC236}">
+                      <a16:creationId xmlns:a16="http://schemas.microsoft.com/office/drawing/2014/main" id="{9D10BE00-941F-4C2A-A3A2-98D803056D54}"/>
+                    </a:ext>
+                  </a:extLst>
+                </p:cNvPr>
+                <p:cNvSpPr txBox="1">
+                  <a:spLocks noRot="1" noChangeAspect="1" noMove="1" noResize="1" noEditPoints="1" noAdjustHandles="1" noChangeArrowheads="1" noChangeShapeType="1" noTextEdit="1"/>
+                </p:cNvSpPr>
+                <p:nvPr/>
+              </p:nvSpPr>
+              <p:spPr>
+                <a:xfrm>
+                  <a:off x="6184192" y="3426301"/>
+                  <a:ext cx="195823" cy="310598"/>
+                </a:xfrm>
+                <a:prstGeom prst="rect">
+                  <a:avLst/>
+                </a:prstGeom>
+                <a:blipFill>
+                  <a:blip r:embed="rId9"/>
+                  <a:stretch>
+                    <a:fillRect l="-31250" r="-25000" b="-7843"/>
+                  </a:stretch>
+                </a:blipFill>
+              </p:spPr>
+              <p:txBody>
+                <a:bodyPr/>
+                <a:lstStyle/>
+                <a:p>
+                  <a:r>
+                    <a:rPr lang="en-US">
+                      <a:noFill/>
+                    </a:rPr>
+                    <a:t> </a:t>
+                  </a:r>
+                </a:p>
+              </p:txBody>
+            </p:sp>
+          </mc:Fallback>
+        </mc:AlternateContent>
+      </p:grpSp>
+      <p:pic>
+        <p:nvPicPr>
+          <p:cNvPr id="13" name="Picture 12">
+            <a:extLst>
+              <a:ext uri="{FF2B5EF4-FFF2-40B4-BE49-F238E27FC236}">
+                <a16:creationId xmlns:a16="http://schemas.microsoft.com/office/drawing/2014/main" id="{4D610867-6B52-4121-BC51-47BE6402A18C}"/>
+              </a:ext>
+            </a:extLst>
+          </p:cNvPr>
+          <p:cNvPicPr>
+            <a:picLocks noChangeAspect="1"/>
+          </p:cNvPicPr>
+          <p:nvPr/>
+        </p:nvPicPr>
+        <p:blipFill>
+          <a:blip r:embed="rId10"/>
+          <a:stretch>
+            <a:fillRect/>
+          </a:stretch>
+        </p:blipFill>
         <p:spPr>
-          <a:xfrm flipH="1">
-            <a:off x="6853557" y="2375754"/>
-            <a:ext cx="25870" cy="1975046"/>
+          <a:xfrm>
+            <a:off x="3034536" y="3266250"/>
+            <a:ext cx="5743376" cy="1173714"/>
           </a:xfrm>
-          <a:prstGeom prst="line">
+          <a:prstGeom prst="rect">
             <a:avLst/>
           </a:prstGeom>
-          <a:ln w="31750">
-            <a:solidFill>
-              <a:schemeClr val="tx1"/>
-            </a:solidFill>
-          </a:ln>
         </p:spPr>
-        <p:style>
-          <a:lnRef idx="1">
-            <a:schemeClr val="accent1"/>
-          </a:lnRef>
-          <a:fillRef idx="0">
-            <a:schemeClr val="accent1"/>
-          </a:fillRef>
-          <a:effectRef idx="0">
-            <a:schemeClr val="accent1"/>
-          </a:effectRef>
-          <a:fontRef idx="minor">
-            <a:schemeClr val="tx1"/>
-          </a:fontRef>
-        </p:style>
-      </p:cxnSp>
+      </p:pic>
       <p:cxnSp>
         <p:nvCxnSpPr>
-          <p:cNvPr id="82" name="Straight Connector 81">
+          <p:cNvPr id="23" name="Straight Arrow Connector 22">
             <a:extLst>
               <a:ext uri="{FF2B5EF4-FFF2-40B4-BE49-F238E27FC236}">
-                <a16:creationId xmlns:a16="http://schemas.microsoft.com/office/drawing/2014/main" id="{22746A1C-9805-4B4D-B58F-DB4F61E7911D}"/>
+                <a16:creationId xmlns:a16="http://schemas.microsoft.com/office/drawing/2014/main" id="{C9DF68D1-1959-403A-8C47-D3F4BD0B77A5}"/>
               </a:ext>
             </a:extLst>
           </p:cNvPr>
@@ -16921,16 +19208,18 @@
         </p:nvCxnSpPr>
         <p:spPr>
           <a:xfrm>
-            <a:off x="7964066" y="2375754"/>
-            <a:ext cx="0" cy="1617157"/>
+            <a:off x="4354445" y="3726107"/>
+            <a:ext cx="725554" cy="0"/>
           </a:xfrm>
-          <a:prstGeom prst="line">
+          <a:prstGeom prst="straightConnector1">
             <a:avLst/>
           </a:prstGeom>
-          <a:ln w="31750">
+          <a:ln w="38100">
             <a:solidFill>
-              <a:schemeClr val="tx1"/>
+              <a:srgbClr val="FF0000"/>
             </a:solidFill>
+            <a:headEnd type="none" w="lg" len="lg"/>
+            <a:tailEnd type="stealth" w="lg" len="lg"/>
           </a:ln>
         </p:spPr>
         <p:style>
@@ -16948,59 +19237,14 @@
           </a:fontRef>
         </p:style>
       </p:cxnSp>
-      <p:cxnSp>
-        <p:nvCxnSpPr>
-          <p:cNvPr id="88" name="Straight Arrow Connector 87">
-            <a:extLst>
-              <a:ext uri="{FF2B5EF4-FFF2-40B4-BE49-F238E27FC236}">
-                <a16:creationId xmlns:a16="http://schemas.microsoft.com/office/drawing/2014/main" id="{4F53B432-5CFD-46F4-B2A5-8F09CF9A4418}"/>
-              </a:ext>
-            </a:extLst>
-          </p:cNvPr>
-          <p:cNvCxnSpPr>
-            <a:cxnSpLocks/>
-          </p:cNvCxnSpPr>
-          <p:nvPr/>
-        </p:nvCxnSpPr>
-        <p:spPr>
-          <a:xfrm flipH="1">
-            <a:off x="6882483" y="2602350"/>
-            <a:ext cx="1081583" cy="0"/>
-          </a:xfrm>
-          <a:prstGeom prst="straightConnector1">
-            <a:avLst/>
-          </a:prstGeom>
-          <a:ln w="25400">
-            <a:solidFill>
-              <a:schemeClr val="tx1"/>
-            </a:solidFill>
-            <a:headEnd type="stealth" w="lg" len="lg"/>
-            <a:tailEnd type="stealth" w="lg" len="lg"/>
-          </a:ln>
-        </p:spPr>
-        <p:style>
-          <a:lnRef idx="1">
-            <a:schemeClr val="accent1"/>
-          </a:lnRef>
-          <a:fillRef idx="0">
-            <a:schemeClr val="accent1"/>
-          </a:fillRef>
-          <a:effectRef idx="0">
-            <a:schemeClr val="accent1"/>
-          </a:effectRef>
-          <a:fontRef idx="minor">
-            <a:schemeClr val="tx1"/>
-          </a:fontRef>
-        </p:style>
-      </p:cxnSp>
-      <mc:AlternateContent xmlns:mc="http://schemas.openxmlformats.org/markup-compatibility/2006">
-        <mc:Choice xmlns:a14="http://schemas.microsoft.com/office/drawing/2010/main" Requires="a14">
+      <mc:AlternateContent xmlns:mc="http://schemas.openxmlformats.org/markup-compatibility/2006" xmlns:a14="http://schemas.microsoft.com/office/drawing/2010/main">
+        <mc:Choice Requires="a14">
           <p:sp>
             <p:nvSpPr>
-              <p:cNvPr id="14" name="TextBox 13">
+              <p:cNvPr id="24" name="TextBox 23">
                 <a:extLst>
                   <a:ext uri="{FF2B5EF4-FFF2-40B4-BE49-F238E27FC236}">
-                    <a16:creationId xmlns:a16="http://schemas.microsoft.com/office/drawing/2014/main" id="{F987CCB6-4AF3-4104-B720-4CFE4310A76F}"/>
+                    <a16:creationId xmlns:a16="http://schemas.microsoft.com/office/drawing/2014/main" id="{2642B877-FF51-4C9C-974F-AB8B243EF2DA}"/>
                   </a:ext>
                 </a:extLst>
               </p:cNvPr>
@@ -17009,8 +19253,8 @@
             </p:nvSpPr>
             <p:spPr>
               <a:xfrm>
-                <a:off x="7371987" y="2602350"/>
-                <a:ext cx="321498" cy="430887"/>
+                <a:off x="4811464" y="3266250"/>
+                <a:ext cx="268535" cy="414088"/>
               </a:xfrm>
               <a:prstGeom prst="rect">
                 <a:avLst/>
@@ -17023,33 +19267,56 @@
               </a:bodyPr>
               <a:lstStyle/>
               <a:p>
+                <a:pPr/>
                 <a14:m>
                   <m:oMathPara xmlns:m="http://schemas.openxmlformats.org/officeDocument/2006/math">
                     <m:oMathParaPr>
                       <m:jc m:val="centerGroup"/>
                     </m:oMathParaPr>
                     <m:oMath xmlns:m="http://schemas.openxmlformats.org/officeDocument/2006/math">
-                      <m:r>
-                        <a:rPr lang="en-US" sz="2800" b="0" i="1" smtClean="0">
-                          <a:latin typeface="Cambria Math" panose="02040503050406030204" pitchFamily="18" charset="0"/>
-                        </a:rPr>
-                        <m:t>𝑅</m:t>
-                      </m:r>
+                      <m:acc>
+                        <m:accPr>
+                          <m:chr m:val="⃗"/>
+                          <m:ctrlPr>
+                            <a:rPr lang="en-US" sz="2400" i="1" smtClean="0">
+                              <a:solidFill>
+                                <a:srgbClr val="FF0000"/>
+                              </a:solidFill>
+                              <a:latin typeface="Cambria Math" panose="02040503050406030204" pitchFamily="18" charset="0"/>
+                            </a:rPr>
+                          </m:ctrlPr>
+                        </m:accPr>
+                        <m:e>
+                          <m:r>
+                            <a:rPr lang="en-US" sz="2400" b="0" i="1" smtClean="0">
+                              <a:solidFill>
+                                <a:srgbClr val="FF0000"/>
+                              </a:solidFill>
+                              <a:latin typeface="Cambria Math" panose="02040503050406030204" pitchFamily="18" charset="0"/>
+                            </a:rPr>
+                            <m:t>𝐹</m:t>
+                          </m:r>
+                        </m:e>
+                      </m:acc>
                     </m:oMath>
                   </m:oMathPara>
                 </a14:m>
-                <a:endParaRPr lang="en-US" sz="2800" dirty="0"/>
+                <a:endParaRPr lang="en-US" sz="2400" dirty="0">
+                  <a:solidFill>
+                    <a:srgbClr val="FF0000"/>
+                  </a:solidFill>
+                </a:endParaRPr>
               </a:p>
             </p:txBody>
           </p:sp>
         </mc:Choice>
-        <mc:Fallback>
+        <mc:Fallback xmlns="">
           <p:sp>
             <p:nvSpPr>
-              <p:cNvPr id="14" name="TextBox 13">
+              <p:cNvPr id="24" name="TextBox 23">
                 <a:extLst>
                   <a:ext uri="{FF2B5EF4-FFF2-40B4-BE49-F238E27FC236}">
-                    <a16:creationId xmlns:a16="http://schemas.microsoft.com/office/drawing/2014/main" id="{F987CCB6-4AF3-4104-B720-4CFE4310A76F}"/>
+                    <a16:creationId xmlns:a16="http://schemas.microsoft.com/office/drawing/2014/main" id="{2642B877-FF51-4C9C-974F-AB8B243EF2DA}"/>
                   </a:ext>
                 </a:extLst>
               </p:cNvPr>
@@ -17060,109 +19327,14 @@
             </p:nvSpPr>
             <p:spPr>
               <a:xfrm>
-                <a:off x="7371987" y="2602350"/>
-                <a:ext cx="321498" cy="430887"/>
+                <a:off x="4811464" y="3266250"/>
+                <a:ext cx="268535" cy="414088"/>
               </a:xfrm>
               <a:prstGeom prst="rect">
                 <a:avLst/>
               </a:prstGeom>
               <a:blipFill>
-                <a:blip r:embed="rId28"/>
-                <a:stretch>
-                  <a:fillRect/>
-                </a:stretch>
-              </a:blipFill>
-            </p:spPr>
-            <p:txBody>
-              <a:bodyPr/>
-              <a:lstStyle/>
-              <a:p>
-                <a:r>
-                  <a:rPr lang="en-US">
-                    <a:noFill/>
-                  </a:rPr>
-                  <a:t> </a:t>
-                </a:r>
-              </a:p>
-            </p:txBody>
-          </p:sp>
-        </mc:Fallback>
-      </mc:AlternateContent>
-      <mc:AlternateContent xmlns:mc="http://schemas.openxmlformats.org/markup-compatibility/2006">
-        <mc:Choice xmlns:a14="http://schemas.microsoft.com/office/drawing/2010/main" Requires="a14">
-          <p:sp>
-            <p:nvSpPr>
-              <p:cNvPr id="89" name="TextBox 88">
-                <a:extLst>
-                  <a:ext uri="{FF2B5EF4-FFF2-40B4-BE49-F238E27FC236}">
-                    <a16:creationId xmlns:a16="http://schemas.microsoft.com/office/drawing/2014/main" id="{B3288966-FDAB-4ABD-9308-C7D332C2287D}"/>
-                  </a:ext>
-                </a:extLst>
-              </p:cNvPr>
-              <p:cNvSpPr txBox="1"/>
-              <p:nvPr/>
-            </p:nvSpPr>
-            <p:spPr>
-              <a:xfrm>
-                <a:off x="6990381" y="3535312"/>
-                <a:ext cx="261161" cy="430887"/>
-              </a:xfrm>
-              <a:prstGeom prst="rect">
-                <a:avLst/>
-              </a:prstGeom>
-              <a:noFill/>
-            </p:spPr>
-            <p:txBody>
-              <a:bodyPr wrap="none" lIns="0" tIns="0" rIns="0" bIns="0" rtlCol="0">
-                <a:spAutoFit/>
-              </a:bodyPr>
-              <a:lstStyle/>
-              <a:p>
-                <a14:m>
-                  <m:oMathPara xmlns:m="http://schemas.openxmlformats.org/officeDocument/2006/math">
-                    <m:oMathParaPr>
-                      <m:jc m:val="centerGroup"/>
-                    </m:oMathParaPr>
-                    <m:oMath xmlns:m="http://schemas.openxmlformats.org/officeDocument/2006/math">
-                      <m:r>
-                        <a:rPr lang="en-US" sz="2800" b="0" i="1" smtClean="0">
-                          <a:latin typeface="Cambria Math" panose="02040503050406030204" pitchFamily="18" charset="0"/>
-                        </a:rPr>
-                        <m:t>𝑟</m:t>
-                      </m:r>
-                    </m:oMath>
-                  </m:oMathPara>
-                </a14:m>
-                <a:endParaRPr lang="en-US" sz="2800" dirty="0"/>
-              </a:p>
-            </p:txBody>
-          </p:sp>
-        </mc:Choice>
-        <mc:Fallback>
-          <p:sp>
-            <p:nvSpPr>
-              <p:cNvPr id="89" name="TextBox 88">
-                <a:extLst>
-                  <a:ext uri="{FF2B5EF4-FFF2-40B4-BE49-F238E27FC236}">
-                    <a16:creationId xmlns:a16="http://schemas.microsoft.com/office/drawing/2014/main" id="{B3288966-FDAB-4ABD-9308-C7D332C2287D}"/>
-                  </a:ext>
-                </a:extLst>
-              </p:cNvPr>
-              <p:cNvSpPr txBox="1">
-                <a:spLocks noRot="1" noChangeAspect="1" noMove="1" noResize="1" noEditPoints="1" noAdjustHandles="1" noChangeArrowheads="1" noChangeShapeType="1" noTextEdit="1"/>
-              </p:cNvSpPr>
-              <p:nvPr/>
-            </p:nvSpPr>
-            <p:spPr>
-              <a:xfrm>
-                <a:off x="6990381" y="3535312"/>
-                <a:ext cx="261161" cy="430887"/>
-              </a:xfrm>
-              <a:prstGeom prst="rect">
-                <a:avLst/>
-              </a:prstGeom>
-              <a:blipFill>
-                <a:blip r:embed="rId29"/>
+                <a:blip r:embed="rId11"/>
                 <a:stretch>
                   <a:fillRect/>
                 </a:stretch>
@@ -17185,10 +19357,10 @@
       </mc:AlternateContent>
       <p:cxnSp>
         <p:nvCxnSpPr>
-          <p:cNvPr id="91" name="Straight Connector 90">
+          <p:cNvPr id="29" name="Straight Arrow Connector 28">
             <a:extLst>
               <a:ext uri="{FF2B5EF4-FFF2-40B4-BE49-F238E27FC236}">
-                <a16:creationId xmlns:a16="http://schemas.microsoft.com/office/drawing/2014/main" id="{91E2EB83-DF9E-4EF1-B5EE-9680EFCAD318}"/>
+                <a16:creationId xmlns:a16="http://schemas.microsoft.com/office/drawing/2014/main" id="{B5C04DF9-E80C-4B49-B881-888A3CD288AD}"/>
               </a:ext>
             </a:extLst>
           </p:cNvPr>
@@ -17198,17 +19370,19 @@
           <p:nvPr/>
         </p:nvCxnSpPr>
         <p:spPr>
-          <a:xfrm>
-            <a:off x="6396357" y="3921375"/>
-            <a:ext cx="929228" cy="5246"/>
+          <a:xfrm flipH="1">
+            <a:off x="6895453" y="3830125"/>
+            <a:ext cx="673825" cy="0"/>
           </a:xfrm>
-          <a:prstGeom prst="line">
+          <a:prstGeom prst="straightConnector1">
             <a:avLst/>
           </a:prstGeom>
-          <a:ln w="12700">
+          <a:ln w="38100">
             <a:solidFill>
-              <a:schemeClr val="tx1"/>
+              <a:srgbClr val="FF0000"/>
             </a:solidFill>
+            <a:headEnd type="none" w="lg" len="lg"/>
+            <a:tailEnd type="stealth" w="lg" len="lg"/>
           </a:ln>
         </p:spPr>
         <p:style>
@@ -17226,634 +19400,885 @@
           </a:fontRef>
         </p:style>
       </p:cxnSp>
-      <p:sp>
-        <p:nvSpPr>
-          <p:cNvPr id="92" name="Oval 91">
+      <mc:AlternateContent xmlns:mc="http://schemas.openxmlformats.org/markup-compatibility/2006" xmlns:a14="http://schemas.microsoft.com/office/drawing/2010/main">
+        <mc:Choice Requires="a14">
+          <p:sp>
+            <p:nvSpPr>
+              <p:cNvPr id="30" name="TextBox 29">
+                <a:extLst>
+                  <a:ext uri="{FF2B5EF4-FFF2-40B4-BE49-F238E27FC236}">
+                    <a16:creationId xmlns:a16="http://schemas.microsoft.com/office/drawing/2014/main" id="{D774C0E2-1624-4FD7-8FA5-466F515F6B54}"/>
+                  </a:ext>
+                </a:extLst>
+              </p:cNvPr>
+              <p:cNvSpPr txBox="1"/>
+              <p:nvPr/>
+            </p:nvSpPr>
+            <p:spPr>
+              <a:xfrm>
+                <a:off x="6986884" y="3312019"/>
+                <a:ext cx="268535" cy="414088"/>
+              </a:xfrm>
+              <a:prstGeom prst="rect">
+                <a:avLst/>
+              </a:prstGeom>
+              <a:noFill/>
+            </p:spPr>
+            <p:txBody>
+              <a:bodyPr wrap="none" lIns="0" tIns="0" rIns="0" bIns="0" rtlCol="0">
+                <a:spAutoFit/>
+              </a:bodyPr>
+              <a:lstStyle/>
+              <a:p>
+                <a:pPr/>
+                <a14:m>
+                  <m:oMathPara xmlns:m="http://schemas.openxmlformats.org/officeDocument/2006/math">
+                    <m:oMathParaPr>
+                      <m:jc m:val="centerGroup"/>
+                    </m:oMathParaPr>
+                    <m:oMath xmlns:m="http://schemas.openxmlformats.org/officeDocument/2006/math">
+                      <m:acc>
+                        <m:accPr>
+                          <m:chr m:val="⃗"/>
+                          <m:ctrlPr>
+                            <a:rPr lang="en-US" sz="2400" i="1" smtClean="0">
+                              <a:solidFill>
+                                <a:srgbClr val="FF0000"/>
+                              </a:solidFill>
+                              <a:latin typeface="Cambria Math" panose="02040503050406030204" pitchFamily="18" charset="0"/>
+                            </a:rPr>
+                          </m:ctrlPr>
+                        </m:accPr>
+                        <m:e>
+                          <m:r>
+                            <a:rPr lang="en-US" sz="2400" b="0" i="1" smtClean="0">
+                              <a:solidFill>
+                                <a:srgbClr val="FF0000"/>
+                              </a:solidFill>
+                              <a:latin typeface="Cambria Math" panose="02040503050406030204" pitchFamily="18" charset="0"/>
+                            </a:rPr>
+                            <m:t>𝐹</m:t>
+                          </m:r>
+                        </m:e>
+                      </m:acc>
+                    </m:oMath>
+                  </m:oMathPara>
+                </a14:m>
+                <a:endParaRPr lang="en-US" sz="2400" dirty="0">
+                  <a:solidFill>
+                    <a:srgbClr val="FF0000"/>
+                  </a:solidFill>
+                </a:endParaRPr>
+              </a:p>
+            </p:txBody>
+          </p:sp>
+        </mc:Choice>
+        <mc:Fallback xmlns="">
+          <p:sp>
+            <p:nvSpPr>
+              <p:cNvPr id="30" name="TextBox 29">
+                <a:extLst>
+                  <a:ext uri="{FF2B5EF4-FFF2-40B4-BE49-F238E27FC236}">
+                    <a16:creationId xmlns:a16="http://schemas.microsoft.com/office/drawing/2014/main" id="{D774C0E2-1624-4FD7-8FA5-466F515F6B54}"/>
+                  </a:ext>
+                </a:extLst>
+              </p:cNvPr>
+              <p:cNvSpPr txBox="1">
+                <a:spLocks noRot="1" noChangeAspect="1" noMove="1" noResize="1" noEditPoints="1" noAdjustHandles="1" noChangeArrowheads="1" noChangeShapeType="1" noTextEdit="1"/>
+              </p:cNvSpPr>
+              <p:nvPr/>
+            </p:nvSpPr>
+            <p:spPr>
+              <a:xfrm>
+                <a:off x="6986884" y="3312019"/>
+                <a:ext cx="268535" cy="414088"/>
+              </a:xfrm>
+              <a:prstGeom prst="rect">
+                <a:avLst/>
+              </a:prstGeom>
+              <a:blipFill>
+                <a:blip r:embed="rId12"/>
+                <a:stretch>
+                  <a:fillRect/>
+                </a:stretch>
+              </a:blipFill>
+            </p:spPr>
+            <p:txBody>
+              <a:bodyPr/>
+              <a:lstStyle/>
+              <a:p>
+                <a:r>
+                  <a:rPr lang="en-US">
+                    <a:noFill/>
+                  </a:rPr>
+                  <a:t> </a:t>
+                </a:r>
+              </a:p>
+            </p:txBody>
+          </p:sp>
+        </mc:Fallback>
+      </mc:AlternateContent>
+      <mc:AlternateContent xmlns:mc="http://schemas.openxmlformats.org/markup-compatibility/2006" xmlns:a14="http://schemas.microsoft.com/office/drawing/2010/main">
+        <mc:Choice Requires="a14">
+          <p:sp>
+            <p:nvSpPr>
+              <p:cNvPr id="22" name="TextBox 21">
+                <a:extLst>
+                  <a:ext uri="{FF2B5EF4-FFF2-40B4-BE49-F238E27FC236}">
+                    <a16:creationId xmlns:a16="http://schemas.microsoft.com/office/drawing/2014/main" id="{B73425F5-BA1A-455C-A59D-09AD19EAC358}"/>
+                  </a:ext>
+                </a:extLst>
+              </p:cNvPr>
+              <p:cNvSpPr txBox="1"/>
+              <p:nvPr/>
+            </p:nvSpPr>
+            <p:spPr>
+              <a:xfrm>
+                <a:off x="6850148" y="4143846"/>
+                <a:ext cx="542008" cy="430887"/>
+              </a:xfrm>
+              <a:prstGeom prst="rect">
+                <a:avLst/>
+              </a:prstGeom>
+              <a:noFill/>
+            </p:spPr>
+            <p:txBody>
+              <a:bodyPr wrap="none" lIns="0" tIns="0" rIns="0" bIns="0" rtlCol="0">
+                <a:spAutoFit/>
+              </a:bodyPr>
+              <a:lstStyle/>
+              <a:p>
+                <a:pPr/>
+                <a14:m>
+                  <m:oMathPara xmlns:m="http://schemas.openxmlformats.org/officeDocument/2006/math">
+                    <m:oMathParaPr>
+                      <m:jc m:val="centerGroup"/>
+                    </m:oMathParaPr>
+                    <m:oMath xmlns:m="http://schemas.openxmlformats.org/officeDocument/2006/math">
+                      <m:sSub>
+                        <m:sSubPr>
+                          <m:ctrlPr>
+                            <a:rPr lang="en-US" sz="2800" i="1" smtClean="0">
+                              <a:latin typeface="Cambria Math" panose="02040503050406030204" pitchFamily="18" charset="0"/>
+                            </a:rPr>
+                          </m:ctrlPr>
+                        </m:sSubPr>
+                        <m:e>
+                          <m:r>
+                            <a:rPr lang="en-US" sz="2800" b="0" i="1" smtClean="0">
+                              <a:latin typeface="Cambria Math" panose="02040503050406030204" pitchFamily="18" charset="0"/>
+                            </a:rPr>
+                            <m:t>𝑚</m:t>
+                          </m:r>
+                        </m:e>
+                        <m:sub>
+                          <m:r>
+                            <a:rPr lang="en-US" sz="2800" b="0" i="1" smtClean="0">
+                              <a:latin typeface="Cambria Math" panose="02040503050406030204" pitchFamily="18" charset="0"/>
+                            </a:rPr>
+                            <m:t>1</m:t>
+                          </m:r>
+                        </m:sub>
+                      </m:sSub>
+                    </m:oMath>
+                  </m:oMathPara>
+                </a14:m>
+                <a:endParaRPr lang="en-US" sz="2800" dirty="0"/>
+              </a:p>
+            </p:txBody>
+          </p:sp>
+        </mc:Choice>
+        <mc:Fallback xmlns="">
+          <p:sp>
+            <p:nvSpPr>
+              <p:cNvPr id="22" name="TextBox 21">
+                <a:extLst>
+                  <a:ext uri="{FF2B5EF4-FFF2-40B4-BE49-F238E27FC236}">
+                    <a16:creationId xmlns:a16="http://schemas.microsoft.com/office/drawing/2014/main" id="{B73425F5-BA1A-455C-A59D-09AD19EAC358}"/>
+                  </a:ext>
+                </a:extLst>
+              </p:cNvPr>
+              <p:cNvSpPr txBox="1">
+                <a:spLocks noRot="1" noChangeAspect="1" noMove="1" noResize="1" noEditPoints="1" noAdjustHandles="1" noChangeArrowheads="1" noChangeShapeType="1" noTextEdit="1"/>
+              </p:cNvSpPr>
+              <p:nvPr/>
+            </p:nvSpPr>
+            <p:spPr>
+              <a:xfrm>
+                <a:off x="6850148" y="4143846"/>
+                <a:ext cx="542008" cy="430887"/>
+              </a:xfrm>
+              <a:prstGeom prst="rect">
+                <a:avLst/>
+              </a:prstGeom>
+              <a:blipFill>
+                <a:blip r:embed="rId13"/>
+                <a:stretch>
+                  <a:fillRect/>
+                </a:stretch>
+              </a:blipFill>
+            </p:spPr>
+            <p:txBody>
+              <a:bodyPr/>
+              <a:lstStyle/>
+              <a:p>
+                <a:r>
+                  <a:rPr lang="en-US">
+                    <a:noFill/>
+                  </a:rPr>
+                  <a:t> </a:t>
+                </a:r>
+              </a:p>
+            </p:txBody>
+          </p:sp>
+        </mc:Fallback>
+      </mc:AlternateContent>
+      <mc:AlternateContent xmlns:mc="http://schemas.openxmlformats.org/markup-compatibility/2006" xmlns:a14="http://schemas.microsoft.com/office/drawing/2010/main">
+        <mc:Choice Requires="a14">
+          <p:sp>
+            <p:nvSpPr>
+              <p:cNvPr id="32" name="TextBox 31">
+                <a:extLst>
+                  <a:ext uri="{FF2B5EF4-FFF2-40B4-BE49-F238E27FC236}">
+                    <a16:creationId xmlns:a16="http://schemas.microsoft.com/office/drawing/2014/main" id="{577AC25B-59C8-4A73-8F0F-D145B2953EE5}"/>
+                  </a:ext>
+                </a:extLst>
+              </p:cNvPr>
+              <p:cNvSpPr txBox="1"/>
+              <p:nvPr/>
+            </p:nvSpPr>
+            <p:spPr>
+              <a:xfrm>
+                <a:off x="4670591" y="4180123"/>
+                <a:ext cx="550279" cy="430887"/>
+              </a:xfrm>
+              <a:prstGeom prst="rect">
+                <a:avLst/>
+              </a:prstGeom>
+              <a:noFill/>
+            </p:spPr>
+            <p:txBody>
+              <a:bodyPr wrap="none" lIns="0" tIns="0" rIns="0" bIns="0" rtlCol="0">
+                <a:spAutoFit/>
+              </a:bodyPr>
+              <a:lstStyle/>
+              <a:p>
+                <a:pPr/>
+                <a14:m>
+                  <m:oMathPara xmlns:m="http://schemas.openxmlformats.org/officeDocument/2006/math">
+                    <m:oMathParaPr>
+                      <m:jc m:val="centerGroup"/>
+                    </m:oMathParaPr>
+                    <m:oMath xmlns:m="http://schemas.openxmlformats.org/officeDocument/2006/math">
+                      <m:sSub>
+                        <m:sSubPr>
+                          <m:ctrlPr>
+                            <a:rPr lang="en-US" sz="2800" i="1" smtClean="0">
+                              <a:latin typeface="Cambria Math" panose="02040503050406030204" pitchFamily="18" charset="0"/>
+                            </a:rPr>
+                          </m:ctrlPr>
+                        </m:sSubPr>
+                        <m:e>
+                          <m:r>
+                            <a:rPr lang="en-US" sz="2800" b="0" i="1" smtClean="0">
+                              <a:latin typeface="Cambria Math" panose="02040503050406030204" pitchFamily="18" charset="0"/>
+                            </a:rPr>
+                            <m:t>𝑚</m:t>
+                          </m:r>
+                        </m:e>
+                        <m:sub>
+                          <m:r>
+                            <a:rPr lang="en-US" sz="2800" b="0" i="1" smtClean="0">
+                              <a:latin typeface="Cambria Math" panose="02040503050406030204" pitchFamily="18" charset="0"/>
+                            </a:rPr>
+                            <m:t>2</m:t>
+                          </m:r>
+                        </m:sub>
+                      </m:sSub>
+                    </m:oMath>
+                  </m:oMathPara>
+                </a14:m>
+                <a:endParaRPr lang="en-US" sz="2800" dirty="0"/>
+              </a:p>
+            </p:txBody>
+          </p:sp>
+        </mc:Choice>
+        <mc:Fallback xmlns="">
+          <p:sp>
+            <p:nvSpPr>
+              <p:cNvPr id="32" name="TextBox 31">
+                <a:extLst>
+                  <a:ext uri="{FF2B5EF4-FFF2-40B4-BE49-F238E27FC236}">
+                    <a16:creationId xmlns:a16="http://schemas.microsoft.com/office/drawing/2014/main" id="{577AC25B-59C8-4A73-8F0F-D145B2953EE5}"/>
+                  </a:ext>
+                </a:extLst>
+              </p:cNvPr>
+              <p:cNvSpPr txBox="1">
+                <a:spLocks noRot="1" noChangeAspect="1" noMove="1" noResize="1" noEditPoints="1" noAdjustHandles="1" noChangeArrowheads="1" noChangeShapeType="1" noTextEdit="1"/>
+              </p:cNvSpPr>
+              <p:nvPr/>
+            </p:nvSpPr>
+            <p:spPr>
+              <a:xfrm>
+                <a:off x="4670591" y="4180123"/>
+                <a:ext cx="550279" cy="430887"/>
+              </a:xfrm>
+              <a:prstGeom prst="rect">
+                <a:avLst/>
+              </a:prstGeom>
+              <a:blipFill>
+                <a:blip r:embed="rId14"/>
+                <a:stretch>
+                  <a:fillRect/>
+                </a:stretch>
+              </a:blipFill>
+            </p:spPr>
+            <p:txBody>
+              <a:bodyPr/>
+              <a:lstStyle/>
+              <a:p>
+                <a:r>
+                  <a:rPr lang="en-US">
+                    <a:noFill/>
+                  </a:rPr>
+                  <a:t> </a:t>
+                </a:r>
+              </a:p>
+            </p:txBody>
+          </p:sp>
+        </mc:Fallback>
+      </mc:AlternateContent>
+      <p:cxnSp>
+        <p:nvCxnSpPr>
+          <p:cNvPr id="33" name="Straight Arrow Connector 32">
             <a:extLst>
               <a:ext uri="{FF2B5EF4-FFF2-40B4-BE49-F238E27FC236}">
-                <a16:creationId xmlns:a16="http://schemas.microsoft.com/office/drawing/2014/main" id="{826BD8D1-E526-413E-850B-C91C4143E77A}"/>
+                <a16:creationId xmlns:a16="http://schemas.microsoft.com/office/drawing/2014/main" id="{F48E5046-F370-4292-89A1-9A132D455E35}"/>
               </a:ext>
             </a:extLst>
           </p:cNvPr>
-          <p:cNvSpPr/>
+          <p:cNvCxnSpPr>
+            <a:cxnSpLocks/>
+          </p:cNvCxnSpPr>
           <p:nvPr/>
-        </p:nvSpPr>
+        </p:nvCxnSpPr>
         <p:spPr>
-          <a:xfrm>
-            <a:off x="6350637" y="3383807"/>
-            <a:ext cx="1005840" cy="1005840"/>
+          <a:xfrm flipH="1">
+            <a:off x="3574285" y="3211181"/>
+            <a:ext cx="2192612" cy="0"/>
           </a:xfrm>
-          <a:prstGeom prst="ellipse">
+          <a:prstGeom prst="straightConnector1">
             <a:avLst/>
           </a:prstGeom>
-          <a:noFill/>
-          <a:ln w="3175">
+          <a:ln w="25400">
             <a:solidFill>
               <a:schemeClr val="tx1"/>
             </a:solidFill>
+            <a:headEnd type="none" w="lg" len="lg"/>
+            <a:tailEnd type="stealth" w="lg" len="lg"/>
           </a:ln>
         </p:spPr>
         <p:style>
-          <a:lnRef idx="2">
-            <a:schemeClr val="accent1">
-              <a:shade val="50000"/>
-            </a:schemeClr>
+          <a:lnRef idx="1">
+            <a:schemeClr val="accent1"/>
           </a:lnRef>
-          <a:fillRef idx="1">
+          <a:fillRef idx="0">
             <a:schemeClr val="accent1"/>
           </a:fillRef>
           <a:effectRef idx="0">
             <a:schemeClr val="accent1"/>
           </a:effectRef>
           <a:fontRef idx="minor">
-            <a:schemeClr val="lt1"/>
+            <a:schemeClr val="tx1"/>
           </a:fontRef>
         </p:style>
-        <p:txBody>
-          <a:bodyPr rtlCol="0" anchor="ctr"/>
-          <a:lstStyle/>
-          <a:p>
-            <a:pPr algn="ctr"/>
-            <a:endParaRPr lang="en-US" dirty="0"/>
-          </a:p>
-        </p:txBody>
-      </p:sp>
-      <p:sp>
-        <p:nvSpPr>
-          <p:cNvPr id="93" name="Oval 92">
+      </p:cxnSp>
+      <mc:AlternateContent xmlns:mc="http://schemas.openxmlformats.org/markup-compatibility/2006" xmlns:a14="http://schemas.microsoft.com/office/drawing/2010/main">
+        <mc:Choice Requires="a14">
+          <p:sp>
+            <p:nvSpPr>
+              <p:cNvPr id="34" name="TextBox 33">
+                <a:extLst>
+                  <a:ext uri="{FF2B5EF4-FFF2-40B4-BE49-F238E27FC236}">
+                    <a16:creationId xmlns:a16="http://schemas.microsoft.com/office/drawing/2014/main" id="{64D59028-D5C9-4101-9B23-D0A5CAD4A5E7}"/>
+                  </a:ext>
+                </a:extLst>
+              </p:cNvPr>
+              <p:cNvSpPr txBox="1"/>
+              <p:nvPr/>
+            </p:nvSpPr>
+            <p:spPr>
+              <a:xfrm>
+                <a:off x="3685089" y="2845977"/>
+                <a:ext cx="241733" cy="369332"/>
+              </a:xfrm>
+              <a:prstGeom prst="rect">
+                <a:avLst/>
+              </a:prstGeom>
+              <a:noFill/>
+            </p:spPr>
+            <p:txBody>
+              <a:bodyPr wrap="none" lIns="0" tIns="0" rIns="0" bIns="0" rtlCol="0">
+                <a:spAutoFit/>
+              </a:bodyPr>
+              <a:lstStyle/>
+              <a:p>
+                <a:pPr/>
+                <a14:m>
+                  <m:oMathPara xmlns:m="http://schemas.openxmlformats.org/officeDocument/2006/math">
+                    <m:oMathParaPr>
+                      <m:jc m:val="centerGroup"/>
+                    </m:oMathParaPr>
+                    <m:oMath xmlns:m="http://schemas.openxmlformats.org/officeDocument/2006/math">
+                      <m:r>
+                        <a:rPr lang="en-US" sz="2400" b="0" i="1" smtClean="0">
+                          <a:latin typeface="Cambria Math" panose="02040503050406030204" pitchFamily="18" charset="0"/>
+                        </a:rPr>
+                        <m:t>𝑥</m:t>
+                      </m:r>
+                    </m:oMath>
+                  </m:oMathPara>
+                </a14:m>
+                <a:endParaRPr lang="en-US" sz="2800" dirty="0"/>
+              </a:p>
+            </p:txBody>
+          </p:sp>
+        </mc:Choice>
+        <mc:Fallback xmlns="">
+          <p:sp>
+            <p:nvSpPr>
+              <p:cNvPr id="34" name="TextBox 33">
+                <a:extLst>
+                  <a:ext uri="{FF2B5EF4-FFF2-40B4-BE49-F238E27FC236}">
+                    <a16:creationId xmlns:a16="http://schemas.microsoft.com/office/drawing/2014/main" id="{64D59028-D5C9-4101-9B23-D0A5CAD4A5E7}"/>
+                  </a:ext>
+                </a:extLst>
+              </p:cNvPr>
+              <p:cNvSpPr txBox="1">
+                <a:spLocks noRot="1" noChangeAspect="1" noMove="1" noResize="1" noEditPoints="1" noAdjustHandles="1" noChangeArrowheads="1" noChangeShapeType="1" noTextEdit="1"/>
+              </p:cNvSpPr>
+              <p:nvPr/>
+            </p:nvSpPr>
+            <p:spPr>
+              <a:xfrm>
+                <a:off x="3685089" y="2845977"/>
+                <a:ext cx="241733" cy="369332"/>
+              </a:xfrm>
+              <a:prstGeom prst="rect">
+                <a:avLst/>
+              </a:prstGeom>
+              <a:blipFill>
+                <a:blip r:embed="rId15"/>
+                <a:stretch>
+                  <a:fillRect l="-17949" r="-15385"/>
+                </a:stretch>
+              </a:blipFill>
+            </p:spPr>
+            <p:txBody>
+              <a:bodyPr/>
+              <a:lstStyle/>
+              <a:p>
+                <a:r>
+                  <a:rPr lang="en-US">
+                    <a:noFill/>
+                  </a:rPr>
+                  <a:t> </a:t>
+                </a:r>
+              </a:p>
+            </p:txBody>
+          </p:sp>
+        </mc:Fallback>
+      </mc:AlternateContent>
+    </p:spTree>
+    <p:extLst>
+      <p:ext uri="{BB962C8B-B14F-4D97-AF65-F5344CB8AC3E}">
+        <p14:creationId xmlns:p14="http://schemas.microsoft.com/office/powerpoint/2010/main" val="2796915417"/>
+      </p:ext>
+    </p:extLst>
+  </p:cSld>
+  <p:clrMapOvr>
+    <a:masterClrMapping/>
+  </p:clrMapOvr>
+</p:sld>
+</file>
+
+<file path=ppt/slides/slide14.xml><?xml version="1.0" encoding="utf-8"?>
+<p:sld xmlns:a="http://schemas.openxmlformats.org/drawingml/2006/main" xmlns:r="http://schemas.openxmlformats.org/officeDocument/2006/relationships" xmlns:p="http://schemas.openxmlformats.org/presentationml/2006/main">
+  <p:cSld>
+    <p:spTree>
+      <p:nvGrpSpPr>
+        <p:cNvPr id="1" name=""/>
+        <p:cNvGrpSpPr/>
+        <p:nvPr/>
+      </p:nvGrpSpPr>
+      <p:grpSpPr>
+        <a:xfrm>
+          <a:off x="0" y="0"/>
+          <a:ext cx="0" cy="0"/>
+          <a:chOff x="0" y="0"/>
+          <a:chExt cx="0" cy="0"/>
+        </a:xfrm>
+      </p:grpSpPr>
+      <p:pic>
+        <p:nvPicPr>
+          <p:cNvPr id="4" name="Picture 3">
             <a:extLst>
               <a:ext uri="{FF2B5EF4-FFF2-40B4-BE49-F238E27FC236}">
-                <a16:creationId xmlns:a16="http://schemas.microsoft.com/office/drawing/2014/main" id="{D13F812D-48B3-4EED-BAB2-D41025317F3D}"/>
+                <a16:creationId xmlns:a16="http://schemas.microsoft.com/office/drawing/2014/main" id="{67C355E4-4476-4AB0-B697-42858782803D}"/>
               </a:ext>
             </a:extLst>
           </p:cNvPr>
-          <p:cNvSpPr/>
+          <p:cNvPicPr>
+            <a:picLocks noChangeAspect="1"/>
+          </p:cNvPicPr>
           <p:nvPr/>
-        </p:nvSpPr>
+        </p:nvPicPr>
+        <p:blipFill>
+          <a:blip r:embed="rId2"/>
+          <a:stretch>
+            <a:fillRect/>
+          </a:stretch>
+        </p:blipFill>
         <p:spPr>
           <a:xfrm>
-            <a:off x="6304917" y="3344960"/>
-            <a:ext cx="1097280" cy="1097280"/>
+            <a:off x="4233862" y="1361155"/>
+            <a:ext cx="2356124" cy="3670344"/>
           </a:xfrm>
-          <a:prstGeom prst="ellipse">
+          <a:prstGeom prst="rect">
             <a:avLst/>
           </a:prstGeom>
-          <a:noFill/>
-          <a:ln w="3175">
+        </p:spPr>
+      </p:pic>
+      <p:cxnSp>
+        <p:nvCxnSpPr>
+          <p:cNvPr id="5" name="Straight Arrow Connector 4">
+            <a:extLst>
+              <a:ext uri="{FF2B5EF4-FFF2-40B4-BE49-F238E27FC236}">
+                <a16:creationId xmlns:a16="http://schemas.microsoft.com/office/drawing/2014/main" id="{13DABAA0-591F-4A45-8A94-7C83B424FCE8}"/>
+              </a:ext>
+            </a:extLst>
+          </p:cNvPr>
+          <p:cNvCxnSpPr>
+            <a:cxnSpLocks/>
+          </p:cNvCxnSpPr>
+          <p:nvPr/>
+        </p:nvCxnSpPr>
+        <p:spPr>
+          <a:xfrm flipV="1">
+            <a:off x="6173514" y="3014790"/>
+            <a:ext cx="0" cy="688683"/>
+          </a:xfrm>
+          <a:prstGeom prst="straightConnector1">
+            <a:avLst/>
+          </a:prstGeom>
+          <a:ln w="47625">
             <a:solidFill>
-              <a:schemeClr val="tx1"/>
+              <a:srgbClr val="FF0000"/>
             </a:solidFill>
+            <a:headEnd type="none" w="lg" len="lg"/>
+            <a:tailEnd type="stealth" w="lg" len="lg"/>
           </a:ln>
         </p:spPr>
         <p:style>
-          <a:lnRef idx="2">
-            <a:schemeClr val="accent1">
-              <a:shade val="50000"/>
-            </a:schemeClr>
+          <a:lnRef idx="1">
+            <a:schemeClr val="accent1"/>
           </a:lnRef>
-          <a:fillRef idx="1">
+          <a:fillRef idx="0">
             <a:schemeClr val="accent1"/>
           </a:fillRef>
           <a:effectRef idx="0">
             <a:schemeClr val="accent1"/>
           </a:effectRef>
           <a:fontRef idx="minor">
-            <a:schemeClr val="lt1"/>
+            <a:schemeClr val="tx1"/>
           </a:fontRef>
         </p:style>
-        <p:txBody>
-          <a:bodyPr rtlCol="0" anchor="ctr"/>
-          <a:lstStyle/>
-          <a:p>
-            <a:pPr algn="ctr"/>
-            <a:endParaRPr lang="en-US" dirty="0"/>
-          </a:p>
-        </p:txBody>
-      </p:sp>
-      <p:sp>
-        <p:nvSpPr>
-          <p:cNvPr id="94" name="Oval 93">
+      </p:cxnSp>
+      <mc:AlternateContent xmlns:mc="http://schemas.openxmlformats.org/markup-compatibility/2006">
+        <mc:Choice xmlns:a14="http://schemas.microsoft.com/office/drawing/2010/main" Requires="a14">
+          <p:sp>
+            <p:nvSpPr>
+              <p:cNvPr id="6" name="TextBox 5">
+                <a:extLst>
+                  <a:ext uri="{FF2B5EF4-FFF2-40B4-BE49-F238E27FC236}">
+                    <a16:creationId xmlns:a16="http://schemas.microsoft.com/office/drawing/2014/main" id="{CACA1CEF-BBE0-4EB4-B9C4-1FFD0446259E}"/>
+                  </a:ext>
+                </a:extLst>
+              </p:cNvPr>
+              <p:cNvSpPr txBox="1"/>
+              <p:nvPr/>
+            </p:nvSpPr>
+            <p:spPr>
+              <a:xfrm>
+                <a:off x="4887664" y="3049218"/>
+                <a:ext cx="258404" cy="414088"/>
+              </a:xfrm>
+              <a:prstGeom prst="rect">
+                <a:avLst/>
+              </a:prstGeom>
+              <a:noFill/>
+            </p:spPr>
+            <p:txBody>
+              <a:bodyPr wrap="none" lIns="0" tIns="0" rIns="0" bIns="0" rtlCol="0">
+                <a:spAutoFit/>
+              </a:bodyPr>
+              <a:lstStyle/>
+              <a:p>
+                <a:pPr/>
+                <a14:m>
+                  <m:oMathPara xmlns:m="http://schemas.openxmlformats.org/officeDocument/2006/math">
+                    <m:oMathParaPr>
+                      <m:jc m:val="centerGroup"/>
+                    </m:oMathParaPr>
+                    <m:oMath xmlns:m="http://schemas.openxmlformats.org/officeDocument/2006/math">
+                      <m:acc>
+                        <m:accPr>
+                          <m:chr m:val="⃗"/>
+                          <m:ctrlPr>
+                            <a:rPr lang="en-US" sz="2400" i="1" smtClean="0">
+                              <a:solidFill>
+                                <a:srgbClr val="FF0000"/>
+                              </a:solidFill>
+                              <a:latin typeface="Cambria Math" panose="02040503050406030204" pitchFamily="18" charset="0"/>
+                            </a:rPr>
+                          </m:ctrlPr>
+                        </m:accPr>
+                        <m:e>
+                          <m:r>
+                            <a:rPr lang="en-US" sz="2400" b="0" i="1" smtClean="0">
+                              <a:solidFill>
+                                <a:srgbClr val="FF0000"/>
+                              </a:solidFill>
+                              <a:latin typeface="Cambria Math" panose="02040503050406030204" pitchFamily="18" charset="0"/>
+                            </a:rPr>
+                            <m:t>𝑇</m:t>
+                          </m:r>
+                        </m:e>
+                      </m:acc>
+                    </m:oMath>
+                  </m:oMathPara>
+                </a14:m>
+                <a:endParaRPr lang="en-US" sz="2400" dirty="0">
+                  <a:solidFill>
+                    <a:srgbClr val="FF0000"/>
+                  </a:solidFill>
+                </a:endParaRPr>
+              </a:p>
+            </p:txBody>
+          </p:sp>
+        </mc:Choice>
+        <mc:Fallback>
+          <p:sp>
+            <p:nvSpPr>
+              <p:cNvPr id="6" name="TextBox 5">
+                <a:extLst>
+                  <a:ext uri="{FF2B5EF4-FFF2-40B4-BE49-F238E27FC236}">
+                    <a16:creationId xmlns:a16="http://schemas.microsoft.com/office/drawing/2014/main" id="{CACA1CEF-BBE0-4EB4-B9C4-1FFD0446259E}"/>
+                  </a:ext>
+                </a:extLst>
+              </p:cNvPr>
+              <p:cNvSpPr txBox="1">
+                <a:spLocks noRot="1" noChangeAspect="1" noMove="1" noResize="1" noEditPoints="1" noAdjustHandles="1" noChangeArrowheads="1" noChangeShapeType="1" noTextEdit="1"/>
+              </p:cNvSpPr>
+              <p:nvPr/>
+            </p:nvSpPr>
+            <p:spPr>
+              <a:xfrm>
+                <a:off x="4887664" y="3049218"/>
+                <a:ext cx="258404" cy="414088"/>
+              </a:xfrm>
+              <a:prstGeom prst="rect">
+                <a:avLst/>
+              </a:prstGeom>
+              <a:blipFill>
+                <a:blip r:embed="rId3"/>
+                <a:stretch>
+                  <a:fillRect/>
+                </a:stretch>
+              </a:blipFill>
+            </p:spPr>
+            <p:txBody>
+              <a:bodyPr/>
+              <a:lstStyle/>
+              <a:p>
+                <a:r>
+                  <a:rPr lang="en-US">
+                    <a:noFill/>
+                  </a:rPr>
+                  <a:t> </a:t>
+                </a:r>
+              </a:p>
+            </p:txBody>
+          </p:sp>
+        </mc:Fallback>
+      </mc:AlternateContent>
+      <p:cxnSp>
+        <p:nvCxnSpPr>
+          <p:cNvPr id="10" name="Straight Arrow Connector 9">
             <a:extLst>
               <a:ext uri="{FF2B5EF4-FFF2-40B4-BE49-F238E27FC236}">
-                <a16:creationId xmlns:a16="http://schemas.microsoft.com/office/drawing/2014/main" id="{E5D0449A-4450-4D6D-BA9F-6FFDCD374DB2}"/>
+                <a16:creationId xmlns:a16="http://schemas.microsoft.com/office/drawing/2014/main" id="{368D6F64-5A4B-455C-84C3-C3735E53FF52}"/>
               </a:ext>
             </a:extLst>
           </p:cNvPr>
-          <p:cNvSpPr/>
+          <p:cNvCxnSpPr>
+            <a:cxnSpLocks/>
+          </p:cNvCxnSpPr>
           <p:nvPr/>
-        </p:nvSpPr>
+        </p:nvCxnSpPr>
         <p:spPr>
-          <a:xfrm>
-            <a:off x="6266611" y="3299240"/>
-            <a:ext cx="1188720" cy="1188720"/>
+          <a:xfrm flipV="1">
+            <a:off x="5228634" y="3014790"/>
+            <a:ext cx="0" cy="482944"/>
           </a:xfrm>
-          <a:prstGeom prst="ellipse">
+          <a:prstGeom prst="straightConnector1">
             <a:avLst/>
           </a:prstGeom>
-          <a:noFill/>
-          <a:ln w="3175">
+          <a:ln w="47625">
             <a:solidFill>
-              <a:schemeClr val="tx1"/>
+              <a:srgbClr val="FF0000"/>
             </a:solidFill>
+            <a:headEnd type="none" w="lg" len="lg"/>
+            <a:tailEnd type="stealth" w="lg" len="lg"/>
           </a:ln>
         </p:spPr>
         <p:style>
-          <a:lnRef idx="2">
-            <a:schemeClr val="accent1">
-              <a:shade val="50000"/>
-            </a:schemeClr>
+          <a:lnRef idx="1">
+            <a:schemeClr val="accent1"/>
           </a:lnRef>
-          <a:fillRef idx="1">
+          <a:fillRef idx="0">
             <a:schemeClr val="accent1"/>
           </a:fillRef>
           <a:effectRef idx="0">
             <a:schemeClr val="accent1"/>
           </a:effectRef>
           <a:fontRef idx="minor">
-            <a:schemeClr val="lt1"/>
+            <a:schemeClr val="tx1"/>
           </a:fontRef>
         </p:style>
-        <p:txBody>
-          <a:bodyPr rtlCol="0" anchor="ctr"/>
-          <a:lstStyle/>
-          <a:p>
-            <a:pPr algn="ctr"/>
-            <a:endParaRPr lang="en-US" dirty="0"/>
-          </a:p>
-        </p:txBody>
-      </p:sp>
-      <p:sp>
-        <p:nvSpPr>
-          <p:cNvPr id="95" name="Oval 94">
-            <a:extLst>
-              <a:ext uri="{FF2B5EF4-FFF2-40B4-BE49-F238E27FC236}">
-                <a16:creationId xmlns:a16="http://schemas.microsoft.com/office/drawing/2014/main" id="{D8239F45-AC5A-4AA7-9FE0-FDD051C93569}"/>
-              </a:ext>
-            </a:extLst>
-          </p:cNvPr>
-          <p:cNvSpPr/>
-          <p:nvPr/>
-        </p:nvSpPr>
-        <p:spPr>
-          <a:xfrm>
-            <a:off x="6213477" y="3253520"/>
-            <a:ext cx="1280160" cy="1280160"/>
-          </a:xfrm>
-          <a:prstGeom prst="ellipse">
-            <a:avLst/>
-          </a:prstGeom>
-          <a:noFill/>
-          <a:ln w="3175">
-            <a:solidFill>
-              <a:schemeClr val="tx1"/>
-            </a:solidFill>
-          </a:ln>
-        </p:spPr>
-        <p:style>
-          <a:lnRef idx="2">
-            <a:schemeClr val="accent1">
-              <a:shade val="50000"/>
-            </a:schemeClr>
-          </a:lnRef>
-          <a:fillRef idx="1">
-            <a:schemeClr val="accent1"/>
-          </a:fillRef>
-          <a:effectRef idx="0">
-            <a:schemeClr val="accent1"/>
-          </a:effectRef>
-          <a:fontRef idx="minor">
-            <a:schemeClr val="lt1"/>
-          </a:fontRef>
-        </p:style>
-        <p:txBody>
-          <a:bodyPr rtlCol="0" anchor="ctr"/>
-          <a:lstStyle/>
-          <a:p>
-            <a:pPr algn="ctr"/>
-            <a:endParaRPr lang="en-US" dirty="0"/>
-          </a:p>
-        </p:txBody>
-      </p:sp>
-      <p:sp>
-        <p:nvSpPr>
-          <p:cNvPr id="96" name="Oval 95">
-            <a:extLst>
-              <a:ext uri="{FF2B5EF4-FFF2-40B4-BE49-F238E27FC236}">
-                <a16:creationId xmlns:a16="http://schemas.microsoft.com/office/drawing/2014/main" id="{9C8BAA64-C24F-474B-AA5B-0E3EF99CFC9E}"/>
-              </a:ext>
-            </a:extLst>
-          </p:cNvPr>
-          <p:cNvSpPr/>
-          <p:nvPr/>
-        </p:nvSpPr>
-        <p:spPr>
-          <a:xfrm>
-            <a:off x="6167757" y="3207800"/>
-            <a:ext cx="1371600" cy="1371600"/>
-          </a:xfrm>
-          <a:prstGeom prst="ellipse">
-            <a:avLst/>
-          </a:prstGeom>
-          <a:noFill/>
-          <a:ln w="3175">
-            <a:solidFill>
-              <a:schemeClr val="tx1"/>
-            </a:solidFill>
-          </a:ln>
-        </p:spPr>
-        <p:style>
-          <a:lnRef idx="2">
-            <a:schemeClr val="accent1">
-              <a:shade val="50000"/>
-            </a:schemeClr>
-          </a:lnRef>
-          <a:fillRef idx="1">
-            <a:schemeClr val="accent1"/>
-          </a:fillRef>
-          <a:effectRef idx="0">
-            <a:schemeClr val="accent1"/>
-          </a:effectRef>
-          <a:fontRef idx="minor">
-            <a:schemeClr val="lt1"/>
-          </a:fontRef>
-        </p:style>
-        <p:txBody>
-          <a:bodyPr rtlCol="0" anchor="ctr"/>
-          <a:lstStyle/>
-          <a:p>
-            <a:pPr algn="ctr"/>
-            <a:endParaRPr lang="en-US" dirty="0"/>
-          </a:p>
-        </p:txBody>
-      </p:sp>
-      <p:sp>
-        <p:nvSpPr>
-          <p:cNvPr id="97" name="Oval 96">
-            <a:extLst>
-              <a:ext uri="{FF2B5EF4-FFF2-40B4-BE49-F238E27FC236}">
-                <a16:creationId xmlns:a16="http://schemas.microsoft.com/office/drawing/2014/main" id="{E1637195-240A-4569-8B6E-BBB0932F81E7}"/>
-              </a:ext>
-            </a:extLst>
-          </p:cNvPr>
-          <p:cNvSpPr/>
-          <p:nvPr/>
-        </p:nvSpPr>
-        <p:spPr>
-          <a:xfrm>
-            <a:off x="6129451" y="3173670"/>
-            <a:ext cx="1463040" cy="1463040"/>
-          </a:xfrm>
-          <a:prstGeom prst="ellipse">
-            <a:avLst/>
-          </a:prstGeom>
-          <a:noFill/>
-          <a:ln w="3175">
-            <a:solidFill>
-              <a:schemeClr val="tx1"/>
-            </a:solidFill>
-          </a:ln>
-        </p:spPr>
-        <p:style>
-          <a:lnRef idx="2">
-            <a:schemeClr val="accent1">
-              <a:shade val="50000"/>
-            </a:schemeClr>
-          </a:lnRef>
-          <a:fillRef idx="1">
-            <a:schemeClr val="accent1"/>
-          </a:fillRef>
-          <a:effectRef idx="0">
-            <a:schemeClr val="accent1"/>
-          </a:effectRef>
-          <a:fontRef idx="minor">
-            <a:schemeClr val="lt1"/>
-          </a:fontRef>
-        </p:style>
-        <p:txBody>
-          <a:bodyPr rtlCol="0" anchor="ctr"/>
-          <a:lstStyle/>
-          <a:p>
-            <a:pPr algn="ctr"/>
-            <a:endParaRPr lang="en-US" dirty="0"/>
-          </a:p>
-        </p:txBody>
-      </p:sp>
-      <p:sp>
-        <p:nvSpPr>
-          <p:cNvPr id="98" name="Oval 97">
-            <a:extLst>
-              <a:ext uri="{FF2B5EF4-FFF2-40B4-BE49-F238E27FC236}">
-                <a16:creationId xmlns:a16="http://schemas.microsoft.com/office/drawing/2014/main" id="{ACFC443D-BAF0-4B19-ABD6-4133DF4E0787}"/>
-              </a:ext>
-            </a:extLst>
-          </p:cNvPr>
-          <p:cNvSpPr/>
-          <p:nvPr/>
-        </p:nvSpPr>
-        <p:spPr>
-          <a:xfrm>
-            <a:off x="6083731" y="3134887"/>
-            <a:ext cx="1554480" cy="1554480"/>
-          </a:xfrm>
-          <a:prstGeom prst="ellipse">
-            <a:avLst/>
-          </a:prstGeom>
-          <a:noFill/>
-          <a:ln w="3175">
-            <a:solidFill>
-              <a:schemeClr val="tx1"/>
-            </a:solidFill>
-          </a:ln>
-        </p:spPr>
-        <p:style>
-          <a:lnRef idx="2">
-            <a:schemeClr val="accent1">
-              <a:shade val="50000"/>
-            </a:schemeClr>
-          </a:lnRef>
-          <a:fillRef idx="1">
-            <a:schemeClr val="accent1"/>
-          </a:fillRef>
-          <a:effectRef idx="0">
-            <a:schemeClr val="accent1"/>
-          </a:effectRef>
-          <a:fontRef idx="minor">
-            <a:schemeClr val="lt1"/>
-          </a:fontRef>
-        </p:style>
-        <p:txBody>
-          <a:bodyPr rtlCol="0" anchor="ctr"/>
-          <a:lstStyle/>
-          <a:p>
-            <a:pPr algn="ctr"/>
-            <a:endParaRPr lang="en-US" dirty="0"/>
-          </a:p>
-        </p:txBody>
-      </p:sp>
-      <p:sp>
-        <p:nvSpPr>
-          <p:cNvPr id="99" name="Oval 98">
-            <a:extLst>
-              <a:ext uri="{FF2B5EF4-FFF2-40B4-BE49-F238E27FC236}">
-                <a16:creationId xmlns:a16="http://schemas.microsoft.com/office/drawing/2014/main" id="{F990C5B8-5350-4448-9C38-0E1CCFF194BE}"/>
-              </a:ext>
-            </a:extLst>
-          </p:cNvPr>
-          <p:cNvSpPr/>
-          <p:nvPr/>
-        </p:nvSpPr>
-        <p:spPr>
-          <a:xfrm>
-            <a:off x="6038011" y="3079298"/>
-            <a:ext cx="1645920" cy="1645920"/>
-          </a:xfrm>
-          <a:prstGeom prst="ellipse">
-            <a:avLst/>
-          </a:prstGeom>
-          <a:noFill/>
-          <a:ln w="3175">
-            <a:solidFill>
-              <a:schemeClr val="tx1"/>
-            </a:solidFill>
-          </a:ln>
-        </p:spPr>
-        <p:style>
-          <a:lnRef idx="2">
-            <a:schemeClr val="accent1">
-              <a:shade val="50000"/>
-            </a:schemeClr>
-          </a:lnRef>
-          <a:fillRef idx="1">
-            <a:schemeClr val="accent1"/>
-          </a:fillRef>
-          <a:effectRef idx="0">
-            <a:schemeClr val="accent1"/>
-          </a:effectRef>
-          <a:fontRef idx="minor">
-            <a:schemeClr val="lt1"/>
-          </a:fontRef>
-        </p:style>
-        <p:txBody>
-          <a:bodyPr rtlCol="0" anchor="ctr"/>
-          <a:lstStyle/>
-          <a:p>
-            <a:pPr algn="ctr"/>
-            <a:endParaRPr lang="en-US" dirty="0"/>
-          </a:p>
-        </p:txBody>
-      </p:sp>
-      <p:sp>
-        <p:nvSpPr>
-          <p:cNvPr id="101" name="Oval 100">
-            <a:extLst>
-              <a:ext uri="{FF2B5EF4-FFF2-40B4-BE49-F238E27FC236}">
-                <a16:creationId xmlns:a16="http://schemas.microsoft.com/office/drawing/2014/main" id="{854417B7-0360-49B1-A579-B88A67999A15}"/>
-              </a:ext>
-            </a:extLst>
-          </p:cNvPr>
-          <p:cNvSpPr/>
-          <p:nvPr/>
-        </p:nvSpPr>
-        <p:spPr>
-          <a:xfrm>
-            <a:off x="5987088" y="3043447"/>
-            <a:ext cx="1737360" cy="1737360"/>
-          </a:xfrm>
-          <a:prstGeom prst="ellipse">
-            <a:avLst/>
-          </a:prstGeom>
-          <a:noFill/>
-          <a:ln w="3175">
-            <a:solidFill>
-              <a:schemeClr val="tx1"/>
-            </a:solidFill>
-          </a:ln>
-        </p:spPr>
-        <p:style>
-          <a:lnRef idx="2">
-            <a:schemeClr val="accent1">
-              <a:shade val="50000"/>
-            </a:schemeClr>
-          </a:lnRef>
-          <a:fillRef idx="1">
-            <a:schemeClr val="accent1"/>
-          </a:fillRef>
-          <a:effectRef idx="0">
-            <a:schemeClr val="accent1"/>
-          </a:effectRef>
-          <a:fontRef idx="minor">
-            <a:schemeClr val="lt1"/>
-          </a:fontRef>
-        </p:style>
-        <p:txBody>
-          <a:bodyPr rtlCol="0" anchor="ctr"/>
-          <a:lstStyle/>
-          <a:p>
-            <a:pPr algn="ctr"/>
-            <a:endParaRPr lang="en-US" dirty="0"/>
-          </a:p>
-        </p:txBody>
-      </p:sp>
-      <p:sp>
-        <p:nvSpPr>
-          <p:cNvPr id="102" name="Oval 101">
-            <a:extLst>
-              <a:ext uri="{FF2B5EF4-FFF2-40B4-BE49-F238E27FC236}">
-                <a16:creationId xmlns:a16="http://schemas.microsoft.com/office/drawing/2014/main" id="{6D089FBC-79D6-4D2F-82C1-03C1AFE44BC1}"/>
-              </a:ext>
-            </a:extLst>
-          </p:cNvPr>
-          <p:cNvSpPr/>
-          <p:nvPr/>
-        </p:nvSpPr>
-        <p:spPr>
-          <a:xfrm>
-            <a:off x="5934979" y="3012221"/>
-            <a:ext cx="1828800" cy="1828800"/>
-          </a:xfrm>
-          <a:prstGeom prst="ellipse">
-            <a:avLst/>
-          </a:prstGeom>
-          <a:noFill/>
-          <a:ln w="3175">
-            <a:solidFill>
-              <a:schemeClr val="tx1"/>
-            </a:solidFill>
-          </a:ln>
-        </p:spPr>
-        <p:style>
-          <a:lnRef idx="2">
-            <a:schemeClr val="accent1">
-              <a:shade val="50000"/>
-            </a:schemeClr>
-          </a:lnRef>
-          <a:fillRef idx="1">
-            <a:schemeClr val="accent1"/>
-          </a:fillRef>
-          <a:effectRef idx="0">
-            <a:schemeClr val="accent1"/>
-          </a:effectRef>
-          <a:fontRef idx="minor">
-            <a:schemeClr val="lt1"/>
-          </a:fontRef>
-        </p:style>
-        <p:txBody>
-          <a:bodyPr rtlCol="0" anchor="ctr"/>
-          <a:lstStyle/>
-          <a:p>
-            <a:pPr algn="ctr"/>
-            <a:endParaRPr lang="en-US" dirty="0"/>
-          </a:p>
-        </p:txBody>
-      </p:sp>
-      <p:sp>
-        <p:nvSpPr>
-          <p:cNvPr id="103" name="Oval 102">
-            <a:extLst>
-              <a:ext uri="{FF2B5EF4-FFF2-40B4-BE49-F238E27FC236}">
-                <a16:creationId xmlns:a16="http://schemas.microsoft.com/office/drawing/2014/main" id="{284E37CF-7FB6-43D2-903D-FF6155BAE6C9}"/>
-              </a:ext>
-            </a:extLst>
-          </p:cNvPr>
-          <p:cNvSpPr/>
-          <p:nvPr/>
-        </p:nvSpPr>
-        <p:spPr>
-          <a:xfrm>
-            <a:off x="5895648" y="2966501"/>
-            <a:ext cx="1920240" cy="1920240"/>
-          </a:xfrm>
-          <a:prstGeom prst="ellipse">
-            <a:avLst/>
-          </a:prstGeom>
-          <a:noFill/>
-          <a:ln w="3175">
-            <a:solidFill>
-              <a:schemeClr val="tx1"/>
-            </a:solidFill>
-          </a:ln>
-        </p:spPr>
-        <p:style>
-          <a:lnRef idx="2">
-            <a:schemeClr val="accent1">
-              <a:shade val="50000"/>
-            </a:schemeClr>
-          </a:lnRef>
-          <a:fillRef idx="1">
-            <a:schemeClr val="accent1"/>
-          </a:fillRef>
-          <a:effectRef idx="0">
-            <a:schemeClr val="accent1"/>
-          </a:effectRef>
-          <a:fontRef idx="minor">
-            <a:schemeClr val="lt1"/>
-          </a:fontRef>
-        </p:style>
-        <p:txBody>
-          <a:bodyPr rtlCol="0" anchor="ctr"/>
-          <a:lstStyle/>
-          <a:p>
-            <a:pPr algn="ctr"/>
-            <a:endParaRPr lang="en-US" dirty="0"/>
-          </a:p>
-        </p:txBody>
-      </p:sp>
-      <p:sp>
-        <p:nvSpPr>
-          <p:cNvPr id="104" name="Oval 103">
-            <a:extLst>
-              <a:ext uri="{FF2B5EF4-FFF2-40B4-BE49-F238E27FC236}">
-                <a16:creationId xmlns:a16="http://schemas.microsoft.com/office/drawing/2014/main" id="{D0E292A5-B5E1-4F1B-9669-66519B2DE8AD}"/>
-              </a:ext>
-            </a:extLst>
-          </p:cNvPr>
-          <p:cNvSpPr/>
-          <p:nvPr/>
-        </p:nvSpPr>
-        <p:spPr>
-          <a:xfrm>
-            <a:off x="5842380" y="2920781"/>
-            <a:ext cx="2011680" cy="2011680"/>
-          </a:xfrm>
-          <a:prstGeom prst="ellipse">
-            <a:avLst/>
-          </a:prstGeom>
-          <a:noFill/>
-          <a:ln w="3175">
-            <a:solidFill>
-              <a:schemeClr val="tx1"/>
-            </a:solidFill>
-          </a:ln>
-        </p:spPr>
-        <p:style>
-          <a:lnRef idx="2">
-            <a:schemeClr val="accent1">
-              <a:shade val="50000"/>
-            </a:schemeClr>
-          </a:lnRef>
-          <a:fillRef idx="1">
-            <a:schemeClr val="accent1"/>
-          </a:fillRef>
-          <a:effectRef idx="0">
-            <a:schemeClr val="accent1"/>
-          </a:effectRef>
-          <a:fontRef idx="minor">
-            <a:schemeClr val="lt1"/>
-          </a:fontRef>
-        </p:style>
-        <p:txBody>
-          <a:bodyPr rtlCol="0" anchor="ctr"/>
-          <a:lstStyle/>
-          <a:p>
-            <a:pPr algn="ctr"/>
-            <a:endParaRPr lang="en-US" dirty="0"/>
-          </a:p>
-        </p:txBody>
-      </p:sp>
+      </p:cxnSp>
+      <mc:AlternateContent xmlns:mc="http://schemas.openxmlformats.org/markup-compatibility/2006">
+        <mc:Choice xmlns:a14="http://schemas.microsoft.com/office/drawing/2010/main" Requires="a14">
+          <p:sp>
+            <p:nvSpPr>
+              <p:cNvPr id="12" name="TextBox 11">
+                <a:extLst>
+                  <a:ext uri="{FF2B5EF4-FFF2-40B4-BE49-F238E27FC236}">
+                    <a16:creationId xmlns:a16="http://schemas.microsoft.com/office/drawing/2014/main" id="{C015034D-C475-437E-8DEE-3C88450C8CD5}"/>
+                  </a:ext>
+                </a:extLst>
+              </p:cNvPr>
+              <p:cNvSpPr txBox="1"/>
+              <p:nvPr/>
+            </p:nvSpPr>
+            <p:spPr>
+              <a:xfrm>
+                <a:off x="6331582" y="3196327"/>
+                <a:ext cx="258404" cy="414088"/>
+              </a:xfrm>
+              <a:prstGeom prst="rect">
+                <a:avLst/>
+              </a:prstGeom>
+              <a:noFill/>
+            </p:spPr>
+            <p:txBody>
+              <a:bodyPr wrap="none" lIns="0" tIns="0" rIns="0" bIns="0" rtlCol="0">
+                <a:spAutoFit/>
+              </a:bodyPr>
+              <a:lstStyle/>
+              <a:p>
+                <a:pPr/>
+                <a14:m>
+                  <m:oMathPara xmlns:m="http://schemas.openxmlformats.org/officeDocument/2006/math">
+                    <m:oMathParaPr>
+                      <m:jc m:val="centerGroup"/>
+                    </m:oMathParaPr>
+                    <m:oMath xmlns:m="http://schemas.openxmlformats.org/officeDocument/2006/math">
+                      <m:acc>
+                        <m:accPr>
+                          <m:chr m:val="⃗"/>
+                          <m:ctrlPr>
+                            <a:rPr lang="en-US" sz="2400" i="1" smtClean="0">
+                              <a:solidFill>
+                                <a:srgbClr val="FF0000"/>
+                              </a:solidFill>
+                              <a:latin typeface="Cambria Math" panose="02040503050406030204" pitchFamily="18" charset="0"/>
+                            </a:rPr>
+                          </m:ctrlPr>
+                        </m:accPr>
+                        <m:e>
+                          <m:r>
+                            <a:rPr lang="en-US" sz="2400" b="0" i="1" smtClean="0">
+                              <a:solidFill>
+                                <a:srgbClr val="FF0000"/>
+                              </a:solidFill>
+                              <a:latin typeface="Cambria Math" panose="02040503050406030204" pitchFamily="18" charset="0"/>
+                            </a:rPr>
+                            <m:t>𝑇</m:t>
+                          </m:r>
+                        </m:e>
+                      </m:acc>
+                    </m:oMath>
+                  </m:oMathPara>
+                </a14:m>
+                <a:endParaRPr lang="en-US" sz="2400" dirty="0">
+                  <a:solidFill>
+                    <a:srgbClr val="FF0000"/>
+                  </a:solidFill>
+                </a:endParaRPr>
+              </a:p>
+            </p:txBody>
+          </p:sp>
+        </mc:Choice>
+        <mc:Fallback>
+          <p:sp>
+            <p:nvSpPr>
+              <p:cNvPr id="12" name="TextBox 11">
+                <a:extLst>
+                  <a:ext uri="{FF2B5EF4-FFF2-40B4-BE49-F238E27FC236}">
+                    <a16:creationId xmlns:a16="http://schemas.microsoft.com/office/drawing/2014/main" id="{C015034D-C475-437E-8DEE-3C88450C8CD5}"/>
+                  </a:ext>
+                </a:extLst>
+              </p:cNvPr>
+              <p:cNvSpPr txBox="1">
+                <a:spLocks noRot="1" noChangeAspect="1" noMove="1" noResize="1" noEditPoints="1" noAdjustHandles="1" noChangeArrowheads="1" noChangeShapeType="1" noTextEdit="1"/>
+              </p:cNvSpPr>
+              <p:nvPr/>
+            </p:nvSpPr>
+            <p:spPr>
+              <a:xfrm>
+                <a:off x="6331582" y="3196327"/>
+                <a:ext cx="258404" cy="414088"/>
+              </a:xfrm>
+              <a:prstGeom prst="rect">
+                <a:avLst/>
+              </a:prstGeom>
+              <a:blipFill>
+                <a:blip r:embed="rId4"/>
+                <a:stretch>
+                  <a:fillRect/>
+                </a:stretch>
+              </a:blipFill>
+            </p:spPr>
+            <p:txBody>
+              <a:bodyPr/>
+              <a:lstStyle/>
+              <a:p>
+                <a:r>
+                  <a:rPr lang="en-US">
+                    <a:noFill/>
+                  </a:rPr>
+                  <a:t> </a:t>
+                </a:r>
+              </a:p>
+            </p:txBody>
+          </p:sp>
+        </mc:Fallback>
+      </mc:AlternateContent>
     </p:spTree>
     <p:extLst>
       <p:ext uri="{BB962C8B-B14F-4D97-AF65-F5344CB8AC3E}">
-        <p14:creationId xmlns:p14="http://schemas.microsoft.com/office/powerpoint/2010/main" val="1797459676"/>
+        <p14:creationId xmlns:p14="http://schemas.microsoft.com/office/powerpoint/2010/main" val="1212671765"/>
       </p:ext>
     </p:extLst>
   </p:cSld>

--- a/volunteer/Drawings.pptx
+++ b/volunteer/Drawings.pptx
@@ -4,6 +4,9 @@
   <p:sldMasterIdLst>
     <p:sldMasterId id="2147483648" r:id="rId1"/>
   </p:sldMasterIdLst>
+  <p:notesMasterIdLst>
+    <p:notesMasterId r:id="rId16"/>
+  </p:notesMasterIdLst>
   <p:sldIdLst>
     <p:sldId id="257" r:id="rId2"/>
     <p:sldId id="259" r:id="rId3"/>
@@ -135,6 +138,439 @@
     </p:extLst>
   </p:cmAuthor>
 </p:cmAuthorLst>
+</file>
+
+<file path=ppt/notesMasters/notesMaster1.xml><?xml version="1.0" encoding="utf-8"?>
+<p:notesMaster xmlns:a="http://schemas.openxmlformats.org/drawingml/2006/main" xmlns:r="http://schemas.openxmlformats.org/officeDocument/2006/relationships" xmlns:p="http://schemas.openxmlformats.org/presentationml/2006/main">
+  <p:cSld>
+    <p:bg>
+      <p:bgRef idx="1001">
+        <a:schemeClr val="bg1"/>
+      </p:bgRef>
+    </p:bg>
+    <p:spTree>
+      <p:nvGrpSpPr>
+        <p:cNvPr id="1" name=""/>
+        <p:cNvGrpSpPr/>
+        <p:nvPr/>
+      </p:nvGrpSpPr>
+      <p:grpSpPr>
+        <a:xfrm>
+          <a:off x="0" y="0"/>
+          <a:ext cx="0" cy="0"/>
+          <a:chOff x="0" y="0"/>
+          <a:chExt cx="0" cy="0"/>
+        </a:xfrm>
+      </p:grpSpPr>
+      <p:sp>
+        <p:nvSpPr>
+          <p:cNvPr id="2" name="Header Placeholder 1"/>
+          <p:cNvSpPr>
+            <a:spLocks noGrp="1"/>
+          </p:cNvSpPr>
+          <p:nvPr>
+            <p:ph type="hdr" sz="quarter"/>
+          </p:nvPr>
+        </p:nvSpPr>
+        <p:spPr>
+          <a:xfrm>
+            <a:off x="0" y="0"/>
+            <a:ext cx="2971800" cy="458788"/>
+          </a:xfrm>
+          <a:prstGeom prst="rect">
+            <a:avLst/>
+          </a:prstGeom>
+        </p:spPr>
+        <p:txBody>
+          <a:bodyPr vert="horz" lIns="91440" tIns="45720" rIns="91440" bIns="45720" rtlCol="0"/>
+          <a:lstStyle>
+            <a:lvl1pPr algn="l">
+              <a:defRPr sz="1200"/>
+            </a:lvl1pPr>
+          </a:lstStyle>
+          <a:p>
+            <a:endParaRPr lang="en-US"/>
+          </a:p>
+        </p:txBody>
+      </p:sp>
+      <p:sp>
+        <p:nvSpPr>
+          <p:cNvPr id="3" name="Date Placeholder 2"/>
+          <p:cNvSpPr>
+            <a:spLocks noGrp="1"/>
+          </p:cNvSpPr>
+          <p:nvPr>
+            <p:ph type="dt" idx="1"/>
+          </p:nvPr>
+        </p:nvSpPr>
+        <p:spPr>
+          <a:xfrm>
+            <a:off x="3884613" y="0"/>
+            <a:ext cx="2971800" cy="458788"/>
+          </a:xfrm>
+          <a:prstGeom prst="rect">
+            <a:avLst/>
+          </a:prstGeom>
+        </p:spPr>
+        <p:txBody>
+          <a:bodyPr vert="horz" lIns="91440" tIns="45720" rIns="91440" bIns="45720" rtlCol="0"/>
+          <a:lstStyle>
+            <a:lvl1pPr algn="r">
+              <a:defRPr sz="1200"/>
+            </a:lvl1pPr>
+          </a:lstStyle>
+          <a:p>
+            <a:fld id="{E97AC224-DDFD-4843-A1F8-E420074F16B8}" type="datetimeFigureOut">
+              <a:rPr lang="en-US" smtClean="0"/>
+              <a:t>6/25/2024</a:t>
+            </a:fld>
+            <a:endParaRPr lang="en-US"/>
+          </a:p>
+        </p:txBody>
+      </p:sp>
+      <p:sp>
+        <p:nvSpPr>
+          <p:cNvPr id="4" name="Slide Image Placeholder 3"/>
+          <p:cNvSpPr>
+            <a:spLocks noGrp="1" noRot="1" noChangeAspect="1"/>
+          </p:cNvSpPr>
+          <p:nvPr>
+            <p:ph type="sldImg" idx="2"/>
+          </p:nvPr>
+        </p:nvSpPr>
+        <p:spPr>
+          <a:xfrm>
+            <a:off x="685800" y="1143000"/>
+            <a:ext cx="5486400" cy="3086100"/>
+          </a:xfrm>
+          <a:prstGeom prst="rect">
+            <a:avLst/>
+          </a:prstGeom>
+          <a:noFill/>
+          <a:ln w="12700">
+            <a:solidFill>
+              <a:prstClr val="black"/>
+            </a:solidFill>
+          </a:ln>
+        </p:spPr>
+        <p:txBody>
+          <a:bodyPr vert="horz" lIns="91440" tIns="45720" rIns="91440" bIns="45720" rtlCol="0" anchor="ctr"/>
+          <a:lstStyle/>
+          <a:p>
+            <a:endParaRPr lang="en-US"/>
+          </a:p>
+        </p:txBody>
+      </p:sp>
+      <p:sp>
+        <p:nvSpPr>
+          <p:cNvPr id="5" name="Notes Placeholder 4"/>
+          <p:cNvSpPr>
+            <a:spLocks noGrp="1"/>
+          </p:cNvSpPr>
+          <p:nvPr>
+            <p:ph type="body" sz="quarter" idx="3"/>
+          </p:nvPr>
+        </p:nvSpPr>
+        <p:spPr>
+          <a:xfrm>
+            <a:off x="685800" y="4400550"/>
+            <a:ext cx="5486400" cy="3600450"/>
+          </a:xfrm>
+          <a:prstGeom prst="rect">
+            <a:avLst/>
+          </a:prstGeom>
+        </p:spPr>
+        <p:txBody>
+          <a:bodyPr vert="horz" lIns="91440" tIns="45720" rIns="91440" bIns="45720" rtlCol="0"/>
+          <a:lstStyle/>
+          <a:p>
+            <a:pPr lvl="0"/>
+            <a:r>
+              <a:rPr lang="en-US"/>
+              <a:t>Click to edit Master text styles</a:t>
+            </a:r>
+          </a:p>
+          <a:p>
+            <a:pPr lvl="1"/>
+            <a:r>
+              <a:rPr lang="en-US"/>
+              <a:t>Second level</a:t>
+            </a:r>
+          </a:p>
+          <a:p>
+            <a:pPr lvl="2"/>
+            <a:r>
+              <a:rPr lang="en-US"/>
+              <a:t>Third level</a:t>
+            </a:r>
+          </a:p>
+          <a:p>
+            <a:pPr lvl="3"/>
+            <a:r>
+              <a:rPr lang="en-US"/>
+              <a:t>Fourth level</a:t>
+            </a:r>
+          </a:p>
+          <a:p>
+            <a:pPr lvl="4"/>
+            <a:r>
+              <a:rPr lang="en-US"/>
+              <a:t>Fifth level</a:t>
+            </a:r>
+          </a:p>
+        </p:txBody>
+      </p:sp>
+      <p:sp>
+        <p:nvSpPr>
+          <p:cNvPr id="6" name="Footer Placeholder 5"/>
+          <p:cNvSpPr>
+            <a:spLocks noGrp="1"/>
+          </p:cNvSpPr>
+          <p:nvPr>
+            <p:ph type="ftr" sz="quarter" idx="4"/>
+          </p:nvPr>
+        </p:nvSpPr>
+        <p:spPr>
+          <a:xfrm>
+            <a:off x="0" y="8685213"/>
+            <a:ext cx="2971800" cy="458787"/>
+          </a:xfrm>
+          <a:prstGeom prst="rect">
+            <a:avLst/>
+          </a:prstGeom>
+        </p:spPr>
+        <p:txBody>
+          <a:bodyPr vert="horz" lIns="91440" tIns="45720" rIns="91440" bIns="45720" rtlCol="0" anchor="b"/>
+          <a:lstStyle>
+            <a:lvl1pPr algn="l">
+              <a:defRPr sz="1200"/>
+            </a:lvl1pPr>
+          </a:lstStyle>
+          <a:p>
+            <a:endParaRPr lang="en-US"/>
+          </a:p>
+        </p:txBody>
+      </p:sp>
+      <p:sp>
+        <p:nvSpPr>
+          <p:cNvPr id="7" name="Slide Number Placeholder 6"/>
+          <p:cNvSpPr>
+            <a:spLocks noGrp="1"/>
+          </p:cNvSpPr>
+          <p:nvPr>
+            <p:ph type="sldNum" sz="quarter" idx="5"/>
+          </p:nvPr>
+        </p:nvSpPr>
+        <p:spPr>
+          <a:xfrm>
+            <a:off x="3884613" y="8685213"/>
+            <a:ext cx="2971800" cy="458787"/>
+          </a:xfrm>
+          <a:prstGeom prst="rect">
+            <a:avLst/>
+          </a:prstGeom>
+        </p:spPr>
+        <p:txBody>
+          <a:bodyPr vert="horz" lIns="91440" tIns="45720" rIns="91440" bIns="45720" rtlCol="0" anchor="b"/>
+          <a:lstStyle>
+            <a:lvl1pPr algn="r">
+              <a:defRPr sz="1200"/>
+            </a:lvl1pPr>
+          </a:lstStyle>
+          <a:p>
+            <a:fld id="{DB3030C7-2A5C-4C01-A13D-87E0D4C1C002}" type="slidenum">
+              <a:rPr lang="en-US" smtClean="0"/>
+              <a:t>‹#›</a:t>
+            </a:fld>
+            <a:endParaRPr lang="en-US"/>
+          </a:p>
+        </p:txBody>
+      </p:sp>
+    </p:spTree>
+    <p:extLst>
+      <p:ext uri="{BB962C8B-B14F-4D97-AF65-F5344CB8AC3E}">
+        <p14:creationId xmlns:p14="http://schemas.microsoft.com/office/powerpoint/2010/main" val="2585259120"/>
+      </p:ext>
+    </p:extLst>
+  </p:cSld>
+  <p:clrMap bg1="lt1" tx1="dk1" bg2="lt2" tx2="dk2" accent1="accent1" accent2="accent2" accent3="accent3" accent4="accent4" accent5="accent5" accent6="accent6" hlink="hlink" folHlink="folHlink"/>
+  <p:notesStyle>
+    <a:lvl1pPr marL="0" algn="l" defTabSz="914400" rtl="0" eaLnBrk="1" latinLnBrk="0" hangingPunct="1">
+      <a:defRPr sz="1200" kern="1200">
+        <a:solidFill>
+          <a:schemeClr val="tx1"/>
+        </a:solidFill>
+        <a:latin typeface="+mn-lt"/>
+        <a:ea typeface="+mn-ea"/>
+        <a:cs typeface="+mn-cs"/>
+      </a:defRPr>
+    </a:lvl1pPr>
+    <a:lvl2pPr marL="457200" algn="l" defTabSz="914400" rtl="0" eaLnBrk="1" latinLnBrk="0" hangingPunct="1">
+      <a:defRPr sz="1200" kern="1200">
+        <a:solidFill>
+          <a:schemeClr val="tx1"/>
+        </a:solidFill>
+        <a:latin typeface="+mn-lt"/>
+        <a:ea typeface="+mn-ea"/>
+        <a:cs typeface="+mn-cs"/>
+      </a:defRPr>
+    </a:lvl2pPr>
+    <a:lvl3pPr marL="914400" algn="l" defTabSz="914400" rtl="0" eaLnBrk="1" latinLnBrk="0" hangingPunct="1">
+      <a:defRPr sz="1200" kern="1200">
+        <a:solidFill>
+          <a:schemeClr val="tx1"/>
+        </a:solidFill>
+        <a:latin typeface="+mn-lt"/>
+        <a:ea typeface="+mn-ea"/>
+        <a:cs typeface="+mn-cs"/>
+      </a:defRPr>
+    </a:lvl3pPr>
+    <a:lvl4pPr marL="1371600" algn="l" defTabSz="914400" rtl="0" eaLnBrk="1" latinLnBrk="0" hangingPunct="1">
+      <a:defRPr sz="1200" kern="1200">
+        <a:solidFill>
+          <a:schemeClr val="tx1"/>
+        </a:solidFill>
+        <a:latin typeface="+mn-lt"/>
+        <a:ea typeface="+mn-ea"/>
+        <a:cs typeface="+mn-cs"/>
+      </a:defRPr>
+    </a:lvl4pPr>
+    <a:lvl5pPr marL="1828800" algn="l" defTabSz="914400" rtl="0" eaLnBrk="1" latinLnBrk="0" hangingPunct="1">
+      <a:defRPr sz="1200" kern="1200">
+        <a:solidFill>
+          <a:schemeClr val="tx1"/>
+        </a:solidFill>
+        <a:latin typeface="+mn-lt"/>
+        <a:ea typeface="+mn-ea"/>
+        <a:cs typeface="+mn-cs"/>
+      </a:defRPr>
+    </a:lvl5pPr>
+    <a:lvl6pPr marL="2286000" algn="l" defTabSz="914400" rtl="0" eaLnBrk="1" latinLnBrk="0" hangingPunct="1">
+      <a:defRPr sz="1200" kern="1200">
+        <a:solidFill>
+          <a:schemeClr val="tx1"/>
+        </a:solidFill>
+        <a:latin typeface="+mn-lt"/>
+        <a:ea typeface="+mn-ea"/>
+        <a:cs typeface="+mn-cs"/>
+      </a:defRPr>
+    </a:lvl6pPr>
+    <a:lvl7pPr marL="2743200" algn="l" defTabSz="914400" rtl="0" eaLnBrk="1" latinLnBrk="0" hangingPunct="1">
+      <a:defRPr sz="1200" kern="1200">
+        <a:solidFill>
+          <a:schemeClr val="tx1"/>
+        </a:solidFill>
+        <a:latin typeface="+mn-lt"/>
+        <a:ea typeface="+mn-ea"/>
+        <a:cs typeface="+mn-cs"/>
+      </a:defRPr>
+    </a:lvl7pPr>
+    <a:lvl8pPr marL="3200400" algn="l" defTabSz="914400" rtl="0" eaLnBrk="1" latinLnBrk="0" hangingPunct="1">
+      <a:defRPr sz="1200" kern="1200">
+        <a:solidFill>
+          <a:schemeClr val="tx1"/>
+        </a:solidFill>
+        <a:latin typeface="+mn-lt"/>
+        <a:ea typeface="+mn-ea"/>
+        <a:cs typeface="+mn-cs"/>
+      </a:defRPr>
+    </a:lvl8pPr>
+    <a:lvl9pPr marL="3657600" algn="l" defTabSz="914400" rtl="0" eaLnBrk="1" latinLnBrk="0" hangingPunct="1">
+      <a:defRPr sz="1200" kern="1200">
+        <a:solidFill>
+          <a:schemeClr val="tx1"/>
+        </a:solidFill>
+        <a:latin typeface="+mn-lt"/>
+        <a:ea typeface="+mn-ea"/>
+        <a:cs typeface="+mn-cs"/>
+      </a:defRPr>
+    </a:lvl9pPr>
+  </p:notesStyle>
+</p:notesMaster>
+</file>
+
+<file path=ppt/notesSlides/notesSlide1.xml><?xml version="1.0" encoding="utf-8"?>
+<p:notes xmlns:a="http://schemas.openxmlformats.org/drawingml/2006/main" xmlns:r="http://schemas.openxmlformats.org/officeDocument/2006/relationships" xmlns:p="http://schemas.openxmlformats.org/presentationml/2006/main">
+  <p:cSld>
+    <p:spTree>
+      <p:nvGrpSpPr>
+        <p:cNvPr id="1" name=""/>
+        <p:cNvGrpSpPr/>
+        <p:nvPr/>
+      </p:nvGrpSpPr>
+      <p:grpSpPr>
+        <a:xfrm>
+          <a:off x="0" y="0"/>
+          <a:ext cx="0" cy="0"/>
+          <a:chOff x="0" y="0"/>
+          <a:chExt cx="0" cy="0"/>
+        </a:xfrm>
+      </p:grpSpPr>
+      <p:sp>
+        <p:nvSpPr>
+          <p:cNvPr id="2" name="Slide Image Placeholder 1"/>
+          <p:cNvSpPr>
+            <a:spLocks noGrp="1" noRot="1" noChangeAspect="1"/>
+          </p:cNvSpPr>
+          <p:nvPr>
+            <p:ph type="sldImg"/>
+          </p:nvPr>
+        </p:nvSpPr>
+        <p:spPr/>
+      </p:sp>
+      <p:sp>
+        <p:nvSpPr>
+          <p:cNvPr id="3" name="Notes Placeholder 2"/>
+          <p:cNvSpPr>
+            <a:spLocks noGrp="1"/>
+          </p:cNvSpPr>
+          <p:nvPr>
+            <p:ph type="body" idx="1"/>
+          </p:nvPr>
+        </p:nvSpPr>
+        <p:spPr/>
+        <p:txBody>
+          <a:bodyPr/>
+          <a:lstStyle/>
+          <a:p>
+            <a:endParaRPr lang="en-US" dirty="0"/>
+          </a:p>
+        </p:txBody>
+      </p:sp>
+      <p:sp>
+        <p:nvSpPr>
+          <p:cNvPr id="4" name="Slide Number Placeholder 3"/>
+          <p:cNvSpPr>
+            <a:spLocks noGrp="1"/>
+          </p:cNvSpPr>
+          <p:nvPr>
+            <p:ph type="sldNum" sz="quarter" idx="5"/>
+          </p:nvPr>
+        </p:nvSpPr>
+        <p:spPr/>
+        <p:txBody>
+          <a:bodyPr/>
+          <a:lstStyle/>
+          <a:p>
+            <a:fld id="{DB3030C7-2A5C-4C01-A13D-87E0D4C1C002}" type="slidenum">
+              <a:rPr lang="en-US" smtClean="0"/>
+              <a:t>14</a:t>
+            </a:fld>
+            <a:endParaRPr lang="en-US"/>
+          </a:p>
+        </p:txBody>
+      </p:sp>
+    </p:spTree>
+    <p:extLst>
+      <p:ext uri="{BB962C8B-B14F-4D97-AF65-F5344CB8AC3E}">
+        <p14:creationId xmlns:p14="http://schemas.microsoft.com/office/powerpoint/2010/main" val="369703529"/>
+      </p:ext>
+    </p:extLst>
+  </p:cSld>
+  <p:clrMapOvr>
+    <a:masterClrMapping/>
+  </p:clrMapOvr>
+</p:notes>
 </file>
 
 <file path=ppt/slideLayouts/slideLayout1.xml><?xml version="1.0" encoding="utf-8"?>
@@ -284,7 +720,7 @@
           <a:p>
             <a:fld id="{F0249701-11FC-451D-B9AC-2A68C1C5D58E}" type="datetimeFigureOut">
               <a:rPr lang="en-US" smtClean="0"/>
-              <a:t>6/24/2024</a:t>
+              <a:t>6/25/2024</a:t>
             </a:fld>
             <a:endParaRPr lang="en-US"/>
           </a:p>
@@ -482,7 +918,7 @@
           <a:p>
             <a:fld id="{F0249701-11FC-451D-B9AC-2A68C1C5D58E}" type="datetimeFigureOut">
               <a:rPr lang="en-US" smtClean="0"/>
-              <a:t>6/24/2024</a:t>
+              <a:t>6/25/2024</a:t>
             </a:fld>
             <a:endParaRPr lang="en-US"/>
           </a:p>
@@ -690,7 +1126,7 @@
           <a:p>
             <a:fld id="{F0249701-11FC-451D-B9AC-2A68C1C5D58E}" type="datetimeFigureOut">
               <a:rPr lang="en-US" smtClean="0"/>
-              <a:t>6/24/2024</a:t>
+              <a:t>6/25/2024</a:t>
             </a:fld>
             <a:endParaRPr lang="en-US"/>
           </a:p>
@@ -888,7 +1324,7 @@
           <a:p>
             <a:fld id="{F0249701-11FC-451D-B9AC-2A68C1C5D58E}" type="datetimeFigureOut">
               <a:rPr lang="en-US" smtClean="0"/>
-              <a:t>6/24/2024</a:t>
+              <a:t>6/25/2024</a:t>
             </a:fld>
             <a:endParaRPr lang="en-US"/>
           </a:p>
@@ -1163,7 +1599,7 @@
           <a:p>
             <a:fld id="{F0249701-11FC-451D-B9AC-2A68C1C5D58E}" type="datetimeFigureOut">
               <a:rPr lang="en-US" smtClean="0"/>
-              <a:t>6/24/2024</a:t>
+              <a:t>6/25/2024</a:t>
             </a:fld>
             <a:endParaRPr lang="en-US"/>
           </a:p>
@@ -1428,7 +1864,7 @@
           <a:p>
             <a:fld id="{F0249701-11FC-451D-B9AC-2A68C1C5D58E}" type="datetimeFigureOut">
               <a:rPr lang="en-US" smtClean="0"/>
-              <a:t>6/24/2024</a:t>
+              <a:t>6/25/2024</a:t>
             </a:fld>
             <a:endParaRPr lang="en-US"/>
           </a:p>
@@ -1840,7 +2276,7 @@
           <a:p>
             <a:fld id="{F0249701-11FC-451D-B9AC-2A68C1C5D58E}" type="datetimeFigureOut">
               <a:rPr lang="en-US" smtClean="0"/>
-              <a:t>6/24/2024</a:t>
+              <a:t>6/25/2024</a:t>
             </a:fld>
             <a:endParaRPr lang="en-US"/>
           </a:p>
@@ -1981,7 +2417,7 @@
           <a:p>
             <a:fld id="{F0249701-11FC-451D-B9AC-2A68C1C5D58E}" type="datetimeFigureOut">
               <a:rPr lang="en-US" smtClean="0"/>
-              <a:t>6/24/2024</a:t>
+              <a:t>6/25/2024</a:t>
             </a:fld>
             <a:endParaRPr lang="en-US"/>
           </a:p>
@@ -2094,7 +2530,7 @@
           <a:p>
             <a:fld id="{F0249701-11FC-451D-B9AC-2A68C1C5D58E}" type="datetimeFigureOut">
               <a:rPr lang="en-US" smtClean="0"/>
-              <a:t>6/24/2024</a:t>
+              <a:t>6/25/2024</a:t>
             </a:fld>
             <a:endParaRPr lang="en-US"/>
           </a:p>
@@ -2405,7 +2841,7 @@
           <a:p>
             <a:fld id="{F0249701-11FC-451D-B9AC-2A68C1C5D58E}" type="datetimeFigureOut">
               <a:rPr lang="en-US" smtClean="0"/>
-              <a:t>6/24/2024</a:t>
+              <a:t>6/25/2024</a:t>
             </a:fld>
             <a:endParaRPr lang="en-US"/>
           </a:p>
@@ -2693,7 +3129,7 @@
           <a:p>
             <a:fld id="{F0249701-11FC-451D-B9AC-2A68C1C5D58E}" type="datetimeFigureOut">
               <a:rPr lang="en-US" smtClean="0"/>
-              <a:t>6/24/2024</a:t>
+              <a:t>6/25/2024</a:t>
             </a:fld>
             <a:endParaRPr lang="en-US"/>
           </a:p>
@@ -2934,7 +3370,7 @@
           <a:p>
             <a:fld id="{F0249701-11FC-451D-B9AC-2A68C1C5D58E}" type="datetimeFigureOut">
               <a:rPr lang="en-US" smtClean="0"/>
-              <a:t>6/24/2024</a:t>
+              <a:t>6/25/2024</a:t>
             </a:fld>
             <a:endParaRPr lang="en-US"/>
           </a:p>
@@ -16003,7 +16439,7 @@
               </p:nvSpPr>
               <p:spPr>
                 <a:xfrm>
-                  <a:off x="11296651" y="5668707"/>
+                  <a:off x="11374400" y="5668839"/>
                   <a:ext cx="270587" cy="246221"/>
                 </a:xfrm>
                 <a:prstGeom prst="rect">
@@ -16056,7 +16492,7 @@
               </p:nvSpPr>
               <p:spPr>
                 <a:xfrm>
-                  <a:off x="11296651" y="5668707"/>
+                  <a:off x="11374400" y="5668839"/>
                   <a:ext cx="270587" cy="246221"/>
                 </a:xfrm>
                 <a:prstGeom prst="rect">
@@ -19919,12 +20355,441 @@
           <a:chExt cx="0" cy="0"/>
         </a:xfrm>
       </p:grpSpPr>
+      <p:sp>
+        <p:nvSpPr>
+          <p:cNvPr id="39" name="Arc 38">
+            <a:extLst>
+              <a:ext uri="{FF2B5EF4-FFF2-40B4-BE49-F238E27FC236}">
+                <a16:creationId xmlns:a16="http://schemas.microsoft.com/office/drawing/2014/main" id="{14F32157-465A-4355-B730-84D8AD8287F4}"/>
+              </a:ext>
+            </a:extLst>
+          </p:cNvPr>
+          <p:cNvSpPr/>
+          <p:nvPr/>
+        </p:nvSpPr>
+        <p:spPr>
+          <a:xfrm rot="1206981">
+            <a:off x="8505555" y="2530775"/>
+            <a:ext cx="619595" cy="618498"/>
+          </a:xfrm>
+          <a:prstGeom prst="arc">
+            <a:avLst>
+              <a:gd name="adj1" fmla="val 16200000"/>
+              <a:gd name="adj2" fmla="val 113629"/>
+            </a:avLst>
+          </a:prstGeom>
+          <a:ln w="38100">
+            <a:solidFill>
+              <a:schemeClr val="tx1"/>
+            </a:solidFill>
+          </a:ln>
+        </p:spPr>
+        <p:style>
+          <a:lnRef idx="1">
+            <a:schemeClr val="accent1"/>
+          </a:lnRef>
+          <a:fillRef idx="0">
+            <a:schemeClr val="accent1"/>
+          </a:fillRef>
+          <a:effectRef idx="0">
+            <a:schemeClr val="accent1"/>
+          </a:effectRef>
+          <a:fontRef idx="minor">
+            <a:schemeClr val="tx1"/>
+          </a:fontRef>
+        </p:style>
+        <p:txBody>
+          <a:bodyPr rtlCol="0" anchor="ctr"/>
+          <a:lstStyle/>
+          <a:p>
+            <a:pPr algn="ctr"/>
+            <a:endParaRPr lang="en-US" sz="3200" dirty="0"/>
+          </a:p>
+        </p:txBody>
+      </p:sp>
+      <p:grpSp>
+        <p:nvGrpSpPr>
+          <p:cNvPr id="2" name="Group 1">
+            <a:extLst>
+              <a:ext uri="{FF2B5EF4-FFF2-40B4-BE49-F238E27FC236}">
+                <a16:creationId xmlns:a16="http://schemas.microsoft.com/office/drawing/2014/main" id="{7CEC52CE-6D7B-45F5-9948-366D6B1D2D4A}"/>
+              </a:ext>
+            </a:extLst>
+          </p:cNvPr>
+          <p:cNvGrpSpPr/>
+          <p:nvPr/>
+        </p:nvGrpSpPr>
+        <p:grpSpPr>
+          <a:xfrm>
+            <a:off x="0" y="515401"/>
+            <a:ext cx="2356124" cy="3670344"/>
+            <a:chOff x="4233862" y="1361155"/>
+            <a:chExt cx="2356124" cy="3670344"/>
+          </a:xfrm>
+        </p:grpSpPr>
+        <p:pic>
+          <p:nvPicPr>
+            <p:cNvPr id="4" name="Picture 3">
+              <a:extLst>
+                <a:ext uri="{FF2B5EF4-FFF2-40B4-BE49-F238E27FC236}">
+                  <a16:creationId xmlns:a16="http://schemas.microsoft.com/office/drawing/2014/main" id="{67C355E4-4476-4AB0-B697-42858782803D}"/>
+                </a:ext>
+              </a:extLst>
+            </p:cNvPr>
+            <p:cNvPicPr>
+              <a:picLocks noChangeAspect="1"/>
+            </p:cNvPicPr>
+            <p:nvPr/>
+          </p:nvPicPr>
+          <p:blipFill>
+            <a:blip r:embed="rId3"/>
+            <a:stretch>
+              <a:fillRect/>
+            </a:stretch>
+          </p:blipFill>
+          <p:spPr>
+            <a:xfrm>
+              <a:off x="4233862" y="1361155"/>
+              <a:ext cx="2356124" cy="3670344"/>
+            </a:xfrm>
+            <a:prstGeom prst="rect">
+              <a:avLst/>
+            </a:prstGeom>
+          </p:spPr>
+        </p:pic>
+        <p:cxnSp>
+          <p:nvCxnSpPr>
+            <p:cNvPr id="5" name="Straight Arrow Connector 4">
+              <a:extLst>
+                <a:ext uri="{FF2B5EF4-FFF2-40B4-BE49-F238E27FC236}">
+                  <a16:creationId xmlns:a16="http://schemas.microsoft.com/office/drawing/2014/main" id="{13DABAA0-591F-4A45-8A94-7C83B424FCE8}"/>
+                </a:ext>
+              </a:extLst>
+            </p:cNvPr>
+            <p:cNvCxnSpPr>
+              <a:cxnSpLocks/>
+            </p:cNvCxnSpPr>
+            <p:nvPr/>
+          </p:nvCxnSpPr>
+          <p:spPr>
+            <a:xfrm flipV="1">
+              <a:off x="6173514" y="3014790"/>
+              <a:ext cx="0" cy="688683"/>
+            </a:xfrm>
+            <a:prstGeom prst="straightConnector1">
+              <a:avLst/>
+            </a:prstGeom>
+            <a:ln w="47625">
+              <a:solidFill>
+                <a:srgbClr val="FF0000"/>
+              </a:solidFill>
+              <a:headEnd type="none" w="lg" len="lg"/>
+              <a:tailEnd type="stealth" w="lg" len="lg"/>
+            </a:ln>
+          </p:spPr>
+          <p:style>
+            <a:lnRef idx="1">
+              <a:schemeClr val="accent1"/>
+            </a:lnRef>
+            <a:fillRef idx="0">
+              <a:schemeClr val="accent1"/>
+            </a:fillRef>
+            <a:effectRef idx="0">
+              <a:schemeClr val="accent1"/>
+            </a:effectRef>
+            <a:fontRef idx="minor">
+              <a:schemeClr val="tx1"/>
+            </a:fontRef>
+          </p:style>
+        </p:cxnSp>
+        <mc:AlternateContent xmlns:mc="http://schemas.openxmlformats.org/markup-compatibility/2006" xmlns:a14="http://schemas.microsoft.com/office/drawing/2010/main">
+          <mc:Choice Requires="a14">
+            <p:sp>
+              <p:nvSpPr>
+                <p:cNvPr id="6" name="TextBox 5">
+                  <a:extLst>
+                    <a:ext uri="{FF2B5EF4-FFF2-40B4-BE49-F238E27FC236}">
+                      <a16:creationId xmlns:a16="http://schemas.microsoft.com/office/drawing/2014/main" id="{CACA1CEF-BBE0-4EB4-B9C4-1FFD0446259E}"/>
+                    </a:ext>
+                  </a:extLst>
+                </p:cNvPr>
+                <p:cNvSpPr txBox="1"/>
+                <p:nvPr/>
+              </p:nvSpPr>
+              <p:spPr>
+                <a:xfrm>
+                  <a:off x="4887664" y="3049218"/>
+                  <a:ext cx="258404" cy="414088"/>
+                </a:xfrm>
+                <a:prstGeom prst="rect">
+                  <a:avLst/>
+                </a:prstGeom>
+                <a:noFill/>
+              </p:spPr>
+              <p:txBody>
+                <a:bodyPr wrap="none" lIns="0" tIns="0" rIns="0" bIns="0" rtlCol="0">
+                  <a:spAutoFit/>
+                </a:bodyPr>
+                <a:lstStyle/>
+                <a:p>
+                  <a:pPr/>
+                  <a14:m>
+                    <m:oMathPara xmlns:m="http://schemas.openxmlformats.org/officeDocument/2006/math">
+                      <m:oMathParaPr>
+                        <m:jc m:val="centerGroup"/>
+                      </m:oMathParaPr>
+                      <m:oMath xmlns:m="http://schemas.openxmlformats.org/officeDocument/2006/math">
+                        <m:acc>
+                          <m:accPr>
+                            <m:chr m:val="⃗"/>
+                            <m:ctrlPr>
+                              <a:rPr lang="en-US" sz="2400" i="1" smtClean="0">
+                                <a:solidFill>
+                                  <a:srgbClr val="FF0000"/>
+                                </a:solidFill>
+                                <a:latin typeface="Cambria Math" panose="02040503050406030204" pitchFamily="18" charset="0"/>
+                              </a:rPr>
+                            </m:ctrlPr>
+                          </m:accPr>
+                          <m:e>
+                            <m:r>
+                              <a:rPr lang="en-US" sz="2400" b="0" i="1" smtClean="0">
+                                <a:solidFill>
+                                  <a:srgbClr val="FF0000"/>
+                                </a:solidFill>
+                                <a:latin typeface="Cambria Math" panose="02040503050406030204" pitchFamily="18" charset="0"/>
+                              </a:rPr>
+                              <m:t>𝑇</m:t>
+                            </m:r>
+                          </m:e>
+                        </m:acc>
+                      </m:oMath>
+                    </m:oMathPara>
+                  </a14:m>
+                  <a:endParaRPr lang="en-US" sz="2400" dirty="0">
+                    <a:solidFill>
+                      <a:srgbClr val="FF0000"/>
+                    </a:solidFill>
+                  </a:endParaRPr>
+                </a:p>
+              </p:txBody>
+            </p:sp>
+          </mc:Choice>
+          <mc:Fallback xmlns="">
+            <p:sp>
+              <p:nvSpPr>
+                <p:cNvPr id="6" name="TextBox 5">
+                  <a:extLst>
+                    <a:ext uri="{FF2B5EF4-FFF2-40B4-BE49-F238E27FC236}">
+                      <a16:creationId xmlns:a16="http://schemas.microsoft.com/office/drawing/2014/main" id="{CACA1CEF-BBE0-4EB4-B9C4-1FFD0446259E}"/>
+                    </a:ext>
+                  </a:extLst>
+                </p:cNvPr>
+                <p:cNvSpPr txBox="1">
+                  <a:spLocks noRot="1" noChangeAspect="1" noMove="1" noResize="1" noEditPoints="1" noAdjustHandles="1" noChangeArrowheads="1" noChangeShapeType="1" noTextEdit="1"/>
+                </p:cNvSpPr>
+                <p:nvPr/>
+              </p:nvSpPr>
+              <p:spPr>
+                <a:xfrm>
+                  <a:off x="4887664" y="3049218"/>
+                  <a:ext cx="258404" cy="414088"/>
+                </a:xfrm>
+                <a:prstGeom prst="rect">
+                  <a:avLst/>
+                </a:prstGeom>
+                <a:blipFill>
+                  <a:blip r:embed="rId4"/>
+                  <a:stretch>
+                    <a:fillRect/>
+                  </a:stretch>
+                </a:blipFill>
+              </p:spPr>
+              <p:txBody>
+                <a:bodyPr/>
+                <a:lstStyle/>
+                <a:p>
+                  <a:r>
+                    <a:rPr lang="en-US">
+                      <a:noFill/>
+                    </a:rPr>
+                    <a:t> </a:t>
+                  </a:r>
+                </a:p>
+              </p:txBody>
+            </p:sp>
+          </mc:Fallback>
+        </mc:AlternateContent>
+        <p:cxnSp>
+          <p:nvCxnSpPr>
+            <p:cNvPr id="10" name="Straight Arrow Connector 9">
+              <a:extLst>
+                <a:ext uri="{FF2B5EF4-FFF2-40B4-BE49-F238E27FC236}">
+                  <a16:creationId xmlns:a16="http://schemas.microsoft.com/office/drawing/2014/main" id="{368D6F64-5A4B-455C-84C3-C3735E53FF52}"/>
+                </a:ext>
+              </a:extLst>
+            </p:cNvPr>
+            <p:cNvCxnSpPr>
+              <a:cxnSpLocks/>
+            </p:cNvCxnSpPr>
+            <p:nvPr/>
+          </p:nvCxnSpPr>
+          <p:spPr>
+            <a:xfrm flipV="1">
+              <a:off x="5228634" y="3014790"/>
+              <a:ext cx="0" cy="482944"/>
+            </a:xfrm>
+            <a:prstGeom prst="straightConnector1">
+              <a:avLst/>
+            </a:prstGeom>
+            <a:ln w="47625">
+              <a:solidFill>
+                <a:srgbClr val="FF0000"/>
+              </a:solidFill>
+              <a:headEnd type="none" w="lg" len="lg"/>
+              <a:tailEnd type="stealth" w="lg" len="lg"/>
+            </a:ln>
+          </p:spPr>
+          <p:style>
+            <a:lnRef idx="1">
+              <a:schemeClr val="accent1"/>
+            </a:lnRef>
+            <a:fillRef idx="0">
+              <a:schemeClr val="accent1"/>
+            </a:fillRef>
+            <a:effectRef idx="0">
+              <a:schemeClr val="accent1"/>
+            </a:effectRef>
+            <a:fontRef idx="minor">
+              <a:schemeClr val="tx1"/>
+            </a:fontRef>
+          </p:style>
+        </p:cxnSp>
+        <mc:AlternateContent xmlns:mc="http://schemas.openxmlformats.org/markup-compatibility/2006" xmlns:a14="http://schemas.microsoft.com/office/drawing/2010/main">
+          <mc:Choice Requires="a14">
+            <p:sp>
+              <p:nvSpPr>
+                <p:cNvPr id="12" name="TextBox 11">
+                  <a:extLst>
+                    <a:ext uri="{FF2B5EF4-FFF2-40B4-BE49-F238E27FC236}">
+                      <a16:creationId xmlns:a16="http://schemas.microsoft.com/office/drawing/2014/main" id="{C015034D-C475-437E-8DEE-3C88450C8CD5}"/>
+                    </a:ext>
+                  </a:extLst>
+                </p:cNvPr>
+                <p:cNvSpPr txBox="1"/>
+                <p:nvPr/>
+              </p:nvSpPr>
+              <p:spPr>
+                <a:xfrm>
+                  <a:off x="6331582" y="3196327"/>
+                  <a:ext cx="258404" cy="414088"/>
+                </a:xfrm>
+                <a:prstGeom prst="rect">
+                  <a:avLst/>
+                </a:prstGeom>
+                <a:noFill/>
+              </p:spPr>
+              <p:txBody>
+                <a:bodyPr wrap="none" lIns="0" tIns="0" rIns="0" bIns="0" rtlCol="0">
+                  <a:spAutoFit/>
+                </a:bodyPr>
+                <a:lstStyle/>
+                <a:p>
+                  <a:pPr/>
+                  <a14:m>
+                    <m:oMathPara xmlns:m="http://schemas.openxmlformats.org/officeDocument/2006/math">
+                      <m:oMathParaPr>
+                        <m:jc m:val="centerGroup"/>
+                      </m:oMathParaPr>
+                      <m:oMath xmlns:m="http://schemas.openxmlformats.org/officeDocument/2006/math">
+                        <m:acc>
+                          <m:accPr>
+                            <m:chr m:val="⃗"/>
+                            <m:ctrlPr>
+                              <a:rPr lang="en-US" sz="2400" i="1" smtClean="0">
+                                <a:solidFill>
+                                  <a:srgbClr val="FF0000"/>
+                                </a:solidFill>
+                                <a:latin typeface="Cambria Math" panose="02040503050406030204" pitchFamily="18" charset="0"/>
+                              </a:rPr>
+                            </m:ctrlPr>
+                          </m:accPr>
+                          <m:e>
+                            <m:r>
+                              <a:rPr lang="en-US" sz="2400" b="0" i="1" smtClean="0">
+                                <a:solidFill>
+                                  <a:srgbClr val="FF0000"/>
+                                </a:solidFill>
+                                <a:latin typeface="Cambria Math" panose="02040503050406030204" pitchFamily="18" charset="0"/>
+                              </a:rPr>
+                              <m:t>𝑇</m:t>
+                            </m:r>
+                          </m:e>
+                        </m:acc>
+                      </m:oMath>
+                    </m:oMathPara>
+                  </a14:m>
+                  <a:endParaRPr lang="en-US" sz="2400" dirty="0">
+                    <a:solidFill>
+                      <a:srgbClr val="FF0000"/>
+                    </a:solidFill>
+                  </a:endParaRPr>
+                </a:p>
+              </p:txBody>
+            </p:sp>
+          </mc:Choice>
+          <mc:Fallback xmlns="">
+            <p:sp>
+              <p:nvSpPr>
+                <p:cNvPr id="12" name="TextBox 11">
+                  <a:extLst>
+                    <a:ext uri="{FF2B5EF4-FFF2-40B4-BE49-F238E27FC236}">
+                      <a16:creationId xmlns:a16="http://schemas.microsoft.com/office/drawing/2014/main" id="{C015034D-C475-437E-8DEE-3C88450C8CD5}"/>
+                    </a:ext>
+                  </a:extLst>
+                </p:cNvPr>
+                <p:cNvSpPr txBox="1">
+                  <a:spLocks noRot="1" noChangeAspect="1" noMove="1" noResize="1" noEditPoints="1" noAdjustHandles="1" noChangeArrowheads="1" noChangeShapeType="1" noTextEdit="1"/>
+                </p:cNvSpPr>
+                <p:nvPr/>
+              </p:nvSpPr>
+              <p:spPr>
+                <a:xfrm>
+                  <a:off x="6331582" y="3196327"/>
+                  <a:ext cx="258404" cy="414088"/>
+                </a:xfrm>
+                <a:prstGeom prst="rect">
+                  <a:avLst/>
+                </a:prstGeom>
+                <a:blipFill>
+                  <a:blip r:embed="rId5"/>
+                  <a:stretch>
+                    <a:fillRect/>
+                  </a:stretch>
+                </a:blipFill>
+              </p:spPr>
+              <p:txBody>
+                <a:bodyPr/>
+                <a:lstStyle/>
+                <a:p>
+                  <a:r>
+                    <a:rPr lang="en-US">
+                      <a:noFill/>
+                    </a:rPr>
+                    <a:t> </a:t>
+                  </a:r>
+                </a:p>
+              </p:txBody>
+            </p:sp>
+          </mc:Fallback>
+        </mc:AlternateContent>
+      </p:grpSp>
       <p:pic>
         <p:nvPicPr>
-          <p:cNvPr id="4" name="Picture 3">
+          <p:cNvPr id="9" name="Picture 8">
             <a:extLst>
               <a:ext uri="{FF2B5EF4-FFF2-40B4-BE49-F238E27FC236}">
-                <a16:creationId xmlns:a16="http://schemas.microsoft.com/office/drawing/2014/main" id="{67C355E4-4476-4AB0-B697-42858782803D}"/>
+                <a16:creationId xmlns:a16="http://schemas.microsoft.com/office/drawing/2014/main" id="{D86BAA81-AF11-4F30-92FC-336ABE853145}"/>
               </a:ext>
             </a:extLst>
           </p:cNvPr>
@@ -19934,15 +20799,21 @@
           <p:nvPr/>
         </p:nvPicPr>
         <p:blipFill>
-          <a:blip r:embed="rId2"/>
+          <a:blip r:embed="rId6">
+            <a:extLst>
+              <a:ext uri="{28A0092B-C50C-407E-A947-70E740481C1C}">
+                <a14:useLocalDpi xmlns:a14="http://schemas.microsoft.com/office/drawing/2010/main" val="0"/>
+              </a:ext>
+            </a:extLst>
+          </a:blip>
           <a:stretch>
             <a:fillRect/>
           </a:stretch>
         </p:blipFill>
         <p:spPr>
           <a:xfrm>
-            <a:off x="4233862" y="1361155"/>
-            <a:ext cx="2356124" cy="3670344"/>
+            <a:off x="7615387" y="-129396"/>
+            <a:ext cx="4358442" cy="3842311"/>
           </a:xfrm>
           <a:prstGeom prst="rect">
             <a:avLst/>
@@ -19951,10 +20822,10 @@
       </p:pic>
       <p:cxnSp>
         <p:nvCxnSpPr>
-          <p:cNvPr id="5" name="Straight Arrow Connector 4">
+          <p:cNvPr id="13" name="Straight Arrow Connector 12">
             <a:extLst>
               <a:ext uri="{FF2B5EF4-FFF2-40B4-BE49-F238E27FC236}">
-                <a16:creationId xmlns:a16="http://schemas.microsoft.com/office/drawing/2014/main" id="{13DABAA0-591F-4A45-8A94-7C83B424FCE8}"/>
+                <a16:creationId xmlns:a16="http://schemas.microsoft.com/office/drawing/2014/main" id="{17BC117C-D67F-42C2-BF25-C0CD9AD8BC7F}"/>
               </a:ext>
             </a:extLst>
           </p:cNvPr>
@@ -19964,9 +20835,9 @@
           <p:nvPr/>
         </p:nvCxnSpPr>
         <p:spPr>
-          <a:xfrm flipV="1">
-            <a:off x="6173514" y="3014790"/>
-            <a:ext cx="0" cy="688683"/>
+          <a:xfrm flipH="1">
+            <a:off x="7511694" y="2938870"/>
+            <a:ext cx="963786" cy="1"/>
           </a:xfrm>
           <a:prstGeom prst="straightConnector1">
             <a:avLst/>
@@ -19998,10 +20869,10 @@
         <mc:Choice xmlns:a14="http://schemas.microsoft.com/office/drawing/2010/main" Requires="a14">
           <p:sp>
             <p:nvSpPr>
-              <p:cNvPr id="6" name="TextBox 5">
+              <p:cNvPr id="14" name="TextBox 13">
                 <a:extLst>
                   <a:ext uri="{FF2B5EF4-FFF2-40B4-BE49-F238E27FC236}">
-                    <a16:creationId xmlns:a16="http://schemas.microsoft.com/office/drawing/2014/main" id="{CACA1CEF-BBE0-4EB4-B9C4-1FFD0446259E}"/>
+                    <a16:creationId xmlns:a16="http://schemas.microsoft.com/office/drawing/2014/main" id="{56139106-2401-4AB5-8708-2E12AA4403DA}"/>
                   </a:ext>
                 </a:extLst>
               </p:cNvPr>
@@ -20010,8 +20881,8 @@
             </p:nvSpPr>
             <p:spPr>
               <a:xfrm>
-                <a:off x="4887664" y="3049218"/>
-                <a:ext cx="258404" cy="414088"/>
+                <a:off x="7712869" y="2443092"/>
+                <a:ext cx="348236" cy="414088"/>
               </a:xfrm>
               <a:prstGeom prst="rect">
                 <a:avLst/>
@@ -20019,7 +20890,7 @@
               <a:noFill/>
             </p:spPr>
             <p:txBody>
-              <a:bodyPr wrap="none" lIns="0" tIns="0" rIns="0" bIns="0" rtlCol="0">
+              <a:bodyPr wrap="square" lIns="0" tIns="0" rIns="0" bIns="0" rtlCol="0">
                 <a:spAutoFit/>
               </a:bodyPr>
               <a:lstStyle/>
@@ -20031,19 +20902,44 @@
                       <m:jc m:val="centerGroup"/>
                     </m:oMathParaPr>
                     <m:oMath xmlns:m="http://schemas.openxmlformats.org/officeDocument/2006/math">
-                      <m:acc>
-                        <m:accPr>
-                          <m:chr m:val="⃗"/>
+                      <m:sSub>
+                        <m:sSubPr>
                           <m:ctrlPr>
-                            <a:rPr lang="en-US" sz="2400" i="1" smtClean="0">
+                            <a:rPr lang="en-US" sz="2400" b="0" i="1" smtClean="0">
                               <a:solidFill>
                                 <a:srgbClr val="FF0000"/>
                               </a:solidFill>
                               <a:latin typeface="Cambria Math" panose="02040503050406030204" pitchFamily="18" charset="0"/>
                             </a:rPr>
                           </m:ctrlPr>
-                        </m:accPr>
+                        </m:sSubPr>
                         <m:e>
+                          <m:acc>
+                            <m:accPr>
+                              <m:chr m:val="⃗"/>
+                              <m:ctrlPr>
+                                <a:rPr lang="en-US" sz="2400" i="1">
+                                  <a:solidFill>
+                                    <a:srgbClr val="FF0000"/>
+                                  </a:solidFill>
+                                  <a:latin typeface="Cambria Math" panose="02040503050406030204" pitchFamily="18" charset="0"/>
+                                </a:rPr>
+                              </m:ctrlPr>
+                            </m:accPr>
+                            <m:e>
+                              <m:r>
+                                <a:rPr lang="en-US" sz="2400" i="1">
+                                  <a:solidFill>
+                                    <a:srgbClr val="FF0000"/>
+                                  </a:solidFill>
+                                  <a:latin typeface="Cambria Math" panose="02040503050406030204" pitchFamily="18" charset="0"/>
+                                </a:rPr>
+                                <m:t>𝐹</m:t>
+                              </m:r>
+                            </m:e>
+                          </m:acc>
+                        </m:e>
+                        <m:sub>
                           <m:r>
                             <a:rPr lang="en-US" sz="2400" b="0" i="1" smtClean="0">
                               <a:solidFill>
@@ -20051,10 +20947,10 @@
                               </a:solidFill>
                               <a:latin typeface="Cambria Math" panose="02040503050406030204" pitchFamily="18" charset="0"/>
                             </a:rPr>
-                            <m:t>𝑇</m:t>
+                            <m:t>𝑥</m:t>
                           </m:r>
-                        </m:e>
-                      </m:acc>
+                        </m:sub>
+                      </m:sSub>
                     </m:oMath>
                   </m:oMathPara>
                 </a14:m>
@@ -20070,10 +20966,10 @@
         <mc:Fallback>
           <p:sp>
             <p:nvSpPr>
-              <p:cNvPr id="6" name="TextBox 5">
+              <p:cNvPr id="14" name="TextBox 13">
                 <a:extLst>
                   <a:ext uri="{FF2B5EF4-FFF2-40B4-BE49-F238E27FC236}">
-                    <a16:creationId xmlns:a16="http://schemas.microsoft.com/office/drawing/2014/main" id="{CACA1CEF-BBE0-4EB4-B9C4-1FFD0446259E}"/>
+                    <a16:creationId xmlns:a16="http://schemas.microsoft.com/office/drawing/2014/main" id="{56139106-2401-4AB5-8708-2E12AA4403DA}"/>
                   </a:ext>
                 </a:extLst>
               </p:cNvPr>
@@ -20084,14 +20980,157 @@
             </p:nvSpPr>
             <p:spPr>
               <a:xfrm>
-                <a:off x="4887664" y="3049218"/>
-                <a:ext cx="258404" cy="414088"/>
+                <a:off x="7712869" y="2443092"/>
+                <a:ext cx="348236" cy="414088"/>
               </a:xfrm>
               <a:prstGeom prst="rect">
                 <a:avLst/>
               </a:prstGeom>
               <a:blipFill>
-                <a:blip r:embed="rId3"/>
+                <a:blip r:embed="rId7"/>
+                <a:stretch>
+                  <a:fillRect/>
+                </a:stretch>
+              </a:blipFill>
+            </p:spPr>
+            <p:txBody>
+              <a:bodyPr/>
+              <a:lstStyle/>
+              <a:p>
+                <a:r>
+                  <a:rPr lang="en-US">
+                    <a:noFill/>
+                  </a:rPr>
+                  <a:t> </a:t>
+                </a:r>
+              </a:p>
+            </p:txBody>
+          </p:sp>
+        </mc:Fallback>
+      </mc:AlternateContent>
+      <mc:AlternateContent xmlns:mc="http://schemas.openxmlformats.org/markup-compatibility/2006">
+        <mc:Choice xmlns:a14="http://schemas.microsoft.com/office/drawing/2010/main" Requires="a14">
+          <p:sp>
+            <p:nvSpPr>
+              <p:cNvPr id="15" name="TextBox 14">
+                <a:extLst>
+                  <a:ext uri="{FF2B5EF4-FFF2-40B4-BE49-F238E27FC236}">
+                    <a16:creationId xmlns:a16="http://schemas.microsoft.com/office/drawing/2014/main" id="{5906FDC0-1553-40A3-995C-D57B704134E5}"/>
+                  </a:ext>
+                </a:extLst>
+              </p:cNvPr>
+              <p:cNvSpPr txBox="1"/>
+              <p:nvPr/>
+            </p:nvSpPr>
+            <p:spPr>
+              <a:xfrm>
+                <a:off x="11843764" y="2443092"/>
+                <a:ext cx="348236" cy="414088"/>
+              </a:xfrm>
+              <a:prstGeom prst="rect">
+                <a:avLst/>
+              </a:prstGeom>
+              <a:noFill/>
+            </p:spPr>
+            <p:txBody>
+              <a:bodyPr wrap="square" lIns="0" tIns="0" rIns="0" bIns="0" rtlCol="0">
+                <a:spAutoFit/>
+              </a:bodyPr>
+              <a:lstStyle/>
+              <a:p>
+                <a:pPr/>
+                <a14:m>
+                  <m:oMathPara xmlns:m="http://schemas.openxmlformats.org/officeDocument/2006/math">
+                    <m:oMathParaPr>
+                      <m:jc m:val="centerGroup"/>
+                    </m:oMathParaPr>
+                    <m:oMath xmlns:m="http://schemas.openxmlformats.org/officeDocument/2006/math">
+                      <m:sSub>
+                        <m:sSubPr>
+                          <m:ctrlPr>
+                            <a:rPr lang="en-US" sz="2400" b="0" i="1" smtClean="0">
+                              <a:solidFill>
+                                <a:srgbClr val="FF0000"/>
+                              </a:solidFill>
+                              <a:latin typeface="Cambria Math" panose="02040503050406030204" pitchFamily="18" charset="0"/>
+                            </a:rPr>
+                          </m:ctrlPr>
+                        </m:sSubPr>
+                        <m:e>
+                          <m:acc>
+                            <m:accPr>
+                              <m:chr m:val="⃗"/>
+                              <m:ctrlPr>
+                                <a:rPr lang="en-US" sz="2400" i="1">
+                                  <a:solidFill>
+                                    <a:srgbClr val="FF0000"/>
+                                  </a:solidFill>
+                                  <a:latin typeface="Cambria Math" panose="02040503050406030204" pitchFamily="18" charset="0"/>
+                                </a:rPr>
+                              </m:ctrlPr>
+                            </m:accPr>
+                            <m:e>
+                              <m:r>
+                                <a:rPr lang="en-US" sz="2400" i="1">
+                                  <a:solidFill>
+                                    <a:srgbClr val="FF0000"/>
+                                  </a:solidFill>
+                                  <a:latin typeface="Cambria Math" panose="02040503050406030204" pitchFamily="18" charset="0"/>
+                                </a:rPr>
+                                <m:t>𝐹</m:t>
+                              </m:r>
+                            </m:e>
+                          </m:acc>
+                        </m:e>
+                        <m:sub>
+                          <m:r>
+                            <a:rPr lang="en-US" sz="2400" b="0" i="1" smtClean="0">
+                              <a:solidFill>
+                                <a:srgbClr val="FF0000"/>
+                              </a:solidFill>
+                              <a:latin typeface="Cambria Math" panose="02040503050406030204" pitchFamily="18" charset="0"/>
+                            </a:rPr>
+                            <m:t>𝑥</m:t>
+                          </m:r>
+                        </m:sub>
+                      </m:sSub>
+                    </m:oMath>
+                  </m:oMathPara>
+                </a14:m>
+                <a:endParaRPr lang="en-US" sz="2400" dirty="0">
+                  <a:solidFill>
+                    <a:srgbClr val="FF0000"/>
+                  </a:solidFill>
+                </a:endParaRPr>
+              </a:p>
+            </p:txBody>
+          </p:sp>
+        </mc:Choice>
+        <mc:Fallback>
+          <p:sp>
+            <p:nvSpPr>
+              <p:cNvPr id="15" name="TextBox 14">
+                <a:extLst>
+                  <a:ext uri="{FF2B5EF4-FFF2-40B4-BE49-F238E27FC236}">
+                    <a16:creationId xmlns:a16="http://schemas.microsoft.com/office/drawing/2014/main" id="{5906FDC0-1553-40A3-995C-D57B704134E5}"/>
+                  </a:ext>
+                </a:extLst>
+              </p:cNvPr>
+              <p:cNvSpPr txBox="1">
+                <a:spLocks noRot="1" noChangeAspect="1" noMove="1" noResize="1" noEditPoints="1" noAdjustHandles="1" noChangeArrowheads="1" noChangeShapeType="1" noTextEdit="1"/>
+              </p:cNvSpPr>
+              <p:nvPr/>
+            </p:nvSpPr>
+            <p:spPr>
+              <a:xfrm>
+                <a:off x="11843764" y="2443092"/>
+                <a:ext cx="348236" cy="414088"/>
+              </a:xfrm>
+              <a:prstGeom prst="rect">
+                <a:avLst/>
+              </a:prstGeom>
+              <a:blipFill>
+                <a:blip r:embed="rId8"/>
                 <a:stretch>
                   <a:fillRect/>
                 </a:stretch>
@@ -20114,10 +21153,10 @@
       </mc:AlternateContent>
       <p:cxnSp>
         <p:nvCxnSpPr>
-          <p:cNvPr id="10" name="Straight Arrow Connector 9">
+          <p:cNvPr id="16" name="Straight Arrow Connector 15">
             <a:extLst>
               <a:ext uri="{FF2B5EF4-FFF2-40B4-BE49-F238E27FC236}">
-                <a16:creationId xmlns:a16="http://schemas.microsoft.com/office/drawing/2014/main" id="{368D6F64-5A4B-455C-84C3-C3735E53FF52}"/>
+                <a16:creationId xmlns:a16="http://schemas.microsoft.com/office/drawing/2014/main" id="{5B9CDCF6-B3B4-4B10-BB4A-B2C42069C728}"/>
               </a:ext>
             </a:extLst>
           </p:cNvPr>
@@ -20127,9 +21166,9 @@
           <p:nvPr/>
         </p:nvCxnSpPr>
         <p:spPr>
-          <a:xfrm flipV="1">
-            <a:off x="5228634" y="3014790"/>
-            <a:ext cx="0" cy="482944"/>
+          <a:xfrm>
+            <a:off x="11353431" y="2934739"/>
+            <a:ext cx="794516" cy="4131"/>
           </a:xfrm>
           <a:prstGeom prst="straightConnector1">
             <a:avLst/>
@@ -20157,14 +21196,59 @@
           </a:fontRef>
         </p:style>
       </p:cxnSp>
+      <p:cxnSp>
+        <p:nvCxnSpPr>
+          <p:cNvPr id="23" name="Straight Arrow Connector 22">
+            <a:extLst>
+              <a:ext uri="{FF2B5EF4-FFF2-40B4-BE49-F238E27FC236}">
+                <a16:creationId xmlns:a16="http://schemas.microsoft.com/office/drawing/2014/main" id="{F0F3516B-B3B9-4395-882B-B3C9D0D630B0}"/>
+              </a:ext>
+            </a:extLst>
+          </p:cNvPr>
+          <p:cNvCxnSpPr>
+            <a:cxnSpLocks/>
+          </p:cNvCxnSpPr>
+          <p:nvPr/>
+        </p:nvCxnSpPr>
+        <p:spPr>
+          <a:xfrm>
+            <a:off x="8718548" y="3190557"/>
+            <a:ext cx="0" cy="1044715"/>
+          </a:xfrm>
+          <a:prstGeom prst="straightConnector1">
+            <a:avLst/>
+          </a:prstGeom>
+          <a:ln w="47625">
+            <a:solidFill>
+              <a:srgbClr val="0070C0"/>
+            </a:solidFill>
+            <a:headEnd type="none" w="lg" len="lg"/>
+            <a:tailEnd type="stealth" w="lg" len="lg"/>
+          </a:ln>
+        </p:spPr>
+        <p:style>
+          <a:lnRef idx="1">
+            <a:schemeClr val="accent1"/>
+          </a:lnRef>
+          <a:fillRef idx="0">
+            <a:schemeClr val="accent1"/>
+          </a:fillRef>
+          <a:effectRef idx="0">
+            <a:schemeClr val="accent1"/>
+          </a:effectRef>
+          <a:fontRef idx="minor">
+            <a:schemeClr val="tx1"/>
+          </a:fontRef>
+        </p:style>
+      </p:cxnSp>
       <mc:AlternateContent xmlns:mc="http://schemas.openxmlformats.org/markup-compatibility/2006">
         <mc:Choice xmlns:a14="http://schemas.microsoft.com/office/drawing/2010/main" Requires="a14">
           <p:sp>
             <p:nvSpPr>
-              <p:cNvPr id="12" name="TextBox 11">
+              <p:cNvPr id="27" name="TextBox 26">
                 <a:extLst>
                   <a:ext uri="{FF2B5EF4-FFF2-40B4-BE49-F238E27FC236}">
-                    <a16:creationId xmlns:a16="http://schemas.microsoft.com/office/drawing/2014/main" id="{C015034D-C475-437E-8DEE-3C88450C8CD5}"/>
+                    <a16:creationId xmlns:a16="http://schemas.microsoft.com/office/drawing/2014/main" id="{A8C01E0C-B92E-4414-BF4C-37FC03DFFC20}"/>
                   </a:ext>
                 </a:extLst>
               </p:cNvPr>
@@ -20173,8 +21257,8 @@
             </p:nvSpPr>
             <p:spPr>
               <a:xfrm>
-                <a:off x="6331582" y="3196327"/>
-                <a:ext cx="258404" cy="414088"/>
+                <a:off x="8061106" y="3604761"/>
+                <a:ext cx="549412" cy="369332"/>
               </a:xfrm>
               <a:prstGeom prst="rect">
                 <a:avLst/>
@@ -20182,7 +21266,7 @@
               <a:noFill/>
             </p:spPr>
             <p:txBody>
-              <a:bodyPr wrap="none" lIns="0" tIns="0" rIns="0" bIns="0" rtlCol="0">
+              <a:bodyPr wrap="square" lIns="0" tIns="0" rIns="0" bIns="0" rtlCol="0">
                 <a:spAutoFit/>
               </a:bodyPr>
               <a:lstStyle/>
@@ -20194,13 +21278,22 @@
                       <m:jc m:val="centerGroup"/>
                     </m:oMathParaPr>
                     <m:oMath xmlns:m="http://schemas.openxmlformats.org/officeDocument/2006/math">
+                      <m:r>
+                        <a:rPr lang="en-US" sz="2400" i="1" smtClean="0">
+                          <a:solidFill>
+                            <a:srgbClr val="0070C0"/>
+                          </a:solidFill>
+                          <a:latin typeface="Cambria Math" panose="02040503050406030204" pitchFamily="18" charset="0"/>
+                        </a:rPr>
+                        <m:t>𝑚</m:t>
+                      </m:r>
                       <m:acc>
                         <m:accPr>
                           <m:chr m:val="⃗"/>
                           <m:ctrlPr>
-                            <a:rPr lang="en-US" sz="2400" i="1" smtClean="0">
+                            <a:rPr lang="en-US" sz="2400" i="1">
                               <a:solidFill>
-                                <a:srgbClr val="FF0000"/>
+                                <a:srgbClr val="0070C0"/>
                               </a:solidFill>
                               <a:latin typeface="Cambria Math" panose="02040503050406030204" pitchFamily="18" charset="0"/>
                             </a:rPr>
@@ -20208,13 +21301,13 @@
                         </m:accPr>
                         <m:e>
                           <m:r>
-                            <a:rPr lang="en-US" sz="2400" b="0" i="1" smtClean="0">
+                            <a:rPr lang="en-US" sz="2400" i="1">
                               <a:solidFill>
-                                <a:srgbClr val="FF0000"/>
+                                <a:srgbClr val="0070C0"/>
                               </a:solidFill>
                               <a:latin typeface="Cambria Math" panose="02040503050406030204" pitchFamily="18" charset="0"/>
                             </a:rPr>
-                            <m:t>𝑇</m:t>
+                            <m:t>𝑔</m:t>
                           </m:r>
                         </m:e>
                       </m:acc>
@@ -20223,7 +21316,7 @@
                 </a14:m>
                 <a:endParaRPr lang="en-US" sz="2400" dirty="0">
                   <a:solidFill>
-                    <a:srgbClr val="FF0000"/>
+                    <a:srgbClr val="0070C0"/>
                   </a:solidFill>
                 </a:endParaRPr>
               </a:p>
@@ -20233,10 +21326,10 @@
         <mc:Fallback>
           <p:sp>
             <p:nvSpPr>
-              <p:cNvPr id="12" name="TextBox 11">
+              <p:cNvPr id="27" name="TextBox 26">
                 <a:extLst>
                   <a:ext uri="{FF2B5EF4-FFF2-40B4-BE49-F238E27FC236}">
-                    <a16:creationId xmlns:a16="http://schemas.microsoft.com/office/drawing/2014/main" id="{C015034D-C475-437E-8DEE-3C88450C8CD5}"/>
+                    <a16:creationId xmlns:a16="http://schemas.microsoft.com/office/drawing/2014/main" id="{A8C01E0C-B92E-4414-BF4C-37FC03DFFC20}"/>
                   </a:ext>
                 </a:extLst>
               </p:cNvPr>
@@ -20247,14 +21340,464 @@
             </p:nvSpPr>
             <p:spPr>
               <a:xfrm>
-                <a:off x="6331582" y="3196327"/>
-                <a:ext cx="258404" cy="414088"/>
+                <a:off x="8061106" y="3604761"/>
+                <a:ext cx="549412" cy="369332"/>
               </a:xfrm>
               <a:prstGeom prst="rect">
                 <a:avLst/>
               </a:prstGeom>
               <a:blipFill>
-                <a:blip r:embed="rId4"/>
+                <a:blip r:embed="rId9"/>
+                <a:stretch>
+                  <a:fillRect l="-4444" t="-36066" r="-82222" b="-24590"/>
+                </a:stretch>
+              </a:blipFill>
+            </p:spPr>
+            <p:txBody>
+              <a:bodyPr/>
+              <a:lstStyle/>
+              <a:p>
+                <a:r>
+                  <a:rPr lang="en-US">
+                    <a:noFill/>
+                  </a:rPr>
+                  <a:t> </a:t>
+                </a:r>
+              </a:p>
+            </p:txBody>
+          </p:sp>
+        </mc:Fallback>
+      </mc:AlternateContent>
+      <p:cxnSp>
+        <p:nvCxnSpPr>
+          <p:cNvPr id="28" name="Straight Arrow Connector 27">
+            <a:extLst>
+              <a:ext uri="{FF2B5EF4-FFF2-40B4-BE49-F238E27FC236}">
+                <a16:creationId xmlns:a16="http://schemas.microsoft.com/office/drawing/2014/main" id="{E7AFCFF7-4309-4058-BB86-278BC90F241A}"/>
+              </a:ext>
+            </a:extLst>
+          </p:cNvPr>
+          <p:cNvCxnSpPr>
+            <a:cxnSpLocks/>
+          </p:cNvCxnSpPr>
+          <p:nvPr/>
+        </p:nvCxnSpPr>
+        <p:spPr>
+          <a:xfrm>
+            <a:off x="11128012" y="3190557"/>
+            <a:ext cx="0" cy="1044715"/>
+          </a:xfrm>
+          <a:prstGeom prst="straightConnector1">
+            <a:avLst/>
+          </a:prstGeom>
+          <a:ln w="47625">
+            <a:solidFill>
+              <a:srgbClr val="0070C0"/>
+            </a:solidFill>
+            <a:headEnd type="none" w="lg" len="lg"/>
+            <a:tailEnd type="stealth" w="lg" len="lg"/>
+          </a:ln>
+        </p:spPr>
+        <p:style>
+          <a:lnRef idx="1">
+            <a:schemeClr val="accent1"/>
+          </a:lnRef>
+          <a:fillRef idx="0">
+            <a:schemeClr val="accent1"/>
+          </a:fillRef>
+          <a:effectRef idx="0">
+            <a:schemeClr val="accent1"/>
+          </a:effectRef>
+          <a:fontRef idx="minor">
+            <a:schemeClr val="tx1"/>
+          </a:fontRef>
+        </p:style>
+      </p:cxnSp>
+      <mc:AlternateContent xmlns:mc="http://schemas.openxmlformats.org/markup-compatibility/2006">
+        <mc:Choice xmlns:a14="http://schemas.microsoft.com/office/drawing/2010/main" Requires="a14">
+          <p:sp>
+            <p:nvSpPr>
+              <p:cNvPr id="29" name="TextBox 28">
+                <a:extLst>
+                  <a:ext uri="{FF2B5EF4-FFF2-40B4-BE49-F238E27FC236}">
+                    <a16:creationId xmlns:a16="http://schemas.microsoft.com/office/drawing/2014/main" id="{983BAC30-4304-476C-87A7-A46B0E3DE344}"/>
+                  </a:ext>
+                </a:extLst>
+              </p:cNvPr>
+              <p:cNvSpPr txBox="1"/>
+              <p:nvPr/>
+            </p:nvSpPr>
+            <p:spPr>
+              <a:xfrm>
+                <a:off x="9324916" y="1976420"/>
+                <a:ext cx="549412" cy="369332"/>
+              </a:xfrm>
+              <a:prstGeom prst="rect">
+                <a:avLst/>
+              </a:prstGeom>
+              <a:noFill/>
+            </p:spPr>
+            <p:txBody>
+              <a:bodyPr wrap="square" lIns="0" tIns="0" rIns="0" bIns="0" rtlCol="0">
+                <a:spAutoFit/>
+              </a:bodyPr>
+              <a:lstStyle/>
+              <a:p>
+                <a:pPr/>
+                <a14:m>
+                  <m:oMathPara xmlns:m="http://schemas.openxmlformats.org/officeDocument/2006/math">
+                    <m:oMathParaPr>
+                      <m:jc m:val="centerGroup"/>
+                    </m:oMathParaPr>
+                    <m:oMath xmlns:m="http://schemas.openxmlformats.org/officeDocument/2006/math">
+                      <m:r>
+                        <a:rPr lang="en-US" sz="2400" i="1" smtClean="0">
+                          <a:solidFill>
+                            <a:srgbClr val="0070C0"/>
+                          </a:solidFill>
+                          <a:latin typeface="Cambria Math" panose="02040503050406030204" pitchFamily="18" charset="0"/>
+                        </a:rPr>
+                        <m:t>𝑚</m:t>
+                      </m:r>
+                      <m:acc>
+                        <m:accPr>
+                          <m:chr m:val="⃗"/>
+                          <m:ctrlPr>
+                            <a:rPr lang="en-US" sz="2400" i="1">
+                              <a:solidFill>
+                                <a:srgbClr val="0070C0"/>
+                              </a:solidFill>
+                              <a:latin typeface="Cambria Math" panose="02040503050406030204" pitchFamily="18" charset="0"/>
+                            </a:rPr>
+                          </m:ctrlPr>
+                        </m:accPr>
+                        <m:e>
+                          <m:r>
+                            <a:rPr lang="en-US" sz="2400" i="1">
+                              <a:solidFill>
+                                <a:srgbClr val="0070C0"/>
+                              </a:solidFill>
+                              <a:latin typeface="Cambria Math" panose="02040503050406030204" pitchFamily="18" charset="0"/>
+                            </a:rPr>
+                            <m:t>𝑔</m:t>
+                          </m:r>
+                        </m:e>
+                      </m:acc>
+                    </m:oMath>
+                  </m:oMathPara>
+                </a14:m>
+                <a:endParaRPr lang="en-US" sz="2400" dirty="0">
+                  <a:solidFill>
+                    <a:srgbClr val="0070C0"/>
+                  </a:solidFill>
+                </a:endParaRPr>
+              </a:p>
+            </p:txBody>
+          </p:sp>
+        </mc:Choice>
+        <mc:Fallback>
+          <p:sp>
+            <p:nvSpPr>
+              <p:cNvPr id="29" name="TextBox 28">
+                <a:extLst>
+                  <a:ext uri="{FF2B5EF4-FFF2-40B4-BE49-F238E27FC236}">
+                    <a16:creationId xmlns:a16="http://schemas.microsoft.com/office/drawing/2014/main" id="{983BAC30-4304-476C-87A7-A46B0E3DE344}"/>
+                  </a:ext>
+                </a:extLst>
+              </p:cNvPr>
+              <p:cNvSpPr txBox="1">
+                <a:spLocks noRot="1" noChangeAspect="1" noMove="1" noResize="1" noEditPoints="1" noAdjustHandles="1" noChangeArrowheads="1" noChangeShapeType="1" noTextEdit="1"/>
+              </p:cNvSpPr>
+              <p:nvPr/>
+            </p:nvSpPr>
+            <p:spPr>
+              <a:xfrm>
+                <a:off x="9324916" y="1976420"/>
+                <a:ext cx="549412" cy="369332"/>
+              </a:xfrm>
+              <a:prstGeom prst="rect">
+                <a:avLst/>
+              </a:prstGeom>
+              <a:blipFill>
+                <a:blip r:embed="rId10"/>
+                <a:stretch>
+                  <a:fillRect l="-5556" t="-36066" r="-81111" b="-24590"/>
+                </a:stretch>
+              </a:blipFill>
+            </p:spPr>
+            <p:txBody>
+              <a:bodyPr/>
+              <a:lstStyle/>
+              <a:p>
+                <a:r>
+                  <a:rPr lang="en-US">
+                    <a:noFill/>
+                  </a:rPr>
+                  <a:t> </a:t>
+                </a:r>
+              </a:p>
+            </p:txBody>
+          </p:sp>
+        </mc:Fallback>
+      </mc:AlternateContent>
+      <p:cxnSp>
+        <p:nvCxnSpPr>
+          <p:cNvPr id="30" name="Straight Arrow Connector 29">
+            <a:extLst>
+              <a:ext uri="{FF2B5EF4-FFF2-40B4-BE49-F238E27FC236}">
+                <a16:creationId xmlns:a16="http://schemas.microsoft.com/office/drawing/2014/main" id="{9ACCA9FD-4435-47AB-83D6-855EB1B98C8F}"/>
+              </a:ext>
+            </a:extLst>
+          </p:cNvPr>
+          <p:cNvCxnSpPr>
+            <a:cxnSpLocks/>
+          </p:cNvCxnSpPr>
+          <p:nvPr/>
+        </p:nvCxnSpPr>
+        <p:spPr>
+          <a:xfrm>
+            <a:off x="9926174" y="1116371"/>
+            <a:ext cx="0" cy="1044715"/>
+          </a:xfrm>
+          <a:prstGeom prst="straightConnector1">
+            <a:avLst/>
+          </a:prstGeom>
+          <a:ln w="47625">
+            <a:solidFill>
+              <a:srgbClr val="0070C0"/>
+            </a:solidFill>
+            <a:headEnd type="none" w="lg" len="lg"/>
+            <a:tailEnd type="stealth" w="lg" len="lg"/>
+          </a:ln>
+        </p:spPr>
+        <p:style>
+          <a:lnRef idx="1">
+            <a:schemeClr val="accent1"/>
+          </a:lnRef>
+          <a:fillRef idx="0">
+            <a:schemeClr val="accent1"/>
+          </a:fillRef>
+          <a:effectRef idx="0">
+            <a:schemeClr val="accent1"/>
+          </a:effectRef>
+          <a:fontRef idx="minor">
+            <a:schemeClr val="tx1"/>
+          </a:fontRef>
+        </p:style>
+      </p:cxnSp>
+      <p:cxnSp>
+        <p:nvCxnSpPr>
+          <p:cNvPr id="31" name="Straight Arrow Connector 30">
+            <a:extLst>
+              <a:ext uri="{FF2B5EF4-FFF2-40B4-BE49-F238E27FC236}">
+                <a16:creationId xmlns:a16="http://schemas.microsoft.com/office/drawing/2014/main" id="{DBA24ABE-A5E4-4EC2-BBA7-7B6ADBDB12A3}"/>
+              </a:ext>
+            </a:extLst>
+          </p:cNvPr>
+          <p:cNvCxnSpPr>
+            <a:cxnSpLocks/>
+          </p:cNvCxnSpPr>
+          <p:nvPr/>
+        </p:nvCxnSpPr>
+        <p:spPr>
+          <a:xfrm flipV="1">
+            <a:off x="8816881" y="1998803"/>
+            <a:ext cx="395730" cy="731094"/>
+          </a:xfrm>
+          <a:prstGeom prst="straightConnector1">
+            <a:avLst/>
+          </a:prstGeom>
+          <a:ln w="47625">
+            <a:solidFill>
+              <a:srgbClr val="00B050"/>
+            </a:solidFill>
+            <a:headEnd type="none" w="lg" len="lg"/>
+            <a:tailEnd type="stealth" w="lg" len="lg"/>
+          </a:ln>
+        </p:spPr>
+        <p:style>
+          <a:lnRef idx="1">
+            <a:schemeClr val="accent1"/>
+          </a:lnRef>
+          <a:fillRef idx="0">
+            <a:schemeClr val="accent1"/>
+          </a:fillRef>
+          <a:effectRef idx="0">
+            <a:schemeClr val="accent1"/>
+          </a:effectRef>
+          <a:fontRef idx="minor">
+            <a:schemeClr val="tx1"/>
+          </a:fontRef>
+        </p:style>
+      </p:cxnSp>
+      <p:cxnSp>
+        <p:nvCxnSpPr>
+          <p:cNvPr id="34" name="Straight Arrow Connector 33">
+            <a:extLst>
+              <a:ext uri="{FF2B5EF4-FFF2-40B4-BE49-F238E27FC236}">
+                <a16:creationId xmlns:a16="http://schemas.microsoft.com/office/drawing/2014/main" id="{8FA5AEB6-D3C6-4015-BCC1-0CEC1D19BEE1}"/>
+              </a:ext>
+            </a:extLst>
+          </p:cNvPr>
+          <p:cNvCxnSpPr>
+            <a:cxnSpLocks/>
+          </p:cNvCxnSpPr>
+          <p:nvPr/>
+        </p:nvCxnSpPr>
+        <p:spPr>
+          <a:xfrm flipH="1" flipV="1">
+            <a:off x="10630597" y="2068991"/>
+            <a:ext cx="351376" cy="635788"/>
+          </a:xfrm>
+          <a:prstGeom prst="straightConnector1">
+            <a:avLst/>
+          </a:prstGeom>
+          <a:ln w="47625">
+            <a:solidFill>
+              <a:srgbClr val="00B050"/>
+            </a:solidFill>
+            <a:headEnd type="none" w="lg" len="lg"/>
+            <a:tailEnd type="stealth" w="lg" len="lg"/>
+          </a:ln>
+        </p:spPr>
+        <p:style>
+          <a:lnRef idx="1">
+            <a:schemeClr val="accent1"/>
+          </a:lnRef>
+          <a:fillRef idx="0">
+            <a:schemeClr val="accent1"/>
+          </a:fillRef>
+          <a:effectRef idx="0">
+            <a:schemeClr val="accent1"/>
+          </a:effectRef>
+          <a:fontRef idx="minor">
+            <a:schemeClr val="tx1"/>
+          </a:fontRef>
+        </p:style>
+      </p:cxnSp>
+      <mc:AlternateContent xmlns:mc="http://schemas.openxmlformats.org/markup-compatibility/2006">
+        <mc:Choice xmlns:a14="http://schemas.microsoft.com/office/drawing/2010/main" Requires="a14">
+          <p:sp>
+            <p:nvSpPr>
+              <p:cNvPr id="36" name="TextBox 35">
+                <a:extLst>
+                  <a:ext uri="{FF2B5EF4-FFF2-40B4-BE49-F238E27FC236}">
+                    <a16:creationId xmlns:a16="http://schemas.microsoft.com/office/drawing/2014/main" id="{60B7B7A2-C464-4F71-AEEC-23A0ABA45CDD}"/>
+                  </a:ext>
+                </a:extLst>
+              </p:cNvPr>
+              <p:cNvSpPr txBox="1"/>
+              <p:nvPr/>
+            </p:nvSpPr>
+            <p:spPr>
+              <a:xfrm>
+                <a:off x="8580904" y="1861947"/>
+                <a:ext cx="348236" cy="414088"/>
+              </a:xfrm>
+              <a:prstGeom prst="rect">
+                <a:avLst/>
+              </a:prstGeom>
+              <a:noFill/>
+            </p:spPr>
+            <p:txBody>
+              <a:bodyPr wrap="square" lIns="0" tIns="0" rIns="0" bIns="0" rtlCol="0">
+                <a:spAutoFit/>
+              </a:bodyPr>
+              <a:lstStyle/>
+              <a:p>
+                <a:pPr/>
+                <a14:m>
+                  <m:oMathPara xmlns:m="http://schemas.openxmlformats.org/officeDocument/2006/math">
+                    <m:oMathParaPr>
+                      <m:jc m:val="centerGroup"/>
+                    </m:oMathParaPr>
+                    <m:oMath xmlns:m="http://schemas.openxmlformats.org/officeDocument/2006/math">
+                      <m:sSub>
+                        <m:sSubPr>
+                          <m:ctrlPr>
+                            <a:rPr lang="en-US" sz="2400" b="0" i="1" smtClean="0">
+                              <a:solidFill>
+                                <a:srgbClr val="00B050"/>
+                              </a:solidFill>
+                              <a:latin typeface="Cambria Math" panose="02040503050406030204" pitchFamily="18" charset="0"/>
+                            </a:rPr>
+                          </m:ctrlPr>
+                        </m:sSubPr>
+                        <m:e>
+                          <m:acc>
+                            <m:accPr>
+                              <m:chr m:val="⃗"/>
+                              <m:ctrlPr>
+                                <a:rPr lang="en-US" sz="2400" i="1">
+                                  <a:solidFill>
+                                    <a:srgbClr val="00B050"/>
+                                  </a:solidFill>
+                                  <a:latin typeface="Cambria Math" panose="02040503050406030204" pitchFamily="18" charset="0"/>
+                                </a:rPr>
+                              </m:ctrlPr>
+                            </m:accPr>
+                            <m:e>
+                              <m:r>
+                                <a:rPr lang="en-US" sz="2400" i="1">
+                                  <a:solidFill>
+                                    <a:srgbClr val="00B050"/>
+                                  </a:solidFill>
+                                  <a:latin typeface="Cambria Math" panose="02040503050406030204" pitchFamily="18" charset="0"/>
+                                </a:rPr>
+                                <m:t>𝐹</m:t>
+                              </m:r>
+                            </m:e>
+                          </m:acc>
+                        </m:e>
+                        <m:sub>
+                          <m:r>
+                            <a:rPr lang="en-US" sz="2400" b="0" i="1" smtClean="0">
+                              <a:solidFill>
+                                <a:srgbClr val="00B050"/>
+                              </a:solidFill>
+                              <a:latin typeface="Cambria Math" panose="02040503050406030204" pitchFamily="18" charset="0"/>
+                            </a:rPr>
+                            <m:t>1</m:t>
+                          </m:r>
+                        </m:sub>
+                      </m:sSub>
+                    </m:oMath>
+                  </m:oMathPara>
+                </a14:m>
+                <a:endParaRPr lang="en-US" sz="2400" dirty="0">
+                  <a:solidFill>
+                    <a:srgbClr val="00B050"/>
+                  </a:solidFill>
+                </a:endParaRPr>
+              </a:p>
+            </p:txBody>
+          </p:sp>
+        </mc:Choice>
+        <mc:Fallback>
+          <p:sp>
+            <p:nvSpPr>
+              <p:cNvPr id="36" name="TextBox 35">
+                <a:extLst>
+                  <a:ext uri="{FF2B5EF4-FFF2-40B4-BE49-F238E27FC236}">
+                    <a16:creationId xmlns:a16="http://schemas.microsoft.com/office/drawing/2014/main" id="{60B7B7A2-C464-4F71-AEEC-23A0ABA45CDD}"/>
+                  </a:ext>
+                </a:extLst>
+              </p:cNvPr>
+              <p:cNvSpPr txBox="1">
+                <a:spLocks noRot="1" noChangeAspect="1" noMove="1" noResize="1" noEditPoints="1" noAdjustHandles="1" noChangeArrowheads="1" noChangeShapeType="1" noTextEdit="1"/>
+              </p:cNvSpPr>
+              <p:nvPr/>
+            </p:nvSpPr>
+            <p:spPr>
+              <a:xfrm>
+                <a:off x="8580904" y="1861947"/>
+                <a:ext cx="348236" cy="414088"/>
+              </a:xfrm>
+              <a:prstGeom prst="rect">
+                <a:avLst/>
+              </a:prstGeom>
+              <a:blipFill>
+                <a:blip r:embed="rId11"/>
                 <a:stretch>
                   <a:fillRect/>
                 </a:stretch>
@@ -20275,6 +21818,1467 @@
           </p:sp>
         </mc:Fallback>
       </mc:AlternateContent>
+      <mc:AlternateContent xmlns:mc="http://schemas.openxmlformats.org/markup-compatibility/2006">
+        <mc:Choice xmlns:a14="http://schemas.microsoft.com/office/drawing/2010/main" Requires="a14">
+          <p:sp>
+            <p:nvSpPr>
+              <p:cNvPr id="37" name="TextBox 36">
+                <a:extLst>
+                  <a:ext uri="{FF2B5EF4-FFF2-40B4-BE49-F238E27FC236}">
+                    <a16:creationId xmlns:a16="http://schemas.microsoft.com/office/drawing/2014/main" id="{1EACC7FB-58B1-41D0-8AF9-3711447F2A88}"/>
+                  </a:ext>
+                </a:extLst>
+              </p:cNvPr>
+              <p:cNvSpPr txBox="1"/>
+              <p:nvPr/>
+            </p:nvSpPr>
+            <p:spPr>
+              <a:xfrm>
+                <a:off x="10842390" y="1909705"/>
+                <a:ext cx="348236" cy="414088"/>
+              </a:xfrm>
+              <a:prstGeom prst="rect">
+                <a:avLst/>
+              </a:prstGeom>
+              <a:noFill/>
+            </p:spPr>
+            <p:txBody>
+              <a:bodyPr wrap="square" lIns="0" tIns="0" rIns="0" bIns="0" rtlCol="0">
+                <a:spAutoFit/>
+              </a:bodyPr>
+              <a:lstStyle/>
+              <a:p>
+                <a:pPr/>
+                <a14:m>
+                  <m:oMathPara xmlns:m="http://schemas.openxmlformats.org/officeDocument/2006/math">
+                    <m:oMathParaPr>
+                      <m:jc m:val="centerGroup"/>
+                    </m:oMathParaPr>
+                    <m:oMath xmlns:m="http://schemas.openxmlformats.org/officeDocument/2006/math">
+                      <m:sSub>
+                        <m:sSubPr>
+                          <m:ctrlPr>
+                            <a:rPr lang="en-US" sz="2400" b="0" i="1" smtClean="0">
+                              <a:solidFill>
+                                <a:srgbClr val="00B050"/>
+                              </a:solidFill>
+                              <a:latin typeface="Cambria Math" panose="02040503050406030204" pitchFamily="18" charset="0"/>
+                            </a:rPr>
+                          </m:ctrlPr>
+                        </m:sSubPr>
+                        <m:e>
+                          <m:acc>
+                            <m:accPr>
+                              <m:chr m:val="⃗"/>
+                              <m:ctrlPr>
+                                <a:rPr lang="en-US" sz="2400" i="1">
+                                  <a:solidFill>
+                                    <a:srgbClr val="00B050"/>
+                                  </a:solidFill>
+                                  <a:latin typeface="Cambria Math" panose="02040503050406030204" pitchFamily="18" charset="0"/>
+                                </a:rPr>
+                              </m:ctrlPr>
+                            </m:accPr>
+                            <m:e>
+                              <m:r>
+                                <a:rPr lang="en-US" sz="2400" i="1">
+                                  <a:solidFill>
+                                    <a:srgbClr val="00B050"/>
+                                  </a:solidFill>
+                                  <a:latin typeface="Cambria Math" panose="02040503050406030204" pitchFamily="18" charset="0"/>
+                                </a:rPr>
+                                <m:t>𝐹</m:t>
+                              </m:r>
+                            </m:e>
+                          </m:acc>
+                        </m:e>
+                        <m:sub>
+                          <m:r>
+                            <a:rPr lang="en-US" sz="2400" b="0" i="1" smtClean="0">
+                              <a:solidFill>
+                                <a:srgbClr val="00B050"/>
+                              </a:solidFill>
+                              <a:latin typeface="Cambria Math" panose="02040503050406030204" pitchFamily="18" charset="0"/>
+                            </a:rPr>
+                            <m:t>1</m:t>
+                          </m:r>
+                        </m:sub>
+                      </m:sSub>
+                    </m:oMath>
+                  </m:oMathPara>
+                </a14:m>
+                <a:endParaRPr lang="en-US" sz="2400" dirty="0">
+                  <a:solidFill>
+                    <a:srgbClr val="00B050"/>
+                  </a:solidFill>
+                </a:endParaRPr>
+              </a:p>
+            </p:txBody>
+          </p:sp>
+        </mc:Choice>
+        <mc:Fallback>
+          <p:sp>
+            <p:nvSpPr>
+              <p:cNvPr id="37" name="TextBox 36">
+                <a:extLst>
+                  <a:ext uri="{FF2B5EF4-FFF2-40B4-BE49-F238E27FC236}">
+                    <a16:creationId xmlns:a16="http://schemas.microsoft.com/office/drawing/2014/main" id="{1EACC7FB-58B1-41D0-8AF9-3711447F2A88}"/>
+                  </a:ext>
+                </a:extLst>
+              </p:cNvPr>
+              <p:cNvSpPr txBox="1">
+                <a:spLocks noRot="1" noChangeAspect="1" noMove="1" noResize="1" noEditPoints="1" noAdjustHandles="1" noChangeArrowheads="1" noChangeShapeType="1" noTextEdit="1"/>
+              </p:cNvSpPr>
+              <p:nvPr/>
+            </p:nvSpPr>
+            <p:spPr>
+              <a:xfrm>
+                <a:off x="10842390" y="1909705"/>
+                <a:ext cx="348236" cy="414088"/>
+              </a:xfrm>
+              <a:prstGeom prst="rect">
+                <a:avLst/>
+              </a:prstGeom>
+              <a:blipFill>
+                <a:blip r:embed="rId12"/>
+                <a:stretch>
+                  <a:fillRect/>
+                </a:stretch>
+              </a:blipFill>
+            </p:spPr>
+            <p:txBody>
+              <a:bodyPr/>
+              <a:lstStyle/>
+              <a:p>
+                <a:r>
+                  <a:rPr lang="en-US">
+                    <a:noFill/>
+                  </a:rPr>
+                  <a:t> </a:t>
+                </a:r>
+              </a:p>
+            </p:txBody>
+          </p:sp>
+        </mc:Fallback>
+      </mc:AlternateContent>
+      <mc:AlternateContent xmlns:mc="http://schemas.openxmlformats.org/markup-compatibility/2006">
+        <mc:Choice xmlns:a14="http://schemas.microsoft.com/office/drawing/2010/main" Requires="a14">
+          <p:sp>
+            <p:nvSpPr>
+              <p:cNvPr id="38" name="TextBox 37">
+                <a:extLst>
+                  <a:ext uri="{FF2B5EF4-FFF2-40B4-BE49-F238E27FC236}">
+                    <a16:creationId xmlns:a16="http://schemas.microsoft.com/office/drawing/2014/main" id="{14B72D08-3DFF-4B54-84D8-C6274CF5C626}"/>
+                  </a:ext>
+                </a:extLst>
+              </p:cNvPr>
+              <p:cNvSpPr txBox="1"/>
+              <p:nvPr/>
+            </p:nvSpPr>
+            <p:spPr>
+              <a:xfrm>
+                <a:off x="10455494" y="3816413"/>
+                <a:ext cx="549412" cy="369332"/>
+              </a:xfrm>
+              <a:prstGeom prst="rect">
+                <a:avLst/>
+              </a:prstGeom>
+              <a:noFill/>
+            </p:spPr>
+            <p:txBody>
+              <a:bodyPr wrap="square" lIns="0" tIns="0" rIns="0" bIns="0" rtlCol="0">
+                <a:spAutoFit/>
+              </a:bodyPr>
+              <a:lstStyle/>
+              <a:p>
+                <a:pPr/>
+                <a14:m>
+                  <m:oMathPara xmlns:m="http://schemas.openxmlformats.org/officeDocument/2006/math">
+                    <m:oMathParaPr>
+                      <m:jc m:val="centerGroup"/>
+                    </m:oMathParaPr>
+                    <m:oMath xmlns:m="http://schemas.openxmlformats.org/officeDocument/2006/math">
+                      <m:r>
+                        <a:rPr lang="en-US" sz="2400" i="1" smtClean="0">
+                          <a:solidFill>
+                            <a:srgbClr val="0070C0"/>
+                          </a:solidFill>
+                          <a:latin typeface="Cambria Math" panose="02040503050406030204" pitchFamily="18" charset="0"/>
+                        </a:rPr>
+                        <m:t>𝑚</m:t>
+                      </m:r>
+                      <m:acc>
+                        <m:accPr>
+                          <m:chr m:val="⃗"/>
+                          <m:ctrlPr>
+                            <a:rPr lang="en-US" sz="2400" i="1">
+                              <a:solidFill>
+                                <a:srgbClr val="0070C0"/>
+                              </a:solidFill>
+                              <a:latin typeface="Cambria Math" panose="02040503050406030204" pitchFamily="18" charset="0"/>
+                            </a:rPr>
+                          </m:ctrlPr>
+                        </m:accPr>
+                        <m:e>
+                          <m:r>
+                            <a:rPr lang="en-US" sz="2400" i="1">
+                              <a:solidFill>
+                                <a:srgbClr val="0070C0"/>
+                              </a:solidFill>
+                              <a:latin typeface="Cambria Math" panose="02040503050406030204" pitchFamily="18" charset="0"/>
+                            </a:rPr>
+                            <m:t>𝑔</m:t>
+                          </m:r>
+                        </m:e>
+                      </m:acc>
+                    </m:oMath>
+                  </m:oMathPara>
+                </a14:m>
+                <a:endParaRPr lang="en-US" sz="2400" dirty="0">
+                  <a:solidFill>
+                    <a:srgbClr val="0070C0"/>
+                  </a:solidFill>
+                </a:endParaRPr>
+              </a:p>
+            </p:txBody>
+          </p:sp>
+        </mc:Choice>
+        <mc:Fallback>
+          <p:sp>
+            <p:nvSpPr>
+              <p:cNvPr id="38" name="TextBox 37">
+                <a:extLst>
+                  <a:ext uri="{FF2B5EF4-FFF2-40B4-BE49-F238E27FC236}">
+                    <a16:creationId xmlns:a16="http://schemas.microsoft.com/office/drawing/2014/main" id="{14B72D08-3DFF-4B54-84D8-C6274CF5C626}"/>
+                  </a:ext>
+                </a:extLst>
+              </p:cNvPr>
+              <p:cNvSpPr txBox="1">
+                <a:spLocks noRot="1" noChangeAspect="1" noMove="1" noResize="1" noEditPoints="1" noAdjustHandles="1" noChangeArrowheads="1" noChangeShapeType="1" noTextEdit="1"/>
+              </p:cNvSpPr>
+              <p:nvPr/>
+            </p:nvSpPr>
+            <p:spPr>
+              <a:xfrm>
+                <a:off x="10455494" y="3816413"/>
+                <a:ext cx="549412" cy="369332"/>
+              </a:xfrm>
+              <a:prstGeom prst="rect">
+                <a:avLst/>
+              </a:prstGeom>
+              <a:blipFill>
+                <a:blip r:embed="rId13"/>
+                <a:stretch>
+                  <a:fillRect l="-4444" t="-36066" r="-82222" b="-24590"/>
+                </a:stretch>
+              </a:blipFill>
+            </p:spPr>
+            <p:txBody>
+              <a:bodyPr/>
+              <a:lstStyle/>
+              <a:p>
+                <a:r>
+                  <a:rPr lang="en-US">
+                    <a:noFill/>
+                  </a:rPr>
+                  <a:t> </a:t>
+                </a:r>
+              </a:p>
+            </p:txBody>
+          </p:sp>
+        </mc:Fallback>
+      </mc:AlternateContent>
+      <mc:AlternateContent xmlns:mc="http://schemas.openxmlformats.org/markup-compatibility/2006">
+        <mc:Choice xmlns:a14="http://schemas.microsoft.com/office/drawing/2010/main" Requires="a14">
+          <p:sp>
+            <p:nvSpPr>
+              <p:cNvPr id="40" name="TextBox 39">
+                <a:extLst>
+                  <a:ext uri="{FF2B5EF4-FFF2-40B4-BE49-F238E27FC236}">
+                    <a16:creationId xmlns:a16="http://schemas.microsoft.com/office/drawing/2014/main" id="{F4456AF4-54CF-4D81-8E6F-D6A286FBA241}"/>
+                  </a:ext>
+                </a:extLst>
+              </p:cNvPr>
+              <p:cNvSpPr txBox="1"/>
+              <p:nvPr/>
+            </p:nvSpPr>
+            <p:spPr>
+              <a:xfrm>
+                <a:off x="10531496" y="2532247"/>
+                <a:ext cx="270587" cy="307777"/>
+              </a:xfrm>
+              <a:prstGeom prst="rect">
+                <a:avLst/>
+              </a:prstGeom>
+              <a:noFill/>
+            </p:spPr>
+            <p:txBody>
+              <a:bodyPr wrap="square" lIns="0" tIns="0" rIns="0" bIns="0" rtlCol="0">
+                <a:spAutoFit/>
+              </a:bodyPr>
+              <a:lstStyle/>
+              <a:p>
+                <a:pPr/>
+                <a14:m>
+                  <m:oMathPara xmlns:m="http://schemas.openxmlformats.org/officeDocument/2006/math">
+                    <m:oMathParaPr>
+                      <m:jc m:val="centerGroup"/>
+                    </m:oMathParaPr>
+                    <m:oMath xmlns:m="http://schemas.openxmlformats.org/officeDocument/2006/math">
+                      <m:r>
+                        <a:rPr lang="en-US" sz="2000" b="0" i="1" smtClean="0">
+                          <a:latin typeface="Cambria Math" panose="02040503050406030204" pitchFamily="18" charset="0"/>
+                          <a:ea typeface="Cambria Math" panose="02040503050406030204" pitchFamily="18" charset="0"/>
+                        </a:rPr>
+                        <m:t>𝛼</m:t>
+                      </m:r>
+                    </m:oMath>
+                  </m:oMathPara>
+                </a14:m>
+                <a:endParaRPr lang="en-US" sz="2800" dirty="0"/>
+              </a:p>
+            </p:txBody>
+          </p:sp>
+        </mc:Choice>
+        <mc:Fallback>
+          <p:sp>
+            <p:nvSpPr>
+              <p:cNvPr id="40" name="TextBox 39">
+                <a:extLst>
+                  <a:ext uri="{FF2B5EF4-FFF2-40B4-BE49-F238E27FC236}">
+                    <a16:creationId xmlns:a16="http://schemas.microsoft.com/office/drawing/2014/main" id="{F4456AF4-54CF-4D81-8E6F-D6A286FBA241}"/>
+                  </a:ext>
+                </a:extLst>
+              </p:cNvPr>
+              <p:cNvSpPr txBox="1">
+                <a:spLocks noRot="1" noChangeAspect="1" noMove="1" noResize="1" noEditPoints="1" noAdjustHandles="1" noChangeArrowheads="1" noChangeShapeType="1" noTextEdit="1"/>
+              </p:cNvSpPr>
+              <p:nvPr/>
+            </p:nvSpPr>
+            <p:spPr>
+              <a:xfrm>
+                <a:off x="10531496" y="2532247"/>
+                <a:ext cx="270587" cy="307777"/>
+              </a:xfrm>
+              <a:prstGeom prst="rect">
+                <a:avLst/>
+              </a:prstGeom>
+              <a:blipFill>
+                <a:blip r:embed="rId14"/>
+                <a:stretch>
+                  <a:fillRect l="-4545"/>
+                </a:stretch>
+              </a:blipFill>
+            </p:spPr>
+            <p:txBody>
+              <a:bodyPr/>
+              <a:lstStyle/>
+              <a:p>
+                <a:r>
+                  <a:rPr lang="en-US">
+                    <a:noFill/>
+                  </a:rPr>
+                  <a:t> </a:t>
+                </a:r>
+              </a:p>
+            </p:txBody>
+          </p:sp>
+        </mc:Fallback>
+      </mc:AlternateContent>
+      <p:sp>
+        <p:nvSpPr>
+          <p:cNvPr id="41" name="Arc 40">
+            <a:extLst>
+              <a:ext uri="{FF2B5EF4-FFF2-40B4-BE49-F238E27FC236}">
+                <a16:creationId xmlns:a16="http://schemas.microsoft.com/office/drawing/2014/main" id="{86A04A7D-7D47-4852-B29F-2249ED1C61ED}"/>
+              </a:ext>
+            </a:extLst>
+          </p:cNvPr>
+          <p:cNvSpPr/>
+          <p:nvPr/>
+        </p:nvSpPr>
+        <p:spPr>
+          <a:xfrm rot="14253477">
+            <a:off x="10829270" y="2578188"/>
+            <a:ext cx="374476" cy="437555"/>
+          </a:xfrm>
+          <a:prstGeom prst="arc">
+            <a:avLst>
+              <a:gd name="adj1" fmla="val 16200000"/>
+              <a:gd name="adj2" fmla="val 113629"/>
+            </a:avLst>
+          </a:prstGeom>
+          <a:ln w="38100">
+            <a:solidFill>
+              <a:schemeClr val="tx1"/>
+            </a:solidFill>
+          </a:ln>
+        </p:spPr>
+        <p:style>
+          <a:lnRef idx="1">
+            <a:schemeClr val="accent1"/>
+          </a:lnRef>
+          <a:fillRef idx="0">
+            <a:schemeClr val="accent1"/>
+          </a:fillRef>
+          <a:effectRef idx="0">
+            <a:schemeClr val="accent1"/>
+          </a:effectRef>
+          <a:fontRef idx="minor">
+            <a:schemeClr val="tx1"/>
+          </a:fontRef>
+        </p:style>
+        <p:txBody>
+          <a:bodyPr rtlCol="0" anchor="ctr"/>
+          <a:lstStyle/>
+          <a:p>
+            <a:pPr algn="ctr"/>
+            <a:endParaRPr lang="en-US" sz="3200" dirty="0"/>
+          </a:p>
+        </p:txBody>
+      </p:sp>
+      <mc:AlternateContent xmlns:mc="http://schemas.openxmlformats.org/markup-compatibility/2006">
+        <mc:Choice xmlns:a14="http://schemas.microsoft.com/office/drawing/2010/main" Requires="a14">
+          <p:sp>
+            <p:nvSpPr>
+              <p:cNvPr id="42" name="TextBox 41">
+                <a:extLst>
+                  <a:ext uri="{FF2B5EF4-FFF2-40B4-BE49-F238E27FC236}">
+                    <a16:creationId xmlns:a16="http://schemas.microsoft.com/office/drawing/2014/main" id="{A16DA86C-98F8-41F0-B30C-0C9243F3769B}"/>
+                  </a:ext>
+                </a:extLst>
+              </p:cNvPr>
+              <p:cNvSpPr txBox="1"/>
+              <p:nvPr/>
+            </p:nvSpPr>
+            <p:spPr>
+              <a:xfrm>
+                <a:off x="9111655" y="2458738"/>
+                <a:ext cx="270587" cy="307777"/>
+              </a:xfrm>
+              <a:prstGeom prst="rect">
+                <a:avLst/>
+              </a:prstGeom>
+              <a:noFill/>
+            </p:spPr>
+            <p:txBody>
+              <a:bodyPr wrap="square" lIns="0" tIns="0" rIns="0" bIns="0" rtlCol="0">
+                <a:spAutoFit/>
+              </a:bodyPr>
+              <a:lstStyle/>
+              <a:p>
+                <a:pPr/>
+                <a14:m>
+                  <m:oMathPara xmlns:m="http://schemas.openxmlformats.org/officeDocument/2006/math">
+                    <m:oMathParaPr>
+                      <m:jc m:val="centerGroup"/>
+                    </m:oMathParaPr>
+                    <m:oMath xmlns:m="http://schemas.openxmlformats.org/officeDocument/2006/math">
+                      <m:r>
+                        <a:rPr lang="en-US" sz="2000" b="0" i="1" smtClean="0">
+                          <a:latin typeface="Cambria Math" panose="02040503050406030204" pitchFamily="18" charset="0"/>
+                          <a:ea typeface="Cambria Math" panose="02040503050406030204" pitchFamily="18" charset="0"/>
+                        </a:rPr>
+                        <m:t>𝛼</m:t>
+                      </m:r>
+                    </m:oMath>
+                  </m:oMathPara>
+                </a14:m>
+                <a:endParaRPr lang="en-US" sz="2800" dirty="0"/>
+              </a:p>
+            </p:txBody>
+          </p:sp>
+        </mc:Choice>
+        <mc:Fallback>
+          <p:sp>
+            <p:nvSpPr>
+              <p:cNvPr id="42" name="TextBox 41">
+                <a:extLst>
+                  <a:ext uri="{FF2B5EF4-FFF2-40B4-BE49-F238E27FC236}">
+                    <a16:creationId xmlns:a16="http://schemas.microsoft.com/office/drawing/2014/main" id="{A16DA86C-98F8-41F0-B30C-0C9243F3769B}"/>
+                  </a:ext>
+                </a:extLst>
+              </p:cNvPr>
+              <p:cNvSpPr txBox="1">
+                <a:spLocks noRot="1" noChangeAspect="1" noMove="1" noResize="1" noEditPoints="1" noAdjustHandles="1" noChangeArrowheads="1" noChangeShapeType="1" noTextEdit="1"/>
+              </p:cNvSpPr>
+              <p:nvPr/>
+            </p:nvSpPr>
+            <p:spPr>
+              <a:xfrm>
+                <a:off x="9111655" y="2458738"/>
+                <a:ext cx="270587" cy="307777"/>
+              </a:xfrm>
+              <a:prstGeom prst="rect">
+                <a:avLst/>
+              </a:prstGeom>
+              <a:blipFill>
+                <a:blip r:embed="rId15"/>
+                <a:stretch>
+                  <a:fillRect l="-4545"/>
+                </a:stretch>
+              </a:blipFill>
+            </p:spPr>
+            <p:txBody>
+              <a:bodyPr/>
+              <a:lstStyle/>
+              <a:p>
+                <a:r>
+                  <a:rPr lang="en-US">
+                    <a:noFill/>
+                  </a:rPr>
+                  <a:t> </a:t>
+                </a:r>
+              </a:p>
+            </p:txBody>
+          </p:sp>
+        </mc:Fallback>
+      </mc:AlternateContent>
+      <p:cxnSp>
+        <p:nvCxnSpPr>
+          <p:cNvPr id="43" name="Straight Arrow Connector 42">
+            <a:extLst>
+              <a:ext uri="{FF2B5EF4-FFF2-40B4-BE49-F238E27FC236}">
+                <a16:creationId xmlns:a16="http://schemas.microsoft.com/office/drawing/2014/main" id="{C65D07BE-B0E4-4C09-B8A1-E2060221A76F}"/>
+              </a:ext>
+            </a:extLst>
+          </p:cNvPr>
+          <p:cNvCxnSpPr>
+            <a:cxnSpLocks/>
+          </p:cNvCxnSpPr>
+          <p:nvPr/>
+        </p:nvCxnSpPr>
+        <p:spPr>
+          <a:xfrm flipV="1">
+            <a:off x="9898234" y="459316"/>
+            <a:ext cx="1" cy="453635"/>
+          </a:xfrm>
+          <a:prstGeom prst="straightConnector1">
+            <a:avLst/>
+          </a:prstGeom>
+          <a:ln w="28575">
+            <a:solidFill>
+              <a:srgbClr val="7030A0"/>
+            </a:solidFill>
+            <a:headEnd type="none" w="lg" len="lg"/>
+            <a:tailEnd type="stealth" w="lg" len="lg"/>
+          </a:ln>
+        </p:spPr>
+        <p:style>
+          <a:lnRef idx="1">
+            <a:schemeClr val="accent1"/>
+          </a:lnRef>
+          <a:fillRef idx="0">
+            <a:schemeClr val="accent1"/>
+          </a:fillRef>
+          <a:effectRef idx="0">
+            <a:schemeClr val="accent1"/>
+          </a:effectRef>
+          <a:fontRef idx="minor">
+            <a:schemeClr val="tx1"/>
+          </a:fontRef>
+        </p:style>
+      </p:cxnSp>
+      <mc:AlternateContent xmlns:mc="http://schemas.openxmlformats.org/markup-compatibility/2006">
+        <mc:Choice xmlns:a14="http://schemas.microsoft.com/office/drawing/2010/main" Requires="a14">
+          <p:sp>
+            <p:nvSpPr>
+              <p:cNvPr id="49" name="TextBox 48">
+                <a:extLst>
+                  <a:ext uri="{FF2B5EF4-FFF2-40B4-BE49-F238E27FC236}">
+                    <a16:creationId xmlns:a16="http://schemas.microsoft.com/office/drawing/2014/main" id="{FDEA03B6-CA95-426D-B088-A6788BB85E7D}"/>
+                  </a:ext>
+                </a:extLst>
+              </p:cNvPr>
+              <p:cNvSpPr txBox="1"/>
+              <p:nvPr/>
+            </p:nvSpPr>
+            <p:spPr>
+              <a:xfrm>
+                <a:off x="10318553" y="1081943"/>
+                <a:ext cx="348236" cy="414088"/>
+              </a:xfrm>
+              <a:prstGeom prst="rect">
+                <a:avLst/>
+              </a:prstGeom>
+              <a:noFill/>
+            </p:spPr>
+            <p:txBody>
+              <a:bodyPr wrap="square" lIns="0" tIns="0" rIns="0" bIns="0" rtlCol="0">
+                <a:spAutoFit/>
+              </a:bodyPr>
+              <a:lstStyle/>
+              <a:p>
+                <a:pPr/>
+                <a14:m>
+                  <m:oMathPara xmlns:m="http://schemas.openxmlformats.org/officeDocument/2006/math">
+                    <m:oMathParaPr>
+                      <m:jc m:val="centerGroup"/>
+                    </m:oMathParaPr>
+                    <m:oMath xmlns:m="http://schemas.openxmlformats.org/officeDocument/2006/math">
+                      <m:sSub>
+                        <m:sSubPr>
+                          <m:ctrlPr>
+                            <a:rPr lang="en-US" sz="2400" b="0" i="1" smtClean="0">
+                              <a:solidFill>
+                                <a:srgbClr val="00B050"/>
+                              </a:solidFill>
+                              <a:latin typeface="Cambria Math" panose="02040503050406030204" pitchFamily="18" charset="0"/>
+                            </a:rPr>
+                          </m:ctrlPr>
+                        </m:sSubPr>
+                        <m:e>
+                          <m:acc>
+                            <m:accPr>
+                              <m:chr m:val="⃗"/>
+                              <m:ctrlPr>
+                                <a:rPr lang="en-US" sz="2400" i="1">
+                                  <a:solidFill>
+                                    <a:srgbClr val="00B050"/>
+                                  </a:solidFill>
+                                  <a:latin typeface="Cambria Math" panose="02040503050406030204" pitchFamily="18" charset="0"/>
+                                </a:rPr>
+                              </m:ctrlPr>
+                            </m:accPr>
+                            <m:e>
+                              <m:r>
+                                <a:rPr lang="en-US" sz="2400" i="1">
+                                  <a:solidFill>
+                                    <a:srgbClr val="00B050"/>
+                                  </a:solidFill>
+                                  <a:latin typeface="Cambria Math" panose="02040503050406030204" pitchFamily="18" charset="0"/>
+                                </a:rPr>
+                                <m:t>𝐹</m:t>
+                              </m:r>
+                            </m:e>
+                          </m:acc>
+                        </m:e>
+                        <m:sub>
+                          <m:r>
+                            <a:rPr lang="en-US" sz="2400" b="0" i="1" smtClean="0">
+                              <a:solidFill>
+                                <a:srgbClr val="00B050"/>
+                              </a:solidFill>
+                              <a:latin typeface="Cambria Math" panose="02040503050406030204" pitchFamily="18" charset="0"/>
+                            </a:rPr>
+                            <m:t>1</m:t>
+                          </m:r>
+                        </m:sub>
+                      </m:sSub>
+                    </m:oMath>
+                  </m:oMathPara>
+                </a14:m>
+                <a:endParaRPr lang="en-US" sz="2400" dirty="0">
+                  <a:solidFill>
+                    <a:srgbClr val="00B050"/>
+                  </a:solidFill>
+                </a:endParaRPr>
+              </a:p>
+            </p:txBody>
+          </p:sp>
+        </mc:Choice>
+        <mc:Fallback>
+          <p:sp>
+            <p:nvSpPr>
+              <p:cNvPr id="49" name="TextBox 48">
+                <a:extLst>
+                  <a:ext uri="{FF2B5EF4-FFF2-40B4-BE49-F238E27FC236}">
+                    <a16:creationId xmlns:a16="http://schemas.microsoft.com/office/drawing/2014/main" id="{FDEA03B6-CA95-426D-B088-A6788BB85E7D}"/>
+                  </a:ext>
+                </a:extLst>
+              </p:cNvPr>
+              <p:cNvSpPr txBox="1">
+                <a:spLocks noRot="1" noChangeAspect="1" noMove="1" noResize="1" noEditPoints="1" noAdjustHandles="1" noChangeArrowheads="1" noChangeShapeType="1" noTextEdit="1"/>
+              </p:cNvSpPr>
+              <p:nvPr/>
+            </p:nvSpPr>
+            <p:spPr>
+              <a:xfrm>
+                <a:off x="10318553" y="1081943"/>
+                <a:ext cx="348236" cy="414088"/>
+              </a:xfrm>
+              <a:prstGeom prst="rect">
+                <a:avLst/>
+              </a:prstGeom>
+              <a:blipFill>
+                <a:blip r:embed="rId16"/>
+                <a:stretch>
+                  <a:fillRect/>
+                </a:stretch>
+              </a:blipFill>
+            </p:spPr>
+            <p:txBody>
+              <a:bodyPr/>
+              <a:lstStyle/>
+              <a:p>
+                <a:r>
+                  <a:rPr lang="en-US">
+                    <a:noFill/>
+                  </a:rPr>
+                  <a:t> </a:t>
+                </a:r>
+              </a:p>
+            </p:txBody>
+          </p:sp>
+        </mc:Fallback>
+      </mc:AlternateContent>
+      <p:cxnSp>
+        <p:nvCxnSpPr>
+          <p:cNvPr id="50" name="Straight Arrow Connector 49">
+            <a:extLst>
+              <a:ext uri="{FF2B5EF4-FFF2-40B4-BE49-F238E27FC236}">
+                <a16:creationId xmlns:a16="http://schemas.microsoft.com/office/drawing/2014/main" id="{DC62F933-F0BA-4CBC-8223-FB770A08A9A2}"/>
+              </a:ext>
+            </a:extLst>
+          </p:cNvPr>
+          <p:cNvCxnSpPr>
+            <a:cxnSpLocks/>
+          </p:cNvCxnSpPr>
+          <p:nvPr/>
+        </p:nvCxnSpPr>
+        <p:spPr>
+          <a:xfrm>
+            <a:off x="10045778" y="1131108"/>
+            <a:ext cx="409716" cy="660651"/>
+          </a:xfrm>
+          <a:prstGeom prst="straightConnector1">
+            <a:avLst/>
+          </a:prstGeom>
+          <a:ln w="47625">
+            <a:solidFill>
+              <a:srgbClr val="00B050"/>
+            </a:solidFill>
+            <a:headEnd type="none" w="lg" len="lg"/>
+            <a:tailEnd type="stealth" w="lg" len="lg"/>
+          </a:ln>
+        </p:spPr>
+        <p:style>
+          <a:lnRef idx="1">
+            <a:schemeClr val="accent1"/>
+          </a:lnRef>
+          <a:fillRef idx="0">
+            <a:schemeClr val="accent1"/>
+          </a:fillRef>
+          <a:effectRef idx="0">
+            <a:schemeClr val="accent1"/>
+          </a:effectRef>
+          <a:fontRef idx="minor">
+            <a:schemeClr val="tx1"/>
+          </a:fontRef>
+        </p:style>
+      </p:cxnSp>
+      <p:cxnSp>
+        <p:nvCxnSpPr>
+          <p:cNvPr id="55" name="Straight Arrow Connector 54">
+            <a:extLst>
+              <a:ext uri="{FF2B5EF4-FFF2-40B4-BE49-F238E27FC236}">
+                <a16:creationId xmlns:a16="http://schemas.microsoft.com/office/drawing/2014/main" id="{0E572CD0-D1FA-42B2-B72F-421541F7FDA5}"/>
+              </a:ext>
+            </a:extLst>
+          </p:cNvPr>
+          <p:cNvCxnSpPr>
+            <a:cxnSpLocks/>
+          </p:cNvCxnSpPr>
+          <p:nvPr/>
+        </p:nvCxnSpPr>
+        <p:spPr>
+          <a:xfrm flipH="1">
+            <a:off x="9382242" y="1143001"/>
+            <a:ext cx="365840" cy="667361"/>
+          </a:xfrm>
+          <a:prstGeom prst="straightConnector1">
+            <a:avLst/>
+          </a:prstGeom>
+          <a:ln w="47625">
+            <a:solidFill>
+              <a:srgbClr val="00B050"/>
+            </a:solidFill>
+            <a:headEnd type="none" w="lg" len="lg"/>
+            <a:tailEnd type="stealth" w="lg" len="lg"/>
+          </a:ln>
+        </p:spPr>
+        <p:style>
+          <a:lnRef idx="1">
+            <a:schemeClr val="accent1"/>
+          </a:lnRef>
+          <a:fillRef idx="0">
+            <a:schemeClr val="accent1"/>
+          </a:fillRef>
+          <a:effectRef idx="0">
+            <a:schemeClr val="accent1"/>
+          </a:effectRef>
+          <a:fontRef idx="minor">
+            <a:schemeClr val="tx1"/>
+          </a:fontRef>
+        </p:style>
+      </p:cxnSp>
+      <mc:AlternateContent xmlns:mc="http://schemas.openxmlformats.org/markup-compatibility/2006">
+        <mc:Choice xmlns:a14="http://schemas.microsoft.com/office/drawing/2010/main" Requires="a14">
+          <p:sp>
+            <p:nvSpPr>
+              <p:cNvPr id="58" name="TextBox 57">
+                <a:extLst>
+                  <a:ext uri="{FF2B5EF4-FFF2-40B4-BE49-F238E27FC236}">
+                    <a16:creationId xmlns:a16="http://schemas.microsoft.com/office/drawing/2014/main" id="{0F62A749-D1C3-42ED-9FD6-699771E1E41F}"/>
+                  </a:ext>
+                </a:extLst>
+              </p:cNvPr>
+              <p:cNvSpPr txBox="1"/>
+              <p:nvPr/>
+            </p:nvSpPr>
+            <p:spPr>
+              <a:xfrm>
+                <a:off x="9150798" y="1052403"/>
+                <a:ext cx="348236" cy="414088"/>
+              </a:xfrm>
+              <a:prstGeom prst="rect">
+                <a:avLst/>
+              </a:prstGeom>
+              <a:noFill/>
+            </p:spPr>
+            <p:txBody>
+              <a:bodyPr wrap="square" lIns="0" tIns="0" rIns="0" bIns="0" rtlCol="0">
+                <a:spAutoFit/>
+              </a:bodyPr>
+              <a:lstStyle/>
+              <a:p>
+                <a:pPr/>
+                <a14:m>
+                  <m:oMathPara xmlns:m="http://schemas.openxmlformats.org/officeDocument/2006/math">
+                    <m:oMathParaPr>
+                      <m:jc m:val="centerGroup"/>
+                    </m:oMathParaPr>
+                    <m:oMath xmlns:m="http://schemas.openxmlformats.org/officeDocument/2006/math">
+                      <m:sSub>
+                        <m:sSubPr>
+                          <m:ctrlPr>
+                            <a:rPr lang="en-US" sz="2400" b="0" i="1" smtClean="0">
+                              <a:solidFill>
+                                <a:srgbClr val="00B050"/>
+                              </a:solidFill>
+                              <a:latin typeface="Cambria Math" panose="02040503050406030204" pitchFamily="18" charset="0"/>
+                            </a:rPr>
+                          </m:ctrlPr>
+                        </m:sSubPr>
+                        <m:e>
+                          <m:acc>
+                            <m:accPr>
+                              <m:chr m:val="⃗"/>
+                              <m:ctrlPr>
+                                <a:rPr lang="en-US" sz="2400" i="1">
+                                  <a:solidFill>
+                                    <a:srgbClr val="00B050"/>
+                                  </a:solidFill>
+                                  <a:latin typeface="Cambria Math" panose="02040503050406030204" pitchFamily="18" charset="0"/>
+                                </a:rPr>
+                              </m:ctrlPr>
+                            </m:accPr>
+                            <m:e>
+                              <m:r>
+                                <a:rPr lang="en-US" sz="2400" i="1">
+                                  <a:solidFill>
+                                    <a:srgbClr val="00B050"/>
+                                  </a:solidFill>
+                                  <a:latin typeface="Cambria Math" panose="02040503050406030204" pitchFamily="18" charset="0"/>
+                                </a:rPr>
+                                <m:t>𝐹</m:t>
+                              </m:r>
+                            </m:e>
+                          </m:acc>
+                        </m:e>
+                        <m:sub>
+                          <m:r>
+                            <a:rPr lang="en-US" sz="2400" b="0" i="1" smtClean="0">
+                              <a:solidFill>
+                                <a:srgbClr val="00B050"/>
+                              </a:solidFill>
+                              <a:latin typeface="Cambria Math" panose="02040503050406030204" pitchFamily="18" charset="0"/>
+                            </a:rPr>
+                            <m:t>1</m:t>
+                          </m:r>
+                        </m:sub>
+                      </m:sSub>
+                    </m:oMath>
+                  </m:oMathPara>
+                </a14:m>
+                <a:endParaRPr lang="en-US" sz="2400" dirty="0">
+                  <a:solidFill>
+                    <a:srgbClr val="00B050"/>
+                  </a:solidFill>
+                </a:endParaRPr>
+              </a:p>
+            </p:txBody>
+          </p:sp>
+        </mc:Choice>
+        <mc:Fallback>
+          <p:sp>
+            <p:nvSpPr>
+              <p:cNvPr id="58" name="TextBox 57">
+                <a:extLst>
+                  <a:ext uri="{FF2B5EF4-FFF2-40B4-BE49-F238E27FC236}">
+                    <a16:creationId xmlns:a16="http://schemas.microsoft.com/office/drawing/2014/main" id="{0F62A749-D1C3-42ED-9FD6-699771E1E41F}"/>
+                  </a:ext>
+                </a:extLst>
+              </p:cNvPr>
+              <p:cNvSpPr txBox="1">
+                <a:spLocks noRot="1" noChangeAspect="1" noMove="1" noResize="1" noEditPoints="1" noAdjustHandles="1" noChangeArrowheads="1" noChangeShapeType="1" noTextEdit="1"/>
+              </p:cNvSpPr>
+              <p:nvPr/>
+            </p:nvSpPr>
+            <p:spPr>
+              <a:xfrm>
+                <a:off x="9150798" y="1052403"/>
+                <a:ext cx="348236" cy="414088"/>
+              </a:xfrm>
+              <a:prstGeom prst="rect">
+                <a:avLst/>
+              </a:prstGeom>
+              <a:blipFill>
+                <a:blip r:embed="rId17"/>
+                <a:stretch>
+                  <a:fillRect/>
+                </a:stretch>
+              </a:blipFill>
+            </p:spPr>
+            <p:txBody>
+              <a:bodyPr/>
+              <a:lstStyle/>
+              <a:p>
+                <a:r>
+                  <a:rPr lang="en-US">
+                    <a:noFill/>
+                  </a:rPr>
+                  <a:t> </a:t>
+                </a:r>
+              </a:p>
+            </p:txBody>
+          </p:sp>
+        </mc:Fallback>
+      </mc:AlternateContent>
+      <mc:AlternateContent xmlns:mc="http://schemas.openxmlformats.org/markup-compatibility/2006">
+        <mc:Choice xmlns:a14="http://schemas.microsoft.com/office/drawing/2010/main" Requires="a14">
+          <p:sp>
+            <p:nvSpPr>
+              <p:cNvPr id="60" name="TextBox 59">
+                <a:extLst>
+                  <a:ext uri="{FF2B5EF4-FFF2-40B4-BE49-F238E27FC236}">
+                    <a16:creationId xmlns:a16="http://schemas.microsoft.com/office/drawing/2014/main" id="{E28D8806-FA23-4CCF-8EF6-F347B1A0BCC6}"/>
+                  </a:ext>
+                </a:extLst>
+              </p:cNvPr>
+              <p:cNvSpPr txBox="1"/>
+              <p:nvPr/>
+            </p:nvSpPr>
+            <p:spPr>
+              <a:xfrm>
+                <a:off x="9970317" y="441056"/>
+                <a:ext cx="348236" cy="345159"/>
+              </a:xfrm>
+              <a:prstGeom prst="rect">
+                <a:avLst/>
+              </a:prstGeom>
+              <a:noFill/>
+            </p:spPr>
+            <p:txBody>
+              <a:bodyPr wrap="square" lIns="0" tIns="0" rIns="0" bIns="0" rtlCol="0">
+                <a:spAutoFit/>
+              </a:bodyPr>
+              <a:lstStyle/>
+              <a:p>
+                <a:pPr/>
+                <a14:m>
+                  <m:oMathPara xmlns:m="http://schemas.openxmlformats.org/officeDocument/2006/math">
+                    <m:oMathParaPr>
+                      <m:jc m:val="centerGroup"/>
+                    </m:oMathParaPr>
+                    <m:oMath xmlns:m="http://schemas.openxmlformats.org/officeDocument/2006/math">
+                      <m:acc>
+                        <m:accPr>
+                          <m:chr m:val="⃗"/>
+                          <m:ctrlPr>
+                            <a:rPr lang="en-US" sz="2000" b="0" i="1" smtClean="0">
+                              <a:solidFill>
+                                <a:srgbClr val="7030A0"/>
+                              </a:solidFill>
+                              <a:latin typeface="Cambria Math" panose="02040503050406030204" pitchFamily="18" charset="0"/>
+                            </a:rPr>
+                          </m:ctrlPr>
+                        </m:accPr>
+                        <m:e>
+                          <m:r>
+                            <a:rPr lang="en-US" sz="2000" b="0" i="1" smtClean="0">
+                              <a:solidFill>
+                                <a:srgbClr val="7030A0"/>
+                              </a:solidFill>
+                              <a:latin typeface="Cambria Math" panose="02040503050406030204" pitchFamily="18" charset="0"/>
+                            </a:rPr>
+                            <m:t>𝑇</m:t>
+                          </m:r>
+                        </m:e>
+                      </m:acc>
+                    </m:oMath>
+                  </m:oMathPara>
+                </a14:m>
+                <a:endParaRPr lang="en-US" sz="2000" dirty="0">
+                  <a:solidFill>
+                    <a:srgbClr val="7030A0"/>
+                  </a:solidFill>
+                </a:endParaRPr>
+              </a:p>
+            </p:txBody>
+          </p:sp>
+        </mc:Choice>
+        <mc:Fallback>
+          <p:sp>
+            <p:nvSpPr>
+              <p:cNvPr id="60" name="TextBox 59">
+                <a:extLst>
+                  <a:ext uri="{FF2B5EF4-FFF2-40B4-BE49-F238E27FC236}">
+                    <a16:creationId xmlns:a16="http://schemas.microsoft.com/office/drawing/2014/main" id="{E28D8806-FA23-4CCF-8EF6-F347B1A0BCC6}"/>
+                  </a:ext>
+                </a:extLst>
+              </p:cNvPr>
+              <p:cNvSpPr txBox="1">
+                <a:spLocks noRot="1" noChangeAspect="1" noMove="1" noResize="1" noEditPoints="1" noAdjustHandles="1" noChangeArrowheads="1" noChangeShapeType="1" noTextEdit="1"/>
+              </p:cNvSpPr>
+              <p:nvPr/>
+            </p:nvSpPr>
+            <p:spPr>
+              <a:xfrm>
+                <a:off x="9970317" y="441056"/>
+                <a:ext cx="348236" cy="345159"/>
+              </a:xfrm>
+              <a:prstGeom prst="rect">
+                <a:avLst/>
+              </a:prstGeom>
+              <a:blipFill>
+                <a:blip r:embed="rId18"/>
+                <a:stretch>
+                  <a:fillRect b="-5263"/>
+                </a:stretch>
+              </a:blipFill>
+            </p:spPr>
+            <p:txBody>
+              <a:bodyPr/>
+              <a:lstStyle/>
+              <a:p>
+                <a:r>
+                  <a:rPr lang="en-US">
+                    <a:noFill/>
+                  </a:rPr>
+                  <a:t> </a:t>
+                </a:r>
+              </a:p>
+            </p:txBody>
+          </p:sp>
+        </mc:Fallback>
+      </mc:AlternateContent>
+      <p:pic>
+        <p:nvPicPr>
+          <p:cNvPr id="7" name="Picture 6">
+            <a:extLst>
+              <a:ext uri="{FF2B5EF4-FFF2-40B4-BE49-F238E27FC236}">
+                <a16:creationId xmlns:a16="http://schemas.microsoft.com/office/drawing/2014/main" id="{9B29C412-CF5A-425C-A001-B4D6B868B2B4}"/>
+              </a:ext>
+            </a:extLst>
+          </p:cNvPr>
+          <p:cNvPicPr>
+            <a:picLocks noChangeAspect="1"/>
+          </p:cNvPicPr>
+          <p:nvPr/>
+        </p:nvPicPr>
+        <p:blipFill>
+          <a:blip r:embed="rId19"/>
+          <a:stretch>
+            <a:fillRect/>
+          </a:stretch>
+        </p:blipFill>
+        <p:spPr>
+          <a:xfrm>
+            <a:off x="130807" y="5377979"/>
+            <a:ext cx="3933825" cy="1285875"/>
+          </a:xfrm>
+          <a:prstGeom prst="rect">
+            <a:avLst/>
+          </a:prstGeom>
+        </p:spPr>
+      </p:pic>
+      <p:cxnSp>
+        <p:nvCxnSpPr>
+          <p:cNvPr id="35" name="Straight Arrow Connector 34">
+            <a:extLst>
+              <a:ext uri="{FF2B5EF4-FFF2-40B4-BE49-F238E27FC236}">
+                <a16:creationId xmlns:a16="http://schemas.microsoft.com/office/drawing/2014/main" id="{E40DCFA3-025B-43DE-B4B7-4C7E62114437}"/>
+              </a:ext>
+            </a:extLst>
+          </p:cNvPr>
+          <p:cNvCxnSpPr>
+            <a:cxnSpLocks/>
+          </p:cNvCxnSpPr>
+          <p:nvPr/>
+        </p:nvCxnSpPr>
+        <p:spPr>
+          <a:xfrm flipH="1">
+            <a:off x="1851381" y="6159657"/>
+            <a:ext cx="555425" cy="0"/>
+          </a:xfrm>
+          <a:prstGeom prst="straightConnector1">
+            <a:avLst/>
+          </a:prstGeom>
+          <a:ln w="47625">
+            <a:solidFill>
+              <a:srgbClr val="FF0000"/>
+            </a:solidFill>
+            <a:headEnd type="none" w="lg" len="lg"/>
+            <a:tailEnd type="stealth" w="lg" len="lg"/>
+          </a:ln>
+        </p:spPr>
+        <p:style>
+          <a:lnRef idx="1">
+            <a:schemeClr val="accent1"/>
+          </a:lnRef>
+          <a:fillRef idx="0">
+            <a:schemeClr val="accent1"/>
+          </a:fillRef>
+          <a:effectRef idx="0">
+            <a:schemeClr val="accent1"/>
+          </a:effectRef>
+          <a:fontRef idx="minor">
+            <a:schemeClr val="tx1"/>
+          </a:fontRef>
+        </p:style>
+      </p:cxnSp>
+      <mc:AlternateContent xmlns:mc="http://schemas.openxmlformats.org/markup-compatibility/2006">
+        <mc:Choice xmlns:a14="http://schemas.microsoft.com/office/drawing/2010/main" Requires="a14">
+          <p:sp>
+            <p:nvSpPr>
+              <p:cNvPr id="44" name="TextBox 43">
+                <a:extLst>
+                  <a:ext uri="{FF2B5EF4-FFF2-40B4-BE49-F238E27FC236}">
+                    <a16:creationId xmlns:a16="http://schemas.microsoft.com/office/drawing/2014/main" id="{F00161FB-6AB5-452C-9588-C3E9943902C8}"/>
+                  </a:ext>
+                </a:extLst>
+              </p:cNvPr>
+              <p:cNvSpPr txBox="1"/>
+              <p:nvPr/>
+            </p:nvSpPr>
+            <p:spPr>
+              <a:xfrm>
+                <a:off x="1894062" y="5540518"/>
+                <a:ext cx="512744" cy="456600"/>
+              </a:xfrm>
+              <a:prstGeom prst="rect">
+                <a:avLst/>
+              </a:prstGeom>
+              <a:noFill/>
+            </p:spPr>
+            <p:txBody>
+              <a:bodyPr wrap="square" lIns="0" tIns="0" rIns="0" bIns="0" rtlCol="0">
+                <a:spAutoFit/>
+              </a:bodyPr>
+              <a:lstStyle/>
+              <a:p>
+                <a:pPr/>
+                <a14:m>
+                  <m:oMathPara xmlns:m="http://schemas.openxmlformats.org/officeDocument/2006/math">
+                    <m:oMathParaPr>
+                      <m:jc m:val="centerGroup"/>
+                    </m:oMathParaPr>
+                    <m:oMath xmlns:m="http://schemas.openxmlformats.org/officeDocument/2006/math">
+                      <m:sSub>
+                        <m:sSubPr>
+                          <m:ctrlPr>
+                            <a:rPr lang="en-US" sz="2400" b="0" i="1" smtClean="0">
+                              <a:solidFill>
+                                <a:srgbClr val="FF0000"/>
+                              </a:solidFill>
+                              <a:latin typeface="Cambria Math" panose="02040503050406030204" pitchFamily="18" charset="0"/>
+                            </a:rPr>
+                          </m:ctrlPr>
+                        </m:sSubPr>
+                        <m:e>
+                          <m:acc>
+                            <m:accPr>
+                              <m:chr m:val="⃗"/>
+                              <m:ctrlPr>
+                                <a:rPr lang="en-US" sz="2400" i="1">
+                                  <a:solidFill>
+                                    <a:srgbClr val="FF0000"/>
+                                  </a:solidFill>
+                                  <a:latin typeface="Cambria Math" panose="02040503050406030204" pitchFamily="18" charset="0"/>
+                                </a:rPr>
+                              </m:ctrlPr>
+                            </m:accPr>
+                            <m:e>
+                              <m:r>
+                                <a:rPr lang="en-US" sz="2400" i="1">
+                                  <a:solidFill>
+                                    <a:srgbClr val="FF0000"/>
+                                  </a:solidFill>
+                                  <a:latin typeface="Cambria Math" panose="02040503050406030204" pitchFamily="18" charset="0"/>
+                                </a:rPr>
+                                <m:t>𝐹</m:t>
+                              </m:r>
+                            </m:e>
+                          </m:acc>
+                        </m:e>
+                        <m:sub>
+                          <m:r>
+                            <a:rPr lang="ru-RU" sz="2400" b="0" i="1" smtClean="0">
+                              <a:solidFill>
+                                <a:srgbClr val="FF0000"/>
+                              </a:solidFill>
+                              <a:latin typeface="Cambria Math" panose="02040503050406030204" pitchFamily="18" charset="0"/>
+                            </a:rPr>
+                            <m:t>упр</m:t>
+                          </m:r>
+                        </m:sub>
+                      </m:sSub>
+                    </m:oMath>
+                  </m:oMathPara>
+                </a14:m>
+                <a:endParaRPr lang="en-US" sz="2400" dirty="0">
+                  <a:solidFill>
+                    <a:srgbClr val="FF0000"/>
+                  </a:solidFill>
+                </a:endParaRPr>
+              </a:p>
+            </p:txBody>
+          </p:sp>
+        </mc:Choice>
+        <mc:Fallback>
+          <p:sp>
+            <p:nvSpPr>
+              <p:cNvPr id="44" name="TextBox 43">
+                <a:extLst>
+                  <a:ext uri="{FF2B5EF4-FFF2-40B4-BE49-F238E27FC236}">
+                    <a16:creationId xmlns:a16="http://schemas.microsoft.com/office/drawing/2014/main" id="{F00161FB-6AB5-452C-9588-C3E9943902C8}"/>
+                  </a:ext>
+                </a:extLst>
+              </p:cNvPr>
+              <p:cNvSpPr txBox="1">
+                <a:spLocks noRot="1" noChangeAspect="1" noMove="1" noResize="1" noEditPoints="1" noAdjustHandles="1" noChangeArrowheads="1" noChangeShapeType="1" noTextEdit="1"/>
+              </p:cNvSpPr>
+              <p:nvPr/>
+            </p:nvSpPr>
+            <p:spPr>
+              <a:xfrm>
+                <a:off x="1894062" y="5540518"/>
+                <a:ext cx="512744" cy="456600"/>
+              </a:xfrm>
+              <a:prstGeom prst="rect">
+                <a:avLst/>
+              </a:prstGeom>
+              <a:blipFill>
+                <a:blip r:embed="rId20"/>
+                <a:stretch>
+                  <a:fillRect/>
+                </a:stretch>
+              </a:blipFill>
+            </p:spPr>
+            <p:txBody>
+              <a:bodyPr/>
+              <a:lstStyle/>
+              <a:p>
+                <a:r>
+                  <a:rPr lang="en-US">
+                    <a:noFill/>
+                  </a:rPr>
+                  <a:t> </a:t>
+                </a:r>
+              </a:p>
+            </p:txBody>
+          </p:sp>
+        </mc:Fallback>
+      </mc:AlternateContent>
+      <mc:AlternateContent xmlns:mc="http://schemas.openxmlformats.org/markup-compatibility/2006">
+        <mc:Choice xmlns:a14="http://schemas.microsoft.com/office/drawing/2010/main" Requires="a14">
+          <p:sp>
+            <p:nvSpPr>
+              <p:cNvPr id="45" name="TextBox 44">
+                <a:extLst>
+                  <a:ext uri="{FF2B5EF4-FFF2-40B4-BE49-F238E27FC236}">
+                    <a16:creationId xmlns:a16="http://schemas.microsoft.com/office/drawing/2014/main" id="{E920120D-F017-4F91-A838-3F795CE074D3}"/>
+                  </a:ext>
+                </a:extLst>
+              </p:cNvPr>
+              <p:cNvSpPr txBox="1"/>
+              <p:nvPr/>
+            </p:nvSpPr>
+            <p:spPr>
+              <a:xfrm>
+                <a:off x="965421" y="5540518"/>
+                <a:ext cx="348236" cy="456600"/>
+              </a:xfrm>
+              <a:prstGeom prst="rect">
+                <a:avLst/>
+              </a:prstGeom>
+              <a:noFill/>
+            </p:spPr>
+            <p:txBody>
+              <a:bodyPr wrap="square" lIns="0" tIns="0" rIns="0" bIns="0" rtlCol="0">
+                <a:spAutoFit/>
+              </a:bodyPr>
+              <a:lstStyle/>
+              <a:p>
+                <a:pPr/>
+                <a14:m>
+                  <m:oMathPara xmlns:m="http://schemas.openxmlformats.org/officeDocument/2006/math">
+                    <m:oMathParaPr>
+                      <m:jc m:val="centerGroup"/>
+                    </m:oMathParaPr>
+                    <m:oMath xmlns:m="http://schemas.openxmlformats.org/officeDocument/2006/math">
+                      <m:sSub>
+                        <m:sSubPr>
+                          <m:ctrlPr>
+                            <a:rPr lang="en-US" sz="2400" b="0" i="1" smtClean="0">
+                              <a:solidFill>
+                                <a:srgbClr val="FF0000"/>
+                              </a:solidFill>
+                              <a:latin typeface="Cambria Math" panose="02040503050406030204" pitchFamily="18" charset="0"/>
+                            </a:rPr>
+                          </m:ctrlPr>
+                        </m:sSubPr>
+                        <m:e>
+                          <m:acc>
+                            <m:accPr>
+                              <m:chr m:val="⃗"/>
+                              <m:ctrlPr>
+                                <a:rPr lang="en-US" sz="2400" i="1">
+                                  <a:solidFill>
+                                    <a:srgbClr val="FF0000"/>
+                                  </a:solidFill>
+                                  <a:latin typeface="Cambria Math" panose="02040503050406030204" pitchFamily="18" charset="0"/>
+                                </a:rPr>
+                              </m:ctrlPr>
+                            </m:accPr>
+                            <m:e>
+                              <m:r>
+                                <a:rPr lang="en-US" sz="2400" i="1">
+                                  <a:solidFill>
+                                    <a:srgbClr val="FF0000"/>
+                                  </a:solidFill>
+                                  <a:latin typeface="Cambria Math" panose="02040503050406030204" pitchFamily="18" charset="0"/>
+                                </a:rPr>
+                                <m:t>𝐹</m:t>
+                              </m:r>
+                            </m:e>
+                          </m:acc>
+                        </m:e>
+                        <m:sub>
+                          <m:r>
+                            <a:rPr lang="ru-RU" sz="2400" b="0" i="1" smtClean="0">
+                              <a:solidFill>
+                                <a:srgbClr val="FF0000"/>
+                              </a:solidFill>
+                              <a:latin typeface="Cambria Math" panose="02040503050406030204" pitchFamily="18" charset="0"/>
+                            </a:rPr>
+                            <m:t>упр</m:t>
+                          </m:r>
+                        </m:sub>
+                      </m:sSub>
+                    </m:oMath>
+                  </m:oMathPara>
+                </a14:m>
+                <a:endParaRPr lang="en-US" sz="2400" dirty="0">
+                  <a:solidFill>
+                    <a:srgbClr val="FF0000"/>
+                  </a:solidFill>
+                </a:endParaRPr>
+              </a:p>
+            </p:txBody>
+          </p:sp>
+        </mc:Choice>
+        <mc:Fallback>
+          <p:sp>
+            <p:nvSpPr>
+              <p:cNvPr id="45" name="TextBox 44">
+                <a:extLst>
+                  <a:ext uri="{FF2B5EF4-FFF2-40B4-BE49-F238E27FC236}">
+                    <a16:creationId xmlns:a16="http://schemas.microsoft.com/office/drawing/2014/main" id="{E920120D-F017-4F91-A838-3F795CE074D3}"/>
+                  </a:ext>
+                </a:extLst>
+              </p:cNvPr>
+              <p:cNvSpPr txBox="1">
+                <a:spLocks noRot="1" noChangeAspect="1" noMove="1" noResize="1" noEditPoints="1" noAdjustHandles="1" noChangeArrowheads="1" noChangeShapeType="1" noTextEdit="1"/>
+              </p:cNvSpPr>
+              <p:nvPr/>
+            </p:nvSpPr>
+            <p:spPr>
+              <a:xfrm>
+                <a:off x="965421" y="5540518"/>
+                <a:ext cx="348236" cy="456600"/>
+              </a:xfrm>
+              <a:prstGeom prst="rect">
+                <a:avLst/>
+              </a:prstGeom>
+              <a:blipFill>
+                <a:blip r:embed="rId21"/>
+                <a:stretch>
+                  <a:fillRect r="-42105"/>
+                </a:stretch>
+              </a:blipFill>
+            </p:spPr>
+            <p:txBody>
+              <a:bodyPr/>
+              <a:lstStyle/>
+              <a:p>
+                <a:r>
+                  <a:rPr lang="en-US">
+                    <a:noFill/>
+                  </a:rPr>
+                  <a:t> </a:t>
+                </a:r>
+              </a:p>
+            </p:txBody>
+          </p:sp>
+        </mc:Fallback>
+      </mc:AlternateContent>
+      <p:cxnSp>
+        <p:nvCxnSpPr>
+          <p:cNvPr id="46" name="Straight Arrow Connector 45">
+            <a:extLst>
+              <a:ext uri="{FF2B5EF4-FFF2-40B4-BE49-F238E27FC236}">
+                <a16:creationId xmlns:a16="http://schemas.microsoft.com/office/drawing/2014/main" id="{5F67C702-9D30-40D9-8286-89087AE1BF40}"/>
+              </a:ext>
+            </a:extLst>
+          </p:cNvPr>
+          <p:cNvCxnSpPr>
+            <a:cxnSpLocks/>
+          </p:cNvCxnSpPr>
+          <p:nvPr/>
+        </p:nvCxnSpPr>
+        <p:spPr>
+          <a:xfrm>
+            <a:off x="965421" y="6159657"/>
+            <a:ext cx="524943" cy="0"/>
+          </a:xfrm>
+          <a:prstGeom prst="straightConnector1">
+            <a:avLst/>
+          </a:prstGeom>
+          <a:ln w="47625">
+            <a:solidFill>
+              <a:srgbClr val="FF0000"/>
+            </a:solidFill>
+            <a:headEnd type="none" w="lg" len="lg"/>
+            <a:tailEnd type="stealth" w="lg" len="lg"/>
+          </a:ln>
+        </p:spPr>
+        <p:style>
+          <a:lnRef idx="1">
+            <a:schemeClr val="accent1"/>
+          </a:lnRef>
+          <a:fillRef idx="0">
+            <a:schemeClr val="accent1"/>
+          </a:fillRef>
+          <a:effectRef idx="0">
+            <a:schemeClr val="accent1"/>
+          </a:effectRef>
+          <a:fontRef idx="minor">
+            <a:schemeClr val="tx1"/>
+          </a:fontRef>
+        </p:style>
+      </p:cxnSp>
     </p:spTree>
     <p:extLst>
       <p:ext uri="{BB962C8B-B14F-4D97-AF65-F5344CB8AC3E}">
@@ -37636,4 +40640,299 @@
     </a:ext>
   </a:extLst>
 </a:theme>
+</file>
+
+<file path=ppt/theme/theme2.xml><?xml version="1.0" encoding="utf-8"?>
+<a:theme xmlns:a="http://schemas.openxmlformats.org/drawingml/2006/main" name="Office Theme">
+  <a:themeElements>
+    <a:clrScheme name="Office">
+      <a:dk1>
+        <a:sysClr val="windowText" lastClr="000000"/>
+      </a:dk1>
+      <a:lt1>
+        <a:sysClr val="window" lastClr="FFFFFF"/>
+      </a:lt1>
+      <a:dk2>
+        <a:srgbClr val="44546A"/>
+      </a:dk2>
+      <a:lt2>
+        <a:srgbClr val="E7E6E6"/>
+      </a:lt2>
+      <a:accent1>
+        <a:srgbClr val="4472C4"/>
+      </a:accent1>
+      <a:accent2>
+        <a:srgbClr val="ED7D31"/>
+      </a:accent2>
+      <a:accent3>
+        <a:srgbClr val="A5A5A5"/>
+      </a:accent3>
+      <a:accent4>
+        <a:srgbClr val="FFC000"/>
+      </a:accent4>
+      <a:accent5>
+        <a:srgbClr val="5B9BD5"/>
+      </a:accent5>
+      <a:accent6>
+        <a:srgbClr val="70AD47"/>
+      </a:accent6>
+      <a:hlink>
+        <a:srgbClr val="0563C1"/>
+      </a:hlink>
+      <a:folHlink>
+        <a:srgbClr val="954F72"/>
+      </a:folHlink>
+    </a:clrScheme>
+    <a:fontScheme name="Office">
+      <a:majorFont>
+        <a:latin typeface="Calibri Light" panose="020F0302020204030204"/>
+        <a:ea typeface=""/>
+        <a:cs typeface=""/>
+        <a:font script="Jpan" typeface="游ゴシック Light"/>
+        <a:font script="Hang" typeface="맑은 고딕"/>
+        <a:font script="Hans" typeface="等线 Light"/>
+        <a:font script="Hant" typeface="新細明體"/>
+        <a:font script="Arab" typeface="Times New Roman"/>
+        <a:font script="Hebr" typeface="Times New Roman"/>
+        <a:font script="Thai" typeface="Angsana New"/>
+        <a:font script="Ethi" typeface="Nyala"/>
+        <a:font script="Beng" typeface="Vrinda"/>
+        <a:font script="Gujr" typeface="Shruti"/>
+        <a:font script="Khmr" typeface="MoolBoran"/>
+        <a:font script="Knda" typeface="Tunga"/>
+        <a:font script="Guru" typeface="Raavi"/>
+        <a:font script="Cans" typeface="Euphemia"/>
+        <a:font script="Cher" typeface="Plantagenet Cherokee"/>
+        <a:font script="Yiii" typeface="Microsoft Yi Baiti"/>
+        <a:font script="Tibt" typeface="Microsoft Himalaya"/>
+        <a:font script="Thaa" typeface="MV Boli"/>
+        <a:font script="Deva" typeface="Mangal"/>
+        <a:font script="Telu" typeface="Gautami"/>
+        <a:font script="Taml" typeface="Latha"/>
+        <a:font script="Syrc" typeface="Estrangelo Edessa"/>
+        <a:font script="Orya" typeface="Kalinga"/>
+        <a:font script="Mlym" typeface="Kartika"/>
+        <a:font script="Laoo" typeface="DokChampa"/>
+        <a:font script="Sinh" typeface="Iskoola Pota"/>
+        <a:font script="Mong" typeface="Mongolian Baiti"/>
+        <a:font script="Viet" typeface="Times New Roman"/>
+        <a:font script="Uigh" typeface="Microsoft Uighur"/>
+        <a:font script="Geor" typeface="Sylfaen"/>
+        <a:font script="Armn" typeface="Arial"/>
+        <a:font script="Bugi" typeface="Leelawadee UI"/>
+        <a:font script="Bopo" typeface="Microsoft JhengHei"/>
+        <a:font script="Java" typeface="Javanese Text"/>
+        <a:font script="Lisu" typeface="Segoe UI"/>
+        <a:font script="Mymr" typeface="Myanmar Text"/>
+        <a:font script="Nkoo" typeface="Ebrima"/>
+        <a:font script="Olck" typeface="Nirmala UI"/>
+        <a:font script="Osma" typeface="Ebrima"/>
+        <a:font script="Phag" typeface="Phagspa"/>
+        <a:font script="Syrn" typeface="Estrangelo Edessa"/>
+        <a:font script="Syrj" typeface="Estrangelo Edessa"/>
+        <a:font script="Syre" typeface="Estrangelo Edessa"/>
+        <a:font script="Sora" typeface="Nirmala UI"/>
+        <a:font script="Tale" typeface="Microsoft Tai Le"/>
+        <a:font script="Talu" typeface="Microsoft New Tai Lue"/>
+        <a:font script="Tfng" typeface="Ebrima"/>
+      </a:majorFont>
+      <a:minorFont>
+        <a:latin typeface="Calibri" panose="020F0502020204030204"/>
+        <a:ea typeface=""/>
+        <a:cs typeface=""/>
+        <a:font script="Jpan" typeface="游ゴシック"/>
+        <a:font script="Hang" typeface="맑은 고딕"/>
+        <a:font script="Hans" typeface="等线"/>
+        <a:font script="Hant" typeface="新細明體"/>
+        <a:font script="Arab" typeface="Arial"/>
+        <a:font script="Hebr" typeface="Arial"/>
+        <a:font script="Thai" typeface="Cordia New"/>
+        <a:font script="Ethi" typeface="Nyala"/>
+        <a:font script="Beng" typeface="Vrinda"/>
+        <a:font script="Gujr" typeface="Shruti"/>
+        <a:font script="Khmr" typeface="DaunPenh"/>
+        <a:font script="Knda" typeface="Tunga"/>
+        <a:font script="Guru" typeface="Raavi"/>
+        <a:font script="Cans" typeface="Euphemia"/>
+        <a:font script="Cher" typeface="Plantagenet Cherokee"/>
+        <a:font script="Yiii" typeface="Microsoft Yi Baiti"/>
+        <a:font script="Tibt" typeface="Microsoft Himalaya"/>
+        <a:font script="Thaa" typeface="MV Boli"/>
+        <a:font script="Deva" typeface="Mangal"/>
+        <a:font script="Telu" typeface="Gautami"/>
+        <a:font script="Taml" typeface="Latha"/>
+        <a:font script="Syrc" typeface="Estrangelo Edessa"/>
+        <a:font script="Orya" typeface="Kalinga"/>
+        <a:font script="Mlym" typeface="Kartika"/>
+        <a:font script="Laoo" typeface="DokChampa"/>
+        <a:font script="Sinh" typeface="Iskoola Pota"/>
+        <a:font script="Mong" typeface="Mongolian Baiti"/>
+        <a:font script="Viet" typeface="Arial"/>
+        <a:font script="Uigh" typeface="Microsoft Uighur"/>
+        <a:font script="Geor" typeface="Sylfaen"/>
+        <a:font script="Armn" typeface="Arial"/>
+        <a:font script="Bugi" typeface="Leelawadee UI"/>
+        <a:font script="Bopo" typeface="Microsoft JhengHei"/>
+        <a:font script="Java" typeface="Javanese Text"/>
+        <a:font script="Lisu" typeface="Segoe UI"/>
+        <a:font script="Mymr" typeface="Myanmar Text"/>
+        <a:font script="Nkoo" typeface="Ebrima"/>
+        <a:font script="Olck" typeface="Nirmala UI"/>
+        <a:font script="Osma" typeface="Ebrima"/>
+        <a:font script="Phag" typeface="Phagspa"/>
+        <a:font script="Syrn" typeface="Estrangelo Edessa"/>
+        <a:font script="Syrj" typeface="Estrangelo Edessa"/>
+        <a:font script="Syre" typeface="Estrangelo Edessa"/>
+        <a:font script="Sora" typeface="Nirmala UI"/>
+        <a:font script="Tale" typeface="Microsoft Tai Le"/>
+        <a:font script="Talu" typeface="Microsoft New Tai Lue"/>
+        <a:font script="Tfng" typeface="Ebrima"/>
+      </a:minorFont>
+    </a:fontScheme>
+    <a:fmtScheme name="Office">
+      <a:fillStyleLst>
+        <a:solidFill>
+          <a:schemeClr val="phClr"/>
+        </a:solidFill>
+        <a:gradFill rotWithShape="1">
+          <a:gsLst>
+            <a:gs pos="0">
+              <a:schemeClr val="phClr">
+                <a:lumMod val="110000"/>
+                <a:satMod val="105000"/>
+                <a:tint val="67000"/>
+              </a:schemeClr>
+            </a:gs>
+            <a:gs pos="50000">
+              <a:schemeClr val="phClr">
+                <a:lumMod val="105000"/>
+                <a:satMod val="103000"/>
+                <a:tint val="73000"/>
+              </a:schemeClr>
+            </a:gs>
+            <a:gs pos="100000">
+              <a:schemeClr val="phClr">
+                <a:lumMod val="105000"/>
+                <a:satMod val="109000"/>
+                <a:tint val="81000"/>
+              </a:schemeClr>
+            </a:gs>
+          </a:gsLst>
+          <a:lin ang="5400000" scaled="0"/>
+        </a:gradFill>
+        <a:gradFill rotWithShape="1">
+          <a:gsLst>
+            <a:gs pos="0">
+              <a:schemeClr val="phClr">
+                <a:satMod val="103000"/>
+                <a:lumMod val="102000"/>
+                <a:tint val="94000"/>
+              </a:schemeClr>
+            </a:gs>
+            <a:gs pos="50000">
+              <a:schemeClr val="phClr">
+                <a:satMod val="110000"/>
+                <a:lumMod val="100000"/>
+                <a:shade val="100000"/>
+              </a:schemeClr>
+            </a:gs>
+            <a:gs pos="100000">
+              <a:schemeClr val="phClr">
+                <a:lumMod val="99000"/>
+                <a:satMod val="120000"/>
+                <a:shade val="78000"/>
+              </a:schemeClr>
+            </a:gs>
+          </a:gsLst>
+          <a:lin ang="5400000" scaled="0"/>
+        </a:gradFill>
+      </a:fillStyleLst>
+      <a:lnStyleLst>
+        <a:ln w="6350" cap="flat" cmpd="sng" algn="ctr">
+          <a:solidFill>
+            <a:schemeClr val="phClr"/>
+          </a:solidFill>
+          <a:prstDash val="solid"/>
+          <a:miter lim="800000"/>
+        </a:ln>
+        <a:ln w="12700" cap="flat" cmpd="sng" algn="ctr">
+          <a:solidFill>
+            <a:schemeClr val="phClr"/>
+          </a:solidFill>
+          <a:prstDash val="solid"/>
+          <a:miter lim="800000"/>
+        </a:ln>
+        <a:ln w="19050" cap="flat" cmpd="sng" algn="ctr">
+          <a:solidFill>
+            <a:schemeClr val="phClr"/>
+          </a:solidFill>
+          <a:prstDash val="solid"/>
+          <a:miter lim="800000"/>
+        </a:ln>
+      </a:lnStyleLst>
+      <a:effectStyleLst>
+        <a:effectStyle>
+          <a:effectLst/>
+        </a:effectStyle>
+        <a:effectStyle>
+          <a:effectLst/>
+        </a:effectStyle>
+        <a:effectStyle>
+          <a:effectLst>
+            <a:outerShdw blurRad="57150" dist="19050" dir="5400000" algn="ctr" rotWithShape="0">
+              <a:srgbClr val="000000">
+                <a:alpha val="63000"/>
+              </a:srgbClr>
+            </a:outerShdw>
+          </a:effectLst>
+        </a:effectStyle>
+      </a:effectStyleLst>
+      <a:bgFillStyleLst>
+        <a:solidFill>
+          <a:schemeClr val="phClr"/>
+        </a:solidFill>
+        <a:solidFill>
+          <a:schemeClr val="phClr">
+            <a:tint val="95000"/>
+            <a:satMod val="170000"/>
+          </a:schemeClr>
+        </a:solidFill>
+        <a:gradFill rotWithShape="1">
+          <a:gsLst>
+            <a:gs pos="0">
+              <a:schemeClr val="phClr">
+                <a:tint val="93000"/>
+                <a:satMod val="150000"/>
+                <a:shade val="98000"/>
+                <a:lumMod val="102000"/>
+              </a:schemeClr>
+            </a:gs>
+            <a:gs pos="50000">
+              <a:schemeClr val="phClr">
+                <a:tint val="98000"/>
+                <a:satMod val="130000"/>
+                <a:shade val="90000"/>
+                <a:lumMod val="103000"/>
+              </a:schemeClr>
+            </a:gs>
+            <a:gs pos="100000">
+              <a:schemeClr val="phClr">
+                <a:shade val="63000"/>
+                <a:satMod val="120000"/>
+              </a:schemeClr>
+            </a:gs>
+          </a:gsLst>
+          <a:lin ang="5400000" scaled="0"/>
+        </a:gradFill>
+      </a:bgFillStyleLst>
+    </a:fmtScheme>
+  </a:themeElements>
+  <a:objectDefaults/>
+  <a:extraClrSchemeLst/>
+  <a:extLst>
+    <a:ext uri="{05A4C25C-085E-4340-85A3-A5531E510DB2}">
+      <thm15:themeFamily xmlns:thm15="http://schemas.microsoft.com/office/thememl/2012/main" name="Office Theme" id="{62F939B6-93AF-4DB8-9C6B-D6C7DFDC589F}" vid="{4A3C46E8-61CC-4603-A589-7422A47A8E4A}"/>
+    </a:ext>
+  </a:extLst>
+</a:theme>
 </file>
--- a/volunteer/Drawings.pptx
+++ b/volunteer/Drawings.pptx
@@ -5,7 +5,7 @@
     <p:sldMasterId id="2147483648" r:id="rId1"/>
   </p:sldMasterIdLst>
   <p:notesMasterIdLst>
-    <p:notesMasterId r:id="rId16"/>
+    <p:notesMasterId r:id="rId17"/>
   </p:notesMasterIdLst>
   <p:sldIdLst>
     <p:sldId id="257" r:id="rId2"/>
@@ -22,6 +22,7 @@
     <p:sldId id="276" r:id="rId13"/>
     <p:sldId id="277" r:id="rId14"/>
     <p:sldId id="278" r:id="rId15"/>
+    <p:sldId id="279" r:id="rId16"/>
   </p:sldIdLst>
   <p:sldSz cx="12192000" cy="6858000"/>
   <p:notesSz cx="6858000" cy="9144000"/>
@@ -20865,8 +20866,8 @@
           </a:fontRef>
         </p:style>
       </p:cxnSp>
-      <mc:AlternateContent xmlns:mc="http://schemas.openxmlformats.org/markup-compatibility/2006">
-        <mc:Choice xmlns:a14="http://schemas.microsoft.com/office/drawing/2010/main" Requires="a14">
+      <mc:AlternateContent xmlns:mc="http://schemas.openxmlformats.org/markup-compatibility/2006" xmlns:a14="http://schemas.microsoft.com/office/drawing/2010/main">
+        <mc:Choice Requires="a14">
           <p:sp>
             <p:nvSpPr>
               <p:cNvPr id="14" name="TextBox 13">
@@ -20963,7 +20964,7 @@
             </p:txBody>
           </p:sp>
         </mc:Choice>
-        <mc:Fallback>
+        <mc:Fallback xmlns="">
           <p:sp>
             <p:nvSpPr>
               <p:cNvPr id="14" name="TextBox 13">
@@ -21008,8 +21009,8 @@
           </p:sp>
         </mc:Fallback>
       </mc:AlternateContent>
-      <mc:AlternateContent xmlns:mc="http://schemas.openxmlformats.org/markup-compatibility/2006">
-        <mc:Choice xmlns:a14="http://schemas.microsoft.com/office/drawing/2010/main" Requires="a14">
+      <mc:AlternateContent xmlns:mc="http://schemas.openxmlformats.org/markup-compatibility/2006" xmlns:a14="http://schemas.microsoft.com/office/drawing/2010/main">
+        <mc:Choice Requires="a14">
           <p:sp>
             <p:nvSpPr>
               <p:cNvPr id="15" name="TextBox 14">
@@ -21106,7 +21107,7 @@
             </p:txBody>
           </p:sp>
         </mc:Choice>
-        <mc:Fallback>
+        <mc:Fallback xmlns="">
           <p:sp>
             <p:nvSpPr>
               <p:cNvPr id="15" name="TextBox 14">
@@ -21241,8 +21242,8 @@
           </a:fontRef>
         </p:style>
       </p:cxnSp>
-      <mc:AlternateContent xmlns:mc="http://schemas.openxmlformats.org/markup-compatibility/2006">
-        <mc:Choice xmlns:a14="http://schemas.microsoft.com/office/drawing/2010/main" Requires="a14">
+      <mc:AlternateContent xmlns:mc="http://schemas.openxmlformats.org/markup-compatibility/2006" xmlns:a14="http://schemas.microsoft.com/office/drawing/2010/main">
+        <mc:Choice Requires="a14">
           <p:sp>
             <p:nvSpPr>
               <p:cNvPr id="27" name="TextBox 26">
@@ -21323,7 +21324,7 @@
             </p:txBody>
           </p:sp>
         </mc:Choice>
-        <mc:Fallback>
+        <mc:Fallback xmlns="">
           <p:sp>
             <p:nvSpPr>
               <p:cNvPr id="27" name="TextBox 26">
@@ -21413,8 +21414,8 @@
           </a:fontRef>
         </p:style>
       </p:cxnSp>
-      <mc:AlternateContent xmlns:mc="http://schemas.openxmlformats.org/markup-compatibility/2006">
-        <mc:Choice xmlns:a14="http://schemas.microsoft.com/office/drawing/2010/main" Requires="a14">
+      <mc:AlternateContent xmlns:mc="http://schemas.openxmlformats.org/markup-compatibility/2006" xmlns:a14="http://schemas.microsoft.com/office/drawing/2010/main">
+        <mc:Choice Requires="a14">
           <p:sp>
             <p:nvSpPr>
               <p:cNvPr id="29" name="TextBox 28">
@@ -21495,7 +21496,7 @@
             </p:txBody>
           </p:sp>
         </mc:Choice>
-        <mc:Fallback>
+        <mc:Fallback xmlns="">
           <p:sp>
             <p:nvSpPr>
               <p:cNvPr id="29" name="TextBox 28">
@@ -21675,8 +21676,8 @@
           </a:fontRef>
         </p:style>
       </p:cxnSp>
-      <mc:AlternateContent xmlns:mc="http://schemas.openxmlformats.org/markup-compatibility/2006">
-        <mc:Choice xmlns:a14="http://schemas.microsoft.com/office/drawing/2010/main" Requires="a14">
+      <mc:AlternateContent xmlns:mc="http://schemas.openxmlformats.org/markup-compatibility/2006" xmlns:a14="http://schemas.microsoft.com/office/drawing/2010/main">
+        <mc:Choice Requires="a14">
           <p:sp>
             <p:nvSpPr>
               <p:cNvPr id="36" name="TextBox 35">
@@ -21773,7 +21774,7 @@
             </p:txBody>
           </p:sp>
         </mc:Choice>
-        <mc:Fallback>
+        <mc:Fallback xmlns="">
           <p:sp>
             <p:nvSpPr>
               <p:cNvPr id="36" name="TextBox 35">
@@ -21818,8 +21819,8 @@
           </p:sp>
         </mc:Fallback>
       </mc:AlternateContent>
-      <mc:AlternateContent xmlns:mc="http://schemas.openxmlformats.org/markup-compatibility/2006">
-        <mc:Choice xmlns:a14="http://schemas.microsoft.com/office/drawing/2010/main" Requires="a14">
+      <mc:AlternateContent xmlns:mc="http://schemas.openxmlformats.org/markup-compatibility/2006" xmlns:a14="http://schemas.microsoft.com/office/drawing/2010/main">
+        <mc:Choice Requires="a14">
           <p:sp>
             <p:nvSpPr>
               <p:cNvPr id="37" name="TextBox 36">
@@ -21916,7 +21917,7 @@
             </p:txBody>
           </p:sp>
         </mc:Choice>
-        <mc:Fallback>
+        <mc:Fallback xmlns="">
           <p:sp>
             <p:nvSpPr>
               <p:cNvPr id="37" name="TextBox 36">
@@ -21961,8 +21962,8 @@
           </p:sp>
         </mc:Fallback>
       </mc:AlternateContent>
-      <mc:AlternateContent xmlns:mc="http://schemas.openxmlformats.org/markup-compatibility/2006">
-        <mc:Choice xmlns:a14="http://schemas.microsoft.com/office/drawing/2010/main" Requires="a14">
+      <mc:AlternateContent xmlns:mc="http://schemas.openxmlformats.org/markup-compatibility/2006" xmlns:a14="http://schemas.microsoft.com/office/drawing/2010/main">
+        <mc:Choice Requires="a14">
           <p:sp>
             <p:nvSpPr>
               <p:cNvPr id="38" name="TextBox 37">
@@ -22043,7 +22044,7 @@
             </p:txBody>
           </p:sp>
         </mc:Choice>
-        <mc:Fallback>
+        <mc:Fallback xmlns="">
           <p:sp>
             <p:nvSpPr>
               <p:cNvPr id="38" name="TextBox 37">
@@ -22088,8 +22089,8 @@
           </p:sp>
         </mc:Fallback>
       </mc:AlternateContent>
-      <mc:AlternateContent xmlns:mc="http://schemas.openxmlformats.org/markup-compatibility/2006">
-        <mc:Choice xmlns:a14="http://schemas.microsoft.com/office/drawing/2010/main" Requires="a14">
+      <mc:AlternateContent xmlns:mc="http://schemas.openxmlformats.org/markup-compatibility/2006" xmlns:a14="http://schemas.microsoft.com/office/drawing/2010/main">
+        <mc:Choice Requires="a14">
           <p:sp>
             <p:nvSpPr>
               <p:cNvPr id="40" name="TextBox 39">
@@ -22140,7 +22141,7 @@
             </p:txBody>
           </p:sp>
         </mc:Choice>
-        <mc:Fallback>
+        <mc:Fallback xmlns="">
           <p:sp>
             <p:nvSpPr>
               <p:cNvPr id="40" name="TextBox 39">
@@ -22237,8 +22238,8 @@
           </a:p>
         </p:txBody>
       </p:sp>
-      <mc:AlternateContent xmlns:mc="http://schemas.openxmlformats.org/markup-compatibility/2006">
-        <mc:Choice xmlns:a14="http://schemas.microsoft.com/office/drawing/2010/main" Requires="a14">
+      <mc:AlternateContent xmlns:mc="http://schemas.openxmlformats.org/markup-compatibility/2006" xmlns:a14="http://schemas.microsoft.com/office/drawing/2010/main">
+        <mc:Choice Requires="a14">
           <p:sp>
             <p:nvSpPr>
               <p:cNvPr id="42" name="TextBox 41">
@@ -22289,7 +22290,7 @@
             </p:txBody>
           </p:sp>
         </mc:Choice>
-        <mc:Fallback>
+        <mc:Fallback xmlns="">
           <p:sp>
             <p:nvSpPr>
               <p:cNvPr id="42" name="TextBox 41">
@@ -22379,8 +22380,8 @@
           </a:fontRef>
         </p:style>
       </p:cxnSp>
-      <mc:AlternateContent xmlns:mc="http://schemas.openxmlformats.org/markup-compatibility/2006">
-        <mc:Choice xmlns:a14="http://schemas.microsoft.com/office/drawing/2010/main" Requires="a14">
+      <mc:AlternateContent xmlns:mc="http://schemas.openxmlformats.org/markup-compatibility/2006" xmlns:a14="http://schemas.microsoft.com/office/drawing/2010/main">
+        <mc:Choice Requires="a14">
           <p:sp>
             <p:nvSpPr>
               <p:cNvPr id="49" name="TextBox 48">
@@ -22477,7 +22478,7 @@
             </p:txBody>
           </p:sp>
         </mc:Choice>
-        <mc:Fallback>
+        <mc:Fallback xmlns="">
           <p:sp>
             <p:nvSpPr>
               <p:cNvPr id="49" name="TextBox 48">
@@ -22612,8 +22613,8 @@
           </a:fontRef>
         </p:style>
       </p:cxnSp>
-      <mc:AlternateContent xmlns:mc="http://schemas.openxmlformats.org/markup-compatibility/2006">
-        <mc:Choice xmlns:a14="http://schemas.microsoft.com/office/drawing/2010/main" Requires="a14">
+      <mc:AlternateContent xmlns:mc="http://schemas.openxmlformats.org/markup-compatibility/2006" xmlns:a14="http://schemas.microsoft.com/office/drawing/2010/main">
+        <mc:Choice Requires="a14">
           <p:sp>
             <p:nvSpPr>
               <p:cNvPr id="58" name="TextBox 57">
@@ -22710,7 +22711,7 @@
             </p:txBody>
           </p:sp>
         </mc:Choice>
-        <mc:Fallback>
+        <mc:Fallback xmlns="">
           <p:sp>
             <p:nvSpPr>
               <p:cNvPr id="58" name="TextBox 57">
@@ -22755,8 +22756,8 @@
           </p:sp>
         </mc:Fallback>
       </mc:AlternateContent>
-      <mc:AlternateContent xmlns:mc="http://schemas.openxmlformats.org/markup-compatibility/2006">
-        <mc:Choice xmlns:a14="http://schemas.microsoft.com/office/drawing/2010/main" Requires="a14">
+      <mc:AlternateContent xmlns:mc="http://schemas.openxmlformats.org/markup-compatibility/2006" xmlns:a14="http://schemas.microsoft.com/office/drawing/2010/main">
+        <mc:Choice Requires="a14">
           <p:sp>
             <p:nvSpPr>
               <p:cNvPr id="60" name="TextBox 59">
@@ -22828,7 +22829,7 @@
             </p:txBody>
           </p:sp>
         </mc:Choice>
-        <mc:Fallback>
+        <mc:Fallback xmlns="">
           <p:sp>
             <p:nvSpPr>
               <p:cNvPr id="60" name="TextBox 59">
@@ -22948,8 +22949,8 @@
           </a:fontRef>
         </p:style>
       </p:cxnSp>
-      <mc:AlternateContent xmlns:mc="http://schemas.openxmlformats.org/markup-compatibility/2006">
-        <mc:Choice xmlns:a14="http://schemas.microsoft.com/office/drawing/2010/main" Requires="a14">
+      <mc:AlternateContent xmlns:mc="http://schemas.openxmlformats.org/markup-compatibility/2006" xmlns:a14="http://schemas.microsoft.com/office/drawing/2010/main">
+        <mc:Choice Requires="a14">
           <p:sp>
             <p:nvSpPr>
               <p:cNvPr id="44" name="TextBox 43">
@@ -23046,7 +23047,7 @@
             </p:txBody>
           </p:sp>
         </mc:Choice>
-        <mc:Fallback>
+        <mc:Fallback xmlns="">
           <p:sp>
             <p:nvSpPr>
               <p:cNvPr id="44" name="TextBox 43">
@@ -23091,8 +23092,8 @@
           </p:sp>
         </mc:Fallback>
       </mc:AlternateContent>
-      <mc:AlternateContent xmlns:mc="http://schemas.openxmlformats.org/markup-compatibility/2006">
-        <mc:Choice xmlns:a14="http://schemas.microsoft.com/office/drawing/2010/main" Requires="a14">
+      <mc:AlternateContent xmlns:mc="http://schemas.openxmlformats.org/markup-compatibility/2006" xmlns:a14="http://schemas.microsoft.com/office/drawing/2010/main">
+        <mc:Choice Requires="a14">
           <p:sp>
             <p:nvSpPr>
               <p:cNvPr id="45" name="TextBox 44">
@@ -23189,7 +23190,7 @@
             </p:txBody>
           </p:sp>
         </mc:Choice>
-        <mc:Fallback>
+        <mc:Fallback xmlns="">
           <p:sp>
             <p:nvSpPr>
               <p:cNvPr id="45" name="TextBox 44">
@@ -23283,6 +23284,1491 @@
     <p:extLst>
       <p:ext uri="{BB962C8B-B14F-4D97-AF65-F5344CB8AC3E}">
         <p14:creationId xmlns:p14="http://schemas.microsoft.com/office/powerpoint/2010/main" val="1212671765"/>
+      </p:ext>
+    </p:extLst>
+  </p:cSld>
+  <p:clrMapOvr>
+    <a:masterClrMapping/>
+  </p:clrMapOvr>
+</p:sld>
+</file>
+
+<file path=ppt/slides/slide15.xml><?xml version="1.0" encoding="utf-8"?>
+<p:sld xmlns:a="http://schemas.openxmlformats.org/drawingml/2006/main" xmlns:r="http://schemas.openxmlformats.org/officeDocument/2006/relationships" xmlns:p="http://schemas.openxmlformats.org/presentationml/2006/main">
+  <p:cSld>
+    <p:spTree>
+      <p:nvGrpSpPr>
+        <p:cNvPr id="1" name=""/>
+        <p:cNvGrpSpPr/>
+        <p:nvPr/>
+      </p:nvGrpSpPr>
+      <p:grpSpPr>
+        <a:xfrm>
+          <a:off x="0" y="0"/>
+          <a:ext cx="0" cy="0"/>
+          <a:chOff x="0" y="0"/>
+          <a:chExt cx="0" cy="0"/>
+        </a:xfrm>
+      </p:grpSpPr>
+      <p:pic>
+        <p:nvPicPr>
+          <p:cNvPr id="2" name="Picture 1">
+            <a:extLst>
+              <a:ext uri="{FF2B5EF4-FFF2-40B4-BE49-F238E27FC236}">
+                <a16:creationId xmlns:a16="http://schemas.microsoft.com/office/drawing/2014/main" id="{68541796-318B-4D86-A432-25B9C064BBA0}"/>
+              </a:ext>
+            </a:extLst>
+          </p:cNvPr>
+          <p:cNvPicPr>
+            <a:picLocks noChangeAspect="1"/>
+          </p:cNvPicPr>
+          <p:nvPr/>
+        </p:nvPicPr>
+        <p:blipFill rotWithShape="1">
+          <a:blip r:embed="rId2"/>
+          <a:srcRect l="21272" t="279" r="43843" b="49721"/>
+          <a:stretch/>
+        </p:blipFill>
+        <p:spPr>
+          <a:xfrm>
+            <a:off x="0" y="228077"/>
+            <a:ext cx="3970262" cy="3200923"/>
+          </a:xfrm>
+          <a:prstGeom prst="rect">
+            <a:avLst/>
+          </a:prstGeom>
+        </p:spPr>
+      </p:pic>
+      <p:cxnSp>
+        <p:nvCxnSpPr>
+          <p:cNvPr id="3" name="Straight Connector 2">
+            <a:extLst>
+              <a:ext uri="{FF2B5EF4-FFF2-40B4-BE49-F238E27FC236}">
+                <a16:creationId xmlns:a16="http://schemas.microsoft.com/office/drawing/2014/main" id="{FCB468CC-0D11-4007-BD0B-4B33CA7D0D6C}"/>
+              </a:ext>
+            </a:extLst>
+          </p:cNvPr>
+          <p:cNvCxnSpPr>
+            <a:cxnSpLocks/>
+          </p:cNvCxnSpPr>
+          <p:nvPr/>
+        </p:nvCxnSpPr>
+        <p:spPr>
+          <a:xfrm>
+            <a:off x="1999339" y="228077"/>
+            <a:ext cx="0" cy="3059762"/>
+          </a:xfrm>
+          <a:prstGeom prst="line">
+            <a:avLst/>
+          </a:prstGeom>
+          <a:ln w="31750">
+            <a:solidFill>
+              <a:srgbClr val="00B050"/>
+            </a:solidFill>
+          </a:ln>
+        </p:spPr>
+        <p:style>
+          <a:lnRef idx="1">
+            <a:schemeClr val="accent1"/>
+          </a:lnRef>
+          <a:fillRef idx="0">
+            <a:schemeClr val="accent1"/>
+          </a:fillRef>
+          <a:effectRef idx="0">
+            <a:schemeClr val="accent1"/>
+          </a:effectRef>
+          <a:fontRef idx="minor">
+            <a:schemeClr val="tx1"/>
+          </a:fontRef>
+        </p:style>
+      </p:cxnSp>
+      <p:cxnSp>
+        <p:nvCxnSpPr>
+          <p:cNvPr id="5" name="Straight Connector 4">
+            <a:extLst>
+              <a:ext uri="{FF2B5EF4-FFF2-40B4-BE49-F238E27FC236}">
+                <a16:creationId xmlns:a16="http://schemas.microsoft.com/office/drawing/2014/main" id="{D96CB72B-F31C-492E-8E4F-C40E23BCBDF6}"/>
+              </a:ext>
+            </a:extLst>
+          </p:cNvPr>
+          <p:cNvCxnSpPr>
+            <a:cxnSpLocks/>
+          </p:cNvCxnSpPr>
+          <p:nvPr/>
+        </p:nvCxnSpPr>
+        <p:spPr>
+          <a:xfrm flipH="1">
+            <a:off x="1999339" y="228077"/>
+            <a:ext cx="377750" cy="3059762"/>
+          </a:xfrm>
+          <a:prstGeom prst="line">
+            <a:avLst/>
+          </a:prstGeom>
+          <a:ln w="31750">
+            <a:solidFill>
+              <a:srgbClr val="00B050"/>
+            </a:solidFill>
+          </a:ln>
+        </p:spPr>
+        <p:style>
+          <a:lnRef idx="1">
+            <a:schemeClr val="accent1"/>
+          </a:lnRef>
+          <a:fillRef idx="0">
+            <a:schemeClr val="accent1"/>
+          </a:fillRef>
+          <a:effectRef idx="0">
+            <a:schemeClr val="accent1"/>
+          </a:effectRef>
+          <a:fontRef idx="minor">
+            <a:schemeClr val="tx1"/>
+          </a:fontRef>
+        </p:style>
+      </p:cxnSp>
+      <p:sp>
+        <p:nvSpPr>
+          <p:cNvPr id="12" name="Arc 11">
+            <a:extLst>
+              <a:ext uri="{FF2B5EF4-FFF2-40B4-BE49-F238E27FC236}">
+                <a16:creationId xmlns:a16="http://schemas.microsoft.com/office/drawing/2014/main" id="{7A8245DC-5B48-4FD0-A467-C0B101FD80CA}"/>
+              </a:ext>
+            </a:extLst>
+          </p:cNvPr>
+          <p:cNvSpPr/>
+          <p:nvPr/>
+        </p:nvSpPr>
+        <p:spPr>
+          <a:xfrm rot="19279862">
+            <a:off x="1952215" y="1804779"/>
+            <a:ext cx="241842" cy="262132"/>
+          </a:xfrm>
+          <a:prstGeom prst="arc">
+            <a:avLst>
+              <a:gd name="adj1" fmla="val 16200000"/>
+              <a:gd name="adj2" fmla="val 113629"/>
+            </a:avLst>
+          </a:prstGeom>
+          <a:ln w="31750">
+            <a:solidFill>
+              <a:srgbClr val="00B050"/>
+            </a:solidFill>
+          </a:ln>
+        </p:spPr>
+        <p:style>
+          <a:lnRef idx="1">
+            <a:schemeClr val="accent1"/>
+          </a:lnRef>
+          <a:fillRef idx="0">
+            <a:schemeClr val="accent1"/>
+          </a:fillRef>
+          <a:effectRef idx="0">
+            <a:schemeClr val="accent1"/>
+          </a:effectRef>
+          <a:fontRef idx="minor">
+            <a:schemeClr val="tx1"/>
+          </a:fontRef>
+        </p:style>
+        <p:txBody>
+          <a:bodyPr rtlCol="0" anchor="ctr"/>
+          <a:lstStyle/>
+          <a:p>
+            <a:pPr algn="ctr"/>
+            <a:endParaRPr lang="en-US" dirty="0"/>
+          </a:p>
+        </p:txBody>
+      </p:sp>
+      <mc:AlternateContent xmlns:mc="http://schemas.openxmlformats.org/markup-compatibility/2006">
+        <mc:Choice xmlns:a14="http://schemas.microsoft.com/office/drawing/2010/main" Requires="a14">
+          <p:sp>
+            <p:nvSpPr>
+              <p:cNvPr id="13" name="TextBox 12">
+                <a:extLst>
+                  <a:ext uri="{FF2B5EF4-FFF2-40B4-BE49-F238E27FC236}">
+                    <a16:creationId xmlns:a16="http://schemas.microsoft.com/office/drawing/2014/main" id="{105C96F7-1365-434C-B48C-B8383D4946F4}"/>
+                  </a:ext>
+                </a:extLst>
+              </p:cNvPr>
+              <p:cNvSpPr txBox="1"/>
+              <p:nvPr/>
+            </p:nvSpPr>
+            <p:spPr>
+              <a:xfrm>
+                <a:off x="1845953" y="1388626"/>
+                <a:ext cx="555537" cy="369332"/>
+              </a:xfrm>
+              <a:prstGeom prst="rect">
+                <a:avLst/>
+              </a:prstGeom>
+              <a:noFill/>
+            </p:spPr>
+            <p:txBody>
+              <a:bodyPr wrap="square" lIns="0" tIns="0" rIns="0" bIns="0" rtlCol="0">
+                <a:spAutoFit/>
+              </a:bodyPr>
+              <a:lstStyle/>
+              <a:p>
+                <a:pPr/>
+                <a14:m>
+                  <m:oMathPara xmlns:m="http://schemas.openxmlformats.org/officeDocument/2006/math">
+                    <m:oMathParaPr>
+                      <m:jc m:val="centerGroup"/>
+                    </m:oMathParaPr>
+                    <m:oMath xmlns:m="http://schemas.openxmlformats.org/officeDocument/2006/math">
+                      <m:r>
+                        <a:rPr lang="en-US" sz="2400" b="0" i="1" smtClean="0">
+                          <a:solidFill>
+                            <a:srgbClr val="00B050"/>
+                          </a:solidFill>
+                          <a:latin typeface="Cambria Math" panose="02040503050406030204" pitchFamily="18" charset="0"/>
+                          <a:ea typeface="Cambria Math" panose="02040503050406030204" pitchFamily="18" charset="0"/>
+                        </a:rPr>
+                        <m:t>𝛼</m:t>
+                      </m:r>
+                    </m:oMath>
+                  </m:oMathPara>
+                </a14:m>
+                <a:endParaRPr lang="en-US" sz="3200" dirty="0">
+                  <a:solidFill>
+                    <a:srgbClr val="00B050"/>
+                  </a:solidFill>
+                </a:endParaRPr>
+              </a:p>
+            </p:txBody>
+          </p:sp>
+        </mc:Choice>
+        <mc:Fallback>
+          <p:sp>
+            <p:nvSpPr>
+              <p:cNvPr id="13" name="TextBox 12">
+                <a:extLst>
+                  <a:ext uri="{FF2B5EF4-FFF2-40B4-BE49-F238E27FC236}">
+                    <a16:creationId xmlns:a16="http://schemas.microsoft.com/office/drawing/2014/main" id="{105C96F7-1365-434C-B48C-B8383D4946F4}"/>
+                  </a:ext>
+                </a:extLst>
+              </p:cNvPr>
+              <p:cNvSpPr txBox="1">
+                <a:spLocks noRot="1" noChangeAspect="1" noMove="1" noResize="1" noEditPoints="1" noAdjustHandles="1" noChangeArrowheads="1" noChangeShapeType="1" noTextEdit="1"/>
+              </p:cNvSpPr>
+              <p:nvPr/>
+            </p:nvSpPr>
+            <p:spPr>
+              <a:xfrm>
+                <a:off x="1845953" y="1388626"/>
+                <a:ext cx="555537" cy="369332"/>
+              </a:xfrm>
+              <a:prstGeom prst="rect">
+                <a:avLst/>
+              </a:prstGeom>
+              <a:blipFill>
+                <a:blip r:embed="rId3"/>
+                <a:stretch>
+                  <a:fillRect/>
+                </a:stretch>
+              </a:blipFill>
+            </p:spPr>
+            <p:txBody>
+              <a:bodyPr/>
+              <a:lstStyle/>
+              <a:p>
+                <a:r>
+                  <a:rPr lang="en-US">
+                    <a:noFill/>
+                  </a:rPr>
+                  <a:t> </a:t>
+                </a:r>
+              </a:p>
+            </p:txBody>
+          </p:sp>
+        </mc:Fallback>
+      </mc:AlternateContent>
+      <p:sp>
+        <p:nvSpPr>
+          <p:cNvPr id="4" name="Rectangle 3">
+            <a:extLst>
+              <a:ext uri="{FF2B5EF4-FFF2-40B4-BE49-F238E27FC236}">
+                <a16:creationId xmlns:a16="http://schemas.microsoft.com/office/drawing/2014/main" id="{30C6A793-25F5-4BF1-86E4-0F3F00462B13}"/>
+              </a:ext>
+            </a:extLst>
+          </p:cNvPr>
+          <p:cNvSpPr/>
+          <p:nvPr/>
+        </p:nvSpPr>
+        <p:spPr>
+          <a:xfrm rot="898996">
+            <a:off x="10603573" y="513271"/>
+            <a:ext cx="168612" cy="3200923"/>
+          </a:xfrm>
+          <a:prstGeom prst="rect">
+            <a:avLst/>
+          </a:prstGeom>
+          <a:gradFill flip="none" rotWithShape="1">
+            <a:gsLst>
+              <a:gs pos="0">
+                <a:schemeClr val="accent1">
+                  <a:lumMod val="89000"/>
+                </a:schemeClr>
+              </a:gs>
+              <a:gs pos="23000">
+                <a:schemeClr val="accent1">
+                  <a:lumMod val="89000"/>
+                </a:schemeClr>
+              </a:gs>
+              <a:gs pos="69000">
+                <a:schemeClr val="accent1">
+                  <a:lumMod val="75000"/>
+                </a:schemeClr>
+              </a:gs>
+              <a:gs pos="97000">
+                <a:schemeClr val="accent1">
+                  <a:lumMod val="70000"/>
+                </a:schemeClr>
+              </a:gs>
+            </a:gsLst>
+            <a:path path="circle">
+              <a:fillToRect l="50000" t="50000" r="50000" b="50000"/>
+            </a:path>
+            <a:tileRect/>
+          </a:gradFill>
+          <a:ln>
+            <a:noFill/>
+          </a:ln>
+        </p:spPr>
+        <p:style>
+          <a:lnRef idx="2">
+            <a:schemeClr val="accent1">
+              <a:shade val="50000"/>
+            </a:schemeClr>
+          </a:lnRef>
+          <a:fillRef idx="1">
+            <a:schemeClr val="accent1"/>
+          </a:fillRef>
+          <a:effectRef idx="0">
+            <a:schemeClr val="accent1"/>
+          </a:effectRef>
+          <a:fontRef idx="minor">
+            <a:schemeClr val="lt1"/>
+          </a:fontRef>
+        </p:style>
+        <p:txBody>
+          <a:bodyPr rtlCol="0" anchor="ctr"/>
+          <a:lstStyle/>
+          <a:p>
+            <a:pPr algn="ctr"/>
+            <a:endParaRPr lang="en-US"/>
+          </a:p>
+        </p:txBody>
+      </p:sp>
+      <p:cxnSp>
+        <p:nvCxnSpPr>
+          <p:cNvPr id="9" name="Straight Connector 8">
+            <a:extLst>
+              <a:ext uri="{FF2B5EF4-FFF2-40B4-BE49-F238E27FC236}">
+                <a16:creationId xmlns:a16="http://schemas.microsoft.com/office/drawing/2014/main" id="{CB8E161B-C270-4C0F-A7FB-66EEC576648F}"/>
+              </a:ext>
+            </a:extLst>
+          </p:cNvPr>
+          <p:cNvCxnSpPr>
+            <a:cxnSpLocks/>
+          </p:cNvCxnSpPr>
+          <p:nvPr/>
+        </p:nvCxnSpPr>
+        <p:spPr>
+          <a:xfrm>
+            <a:off x="10295975" y="574304"/>
+            <a:ext cx="0" cy="4383187"/>
+          </a:xfrm>
+          <a:prstGeom prst="line">
+            <a:avLst/>
+          </a:prstGeom>
+          <a:ln w="31750">
+            <a:solidFill>
+              <a:schemeClr val="tx1"/>
+            </a:solidFill>
+          </a:ln>
+        </p:spPr>
+        <p:style>
+          <a:lnRef idx="1">
+            <a:schemeClr val="accent1"/>
+          </a:lnRef>
+          <a:fillRef idx="0">
+            <a:schemeClr val="accent1"/>
+          </a:fillRef>
+          <a:effectRef idx="0">
+            <a:schemeClr val="accent1"/>
+          </a:effectRef>
+          <a:fontRef idx="minor">
+            <a:schemeClr val="tx1"/>
+          </a:fontRef>
+        </p:style>
+      </p:cxnSp>
+      <p:cxnSp>
+        <p:nvCxnSpPr>
+          <p:cNvPr id="10" name="Straight Connector 9">
+            <a:extLst>
+              <a:ext uri="{FF2B5EF4-FFF2-40B4-BE49-F238E27FC236}">
+                <a16:creationId xmlns:a16="http://schemas.microsoft.com/office/drawing/2014/main" id="{34E010D4-1557-4E77-84B9-0EC7576CBB9A}"/>
+              </a:ext>
+            </a:extLst>
+          </p:cNvPr>
+          <p:cNvCxnSpPr>
+            <a:cxnSpLocks/>
+          </p:cNvCxnSpPr>
+          <p:nvPr/>
+        </p:nvCxnSpPr>
+        <p:spPr>
+          <a:xfrm flipV="1">
+            <a:off x="8035160" y="3634066"/>
+            <a:ext cx="4221480" cy="95023"/>
+          </a:xfrm>
+          <a:prstGeom prst="line">
+            <a:avLst/>
+          </a:prstGeom>
+          <a:ln w="47625">
+            <a:solidFill>
+              <a:schemeClr val="tx1"/>
+            </a:solidFill>
+          </a:ln>
+        </p:spPr>
+        <p:style>
+          <a:lnRef idx="1">
+            <a:schemeClr val="accent1"/>
+          </a:lnRef>
+          <a:fillRef idx="0">
+            <a:schemeClr val="accent1"/>
+          </a:fillRef>
+          <a:effectRef idx="0">
+            <a:schemeClr val="accent1"/>
+          </a:effectRef>
+          <a:fontRef idx="minor">
+            <a:schemeClr val="tx1"/>
+          </a:fontRef>
+        </p:style>
+      </p:cxnSp>
+      <p:sp>
+        <p:nvSpPr>
+          <p:cNvPr id="14" name="Arc 13">
+            <a:extLst>
+              <a:ext uri="{FF2B5EF4-FFF2-40B4-BE49-F238E27FC236}">
+                <a16:creationId xmlns:a16="http://schemas.microsoft.com/office/drawing/2014/main" id="{DA3724B8-930B-4CD3-929A-71BA0D27FBA3}"/>
+              </a:ext>
+            </a:extLst>
+          </p:cNvPr>
+          <p:cNvSpPr/>
+          <p:nvPr/>
+        </p:nvSpPr>
+        <p:spPr>
+          <a:xfrm rot="18473168">
+            <a:off x="10211236" y="1850123"/>
+            <a:ext cx="506279" cy="509669"/>
+          </a:xfrm>
+          <a:prstGeom prst="arc">
+            <a:avLst>
+              <a:gd name="adj1" fmla="val 16775587"/>
+              <a:gd name="adj2" fmla="val 725428"/>
+            </a:avLst>
+          </a:prstGeom>
+          <a:ln w="34925">
+            <a:solidFill>
+              <a:schemeClr val="tx1"/>
+            </a:solidFill>
+          </a:ln>
+        </p:spPr>
+        <p:style>
+          <a:lnRef idx="1">
+            <a:schemeClr val="accent1"/>
+          </a:lnRef>
+          <a:fillRef idx="0">
+            <a:schemeClr val="accent1"/>
+          </a:fillRef>
+          <a:effectRef idx="0">
+            <a:schemeClr val="accent1"/>
+          </a:effectRef>
+          <a:fontRef idx="minor">
+            <a:schemeClr val="tx1"/>
+          </a:fontRef>
+        </p:style>
+        <p:txBody>
+          <a:bodyPr rtlCol="0" anchor="ctr"/>
+          <a:lstStyle/>
+          <a:p>
+            <a:pPr algn="ctr"/>
+            <a:endParaRPr lang="en-US" dirty="0"/>
+          </a:p>
+        </p:txBody>
+      </p:sp>
+      <mc:AlternateContent xmlns:mc="http://schemas.openxmlformats.org/markup-compatibility/2006">
+        <mc:Choice xmlns:a14="http://schemas.microsoft.com/office/drawing/2010/main" Requires="a14">
+          <p:sp>
+            <p:nvSpPr>
+              <p:cNvPr id="15" name="TextBox 14">
+                <a:extLst>
+                  <a:ext uri="{FF2B5EF4-FFF2-40B4-BE49-F238E27FC236}">
+                    <a16:creationId xmlns:a16="http://schemas.microsoft.com/office/drawing/2014/main" id="{F2A475D9-8C3B-4044-BF02-901DD311E4BE}"/>
+                  </a:ext>
+                </a:extLst>
+              </p:cNvPr>
+              <p:cNvSpPr txBox="1"/>
+              <p:nvPr/>
+            </p:nvSpPr>
+            <p:spPr>
+              <a:xfrm>
+                <a:off x="10186606" y="1347927"/>
+                <a:ext cx="555537" cy="492443"/>
+              </a:xfrm>
+              <a:prstGeom prst="rect">
+                <a:avLst/>
+              </a:prstGeom>
+              <a:noFill/>
+            </p:spPr>
+            <p:txBody>
+              <a:bodyPr wrap="square" lIns="0" tIns="0" rIns="0" bIns="0" rtlCol="0">
+                <a:spAutoFit/>
+              </a:bodyPr>
+              <a:lstStyle/>
+              <a:p>
+                <a:pPr/>
+                <a14:m>
+                  <m:oMathPara xmlns:m="http://schemas.openxmlformats.org/officeDocument/2006/math">
+                    <m:oMathParaPr>
+                      <m:jc m:val="centerGroup"/>
+                    </m:oMathParaPr>
+                    <m:oMath xmlns:m="http://schemas.openxmlformats.org/officeDocument/2006/math">
+                      <m:r>
+                        <a:rPr lang="en-US" sz="3200" b="0" i="1" smtClean="0">
+                          <a:solidFill>
+                            <a:schemeClr val="tx1"/>
+                          </a:solidFill>
+                          <a:latin typeface="Cambria Math" panose="02040503050406030204" pitchFamily="18" charset="0"/>
+                          <a:ea typeface="Cambria Math" panose="02040503050406030204" pitchFamily="18" charset="0"/>
+                        </a:rPr>
+                        <m:t>𝛼</m:t>
+                      </m:r>
+                    </m:oMath>
+                  </m:oMathPara>
+                </a14:m>
+                <a:endParaRPr lang="en-US" sz="4000" dirty="0">
+                  <a:solidFill>
+                    <a:schemeClr val="tx1"/>
+                  </a:solidFill>
+                </a:endParaRPr>
+              </a:p>
+            </p:txBody>
+          </p:sp>
+        </mc:Choice>
+        <mc:Fallback>
+          <p:sp>
+            <p:nvSpPr>
+              <p:cNvPr id="15" name="TextBox 14">
+                <a:extLst>
+                  <a:ext uri="{FF2B5EF4-FFF2-40B4-BE49-F238E27FC236}">
+                    <a16:creationId xmlns:a16="http://schemas.microsoft.com/office/drawing/2014/main" id="{F2A475D9-8C3B-4044-BF02-901DD311E4BE}"/>
+                  </a:ext>
+                </a:extLst>
+              </p:cNvPr>
+              <p:cNvSpPr txBox="1">
+                <a:spLocks noRot="1" noChangeAspect="1" noMove="1" noResize="1" noEditPoints="1" noAdjustHandles="1" noChangeArrowheads="1" noChangeShapeType="1" noTextEdit="1"/>
+              </p:cNvSpPr>
+              <p:nvPr/>
+            </p:nvSpPr>
+            <p:spPr>
+              <a:xfrm>
+                <a:off x="10186606" y="1347927"/>
+                <a:ext cx="555537" cy="492443"/>
+              </a:xfrm>
+              <a:prstGeom prst="rect">
+                <a:avLst/>
+              </a:prstGeom>
+              <a:blipFill>
+                <a:blip r:embed="rId4"/>
+                <a:stretch>
+                  <a:fillRect/>
+                </a:stretch>
+              </a:blipFill>
+            </p:spPr>
+            <p:txBody>
+              <a:bodyPr/>
+              <a:lstStyle/>
+              <a:p>
+                <a:r>
+                  <a:rPr lang="en-US">
+                    <a:noFill/>
+                  </a:rPr>
+                  <a:t> </a:t>
+                </a:r>
+              </a:p>
+            </p:txBody>
+          </p:sp>
+        </mc:Fallback>
+      </mc:AlternateContent>
+      <p:cxnSp>
+        <p:nvCxnSpPr>
+          <p:cNvPr id="17" name="Straight Arrow Connector 16">
+            <a:extLst>
+              <a:ext uri="{FF2B5EF4-FFF2-40B4-BE49-F238E27FC236}">
+                <a16:creationId xmlns:a16="http://schemas.microsoft.com/office/drawing/2014/main" id="{D5853CC7-C921-4215-9324-8A2F0DA5240A}"/>
+              </a:ext>
+            </a:extLst>
+          </p:cNvPr>
+          <p:cNvCxnSpPr>
+            <a:cxnSpLocks/>
+          </p:cNvCxnSpPr>
+          <p:nvPr/>
+        </p:nvCxnSpPr>
+        <p:spPr>
+          <a:xfrm flipH="1">
+            <a:off x="9684820" y="3634066"/>
+            <a:ext cx="595127" cy="1741116"/>
+          </a:xfrm>
+          <a:prstGeom prst="straightConnector1">
+            <a:avLst/>
+          </a:prstGeom>
+          <a:ln w="47625">
+            <a:solidFill>
+              <a:schemeClr val="tx1"/>
+            </a:solidFill>
+            <a:headEnd type="none" w="lg" len="lg"/>
+            <a:tailEnd type="stealth" w="lg" len="lg"/>
+          </a:ln>
+        </p:spPr>
+        <p:style>
+          <a:lnRef idx="1">
+            <a:schemeClr val="accent1"/>
+          </a:lnRef>
+          <a:fillRef idx="0">
+            <a:schemeClr val="accent1"/>
+          </a:fillRef>
+          <a:effectRef idx="0">
+            <a:schemeClr val="accent1"/>
+          </a:effectRef>
+          <a:fontRef idx="minor">
+            <a:schemeClr val="tx1"/>
+          </a:fontRef>
+        </p:style>
+      </p:cxnSp>
+      <mc:AlternateContent xmlns:mc="http://schemas.openxmlformats.org/markup-compatibility/2006">
+        <mc:Choice xmlns:a14="http://schemas.microsoft.com/office/drawing/2010/main" Requires="a14">
+          <p:sp>
+            <p:nvSpPr>
+              <p:cNvPr id="18" name="TextBox 17">
+                <a:extLst>
+                  <a:ext uri="{FF2B5EF4-FFF2-40B4-BE49-F238E27FC236}">
+                    <a16:creationId xmlns:a16="http://schemas.microsoft.com/office/drawing/2014/main" id="{CF71CF21-3742-4195-8EEB-D10786E734EE}"/>
+                  </a:ext>
+                </a:extLst>
+              </p:cNvPr>
+              <p:cNvSpPr txBox="1"/>
+              <p:nvPr/>
+            </p:nvSpPr>
+            <p:spPr>
+              <a:xfrm>
+                <a:off x="9273455" y="4847608"/>
+                <a:ext cx="549412" cy="483146"/>
+              </a:xfrm>
+              <a:prstGeom prst="rect">
+                <a:avLst/>
+              </a:prstGeom>
+              <a:noFill/>
+            </p:spPr>
+            <p:txBody>
+              <a:bodyPr wrap="square" lIns="0" tIns="0" rIns="0" bIns="0" rtlCol="0">
+                <a:spAutoFit/>
+              </a:bodyPr>
+              <a:lstStyle/>
+              <a:p>
+                <a:pPr/>
+                <a14:m>
+                  <m:oMathPara xmlns:m="http://schemas.openxmlformats.org/officeDocument/2006/math">
+                    <m:oMathParaPr>
+                      <m:jc m:val="centerGroup"/>
+                    </m:oMathParaPr>
+                    <m:oMath xmlns:m="http://schemas.openxmlformats.org/officeDocument/2006/math">
+                      <m:acc>
+                        <m:accPr>
+                          <m:chr m:val="⃗"/>
+                          <m:ctrlPr>
+                            <a:rPr lang="en-US" sz="2800" i="1" smtClean="0">
+                              <a:solidFill>
+                                <a:schemeClr val="tx1"/>
+                              </a:solidFill>
+                              <a:latin typeface="Cambria Math" panose="02040503050406030204" pitchFamily="18" charset="0"/>
+                            </a:rPr>
+                          </m:ctrlPr>
+                        </m:accPr>
+                        <m:e>
+                          <m:r>
+                            <a:rPr lang="en-US" sz="2800" b="0" i="1" smtClean="0">
+                              <a:solidFill>
+                                <a:schemeClr val="tx1"/>
+                              </a:solidFill>
+                              <a:latin typeface="Cambria Math" panose="02040503050406030204" pitchFamily="18" charset="0"/>
+                            </a:rPr>
+                            <m:t>𝐹</m:t>
+                          </m:r>
+                        </m:e>
+                      </m:acc>
+                    </m:oMath>
+                  </m:oMathPara>
+                </a14:m>
+                <a:endParaRPr lang="en-US" sz="2800" dirty="0">
+                  <a:solidFill>
+                    <a:schemeClr val="tx1"/>
+                  </a:solidFill>
+                </a:endParaRPr>
+              </a:p>
+            </p:txBody>
+          </p:sp>
+        </mc:Choice>
+        <mc:Fallback>
+          <p:sp>
+            <p:nvSpPr>
+              <p:cNvPr id="18" name="TextBox 17">
+                <a:extLst>
+                  <a:ext uri="{FF2B5EF4-FFF2-40B4-BE49-F238E27FC236}">
+                    <a16:creationId xmlns:a16="http://schemas.microsoft.com/office/drawing/2014/main" id="{CF71CF21-3742-4195-8EEB-D10786E734EE}"/>
+                  </a:ext>
+                </a:extLst>
+              </p:cNvPr>
+              <p:cNvSpPr txBox="1">
+                <a:spLocks noRot="1" noChangeAspect="1" noMove="1" noResize="1" noEditPoints="1" noAdjustHandles="1" noChangeArrowheads="1" noChangeShapeType="1" noTextEdit="1"/>
+              </p:cNvSpPr>
+              <p:nvPr/>
+            </p:nvSpPr>
+            <p:spPr>
+              <a:xfrm>
+                <a:off x="9273455" y="4847608"/>
+                <a:ext cx="549412" cy="483146"/>
+              </a:xfrm>
+              <a:prstGeom prst="rect">
+                <a:avLst/>
+              </a:prstGeom>
+              <a:blipFill>
+                <a:blip r:embed="rId5"/>
+                <a:stretch>
+                  <a:fillRect/>
+                </a:stretch>
+              </a:blipFill>
+            </p:spPr>
+            <p:txBody>
+              <a:bodyPr/>
+              <a:lstStyle/>
+              <a:p>
+                <a:r>
+                  <a:rPr lang="en-US">
+                    <a:noFill/>
+                  </a:rPr>
+                  <a:t> </a:t>
+                </a:r>
+              </a:p>
+            </p:txBody>
+          </p:sp>
+        </mc:Fallback>
+      </mc:AlternateContent>
+      <p:sp>
+        <p:nvSpPr>
+          <p:cNvPr id="22" name="Arc 21">
+            <a:extLst>
+              <a:ext uri="{FF2B5EF4-FFF2-40B4-BE49-F238E27FC236}">
+                <a16:creationId xmlns:a16="http://schemas.microsoft.com/office/drawing/2014/main" id="{CEFEAF25-C28E-46A6-8B26-B72EDEA85072}"/>
+              </a:ext>
+            </a:extLst>
+          </p:cNvPr>
+          <p:cNvSpPr/>
+          <p:nvPr/>
+        </p:nvSpPr>
+        <p:spPr>
+          <a:xfrm rot="7762855">
+            <a:off x="10028128" y="4161117"/>
+            <a:ext cx="293041" cy="327243"/>
+          </a:xfrm>
+          <a:prstGeom prst="arc">
+            <a:avLst>
+              <a:gd name="adj1" fmla="val 16775587"/>
+              <a:gd name="adj2" fmla="val 725428"/>
+            </a:avLst>
+          </a:prstGeom>
+          <a:ln w="34925">
+            <a:solidFill>
+              <a:schemeClr val="tx1"/>
+            </a:solidFill>
+          </a:ln>
+        </p:spPr>
+        <p:style>
+          <a:lnRef idx="1">
+            <a:schemeClr val="accent1"/>
+          </a:lnRef>
+          <a:fillRef idx="0">
+            <a:schemeClr val="accent1"/>
+          </a:fillRef>
+          <a:effectRef idx="0">
+            <a:schemeClr val="accent1"/>
+          </a:effectRef>
+          <a:fontRef idx="minor">
+            <a:schemeClr val="tx1"/>
+          </a:fontRef>
+        </p:style>
+        <p:txBody>
+          <a:bodyPr rtlCol="0" anchor="ctr"/>
+          <a:lstStyle/>
+          <a:p>
+            <a:pPr algn="ctr"/>
+            <a:endParaRPr lang="en-US" dirty="0"/>
+          </a:p>
+        </p:txBody>
+      </p:sp>
+      <mc:AlternateContent xmlns:mc="http://schemas.openxmlformats.org/markup-compatibility/2006">
+        <mc:Choice xmlns:a14="http://schemas.microsoft.com/office/drawing/2010/main" Requires="a14">
+          <p:sp>
+            <p:nvSpPr>
+              <p:cNvPr id="24" name="TextBox 23">
+                <a:extLst>
+                  <a:ext uri="{FF2B5EF4-FFF2-40B4-BE49-F238E27FC236}">
+                    <a16:creationId xmlns:a16="http://schemas.microsoft.com/office/drawing/2014/main" id="{4E4D2B8C-BB0D-4E4F-A560-662871DDB7BA}"/>
+                  </a:ext>
+                </a:extLst>
+              </p:cNvPr>
+              <p:cNvSpPr txBox="1"/>
+              <p:nvPr/>
+            </p:nvSpPr>
+            <p:spPr>
+              <a:xfrm>
+                <a:off x="9838895" y="4455200"/>
+                <a:ext cx="555537" cy="492443"/>
+              </a:xfrm>
+              <a:prstGeom prst="rect">
+                <a:avLst/>
+              </a:prstGeom>
+              <a:noFill/>
+            </p:spPr>
+            <p:txBody>
+              <a:bodyPr wrap="square" lIns="0" tIns="0" rIns="0" bIns="0" rtlCol="0">
+                <a:spAutoFit/>
+              </a:bodyPr>
+              <a:lstStyle/>
+              <a:p>
+                <a:pPr/>
+                <a14:m>
+                  <m:oMathPara xmlns:m="http://schemas.openxmlformats.org/officeDocument/2006/math">
+                    <m:oMathParaPr>
+                      <m:jc m:val="centerGroup"/>
+                    </m:oMathParaPr>
+                    <m:oMath xmlns:m="http://schemas.openxmlformats.org/officeDocument/2006/math">
+                      <m:r>
+                        <a:rPr lang="en-US" sz="3200" b="0" i="1" smtClean="0">
+                          <a:solidFill>
+                            <a:schemeClr val="tx1"/>
+                          </a:solidFill>
+                          <a:latin typeface="Cambria Math" panose="02040503050406030204" pitchFamily="18" charset="0"/>
+                          <a:ea typeface="Cambria Math" panose="02040503050406030204" pitchFamily="18" charset="0"/>
+                        </a:rPr>
+                        <m:t>𝛼</m:t>
+                      </m:r>
+                    </m:oMath>
+                  </m:oMathPara>
+                </a14:m>
+                <a:endParaRPr lang="en-US" sz="4000" dirty="0">
+                  <a:solidFill>
+                    <a:schemeClr val="tx1"/>
+                  </a:solidFill>
+                </a:endParaRPr>
+              </a:p>
+            </p:txBody>
+          </p:sp>
+        </mc:Choice>
+        <mc:Fallback>
+          <p:sp>
+            <p:nvSpPr>
+              <p:cNvPr id="24" name="TextBox 23">
+                <a:extLst>
+                  <a:ext uri="{FF2B5EF4-FFF2-40B4-BE49-F238E27FC236}">
+                    <a16:creationId xmlns:a16="http://schemas.microsoft.com/office/drawing/2014/main" id="{4E4D2B8C-BB0D-4E4F-A560-662871DDB7BA}"/>
+                  </a:ext>
+                </a:extLst>
+              </p:cNvPr>
+              <p:cNvSpPr txBox="1">
+                <a:spLocks noRot="1" noChangeAspect="1" noMove="1" noResize="1" noEditPoints="1" noAdjustHandles="1" noChangeArrowheads="1" noChangeShapeType="1" noTextEdit="1"/>
+              </p:cNvSpPr>
+              <p:nvPr/>
+            </p:nvSpPr>
+            <p:spPr>
+              <a:xfrm>
+                <a:off x="9838895" y="4455200"/>
+                <a:ext cx="555537" cy="492443"/>
+              </a:xfrm>
+              <a:prstGeom prst="rect">
+                <a:avLst/>
+              </a:prstGeom>
+              <a:blipFill>
+                <a:blip r:embed="rId6"/>
+                <a:stretch>
+                  <a:fillRect/>
+                </a:stretch>
+              </a:blipFill>
+            </p:spPr>
+            <p:txBody>
+              <a:bodyPr/>
+              <a:lstStyle/>
+              <a:p>
+                <a:r>
+                  <a:rPr lang="en-US">
+                    <a:noFill/>
+                  </a:rPr>
+                  <a:t> </a:t>
+                </a:r>
+              </a:p>
+            </p:txBody>
+          </p:sp>
+        </mc:Fallback>
+      </mc:AlternateContent>
+      <p:cxnSp>
+        <p:nvCxnSpPr>
+          <p:cNvPr id="26" name="Straight Arrow Connector 25">
+            <a:extLst>
+              <a:ext uri="{FF2B5EF4-FFF2-40B4-BE49-F238E27FC236}">
+                <a16:creationId xmlns:a16="http://schemas.microsoft.com/office/drawing/2014/main" id="{F1D5E445-EA05-4BCD-8848-B602697427A2}"/>
+              </a:ext>
+            </a:extLst>
+          </p:cNvPr>
+          <p:cNvCxnSpPr>
+            <a:cxnSpLocks/>
+          </p:cNvCxnSpPr>
+          <p:nvPr/>
+        </p:nvCxnSpPr>
+        <p:spPr>
+          <a:xfrm flipV="1">
+            <a:off x="10279947" y="2241122"/>
+            <a:ext cx="1" cy="1254198"/>
+          </a:xfrm>
+          <a:prstGeom prst="straightConnector1">
+            <a:avLst/>
+          </a:prstGeom>
+          <a:ln w="47625">
+            <a:solidFill>
+              <a:schemeClr val="tx1"/>
+            </a:solidFill>
+            <a:headEnd type="none" w="lg" len="lg"/>
+            <a:tailEnd type="stealth" w="lg" len="lg"/>
+          </a:ln>
+        </p:spPr>
+        <p:style>
+          <a:lnRef idx="1">
+            <a:schemeClr val="accent1"/>
+          </a:lnRef>
+          <a:fillRef idx="0">
+            <a:schemeClr val="accent1"/>
+          </a:fillRef>
+          <a:effectRef idx="0">
+            <a:schemeClr val="accent1"/>
+          </a:effectRef>
+          <a:fontRef idx="minor">
+            <a:schemeClr val="tx1"/>
+          </a:fontRef>
+        </p:style>
+      </p:cxnSp>
+      <p:cxnSp>
+        <p:nvCxnSpPr>
+          <p:cNvPr id="29" name="Straight Arrow Connector 28">
+            <a:extLst>
+              <a:ext uri="{FF2B5EF4-FFF2-40B4-BE49-F238E27FC236}">
+                <a16:creationId xmlns:a16="http://schemas.microsoft.com/office/drawing/2014/main" id="{F8A4F4D6-555F-489E-BDDE-6B9CB6CB5C2E}"/>
+              </a:ext>
+            </a:extLst>
+          </p:cNvPr>
+          <p:cNvCxnSpPr>
+            <a:cxnSpLocks/>
+            <a:stCxn id="4" idx="2"/>
+          </p:cNvCxnSpPr>
+          <p:nvPr/>
+        </p:nvCxnSpPr>
+        <p:spPr>
+          <a:xfrm>
+            <a:off x="10274101" y="3659781"/>
+            <a:ext cx="1171484" cy="21796"/>
+          </a:xfrm>
+          <a:prstGeom prst="straightConnector1">
+            <a:avLst/>
+          </a:prstGeom>
+          <a:ln w="47625">
+            <a:solidFill>
+              <a:schemeClr val="tx1"/>
+            </a:solidFill>
+            <a:headEnd type="none" w="lg" len="lg"/>
+            <a:tailEnd type="stealth" w="lg" len="lg"/>
+          </a:ln>
+        </p:spPr>
+        <p:style>
+          <a:lnRef idx="1">
+            <a:schemeClr val="accent1"/>
+          </a:lnRef>
+          <a:fillRef idx="0">
+            <a:schemeClr val="accent1"/>
+          </a:fillRef>
+          <a:effectRef idx="0">
+            <a:schemeClr val="accent1"/>
+          </a:effectRef>
+          <a:fontRef idx="minor">
+            <a:schemeClr val="tx1"/>
+          </a:fontRef>
+        </p:style>
+      </p:cxnSp>
+      <mc:AlternateContent xmlns:mc="http://schemas.openxmlformats.org/markup-compatibility/2006">
+        <mc:Choice xmlns:a14="http://schemas.microsoft.com/office/drawing/2010/main" Requires="a14">
+          <p:sp>
+            <p:nvSpPr>
+              <p:cNvPr id="32" name="TextBox 31">
+                <a:extLst>
+                  <a:ext uri="{FF2B5EF4-FFF2-40B4-BE49-F238E27FC236}">
+                    <a16:creationId xmlns:a16="http://schemas.microsoft.com/office/drawing/2014/main" id="{0A175F09-0968-4D6A-A9B5-B9D41855A65B}"/>
+                  </a:ext>
+                </a:extLst>
+              </p:cNvPr>
+              <p:cNvSpPr txBox="1"/>
+              <p:nvPr/>
+            </p:nvSpPr>
+            <p:spPr>
+              <a:xfrm>
+                <a:off x="10820951" y="3757690"/>
+                <a:ext cx="549412" cy="531749"/>
+              </a:xfrm>
+              <a:prstGeom prst="rect">
+                <a:avLst/>
+              </a:prstGeom>
+              <a:noFill/>
+            </p:spPr>
+            <p:txBody>
+              <a:bodyPr wrap="square" lIns="0" tIns="0" rIns="0" bIns="0" rtlCol="0">
+                <a:spAutoFit/>
+              </a:bodyPr>
+              <a:lstStyle/>
+              <a:p>
+                <a:pPr/>
+                <a14:m>
+                  <m:oMathPara xmlns:m="http://schemas.openxmlformats.org/officeDocument/2006/math">
+                    <m:oMathParaPr>
+                      <m:jc m:val="centerGroup"/>
+                    </m:oMathParaPr>
+                    <m:oMath xmlns:m="http://schemas.openxmlformats.org/officeDocument/2006/math">
+                      <m:acc>
+                        <m:accPr>
+                          <m:chr m:val="⃗"/>
+                          <m:ctrlPr>
+                            <a:rPr lang="en-US" sz="2800" i="1" smtClean="0">
+                              <a:solidFill>
+                                <a:schemeClr val="tx1"/>
+                              </a:solidFill>
+                              <a:latin typeface="Cambria Math" panose="02040503050406030204" pitchFamily="18" charset="0"/>
+                            </a:rPr>
+                          </m:ctrlPr>
+                        </m:accPr>
+                        <m:e>
+                          <m:sSub>
+                            <m:sSubPr>
+                              <m:ctrlPr>
+                                <a:rPr lang="en-US" sz="2800" i="1">
+                                  <a:latin typeface="Cambria Math" panose="02040503050406030204" pitchFamily="18" charset="0"/>
+                                </a:rPr>
+                              </m:ctrlPr>
+                            </m:sSubPr>
+                            <m:e>
+                              <m:r>
+                                <a:rPr lang="en-US" sz="2800" i="1">
+                                  <a:latin typeface="Cambria Math" panose="02040503050406030204" pitchFamily="18" charset="0"/>
+                                </a:rPr>
+                                <m:t>𝐹</m:t>
+                              </m:r>
+                            </m:e>
+                            <m:sub>
+                              <m:r>
+                                <a:rPr lang="ru-RU" sz="2800" i="1">
+                                  <a:latin typeface="Cambria Math" panose="02040503050406030204" pitchFamily="18" charset="0"/>
+                                </a:rPr>
+                                <m:t>тр</m:t>
+                              </m:r>
+                            </m:sub>
+                          </m:sSub>
+                        </m:e>
+                      </m:acc>
+                    </m:oMath>
+                  </m:oMathPara>
+                </a14:m>
+                <a:endParaRPr lang="en-US" sz="2800" dirty="0">
+                  <a:solidFill>
+                    <a:schemeClr val="tx1"/>
+                  </a:solidFill>
+                </a:endParaRPr>
+              </a:p>
+            </p:txBody>
+          </p:sp>
+        </mc:Choice>
+        <mc:Fallback>
+          <p:sp>
+            <p:nvSpPr>
+              <p:cNvPr id="32" name="TextBox 31">
+                <a:extLst>
+                  <a:ext uri="{FF2B5EF4-FFF2-40B4-BE49-F238E27FC236}">
+                    <a16:creationId xmlns:a16="http://schemas.microsoft.com/office/drawing/2014/main" id="{0A175F09-0968-4D6A-A9B5-B9D41855A65B}"/>
+                  </a:ext>
+                </a:extLst>
+              </p:cNvPr>
+              <p:cNvSpPr txBox="1">
+                <a:spLocks noRot="1" noChangeAspect="1" noMove="1" noResize="1" noEditPoints="1" noAdjustHandles="1" noChangeArrowheads="1" noChangeShapeType="1" noTextEdit="1"/>
+              </p:cNvSpPr>
+              <p:nvPr/>
+            </p:nvSpPr>
+            <p:spPr>
+              <a:xfrm>
+                <a:off x="10820951" y="3757690"/>
+                <a:ext cx="549412" cy="531749"/>
+              </a:xfrm>
+              <a:prstGeom prst="rect">
+                <a:avLst/>
+              </a:prstGeom>
+              <a:blipFill>
+                <a:blip r:embed="rId7"/>
+                <a:stretch>
+                  <a:fillRect/>
+                </a:stretch>
+              </a:blipFill>
+            </p:spPr>
+            <p:txBody>
+              <a:bodyPr/>
+              <a:lstStyle/>
+              <a:p>
+                <a:r>
+                  <a:rPr lang="en-US">
+                    <a:noFill/>
+                  </a:rPr>
+                  <a:t> </a:t>
+                </a:r>
+              </a:p>
+            </p:txBody>
+          </p:sp>
+        </mc:Fallback>
+      </mc:AlternateContent>
+      <mc:AlternateContent xmlns:mc="http://schemas.openxmlformats.org/markup-compatibility/2006">
+        <mc:Choice xmlns:a14="http://schemas.microsoft.com/office/drawing/2010/main" Requires="a14">
+          <p:sp>
+            <p:nvSpPr>
+              <p:cNvPr id="33" name="TextBox 32">
+                <a:extLst>
+                  <a:ext uri="{FF2B5EF4-FFF2-40B4-BE49-F238E27FC236}">
+                    <a16:creationId xmlns:a16="http://schemas.microsoft.com/office/drawing/2014/main" id="{8C5F34DA-8F5E-4223-A457-150B0D55E87F}"/>
+                  </a:ext>
+                </a:extLst>
+              </p:cNvPr>
+              <p:cNvSpPr txBox="1"/>
+              <p:nvPr/>
+            </p:nvSpPr>
+            <p:spPr>
+              <a:xfrm>
+                <a:off x="9684820" y="2341145"/>
+                <a:ext cx="549412" cy="483146"/>
+              </a:xfrm>
+              <a:prstGeom prst="rect">
+                <a:avLst/>
+              </a:prstGeom>
+              <a:noFill/>
+            </p:spPr>
+            <p:txBody>
+              <a:bodyPr wrap="square" lIns="0" tIns="0" rIns="0" bIns="0" rtlCol="0">
+                <a:spAutoFit/>
+              </a:bodyPr>
+              <a:lstStyle/>
+              <a:p>
+                <a:pPr/>
+                <a14:m>
+                  <m:oMathPara xmlns:m="http://schemas.openxmlformats.org/officeDocument/2006/math">
+                    <m:oMathParaPr>
+                      <m:jc m:val="centerGroup"/>
+                    </m:oMathParaPr>
+                    <m:oMath xmlns:m="http://schemas.openxmlformats.org/officeDocument/2006/math">
+                      <m:acc>
+                        <m:accPr>
+                          <m:chr m:val="⃗"/>
+                          <m:ctrlPr>
+                            <a:rPr lang="en-US" sz="2800" i="1" smtClean="0">
+                              <a:solidFill>
+                                <a:schemeClr val="tx1"/>
+                              </a:solidFill>
+                              <a:latin typeface="Cambria Math" panose="02040503050406030204" pitchFamily="18" charset="0"/>
+                            </a:rPr>
+                          </m:ctrlPr>
+                        </m:accPr>
+                        <m:e>
+                          <m:r>
+                            <a:rPr lang="en-US" sz="2800" b="0" i="1" smtClean="0">
+                              <a:solidFill>
+                                <a:schemeClr val="tx1"/>
+                              </a:solidFill>
+                              <a:latin typeface="Cambria Math" panose="02040503050406030204" pitchFamily="18" charset="0"/>
+                              <a:ea typeface="Cambria Math" panose="02040503050406030204" pitchFamily="18" charset="0"/>
+                            </a:rPr>
+                            <m:t>𝑁</m:t>
+                          </m:r>
+                        </m:e>
+                      </m:acc>
+                    </m:oMath>
+                  </m:oMathPara>
+                </a14:m>
+                <a:endParaRPr lang="en-US" sz="2800" dirty="0">
+                  <a:solidFill>
+                    <a:schemeClr val="tx1"/>
+                  </a:solidFill>
+                </a:endParaRPr>
+              </a:p>
+            </p:txBody>
+          </p:sp>
+        </mc:Choice>
+        <mc:Fallback>
+          <p:sp>
+            <p:nvSpPr>
+              <p:cNvPr id="33" name="TextBox 32">
+                <a:extLst>
+                  <a:ext uri="{FF2B5EF4-FFF2-40B4-BE49-F238E27FC236}">
+                    <a16:creationId xmlns:a16="http://schemas.microsoft.com/office/drawing/2014/main" id="{8C5F34DA-8F5E-4223-A457-150B0D55E87F}"/>
+                  </a:ext>
+                </a:extLst>
+              </p:cNvPr>
+              <p:cNvSpPr txBox="1">
+                <a:spLocks noRot="1" noChangeAspect="1" noMove="1" noResize="1" noEditPoints="1" noAdjustHandles="1" noChangeArrowheads="1" noChangeShapeType="1" noTextEdit="1"/>
+              </p:cNvSpPr>
+              <p:nvPr/>
+            </p:nvSpPr>
+            <p:spPr>
+              <a:xfrm>
+                <a:off x="9684820" y="2341145"/>
+                <a:ext cx="549412" cy="483146"/>
+              </a:xfrm>
+              <a:prstGeom prst="rect">
+                <a:avLst/>
+              </a:prstGeom>
+              <a:blipFill>
+                <a:blip r:embed="rId8"/>
+                <a:stretch>
+                  <a:fillRect/>
+                </a:stretch>
+              </a:blipFill>
+            </p:spPr>
+            <p:txBody>
+              <a:bodyPr/>
+              <a:lstStyle/>
+              <a:p>
+                <a:r>
+                  <a:rPr lang="en-US">
+                    <a:noFill/>
+                  </a:rPr>
+                  <a:t> </a:t>
+                </a:r>
+              </a:p>
+            </p:txBody>
+          </p:sp>
+        </mc:Fallback>
+      </mc:AlternateContent>
+      <p:pic>
+        <p:nvPicPr>
+          <p:cNvPr id="35" name="Picture 34">
+            <a:extLst>
+              <a:ext uri="{FF2B5EF4-FFF2-40B4-BE49-F238E27FC236}">
+                <a16:creationId xmlns:a16="http://schemas.microsoft.com/office/drawing/2014/main" id="{508BAC27-D26C-4D1B-B776-50EC89C49CAC}"/>
+              </a:ext>
+            </a:extLst>
+          </p:cNvPr>
+          <p:cNvPicPr>
+            <a:picLocks noChangeAspect="1"/>
+          </p:cNvPicPr>
+          <p:nvPr/>
+        </p:nvPicPr>
+        <p:blipFill>
+          <a:blip r:embed="rId9">
+            <a:extLst>
+              <a:ext uri="{28A0092B-C50C-407E-A947-70E740481C1C}">
+                <a14:useLocalDpi xmlns:a14="http://schemas.microsoft.com/office/drawing/2010/main" val="0"/>
+              </a:ext>
+            </a:extLst>
+          </a:blip>
+          <a:stretch>
+            <a:fillRect/>
+          </a:stretch>
+        </p:blipFill>
+        <p:spPr>
+          <a:xfrm>
+            <a:off x="1961499" y="3570033"/>
+            <a:ext cx="6057900" cy="3733800"/>
+          </a:xfrm>
+          <a:prstGeom prst="rect">
+            <a:avLst/>
+          </a:prstGeom>
+        </p:spPr>
+      </p:pic>
+      <mc:AlternateContent xmlns:mc="http://schemas.openxmlformats.org/markup-compatibility/2006">
+        <mc:Choice xmlns:a14="http://schemas.microsoft.com/office/drawing/2010/main" Requires="a14">
+          <p:sp>
+            <p:nvSpPr>
+              <p:cNvPr id="36" name="Rectangle 35">
+                <a:extLst>
+                  <a:ext uri="{FF2B5EF4-FFF2-40B4-BE49-F238E27FC236}">
+                    <a16:creationId xmlns:a16="http://schemas.microsoft.com/office/drawing/2014/main" id="{937CA182-ACC2-4D85-9AA4-EAD4A580563D}"/>
+                  </a:ext>
+                </a:extLst>
+              </p:cNvPr>
+              <p:cNvSpPr/>
+              <p:nvPr/>
+            </p:nvSpPr>
+            <p:spPr>
+              <a:xfrm>
+                <a:off x="5792155" y="5174496"/>
+                <a:ext cx="1208085" cy="312516"/>
+              </a:xfrm>
+              <a:prstGeom prst="rect">
+                <a:avLst/>
+              </a:prstGeom>
+              <a:solidFill>
+                <a:schemeClr val="bg1"/>
+              </a:solidFill>
+              <a:ln>
+                <a:noFill/>
+              </a:ln>
+            </p:spPr>
+            <p:style>
+              <a:lnRef idx="2">
+                <a:schemeClr val="accent1">
+                  <a:shade val="50000"/>
+                </a:schemeClr>
+              </a:lnRef>
+              <a:fillRef idx="1">
+                <a:schemeClr val="accent1"/>
+              </a:fillRef>
+              <a:effectRef idx="0">
+                <a:schemeClr val="accent1"/>
+              </a:effectRef>
+              <a:fontRef idx="minor">
+                <a:schemeClr val="lt1"/>
+              </a:fontRef>
+            </p:style>
+            <p:txBody>
+              <a:bodyPr rtlCol="0" anchor="ctr"/>
+              <a:lstStyle/>
+              <a:p>
+                <a:pPr algn="ctr"/>
+                <a14:m>
+                  <m:oMathPara xmlns:m="http://schemas.openxmlformats.org/officeDocument/2006/math">
+                    <m:oMathParaPr>
+                      <m:jc m:val="centerGroup"/>
+                    </m:oMathParaPr>
+                    <m:oMath xmlns:m="http://schemas.openxmlformats.org/officeDocument/2006/math">
+                      <m:r>
+                        <a:rPr lang="en-US" i="1" smtClean="0">
+                          <a:solidFill>
+                            <a:schemeClr val="tx1"/>
+                          </a:solidFill>
+                          <a:latin typeface="Cambria Math" panose="02040503050406030204" pitchFamily="18" charset="0"/>
+                          <a:ea typeface="Cambria Math" panose="02040503050406030204" pitchFamily="18" charset="0"/>
+                        </a:rPr>
+                        <m:t>𝜇</m:t>
+                      </m:r>
+                      <m:r>
+                        <a:rPr lang="en-US" b="0" i="1" smtClean="0">
+                          <a:solidFill>
+                            <a:schemeClr val="tx1"/>
+                          </a:solidFill>
+                          <a:latin typeface="Cambria Math" panose="02040503050406030204" pitchFamily="18" charset="0"/>
+                          <a:ea typeface="Cambria Math" panose="02040503050406030204" pitchFamily="18" charset="0"/>
+                        </a:rPr>
+                        <m:t>𝑚𝑔</m:t>
+                      </m:r>
+                      <m:r>
+                        <a:rPr lang="en-US" b="0" i="1" smtClean="0">
+                          <a:solidFill>
+                            <a:schemeClr val="tx1"/>
+                          </a:solidFill>
+                          <a:latin typeface="Cambria Math" panose="02040503050406030204" pitchFamily="18" charset="0"/>
+                          <a:ea typeface="Cambria Math" panose="02040503050406030204" pitchFamily="18" charset="0"/>
+                        </a:rPr>
+                        <m:t> </m:t>
+                      </m:r>
+                      <m:r>
+                        <a:rPr lang="en-US" b="0" i="1" smtClean="0">
+                          <a:solidFill>
+                            <a:schemeClr val="tx1"/>
+                          </a:solidFill>
+                          <a:latin typeface="Cambria Math" panose="02040503050406030204" pitchFamily="18" charset="0"/>
+                          <a:ea typeface="Cambria Math" panose="02040503050406030204" pitchFamily="18" charset="0"/>
+                        </a:rPr>
+                        <m:t>𝑐𝑜𝑠</m:t>
+                      </m:r>
+                      <m:r>
+                        <a:rPr lang="en-US" b="0" i="1" smtClean="0">
+                          <a:solidFill>
+                            <a:schemeClr val="tx1"/>
+                          </a:solidFill>
+                          <a:latin typeface="Cambria Math" panose="02040503050406030204" pitchFamily="18" charset="0"/>
+                          <a:ea typeface="Cambria Math" panose="02040503050406030204" pitchFamily="18" charset="0"/>
+                        </a:rPr>
+                        <m:t>𝛼</m:t>
+                      </m:r>
+                    </m:oMath>
+                  </m:oMathPara>
+                </a14:m>
+                <a:endParaRPr lang="en-US" dirty="0">
+                  <a:solidFill>
+                    <a:schemeClr val="tx1"/>
+                  </a:solidFill>
+                </a:endParaRPr>
+              </a:p>
+            </p:txBody>
+          </p:sp>
+        </mc:Choice>
+        <mc:Fallback>
+          <p:sp>
+            <p:nvSpPr>
+              <p:cNvPr id="36" name="Rectangle 35">
+                <a:extLst>
+                  <a:ext uri="{FF2B5EF4-FFF2-40B4-BE49-F238E27FC236}">
+                    <a16:creationId xmlns:a16="http://schemas.microsoft.com/office/drawing/2014/main" id="{937CA182-ACC2-4D85-9AA4-EAD4A580563D}"/>
+                  </a:ext>
+                </a:extLst>
+              </p:cNvPr>
+              <p:cNvSpPr>
+                <a:spLocks noRot="1" noChangeAspect="1" noMove="1" noResize="1" noEditPoints="1" noAdjustHandles="1" noChangeArrowheads="1" noChangeShapeType="1" noTextEdit="1"/>
+              </p:cNvSpPr>
+              <p:nvPr/>
+            </p:nvSpPr>
+            <p:spPr>
+              <a:xfrm>
+                <a:off x="5792155" y="5174496"/>
+                <a:ext cx="1208085" cy="312516"/>
+              </a:xfrm>
+              <a:prstGeom prst="rect">
+                <a:avLst/>
+              </a:prstGeom>
+              <a:blipFill>
+                <a:blip r:embed="rId10"/>
+                <a:stretch>
+                  <a:fillRect b="-17647"/>
+                </a:stretch>
+              </a:blipFill>
+              <a:ln>
+                <a:noFill/>
+              </a:ln>
+            </p:spPr>
+            <p:txBody>
+              <a:bodyPr/>
+              <a:lstStyle/>
+              <a:p>
+                <a:r>
+                  <a:rPr lang="en-US">
+                    <a:noFill/>
+                  </a:rPr>
+                  <a:t> </a:t>
+                </a:r>
+              </a:p>
+            </p:txBody>
+          </p:sp>
+        </mc:Fallback>
+      </mc:AlternateContent>
+    </p:spTree>
+    <p:extLst>
+      <p:ext uri="{BB962C8B-B14F-4D97-AF65-F5344CB8AC3E}">
+        <p14:creationId xmlns:p14="http://schemas.microsoft.com/office/powerpoint/2010/main" val="2951352104"/>
       </p:ext>
     </p:extLst>
   </p:cSld>

--- a/volunteer/Drawings.pptx
+++ b/volunteer/Drawings.pptx
@@ -5,7 +5,7 @@
     <p:sldMasterId id="2147483648" r:id="rId1"/>
   </p:sldMasterIdLst>
   <p:notesMasterIdLst>
-    <p:notesMasterId r:id="rId17"/>
+    <p:notesMasterId r:id="rId18"/>
   </p:notesMasterIdLst>
   <p:sldIdLst>
     <p:sldId id="257" r:id="rId2"/>
@@ -23,6 +23,7 @@
     <p:sldId id="277" r:id="rId14"/>
     <p:sldId id="278" r:id="rId15"/>
     <p:sldId id="279" r:id="rId16"/>
+    <p:sldId id="280" r:id="rId17"/>
   </p:sldIdLst>
   <p:sldSz cx="12192000" cy="6858000"/>
   <p:notesSz cx="6858000" cy="9144000"/>
@@ -223,7 +224,7 @@
           <a:p>
             <a:fld id="{E97AC224-DDFD-4843-A1F8-E420074F16B8}" type="datetimeFigureOut">
               <a:rPr lang="en-US" smtClean="0"/>
-              <a:t>6/25/2024</a:t>
+              <a:t>6/26/2024</a:t>
             </a:fld>
             <a:endParaRPr lang="en-US"/>
           </a:p>
@@ -721,7 +722,7 @@
           <a:p>
             <a:fld id="{F0249701-11FC-451D-B9AC-2A68C1C5D58E}" type="datetimeFigureOut">
               <a:rPr lang="en-US" smtClean="0"/>
-              <a:t>6/25/2024</a:t>
+              <a:t>6/26/2024</a:t>
             </a:fld>
             <a:endParaRPr lang="en-US"/>
           </a:p>
@@ -919,7 +920,7 @@
           <a:p>
             <a:fld id="{F0249701-11FC-451D-B9AC-2A68C1C5D58E}" type="datetimeFigureOut">
               <a:rPr lang="en-US" smtClean="0"/>
-              <a:t>6/25/2024</a:t>
+              <a:t>6/26/2024</a:t>
             </a:fld>
             <a:endParaRPr lang="en-US"/>
           </a:p>
@@ -1127,7 +1128,7 @@
           <a:p>
             <a:fld id="{F0249701-11FC-451D-B9AC-2A68C1C5D58E}" type="datetimeFigureOut">
               <a:rPr lang="en-US" smtClean="0"/>
-              <a:t>6/25/2024</a:t>
+              <a:t>6/26/2024</a:t>
             </a:fld>
             <a:endParaRPr lang="en-US"/>
           </a:p>
@@ -1325,7 +1326,7 @@
           <a:p>
             <a:fld id="{F0249701-11FC-451D-B9AC-2A68C1C5D58E}" type="datetimeFigureOut">
               <a:rPr lang="en-US" smtClean="0"/>
-              <a:t>6/25/2024</a:t>
+              <a:t>6/26/2024</a:t>
             </a:fld>
             <a:endParaRPr lang="en-US"/>
           </a:p>
@@ -1600,7 +1601,7 @@
           <a:p>
             <a:fld id="{F0249701-11FC-451D-B9AC-2A68C1C5D58E}" type="datetimeFigureOut">
               <a:rPr lang="en-US" smtClean="0"/>
-              <a:t>6/25/2024</a:t>
+              <a:t>6/26/2024</a:t>
             </a:fld>
             <a:endParaRPr lang="en-US"/>
           </a:p>
@@ -1865,7 +1866,7 @@
           <a:p>
             <a:fld id="{F0249701-11FC-451D-B9AC-2A68C1C5D58E}" type="datetimeFigureOut">
               <a:rPr lang="en-US" smtClean="0"/>
-              <a:t>6/25/2024</a:t>
+              <a:t>6/26/2024</a:t>
             </a:fld>
             <a:endParaRPr lang="en-US"/>
           </a:p>
@@ -2277,7 +2278,7 @@
           <a:p>
             <a:fld id="{F0249701-11FC-451D-B9AC-2A68C1C5D58E}" type="datetimeFigureOut">
               <a:rPr lang="en-US" smtClean="0"/>
-              <a:t>6/25/2024</a:t>
+              <a:t>6/26/2024</a:t>
             </a:fld>
             <a:endParaRPr lang="en-US"/>
           </a:p>
@@ -2418,7 +2419,7 @@
           <a:p>
             <a:fld id="{F0249701-11FC-451D-B9AC-2A68C1C5D58E}" type="datetimeFigureOut">
               <a:rPr lang="en-US" smtClean="0"/>
-              <a:t>6/25/2024</a:t>
+              <a:t>6/26/2024</a:t>
             </a:fld>
             <a:endParaRPr lang="en-US"/>
           </a:p>
@@ -2531,7 +2532,7 @@
           <a:p>
             <a:fld id="{F0249701-11FC-451D-B9AC-2A68C1C5D58E}" type="datetimeFigureOut">
               <a:rPr lang="en-US" smtClean="0"/>
-              <a:t>6/25/2024</a:t>
+              <a:t>6/26/2024</a:t>
             </a:fld>
             <a:endParaRPr lang="en-US"/>
           </a:p>
@@ -2842,7 +2843,7 @@
           <a:p>
             <a:fld id="{F0249701-11FC-451D-B9AC-2A68C1C5D58E}" type="datetimeFigureOut">
               <a:rPr lang="en-US" smtClean="0"/>
-              <a:t>6/25/2024</a:t>
+              <a:t>6/26/2024</a:t>
             </a:fld>
             <a:endParaRPr lang="en-US"/>
           </a:p>
@@ -3130,7 +3131,7 @@
           <a:p>
             <a:fld id="{F0249701-11FC-451D-B9AC-2A68C1C5D58E}" type="datetimeFigureOut">
               <a:rPr lang="en-US" smtClean="0"/>
-              <a:t>6/25/2024</a:t>
+              <a:t>6/26/2024</a:t>
             </a:fld>
             <a:endParaRPr lang="en-US"/>
           </a:p>
@@ -3371,7 +3372,7 @@
           <a:p>
             <a:fld id="{F0249701-11FC-451D-B9AC-2A68C1C5D58E}" type="datetimeFigureOut">
               <a:rPr lang="en-US" smtClean="0"/>
-              <a:t>6/25/2024</a:t>
+              <a:t>6/26/2024</a:t>
             </a:fld>
             <a:endParaRPr lang="en-US"/>
           </a:p>
@@ -23477,8 +23478,8 @@
           </a:p>
         </p:txBody>
       </p:sp>
-      <mc:AlternateContent xmlns:mc="http://schemas.openxmlformats.org/markup-compatibility/2006">
-        <mc:Choice xmlns:a14="http://schemas.microsoft.com/office/drawing/2010/main" Requires="a14">
+      <mc:AlternateContent xmlns:mc="http://schemas.openxmlformats.org/markup-compatibility/2006" xmlns:a14="http://schemas.microsoft.com/office/drawing/2010/main">
+        <mc:Choice Requires="a14">
           <p:sp>
             <p:nvSpPr>
               <p:cNvPr id="13" name="TextBox 12">
@@ -23536,7 +23537,7 @@
             </p:txBody>
           </p:sp>
         </mc:Choice>
-        <mc:Fallback>
+        <mc:Fallback xmlns="">
           <p:sp>
             <p:nvSpPr>
               <p:cNvPr id="13" name="TextBox 12">
@@ -23796,8 +23797,8 @@
           </a:p>
         </p:txBody>
       </p:sp>
-      <mc:AlternateContent xmlns:mc="http://schemas.openxmlformats.org/markup-compatibility/2006">
-        <mc:Choice xmlns:a14="http://schemas.microsoft.com/office/drawing/2010/main" Requires="a14">
+      <mc:AlternateContent xmlns:mc="http://schemas.openxmlformats.org/markup-compatibility/2006" xmlns:a14="http://schemas.microsoft.com/office/drawing/2010/main">
+        <mc:Choice Requires="a14">
           <p:sp>
             <p:nvSpPr>
               <p:cNvPr id="15" name="TextBox 14">
@@ -23855,7 +23856,7 @@
             </p:txBody>
           </p:sp>
         </mc:Choice>
-        <mc:Fallback>
+        <mc:Fallback xmlns="">
           <p:sp>
             <p:nvSpPr>
               <p:cNvPr id="15" name="TextBox 14">
@@ -23945,8 +23946,8 @@
           </a:fontRef>
         </p:style>
       </p:cxnSp>
-      <mc:AlternateContent xmlns:mc="http://schemas.openxmlformats.org/markup-compatibility/2006">
-        <mc:Choice xmlns:a14="http://schemas.microsoft.com/office/drawing/2010/main" Requires="a14">
+      <mc:AlternateContent xmlns:mc="http://schemas.openxmlformats.org/markup-compatibility/2006" xmlns:a14="http://schemas.microsoft.com/office/drawing/2010/main">
+        <mc:Choice Requires="a14">
           <p:sp>
             <p:nvSpPr>
               <p:cNvPr id="18" name="TextBox 17">
@@ -24018,7 +24019,7 @@
             </p:txBody>
           </p:sp>
         </mc:Choice>
-        <mc:Fallback>
+        <mc:Fallback xmlns="">
           <p:sp>
             <p:nvSpPr>
               <p:cNvPr id="18" name="TextBox 17">
@@ -24131,7 +24132,7 @@
             </p:nvSpPr>
             <p:spPr>
               <a:xfrm>
-                <a:off x="9838895" y="4455200"/>
+                <a:off x="9952732" y="4957491"/>
                 <a:ext cx="555537" cy="492443"/>
               </a:xfrm>
               <a:prstGeom prst="rect">
@@ -24191,7 +24192,7 @@
             </p:nvSpPr>
             <p:spPr>
               <a:xfrm>
-                <a:off x="9838895" y="4455200"/>
+                <a:off x="9952732" y="4957491"/>
                 <a:ext cx="555537" cy="492443"/>
               </a:xfrm>
               <a:prstGeom prst="rect">
@@ -24310,8 +24311,8 @@
           </a:fontRef>
         </p:style>
       </p:cxnSp>
-      <mc:AlternateContent xmlns:mc="http://schemas.openxmlformats.org/markup-compatibility/2006">
-        <mc:Choice xmlns:a14="http://schemas.microsoft.com/office/drawing/2010/main" Requires="a14">
+      <mc:AlternateContent xmlns:mc="http://schemas.openxmlformats.org/markup-compatibility/2006" xmlns:a14="http://schemas.microsoft.com/office/drawing/2010/main">
+        <mc:Choice Requires="a14">
           <p:sp>
             <p:nvSpPr>
               <p:cNvPr id="32" name="TextBox 31">
@@ -24399,7 +24400,7 @@
             </p:txBody>
           </p:sp>
         </mc:Choice>
-        <mc:Fallback>
+        <mc:Fallback xmlns="">
           <p:sp>
             <p:nvSpPr>
               <p:cNvPr id="32" name="TextBox 31">
@@ -24444,8 +24445,8 @@
           </p:sp>
         </mc:Fallback>
       </mc:AlternateContent>
-      <mc:AlternateContent xmlns:mc="http://schemas.openxmlformats.org/markup-compatibility/2006">
-        <mc:Choice xmlns:a14="http://schemas.microsoft.com/office/drawing/2010/main" Requires="a14">
+      <mc:AlternateContent xmlns:mc="http://schemas.openxmlformats.org/markup-compatibility/2006" xmlns:a14="http://schemas.microsoft.com/office/drawing/2010/main">
+        <mc:Choice Requires="a14">
           <p:sp>
             <p:nvSpPr>
               <p:cNvPr id="33" name="TextBox 32">
@@ -24518,7 +24519,7 @@
             </p:txBody>
           </p:sp>
         </mc:Choice>
-        <mc:Fallback>
+        <mc:Fallback xmlns="">
           <p:sp>
             <p:nvSpPr>
               <p:cNvPr id="33" name="TextBox 32">
@@ -24599,8 +24600,8 @@
           </a:prstGeom>
         </p:spPr>
       </p:pic>
-      <mc:AlternateContent xmlns:mc="http://schemas.openxmlformats.org/markup-compatibility/2006">
-        <mc:Choice xmlns:a14="http://schemas.microsoft.com/office/drawing/2010/main" Requires="a14">
+      <mc:AlternateContent xmlns:mc="http://schemas.openxmlformats.org/markup-compatibility/2006" xmlns:a14="http://schemas.microsoft.com/office/drawing/2010/main">
+        <mc:Choice Requires="a14">
           <p:sp>
             <p:nvSpPr>
               <p:cNvPr id="36" name="Rectangle 35">
@@ -24717,7 +24718,7 @@
             </p:txBody>
           </p:sp>
         </mc:Choice>
-        <mc:Fallback>
+        <mc:Fallback xmlns="">
           <p:sp>
             <p:nvSpPr>
               <p:cNvPr id="36" name="Rectangle 35">
@@ -24769,6 +24770,1153 @@
     <p:extLst>
       <p:ext uri="{BB962C8B-B14F-4D97-AF65-F5344CB8AC3E}">
         <p14:creationId xmlns:p14="http://schemas.microsoft.com/office/powerpoint/2010/main" val="2951352104"/>
+      </p:ext>
+    </p:extLst>
+  </p:cSld>
+  <p:clrMapOvr>
+    <a:masterClrMapping/>
+  </p:clrMapOvr>
+</p:sld>
+</file>
+
+<file path=ppt/slides/slide16.xml><?xml version="1.0" encoding="utf-8"?>
+<p:sld xmlns:a="http://schemas.openxmlformats.org/drawingml/2006/main" xmlns:r="http://schemas.openxmlformats.org/officeDocument/2006/relationships" xmlns:p="http://schemas.openxmlformats.org/presentationml/2006/main">
+  <p:cSld>
+    <p:spTree>
+      <p:nvGrpSpPr>
+        <p:cNvPr id="1" name=""/>
+        <p:cNvGrpSpPr/>
+        <p:nvPr/>
+      </p:nvGrpSpPr>
+      <p:grpSpPr>
+        <a:xfrm>
+          <a:off x="0" y="0"/>
+          <a:ext cx="0" cy="0"/>
+          <a:chOff x="0" y="0"/>
+          <a:chExt cx="0" cy="0"/>
+        </a:xfrm>
+      </p:grpSpPr>
+      <p:sp>
+        <p:nvSpPr>
+          <p:cNvPr id="2" name="Parallelogram 1">
+            <a:extLst>
+              <a:ext uri="{FF2B5EF4-FFF2-40B4-BE49-F238E27FC236}">
+                <a16:creationId xmlns:a16="http://schemas.microsoft.com/office/drawing/2014/main" id="{CFD21B68-C6A4-4900-A8C3-85C9BC1DDA6E}"/>
+              </a:ext>
+            </a:extLst>
+          </p:cNvPr>
+          <p:cNvSpPr/>
+          <p:nvPr/>
+        </p:nvSpPr>
+        <p:spPr>
+          <a:xfrm>
+            <a:off x="3883938" y="2538419"/>
+            <a:ext cx="4457422" cy="1781161"/>
+          </a:xfrm>
+          <a:prstGeom prst="parallelogram">
+            <a:avLst>
+              <a:gd name="adj" fmla="val 54030"/>
+            </a:avLst>
+          </a:prstGeom>
+          <a:gradFill flip="none" rotWithShape="1">
+            <a:gsLst>
+              <a:gs pos="0">
+                <a:schemeClr val="accent1">
+                  <a:lumMod val="89000"/>
+                </a:schemeClr>
+              </a:gs>
+              <a:gs pos="23000">
+                <a:schemeClr val="accent1">
+                  <a:lumMod val="89000"/>
+                </a:schemeClr>
+              </a:gs>
+              <a:gs pos="69000">
+                <a:schemeClr val="accent1">
+                  <a:lumMod val="75000"/>
+                </a:schemeClr>
+              </a:gs>
+              <a:gs pos="97000">
+                <a:schemeClr val="accent1">
+                  <a:lumMod val="70000"/>
+                </a:schemeClr>
+              </a:gs>
+            </a:gsLst>
+            <a:path path="circle">
+              <a:fillToRect l="50000" t="50000" r="50000" b="50000"/>
+            </a:path>
+            <a:tileRect/>
+          </a:gradFill>
+        </p:spPr>
+        <p:style>
+          <a:lnRef idx="2">
+            <a:schemeClr val="accent1">
+              <a:shade val="50000"/>
+            </a:schemeClr>
+          </a:lnRef>
+          <a:fillRef idx="1">
+            <a:schemeClr val="accent1"/>
+          </a:fillRef>
+          <a:effectRef idx="0">
+            <a:schemeClr val="accent1"/>
+          </a:effectRef>
+          <a:fontRef idx="minor">
+            <a:schemeClr val="lt1"/>
+          </a:fontRef>
+        </p:style>
+        <p:txBody>
+          <a:bodyPr rtlCol="0" anchor="ctr"/>
+          <a:lstStyle/>
+          <a:p>
+            <a:pPr algn="ctr"/>
+            <a:endParaRPr lang="en-US"/>
+          </a:p>
+        </p:txBody>
+      </p:sp>
+      <p:cxnSp>
+        <p:nvCxnSpPr>
+          <p:cNvPr id="4" name="Straight Arrow Connector 3">
+            <a:extLst>
+              <a:ext uri="{FF2B5EF4-FFF2-40B4-BE49-F238E27FC236}">
+                <a16:creationId xmlns:a16="http://schemas.microsoft.com/office/drawing/2014/main" id="{6A3DCCDF-C17D-4266-8D32-BE4C5E14C60B}"/>
+              </a:ext>
+            </a:extLst>
+          </p:cNvPr>
+          <p:cNvCxnSpPr>
+            <a:cxnSpLocks/>
+          </p:cNvCxnSpPr>
+          <p:nvPr/>
+        </p:nvCxnSpPr>
+        <p:spPr>
+          <a:xfrm flipH="1">
+            <a:off x="5595014" y="3428999"/>
+            <a:ext cx="399388" cy="574041"/>
+          </a:xfrm>
+          <a:prstGeom prst="straightConnector1">
+            <a:avLst/>
+          </a:prstGeom>
+          <a:ln w="47625">
+            <a:solidFill>
+              <a:schemeClr val="tx1"/>
+            </a:solidFill>
+            <a:headEnd type="none" w="lg" len="lg"/>
+            <a:tailEnd type="stealth" w="lg" len="lg"/>
+          </a:ln>
+        </p:spPr>
+        <p:style>
+          <a:lnRef idx="1">
+            <a:schemeClr val="accent1"/>
+          </a:lnRef>
+          <a:fillRef idx="0">
+            <a:schemeClr val="accent1"/>
+          </a:fillRef>
+          <a:effectRef idx="0">
+            <a:schemeClr val="accent1"/>
+          </a:effectRef>
+          <a:fontRef idx="minor">
+            <a:schemeClr val="tx1"/>
+          </a:fontRef>
+        </p:style>
+      </p:cxnSp>
+      <p:cxnSp>
+        <p:nvCxnSpPr>
+          <p:cNvPr id="13" name="Straight Arrow Connector 12">
+            <a:extLst>
+              <a:ext uri="{FF2B5EF4-FFF2-40B4-BE49-F238E27FC236}">
+                <a16:creationId xmlns:a16="http://schemas.microsoft.com/office/drawing/2014/main" id="{0343C25D-2F9A-4B88-96A3-7D0EB3D9290B}"/>
+              </a:ext>
+            </a:extLst>
+          </p:cNvPr>
+          <p:cNvCxnSpPr>
+            <a:cxnSpLocks/>
+          </p:cNvCxnSpPr>
+          <p:nvPr/>
+        </p:nvCxnSpPr>
+        <p:spPr>
+          <a:xfrm flipV="1">
+            <a:off x="6172037" y="2679389"/>
+            <a:ext cx="1150783" cy="579432"/>
+          </a:xfrm>
+          <a:prstGeom prst="straightConnector1">
+            <a:avLst/>
+          </a:prstGeom>
+          <a:ln w="47625">
+            <a:solidFill>
+              <a:schemeClr val="tx1"/>
+            </a:solidFill>
+            <a:headEnd type="none" w="lg" len="lg"/>
+            <a:tailEnd type="stealth" w="lg" len="lg"/>
+          </a:ln>
+        </p:spPr>
+        <p:style>
+          <a:lnRef idx="1">
+            <a:schemeClr val="accent1"/>
+          </a:lnRef>
+          <a:fillRef idx="0">
+            <a:schemeClr val="accent1"/>
+          </a:fillRef>
+          <a:effectRef idx="0">
+            <a:schemeClr val="accent1"/>
+          </a:effectRef>
+          <a:fontRef idx="minor">
+            <a:schemeClr val="tx1"/>
+          </a:fontRef>
+        </p:style>
+      </p:cxnSp>
+      <p:cxnSp>
+        <p:nvCxnSpPr>
+          <p:cNvPr id="15" name="Straight Arrow Connector 14">
+            <a:extLst>
+              <a:ext uri="{FF2B5EF4-FFF2-40B4-BE49-F238E27FC236}">
+                <a16:creationId xmlns:a16="http://schemas.microsoft.com/office/drawing/2014/main" id="{9FC92A39-9652-4F25-B6EF-C31976325DA6}"/>
+              </a:ext>
+            </a:extLst>
+          </p:cNvPr>
+          <p:cNvCxnSpPr>
+            <a:cxnSpLocks/>
+          </p:cNvCxnSpPr>
+          <p:nvPr/>
+        </p:nvCxnSpPr>
+        <p:spPr>
+          <a:xfrm flipH="1">
+            <a:off x="5679509" y="2526989"/>
+            <a:ext cx="948319" cy="1363020"/>
+          </a:xfrm>
+          <a:prstGeom prst="straightConnector1">
+            <a:avLst/>
+          </a:prstGeom>
+          <a:ln w="28575">
+            <a:solidFill>
+              <a:schemeClr val="tx1"/>
+            </a:solidFill>
+            <a:prstDash val="dash"/>
+            <a:headEnd type="none" w="lg" len="lg"/>
+            <a:tailEnd type="none" w="lg" len="lg"/>
+          </a:ln>
+        </p:spPr>
+        <p:style>
+          <a:lnRef idx="1">
+            <a:schemeClr val="accent1"/>
+          </a:lnRef>
+          <a:fillRef idx="0">
+            <a:schemeClr val="accent1"/>
+          </a:fillRef>
+          <a:effectRef idx="0">
+            <a:schemeClr val="accent1"/>
+          </a:effectRef>
+          <a:fontRef idx="minor">
+            <a:schemeClr val="tx1"/>
+          </a:fontRef>
+        </p:style>
+      </p:cxnSp>
+      <p:sp>
+        <p:nvSpPr>
+          <p:cNvPr id="17" name="Arc 16">
+            <a:extLst>
+              <a:ext uri="{FF2B5EF4-FFF2-40B4-BE49-F238E27FC236}">
+                <a16:creationId xmlns:a16="http://schemas.microsoft.com/office/drawing/2014/main" id="{1FFC8854-9D67-40EB-A491-CEB93EBEEFE9}"/>
+              </a:ext>
+            </a:extLst>
+          </p:cNvPr>
+          <p:cNvSpPr/>
+          <p:nvPr/>
+        </p:nvSpPr>
+        <p:spPr>
+          <a:xfrm rot="19927040">
+            <a:off x="6267660" y="2923824"/>
+            <a:ext cx="292499" cy="362003"/>
+          </a:xfrm>
+          <a:prstGeom prst="arc">
+            <a:avLst>
+              <a:gd name="adj1" fmla="val 16775587"/>
+              <a:gd name="adj2" fmla="val 725428"/>
+            </a:avLst>
+          </a:prstGeom>
+          <a:ln w="25400">
+            <a:solidFill>
+              <a:schemeClr val="tx1"/>
+            </a:solidFill>
+          </a:ln>
+        </p:spPr>
+        <p:style>
+          <a:lnRef idx="1">
+            <a:schemeClr val="accent1"/>
+          </a:lnRef>
+          <a:fillRef idx="0">
+            <a:schemeClr val="accent1"/>
+          </a:fillRef>
+          <a:effectRef idx="0">
+            <a:schemeClr val="accent1"/>
+          </a:effectRef>
+          <a:fontRef idx="minor">
+            <a:schemeClr val="tx1"/>
+          </a:fontRef>
+        </p:style>
+        <p:txBody>
+          <a:bodyPr rtlCol="0" anchor="ctr"/>
+          <a:lstStyle/>
+          <a:p>
+            <a:pPr algn="ctr"/>
+            <a:endParaRPr lang="en-US" dirty="0"/>
+          </a:p>
+        </p:txBody>
+      </p:sp>
+      <mc:AlternateContent xmlns:mc="http://schemas.openxmlformats.org/markup-compatibility/2006">
+        <mc:Choice xmlns:a14="http://schemas.microsoft.com/office/drawing/2010/main" Requires="a14">
+          <p:sp>
+            <p:nvSpPr>
+              <p:cNvPr id="18" name="TextBox 17">
+                <a:extLst>
+                  <a:ext uri="{FF2B5EF4-FFF2-40B4-BE49-F238E27FC236}">
+                    <a16:creationId xmlns:a16="http://schemas.microsoft.com/office/drawing/2014/main" id="{9A1F78A6-1FA7-4106-9259-903EED4A78B4}"/>
+                  </a:ext>
+                </a:extLst>
+              </p:cNvPr>
+              <p:cNvSpPr txBox="1"/>
+              <p:nvPr/>
+            </p:nvSpPr>
+            <p:spPr>
+              <a:xfrm>
+                <a:off x="6345961" y="2626597"/>
+                <a:ext cx="555537" cy="369332"/>
+              </a:xfrm>
+              <a:prstGeom prst="rect">
+                <a:avLst/>
+              </a:prstGeom>
+              <a:noFill/>
+            </p:spPr>
+            <p:txBody>
+              <a:bodyPr wrap="square" lIns="0" tIns="0" rIns="0" bIns="0" rtlCol="0">
+                <a:spAutoFit/>
+              </a:bodyPr>
+              <a:lstStyle/>
+              <a:p>
+                <a:pPr/>
+                <a14:m>
+                  <m:oMathPara xmlns:m="http://schemas.openxmlformats.org/officeDocument/2006/math">
+                    <m:oMathParaPr>
+                      <m:jc m:val="centerGroup"/>
+                    </m:oMathParaPr>
+                    <m:oMath xmlns:m="http://schemas.openxmlformats.org/officeDocument/2006/math">
+                      <m:r>
+                        <a:rPr lang="en-US" sz="2400" b="0" i="1" smtClean="0">
+                          <a:solidFill>
+                            <a:schemeClr val="tx1"/>
+                          </a:solidFill>
+                          <a:latin typeface="Cambria Math" panose="02040503050406030204" pitchFamily="18" charset="0"/>
+                          <a:ea typeface="Cambria Math" panose="02040503050406030204" pitchFamily="18" charset="0"/>
+                        </a:rPr>
+                        <m:t>𝛽</m:t>
+                      </m:r>
+                    </m:oMath>
+                  </m:oMathPara>
+                </a14:m>
+                <a:endParaRPr lang="en-US" sz="3200" dirty="0">
+                  <a:solidFill>
+                    <a:schemeClr val="tx1"/>
+                  </a:solidFill>
+                </a:endParaRPr>
+              </a:p>
+            </p:txBody>
+          </p:sp>
+        </mc:Choice>
+        <mc:Fallback>
+          <p:sp>
+            <p:nvSpPr>
+              <p:cNvPr id="18" name="TextBox 17">
+                <a:extLst>
+                  <a:ext uri="{FF2B5EF4-FFF2-40B4-BE49-F238E27FC236}">
+                    <a16:creationId xmlns:a16="http://schemas.microsoft.com/office/drawing/2014/main" id="{9A1F78A6-1FA7-4106-9259-903EED4A78B4}"/>
+                  </a:ext>
+                </a:extLst>
+              </p:cNvPr>
+              <p:cNvSpPr txBox="1">
+                <a:spLocks noRot="1" noChangeAspect="1" noMove="1" noResize="1" noEditPoints="1" noAdjustHandles="1" noChangeArrowheads="1" noChangeShapeType="1" noTextEdit="1"/>
+              </p:cNvSpPr>
+              <p:nvPr/>
+            </p:nvSpPr>
+            <p:spPr>
+              <a:xfrm>
+                <a:off x="6345961" y="2626597"/>
+                <a:ext cx="555537" cy="369332"/>
+              </a:xfrm>
+              <a:prstGeom prst="rect">
+                <a:avLst/>
+              </a:prstGeom>
+              <a:blipFill>
+                <a:blip r:embed="rId2"/>
+                <a:stretch>
+                  <a:fillRect b="-35000"/>
+                </a:stretch>
+              </a:blipFill>
+            </p:spPr>
+            <p:txBody>
+              <a:bodyPr/>
+              <a:lstStyle/>
+              <a:p>
+                <a:r>
+                  <a:rPr lang="en-US">
+                    <a:noFill/>
+                  </a:rPr>
+                  <a:t> </a:t>
+                </a:r>
+              </a:p>
+            </p:txBody>
+          </p:sp>
+        </mc:Fallback>
+      </mc:AlternateContent>
+      <p:cxnSp>
+        <p:nvCxnSpPr>
+          <p:cNvPr id="21" name="Straight Arrow Connector 20">
+            <a:extLst>
+              <a:ext uri="{FF2B5EF4-FFF2-40B4-BE49-F238E27FC236}">
+                <a16:creationId xmlns:a16="http://schemas.microsoft.com/office/drawing/2014/main" id="{27220AA1-F0BA-4158-B79F-4F1385E14FCA}"/>
+              </a:ext>
+            </a:extLst>
+          </p:cNvPr>
+          <p:cNvCxnSpPr>
+            <a:cxnSpLocks/>
+          </p:cNvCxnSpPr>
+          <p:nvPr/>
+        </p:nvCxnSpPr>
+        <p:spPr>
+          <a:xfrm flipH="1">
+            <a:off x="5349439" y="3421729"/>
+            <a:ext cx="420753" cy="485659"/>
+          </a:xfrm>
+          <a:prstGeom prst="straightConnector1">
+            <a:avLst/>
+          </a:prstGeom>
+          <a:ln w="47625">
+            <a:solidFill>
+              <a:srgbClr val="00B050"/>
+            </a:solidFill>
+            <a:headEnd type="none" w="lg" len="lg"/>
+            <a:tailEnd type="stealth" w="med" len="lg"/>
+          </a:ln>
+        </p:spPr>
+        <p:style>
+          <a:lnRef idx="1">
+            <a:schemeClr val="accent1"/>
+          </a:lnRef>
+          <a:fillRef idx="0">
+            <a:schemeClr val="accent1"/>
+          </a:fillRef>
+          <a:effectRef idx="0">
+            <a:schemeClr val="accent1"/>
+          </a:effectRef>
+          <a:fontRef idx="minor">
+            <a:schemeClr val="tx1"/>
+          </a:fontRef>
+        </p:style>
+      </p:cxnSp>
+      <p:cxnSp>
+        <p:nvCxnSpPr>
+          <p:cNvPr id="27" name="Straight Arrow Connector 26">
+            <a:extLst>
+              <a:ext uri="{FF2B5EF4-FFF2-40B4-BE49-F238E27FC236}">
+                <a16:creationId xmlns:a16="http://schemas.microsoft.com/office/drawing/2014/main" id="{CC0109A0-B7C7-4D29-8B4F-D6541B1F5F8C}"/>
+              </a:ext>
+            </a:extLst>
+          </p:cNvPr>
+          <p:cNvCxnSpPr>
+            <a:cxnSpLocks/>
+          </p:cNvCxnSpPr>
+          <p:nvPr/>
+        </p:nvCxnSpPr>
+        <p:spPr>
+          <a:xfrm flipH="1">
+            <a:off x="5153497" y="3300093"/>
+            <a:ext cx="584233" cy="0"/>
+          </a:xfrm>
+          <a:prstGeom prst="straightConnector1">
+            <a:avLst/>
+          </a:prstGeom>
+          <a:ln w="47625">
+            <a:solidFill>
+              <a:srgbClr val="00B050"/>
+            </a:solidFill>
+            <a:headEnd type="none" w="lg" len="lg"/>
+            <a:tailEnd type="stealth" w="med" len="lg"/>
+          </a:ln>
+        </p:spPr>
+        <p:style>
+          <a:lnRef idx="1">
+            <a:schemeClr val="accent1"/>
+          </a:lnRef>
+          <a:fillRef idx="0">
+            <a:schemeClr val="accent1"/>
+          </a:fillRef>
+          <a:effectRef idx="0">
+            <a:schemeClr val="accent1"/>
+          </a:effectRef>
+          <a:fontRef idx="minor">
+            <a:schemeClr val="tx1"/>
+          </a:fontRef>
+        </p:style>
+      </p:cxnSp>
+      <p:sp>
+        <p:nvSpPr>
+          <p:cNvPr id="3" name="Cube 2">
+            <a:extLst>
+              <a:ext uri="{FF2B5EF4-FFF2-40B4-BE49-F238E27FC236}">
+                <a16:creationId xmlns:a16="http://schemas.microsoft.com/office/drawing/2014/main" id="{52D555C8-A6D3-4D17-89C7-16E18B2BC878}"/>
+              </a:ext>
+            </a:extLst>
+          </p:cNvPr>
+          <p:cNvSpPr/>
+          <p:nvPr/>
+        </p:nvSpPr>
+        <p:spPr>
+          <a:xfrm>
+            <a:off x="5700137" y="3108960"/>
+            <a:ext cx="709104" cy="320039"/>
+          </a:xfrm>
+          <a:prstGeom prst="cube">
+            <a:avLst>
+              <a:gd name="adj" fmla="val 37508"/>
+            </a:avLst>
+          </a:prstGeom>
+          <a:gradFill flip="none" rotWithShape="1">
+            <a:gsLst>
+              <a:gs pos="0">
+                <a:schemeClr val="accent3">
+                  <a:lumMod val="89000"/>
+                </a:schemeClr>
+              </a:gs>
+              <a:gs pos="23000">
+                <a:schemeClr val="accent3">
+                  <a:lumMod val="89000"/>
+                </a:schemeClr>
+              </a:gs>
+              <a:gs pos="69000">
+                <a:schemeClr val="accent3">
+                  <a:lumMod val="75000"/>
+                </a:schemeClr>
+              </a:gs>
+              <a:gs pos="97000">
+                <a:schemeClr val="accent3">
+                  <a:lumMod val="70000"/>
+                </a:schemeClr>
+              </a:gs>
+            </a:gsLst>
+            <a:path path="circle">
+              <a:fillToRect l="50000" t="50000" r="50000" b="50000"/>
+            </a:path>
+            <a:tileRect/>
+          </a:gradFill>
+          <a:ln>
+            <a:solidFill>
+              <a:schemeClr val="tx1"/>
+            </a:solidFill>
+          </a:ln>
+        </p:spPr>
+        <p:style>
+          <a:lnRef idx="2">
+            <a:schemeClr val="accent1">
+              <a:shade val="50000"/>
+            </a:schemeClr>
+          </a:lnRef>
+          <a:fillRef idx="1">
+            <a:schemeClr val="accent1"/>
+          </a:fillRef>
+          <a:effectRef idx="0">
+            <a:schemeClr val="accent1"/>
+          </a:effectRef>
+          <a:fontRef idx="minor">
+            <a:schemeClr val="lt1"/>
+          </a:fontRef>
+        </p:style>
+        <p:txBody>
+          <a:bodyPr rtlCol="0" anchor="ctr"/>
+          <a:lstStyle/>
+          <a:p>
+            <a:pPr algn="ctr"/>
+            <a:endParaRPr lang="en-US"/>
+          </a:p>
+        </p:txBody>
+      </p:sp>
+      <mc:AlternateContent xmlns:mc="http://schemas.openxmlformats.org/markup-compatibility/2006">
+        <mc:Choice xmlns:a14="http://schemas.microsoft.com/office/drawing/2010/main" Requires="a14">
+          <p:sp>
+            <p:nvSpPr>
+              <p:cNvPr id="30" name="TextBox 29">
+                <a:extLst>
+                  <a:ext uri="{FF2B5EF4-FFF2-40B4-BE49-F238E27FC236}">
+                    <a16:creationId xmlns:a16="http://schemas.microsoft.com/office/drawing/2014/main" id="{2D378CF2-9B23-4A3B-BC8A-BE1FCE918B5B}"/>
+                  </a:ext>
+                </a:extLst>
+              </p:cNvPr>
+              <p:cNvSpPr txBox="1"/>
+              <p:nvPr/>
+            </p:nvSpPr>
+            <p:spPr>
+              <a:xfrm>
+                <a:off x="5342518" y="3907868"/>
+                <a:ext cx="1234851" cy="246221"/>
+              </a:xfrm>
+              <a:prstGeom prst="rect">
+                <a:avLst/>
+              </a:prstGeom>
+              <a:noFill/>
+              <a:effectLst>
+                <a:outerShdw blurRad="50800" dist="38100" dir="2700000" algn="tl" rotWithShape="0">
+                  <a:schemeClr val="bg1">
+                    <a:alpha val="40000"/>
+                  </a:schemeClr>
+                </a:outerShdw>
+              </a:effectLst>
+            </p:spPr>
+            <p:txBody>
+              <a:bodyPr wrap="square" lIns="0" tIns="0" rIns="0" bIns="0" rtlCol="0">
+                <a:spAutoFit/>
+              </a:bodyPr>
+              <a:lstStyle/>
+              <a:p>
+                <a:pPr/>
+                <a14:m>
+                  <m:oMathPara xmlns:m="http://schemas.openxmlformats.org/officeDocument/2006/math">
+                    <m:oMathParaPr>
+                      <m:jc m:val="centerGroup"/>
+                    </m:oMathParaPr>
+                    <m:oMath xmlns:m="http://schemas.openxmlformats.org/officeDocument/2006/math">
+                      <m:r>
+                        <a:rPr lang="en-US" sz="1600" b="0" i="1" smtClean="0">
+                          <a:solidFill>
+                            <a:schemeClr val="tx1"/>
+                          </a:solidFill>
+                          <a:latin typeface="Cambria Math" panose="02040503050406030204" pitchFamily="18" charset="0"/>
+                          <a:ea typeface="Cambria Math" panose="02040503050406030204" pitchFamily="18" charset="0"/>
+                        </a:rPr>
+                        <m:t>𝑚</m:t>
+                      </m:r>
+                      <m:acc>
+                        <m:accPr>
+                          <m:chr m:val="⃗"/>
+                          <m:ctrlPr>
+                            <a:rPr lang="en-US" sz="1600" b="0" i="1" smtClean="0">
+                              <a:solidFill>
+                                <a:schemeClr val="tx1"/>
+                              </a:solidFill>
+                              <a:latin typeface="Cambria Math" panose="02040503050406030204" pitchFamily="18" charset="0"/>
+                              <a:ea typeface="Cambria Math" panose="02040503050406030204" pitchFamily="18" charset="0"/>
+                            </a:rPr>
+                          </m:ctrlPr>
+                        </m:accPr>
+                        <m:e>
+                          <m:r>
+                            <a:rPr lang="en-US" sz="1600" b="0" i="1" smtClean="0">
+                              <a:solidFill>
+                                <a:schemeClr val="tx1"/>
+                              </a:solidFill>
+                              <a:latin typeface="Cambria Math" panose="02040503050406030204" pitchFamily="18" charset="0"/>
+                              <a:ea typeface="Cambria Math" panose="02040503050406030204" pitchFamily="18" charset="0"/>
+                            </a:rPr>
+                            <m:t>𝑔</m:t>
+                          </m:r>
+                        </m:e>
+                      </m:acc>
+                      <m:r>
+                        <a:rPr lang="en-US" sz="1600" b="0" i="1" smtClean="0">
+                          <a:solidFill>
+                            <a:schemeClr val="tx1"/>
+                          </a:solidFill>
+                          <a:latin typeface="Cambria Math" panose="02040503050406030204" pitchFamily="18" charset="0"/>
+                          <a:ea typeface="Cambria Math" panose="02040503050406030204" pitchFamily="18" charset="0"/>
+                        </a:rPr>
+                        <m:t>𝑠𝑖𝑛</m:t>
+                      </m:r>
+                      <m:r>
+                        <a:rPr lang="en-US" sz="1600" b="0" i="1" smtClean="0">
+                          <a:solidFill>
+                            <a:schemeClr val="tx1"/>
+                          </a:solidFill>
+                          <a:latin typeface="Cambria Math" panose="02040503050406030204" pitchFamily="18" charset="0"/>
+                          <a:ea typeface="Cambria Math" panose="02040503050406030204" pitchFamily="18" charset="0"/>
+                        </a:rPr>
+                        <m:t>𝛼</m:t>
+                      </m:r>
+                    </m:oMath>
+                  </m:oMathPara>
+                </a14:m>
+                <a:endParaRPr lang="en-US" sz="2000" dirty="0">
+                  <a:solidFill>
+                    <a:schemeClr val="tx1"/>
+                  </a:solidFill>
+                </a:endParaRPr>
+              </a:p>
+            </p:txBody>
+          </p:sp>
+        </mc:Choice>
+        <mc:Fallback>
+          <p:sp>
+            <p:nvSpPr>
+              <p:cNvPr id="30" name="TextBox 29">
+                <a:extLst>
+                  <a:ext uri="{FF2B5EF4-FFF2-40B4-BE49-F238E27FC236}">
+                    <a16:creationId xmlns:a16="http://schemas.microsoft.com/office/drawing/2014/main" id="{2D378CF2-9B23-4A3B-BC8A-BE1FCE918B5B}"/>
+                  </a:ext>
+                </a:extLst>
+              </p:cNvPr>
+              <p:cNvSpPr txBox="1">
+                <a:spLocks noRot="1" noChangeAspect="1" noMove="1" noResize="1" noEditPoints="1" noAdjustHandles="1" noChangeArrowheads="1" noChangeShapeType="1" noTextEdit="1"/>
+              </p:cNvSpPr>
+              <p:nvPr/>
+            </p:nvSpPr>
+            <p:spPr>
+              <a:xfrm>
+                <a:off x="5342518" y="3907868"/>
+                <a:ext cx="1234851" cy="246221"/>
+              </a:xfrm>
+              <a:prstGeom prst="rect">
+                <a:avLst/>
+              </a:prstGeom>
+              <a:blipFill>
+                <a:blip r:embed="rId3"/>
+                <a:stretch>
+                  <a:fillRect/>
+                </a:stretch>
+              </a:blipFill>
+              <a:effectLst>
+                <a:outerShdw blurRad="50800" dist="38100" dir="2700000" algn="tl" rotWithShape="0">
+                  <a:schemeClr val="bg1">
+                    <a:alpha val="40000"/>
+                  </a:schemeClr>
+                </a:outerShdw>
+              </a:effectLst>
+            </p:spPr>
+            <p:txBody>
+              <a:bodyPr/>
+              <a:lstStyle/>
+              <a:p>
+                <a:r>
+                  <a:rPr lang="en-US">
+                    <a:noFill/>
+                  </a:rPr>
+                  <a:t> </a:t>
+                </a:r>
+              </a:p>
+            </p:txBody>
+          </p:sp>
+        </mc:Fallback>
+      </mc:AlternateContent>
+      <mc:AlternateContent xmlns:mc="http://schemas.openxmlformats.org/markup-compatibility/2006">
+        <mc:Choice xmlns:a14="http://schemas.microsoft.com/office/drawing/2010/main" Requires="a14">
+          <p:sp>
+            <p:nvSpPr>
+              <p:cNvPr id="31" name="TextBox 30">
+                <a:extLst>
+                  <a:ext uri="{FF2B5EF4-FFF2-40B4-BE49-F238E27FC236}">
+                    <a16:creationId xmlns:a16="http://schemas.microsoft.com/office/drawing/2014/main" id="{C41D676E-88F5-4170-9A3D-4299219F2305}"/>
+                  </a:ext>
+                </a:extLst>
+              </p:cNvPr>
+              <p:cNvSpPr txBox="1"/>
+              <p:nvPr/>
+            </p:nvSpPr>
+            <p:spPr>
+              <a:xfrm>
+                <a:off x="6641925" y="2858604"/>
+                <a:ext cx="1234851" cy="246221"/>
+              </a:xfrm>
+              <a:prstGeom prst="rect">
+                <a:avLst/>
+              </a:prstGeom>
+              <a:noFill/>
+              <a:effectLst>
+                <a:outerShdw blurRad="50800" dist="38100" dir="2700000" algn="tl" rotWithShape="0">
+                  <a:schemeClr val="bg1">
+                    <a:alpha val="40000"/>
+                  </a:schemeClr>
+                </a:outerShdw>
+              </a:effectLst>
+            </p:spPr>
+            <p:txBody>
+              <a:bodyPr wrap="square" lIns="0" tIns="0" rIns="0" bIns="0" rtlCol="0">
+                <a:spAutoFit/>
+              </a:bodyPr>
+              <a:lstStyle/>
+              <a:p>
+                <a:pPr/>
+                <a14:m>
+                  <m:oMathPara xmlns:m="http://schemas.openxmlformats.org/officeDocument/2006/math">
+                    <m:oMathParaPr>
+                      <m:jc m:val="centerGroup"/>
+                    </m:oMathParaPr>
+                    <m:oMath xmlns:m="http://schemas.openxmlformats.org/officeDocument/2006/math">
+                      <m:r>
+                        <a:rPr lang="en-US" sz="1600" b="0" i="1" smtClean="0">
+                          <a:solidFill>
+                            <a:schemeClr val="tx1"/>
+                          </a:solidFill>
+                          <a:latin typeface="Cambria Math" panose="02040503050406030204" pitchFamily="18" charset="0"/>
+                          <a:ea typeface="Cambria Math" panose="02040503050406030204" pitchFamily="18" charset="0"/>
+                        </a:rPr>
+                        <m:t>𝜇</m:t>
+                      </m:r>
+                      <m:r>
+                        <a:rPr lang="en-US" sz="1600" b="0" i="1" smtClean="0">
+                          <a:solidFill>
+                            <a:schemeClr val="tx1"/>
+                          </a:solidFill>
+                          <a:latin typeface="Cambria Math" panose="02040503050406030204" pitchFamily="18" charset="0"/>
+                          <a:ea typeface="Cambria Math" panose="02040503050406030204" pitchFamily="18" charset="0"/>
+                        </a:rPr>
+                        <m:t>𝑚</m:t>
+                      </m:r>
+                      <m:acc>
+                        <m:accPr>
+                          <m:chr m:val="⃗"/>
+                          <m:ctrlPr>
+                            <a:rPr lang="en-US" sz="1600" b="0" i="1" smtClean="0">
+                              <a:solidFill>
+                                <a:schemeClr val="tx1"/>
+                              </a:solidFill>
+                              <a:latin typeface="Cambria Math" panose="02040503050406030204" pitchFamily="18" charset="0"/>
+                              <a:ea typeface="Cambria Math" panose="02040503050406030204" pitchFamily="18" charset="0"/>
+                            </a:rPr>
+                          </m:ctrlPr>
+                        </m:accPr>
+                        <m:e>
+                          <m:r>
+                            <a:rPr lang="en-US" sz="1600" b="0" i="1" smtClean="0">
+                              <a:solidFill>
+                                <a:schemeClr val="tx1"/>
+                              </a:solidFill>
+                              <a:latin typeface="Cambria Math" panose="02040503050406030204" pitchFamily="18" charset="0"/>
+                              <a:ea typeface="Cambria Math" panose="02040503050406030204" pitchFamily="18" charset="0"/>
+                            </a:rPr>
+                            <m:t>𝑔</m:t>
+                          </m:r>
+                        </m:e>
+                      </m:acc>
+                      <m:r>
+                        <a:rPr lang="en-US" sz="1600" b="0" i="1" smtClean="0">
+                          <a:solidFill>
+                            <a:schemeClr val="tx1"/>
+                          </a:solidFill>
+                          <a:latin typeface="Cambria Math" panose="02040503050406030204" pitchFamily="18" charset="0"/>
+                          <a:ea typeface="Cambria Math" panose="02040503050406030204" pitchFamily="18" charset="0"/>
+                        </a:rPr>
+                        <m:t>𝑐𝑜𝑠</m:t>
+                      </m:r>
+                      <m:r>
+                        <a:rPr lang="en-US" sz="1600" b="0" i="1" smtClean="0">
+                          <a:solidFill>
+                            <a:schemeClr val="tx1"/>
+                          </a:solidFill>
+                          <a:latin typeface="Cambria Math" panose="02040503050406030204" pitchFamily="18" charset="0"/>
+                          <a:ea typeface="Cambria Math" panose="02040503050406030204" pitchFamily="18" charset="0"/>
+                        </a:rPr>
+                        <m:t>𝛼</m:t>
+                      </m:r>
+                    </m:oMath>
+                  </m:oMathPara>
+                </a14:m>
+                <a:endParaRPr lang="en-US" sz="2000" dirty="0">
+                  <a:solidFill>
+                    <a:schemeClr val="tx1"/>
+                  </a:solidFill>
+                </a:endParaRPr>
+              </a:p>
+            </p:txBody>
+          </p:sp>
+        </mc:Choice>
+        <mc:Fallback>
+          <p:sp>
+            <p:nvSpPr>
+              <p:cNvPr id="31" name="TextBox 30">
+                <a:extLst>
+                  <a:ext uri="{FF2B5EF4-FFF2-40B4-BE49-F238E27FC236}">
+                    <a16:creationId xmlns:a16="http://schemas.microsoft.com/office/drawing/2014/main" id="{C41D676E-88F5-4170-9A3D-4299219F2305}"/>
+                  </a:ext>
+                </a:extLst>
+              </p:cNvPr>
+              <p:cNvSpPr txBox="1">
+                <a:spLocks noRot="1" noChangeAspect="1" noMove="1" noResize="1" noEditPoints="1" noAdjustHandles="1" noChangeArrowheads="1" noChangeShapeType="1" noTextEdit="1"/>
+              </p:cNvSpPr>
+              <p:nvPr/>
+            </p:nvSpPr>
+            <p:spPr>
+              <a:xfrm>
+                <a:off x="6641925" y="2858604"/>
+                <a:ext cx="1234851" cy="246221"/>
+              </a:xfrm>
+              <a:prstGeom prst="rect">
+                <a:avLst/>
+              </a:prstGeom>
+              <a:blipFill>
+                <a:blip r:embed="rId4"/>
+                <a:stretch>
+                  <a:fillRect/>
+                </a:stretch>
+              </a:blipFill>
+              <a:effectLst>
+                <a:outerShdw blurRad="50800" dist="38100" dir="2700000" algn="tl" rotWithShape="0">
+                  <a:schemeClr val="bg1">
+                    <a:alpha val="40000"/>
+                  </a:schemeClr>
+                </a:outerShdw>
+              </a:effectLst>
+            </p:spPr>
+            <p:txBody>
+              <a:bodyPr/>
+              <a:lstStyle/>
+              <a:p>
+                <a:r>
+                  <a:rPr lang="en-US">
+                    <a:noFill/>
+                  </a:rPr>
+                  <a:t> </a:t>
+                </a:r>
+              </a:p>
+            </p:txBody>
+          </p:sp>
+        </mc:Fallback>
+      </mc:AlternateContent>
+      <mc:AlternateContent xmlns:mc="http://schemas.openxmlformats.org/markup-compatibility/2006">
+        <mc:Choice xmlns:a14="http://schemas.microsoft.com/office/drawing/2010/main" Requires="a14">
+          <p:sp>
+            <p:nvSpPr>
+              <p:cNvPr id="32" name="TextBox 31">
+                <a:extLst>
+                  <a:ext uri="{FF2B5EF4-FFF2-40B4-BE49-F238E27FC236}">
+                    <a16:creationId xmlns:a16="http://schemas.microsoft.com/office/drawing/2014/main" id="{85B7C7D7-2A19-4469-9EC1-41575F024027}"/>
+                  </a:ext>
+                </a:extLst>
+              </p:cNvPr>
+              <p:cNvSpPr txBox="1"/>
+              <p:nvPr/>
+            </p:nvSpPr>
+            <p:spPr>
+              <a:xfrm>
+                <a:off x="4803164" y="2904699"/>
+                <a:ext cx="1234851" cy="369332"/>
+              </a:xfrm>
+              <a:prstGeom prst="rect">
+                <a:avLst/>
+              </a:prstGeom>
+              <a:noFill/>
+            </p:spPr>
+            <p:txBody>
+              <a:bodyPr wrap="square" lIns="0" tIns="0" rIns="0" bIns="0" rtlCol="0">
+                <a:spAutoFit/>
+              </a:bodyPr>
+              <a:lstStyle/>
+              <a:p>
+                <a:pPr/>
+                <a14:m>
+                  <m:oMathPara xmlns:m="http://schemas.openxmlformats.org/officeDocument/2006/math">
+                    <m:oMathParaPr>
+                      <m:jc m:val="centerGroup"/>
+                    </m:oMathParaPr>
+                    <m:oMath xmlns:m="http://schemas.openxmlformats.org/officeDocument/2006/math">
+                      <m:acc>
+                        <m:accPr>
+                          <m:chr m:val="⃗"/>
+                          <m:ctrlPr>
+                            <a:rPr lang="en-US" sz="2400" b="0" i="1" smtClean="0">
+                              <a:solidFill>
+                                <a:srgbClr val="00B050"/>
+                              </a:solidFill>
+                              <a:latin typeface="Cambria Math" panose="02040503050406030204" pitchFamily="18" charset="0"/>
+                              <a:ea typeface="Cambria Math" panose="02040503050406030204" pitchFamily="18" charset="0"/>
+                            </a:rPr>
+                          </m:ctrlPr>
+                        </m:accPr>
+                        <m:e>
+                          <m:r>
+                            <a:rPr lang="en-US" sz="2400" b="0" i="1" smtClean="0">
+                              <a:solidFill>
+                                <a:srgbClr val="00B050"/>
+                              </a:solidFill>
+                              <a:latin typeface="Cambria Math" panose="02040503050406030204" pitchFamily="18" charset="0"/>
+                              <a:ea typeface="Cambria Math" panose="02040503050406030204" pitchFamily="18" charset="0"/>
+                            </a:rPr>
+                            <m:t>𝑢</m:t>
+                          </m:r>
+                        </m:e>
+                      </m:acc>
+                    </m:oMath>
+                  </m:oMathPara>
+                </a14:m>
+                <a:endParaRPr lang="en-US" sz="3200" dirty="0">
+                  <a:solidFill>
+                    <a:srgbClr val="00B050"/>
+                  </a:solidFill>
+                </a:endParaRPr>
+              </a:p>
+            </p:txBody>
+          </p:sp>
+        </mc:Choice>
+        <mc:Fallback>
+          <p:sp>
+            <p:nvSpPr>
+              <p:cNvPr id="32" name="TextBox 31">
+                <a:extLst>
+                  <a:ext uri="{FF2B5EF4-FFF2-40B4-BE49-F238E27FC236}">
+                    <a16:creationId xmlns:a16="http://schemas.microsoft.com/office/drawing/2014/main" id="{85B7C7D7-2A19-4469-9EC1-41575F024027}"/>
+                  </a:ext>
+                </a:extLst>
+              </p:cNvPr>
+              <p:cNvSpPr txBox="1">
+                <a:spLocks noRot="1" noChangeAspect="1" noMove="1" noResize="1" noEditPoints="1" noAdjustHandles="1" noChangeArrowheads="1" noChangeShapeType="1" noTextEdit="1"/>
+              </p:cNvSpPr>
+              <p:nvPr/>
+            </p:nvSpPr>
+            <p:spPr>
+              <a:xfrm>
+                <a:off x="4803164" y="2904699"/>
+                <a:ext cx="1234851" cy="369332"/>
+              </a:xfrm>
+              <a:prstGeom prst="rect">
+                <a:avLst/>
+              </a:prstGeom>
+              <a:blipFill>
+                <a:blip r:embed="rId5"/>
+                <a:stretch>
+                  <a:fillRect/>
+                </a:stretch>
+              </a:blipFill>
+            </p:spPr>
+            <p:txBody>
+              <a:bodyPr/>
+              <a:lstStyle/>
+              <a:p>
+                <a:r>
+                  <a:rPr lang="en-US">
+                    <a:noFill/>
+                  </a:rPr>
+                  <a:t> </a:t>
+                </a:r>
+              </a:p>
+            </p:txBody>
+          </p:sp>
+        </mc:Fallback>
+      </mc:AlternateContent>
+      <mc:AlternateContent xmlns:mc="http://schemas.openxmlformats.org/markup-compatibility/2006">
+        <mc:Choice xmlns:a14="http://schemas.microsoft.com/office/drawing/2010/main" Requires="a14">
+          <p:sp>
+            <p:nvSpPr>
+              <p:cNvPr id="33" name="TextBox 32">
+                <a:extLst>
+                  <a:ext uri="{FF2B5EF4-FFF2-40B4-BE49-F238E27FC236}">
+                    <a16:creationId xmlns:a16="http://schemas.microsoft.com/office/drawing/2014/main" id="{60E533F7-59EA-4F4C-AC2F-C099FA95B097}"/>
+                  </a:ext>
+                </a:extLst>
+              </p:cNvPr>
+              <p:cNvSpPr txBox="1"/>
+              <p:nvPr/>
+            </p:nvSpPr>
+            <p:spPr>
+              <a:xfrm>
+                <a:off x="4623911" y="3633260"/>
+                <a:ext cx="1234851" cy="369332"/>
+              </a:xfrm>
+              <a:prstGeom prst="rect">
+                <a:avLst/>
+              </a:prstGeom>
+              <a:noFill/>
+            </p:spPr>
+            <p:txBody>
+              <a:bodyPr wrap="square" lIns="0" tIns="0" rIns="0" bIns="0" rtlCol="0">
+                <a:spAutoFit/>
+              </a:bodyPr>
+              <a:lstStyle/>
+              <a:p>
+                <a:pPr/>
+                <a14:m>
+                  <m:oMathPara xmlns:m="http://schemas.openxmlformats.org/officeDocument/2006/math">
+                    <m:oMathParaPr>
+                      <m:jc m:val="centerGroup"/>
+                    </m:oMathParaPr>
+                    <m:oMath xmlns:m="http://schemas.openxmlformats.org/officeDocument/2006/math">
+                      <m:acc>
+                        <m:accPr>
+                          <m:chr m:val="⃗"/>
+                          <m:ctrlPr>
+                            <a:rPr lang="en-US" sz="2400" b="0" i="1" smtClean="0">
+                              <a:solidFill>
+                                <a:srgbClr val="00B050"/>
+                              </a:solidFill>
+                              <a:latin typeface="Cambria Math" panose="02040503050406030204" pitchFamily="18" charset="0"/>
+                              <a:ea typeface="Cambria Math" panose="02040503050406030204" pitchFamily="18" charset="0"/>
+                            </a:rPr>
+                          </m:ctrlPr>
+                        </m:accPr>
+                        <m:e>
+                          <m:r>
+                            <a:rPr lang="en-US" sz="2400" b="0" i="1" smtClean="0">
+                              <a:solidFill>
+                                <a:srgbClr val="00B050"/>
+                              </a:solidFill>
+                              <a:latin typeface="Cambria Math" panose="02040503050406030204" pitchFamily="18" charset="0"/>
+                              <a:ea typeface="Cambria Math" panose="02040503050406030204" pitchFamily="18" charset="0"/>
+                            </a:rPr>
+                            <m:t>𝑣</m:t>
+                          </m:r>
+                        </m:e>
+                      </m:acc>
+                    </m:oMath>
+                  </m:oMathPara>
+                </a14:m>
+                <a:endParaRPr lang="en-US" sz="3200" dirty="0">
+                  <a:solidFill>
+                    <a:srgbClr val="00B050"/>
+                  </a:solidFill>
+                </a:endParaRPr>
+              </a:p>
+            </p:txBody>
+          </p:sp>
+        </mc:Choice>
+        <mc:Fallback>
+          <p:sp>
+            <p:nvSpPr>
+              <p:cNvPr id="33" name="TextBox 32">
+                <a:extLst>
+                  <a:ext uri="{FF2B5EF4-FFF2-40B4-BE49-F238E27FC236}">
+                    <a16:creationId xmlns:a16="http://schemas.microsoft.com/office/drawing/2014/main" id="{60E533F7-59EA-4F4C-AC2F-C099FA95B097}"/>
+                  </a:ext>
+                </a:extLst>
+              </p:cNvPr>
+              <p:cNvSpPr txBox="1">
+                <a:spLocks noRot="1" noChangeAspect="1" noMove="1" noResize="1" noEditPoints="1" noAdjustHandles="1" noChangeArrowheads="1" noChangeShapeType="1" noTextEdit="1"/>
+              </p:cNvSpPr>
+              <p:nvPr/>
+            </p:nvSpPr>
+            <p:spPr>
+              <a:xfrm>
+                <a:off x="4623911" y="3633260"/>
+                <a:ext cx="1234851" cy="369332"/>
+              </a:xfrm>
+              <a:prstGeom prst="rect">
+                <a:avLst/>
+              </a:prstGeom>
+              <a:blipFill>
+                <a:blip r:embed="rId6"/>
+                <a:stretch>
+                  <a:fillRect t="-36066" b="-3279"/>
+                </a:stretch>
+              </a:blipFill>
+            </p:spPr>
+            <p:txBody>
+              <a:bodyPr/>
+              <a:lstStyle/>
+              <a:p>
+                <a:r>
+                  <a:rPr lang="en-US">
+                    <a:noFill/>
+                  </a:rPr>
+                  <a:t> </a:t>
+                </a:r>
+              </a:p>
+            </p:txBody>
+          </p:sp>
+        </mc:Fallback>
+      </mc:AlternateContent>
+    </p:spTree>
+    <p:extLst>
+      <p:ext uri="{BB962C8B-B14F-4D97-AF65-F5344CB8AC3E}">
+        <p14:creationId xmlns:p14="http://schemas.microsoft.com/office/powerpoint/2010/main" val="1897301335"/>
       </p:ext>
     </p:extLst>
   </p:cSld>

--- a/volunteer/Drawings.pptx
+++ b/volunteer/Drawings.pptx
@@ -5,7 +5,7 @@
     <p:sldMasterId id="2147483648" r:id="rId1"/>
   </p:sldMasterIdLst>
   <p:notesMasterIdLst>
-    <p:notesMasterId r:id="rId18"/>
+    <p:notesMasterId r:id="rId20"/>
   </p:notesMasterIdLst>
   <p:sldIdLst>
     <p:sldId id="257" r:id="rId2"/>
@@ -24,6 +24,8 @@
     <p:sldId id="278" r:id="rId15"/>
     <p:sldId id="279" r:id="rId16"/>
     <p:sldId id="280" r:id="rId17"/>
+    <p:sldId id="281" r:id="rId18"/>
+    <p:sldId id="282" r:id="rId19"/>
   </p:sldIdLst>
   <p:sldSz cx="12192000" cy="6858000"/>
   <p:notesSz cx="6858000" cy="9144000"/>
@@ -24116,8 +24118,8 @@
           </a:p>
         </p:txBody>
       </p:sp>
-      <mc:AlternateContent xmlns:mc="http://schemas.openxmlformats.org/markup-compatibility/2006">
-        <mc:Choice xmlns:a14="http://schemas.microsoft.com/office/drawing/2010/main" Requires="a14">
+      <mc:AlternateContent xmlns:mc="http://schemas.openxmlformats.org/markup-compatibility/2006" xmlns:a14="http://schemas.microsoft.com/office/drawing/2010/main">
+        <mc:Choice Requires="a14">
           <p:sp>
             <p:nvSpPr>
               <p:cNvPr id="24" name="TextBox 23">
@@ -24175,7 +24177,7 @@
             </p:txBody>
           </p:sp>
         </mc:Choice>
-        <mc:Fallback>
+        <mc:Fallback xmlns="">
           <p:sp>
             <p:nvSpPr>
               <p:cNvPr id="24" name="TextBox 23">
@@ -24810,7 +24812,7 @@
         </p:nvSpPr>
         <p:spPr>
           <a:xfrm>
-            <a:off x="3883938" y="2538419"/>
+            <a:off x="0" y="4950715"/>
             <a:ext cx="4457422" cy="1781161"/>
           </a:xfrm>
           <a:prstGeom prst="parallelogram">
@@ -24888,7 +24890,7 @@
         </p:nvCxnSpPr>
         <p:spPr>
           <a:xfrm flipH="1">
-            <a:off x="5595014" y="3428999"/>
+            <a:off x="1711076" y="5841295"/>
             <a:ext cx="399388" cy="574041"/>
           </a:xfrm>
           <a:prstGeom prst="straightConnector1">
@@ -24933,7 +24935,7 @@
         </p:nvCxnSpPr>
         <p:spPr>
           <a:xfrm flipV="1">
-            <a:off x="6172037" y="2679389"/>
+            <a:off x="2288099" y="5091685"/>
             <a:ext cx="1150783" cy="579432"/>
           </a:xfrm>
           <a:prstGeom prst="straightConnector1">
@@ -24978,7 +24980,7 @@
         </p:nvCxnSpPr>
         <p:spPr>
           <a:xfrm flipH="1">
-            <a:off x="5679509" y="2526989"/>
+            <a:off x="1795571" y="4939285"/>
             <a:ext cx="948319" cy="1363020"/>
           </a:xfrm>
           <a:prstGeom prst="straightConnector1">
@@ -25022,7 +25024,7 @@
         </p:nvSpPr>
         <p:spPr>
           <a:xfrm rot="19927040">
-            <a:off x="6267660" y="2923824"/>
+            <a:off x="2383722" y="5336120"/>
             <a:ext cx="292499" cy="362003"/>
           </a:xfrm>
           <a:prstGeom prst="arc">
@@ -25060,8 +25062,8 @@
           </a:p>
         </p:txBody>
       </p:sp>
-      <mc:AlternateContent xmlns:mc="http://schemas.openxmlformats.org/markup-compatibility/2006">
-        <mc:Choice xmlns:a14="http://schemas.microsoft.com/office/drawing/2010/main" Requires="a14">
+      <mc:AlternateContent xmlns:mc="http://schemas.openxmlformats.org/markup-compatibility/2006" xmlns:a14="http://schemas.microsoft.com/office/drawing/2010/main">
+        <mc:Choice Requires="a14">
           <p:sp>
             <p:nvSpPr>
               <p:cNvPr id="18" name="TextBox 17">
@@ -25076,7 +25078,7 @@
             </p:nvSpPr>
             <p:spPr>
               <a:xfrm>
-                <a:off x="6345961" y="2626597"/>
+                <a:off x="2462023" y="5038893"/>
                 <a:ext cx="555537" cy="369332"/>
               </a:xfrm>
               <a:prstGeom prst="rect">
@@ -25119,7 +25121,7 @@
             </p:txBody>
           </p:sp>
         </mc:Choice>
-        <mc:Fallback>
+        <mc:Fallback xmlns="">
           <p:sp>
             <p:nvSpPr>
               <p:cNvPr id="18" name="TextBox 17">
@@ -25136,7 +25138,7 @@
             </p:nvSpPr>
             <p:spPr>
               <a:xfrm>
-                <a:off x="6345961" y="2626597"/>
+                <a:off x="2462023" y="5038893"/>
                 <a:ext cx="555537" cy="369332"/>
               </a:xfrm>
               <a:prstGeom prst="rect">
@@ -25180,7 +25182,7 @@
         </p:nvCxnSpPr>
         <p:spPr>
           <a:xfrm flipH="1">
-            <a:off x="5349439" y="3421729"/>
+            <a:off x="1465501" y="5834025"/>
             <a:ext cx="420753" cy="485659"/>
           </a:xfrm>
           <a:prstGeom prst="straightConnector1">
@@ -25225,7 +25227,7 @@
         </p:nvCxnSpPr>
         <p:spPr>
           <a:xfrm flipH="1">
-            <a:off x="5153497" y="3300093"/>
+            <a:off x="1269559" y="5712389"/>
             <a:ext cx="584233" cy="0"/>
           </a:xfrm>
           <a:prstGeom prst="straightConnector1">
@@ -25268,7 +25270,7 @@
         </p:nvSpPr>
         <p:spPr>
           <a:xfrm>
-            <a:off x="5700137" y="3108960"/>
+            <a:off x="1816199" y="5521256"/>
             <a:ext cx="709104" cy="320039"/>
           </a:xfrm>
           <a:prstGeom prst="cube">
@@ -25335,8 +25337,8 @@
           </a:p>
         </p:txBody>
       </p:sp>
-      <mc:AlternateContent xmlns:mc="http://schemas.openxmlformats.org/markup-compatibility/2006">
-        <mc:Choice xmlns:a14="http://schemas.microsoft.com/office/drawing/2010/main" Requires="a14">
+      <mc:AlternateContent xmlns:mc="http://schemas.openxmlformats.org/markup-compatibility/2006" xmlns:a14="http://schemas.microsoft.com/office/drawing/2010/main">
+        <mc:Choice Requires="a14">
           <p:sp>
             <p:nvSpPr>
               <p:cNvPr id="30" name="TextBox 29">
@@ -25351,7 +25353,7 @@
             </p:nvSpPr>
             <p:spPr>
               <a:xfrm>
-                <a:off x="5342518" y="3907868"/>
+                <a:off x="1458580" y="6320164"/>
                 <a:ext cx="1234851" cy="246221"/>
               </a:xfrm>
               <a:prstGeom prst="rect">
@@ -25447,7 +25449,7 @@
             </p:txBody>
           </p:sp>
         </mc:Choice>
-        <mc:Fallback>
+        <mc:Fallback xmlns="">
           <p:sp>
             <p:nvSpPr>
               <p:cNvPr id="30" name="TextBox 29">
@@ -25464,7 +25466,7 @@
             </p:nvSpPr>
             <p:spPr>
               <a:xfrm>
-                <a:off x="5342518" y="3907868"/>
+                <a:off x="1458580" y="6320164"/>
                 <a:ext cx="1234851" cy="246221"/>
               </a:xfrm>
               <a:prstGeom prst="rect">
@@ -25499,8 +25501,8 @@
           </p:sp>
         </mc:Fallback>
       </mc:AlternateContent>
-      <mc:AlternateContent xmlns:mc="http://schemas.openxmlformats.org/markup-compatibility/2006">
-        <mc:Choice xmlns:a14="http://schemas.microsoft.com/office/drawing/2010/main" Requires="a14">
+      <mc:AlternateContent xmlns:mc="http://schemas.openxmlformats.org/markup-compatibility/2006" xmlns:a14="http://schemas.microsoft.com/office/drawing/2010/main">
+        <mc:Choice Requires="a14">
           <p:sp>
             <p:nvSpPr>
               <p:cNvPr id="31" name="TextBox 30">
@@ -25515,7 +25517,7 @@
             </p:nvSpPr>
             <p:spPr>
               <a:xfrm>
-                <a:off x="6641925" y="2858604"/>
+                <a:off x="2757987" y="5270900"/>
                 <a:ext cx="1234851" cy="246221"/>
               </a:xfrm>
               <a:prstGeom prst="rect">
@@ -25621,7 +25623,7 @@
             </p:txBody>
           </p:sp>
         </mc:Choice>
-        <mc:Fallback>
+        <mc:Fallback xmlns="">
           <p:sp>
             <p:nvSpPr>
               <p:cNvPr id="31" name="TextBox 30">
@@ -25638,7 +25640,7 @@
             </p:nvSpPr>
             <p:spPr>
               <a:xfrm>
-                <a:off x="6641925" y="2858604"/>
+                <a:off x="2757987" y="5270900"/>
                 <a:ext cx="1234851" cy="246221"/>
               </a:xfrm>
               <a:prstGeom prst="rect">
@@ -25673,8 +25675,8 @@
           </p:sp>
         </mc:Fallback>
       </mc:AlternateContent>
-      <mc:AlternateContent xmlns:mc="http://schemas.openxmlformats.org/markup-compatibility/2006">
-        <mc:Choice xmlns:a14="http://schemas.microsoft.com/office/drawing/2010/main" Requires="a14">
+      <mc:AlternateContent xmlns:mc="http://schemas.openxmlformats.org/markup-compatibility/2006" xmlns:a14="http://schemas.microsoft.com/office/drawing/2010/main">
+        <mc:Choice Requires="a14">
           <p:sp>
             <p:nvSpPr>
               <p:cNvPr id="32" name="TextBox 31">
@@ -25689,7 +25691,7 @@
             </p:nvSpPr>
             <p:spPr>
               <a:xfrm>
-                <a:off x="4803164" y="2904699"/>
+                <a:off x="919226" y="5316995"/>
                 <a:ext cx="1234851" cy="369332"/>
               </a:xfrm>
               <a:prstGeom prst="rect">
@@ -25748,7 +25750,7 @@
             </p:txBody>
           </p:sp>
         </mc:Choice>
-        <mc:Fallback>
+        <mc:Fallback xmlns="">
           <p:sp>
             <p:nvSpPr>
               <p:cNvPr id="32" name="TextBox 31">
@@ -25765,7 +25767,7 @@
             </p:nvSpPr>
             <p:spPr>
               <a:xfrm>
-                <a:off x="4803164" y="2904699"/>
+                <a:off x="919226" y="5316995"/>
                 <a:ext cx="1234851" cy="369332"/>
               </a:xfrm>
               <a:prstGeom prst="rect">
@@ -25793,8 +25795,8 @@
           </p:sp>
         </mc:Fallback>
       </mc:AlternateContent>
-      <mc:AlternateContent xmlns:mc="http://schemas.openxmlformats.org/markup-compatibility/2006">
-        <mc:Choice xmlns:a14="http://schemas.microsoft.com/office/drawing/2010/main" Requires="a14">
+      <mc:AlternateContent xmlns:mc="http://schemas.openxmlformats.org/markup-compatibility/2006" xmlns:a14="http://schemas.microsoft.com/office/drawing/2010/main">
+        <mc:Choice Requires="a14">
           <p:sp>
             <p:nvSpPr>
               <p:cNvPr id="33" name="TextBox 32">
@@ -25809,7 +25811,7 @@
             </p:nvSpPr>
             <p:spPr>
               <a:xfrm>
-                <a:off x="4623911" y="3633260"/>
+                <a:off x="739973" y="6045556"/>
                 <a:ext cx="1234851" cy="369332"/>
               </a:xfrm>
               <a:prstGeom prst="rect">
@@ -25868,7 +25870,7 @@
             </p:txBody>
           </p:sp>
         </mc:Choice>
-        <mc:Fallback>
+        <mc:Fallback xmlns="">
           <p:sp>
             <p:nvSpPr>
               <p:cNvPr id="33" name="TextBox 32">
@@ -25885,7 +25887,7 @@
             </p:nvSpPr>
             <p:spPr>
               <a:xfrm>
-                <a:off x="4623911" y="3633260"/>
+                <a:off x="739973" y="6045556"/>
                 <a:ext cx="1234851" cy="369332"/>
               </a:xfrm>
               <a:prstGeom prst="rect">
@@ -25894,7 +25896,5329 @@
               <a:blipFill>
                 <a:blip r:embed="rId6"/>
                 <a:stretch>
-                  <a:fillRect t="-36066" b="-3279"/>
+                  <a:fillRect t="-38333" b="-3333"/>
+                </a:stretch>
+              </a:blipFill>
+            </p:spPr>
+            <p:txBody>
+              <a:bodyPr/>
+              <a:lstStyle/>
+              <a:p>
+                <a:r>
+                  <a:rPr lang="en-US">
+                    <a:noFill/>
+                  </a:rPr>
+                  <a:t> </a:t>
+                </a:r>
+              </a:p>
+            </p:txBody>
+          </p:sp>
+        </mc:Fallback>
+      </mc:AlternateContent>
+      <p:sp>
+        <p:nvSpPr>
+          <p:cNvPr id="5" name="Oval 4">
+            <a:extLst>
+              <a:ext uri="{FF2B5EF4-FFF2-40B4-BE49-F238E27FC236}">
+                <a16:creationId xmlns:a16="http://schemas.microsoft.com/office/drawing/2014/main" id="{F5883E8A-0935-4F7C-A01E-B922292F44D4}"/>
+              </a:ext>
+            </a:extLst>
+          </p:cNvPr>
+          <p:cNvSpPr/>
+          <p:nvPr/>
+        </p:nvSpPr>
+        <p:spPr>
+          <a:xfrm>
+            <a:off x="7556274" y="1928197"/>
+            <a:ext cx="3716500" cy="3716500"/>
+          </a:xfrm>
+          <a:prstGeom prst="ellipse">
+            <a:avLst/>
+          </a:prstGeom>
+          <a:noFill/>
+          <a:ln w="28575">
+            <a:solidFill>
+              <a:schemeClr val="tx1"/>
+            </a:solidFill>
+          </a:ln>
+        </p:spPr>
+        <p:style>
+          <a:lnRef idx="2">
+            <a:schemeClr val="accent1">
+              <a:shade val="50000"/>
+            </a:schemeClr>
+          </a:lnRef>
+          <a:fillRef idx="1">
+            <a:schemeClr val="accent1"/>
+          </a:fillRef>
+          <a:effectRef idx="0">
+            <a:schemeClr val="accent1"/>
+          </a:effectRef>
+          <a:fontRef idx="minor">
+            <a:schemeClr val="lt1"/>
+          </a:fontRef>
+        </p:style>
+        <p:txBody>
+          <a:bodyPr rtlCol="0" anchor="ctr"/>
+          <a:lstStyle/>
+          <a:p>
+            <a:pPr algn="ctr"/>
+            <a:endParaRPr lang="en-US"/>
+          </a:p>
+        </p:txBody>
+      </p:sp>
+      <p:cxnSp>
+        <p:nvCxnSpPr>
+          <p:cNvPr id="16" name="Straight Arrow Connector 15">
+            <a:extLst>
+              <a:ext uri="{FF2B5EF4-FFF2-40B4-BE49-F238E27FC236}">
+                <a16:creationId xmlns:a16="http://schemas.microsoft.com/office/drawing/2014/main" id="{B29A9738-F739-4ED7-858F-26A627D1997F}"/>
+              </a:ext>
+            </a:extLst>
+          </p:cNvPr>
+          <p:cNvCxnSpPr>
+            <a:cxnSpLocks/>
+          </p:cNvCxnSpPr>
+          <p:nvPr/>
+        </p:nvCxnSpPr>
+        <p:spPr>
+          <a:xfrm flipH="1" flipV="1">
+            <a:off x="9414524" y="4371852"/>
+            <a:ext cx="16770" cy="1272846"/>
+          </a:xfrm>
+          <a:prstGeom prst="straightConnector1">
+            <a:avLst/>
+          </a:prstGeom>
+          <a:ln w="47625">
+            <a:solidFill>
+              <a:schemeClr val="tx1"/>
+            </a:solidFill>
+            <a:headEnd type="none" w="lg" len="lg"/>
+            <a:tailEnd type="stealth" w="lg" len="lg"/>
+          </a:ln>
+        </p:spPr>
+        <p:style>
+          <a:lnRef idx="1">
+            <a:schemeClr val="accent1"/>
+          </a:lnRef>
+          <a:fillRef idx="0">
+            <a:schemeClr val="accent1"/>
+          </a:fillRef>
+          <a:effectRef idx="0">
+            <a:schemeClr val="accent1"/>
+          </a:effectRef>
+          <a:fontRef idx="minor">
+            <a:schemeClr val="tx1"/>
+          </a:fontRef>
+        </p:style>
+      </p:cxnSp>
+      <mc:AlternateContent xmlns:mc="http://schemas.openxmlformats.org/markup-compatibility/2006" xmlns:a14="http://schemas.microsoft.com/office/drawing/2010/main">
+        <mc:Choice Requires="a14">
+          <p:sp>
+            <p:nvSpPr>
+              <p:cNvPr id="6" name="TextBox 5">
+                <a:extLst>
+                  <a:ext uri="{FF2B5EF4-FFF2-40B4-BE49-F238E27FC236}">
+                    <a16:creationId xmlns:a16="http://schemas.microsoft.com/office/drawing/2014/main" id="{CB9EB869-CD33-4AB5-8170-B03F50EDA418}"/>
+                  </a:ext>
+                </a:extLst>
+              </p:cNvPr>
+              <p:cNvSpPr txBox="1"/>
+              <p:nvPr/>
+            </p:nvSpPr>
+            <p:spPr>
+              <a:xfrm>
+                <a:off x="8801794" y="4455944"/>
+                <a:ext cx="540981" cy="552331"/>
+              </a:xfrm>
+              <a:prstGeom prst="rect">
+                <a:avLst/>
+              </a:prstGeom>
+              <a:noFill/>
+            </p:spPr>
+            <p:txBody>
+              <a:bodyPr wrap="none" lIns="0" tIns="0" rIns="0" bIns="0" rtlCol="0">
+                <a:spAutoFit/>
+              </a:bodyPr>
+              <a:lstStyle/>
+              <a:p>
+                <a:pPr/>
+                <a14:m>
+                  <m:oMathPara xmlns:m="http://schemas.openxmlformats.org/officeDocument/2006/math">
+                    <m:oMathParaPr>
+                      <m:jc m:val="centerGroup"/>
+                    </m:oMathParaPr>
+                    <m:oMath xmlns:m="http://schemas.openxmlformats.org/officeDocument/2006/math">
+                      <m:acc>
+                        <m:accPr>
+                          <m:chr m:val="⃗"/>
+                          <m:ctrlPr>
+                            <a:rPr lang="en-US" sz="3200" i="1" smtClean="0">
+                              <a:latin typeface="Cambria Math" panose="02040503050406030204" pitchFamily="18" charset="0"/>
+                            </a:rPr>
+                          </m:ctrlPr>
+                        </m:accPr>
+                        <m:e>
+                          <m:sSub>
+                            <m:sSubPr>
+                              <m:ctrlPr>
+                                <a:rPr lang="en-US" sz="3200" i="1">
+                                  <a:latin typeface="Cambria Math" panose="02040503050406030204" pitchFamily="18" charset="0"/>
+                                </a:rPr>
+                              </m:ctrlPr>
+                            </m:sSubPr>
+                            <m:e>
+                              <m:r>
+                                <a:rPr lang="en-US" sz="3200" i="1">
+                                  <a:latin typeface="Cambria Math" panose="02040503050406030204" pitchFamily="18" charset="0"/>
+                                </a:rPr>
+                                <m:t>𝑁</m:t>
+                              </m:r>
+                            </m:e>
+                            <m:sub>
+                              <m:r>
+                                <a:rPr lang="en-US" sz="3200" i="1">
+                                  <a:latin typeface="Cambria Math" panose="02040503050406030204" pitchFamily="18" charset="0"/>
+                                </a:rPr>
+                                <m:t>1</m:t>
+                              </m:r>
+                            </m:sub>
+                          </m:sSub>
+                        </m:e>
+                      </m:acc>
+                    </m:oMath>
+                  </m:oMathPara>
+                </a14:m>
+                <a:endParaRPr lang="en-US" sz="3200" dirty="0"/>
+              </a:p>
+            </p:txBody>
+          </p:sp>
+        </mc:Choice>
+        <mc:Fallback xmlns="">
+          <p:sp>
+            <p:nvSpPr>
+              <p:cNvPr id="6" name="TextBox 5">
+                <a:extLst>
+                  <a:ext uri="{FF2B5EF4-FFF2-40B4-BE49-F238E27FC236}">
+                    <a16:creationId xmlns:a16="http://schemas.microsoft.com/office/drawing/2014/main" id="{CB9EB869-CD33-4AB5-8170-B03F50EDA418}"/>
+                  </a:ext>
+                </a:extLst>
+              </p:cNvPr>
+              <p:cNvSpPr txBox="1">
+                <a:spLocks noRot="1" noChangeAspect="1" noMove="1" noResize="1" noEditPoints="1" noAdjustHandles="1" noChangeArrowheads="1" noChangeShapeType="1" noTextEdit="1"/>
+              </p:cNvSpPr>
+              <p:nvPr/>
+            </p:nvSpPr>
+            <p:spPr>
+              <a:xfrm>
+                <a:off x="8801794" y="4455944"/>
+                <a:ext cx="540981" cy="552331"/>
+              </a:xfrm>
+              <a:prstGeom prst="rect">
+                <a:avLst/>
+              </a:prstGeom>
+              <a:blipFill>
+                <a:blip r:embed="rId7"/>
+                <a:stretch>
+                  <a:fillRect/>
+                </a:stretch>
+              </a:blipFill>
+            </p:spPr>
+            <p:txBody>
+              <a:bodyPr/>
+              <a:lstStyle/>
+              <a:p>
+                <a:r>
+                  <a:rPr lang="en-US">
+                    <a:noFill/>
+                  </a:rPr>
+                  <a:t> </a:t>
+                </a:r>
+              </a:p>
+            </p:txBody>
+          </p:sp>
+        </mc:Fallback>
+      </mc:AlternateContent>
+      <p:cxnSp>
+        <p:nvCxnSpPr>
+          <p:cNvPr id="20" name="Straight Arrow Connector 19">
+            <a:extLst>
+              <a:ext uri="{FF2B5EF4-FFF2-40B4-BE49-F238E27FC236}">
+                <a16:creationId xmlns:a16="http://schemas.microsoft.com/office/drawing/2014/main" id="{898DF58F-679E-4925-81B3-5D44A1D86755}"/>
+              </a:ext>
+            </a:extLst>
+          </p:cNvPr>
+          <p:cNvCxnSpPr>
+            <a:cxnSpLocks/>
+          </p:cNvCxnSpPr>
+          <p:nvPr/>
+        </p:nvCxnSpPr>
+        <p:spPr>
+          <a:xfrm>
+            <a:off x="9419604" y="1928197"/>
+            <a:ext cx="0" cy="3716500"/>
+          </a:xfrm>
+          <a:prstGeom prst="straightConnector1">
+            <a:avLst/>
+          </a:prstGeom>
+          <a:ln w="25400">
+            <a:solidFill>
+              <a:schemeClr val="tx1"/>
+            </a:solidFill>
+            <a:prstDash val="solid"/>
+            <a:headEnd type="none" w="lg" len="lg"/>
+            <a:tailEnd type="none" w="lg" len="lg"/>
+          </a:ln>
+        </p:spPr>
+        <p:style>
+          <a:lnRef idx="1">
+            <a:schemeClr val="accent1"/>
+          </a:lnRef>
+          <a:fillRef idx="0">
+            <a:schemeClr val="accent1"/>
+          </a:fillRef>
+          <a:effectRef idx="0">
+            <a:schemeClr val="accent1"/>
+          </a:effectRef>
+          <a:fontRef idx="minor">
+            <a:schemeClr val="tx1"/>
+          </a:fontRef>
+        </p:style>
+      </p:cxnSp>
+      <p:cxnSp>
+        <p:nvCxnSpPr>
+          <p:cNvPr id="23" name="Straight Arrow Connector 22">
+            <a:extLst>
+              <a:ext uri="{FF2B5EF4-FFF2-40B4-BE49-F238E27FC236}">
+                <a16:creationId xmlns:a16="http://schemas.microsoft.com/office/drawing/2014/main" id="{E7C79440-BBA4-4C9C-8174-7BD3F5C6D423}"/>
+              </a:ext>
+            </a:extLst>
+          </p:cNvPr>
+          <p:cNvCxnSpPr>
+            <a:cxnSpLocks/>
+            <a:endCxn id="5" idx="6"/>
+          </p:cNvCxnSpPr>
+          <p:nvPr/>
+        </p:nvCxnSpPr>
+        <p:spPr>
+          <a:xfrm>
+            <a:off x="7556274" y="3786447"/>
+            <a:ext cx="3716500" cy="0"/>
+          </a:xfrm>
+          <a:prstGeom prst="straightConnector1">
+            <a:avLst/>
+          </a:prstGeom>
+          <a:ln w="25400">
+            <a:solidFill>
+              <a:schemeClr val="tx1"/>
+            </a:solidFill>
+            <a:prstDash val="solid"/>
+            <a:headEnd type="none" w="lg" len="lg"/>
+            <a:tailEnd type="none" w="lg" len="lg"/>
+          </a:ln>
+        </p:spPr>
+        <p:style>
+          <a:lnRef idx="1">
+            <a:schemeClr val="accent1"/>
+          </a:lnRef>
+          <a:fillRef idx="0">
+            <a:schemeClr val="accent1"/>
+          </a:fillRef>
+          <a:effectRef idx="0">
+            <a:schemeClr val="accent1"/>
+          </a:effectRef>
+          <a:fontRef idx="minor">
+            <a:schemeClr val="tx1"/>
+          </a:fontRef>
+        </p:style>
+      </p:cxnSp>
+      <p:cxnSp>
+        <p:nvCxnSpPr>
+          <p:cNvPr id="28" name="Straight Arrow Connector 27">
+            <a:extLst>
+              <a:ext uri="{FF2B5EF4-FFF2-40B4-BE49-F238E27FC236}">
+                <a16:creationId xmlns:a16="http://schemas.microsoft.com/office/drawing/2014/main" id="{19775D46-2BF6-4B55-97E1-2DF0C3BF5CAB}"/>
+              </a:ext>
+            </a:extLst>
+          </p:cNvPr>
+          <p:cNvCxnSpPr>
+            <a:cxnSpLocks/>
+          </p:cNvCxnSpPr>
+          <p:nvPr/>
+        </p:nvCxnSpPr>
+        <p:spPr>
+          <a:xfrm>
+            <a:off x="9432812" y="5644616"/>
+            <a:ext cx="0" cy="1261750"/>
+          </a:xfrm>
+          <a:prstGeom prst="straightConnector1">
+            <a:avLst/>
+          </a:prstGeom>
+          <a:ln w="47625">
+            <a:solidFill>
+              <a:schemeClr val="tx1"/>
+            </a:solidFill>
+            <a:headEnd type="none" w="lg" len="lg"/>
+            <a:tailEnd type="stealth" w="lg" len="lg"/>
+          </a:ln>
+        </p:spPr>
+        <p:style>
+          <a:lnRef idx="1">
+            <a:schemeClr val="accent1"/>
+          </a:lnRef>
+          <a:fillRef idx="0">
+            <a:schemeClr val="accent1"/>
+          </a:fillRef>
+          <a:effectRef idx="0">
+            <a:schemeClr val="accent1"/>
+          </a:effectRef>
+          <a:fontRef idx="minor">
+            <a:schemeClr val="tx1"/>
+          </a:fontRef>
+        </p:style>
+      </p:cxnSp>
+      <p:cxnSp>
+        <p:nvCxnSpPr>
+          <p:cNvPr id="29" name="Straight Arrow Connector 28">
+            <a:extLst>
+              <a:ext uri="{FF2B5EF4-FFF2-40B4-BE49-F238E27FC236}">
+                <a16:creationId xmlns:a16="http://schemas.microsoft.com/office/drawing/2014/main" id="{208443E2-7164-4237-A5A0-A9E37B27B53C}"/>
+              </a:ext>
+            </a:extLst>
+          </p:cNvPr>
+          <p:cNvCxnSpPr>
+            <a:cxnSpLocks/>
+          </p:cNvCxnSpPr>
+          <p:nvPr/>
+        </p:nvCxnSpPr>
+        <p:spPr>
+          <a:xfrm>
+            <a:off x="9422909" y="3786447"/>
+            <a:ext cx="2246887" cy="2010651"/>
+          </a:xfrm>
+          <a:prstGeom prst="straightConnector1">
+            <a:avLst/>
+          </a:prstGeom>
+          <a:ln w="15875">
+            <a:solidFill>
+              <a:schemeClr val="tx1"/>
+            </a:solidFill>
+            <a:prstDash val="solid"/>
+            <a:headEnd type="none" w="lg" len="lg"/>
+            <a:tailEnd type="none" w="lg" len="lg"/>
+          </a:ln>
+        </p:spPr>
+        <p:style>
+          <a:lnRef idx="1">
+            <a:schemeClr val="accent1"/>
+          </a:lnRef>
+          <a:fillRef idx="0">
+            <a:schemeClr val="accent1"/>
+          </a:fillRef>
+          <a:effectRef idx="0">
+            <a:schemeClr val="accent1"/>
+          </a:effectRef>
+          <a:fontRef idx="minor">
+            <a:schemeClr val="tx1"/>
+          </a:fontRef>
+        </p:style>
+      </p:cxnSp>
+      <p:cxnSp>
+        <p:nvCxnSpPr>
+          <p:cNvPr id="34" name="Straight Arrow Connector 33">
+            <a:extLst>
+              <a:ext uri="{FF2B5EF4-FFF2-40B4-BE49-F238E27FC236}">
+                <a16:creationId xmlns:a16="http://schemas.microsoft.com/office/drawing/2014/main" id="{096B8C8C-3F7E-4729-B9C5-3FFEF065E712}"/>
+              </a:ext>
+            </a:extLst>
+          </p:cNvPr>
+          <p:cNvCxnSpPr>
+            <a:cxnSpLocks/>
+          </p:cNvCxnSpPr>
+          <p:nvPr/>
+        </p:nvCxnSpPr>
+        <p:spPr>
+          <a:xfrm>
+            <a:off x="10813016" y="5013741"/>
+            <a:ext cx="0" cy="1261750"/>
+          </a:xfrm>
+          <a:prstGeom prst="straightConnector1">
+            <a:avLst/>
+          </a:prstGeom>
+          <a:ln w="47625">
+            <a:solidFill>
+              <a:schemeClr val="tx1"/>
+            </a:solidFill>
+            <a:headEnd type="none" w="lg" len="lg"/>
+            <a:tailEnd type="stealth" w="lg" len="lg"/>
+          </a:ln>
+        </p:spPr>
+        <p:style>
+          <a:lnRef idx="1">
+            <a:schemeClr val="accent1"/>
+          </a:lnRef>
+          <a:fillRef idx="0">
+            <a:schemeClr val="accent1"/>
+          </a:fillRef>
+          <a:effectRef idx="0">
+            <a:schemeClr val="accent1"/>
+          </a:effectRef>
+          <a:fontRef idx="minor">
+            <a:schemeClr val="tx1"/>
+          </a:fontRef>
+        </p:style>
+      </p:cxnSp>
+      <p:cxnSp>
+        <p:nvCxnSpPr>
+          <p:cNvPr id="35" name="Straight Arrow Connector 34">
+            <a:extLst>
+              <a:ext uri="{FF2B5EF4-FFF2-40B4-BE49-F238E27FC236}">
+                <a16:creationId xmlns:a16="http://schemas.microsoft.com/office/drawing/2014/main" id="{AAE48D9F-2EE8-4898-A7DA-06B0802D3490}"/>
+              </a:ext>
+            </a:extLst>
+          </p:cNvPr>
+          <p:cNvCxnSpPr>
+            <a:cxnSpLocks/>
+          </p:cNvCxnSpPr>
+          <p:nvPr/>
+        </p:nvCxnSpPr>
+        <p:spPr>
+          <a:xfrm flipV="1">
+            <a:off x="10787014" y="4599109"/>
+            <a:ext cx="1323651" cy="436908"/>
+          </a:xfrm>
+          <a:prstGeom prst="straightConnector1">
+            <a:avLst/>
+          </a:prstGeom>
+          <a:ln w="47625">
+            <a:solidFill>
+              <a:schemeClr val="tx1"/>
+            </a:solidFill>
+            <a:headEnd type="none" w="lg" len="lg"/>
+            <a:tailEnd type="stealth" w="lg" len="lg"/>
+          </a:ln>
+        </p:spPr>
+        <p:style>
+          <a:lnRef idx="1">
+            <a:schemeClr val="accent1"/>
+          </a:lnRef>
+          <a:fillRef idx="0">
+            <a:schemeClr val="accent1"/>
+          </a:fillRef>
+          <a:effectRef idx="0">
+            <a:schemeClr val="accent1"/>
+          </a:effectRef>
+          <a:fontRef idx="minor">
+            <a:schemeClr val="tx1"/>
+          </a:fontRef>
+        </p:style>
+      </p:cxnSp>
+      <p:cxnSp>
+        <p:nvCxnSpPr>
+          <p:cNvPr id="36" name="Straight Arrow Connector 35">
+            <a:extLst>
+              <a:ext uri="{FF2B5EF4-FFF2-40B4-BE49-F238E27FC236}">
+                <a16:creationId xmlns:a16="http://schemas.microsoft.com/office/drawing/2014/main" id="{BEF6C874-4599-4F51-ABA9-BA03DCC89AAB}"/>
+              </a:ext>
+            </a:extLst>
+          </p:cNvPr>
+          <p:cNvCxnSpPr>
+            <a:cxnSpLocks/>
+          </p:cNvCxnSpPr>
+          <p:nvPr/>
+        </p:nvCxnSpPr>
+        <p:spPr>
+          <a:xfrm flipV="1">
+            <a:off x="9419604" y="5019519"/>
+            <a:ext cx="1412198" cy="630391"/>
+          </a:xfrm>
+          <a:prstGeom prst="straightConnector1">
+            <a:avLst/>
+          </a:prstGeom>
+          <a:ln w="15875">
+            <a:solidFill>
+              <a:schemeClr val="tx1"/>
+            </a:solidFill>
+            <a:prstDash val="solid"/>
+            <a:headEnd type="none" w="lg" len="lg"/>
+            <a:tailEnd type="none" w="lg" len="lg"/>
+          </a:ln>
+        </p:spPr>
+        <p:style>
+          <a:lnRef idx="1">
+            <a:schemeClr val="accent1"/>
+          </a:lnRef>
+          <a:fillRef idx="0">
+            <a:schemeClr val="accent1"/>
+          </a:fillRef>
+          <a:effectRef idx="0">
+            <a:schemeClr val="accent1"/>
+          </a:effectRef>
+          <a:fontRef idx="minor">
+            <a:schemeClr val="tx1"/>
+          </a:fontRef>
+        </p:style>
+      </p:cxnSp>
+      <p:cxnSp>
+        <p:nvCxnSpPr>
+          <p:cNvPr id="40" name="Straight Arrow Connector 39">
+            <a:extLst>
+              <a:ext uri="{FF2B5EF4-FFF2-40B4-BE49-F238E27FC236}">
+                <a16:creationId xmlns:a16="http://schemas.microsoft.com/office/drawing/2014/main" id="{32D2B037-8190-4882-B883-2FA1AA7DDF15}"/>
+              </a:ext>
+            </a:extLst>
+          </p:cNvPr>
+          <p:cNvCxnSpPr>
+            <a:cxnSpLocks/>
+          </p:cNvCxnSpPr>
+          <p:nvPr/>
+        </p:nvCxnSpPr>
+        <p:spPr>
+          <a:xfrm flipH="1">
+            <a:off x="8523272" y="5628117"/>
+            <a:ext cx="926714" cy="296566"/>
+          </a:xfrm>
+          <a:prstGeom prst="straightConnector1">
+            <a:avLst/>
+          </a:prstGeom>
+          <a:ln w="47625">
+            <a:solidFill>
+              <a:schemeClr val="tx1"/>
+            </a:solidFill>
+            <a:headEnd type="none" w="lg" len="lg"/>
+            <a:tailEnd type="stealth" w="lg" len="lg"/>
+          </a:ln>
+        </p:spPr>
+        <p:style>
+          <a:lnRef idx="1">
+            <a:schemeClr val="accent1"/>
+          </a:lnRef>
+          <a:fillRef idx="0">
+            <a:schemeClr val="accent1"/>
+          </a:fillRef>
+          <a:effectRef idx="0">
+            <a:schemeClr val="accent1"/>
+          </a:effectRef>
+          <a:fontRef idx="minor">
+            <a:schemeClr val="tx1"/>
+          </a:fontRef>
+        </p:style>
+      </p:cxnSp>
+      <p:cxnSp>
+        <p:nvCxnSpPr>
+          <p:cNvPr id="42" name="Straight Arrow Connector 41">
+            <a:extLst>
+              <a:ext uri="{FF2B5EF4-FFF2-40B4-BE49-F238E27FC236}">
+                <a16:creationId xmlns:a16="http://schemas.microsoft.com/office/drawing/2014/main" id="{0C27C1BD-A5B0-42F8-86FF-3D4D85AD25EE}"/>
+              </a:ext>
+            </a:extLst>
+          </p:cNvPr>
+          <p:cNvCxnSpPr>
+            <a:cxnSpLocks/>
+          </p:cNvCxnSpPr>
+          <p:nvPr/>
+        </p:nvCxnSpPr>
+        <p:spPr>
+          <a:xfrm flipH="1" flipV="1">
+            <a:off x="9981637" y="4309008"/>
+            <a:ext cx="805377" cy="710511"/>
+          </a:xfrm>
+          <a:prstGeom prst="straightConnector1">
+            <a:avLst/>
+          </a:prstGeom>
+          <a:ln w="47625">
+            <a:solidFill>
+              <a:schemeClr val="tx1"/>
+            </a:solidFill>
+            <a:headEnd type="none" w="lg" len="lg"/>
+            <a:tailEnd type="stealth" w="lg" len="lg"/>
+          </a:ln>
+        </p:spPr>
+        <p:style>
+          <a:lnRef idx="1">
+            <a:schemeClr val="accent1"/>
+          </a:lnRef>
+          <a:fillRef idx="0">
+            <a:schemeClr val="accent1"/>
+          </a:fillRef>
+          <a:effectRef idx="0">
+            <a:schemeClr val="accent1"/>
+          </a:effectRef>
+          <a:fontRef idx="minor">
+            <a:schemeClr val="tx1"/>
+          </a:fontRef>
+        </p:style>
+      </p:cxnSp>
+      <mc:AlternateContent xmlns:mc="http://schemas.openxmlformats.org/markup-compatibility/2006" xmlns:a14="http://schemas.microsoft.com/office/drawing/2010/main">
+        <mc:Choice Requires="a14">
+          <p:sp>
+            <p:nvSpPr>
+              <p:cNvPr id="50" name="TextBox 49">
+                <a:extLst>
+                  <a:ext uri="{FF2B5EF4-FFF2-40B4-BE49-F238E27FC236}">
+                    <a16:creationId xmlns:a16="http://schemas.microsoft.com/office/drawing/2014/main" id="{787C5068-E826-4F36-9828-89F682DCC2F3}"/>
+                  </a:ext>
+                </a:extLst>
+              </p:cNvPr>
+              <p:cNvSpPr txBox="1"/>
+              <p:nvPr/>
+            </p:nvSpPr>
+            <p:spPr>
+              <a:xfrm>
+                <a:off x="10195977" y="3997375"/>
+                <a:ext cx="550472" cy="552331"/>
+              </a:xfrm>
+              <a:prstGeom prst="rect">
+                <a:avLst/>
+              </a:prstGeom>
+              <a:noFill/>
+            </p:spPr>
+            <p:txBody>
+              <a:bodyPr wrap="none" lIns="0" tIns="0" rIns="0" bIns="0" rtlCol="0">
+                <a:spAutoFit/>
+              </a:bodyPr>
+              <a:lstStyle/>
+              <a:p>
+                <a:pPr/>
+                <a14:m>
+                  <m:oMathPara xmlns:m="http://schemas.openxmlformats.org/officeDocument/2006/math">
+                    <m:oMathParaPr>
+                      <m:jc m:val="centerGroup"/>
+                    </m:oMathParaPr>
+                    <m:oMath xmlns:m="http://schemas.openxmlformats.org/officeDocument/2006/math">
+                      <m:acc>
+                        <m:accPr>
+                          <m:chr m:val="⃗"/>
+                          <m:ctrlPr>
+                            <a:rPr lang="en-US" sz="3200" i="1" smtClean="0">
+                              <a:latin typeface="Cambria Math" panose="02040503050406030204" pitchFamily="18" charset="0"/>
+                            </a:rPr>
+                          </m:ctrlPr>
+                        </m:accPr>
+                        <m:e>
+                          <m:sSub>
+                            <m:sSubPr>
+                              <m:ctrlPr>
+                                <a:rPr lang="en-US" sz="3200" i="1">
+                                  <a:latin typeface="Cambria Math" panose="02040503050406030204" pitchFamily="18" charset="0"/>
+                                </a:rPr>
+                              </m:ctrlPr>
+                            </m:sSubPr>
+                            <m:e>
+                              <m:r>
+                                <a:rPr lang="en-US" sz="3200" i="1">
+                                  <a:latin typeface="Cambria Math" panose="02040503050406030204" pitchFamily="18" charset="0"/>
+                                </a:rPr>
+                                <m:t>𝑁</m:t>
+                              </m:r>
+                            </m:e>
+                            <m:sub>
+                              <m:r>
+                                <a:rPr lang="en-US" sz="3200" b="0" i="1" smtClean="0">
+                                  <a:latin typeface="Cambria Math" panose="02040503050406030204" pitchFamily="18" charset="0"/>
+                                </a:rPr>
+                                <m:t>2</m:t>
+                              </m:r>
+                            </m:sub>
+                          </m:sSub>
+                        </m:e>
+                      </m:acc>
+                    </m:oMath>
+                  </m:oMathPara>
+                </a14:m>
+                <a:endParaRPr lang="en-US" sz="3200" dirty="0"/>
+              </a:p>
+            </p:txBody>
+          </p:sp>
+        </mc:Choice>
+        <mc:Fallback xmlns="">
+          <p:sp>
+            <p:nvSpPr>
+              <p:cNvPr id="50" name="TextBox 49">
+                <a:extLst>
+                  <a:ext uri="{FF2B5EF4-FFF2-40B4-BE49-F238E27FC236}">
+                    <a16:creationId xmlns:a16="http://schemas.microsoft.com/office/drawing/2014/main" id="{787C5068-E826-4F36-9828-89F682DCC2F3}"/>
+                  </a:ext>
+                </a:extLst>
+              </p:cNvPr>
+              <p:cNvSpPr txBox="1">
+                <a:spLocks noRot="1" noChangeAspect="1" noMove="1" noResize="1" noEditPoints="1" noAdjustHandles="1" noChangeArrowheads="1" noChangeShapeType="1" noTextEdit="1"/>
+              </p:cNvSpPr>
+              <p:nvPr/>
+            </p:nvSpPr>
+            <p:spPr>
+              <a:xfrm>
+                <a:off x="10195977" y="3997375"/>
+                <a:ext cx="550472" cy="552331"/>
+              </a:xfrm>
+              <a:prstGeom prst="rect">
+                <a:avLst/>
+              </a:prstGeom>
+              <a:blipFill>
+                <a:blip r:embed="rId8"/>
+                <a:stretch>
+                  <a:fillRect/>
+                </a:stretch>
+              </a:blipFill>
+            </p:spPr>
+            <p:txBody>
+              <a:bodyPr/>
+              <a:lstStyle/>
+              <a:p>
+                <a:r>
+                  <a:rPr lang="en-US">
+                    <a:noFill/>
+                  </a:rPr>
+                  <a:t> </a:t>
+                </a:r>
+              </a:p>
+            </p:txBody>
+          </p:sp>
+        </mc:Fallback>
+      </mc:AlternateContent>
+      <mc:AlternateContent xmlns:mc="http://schemas.openxmlformats.org/markup-compatibility/2006" xmlns:a14="http://schemas.microsoft.com/office/drawing/2010/main">
+        <mc:Choice Requires="a14">
+          <p:sp>
+            <p:nvSpPr>
+              <p:cNvPr id="51" name="TextBox 50">
+                <a:extLst>
+                  <a:ext uri="{FF2B5EF4-FFF2-40B4-BE49-F238E27FC236}">
+                    <a16:creationId xmlns:a16="http://schemas.microsoft.com/office/drawing/2014/main" id="{0B59C0FB-8D38-4C06-BCAC-15D074518C8C}"/>
+                  </a:ext>
+                </a:extLst>
+              </p:cNvPr>
+              <p:cNvSpPr txBox="1"/>
+              <p:nvPr/>
+            </p:nvSpPr>
+            <p:spPr>
+              <a:xfrm>
+                <a:off x="11730531" y="4080419"/>
+                <a:ext cx="345671" cy="552331"/>
+              </a:xfrm>
+              <a:prstGeom prst="rect">
+                <a:avLst/>
+              </a:prstGeom>
+              <a:noFill/>
+            </p:spPr>
+            <p:txBody>
+              <a:bodyPr wrap="none" lIns="0" tIns="0" rIns="0" bIns="0" rtlCol="0">
+                <a:spAutoFit/>
+              </a:bodyPr>
+              <a:lstStyle/>
+              <a:p>
+                <a:pPr/>
+                <a14:m>
+                  <m:oMathPara xmlns:m="http://schemas.openxmlformats.org/officeDocument/2006/math">
+                    <m:oMathParaPr>
+                      <m:jc m:val="centerGroup"/>
+                    </m:oMathParaPr>
+                    <m:oMath xmlns:m="http://schemas.openxmlformats.org/officeDocument/2006/math">
+                      <m:acc>
+                        <m:accPr>
+                          <m:chr m:val="⃗"/>
+                          <m:ctrlPr>
+                            <a:rPr lang="en-US" sz="3200" i="1" smtClean="0">
+                              <a:latin typeface="Cambria Math" panose="02040503050406030204" pitchFamily="18" charset="0"/>
+                            </a:rPr>
+                          </m:ctrlPr>
+                        </m:accPr>
+                        <m:e>
+                          <m:r>
+                            <a:rPr lang="en-US" sz="3200" b="0" i="1" smtClean="0">
+                              <a:latin typeface="Cambria Math" panose="02040503050406030204" pitchFamily="18" charset="0"/>
+                            </a:rPr>
+                            <m:t>𝑇</m:t>
+                          </m:r>
+                        </m:e>
+                      </m:acc>
+                    </m:oMath>
+                  </m:oMathPara>
+                </a14:m>
+                <a:endParaRPr lang="en-US" sz="3200" dirty="0"/>
+              </a:p>
+            </p:txBody>
+          </p:sp>
+        </mc:Choice>
+        <mc:Fallback xmlns="">
+          <p:sp>
+            <p:nvSpPr>
+              <p:cNvPr id="51" name="TextBox 50">
+                <a:extLst>
+                  <a:ext uri="{FF2B5EF4-FFF2-40B4-BE49-F238E27FC236}">
+                    <a16:creationId xmlns:a16="http://schemas.microsoft.com/office/drawing/2014/main" id="{0B59C0FB-8D38-4C06-BCAC-15D074518C8C}"/>
+                  </a:ext>
+                </a:extLst>
+              </p:cNvPr>
+              <p:cNvSpPr txBox="1">
+                <a:spLocks noRot="1" noChangeAspect="1" noMove="1" noResize="1" noEditPoints="1" noAdjustHandles="1" noChangeArrowheads="1" noChangeShapeType="1" noTextEdit="1"/>
+              </p:cNvSpPr>
+              <p:nvPr/>
+            </p:nvSpPr>
+            <p:spPr>
+              <a:xfrm>
+                <a:off x="11730531" y="4080419"/>
+                <a:ext cx="345671" cy="552331"/>
+              </a:xfrm>
+              <a:prstGeom prst="rect">
+                <a:avLst/>
+              </a:prstGeom>
+              <a:blipFill>
+                <a:blip r:embed="rId9"/>
+                <a:stretch>
+                  <a:fillRect/>
+                </a:stretch>
+              </a:blipFill>
+            </p:spPr>
+            <p:txBody>
+              <a:bodyPr/>
+              <a:lstStyle/>
+              <a:p>
+                <a:r>
+                  <a:rPr lang="en-US">
+                    <a:noFill/>
+                  </a:rPr>
+                  <a:t> </a:t>
+                </a:r>
+              </a:p>
+            </p:txBody>
+          </p:sp>
+        </mc:Fallback>
+      </mc:AlternateContent>
+      <mc:AlternateContent xmlns:mc="http://schemas.openxmlformats.org/markup-compatibility/2006" xmlns:a14="http://schemas.microsoft.com/office/drawing/2010/main">
+        <mc:Choice Requires="a14">
+          <p:sp>
+            <p:nvSpPr>
+              <p:cNvPr id="52" name="TextBox 51">
+                <a:extLst>
+                  <a:ext uri="{FF2B5EF4-FFF2-40B4-BE49-F238E27FC236}">
+                    <a16:creationId xmlns:a16="http://schemas.microsoft.com/office/drawing/2014/main" id="{00D9C971-0DEE-465F-9B3A-8AB1568BE091}"/>
+                  </a:ext>
+                </a:extLst>
+              </p:cNvPr>
+              <p:cNvSpPr txBox="1"/>
+              <p:nvPr/>
+            </p:nvSpPr>
+            <p:spPr>
+              <a:xfrm>
+                <a:off x="8153558" y="5473995"/>
+                <a:ext cx="345671" cy="552331"/>
+              </a:xfrm>
+              <a:prstGeom prst="rect">
+                <a:avLst/>
+              </a:prstGeom>
+              <a:noFill/>
+            </p:spPr>
+            <p:txBody>
+              <a:bodyPr wrap="none" lIns="0" tIns="0" rIns="0" bIns="0" rtlCol="0">
+                <a:spAutoFit/>
+              </a:bodyPr>
+              <a:lstStyle/>
+              <a:p>
+                <a:pPr/>
+                <a14:m>
+                  <m:oMathPara xmlns:m="http://schemas.openxmlformats.org/officeDocument/2006/math">
+                    <m:oMathParaPr>
+                      <m:jc m:val="centerGroup"/>
+                    </m:oMathParaPr>
+                    <m:oMath xmlns:m="http://schemas.openxmlformats.org/officeDocument/2006/math">
+                      <m:acc>
+                        <m:accPr>
+                          <m:chr m:val="⃗"/>
+                          <m:ctrlPr>
+                            <a:rPr lang="en-US" sz="3200" i="1" smtClean="0">
+                              <a:latin typeface="Cambria Math" panose="02040503050406030204" pitchFamily="18" charset="0"/>
+                            </a:rPr>
+                          </m:ctrlPr>
+                        </m:accPr>
+                        <m:e>
+                          <m:r>
+                            <a:rPr lang="en-US" sz="3200" b="0" i="1" smtClean="0">
+                              <a:latin typeface="Cambria Math" panose="02040503050406030204" pitchFamily="18" charset="0"/>
+                            </a:rPr>
+                            <m:t>𝑇</m:t>
+                          </m:r>
+                        </m:e>
+                      </m:acc>
+                    </m:oMath>
+                  </m:oMathPara>
+                </a14:m>
+                <a:endParaRPr lang="en-US" sz="3200" dirty="0"/>
+              </a:p>
+            </p:txBody>
+          </p:sp>
+        </mc:Choice>
+        <mc:Fallback xmlns="">
+          <p:sp>
+            <p:nvSpPr>
+              <p:cNvPr id="52" name="TextBox 51">
+                <a:extLst>
+                  <a:ext uri="{FF2B5EF4-FFF2-40B4-BE49-F238E27FC236}">
+                    <a16:creationId xmlns:a16="http://schemas.microsoft.com/office/drawing/2014/main" id="{00D9C971-0DEE-465F-9B3A-8AB1568BE091}"/>
+                  </a:ext>
+                </a:extLst>
+              </p:cNvPr>
+              <p:cNvSpPr txBox="1">
+                <a:spLocks noRot="1" noChangeAspect="1" noMove="1" noResize="1" noEditPoints="1" noAdjustHandles="1" noChangeArrowheads="1" noChangeShapeType="1" noTextEdit="1"/>
+              </p:cNvSpPr>
+              <p:nvPr/>
+            </p:nvSpPr>
+            <p:spPr>
+              <a:xfrm>
+                <a:off x="8153558" y="5473995"/>
+                <a:ext cx="345671" cy="552331"/>
+              </a:xfrm>
+              <a:prstGeom prst="rect">
+                <a:avLst/>
+              </a:prstGeom>
+              <a:blipFill>
+                <a:blip r:embed="rId10"/>
+                <a:stretch>
+                  <a:fillRect/>
+                </a:stretch>
+              </a:blipFill>
+            </p:spPr>
+            <p:txBody>
+              <a:bodyPr/>
+              <a:lstStyle/>
+              <a:p>
+                <a:r>
+                  <a:rPr lang="en-US">
+                    <a:noFill/>
+                  </a:rPr>
+                  <a:t> </a:t>
+                </a:r>
+              </a:p>
+            </p:txBody>
+          </p:sp>
+        </mc:Fallback>
+      </mc:AlternateContent>
+      <mc:AlternateContent xmlns:mc="http://schemas.openxmlformats.org/markup-compatibility/2006" xmlns:a14="http://schemas.microsoft.com/office/drawing/2010/main">
+        <mc:Choice Requires="a14">
+          <p:sp>
+            <p:nvSpPr>
+              <p:cNvPr id="54" name="TextBox 53">
+                <a:extLst>
+                  <a:ext uri="{FF2B5EF4-FFF2-40B4-BE49-F238E27FC236}">
+                    <a16:creationId xmlns:a16="http://schemas.microsoft.com/office/drawing/2014/main" id="{5217CE10-D512-4748-8CD2-E9A175402331}"/>
+                  </a:ext>
+                </a:extLst>
+              </p:cNvPr>
+              <p:cNvSpPr txBox="1"/>
+              <p:nvPr/>
+            </p:nvSpPr>
+            <p:spPr>
+              <a:xfrm>
+                <a:off x="8663910" y="6239850"/>
+                <a:ext cx="703269" cy="492443"/>
+              </a:xfrm>
+              <a:prstGeom prst="rect">
+                <a:avLst/>
+              </a:prstGeom>
+              <a:noFill/>
+            </p:spPr>
+            <p:txBody>
+              <a:bodyPr wrap="none" lIns="0" tIns="0" rIns="0" bIns="0" rtlCol="0">
+                <a:spAutoFit/>
+              </a:bodyPr>
+              <a:lstStyle/>
+              <a:p>
+                <a:pPr/>
+                <a14:m>
+                  <m:oMathPara xmlns:m="http://schemas.openxmlformats.org/officeDocument/2006/math">
+                    <m:oMathParaPr>
+                      <m:jc m:val="centerGroup"/>
+                    </m:oMathParaPr>
+                    <m:oMath xmlns:m="http://schemas.openxmlformats.org/officeDocument/2006/math">
+                      <m:r>
+                        <a:rPr lang="en-US" sz="3200" b="0" i="1" smtClean="0">
+                          <a:latin typeface="Cambria Math" panose="02040503050406030204" pitchFamily="18" charset="0"/>
+                        </a:rPr>
+                        <m:t>𝑚</m:t>
+                      </m:r>
+                      <m:acc>
+                        <m:accPr>
+                          <m:chr m:val="⃗"/>
+                          <m:ctrlPr>
+                            <a:rPr lang="en-US" sz="3200" i="1" smtClean="0">
+                              <a:latin typeface="Cambria Math" panose="02040503050406030204" pitchFamily="18" charset="0"/>
+                            </a:rPr>
+                          </m:ctrlPr>
+                        </m:accPr>
+                        <m:e>
+                          <m:r>
+                            <a:rPr lang="en-US" sz="3200" b="0" i="1" smtClean="0">
+                              <a:latin typeface="Cambria Math" panose="02040503050406030204" pitchFamily="18" charset="0"/>
+                            </a:rPr>
+                            <m:t>𝑔</m:t>
+                          </m:r>
+                        </m:e>
+                      </m:acc>
+                    </m:oMath>
+                  </m:oMathPara>
+                </a14:m>
+                <a:endParaRPr lang="en-US" sz="3200" dirty="0"/>
+              </a:p>
+            </p:txBody>
+          </p:sp>
+        </mc:Choice>
+        <mc:Fallback xmlns="">
+          <p:sp>
+            <p:nvSpPr>
+              <p:cNvPr id="54" name="TextBox 53">
+                <a:extLst>
+                  <a:ext uri="{FF2B5EF4-FFF2-40B4-BE49-F238E27FC236}">
+                    <a16:creationId xmlns:a16="http://schemas.microsoft.com/office/drawing/2014/main" id="{5217CE10-D512-4748-8CD2-E9A175402331}"/>
+                  </a:ext>
+                </a:extLst>
+              </p:cNvPr>
+              <p:cNvSpPr txBox="1">
+                <a:spLocks noRot="1" noChangeAspect="1" noMove="1" noResize="1" noEditPoints="1" noAdjustHandles="1" noChangeArrowheads="1" noChangeShapeType="1" noTextEdit="1"/>
+              </p:cNvSpPr>
+              <p:nvPr/>
+            </p:nvSpPr>
+            <p:spPr>
+              <a:xfrm>
+                <a:off x="8663910" y="6239850"/>
+                <a:ext cx="703269" cy="492443"/>
+              </a:xfrm>
+              <a:prstGeom prst="rect">
+                <a:avLst/>
+              </a:prstGeom>
+              <a:blipFill>
+                <a:blip r:embed="rId11"/>
+                <a:stretch>
+                  <a:fillRect/>
+                </a:stretch>
+              </a:blipFill>
+            </p:spPr>
+            <p:txBody>
+              <a:bodyPr/>
+              <a:lstStyle/>
+              <a:p>
+                <a:r>
+                  <a:rPr lang="en-US">
+                    <a:noFill/>
+                  </a:rPr>
+                  <a:t> </a:t>
+                </a:r>
+              </a:p>
+            </p:txBody>
+          </p:sp>
+        </mc:Fallback>
+      </mc:AlternateContent>
+      <mc:AlternateContent xmlns:mc="http://schemas.openxmlformats.org/markup-compatibility/2006" xmlns:a14="http://schemas.microsoft.com/office/drawing/2010/main">
+        <mc:Choice Requires="a14">
+          <p:sp>
+            <p:nvSpPr>
+              <p:cNvPr id="55" name="TextBox 54">
+                <a:extLst>
+                  <a:ext uri="{FF2B5EF4-FFF2-40B4-BE49-F238E27FC236}">
+                    <a16:creationId xmlns:a16="http://schemas.microsoft.com/office/drawing/2014/main" id="{23486A89-DF1F-47D3-B1AB-7FAD1AAB81F3}"/>
+                  </a:ext>
+                </a:extLst>
+              </p:cNvPr>
+              <p:cNvSpPr txBox="1"/>
+              <p:nvPr/>
+            </p:nvSpPr>
+            <p:spPr>
+              <a:xfrm>
+                <a:off x="10106290" y="5691177"/>
+                <a:ext cx="703269" cy="492443"/>
+              </a:xfrm>
+              <a:prstGeom prst="rect">
+                <a:avLst/>
+              </a:prstGeom>
+              <a:noFill/>
+            </p:spPr>
+            <p:txBody>
+              <a:bodyPr wrap="none" lIns="0" tIns="0" rIns="0" bIns="0" rtlCol="0">
+                <a:spAutoFit/>
+              </a:bodyPr>
+              <a:lstStyle/>
+              <a:p>
+                <a:pPr/>
+                <a14:m>
+                  <m:oMathPara xmlns:m="http://schemas.openxmlformats.org/officeDocument/2006/math">
+                    <m:oMathParaPr>
+                      <m:jc m:val="centerGroup"/>
+                    </m:oMathParaPr>
+                    <m:oMath xmlns:m="http://schemas.openxmlformats.org/officeDocument/2006/math">
+                      <m:r>
+                        <a:rPr lang="en-US" sz="3200" b="0" i="1" smtClean="0">
+                          <a:latin typeface="Cambria Math" panose="02040503050406030204" pitchFamily="18" charset="0"/>
+                        </a:rPr>
+                        <m:t>𝑚</m:t>
+                      </m:r>
+                      <m:acc>
+                        <m:accPr>
+                          <m:chr m:val="⃗"/>
+                          <m:ctrlPr>
+                            <a:rPr lang="en-US" sz="3200" i="1" smtClean="0">
+                              <a:latin typeface="Cambria Math" panose="02040503050406030204" pitchFamily="18" charset="0"/>
+                            </a:rPr>
+                          </m:ctrlPr>
+                        </m:accPr>
+                        <m:e>
+                          <m:r>
+                            <a:rPr lang="en-US" sz="3200" b="0" i="1" smtClean="0">
+                              <a:latin typeface="Cambria Math" panose="02040503050406030204" pitchFamily="18" charset="0"/>
+                            </a:rPr>
+                            <m:t>𝑔</m:t>
+                          </m:r>
+                        </m:e>
+                      </m:acc>
+                    </m:oMath>
+                  </m:oMathPara>
+                </a14:m>
+                <a:endParaRPr lang="en-US" sz="3200" dirty="0"/>
+              </a:p>
+            </p:txBody>
+          </p:sp>
+        </mc:Choice>
+        <mc:Fallback xmlns="">
+          <p:sp>
+            <p:nvSpPr>
+              <p:cNvPr id="55" name="TextBox 54">
+                <a:extLst>
+                  <a:ext uri="{FF2B5EF4-FFF2-40B4-BE49-F238E27FC236}">
+                    <a16:creationId xmlns:a16="http://schemas.microsoft.com/office/drawing/2014/main" id="{23486A89-DF1F-47D3-B1AB-7FAD1AAB81F3}"/>
+                  </a:ext>
+                </a:extLst>
+              </p:cNvPr>
+              <p:cNvSpPr txBox="1">
+                <a:spLocks noRot="1" noChangeAspect="1" noMove="1" noResize="1" noEditPoints="1" noAdjustHandles="1" noChangeArrowheads="1" noChangeShapeType="1" noTextEdit="1"/>
+              </p:cNvSpPr>
+              <p:nvPr/>
+            </p:nvSpPr>
+            <p:spPr>
+              <a:xfrm>
+                <a:off x="10106290" y="5691177"/>
+                <a:ext cx="703269" cy="492443"/>
+              </a:xfrm>
+              <a:prstGeom prst="rect">
+                <a:avLst/>
+              </a:prstGeom>
+              <a:blipFill>
+                <a:blip r:embed="rId12"/>
+                <a:stretch>
+                  <a:fillRect/>
+                </a:stretch>
+              </a:blipFill>
+            </p:spPr>
+            <p:txBody>
+              <a:bodyPr/>
+              <a:lstStyle/>
+              <a:p>
+                <a:r>
+                  <a:rPr lang="en-US">
+                    <a:noFill/>
+                  </a:rPr>
+                  <a:t> </a:t>
+                </a:r>
+              </a:p>
+            </p:txBody>
+          </p:sp>
+        </mc:Fallback>
+      </mc:AlternateContent>
+      <p:sp>
+        <p:nvSpPr>
+          <p:cNvPr id="56" name="Arc 55">
+            <a:extLst>
+              <a:ext uri="{FF2B5EF4-FFF2-40B4-BE49-F238E27FC236}">
+                <a16:creationId xmlns:a16="http://schemas.microsoft.com/office/drawing/2014/main" id="{B8572CB9-103C-4E34-B0AF-BA00DC154C1A}"/>
+              </a:ext>
+            </a:extLst>
+          </p:cNvPr>
+          <p:cNvSpPr/>
+          <p:nvPr/>
+        </p:nvSpPr>
+        <p:spPr>
+          <a:xfrm rot="19978717">
+            <a:off x="9333834" y="5431544"/>
+            <a:ext cx="293041" cy="327243"/>
+          </a:xfrm>
+          <a:prstGeom prst="arc">
+            <a:avLst>
+              <a:gd name="adj1" fmla="val 16775587"/>
+              <a:gd name="adj2" fmla="val 725428"/>
+            </a:avLst>
+          </a:prstGeom>
+          <a:ln w="34925">
+            <a:solidFill>
+              <a:schemeClr val="tx1"/>
+            </a:solidFill>
+          </a:ln>
+        </p:spPr>
+        <p:style>
+          <a:lnRef idx="1">
+            <a:schemeClr val="accent1"/>
+          </a:lnRef>
+          <a:fillRef idx="0">
+            <a:schemeClr val="accent1"/>
+          </a:fillRef>
+          <a:effectRef idx="0">
+            <a:schemeClr val="accent1"/>
+          </a:effectRef>
+          <a:fontRef idx="minor">
+            <a:schemeClr val="tx1"/>
+          </a:fontRef>
+        </p:style>
+        <p:txBody>
+          <a:bodyPr rtlCol="0" anchor="ctr"/>
+          <a:lstStyle/>
+          <a:p>
+            <a:pPr algn="ctr"/>
+            <a:endParaRPr lang="en-US" dirty="0"/>
+          </a:p>
+        </p:txBody>
+      </p:sp>
+      <mc:AlternateContent xmlns:mc="http://schemas.openxmlformats.org/markup-compatibility/2006" xmlns:a14="http://schemas.microsoft.com/office/drawing/2010/main">
+        <mc:Choice Requires="a14">
+          <p:sp>
+            <p:nvSpPr>
+              <p:cNvPr id="57" name="TextBox 56">
+                <a:extLst>
+                  <a:ext uri="{FF2B5EF4-FFF2-40B4-BE49-F238E27FC236}">
+                    <a16:creationId xmlns:a16="http://schemas.microsoft.com/office/drawing/2014/main" id="{5FD33E81-9D9E-4877-A29C-EFA9B77C01A0}"/>
+                  </a:ext>
+                </a:extLst>
+              </p:cNvPr>
+              <p:cNvSpPr txBox="1"/>
+              <p:nvPr/>
+            </p:nvSpPr>
+            <p:spPr>
+              <a:xfrm>
+                <a:off x="10452929" y="5308320"/>
+                <a:ext cx="1134368" cy="472502"/>
+              </a:xfrm>
+              <a:prstGeom prst="rect">
+                <a:avLst/>
+              </a:prstGeom>
+              <a:noFill/>
+            </p:spPr>
+            <p:txBody>
+              <a:bodyPr wrap="square" lIns="0" tIns="0" rIns="0" bIns="0" rtlCol="0">
+                <a:spAutoFit/>
+              </a:bodyPr>
+              <a:lstStyle/>
+              <a:p>
+                <a:pPr/>
+                <a14:m>
+                  <m:oMathPara xmlns:m="http://schemas.openxmlformats.org/officeDocument/2006/math">
+                    <m:oMathParaPr>
+                      <m:jc m:val="centerGroup"/>
+                    </m:oMathParaPr>
+                    <m:oMath xmlns:m="http://schemas.openxmlformats.org/officeDocument/2006/math">
+                      <m:f>
+                        <m:fPr>
+                          <m:ctrlPr>
+                            <a:rPr lang="en-US" b="0" i="1" smtClean="0">
+                              <a:solidFill>
+                                <a:schemeClr val="tx1"/>
+                              </a:solidFill>
+                              <a:latin typeface="Cambria Math" panose="02040503050406030204" pitchFamily="18" charset="0"/>
+                              <a:ea typeface="Cambria Math" panose="02040503050406030204" pitchFamily="18" charset="0"/>
+                            </a:rPr>
+                          </m:ctrlPr>
+                        </m:fPr>
+                        <m:num>
+                          <m:r>
+                            <a:rPr lang="en-US" i="1">
+                              <a:latin typeface="Cambria Math" panose="02040503050406030204" pitchFamily="18" charset="0"/>
+                              <a:ea typeface="Cambria Math" panose="02040503050406030204" pitchFamily="18" charset="0"/>
+                            </a:rPr>
+                            <m:t>𝛼</m:t>
+                          </m:r>
+                        </m:num>
+                        <m:den>
+                          <m:r>
+                            <a:rPr lang="en-US" b="0" i="1" smtClean="0">
+                              <a:solidFill>
+                                <a:schemeClr val="tx1"/>
+                              </a:solidFill>
+                              <a:latin typeface="Cambria Math" panose="02040503050406030204" pitchFamily="18" charset="0"/>
+                              <a:ea typeface="Cambria Math" panose="02040503050406030204" pitchFamily="18" charset="0"/>
+                            </a:rPr>
+                            <m:t>2</m:t>
+                          </m:r>
+                        </m:den>
+                      </m:f>
+                    </m:oMath>
+                  </m:oMathPara>
+                </a14:m>
+                <a:endParaRPr lang="en-US" sz="2400" dirty="0">
+                  <a:solidFill>
+                    <a:schemeClr val="tx1"/>
+                  </a:solidFill>
+                </a:endParaRPr>
+              </a:p>
+            </p:txBody>
+          </p:sp>
+        </mc:Choice>
+        <mc:Fallback xmlns="">
+          <p:sp>
+            <p:nvSpPr>
+              <p:cNvPr id="57" name="TextBox 56">
+                <a:extLst>
+                  <a:ext uri="{FF2B5EF4-FFF2-40B4-BE49-F238E27FC236}">
+                    <a16:creationId xmlns:a16="http://schemas.microsoft.com/office/drawing/2014/main" id="{5FD33E81-9D9E-4877-A29C-EFA9B77C01A0}"/>
+                  </a:ext>
+                </a:extLst>
+              </p:cNvPr>
+              <p:cNvSpPr txBox="1">
+                <a:spLocks noRot="1" noChangeAspect="1" noMove="1" noResize="1" noEditPoints="1" noAdjustHandles="1" noChangeArrowheads="1" noChangeShapeType="1" noTextEdit="1"/>
+              </p:cNvSpPr>
+              <p:nvPr/>
+            </p:nvSpPr>
+            <p:spPr>
+              <a:xfrm>
+                <a:off x="10452929" y="5308320"/>
+                <a:ext cx="1134368" cy="472502"/>
+              </a:xfrm>
+              <a:prstGeom prst="rect">
+                <a:avLst/>
+              </a:prstGeom>
+              <a:blipFill>
+                <a:blip r:embed="rId13"/>
+                <a:stretch>
+                  <a:fillRect/>
+                </a:stretch>
+              </a:blipFill>
+            </p:spPr>
+            <p:txBody>
+              <a:bodyPr/>
+              <a:lstStyle/>
+              <a:p>
+                <a:r>
+                  <a:rPr lang="en-US">
+                    <a:noFill/>
+                  </a:rPr>
+                  <a:t> </a:t>
+                </a:r>
+              </a:p>
+            </p:txBody>
+          </p:sp>
+        </mc:Fallback>
+      </mc:AlternateContent>
+      <p:sp>
+        <p:nvSpPr>
+          <p:cNvPr id="58" name="Arc 57">
+            <a:extLst>
+              <a:ext uri="{FF2B5EF4-FFF2-40B4-BE49-F238E27FC236}">
+                <a16:creationId xmlns:a16="http://schemas.microsoft.com/office/drawing/2014/main" id="{FAC31EA1-B6C7-4AB5-9C58-CB00A267B35E}"/>
+              </a:ext>
+            </a:extLst>
+          </p:cNvPr>
+          <p:cNvSpPr/>
+          <p:nvPr/>
+        </p:nvSpPr>
+        <p:spPr>
+          <a:xfrm rot="13872670">
+            <a:off x="10599928" y="4870649"/>
+            <a:ext cx="293041" cy="327243"/>
+          </a:xfrm>
+          <a:prstGeom prst="arc">
+            <a:avLst>
+              <a:gd name="adj1" fmla="val 16775587"/>
+              <a:gd name="adj2" fmla="val 725428"/>
+            </a:avLst>
+          </a:prstGeom>
+          <a:ln w="34925">
+            <a:solidFill>
+              <a:schemeClr val="tx1"/>
+            </a:solidFill>
+          </a:ln>
+        </p:spPr>
+        <p:style>
+          <a:lnRef idx="1">
+            <a:schemeClr val="accent1"/>
+          </a:lnRef>
+          <a:fillRef idx="0">
+            <a:schemeClr val="accent1"/>
+          </a:fillRef>
+          <a:effectRef idx="0">
+            <a:schemeClr val="accent1"/>
+          </a:effectRef>
+          <a:fontRef idx="minor">
+            <a:schemeClr val="tx1"/>
+          </a:fontRef>
+        </p:style>
+        <p:txBody>
+          <a:bodyPr rtlCol="0" anchor="ctr"/>
+          <a:lstStyle/>
+          <a:p>
+            <a:pPr algn="ctr"/>
+            <a:endParaRPr lang="en-US" dirty="0"/>
+          </a:p>
+        </p:txBody>
+      </p:sp>
+      <mc:AlternateContent xmlns:mc="http://schemas.openxmlformats.org/markup-compatibility/2006" xmlns:a14="http://schemas.microsoft.com/office/drawing/2010/main">
+        <mc:Choice Requires="a14">
+          <p:sp>
+            <p:nvSpPr>
+              <p:cNvPr id="59" name="TextBox 58">
+                <a:extLst>
+                  <a:ext uri="{FF2B5EF4-FFF2-40B4-BE49-F238E27FC236}">
+                    <a16:creationId xmlns:a16="http://schemas.microsoft.com/office/drawing/2014/main" id="{6231318E-4F50-46CC-B3B5-84D39AC9358D}"/>
+                  </a:ext>
+                </a:extLst>
+              </p:cNvPr>
+              <p:cNvSpPr txBox="1"/>
+              <p:nvPr/>
+            </p:nvSpPr>
+            <p:spPr>
+              <a:xfrm>
+                <a:off x="9392811" y="5080684"/>
+                <a:ext cx="555537" cy="430887"/>
+              </a:xfrm>
+              <a:prstGeom prst="rect">
+                <a:avLst/>
+              </a:prstGeom>
+              <a:noFill/>
+            </p:spPr>
+            <p:txBody>
+              <a:bodyPr wrap="square" lIns="0" tIns="0" rIns="0" bIns="0" rtlCol="0">
+                <a:spAutoFit/>
+              </a:bodyPr>
+              <a:lstStyle/>
+              <a:p>
+                <a:pPr/>
+                <a14:m>
+                  <m:oMathPara xmlns:m="http://schemas.openxmlformats.org/officeDocument/2006/math">
+                    <m:oMathParaPr>
+                      <m:jc m:val="centerGroup"/>
+                    </m:oMathParaPr>
+                    <m:oMath xmlns:m="http://schemas.openxmlformats.org/officeDocument/2006/math">
+                      <m:r>
+                        <a:rPr lang="en-US" sz="2800" b="0" i="1" smtClean="0">
+                          <a:solidFill>
+                            <a:schemeClr val="tx1"/>
+                          </a:solidFill>
+                          <a:latin typeface="Cambria Math" panose="02040503050406030204" pitchFamily="18" charset="0"/>
+                          <a:ea typeface="Cambria Math" panose="02040503050406030204" pitchFamily="18" charset="0"/>
+                        </a:rPr>
+                        <m:t>𝛼</m:t>
+                      </m:r>
+                    </m:oMath>
+                  </m:oMathPara>
+                </a14:m>
+                <a:endParaRPr lang="en-US" sz="3600" dirty="0">
+                  <a:solidFill>
+                    <a:schemeClr val="tx1"/>
+                  </a:solidFill>
+                </a:endParaRPr>
+              </a:p>
+            </p:txBody>
+          </p:sp>
+        </mc:Choice>
+        <mc:Fallback xmlns="">
+          <p:sp>
+            <p:nvSpPr>
+              <p:cNvPr id="59" name="TextBox 58">
+                <a:extLst>
+                  <a:ext uri="{FF2B5EF4-FFF2-40B4-BE49-F238E27FC236}">
+                    <a16:creationId xmlns:a16="http://schemas.microsoft.com/office/drawing/2014/main" id="{6231318E-4F50-46CC-B3B5-84D39AC9358D}"/>
+                  </a:ext>
+                </a:extLst>
+              </p:cNvPr>
+              <p:cNvSpPr txBox="1">
+                <a:spLocks noRot="1" noChangeAspect="1" noMove="1" noResize="1" noEditPoints="1" noAdjustHandles="1" noChangeArrowheads="1" noChangeShapeType="1" noTextEdit="1"/>
+              </p:cNvSpPr>
+              <p:nvPr/>
+            </p:nvSpPr>
+            <p:spPr>
+              <a:xfrm>
+                <a:off x="9392811" y="5080684"/>
+                <a:ext cx="555537" cy="430887"/>
+              </a:xfrm>
+              <a:prstGeom prst="rect">
+                <a:avLst/>
+              </a:prstGeom>
+              <a:blipFill>
+                <a:blip r:embed="rId14"/>
+                <a:stretch>
+                  <a:fillRect/>
+                </a:stretch>
+              </a:blipFill>
+            </p:spPr>
+            <p:txBody>
+              <a:bodyPr/>
+              <a:lstStyle/>
+              <a:p>
+                <a:r>
+                  <a:rPr lang="en-US">
+                    <a:noFill/>
+                  </a:rPr>
+                  <a:t> </a:t>
+                </a:r>
+              </a:p>
+            </p:txBody>
+          </p:sp>
+        </mc:Fallback>
+      </mc:AlternateContent>
+      <mc:AlternateContent xmlns:mc="http://schemas.openxmlformats.org/markup-compatibility/2006" xmlns:a14="http://schemas.microsoft.com/office/drawing/2010/main">
+        <mc:Choice Requires="a14">
+          <p:sp>
+            <p:nvSpPr>
+              <p:cNvPr id="60" name="TextBox 59">
+                <a:extLst>
+                  <a:ext uri="{FF2B5EF4-FFF2-40B4-BE49-F238E27FC236}">
+                    <a16:creationId xmlns:a16="http://schemas.microsoft.com/office/drawing/2014/main" id="{724FD592-F6D6-4658-8785-60B8B504C6A0}"/>
+                  </a:ext>
+                </a:extLst>
+              </p:cNvPr>
+              <p:cNvSpPr txBox="1"/>
+              <p:nvPr/>
+            </p:nvSpPr>
+            <p:spPr>
+              <a:xfrm>
+                <a:off x="10346042" y="4759380"/>
+                <a:ext cx="384656" cy="430887"/>
+              </a:xfrm>
+              <a:prstGeom prst="rect">
+                <a:avLst/>
+              </a:prstGeom>
+              <a:noFill/>
+            </p:spPr>
+            <p:txBody>
+              <a:bodyPr wrap="square" lIns="0" tIns="0" rIns="0" bIns="0" rtlCol="0">
+                <a:spAutoFit/>
+              </a:bodyPr>
+              <a:lstStyle/>
+              <a:p>
+                <a:pPr/>
+                <a14:m>
+                  <m:oMathPara xmlns:m="http://schemas.openxmlformats.org/officeDocument/2006/math">
+                    <m:oMathParaPr>
+                      <m:jc m:val="centerGroup"/>
+                    </m:oMathParaPr>
+                    <m:oMath xmlns:m="http://schemas.openxmlformats.org/officeDocument/2006/math">
+                      <m:r>
+                        <a:rPr lang="en-US" sz="2800" b="0" i="1" smtClean="0">
+                          <a:solidFill>
+                            <a:schemeClr val="tx1"/>
+                          </a:solidFill>
+                          <a:latin typeface="Cambria Math" panose="02040503050406030204" pitchFamily="18" charset="0"/>
+                          <a:ea typeface="Cambria Math" panose="02040503050406030204" pitchFamily="18" charset="0"/>
+                        </a:rPr>
+                        <m:t>𝛼</m:t>
+                      </m:r>
+                    </m:oMath>
+                  </m:oMathPara>
+                </a14:m>
+                <a:endParaRPr lang="en-US" sz="3600" dirty="0">
+                  <a:solidFill>
+                    <a:schemeClr val="tx1"/>
+                  </a:solidFill>
+                </a:endParaRPr>
+              </a:p>
+            </p:txBody>
+          </p:sp>
+        </mc:Choice>
+        <mc:Fallback xmlns="">
+          <p:sp>
+            <p:nvSpPr>
+              <p:cNvPr id="60" name="TextBox 59">
+                <a:extLst>
+                  <a:ext uri="{FF2B5EF4-FFF2-40B4-BE49-F238E27FC236}">
+                    <a16:creationId xmlns:a16="http://schemas.microsoft.com/office/drawing/2014/main" id="{724FD592-F6D6-4658-8785-60B8B504C6A0}"/>
+                  </a:ext>
+                </a:extLst>
+              </p:cNvPr>
+              <p:cNvSpPr txBox="1">
+                <a:spLocks noRot="1" noChangeAspect="1" noMove="1" noResize="1" noEditPoints="1" noAdjustHandles="1" noChangeArrowheads="1" noChangeShapeType="1" noTextEdit="1"/>
+              </p:cNvSpPr>
+              <p:nvPr/>
+            </p:nvSpPr>
+            <p:spPr>
+              <a:xfrm>
+                <a:off x="10346042" y="4759380"/>
+                <a:ext cx="384656" cy="430887"/>
+              </a:xfrm>
+              <a:prstGeom prst="rect">
+                <a:avLst/>
+              </a:prstGeom>
+              <a:blipFill>
+                <a:blip r:embed="rId15"/>
+                <a:stretch>
+                  <a:fillRect/>
+                </a:stretch>
+              </a:blipFill>
+            </p:spPr>
+            <p:txBody>
+              <a:bodyPr/>
+              <a:lstStyle/>
+              <a:p>
+                <a:r>
+                  <a:rPr lang="en-US">
+                    <a:noFill/>
+                  </a:rPr>
+                  <a:t> </a:t>
+                </a:r>
+              </a:p>
+            </p:txBody>
+          </p:sp>
+        </mc:Fallback>
+      </mc:AlternateContent>
+      <p:sp>
+        <p:nvSpPr>
+          <p:cNvPr id="64" name="Arc 63">
+            <a:extLst>
+              <a:ext uri="{FF2B5EF4-FFF2-40B4-BE49-F238E27FC236}">
+                <a16:creationId xmlns:a16="http://schemas.microsoft.com/office/drawing/2014/main" id="{BE7B4EBC-284B-42BB-9600-9951B402D57E}"/>
+              </a:ext>
+            </a:extLst>
+          </p:cNvPr>
+          <p:cNvSpPr/>
+          <p:nvPr/>
+        </p:nvSpPr>
+        <p:spPr>
+          <a:xfrm rot="5044412">
+            <a:off x="10697741" y="5037987"/>
+            <a:ext cx="292726" cy="258420"/>
+          </a:xfrm>
+          <a:prstGeom prst="arc">
+            <a:avLst>
+              <a:gd name="adj1" fmla="val 16775587"/>
+              <a:gd name="adj2" fmla="val 725428"/>
+            </a:avLst>
+          </a:prstGeom>
+          <a:ln w="22225">
+            <a:solidFill>
+              <a:schemeClr val="tx1"/>
+            </a:solidFill>
+          </a:ln>
+        </p:spPr>
+        <p:style>
+          <a:lnRef idx="1">
+            <a:schemeClr val="accent1"/>
+          </a:lnRef>
+          <a:fillRef idx="0">
+            <a:schemeClr val="accent1"/>
+          </a:fillRef>
+          <a:effectRef idx="0">
+            <a:schemeClr val="accent1"/>
+          </a:effectRef>
+          <a:fontRef idx="minor">
+            <a:schemeClr val="tx1"/>
+          </a:fontRef>
+        </p:style>
+        <p:txBody>
+          <a:bodyPr rtlCol="0" anchor="ctr"/>
+          <a:lstStyle/>
+          <a:p>
+            <a:pPr algn="ctr"/>
+            <a:endParaRPr lang="en-US" dirty="0"/>
+          </a:p>
+        </p:txBody>
+      </p:sp>
+      <p:sp>
+        <p:nvSpPr>
+          <p:cNvPr id="38" name="Oval 37">
+            <a:extLst>
+              <a:ext uri="{FF2B5EF4-FFF2-40B4-BE49-F238E27FC236}">
+                <a16:creationId xmlns:a16="http://schemas.microsoft.com/office/drawing/2014/main" id="{2C5B5637-31F5-4C03-A964-E7B471DF178D}"/>
+              </a:ext>
+            </a:extLst>
+          </p:cNvPr>
+          <p:cNvSpPr/>
+          <p:nvPr/>
+        </p:nvSpPr>
+        <p:spPr>
+          <a:xfrm flipH="1">
+            <a:off x="225064" y="755613"/>
+            <a:ext cx="694162" cy="694162"/>
+          </a:xfrm>
+          <a:prstGeom prst="ellipse">
+            <a:avLst/>
+          </a:prstGeom>
+          <a:gradFill flip="none" rotWithShape="1">
+            <a:gsLst>
+              <a:gs pos="0">
+                <a:schemeClr val="accent3">
+                  <a:lumMod val="40000"/>
+                  <a:lumOff val="60000"/>
+                </a:schemeClr>
+              </a:gs>
+              <a:gs pos="46000">
+                <a:schemeClr val="accent3">
+                  <a:lumMod val="95000"/>
+                  <a:lumOff val="5000"/>
+                </a:schemeClr>
+              </a:gs>
+              <a:gs pos="100000">
+                <a:schemeClr val="accent3">
+                  <a:lumMod val="60000"/>
+                </a:schemeClr>
+              </a:gs>
+            </a:gsLst>
+            <a:path path="circle">
+              <a:fillToRect l="50000" t="130000" r="50000" b="-30000"/>
+            </a:path>
+            <a:tileRect/>
+          </a:gradFill>
+          <a:ln w="28575">
+            <a:solidFill>
+              <a:schemeClr val="tx1"/>
+            </a:solidFill>
+          </a:ln>
+        </p:spPr>
+        <p:style>
+          <a:lnRef idx="2">
+            <a:schemeClr val="accent1">
+              <a:shade val="50000"/>
+            </a:schemeClr>
+          </a:lnRef>
+          <a:fillRef idx="1">
+            <a:schemeClr val="accent1"/>
+          </a:fillRef>
+          <a:effectRef idx="0">
+            <a:schemeClr val="accent1"/>
+          </a:effectRef>
+          <a:fontRef idx="minor">
+            <a:schemeClr val="lt1"/>
+          </a:fontRef>
+        </p:style>
+        <p:txBody>
+          <a:bodyPr rtlCol="0" anchor="ctr"/>
+          <a:lstStyle/>
+          <a:p>
+            <a:pPr algn="ctr"/>
+            <a:endParaRPr lang="en-US"/>
+          </a:p>
+        </p:txBody>
+      </p:sp>
+      <p:sp>
+        <p:nvSpPr>
+          <p:cNvPr id="39" name="Oval 38">
+            <a:extLst>
+              <a:ext uri="{FF2B5EF4-FFF2-40B4-BE49-F238E27FC236}">
+                <a16:creationId xmlns:a16="http://schemas.microsoft.com/office/drawing/2014/main" id="{5BDF6DFB-F070-4148-B172-3DE0B54683DE}"/>
+              </a:ext>
+            </a:extLst>
+          </p:cNvPr>
+          <p:cNvSpPr/>
+          <p:nvPr/>
+        </p:nvSpPr>
+        <p:spPr>
+          <a:xfrm flipH="1">
+            <a:off x="3041792" y="764607"/>
+            <a:ext cx="694162" cy="694162"/>
+          </a:xfrm>
+          <a:prstGeom prst="ellipse">
+            <a:avLst/>
+          </a:prstGeom>
+          <a:gradFill flip="none" rotWithShape="1">
+            <a:gsLst>
+              <a:gs pos="0">
+                <a:schemeClr val="accent3">
+                  <a:lumMod val="40000"/>
+                  <a:lumOff val="60000"/>
+                </a:schemeClr>
+              </a:gs>
+              <a:gs pos="46000">
+                <a:schemeClr val="accent3">
+                  <a:lumMod val="95000"/>
+                  <a:lumOff val="5000"/>
+                </a:schemeClr>
+              </a:gs>
+              <a:gs pos="100000">
+                <a:schemeClr val="accent3">
+                  <a:lumMod val="60000"/>
+                </a:schemeClr>
+              </a:gs>
+            </a:gsLst>
+            <a:path path="circle">
+              <a:fillToRect l="50000" t="130000" r="50000" b="-30000"/>
+            </a:path>
+            <a:tileRect/>
+          </a:gradFill>
+          <a:ln w="28575">
+            <a:solidFill>
+              <a:schemeClr val="tx1"/>
+            </a:solidFill>
+          </a:ln>
+        </p:spPr>
+        <p:style>
+          <a:lnRef idx="2">
+            <a:schemeClr val="accent1">
+              <a:shade val="50000"/>
+            </a:schemeClr>
+          </a:lnRef>
+          <a:fillRef idx="1">
+            <a:schemeClr val="accent1"/>
+          </a:fillRef>
+          <a:effectRef idx="0">
+            <a:schemeClr val="accent1"/>
+          </a:effectRef>
+          <a:fontRef idx="minor">
+            <a:schemeClr val="lt1"/>
+          </a:fontRef>
+        </p:style>
+        <p:txBody>
+          <a:bodyPr rtlCol="0" anchor="ctr"/>
+          <a:lstStyle/>
+          <a:p>
+            <a:pPr algn="ctr"/>
+            <a:endParaRPr lang="en-US"/>
+          </a:p>
+        </p:txBody>
+      </p:sp>
+      <p:cxnSp>
+        <p:nvCxnSpPr>
+          <p:cNvPr id="41" name="Straight Arrow Connector 40">
+            <a:extLst>
+              <a:ext uri="{FF2B5EF4-FFF2-40B4-BE49-F238E27FC236}">
+                <a16:creationId xmlns:a16="http://schemas.microsoft.com/office/drawing/2014/main" id="{E4092D9F-EA54-4AE4-8206-01CB1D92DD78}"/>
+              </a:ext>
+            </a:extLst>
+          </p:cNvPr>
+          <p:cNvCxnSpPr>
+            <a:cxnSpLocks/>
+            <a:endCxn id="39" idx="6"/>
+          </p:cNvCxnSpPr>
+          <p:nvPr/>
+        </p:nvCxnSpPr>
+        <p:spPr>
+          <a:xfrm>
+            <a:off x="911796" y="1111688"/>
+            <a:ext cx="2129996" cy="0"/>
+          </a:xfrm>
+          <a:prstGeom prst="straightConnector1">
+            <a:avLst/>
+          </a:prstGeom>
+          <a:ln w="34925">
+            <a:solidFill>
+              <a:schemeClr val="tx1"/>
+            </a:solidFill>
+            <a:prstDash val="solid"/>
+            <a:headEnd type="none" w="lg" len="lg"/>
+            <a:tailEnd type="none" w="lg" len="lg"/>
+          </a:ln>
+        </p:spPr>
+        <p:style>
+          <a:lnRef idx="1">
+            <a:schemeClr val="accent1"/>
+          </a:lnRef>
+          <a:fillRef idx="0">
+            <a:schemeClr val="accent1"/>
+          </a:fillRef>
+          <a:effectRef idx="0">
+            <a:schemeClr val="accent1"/>
+          </a:effectRef>
+          <a:fontRef idx="minor">
+            <a:schemeClr val="tx1"/>
+          </a:fontRef>
+        </p:style>
+      </p:cxnSp>
+      <p:cxnSp>
+        <p:nvCxnSpPr>
+          <p:cNvPr id="43" name="Straight Arrow Connector 42">
+            <a:extLst>
+              <a:ext uri="{FF2B5EF4-FFF2-40B4-BE49-F238E27FC236}">
+                <a16:creationId xmlns:a16="http://schemas.microsoft.com/office/drawing/2014/main" id="{ADF885FA-5C7D-4918-997C-6A3B190D241B}"/>
+              </a:ext>
+            </a:extLst>
+          </p:cNvPr>
+          <p:cNvCxnSpPr>
+            <a:cxnSpLocks/>
+          </p:cNvCxnSpPr>
+          <p:nvPr/>
+        </p:nvCxnSpPr>
+        <p:spPr>
+          <a:xfrm>
+            <a:off x="1829310" y="1114422"/>
+            <a:ext cx="598736" cy="0"/>
+          </a:xfrm>
+          <a:prstGeom prst="straightConnector1">
+            <a:avLst/>
+          </a:prstGeom>
+          <a:ln w="47625">
+            <a:solidFill>
+              <a:schemeClr val="tx1"/>
+            </a:solidFill>
+            <a:headEnd type="none" w="lg" len="lg"/>
+            <a:tailEnd type="stealth" w="med" len="lg"/>
+          </a:ln>
+        </p:spPr>
+        <p:style>
+          <a:lnRef idx="1">
+            <a:schemeClr val="accent1"/>
+          </a:lnRef>
+          <a:fillRef idx="0">
+            <a:schemeClr val="accent1"/>
+          </a:fillRef>
+          <a:effectRef idx="0">
+            <a:schemeClr val="accent1"/>
+          </a:effectRef>
+          <a:fontRef idx="minor">
+            <a:schemeClr val="tx1"/>
+          </a:fontRef>
+        </p:style>
+      </p:cxnSp>
+      <p:cxnSp>
+        <p:nvCxnSpPr>
+          <p:cNvPr id="44" name="Straight Arrow Connector 43">
+            <a:extLst>
+              <a:ext uri="{FF2B5EF4-FFF2-40B4-BE49-F238E27FC236}">
+                <a16:creationId xmlns:a16="http://schemas.microsoft.com/office/drawing/2014/main" id="{42A3A243-1C66-4B4A-B2D1-AFC1462D0D42}"/>
+              </a:ext>
+            </a:extLst>
+          </p:cNvPr>
+          <p:cNvCxnSpPr>
+            <a:cxnSpLocks/>
+          </p:cNvCxnSpPr>
+          <p:nvPr/>
+        </p:nvCxnSpPr>
+        <p:spPr>
+          <a:xfrm flipH="1">
+            <a:off x="2552546" y="1111688"/>
+            <a:ext cx="489246" cy="0"/>
+          </a:xfrm>
+          <a:prstGeom prst="straightConnector1">
+            <a:avLst/>
+          </a:prstGeom>
+          <a:ln w="47625">
+            <a:solidFill>
+              <a:schemeClr val="tx1"/>
+            </a:solidFill>
+            <a:headEnd type="none" w="lg" len="lg"/>
+            <a:tailEnd type="stealth" w="med" len="lg"/>
+          </a:ln>
+        </p:spPr>
+        <p:style>
+          <a:lnRef idx="1">
+            <a:schemeClr val="accent1"/>
+          </a:lnRef>
+          <a:fillRef idx="0">
+            <a:schemeClr val="accent1"/>
+          </a:fillRef>
+          <a:effectRef idx="0">
+            <a:schemeClr val="accent1"/>
+          </a:effectRef>
+          <a:fontRef idx="minor">
+            <a:schemeClr val="tx1"/>
+          </a:fontRef>
+        </p:style>
+      </p:cxnSp>
+      <p:cxnSp>
+        <p:nvCxnSpPr>
+          <p:cNvPr id="45" name="Straight Arrow Connector 44">
+            <a:extLst>
+              <a:ext uri="{FF2B5EF4-FFF2-40B4-BE49-F238E27FC236}">
+                <a16:creationId xmlns:a16="http://schemas.microsoft.com/office/drawing/2014/main" id="{F6923DF1-B9BE-4920-BFC6-A5FB5F4EB430}"/>
+              </a:ext>
+            </a:extLst>
+          </p:cNvPr>
+          <p:cNvCxnSpPr>
+            <a:cxnSpLocks/>
+          </p:cNvCxnSpPr>
+          <p:nvPr/>
+        </p:nvCxnSpPr>
+        <p:spPr>
+          <a:xfrm flipH="1">
+            <a:off x="2607410" y="1257992"/>
+            <a:ext cx="489246" cy="0"/>
+          </a:xfrm>
+          <a:prstGeom prst="straightConnector1">
+            <a:avLst/>
+          </a:prstGeom>
+          <a:ln w="47625">
+            <a:solidFill>
+              <a:schemeClr val="tx1"/>
+            </a:solidFill>
+            <a:headEnd type="none" w="lg" len="lg"/>
+            <a:tailEnd type="stealth" w="sm" len="lg"/>
+          </a:ln>
+        </p:spPr>
+        <p:style>
+          <a:lnRef idx="1">
+            <a:schemeClr val="accent1"/>
+          </a:lnRef>
+          <a:fillRef idx="0">
+            <a:schemeClr val="accent1"/>
+          </a:fillRef>
+          <a:effectRef idx="0">
+            <a:schemeClr val="accent1"/>
+          </a:effectRef>
+          <a:fontRef idx="minor">
+            <a:schemeClr val="tx1"/>
+          </a:fontRef>
+        </p:style>
+      </p:cxnSp>
+      <p:cxnSp>
+        <p:nvCxnSpPr>
+          <p:cNvPr id="46" name="Straight Arrow Connector 45">
+            <a:extLst>
+              <a:ext uri="{FF2B5EF4-FFF2-40B4-BE49-F238E27FC236}">
+                <a16:creationId xmlns:a16="http://schemas.microsoft.com/office/drawing/2014/main" id="{C0EB24B9-F8E5-4071-BCC3-82063BC62296}"/>
+              </a:ext>
+            </a:extLst>
+          </p:cNvPr>
+          <p:cNvCxnSpPr>
+            <a:cxnSpLocks/>
+          </p:cNvCxnSpPr>
+          <p:nvPr/>
+        </p:nvCxnSpPr>
+        <p:spPr>
+          <a:xfrm flipV="1">
+            <a:off x="3388873" y="176734"/>
+            <a:ext cx="0" cy="587873"/>
+          </a:xfrm>
+          <a:prstGeom prst="straightConnector1">
+            <a:avLst/>
+          </a:prstGeom>
+          <a:ln w="47625">
+            <a:solidFill>
+              <a:schemeClr val="tx1"/>
+            </a:solidFill>
+            <a:headEnd type="none" w="lg" len="lg"/>
+            <a:tailEnd type="stealth" w="sm" len="lg"/>
+          </a:ln>
+        </p:spPr>
+        <p:style>
+          <a:lnRef idx="1">
+            <a:schemeClr val="accent1"/>
+          </a:lnRef>
+          <a:fillRef idx="0">
+            <a:schemeClr val="accent1"/>
+          </a:fillRef>
+          <a:effectRef idx="0">
+            <a:schemeClr val="accent1"/>
+          </a:effectRef>
+          <a:fontRef idx="minor">
+            <a:schemeClr val="tx1"/>
+          </a:fontRef>
+        </p:style>
+      </p:cxnSp>
+      <mc:AlternateContent xmlns:mc="http://schemas.openxmlformats.org/markup-compatibility/2006" xmlns:a14="http://schemas.microsoft.com/office/drawing/2010/main">
+        <mc:Choice Requires="a14">
+          <p:sp>
+            <p:nvSpPr>
+              <p:cNvPr id="47" name="TextBox 46">
+                <a:extLst>
+                  <a:ext uri="{FF2B5EF4-FFF2-40B4-BE49-F238E27FC236}">
+                    <a16:creationId xmlns:a16="http://schemas.microsoft.com/office/drawing/2014/main" id="{94AF8F9B-BEE4-4770-BA8C-224EB8BEF73B}"/>
+                  </a:ext>
+                </a:extLst>
+              </p:cNvPr>
+              <p:cNvSpPr txBox="1"/>
+              <p:nvPr/>
+            </p:nvSpPr>
+            <p:spPr>
+              <a:xfrm>
+                <a:off x="816742" y="1141294"/>
+                <a:ext cx="1134368" cy="542456"/>
+              </a:xfrm>
+              <a:prstGeom prst="rect">
+                <a:avLst/>
+              </a:prstGeom>
+              <a:noFill/>
+            </p:spPr>
+            <p:txBody>
+              <a:bodyPr wrap="square" lIns="0" tIns="0" rIns="0" bIns="0" rtlCol="0">
+                <a:spAutoFit/>
+              </a:bodyPr>
+              <a:lstStyle/>
+              <a:p>
+                <a:pPr/>
+                <a14:m>
+                  <m:oMathPara xmlns:m="http://schemas.openxmlformats.org/officeDocument/2006/math">
+                    <m:oMathParaPr>
+                      <m:jc m:val="centerGroup"/>
+                    </m:oMathParaPr>
+                    <m:oMath xmlns:m="http://schemas.openxmlformats.org/officeDocument/2006/math">
+                      <m:f>
+                        <m:fPr>
+                          <m:ctrlPr>
+                            <a:rPr lang="en-US" b="0" i="1" smtClean="0">
+                              <a:solidFill>
+                                <a:schemeClr val="tx1"/>
+                              </a:solidFill>
+                              <a:latin typeface="Cambria Math" panose="02040503050406030204" pitchFamily="18" charset="0"/>
+                              <a:ea typeface="Cambria Math" panose="02040503050406030204" pitchFamily="18" charset="0"/>
+                            </a:rPr>
+                          </m:ctrlPr>
+                        </m:fPr>
+                        <m:num>
+                          <m:r>
+                            <a:rPr lang="en-US" b="0" i="1" smtClean="0">
+                              <a:solidFill>
+                                <a:schemeClr val="tx1"/>
+                              </a:solidFill>
+                              <a:latin typeface="Cambria Math" panose="02040503050406030204" pitchFamily="18" charset="0"/>
+                              <a:ea typeface="Cambria Math" panose="02040503050406030204" pitchFamily="18" charset="0"/>
+                            </a:rPr>
+                            <m:t>𝑙</m:t>
+                          </m:r>
+                        </m:num>
+                        <m:den>
+                          <m:r>
+                            <a:rPr lang="en-US" b="0" i="1" smtClean="0">
+                              <a:solidFill>
+                                <a:schemeClr val="tx1"/>
+                              </a:solidFill>
+                              <a:latin typeface="Cambria Math" panose="02040503050406030204" pitchFamily="18" charset="0"/>
+                              <a:ea typeface="Cambria Math" panose="02040503050406030204" pitchFamily="18" charset="0"/>
+                            </a:rPr>
+                            <m:t>2</m:t>
+                          </m:r>
+                        </m:den>
+                      </m:f>
+                    </m:oMath>
+                  </m:oMathPara>
+                </a14:m>
+                <a:endParaRPr lang="en-US" sz="2400" dirty="0">
+                  <a:solidFill>
+                    <a:schemeClr val="tx1"/>
+                  </a:solidFill>
+                </a:endParaRPr>
+              </a:p>
+            </p:txBody>
+          </p:sp>
+        </mc:Choice>
+        <mc:Fallback xmlns="">
+          <p:sp>
+            <p:nvSpPr>
+              <p:cNvPr id="47" name="TextBox 46">
+                <a:extLst>
+                  <a:ext uri="{FF2B5EF4-FFF2-40B4-BE49-F238E27FC236}">
+                    <a16:creationId xmlns:a16="http://schemas.microsoft.com/office/drawing/2014/main" id="{94AF8F9B-BEE4-4770-BA8C-224EB8BEF73B}"/>
+                  </a:ext>
+                </a:extLst>
+              </p:cNvPr>
+              <p:cNvSpPr txBox="1">
+                <a:spLocks noRot="1" noChangeAspect="1" noMove="1" noResize="1" noEditPoints="1" noAdjustHandles="1" noChangeArrowheads="1" noChangeShapeType="1" noTextEdit="1"/>
+              </p:cNvSpPr>
+              <p:nvPr/>
+            </p:nvSpPr>
+            <p:spPr>
+              <a:xfrm>
+                <a:off x="816742" y="1141294"/>
+                <a:ext cx="1134368" cy="542456"/>
+              </a:xfrm>
+              <a:prstGeom prst="rect">
+                <a:avLst/>
+              </a:prstGeom>
+              <a:blipFill>
+                <a:blip r:embed="rId16"/>
+                <a:stretch>
+                  <a:fillRect/>
+                </a:stretch>
+              </a:blipFill>
+            </p:spPr>
+            <p:txBody>
+              <a:bodyPr/>
+              <a:lstStyle/>
+              <a:p>
+                <a:r>
+                  <a:rPr lang="en-US">
+                    <a:noFill/>
+                  </a:rPr>
+                  <a:t> </a:t>
+                </a:r>
+              </a:p>
+            </p:txBody>
+          </p:sp>
+        </mc:Fallback>
+      </mc:AlternateContent>
+      <mc:AlternateContent xmlns:mc="http://schemas.openxmlformats.org/markup-compatibility/2006" xmlns:a14="http://schemas.microsoft.com/office/drawing/2010/main">
+        <mc:Choice Requires="a14">
+          <p:sp>
+            <p:nvSpPr>
+              <p:cNvPr id="48" name="TextBox 47">
+                <a:extLst>
+                  <a:ext uri="{FF2B5EF4-FFF2-40B4-BE49-F238E27FC236}">
+                    <a16:creationId xmlns:a16="http://schemas.microsoft.com/office/drawing/2014/main" id="{F03BD56A-9A45-4EBB-B6C8-D8CE448EFF2A}"/>
+                  </a:ext>
+                </a:extLst>
+              </p:cNvPr>
+              <p:cNvSpPr txBox="1"/>
+              <p:nvPr/>
+            </p:nvSpPr>
+            <p:spPr>
+              <a:xfrm>
+                <a:off x="1953587" y="718944"/>
+                <a:ext cx="267958" cy="310598"/>
+              </a:xfrm>
+              <a:prstGeom prst="rect">
+                <a:avLst/>
+              </a:prstGeom>
+              <a:noFill/>
+            </p:spPr>
+            <p:txBody>
+              <a:bodyPr wrap="none" lIns="0" tIns="0" rIns="0" bIns="0" rtlCol="0">
+                <a:spAutoFit/>
+              </a:bodyPr>
+              <a:lstStyle/>
+              <a:p>
+                <a:pPr/>
+                <a14:m>
+                  <m:oMathPara xmlns:m="http://schemas.openxmlformats.org/officeDocument/2006/math">
+                    <m:oMathParaPr>
+                      <m:jc m:val="centerGroup"/>
+                    </m:oMathParaPr>
+                    <m:oMath xmlns:m="http://schemas.openxmlformats.org/officeDocument/2006/math">
+                      <m:acc>
+                        <m:accPr>
+                          <m:chr m:val="⃗"/>
+                          <m:ctrlPr>
+                            <a:rPr lang="en-US" i="1" smtClean="0">
+                              <a:latin typeface="Cambria Math" panose="02040503050406030204" pitchFamily="18" charset="0"/>
+                            </a:rPr>
+                          </m:ctrlPr>
+                        </m:accPr>
+                        <m:e>
+                          <m:sSub>
+                            <m:sSubPr>
+                              <m:ctrlPr>
+                                <a:rPr lang="en-US" i="1">
+                                  <a:latin typeface="Cambria Math" panose="02040503050406030204" pitchFamily="18" charset="0"/>
+                                </a:rPr>
+                              </m:ctrlPr>
+                            </m:sSubPr>
+                            <m:e>
+                              <m:r>
+                                <a:rPr lang="en-US" b="0" i="1" smtClean="0">
+                                  <a:latin typeface="Cambria Math" panose="02040503050406030204" pitchFamily="18" charset="0"/>
+                                </a:rPr>
+                                <m:t>𝑇</m:t>
+                              </m:r>
+                            </m:e>
+                            <m:sub>
+                              <m:r>
+                                <a:rPr lang="en-US" b="0" i="1" smtClean="0">
+                                  <a:latin typeface="Cambria Math" panose="02040503050406030204" pitchFamily="18" charset="0"/>
+                                </a:rPr>
+                                <m:t>1</m:t>
+                              </m:r>
+                            </m:sub>
+                          </m:sSub>
+                        </m:e>
+                      </m:acc>
+                    </m:oMath>
+                  </m:oMathPara>
+                </a14:m>
+                <a:endParaRPr lang="en-US" sz="2000" dirty="0"/>
+              </a:p>
+            </p:txBody>
+          </p:sp>
+        </mc:Choice>
+        <mc:Fallback xmlns="">
+          <p:sp>
+            <p:nvSpPr>
+              <p:cNvPr id="48" name="TextBox 47">
+                <a:extLst>
+                  <a:ext uri="{FF2B5EF4-FFF2-40B4-BE49-F238E27FC236}">
+                    <a16:creationId xmlns:a16="http://schemas.microsoft.com/office/drawing/2014/main" id="{F03BD56A-9A45-4EBB-B6C8-D8CE448EFF2A}"/>
+                  </a:ext>
+                </a:extLst>
+              </p:cNvPr>
+              <p:cNvSpPr txBox="1">
+                <a:spLocks noRot="1" noChangeAspect="1" noMove="1" noResize="1" noEditPoints="1" noAdjustHandles="1" noChangeArrowheads="1" noChangeShapeType="1" noTextEdit="1"/>
+              </p:cNvSpPr>
+              <p:nvPr/>
+            </p:nvSpPr>
+            <p:spPr>
+              <a:xfrm>
+                <a:off x="1953587" y="718944"/>
+                <a:ext cx="267958" cy="310598"/>
+              </a:xfrm>
+              <a:prstGeom prst="rect">
+                <a:avLst/>
+              </a:prstGeom>
+              <a:blipFill>
+                <a:blip r:embed="rId17"/>
+                <a:stretch>
+                  <a:fillRect l="-20455" r="-9091" b="-13725"/>
+                </a:stretch>
+              </a:blipFill>
+            </p:spPr>
+            <p:txBody>
+              <a:bodyPr/>
+              <a:lstStyle/>
+              <a:p>
+                <a:r>
+                  <a:rPr lang="en-US">
+                    <a:noFill/>
+                  </a:rPr>
+                  <a:t> </a:t>
+                </a:r>
+              </a:p>
+            </p:txBody>
+          </p:sp>
+        </mc:Fallback>
+      </mc:AlternateContent>
+      <mc:AlternateContent xmlns:mc="http://schemas.openxmlformats.org/markup-compatibility/2006" xmlns:a14="http://schemas.microsoft.com/office/drawing/2010/main">
+        <mc:Choice Requires="a14">
+          <p:sp>
+            <p:nvSpPr>
+              <p:cNvPr id="49" name="TextBox 48">
+                <a:extLst>
+                  <a:ext uri="{FF2B5EF4-FFF2-40B4-BE49-F238E27FC236}">
+                    <a16:creationId xmlns:a16="http://schemas.microsoft.com/office/drawing/2014/main" id="{9215DF1C-A1C3-465D-AEC8-B40C122E7ABE}"/>
+                  </a:ext>
+                </a:extLst>
+              </p:cNvPr>
+              <p:cNvSpPr txBox="1"/>
+              <p:nvPr/>
+            </p:nvSpPr>
+            <p:spPr>
+              <a:xfrm>
+                <a:off x="2708509" y="755613"/>
+                <a:ext cx="273280" cy="310598"/>
+              </a:xfrm>
+              <a:prstGeom prst="rect">
+                <a:avLst/>
+              </a:prstGeom>
+              <a:noFill/>
+            </p:spPr>
+            <p:txBody>
+              <a:bodyPr wrap="none" lIns="0" tIns="0" rIns="0" bIns="0" rtlCol="0">
+                <a:spAutoFit/>
+              </a:bodyPr>
+              <a:lstStyle/>
+              <a:p>
+                <a:pPr/>
+                <a14:m>
+                  <m:oMathPara xmlns:m="http://schemas.openxmlformats.org/officeDocument/2006/math">
+                    <m:oMathParaPr>
+                      <m:jc m:val="centerGroup"/>
+                    </m:oMathParaPr>
+                    <m:oMath xmlns:m="http://schemas.openxmlformats.org/officeDocument/2006/math">
+                      <m:acc>
+                        <m:accPr>
+                          <m:chr m:val="⃗"/>
+                          <m:ctrlPr>
+                            <a:rPr lang="en-US" i="1" smtClean="0">
+                              <a:latin typeface="Cambria Math" panose="02040503050406030204" pitchFamily="18" charset="0"/>
+                            </a:rPr>
+                          </m:ctrlPr>
+                        </m:accPr>
+                        <m:e>
+                          <m:sSub>
+                            <m:sSubPr>
+                              <m:ctrlPr>
+                                <a:rPr lang="en-US" i="1">
+                                  <a:latin typeface="Cambria Math" panose="02040503050406030204" pitchFamily="18" charset="0"/>
+                                </a:rPr>
+                              </m:ctrlPr>
+                            </m:sSubPr>
+                            <m:e>
+                              <m:r>
+                                <a:rPr lang="en-US" b="0" i="1" smtClean="0">
+                                  <a:latin typeface="Cambria Math" panose="02040503050406030204" pitchFamily="18" charset="0"/>
+                                </a:rPr>
+                                <m:t>𝑇</m:t>
+                              </m:r>
+                            </m:e>
+                            <m:sub>
+                              <m:r>
+                                <a:rPr lang="en-US" b="0" i="1" smtClean="0">
+                                  <a:latin typeface="Cambria Math" panose="02040503050406030204" pitchFamily="18" charset="0"/>
+                                </a:rPr>
+                                <m:t>2</m:t>
+                              </m:r>
+                            </m:sub>
+                          </m:sSub>
+                        </m:e>
+                      </m:acc>
+                    </m:oMath>
+                  </m:oMathPara>
+                </a14:m>
+                <a:endParaRPr lang="en-US" sz="2000" dirty="0"/>
+              </a:p>
+            </p:txBody>
+          </p:sp>
+        </mc:Choice>
+        <mc:Fallback xmlns="">
+          <p:sp>
+            <p:nvSpPr>
+              <p:cNvPr id="49" name="TextBox 48">
+                <a:extLst>
+                  <a:ext uri="{FF2B5EF4-FFF2-40B4-BE49-F238E27FC236}">
+                    <a16:creationId xmlns:a16="http://schemas.microsoft.com/office/drawing/2014/main" id="{9215DF1C-A1C3-465D-AEC8-B40C122E7ABE}"/>
+                  </a:ext>
+                </a:extLst>
+              </p:cNvPr>
+              <p:cNvSpPr txBox="1">
+                <a:spLocks noRot="1" noChangeAspect="1" noMove="1" noResize="1" noEditPoints="1" noAdjustHandles="1" noChangeArrowheads="1" noChangeShapeType="1" noTextEdit="1"/>
+              </p:cNvSpPr>
+              <p:nvPr/>
+            </p:nvSpPr>
+            <p:spPr>
+              <a:xfrm>
+                <a:off x="2708509" y="755613"/>
+                <a:ext cx="273280" cy="310598"/>
+              </a:xfrm>
+              <a:prstGeom prst="rect">
+                <a:avLst/>
+              </a:prstGeom>
+              <a:blipFill>
+                <a:blip r:embed="rId18"/>
+                <a:stretch>
+                  <a:fillRect l="-20000" r="-8889" b="-13725"/>
+                </a:stretch>
+              </a:blipFill>
+            </p:spPr>
+            <p:txBody>
+              <a:bodyPr/>
+              <a:lstStyle/>
+              <a:p>
+                <a:r>
+                  <a:rPr lang="en-US">
+                    <a:noFill/>
+                  </a:rPr>
+                  <a:t> </a:t>
+                </a:r>
+              </a:p>
+            </p:txBody>
+          </p:sp>
+        </mc:Fallback>
+      </mc:AlternateContent>
+      <mc:AlternateContent xmlns:mc="http://schemas.openxmlformats.org/markup-compatibility/2006" xmlns:a14="http://schemas.microsoft.com/office/drawing/2010/main">
+        <mc:Choice Requires="a14">
+          <p:sp>
+            <p:nvSpPr>
+              <p:cNvPr id="53" name="TextBox 52">
+                <a:extLst>
+                  <a:ext uri="{FF2B5EF4-FFF2-40B4-BE49-F238E27FC236}">
+                    <a16:creationId xmlns:a16="http://schemas.microsoft.com/office/drawing/2014/main" id="{1C1AA945-945B-4E3C-9687-A0BB68050987}"/>
+                  </a:ext>
+                </a:extLst>
+              </p:cNvPr>
+              <p:cNvSpPr txBox="1"/>
+              <p:nvPr/>
+            </p:nvSpPr>
+            <p:spPr>
+              <a:xfrm>
+                <a:off x="2841266" y="1280577"/>
+                <a:ext cx="256993" cy="246221"/>
+              </a:xfrm>
+              <a:prstGeom prst="rect">
+                <a:avLst/>
+              </a:prstGeom>
+              <a:noFill/>
+            </p:spPr>
+            <p:txBody>
+              <a:bodyPr wrap="none" lIns="0" tIns="0" rIns="0" bIns="0" rtlCol="0">
+                <a:spAutoFit/>
+              </a:bodyPr>
+              <a:lstStyle/>
+              <a:p>
+                <a:pPr/>
+                <a14:m>
+                  <m:oMathPara xmlns:m="http://schemas.openxmlformats.org/officeDocument/2006/math">
+                    <m:oMathParaPr>
+                      <m:jc m:val="centerGroup"/>
+                    </m:oMathParaPr>
+                    <m:oMath xmlns:m="http://schemas.openxmlformats.org/officeDocument/2006/math">
+                      <m:acc>
+                        <m:accPr>
+                          <m:chr m:val="⃗"/>
+                          <m:ctrlPr>
+                            <a:rPr lang="en-US" sz="1600" i="1" smtClean="0">
+                              <a:latin typeface="Cambria Math" panose="02040503050406030204" pitchFamily="18" charset="0"/>
+                            </a:rPr>
+                          </m:ctrlPr>
+                        </m:accPr>
+                        <m:e>
+                          <m:sSub>
+                            <m:sSubPr>
+                              <m:ctrlPr>
+                                <a:rPr lang="en-US" sz="1600" i="1">
+                                  <a:latin typeface="Cambria Math" panose="02040503050406030204" pitchFamily="18" charset="0"/>
+                                </a:rPr>
+                              </m:ctrlPr>
+                            </m:sSubPr>
+                            <m:e>
+                              <m:r>
+                                <a:rPr lang="en-US" sz="1600" b="0" i="1" smtClean="0">
+                                  <a:latin typeface="Cambria Math" panose="02040503050406030204" pitchFamily="18" charset="0"/>
+                                </a:rPr>
+                                <m:t>𝑎</m:t>
+                              </m:r>
+                            </m:e>
+                            <m:sub>
+                              <m:r>
+                                <a:rPr lang="ru-RU" sz="1600" b="0" i="1" smtClean="0">
+                                  <a:latin typeface="Cambria Math" panose="02040503050406030204" pitchFamily="18" charset="0"/>
+                                </a:rPr>
+                                <m:t>н</m:t>
+                              </m:r>
+                            </m:sub>
+                          </m:sSub>
+                        </m:e>
+                      </m:acc>
+                    </m:oMath>
+                  </m:oMathPara>
+                </a14:m>
+                <a:endParaRPr lang="en-US" dirty="0"/>
+              </a:p>
+            </p:txBody>
+          </p:sp>
+        </mc:Choice>
+        <mc:Fallback xmlns="">
+          <p:sp>
+            <p:nvSpPr>
+              <p:cNvPr id="53" name="TextBox 52">
+                <a:extLst>
+                  <a:ext uri="{FF2B5EF4-FFF2-40B4-BE49-F238E27FC236}">
+                    <a16:creationId xmlns:a16="http://schemas.microsoft.com/office/drawing/2014/main" id="{1C1AA945-945B-4E3C-9687-A0BB68050987}"/>
+                  </a:ext>
+                </a:extLst>
+              </p:cNvPr>
+              <p:cNvSpPr txBox="1">
+                <a:spLocks noRot="1" noChangeAspect="1" noMove="1" noResize="1" noEditPoints="1" noAdjustHandles="1" noChangeArrowheads="1" noChangeShapeType="1" noTextEdit="1"/>
+              </p:cNvSpPr>
+              <p:nvPr/>
+            </p:nvSpPr>
+            <p:spPr>
+              <a:xfrm>
+                <a:off x="2841266" y="1280577"/>
+                <a:ext cx="256993" cy="246221"/>
+              </a:xfrm>
+              <a:prstGeom prst="rect">
+                <a:avLst/>
+              </a:prstGeom>
+              <a:blipFill>
+                <a:blip r:embed="rId19"/>
+                <a:stretch>
+                  <a:fillRect l="-9524" b="-10000"/>
+                </a:stretch>
+              </a:blipFill>
+            </p:spPr>
+            <p:txBody>
+              <a:bodyPr/>
+              <a:lstStyle/>
+              <a:p>
+                <a:r>
+                  <a:rPr lang="en-US">
+                    <a:noFill/>
+                  </a:rPr>
+                  <a:t> </a:t>
+                </a:r>
+              </a:p>
+            </p:txBody>
+          </p:sp>
+        </mc:Fallback>
+      </mc:AlternateContent>
+      <mc:AlternateContent xmlns:mc="http://schemas.openxmlformats.org/markup-compatibility/2006" xmlns:a14="http://schemas.microsoft.com/office/drawing/2010/main">
+        <mc:Choice Requires="a14">
+          <p:sp>
+            <p:nvSpPr>
+              <p:cNvPr id="61" name="TextBox 60">
+                <a:extLst>
+                  <a:ext uri="{FF2B5EF4-FFF2-40B4-BE49-F238E27FC236}">
+                    <a16:creationId xmlns:a16="http://schemas.microsoft.com/office/drawing/2014/main" id="{E6580DE0-A141-41C4-A9C8-751A2BB3F054}"/>
+                  </a:ext>
+                </a:extLst>
+              </p:cNvPr>
+              <p:cNvSpPr txBox="1"/>
+              <p:nvPr/>
+            </p:nvSpPr>
+            <p:spPr>
+              <a:xfrm>
+                <a:off x="3433241" y="110694"/>
+                <a:ext cx="184666" cy="276999"/>
+              </a:xfrm>
+              <a:prstGeom prst="rect">
+                <a:avLst/>
+              </a:prstGeom>
+              <a:noFill/>
+            </p:spPr>
+            <p:txBody>
+              <a:bodyPr wrap="none" lIns="0" tIns="0" rIns="0" bIns="0" rtlCol="0">
+                <a:spAutoFit/>
+              </a:bodyPr>
+              <a:lstStyle/>
+              <a:p>
+                <a:pPr/>
+                <a14:m>
+                  <m:oMathPara xmlns:m="http://schemas.openxmlformats.org/officeDocument/2006/math">
+                    <m:oMathParaPr>
+                      <m:jc m:val="centerGroup"/>
+                    </m:oMathParaPr>
+                    <m:oMath xmlns:m="http://schemas.openxmlformats.org/officeDocument/2006/math">
+                      <m:acc>
+                        <m:accPr>
+                          <m:chr m:val="⃗"/>
+                          <m:ctrlPr>
+                            <a:rPr lang="en-US" i="1" smtClean="0">
+                              <a:latin typeface="Cambria Math" panose="02040503050406030204" pitchFamily="18" charset="0"/>
+                            </a:rPr>
+                          </m:ctrlPr>
+                        </m:accPr>
+                        <m:e>
+                          <m:r>
+                            <a:rPr lang="en-US" b="0" i="1" smtClean="0">
+                              <a:latin typeface="Cambria Math" panose="02040503050406030204" pitchFamily="18" charset="0"/>
+                            </a:rPr>
+                            <m:t>𝑣</m:t>
+                          </m:r>
+                        </m:e>
+                      </m:acc>
+                    </m:oMath>
+                  </m:oMathPara>
+                </a14:m>
+                <a:endParaRPr lang="en-US" sz="2000" dirty="0"/>
+              </a:p>
+            </p:txBody>
+          </p:sp>
+        </mc:Choice>
+        <mc:Fallback xmlns="">
+          <p:sp>
+            <p:nvSpPr>
+              <p:cNvPr id="61" name="TextBox 60">
+                <a:extLst>
+                  <a:ext uri="{FF2B5EF4-FFF2-40B4-BE49-F238E27FC236}">
+                    <a16:creationId xmlns:a16="http://schemas.microsoft.com/office/drawing/2014/main" id="{E6580DE0-A141-41C4-A9C8-751A2BB3F054}"/>
+                  </a:ext>
+                </a:extLst>
+              </p:cNvPr>
+              <p:cNvSpPr txBox="1">
+                <a:spLocks noRot="1" noChangeAspect="1" noMove="1" noResize="1" noEditPoints="1" noAdjustHandles="1" noChangeArrowheads="1" noChangeShapeType="1" noTextEdit="1"/>
+              </p:cNvSpPr>
+              <p:nvPr/>
+            </p:nvSpPr>
+            <p:spPr>
+              <a:xfrm>
+                <a:off x="3433241" y="110694"/>
+                <a:ext cx="184666" cy="276999"/>
+              </a:xfrm>
+              <a:prstGeom prst="rect">
+                <a:avLst/>
+              </a:prstGeom>
+              <a:blipFill>
+                <a:blip r:embed="rId20"/>
+                <a:stretch>
+                  <a:fillRect l="-30000" t="-45652" r="-106667" b="-8696"/>
+                </a:stretch>
+              </a:blipFill>
+            </p:spPr>
+            <p:txBody>
+              <a:bodyPr/>
+              <a:lstStyle/>
+              <a:p>
+                <a:r>
+                  <a:rPr lang="en-US">
+                    <a:noFill/>
+                  </a:rPr>
+                  <a:t> </a:t>
+                </a:r>
+              </a:p>
+            </p:txBody>
+          </p:sp>
+        </mc:Fallback>
+      </mc:AlternateContent>
+      <p:sp>
+        <p:nvSpPr>
+          <p:cNvPr id="62" name="Oval 61">
+            <a:extLst>
+              <a:ext uri="{FF2B5EF4-FFF2-40B4-BE49-F238E27FC236}">
+                <a16:creationId xmlns:a16="http://schemas.microsoft.com/office/drawing/2014/main" id="{22E89D28-8979-4EDF-9DBE-DD538749F385}"/>
+              </a:ext>
+            </a:extLst>
+          </p:cNvPr>
+          <p:cNvSpPr/>
+          <p:nvPr/>
+        </p:nvSpPr>
+        <p:spPr>
+          <a:xfrm flipH="1">
+            <a:off x="1790798" y="1087980"/>
+            <a:ext cx="77023" cy="77023"/>
+          </a:xfrm>
+          <a:prstGeom prst="ellipse">
+            <a:avLst/>
+          </a:prstGeom>
+          <a:solidFill>
+            <a:schemeClr val="tx1"/>
+          </a:solidFill>
+          <a:ln w="28575">
+            <a:solidFill>
+              <a:schemeClr val="tx1"/>
+            </a:solidFill>
+          </a:ln>
+        </p:spPr>
+        <p:style>
+          <a:lnRef idx="2">
+            <a:schemeClr val="accent1">
+              <a:shade val="50000"/>
+            </a:schemeClr>
+          </a:lnRef>
+          <a:fillRef idx="1">
+            <a:schemeClr val="accent1"/>
+          </a:fillRef>
+          <a:effectRef idx="0">
+            <a:schemeClr val="accent1"/>
+          </a:effectRef>
+          <a:fontRef idx="minor">
+            <a:schemeClr val="lt1"/>
+          </a:fontRef>
+        </p:style>
+        <p:txBody>
+          <a:bodyPr rtlCol="0" anchor="ctr"/>
+          <a:lstStyle/>
+          <a:p>
+            <a:pPr algn="ctr"/>
+            <a:endParaRPr lang="en-US"/>
+          </a:p>
+        </p:txBody>
+      </p:sp>
+    </p:spTree>
+    <p:extLst>
+      <p:ext uri="{BB962C8B-B14F-4D97-AF65-F5344CB8AC3E}">
+        <p14:creationId xmlns:p14="http://schemas.microsoft.com/office/powerpoint/2010/main" val="1897301335"/>
+      </p:ext>
+    </p:extLst>
+  </p:cSld>
+  <p:clrMapOvr>
+    <a:masterClrMapping/>
+  </p:clrMapOvr>
+</p:sld>
+</file>
+
+<file path=ppt/slides/slide17.xml><?xml version="1.0" encoding="utf-8"?>
+<p:sld xmlns:a="http://schemas.openxmlformats.org/drawingml/2006/main" xmlns:r="http://schemas.openxmlformats.org/officeDocument/2006/relationships" xmlns:p="http://schemas.openxmlformats.org/presentationml/2006/main">
+  <p:cSld>
+    <p:spTree>
+      <p:nvGrpSpPr>
+        <p:cNvPr id="1" name=""/>
+        <p:cNvGrpSpPr/>
+        <p:nvPr/>
+      </p:nvGrpSpPr>
+      <p:grpSpPr>
+        <a:xfrm>
+          <a:off x="0" y="0"/>
+          <a:ext cx="0" cy="0"/>
+          <a:chOff x="0" y="0"/>
+          <a:chExt cx="0" cy="0"/>
+        </a:xfrm>
+      </p:grpSpPr>
+      <p:sp>
+        <p:nvSpPr>
+          <p:cNvPr id="20" name="Oval 19">
+            <a:extLst>
+              <a:ext uri="{FF2B5EF4-FFF2-40B4-BE49-F238E27FC236}">
+                <a16:creationId xmlns:a16="http://schemas.microsoft.com/office/drawing/2014/main" id="{B24B50C1-E5C1-4C55-8ED8-5D9271814B17}"/>
+              </a:ext>
+            </a:extLst>
+          </p:cNvPr>
+          <p:cNvSpPr/>
+          <p:nvPr/>
+        </p:nvSpPr>
+        <p:spPr>
+          <a:xfrm>
+            <a:off x="7986790" y="869710"/>
+            <a:ext cx="3716500" cy="3716500"/>
+          </a:xfrm>
+          <a:prstGeom prst="ellipse">
+            <a:avLst/>
+          </a:prstGeom>
+          <a:noFill/>
+          <a:ln w="22225">
+            <a:solidFill>
+              <a:schemeClr val="tx1"/>
+            </a:solidFill>
+          </a:ln>
+        </p:spPr>
+        <p:style>
+          <a:lnRef idx="2">
+            <a:schemeClr val="accent1">
+              <a:shade val="50000"/>
+            </a:schemeClr>
+          </a:lnRef>
+          <a:fillRef idx="1">
+            <a:schemeClr val="accent1"/>
+          </a:fillRef>
+          <a:effectRef idx="0">
+            <a:schemeClr val="accent1"/>
+          </a:effectRef>
+          <a:fontRef idx="minor">
+            <a:schemeClr val="lt1"/>
+          </a:fontRef>
+        </p:style>
+        <p:txBody>
+          <a:bodyPr rtlCol="0" anchor="ctr"/>
+          <a:lstStyle/>
+          <a:p>
+            <a:pPr algn="ctr"/>
+            <a:endParaRPr lang="en-US"/>
+          </a:p>
+        </p:txBody>
+      </p:sp>
+      <p:cxnSp>
+        <p:nvCxnSpPr>
+          <p:cNvPr id="21" name="Straight Arrow Connector 20">
+            <a:extLst>
+              <a:ext uri="{FF2B5EF4-FFF2-40B4-BE49-F238E27FC236}">
+                <a16:creationId xmlns:a16="http://schemas.microsoft.com/office/drawing/2014/main" id="{F9173D88-5EE7-4982-BB93-662C67150F5B}"/>
+              </a:ext>
+            </a:extLst>
+          </p:cNvPr>
+          <p:cNvCxnSpPr>
+            <a:cxnSpLocks/>
+            <a:endCxn id="20" idx="5"/>
+          </p:cNvCxnSpPr>
+          <p:nvPr/>
+        </p:nvCxnSpPr>
+        <p:spPr>
+          <a:xfrm>
+            <a:off x="9845040" y="2727960"/>
+            <a:ext cx="1313981" cy="1313981"/>
+          </a:xfrm>
+          <a:prstGeom prst="straightConnector1">
+            <a:avLst/>
+          </a:prstGeom>
+          <a:ln w="19050">
+            <a:solidFill>
+              <a:schemeClr val="tx1"/>
+            </a:solidFill>
+            <a:prstDash val="dash"/>
+            <a:headEnd type="none" w="lg" len="lg"/>
+            <a:tailEnd type="none" w="lg" len="lg"/>
+          </a:ln>
+        </p:spPr>
+        <p:style>
+          <a:lnRef idx="1">
+            <a:schemeClr val="accent1"/>
+          </a:lnRef>
+          <a:fillRef idx="0">
+            <a:schemeClr val="accent1"/>
+          </a:fillRef>
+          <a:effectRef idx="0">
+            <a:schemeClr val="accent1"/>
+          </a:effectRef>
+          <a:fontRef idx="minor">
+            <a:schemeClr val="tx1"/>
+          </a:fontRef>
+        </p:style>
+      </p:cxnSp>
+      <p:sp>
+        <p:nvSpPr>
+          <p:cNvPr id="22" name="Oval 21">
+            <a:extLst>
+              <a:ext uri="{FF2B5EF4-FFF2-40B4-BE49-F238E27FC236}">
+                <a16:creationId xmlns:a16="http://schemas.microsoft.com/office/drawing/2014/main" id="{6DDE3A1C-5370-479E-A2E6-11D86B94061E}"/>
+              </a:ext>
+            </a:extLst>
+          </p:cNvPr>
+          <p:cNvSpPr/>
+          <p:nvPr/>
+        </p:nvSpPr>
+        <p:spPr>
+          <a:xfrm flipH="1">
+            <a:off x="10997947" y="3873723"/>
+            <a:ext cx="322143" cy="336433"/>
+          </a:xfrm>
+          <a:prstGeom prst="ellipse">
+            <a:avLst/>
+          </a:prstGeom>
+          <a:gradFill flip="none" rotWithShape="1">
+            <a:gsLst>
+              <a:gs pos="0">
+                <a:schemeClr val="accent1">
+                  <a:lumMod val="89000"/>
+                </a:schemeClr>
+              </a:gs>
+              <a:gs pos="23000">
+                <a:schemeClr val="accent1">
+                  <a:lumMod val="89000"/>
+                </a:schemeClr>
+              </a:gs>
+              <a:gs pos="69000">
+                <a:schemeClr val="accent1">
+                  <a:lumMod val="75000"/>
+                </a:schemeClr>
+              </a:gs>
+              <a:gs pos="97000">
+                <a:schemeClr val="accent1">
+                  <a:lumMod val="70000"/>
+                </a:schemeClr>
+              </a:gs>
+            </a:gsLst>
+            <a:path path="circle">
+              <a:fillToRect l="50000" t="50000" r="50000" b="50000"/>
+            </a:path>
+            <a:tileRect/>
+          </a:gradFill>
+          <a:ln w="15875">
+            <a:solidFill>
+              <a:schemeClr val="tx1"/>
+            </a:solidFill>
+          </a:ln>
+        </p:spPr>
+        <p:style>
+          <a:lnRef idx="2">
+            <a:schemeClr val="accent1">
+              <a:shade val="50000"/>
+            </a:schemeClr>
+          </a:lnRef>
+          <a:fillRef idx="1">
+            <a:schemeClr val="accent1"/>
+          </a:fillRef>
+          <a:effectRef idx="0">
+            <a:schemeClr val="accent1"/>
+          </a:effectRef>
+          <a:fontRef idx="minor">
+            <a:schemeClr val="lt1"/>
+          </a:fontRef>
+        </p:style>
+        <p:txBody>
+          <a:bodyPr rtlCol="0" anchor="ctr"/>
+          <a:lstStyle/>
+          <a:p>
+            <a:pPr algn="ctr"/>
+            <a:endParaRPr lang="en-US"/>
+          </a:p>
+        </p:txBody>
+      </p:sp>
+      <p:sp>
+        <p:nvSpPr>
+          <p:cNvPr id="23" name="Oval 22">
+            <a:extLst>
+              <a:ext uri="{FF2B5EF4-FFF2-40B4-BE49-F238E27FC236}">
+                <a16:creationId xmlns:a16="http://schemas.microsoft.com/office/drawing/2014/main" id="{3E05BD36-2EE8-427D-92F4-1E7E43268316}"/>
+              </a:ext>
+            </a:extLst>
+          </p:cNvPr>
+          <p:cNvSpPr/>
+          <p:nvPr/>
+        </p:nvSpPr>
+        <p:spPr>
+          <a:xfrm flipH="1">
+            <a:off x="9806528" y="2689448"/>
+            <a:ext cx="77023" cy="77023"/>
+          </a:xfrm>
+          <a:prstGeom prst="ellipse">
+            <a:avLst/>
+          </a:prstGeom>
+          <a:solidFill>
+            <a:schemeClr val="tx1"/>
+          </a:solidFill>
+          <a:ln w="28575">
+            <a:solidFill>
+              <a:schemeClr val="tx1"/>
+            </a:solidFill>
+          </a:ln>
+        </p:spPr>
+        <p:style>
+          <a:lnRef idx="2">
+            <a:schemeClr val="accent1">
+              <a:shade val="50000"/>
+            </a:schemeClr>
+          </a:lnRef>
+          <a:fillRef idx="1">
+            <a:schemeClr val="accent1"/>
+          </a:fillRef>
+          <a:effectRef idx="0">
+            <a:schemeClr val="accent1"/>
+          </a:effectRef>
+          <a:fontRef idx="minor">
+            <a:schemeClr val="lt1"/>
+          </a:fontRef>
+        </p:style>
+        <p:txBody>
+          <a:bodyPr rtlCol="0" anchor="ctr"/>
+          <a:lstStyle/>
+          <a:p>
+            <a:pPr algn="ctr"/>
+            <a:endParaRPr lang="en-US"/>
+          </a:p>
+        </p:txBody>
+      </p:sp>
+      <p:sp>
+        <p:nvSpPr>
+          <p:cNvPr id="24" name="Arc 23">
+            <a:extLst>
+              <a:ext uri="{FF2B5EF4-FFF2-40B4-BE49-F238E27FC236}">
+                <a16:creationId xmlns:a16="http://schemas.microsoft.com/office/drawing/2014/main" id="{203AB26D-A66E-405B-B41E-FCBB4DC40817}"/>
+              </a:ext>
+            </a:extLst>
+          </p:cNvPr>
+          <p:cNvSpPr/>
+          <p:nvPr/>
+        </p:nvSpPr>
+        <p:spPr>
+          <a:xfrm>
+            <a:off x="9503586" y="602299"/>
+            <a:ext cx="682907" cy="123794"/>
+          </a:xfrm>
+          <a:prstGeom prst="arc">
+            <a:avLst>
+              <a:gd name="adj1" fmla="val 16200000"/>
+              <a:gd name="adj2" fmla="val 10247331"/>
+            </a:avLst>
+          </a:prstGeom>
+          <a:ln w="25400">
+            <a:solidFill>
+              <a:schemeClr val="tx1"/>
+            </a:solidFill>
+            <a:tailEnd type="stealth" w="lg" len="lg"/>
+          </a:ln>
+        </p:spPr>
+        <p:style>
+          <a:lnRef idx="1">
+            <a:schemeClr val="accent1"/>
+          </a:lnRef>
+          <a:fillRef idx="0">
+            <a:schemeClr val="accent1"/>
+          </a:fillRef>
+          <a:effectRef idx="0">
+            <a:schemeClr val="accent1"/>
+          </a:effectRef>
+          <a:fontRef idx="minor">
+            <a:schemeClr val="tx1"/>
+          </a:fontRef>
+        </p:style>
+        <p:txBody>
+          <a:bodyPr rtlCol="0" anchor="ctr"/>
+          <a:lstStyle/>
+          <a:p>
+            <a:pPr algn="ctr"/>
+            <a:endParaRPr lang="en-US"/>
+          </a:p>
+        </p:txBody>
+      </p:sp>
+      <mc:AlternateContent xmlns:mc="http://schemas.openxmlformats.org/markup-compatibility/2006">
+        <mc:Choice xmlns:a14="http://schemas.microsoft.com/office/drawing/2010/main" Requires="a14">
+          <p:sp>
+            <p:nvSpPr>
+              <p:cNvPr id="25" name="TextBox 24">
+                <a:extLst>
+                  <a:ext uri="{FF2B5EF4-FFF2-40B4-BE49-F238E27FC236}">
+                    <a16:creationId xmlns:a16="http://schemas.microsoft.com/office/drawing/2014/main" id="{186BC425-A715-439D-ADA2-6813E29512C8}"/>
+                  </a:ext>
+                </a:extLst>
+              </p:cNvPr>
+              <p:cNvSpPr txBox="1"/>
+              <p:nvPr/>
+            </p:nvSpPr>
+            <p:spPr>
+              <a:xfrm>
+                <a:off x="9703648" y="229783"/>
+                <a:ext cx="267203" cy="372516"/>
+              </a:xfrm>
+              <a:prstGeom prst="rect">
+                <a:avLst/>
+              </a:prstGeom>
+              <a:noFill/>
+            </p:spPr>
+            <p:txBody>
+              <a:bodyPr wrap="square" lIns="0" tIns="0" rIns="0" bIns="0" rtlCol="0">
+                <a:spAutoFit/>
+              </a:bodyPr>
+              <a:lstStyle/>
+              <a:p>
+                <a:pPr/>
+                <a14:m>
+                  <m:oMathPara xmlns:m="http://schemas.openxmlformats.org/officeDocument/2006/math">
+                    <m:oMathParaPr>
+                      <m:jc m:val="centerGroup"/>
+                    </m:oMathParaPr>
+                    <m:oMath xmlns:m="http://schemas.openxmlformats.org/officeDocument/2006/math">
+                      <m:r>
+                        <a:rPr lang="en-US" sz="2400" i="1" smtClean="0">
+                          <a:latin typeface="Cambria Math" panose="02040503050406030204" pitchFamily="18" charset="0"/>
+                          <a:ea typeface="Cambria Math" panose="02040503050406030204" pitchFamily="18" charset="0"/>
+                        </a:rPr>
+                        <m:t>𝜔</m:t>
+                      </m:r>
+                    </m:oMath>
+                  </m:oMathPara>
+                </a14:m>
+                <a:endParaRPr lang="en-US" sz="2400" dirty="0"/>
+              </a:p>
+            </p:txBody>
+          </p:sp>
+        </mc:Choice>
+        <mc:Fallback>
+          <p:sp>
+            <p:nvSpPr>
+              <p:cNvPr id="25" name="TextBox 24">
+                <a:extLst>
+                  <a:ext uri="{FF2B5EF4-FFF2-40B4-BE49-F238E27FC236}">
+                    <a16:creationId xmlns:a16="http://schemas.microsoft.com/office/drawing/2014/main" id="{186BC425-A715-439D-ADA2-6813E29512C8}"/>
+                  </a:ext>
+                </a:extLst>
+              </p:cNvPr>
+              <p:cNvSpPr txBox="1">
+                <a:spLocks noRot="1" noChangeAspect="1" noMove="1" noResize="1" noEditPoints="1" noAdjustHandles="1" noChangeArrowheads="1" noChangeShapeType="1" noTextEdit="1"/>
+              </p:cNvSpPr>
+              <p:nvPr/>
+            </p:nvSpPr>
+            <p:spPr>
+              <a:xfrm>
+                <a:off x="9703648" y="229783"/>
+                <a:ext cx="267203" cy="372516"/>
+              </a:xfrm>
+              <a:prstGeom prst="rect">
+                <a:avLst/>
+              </a:prstGeom>
+              <a:blipFill>
+                <a:blip r:embed="rId2"/>
+                <a:stretch>
+                  <a:fillRect l="-22727" r="-15909"/>
+                </a:stretch>
+              </a:blipFill>
+            </p:spPr>
+            <p:txBody>
+              <a:bodyPr/>
+              <a:lstStyle/>
+              <a:p>
+                <a:r>
+                  <a:rPr lang="en-US">
+                    <a:noFill/>
+                  </a:rPr>
+                  <a:t> </a:t>
+                </a:r>
+              </a:p>
+            </p:txBody>
+          </p:sp>
+        </mc:Fallback>
+      </mc:AlternateContent>
+      <p:cxnSp>
+        <p:nvCxnSpPr>
+          <p:cNvPr id="26" name="Straight Arrow Connector 25">
+            <a:extLst>
+              <a:ext uri="{FF2B5EF4-FFF2-40B4-BE49-F238E27FC236}">
+                <a16:creationId xmlns:a16="http://schemas.microsoft.com/office/drawing/2014/main" id="{5C799AE6-8181-4A28-9705-BFE5682477FB}"/>
+              </a:ext>
+            </a:extLst>
+          </p:cNvPr>
+          <p:cNvCxnSpPr>
+            <a:cxnSpLocks/>
+          </p:cNvCxnSpPr>
+          <p:nvPr/>
+        </p:nvCxnSpPr>
+        <p:spPr>
+          <a:xfrm>
+            <a:off x="9837250" y="613874"/>
+            <a:ext cx="1" cy="4530302"/>
+          </a:xfrm>
+          <a:prstGeom prst="straightConnector1">
+            <a:avLst/>
+          </a:prstGeom>
+          <a:ln w="19050">
+            <a:solidFill>
+              <a:schemeClr val="tx1"/>
+            </a:solidFill>
+            <a:prstDash val="lgDashDot"/>
+            <a:headEnd type="none" w="lg" len="lg"/>
+            <a:tailEnd type="none" w="lg" len="lg"/>
+          </a:ln>
+        </p:spPr>
+        <p:style>
+          <a:lnRef idx="1">
+            <a:schemeClr val="accent1"/>
+          </a:lnRef>
+          <a:fillRef idx="0">
+            <a:schemeClr val="accent1"/>
+          </a:fillRef>
+          <a:effectRef idx="0">
+            <a:schemeClr val="accent1"/>
+          </a:effectRef>
+          <a:fontRef idx="minor">
+            <a:schemeClr val="tx1"/>
+          </a:fontRef>
+        </p:style>
+      </p:cxnSp>
+      <mc:AlternateContent xmlns:mc="http://schemas.openxmlformats.org/markup-compatibility/2006">
+        <mc:Choice xmlns:a14="http://schemas.microsoft.com/office/drawing/2010/main" Requires="a14">
+          <p:sp>
+            <p:nvSpPr>
+              <p:cNvPr id="29" name="TextBox 28">
+                <a:extLst>
+                  <a:ext uri="{FF2B5EF4-FFF2-40B4-BE49-F238E27FC236}">
+                    <a16:creationId xmlns:a16="http://schemas.microsoft.com/office/drawing/2014/main" id="{F093F605-61CF-482A-B6A2-91857C34BBC0}"/>
+                  </a:ext>
+                </a:extLst>
+              </p:cNvPr>
+              <p:cNvSpPr txBox="1"/>
+              <p:nvPr/>
+            </p:nvSpPr>
+            <p:spPr>
+              <a:xfrm>
+                <a:off x="11185985" y="4680527"/>
+                <a:ext cx="525080" cy="369332"/>
+              </a:xfrm>
+              <a:prstGeom prst="rect">
+                <a:avLst/>
+              </a:prstGeom>
+              <a:noFill/>
+            </p:spPr>
+            <p:txBody>
+              <a:bodyPr wrap="none" lIns="0" tIns="0" rIns="0" bIns="0" rtlCol="0">
+                <a:spAutoFit/>
+              </a:bodyPr>
+              <a:lstStyle/>
+              <a:p>
+                <a:pPr/>
+                <a14:m>
+                  <m:oMathPara xmlns:m="http://schemas.openxmlformats.org/officeDocument/2006/math">
+                    <m:oMathParaPr>
+                      <m:jc m:val="centerGroup"/>
+                    </m:oMathParaPr>
+                    <m:oMath xmlns:m="http://schemas.openxmlformats.org/officeDocument/2006/math">
+                      <m:r>
+                        <a:rPr lang="en-US" sz="2400" b="0" i="1" smtClean="0">
+                          <a:latin typeface="Cambria Math" panose="02040503050406030204" pitchFamily="18" charset="0"/>
+                        </a:rPr>
+                        <m:t>𝑚</m:t>
+                      </m:r>
+                      <m:acc>
+                        <m:accPr>
+                          <m:chr m:val="⃗"/>
+                          <m:ctrlPr>
+                            <a:rPr lang="en-US" sz="2400" i="1" smtClean="0">
+                              <a:latin typeface="Cambria Math" panose="02040503050406030204" pitchFamily="18" charset="0"/>
+                            </a:rPr>
+                          </m:ctrlPr>
+                        </m:accPr>
+                        <m:e>
+                          <m:r>
+                            <a:rPr lang="en-US" sz="2400" b="0" i="1" smtClean="0">
+                              <a:latin typeface="Cambria Math" panose="02040503050406030204" pitchFamily="18" charset="0"/>
+                            </a:rPr>
+                            <m:t>𝑔</m:t>
+                          </m:r>
+                        </m:e>
+                      </m:acc>
+                    </m:oMath>
+                  </m:oMathPara>
+                </a14:m>
+                <a:endParaRPr lang="en-US" sz="2400" dirty="0"/>
+              </a:p>
+            </p:txBody>
+          </p:sp>
+        </mc:Choice>
+        <mc:Fallback>
+          <p:sp>
+            <p:nvSpPr>
+              <p:cNvPr id="29" name="TextBox 28">
+                <a:extLst>
+                  <a:ext uri="{FF2B5EF4-FFF2-40B4-BE49-F238E27FC236}">
+                    <a16:creationId xmlns:a16="http://schemas.microsoft.com/office/drawing/2014/main" id="{F093F605-61CF-482A-B6A2-91857C34BBC0}"/>
+                  </a:ext>
+                </a:extLst>
+              </p:cNvPr>
+              <p:cNvSpPr txBox="1">
+                <a:spLocks noRot="1" noChangeAspect="1" noMove="1" noResize="1" noEditPoints="1" noAdjustHandles="1" noChangeArrowheads="1" noChangeShapeType="1" noTextEdit="1"/>
+              </p:cNvSpPr>
+              <p:nvPr/>
+            </p:nvSpPr>
+            <p:spPr>
+              <a:xfrm>
+                <a:off x="11185985" y="4680527"/>
+                <a:ext cx="525080" cy="369332"/>
+              </a:xfrm>
+              <a:prstGeom prst="rect">
+                <a:avLst/>
+              </a:prstGeom>
+              <a:blipFill>
+                <a:blip r:embed="rId3"/>
+                <a:stretch>
+                  <a:fillRect l="-8140" t="-38333" r="-87209" b="-26667"/>
+                </a:stretch>
+              </a:blipFill>
+            </p:spPr>
+            <p:txBody>
+              <a:bodyPr/>
+              <a:lstStyle/>
+              <a:p>
+                <a:r>
+                  <a:rPr lang="en-US">
+                    <a:noFill/>
+                  </a:rPr>
+                  <a:t> </a:t>
+                </a:r>
+              </a:p>
+            </p:txBody>
+          </p:sp>
+        </mc:Fallback>
+      </mc:AlternateContent>
+      <p:cxnSp>
+        <p:nvCxnSpPr>
+          <p:cNvPr id="34" name="Straight Arrow Connector 33">
+            <a:extLst>
+              <a:ext uri="{FF2B5EF4-FFF2-40B4-BE49-F238E27FC236}">
+                <a16:creationId xmlns:a16="http://schemas.microsoft.com/office/drawing/2014/main" id="{DC224F41-B6B0-47F7-851C-43BC773F8216}"/>
+              </a:ext>
+            </a:extLst>
+          </p:cNvPr>
+          <p:cNvCxnSpPr>
+            <a:cxnSpLocks/>
+          </p:cNvCxnSpPr>
+          <p:nvPr/>
+        </p:nvCxnSpPr>
+        <p:spPr>
+          <a:xfrm>
+            <a:off x="11159021" y="4210156"/>
+            <a:ext cx="0" cy="1008020"/>
+          </a:xfrm>
+          <a:prstGeom prst="straightConnector1">
+            <a:avLst/>
+          </a:prstGeom>
+          <a:ln w="31750">
+            <a:solidFill>
+              <a:schemeClr val="tx1"/>
+            </a:solidFill>
+            <a:headEnd type="none" w="lg" len="lg"/>
+            <a:tailEnd type="stealth" w="lg" len="lg"/>
+          </a:ln>
+        </p:spPr>
+        <p:style>
+          <a:lnRef idx="1">
+            <a:schemeClr val="accent1"/>
+          </a:lnRef>
+          <a:fillRef idx="0">
+            <a:schemeClr val="accent1"/>
+          </a:fillRef>
+          <a:effectRef idx="0">
+            <a:schemeClr val="accent1"/>
+          </a:effectRef>
+          <a:fontRef idx="minor">
+            <a:schemeClr val="tx1"/>
+          </a:fontRef>
+        </p:style>
+      </p:cxnSp>
+      <p:cxnSp>
+        <p:nvCxnSpPr>
+          <p:cNvPr id="36" name="Straight Arrow Connector 35">
+            <a:extLst>
+              <a:ext uri="{FF2B5EF4-FFF2-40B4-BE49-F238E27FC236}">
+                <a16:creationId xmlns:a16="http://schemas.microsoft.com/office/drawing/2014/main" id="{16C3D263-9D15-48C0-B329-43F0062AC450}"/>
+              </a:ext>
+            </a:extLst>
+          </p:cNvPr>
+          <p:cNvCxnSpPr>
+            <a:cxnSpLocks/>
+            <a:endCxn id="22" idx="6"/>
+          </p:cNvCxnSpPr>
+          <p:nvPr/>
+        </p:nvCxnSpPr>
+        <p:spPr>
+          <a:xfrm>
+            <a:off x="9867973" y="4041939"/>
+            <a:ext cx="1129974" cy="1"/>
+          </a:xfrm>
+          <a:prstGeom prst="straightConnector1">
+            <a:avLst/>
+          </a:prstGeom>
+          <a:ln w="19050">
+            <a:solidFill>
+              <a:schemeClr val="tx1"/>
+            </a:solidFill>
+            <a:prstDash val="dash"/>
+            <a:headEnd type="none" w="lg" len="lg"/>
+            <a:tailEnd type="none" w="lg" len="lg"/>
+          </a:ln>
+        </p:spPr>
+        <p:style>
+          <a:lnRef idx="1">
+            <a:schemeClr val="accent1"/>
+          </a:lnRef>
+          <a:fillRef idx="0">
+            <a:schemeClr val="accent1"/>
+          </a:fillRef>
+          <a:effectRef idx="0">
+            <a:schemeClr val="accent1"/>
+          </a:effectRef>
+          <a:fontRef idx="minor">
+            <a:schemeClr val="tx1"/>
+          </a:fontRef>
+        </p:style>
+      </p:cxnSp>
+      <mc:AlternateContent xmlns:mc="http://schemas.openxmlformats.org/markup-compatibility/2006">
+        <mc:Choice xmlns:a14="http://schemas.microsoft.com/office/drawing/2010/main" Requires="a14">
+          <p:sp>
+            <p:nvSpPr>
+              <p:cNvPr id="37" name="TextBox 36">
+                <a:extLst>
+                  <a:ext uri="{FF2B5EF4-FFF2-40B4-BE49-F238E27FC236}">
+                    <a16:creationId xmlns:a16="http://schemas.microsoft.com/office/drawing/2014/main" id="{A22754B0-7ADD-4796-9D39-CACBFDE54A90}"/>
+                  </a:ext>
+                </a:extLst>
+              </p:cNvPr>
+              <p:cNvSpPr txBox="1"/>
+              <p:nvPr/>
+            </p:nvSpPr>
+            <p:spPr>
+              <a:xfrm>
+                <a:off x="10502030" y="3015618"/>
+                <a:ext cx="273536" cy="369332"/>
+              </a:xfrm>
+              <a:prstGeom prst="rect">
+                <a:avLst/>
+              </a:prstGeom>
+              <a:noFill/>
+            </p:spPr>
+            <p:txBody>
+              <a:bodyPr wrap="none" lIns="0" tIns="0" rIns="0" bIns="0" rtlCol="0">
+                <a:spAutoFit/>
+              </a:bodyPr>
+              <a:lstStyle/>
+              <a:p>
+                <a:pPr/>
+                <a14:m>
+                  <m:oMathPara xmlns:m="http://schemas.openxmlformats.org/officeDocument/2006/math">
+                    <m:oMathParaPr>
+                      <m:jc m:val="centerGroup"/>
+                    </m:oMathParaPr>
+                    <m:oMath xmlns:m="http://schemas.openxmlformats.org/officeDocument/2006/math">
+                      <m:r>
+                        <a:rPr lang="en-US" sz="2400" b="0" i="1" smtClean="0">
+                          <a:latin typeface="Cambria Math" panose="02040503050406030204" pitchFamily="18" charset="0"/>
+                        </a:rPr>
+                        <m:t>𝑅</m:t>
+                      </m:r>
+                    </m:oMath>
+                  </m:oMathPara>
+                </a14:m>
+                <a:endParaRPr lang="en-US" sz="2400" dirty="0"/>
+              </a:p>
+            </p:txBody>
+          </p:sp>
+        </mc:Choice>
+        <mc:Fallback>
+          <p:sp>
+            <p:nvSpPr>
+              <p:cNvPr id="37" name="TextBox 36">
+                <a:extLst>
+                  <a:ext uri="{FF2B5EF4-FFF2-40B4-BE49-F238E27FC236}">
+                    <a16:creationId xmlns:a16="http://schemas.microsoft.com/office/drawing/2014/main" id="{A22754B0-7ADD-4796-9D39-CACBFDE54A90}"/>
+                  </a:ext>
+                </a:extLst>
+              </p:cNvPr>
+              <p:cNvSpPr txBox="1">
+                <a:spLocks noRot="1" noChangeAspect="1" noMove="1" noResize="1" noEditPoints="1" noAdjustHandles="1" noChangeArrowheads="1" noChangeShapeType="1" noTextEdit="1"/>
+              </p:cNvSpPr>
+              <p:nvPr/>
+            </p:nvSpPr>
+            <p:spPr>
+              <a:xfrm>
+                <a:off x="10502030" y="3015618"/>
+                <a:ext cx="273536" cy="369332"/>
+              </a:xfrm>
+              <a:prstGeom prst="rect">
+                <a:avLst/>
+              </a:prstGeom>
+              <a:blipFill>
+                <a:blip r:embed="rId4"/>
+                <a:stretch>
+                  <a:fillRect l="-26667" r="-22222" b="-6667"/>
+                </a:stretch>
+              </a:blipFill>
+            </p:spPr>
+            <p:txBody>
+              <a:bodyPr/>
+              <a:lstStyle/>
+              <a:p>
+                <a:r>
+                  <a:rPr lang="en-US">
+                    <a:noFill/>
+                  </a:rPr>
+                  <a:t> </a:t>
+                </a:r>
+              </a:p>
+            </p:txBody>
+          </p:sp>
+        </mc:Fallback>
+      </mc:AlternateContent>
+      <mc:AlternateContent xmlns:mc="http://schemas.openxmlformats.org/markup-compatibility/2006">
+        <mc:Choice xmlns:a14="http://schemas.microsoft.com/office/drawing/2010/main" Requires="a14">
+          <p:sp>
+            <p:nvSpPr>
+              <p:cNvPr id="38" name="TextBox 37">
+                <a:extLst>
+                  <a:ext uri="{FF2B5EF4-FFF2-40B4-BE49-F238E27FC236}">
+                    <a16:creationId xmlns:a16="http://schemas.microsoft.com/office/drawing/2014/main" id="{AFF050AC-89CB-4E9D-9EA8-3B3FDCEB7055}"/>
+                  </a:ext>
+                </a:extLst>
+              </p:cNvPr>
+              <p:cNvSpPr txBox="1"/>
+              <p:nvPr/>
+            </p:nvSpPr>
+            <p:spPr>
+              <a:xfrm>
+                <a:off x="10046866" y="3941383"/>
+                <a:ext cx="221536" cy="369332"/>
+              </a:xfrm>
+              <a:prstGeom prst="rect">
+                <a:avLst/>
+              </a:prstGeom>
+              <a:noFill/>
+            </p:spPr>
+            <p:txBody>
+              <a:bodyPr wrap="none" lIns="0" tIns="0" rIns="0" bIns="0" rtlCol="0">
+                <a:spAutoFit/>
+              </a:bodyPr>
+              <a:lstStyle/>
+              <a:p>
+                <a:pPr/>
+                <a14:m>
+                  <m:oMathPara xmlns:m="http://schemas.openxmlformats.org/officeDocument/2006/math">
+                    <m:oMathParaPr>
+                      <m:jc m:val="centerGroup"/>
+                    </m:oMathParaPr>
+                    <m:oMath xmlns:m="http://schemas.openxmlformats.org/officeDocument/2006/math">
+                      <m:r>
+                        <a:rPr lang="en-US" sz="2400" b="0" i="1" smtClean="0">
+                          <a:latin typeface="Cambria Math" panose="02040503050406030204" pitchFamily="18" charset="0"/>
+                        </a:rPr>
+                        <m:t>𝑟</m:t>
+                      </m:r>
+                    </m:oMath>
+                  </m:oMathPara>
+                </a14:m>
+                <a:endParaRPr lang="en-US" sz="2400" dirty="0"/>
+              </a:p>
+            </p:txBody>
+          </p:sp>
+        </mc:Choice>
+        <mc:Fallback>
+          <p:sp>
+            <p:nvSpPr>
+              <p:cNvPr id="38" name="TextBox 37">
+                <a:extLst>
+                  <a:ext uri="{FF2B5EF4-FFF2-40B4-BE49-F238E27FC236}">
+                    <a16:creationId xmlns:a16="http://schemas.microsoft.com/office/drawing/2014/main" id="{AFF050AC-89CB-4E9D-9EA8-3B3FDCEB7055}"/>
+                  </a:ext>
+                </a:extLst>
+              </p:cNvPr>
+              <p:cNvSpPr txBox="1">
+                <a:spLocks noRot="1" noChangeAspect="1" noMove="1" noResize="1" noEditPoints="1" noAdjustHandles="1" noChangeArrowheads="1" noChangeShapeType="1" noTextEdit="1"/>
+              </p:cNvSpPr>
+              <p:nvPr/>
+            </p:nvSpPr>
+            <p:spPr>
+              <a:xfrm>
+                <a:off x="10046866" y="3941383"/>
+                <a:ext cx="221536" cy="369332"/>
+              </a:xfrm>
+              <a:prstGeom prst="rect">
+                <a:avLst/>
+              </a:prstGeom>
+              <a:blipFill>
+                <a:blip r:embed="rId5"/>
+                <a:stretch>
+                  <a:fillRect l="-16667" r="-19444"/>
+                </a:stretch>
+              </a:blipFill>
+            </p:spPr>
+            <p:txBody>
+              <a:bodyPr/>
+              <a:lstStyle/>
+              <a:p>
+                <a:r>
+                  <a:rPr lang="en-US">
+                    <a:noFill/>
+                  </a:rPr>
+                  <a:t> </a:t>
+                </a:r>
+              </a:p>
+            </p:txBody>
+          </p:sp>
+        </mc:Fallback>
+      </mc:AlternateContent>
+      <p:sp>
+        <p:nvSpPr>
+          <p:cNvPr id="41" name="Arc 40">
+            <a:extLst>
+              <a:ext uri="{FF2B5EF4-FFF2-40B4-BE49-F238E27FC236}">
+                <a16:creationId xmlns:a16="http://schemas.microsoft.com/office/drawing/2014/main" id="{1BD02389-9093-4F7A-96A7-8DD54FA160EC}"/>
+              </a:ext>
+            </a:extLst>
+          </p:cNvPr>
+          <p:cNvSpPr/>
+          <p:nvPr/>
+        </p:nvSpPr>
+        <p:spPr>
+          <a:xfrm rot="5633677">
+            <a:off x="9737030" y="2724536"/>
+            <a:ext cx="293041" cy="327243"/>
+          </a:xfrm>
+          <a:prstGeom prst="arc">
+            <a:avLst>
+              <a:gd name="adj1" fmla="val 16775587"/>
+              <a:gd name="adj2" fmla="val 725428"/>
+            </a:avLst>
+          </a:prstGeom>
+          <a:ln w="25400">
+            <a:solidFill>
+              <a:schemeClr val="tx1"/>
+            </a:solidFill>
+          </a:ln>
+        </p:spPr>
+        <p:style>
+          <a:lnRef idx="1">
+            <a:schemeClr val="accent1"/>
+          </a:lnRef>
+          <a:fillRef idx="0">
+            <a:schemeClr val="accent1"/>
+          </a:fillRef>
+          <a:effectRef idx="0">
+            <a:schemeClr val="accent1"/>
+          </a:effectRef>
+          <a:fontRef idx="minor">
+            <a:schemeClr val="tx1"/>
+          </a:fontRef>
+        </p:style>
+        <p:txBody>
+          <a:bodyPr rtlCol="0" anchor="ctr"/>
+          <a:lstStyle/>
+          <a:p>
+            <a:pPr algn="ctr"/>
+            <a:endParaRPr lang="en-US" dirty="0"/>
+          </a:p>
+        </p:txBody>
+      </p:sp>
+      <mc:AlternateContent xmlns:mc="http://schemas.openxmlformats.org/markup-compatibility/2006">
+        <mc:Choice xmlns:a14="http://schemas.microsoft.com/office/drawing/2010/main" Requires="a14">
+          <p:sp>
+            <p:nvSpPr>
+              <p:cNvPr id="43" name="TextBox 42">
+                <a:extLst>
+                  <a:ext uri="{FF2B5EF4-FFF2-40B4-BE49-F238E27FC236}">
+                    <a16:creationId xmlns:a16="http://schemas.microsoft.com/office/drawing/2014/main" id="{8F03BD2A-B8A8-4AAC-98E4-D3308DBDBA6C}"/>
+                  </a:ext>
+                </a:extLst>
+              </p:cNvPr>
+              <p:cNvSpPr txBox="1"/>
+              <p:nvPr/>
+            </p:nvSpPr>
+            <p:spPr>
+              <a:xfrm>
+                <a:off x="9814811" y="2921936"/>
+                <a:ext cx="384656" cy="369332"/>
+              </a:xfrm>
+              <a:prstGeom prst="rect">
+                <a:avLst/>
+              </a:prstGeom>
+              <a:noFill/>
+            </p:spPr>
+            <p:txBody>
+              <a:bodyPr wrap="square" lIns="0" tIns="0" rIns="0" bIns="0" rtlCol="0">
+                <a:spAutoFit/>
+              </a:bodyPr>
+              <a:lstStyle/>
+              <a:p>
+                <a:pPr/>
+                <a14:m>
+                  <m:oMathPara xmlns:m="http://schemas.openxmlformats.org/officeDocument/2006/math">
+                    <m:oMathParaPr>
+                      <m:jc m:val="centerGroup"/>
+                    </m:oMathParaPr>
+                    <m:oMath xmlns:m="http://schemas.openxmlformats.org/officeDocument/2006/math">
+                      <m:r>
+                        <a:rPr lang="en-US" sz="2400" b="0" i="1" smtClean="0">
+                          <a:solidFill>
+                            <a:schemeClr val="tx1"/>
+                          </a:solidFill>
+                          <a:latin typeface="Cambria Math" panose="02040503050406030204" pitchFamily="18" charset="0"/>
+                          <a:ea typeface="Cambria Math" panose="02040503050406030204" pitchFamily="18" charset="0"/>
+                        </a:rPr>
+                        <m:t>𝛼</m:t>
+                      </m:r>
+                    </m:oMath>
+                  </m:oMathPara>
+                </a14:m>
+                <a:endParaRPr lang="en-US" sz="3200" dirty="0">
+                  <a:solidFill>
+                    <a:schemeClr val="tx1"/>
+                  </a:solidFill>
+                </a:endParaRPr>
+              </a:p>
+            </p:txBody>
+          </p:sp>
+        </mc:Choice>
+        <mc:Fallback>
+          <p:sp>
+            <p:nvSpPr>
+              <p:cNvPr id="43" name="TextBox 42">
+                <a:extLst>
+                  <a:ext uri="{FF2B5EF4-FFF2-40B4-BE49-F238E27FC236}">
+                    <a16:creationId xmlns:a16="http://schemas.microsoft.com/office/drawing/2014/main" id="{8F03BD2A-B8A8-4AAC-98E4-D3308DBDBA6C}"/>
+                  </a:ext>
+                </a:extLst>
+              </p:cNvPr>
+              <p:cNvSpPr txBox="1">
+                <a:spLocks noRot="1" noChangeAspect="1" noMove="1" noResize="1" noEditPoints="1" noAdjustHandles="1" noChangeArrowheads="1" noChangeShapeType="1" noTextEdit="1"/>
+              </p:cNvSpPr>
+              <p:nvPr/>
+            </p:nvSpPr>
+            <p:spPr>
+              <a:xfrm>
+                <a:off x="9814811" y="2921936"/>
+                <a:ext cx="384656" cy="369332"/>
+              </a:xfrm>
+              <a:prstGeom prst="rect">
+                <a:avLst/>
+              </a:prstGeom>
+              <a:blipFill>
+                <a:blip r:embed="rId6"/>
+                <a:stretch>
+                  <a:fillRect/>
+                </a:stretch>
+              </a:blipFill>
+            </p:spPr>
+            <p:txBody>
+              <a:bodyPr/>
+              <a:lstStyle/>
+              <a:p>
+                <a:r>
+                  <a:rPr lang="en-US">
+                    <a:noFill/>
+                  </a:rPr>
+                  <a:t> </a:t>
+                </a:r>
+              </a:p>
+            </p:txBody>
+          </p:sp>
+        </mc:Fallback>
+      </mc:AlternateContent>
+      <p:cxnSp>
+        <p:nvCxnSpPr>
+          <p:cNvPr id="44" name="Straight Arrow Connector 43">
+            <a:extLst>
+              <a:ext uri="{FF2B5EF4-FFF2-40B4-BE49-F238E27FC236}">
+                <a16:creationId xmlns:a16="http://schemas.microsoft.com/office/drawing/2014/main" id="{3FEB31F8-173D-4460-BD8B-BD1BA656CAE6}"/>
+              </a:ext>
+            </a:extLst>
+          </p:cNvPr>
+          <p:cNvCxnSpPr>
+            <a:cxnSpLocks/>
+          </p:cNvCxnSpPr>
+          <p:nvPr/>
+        </p:nvCxnSpPr>
+        <p:spPr>
+          <a:xfrm flipH="1">
+            <a:off x="10551459" y="4041839"/>
+            <a:ext cx="438699" cy="100"/>
+          </a:xfrm>
+          <a:prstGeom prst="straightConnector1">
+            <a:avLst/>
+          </a:prstGeom>
+          <a:ln w="31750">
+            <a:solidFill>
+              <a:schemeClr val="tx1"/>
+            </a:solidFill>
+            <a:headEnd type="none" w="lg" len="lg"/>
+            <a:tailEnd type="stealth" w="lg" len="lg"/>
+          </a:ln>
+        </p:spPr>
+        <p:style>
+          <a:lnRef idx="1">
+            <a:schemeClr val="accent1"/>
+          </a:lnRef>
+          <a:fillRef idx="0">
+            <a:schemeClr val="accent1"/>
+          </a:fillRef>
+          <a:effectRef idx="0">
+            <a:schemeClr val="accent1"/>
+          </a:effectRef>
+          <a:fontRef idx="minor">
+            <a:schemeClr val="tx1"/>
+          </a:fontRef>
+        </p:style>
+      </p:cxnSp>
+      <mc:AlternateContent xmlns:mc="http://schemas.openxmlformats.org/markup-compatibility/2006">
+        <mc:Choice xmlns:a14="http://schemas.microsoft.com/office/drawing/2010/main" Requires="a14">
+          <p:sp>
+            <p:nvSpPr>
+              <p:cNvPr id="45" name="TextBox 44">
+                <a:extLst>
+                  <a:ext uri="{FF2B5EF4-FFF2-40B4-BE49-F238E27FC236}">
+                    <a16:creationId xmlns:a16="http://schemas.microsoft.com/office/drawing/2014/main" id="{ABA45A05-550C-4C30-A48E-1939279C99C4}"/>
+                  </a:ext>
+                </a:extLst>
+              </p:cNvPr>
+              <p:cNvSpPr txBox="1"/>
+              <p:nvPr/>
+            </p:nvSpPr>
+            <p:spPr>
+              <a:xfrm>
+                <a:off x="10372341" y="3723386"/>
+                <a:ext cx="484812" cy="293029"/>
+              </a:xfrm>
+              <a:prstGeom prst="rect">
+                <a:avLst/>
+              </a:prstGeom>
+              <a:noFill/>
+            </p:spPr>
+            <p:txBody>
+              <a:bodyPr wrap="none" lIns="0" tIns="0" rIns="0" bIns="0" rtlCol="0">
+                <a:spAutoFit/>
+              </a:bodyPr>
+              <a:lstStyle/>
+              <a:p>
+                <a:pPr/>
+                <a14:m>
+                  <m:oMathPara xmlns:m="http://schemas.openxmlformats.org/officeDocument/2006/math">
+                    <m:oMathParaPr>
+                      <m:jc m:val="centerGroup"/>
+                    </m:oMathParaPr>
+                    <m:oMath xmlns:m="http://schemas.openxmlformats.org/officeDocument/2006/math">
+                      <m:r>
+                        <a:rPr lang="en-US" b="0" i="1" smtClean="0">
+                          <a:latin typeface="Cambria Math" panose="02040503050406030204" pitchFamily="18" charset="0"/>
+                        </a:rPr>
+                        <m:t>𝑚</m:t>
+                      </m:r>
+                      <m:acc>
+                        <m:accPr>
+                          <m:chr m:val="⃗"/>
+                          <m:ctrlPr>
+                            <a:rPr lang="en-US" i="1" smtClean="0">
+                              <a:latin typeface="Cambria Math" panose="02040503050406030204" pitchFamily="18" charset="0"/>
+                            </a:rPr>
+                          </m:ctrlPr>
+                        </m:accPr>
+                        <m:e>
+                          <m:sSub>
+                            <m:sSubPr>
+                              <m:ctrlPr>
+                                <a:rPr lang="en-US" b="0" i="1" smtClean="0">
+                                  <a:latin typeface="Cambria Math" panose="02040503050406030204" pitchFamily="18" charset="0"/>
+                                </a:rPr>
+                              </m:ctrlPr>
+                            </m:sSubPr>
+                            <m:e>
+                              <m:r>
+                                <a:rPr lang="en-US" b="0" i="1" smtClean="0">
+                                  <a:latin typeface="Cambria Math" panose="02040503050406030204" pitchFamily="18" charset="0"/>
+                                </a:rPr>
+                                <m:t>𝑎</m:t>
+                              </m:r>
+                            </m:e>
+                            <m:sub>
+                              <m:r>
+                                <a:rPr lang="ru-RU" b="0" i="1" smtClean="0">
+                                  <a:latin typeface="Cambria Math" panose="02040503050406030204" pitchFamily="18" charset="0"/>
+                                </a:rPr>
+                                <m:t>ц</m:t>
+                              </m:r>
+                            </m:sub>
+                          </m:sSub>
+                        </m:e>
+                      </m:acc>
+                    </m:oMath>
+                  </m:oMathPara>
+                </a14:m>
+                <a:endParaRPr lang="en-US" dirty="0"/>
+              </a:p>
+            </p:txBody>
+          </p:sp>
+        </mc:Choice>
+        <mc:Fallback>
+          <p:sp>
+            <p:nvSpPr>
+              <p:cNvPr id="45" name="TextBox 44">
+                <a:extLst>
+                  <a:ext uri="{FF2B5EF4-FFF2-40B4-BE49-F238E27FC236}">
+                    <a16:creationId xmlns:a16="http://schemas.microsoft.com/office/drawing/2014/main" id="{ABA45A05-550C-4C30-A48E-1939279C99C4}"/>
+                  </a:ext>
+                </a:extLst>
+              </p:cNvPr>
+              <p:cNvSpPr txBox="1">
+                <a:spLocks noRot="1" noChangeAspect="1" noMove="1" noResize="1" noEditPoints="1" noAdjustHandles="1" noChangeArrowheads="1" noChangeShapeType="1" noTextEdit="1"/>
+              </p:cNvSpPr>
+              <p:nvPr/>
+            </p:nvSpPr>
+            <p:spPr>
+              <a:xfrm>
+                <a:off x="10372341" y="3723386"/>
+                <a:ext cx="484812" cy="293029"/>
+              </a:xfrm>
+              <a:prstGeom prst="rect">
+                <a:avLst/>
+              </a:prstGeom>
+              <a:blipFill>
+                <a:blip r:embed="rId7"/>
+                <a:stretch>
+                  <a:fillRect l="-5000" r="-3750" b="-18750"/>
+                </a:stretch>
+              </a:blipFill>
+            </p:spPr>
+            <p:txBody>
+              <a:bodyPr/>
+              <a:lstStyle/>
+              <a:p>
+                <a:r>
+                  <a:rPr lang="en-US">
+                    <a:noFill/>
+                  </a:rPr>
+                  <a:t> </a:t>
+                </a:r>
+              </a:p>
+            </p:txBody>
+          </p:sp>
+        </mc:Fallback>
+      </mc:AlternateContent>
+      <p:cxnSp>
+        <p:nvCxnSpPr>
+          <p:cNvPr id="51" name="Straight Arrow Connector 50">
+            <a:extLst>
+              <a:ext uri="{FF2B5EF4-FFF2-40B4-BE49-F238E27FC236}">
+                <a16:creationId xmlns:a16="http://schemas.microsoft.com/office/drawing/2014/main" id="{C762E033-80CA-44C4-B447-BF27D6758E08}"/>
+              </a:ext>
+            </a:extLst>
+          </p:cNvPr>
+          <p:cNvCxnSpPr>
+            <a:cxnSpLocks/>
+            <a:stCxn id="22" idx="7"/>
+          </p:cNvCxnSpPr>
+          <p:nvPr/>
+        </p:nvCxnSpPr>
+        <p:spPr>
+          <a:xfrm flipH="1" flipV="1">
+            <a:off x="10638798" y="3537300"/>
+            <a:ext cx="406326" cy="385692"/>
+          </a:xfrm>
+          <a:prstGeom prst="straightConnector1">
+            <a:avLst/>
+          </a:prstGeom>
+          <a:ln w="31750">
+            <a:solidFill>
+              <a:schemeClr val="tx1"/>
+            </a:solidFill>
+            <a:headEnd type="none" w="lg" len="lg"/>
+            <a:tailEnd type="stealth" w="lg" len="lg"/>
+          </a:ln>
+        </p:spPr>
+        <p:style>
+          <a:lnRef idx="1">
+            <a:schemeClr val="accent1"/>
+          </a:lnRef>
+          <a:fillRef idx="0">
+            <a:schemeClr val="accent1"/>
+          </a:fillRef>
+          <a:effectRef idx="0">
+            <a:schemeClr val="accent1"/>
+          </a:effectRef>
+          <a:fontRef idx="minor">
+            <a:schemeClr val="tx1"/>
+          </a:fontRef>
+        </p:style>
+      </p:cxnSp>
+      <mc:AlternateContent xmlns:mc="http://schemas.openxmlformats.org/markup-compatibility/2006">
+        <mc:Choice xmlns:a14="http://schemas.microsoft.com/office/drawing/2010/main" Requires="a14">
+          <p:sp>
+            <p:nvSpPr>
+              <p:cNvPr id="52" name="TextBox 51">
+                <a:extLst>
+                  <a:ext uri="{FF2B5EF4-FFF2-40B4-BE49-F238E27FC236}">
+                    <a16:creationId xmlns:a16="http://schemas.microsoft.com/office/drawing/2014/main" id="{797E07E1-8C04-404F-8301-FC382545D69D}"/>
+                  </a:ext>
+                </a:extLst>
+              </p:cNvPr>
+              <p:cNvSpPr txBox="1"/>
+              <p:nvPr/>
+            </p:nvSpPr>
+            <p:spPr>
+              <a:xfrm>
+                <a:off x="10748283" y="3352703"/>
+                <a:ext cx="215635" cy="345159"/>
+              </a:xfrm>
+              <a:prstGeom prst="rect">
+                <a:avLst/>
+              </a:prstGeom>
+              <a:noFill/>
+            </p:spPr>
+            <p:txBody>
+              <a:bodyPr wrap="none" lIns="0" tIns="0" rIns="0" bIns="0" rtlCol="0">
+                <a:spAutoFit/>
+              </a:bodyPr>
+              <a:lstStyle/>
+              <a:p>
+                <a:pPr/>
+                <a14:m>
+                  <m:oMathPara xmlns:m="http://schemas.openxmlformats.org/officeDocument/2006/math">
+                    <m:oMathParaPr>
+                      <m:jc m:val="centerGroup"/>
+                    </m:oMathParaPr>
+                    <m:oMath xmlns:m="http://schemas.openxmlformats.org/officeDocument/2006/math">
+                      <m:acc>
+                        <m:accPr>
+                          <m:chr m:val="⃗"/>
+                          <m:ctrlPr>
+                            <a:rPr lang="en-US" sz="2000" i="1" smtClean="0">
+                              <a:latin typeface="Cambria Math" panose="02040503050406030204" pitchFamily="18" charset="0"/>
+                            </a:rPr>
+                          </m:ctrlPr>
+                        </m:accPr>
+                        <m:e>
+                          <m:r>
+                            <a:rPr lang="en-US" sz="2000" b="0" i="1" smtClean="0">
+                              <a:latin typeface="Cambria Math" panose="02040503050406030204" pitchFamily="18" charset="0"/>
+                            </a:rPr>
+                            <m:t>𝑇</m:t>
+                          </m:r>
+                        </m:e>
+                      </m:acc>
+                    </m:oMath>
+                  </m:oMathPara>
+                </a14:m>
+                <a:endParaRPr lang="en-US" sz="2000" dirty="0"/>
+              </a:p>
+            </p:txBody>
+          </p:sp>
+        </mc:Choice>
+        <mc:Fallback>
+          <p:sp>
+            <p:nvSpPr>
+              <p:cNvPr id="52" name="TextBox 51">
+                <a:extLst>
+                  <a:ext uri="{FF2B5EF4-FFF2-40B4-BE49-F238E27FC236}">
+                    <a16:creationId xmlns:a16="http://schemas.microsoft.com/office/drawing/2014/main" id="{797E07E1-8C04-404F-8301-FC382545D69D}"/>
+                  </a:ext>
+                </a:extLst>
+              </p:cNvPr>
+              <p:cNvSpPr txBox="1">
+                <a:spLocks noRot="1" noChangeAspect="1" noMove="1" noResize="1" noEditPoints="1" noAdjustHandles="1" noChangeArrowheads="1" noChangeShapeType="1" noTextEdit="1"/>
+              </p:cNvSpPr>
+              <p:nvPr/>
+            </p:nvSpPr>
+            <p:spPr>
+              <a:xfrm>
+                <a:off x="10748283" y="3352703"/>
+                <a:ext cx="215635" cy="345159"/>
+              </a:xfrm>
+              <a:prstGeom prst="rect">
+                <a:avLst/>
+              </a:prstGeom>
+              <a:blipFill>
+                <a:blip r:embed="rId8"/>
+                <a:stretch>
+                  <a:fillRect l="-25000" r="-25000" b="-3509"/>
+                </a:stretch>
+              </a:blipFill>
+            </p:spPr>
+            <p:txBody>
+              <a:bodyPr/>
+              <a:lstStyle/>
+              <a:p>
+                <a:r>
+                  <a:rPr lang="en-US">
+                    <a:noFill/>
+                  </a:rPr>
+                  <a:t> </a:t>
+                </a:r>
+              </a:p>
+            </p:txBody>
+          </p:sp>
+        </mc:Fallback>
+      </mc:AlternateContent>
+      <p:pic>
+        <p:nvPicPr>
+          <p:cNvPr id="54" name="Picture 53">
+            <a:extLst>
+              <a:ext uri="{FF2B5EF4-FFF2-40B4-BE49-F238E27FC236}">
+                <a16:creationId xmlns:a16="http://schemas.microsoft.com/office/drawing/2014/main" id="{5E06255B-3CDD-4666-AF79-824719820B31}"/>
+              </a:ext>
+            </a:extLst>
+          </p:cNvPr>
+          <p:cNvPicPr>
+            <a:picLocks noChangeAspect="1"/>
+          </p:cNvPicPr>
+          <p:nvPr/>
+        </p:nvPicPr>
+        <p:blipFill>
+          <a:blip r:embed="rId9"/>
+          <a:stretch>
+            <a:fillRect/>
+          </a:stretch>
+        </p:blipFill>
+        <p:spPr>
+          <a:xfrm>
+            <a:off x="871910" y="1029376"/>
+            <a:ext cx="5505450" cy="4114800"/>
+          </a:xfrm>
+          <a:prstGeom prst="rect">
+            <a:avLst/>
+          </a:prstGeom>
+        </p:spPr>
+      </p:pic>
+      <p:cxnSp>
+        <p:nvCxnSpPr>
+          <p:cNvPr id="55" name="Straight Arrow Connector 54">
+            <a:extLst>
+              <a:ext uri="{FF2B5EF4-FFF2-40B4-BE49-F238E27FC236}">
+                <a16:creationId xmlns:a16="http://schemas.microsoft.com/office/drawing/2014/main" id="{5945351C-202D-4557-B23B-82804E30FEED}"/>
+              </a:ext>
+            </a:extLst>
+          </p:cNvPr>
+          <p:cNvCxnSpPr>
+            <a:cxnSpLocks/>
+          </p:cNvCxnSpPr>
+          <p:nvPr/>
+        </p:nvCxnSpPr>
+        <p:spPr>
+          <a:xfrm>
+            <a:off x="5327311" y="1384100"/>
+            <a:ext cx="0" cy="3760076"/>
+          </a:xfrm>
+          <a:prstGeom prst="straightConnector1">
+            <a:avLst/>
+          </a:prstGeom>
+          <a:ln w="28575">
+            <a:solidFill>
+              <a:srgbClr val="0070C0"/>
+            </a:solidFill>
+            <a:prstDash val="lgDashDot"/>
+            <a:headEnd type="none" w="lg" len="lg"/>
+            <a:tailEnd type="none" w="lg" len="lg"/>
+          </a:ln>
+        </p:spPr>
+        <p:style>
+          <a:lnRef idx="1">
+            <a:schemeClr val="accent1"/>
+          </a:lnRef>
+          <a:fillRef idx="0">
+            <a:schemeClr val="accent1"/>
+          </a:fillRef>
+          <a:effectRef idx="0">
+            <a:schemeClr val="accent1"/>
+          </a:effectRef>
+          <a:fontRef idx="minor">
+            <a:schemeClr val="tx1"/>
+          </a:fontRef>
+        </p:style>
+      </p:cxnSp>
+      <p:cxnSp>
+        <p:nvCxnSpPr>
+          <p:cNvPr id="57" name="Straight Arrow Connector 56">
+            <a:extLst>
+              <a:ext uri="{FF2B5EF4-FFF2-40B4-BE49-F238E27FC236}">
+                <a16:creationId xmlns:a16="http://schemas.microsoft.com/office/drawing/2014/main" id="{AE19B154-6AF6-4B55-97AB-EFD432920EB2}"/>
+              </a:ext>
+            </a:extLst>
+          </p:cNvPr>
+          <p:cNvCxnSpPr>
+            <a:cxnSpLocks/>
+          </p:cNvCxnSpPr>
+          <p:nvPr/>
+        </p:nvCxnSpPr>
+        <p:spPr>
+          <a:xfrm>
+            <a:off x="4024028" y="3779670"/>
+            <a:ext cx="1287517" cy="0"/>
+          </a:xfrm>
+          <a:prstGeom prst="straightConnector1">
+            <a:avLst/>
+          </a:prstGeom>
+          <a:ln w="28575">
+            <a:solidFill>
+              <a:schemeClr val="tx1"/>
+            </a:solidFill>
+            <a:prstDash val="dash"/>
+            <a:headEnd type="none" w="lg" len="lg"/>
+            <a:tailEnd type="none" w="lg" len="lg"/>
+          </a:ln>
+        </p:spPr>
+        <p:style>
+          <a:lnRef idx="1">
+            <a:schemeClr val="accent1"/>
+          </a:lnRef>
+          <a:fillRef idx="0">
+            <a:schemeClr val="accent1"/>
+          </a:fillRef>
+          <a:effectRef idx="0">
+            <a:schemeClr val="accent1"/>
+          </a:effectRef>
+          <a:fontRef idx="minor">
+            <a:schemeClr val="tx1"/>
+          </a:fontRef>
+        </p:style>
+      </p:cxnSp>
+      <p:cxnSp>
+        <p:nvCxnSpPr>
+          <p:cNvPr id="58" name="Straight Arrow Connector 57">
+            <a:extLst>
+              <a:ext uri="{FF2B5EF4-FFF2-40B4-BE49-F238E27FC236}">
+                <a16:creationId xmlns:a16="http://schemas.microsoft.com/office/drawing/2014/main" id="{00930697-BF6E-486C-BF02-AABFC63E69E2}"/>
+              </a:ext>
+            </a:extLst>
+          </p:cNvPr>
+          <p:cNvCxnSpPr>
+            <a:cxnSpLocks/>
+          </p:cNvCxnSpPr>
+          <p:nvPr/>
+        </p:nvCxnSpPr>
+        <p:spPr>
+          <a:xfrm>
+            <a:off x="1410079" y="4915918"/>
+            <a:ext cx="2403609" cy="0"/>
+          </a:xfrm>
+          <a:prstGeom prst="straightConnector1">
+            <a:avLst/>
+          </a:prstGeom>
+          <a:ln w="28575">
+            <a:solidFill>
+              <a:schemeClr val="tx1"/>
+            </a:solidFill>
+            <a:prstDash val="dash"/>
+            <a:headEnd type="none" w="lg" len="lg"/>
+            <a:tailEnd type="none" w="lg" len="lg"/>
+          </a:ln>
+        </p:spPr>
+        <p:style>
+          <a:lnRef idx="1">
+            <a:schemeClr val="accent1"/>
+          </a:lnRef>
+          <a:fillRef idx="0">
+            <a:schemeClr val="accent1"/>
+          </a:fillRef>
+          <a:effectRef idx="0">
+            <a:schemeClr val="accent1"/>
+          </a:effectRef>
+          <a:fontRef idx="minor">
+            <a:schemeClr val="tx1"/>
+          </a:fontRef>
+        </p:style>
+      </p:cxnSp>
+      <mc:AlternateContent xmlns:mc="http://schemas.openxmlformats.org/markup-compatibility/2006">
+        <mc:Choice xmlns:a14="http://schemas.microsoft.com/office/drawing/2010/main" Requires="a14">
+          <p:sp>
+            <p:nvSpPr>
+              <p:cNvPr id="59" name="TextBox 58">
+                <a:extLst>
+                  <a:ext uri="{FF2B5EF4-FFF2-40B4-BE49-F238E27FC236}">
+                    <a16:creationId xmlns:a16="http://schemas.microsoft.com/office/drawing/2014/main" id="{8C54CFE0-E35E-467F-A835-0A0100DCA37A}"/>
+                  </a:ext>
+                </a:extLst>
+              </p:cNvPr>
+              <p:cNvSpPr txBox="1"/>
+              <p:nvPr/>
+            </p:nvSpPr>
+            <p:spPr>
+              <a:xfrm>
+                <a:off x="4199420" y="1964292"/>
+                <a:ext cx="408917" cy="677108"/>
+              </a:xfrm>
+              <a:prstGeom prst="rect">
+                <a:avLst/>
+              </a:prstGeom>
+              <a:noFill/>
+            </p:spPr>
+            <p:txBody>
+              <a:bodyPr wrap="square" lIns="0" tIns="0" rIns="0" bIns="0" rtlCol="0">
+                <a:spAutoFit/>
+              </a:bodyPr>
+              <a:lstStyle/>
+              <a:p>
+                <a:pPr/>
+                <a14:m>
+                  <m:oMathPara xmlns:m="http://schemas.openxmlformats.org/officeDocument/2006/math">
+                    <m:oMathParaPr>
+                      <m:jc m:val="centerGroup"/>
+                    </m:oMathParaPr>
+                    <m:oMath xmlns:m="http://schemas.openxmlformats.org/officeDocument/2006/math">
+                      <m:r>
+                        <a:rPr lang="en-US" sz="4400" b="0" i="1" smtClean="0">
+                          <a:latin typeface="Cambria Math" panose="02040503050406030204" pitchFamily="18" charset="0"/>
+                        </a:rPr>
+                        <m:t>𝑙</m:t>
+                      </m:r>
+                    </m:oMath>
+                  </m:oMathPara>
+                </a14:m>
+                <a:endParaRPr lang="en-US" sz="4400" dirty="0"/>
+              </a:p>
+            </p:txBody>
+          </p:sp>
+        </mc:Choice>
+        <mc:Fallback>
+          <p:sp>
+            <p:nvSpPr>
+              <p:cNvPr id="59" name="TextBox 58">
+                <a:extLst>
+                  <a:ext uri="{FF2B5EF4-FFF2-40B4-BE49-F238E27FC236}">
+                    <a16:creationId xmlns:a16="http://schemas.microsoft.com/office/drawing/2014/main" id="{8C54CFE0-E35E-467F-A835-0A0100DCA37A}"/>
+                  </a:ext>
+                </a:extLst>
+              </p:cNvPr>
+              <p:cNvSpPr txBox="1">
+                <a:spLocks noRot="1" noChangeAspect="1" noMove="1" noResize="1" noEditPoints="1" noAdjustHandles="1" noChangeArrowheads="1" noChangeShapeType="1" noTextEdit="1"/>
+              </p:cNvSpPr>
+              <p:nvPr/>
+            </p:nvSpPr>
+            <p:spPr>
+              <a:xfrm>
+                <a:off x="4199420" y="1964292"/>
+                <a:ext cx="408917" cy="677108"/>
+              </a:xfrm>
+              <a:prstGeom prst="rect">
+                <a:avLst/>
+              </a:prstGeom>
+              <a:blipFill>
+                <a:blip r:embed="rId10"/>
+                <a:stretch>
+                  <a:fillRect/>
+                </a:stretch>
+              </a:blipFill>
+            </p:spPr>
+            <p:txBody>
+              <a:bodyPr/>
+              <a:lstStyle/>
+              <a:p>
+                <a:r>
+                  <a:rPr lang="en-US">
+                    <a:noFill/>
+                  </a:rPr>
+                  <a:t> </a:t>
+                </a:r>
+              </a:p>
+            </p:txBody>
+          </p:sp>
+        </mc:Fallback>
+      </mc:AlternateContent>
+      <mc:AlternateContent xmlns:mc="http://schemas.openxmlformats.org/markup-compatibility/2006">
+        <mc:Choice xmlns:a14="http://schemas.microsoft.com/office/drawing/2010/main" Requires="a14">
+          <p:sp>
+            <p:nvSpPr>
+              <p:cNvPr id="61" name="TextBox 60">
+                <a:extLst>
+                  <a:ext uri="{FF2B5EF4-FFF2-40B4-BE49-F238E27FC236}">
+                    <a16:creationId xmlns:a16="http://schemas.microsoft.com/office/drawing/2014/main" id="{176F3E0C-E306-434C-BCDD-528C0B8A5FB8}"/>
+                  </a:ext>
+                </a:extLst>
+              </p:cNvPr>
+              <p:cNvSpPr txBox="1"/>
+              <p:nvPr/>
+            </p:nvSpPr>
+            <p:spPr>
+              <a:xfrm>
+                <a:off x="2407424" y="3560146"/>
+                <a:ext cx="408917" cy="677108"/>
+              </a:xfrm>
+              <a:prstGeom prst="rect">
+                <a:avLst/>
+              </a:prstGeom>
+              <a:noFill/>
+            </p:spPr>
+            <p:txBody>
+              <a:bodyPr wrap="square" lIns="0" tIns="0" rIns="0" bIns="0" rtlCol="0">
+                <a:spAutoFit/>
+              </a:bodyPr>
+              <a:lstStyle/>
+              <a:p>
+                <a:pPr/>
+                <a14:m>
+                  <m:oMathPara xmlns:m="http://schemas.openxmlformats.org/officeDocument/2006/math">
+                    <m:oMathParaPr>
+                      <m:jc m:val="centerGroup"/>
+                    </m:oMathParaPr>
+                    <m:oMath xmlns:m="http://schemas.openxmlformats.org/officeDocument/2006/math">
+                      <m:r>
+                        <a:rPr lang="en-US" sz="4400" b="0" i="1" smtClean="0">
+                          <a:latin typeface="Cambria Math" panose="02040503050406030204" pitchFamily="18" charset="0"/>
+                        </a:rPr>
+                        <m:t>𝑙</m:t>
+                      </m:r>
+                    </m:oMath>
+                  </m:oMathPara>
+                </a14:m>
+                <a:endParaRPr lang="en-US" sz="4400" dirty="0"/>
+              </a:p>
+            </p:txBody>
+          </p:sp>
+        </mc:Choice>
+        <mc:Fallback>
+          <p:sp>
+            <p:nvSpPr>
+              <p:cNvPr id="61" name="TextBox 60">
+                <a:extLst>
+                  <a:ext uri="{FF2B5EF4-FFF2-40B4-BE49-F238E27FC236}">
+                    <a16:creationId xmlns:a16="http://schemas.microsoft.com/office/drawing/2014/main" id="{176F3E0C-E306-434C-BCDD-528C0B8A5FB8}"/>
+                  </a:ext>
+                </a:extLst>
+              </p:cNvPr>
+              <p:cNvSpPr txBox="1">
+                <a:spLocks noRot="1" noChangeAspect="1" noMove="1" noResize="1" noEditPoints="1" noAdjustHandles="1" noChangeArrowheads="1" noChangeShapeType="1" noTextEdit="1"/>
+              </p:cNvSpPr>
+              <p:nvPr/>
+            </p:nvSpPr>
+            <p:spPr>
+              <a:xfrm>
+                <a:off x="2407424" y="3560146"/>
+                <a:ext cx="408917" cy="677108"/>
+              </a:xfrm>
+              <a:prstGeom prst="rect">
+                <a:avLst/>
+              </a:prstGeom>
+              <a:blipFill>
+                <a:blip r:embed="rId11"/>
+                <a:stretch>
+                  <a:fillRect/>
+                </a:stretch>
+              </a:blipFill>
+            </p:spPr>
+            <p:txBody>
+              <a:bodyPr/>
+              <a:lstStyle/>
+              <a:p>
+                <a:r>
+                  <a:rPr lang="en-US">
+                    <a:noFill/>
+                  </a:rPr>
+                  <a:t> </a:t>
+                </a:r>
+              </a:p>
+            </p:txBody>
+          </p:sp>
+        </mc:Fallback>
+      </mc:AlternateContent>
+      <mc:AlternateContent xmlns:mc="http://schemas.openxmlformats.org/markup-compatibility/2006">
+        <mc:Choice xmlns:a14="http://schemas.microsoft.com/office/drawing/2010/main" Requires="a14">
+          <p:sp>
+            <p:nvSpPr>
+              <p:cNvPr id="62" name="TextBox 61">
+                <a:extLst>
+                  <a:ext uri="{FF2B5EF4-FFF2-40B4-BE49-F238E27FC236}">
+                    <a16:creationId xmlns:a16="http://schemas.microsoft.com/office/drawing/2014/main" id="{882B9635-395E-4452-8456-F52D5295118B}"/>
+                  </a:ext>
+                </a:extLst>
+              </p:cNvPr>
+              <p:cNvSpPr txBox="1"/>
+              <p:nvPr/>
+            </p:nvSpPr>
+            <p:spPr>
+              <a:xfrm>
+                <a:off x="4395096" y="3779670"/>
+                <a:ext cx="454099" cy="553998"/>
+              </a:xfrm>
+              <a:prstGeom prst="rect">
+                <a:avLst/>
+              </a:prstGeom>
+              <a:noFill/>
+            </p:spPr>
+            <p:txBody>
+              <a:bodyPr wrap="none" lIns="0" tIns="0" rIns="0" bIns="0" rtlCol="0">
+                <a:spAutoFit/>
+              </a:bodyPr>
+              <a:lstStyle/>
+              <a:p>
+                <a14:m>
+                  <m:oMathPara xmlns:m="http://schemas.openxmlformats.org/officeDocument/2006/math">
+                    <m:oMathParaPr>
+                      <m:jc m:val="centerGroup"/>
+                    </m:oMathParaPr>
+                    <m:oMath xmlns:m="http://schemas.openxmlformats.org/officeDocument/2006/math">
+                      <m:sSub>
+                        <m:sSubPr>
+                          <m:ctrlPr>
+                            <a:rPr lang="en-US" sz="3600" i="1" smtClean="0">
+                              <a:latin typeface="Cambria Math" panose="02040503050406030204" pitchFamily="18" charset="0"/>
+                            </a:rPr>
+                          </m:ctrlPr>
+                        </m:sSubPr>
+                        <m:e>
+                          <m:r>
+                            <a:rPr lang="en-US" sz="3600" b="0" i="1" smtClean="0">
+                              <a:latin typeface="Cambria Math" panose="02040503050406030204" pitchFamily="18" charset="0"/>
+                            </a:rPr>
+                            <m:t>𝑙</m:t>
+                          </m:r>
+                        </m:e>
+                        <m:sub>
+                          <m:r>
+                            <a:rPr lang="en-US" sz="3600" b="0" i="1" smtClean="0">
+                              <a:latin typeface="Cambria Math" panose="02040503050406030204" pitchFamily="18" charset="0"/>
+                            </a:rPr>
+                            <m:t>1</m:t>
+                          </m:r>
+                        </m:sub>
+                      </m:sSub>
+                    </m:oMath>
+                  </m:oMathPara>
+                </a14:m>
+                <a:endParaRPr lang="en-US" sz="3600" dirty="0"/>
+              </a:p>
+            </p:txBody>
+          </p:sp>
+        </mc:Choice>
+        <mc:Fallback>
+          <p:sp>
+            <p:nvSpPr>
+              <p:cNvPr id="62" name="TextBox 61">
+                <a:extLst>
+                  <a:ext uri="{FF2B5EF4-FFF2-40B4-BE49-F238E27FC236}">
+                    <a16:creationId xmlns:a16="http://schemas.microsoft.com/office/drawing/2014/main" id="{882B9635-395E-4452-8456-F52D5295118B}"/>
+                  </a:ext>
+                </a:extLst>
+              </p:cNvPr>
+              <p:cNvSpPr txBox="1">
+                <a:spLocks noRot="1" noChangeAspect="1" noMove="1" noResize="1" noEditPoints="1" noAdjustHandles="1" noChangeArrowheads="1" noChangeShapeType="1" noTextEdit="1"/>
+              </p:cNvSpPr>
+              <p:nvPr/>
+            </p:nvSpPr>
+            <p:spPr>
+              <a:xfrm>
+                <a:off x="4395096" y="3779670"/>
+                <a:ext cx="454099" cy="553998"/>
+              </a:xfrm>
+              <a:prstGeom prst="rect">
+                <a:avLst/>
+              </a:prstGeom>
+              <a:blipFill>
+                <a:blip r:embed="rId12"/>
+                <a:stretch>
+                  <a:fillRect/>
+                </a:stretch>
+              </a:blipFill>
+            </p:spPr>
+            <p:txBody>
+              <a:bodyPr/>
+              <a:lstStyle/>
+              <a:p>
+                <a:r>
+                  <a:rPr lang="en-US">
+                    <a:noFill/>
+                  </a:rPr>
+                  <a:t> </a:t>
+                </a:r>
+              </a:p>
+            </p:txBody>
+          </p:sp>
+        </mc:Fallback>
+      </mc:AlternateContent>
+      <mc:AlternateContent xmlns:mc="http://schemas.openxmlformats.org/markup-compatibility/2006">
+        <mc:Choice xmlns:a14="http://schemas.microsoft.com/office/drawing/2010/main" Requires="a14">
+          <p:sp>
+            <p:nvSpPr>
+              <p:cNvPr id="63" name="TextBox 62">
+                <a:extLst>
+                  <a:ext uri="{FF2B5EF4-FFF2-40B4-BE49-F238E27FC236}">
+                    <a16:creationId xmlns:a16="http://schemas.microsoft.com/office/drawing/2014/main" id="{850EDA5E-361C-4F23-BAA2-145AD3CD3BD8}"/>
+                  </a:ext>
+                </a:extLst>
+              </p:cNvPr>
+              <p:cNvSpPr txBox="1"/>
+              <p:nvPr/>
+            </p:nvSpPr>
+            <p:spPr>
+              <a:xfrm>
+                <a:off x="2407424" y="4909451"/>
+                <a:ext cx="464807" cy="553998"/>
+              </a:xfrm>
+              <a:prstGeom prst="rect">
+                <a:avLst/>
+              </a:prstGeom>
+              <a:noFill/>
+            </p:spPr>
+            <p:txBody>
+              <a:bodyPr wrap="none" lIns="0" tIns="0" rIns="0" bIns="0" rtlCol="0">
+                <a:spAutoFit/>
+              </a:bodyPr>
+              <a:lstStyle/>
+              <a:p>
+                <a14:m>
+                  <m:oMathPara xmlns:m="http://schemas.openxmlformats.org/officeDocument/2006/math">
+                    <m:oMathParaPr>
+                      <m:jc m:val="centerGroup"/>
+                    </m:oMathParaPr>
+                    <m:oMath xmlns:m="http://schemas.openxmlformats.org/officeDocument/2006/math">
+                      <m:sSub>
+                        <m:sSubPr>
+                          <m:ctrlPr>
+                            <a:rPr lang="en-US" sz="3600" i="1" smtClean="0">
+                              <a:latin typeface="Cambria Math" panose="02040503050406030204" pitchFamily="18" charset="0"/>
+                            </a:rPr>
+                          </m:ctrlPr>
+                        </m:sSubPr>
+                        <m:e>
+                          <m:r>
+                            <a:rPr lang="en-US" sz="3600" b="0" i="1" smtClean="0">
+                              <a:latin typeface="Cambria Math" panose="02040503050406030204" pitchFamily="18" charset="0"/>
+                            </a:rPr>
+                            <m:t>𝑙</m:t>
+                          </m:r>
+                        </m:e>
+                        <m:sub>
+                          <m:r>
+                            <a:rPr lang="en-US" sz="3600" b="0" i="1" smtClean="0">
+                              <a:latin typeface="Cambria Math" panose="02040503050406030204" pitchFamily="18" charset="0"/>
+                            </a:rPr>
+                            <m:t>2</m:t>
+                          </m:r>
+                        </m:sub>
+                      </m:sSub>
+                    </m:oMath>
+                  </m:oMathPara>
+                </a14:m>
+                <a:endParaRPr lang="en-US" sz="3600" dirty="0"/>
+              </a:p>
+            </p:txBody>
+          </p:sp>
+        </mc:Choice>
+        <mc:Fallback>
+          <p:sp>
+            <p:nvSpPr>
+              <p:cNvPr id="63" name="TextBox 62">
+                <a:extLst>
+                  <a:ext uri="{FF2B5EF4-FFF2-40B4-BE49-F238E27FC236}">
+                    <a16:creationId xmlns:a16="http://schemas.microsoft.com/office/drawing/2014/main" id="{850EDA5E-361C-4F23-BAA2-145AD3CD3BD8}"/>
+                  </a:ext>
+                </a:extLst>
+              </p:cNvPr>
+              <p:cNvSpPr txBox="1">
+                <a:spLocks noRot="1" noChangeAspect="1" noMove="1" noResize="1" noEditPoints="1" noAdjustHandles="1" noChangeArrowheads="1" noChangeShapeType="1" noTextEdit="1"/>
+              </p:cNvSpPr>
+              <p:nvPr/>
+            </p:nvSpPr>
+            <p:spPr>
+              <a:xfrm>
+                <a:off x="2407424" y="4909451"/>
+                <a:ext cx="464807" cy="553998"/>
+              </a:xfrm>
+              <a:prstGeom prst="rect">
+                <a:avLst/>
+              </a:prstGeom>
+              <a:blipFill>
+                <a:blip r:embed="rId13"/>
+                <a:stretch>
+                  <a:fillRect/>
+                </a:stretch>
+              </a:blipFill>
+            </p:spPr>
+            <p:txBody>
+              <a:bodyPr/>
+              <a:lstStyle/>
+              <a:p>
+                <a:r>
+                  <a:rPr lang="en-US">
+                    <a:noFill/>
+                  </a:rPr>
+                  <a:t> </a:t>
+                </a:r>
+              </a:p>
+            </p:txBody>
+          </p:sp>
+        </mc:Fallback>
+      </mc:AlternateContent>
+      <p:sp>
+        <p:nvSpPr>
+          <p:cNvPr id="64" name="Arc 63">
+            <a:extLst>
+              <a:ext uri="{FF2B5EF4-FFF2-40B4-BE49-F238E27FC236}">
+                <a16:creationId xmlns:a16="http://schemas.microsoft.com/office/drawing/2014/main" id="{26B0A284-AFDA-49FA-A544-60D87FC9B9EE}"/>
+              </a:ext>
+            </a:extLst>
+          </p:cNvPr>
+          <p:cNvSpPr/>
+          <p:nvPr/>
+        </p:nvSpPr>
+        <p:spPr>
+          <a:xfrm>
+            <a:off x="4977881" y="847895"/>
+            <a:ext cx="682907" cy="123794"/>
+          </a:xfrm>
+          <a:prstGeom prst="arc">
+            <a:avLst>
+              <a:gd name="adj1" fmla="val 16200000"/>
+              <a:gd name="adj2" fmla="val 10247331"/>
+            </a:avLst>
+          </a:prstGeom>
+          <a:ln w="25400">
+            <a:solidFill>
+              <a:schemeClr val="tx1"/>
+            </a:solidFill>
+            <a:tailEnd type="stealth" w="lg" len="lg"/>
+          </a:ln>
+        </p:spPr>
+        <p:style>
+          <a:lnRef idx="1">
+            <a:schemeClr val="accent1"/>
+          </a:lnRef>
+          <a:fillRef idx="0">
+            <a:schemeClr val="accent1"/>
+          </a:fillRef>
+          <a:effectRef idx="0">
+            <a:schemeClr val="accent1"/>
+          </a:effectRef>
+          <a:fontRef idx="minor">
+            <a:schemeClr val="tx1"/>
+          </a:fontRef>
+        </p:style>
+        <p:txBody>
+          <a:bodyPr rtlCol="0" anchor="ctr"/>
+          <a:lstStyle/>
+          <a:p>
+            <a:pPr algn="ctr"/>
+            <a:endParaRPr lang="en-US"/>
+          </a:p>
+        </p:txBody>
+      </p:sp>
+      <mc:AlternateContent xmlns:mc="http://schemas.openxmlformats.org/markup-compatibility/2006">
+        <mc:Choice xmlns:a14="http://schemas.microsoft.com/office/drawing/2010/main" Requires="a14">
+          <p:sp>
+            <p:nvSpPr>
+              <p:cNvPr id="65" name="TextBox 64">
+                <a:extLst>
+                  <a:ext uri="{FF2B5EF4-FFF2-40B4-BE49-F238E27FC236}">
+                    <a16:creationId xmlns:a16="http://schemas.microsoft.com/office/drawing/2014/main" id="{A65DABBB-7286-4D84-BC26-2C0630D54BE8}"/>
+                  </a:ext>
+                </a:extLst>
+              </p:cNvPr>
+              <p:cNvSpPr txBox="1"/>
+              <p:nvPr/>
+            </p:nvSpPr>
+            <p:spPr>
+              <a:xfrm>
+                <a:off x="5177943" y="475379"/>
+                <a:ext cx="267203" cy="372516"/>
+              </a:xfrm>
+              <a:prstGeom prst="rect">
+                <a:avLst/>
+              </a:prstGeom>
+              <a:noFill/>
+            </p:spPr>
+            <p:txBody>
+              <a:bodyPr wrap="square" lIns="0" tIns="0" rIns="0" bIns="0" rtlCol="0">
+                <a:spAutoFit/>
+              </a:bodyPr>
+              <a:lstStyle/>
+              <a:p>
+                <a:pPr/>
+                <a14:m>
+                  <m:oMathPara xmlns:m="http://schemas.openxmlformats.org/officeDocument/2006/math">
+                    <m:oMathParaPr>
+                      <m:jc m:val="centerGroup"/>
+                    </m:oMathParaPr>
+                    <m:oMath xmlns:m="http://schemas.openxmlformats.org/officeDocument/2006/math">
+                      <m:r>
+                        <a:rPr lang="en-US" sz="2400" i="1" smtClean="0">
+                          <a:latin typeface="Cambria Math" panose="02040503050406030204" pitchFamily="18" charset="0"/>
+                          <a:ea typeface="Cambria Math" panose="02040503050406030204" pitchFamily="18" charset="0"/>
+                        </a:rPr>
+                        <m:t>𝜔</m:t>
+                      </m:r>
+                    </m:oMath>
+                  </m:oMathPara>
+                </a14:m>
+                <a:endParaRPr lang="en-US" sz="2400" dirty="0"/>
+              </a:p>
+            </p:txBody>
+          </p:sp>
+        </mc:Choice>
+        <mc:Fallback>
+          <p:sp>
+            <p:nvSpPr>
+              <p:cNvPr id="65" name="TextBox 64">
+                <a:extLst>
+                  <a:ext uri="{FF2B5EF4-FFF2-40B4-BE49-F238E27FC236}">
+                    <a16:creationId xmlns:a16="http://schemas.microsoft.com/office/drawing/2014/main" id="{A65DABBB-7286-4D84-BC26-2C0630D54BE8}"/>
+                  </a:ext>
+                </a:extLst>
+              </p:cNvPr>
+              <p:cNvSpPr txBox="1">
+                <a:spLocks noRot="1" noChangeAspect="1" noMove="1" noResize="1" noEditPoints="1" noAdjustHandles="1" noChangeArrowheads="1" noChangeShapeType="1" noTextEdit="1"/>
+              </p:cNvSpPr>
+              <p:nvPr/>
+            </p:nvSpPr>
+            <p:spPr>
+              <a:xfrm>
+                <a:off x="5177943" y="475379"/>
+                <a:ext cx="267203" cy="372516"/>
+              </a:xfrm>
+              <a:prstGeom prst="rect">
+                <a:avLst/>
+              </a:prstGeom>
+              <a:blipFill>
+                <a:blip r:embed="rId14"/>
+                <a:stretch>
+                  <a:fillRect l="-20455" r="-18182"/>
+                </a:stretch>
+              </a:blipFill>
+            </p:spPr>
+            <p:txBody>
+              <a:bodyPr/>
+              <a:lstStyle/>
+              <a:p>
+                <a:r>
+                  <a:rPr lang="en-US">
+                    <a:noFill/>
+                  </a:rPr>
+                  <a:t> </a:t>
+                </a:r>
+              </a:p>
+            </p:txBody>
+          </p:sp>
+        </mc:Fallback>
+      </mc:AlternateContent>
+      <p:cxnSp>
+        <p:nvCxnSpPr>
+          <p:cNvPr id="66" name="Straight Arrow Connector 65">
+            <a:extLst>
+              <a:ext uri="{FF2B5EF4-FFF2-40B4-BE49-F238E27FC236}">
+                <a16:creationId xmlns:a16="http://schemas.microsoft.com/office/drawing/2014/main" id="{9BD7E0FF-F1E3-47F2-940A-CFF5C4CA3628}"/>
+              </a:ext>
+            </a:extLst>
+          </p:cNvPr>
+          <p:cNvCxnSpPr>
+            <a:cxnSpLocks/>
+          </p:cNvCxnSpPr>
+          <p:nvPr/>
+        </p:nvCxnSpPr>
+        <p:spPr>
+          <a:xfrm flipV="1">
+            <a:off x="1369439" y="4547276"/>
+            <a:ext cx="599116" cy="251511"/>
+          </a:xfrm>
+          <a:prstGeom prst="straightConnector1">
+            <a:avLst/>
+          </a:prstGeom>
+          <a:ln w="38100">
+            <a:solidFill>
+              <a:schemeClr val="tx1"/>
+            </a:solidFill>
+            <a:headEnd type="none" w="lg" len="lg"/>
+            <a:tailEnd type="stealth" w="lg" len="lg"/>
+          </a:ln>
+        </p:spPr>
+        <p:style>
+          <a:lnRef idx="1">
+            <a:schemeClr val="accent1"/>
+          </a:lnRef>
+          <a:fillRef idx="0">
+            <a:schemeClr val="accent1"/>
+          </a:fillRef>
+          <a:effectRef idx="0">
+            <a:schemeClr val="accent1"/>
+          </a:effectRef>
+          <a:fontRef idx="minor">
+            <a:schemeClr val="tx1"/>
+          </a:fontRef>
+        </p:style>
+      </p:cxnSp>
+      <mc:AlternateContent xmlns:mc="http://schemas.openxmlformats.org/markup-compatibility/2006">
+        <mc:Choice xmlns:a14="http://schemas.microsoft.com/office/drawing/2010/main" Requires="a14">
+          <p:sp>
+            <p:nvSpPr>
+              <p:cNvPr id="67" name="TextBox 66">
+                <a:extLst>
+                  <a:ext uri="{FF2B5EF4-FFF2-40B4-BE49-F238E27FC236}">
+                    <a16:creationId xmlns:a16="http://schemas.microsoft.com/office/drawing/2014/main" id="{0E3A6B29-6B31-47FE-845F-0140F7C8C9A2}"/>
+                  </a:ext>
+                </a:extLst>
+              </p:cNvPr>
+              <p:cNvSpPr txBox="1"/>
+              <p:nvPr/>
+            </p:nvSpPr>
+            <p:spPr>
+              <a:xfrm>
+                <a:off x="1561179" y="4161088"/>
+                <a:ext cx="302839" cy="483146"/>
+              </a:xfrm>
+              <a:prstGeom prst="rect">
+                <a:avLst/>
+              </a:prstGeom>
+              <a:noFill/>
+            </p:spPr>
+            <p:txBody>
+              <a:bodyPr wrap="none" lIns="0" tIns="0" rIns="0" bIns="0" rtlCol="0">
+                <a:spAutoFit/>
+              </a:bodyPr>
+              <a:lstStyle/>
+              <a:p>
+                <a:pPr/>
+                <a14:m>
+                  <m:oMathPara xmlns:m="http://schemas.openxmlformats.org/officeDocument/2006/math">
+                    <m:oMathParaPr>
+                      <m:jc m:val="centerGroup"/>
+                    </m:oMathParaPr>
+                    <m:oMath xmlns:m="http://schemas.openxmlformats.org/officeDocument/2006/math">
+                      <m:acc>
+                        <m:accPr>
+                          <m:chr m:val="⃗"/>
+                          <m:ctrlPr>
+                            <a:rPr lang="en-US" sz="2800" i="1" smtClean="0">
+                              <a:latin typeface="Cambria Math" panose="02040503050406030204" pitchFamily="18" charset="0"/>
+                            </a:rPr>
+                          </m:ctrlPr>
+                        </m:accPr>
+                        <m:e>
+                          <m:r>
+                            <a:rPr lang="en-US" sz="2800" b="0" i="1" smtClean="0">
+                              <a:latin typeface="Cambria Math" panose="02040503050406030204" pitchFamily="18" charset="0"/>
+                            </a:rPr>
+                            <m:t>𝑇</m:t>
+                          </m:r>
+                        </m:e>
+                      </m:acc>
+                    </m:oMath>
+                  </m:oMathPara>
+                </a14:m>
+                <a:endParaRPr lang="en-US" sz="2800" dirty="0"/>
+              </a:p>
+            </p:txBody>
+          </p:sp>
+        </mc:Choice>
+        <mc:Fallback>
+          <p:sp>
+            <p:nvSpPr>
+              <p:cNvPr id="67" name="TextBox 66">
+                <a:extLst>
+                  <a:ext uri="{FF2B5EF4-FFF2-40B4-BE49-F238E27FC236}">
+                    <a16:creationId xmlns:a16="http://schemas.microsoft.com/office/drawing/2014/main" id="{0E3A6B29-6B31-47FE-845F-0140F7C8C9A2}"/>
+                  </a:ext>
+                </a:extLst>
+              </p:cNvPr>
+              <p:cNvSpPr txBox="1">
+                <a:spLocks noRot="1" noChangeAspect="1" noMove="1" noResize="1" noEditPoints="1" noAdjustHandles="1" noChangeArrowheads="1" noChangeShapeType="1" noTextEdit="1"/>
+              </p:cNvSpPr>
+              <p:nvPr/>
+            </p:nvSpPr>
+            <p:spPr>
+              <a:xfrm>
+                <a:off x="1561179" y="4161088"/>
+                <a:ext cx="302839" cy="483146"/>
+              </a:xfrm>
+              <a:prstGeom prst="rect">
+                <a:avLst/>
+              </a:prstGeom>
+              <a:blipFill>
+                <a:blip r:embed="rId15"/>
+                <a:stretch>
+                  <a:fillRect/>
+                </a:stretch>
+              </a:blipFill>
+            </p:spPr>
+            <p:txBody>
+              <a:bodyPr/>
+              <a:lstStyle/>
+              <a:p>
+                <a:r>
+                  <a:rPr lang="en-US">
+                    <a:noFill/>
+                  </a:rPr>
+                  <a:t> </a:t>
+                </a:r>
+              </a:p>
+            </p:txBody>
+          </p:sp>
+        </mc:Fallback>
+      </mc:AlternateContent>
+      <mc:AlternateContent xmlns:mc="http://schemas.openxmlformats.org/markup-compatibility/2006">
+        <mc:Choice xmlns:a14="http://schemas.microsoft.com/office/drawing/2010/main" Requires="a14">
+          <p:sp>
+            <p:nvSpPr>
+              <p:cNvPr id="68" name="TextBox 67">
+                <a:extLst>
+                  <a:ext uri="{FF2B5EF4-FFF2-40B4-BE49-F238E27FC236}">
+                    <a16:creationId xmlns:a16="http://schemas.microsoft.com/office/drawing/2014/main" id="{DB5AC333-40DA-4B44-8F48-0EA63225BD03}"/>
+                  </a:ext>
+                </a:extLst>
+              </p:cNvPr>
+              <p:cNvSpPr txBox="1"/>
+              <p:nvPr/>
+            </p:nvSpPr>
+            <p:spPr>
+              <a:xfrm>
+                <a:off x="1226957" y="5488447"/>
+                <a:ext cx="525080" cy="369332"/>
+              </a:xfrm>
+              <a:prstGeom prst="rect">
+                <a:avLst/>
+              </a:prstGeom>
+              <a:noFill/>
+            </p:spPr>
+            <p:txBody>
+              <a:bodyPr wrap="none" lIns="0" tIns="0" rIns="0" bIns="0" rtlCol="0">
+                <a:spAutoFit/>
+              </a:bodyPr>
+              <a:lstStyle/>
+              <a:p>
+                <a:pPr/>
+                <a14:m>
+                  <m:oMathPara xmlns:m="http://schemas.openxmlformats.org/officeDocument/2006/math">
+                    <m:oMathParaPr>
+                      <m:jc m:val="centerGroup"/>
+                    </m:oMathParaPr>
+                    <m:oMath xmlns:m="http://schemas.openxmlformats.org/officeDocument/2006/math">
+                      <m:r>
+                        <a:rPr lang="en-US" sz="2400" b="0" i="1" smtClean="0">
+                          <a:latin typeface="Cambria Math" panose="02040503050406030204" pitchFamily="18" charset="0"/>
+                        </a:rPr>
+                        <m:t>𝑚</m:t>
+                      </m:r>
+                      <m:acc>
+                        <m:accPr>
+                          <m:chr m:val="⃗"/>
+                          <m:ctrlPr>
+                            <a:rPr lang="en-US" sz="2400" i="1" smtClean="0">
+                              <a:latin typeface="Cambria Math" panose="02040503050406030204" pitchFamily="18" charset="0"/>
+                            </a:rPr>
+                          </m:ctrlPr>
+                        </m:accPr>
+                        <m:e>
+                          <m:r>
+                            <a:rPr lang="en-US" sz="2400" b="0" i="1" smtClean="0">
+                              <a:latin typeface="Cambria Math" panose="02040503050406030204" pitchFamily="18" charset="0"/>
+                            </a:rPr>
+                            <m:t>𝑔</m:t>
+                          </m:r>
+                        </m:e>
+                      </m:acc>
+                    </m:oMath>
+                  </m:oMathPara>
+                </a14:m>
+                <a:endParaRPr lang="en-US" sz="2400" dirty="0"/>
+              </a:p>
+            </p:txBody>
+          </p:sp>
+        </mc:Choice>
+        <mc:Fallback>
+          <p:sp>
+            <p:nvSpPr>
+              <p:cNvPr id="68" name="TextBox 67">
+                <a:extLst>
+                  <a:ext uri="{FF2B5EF4-FFF2-40B4-BE49-F238E27FC236}">
+                    <a16:creationId xmlns:a16="http://schemas.microsoft.com/office/drawing/2014/main" id="{DB5AC333-40DA-4B44-8F48-0EA63225BD03}"/>
+                  </a:ext>
+                </a:extLst>
+              </p:cNvPr>
+              <p:cNvSpPr txBox="1">
+                <a:spLocks noRot="1" noChangeAspect="1" noMove="1" noResize="1" noEditPoints="1" noAdjustHandles="1" noChangeArrowheads="1" noChangeShapeType="1" noTextEdit="1"/>
+              </p:cNvSpPr>
+              <p:nvPr/>
+            </p:nvSpPr>
+            <p:spPr>
+              <a:xfrm>
+                <a:off x="1226957" y="5488447"/>
+                <a:ext cx="525080" cy="369332"/>
+              </a:xfrm>
+              <a:prstGeom prst="rect">
+                <a:avLst/>
+              </a:prstGeom>
+              <a:blipFill>
+                <a:blip r:embed="rId16"/>
+                <a:stretch>
+                  <a:fillRect l="-6977" t="-36066" r="-88372" b="-24590"/>
+                </a:stretch>
+              </a:blipFill>
+            </p:spPr>
+            <p:txBody>
+              <a:bodyPr/>
+              <a:lstStyle/>
+              <a:p>
+                <a:r>
+                  <a:rPr lang="en-US">
+                    <a:noFill/>
+                  </a:rPr>
+                  <a:t> </a:t>
+                </a:r>
+              </a:p>
+            </p:txBody>
+          </p:sp>
+        </mc:Fallback>
+      </mc:AlternateContent>
+      <p:cxnSp>
+        <p:nvCxnSpPr>
+          <p:cNvPr id="69" name="Straight Arrow Connector 68">
+            <a:extLst>
+              <a:ext uri="{FF2B5EF4-FFF2-40B4-BE49-F238E27FC236}">
+                <a16:creationId xmlns:a16="http://schemas.microsoft.com/office/drawing/2014/main" id="{CD4C59EC-65B6-4249-BE98-913B28746975}"/>
+              </a:ext>
+            </a:extLst>
+          </p:cNvPr>
+          <p:cNvCxnSpPr>
+            <a:cxnSpLocks/>
+          </p:cNvCxnSpPr>
+          <p:nvPr/>
+        </p:nvCxnSpPr>
+        <p:spPr>
+          <a:xfrm>
+            <a:off x="1199993" y="5018076"/>
+            <a:ext cx="0" cy="1008020"/>
+          </a:xfrm>
+          <a:prstGeom prst="straightConnector1">
+            <a:avLst/>
+          </a:prstGeom>
+          <a:ln w="31750">
+            <a:solidFill>
+              <a:schemeClr val="tx1"/>
+            </a:solidFill>
+            <a:headEnd type="none" w="lg" len="lg"/>
+            <a:tailEnd type="stealth" w="lg" len="lg"/>
+          </a:ln>
+        </p:spPr>
+        <p:style>
+          <a:lnRef idx="1">
+            <a:schemeClr val="accent1"/>
+          </a:lnRef>
+          <a:fillRef idx="0">
+            <a:schemeClr val="accent1"/>
+          </a:fillRef>
+          <a:effectRef idx="0">
+            <a:schemeClr val="accent1"/>
+          </a:effectRef>
+          <a:fontRef idx="minor">
+            <a:schemeClr val="tx1"/>
+          </a:fontRef>
+        </p:style>
+      </p:cxnSp>
+      <p:cxnSp>
+        <p:nvCxnSpPr>
+          <p:cNvPr id="70" name="Straight Arrow Connector 69">
+            <a:extLst>
+              <a:ext uri="{FF2B5EF4-FFF2-40B4-BE49-F238E27FC236}">
+                <a16:creationId xmlns:a16="http://schemas.microsoft.com/office/drawing/2014/main" id="{C0FED3BF-6199-4D03-A7B2-C59A0F47212D}"/>
+              </a:ext>
+            </a:extLst>
+          </p:cNvPr>
+          <p:cNvCxnSpPr>
+            <a:cxnSpLocks/>
+          </p:cNvCxnSpPr>
+          <p:nvPr/>
+        </p:nvCxnSpPr>
+        <p:spPr>
+          <a:xfrm>
+            <a:off x="1403323" y="4914531"/>
+            <a:ext cx="666612" cy="0"/>
+          </a:xfrm>
+          <a:prstGeom prst="straightConnector1">
+            <a:avLst/>
+          </a:prstGeom>
+          <a:ln w="31750">
+            <a:solidFill>
+              <a:schemeClr val="tx1"/>
+            </a:solidFill>
+            <a:headEnd type="none" w="lg" len="lg"/>
+            <a:tailEnd type="stealth" w="lg" len="lg"/>
+          </a:ln>
+        </p:spPr>
+        <p:style>
+          <a:lnRef idx="1">
+            <a:schemeClr val="accent1"/>
+          </a:lnRef>
+          <a:fillRef idx="0">
+            <a:schemeClr val="accent1"/>
+          </a:fillRef>
+          <a:effectRef idx="0">
+            <a:schemeClr val="accent1"/>
+          </a:effectRef>
+          <a:fontRef idx="minor">
+            <a:schemeClr val="tx1"/>
+          </a:fontRef>
+        </p:style>
+      </p:cxnSp>
+      <mc:AlternateContent xmlns:mc="http://schemas.openxmlformats.org/markup-compatibility/2006">
+        <mc:Choice xmlns:a14="http://schemas.microsoft.com/office/drawing/2010/main" Requires="a14">
+          <p:sp>
+            <p:nvSpPr>
+              <p:cNvPr id="71" name="TextBox 70">
+                <a:extLst>
+                  <a:ext uri="{FF2B5EF4-FFF2-40B4-BE49-F238E27FC236}">
+                    <a16:creationId xmlns:a16="http://schemas.microsoft.com/office/drawing/2014/main" id="{82A5891E-5E73-442E-85EB-7C598606B188}"/>
+                  </a:ext>
+                </a:extLst>
+              </p:cNvPr>
+              <p:cNvSpPr txBox="1"/>
+              <p:nvPr/>
+            </p:nvSpPr>
+            <p:spPr>
+              <a:xfrm>
+                <a:off x="1904230" y="4587578"/>
+                <a:ext cx="484812" cy="293029"/>
+              </a:xfrm>
+              <a:prstGeom prst="rect">
+                <a:avLst/>
+              </a:prstGeom>
+              <a:noFill/>
+            </p:spPr>
+            <p:txBody>
+              <a:bodyPr wrap="none" lIns="0" tIns="0" rIns="0" bIns="0" rtlCol="0">
+                <a:spAutoFit/>
+              </a:bodyPr>
+              <a:lstStyle/>
+              <a:p>
+                <a:pPr/>
+                <a14:m>
+                  <m:oMathPara xmlns:m="http://schemas.openxmlformats.org/officeDocument/2006/math">
+                    <m:oMathParaPr>
+                      <m:jc m:val="centerGroup"/>
+                    </m:oMathParaPr>
+                    <m:oMath xmlns:m="http://schemas.openxmlformats.org/officeDocument/2006/math">
+                      <m:r>
+                        <a:rPr lang="en-US" b="0" i="1" smtClean="0">
+                          <a:latin typeface="Cambria Math" panose="02040503050406030204" pitchFamily="18" charset="0"/>
+                        </a:rPr>
+                        <m:t>𝑚</m:t>
+                      </m:r>
+                      <m:acc>
+                        <m:accPr>
+                          <m:chr m:val="⃗"/>
+                          <m:ctrlPr>
+                            <a:rPr lang="en-US" i="1" smtClean="0">
+                              <a:latin typeface="Cambria Math" panose="02040503050406030204" pitchFamily="18" charset="0"/>
+                            </a:rPr>
+                          </m:ctrlPr>
+                        </m:accPr>
+                        <m:e>
+                          <m:sSub>
+                            <m:sSubPr>
+                              <m:ctrlPr>
+                                <a:rPr lang="en-US" b="0" i="1" smtClean="0">
+                                  <a:latin typeface="Cambria Math" panose="02040503050406030204" pitchFamily="18" charset="0"/>
+                                </a:rPr>
+                              </m:ctrlPr>
+                            </m:sSubPr>
+                            <m:e>
+                              <m:r>
+                                <a:rPr lang="en-US" b="0" i="1" smtClean="0">
+                                  <a:latin typeface="Cambria Math" panose="02040503050406030204" pitchFamily="18" charset="0"/>
+                                </a:rPr>
+                                <m:t>𝑎</m:t>
+                              </m:r>
+                            </m:e>
+                            <m:sub>
+                              <m:r>
+                                <a:rPr lang="ru-RU" b="0" i="1" smtClean="0">
+                                  <a:latin typeface="Cambria Math" panose="02040503050406030204" pitchFamily="18" charset="0"/>
+                                </a:rPr>
+                                <m:t>ц</m:t>
+                              </m:r>
+                            </m:sub>
+                          </m:sSub>
+                        </m:e>
+                      </m:acc>
+                    </m:oMath>
+                  </m:oMathPara>
+                </a14:m>
+                <a:endParaRPr lang="en-US" dirty="0"/>
+              </a:p>
+            </p:txBody>
+          </p:sp>
+        </mc:Choice>
+        <mc:Fallback>
+          <p:sp>
+            <p:nvSpPr>
+              <p:cNvPr id="71" name="TextBox 70">
+                <a:extLst>
+                  <a:ext uri="{FF2B5EF4-FFF2-40B4-BE49-F238E27FC236}">
+                    <a16:creationId xmlns:a16="http://schemas.microsoft.com/office/drawing/2014/main" id="{82A5891E-5E73-442E-85EB-7C598606B188}"/>
+                  </a:ext>
+                </a:extLst>
+              </p:cNvPr>
+              <p:cNvSpPr txBox="1">
+                <a:spLocks noRot="1" noChangeAspect="1" noMove="1" noResize="1" noEditPoints="1" noAdjustHandles="1" noChangeArrowheads="1" noChangeShapeType="1" noTextEdit="1"/>
+              </p:cNvSpPr>
+              <p:nvPr/>
+            </p:nvSpPr>
+            <p:spPr>
+              <a:xfrm>
+                <a:off x="1904230" y="4587578"/>
+                <a:ext cx="484812" cy="293029"/>
+              </a:xfrm>
+              <a:prstGeom prst="rect">
+                <a:avLst/>
+              </a:prstGeom>
+              <a:blipFill>
+                <a:blip r:embed="rId17"/>
+                <a:stretch>
+                  <a:fillRect l="-6250" r="-3750" b="-18750"/>
                 </a:stretch>
               </a:blipFill>
             </p:spPr>
@@ -25916,7 +31240,1688 @@
     </p:spTree>
     <p:extLst>
       <p:ext uri="{BB962C8B-B14F-4D97-AF65-F5344CB8AC3E}">
-        <p14:creationId xmlns:p14="http://schemas.microsoft.com/office/powerpoint/2010/main" val="1897301335"/>
+        <p14:creationId xmlns:p14="http://schemas.microsoft.com/office/powerpoint/2010/main" val="239383286"/>
+      </p:ext>
+    </p:extLst>
+  </p:cSld>
+  <p:clrMapOvr>
+    <a:masterClrMapping/>
+  </p:clrMapOvr>
+</p:sld>
+</file>
+
+<file path=ppt/slides/slide18.xml><?xml version="1.0" encoding="utf-8"?>
+<p:sld xmlns:a="http://schemas.openxmlformats.org/drawingml/2006/main" xmlns:r="http://schemas.openxmlformats.org/officeDocument/2006/relationships" xmlns:p="http://schemas.openxmlformats.org/presentationml/2006/main">
+  <p:cSld>
+    <p:spTree>
+      <p:nvGrpSpPr>
+        <p:cNvPr id="1" name=""/>
+        <p:cNvGrpSpPr/>
+        <p:nvPr/>
+      </p:nvGrpSpPr>
+      <p:grpSpPr>
+        <a:xfrm>
+          <a:off x="0" y="0"/>
+          <a:ext cx="0" cy="0"/>
+          <a:chOff x="0" y="0"/>
+          <a:chExt cx="0" cy="0"/>
+        </a:xfrm>
+      </p:grpSpPr>
+      <p:sp>
+        <p:nvSpPr>
+          <p:cNvPr id="34" name="Oval 33">
+            <a:extLst>
+              <a:ext uri="{FF2B5EF4-FFF2-40B4-BE49-F238E27FC236}">
+                <a16:creationId xmlns:a16="http://schemas.microsoft.com/office/drawing/2014/main" id="{81DA6880-70EC-443F-849D-8E8DC3FEC8E6}"/>
+              </a:ext>
+            </a:extLst>
+          </p:cNvPr>
+          <p:cNvSpPr/>
+          <p:nvPr/>
+        </p:nvSpPr>
+        <p:spPr>
+          <a:xfrm>
+            <a:off x="3789928" y="1877895"/>
+            <a:ext cx="3716500" cy="3716500"/>
+          </a:xfrm>
+          <a:prstGeom prst="ellipse">
+            <a:avLst/>
+          </a:prstGeom>
+          <a:noFill/>
+          <a:ln w="22225">
+            <a:solidFill>
+              <a:schemeClr val="tx1"/>
+            </a:solidFill>
+          </a:ln>
+        </p:spPr>
+        <p:style>
+          <a:lnRef idx="2">
+            <a:schemeClr val="accent1">
+              <a:shade val="50000"/>
+            </a:schemeClr>
+          </a:lnRef>
+          <a:fillRef idx="1">
+            <a:schemeClr val="accent1"/>
+          </a:fillRef>
+          <a:effectRef idx="0">
+            <a:schemeClr val="accent1"/>
+          </a:effectRef>
+          <a:fontRef idx="minor">
+            <a:schemeClr val="lt1"/>
+          </a:fontRef>
+        </p:style>
+        <p:txBody>
+          <a:bodyPr rtlCol="0" anchor="ctr"/>
+          <a:lstStyle/>
+          <a:p>
+            <a:pPr algn="ctr"/>
+            <a:endParaRPr lang="en-US"/>
+          </a:p>
+        </p:txBody>
+      </p:sp>
+      <mc:AlternateContent xmlns:mc="http://schemas.openxmlformats.org/markup-compatibility/2006">
+        <mc:Choice xmlns:a14="http://schemas.microsoft.com/office/drawing/2010/main" Requires="a14">
+          <p:sp>
+            <p:nvSpPr>
+              <p:cNvPr id="38" name="TextBox 37">
+                <a:extLst>
+                  <a:ext uri="{FF2B5EF4-FFF2-40B4-BE49-F238E27FC236}">
+                    <a16:creationId xmlns:a16="http://schemas.microsoft.com/office/drawing/2014/main" id="{9BC0C712-9172-4039-9D5D-E8EFEF64DC63}"/>
+                  </a:ext>
+                </a:extLst>
+              </p:cNvPr>
+              <p:cNvSpPr txBox="1"/>
+              <p:nvPr/>
+            </p:nvSpPr>
+            <p:spPr>
+              <a:xfrm>
+                <a:off x="6885063" y="1740735"/>
+                <a:ext cx="267203" cy="372516"/>
+              </a:xfrm>
+              <a:prstGeom prst="rect">
+                <a:avLst/>
+              </a:prstGeom>
+              <a:noFill/>
+            </p:spPr>
+            <p:txBody>
+              <a:bodyPr wrap="square" lIns="0" tIns="0" rIns="0" bIns="0" rtlCol="0">
+                <a:spAutoFit/>
+              </a:bodyPr>
+              <a:lstStyle/>
+              <a:p>
+                <a:pPr/>
+                <a14:m>
+                  <m:oMathPara xmlns:m="http://schemas.openxmlformats.org/officeDocument/2006/math">
+                    <m:oMathParaPr>
+                      <m:jc m:val="centerGroup"/>
+                    </m:oMathParaPr>
+                    <m:oMath xmlns:m="http://schemas.openxmlformats.org/officeDocument/2006/math">
+                      <m:r>
+                        <a:rPr lang="en-US" sz="2400" i="1" smtClean="0">
+                          <a:latin typeface="Cambria Math" panose="02040503050406030204" pitchFamily="18" charset="0"/>
+                          <a:ea typeface="Cambria Math" panose="02040503050406030204" pitchFamily="18" charset="0"/>
+                        </a:rPr>
+                        <m:t>𝜔</m:t>
+                      </m:r>
+                    </m:oMath>
+                  </m:oMathPara>
+                </a14:m>
+                <a:endParaRPr lang="en-US" sz="2400" dirty="0"/>
+              </a:p>
+            </p:txBody>
+          </p:sp>
+        </mc:Choice>
+        <mc:Fallback>
+          <p:sp>
+            <p:nvSpPr>
+              <p:cNvPr id="38" name="TextBox 37">
+                <a:extLst>
+                  <a:ext uri="{FF2B5EF4-FFF2-40B4-BE49-F238E27FC236}">
+                    <a16:creationId xmlns:a16="http://schemas.microsoft.com/office/drawing/2014/main" id="{9BC0C712-9172-4039-9D5D-E8EFEF64DC63}"/>
+                  </a:ext>
+                </a:extLst>
+              </p:cNvPr>
+              <p:cNvSpPr txBox="1">
+                <a:spLocks noRot="1" noChangeAspect="1" noMove="1" noResize="1" noEditPoints="1" noAdjustHandles="1" noChangeArrowheads="1" noChangeShapeType="1" noTextEdit="1"/>
+              </p:cNvSpPr>
+              <p:nvPr/>
+            </p:nvSpPr>
+            <p:spPr>
+              <a:xfrm>
+                <a:off x="6885063" y="1740735"/>
+                <a:ext cx="267203" cy="372516"/>
+              </a:xfrm>
+              <a:prstGeom prst="rect">
+                <a:avLst/>
+              </a:prstGeom>
+              <a:blipFill>
+                <a:blip r:embed="rId2"/>
+                <a:stretch>
+                  <a:fillRect l="-20455" r="-18182"/>
+                </a:stretch>
+              </a:blipFill>
+            </p:spPr>
+            <p:txBody>
+              <a:bodyPr/>
+              <a:lstStyle/>
+              <a:p>
+                <a:r>
+                  <a:rPr lang="en-US">
+                    <a:noFill/>
+                  </a:rPr>
+                  <a:t> </a:t>
+                </a:r>
+              </a:p>
+            </p:txBody>
+          </p:sp>
+        </mc:Fallback>
+      </mc:AlternateContent>
+      <p:sp>
+        <p:nvSpPr>
+          <p:cNvPr id="39" name="Arc 38">
+            <a:extLst>
+              <a:ext uri="{FF2B5EF4-FFF2-40B4-BE49-F238E27FC236}">
+                <a16:creationId xmlns:a16="http://schemas.microsoft.com/office/drawing/2014/main" id="{0F0D5336-440C-4F2F-A790-C2CEE2E41020}"/>
+              </a:ext>
+            </a:extLst>
+          </p:cNvPr>
+          <p:cNvSpPr/>
+          <p:nvPr/>
+        </p:nvSpPr>
+        <p:spPr>
+          <a:xfrm rot="20492297">
+            <a:off x="6679492" y="1928849"/>
+            <a:ext cx="411142" cy="549711"/>
+          </a:xfrm>
+          <a:custGeom>
+            <a:avLst/>
+            <a:gdLst>
+              <a:gd name="connsiteX0" fmla="*/ 341454 w 682907"/>
+              <a:gd name="connsiteY0" fmla="*/ 0 h 123794"/>
+              <a:gd name="connsiteX1" fmla="*/ 668875 w 682907"/>
+              <a:gd name="connsiteY1" fmla="*/ 44334 h 123794"/>
+              <a:gd name="connsiteX2" fmla="*/ 348113 w 682907"/>
+              <a:gd name="connsiteY2" fmla="*/ 123782 h 123794"/>
+              <a:gd name="connsiteX3" fmla="*/ 86969 w 682907"/>
+              <a:gd name="connsiteY3" fmla="*/ 103165 h 123794"/>
+              <a:gd name="connsiteX4" fmla="*/ 341454 w 682907"/>
+              <a:gd name="connsiteY4" fmla="*/ 61897 h 123794"/>
+              <a:gd name="connsiteX5" fmla="*/ 341454 w 682907"/>
+              <a:gd name="connsiteY5" fmla="*/ 0 h 123794"/>
+              <a:gd name="connsiteX0" fmla="*/ 341454 w 682907"/>
+              <a:gd name="connsiteY0" fmla="*/ 0 h 123794"/>
+              <a:gd name="connsiteX1" fmla="*/ 668875 w 682907"/>
+              <a:gd name="connsiteY1" fmla="*/ 44334 h 123794"/>
+              <a:gd name="connsiteX2" fmla="*/ 348113 w 682907"/>
+              <a:gd name="connsiteY2" fmla="*/ 123782 h 123794"/>
+              <a:gd name="connsiteX3" fmla="*/ 86969 w 682907"/>
+              <a:gd name="connsiteY3" fmla="*/ 103165 h 123794"/>
+              <a:gd name="connsiteX0" fmla="*/ 254485 w 596147"/>
+              <a:gd name="connsiteY0" fmla="*/ 179070 h 302863"/>
+              <a:gd name="connsiteX1" fmla="*/ 581906 w 596147"/>
+              <a:gd name="connsiteY1" fmla="*/ 223404 h 302863"/>
+              <a:gd name="connsiteX2" fmla="*/ 261144 w 596147"/>
+              <a:gd name="connsiteY2" fmla="*/ 302852 h 302863"/>
+              <a:gd name="connsiteX3" fmla="*/ 0 w 596147"/>
+              <a:gd name="connsiteY3" fmla="*/ 282235 h 302863"/>
+              <a:gd name="connsiteX4" fmla="*/ 254485 w 596147"/>
+              <a:gd name="connsiteY4" fmla="*/ 240967 h 302863"/>
+              <a:gd name="connsiteX5" fmla="*/ 254485 w 596147"/>
+              <a:gd name="connsiteY5" fmla="*/ 179070 h 302863"/>
+              <a:gd name="connsiteX0" fmla="*/ 290680 w 596147"/>
+              <a:gd name="connsiteY0" fmla="*/ 0 h 302863"/>
+              <a:gd name="connsiteX1" fmla="*/ 581906 w 596147"/>
+              <a:gd name="connsiteY1" fmla="*/ 223404 h 302863"/>
+              <a:gd name="connsiteX2" fmla="*/ 261144 w 596147"/>
+              <a:gd name="connsiteY2" fmla="*/ 302852 h 302863"/>
+              <a:gd name="connsiteX3" fmla="*/ 0 w 596147"/>
+              <a:gd name="connsiteY3" fmla="*/ 282235 h 302863"/>
+              <a:gd name="connsiteX0" fmla="*/ 254485 w 596147"/>
+              <a:gd name="connsiteY0" fmla="*/ 288047 h 411840"/>
+              <a:gd name="connsiteX1" fmla="*/ 581906 w 596147"/>
+              <a:gd name="connsiteY1" fmla="*/ 332381 h 411840"/>
+              <a:gd name="connsiteX2" fmla="*/ 261144 w 596147"/>
+              <a:gd name="connsiteY2" fmla="*/ 411829 h 411840"/>
+              <a:gd name="connsiteX3" fmla="*/ 0 w 596147"/>
+              <a:gd name="connsiteY3" fmla="*/ 391212 h 411840"/>
+              <a:gd name="connsiteX4" fmla="*/ 254485 w 596147"/>
+              <a:gd name="connsiteY4" fmla="*/ 349944 h 411840"/>
+              <a:gd name="connsiteX5" fmla="*/ 254485 w 596147"/>
+              <a:gd name="connsiteY5" fmla="*/ 288047 h 411840"/>
+              <a:gd name="connsiteX0" fmla="*/ 290680 w 596147"/>
+              <a:gd name="connsiteY0" fmla="*/ 108977 h 411840"/>
+              <a:gd name="connsiteX1" fmla="*/ 362831 w 596147"/>
+              <a:gd name="connsiteY1" fmla="*/ 10436 h 411840"/>
+              <a:gd name="connsiteX2" fmla="*/ 261144 w 596147"/>
+              <a:gd name="connsiteY2" fmla="*/ 411829 h 411840"/>
+              <a:gd name="connsiteX3" fmla="*/ 0 w 596147"/>
+              <a:gd name="connsiteY3" fmla="*/ 391212 h 411840"/>
+              <a:gd name="connsiteX0" fmla="*/ 254485 w 596147"/>
+              <a:gd name="connsiteY0" fmla="*/ 310595 h 434388"/>
+              <a:gd name="connsiteX1" fmla="*/ 581906 w 596147"/>
+              <a:gd name="connsiteY1" fmla="*/ 354929 h 434388"/>
+              <a:gd name="connsiteX2" fmla="*/ 261144 w 596147"/>
+              <a:gd name="connsiteY2" fmla="*/ 434377 h 434388"/>
+              <a:gd name="connsiteX3" fmla="*/ 0 w 596147"/>
+              <a:gd name="connsiteY3" fmla="*/ 413760 h 434388"/>
+              <a:gd name="connsiteX4" fmla="*/ 254485 w 596147"/>
+              <a:gd name="connsiteY4" fmla="*/ 372492 h 434388"/>
+              <a:gd name="connsiteX5" fmla="*/ 254485 w 596147"/>
+              <a:gd name="connsiteY5" fmla="*/ 310595 h 434388"/>
+              <a:gd name="connsiteX0" fmla="*/ 290680 w 596147"/>
+              <a:gd name="connsiteY0" fmla="*/ 131525 h 434388"/>
+              <a:gd name="connsiteX1" fmla="*/ 362831 w 596147"/>
+              <a:gd name="connsiteY1" fmla="*/ 32984 h 434388"/>
+              <a:gd name="connsiteX2" fmla="*/ 118269 w 596147"/>
+              <a:gd name="connsiteY2" fmla="*/ 37 h 434388"/>
+              <a:gd name="connsiteX3" fmla="*/ 0 w 596147"/>
+              <a:gd name="connsiteY3" fmla="*/ 413760 h 434388"/>
+              <a:gd name="connsiteX0" fmla="*/ 427840 w 769502"/>
+              <a:gd name="connsiteY0" fmla="*/ 310595 h 434388"/>
+              <a:gd name="connsiteX1" fmla="*/ 755261 w 769502"/>
+              <a:gd name="connsiteY1" fmla="*/ 354929 h 434388"/>
+              <a:gd name="connsiteX2" fmla="*/ 434499 w 769502"/>
+              <a:gd name="connsiteY2" fmla="*/ 434377 h 434388"/>
+              <a:gd name="connsiteX3" fmla="*/ 173355 w 769502"/>
+              <a:gd name="connsiteY3" fmla="*/ 413760 h 434388"/>
+              <a:gd name="connsiteX4" fmla="*/ 427840 w 769502"/>
+              <a:gd name="connsiteY4" fmla="*/ 372492 h 434388"/>
+              <a:gd name="connsiteX5" fmla="*/ 427840 w 769502"/>
+              <a:gd name="connsiteY5" fmla="*/ 310595 h 434388"/>
+              <a:gd name="connsiteX0" fmla="*/ 464035 w 769502"/>
+              <a:gd name="connsiteY0" fmla="*/ 131525 h 434388"/>
+              <a:gd name="connsiteX1" fmla="*/ 536186 w 769502"/>
+              <a:gd name="connsiteY1" fmla="*/ 32984 h 434388"/>
+              <a:gd name="connsiteX2" fmla="*/ 291624 w 769502"/>
+              <a:gd name="connsiteY2" fmla="*/ 37 h 434388"/>
+              <a:gd name="connsiteX3" fmla="*/ 0 w 769502"/>
+              <a:gd name="connsiteY3" fmla="*/ 375 h 434388"/>
+              <a:gd name="connsiteX0" fmla="*/ 427840 w 769502"/>
+              <a:gd name="connsiteY0" fmla="*/ 319428 h 443221"/>
+              <a:gd name="connsiteX1" fmla="*/ 755261 w 769502"/>
+              <a:gd name="connsiteY1" fmla="*/ 363762 h 443221"/>
+              <a:gd name="connsiteX2" fmla="*/ 434499 w 769502"/>
+              <a:gd name="connsiteY2" fmla="*/ 443210 h 443221"/>
+              <a:gd name="connsiteX3" fmla="*/ 173355 w 769502"/>
+              <a:gd name="connsiteY3" fmla="*/ 422593 h 443221"/>
+              <a:gd name="connsiteX4" fmla="*/ 427840 w 769502"/>
+              <a:gd name="connsiteY4" fmla="*/ 381325 h 443221"/>
+              <a:gd name="connsiteX5" fmla="*/ 427840 w 769502"/>
+              <a:gd name="connsiteY5" fmla="*/ 319428 h 443221"/>
+              <a:gd name="connsiteX0" fmla="*/ 385295 w 769502"/>
+              <a:gd name="connsiteY0" fmla="*/ 409598 h 443221"/>
+              <a:gd name="connsiteX1" fmla="*/ 536186 w 769502"/>
+              <a:gd name="connsiteY1" fmla="*/ 41817 h 443221"/>
+              <a:gd name="connsiteX2" fmla="*/ 291624 w 769502"/>
+              <a:gd name="connsiteY2" fmla="*/ 8870 h 443221"/>
+              <a:gd name="connsiteX3" fmla="*/ 0 w 769502"/>
+              <a:gd name="connsiteY3" fmla="*/ 9208 h 443221"/>
+              <a:gd name="connsiteX0" fmla="*/ 427840 w 769502"/>
+              <a:gd name="connsiteY0" fmla="*/ 310565 h 434358"/>
+              <a:gd name="connsiteX1" fmla="*/ 755261 w 769502"/>
+              <a:gd name="connsiteY1" fmla="*/ 354899 h 434358"/>
+              <a:gd name="connsiteX2" fmla="*/ 434499 w 769502"/>
+              <a:gd name="connsiteY2" fmla="*/ 434347 h 434358"/>
+              <a:gd name="connsiteX3" fmla="*/ 173355 w 769502"/>
+              <a:gd name="connsiteY3" fmla="*/ 413730 h 434358"/>
+              <a:gd name="connsiteX4" fmla="*/ 427840 w 769502"/>
+              <a:gd name="connsiteY4" fmla="*/ 372462 h 434358"/>
+              <a:gd name="connsiteX5" fmla="*/ 427840 w 769502"/>
+              <a:gd name="connsiteY5" fmla="*/ 310565 h 434358"/>
+              <a:gd name="connsiteX0" fmla="*/ 385295 w 769502"/>
+              <a:gd name="connsiteY0" fmla="*/ 400735 h 434358"/>
+              <a:gd name="connsiteX1" fmla="*/ 426966 w 769502"/>
+              <a:gd name="connsiteY1" fmla="*/ 137094 h 434358"/>
+              <a:gd name="connsiteX2" fmla="*/ 291624 w 769502"/>
+              <a:gd name="connsiteY2" fmla="*/ 7 h 434358"/>
+              <a:gd name="connsiteX3" fmla="*/ 0 w 769502"/>
+              <a:gd name="connsiteY3" fmla="*/ 345 h 434358"/>
+              <a:gd name="connsiteX0" fmla="*/ 3660 w 772113"/>
+              <a:gd name="connsiteY0" fmla="*/ 3225 h 434358"/>
+              <a:gd name="connsiteX1" fmla="*/ 755261 w 772113"/>
+              <a:gd name="connsiteY1" fmla="*/ 354899 h 434358"/>
+              <a:gd name="connsiteX2" fmla="*/ 434499 w 772113"/>
+              <a:gd name="connsiteY2" fmla="*/ 434347 h 434358"/>
+              <a:gd name="connsiteX3" fmla="*/ 173355 w 772113"/>
+              <a:gd name="connsiteY3" fmla="*/ 413730 h 434358"/>
+              <a:gd name="connsiteX4" fmla="*/ 427840 w 772113"/>
+              <a:gd name="connsiteY4" fmla="*/ 372462 h 434358"/>
+              <a:gd name="connsiteX5" fmla="*/ 3660 w 772113"/>
+              <a:gd name="connsiteY5" fmla="*/ 3225 h 434358"/>
+              <a:gd name="connsiteX0" fmla="*/ 385295 w 772113"/>
+              <a:gd name="connsiteY0" fmla="*/ 400735 h 434358"/>
+              <a:gd name="connsiteX1" fmla="*/ 426966 w 772113"/>
+              <a:gd name="connsiteY1" fmla="*/ 137094 h 434358"/>
+              <a:gd name="connsiteX2" fmla="*/ 291624 w 772113"/>
+              <a:gd name="connsiteY2" fmla="*/ 7 h 434358"/>
+              <a:gd name="connsiteX3" fmla="*/ 0 w 772113"/>
+              <a:gd name="connsiteY3" fmla="*/ 345 h 434358"/>
+              <a:gd name="connsiteX0" fmla="*/ 3660 w 772113"/>
+              <a:gd name="connsiteY0" fmla="*/ 2880 h 434013"/>
+              <a:gd name="connsiteX1" fmla="*/ 755261 w 772113"/>
+              <a:gd name="connsiteY1" fmla="*/ 354554 h 434013"/>
+              <a:gd name="connsiteX2" fmla="*/ 434499 w 772113"/>
+              <a:gd name="connsiteY2" fmla="*/ 434002 h 434013"/>
+              <a:gd name="connsiteX3" fmla="*/ 173355 w 772113"/>
+              <a:gd name="connsiteY3" fmla="*/ 413385 h 434013"/>
+              <a:gd name="connsiteX4" fmla="*/ 427840 w 772113"/>
+              <a:gd name="connsiteY4" fmla="*/ 372117 h 434013"/>
+              <a:gd name="connsiteX5" fmla="*/ 3660 w 772113"/>
+              <a:gd name="connsiteY5" fmla="*/ 2880 h 434013"/>
+              <a:gd name="connsiteX0" fmla="*/ 385295 w 772113"/>
+              <a:gd name="connsiteY0" fmla="*/ 400390 h 434013"/>
+              <a:gd name="connsiteX1" fmla="*/ 426966 w 772113"/>
+              <a:gd name="connsiteY1" fmla="*/ 136749 h 434013"/>
+              <a:gd name="connsiteX2" fmla="*/ 273844 w 772113"/>
+              <a:gd name="connsiteY2" fmla="*/ 42842 h 434013"/>
+              <a:gd name="connsiteX3" fmla="*/ 0 w 772113"/>
+              <a:gd name="connsiteY3" fmla="*/ 0 h 434013"/>
+              <a:gd name="connsiteX0" fmla="*/ 3660 w 772113"/>
+              <a:gd name="connsiteY0" fmla="*/ 2880 h 434013"/>
+              <a:gd name="connsiteX1" fmla="*/ 755261 w 772113"/>
+              <a:gd name="connsiteY1" fmla="*/ 354554 h 434013"/>
+              <a:gd name="connsiteX2" fmla="*/ 434499 w 772113"/>
+              <a:gd name="connsiteY2" fmla="*/ 434002 h 434013"/>
+              <a:gd name="connsiteX3" fmla="*/ 173355 w 772113"/>
+              <a:gd name="connsiteY3" fmla="*/ 413385 h 434013"/>
+              <a:gd name="connsiteX4" fmla="*/ 427840 w 772113"/>
+              <a:gd name="connsiteY4" fmla="*/ 372117 h 434013"/>
+              <a:gd name="connsiteX5" fmla="*/ 3660 w 772113"/>
+              <a:gd name="connsiteY5" fmla="*/ 2880 h 434013"/>
+              <a:gd name="connsiteX0" fmla="*/ 385295 w 772113"/>
+              <a:gd name="connsiteY0" fmla="*/ 400390 h 434013"/>
+              <a:gd name="connsiteX1" fmla="*/ 401566 w 772113"/>
+              <a:gd name="connsiteY1" fmla="*/ 185009 h 434013"/>
+              <a:gd name="connsiteX2" fmla="*/ 273844 w 772113"/>
+              <a:gd name="connsiteY2" fmla="*/ 42842 h 434013"/>
+              <a:gd name="connsiteX3" fmla="*/ 0 w 772113"/>
+              <a:gd name="connsiteY3" fmla="*/ 0 h 434013"/>
+              <a:gd name="connsiteX0" fmla="*/ 3660 w 461835"/>
+              <a:gd name="connsiteY0" fmla="*/ 2880 h 454899"/>
+              <a:gd name="connsiteX1" fmla="*/ 374261 w 461835"/>
+              <a:gd name="connsiteY1" fmla="*/ 103094 h 454899"/>
+              <a:gd name="connsiteX2" fmla="*/ 434499 w 461835"/>
+              <a:gd name="connsiteY2" fmla="*/ 434002 h 454899"/>
+              <a:gd name="connsiteX3" fmla="*/ 173355 w 461835"/>
+              <a:gd name="connsiteY3" fmla="*/ 413385 h 454899"/>
+              <a:gd name="connsiteX4" fmla="*/ 427840 w 461835"/>
+              <a:gd name="connsiteY4" fmla="*/ 372117 h 454899"/>
+              <a:gd name="connsiteX5" fmla="*/ 3660 w 461835"/>
+              <a:gd name="connsiteY5" fmla="*/ 2880 h 454899"/>
+              <a:gd name="connsiteX0" fmla="*/ 385295 w 461835"/>
+              <a:gd name="connsiteY0" fmla="*/ 400390 h 454899"/>
+              <a:gd name="connsiteX1" fmla="*/ 401566 w 461835"/>
+              <a:gd name="connsiteY1" fmla="*/ 185009 h 454899"/>
+              <a:gd name="connsiteX2" fmla="*/ 273844 w 461835"/>
+              <a:gd name="connsiteY2" fmla="*/ 42842 h 454899"/>
+              <a:gd name="connsiteX3" fmla="*/ 0 w 461835"/>
+              <a:gd name="connsiteY3" fmla="*/ 0 h 454899"/>
+              <a:gd name="connsiteX0" fmla="*/ 3660 w 478166"/>
+              <a:gd name="connsiteY0" fmla="*/ 2880 h 418846"/>
+              <a:gd name="connsiteX1" fmla="*/ 374261 w 478166"/>
+              <a:gd name="connsiteY1" fmla="*/ 103094 h 418846"/>
+              <a:gd name="connsiteX2" fmla="*/ 467519 w 478166"/>
+              <a:gd name="connsiteY2" fmla="*/ 365422 h 418846"/>
+              <a:gd name="connsiteX3" fmla="*/ 173355 w 478166"/>
+              <a:gd name="connsiteY3" fmla="*/ 413385 h 418846"/>
+              <a:gd name="connsiteX4" fmla="*/ 427840 w 478166"/>
+              <a:gd name="connsiteY4" fmla="*/ 372117 h 418846"/>
+              <a:gd name="connsiteX5" fmla="*/ 3660 w 478166"/>
+              <a:gd name="connsiteY5" fmla="*/ 2880 h 418846"/>
+              <a:gd name="connsiteX0" fmla="*/ 385295 w 478166"/>
+              <a:gd name="connsiteY0" fmla="*/ 400390 h 418846"/>
+              <a:gd name="connsiteX1" fmla="*/ 401566 w 478166"/>
+              <a:gd name="connsiteY1" fmla="*/ 185009 h 418846"/>
+              <a:gd name="connsiteX2" fmla="*/ 273844 w 478166"/>
+              <a:gd name="connsiteY2" fmla="*/ 42842 h 418846"/>
+              <a:gd name="connsiteX3" fmla="*/ 0 w 478166"/>
+              <a:gd name="connsiteY3" fmla="*/ 0 h 418846"/>
+              <a:gd name="connsiteX0" fmla="*/ 3660 w 478812"/>
+              <a:gd name="connsiteY0" fmla="*/ 2880 h 418846"/>
+              <a:gd name="connsiteX1" fmla="*/ 374261 w 478812"/>
+              <a:gd name="connsiteY1" fmla="*/ 103094 h 418846"/>
+              <a:gd name="connsiteX2" fmla="*/ 467519 w 478812"/>
+              <a:gd name="connsiteY2" fmla="*/ 365422 h 418846"/>
+              <a:gd name="connsiteX3" fmla="*/ 173355 w 478812"/>
+              <a:gd name="connsiteY3" fmla="*/ 413385 h 418846"/>
+              <a:gd name="connsiteX4" fmla="*/ 427840 w 478812"/>
+              <a:gd name="connsiteY4" fmla="*/ 372117 h 418846"/>
+              <a:gd name="connsiteX5" fmla="*/ 3660 w 478812"/>
+              <a:gd name="connsiteY5" fmla="*/ 2880 h 418846"/>
+              <a:gd name="connsiteX0" fmla="*/ 385295 w 478812"/>
+              <a:gd name="connsiteY0" fmla="*/ 400390 h 418846"/>
+              <a:gd name="connsiteX1" fmla="*/ 444746 w 478812"/>
+              <a:gd name="connsiteY1" fmla="*/ 174849 h 418846"/>
+              <a:gd name="connsiteX2" fmla="*/ 273844 w 478812"/>
+              <a:gd name="connsiteY2" fmla="*/ 42842 h 418846"/>
+              <a:gd name="connsiteX3" fmla="*/ 0 w 478812"/>
+              <a:gd name="connsiteY3" fmla="*/ 0 h 418846"/>
+              <a:gd name="connsiteX0" fmla="*/ 3660 w 478166"/>
+              <a:gd name="connsiteY0" fmla="*/ 2880 h 418846"/>
+              <a:gd name="connsiteX1" fmla="*/ 374261 w 478166"/>
+              <a:gd name="connsiteY1" fmla="*/ 103094 h 418846"/>
+              <a:gd name="connsiteX2" fmla="*/ 467519 w 478166"/>
+              <a:gd name="connsiteY2" fmla="*/ 365422 h 418846"/>
+              <a:gd name="connsiteX3" fmla="*/ 173355 w 478166"/>
+              <a:gd name="connsiteY3" fmla="*/ 413385 h 418846"/>
+              <a:gd name="connsiteX4" fmla="*/ 427840 w 478166"/>
+              <a:gd name="connsiteY4" fmla="*/ 372117 h 418846"/>
+              <a:gd name="connsiteX5" fmla="*/ 3660 w 478166"/>
+              <a:gd name="connsiteY5" fmla="*/ 2880 h 418846"/>
+              <a:gd name="connsiteX0" fmla="*/ 385295 w 478166"/>
+              <a:gd name="connsiteY0" fmla="*/ 400390 h 418846"/>
+              <a:gd name="connsiteX1" fmla="*/ 444746 w 478166"/>
+              <a:gd name="connsiteY1" fmla="*/ 174849 h 418846"/>
+              <a:gd name="connsiteX2" fmla="*/ 384658 w 478166"/>
+              <a:gd name="connsiteY2" fmla="*/ 118422 h 418846"/>
+              <a:gd name="connsiteX3" fmla="*/ 273844 w 478166"/>
+              <a:gd name="connsiteY3" fmla="*/ 42842 h 418846"/>
+              <a:gd name="connsiteX4" fmla="*/ 0 w 478166"/>
+              <a:gd name="connsiteY4" fmla="*/ 0 h 418846"/>
+              <a:gd name="connsiteX0" fmla="*/ 3660 w 478166"/>
+              <a:gd name="connsiteY0" fmla="*/ 2880 h 418846"/>
+              <a:gd name="connsiteX1" fmla="*/ 374261 w 478166"/>
+              <a:gd name="connsiteY1" fmla="*/ 103094 h 418846"/>
+              <a:gd name="connsiteX2" fmla="*/ 467519 w 478166"/>
+              <a:gd name="connsiteY2" fmla="*/ 365422 h 418846"/>
+              <a:gd name="connsiteX3" fmla="*/ 173355 w 478166"/>
+              <a:gd name="connsiteY3" fmla="*/ 413385 h 418846"/>
+              <a:gd name="connsiteX4" fmla="*/ 427840 w 478166"/>
+              <a:gd name="connsiteY4" fmla="*/ 372117 h 418846"/>
+              <a:gd name="connsiteX5" fmla="*/ 3660 w 478166"/>
+              <a:gd name="connsiteY5" fmla="*/ 2880 h 418846"/>
+              <a:gd name="connsiteX0" fmla="*/ 385295 w 478166"/>
+              <a:gd name="connsiteY0" fmla="*/ 400390 h 418846"/>
+              <a:gd name="connsiteX1" fmla="*/ 444746 w 478166"/>
+              <a:gd name="connsiteY1" fmla="*/ 174849 h 418846"/>
+              <a:gd name="connsiteX2" fmla="*/ 384658 w 478166"/>
+              <a:gd name="connsiteY2" fmla="*/ 118422 h 418846"/>
+              <a:gd name="connsiteX3" fmla="*/ 271304 w 478166"/>
+              <a:gd name="connsiteY3" fmla="*/ 53002 h 418846"/>
+              <a:gd name="connsiteX4" fmla="*/ 0 w 478166"/>
+              <a:gd name="connsiteY4" fmla="*/ 0 h 418846"/>
+              <a:gd name="connsiteX0" fmla="*/ 3660 w 478166"/>
+              <a:gd name="connsiteY0" fmla="*/ 2880 h 418846"/>
+              <a:gd name="connsiteX1" fmla="*/ 374261 w 478166"/>
+              <a:gd name="connsiteY1" fmla="*/ 103094 h 418846"/>
+              <a:gd name="connsiteX2" fmla="*/ 467519 w 478166"/>
+              <a:gd name="connsiteY2" fmla="*/ 365422 h 418846"/>
+              <a:gd name="connsiteX3" fmla="*/ 173355 w 478166"/>
+              <a:gd name="connsiteY3" fmla="*/ 413385 h 418846"/>
+              <a:gd name="connsiteX4" fmla="*/ 427840 w 478166"/>
+              <a:gd name="connsiteY4" fmla="*/ 372117 h 418846"/>
+              <a:gd name="connsiteX5" fmla="*/ 3660 w 478166"/>
+              <a:gd name="connsiteY5" fmla="*/ 2880 h 418846"/>
+              <a:gd name="connsiteX0" fmla="*/ 385295 w 478166"/>
+              <a:gd name="connsiteY0" fmla="*/ 400390 h 418846"/>
+              <a:gd name="connsiteX1" fmla="*/ 444746 w 478166"/>
+              <a:gd name="connsiteY1" fmla="*/ 174849 h 418846"/>
+              <a:gd name="connsiteX2" fmla="*/ 384658 w 478166"/>
+              <a:gd name="connsiteY2" fmla="*/ 118422 h 418846"/>
+              <a:gd name="connsiteX3" fmla="*/ 271304 w 478166"/>
+              <a:gd name="connsiteY3" fmla="*/ 53002 h 418846"/>
+              <a:gd name="connsiteX4" fmla="*/ 0 w 478166"/>
+              <a:gd name="connsiteY4" fmla="*/ 0 h 418846"/>
+              <a:gd name="connsiteX0" fmla="*/ 3660 w 478166"/>
+              <a:gd name="connsiteY0" fmla="*/ 2880 h 418846"/>
+              <a:gd name="connsiteX1" fmla="*/ 374261 w 478166"/>
+              <a:gd name="connsiteY1" fmla="*/ 103094 h 418846"/>
+              <a:gd name="connsiteX2" fmla="*/ 467519 w 478166"/>
+              <a:gd name="connsiteY2" fmla="*/ 365422 h 418846"/>
+              <a:gd name="connsiteX3" fmla="*/ 173355 w 478166"/>
+              <a:gd name="connsiteY3" fmla="*/ 413385 h 418846"/>
+              <a:gd name="connsiteX4" fmla="*/ 427840 w 478166"/>
+              <a:gd name="connsiteY4" fmla="*/ 372117 h 418846"/>
+              <a:gd name="connsiteX5" fmla="*/ 3660 w 478166"/>
+              <a:gd name="connsiteY5" fmla="*/ 2880 h 418846"/>
+              <a:gd name="connsiteX0" fmla="*/ 385295 w 478166"/>
+              <a:gd name="connsiteY0" fmla="*/ 400390 h 418846"/>
+              <a:gd name="connsiteX1" fmla="*/ 444746 w 478166"/>
+              <a:gd name="connsiteY1" fmla="*/ 174849 h 418846"/>
+              <a:gd name="connsiteX2" fmla="*/ 384658 w 478166"/>
+              <a:gd name="connsiteY2" fmla="*/ 118422 h 418846"/>
+              <a:gd name="connsiteX3" fmla="*/ 271304 w 478166"/>
+              <a:gd name="connsiteY3" fmla="*/ 53002 h 418846"/>
+              <a:gd name="connsiteX4" fmla="*/ 0 w 478166"/>
+              <a:gd name="connsiteY4" fmla="*/ 0 h 418846"/>
+              <a:gd name="connsiteX0" fmla="*/ 3660 w 481898"/>
+              <a:gd name="connsiteY0" fmla="*/ 2880 h 418846"/>
+              <a:gd name="connsiteX1" fmla="*/ 374261 w 481898"/>
+              <a:gd name="connsiteY1" fmla="*/ 103094 h 418846"/>
+              <a:gd name="connsiteX2" fmla="*/ 467519 w 481898"/>
+              <a:gd name="connsiteY2" fmla="*/ 365422 h 418846"/>
+              <a:gd name="connsiteX3" fmla="*/ 173355 w 481898"/>
+              <a:gd name="connsiteY3" fmla="*/ 413385 h 418846"/>
+              <a:gd name="connsiteX4" fmla="*/ 427840 w 481898"/>
+              <a:gd name="connsiteY4" fmla="*/ 372117 h 418846"/>
+              <a:gd name="connsiteX5" fmla="*/ 3660 w 481898"/>
+              <a:gd name="connsiteY5" fmla="*/ 2880 h 418846"/>
+              <a:gd name="connsiteX0" fmla="*/ 385295 w 481898"/>
+              <a:gd name="connsiteY0" fmla="*/ 400390 h 418846"/>
+              <a:gd name="connsiteX1" fmla="*/ 444746 w 481898"/>
+              <a:gd name="connsiteY1" fmla="*/ 174849 h 418846"/>
+              <a:gd name="connsiteX2" fmla="*/ 384658 w 481898"/>
+              <a:gd name="connsiteY2" fmla="*/ 118422 h 418846"/>
+              <a:gd name="connsiteX3" fmla="*/ 271304 w 481898"/>
+              <a:gd name="connsiteY3" fmla="*/ 53002 h 418846"/>
+              <a:gd name="connsiteX4" fmla="*/ 0 w 481898"/>
+              <a:gd name="connsiteY4" fmla="*/ 0 h 418846"/>
+              <a:gd name="connsiteX0" fmla="*/ 3660 w 478166"/>
+              <a:gd name="connsiteY0" fmla="*/ 2880 h 418846"/>
+              <a:gd name="connsiteX1" fmla="*/ 374261 w 478166"/>
+              <a:gd name="connsiteY1" fmla="*/ 103094 h 418846"/>
+              <a:gd name="connsiteX2" fmla="*/ 467519 w 478166"/>
+              <a:gd name="connsiteY2" fmla="*/ 365422 h 418846"/>
+              <a:gd name="connsiteX3" fmla="*/ 173355 w 478166"/>
+              <a:gd name="connsiteY3" fmla="*/ 413385 h 418846"/>
+              <a:gd name="connsiteX4" fmla="*/ 427840 w 478166"/>
+              <a:gd name="connsiteY4" fmla="*/ 372117 h 418846"/>
+              <a:gd name="connsiteX5" fmla="*/ 3660 w 478166"/>
+              <a:gd name="connsiteY5" fmla="*/ 2880 h 418846"/>
+              <a:gd name="connsiteX0" fmla="*/ 385295 w 478166"/>
+              <a:gd name="connsiteY0" fmla="*/ 400390 h 418846"/>
+              <a:gd name="connsiteX1" fmla="*/ 444746 w 478166"/>
+              <a:gd name="connsiteY1" fmla="*/ 174849 h 418846"/>
+              <a:gd name="connsiteX2" fmla="*/ 426568 w 478166"/>
+              <a:gd name="connsiteY2" fmla="*/ 91752 h 418846"/>
+              <a:gd name="connsiteX3" fmla="*/ 271304 w 478166"/>
+              <a:gd name="connsiteY3" fmla="*/ 53002 h 418846"/>
+              <a:gd name="connsiteX4" fmla="*/ 0 w 478166"/>
+              <a:gd name="connsiteY4" fmla="*/ 0 h 418846"/>
+              <a:gd name="connsiteX0" fmla="*/ 3660 w 478166"/>
+              <a:gd name="connsiteY0" fmla="*/ 2880 h 418846"/>
+              <a:gd name="connsiteX1" fmla="*/ 374261 w 478166"/>
+              <a:gd name="connsiteY1" fmla="*/ 103094 h 418846"/>
+              <a:gd name="connsiteX2" fmla="*/ 467519 w 478166"/>
+              <a:gd name="connsiteY2" fmla="*/ 365422 h 418846"/>
+              <a:gd name="connsiteX3" fmla="*/ 173355 w 478166"/>
+              <a:gd name="connsiteY3" fmla="*/ 413385 h 418846"/>
+              <a:gd name="connsiteX4" fmla="*/ 427840 w 478166"/>
+              <a:gd name="connsiteY4" fmla="*/ 372117 h 418846"/>
+              <a:gd name="connsiteX5" fmla="*/ 3660 w 478166"/>
+              <a:gd name="connsiteY5" fmla="*/ 2880 h 418846"/>
+              <a:gd name="connsiteX0" fmla="*/ 385295 w 478166"/>
+              <a:gd name="connsiteY0" fmla="*/ 400390 h 418846"/>
+              <a:gd name="connsiteX1" fmla="*/ 444746 w 478166"/>
+              <a:gd name="connsiteY1" fmla="*/ 174849 h 418846"/>
+              <a:gd name="connsiteX2" fmla="*/ 396088 w 478166"/>
+              <a:gd name="connsiteY2" fmla="*/ 114612 h 418846"/>
+              <a:gd name="connsiteX3" fmla="*/ 271304 w 478166"/>
+              <a:gd name="connsiteY3" fmla="*/ 53002 h 418846"/>
+              <a:gd name="connsiteX4" fmla="*/ 0 w 478166"/>
+              <a:gd name="connsiteY4" fmla="*/ 0 h 418846"/>
+              <a:gd name="connsiteX0" fmla="*/ 3660 w 478166"/>
+              <a:gd name="connsiteY0" fmla="*/ 2880 h 418846"/>
+              <a:gd name="connsiteX1" fmla="*/ 374261 w 478166"/>
+              <a:gd name="connsiteY1" fmla="*/ 103094 h 418846"/>
+              <a:gd name="connsiteX2" fmla="*/ 467519 w 478166"/>
+              <a:gd name="connsiteY2" fmla="*/ 365422 h 418846"/>
+              <a:gd name="connsiteX3" fmla="*/ 173355 w 478166"/>
+              <a:gd name="connsiteY3" fmla="*/ 413385 h 418846"/>
+              <a:gd name="connsiteX4" fmla="*/ 427840 w 478166"/>
+              <a:gd name="connsiteY4" fmla="*/ 372117 h 418846"/>
+              <a:gd name="connsiteX5" fmla="*/ 3660 w 478166"/>
+              <a:gd name="connsiteY5" fmla="*/ 2880 h 418846"/>
+              <a:gd name="connsiteX0" fmla="*/ 385295 w 478166"/>
+              <a:gd name="connsiteY0" fmla="*/ 400390 h 418846"/>
+              <a:gd name="connsiteX1" fmla="*/ 444746 w 478166"/>
+              <a:gd name="connsiteY1" fmla="*/ 174849 h 418846"/>
+              <a:gd name="connsiteX2" fmla="*/ 382753 w 478166"/>
+              <a:gd name="connsiteY2" fmla="*/ 114612 h 418846"/>
+              <a:gd name="connsiteX3" fmla="*/ 271304 w 478166"/>
+              <a:gd name="connsiteY3" fmla="*/ 53002 h 418846"/>
+              <a:gd name="connsiteX4" fmla="*/ 0 w 478166"/>
+              <a:gd name="connsiteY4" fmla="*/ 0 h 418846"/>
+              <a:gd name="connsiteX0" fmla="*/ 3660 w 481891"/>
+              <a:gd name="connsiteY0" fmla="*/ 2880 h 418846"/>
+              <a:gd name="connsiteX1" fmla="*/ 374261 w 481891"/>
+              <a:gd name="connsiteY1" fmla="*/ 103094 h 418846"/>
+              <a:gd name="connsiteX2" fmla="*/ 467519 w 481891"/>
+              <a:gd name="connsiteY2" fmla="*/ 365422 h 418846"/>
+              <a:gd name="connsiteX3" fmla="*/ 173355 w 481891"/>
+              <a:gd name="connsiteY3" fmla="*/ 413385 h 418846"/>
+              <a:gd name="connsiteX4" fmla="*/ 427840 w 481891"/>
+              <a:gd name="connsiteY4" fmla="*/ 372117 h 418846"/>
+              <a:gd name="connsiteX5" fmla="*/ 3660 w 481891"/>
+              <a:gd name="connsiteY5" fmla="*/ 2880 h 418846"/>
+              <a:gd name="connsiteX0" fmla="*/ 385295 w 481891"/>
+              <a:gd name="connsiteY0" fmla="*/ 400390 h 418846"/>
+              <a:gd name="connsiteX1" fmla="*/ 444746 w 481891"/>
+              <a:gd name="connsiteY1" fmla="*/ 174849 h 418846"/>
+              <a:gd name="connsiteX2" fmla="*/ 382753 w 481891"/>
+              <a:gd name="connsiteY2" fmla="*/ 114612 h 418846"/>
+              <a:gd name="connsiteX3" fmla="*/ 271304 w 481891"/>
+              <a:gd name="connsiteY3" fmla="*/ 53002 h 418846"/>
+              <a:gd name="connsiteX4" fmla="*/ 0 w 481891"/>
+              <a:gd name="connsiteY4" fmla="*/ 0 h 418846"/>
+              <a:gd name="connsiteX0" fmla="*/ 3660 w 481891"/>
+              <a:gd name="connsiteY0" fmla="*/ 2880 h 419807"/>
+              <a:gd name="connsiteX1" fmla="*/ 374261 w 481891"/>
+              <a:gd name="connsiteY1" fmla="*/ 103094 h 419807"/>
+              <a:gd name="connsiteX2" fmla="*/ 467519 w 481891"/>
+              <a:gd name="connsiteY2" fmla="*/ 365422 h 419807"/>
+              <a:gd name="connsiteX3" fmla="*/ 173355 w 481891"/>
+              <a:gd name="connsiteY3" fmla="*/ 413385 h 419807"/>
+              <a:gd name="connsiteX4" fmla="*/ 427840 w 481891"/>
+              <a:gd name="connsiteY4" fmla="*/ 372117 h 419807"/>
+              <a:gd name="connsiteX5" fmla="*/ 3660 w 481891"/>
+              <a:gd name="connsiteY5" fmla="*/ 2880 h 419807"/>
+              <a:gd name="connsiteX0" fmla="*/ 385295 w 481891"/>
+              <a:gd name="connsiteY0" fmla="*/ 400390 h 419807"/>
+              <a:gd name="connsiteX1" fmla="*/ 444746 w 481891"/>
+              <a:gd name="connsiteY1" fmla="*/ 174849 h 419807"/>
+              <a:gd name="connsiteX2" fmla="*/ 382753 w 481891"/>
+              <a:gd name="connsiteY2" fmla="*/ 114612 h 419807"/>
+              <a:gd name="connsiteX3" fmla="*/ 271304 w 481891"/>
+              <a:gd name="connsiteY3" fmla="*/ 53002 h 419807"/>
+              <a:gd name="connsiteX4" fmla="*/ 0 w 481891"/>
+              <a:gd name="connsiteY4" fmla="*/ 0 h 419807"/>
+              <a:gd name="connsiteX0" fmla="*/ 3660 w 481891"/>
+              <a:gd name="connsiteY0" fmla="*/ 2880 h 454028"/>
+              <a:gd name="connsiteX1" fmla="*/ 374261 w 481891"/>
+              <a:gd name="connsiteY1" fmla="*/ 103094 h 454028"/>
+              <a:gd name="connsiteX2" fmla="*/ 467519 w 481891"/>
+              <a:gd name="connsiteY2" fmla="*/ 365422 h 454028"/>
+              <a:gd name="connsiteX3" fmla="*/ 333375 w 481891"/>
+              <a:gd name="connsiteY3" fmla="*/ 451485 h 454028"/>
+              <a:gd name="connsiteX4" fmla="*/ 427840 w 481891"/>
+              <a:gd name="connsiteY4" fmla="*/ 372117 h 454028"/>
+              <a:gd name="connsiteX5" fmla="*/ 3660 w 481891"/>
+              <a:gd name="connsiteY5" fmla="*/ 2880 h 454028"/>
+              <a:gd name="connsiteX0" fmla="*/ 385295 w 481891"/>
+              <a:gd name="connsiteY0" fmla="*/ 400390 h 454028"/>
+              <a:gd name="connsiteX1" fmla="*/ 444746 w 481891"/>
+              <a:gd name="connsiteY1" fmla="*/ 174849 h 454028"/>
+              <a:gd name="connsiteX2" fmla="*/ 382753 w 481891"/>
+              <a:gd name="connsiteY2" fmla="*/ 114612 h 454028"/>
+              <a:gd name="connsiteX3" fmla="*/ 271304 w 481891"/>
+              <a:gd name="connsiteY3" fmla="*/ 53002 h 454028"/>
+              <a:gd name="connsiteX4" fmla="*/ 0 w 481891"/>
+              <a:gd name="connsiteY4" fmla="*/ 0 h 454028"/>
+              <a:gd name="connsiteX0" fmla="*/ 3660 w 530813"/>
+              <a:gd name="connsiteY0" fmla="*/ 2880 h 454941"/>
+              <a:gd name="connsiteX1" fmla="*/ 374261 w 530813"/>
+              <a:gd name="connsiteY1" fmla="*/ 103094 h 454941"/>
+              <a:gd name="connsiteX2" fmla="*/ 530384 w 530813"/>
+              <a:gd name="connsiteY2" fmla="*/ 380662 h 454941"/>
+              <a:gd name="connsiteX3" fmla="*/ 333375 w 530813"/>
+              <a:gd name="connsiteY3" fmla="*/ 451485 h 454941"/>
+              <a:gd name="connsiteX4" fmla="*/ 427840 w 530813"/>
+              <a:gd name="connsiteY4" fmla="*/ 372117 h 454941"/>
+              <a:gd name="connsiteX5" fmla="*/ 3660 w 530813"/>
+              <a:gd name="connsiteY5" fmla="*/ 2880 h 454941"/>
+              <a:gd name="connsiteX0" fmla="*/ 385295 w 530813"/>
+              <a:gd name="connsiteY0" fmla="*/ 400390 h 454941"/>
+              <a:gd name="connsiteX1" fmla="*/ 444746 w 530813"/>
+              <a:gd name="connsiteY1" fmla="*/ 174849 h 454941"/>
+              <a:gd name="connsiteX2" fmla="*/ 382753 w 530813"/>
+              <a:gd name="connsiteY2" fmla="*/ 114612 h 454941"/>
+              <a:gd name="connsiteX3" fmla="*/ 271304 w 530813"/>
+              <a:gd name="connsiteY3" fmla="*/ 53002 h 454941"/>
+              <a:gd name="connsiteX4" fmla="*/ 0 w 530813"/>
+              <a:gd name="connsiteY4" fmla="*/ 0 h 454941"/>
+              <a:gd name="connsiteX0" fmla="*/ 3660 w 530813"/>
+              <a:gd name="connsiteY0" fmla="*/ 2880 h 454941"/>
+              <a:gd name="connsiteX1" fmla="*/ 374261 w 530813"/>
+              <a:gd name="connsiteY1" fmla="*/ 103094 h 454941"/>
+              <a:gd name="connsiteX2" fmla="*/ 530384 w 530813"/>
+              <a:gd name="connsiteY2" fmla="*/ 380662 h 454941"/>
+              <a:gd name="connsiteX3" fmla="*/ 333375 w 530813"/>
+              <a:gd name="connsiteY3" fmla="*/ 451485 h 454941"/>
+              <a:gd name="connsiteX4" fmla="*/ 427840 w 530813"/>
+              <a:gd name="connsiteY4" fmla="*/ 372117 h 454941"/>
+              <a:gd name="connsiteX5" fmla="*/ 3660 w 530813"/>
+              <a:gd name="connsiteY5" fmla="*/ 2880 h 454941"/>
+              <a:gd name="connsiteX0" fmla="*/ 459590 w 530813"/>
+              <a:gd name="connsiteY0" fmla="*/ 432775 h 454941"/>
+              <a:gd name="connsiteX1" fmla="*/ 444746 w 530813"/>
+              <a:gd name="connsiteY1" fmla="*/ 174849 h 454941"/>
+              <a:gd name="connsiteX2" fmla="*/ 382753 w 530813"/>
+              <a:gd name="connsiteY2" fmla="*/ 114612 h 454941"/>
+              <a:gd name="connsiteX3" fmla="*/ 271304 w 530813"/>
+              <a:gd name="connsiteY3" fmla="*/ 53002 h 454941"/>
+              <a:gd name="connsiteX4" fmla="*/ 0 w 530813"/>
+              <a:gd name="connsiteY4" fmla="*/ 0 h 454941"/>
+              <a:gd name="connsiteX0" fmla="*/ 3660 w 530813"/>
+              <a:gd name="connsiteY0" fmla="*/ 2880 h 454941"/>
+              <a:gd name="connsiteX1" fmla="*/ 374261 w 530813"/>
+              <a:gd name="connsiteY1" fmla="*/ 103094 h 454941"/>
+              <a:gd name="connsiteX2" fmla="*/ 530384 w 530813"/>
+              <a:gd name="connsiteY2" fmla="*/ 380662 h 454941"/>
+              <a:gd name="connsiteX3" fmla="*/ 333375 w 530813"/>
+              <a:gd name="connsiteY3" fmla="*/ 451485 h 454941"/>
+              <a:gd name="connsiteX4" fmla="*/ 427840 w 530813"/>
+              <a:gd name="connsiteY4" fmla="*/ 372117 h 454941"/>
+              <a:gd name="connsiteX5" fmla="*/ 3660 w 530813"/>
+              <a:gd name="connsiteY5" fmla="*/ 2880 h 454941"/>
+              <a:gd name="connsiteX0" fmla="*/ 459590 w 530813"/>
+              <a:gd name="connsiteY0" fmla="*/ 432775 h 454941"/>
+              <a:gd name="connsiteX1" fmla="*/ 444746 w 530813"/>
+              <a:gd name="connsiteY1" fmla="*/ 174849 h 454941"/>
+              <a:gd name="connsiteX2" fmla="*/ 382753 w 530813"/>
+              <a:gd name="connsiteY2" fmla="*/ 114612 h 454941"/>
+              <a:gd name="connsiteX3" fmla="*/ 271304 w 530813"/>
+              <a:gd name="connsiteY3" fmla="*/ 53002 h 454941"/>
+              <a:gd name="connsiteX4" fmla="*/ 0 w 530813"/>
+              <a:gd name="connsiteY4" fmla="*/ 0 h 454941"/>
+              <a:gd name="connsiteX0" fmla="*/ 3660 w 530813"/>
+              <a:gd name="connsiteY0" fmla="*/ 2880 h 454941"/>
+              <a:gd name="connsiteX1" fmla="*/ 374261 w 530813"/>
+              <a:gd name="connsiteY1" fmla="*/ 103094 h 454941"/>
+              <a:gd name="connsiteX2" fmla="*/ 530384 w 530813"/>
+              <a:gd name="connsiteY2" fmla="*/ 380662 h 454941"/>
+              <a:gd name="connsiteX3" fmla="*/ 333375 w 530813"/>
+              <a:gd name="connsiteY3" fmla="*/ 451485 h 454941"/>
+              <a:gd name="connsiteX4" fmla="*/ 427840 w 530813"/>
+              <a:gd name="connsiteY4" fmla="*/ 372117 h 454941"/>
+              <a:gd name="connsiteX5" fmla="*/ 3660 w 530813"/>
+              <a:gd name="connsiteY5" fmla="*/ 2880 h 454941"/>
+              <a:gd name="connsiteX0" fmla="*/ 459590 w 530813"/>
+              <a:gd name="connsiteY0" fmla="*/ 432775 h 454941"/>
+              <a:gd name="connsiteX1" fmla="*/ 418076 w 530813"/>
+              <a:gd name="connsiteY1" fmla="*/ 201519 h 454941"/>
+              <a:gd name="connsiteX2" fmla="*/ 382753 w 530813"/>
+              <a:gd name="connsiteY2" fmla="*/ 114612 h 454941"/>
+              <a:gd name="connsiteX3" fmla="*/ 271304 w 530813"/>
+              <a:gd name="connsiteY3" fmla="*/ 53002 h 454941"/>
+              <a:gd name="connsiteX4" fmla="*/ 0 w 530813"/>
+              <a:gd name="connsiteY4" fmla="*/ 0 h 454941"/>
+              <a:gd name="connsiteX0" fmla="*/ 3660 w 530813"/>
+              <a:gd name="connsiteY0" fmla="*/ 2880 h 454941"/>
+              <a:gd name="connsiteX1" fmla="*/ 374261 w 530813"/>
+              <a:gd name="connsiteY1" fmla="*/ 103094 h 454941"/>
+              <a:gd name="connsiteX2" fmla="*/ 530384 w 530813"/>
+              <a:gd name="connsiteY2" fmla="*/ 380662 h 454941"/>
+              <a:gd name="connsiteX3" fmla="*/ 333375 w 530813"/>
+              <a:gd name="connsiteY3" fmla="*/ 451485 h 454941"/>
+              <a:gd name="connsiteX4" fmla="*/ 427840 w 530813"/>
+              <a:gd name="connsiteY4" fmla="*/ 372117 h 454941"/>
+              <a:gd name="connsiteX5" fmla="*/ 3660 w 530813"/>
+              <a:gd name="connsiteY5" fmla="*/ 2880 h 454941"/>
+              <a:gd name="connsiteX0" fmla="*/ 459590 w 530813"/>
+              <a:gd name="connsiteY0" fmla="*/ 432775 h 454941"/>
+              <a:gd name="connsiteX1" fmla="*/ 435221 w 530813"/>
+              <a:gd name="connsiteY1" fmla="*/ 201519 h 454941"/>
+              <a:gd name="connsiteX2" fmla="*/ 382753 w 530813"/>
+              <a:gd name="connsiteY2" fmla="*/ 114612 h 454941"/>
+              <a:gd name="connsiteX3" fmla="*/ 271304 w 530813"/>
+              <a:gd name="connsiteY3" fmla="*/ 53002 h 454941"/>
+              <a:gd name="connsiteX4" fmla="*/ 0 w 530813"/>
+              <a:gd name="connsiteY4" fmla="*/ 0 h 454941"/>
+              <a:gd name="connsiteX0" fmla="*/ 3660 w 530813"/>
+              <a:gd name="connsiteY0" fmla="*/ 2880 h 454941"/>
+              <a:gd name="connsiteX1" fmla="*/ 374261 w 530813"/>
+              <a:gd name="connsiteY1" fmla="*/ 103094 h 454941"/>
+              <a:gd name="connsiteX2" fmla="*/ 530384 w 530813"/>
+              <a:gd name="connsiteY2" fmla="*/ 380662 h 454941"/>
+              <a:gd name="connsiteX3" fmla="*/ 333375 w 530813"/>
+              <a:gd name="connsiteY3" fmla="*/ 451485 h 454941"/>
+              <a:gd name="connsiteX4" fmla="*/ 427840 w 530813"/>
+              <a:gd name="connsiteY4" fmla="*/ 372117 h 454941"/>
+              <a:gd name="connsiteX5" fmla="*/ 3660 w 530813"/>
+              <a:gd name="connsiteY5" fmla="*/ 2880 h 454941"/>
+              <a:gd name="connsiteX0" fmla="*/ 459590 w 530813"/>
+              <a:gd name="connsiteY0" fmla="*/ 432775 h 454941"/>
+              <a:gd name="connsiteX1" fmla="*/ 435221 w 530813"/>
+              <a:gd name="connsiteY1" fmla="*/ 201519 h 454941"/>
+              <a:gd name="connsiteX2" fmla="*/ 382753 w 530813"/>
+              <a:gd name="connsiteY2" fmla="*/ 114612 h 454941"/>
+              <a:gd name="connsiteX3" fmla="*/ 271304 w 530813"/>
+              <a:gd name="connsiteY3" fmla="*/ 53002 h 454941"/>
+              <a:gd name="connsiteX4" fmla="*/ 0 w 530813"/>
+              <a:gd name="connsiteY4" fmla="*/ 0 h 454941"/>
+              <a:gd name="connsiteX0" fmla="*/ 3660 w 530813"/>
+              <a:gd name="connsiteY0" fmla="*/ 2880 h 454941"/>
+              <a:gd name="connsiteX1" fmla="*/ 374261 w 530813"/>
+              <a:gd name="connsiteY1" fmla="*/ 103094 h 454941"/>
+              <a:gd name="connsiteX2" fmla="*/ 530384 w 530813"/>
+              <a:gd name="connsiteY2" fmla="*/ 380662 h 454941"/>
+              <a:gd name="connsiteX3" fmla="*/ 333375 w 530813"/>
+              <a:gd name="connsiteY3" fmla="*/ 451485 h 454941"/>
+              <a:gd name="connsiteX4" fmla="*/ 427840 w 530813"/>
+              <a:gd name="connsiteY4" fmla="*/ 372117 h 454941"/>
+              <a:gd name="connsiteX5" fmla="*/ 3660 w 530813"/>
+              <a:gd name="connsiteY5" fmla="*/ 2880 h 454941"/>
+              <a:gd name="connsiteX0" fmla="*/ 509120 w 530813"/>
+              <a:gd name="connsiteY0" fmla="*/ 442300 h 454941"/>
+              <a:gd name="connsiteX1" fmla="*/ 435221 w 530813"/>
+              <a:gd name="connsiteY1" fmla="*/ 201519 h 454941"/>
+              <a:gd name="connsiteX2" fmla="*/ 382753 w 530813"/>
+              <a:gd name="connsiteY2" fmla="*/ 114612 h 454941"/>
+              <a:gd name="connsiteX3" fmla="*/ 271304 w 530813"/>
+              <a:gd name="connsiteY3" fmla="*/ 53002 h 454941"/>
+              <a:gd name="connsiteX4" fmla="*/ 0 w 530813"/>
+              <a:gd name="connsiteY4" fmla="*/ 0 h 454941"/>
+              <a:gd name="connsiteX0" fmla="*/ 3660 w 553867"/>
+              <a:gd name="connsiteY0" fmla="*/ 2880 h 487821"/>
+              <a:gd name="connsiteX1" fmla="*/ 374261 w 553867"/>
+              <a:gd name="connsiteY1" fmla="*/ 103094 h 487821"/>
+              <a:gd name="connsiteX2" fmla="*/ 530384 w 553867"/>
+              <a:gd name="connsiteY2" fmla="*/ 380662 h 487821"/>
+              <a:gd name="connsiteX3" fmla="*/ 510540 w 553867"/>
+              <a:gd name="connsiteY3" fmla="*/ 485775 h 487821"/>
+              <a:gd name="connsiteX4" fmla="*/ 427840 w 553867"/>
+              <a:gd name="connsiteY4" fmla="*/ 372117 h 487821"/>
+              <a:gd name="connsiteX5" fmla="*/ 3660 w 553867"/>
+              <a:gd name="connsiteY5" fmla="*/ 2880 h 487821"/>
+              <a:gd name="connsiteX0" fmla="*/ 509120 w 553867"/>
+              <a:gd name="connsiteY0" fmla="*/ 442300 h 487821"/>
+              <a:gd name="connsiteX1" fmla="*/ 435221 w 553867"/>
+              <a:gd name="connsiteY1" fmla="*/ 201519 h 487821"/>
+              <a:gd name="connsiteX2" fmla="*/ 382753 w 553867"/>
+              <a:gd name="connsiteY2" fmla="*/ 114612 h 487821"/>
+              <a:gd name="connsiteX3" fmla="*/ 271304 w 553867"/>
+              <a:gd name="connsiteY3" fmla="*/ 53002 h 487821"/>
+              <a:gd name="connsiteX4" fmla="*/ 0 w 553867"/>
+              <a:gd name="connsiteY4" fmla="*/ 0 h 487821"/>
+              <a:gd name="connsiteX0" fmla="*/ 3660 w 553867"/>
+              <a:gd name="connsiteY0" fmla="*/ 2880 h 487821"/>
+              <a:gd name="connsiteX1" fmla="*/ 374261 w 553867"/>
+              <a:gd name="connsiteY1" fmla="*/ 103094 h 487821"/>
+              <a:gd name="connsiteX2" fmla="*/ 530384 w 553867"/>
+              <a:gd name="connsiteY2" fmla="*/ 380662 h 487821"/>
+              <a:gd name="connsiteX3" fmla="*/ 510540 w 553867"/>
+              <a:gd name="connsiteY3" fmla="*/ 485775 h 487821"/>
+              <a:gd name="connsiteX4" fmla="*/ 427840 w 553867"/>
+              <a:gd name="connsiteY4" fmla="*/ 372117 h 487821"/>
+              <a:gd name="connsiteX5" fmla="*/ 3660 w 553867"/>
+              <a:gd name="connsiteY5" fmla="*/ 2880 h 487821"/>
+              <a:gd name="connsiteX0" fmla="*/ 509120 w 553867"/>
+              <a:gd name="connsiteY0" fmla="*/ 442300 h 487821"/>
+              <a:gd name="connsiteX1" fmla="*/ 450461 w 553867"/>
+              <a:gd name="connsiteY1" fmla="*/ 203424 h 487821"/>
+              <a:gd name="connsiteX2" fmla="*/ 382753 w 553867"/>
+              <a:gd name="connsiteY2" fmla="*/ 114612 h 487821"/>
+              <a:gd name="connsiteX3" fmla="*/ 271304 w 553867"/>
+              <a:gd name="connsiteY3" fmla="*/ 53002 h 487821"/>
+              <a:gd name="connsiteX4" fmla="*/ 0 w 553867"/>
+              <a:gd name="connsiteY4" fmla="*/ 0 h 487821"/>
+              <a:gd name="connsiteX0" fmla="*/ 3660 w 553867"/>
+              <a:gd name="connsiteY0" fmla="*/ 2880 h 487821"/>
+              <a:gd name="connsiteX1" fmla="*/ 374261 w 553867"/>
+              <a:gd name="connsiteY1" fmla="*/ 103094 h 487821"/>
+              <a:gd name="connsiteX2" fmla="*/ 530384 w 553867"/>
+              <a:gd name="connsiteY2" fmla="*/ 380662 h 487821"/>
+              <a:gd name="connsiteX3" fmla="*/ 510540 w 553867"/>
+              <a:gd name="connsiteY3" fmla="*/ 485775 h 487821"/>
+              <a:gd name="connsiteX4" fmla="*/ 427840 w 553867"/>
+              <a:gd name="connsiteY4" fmla="*/ 372117 h 487821"/>
+              <a:gd name="connsiteX5" fmla="*/ 3660 w 553867"/>
+              <a:gd name="connsiteY5" fmla="*/ 2880 h 487821"/>
+              <a:gd name="connsiteX0" fmla="*/ 509120 w 553867"/>
+              <a:gd name="connsiteY0" fmla="*/ 442300 h 487821"/>
+              <a:gd name="connsiteX1" fmla="*/ 450461 w 553867"/>
+              <a:gd name="connsiteY1" fmla="*/ 203424 h 487821"/>
+              <a:gd name="connsiteX2" fmla="*/ 382753 w 553867"/>
+              <a:gd name="connsiteY2" fmla="*/ 114612 h 487821"/>
+              <a:gd name="connsiteX3" fmla="*/ 318929 w 553867"/>
+              <a:gd name="connsiteY3" fmla="*/ 37762 h 487821"/>
+              <a:gd name="connsiteX4" fmla="*/ 0 w 553867"/>
+              <a:gd name="connsiteY4" fmla="*/ 0 h 487821"/>
+              <a:gd name="connsiteX0" fmla="*/ 3660 w 553867"/>
+              <a:gd name="connsiteY0" fmla="*/ 2880 h 487821"/>
+              <a:gd name="connsiteX1" fmla="*/ 374261 w 553867"/>
+              <a:gd name="connsiteY1" fmla="*/ 103094 h 487821"/>
+              <a:gd name="connsiteX2" fmla="*/ 530384 w 553867"/>
+              <a:gd name="connsiteY2" fmla="*/ 380662 h 487821"/>
+              <a:gd name="connsiteX3" fmla="*/ 510540 w 553867"/>
+              <a:gd name="connsiteY3" fmla="*/ 485775 h 487821"/>
+              <a:gd name="connsiteX4" fmla="*/ 427840 w 553867"/>
+              <a:gd name="connsiteY4" fmla="*/ 372117 h 487821"/>
+              <a:gd name="connsiteX5" fmla="*/ 3660 w 553867"/>
+              <a:gd name="connsiteY5" fmla="*/ 2880 h 487821"/>
+              <a:gd name="connsiteX0" fmla="*/ 509120 w 553867"/>
+              <a:gd name="connsiteY0" fmla="*/ 442300 h 487821"/>
+              <a:gd name="connsiteX1" fmla="*/ 450461 w 553867"/>
+              <a:gd name="connsiteY1" fmla="*/ 203424 h 487821"/>
+              <a:gd name="connsiteX2" fmla="*/ 382753 w 553867"/>
+              <a:gd name="connsiteY2" fmla="*/ 114612 h 487821"/>
+              <a:gd name="connsiteX3" fmla="*/ 318929 w 553867"/>
+              <a:gd name="connsiteY3" fmla="*/ 37762 h 487821"/>
+              <a:gd name="connsiteX4" fmla="*/ 0 w 553867"/>
+              <a:gd name="connsiteY4" fmla="*/ 0 h 487821"/>
+              <a:gd name="connsiteX0" fmla="*/ 0 w 550207"/>
+              <a:gd name="connsiteY0" fmla="*/ 60030 h 544971"/>
+              <a:gd name="connsiteX1" fmla="*/ 370601 w 550207"/>
+              <a:gd name="connsiteY1" fmla="*/ 160244 h 544971"/>
+              <a:gd name="connsiteX2" fmla="*/ 526724 w 550207"/>
+              <a:gd name="connsiteY2" fmla="*/ 437812 h 544971"/>
+              <a:gd name="connsiteX3" fmla="*/ 506880 w 550207"/>
+              <a:gd name="connsiteY3" fmla="*/ 542925 h 544971"/>
+              <a:gd name="connsiteX4" fmla="*/ 424180 w 550207"/>
+              <a:gd name="connsiteY4" fmla="*/ 429267 h 544971"/>
+              <a:gd name="connsiteX5" fmla="*/ 0 w 550207"/>
+              <a:gd name="connsiteY5" fmla="*/ 60030 h 544971"/>
+              <a:gd name="connsiteX0" fmla="*/ 505460 w 550207"/>
+              <a:gd name="connsiteY0" fmla="*/ 499450 h 544971"/>
+              <a:gd name="connsiteX1" fmla="*/ 446801 w 550207"/>
+              <a:gd name="connsiteY1" fmla="*/ 260574 h 544971"/>
+              <a:gd name="connsiteX2" fmla="*/ 379093 w 550207"/>
+              <a:gd name="connsiteY2" fmla="*/ 171762 h 544971"/>
+              <a:gd name="connsiteX3" fmla="*/ 315269 w 550207"/>
+              <a:gd name="connsiteY3" fmla="*/ 94912 h 544971"/>
+              <a:gd name="connsiteX4" fmla="*/ 156360 w 550207"/>
+              <a:gd name="connsiteY4" fmla="*/ 0 h 544971"/>
+              <a:gd name="connsiteX0" fmla="*/ 0 w 411142"/>
+              <a:gd name="connsiteY0" fmla="*/ 0 h 549711"/>
+              <a:gd name="connsiteX1" fmla="*/ 231536 w 411142"/>
+              <a:gd name="connsiteY1" fmla="*/ 164984 h 549711"/>
+              <a:gd name="connsiteX2" fmla="*/ 387659 w 411142"/>
+              <a:gd name="connsiteY2" fmla="*/ 442552 h 549711"/>
+              <a:gd name="connsiteX3" fmla="*/ 367815 w 411142"/>
+              <a:gd name="connsiteY3" fmla="*/ 547665 h 549711"/>
+              <a:gd name="connsiteX4" fmla="*/ 285115 w 411142"/>
+              <a:gd name="connsiteY4" fmla="*/ 434007 h 549711"/>
+              <a:gd name="connsiteX5" fmla="*/ 0 w 411142"/>
+              <a:gd name="connsiteY5" fmla="*/ 0 h 549711"/>
+              <a:gd name="connsiteX0" fmla="*/ 366395 w 411142"/>
+              <a:gd name="connsiteY0" fmla="*/ 504190 h 549711"/>
+              <a:gd name="connsiteX1" fmla="*/ 307736 w 411142"/>
+              <a:gd name="connsiteY1" fmla="*/ 265314 h 549711"/>
+              <a:gd name="connsiteX2" fmla="*/ 240028 w 411142"/>
+              <a:gd name="connsiteY2" fmla="*/ 176502 h 549711"/>
+              <a:gd name="connsiteX3" fmla="*/ 176204 w 411142"/>
+              <a:gd name="connsiteY3" fmla="*/ 99652 h 549711"/>
+              <a:gd name="connsiteX4" fmla="*/ 17295 w 411142"/>
+              <a:gd name="connsiteY4" fmla="*/ 4740 h 549711"/>
+              <a:gd name="connsiteX0" fmla="*/ 0 w 411142"/>
+              <a:gd name="connsiteY0" fmla="*/ 0 h 549711"/>
+              <a:gd name="connsiteX1" fmla="*/ 231536 w 411142"/>
+              <a:gd name="connsiteY1" fmla="*/ 164984 h 549711"/>
+              <a:gd name="connsiteX2" fmla="*/ 387659 w 411142"/>
+              <a:gd name="connsiteY2" fmla="*/ 442552 h 549711"/>
+              <a:gd name="connsiteX3" fmla="*/ 367815 w 411142"/>
+              <a:gd name="connsiteY3" fmla="*/ 547665 h 549711"/>
+              <a:gd name="connsiteX4" fmla="*/ 285115 w 411142"/>
+              <a:gd name="connsiteY4" fmla="*/ 434007 h 549711"/>
+              <a:gd name="connsiteX5" fmla="*/ 0 w 411142"/>
+              <a:gd name="connsiteY5" fmla="*/ 0 h 549711"/>
+              <a:gd name="connsiteX0" fmla="*/ 366395 w 411142"/>
+              <a:gd name="connsiteY0" fmla="*/ 504190 h 549711"/>
+              <a:gd name="connsiteX1" fmla="*/ 307736 w 411142"/>
+              <a:gd name="connsiteY1" fmla="*/ 265314 h 549711"/>
+              <a:gd name="connsiteX2" fmla="*/ 240028 w 411142"/>
+              <a:gd name="connsiteY2" fmla="*/ 176502 h 549711"/>
+              <a:gd name="connsiteX3" fmla="*/ 147629 w 411142"/>
+              <a:gd name="connsiteY3" fmla="*/ 103462 h 549711"/>
+              <a:gd name="connsiteX4" fmla="*/ 17295 w 411142"/>
+              <a:gd name="connsiteY4" fmla="*/ 4740 h 549711"/>
+              <a:gd name="connsiteX0" fmla="*/ 0 w 411142"/>
+              <a:gd name="connsiteY0" fmla="*/ 0 h 549711"/>
+              <a:gd name="connsiteX1" fmla="*/ 231536 w 411142"/>
+              <a:gd name="connsiteY1" fmla="*/ 164984 h 549711"/>
+              <a:gd name="connsiteX2" fmla="*/ 387659 w 411142"/>
+              <a:gd name="connsiteY2" fmla="*/ 442552 h 549711"/>
+              <a:gd name="connsiteX3" fmla="*/ 367815 w 411142"/>
+              <a:gd name="connsiteY3" fmla="*/ 547665 h 549711"/>
+              <a:gd name="connsiteX4" fmla="*/ 285115 w 411142"/>
+              <a:gd name="connsiteY4" fmla="*/ 434007 h 549711"/>
+              <a:gd name="connsiteX5" fmla="*/ 0 w 411142"/>
+              <a:gd name="connsiteY5" fmla="*/ 0 h 549711"/>
+              <a:gd name="connsiteX0" fmla="*/ 366395 w 411142"/>
+              <a:gd name="connsiteY0" fmla="*/ 504190 h 549711"/>
+              <a:gd name="connsiteX1" fmla="*/ 307736 w 411142"/>
+              <a:gd name="connsiteY1" fmla="*/ 265314 h 549711"/>
+              <a:gd name="connsiteX2" fmla="*/ 240028 w 411142"/>
+              <a:gd name="connsiteY2" fmla="*/ 176502 h 549711"/>
+              <a:gd name="connsiteX3" fmla="*/ 147629 w 411142"/>
+              <a:gd name="connsiteY3" fmla="*/ 103462 h 549711"/>
+              <a:gd name="connsiteX4" fmla="*/ 17295 w 411142"/>
+              <a:gd name="connsiteY4" fmla="*/ 4740 h 549711"/>
+              <a:gd name="connsiteX0" fmla="*/ 0 w 411142"/>
+              <a:gd name="connsiteY0" fmla="*/ 0 h 549711"/>
+              <a:gd name="connsiteX1" fmla="*/ 231536 w 411142"/>
+              <a:gd name="connsiteY1" fmla="*/ 164984 h 549711"/>
+              <a:gd name="connsiteX2" fmla="*/ 387659 w 411142"/>
+              <a:gd name="connsiteY2" fmla="*/ 442552 h 549711"/>
+              <a:gd name="connsiteX3" fmla="*/ 367815 w 411142"/>
+              <a:gd name="connsiteY3" fmla="*/ 547665 h 549711"/>
+              <a:gd name="connsiteX4" fmla="*/ 285115 w 411142"/>
+              <a:gd name="connsiteY4" fmla="*/ 434007 h 549711"/>
+              <a:gd name="connsiteX5" fmla="*/ 0 w 411142"/>
+              <a:gd name="connsiteY5" fmla="*/ 0 h 549711"/>
+              <a:gd name="connsiteX0" fmla="*/ 366395 w 411142"/>
+              <a:gd name="connsiteY0" fmla="*/ 504190 h 549711"/>
+              <a:gd name="connsiteX1" fmla="*/ 307736 w 411142"/>
+              <a:gd name="connsiteY1" fmla="*/ 265314 h 549711"/>
+              <a:gd name="connsiteX2" fmla="*/ 240028 w 411142"/>
+              <a:gd name="connsiteY2" fmla="*/ 176502 h 549711"/>
+              <a:gd name="connsiteX3" fmla="*/ 147629 w 411142"/>
+              <a:gd name="connsiteY3" fmla="*/ 103462 h 549711"/>
+              <a:gd name="connsiteX4" fmla="*/ 17295 w 411142"/>
+              <a:gd name="connsiteY4" fmla="*/ 4740 h 549711"/>
+            </a:gdLst>
+            <a:ahLst/>
+            <a:cxnLst>
+              <a:cxn ang="0">
+                <a:pos x="connsiteX0" y="connsiteY0"/>
+              </a:cxn>
+              <a:cxn ang="0">
+                <a:pos x="connsiteX1" y="connsiteY1"/>
+              </a:cxn>
+              <a:cxn ang="0">
+                <a:pos x="connsiteX2" y="connsiteY2"/>
+              </a:cxn>
+              <a:cxn ang="0">
+                <a:pos x="connsiteX3" y="connsiteY3"/>
+              </a:cxn>
+              <a:cxn ang="0">
+                <a:pos x="connsiteX4" y="connsiteY4"/>
+              </a:cxn>
+            </a:cxnLst>
+            <a:rect l="l" t="t" r="r" b="b"/>
+            <a:pathLst>
+              <a:path w="411142" h="549711" stroke="0" extrusionOk="0">
+                <a:moveTo>
+                  <a:pt x="0" y="0"/>
+                </a:moveTo>
+                <a:cubicBezTo>
+                  <a:pt x="151264" y="0"/>
+                  <a:pt x="166926" y="91225"/>
+                  <a:pt x="231536" y="164984"/>
+                </a:cubicBezTo>
+                <a:cubicBezTo>
+                  <a:pt x="296146" y="238743"/>
+                  <a:pt x="364946" y="378772"/>
+                  <a:pt x="387659" y="442552"/>
+                </a:cubicBezTo>
+                <a:cubicBezTo>
+                  <a:pt x="410372" y="506332"/>
+                  <a:pt x="434140" y="561105"/>
+                  <a:pt x="367815" y="547665"/>
+                </a:cubicBezTo>
+                <a:lnTo>
+                  <a:pt x="285115" y="434007"/>
+                </a:lnTo>
+                <a:lnTo>
+                  <a:pt x="0" y="0"/>
+                </a:lnTo>
+                <a:close/>
+              </a:path>
+              <a:path w="411142" h="549711" fill="none">
+                <a:moveTo>
+                  <a:pt x="366395" y="504190"/>
+                </a:moveTo>
+                <a:cubicBezTo>
+                  <a:pt x="365259" y="397510"/>
+                  <a:pt x="328797" y="319929"/>
+                  <a:pt x="307736" y="265314"/>
+                </a:cubicBezTo>
+                <a:cubicBezTo>
+                  <a:pt x="286675" y="210699"/>
+                  <a:pt x="268512" y="198503"/>
+                  <a:pt x="240028" y="176502"/>
+                </a:cubicBezTo>
+                <a:cubicBezTo>
+                  <a:pt x="211544" y="154501"/>
+                  <a:pt x="235657" y="167649"/>
+                  <a:pt x="147629" y="103462"/>
+                </a:cubicBezTo>
+                <a:cubicBezTo>
+                  <a:pt x="54520" y="54919"/>
+                  <a:pt x="83620" y="18180"/>
+                  <a:pt x="17295" y="4740"/>
+                </a:cubicBezTo>
+              </a:path>
+            </a:pathLst>
+          </a:custGeom>
+          <a:ln w="25400">
+            <a:solidFill>
+              <a:schemeClr val="tx1"/>
+            </a:solidFill>
+            <a:tailEnd type="stealth" w="lg" len="lg"/>
+          </a:ln>
+        </p:spPr>
+        <p:style>
+          <a:lnRef idx="1">
+            <a:schemeClr val="accent1"/>
+          </a:lnRef>
+          <a:fillRef idx="0">
+            <a:schemeClr val="accent1"/>
+          </a:fillRef>
+          <a:effectRef idx="0">
+            <a:schemeClr val="accent1"/>
+          </a:effectRef>
+          <a:fontRef idx="minor">
+            <a:schemeClr val="tx1"/>
+          </a:fontRef>
+        </p:style>
+        <p:txBody>
+          <a:bodyPr rtlCol="0" anchor="ctr"/>
+          <a:lstStyle/>
+          <a:p>
+            <a:pPr algn="ctr"/>
+            <a:endParaRPr lang="en-US"/>
+          </a:p>
+        </p:txBody>
+      </p:sp>
+      <p:cxnSp>
+        <p:nvCxnSpPr>
+          <p:cNvPr id="40" name="Straight Arrow Connector 39">
+            <a:extLst>
+              <a:ext uri="{FF2B5EF4-FFF2-40B4-BE49-F238E27FC236}">
+                <a16:creationId xmlns:a16="http://schemas.microsoft.com/office/drawing/2014/main" id="{AE7D984D-FA14-4829-885E-856457B8117B}"/>
+              </a:ext>
+            </a:extLst>
+          </p:cNvPr>
+          <p:cNvCxnSpPr>
+            <a:cxnSpLocks/>
+          </p:cNvCxnSpPr>
+          <p:nvPr/>
+        </p:nvCxnSpPr>
+        <p:spPr>
+          <a:xfrm>
+            <a:off x="5648177" y="3742138"/>
+            <a:ext cx="1858250" cy="0"/>
+          </a:xfrm>
+          <a:prstGeom prst="straightConnector1">
+            <a:avLst/>
+          </a:prstGeom>
+          <a:ln w="19050">
+            <a:solidFill>
+              <a:schemeClr val="tx1"/>
+            </a:solidFill>
+            <a:prstDash val="dash"/>
+            <a:headEnd type="none" w="lg" len="lg"/>
+            <a:tailEnd type="none" w="lg" len="lg"/>
+          </a:ln>
+        </p:spPr>
+        <p:style>
+          <a:lnRef idx="1">
+            <a:schemeClr val="accent1"/>
+          </a:lnRef>
+          <a:fillRef idx="0">
+            <a:schemeClr val="accent1"/>
+          </a:fillRef>
+          <a:effectRef idx="0">
+            <a:schemeClr val="accent1"/>
+          </a:effectRef>
+          <a:fontRef idx="minor">
+            <a:schemeClr val="tx1"/>
+          </a:fontRef>
+        </p:style>
+      </p:cxnSp>
+      <p:sp>
+        <p:nvSpPr>
+          <p:cNvPr id="41" name="Oval 40">
+            <a:extLst>
+              <a:ext uri="{FF2B5EF4-FFF2-40B4-BE49-F238E27FC236}">
+                <a16:creationId xmlns:a16="http://schemas.microsoft.com/office/drawing/2014/main" id="{898CCDAF-2998-40F1-B170-FCE4504432E5}"/>
+              </a:ext>
+            </a:extLst>
+          </p:cNvPr>
+          <p:cNvSpPr/>
+          <p:nvPr/>
+        </p:nvSpPr>
+        <p:spPr>
+          <a:xfrm flipH="1">
+            <a:off x="7345356" y="3567928"/>
+            <a:ext cx="322143" cy="336433"/>
+          </a:xfrm>
+          <a:prstGeom prst="ellipse">
+            <a:avLst/>
+          </a:prstGeom>
+          <a:gradFill flip="none" rotWithShape="1">
+            <a:gsLst>
+              <a:gs pos="0">
+                <a:schemeClr val="accent1">
+                  <a:lumMod val="89000"/>
+                </a:schemeClr>
+              </a:gs>
+              <a:gs pos="23000">
+                <a:schemeClr val="accent1">
+                  <a:lumMod val="89000"/>
+                </a:schemeClr>
+              </a:gs>
+              <a:gs pos="69000">
+                <a:schemeClr val="accent1">
+                  <a:lumMod val="75000"/>
+                </a:schemeClr>
+              </a:gs>
+              <a:gs pos="97000">
+                <a:schemeClr val="accent1">
+                  <a:lumMod val="70000"/>
+                </a:schemeClr>
+              </a:gs>
+            </a:gsLst>
+            <a:path path="circle">
+              <a:fillToRect l="50000" t="50000" r="50000" b="50000"/>
+            </a:path>
+            <a:tileRect/>
+          </a:gradFill>
+          <a:ln w="15875">
+            <a:solidFill>
+              <a:schemeClr val="tx1"/>
+            </a:solidFill>
+          </a:ln>
+        </p:spPr>
+        <p:style>
+          <a:lnRef idx="2">
+            <a:schemeClr val="accent1">
+              <a:shade val="50000"/>
+            </a:schemeClr>
+          </a:lnRef>
+          <a:fillRef idx="1">
+            <a:schemeClr val="accent1"/>
+          </a:fillRef>
+          <a:effectRef idx="0">
+            <a:schemeClr val="accent1"/>
+          </a:effectRef>
+          <a:fontRef idx="minor">
+            <a:schemeClr val="lt1"/>
+          </a:fontRef>
+        </p:style>
+        <p:txBody>
+          <a:bodyPr rtlCol="0" anchor="ctr"/>
+          <a:lstStyle/>
+          <a:p>
+            <a:pPr algn="ctr"/>
+            <a:endParaRPr lang="en-US"/>
+          </a:p>
+        </p:txBody>
+      </p:sp>
+      <p:sp>
+        <p:nvSpPr>
+          <p:cNvPr id="44" name="Oval 43">
+            <a:extLst>
+              <a:ext uri="{FF2B5EF4-FFF2-40B4-BE49-F238E27FC236}">
+                <a16:creationId xmlns:a16="http://schemas.microsoft.com/office/drawing/2014/main" id="{CE15100E-90ED-4BBC-B228-A5EEA4D4850F}"/>
+              </a:ext>
+            </a:extLst>
+          </p:cNvPr>
+          <p:cNvSpPr/>
+          <p:nvPr/>
+        </p:nvSpPr>
+        <p:spPr>
+          <a:xfrm flipH="1">
+            <a:off x="5609666" y="3697632"/>
+            <a:ext cx="77023" cy="77023"/>
+          </a:xfrm>
+          <a:prstGeom prst="ellipse">
+            <a:avLst/>
+          </a:prstGeom>
+          <a:solidFill>
+            <a:schemeClr val="tx1"/>
+          </a:solidFill>
+          <a:ln w="28575">
+            <a:solidFill>
+              <a:schemeClr val="tx1"/>
+            </a:solidFill>
+          </a:ln>
+        </p:spPr>
+        <p:style>
+          <a:lnRef idx="2">
+            <a:schemeClr val="accent1">
+              <a:shade val="50000"/>
+            </a:schemeClr>
+          </a:lnRef>
+          <a:fillRef idx="1">
+            <a:schemeClr val="accent1"/>
+          </a:fillRef>
+          <a:effectRef idx="0">
+            <a:schemeClr val="accent1"/>
+          </a:effectRef>
+          <a:fontRef idx="minor">
+            <a:schemeClr val="lt1"/>
+          </a:fontRef>
+        </p:style>
+        <p:txBody>
+          <a:bodyPr rtlCol="0" anchor="ctr"/>
+          <a:lstStyle/>
+          <a:p>
+            <a:pPr algn="ctr"/>
+            <a:endParaRPr lang="en-US"/>
+          </a:p>
+        </p:txBody>
+      </p:sp>
+      <p:cxnSp>
+        <p:nvCxnSpPr>
+          <p:cNvPr id="47" name="Straight Arrow Connector 46">
+            <a:extLst>
+              <a:ext uri="{FF2B5EF4-FFF2-40B4-BE49-F238E27FC236}">
+                <a16:creationId xmlns:a16="http://schemas.microsoft.com/office/drawing/2014/main" id="{4CE5C802-B9FD-4A5A-A542-316EB6AFD51B}"/>
+              </a:ext>
+            </a:extLst>
+          </p:cNvPr>
+          <p:cNvCxnSpPr>
+            <a:cxnSpLocks/>
+          </p:cNvCxnSpPr>
+          <p:nvPr/>
+        </p:nvCxnSpPr>
+        <p:spPr>
+          <a:xfrm flipH="1">
+            <a:off x="6303264" y="3746305"/>
+            <a:ext cx="1042093" cy="0"/>
+          </a:xfrm>
+          <a:prstGeom prst="straightConnector1">
+            <a:avLst/>
+          </a:prstGeom>
+          <a:ln w="31750">
+            <a:solidFill>
+              <a:schemeClr val="tx1"/>
+            </a:solidFill>
+            <a:headEnd type="none" w="lg" len="lg"/>
+            <a:tailEnd type="stealth" w="lg" len="lg"/>
+          </a:ln>
+        </p:spPr>
+        <p:style>
+          <a:lnRef idx="1">
+            <a:schemeClr val="accent1"/>
+          </a:lnRef>
+          <a:fillRef idx="0">
+            <a:schemeClr val="accent1"/>
+          </a:fillRef>
+          <a:effectRef idx="0">
+            <a:schemeClr val="accent1"/>
+          </a:effectRef>
+          <a:fontRef idx="minor">
+            <a:schemeClr val="tx1"/>
+          </a:fontRef>
+        </p:style>
+      </p:cxnSp>
+      <mc:AlternateContent xmlns:mc="http://schemas.openxmlformats.org/markup-compatibility/2006">
+        <mc:Choice xmlns:a14="http://schemas.microsoft.com/office/drawing/2010/main" Requires="a14">
+          <p:sp>
+            <p:nvSpPr>
+              <p:cNvPr id="48" name="TextBox 47">
+                <a:extLst>
+                  <a:ext uri="{FF2B5EF4-FFF2-40B4-BE49-F238E27FC236}">
+                    <a16:creationId xmlns:a16="http://schemas.microsoft.com/office/drawing/2014/main" id="{9BA3056B-9D70-47CE-871C-5C13D1294563}"/>
+                  </a:ext>
+                </a:extLst>
+              </p:cNvPr>
+              <p:cNvSpPr txBox="1"/>
+              <p:nvPr/>
+            </p:nvSpPr>
+            <p:spPr>
+              <a:xfrm>
+                <a:off x="6503001" y="3273154"/>
+                <a:ext cx="574644" cy="456600"/>
+              </a:xfrm>
+              <a:prstGeom prst="rect">
+                <a:avLst/>
+              </a:prstGeom>
+              <a:noFill/>
+            </p:spPr>
+            <p:txBody>
+              <a:bodyPr wrap="none" lIns="0" tIns="0" rIns="0" bIns="0" rtlCol="0">
+                <a:spAutoFit/>
+              </a:bodyPr>
+              <a:lstStyle/>
+              <a:p>
+                <a:pPr/>
+                <a14:m>
+                  <m:oMathPara xmlns:m="http://schemas.openxmlformats.org/officeDocument/2006/math">
+                    <m:oMathParaPr>
+                      <m:jc m:val="centerGroup"/>
+                    </m:oMathParaPr>
+                    <m:oMath xmlns:m="http://schemas.openxmlformats.org/officeDocument/2006/math">
+                      <m:acc>
+                        <m:accPr>
+                          <m:chr m:val="⃗"/>
+                          <m:ctrlPr>
+                            <a:rPr lang="en-US" sz="2400" i="1" smtClean="0">
+                              <a:latin typeface="Cambria Math" panose="02040503050406030204" pitchFamily="18" charset="0"/>
+                            </a:rPr>
+                          </m:ctrlPr>
+                        </m:accPr>
+                        <m:e>
+                          <m:sSub>
+                            <m:sSubPr>
+                              <m:ctrlPr>
+                                <a:rPr lang="en-US" sz="2400" i="1" smtClean="0">
+                                  <a:latin typeface="Cambria Math" panose="02040503050406030204" pitchFamily="18" charset="0"/>
+                                </a:rPr>
+                              </m:ctrlPr>
+                            </m:sSubPr>
+                            <m:e>
+                              <m:r>
+                                <a:rPr lang="en-US" sz="2400" b="0" i="1" smtClean="0">
+                                  <a:latin typeface="Cambria Math" panose="02040503050406030204" pitchFamily="18" charset="0"/>
+                                </a:rPr>
+                                <m:t>𝐹</m:t>
+                              </m:r>
+                            </m:e>
+                            <m:sub>
+                              <m:r>
+                                <a:rPr lang="ru-RU" sz="2400" b="0" i="1" smtClean="0">
+                                  <a:latin typeface="Cambria Math" panose="02040503050406030204" pitchFamily="18" charset="0"/>
+                                </a:rPr>
+                                <m:t>упр</m:t>
+                              </m:r>
+                            </m:sub>
+                          </m:sSub>
+                        </m:e>
+                      </m:acc>
+                    </m:oMath>
+                  </m:oMathPara>
+                </a14:m>
+                <a:endParaRPr lang="en-US" sz="2400" dirty="0"/>
+              </a:p>
+            </p:txBody>
+          </p:sp>
+        </mc:Choice>
+        <mc:Fallback>
+          <p:sp>
+            <p:nvSpPr>
+              <p:cNvPr id="48" name="TextBox 47">
+                <a:extLst>
+                  <a:ext uri="{FF2B5EF4-FFF2-40B4-BE49-F238E27FC236}">
+                    <a16:creationId xmlns:a16="http://schemas.microsoft.com/office/drawing/2014/main" id="{9BA3056B-9D70-47CE-871C-5C13D1294563}"/>
+                  </a:ext>
+                </a:extLst>
+              </p:cNvPr>
+              <p:cNvSpPr txBox="1">
+                <a:spLocks noRot="1" noChangeAspect="1" noMove="1" noResize="1" noEditPoints="1" noAdjustHandles="1" noChangeArrowheads="1" noChangeShapeType="1" noTextEdit="1"/>
+              </p:cNvSpPr>
+              <p:nvPr/>
+            </p:nvSpPr>
+            <p:spPr>
+              <a:xfrm>
+                <a:off x="6503001" y="3273154"/>
+                <a:ext cx="574644" cy="456600"/>
+              </a:xfrm>
+              <a:prstGeom prst="rect">
+                <a:avLst/>
+              </a:prstGeom>
+              <a:blipFill>
+                <a:blip r:embed="rId3"/>
+                <a:stretch>
+                  <a:fillRect/>
+                </a:stretch>
+              </a:blipFill>
+            </p:spPr>
+            <p:txBody>
+              <a:bodyPr/>
+              <a:lstStyle/>
+              <a:p>
+                <a:r>
+                  <a:rPr lang="en-US">
+                    <a:noFill/>
+                  </a:rPr>
+                  <a:t> </a:t>
+                </a:r>
+              </a:p>
+            </p:txBody>
+          </p:sp>
+        </mc:Fallback>
+      </mc:AlternateContent>
+      <mc:AlternateContent xmlns:mc="http://schemas.openxmlformats.org/markup-compatibility/2006">
+        <mc:Choice xmlns:a14="http://schemas.microsoft.com/office/drawing/2010/main" Requires="a14">
+          <p:sp>
+            <p:nvSpPr>
+              <p:cNvPr id="52" name="TextBox 51">
+                <a:extLst>
+                  <a:ext uri="{FF2B5EF4-FFF2-40B4-BE49-F238E27FC236}">
+                    <a16:creationId xmlns:a16="http://schemas.microsoft.com/office/drawing/2014/main" id="{C6CEEC11-0326-430C-AB80-D0C1CB3A71E7}"/>
+                  </a:ext>
+                </a:extLst>
+              </p:cNvPr>
+              <p:cNvSpPr txBox="1"/>
+              <p:nvPr/>
+            </p:nvSpPr>
+            <p:spPr>
+              <a:xfrm>
+                <a:off x="6957473" y="3822514"/>
+                <a:ext cx="318421" cy="325538"/>
+              </a:xfrm>
+              <a:prstGeom prst="rect">
+                <a:avLst/>
+              </a:prstGeom>
+              <a:noFill/>
+            </p:spPr>
+            <p:txBody>
+              <a:bodyPr wrap="none" lIns="0" tIns="0" rIns="0" bIns="0" rtlCol="0">
+                <a:spAutoFit/>
+              </a:bodyPr>
+              <a:lstStyle/>
+              <a:p>
+                <a:pPr/>
+                <a14:m>
+                  <m:oMathPara xmlns:m="http://schemas.openxmlformats.org/officeDocument/2006/math">
+                    <m:oMathParaPr>
+                      <m:jc m:val="centerGroup"/>
+                    </m:oMathParaPr>
+                    <m:oMath xmlns:m="http://schemas.openxmlformats.org/officeDocument/2006/math">
+                      <m:acc>
+                        <m:accPr>
+                          <m:chr m:val="⃗"/>
+                          <m:ctrlPr>
+                            <a:rPr lang="en-US" sz="2000" i="1" smtClean="0">
+                              <a:latin typeface="Cambria Math" panose="02040503050406030204" pitchFamily="18" charset="0"/>
+                            </a:rPr>
+                          </m:ctrlPr>
+                        </m:accPr>
+                        <m:e>
+                          <m:sSub>
+                            <m:sSubPr>
+                              <m:ctrlPr>
+                                <a:rPr lang="en-US" sz="2000" b="0" i="1" smtClean="0">
+                                  <a:latin typeface="Cambria Math" panose="02040503050406030204" pitchFamily="18" charset="0"/>
+                                </a:rPr>
+                              </m:ctrlPr>
+                            </m:sSubPr>
+                            <m:e>
+                              <m:r>
+                                <a:rPr lang="en-US" sz="2000" b="0" i="1" smtClean="0">
+                                  <a:latin typeface="Cambria Math" panose="02040503050406030204" pitchFamily="18" charset="0"/>
+                                </a:rPr>
+                                <m:t>𝑎</m:t>
+                              </m:r>
+                            </m:e>
+                            <m:sub>
+                              <m:r>
+                                <a:rPr lang="ru-RU" sz="2000" b="0" i="1" smtClean="0">
+                                  <a:latin typeface="Cambria Math" panose="02040503050406030204" pitchFamily="18" charset="0"/>
+                                </a:rPr>
+                                <m:t>ц</m:t>
+                              </m:r>
+                            </m:sub>
+                          </m:sSub>
+                        </m:e>
+                      </m:acc>
+                    </m:oMath>
+                  </m:oMathPara>
+                </a14:m>
+                <a:endParaRPr lang="en-US" sz="2000" dirty="0"/>
+              </a:p>
+            </p:txBody>
+          </p:sp>
+        </mc:Choice>
+        <mc:Fallback>
+          <p:sp>
+            <p:nvSpPr>
+              <p:cNvPr id="52" name="TextBox 51">
+                <a:extLst>
+                  <a:ext uri="{FF2B5EF4-FFF2-40B4-BE49-F238E27FC236}">
+                    <a16:creationId xmlns:a16="http://schemas.microsoft.com/office/drawing/2014/main" id="{C6CEEC11-0326-430C-AB80-D0C1CB3A71E7}"/>
+                  </a:ext>
+                </a:extLst>
+              </p:cNvPr>
+              <p:cNvSpPr txBox="1">
+                <a:spLocks noRot="1" noChangeAspect="1" noMove="1" noResize="1" noEditPoints="1" noAdjustHandles="1" noChangeArrowheads="1" noChangeShapeType="1" noTextEdit="1"/>
+              </p:cNvSpPr>
+              <p:nvPr/>
+            </p:nvSpPr>
+            <p:spPr>
+              <a:xfrm>
+                <a:off x="6957473" y="3822514"/>
+                <a:ext cx="318421" cy="325538"/>
+              </a:xfrm>
+              <a:prstGeom prst="rect">
+                <a:avLst/>
+              </a:prstGeom>
+              <a:blipFill>
+                <a:blip r:embed="rId4"/>
+                <a:stretch>
+                  <a:fillRect l="-9434" r="-7547" b="-22642"/>
+                </a:stretch>
+              </a:blipFill>
+            </p:spPr>
+            <p:txBody>
+              <a:bodyPr/>
+              <a:lstStyle/>
+              <a:p>
+                <a:r>
+                  <a:rPr lang="en-US">
+                    <a:noFill/>
+                  </a:rPr>
+                  <a:t> </a:t>
+                </a:r>
+              </a:p>
+            </p:txBody>
+          </p:sp>
+        </mc:Fallback>
+      </mc:AlternateContent>
+      <p:cxnSp>
+        <p:nvCxnSpPr>
+          <p:cNvPr id="53" name="Straight Arrow Connector 52">
+            <a:extLst>
+              <a:ext uri="{FF2B5EF4-FFF2-40B4-BE49-F238E27FC236}">
+                <a16:creationId xmlns:a16="http://schemas.microsoft.com/office/drawing/2014/main" id="{9480C30C-6B1E-4547-8968-55594EE61717}"/>
+              </a:ext>
+            </a:extLst>
+          </p:cNvPr>
+          <p:cNvCxnSpPr>
+            <a:cxnSpLocks/>
+          </p:cNvCxnSpPr>
+          <p:nvPr/>
+        </p:nvCxnSpPr>
+        <p:spPr>
+          <a:xfrm flipH="1">
+            <a:off x="6809933" y="3818347"/>
+            <a:ext cx="555325" cy="0"/>
+          </a:xfrm>
+          <a:prstGeom prst="straightConnector1">
+            <a:avLst/>
+          </a:prstGeom>
+          <a:ln w="31750">
+            <a:solidFill>
+              <a:schemeClr val="tx1"/>
+            </a:solidFill>
+            <a:headEnd type="none" w="lg" len="lg"/>
+            <a:tailEnd type="stealth" w="med" len="lg"/>
+          </a:ln>
+        </p:spPr>
+        <p:style>
+          <a:lnRef idx="1">
+            <a:schemeClr val="accent1"/>
+          </a:lnRef>
+          <a:fillRef idx="0">
+            <a:schemeClr val="accent1"/>
+          </a:fillRef>
+          <a:effectRef idx="0">
+            <a:schemeClr val="accent1"/>
+          </a:effectRef>
+          <a:fontRef idx="minor">
+            <a:schemeClr val="tx1"/>
+          </a:fontRef>
+        </p:style>
+      </p:cxnSp>
+    </p:spTree>
+    <p:extLst>
+      <p:ext uri="{BB962C8B-B14F-4D97-AF65-F5344CB8AC3E}">
+        <p14:creationId xmlns:p14="http://schemas.microsoft.com/office/powerpoint/2010/main" val="2319220008"/>
       </p:ext>
     </p:extLst>
   </p:cSld>

--- a/volunteer/Drawings.pptx
+++ b/volunteer/Drawings.pptx
@@ -5,7 +5,7 @@
     <p:sldMasterId id="2147483648" r:id="rId1"/>
   </p:sldMasterIdLst>
   <p:notesMasterIdLst>
-    <p:notesMasterId r:id="rId20"/>
+    <p:notesMasterId r:id="rId22"/>
   </p:notesMasterIdLst>
   <p:sldIdLst>
     <p:sldId id="257" r:id="rId2"/>
@@ -26,6 +26,8 @@
     <p:sldId id="280" r:id="rId17"/>
     <p:sldId id="281" r:id="rId18"/>
     <p:sldId id="282" r:id="rId19"/>
+    <p:sldId id="283" r:id="rId20"/>
+    <p:sldId id="284" r:id="rId21"/>
   </p:sldIdLst>
   <p:sldSz cx="12192000" cy="6858000"/>
   <p:notesSz cx="6858000" cy="9144000"/>
@@ -226,7 +228,7 @@
           <a:p>
             <a:fld id="{E97AC224-DDFD-4843-A1F8-E420074F16B8}" type="datetimeFigureOut">
               <a:rPr lang="en-US" smtClean="0"/>
-              <a:t>6/26/2024</a:t>
+              <a:t>6/27/2024</a:t>
             </a:fld>
             <a:endParaRPr lang="en-US"/>
           </a:p>
@@ -724,7 +726,7 @@
           <a:p>
             <a:fld id="{F0249701-11FC-451D-B9AC-2A68C1C5D58E}" type="datetimeFigureOut">
               <a:rPr lang="en-US" smtClean="0"/>
-              <a:t>6/26/2024</a:t>
+              <a:t>6/27/2024</a:t>
             </a:fld>
             <a:endParaRPr lang="en-US"/>
           </a:p>
@@ -922,7 +924,7 @@
           <a:p>
             <a:fld id="{F0249701-11FC-451D-B9AC-2A68C1C5D58E}" type="datetimeFigureOut">
               <a:rPr lang="en-US" smtClean="0"/>
-              <a:t>6/26/2024</a:t>
+              <a:t>6/27/2024</a:t>
             </a:fld>
             <a:endParaRPr lang="en-US"/>
           </a:p>
@@ -1130,7 +1132,7 @@
           <a:p>
             <a:fld id="{F0249701-11FC-451D-B9AC-2A68C1C5D58E}" type="datetimeFigureOut">
               <a:rPr lang="en-US" smtClean="0"/>
-              <a:t>6/26/2024</a:t>
+              <a:t>6/27/2024</a:t>
             </a:fld>
             <a:endParaRPr lang="en-US"/>
           </a:p>
@@ -1328,7 +1330,7 @@
           <a:p>
             <a:fld id="{F0249701-11FC-451D-B9AC-2A68C1C5D58E}" type="datetimeFigureOut">
               <a:rPr lang="en-US" smtClean="0"/>
-              <a:t>6/26/2024</a:t>
+              <a:t>6/27/2024</a:t>
             </a:fld>
             <a:endParaRPr lang="en-US"/>
           </a:p>
@@ -1603,7 +1605,7 @@
           <a:p>
             <a:fld id="{F0249701-11FC-451D-B9AC-2A68C1C5D58E}" type="datetimeFigureOut">
               <a:rPr lang="en-US" smtClean="0"/>
-              <a:t>6/26/2024</a:t>
+              <a:t>6/27/2024</a:t>
             </a:fld>
             <a:endParaRPr lang="en-US"/>
           </a:p>
@@ -1868,7 +1870,7 @@
           <a:p>
             <a:fld id="{F0249701-11FC-451D-B9AC-2A68C1C5D58E}" type="datetimeFigureOut">
               <a:rPr lang="en-US" smtClean="0"/>
-              <a:t>6/26/2024</a:t>
+              <a:t>6/27/2024</a:t>
             </a:fld>
             <a:endParaRPr lang="en-US"/>
           </a:p>
@@ -2280,7 +2282,7 @@
           <a:p>
             <a:fld id="{F0249701-11FC-451D-B9AC-2A68C1C5D58E}" type="datetimeFigureOut">
               <a:rPr lang="en-US" smtClean="0"/>
-              <a:t>6/26/2024</a:t>
+              <a:t>6/27/2024</a:t>
             </a:fld>
             <a:endParaRPr lang="en-US"/>
           </a:p>
@@ -2421,7 +2423,7 @@
           <a:p>
             <a:fld id="{F0249701-11FC-451D-B9AC-2A68C1C5D58E}" type="datetimeFigureOut">
               <a:rPr lang="en-US" smtClean="0"/>
-              <a:t>6/26/2024</a:t>
+              <a:t>6/27/2024</a:t>
             </a:fld>
             <a:endParaRPr lang="en-US"/>
           </a:p>
@@ -2534,7 +2536,7 @@
           <a:p>
             <a:fld id="{F0249701-11FC-451D-B9AC-2A68C1C5D58E}" type="datetimeFigureOut">
               <a:rPr lang="en-US" smtClean="0"/>
-              <a:t>6/26/2024</a:t>
+              <a:t>6/27/2024</a:t>
             </a:fld>
             <a:endParaRPr lang="en-US"/>
           </a:p>
@@ -2845,7 +2847,7 @@
           <a:p>
             <a:fld id="{F0249701-11FC-451D-B9AC-2A68C1C5D58E}" type="datetimeFigureOut">
               <a:rPr lang="en-US" smtClean="0"/>
-              <a:t>6/26/2024</a:t>
+              <a:t>6/27/2024</a:t>
             </a:fld>
             <a:endParaRPr lang="en-US"/>
           </a:p>
@@ -3133,7 +3135,7 @@
           <a:p>
             <a:fld id="{F0249701-11FC-451D-B9AC-2A68C1C5D58E}" type="datetimeFigureOut">
               <a:rPr lang="en-US" smtClean="0"/>
-              <a:t>6/26/2024</a:t>
+              <a:t>6/27/2024</a:t>
             </a:fld>
             <a:endParaRPr lang="en-US"/>
           </a:p>
@@ -3374,7 +3376,7 @@
           <a:p>
             <a:fld id="{F0249701-11FC-451D-B9AC-2A68C1C5D58E}" type="datetimeFigureOut">
               <a:rPr lang="en-US" smtClean="0"/>
-              <a:t>6/26/2024</a:t>
+              <a:t>6/27/2024</a:t>
             </a:fld>
             <a:endParaRPr lang="en-US"/>
           </a:p>
@@ -28980,8 +28982,8 @@
           </a:p>
         </p:txBody>
       </p:sp>
-      <mc:AlternateContent xmlns:mc="http://schemas.openxmlformats.org/markup-compatibility/2006">
-        <mc:Choice xmlns:a14="http://schemas.microsoft.com/office/drawing/2010/main" Requires="a14">
+      <mc:AlternateContent xmlns:mc="http://schemas.openxmlformats.org/markup-compatibility/2006" xmlns:a14="http://schemas.microsoft.com/office/drawing/2010/main">
+        <mc:Choice Requires="a14">
           <p:sp>
             <p:nvSpPr>
               <p:cNvPr id="25" name="TextBox 24">
@@ -29032,7 +29034,7 @@
             </p:txBody>
           </p:sp>
         </mc:Choice>
-        <mc:Fallback>
+        <mc:Fallback xmlns="">
           <p:sp>
             <p:nvSpPr>
               <p:cNvPr id="25" name="TextBox 24">
@@ -29123,8 +29125,8 @@
           </a:fontRef>
         </p:style>
       </p:cxnSp>
-      <mc:AlternateContent xmlns:mc="http://schemas.openxmlformats.org/markup-compatibility/2006">
-        <mc:Choice xmlns:a14="http://schemas.microsoft.com/office/drawing/2010/main" Requires="a14">
+      <mc:AlternateContent xmlns:mc="http://schemas.openxmlformats.org/markup-compatibility/2006" xmlns:a14="http://schemas.microsoft.com/office/drawing/2010/main">
+        <mc:Choice Requires="a14">
           <p:sp>
             <p:nvSpPr>
               <p:cNvPr id="29" name="TextBox 28">
@@ -29192,7 +29194,7 @@
             </p:txBody>
           </p:sp>
         </mc:Choice>
-        <mc:Fallback>
+        <mc:Fallback xmlns="">
           <p:sp>
             <p:nvSpPr>
               <p:cNvPr id="29" name="TextBox 28">
@@ -29329,8 +29331,8 @@
           </a:fontRef>
         </p:style>
       </p:cxnSp>
-      <mc:AlternateContent xmlns:mc="http://schemas.openxmlformats.org/markup-compatibility/2006">
-        <mc:Choice xmlns:a14="http://schemas.microsoft.com/office/drawing/2010/main" Requires="a14">
+      <mc:AlternateContent xmlns:mc="http://schemas.openxmlformats.org/markup-compatibility/2006" xmlns:a14="http://schemas.microsoft.com/office/drawing/2010/main">
+        <mc:Choice Requires="a14">
           <p:sp>
             <p:nvSpPr>
               <p:cNvPr id="37" name="TextBox 36">
@@ -29380,7 +29382,7 @@
             </p:txBody>
           </p:sp>
         </mc:Choice>
-        <mc:Fallback>
+        <mc:Fallback xmlns="">
           <p:sp>
             <p:nvSpPr>
               <p:cNvPr id="37" name="TextBox 36">
@@ -29425,8 +29427,8 @@
           </p:sp>
         </mc:Fallback>
       </mc:AlternateContent>
-      <mc:AlternateContent xmlns:mc="http://schemas.openxmlformats.org/markup-compatibility/2006">
-        <mc:Choice xmlns:a14="http://schemas.microsoft.com/office/drawing/2010/main" Requires="a14">
+      <mc:AlternateContent xmlns:mc="http://schemas.openxmlformats.org/markup-compatibility/2006" xmlns:a14="http://schemas.microsoft.com/office/drawing/2010/main">
+        <mc:Choice Requires="a14">
           <p:sp>
             <p:nvSpPr>
               <p:cNvPr id="38" name="TextBox 37">
@@ -29476,7 +29478,7 @@
             </p:txBody>
           </p:sp>
         </mc:Choice>
-        <mc:Fallback>
+        <mc:Fallback xmlns="">
           <p:sp>
             <p:nvSpPr>
               <p:cNvPr id="38" name="TextBox 37">
@@ -29722,8 +29724,8 @@
           </a:fontRef>
         </p:style>
       </p:cxnSp>
-      <mc:AlternateContent xmlns:mc="http://schemas.openxmlformats.org/markup-compatibility/2006">
-        <mc:Choice xmlns:a14="http://schemas.microsoft.com/office/drawing/2010/main" Requires="a14">
+      <mc:AlternateContent xmlns:mc="http://schemas.openxmlformats.org/markup-compatibility/2006" xmlns:a14="http://schemas.microsoft.com/office/drawing/2010/main">
+        <mc:Choice Requires="a14">
           <p:sp>
             <p:nvSpPr>
               <p:cNvPr id="45" name="TextBox 44">
@@ -29810,7 +29812,7 @@
             </p:txBody>
           </p:sp>
         </mc:Choice>
-        <mc:Fallback>
+        <mc:Fallback xmlns="">
           <p:sp>
             <p:nvSpPr>
               <p:cNvPr id="45" name="TextBox 44">
@@ -29901,8 +29903,8 @@
           </a:fontRef>
         </p:style>
       </p:cxnSp>
-      <mc:AlternateContent xmlns:mc="http://schemas.openxmlformats.org/markup-compatibility/2006">
-        <mc:Choice xmlns:a14="http://schemas.microsoft.com/office/drawing/2010/main" Requires="a14">
+      <mc:AlternateContent xmlns:mc="http://schemas.openxmlformats.org/markup-compatibility/2006" xmlns:a14="http://schemas.microsoft.com/office/drawing/2010/main">
+        <mc:Choice Requires="a14">
           <p:sp>
             <p:nvSpPr>
               <p:cNvPr id="52" name="TextBox 51">
@@ -29964,7 +29966,7 @@
             </p:txBody>
           </p:sp>
         </mc:Choice>
-        <mc:Fallback>
+        <mc:Fallback xmlns="">
           <p:sp>
             <p:nvSpPr>
               <p:cNvPr id="52" name="TextBox 51">
@@ -30177,8 +30179,8 @@
           </a:fontRef>
         </p:style>
       </p:cxnSp>
-      <mc:AlternateContent xmlns:mc="http://schemas.openxmlformats.org/markup-compatibility/2006">
-        <mc:Choice xmlns:a14="http://schemas.microsoft.com/office/drawing/2010/main" Requires="a14">
+      <mc:AlternateContent xmlns:mc="http://schemas.openxmlformats.org/markup-compatibility/2006" xmlns:a14="http://schemas.microsoft.com/office/drawing/2010/main">
+        <mc:Choice Requires="a14">
           <p:sp>
             <p:nvSpPr>
               <p:cNvPr id="59" name="TextBox 58">
@@ -30228,7 +30230,7 @@
             </p:txBody>
           </p:sp>
         </mc:Choice>
-        <mc:Fallback>
+        <mc:Fallback xmlns="">
           <p:sp>
             <p:nvSpPr>
               <p:cNvPr id="59" name="TextBox 58">
@@ -30273,8 +30275,8 @@
           </p:sp>
         </mc:Fallback>
       </mc:AlternateContent>
-      <mc:AlternateContent xmlns:mc="http://schemas.openxmlformats.org/markup-compatibility/2006">
-        <mc:Choice xmlns:a14="http://schemas.microsoft.com/office/drawing/2010/main" Requires="a14">
+      <mc:AlternateContent xmlns:mc="http://schemas.openxmlformats.org/markup-compatibility/2006" xmlns:a14="http://schemas.microsoft.com/office/drawing/2010/main">
+        <mc:Choice Requires="a14">
           <p:sp>
             <p:nvSpPr>
               <p:cNvPr id="61" name="TextBox 60">
@@ -30324,7 +30326,7 @@
             </p:txBody>
           </p:sp>
         </mc:Choice>
-        <mc:Fallback>
+        <mc:Fallback xmlns="">
           <p:sp>
             <p:nvSpPr>
               <p:cNvPr id="61" name="TextBox 60">
@@ -30369,8 +30371,8 @@
           </p:sp>
         </mc:Fallback>
       </mc:AlternateContent>
-      <mc:AlternateContent xmlns:mc="http://schemas.openxmlformats.org/markup-compatibility/2006">
-        <mc:Choice xmlns:a14="http://schemas.microsoft.com/office/drawing/2010/main" Requires="a14">
+      <mc:AlternateContent xmlns:mc="http://schemas.openxmlformats.org/markup-compatibility/2006" xmlns:a14="http://schemas.microsoft.com/office/drawing/2010/main">
+        <mc:Choice Requires="a14">
           <p:sp>
             <p:nvSpPr>
               <p:cNvPr id="62" name="TextBox 61">
@@ -30399,6 +30401,7 @@
               </a:bodyPr>
               <a:lstStyle/>
               <a:p>
+                <a:pPr/>
                 <a14:m>
                   <m:oMathPara xmlns:m="http://schemas.openxmlformats.org/officeDocument/2006/math">
                     <m:oMathParaPr>
@@ -30438,7 +30441,7 @@
             </p:txBody>
           </p:sp>
         </mc:Choice>
-        <mc:Fallback>
+        <mc:Fallback xmlns="">
           <p:sp>
             <p:nvSpPr>
               <p:cNvPr id="62" name="TextBox 61">
@@ -30483,8 +30486,8 @@
           </p:sp>
         </mc:Fallback>
       </mc:AlternateContent>
-      <mc:AlternateContent xmlns:mc="http://schemas.openxmlformats.org/markup-compatibility/2006">
-        <mc:Choice xmlns:a14="http://schemas.microsoft.com/office/drawing/2010/main" Requires="a14">
+      <mc:AlternateContent xmlns:mc="http://schemas.openxmlformats.org/markup-compatibility/2006" xmlns:a14="http://schemas.microsoft.com/office/drawing/2010/main">
+        <mc:Choice Requires="a14">
           <p:sp>
             <p:nvSpPr>
               <p:cNvPr id="63" name="TextBox 62">
@@ -30513,6 +30516,7 @@
               </a:bodyPr>
               <a:lstStyle/>
               <a:p>
+                <a:pPr/>
                 <a14:m>
                   <m:oMathPara xmlns:m="http://schemas.openxmlformats.org/officeDocument/2006/math">
                     <m:oMathParaPr>
@@ -30552,7 +30556,7 @@
             </p:txBody>
           </p:sp>
         </mc:Choice>
-        <mc:Fallback>
+        <mc:Fallback xmlns="">
           <p:sp>
             <p:nvSpPr>
               <p:cNvPr id="63" name="TextBox 62">
@@ -30650,8 +30654,8 @@
           </a:p>
         </p:txBody>
       </p:sp>
-      <mc:AlternateContent xmlns:mc="http://schemas.openxmlformats.org/markup-compatibility/2006">
-        <mc:Choice xmlns:a14="http://schemas.microsoft.com/office/drawing/2010/main" Requires="a14">
+      <mc:AlternateContent xmlns:mc="http://schemas.openxmlformats.org/markup-compatibility/2006" xmlns:a14="http://schemas.microsoft.com/office/drawing/2010/main">
+        <mc:Choice Requires="a14">
           <p:sp>
             <p:nvSpPr>
               <p:cNvPr id="65" name="TextBox 64">
@@ -30702,7 +30706,7 @@
             </p:txBody>
           </p:sp>
         </mc:Choice>
-        <mc:Fallback>
+        <mc:Fallback xmlns="">
           <p:sp>
             <p:nvSpPr>
               <p:cNvPr id="65" name="TextBox 64">
@@ -30792,8 +30796,8 @@
           </a:fontRef>
         </p:style>
       </p:cxnSp>
-      <mc:AlternateContent xmlns:mc="http://schemas.openxmlformats.org/markup-compatibility/2006">
-        <mc:Choice xmlns:a14="http://schemas.microsoft.com/office/drawing/2010/main" Requires="a14">
+      <mc:AlternateContent xmlns:mc="http://schemas.openxmlformats.org/markup-compatibility/2006" xmlns:a14="http://schemas.microsoft.com/office/drawing/2010/main">
+        <mc:Choice Requires="a14">
           <p:sp>
             <p:nvSpPr>
               <p:cNvPr id="67" name="TextBox 66">
@@ -30855,7 +30859,7 @@
             </p:txBody>
           </p:sp>
         </mc:Choice>
-        <mc:Fallback>
+        <mc:Fallback xmlns="">
           <p:sp>
             <p:nvSpPr>
               <p:cNvPr id="67" name="TextBox 66">
@@ -30900,8 +30904,8 @@
           </p:sp>
         </mc:Fallback>
       </mc:AlternateContent>
-      <mc:AlternateContent xmlns:mc="http://schemas.openxmlformats.org/markup-compatibility/2006">
-        <mc:Choice xmlns:a14="http://schemas.microsoft.com/office/drawing/2010/main" Requires="a14">
+      <mc:AlternateContent xmlns:mc="http://schemas.openxmlformats.org/markup-compatibility/2006" xmlns:a14="http://schemas.microsoft.com/office/drawing/2010/main">
+        <mc:Choice Requires="a14">
           <p:sp>
             <p:nvSpPr>
               <p:cNvPr id="68" name="TextBox 67">
@@ -30969,7 +30973,7 @@
             </p:txBody>
           </p:sp>
         </mc:Choice>
-        <mc:Fallback>
+        <mc:Fallback xmlns="">
           <p:sp>
             <p:nvSpPr>
               <p:cNvPr id="68" name="TextBox 67">
@@ -31104,8 +31108,8 @@
           </a:fontRef>
         </p:style>
       </p:cxnSp>
-      <mc:AlternateContent xmlns:mc="http://schemas.openxmlformats.org/markup-compatibility/2006">
-        <mc:Choice xmlns:a14="http://schemas.microsoft.com/office/drawing/2010/main" Requires="a14">
+      <mc:AlternateContent xmlns:mc="http://schemas.openxmlformats.org/markup-compatibility/2006" xmlns:a14="http://schemas.microsoft.com/office/drawing/2010/main">
+        <mc:Choice Requires="a14">
           <p:sp>
             <p:nvSpPr>
               <p:cNvPr id="71" name="TextBox 70">
@@ -31192,7 +31196,7 @@
             </p:txBody>
           </p:sp>
         </mc:Choice>
-        <mc:Fallback>
+        <mc:Fallback xmlns="">
           <p:sp>
             <p:nvSpPr>
               <p:cNvPr id="71" name="TextBox 70">
@@ -31319,8 +31323,8 @@
           </a:p>
         </p:txBody>
       </p:sp>
-      <mc:AlternateContent xmlns:mc="http://schemas.openxmlformats.org/markup-compatibility/2006">
-        <mc:Choice xmlns:a14="http://schemas.microsoft.com/office/drawing/2010/main" Requires="a14">
+      <mc:AlternateContent xmlns:mc="http://schemas.openxmlformats.org/markup-compatibility/2006" xmlns:a14="http://schemas.microsoft.com/office/drawing/2010/main">
+        <mc:Choice Requires="a14">
           <p:sp>
             <p:nvSpPr>
               <p:cNvPr id="38" name="TextBox 37">
@@ -31371,7 +31375,7 @@
             </p:txBody>
           </p:sp>
         </mc:Choice>
-        <mc:Fallback>
+        <mc:Fallback xmlns="">
           <p:sp>
             <p:nvSpPr>
               <p:cNvPr id="38" name="TextBox 37">
@@ -32619,8 +32623,8 @@
           </a:fontRef>
         </p:style>
       </p:cxnSp>
-      <mc:AlternateContent xmlns:mc="http://schemas.openxmlformats.org/markup-compatibility/2006">
-        <mc:Choice xmlns:a14="http://schemas.microsoft.com/office/drawing/2010/main" Requires="a14">
+      <mc:AlternateContent xmlns:mc="http://schemas.openxmlformats.org/markup-compatibility/2006" xmlns:a14="http://schemas.microsoft.com/office/drawing/2010/main">
+        <mc:Choice Requires="a14">
           <p:sp>
             <p:nvSpPr>
               <p:cNvPr id="48" name="TextBox 47">
@@ -32701,7 +32705,7 @@
             </p:txBody>
           </p:sp>
         </mc:Choice>
-        <mc:Fallback>
+        <mc:Fallback xmlns="">
           <p:sp>
             <p:nvSpPr>
               <p:cNvPr id="48" name="TextBox 47">
@@ -32746,8 +32750,8 @@
           </p:sp>
         </mc:Fallback>
       </mc:AlternateContent>
-      <mc:AlternateContent xmlns:mc="http://schemas.openxmlformats.org/markup-compatibility/2006">
-        <mc:Choice xmlns:a14="http://schemas.microsoft.com/office/drawing/2010/main" Requires="a14">
+      <mc:AlternateContent xmlns:mc="http://schemas.openxmlformats.org/markup-compatibility/2006" xmlns:a14="http://schemas.microsoft.com/office/drawing/2010/main">
+        <mc:Choice Requires="a14">
           <p:sp>
             <p:nvSpPr>
               <p:cNvPr id="52" name="TextBox 51">
@@ -32828,7 +32832,7 @@
             </p:txBody>
           </p:sp>
         </mc:Choice>
-        <mc:Fallback>
+        <mc:Fallback xmlns="">
           <p:sp>
             <p:nvSpPr>
               <p:cNvPr id="52" name="TextBox 51">
@@ -32922,6 +32926,3561 @@
     <p:extLst>
       <p:ext uri="{BB962C8B-B14F-4D97-AF65-F5344CB8AC3E}">
         <p14:creationId xmlns:p14="http://schemas.microsoft.com/office/powerpoint/2010/main" val="2319220008"/>
+      </p:ext>
+    </p:extLst>
+  </p:cSld>
+  <p:clrMapOvr>
+    <a:masterClrMapping/>
+  </p:clrMapOvr>
+</p:sld>
+</file>
+
+<file path=ppt/slides/slide19.xml><?xml version="1.0" encoding="utf-8"?>
+<p:sld xmlns:a="http://schemas.openxmlformats.org/drawingml/2006/main" xmlns:r="http://schemas.openxmlformats.org/officeDocument/2006/relationships" xmlns:p="http://schemas.openxmlformats.org/presentationml/2006/main">
+  <p:cSld>
+    <p:spTree>
+      <p:nvGrpSpPr>
+        <p:cNvPr id="1" name=""/>
+        <p:cNvGrpSpPr/>
+        <p:nvPr/>
+      </p:nvGrpSpPr>
+      <p:grpSpPr>
+        <a:xfrm>
+          <a:off x="0" y="0"/>
+          <a:ext cx="0" cy="0"/>
+          <a:chOff x="0" y="0"/>
+          <a:chExt cx="0" cy="0"/>
+        </a:xfrm>
+      </p:grpSpPr>
+      <p:sp>
+        <p:nvSpPr>
+          <p:cNvPr id="2" name="Oval 1">
+            <a:extLst>
+              <a:ext uri="{FF2B5EF4-FFF2-40B4-BE49-F238E27FC236}">
+                <a16:creationId xmlns:a16="http://schemas.microsoft.com/office/drawing/2014/main" id="{CA8C684D-F6C3-4054-8C88-F54100A9DFD7}"/>
+              </a:ext>
+            </a:extLst>
+          </p:cNvPr>
+          <p:cNvSpPr/>
+          <p:nvPr/>
+        </p:nvSpPr>
+        <p:spPr>
+          <a:xfrm>
+            <a:off x="470359" y="1737218"/>
+            <a:ext cx="3716500" cy="3716500"/>
+          </a:xfrm>
+          <a:prstGeom prst="ellipse">
+            <a:avLst/>
+          </a:prstGeom>
+          <a:noFill/>
+          <a:ln w="22225">
+            <a:solidFill>
+              <a:schemeClr val="tx1"/>
+            </a:solidFill>
+          </a:ln>
+        </p:spPr>
+        <p:style>
+          <a:lnRef idx="2">
+            <a:schemeClr val="accent1">
+              <a:shade val="50000"/>
+            </a:schemeClr>
+          </a:lnRef>
+          <a:fillRef idx="1">
+            <a:schemeClr val="accent1"/>
+          </a:fillRef>
+          <a:effectRef idx="0">
+            <a:schemeClr val="accent1"/>
+          </a:effectRef>
+          <a:fontRef idx="minor">
+            <a:schemeClr val="lt1"/>
+          </a:fontRef>
+        </p:style>
+        <p:txBody>
+          <a:bodyPr rtlCol="0" anchor="ctr"/>
+          <a:lstStyle/>
+          <a:p>
+            <a:pPr algn="ctr"/>
+            <a:endParaRPr lang="en-US"/>
+          </a:p>
+        </p:txBody>
+      </p:sp>
+      <p:cxnSp>
+        <p:nvCxnSpPr>
+          <p:cNvPr id="5" name="Straight Arrow Connector 4">
+            <a:extLst>
+              <a:ext uri="{FF2B5EF4-FFF2-40B4-BE49-F238E27FC236}">
+                <a16:creationId xmlns:a16="http://schemas.microsoft.com/office/drawing/2014/main" id="{97CB1484-8FF2-4EEC-8226-24C35980D2BD}"/>
+              </a:ext>
+            </a:extLst>
+          </p:cNvPr>
+          <p:cNvCxnSpPr>
+            <a:cxnSpLocks/>
+          </p:cNvCxnSpPr>
+          <p:nvPr/>
+        </p:nvCxnSpPr>
+        <p:spPr>
+          <a:xfrm flipV="1">
+            <a:off x="2328608" y="1841718"/>
+            <a:ext cx="587113" cy="1759744"/>
+          </a:xfrm>
+          <a:prstGeom prst="straightConnector1">
+            <a:avLst/>
+          </a:prstGeom>
+          <a:ln w="12700">
+            <a:solidFill>
+              <a:schemeClr val="tx1"/>
+            </a:solidFill>
+            <a:prstDash val="solid"/>
+            <a:headEnd type="none" w="lg" len="lg"/>
+            <a:tailEnd type="none" w="lg" len="lg"/>
+          </a:ln>
+        </p:spPr>
+        <p:style>
+          <a:lnRef idx="1">
+            <a:schemeClr val="accent1"/>
+          </a:lnRef>
+          <a:fillRef idx="0">
+            <a:schemeClr val="accent1"/>
+          </a:fillRef>
+          <a:effectRef idx="0">
+            <a:schemeClr val="accent1"/>
+          </a:effectRef>
+          <a:fontRef idx="minor">
+            <a:schemeClr val="tx1"/>
+          </a:fontRef>
+        </p:style>
+      </p:cxnSp>
+      <p:sp>
+        <p:nvSpPr>
+          <p:cNvPr id="7" name="Oval 6">
+            <a:extLst>
+              <a:ext uri="{FF2B5EF4-FFF2-40B4-BE49-F238E27FC236}">
+                <a16:creationId xmlns:a16="http://schemas.microsoft.com/office/drawing/2014/main" id="{89133622-ADC8-43BA-AAEA-9C1000DD106D}"/>
+              </a:ext>
+            </a:extLst>
+          </p:cNvPr>
+          <p:cNvSpPr/>
+          <p:nvPr/>
+        </p:nvSpPr>
+        <p:spPr>
+          <a:xfrm flipH="1">
+            <a:off x="2290097" y="3556955"/>
+            <a:ext cx="77023" cy="77023"/>
+          </a:xfrm>
+          <a:prstGeom prst="ellipse">
+            <a:avLst/>
+          </a:prstGeom>
+          <a:solidFill>
+            <a:schemeClr val="tx1"/>
+          </a:solidFill>
+          <a:ln w="28575">
+            <a:solidFill>
+              <a:schemeClr val="tx1"/>
+            </a:solidFill>
+          </a:ln>
+        </p:spPr>
+        <p:style>
+          <a:lnRef idx="2">
+            <a:schemeClr val="accent1">
+              <a:shade val="50000"/>
+            </a:schemeClr>
+          </a:lnRef>
+          <a:fillRef idx="1">
+            <a:schemeClr val="accent1"/>
+          </a:fillRef>
+          <a:effectRef idx="0">
+            <a:schemeClr val="accent1"/>
+          </a:effectRef>
+          <a:fontRef idx="minor">
+            <a:schemeClr val="lt1"/>
+          </a:fontRef>
+        </p:style>
+        <p:txBody>
+          <a:bodyPr rtlCol="0" anchor="ctr"/>
+          <a:lstStyle/>
+          <a:p>
+            <a:pPr algn="ctr"/>
+            <a:endParaRPr lang="en-US"/>
+          </a:p>
+        </p:txBody>
+      </p:sp>
+      <p:cxnSp>
+        <p:nvCxnSpPr>
+          <p:cNvPr id="13" name="Straight Arrow Connector 12">
+            <a:extLst>
+              <a:ext uri="{FF2B5EF4-FFF2-40B4-BE49-F238E27FC236}">
+                <a16:creationId xmlns:a16="http://schemas.microsoft.com/office/drawing/2014/main" id="{624DEC34-17FA-4D63-B9B0-DCADFAB9E60D}"/>
+              </a:ext>
+            </a:extLst>
+          </p:cNvPr>
+          <p:cNvCxnSpPr>
+            <a:cxnSpLocks/>
+          </p:cNvCxnSpPr>
+          <p:nvPr/>
+        </p:nvCxnSpPr>
+        <p:spPr>
+          <a:xfrm flipH="1" flipV="1">
+            <a:off x="1736301" y="1856219"/>
+            <a:ext cx="599722" cy="1745242"/>
+          </a:xfrm>
+          <a:prstGeom prst="straightConnector1">
+            <a:avLst/>
+          </a:prstGeom>
+          <a:ln w="12700">
+            <a:solidFill>
+              <a:schemeClr val="tx1"/>
+            </a:solidFill>
+            <a:prstDash val="solid"/>
+            <a:headEnd type="none" w="lg" len="lg"/>
+            <a:tailEnd type="none" w="lg" len="lg"/>
+          </a:ln>
+        </p:spPr>
+        <p:style>
+          <a:lnRef idx="1">
+            <a:schemeClr val="accent1"/>
+          </a:lnRef>
+          <a:fillRef idx="0">
+            <a:schemeClr val="accent1"/>
+          </a:fillRef>
+          <a:effectRef idx="0">
+            <a:schemeClr val="accent1"/>
+          </a:effectRef>
+          <a:fontRef idx="minor">
+            <a:schemeClr val="tx1"/>
+          </a:fontRef>
+        </p:style>
+      </p:cxnSp>
+      <p:cxnSp>
+        <p:nvCxnSpPr>
+          <p:cNvPr id="19" name="Straight Arrow Connector 18">
+            <a:extLst>
+              <a:ext uri="{FF2B5EF4-FFF2-40B4-BE49-F238E27FC236}">
+                <a16:creationId xmlns:a16="http://schemas.microsoft.com/office/drawing/2014/main" id="{1C0822AC-9883-41A8-9643-78D1BAFCF2DE}"/>
+              </a:ext>
+            </a:extLst>
+          </p:cNvPr>
+          <p:cNvCxnSpPr>
+            <a:cxnSpLocks/>
+            <a:stCxn id="7" idx="4"/>
+          </p:cNvCxnSpPr>
+          <p:nvPr/>
+        </p:nvCxnSpPr>
+        <p:spPr>
+          <a:xfrm flipV="1">
+            <a:off x="2328608" y="1262265"/>
+            <a:ext cx="0" cy="2371713"/>
+          </a:xfrm>
+          <a:prstGeom prst="straightConnector1">
+            <a:avLst/>
+          </a:prstGeom>
+          <a:ln w="12700">
+            <a:solidFill>
+              <a:schemeClr val="tx1"/>
+            </a:solidFill>
+            <a:prstDash val="dash"/>
+            <a:headEnd type="none" w="lg" len="lg"/>
+            <a:tailEnd type="none" w="lg" len="lg"/>
+          </a:ln>
+        </p:spPr>
+        <p:style>
+          <a:lnRef idx="1">
+            <a:schemeClr val="accent1"/>
+          </a:lnRef>
+          <a:fillRef idx="0">
+            <a:schemeClr val="accent1"/>
+          </a:fillRef>
+          <a:effectRef idx="0">
+            <a:schemeClr val="accent1"/>
+          </a:effectRef>
+          <a:fontRef idx="minor">
+            <a:schemeClr val="tx1"/>
+          </a:fontRef>
+        </p:style>
+      </p:cxnSp>
+      <p:sp>
+        <p:nvSpPr>
+          <p:cNvPr id="23" name="Arc 22">
+            <a:extLst>
+              <a:ext uri="{FF2B5EF4-FFF2-40B4-BE49-F238E27FC236}">
+                <a16:creationId xmlns:a16="http://schemas.microsoft.com/office/drawing/2014/main" id="{93F12D62-2B6E-4E48-8385-A3A42590541B}"/>
+              </a:ext>
+            </a:extLst>
+          </p:cNvPr>
+          <p:cNvSpPr/>
+          <p:nvPr/>
+        </p:nvSpPr>
+        <p:spPr>
+          <a:xfrm rot="17718152">
+            <a:off x="2194268" y="3176167"/>
+            <a:ext cx="172098" cy="172350"/>
+          </a:xfrm>
+          <a:prstGeom prst="arc">
+            <a:avLst>
+              <a:gd name="adj1" fmla="val 16775587"/>
+              <a:gd name="adj2" fmla="val 725428"/>
+            </a:avLst>
+          </a:prstGeom>
+          <a:ln w="9525">
+            <a:solidFill>
+              <a:schemeClr val="tx1"/>
+            </a:solidFill>
+          </a:ln>
+        </p:spPr>
+        <p:style>
+          <a:lnRef idx="1">
+            <a:schemeClr val="accent1"/>
+          </a:lnRef>
+          <a:fillRef idx="0">
+            <a:schemeClr val="accent1"/>
+          </a:fillRef>
+          <a:effectRef idx="0">
+            <a:schemeClr val="accent1"/>
+          </a:effectRef>
+          <a:fontRef idx="minor">
+            <a:schemeClr val="tx1"/>
+          </a:fontRef>
+        </p:style>
+        <p:txBody>
+          <a:bodyPr rtlCol="0" anchor="ctr"/>
+          <a:lstStyle/>
+          <a:p>
+            <a:pPr algn="ctr"/>
+            <a:endParaRPr lang="en-US" dirty="0"/>
+          </a:p>
+        </p:txBody>
+      </p:sp>
+      <p:sp>
+        <p:nvSpPr>
+          <p:cNvPr id="25" name="Arc 24">
+            <a:extLst>
+              <a:ext uri="{FF2B5EF4-FFF2-40B4-BE49-F238E27FC236}">
+                <a16:creationId xmlns:a16="http://schemas.microsoft.com/office/drawing/2014/main" id="{DC23E343-6D4B-4ABD-85C1-582C9EF758A7}"/>
+              </a:ext>
+            </a:extLst>
+          </p:cNvPr>
+          <p:cNvSpPr/>
+          <p:nvPr/>
+        </p:nvSpPr>
+        <p:spPr>
+          <a:xfrm rot="19749576">
+            <a:off x="2279462" y="3188948"/>
+            <a:ext cx="172098" cy="172350"/>
+          </a:xfrm>
+          <a:prstGeom prst="arc">
+            <a:avLst>
+              <a:gd name="adj1" fmla="val 16775587"/>
+              <a:gd name="adj2" fmla="val 725428"/>
+            </a:avLst>
+          </a:prstGeom>
+          <a:ln w="9525">
+            <a:solidFill>
+              <a:schemeClr val="tx1"/>
+            </a:solidFill>
+          </a:ln>
+        </p:spPr>
+        <p:style>
+          <a:lnRef idx="1">
+            <a:schemeClr val="accent1"/>
+          </a:lnRef>
+          <a:fillRef idx="0">
+            <a:schemeClr val="accent1"/>
+          </a:fillRef>
+          <a:effectRef idx="0">
+            <a:schemeClr val="accent1"/>
+          </a:effectRef>
+          <a:fontRef idx="minor">
+            <a:schemeClr val="tx1"/>
+          </a:fontRef>
+        </p:style>
+        <p:txBody>
+          <a:bodyPr rtlCol="0" anchor="ctr"/>
+          <a:lstStyle/>
+          <a:p>
+            <a:pPr algn="ctr"/>
+            <a:endParaRPr lang="en-US" dirty="0"/>
+          </a:p>
+        </p:txBody>
+      </p:sp>
+      <mc:AlternateContent xmlns:mc="http://schemas.openxmlformats.org/markup-compatibility/2006">
+        <mc:Choice xmlns:a14="http://schemas.microsoft.com/office/drawing/2010/main" Requires="a14">
+          <p:sp>
+            <p:nvSpPr>
+              <p:cNvPr id="26" name="TextBox 25">
+                <a:extLst>
+                  <a:ext uri="{FF2B5EF4-FFF2-40B4-BE49-F238E27FC236}">
+                    <a16:creationId xmlns:a16="http://schemas.microsoft.com/office/drawing/2014/main" id="{609E1FD7-9BF7-4D48-9497-F27AB64BBF96}"/>
+                  </a:ext>
+                </a:extLst>
+              </p:cNvPr>
+              <p:cNvSpPr txBox="1"/>
+              <p:nvPr/>
+            </p:nvSpPr>
+            <p:spPr>
+              <a:xfrm>
+                <a:off x="1874964" y="2912477"/>
+                <a:ext cx="771340" cy="246221"/>
+              </a:xfrm>
+              <a:prstGeom prst="rect">
+                <a:avLst/>
+              </a:prstGeom>
+              <a:noFill/>
+            </p:spPr>
+            <p:txBody>
+              <a:bodyPr wrap="square" lIns="0" tIns="0" rIns="0" bIns="0" rtlCol="0">
+                <a:spAutoFit/>
+              </a:bodyPr>
+              <a:lstStyle/>
+              <a:p>
+                <a:pPr/>
+                <a14:m>
+                  <m:oMathPara xmlns:m="http://schemas.openxmlformats.org/officeDocument/2006/math">
+                    <m:oMathParaPr>
+                      <m:jc m:val="centerGroup"/>
+                    </m:oMathParaPr>
+                    <m:oMath xmlns:m="http://schemas.openxmlformats.org/officeDocument/2006/math">
+                      <m:r>
+                        <a:rPr lang="en-US" sz="1600" i="1" smtClean="0">
+                          <a:latin typeface="Cambria Math" panose="02040503050406030204" pitchFamily="18" charset="0"/>
+                          <a:ea typeface="Cambria Math" panose="02040503050406030204" pitchFamily="18" charset="0"/>
+                        </a:rPr>
+                        <m:t>𝛼</m:t>
+                      </m:r>
+                    </m:oMath>
+                  </m:oMathPara>
+                </a14:m>
+                <a:endParaRPr lang="en-US" sz="1600" dirty="0"/>
+              </a:p>
+            </p:txBody>
+          </p:sp>
+        </mc:Choice>
+        <mc:Fallback>
+          <p:sp>
+            <p:nvSpPr>
+              <p:cNvPr id="26" name="TextBox 25">
+                <a:extLst>
+                  <a:ext uri="{FF2B5EF4-FFF2-40B4-BE49-F238E27FC236}">
+                    <a16:creationId xmlns:a16="http://schemas.microsoft.com/office/drawing/2014/main" id="{609E1FD7-9BF7-4D48-9497-F27AB64BBF96}"/>
+                  </a:ext>
+                </a:extLst>
+              </p:cNvPr>
+              <p:cNvSpPr txBox="1">
+                <a:spLocks noRot="1" noChangeAspect="1" noMove="1" noResize="1" noEditPoints="1" noAdjustHandles="1" noChangeArrowheads="1" noChangeShapeType="1" noTextEdit="1"/>
+              </p:cNvSpPr>
+              <p:nvPr/>
+            </p:nvSpPr>
+            <p:spPr>
+              <a:xfrm>
+                <a:off x="1874964" y="2912477"/>
+                <a:ext cx="771340" cy="246221"/>
+              </a:xfrm>
+              <a:prstGeom prst="rect">
+                <a:avLst/>
+              </a:prstGeom>
+              <a:blipFill>
+                <a:blip r:embed="rId2"/>
+                <a:stretch>
+                  <a:fillRect/>
+                </a:stretch>
+              </a:blipFill>
+            </p:spPr>
+            <p:txBody>
+              <a:bodyPr/>
+              <a:lstStyle/>
+              <a:p>
+                <a:r>
+                  <a:rPr lang="en-US">
+                    <a:noFill/>
+                  </a:rPr>
+                  <a:t> </a:t>
+                </a:r>
+              </a:p>
+            </p:txBody>
+          </p:sp>
+        </mc:Fallback>
+      </mc:AlternateContent>
+      <p:sp>
+        <p:nvSpPr>
+          <p:cNvPr id="36" name="Arc 35">
+            <a:extLst>
+              <a:ext uri="{FF2B5EF4-FFF2-40B4-BE49-F238E27FC236}">
+                <a16:creationId xmlns:a16="http://schemas.microsoft.com/office/drawing/2014/main" id="{3CD25767-7BC7-482E-A372-D20CD4F184C9}"/>
+              </a:ext>
+            </a:extLst>
+          </p:cNvPr>
+          <p:cNvSpPr/>
+          <p:nvPr/>
+        </p:nvSpPr>
+        <p:spPr>
+          <a:xfrm rot="21155610">
+            <a:off x="178841" y="1764078"/>
+            <a:ext cx="4014987" cy="3034566"/>
+          </a:xfrm>
+          <a:prstGeom prst="arc">
+            <a:avLst>
+              <a:gd name="adj1" fmla="val 15579640"/>
+              <a:gd name="adj2" fmla="val 18298122"/>
+            </a:avLst>
+          </a:prstGeom>
+          <a:ln w="34925">
+            <a:solidFill>
+              <a:srgbClr val="0070C0"/>
+            </a:solidFill>
+          </a:ln>
+        </p:spPr>
+        <p:style>
+          <a:lnRef idx="1">
+            <a:schemeClr val="accent1"/>
+          </a:lnRef>
+          <a:fillRef idx="0">
+            <a:schemeClr val="accent1"/>
+          </a:fillRef>
+          <a:effectRef idx="0">
+            <a:schemeClr val="accent1"/>
+          </a:effectRef>
+          <a:fontRef idx="minor">
+            <a:schemeClr val="tx1"/>
+          </a:fontRef>
+        </p:style>
+        <p:txBody>
+          <a:bodyPr rtlCol="0" anchor="ctr"/>
+          <a:lstStyle/>
+          <a:p>
+            <a:pPr algn="ctr"/>
+            <a:endParaRPr lang="en-US"/>
+          </a:p>
+        </p:txBody>
+      </p:sp>
+      <p:cxnSp>
+        <p:nvCxnSpPr>
+          <p:cNvPr id="37" name="Straight Arrow Connector 36">
+            <a:extLst>
+              <a:ext uri="{FF2B5EF4-FFF2-40B4-BE49-F238E27FC236}">
+                <a16:creationId xmlns:a16="http://schemas.microsoft.com/office/drawing/2014/main" id="{129FEB5E-7006-4A7C-9549-C9DABCBAB5F7}"/>
+              </a:ext>
+            </a:extLst>
+          </p:cNvPr>
+          <p:cNvCxnSpPr>
+            <a:cxnSpLocks/>
+          </p:cNvCxnSpPr>
+          <p:nvPr/>
+        </p:nvCxnSpPr>
+        <p:spPr>
+          <a:xfrm flipH="1" flipV="1">
+            <a:off x="2325839" y="1558114"/>
+            <a:ext cx="1985958" cy="895864"/>
+          </a:xfrm>
+          <a:prstGeom prst="straightConnector1">
+            <a:avLst/>
+          </a:prstGeom>
+          <a:ln w="15875">
+            <a:solidFill>
+              <a:schemeClr val="tx1"/>
+            </a:solidFill>
+            <a:prstDash val="solid"/>
+            <a:headEnd type="none" w="lg" len="lg"/>
+            <a:tailEnd type="none" w="lg" len="lg"/>
+          </a:ln>
+        </p:spPr>
+        <p:style>
+          <a:lnRef idx="1">
+            <a:schemeClr val="accent1"/>
+          </a:lnRef>
+          <a:fillRef idx="0">
+            <a:schemeClr val="accent1"/>
+          </a:fillRef>
+          <a:effectRef idx="0">
+            <a:schemeClr val="accent1"/>
+          </a:effectRef>
+          <a:fontRef idx="minor">
+            <a:schemeClr val="tx1"/>
+          </a:fontRef>
+        </p:style>
+      </p:cxnSp>
+      <p:cxnSp>
+        <p:nvCxnSpPr>
+          <p:cNvPr id="42" name="Straight Arrow Connector 41">
+            <a:extLst>
+              <a:ext uri="{FF2B5EF4-FFF2-40B4-BE49-F238E27FC236}">
+                <a16:creationId xmlns:a16="http://schemas.microsoft.com/office/drawing/2014/main" id="{3628D306-96C9-40B4-A5CE-588BC6B8B364}"/>
+              </a:ext>
+            </a:extLst>
+          </p:cNvPr>
+          <p:cNvCxnSpPr>
+            <a:cxnSpLocks/>
+          </p:cNvCxnSpPr>
+          <p:nvPr/>
+        </p:nvCxnSpPr>
+        <p:spPr>
+          <a:xfrm flipH="1">
+            <a:off x="284550" y="1567466"/>
+            <a:ext cx="2051473" cy="891762"/>
+          </a:xfrm>
+          <a:prstGeom prst="straightConnector1">
+            <a:avLst/>
+          </a:prstGeom>
+          <a:ln w="15875">
+            <a:solidFill>
+              <a:schemeClr val="tx1"/>
+            </a:solidFill>
+            <a:prstDash val="solid"/>
+            <a:headEnd type="none" w="lg" len="lg"/>
+            <a:tailEnd type="none" w="lg" len="lg"/>
+          </a:ln>
+        </p:spPr>
+        <p:style>
+          <a:lnRef idx="1">
+            <a:schemeClr val="accent1"/>
+          </a:lnRef>
+          <a:fillRef idx="0">
+            <a:schemeClr val="accent1"/>
+          </a:fillRef>
+          <a:effectRef idx="0">
+            <a:schemeClr val="accent1"/>
+          </a:effectRef>
+          <a:fontRef idx="minor">
+            <a:schemeClr val="tx1"/>
+          </a:fontRef>
+        </p:style>
+      </p:cxnSp>
+      <p:cxnSp>
+        <p:nvCxnSpPr>
+          <p:cNvPr id="53" name="Straight Arrow Connector 52">
+            <a:extLst>
+              <a:ext uri="{FF2B5EF4-FFF2-40B4-BE49-F238E27FC236}">
+                <a16:creationId xmlns:a16="http://schemas.microsoft.com/office/drawing/2014/main" id="{7EB51A3A-A198-4D84-A061-C8D7543F24FF}"/>
+              </a:ext>
+            </a:extLst>
+          </p:cNvPr>
+          <p:cNvCxnSpPr>
+            <a:cxnSpLocks/>
+          </p:cNvCxnSpPr>
+          <p:nvPr/>
+        </p:nvCxnSpPr>
+        <p:spPr>
+          <a:xfrm flipH="1">
+            <a:off x="292625" y="2459228"/>
+            <a:ext cx="4019172" cy="0"/>
+          </a:xfrm>
+          <a:prstGeom prst="straightConnector1">
+            <a:avLst/>
+          </a:prstGeom>
+          <a:ln w="15875">
+            <a:solidFill>
+              <a:schemeClr val="tx1"/>
+            </a:solidFill>
+            <a:prstDash val="solid"/>
+            <a:headEnd type="none" w="lg" len="lg"/>
+            <a:tailEnd type="none" w="lg" len="lg"/>
+          </a:ln>
+        </p:spPr>
+        <p:style>
+          <a:lnRef idx="1">
+            <a:schemeClr val="accent1"/>
+          </a:lnRef>
+          <a:fillRef idx="0">
+            <a:schemeClr val="accent1"/>
+          </a:fillRef>
+          <a:effectRef idx="0">
+            <a:schemeClr val="accent1"/>
+          </a:effectRef>
+          <a:fontRef idx="minor">
+            <a:schemeClr val="tx1"/>
+          </a:fontRef>
+        </p:style>
+      </p:cxnSp>
+      <mc:AlternateContent xmlns:mc="http://schemas.openxmlformats.org/markup-compatibility/2006">
+        <mc:Choice xmlns:a14="http://schemas.microsoft.com/office/drawing/2010/main" Requires="a14">
+          <p:sp>
+            <p:nvSpPr>
+              <p:cNvPr id="63" name="TextBox 62">
+                <a:extLst>
+                  <a:ext uri="{FF2B5EF4-FFF2-40B4-BE49-F238E27FC236}">
+                    <a16:creationId xmlns:a16="http://schemas.microsoft.com/office/drawing/2014/main" id="{5C39ECE1-744B-44D2-BAA8-9FEBD1BA23C9}"/>
+                  </a:ext>
+                </a:extLst>
+              </p:cNvPr>
+              <p:cNvSpPr txBox="1"/>
+              <p:nvPr/>
+            </p:nvSpPr>
+            <p:spPr>
+              <a:xfrm>
+                <a:off x="2042016" y="2923223"/>
+                <a:ext cx="771340" cy="246221"/>
+              </a:xfrm>
+              <a:prstGeom prst="rect">
+                <a:avLst/>
+              </a:prstGeom>
+              <a:noFill/>
+            </p:spPr>
+            <p:txBody>
+              <a:bodyPr wrap="square" lIns="0" tIns="0" rIns="0" bIns="0" rtlCol="0">
+                <a:spAutoFit/>
+              </a:bodyPr>
+              <a:lstStyle/>
+              <a:p>
+                <a:pPr/>
+                <a14:m>
+                  <m:oMathPara xmlns:m="http://schemas.openxmlformats.org/officeDocument/2006/math">
+                    <m:oMathParaPr>
+                      <m:jc m:val="centerGroup"/>
+                    </m:oMathParaPr>
+                    <m:oMath xmlns:m="http://schemas.openxmlformats.org/officeDocument/2006/math">
+                      <m:r>
+                        <a:rPr lang="en-US" sz="1600" i="1" smtClean="0">
+                          <a:latin typeface="Cambria Math" panose="02040503050406030204" pitchFamily="18" charset="0"/>
+                          <a:ea typeface="Cambria Math" panose="02040503050406030204" pitchFamily="18" charset="0"/>
+                        </a:rPr>
+                        <m:t>𝛼</m:t>
+                      </m:r>
+                    </m:oMath>
+                  </m:oMathPara>
+                </a14:m>
+                <a:endParaRPr lang="en-US" sz="1600" dirty="0"/>
+              </a:p>
+            </p:txBody>
+          </p:sp>
+        </mc:Choice>
+        <mc:Fallback>
+          <p:sp>
+            <p:nvSpPr>
+              <p:cNvPr id="63" name="TextBox 62">
+                <a:extLst>
+                  <a:ext uri="{FF2B5EF4-FFF2-40B4-BE49-F238E27FC236}">
+                    <a16:creationId xmlns:a16="http://schemas.microsoft.com/office/drawing/2014/main" id="{5C39ECE1-744B-44D2-BAA8-9FEBD1BA23C9}"/>
+                  </a:ext>
+                </a:extLst>
+              </p:cNvPr>
+              <p:cNvSpPr txBox="1">
+                <a:spLocks noRot="1" noChangeAspect="1" noMove="1" noResize="1" noEditPoints="1" noAdjustHandles="1" noChangeArrowheads="1" noChangeShapeType="1" noTextEdit="1"/>
+              </p:cNvSpPr>
+              <p:nvPr/>
+            </p:nvSpPr>
+            <p:spPr>
+              <a:xfrm>
+                <a:off x="2042016" y="2923223"/>
+                <a:ext cx="771340" cy="246221"/>
+              </a:xfrm>
+              <a:prstGeom prst="rect">
+                <a:avLst/>
+              </a:prstGeom>
+              <a:blipFill>
+                <a:blip r:embed="rId3"/>
+                <a:stretch>
+                  <a:fillRect/>
+                </a:stretch>
+              </a:blipFill>
+            </p:spPr>
+            <p:txBody>
+              <a:bodyPr/>
+              <a:lstStyle/>
+              <a:p>
+                <a:r>
+                  <a:rPr lang="en-US">
+                    <a:noFill/>
+                  </a:rPr>
+                  <a:t> </a:t>
+                </a:r>
+              </a:p>
+            </p:txBody>
+          </p:sp>
+        </mc:Fallback>
+      </mc:AlternateContent>
+      <p:sp>
+        <p:nvSpPr>
+          <p:cNvPr id="64" name="Arc 63">
+            <a:extLst>
+              <a:ext uri="{FF2B5EF4-FFF2-40B4-BE49-F238E27FC236}">
+                <a16:creationId xmlns:a16="http://schemas.microsoft.com/office/drawing/2014/main" id="{7BBEA237-DA33-4417-8A8D-3747D1BEDA14}"/>
+              </a:ext>
+            </a:extLst>
+          </p:cNvPr>
+          <p:cNvSpPr/>
+          <p:nvPr/>
+        </p:nvSpPr>
+        <p:spPr>
+          <a:xfrm rot="1047168">
+            <a:off x="476784" y="2303559"/>
+            <a:ext cx="190427" cy="218057"/>
+          </a:xfrm>
+          <a:prstGeom prst="arc">
+            <a:avLst>
+              <a:gd name="adj1" fmla="val 16775587"/>
+              <a:gd name="adj2" fmla="val 725428"/>
+            </a:avLst>
+          </a:prstGeom>
+          <a:ln w="15875">
+            <a:solidFill>
+              <a:schemeClr val="tx1"/>
+            </a:solidFill>
+          </a:ln>
+        </p:spPr>
+        <p:style>
+          <a:lnRef idx="1">
+            <a:schemeClr val="accent1"/>
+          </a:lnRef>
+          <a:fillRef idx="0">
+            <a:schemeClr val="accent1"/>
+          </a:fillRef>
+          <a:effectRef idx="0">
+            <a:schemeClr val="accent1"/>
+          </a:effectRef>
+          <a:fontRef idx="minor">
+            <a:schemeClr val="tx1"/>
+          </a:fontRef>
+        </p:style>
+        <p:txBody>
+          <a:bodyPr rtlCol="0" anchor="ctr"/>
+          <a:lstStyle/>
+          <a:p>
+            <a:pPr algn="ctr"/>
+            <a:endParaRPr lang="en-US" dirty="0"/>
+          </a:p>
+        </p:txBody>
+      </p:sp>
+      <mc:AlternateContent xmlns:mc="http://schemas.openxmlformats.org/markup-compatibility/2006">
+        <mc:Choice xmlns:a14="http://schemas.microsoft.com/office/drawing/2010/main" Requires="a14">
+          <p:sp>
+            <p:nvSpPr>
+              <p:cNvPr id="65" name="TextBox 64">
+                <a:extLst>
+                  <a:ext uri="{FF2B5EF4-FFF2-40B4-BE49-F238E27FC236}">
+                    <a16:creationId xmlns:a16="http://schemas.microsoft.com/office/drawing/2014/main" id="{E7F3C2BD-1EE0-49BE-BCDB-3F88A8AA2334}"/>
+                  </a:ext>
+                </a:extLst>
+              </p:cNvPr>
+              <p:cNvSpPr txBox="1"/>
+              <p:nvPr/>
+            </p:nvSpPr>
+            <p:spPr>
+              <a:xfrm>
+                <a:off x="702941" y="2208273"/>
+                <a:ext cx="236120" cy="246221"/>
+              </a:xfrm>
+              <a:prstGeom prst="rect">
+                <a:avLst/>
+              </a:prstGeom>
+              <a:noFill/>
+            </p:spPr>
+            <p:txBody>
+              <a:bodyPr wrap="square" lIns="0" tIns="0" rIns="0" bIns="0" rtlCol="0">
+                <a:spAutoFit/>
+              </a:bodyPr>
+              <a:lstStyle/>
+              <a:p>
+                <a:pPr/>
+                <a14:m>
+                  <m:oMathPara xmlns:m="http://schemas.openxmlformats.org/officeDocument/2006/math">
+                    <m:oMathParaPr>
+                      <m:jc m:val="centerGroup"/>
+                    </m:oMathParaPr>
+                    <m:oMath xmlns:m="http://schemas.openxmlformats.org/officeDocument/2006/math">
+                      <m:r>
+                        <a:rPr lang="en-US" sz="1600" i="1" smtClean="0">
+                          <a:latin typeface="Cambria Math" panose="02040503050406030204" pitchFamily="18" charset="0"/>
+                          <a:ea typeface="Cambria Math" panose="02040503050406030204" pitchFamily="18" charset="0"/>
+                        </a:rPr>
+                        <m:t>𝛼</m:t>
+                      </m:r>
+                    </m:oMath>
+                  </m:oMathPara>
+                </a14:m>
+                <a:endParaRPr lang="en-US" sz="1600" dirty="0"/>
+              </a:p>
+            </p:txBody>
+          </p:sp>
+        </mc:Choice>
+        <mc:Fallback>
+          <p:sp>
+            <p:nvSpPr>
+              <p:cNvPr id="65" name="TextBox 64">
+                <a:extLst>
+                  <a:ext uri="{FF2B5EF4-FFF2-40B4-BE49-F238E27FC236}">
+                    <a16:creationId xmlns:a16="http://schemas.microsoft.com/office/drawing/2014/main" id="{E7F3C2BD-1EE0-49BE-BCDB-3F88A8AA2334}"/>
+                  </a:ext>
+                </a:extLst>
+              </p:cNvPr>
+              <p:cNvSpPr txBox="1">
+                <a:spLocks noRot="1" noChangeAspect="1" noMove="1" noResize="1" noEditPoints="1" noAdjustHandles="1" noChangeArrowheads="1" noChangeShapeType="1" noTextEdit="1"/>
+              </p:cNvSpPr>
+              <p:nvPr/>
+            </p:nvSpPr>
+            <p:spPr>
+              <a:xfrm>
+                <a:off x="702941" y="2208273"/>
+                <a:ext cx="236120" cy="246221"/>
+              </a:xfrm>
+              <a:prstGeom prst="rect">
+                <a:avLst/>
+              </a:prstGeom>
+              <a:blipFill>
+                <a:blip r:embed="rId4"/>
+                <a:stretch>
+                  <a:fillRect/>
+                </a:stretch>
+              </a:blipFill>
+            </p:spPr>
+            <p:txBody>
+              <a:bodyPr/>
+              <a:lstStyle/>
+              <a:p>
+                <a:r>
+                  <a:rPr lang="en-US">
+                    <a:noFill/>
+                  </a:rPr>
+                  <a:t> </a:t>
+                </a:r>
+              </a:p>
+            </p:txBody>
+          </p:sp>
+        </mc:Fallback>
+      </mc:AlternateContent>
+      <p:sp>
+        <p:nvSpPr>
+          <p:cNvPr id="66" name="Arc 65">
+            <a:extLst>
+              <a:ext uri="{FF2B5EF4-FFF2-40B4-BE49-F238E27FC236}">
+                <a16:creationId xmlns:a16="http://schemas.microsoft.com/office/drawing/2014/main" id="{EF980A7C-3965-44EC-8016-7424067C681C}"/>
+              </a:ext>
+            </a:extLst>
+          </p:cNvPr>
+          <p:cNvSpPr/>
+          <p:nvPr/>
+        </p:nvSpPr>
+        <p:spPr>
+          <a:xfrm rot="14618917">
+            <a:off x="3990195" y="2325492"/>
+            <a:ext cx="190427" cy="218057"/>
+          </a:xfrm>
+          <a:prstGeom prst="arc">
+            <a:avLst>
+              <a:gd name="adj1" fmla="val 16775587"/>
+              <a:gd name="adj2" fmla="val 725428"/>
+            </a:avLst>
+          </a:prstGeom>
+          <a:ln w="15875">
+            <a:solidFill>
+              <a:schemeClr val="tx1"/>
+            </a:solidFill>
+          </a:ln>
+        </p:spPr>
+        <p:style>
+          <a:lnRef idx="1">
+            <a:schemeClr val="accent1"/>
+          </a:lnRef>
+          <a:fillRef idx="0">
+            <a:schemeClr val="accent1"/>
+          </a:fillRef>
+          <a:effectRef idx="0">
+            <a:schemeClr val="accent1"/>
+          </a:effectRef>
+          <a:fontRef idx="minor">
+            <a:schemeClr val="tx1"/>
+          </a:fontRef>
+        </p:style>
+        <p:txBody>
+          <a:bodyPr rtlCol="0" anchor="ctr"/>
+          <a:lstStyle/>
+          <a:p>
+            <a:pPr algn="ctr"/>
+            <a:endParaRPr lang="en-US" dirty="0"/>
+          </a:p>
+        </p:txBody>
+      </p:sp>
+      <mc:AlternateContent xmlns:mc="http://schemas.openxmlformats.org/markup-compatibility/2006">
+        <mc:Choice xmlns:a14="http://schemas.microsoft.com/office/drawing/2010/main" Requires="a14">
+          <p:sp>
+            <p:nvSpPr>
+              <p:cNvPr id="67" name="TextBox 66">
+                <a:extLst>
+                  <a:ext uri="{FF2B5EF4-FFF2-40B4-BE49-F238E27FC236}">
+                    <a16:creationId xmlns:a16="http://schemas.microsoft.com/office/drawing/2014/main" id="{158BDBD7-5F12-4838-B4C4-FEC808F4EC33}"/>
+                  </a:ext>
+                </a:extLst>
+              </p:cNvPr>
+              <p:cNvSpPr txBox="1"/>
+              <p:nvPr/>
+            </p:nvSpPr>
+            <p:spPr>
+              <a:xfrm>
+                <a:off x="3789255" y="2226382"/>
+                <a:ext cx="236120" cy="246221"/>
+              </a:xfrm>
+              <a:prstGeom prst="rect">
+                <a:avLst/>
+              </a:prstGeom>
+              <a:noFill/>
+            </p:spPr>
+            <p:txBody>
+              <a:bodyPr wrap="square" lIns="0" tIns="0" rIns="0" bIns="0" rtlCol="0">
+                <a:spAutoFit/>
+              </a:bodyPr>
+              <a:lstStyle/>
+              <a:p>
+                <a:pPr/>
+                <a14:m>
+                  <m:oMathPara xmlns:m="http://schemas.openxmlformats.org/officeDocument/2006/math">
+                    <m:oMathParaPr>
+                      <m:jc m:val="centerGroup"/>
+                    </m:oMathParaPr>
+                    <m:oMath xmlns:m="http://schemas.openxmlformats.org/officeDocument/2006/math">
+                      <m:r>
+                        <a:rPr lang="en-US" sz="1600" i="1" smtClean="0">
+                          <a:latin typeface="Cambria Math" panose="02040503050406030204" pitchFamily="18" charset="0"/>
+                          <a:ea typeface="Cambria Math" panose="02040503050406030204" pitchFamily="18" charset="0"/>
+                        </a:rPr>
+                        <m:t>𝛼</m:t>
+                      </m:r>
+                    </m:oMath>
+                  </m:oMathPara>
+                </a14:m>
+                <a:endParaRPr lang="en-US" sz="1600" dirty="0"/>
+              </a:p>
+            </p:txBody>
+          </p:sp>
+        </mc:Choice>
+        <mc:Fallback>
+          <p:sp>
+            <p:nvSpPr>
+              <p:cNvPr id="67" name="TextBox 66">
+                <a:extLst>
+                  <a:ext uri="{FF2B5EF4-FFF2-40B4-BE49-F238E27FC236}">
+                    <a16:creationId xmlns:a16="http://schemas.microsoft.com/office/drawing/2014/main" id="{158BDBD7-5F12-4838-B4C4-FEC808F4EC33}"/>
+                  </a:ext>
+                </a:extLst>
+              </p:cNvPr>
+              <p:cNvSpPr txBox="1">
+                <a:spLocks noRot="1" noChangeAspect="1" noMove="1" noResize="1" noEditPoints="1" noAdjustHandles="1" noChangeArrowheads="1" noChangeShapeType="1" noTextEdit="1"/>
+              </p:cNvSpPr>
+              <p:nvPr/>
+            </p:nvSpPr>
+            <p:spPr>
+              <a:xfrm>
+                <a:off x="3789255" y="2226382"/>
+                <a:ext cx="236120" cy="246221"/>
+              </a:xfrm>
+              <a:prstGeom prst="rect">
+                <a:avLst/>
+              </a:prstGeom>
+              <a:blipFill>
+                <a:blip r:embed="rId5"/>
+                <a:stretch>
+                  <a:fillRect/>
+                </a:stretch>
+              </a:blipFill>
+            </p:spPr>
+            <p:txBody>
+              <a:bodyPr/>
+              <a:lstStyle/>
+              <a:p>
+                <a:r>
+                  <a:rPr lang="en-US">
+                    <a:noFill/>
+                  </a:rPr>
+                  <a:t> </a:t>
+                </a:r>
+              </a:p>
+            </p:txBody>
+          </p:sp>
+        </mc:Fallback>
+      </mc:AlternateContent>
+      <p:cxnSp>
+        <p:nvCxnSpPr>
+          <p:cNvPr id="32" name="Straight Arrow Connector 31">
+            <a:extLst>
+              <a:ext uri="{FF2B5EF4-FFF2-40B4-BE49-F238E27FC236}">
+                <a16:creationId xmlns:a16="http://schemas.microsoft.com/office/drawing/2014/main" id="{4D6F18CD-1746-4FBD-AB3D-074CDF816982}"/>
+              </a:ext>
+            </a:extLst>
+          </p:cNvPr>
+          <p:cNvCxnSpPr>
+            <a:cxnSpLocks/>
+          </p:cNvCxnSpPr>
+          <p:nvPr/>
+        </p:nvCxnSpPr>
+        <p:spPr>
+          <a:xfrm>
+            <a:off x="2932149" y="1828989"/>
+            <a:ext cx="460150" cy="212194"/>
+          </a:xfrm>
+          <a:prstGeom prst="straightConnector1">
+            <a:avLst/>
+          </a:prstGeom>
+          <a:ln w="31750">
+            <a:solidFill>
+              <a:srgbClr val="FF0000"/>
+            </a:solidFill>
+            <a:headEnd type="none" w="lg" len="lg"/>
+            <a:tailEnd type="stealth" w="lg" len="lg"/>
+          </a:ln>
+        </p:spPr>
+        <p:style>
+          <a:lnRef idx="1">
+            <a:schemeClr val="accent1"/>
+          </a:lnRef>
+          <a:fillRef idx="0">
+            <a:schemeClr val="accent1"/>
+          </a:fillRef>
+          <a:effectRef idx="0">
+            <a:schemeClr val="accent1"/>
+          </a:effectRef>
+          <a:fontRef idx="minor">
+            <a:schemeClr val="tx1"/>
+          </a:fontRef>
+        </p:style>
+      </p:cxnSp>
+      <mc:AlternateContent xmlns:mc="http://schemas.openxmlformats.org/markup-compatibility/2006">
+        <mc:Choice xmlns:a14="http://schemas.microsoft.com/office/drawing/2010/main" Requires="a14">
+          <p:sp>
+            <p:nvSpPr>
+              <p:cNvPr id="35" name="TextBox 34">
+                <a:extLst>
+                  <a:ext uri="{FF2B5EF4-FFF2-40B4-BE49-F238E27FC236}">
+                    <a16:creationId xmlns:a16="http://schemas.microsoft.com/office/drawing/2014/main" id="{FC370935-ED89-4CC4-98B1-16EC8D7BFF02}"/>
+                  </a:ext>
+                </a:extLst>
+              </p:cNvPr>
+              <p:cNvSpPr txBox="1"/>
+              <p:nvPr/>
+            </p:nvSpPr>
+            <p:spPr>
+              <a:xfrm>
+                <a:off x="3321857" y="1558114"/>
+                <a:ext cx="354071" cy="414088"/>
+              </a:xfrm>
+              <a:prstGeom prst="rect">
+                <a:avLst/>
+              </a:prstGeom>
+              <a:noFill/>
+            </p:spPr>
+            <p:txBody>
+              <a:bodyPr wrap="square" lIns="0" tIns="0" rIns="0" bIns="0" rtlCol="0">
+                <a:spAutoFit/>
+              </a:bodyPr>
+              <a:lstStyle/>
+              <a:p>
+                <a:pPr/>
+                <a14:m>
+                  <m:oMathPara xmlns:m="http://schemas.openxmlformats.org/officeDocument/2006/math">
+                    <m:oMathParaPr>
+                      <m:jc m:val="centerGroup"/>
+                    </m:oMathParaPr>
+                    <m:oMath xmlns:m="http://schemas.openxmlformats.org/officeDocument/2006/math">
+                      <m:acc>
+                        <m:accPr>
+                          <m:chr m:val="⃗"/>
+                          <m:ctrlPr>
+                            <a:rPr lang="en-US" sz="2400" i="1" smtClean="0">
+                              <a:solidFill>
+                                <a:srgbClr val="FF0000"/>
+                              </a:solidFill>
+                              <a:latin typeface="Cambria Math" panose="02040503050406030204" pitchFamily="18" charset="0"/>
+                            </a:rPr>
+                          </m:ctrlPr>
+                        </m:accPr>
+                        <m:e>
+                          <m:sSub>
+                            <m:sSubPr>
+                              <m:ctrlPr>
+                                <a:rPr lang="en-US" sz="2400" i="1" smtClean="0">
+                                  <a:solidFill>
+                                    <a:srgbClr val="FF0000"/>
+                                  </a:solidFill>
+                                  <a:latin typeface="Cambria Math" panose="02040503050406030204" pitchFamily="18" charset="0"/>
+                                </a:rPr>
+                              </m:ctrlPr>
+                            </m:sSubPr>
+                            <m:e>
+                              <m:r>
+                                <a:rPr lang="en-US" sz="2400" b="0" i="1" smtClean="0">
+                                  <a:solidFill>
+                                    <a:srgbClr val="FF0000"/>
+                                  </a:solidFill>
+                                  <a:latin typeface="Cambria Math" panose="02040503050406030204" pitchFamily="18" charset="0"/>
+                                </a:rPr>
+                                <m:t>𝑇</m:t>
+                              </m:r>
+                            </m:e>
+                            <m:sub>
+                              <m:r>
+                                <a:rPr lang="en-US" sz="2400" b="0" i="1" smtClean="0">
+                                  <a:solidFill>
+                                    <a:srgbClr val="FF0000"/>
+                                  </a:solidFill>
+                                  <a:latin typeface="Cambria Math" panose="02040503050406030204" pitchFamily="18" charset="0"/>
+                                </a:rPr>
+                                <m:t>2</m:t>
+                              </m:r>
+                            </m:sub>
+                          </m:sSub>
+                        </m:e>
+                      </m:acc>
+                    </m:oMath>
+                  </m:oMathPara>
+                </a14:m>
+                <a:endParaRPr lang="en-US" sz="2400" dirty="0">
+                  <a:solidFill>
+                    <a:srgbClr val="FF0000"/>
+                  </a:solidFill>
+                </a:endParaRPr>
+              </a:p>
+            </p:txBody>
+          </p:sp>
+        </mc:Choice>
+        <mc:Fallback>
+          <p:sp>
+            <p:nvSpPr>
+              <p:cNvPr id="35" name="TextBox 34">
+                <a:extLst>
+                  <a:ext uri="{FF2B5EF4-FFF2-40B4-BE49-F238E27FC236}">
+                    <a16:creationId xmlns:a16="http://schemas.microsoft.com/office/drawing/2014/main" id="{FC370935-ED89-4CC4-98B1-16EC8D7BFF02}"/>
+                  </a:ext>
+                </a:extLst>
+              </p:cNvPr>
+              <p:cNvSpPr txBox="1">
+                <a:spLocks noRot="1" noChangeAspect="1" noMove="1" noResize="1" noEditPoints="1" noAdjustHandles="1" noChangeArrowheads="1" noChangeShapeType="1" noTextEdit="1"/>
+              </p:cNvSpPr>
+              <p:nvPr/>
+            </p:nvSpPr>
+            <p:spPr>
+              <a:xfrm>
+                <a:off x="3321857" y="1558114"/>
+                <a:ext cx="354071" cy="414088"/>
+              </a:xfrm>
+              <a:prstGeom prst="rect">
+                <a:avLst/>
+              </a:prstGeom>
+              <a:blipFill>
+                <a:blip r:embed="rId6"/>
+                <a:stretch>
+                  <a:fillRect/>
+                </a:stretch>
+              </a:blipFill>
+            </p:spPr>
+            <p:txBody>
+              <a:bodyPr/>
+              <a:lstStyle/>
+              <a:p>
+                <a:r>
+                  <a:rPr lang="en-US">
+                    <a:noFill/>
+                  </a:rPr>
+                  <a:t> </a:t>
+                </a:r>
+              </a:p>
+            </p:txBody>
+          </p:sp>
+        </mc:Fallback>
+      </mc:AlternateContent>
+      <mc:AlternateContent xmlns:mc="http://schemas.openxmlformats.org/markup-compatibility/2006">
+        <mc:Choice xmlns:a14="http://schemas.microsoft.com/office/drawing/2010/main" Requires="a14">
+          <p:sp>
+            <p:nvSpPr>
+              <p:cNvPr id="9" name="TextBox 8">
+                <a:extLst>
+                  <a:ext uri="{FF2B5EF4-FFF2-40B4-BE49-F238E27FC236}">
+                    <a16:creationId xmlns:a16="http://schemas.microsoft.com/office/drawing/2014/main" id="{29CDD353-A8AC-4ACB-A040-80FEE786D062}"/>
+                  </a:ext>
+                </a:extLst>
+              </p:cNvPr>
+              <p:cNvSpPr txBox="1"/>
+              <p:nvPr/>
+            </p:nvSpPr>
+            <p:spPr>
+              <a:xfrm>
+                <a:off x="1118387" y="1530174"/>
+                <a:ext cx="354071" cy="414088"/>
+              </a:xfrm>
+              <a:prstGeom prst="rect">
+                <a:avLst/>
+              </a:prstGeom>
+              <a:noFill/>
+            </p:spPr>
+            <p:txBody>
+              <a:bodyPr wrap="square" lIns="0" tIns="0" rIns="0" bIns="0" rtlCol="0">
+                <a:spAutoFit/>
+              </a:bodyPr>
+              <a:lstStyle/>
+              <a:p>
+                <a:pPr/>
+                <a14:m>
+                  <m:oMathPara xmlns:m="http://schemas.openxmlformats.org/officeDocument/2006/math">
+                    <m:oMathParaPr>
+                      <m:jc m:val="centerGroup"/>
+                    </m:oMathParaPr>
+                    <m:oMath xmlns:m="http://schemas.openxmlformats.org/officeDocument/2006/math">
+                      <m:acc>
+                        <m:accPr>
+                          <m:chr m:val="⃗"/>
+                          <m:ctrlPr>
+                            <a:rPr lang="en-US" sz="2400" i="1" smtClean="0">
+                              <a:solidFill>
+                                <a:srgbClr val="FF0000"/>
+                              </a:solidFill>
+                              <a:latin typeface="Cambria Math" panose="02040503050406030204" pitchFamily="18" charset="0"/>
+                            </a:rPr>
+                          </m:ctrlPr>
+                        </m:accPr>
+                        <m:e>
+                          <m:sSub>
+                            <m:sSubPr>
+                              <m:ctrlPr>
+                                <a:rPr lang="en-US" sz="2400" i="1" smtClean="0">
+                                  <a:solidFill>
+                                    <a:srgbClr val="FF0000"/>
+                                  </a:solidFill>
+                                  <a:latin typeface="Cambria Math" panose="02040503050406030204" pitchFamily="18" charset="0"/>
+                                </a:rPr>
+                              </m:ctrlPr>
+                            </m:sSubPr>
+                            <m:e>
+                              <m:r>
+                                <a:rPr lang="en-US" sz="2400" b="0" i="1" smtClean="0">
+                                  <a:solidFill>
+                                    <a:srgbClr val="FF0000"/>
+                                  </a:solidFill>
+                                  <a:latin typeface="Cambria Math" panose="02040503050406030204" pitchFamily="18" charset="0"/>
+                                </a:rPr>
+                      